--- a/React.pptx
+++ b/React.pptx
@@ -17,19 +17,26 @@
     <p:sldId id="279" r:id="rId11"/>
     <p:sldId id="280" r:id="rId12"/>
     <p:sldId id="263" r:id="rId13"/>
-    <p:sldId id="256" r:id="rId14"/>
-    <p:sldId id="257" r:id="rId15"/>
-    <p:sldId id="269" r:id="rId16"/>
-    <p:sldId id="258" r:id="rId17"/>
-    <p:sldId id="259" r:id="rId18"/>
-    <p:sldId id="260" r:id="rId19"/>
-    <p:sldId id="261" r:id="rId20"/>
-    <p:sldId id="262" r:id="rId21"/>
-    <p:sldId id="264" r:id="rId22"/>
-    <p:sldId id="268" r:id="rId23"/>
-    <p:sldId id="265" r:id="rId24"/>
-    <p:sldId id="266" r:id="rId25"/>
-    <p:sldId id="267" r:id="rId26"/>
+    <p:sldId id="264" r:id="rId14"/>
+    <p:sldId id="282" r:id="rId15"/>
+    <p:sldId id="283" r:id="rId16"/>
+    <p:sldId id="287" r:id="rId17"/>
+    <p:sldId id="288" r:id="rId18"/>
+    <p:sldId id="289" r:id="rId19"/>
+    <p:sldId id="284" r:id="rId20"/>
+    <p:sldId id="257" r:id="rId21"/>
+    <p:sldId id="285" r:id="rId22"/>
+    <p:sldId id="286" r:id="rId23"/>
+    <p:sldId id="269" r:id="rId24"/>
+    <p:sldId id="258" r:id="rId25"/>
+    <p:sldId id="259" r:id="rId26"/>
+    <p:sldId id="260" r:id="rId27"/>
+    <p:sldId id="261" r:id="rId28"/>
+    <p:sldId id="262" r:id="rId29"/>
+    <p:sldId id="268" r:id="rId30"/>
+    <p:sldId id="265" r:id="rId31"/>
+    <p:sldId id="266" r:id="rId32"/>
+    <p:sldId id="267" r:id="rId33"/>
   </p:sldIdLst>
   <p:sldSz cx="12192000" cy="6858000"/>
   <p:notesSz cx="6858000" cy="9144000"/>
@@ -145,15 +152,22 @@
             <p14:sldId id="279"/>
             <p14:sldId id="280"/>
             <p14:sldId id="263"/>
-            <p14:sldId id="256"/>
+            <p14:sldId id="264"/>
+            <p14:sldId id="282"/>
+            <p14:sldId id="283"/>
+            <p14:sldId id="287"/>
+            <p14:sldId id="288"/>
+            <p14:sldId id="289"/>
+            <p14:sldId id="284"/>
             <p14:sldId id="257"/>
+            <p14:sldId id="285"/>
+            <p14:sldId id="286"/>
             <p14:sldId id="269"/>
             <p14:sldId id="258"/>
             <p14:sldId id="259"/>
             <p14:sldId id="260"/>
             <p14:sldId id="261"/>
             <p14:sldId id="262"/>
-            <p14:sldId id="264"/>
             <p14:sldId id="268"/>
             <p14:sldId id="265"/>
             <p14:sldId id="266"/>
@@ -300,7 +314,7 @@
           <a:p>
             <a:fld id="{7834D38A-56C5-4ECB-94BC-3A22D683F2FC}" type="datetimeFigureOut">
               <a:rPr lang="en-US" smtClean="0"/>
-              <a:t>12/22/2015</a:t>
+              <a:t>12/23/2015</a:t>
             </a:fld>
             <a:endParaRPr lang="en-US"/>
           </a:p>
@@ -470,7 +484,7 @@
           <a:p>
             <a:fld id="{7834D38A-56C5-4ECB-94BC-3A22D683F2FC}" type="datetimeFigureOut">
               <a:rPr lang="en-US" smtClean="0"/>
-              <a:t>12/22/2015</a:t>
+              <a:t>12/23/2015</a:t>
             </a:fld>
             <a:endParaRPr lang="en-US"/>
           </a:p>
@@ -650,7 +664,7 @@
           <a:p>
             <a:fld id="{7834D38A-56C5-4ECB-94BC-3A22D683F2FC}" type="datetimeFigureOut">
               <a:rPr lang="en-US" smtClean="0"/>
-              <a:t>12/22/2015</a:t>
+              <a:t>12/23/2015</a:t>
             </a:fld>
             <a:endParaRPr lang="en-US"/>
           </a:p>
@@ -820,7 +834,7 @@
           <a:p>
             <a:fld id="{7834D38A-56C5-4ECB-94BC-3A22D683F2FC}" type="datetimeFigureOut">
               <a:rPr lang="en-US" smtClean="0"/>
-              <a:t>12/22/2015</a:t>
+              <a:t>12/23/2015</a:t>
             </a:fld>
             <a:endParaRPr lang="en-US"/>
           </a:p>
@@ -1066,7 +1080,7 @@
           <a:p>
             <a:fld id="{7834D38A-56C5-4ECB-94BC-3A22D683F2FC}" type="datetimeFigureOut">
               <a:rPr lang="en-US" smtClean="0"/>
-              <a:t>12/22/2015</a:t>
+              <a:t>12/23/2015</a:t>
             </a:fld>
             <a:endParaRPr lang="en-US"/>
           </a:p>
@@ -1298,7 +1312,7 @@
           <a:p>
             <a:fld id="{7834D38A-56C5-4ECB-94BC-3A22D683F2FC}" type="datetimeFigureOut">
               <a:rPr lang="en-US" smtClean="0"/>
-              <a:t>12/22/2015</a:t>
+              <a:t>12/23/2015</a:t>
             </a:fld>
             <a:endParaRPr lang="en-US"/>
           </a:p>
@@ -1665,7 +1679,7 @@
           <a:p>
             <a:fld id="{7834D38A-56C5-4ECB-94BC-3A22D683F2FC}" type="datetimeFigureOut">
               <a:rPr lang="en-US" smtClean="0"/>
-              <a:t>12/22/2015</a:t>
+              <a:t>12/23/2015</a:t>
             </a:fld>
             <a:endParaRPr lang="en-US"/>
           </a:p>
@@ -1783,7 +1797,7 @@
           <a:p>
             <a:fld id="{7834D38A-56C5-4ECB-94BC-3A22D683F2FC}" type="datetimeFigureOut">
               <a:rPr lang="en-US" smtClean="0"/>
-              <a:t>12/22/2015</a:t>
+              <a:t>12/23/2015</a:t>
             </a:fld>
             <a:endParaRPr lang="en-US"/>
           </a:p>
@@ -1878,7 +1892,7 @@
           <a:p>
             <a:fld id="{7834D38A-56C5-4ECB-94BC-3A22D683F2FC}" type="datetimeFigureOut">
               <a:rPr lang="en-US" smtClean="0"/>
-              <a:t>12/22/2015</a:t>
+              <a:t>12/23/2015</a:t>
             </a:fld>
             <a:endParaRPr lang="en-US"/>
           </a:p>
@@ -2155,7 +2169,7 @@
           <a:p>
             <a:fld id="{7834D38A-56C5-4ECB-94BC-3A22D683F2FC}" type="datetimeFigureOut">
               <a:rPr lang="en-US" smtClean="0"/>
-              <a:t>12/22/2015</a:t>
+              <a:t>12/23/2015</a:t>
             </a:fld>
             <a:endParaRPr lang="en-US"/>
           </a:p>
@@ -2408,7 +2422,7 @@
           <a:p>
             <a:fld id="{7834D38A-56C5-4ECB-94BC-3A22D683F2FC}" type="datetimeFigureOut">
               <a:rPr lang="en-US" smtClean="0"/>
-              <a:t>12/22/2015</a:t>
+              <a:t>12/23/2015</a:t>
             </a:fld>
             <a:endParaRPr lang="en-US"/>
           </a:p>
@@ -2621,7 +2635,7 @@
           <a:p>
             <a:fld id="{7834D38A-56C5-4ECB-94BC-3A22D683F2FC}" type="datetimeFigureOut">
               <a:rPr lang="en-US" smtClean="0"/>
-              <a:t>12/22/2015</a:t>
+              <a:t>12/23/2015</a:t>
             </a:fld>
             <a:endParaRPr lang="en-US"/>
           </a:p>
@@ -3469,6 +3483,13 @@
   <p:clrMapOvr>
     <a:masterClrMapping/>
   </p:clrMapOvr>
+  <p:timing>
+    <p:tnLst>
+      <p:par>
+        <p:cTn id="1" dur="indefinite" restart="never" nodeType="tmRoot"/>
+      </p:par>
+    </p:tnLst>
+  </p:timing>
 </p:sld>
 </file>
 
@@ -3585,127 +3606,6 @@
             <a:spLocks noGrp="1"/>
           </p:cNvSpPr>
           <p:nvPr>
-            <p:ph type="ctrTitle"/>
-          </p:nvPr>
-        </p:nvSpPr>
-        <p:spPr/>
-        <p:txBody>
-          <a:bodyPr/>
-          <a:lstStyle/>
-          <a:p>
-            <a:r>
-              <a:rPr lang="en-US" dirty="0" smtClean="0"/>
-              <a:t>4</a:t>
-            </a:r>
-            <a:endParaRPr lang="en-US" dirty="0"/>
-          </a:p>
-        </p:txBody>
-      </p:sp>
-      <p:sp>
-        <p:nvSpPr>
-          <p:cNvPr id="3" name="Subtitle 2"/>
-          <p:cNvSpPr>
-            <a:spLocks noGrp="1"/>
-          </p:cNvSpPr>
-          <p:nvPr>
-            <p:ph type="subTitle" idx="1"/>
-          </p:nvPr>
-        </p:nvSpPr>
-        <p:spPr/>
-        <p:txBody>
-          <a:bodyPr/>
-          <a:lstStyle/>
-          <a:p>
-            <a:r>
-              <a:rPr lang="en-US" dirty="0" smtClean="0"/>
-              <a:t>A </a:t>
-            </a:r>
-            <a:r>
-              <a:rPr lang="en-US" dirty="0" err="1" smtClean="0"/>
-              <a:t>Javascript</a:t>
-            </a:r>
-            <a:r>
-              <a:rPr lang="en-US" dirty="0" smtClean="0"/>
-              <a:t> Framework</a:t>
-            </a:r>
-            <a:endParaRPr lang="en-US" dirty="0"/>
-          </a:p>
-        </p:txBody>
-      </p:sp>
-      <p:pic>
-        <p:nvPicPr>
-          <p:cNvPr id="4" name="Picture 3"/>
-          <p:cNvPicPr>
-            <a:picLocks noChangeAspect="1"/>
-          </p:cNvPicPr>
-          <p:nvPr/>
-        </p:nvPicPr>
-        <p:blipFill>
-          <a:blip r:embed="rId2">
-            <a:extLst>
-              <a:ext uri="{28A0092B-C50C-407E-A947-70E740481C1C}">
-                <a14:useLocalDpi xmlns:a14="http://schemas.microsoft.com/office/drawing/2010/main" val="0"/>
-              </a:ext>
-            </a:extLst>
-          </a:blip>
-          <a:stretch>
-            <a:fillRect/>
-          </a:stretch>
-        </p:blipFill>
-        <p:spPr>
-          <a:xfrm>
-            <a:off x="4067175" y="2316163"/>
-            <a:ext cx="4057650" cy="1123950"/>
-          </a:xfrm>
-          <a:prstGeom prst="rect">
-            <a:avLst/>
-          </a:prstGeom>
-        </p:spPr>
-      </p:pic>
-    </p:spTree>
-    <p:extLst>
-      <p:ext uri="{BB962C8B-B14F-4D97-AF65-F5344CB8AC3E}">
-        <p14:creationId xmlns:p14="http://schemas.microsoft.com/office/powerpoint/2010/main" val="1158848390"/>
-      </p:ext>
-    </p:extLst>
-  </p:cSld>
-  <p:clrMapOvr>
-    <a:masterClrMapping/>
-  </p:clrMapOvr>
-  <p:timing>
-    <p:tnLst>
-      <p:par>
-        <p:cTn id="1" dur="indefinite" restart="never" nodeType="tmRoot"/>
-      </p:par>
-    </p:tnLst>
-  </p:timing>
-</p:sld>
-</file>
-
-<file path=ppt/slides/slide14.xml><?xml version="1.0" encoding="utf-8"?>
-<p:sld xmlns:a="http://schemas.openxmlformats.org/drawingml/2006/main" xmlns:r="http://schemas.openxmlformats.org/officeDocument/2006/relationships" xmlns:p="http://schemas.openxmlformats.org/presentationml/2006/main">
-  <p:cSld>
-    <p:spTree>
-      <p:nvGrpSpPr>
-        <p:cNvPr id="1" name=""/>
-        <p:cNvGrpSpPr/>
-        <p:nvPr/>
-      </p:nvGrpSpPr>
-      <p:grpSpPr>
-        <a:xfrm>
-          <a:off x="0" y="0"/>
-          <a:ext cx="0" cy="0"/>
-          <a:chOff x="0" y="0"/>
-          <a:chExt cx="0" cy="0"/>
-        </a:xfrm>
-      </p:grpSpPr>
-      <p:sp>
-        <p:nvSpPr>
-          <p:cNvPr id="2" name="Title 1"/>
-          <p:cNvSpPr>
-            <a:spLocks noGrp="1"/>
-          </p:cNvSpPr>
-          <p:nvPr>
             <p:ph type="title"/>
           </p:nvPr>
         </p:nvSpPr>
@@ -3716,1419 +3616,8 @@
           <a:p>
             <a:r>
               <a:rPr lang="en-US" dirty="0" smtClean="0"/>
-              <a:t>Introduction</a:t>
-            </a:r>
-            <a:endParaRPr lang="en-US" dirty="0"/>
-          </a:p>
-        </p:txBody>
-      </p:sp>
-      <p:sp>
-        <p:nvSpPr>
-          <p:cNvPr id="3" name="Content Placeholder 2"/>
-          <p:cNvSpPr>
-            <a:spLocks noGrp="1"/>
-          </p:cNvSpPr>
-          <p:nvPr>
-            <p:ph idx="1"/>
-          </p:nvPr>
-        </p:nvSpPr>
-        <p:spPr/>
-        <p:txBody>
-          <a:bodyPr/>
-          <a:lstStyle/>
-          <a:p>
-            <a:r>
-              <a:rPr lang="en-US" cap="all" dirty="0"/>
-              <a:t>JUST THE UI</a:t>
-            </a:r>
-          </a:p>
-          <a:p>
-            <a:pPr lvl="1"/>
-            <a:r>
-              <a:rPr lang="en-US" sz="2000" dirty="0"/>
-              <a:t>Lots of people use React as the V in MVC. Since React makes no assumptions about the rest of your technology stack, it's easy to try it out on a small feature in an existing project</a:t>
-            </a:r>
-            <a:r>
-              <a:rPr lang="en-US" sz="2000" dirty="0" smtClean="0"/>
-              <a:t>.</a:t>
-            </a:r>
-          </a:p>
-          <a:p>
-            <a:r>
-              <a:rPr lang="en-US" cap="all" dirty="0"/>
-              <a:t>VIRTUAL DOM</a:t>
-            </a:r>
-          </a:p>
-          <a:p>
-            <a:pPr lvl="1"/>
-            <a:r>
-              <a:rPr lang="en-US" sz="2000" dirty="0"/>
-              <a:t>React abstracts away the DOM from you, giving a simpler programming model and better </a:t>
-            </a:r>
-            <a:r>
-              <a:rPr lang="en-US" sz="2000" dirty="0" smtClean="0"/>
-              <a:t>performance</a:t>
-            </a:r>
-          </a:p>
-          <a:p>
-            <a:r>
-              <a:rPr lang="en-US" cap="all" dirty="0"/>
-              <a:t>DATA FLOW</a:t>
-            </a:r>
-          </a:p>
-          <a:p>
-            <a:pPr lvl="1"/>
-            <a:r>
-              <a:rPr lang="en-US" sz="2000" dirty="0"/>
-              <a:t>React implements one-way reactive data flow which reduces boilerplate and is easier to reason about than traditional data binding.</a:t>
-            </a:r>
-          </a:p>
-        </p:txBody>
-      </p:sp>
-    </p:spTree>
-    <p:extLst>
-      <p:ext uri="{BB962C8B-B14F-4D97-AF65-F5344CB8AC3E}">
-        <p14:creationId xmlns:p14="http://schemas.microsoft.com/office/powerpoint/2010/main" val="3066686488"/>
-      </p:ext>
-    </p:extLst>
-  </p:cSld>
-  <p:clrMapOvr>
-    <a:masterClrMapping/>
-  </p:clrMapOvr>
-  <p:timing>
-    <p:tnLst>
-      <p:par>
-        <p:cTn id="1" dur="indefinite" restart="never" nodeType="tmRoot"/>
-      </p:par>
-    </p:tnLst>
-  </p:timing>
-</p:sld>
-</file>
-
-<file path=ppt/slides/slide15.xml><?xml version="1.0" encoding="utf-8"?>
-<p:sld xmlns:a="http://schemas.openxmlformats.org/drawingml/2006/main" xmlns:r="http://schemas.openxmlformats.org/officeDocument/2006/relationships" xmlns:p="http://schemas.openxmlformats.org/presentationml/2006/main">
-  <p:cSld>
-    <p:spTree>
-      <p:nvGrpSpPr>
-        <p:cNvPr id="1" name=""/>
-        <p:cNvGrpSpPr/>
-        <p:nvPr/>
-      </p:nvGrpSpPr>
-      <p:grpSpPr>
-        <a:xfrm>
-          <a:off x="0" y="0"/>
-          <a:ext cx="0" cy="0"/>
-          <a:chOff x="0" y="0"/>
-          <a:chExt cx="0" cy="0"/>
-        </a:xfrm>
-      </p:grpSpPr>
-      <p:sp>
-        <p:nvSpPr>
-          <p:cNvPr id="2" name="Title 1"/>
-          <p:cNvSpPr>
-            <a:spLocks noGrp="1"/>
-          </p:cNvSpPr>
-          <p:nvPr>
-            <p:ph type="title"/>
-          </p:nvPr>
-        </p:nvSpPr>
-        <p:spPr/>
-        <p:txBody>
-          <a:bodyPr/>
-          <a:lstStyle/>
-          <a:p>
-            <a:r>
-              <a:rPr lang="en-US" dirty="0" smtClean="0"/>
-              <a:t>Installation</a:t>
-            </a:r>
-            <a:endParaRPr lang="en-US" dirty="0"/>
-          </a:p>
-        </p:txBody>
-      </p:sp>
-      <p:sp>
-        <p:nvSpPr>
-          <p:cNvPr id="3" name="Content Placeholder 2"/>
-          <p:cNvSpPr>
-            <a:spLocks noGrp="1"/>
-          </p:cNvSpPr>
-          <p:nvPr>
-            <p:ph idx="1"/>
-          </p:nvPr>
-        </p:nvSpPr>
-        <p:spPr/>
-        <p:txBody>
-          <a:bodyPr/>
-          <a:lstStyle/>
-          <a:p>
-            <a:pPr marL="0" indent="0">
-              <a:buNone/>
-            </a:pPr>
-            <a:r>
-              <a:rPr lang="en-US" sz="2000" dirty="0"/>
-              <a:t>&lt;script </a:t>
-            </a:r>
-            <a:r>
-              <a:rPr lang="en-US" sz="2000" dirty="0" err="1"/>
-              <a:t>src</a:t>
-            </a:r>
-            <a:r>
-              <a:rPr lang="en-US" sz="2000" dirty="0"/>
-              <a:t>="build/react.js"&gt;&lt;/script&gt; </a:t>
-            </a:r>
-            <a:endParaRPr lang="en-US" sz="2000" dirty="0" smtClean="0"/>
-          </a:p>
-          <a:p>
-            <a:pPr marL="0" indent="0">
-              <a:buNone/>
-            </a:pPr>
-            <a:r>
-              <a:rPr lang="en-US" sz="2000" dirty="0" smtClean="0"/>
-              <a:t>&lt;</a:t>
-            </a:r>
-            <a:r>
-              <a:rPr lang="en-US" sz="2000" dirty="0"/>
-              <a:t>script </a:t>
-            </a:r>
-            <a:r>
-              <a:rPr lang="en-US" sz="2000" dirty="0" err="1"/>
-              <a:t>src</a:t>
-            </a:r>
-            <a:r>
-              <a:rPr lang="en-US" sz="2000" dirty="0"/>
-              <a:t>="build/react-dom.js"&gt;&lt;/script&gt; </a:t>
-            </a:r>
-            <a:endParaRPr lang="en-US" sz="2000" dirty="0" smtClean="0"/>
-          </a:p>
-          <a:p>
-            <a:pPr marL="0" indent="0">
-              <a:buNone/>
-            </a:pPr>
-            <a:r>
-              <a:rPr lang="en-US" sz="2000" dirty="0" smtClean="0"/>
-              <a:t>&lt;</a:t>
-            </a:r>
-            <a:r>
-              <a:rPr lang="en-US" sz="2000" dirty="0"/>
-              <a:t>script </a:t>
-            </a:r>
-            <a:r>
-              <a:rPr lang="en-US" sz="2000" dirty="0" err="1"/>
-              <a:t>src</a:t>
-            </a:r>
-            <a:r>
-              <a:rPr lang="en-US" sz="2000" dirty="0"/>
-              <a:t>="https://cdnjs.cloudflare.com/ajax/libs/babel-core/5.8.23/browser.min.js"&gt;&lt;/script</a:t>
-            </a:r>
-            <a:r>
-              <a:rPr lang="en-US" sz="2000" dirty="0" smtClean="0"/>
-              <a:t>&gt;</a:t>
-            </a:r>
-            <a:endParaRPr lang="en-US" dirty="0"/>
-          </a:p>
-          <a:p>
-            <a:pPr marL="0" indent="0">
-              <a:buNone/>
-            </a:pPr>
-            <a:r>
-              <a:rPr lang="en-US" dirty="0" smtClean="0"/>
-              <a:t>		</a:t>
-            </a:r>
-          </a:p>
-          <a:p>
-            <a:pPr marL="0" indent="0">
-              <a:buNone/>
-            </a:pPr>
-            <a:r>
-              <a:rPr lang="en-US" dirty="0" smtClean="0"/>
-              <a:t>OR</a:t>
-            </a:r>
-          </a:p>
-          <a:p>
-            <a:pPr marL="0" indent="0">
-              <a:buNone/>
-            </a:pPr>
-            <a:endParaRPr lang="en-US" dirty="0"/>
-          </a:p>
-          <a:p>
-            <a:pPr marL="0" indent="0">
-              <a:buNone/>
-            </a:pPr>
-            <a:r>
-              <a:rPr lang="en-US" sz="2000" dirty="0" err="1" smtClean="0"/>
-              <a:t>npm</a:t>
-            </a:r>
-            <a:r>
-              <a:rPr lang="en-US" sz="2000" dirty="0" smtClean="0"/>
-              <a:t> </a:t>
-            </a:r>
-            <a:r>
-              <a:rPr lang="en-US" sz="2000" dirty="0"/>
-              <a:t>install --save react react-</a:t>
-            </a:r>
-            <a:r>
-              <a:rPr lang="en-US" sz="2000" dirty="0" err="1"/>
-              <a:t>dom</a:t>
-            </a:r>
-            <a:r>
-              <a:rPr lang="en-US" sz="2000" dirty="0"/>
-              <a:t> </a:t>
-            </a:r>
-            <a:r>
-              <a:rPr lang="en-US" sz="2000" dirty="0" err="1"/>
-              <a:t>babelify</a:t>
-            </a:r>
-            <a:r>
-              <a:rPr lang="en-US" sz="2000" dirty="0"/>
-              <a:t> </a:t>
-            </a:r>
-            <a:r>
-              <a:rPr lang="en-US" sz="2000" dirty="0" smtClean="0"/>
-              <a:t>babel-preset-react</a:t>
-            </a:r>
-          </a:p>
-          <a:p>
-            <a:pPr marL="0" indent="0">
-              <a:buNone/>
-            </a:pPr>
-            <a:r>
-              <a:rPr lang="en-US" sz="2000" dirty="0" smtClean="0"/>
-              <a:t>//Then use with require.js</a:t>
-            </a:r>
-            <a:endParaRPr lang="en-US" sz="2000" dirty="0"/>
-          </a:p>
-          <a:p>
-            <a:pPr marL="0" indent="0">
-              <a:buNone/>
-            </a:pPr>
-            <a:r>
-              <a:rPr lang="en-US" sz="2000" dirty="0" err="1"/>
-              <a:t>var</a:t>
-            </a:r>
-            <a:r>
-              <a:rPr lang="en-US" sz="2000" dirty="0"/>
-              <a:t> React = require('react'); </a:t>
-            </a:r>
-            <a:endParaRPr lang="en-US" sz="2000" dirty="0" smtClean="0"/>
-          </a:p>
-          <a:p>
-            <a:pPr marL="0" indent="0">
-              <a:buNone/>
-            </a:pPr>
-            <a:r>
-              <a:rPr lang="en-US" sz="2000" dirty="0" err="1" smtClean="0"/>
-              <a:t>var</a:t>
-            </a:r>
-            <a:r>
-              <a:rPr lang="en-US" sz="2000" dirty="0" smtClean="0"/>
-              <a:t> </a:t>
-            </a:r>
-            <a:r>
-              <a:rPr lang="en-US" sz="2000" dirty="0" err="1"/>
-              <a:t>ReactDOM</a:t>
-            </a:r>
-            <a:r>
-              <a:rPr lang="en-US" sz="2000" dirty="0"/>
-              <a:t> = require('react-</a:t>
-            </a:r>
-            <a:r>
-              <a:rPr lang="en-US" sz="2000" dirty="0" err="1"/>
-              <a:t>dom</a:t>
-            </a:r>
-            <a:r>
-              <a:rPr lang="en-US" sz="2000" dirty="0"/>
-              <a:t>');</a:t>
-            </a:r>
-            <a:endParaRPr lang="en-US" sz="2000" dirty="0" smtClean="0"/>
-          </a:p>
-          <a:p>
-            <a:pPr marL="0" indent="0">
-              <a:buNone/>
-            </a:pPr>
-            <a:endParaRPr lang="en-US" dirty="0"/>
-          </a:p>
-        </p:txBody>
-      </p:sp>
-    </p:spTree>
-    <p:extLst>
-      <p:ext uri="{BB962C8B-B14F-4D97-AF65-F5344CB8AC3E}">
-        <p14:creationId xmlns:p14="http://schemas.microsoft.com/office/powerpoint/2010/main" val="2870838800"/>
-      </p:ext>
-    </p:extLst>
-  </p:cSld>
-  <p:clrMapOvr>
-    <a:masterClrMapping/>
-  </p:clrMapOvr>
-  <p:timing>
-    <p:tnLst>
-      <p:par>
-        <p:cTn id="1" dur="indefinite" restart="never" nodeType="tmRoot"/>
-      </p:par>
-    </p:tnLst>
-  </p:timing>
-</p:sld>
-</file>
-
-<file path=ppt/slides/slide16.xml><?xml version="1.0" encoding="utf-8"?>
-<p:sld xmlns:a="http://schemas.openxmlformats.org/drawingml/2006/main" xmlns:r="http://schemas.openxmlformats.org/officeDocument/2006/relationships" xmlns:p="http://schemas.openxmlformats.org/presentationml/2006/main">
-  <p:cSld>
-    <p:spTree>
-      <p:nvGrpSpPr>
-        <p:cNvPr id="1" name=""/>
-        <p:cNvGrpSpPr/>
-        <p:nvPr/>
-      </p:nvGrpSpPr>
-      <p:grpSpPr>
-        <a:xfrm>
-          <a:off x="0" y="0"/>
-          <a:ext cx="0" cy="0"/>
-          <a:chOff x="0" y="0"/>
-          <a:chExt cx="0" cy="0"/>
-        </a:xfrm>
-      </p:grpSpPr>
-      <p:sp>
-        <p:nvSpPr>
-          <p:cNvPr id="2" name="Title 1"/>
-          <p:cNvSpPr>
-            <a:spLocks noGrp="1"/>
-          </p:cNvSpPr>
-          <p:nvPr>
-            <p:ph type="title"/>
-          </p:nvPr>
-        </p:nvSpPr>
-        <p:spPr/>
-        <p:txBody>
-          <a:bodyPr/>
-          <a:lstStyle/>
-          <a:p>
-            <a:r>
-              <a:rPr lang="en-US" dirty="0" smtClean="0"/>
-              <a:t>The JSX</a:t>
-            </a:r>
-            <a:endParaRPr lang="en-US" dirty="0"/>
-          </a:p>
-        </p:txBody>
-      </p:sp>
-      <p:sp>
-        <p:nvSpPr>
-          <p:cNvPr id="3" name="Content Placeholder 2"/>
-          <p:cNvSpPr>
-            <a:spLocks noGrp="1"/>
-          </p:cNvSpPr>
-          <p:nvPr>
-            <p:ph idx="1"/>
-          </p:nvPr>
-        </p:nvSpPr>
-        <p:spPr/>
-        <p:txBody>
-          <a:bodyPr/>
-          <a:lstStyle/>
-          <a:p>
-            <a:r>
-              <a:rPr lang="en-US" dirty="0" smtClean="0"/>
-              <a:t>React provides us a more convenient way to write Html markup in </a:t>
-            </a:r>
-            <a:r>
-              <a:rPr lang="en-US" dirty="0" err="1" smtClean="0"/>
-              <a:t>javascript</a:t>
-            </a:r>
-            <a:r>
-              <a:rPr lang="en-US" dirty="0" smtClean="0"/>
-              <a:t> code. We call it the </a:t>
-            </a:r>
-            <a:r>
-              <a:rPr lang="en-US" dirty="0" err="1" smtClean="0"/>
-              <a:t>XMLish</a:t>
-            </a:r>
-            <a:r>
-              <a:rPr lang="en-US" dirty="0" smtClean="0"/>
-              <a:t> syntax and can refer the files as .</a:t>
-            </a:r>
-            <a:r>
-              <a:rPr lang="en-US" dirty="0" err="1" smtClean="0"/>
-              <a:t>jsx</a:t>
-            </a:r>
-            <a:r>
-              <a:rPr lang="en-US" dirty="0" smtClean="0"/>
-              <a:t> extension</a:t>
-            </a:r>
-          </a:p>
-          <a:p>
-            <a:pPr marL="0" indent="0">
-              <a:buNone/>
-            </a:pPr>
-            <a:endParaRPr lang="en-US" dirty="0" smtClean="0"/>
-          </a:p>
-          <a:p>
-            <a:pPr marL="0" indent="0">
-              <a:buNone/>
-            </a:pPr>
-            <a:r>
-              <a:rPr lang="en-US" dirty="0" smtClean="0"/>
-              <a:t>function() {</a:t>
-            </a:r>
-          </a:p>
-          <a:p>
-            <a:pPr marL="0" indent="0">
-              <a:buNone/>
-            </a:pPr>
-            <a:r>
-              <a:rPr lang="en-US" dirty="0" smtClean="0"/>
-              <a:t>    return (</a:t>
-            </a:r>
-          </a:p>
-          <a:p>
-            <a:pPr marL="0" indent="0">
-              <a:buNone/>
-            </a:pPr>
-            <a:r>
-              <a:rPr lang="en-US" dirty="0" smtClean="0"/>
-              <a:t>      &lt;div&gt;Put markup inside the &lt;span&gt;</a:t>
-            </a:r>
-            <a:r>
-              <a:rPr lang="en-US" dirty="0" err="1" smtClean="0"/>
-              <a:t>Javascript</a:t>
-            </a:r>
-            <a:r>
-              <a:rPr lang="en-US" dirty="0" smtClean="0"/>
-              <a:t>&lt;/span&gt;&lt;/div&gt;</a:t>
-            </a:r>
-          </a:p>
-          <a:p>
-            <a:pPr marL="0" indent="0">
-              <a:buNone/>
-            </a:pPr>
-            <a:r>
-              <a:rPr lang="en-US" dirty="0" smtClean="0"/>
-              <a:t>    );</a:t>
-            </a:r>
-          </a:p>
-          <a:p>
-            <a:pPr marL="0" indent="0">
-              <a:buNone/>
-            </a:pPr>
-            <a:r>
-              <a:rPr lang="en-US" dirty="0" smtClean="0"/>
-              <a:t>  }</a:t>
-            </a:r>
-            <a:endParaRPr lang="en-US" dirty="0"/>
-          </a:p>
-        </p:txBody>
-      </p:sp>
-    </p:spTree>
-    <p:extLst>
-      <p:ext uri="{BB962C8B-B14F-4D97-AF65-F5344CB8AC3E}">
-        <p14:creationId xmlns:p14="http://schemas.microsoft.com/office/powerpoint/2010/main" val="2389650339"/>
-      </p:ext>
-    </p:extLst>
-  </p:cSld>
-  <p:clrMapOvr>
-    <a:masterClrMapping/>
-  </p:clrMapOvr>
-  <p:timing>
-    <p:tnLst>
-      <p:par>
-        <p:cTn id="1" dur="indefinite" restart="never" nodeType="tmRoot"/>
-      </p:par>
-    </p:tnLst>
-  </p:timing>
-</p:sld>
-</file>
-
-<file path=ppt/slides/slide17.xml><?xml version="1.0" encoding="utf-8"?>
-<p:sld xmlns:a="http://schemas.openxmlformats.org/drawingml/2006/main" xmlns:r="http://schemas.openxmlformats.org/officeDocument/2006/relationships" xmlns:p="http://schemas.openxmlformats.org/presentationml/2006/main">
-  <p:cSld>
-    <p:spTree>
-      <p:nvGrpSpPr>
-        <p:cNvPr id="1" name=""/>
-        <p:cNvGrpSpPr/>
-        <p:nvPr/>
-      </p:nvGrpSpPr>
-      <p:grpSpPr>
-        <a:xfrm>
-          <a:off x="0" y="0"/>
-          <a:ext cx="0" cy="0"/>
-          <a:chOff x="0" y="0"/>
-          <a:chExt cx="0" cy="0"/>
-        </a:xfrm>
-      </p:grpSpPr>
-      <p:sp>
-        <p:nvSpPr>
-          <p:cNvPr id="2" name="Title 1"/>
-          <p:cNvSpPr>
-            <a:spLocks noGrp="1"/>
-          </p:cNvSpPr>
-          <p:nvPr>
-            <p:ph type="title"/>
-          </p:nvPr>
-        </p:nvSpPr>
-        <p:spPr/>
-        <p:txBody>
-          <a:bodyPr/>
-          <a:lstStyle/>
-          <a:p>
-            <a:r>
-              <a:rPr lang="en-US" dirty="0" smtClean="0"/>
-              <a:t>Hello World</a:t>
-            </a:r>
-            <a:endParaRPr lang="en-US" dirty="0"/>
-          </a:p>
-        </p:txBody>
-      </p:sp>
-      <p:sp>
-        <p:nvSpPr>
-          <p:cNvPr id="3" name="Content Placeholder 2"/>
-          <p:cNvSpPr>
-            <a:spLocks noGrp="1"/>
-          </p:cNvSpPr>
-          <p:nvPr>
-            <p:ph idx="1"/>
-          </p:nvPr>
-        </p:nvSpPr>
-        <p:spPr/>
-        <p:txBody>
-          <a:bodyPr/>
-          <a:lstStyle/>
-          <a:p>
-            <a:pPr marL="0" indent="0">
-              <a:buNone/>
-            </a:pPr>
-            <a:r>
-              <a:rPr lang="en-US" dirty="0" err="1" smtClean="0"/>
-              <a:t>var</a:t>
-            </a:r>
-            <a:r>
-              <a:rPr lang="en-US" dirty="0" smtClean="0"/>
-              <a:t> </a:t>
-            </a:r>
-            <a:r>
-              <a:rPr lang="en-US" dirty="0" err="1" smtClean="0"/>
-              <a:t>HelloMessage</a:t>
-            </a:r>
-            <a:r>
-              <a:rPr lang="en-US" dirty="0" smtClean="0"/>
-              <a:t> = </a:t>
-            </a:r>
-            <a:r>
-              <a:rPr lang="en-US" dirty="0" err="1" smtClean="0"/>
-              <a:t>React.createClass</a:t>
-            </a:r>
-            <a:r>
-              <a:rPr lang="en-US" dirty="0" smtClean="0"/>
-              <a:t>({</a:t>
-            </a:r>
-          </a:p>
-          <a:p>
-            <a:pPr marL="0" indent="0">
-              <a:buNone/>
-            </a:pPr>
-            <a:r>
-              <a:rPr lang="en-US" dirty="0" smtClean="0"/>
-              <a:t>  render: function() {</a:t>
-            </a:r>
-          </a:p>
-          <a:p>
-            <a:pPr marL="0" indent="0">
-              <a:buNone/>
-            </a:pPr>
-            <a:r>
-              <a:rPr lang="en-US" dirty="0" smtClean="0"/>
-              <a:t>    return &lt;div&gt;Hello {this.props.name}&lt;/div&gt;;</a:t>
-            </a:r>
-          </a:p>
-          <a:p>
-            <a:pPr marL="0" indent="0">
-              <a:buNone/>
-            </a:pPr>
-            <a:r>
-              <a:rPr lang="en-US" dirty="0" smtClean="0"/>
-              <a:t>  }</a:t>
-            </a:r>
-          </a:p>
-          <a:p>
-            <a:pPr marL="0" indent="0">
-              <a:buNone/>
-            </a:pPr>
-            <a:r>
-              <a:rPr lang="en-US" dirty="0" smtClean="0"/>
-              <a:t>});</a:t>
-            </a:r>
-          </a:p>
-          <a:p>
-            <a:pPr marL="0" indent="0">
-              <a:buNone/>
-            </a:pPr>
-            <a:endParaRPr lang="en-US" dirty="0" smtClean="0"/>
-          </a:p>
-          <a:p>
-            <a:pPr marL="0" indent="0">
-              <a:buNone/>
-            </a:pPr>
-            <a:r>
-              <a:rPr lang="en-US" dirty="0" err="1" smtClean="0"/>
-              <a:t>mountNode</a:t>
-            </a:r>
-            <a:r>
-              <a:rPr lang="en-US" dirty="0" smtClean="0"/>
-              <a:t> = </a:t>
-            </a:r>
-            <a:r>
-              <a:rPr lang="en-US" dirty="0" err="1" smtClean="0"/>
-              <a:t>document.getElementById</a:t>
-            </a:r>
-            <a:r>
-              <a:rPr lang="en-US" dirty="0" smtClean="0"/>
-              <a:t>(‘</a:t>
-            </a:r>
-            <a:r>
-              <a:rPr lang="en-US" dirty="0" err="1" smtClean="0"/>
-              <a:t>mainDiv</a:t>
-            </a:r>
-            <a:r>
-              <a:rPr lang="en-US" dirty="0" smtClean="0"/>
-              <a:t>’);</a:t>
-            </a:r>
-          </a:p>
-          <a:p>
-            <a:pPr marL="0" indent="0">
-              <a:buNone/>
-            </a:pPr>
-            <a:r>
-              <a:rPr lang="en-US" dirty="0" err="1" smtClean="0"/>
-              <a:t>ReactDOM.render</a:t>
-            </a:r>
-            <a:r>
-              <a:rPr lang="en-US" dirty="0" smtClean="0"/>
-              <a:t>(&lt;</a:t>
-            </a:r>
-            <a:r>
-              <a:rPr lang="en-US" dirty="0" err="1" smtClean="0"/>
-              <a:t>HelloMessage</a:t>
-            </a:r>
-            <a:r>
-              <a:rPr lang="en-US" dirty="0" smtClean="0"/>
-              <a:t> name="John" /&gt;, </a:t>
-            </a:r>
-            <a:r>
-              <a:rPr lang="en-US" dirty="0" err="1" smtClean="0"/>
-              <a:t>mountNode</a:t>
-            </a:r>
-            <a:r>
-              <a:rPr lang="en-US" dirty="0" smtClean="0"/>
-              <a:t>);</a:t>
-            </a:r>
-            <a:endParaRPr lang="en-US" dirty="0"/>
-          </a:p>
-        </p:txBody>
-      </p:sp>
-    </p:spTree>
-    <p:extLst>
-      <p:ext uri="{BB962C8B-B14F-4D97-AF65-F5344CB8AC3E}">
-        <p14:creationId xmlns:p14="http://schemas.microsoft.com/office/powerpoint/2010/main" val="847371371"/>
-      </p:ext>
-    </p:extLst>
-  </p:cSld>
-  <p:clrMapOvr>
-    <a:masterClrMapping/>
-  </p:clrMapOvr>
-  <p:timing>
-    <p:tnLst>
-      <p:par>
-        <p:cTn id="1" dur="indefinite" restart="never" nodeType="tmRoot"/>
-      </p:par>
-    </p:tnLst>
-  </p:timing>
-</p:sld>
-</file>
-
-<file path=ppt/slides/slide18.xml><?xml version="1.0" encoding="utf-8"?>
-<p:sld xmlns:a="http://schemas.openxmlformats.org/drawingml/2006/main" xmlns:r="http://schemas.openxmlformats.org/officeDocument/2006/relationships" xmlns:p="http://schemas.openxmlformats.org/presentationml/2006/main">
-  <p:cSld>
-    <p:spTree>
-      <p:nvGrpSpPr>
-        <p:cNvPr id="1" name=""/>
-        <p:cNvGrpSpPr/>
-        <p:nvPr/>
-      </p:nvGrpSpPr>
-      <p:grpSpPr>
-        <a:xfrm>
-          <a:off x="0" y="0"/>
-          <a:ext cx="0" cy="0"/>
-          <a:chOff x="0" y="0"/>
-          <a:chExt cx="0" cy="0"/>
-        </a:xfrm>
-      </p:grpSpPr>
-      <p:sp>
-        <p:nvSpPr>
-          <p:cNvPr id="2" name="Title 1"/>
-          <p:cNvSpPr>
-            <a:spLocks noGrp="1"/>
-          </p:cNvSpPr>
-          <p:nvPr>
-            <p:ph type="title"/>
-          </p:nvPr>
-        </p:nvSpPr>
-        <p:spPr/>
-        <p:txBody>
-          <a:bodyPr/>
-          <a:lstStyle/>
-          <a:p>
-            <a:r>
-              <a:rPr lang="en-US" dirty="0"/>
-              <a:t>C</a:t>
-            </a:r>
-            <a:r>
-              <a:rPr lang="en-US" dirty="0" smtClean="0"/>
-              <a:t>omponent</a:t>
-            </a:r>
-            <a:endParaRPr lang="en-US" dirty="0"/>
-          </a:p>
-        </p:txBody>
-      </p:sp>
-      <p:sp>
-        <p:nvSpPr>
-          <p:cNvPr id="3" name="Content Placeholder 2"/>
-          <p:cNvSpPr>
-            <a:spLocks noGrp="1"/>
-          </p:cNvSpPr>
-          <p:nvPr>
-            <p:ph idx="1"/>
-          </p:nvPr>
-        </p:nvSpPr>
-        <p:spPr/>
-        <p:txBody>
-          <a:bodyPr/>
-          <a:lstStyle/>
-          <a:p>
-            <a:r>
-              <a:rPr lang="en-US" dirty="0" smtClean="0"/>
-              <a:t>In React we refer the all the piece of code as component. </a:t>
-            </a:r>
-          </a:p>
-          <a:p>
-            <a:r>
-              <a:rPr lang="en-US" dirty="0" smtClean="0"/>
-              <a:t>A </a:t>
-            </a:r>
-            <a:r>
-              <a:rPr lang="en-US" dirty="0"/>
-              <a:t>component can maintain internal state data (accessed </a:t>
-            </a:r>
-            <a:r>
-              <a:rPr lang="en-US" dirty="0" smtClean="0"/>
-              <a:t>via </a:t>
-            </a:r>
-            <a:r>
-              <a:rPr lang="en-US" dirty="0" err="1" smtClean="0"/>
-              <a:t>this.props</a:t>
-            </a:r>
-            <a:r>
-              <a:rPr lang="en-US" dirty="0" smtClean="0"/>
-              <a:t> or </a:t>
-            </a:r>
-            <a:r>
-              <a:rPr lang="en-US" dirty="0" err="1" smtClean="0"/>
-              <a:t>this.state</a:t>
-            </a:r>
-            <a:r>
-              <a:rPr lang="en-US" dirty="0" smtClean="0"/>
-              <a:t>) </a:t>
-            </a:r>
-            <a:r>
-              <a:rPr lang="en-US" dirty="0"/>
-              <a:t>When a component's state data changes, the rendered markup will be updated by </a:t>
-            </a:r>
-            <a:r>
-              <a:rPr lang="en-US" dirty="0" smtClean="0"/>
-              <a:t>re-invoking render() this is known as </a:t>
-            </a:r>
-            <a:r>
-              <a:rPr lang="en-US" dirty="0" err="1" smtClean="0"/>
-              <a:t>stateful</a:t>
-            </a:r>
-            <a:r>
-              <a:rPr lang="en-US" dirty="0" smtClean="0"/>
-              <a:t> component.</a:t>
-            </a:r>
-          </a:p>
-          <a:p>
-            <a:r>
-              <a:rPr lang="en-US" dirty="0" smtClean="0"/>
-              <a:t>Components can be nested i.e. One component can use the other component inside its render method()</a:t>
-            </a:r>
-            <a:endParaRPr lang="en-US" dirty="0"/>
-          </a:p>
-        </p:txBody>
-      </p:sp>
-    </p:spTree>
-    <p:extLst>
-      <p:ext uri="{BB962C8B-B14F-4D97-AF65-F5344CB8AC3E}">
-        <p14:creationId xmlns:p14="http://schemas.microsoft.com/office/powerpoint/2010/main" val="1758047748"/>
-      </p:ext>
-    </p:extLst>
-  </p:cSld>
-  <p:clrMapOvr>
-    <a:masterClrMapping/>
-  </p:clrMapOvr>
-  <p:timing>
-    <p:tnLst>
-      <p:par>
-        <p:cTn id="1" dur="indefinite" restart="never" nodeType="tmRoot"/>
-      </p:par>
-    </p:tnLst>
-  </p:timing>
-</p:sld>
-</file>
-
-<file path=ppt/slides/slide19.xml><?xml version="1.0" encoding="utf-8"?>
-<p:sld xmlns:a="http://schemas.openxmlformats.org/drawingml/2006/main" xmlns:r="http://schemas.openxmlformats.org/officeDocument/2006/relationships" xmlns:p="http://schemas.openxmlformats.org/presentationml/2006/main">
-  <p:cSld>
-    <p:spTree>
-      <p:nvGrpSpPr>
-        <p:cNvPr id="1" name=""/>
-        <p:cNvGrpSpPr/>
-        <p:nvPr/>
-      </p:nvGrpSpPr>
-      <p:grpSpPr>
-        <a:xfrm>
-          <a:off x="0" y="0"/>
-          <a:ext cx="0" cy="0"/>
-          <a:chOff x="0" y="0"/>
-          <a:chExt cx="0" cy="0"/>
-        </a:xfrm>
-      </p:grpSpPr>
-      <p:sp>
-        <p:nvSpPr>
-          <p:cNvPr id="2" name="Title 1"/>
-          <p:cNvSpPr>
-            <a:spLocks noGrp="1"/>
-          </p:cNvSpPr>
-          <p:nvPr>
-            <p:ph type="title"/>
-          </p:nvPr>
-        </p:nvSpPr>
-        <p:spPr/>
-        <p:txBody>
-          <a:bodyPr/>
-          <a:lstStyle/>
-          <a:p>
-            <a:r>
-              <a:rPr lang="en-US" dirty="0" err="1" smtClean="0"/>
-              <a:t>Stateful</a:t>
-            </a:r>
-            <a:r>
-              <a:rPr lang="en-US" dirty="0" smtClean="0"/>
-              <a:t> Component</a:t>
-            </a:r>
-            <a:endParaRPr lang="en-US" dirty="0"/>
-          </a:p>
-        </p:txBody>
-      </p:sp>
-      <p:sp>
-        <p:nvSpPr>
-          <p:cNvPr id="3" name="Content Placeholder 2"/>
-          <p:cNvSpPr>
-            <a:spLocks noGrp="1"/>
-          </p:cNvSpPr>
-          <p:nvPr>
-            <p:ph idx="1"/>
-          </p:nvPr>
-        </p:nvSpPr>
-        <p:spPr/>
-        <p:txBody>
-          <a:bodyPr>
-            <a:normAutofit fontScale="92500" lnSpcReduction="10000"/>
-          </a:bodyPr>
-          <a:lstStyle/>
-          <a:p>
-            <a:pPr marL="0" indent="0">
-              <a:buNone/>
-            </a:pPr>
-            <a:r>
-              <a:rPr lang="en-US" sz="1800" dirty="0" err="1" smtClean="0"/>
-              <a:t>var</a:t>
-            </a:r>
-            <a:r>
-              <a:rPr lang="en-US" sz="1800" dirty="0" smtClean="0"/>
-              <a:t> Counter = </a:t>
-            </a:r>
-            <a:r>
-              <a:rPr lang="en-US" sz="1800" dirty="0" err="1" smtClean="0"/>
-              <a:t>React.createClass</a:t>
-            </a:r>
-            <a:r>
-              <a:rPr lang="en-US" sz="1800" dirty="0" smtClean="0"/>
-              <a:t>({</a:t>
-            </a:r>
-          </a:p>
-          <a:p>
-            <a:pPr marL="0" indent="0">
-              <a:buNone/>
-            </a:pPr>
-            <a:r>
-              <a:rPr lang="en-US" sz="1800" dirty="0" smtClean="0"/>
-              <a:t>  </a:t>
-            </a:r>
-            <a:r>
-              <a:rPr lang="en-US" sz="1800" dirty="0" err="1" smtClean="0"/>
-              <a:t>getInitialState</a:t>
-            </a:r>
-            <a:r>
-              <a:rPr lang="en-US" sz="1800" dirty="0" smtClean="0"/>
-              <a:t>: function() {</a:t>
-            </a:r>
-          </a:p>
-          <a:p>
-            <a:pPr marL="0" indent="0">
-              <a:buNone/>
-            </a:pPr>
-            <a:r>
-              <a:rPr lang="en-US" sz="1800" dirty="0" smtClean="0"/>
-              <a:t>    return {counter: 0};</a:t>
-            </a:r>
-          </a:p>
-          <a:p>
-            <a:pPr marL="0" indent="0">
-              <a:buNone/>
-            </a:pPr>
-            <a:r>
-              <a:rPr lang="en-US" sz="1800" dirty="0" smtClean="0"/>
-              <a:t>  },</a:t>
-            </a:r>
-          </a:p>
-          <a:p>
-            <a:pPr marL="0" indent="0">
-              <a:buNone/>
-            </a:pPr>
-            <a:r>
-              <a:rPr lang="en-US" sz="1800" dirty="0" smtClean="0"/>
-              <a:t>  </a:t>
-            </a:r>
-            <a:r>
-              <a:rPr lang="en-US" sz="1800" dirty="0" err="1" smtClean="0"/>
-              <a:t>onClick</a:t>
-            </a:r>
-            <a:r>
-              <a:rPr lang="en-US" sz="1800" dirty="0" smtClean="0"/>
-              <a:t>: function() {</a:t>
-            </a:r>
-          </a:p>
-          <a:p>
-            <a:pPr marL="0" indent="0">
-              <a:buNone/>
-            </a:pPr>
-            <a:r>
-              <a:rPr lang="en-US" sz="1800" dirty="0" smtClean="0"/>
-              <a:t>    </a:t>
-            </a:r>
-            <a:r>
-              <a:rPr lang="en-US" sz="1800" dirty="0" err="1" smtClean="0"/>
-              <a:t>this.setState</a:t>
-            </a:r>
-            <a:r>
-              <a:rPr lang="en-US" sz="1800" dirty="0" smtClean="0"/>
-              <a:t>({counter: </a:t>
-            </a:r>
-            <a:r>
-              <a:rPr lang="en-US" sz="1800" dirty="0" err="1" smtClean="0"/>
-              <a:t>this.state.counter</a:t>
-            </a:r>
-            <a:r>
-              <a:rPr lang="en-US" sz="1800" dirty="0" smtClean="0"/>
-              <a:t> + 1}); //this will re render the </a:t>
-            </a:r>
-            <a:r>
-              <a:rPr lang="en-US" sz="1800" dirty="0" err="1" smtClean="0"/>
-              <a:t>the</a:t>
-            </a:r>
-            <a:r>
-              <a:rPr lang="en-US" sz="1800" dirty="0" smtClean="0"/>
-              <a:t> DOM</a:t>
-            </a:r>
-          </a:p>
-          <a:p>
-            <a:pPr marL="0" indent="0">
-              <a:buNone/>
-            </a:pPr>
-            <a:r>
-              <a:rPr lang="en-US" sz="1800" dirty="0" smtClean="0"/>
-              <a:t>  },</a:t>
-            </a:r>
-          </a:p>
-          <a:p>
-            <a:pPr marL="0" indent="0">
-              <a:buNone/>
-            </a:pPr>
-            <a:r>
-              <a:rPr lang="en-US" sz="1800" dirty="0" smtClean="0"/>
-              <a:t>  render: function() {</a:t>
-            </a:r>
-          </a:p>
-          <a:p>
-            <a:pPr marL="0" indent="0">
-              <a:buNone/>
-            </a:pPr>
-            <a:r>
-              <a:rPr lang="en-US" sz="1800" dirty="0" smtClean="0"/>
-              <a:t>    return (</a:t>
-            </a:r>
-          </a:p>
-          <a:p>
-            <a:pPr marL="0" indent="0">
-              <a:buNone/>
-            </a:pPr>
-            <a:r>
-              <a:rPr lang="en-US" sz="1800" dirty="0" smtClean="0"/>
-              <a:t>      &lt;h3 </a:t>
-            </a:r>
-            <a:r>
-              <a:rPr lang="en-US" sz="1800" dirty="0" err="1" smtClean="0"/>
-              <a:t>onClick</a:t>
-            </a:r>
-            <a:r>
-              <a:rPr lang="en-US" sz="1800" dirty="0" smtClean="0"/>
-              <a:t>={</a:t>
-            </a:r>
-            <a:r>
-              <a:rPr lang="en-US" sz="1800" dirty="0" err="1" smtClean="0"/>
-              <a:t>this.onClick</a:t>
-            </a:r>
-            <a:r>
-              <a:rPr lang="en-US" sz="1800" dirty="0" smtClean="0"/>
-              <a:t>}&gt; Counter using state property: {</a:t>
-            </a:r>
-            <a:r>
-              <a:rPr lang="en-US" sz="1800" dirty="0" err="1" smtClean="0"/>
-              <a:t>this.state.counter</a:t>
-            </a:r>
-            <a:r>
-              <a:rPr lang="en-US" sz="1800" dirty="0" smtClean="0"/>
-              <a:t>}&lt;/h3&gt;</a:t>
-            </a:r>
-          </a:p>
-          <a:p>
-            <a:pPr marL="0" indent="0">
-              <a:buNone/>
-            </a:pPr>
-            <a:r>
-              <a:rPr lang="en-US" sz="1800" dirty="0" smtClean="0"/>
-              <a:t>    );</a:t>
-            </a:r>
-          </a:p>
-          <a:p>
-            <a:pPr marL="0" indent="0">
-              <a:buNone/>
-            </a:pPr>
-            <a:r>
-              <a:rPr lang="en-US" sz="1800" dirty="0" smtClean="0"/>
-              <a:t>  }</a:t>
-            </a:r>
-          </a:p>
-          <a:p>
-            <a:pPr marL="0" indent="0">
-              <a:buNone/>
-            </a:pPr>
-            <a:r>
-              <a:rPr lang="en-US" sz="1800" dirty="0" smtClean="0"/>
-              <a:t>});</a:t>
-            </a:r>
-            <a:endParaRPr lang="en-US" sz="1800" dirty="0"/>
-          </a:p>
-        </p:txBody>
-      </p:sp>
-    </p:spTree>
-    <p:extLst>
-      <p:ext uri="{BB962C8B-B14F-4D97-AF65-F5344CB8AC3E}">
-        <p14:creationId xmlns:p14="http://schemas.microsoft.com/office/powerpoint/2010/main" val="1807522771"/>
-      </p:ext>
-    </p:extLst>
-  </p:cSld>
-  <p:clrMapOvr>
-    <a:masterClrMapping/>
-  </p:clrMapOvr>
-  <p:timing>
-    <p:tnLst>
-      <p:par>
-        <p:cTn id="1" dur="indefinite" restart="never" nodeType="tmRoot"/>
-      </p:par>
-    </p:tnLst>
-  </p:timing>
-</p:sld>
-</file>
-
-<file path=ppt/slides/slide2.xml><?xml version="1.0" encoding="utf-8"?>
-<p:sld xmlns:a="http://schemas.openxmlformats.org/drawingml/2006/main" xmlns:r="http://schemas.openxmlformats.org/officeDocument/2006/relationships" xmlns:p="http://schemas.openxmlformats.org/presentationml/2006/main">
-  <p:cSld>
-    <p:spTree>
-      <p:nvGrpSpPr>
-        <p:cNvPr id="1" name=""/>
-        <p:cNvGrpSpPr/>
-        <p:nvPr/>
-      </p:nvGrpSpPr>
-      <p:grpSpPr>
-        <a:xfrm>
-          <a:off x="0" y="0"/>
-          <a:ext cx="0" cy="0"/>
-          <a:chOff x="0" y="0"/>
-          <a:chExt cx="0" cy="0"/>
-        </a:xfrm>
-      </p:grpSpPr>
-      <p:sp>
-        <p:nvSpPr>
-          <p:cNvPr id="2" name="Title 1"/>
-          <p:cNvSpPr>
-            <a:spLocks noGrp="1"/>
-          </p:cNvSpPr>
-          <p:nvPr>
-            <p:ph type="title"/>
-          </p:nvPr>
-        </p:nvSpPr>
-        <p:spPr/>
-        <p:txBody>
-          <a:bodyPr/>
-          <a:lstStyle/>
-          <a:p>
-            <a:r>
-              <a:rPr lang="en-US" dirty="0" smtClean="0"/>
-              <a:t>Problem with MVC</a:t>
-            </a:r>
-            <a:endParaRPr lang="en-US" dirty="0"/>
-          </a:p>
-        </p:txBody>
-      </p:sp>
-      <p:pic>
-        <p:nvPicPr>
-          <p:cNvPr id="4" name="Content Placeholder 3"/>
-          <p:cNvPicPr>
-            <a:picLocks noGrp="1" noChangeAspect="1"/>
-          </p:cNvPicPr>
-          <p:nvPr>
-            <p:ph idx="1"/>
-          </p:nvPr>
-        </p:nvPicPr>
-        <p:blipFill>
-          <a:blip r:embed="rId2">
-            <a:extLst>
-              <a:ext uri="{28A0092B-C50C-407E-A947-70E740481C1C}">
-                <a14:useLocalDpi xmlns:a14="http://schemas.microsoft.com/office/drawing/2010/main" val="0"/>
-              </a:ext>
-            </a:extLst>
-          </a:blip>
-          <a:stretch>
-            <a:fillRect/>
-          </a:stretch>
-        </p:blipFill>
-        <p:spPr>
-          <a:xfrm>
-            <a:off x="1439908" y="1341064"/>
-            <a:ext cx="8027831" cy="2477432"/>
-          </a:xfrm>
-        </p:spPr>
-      </p:pic>
-      <p:sp>
-        <p:nvSpPr>
-          <p:cNvPr id="5" name="TextBox 4"/>
-          <p:cNvSpPr txBox="1"/>
-          <p:nvPr/>
-        </p:nvSpPr>
-        <p:spPr>
-          <a:xfrm>
-            <a:off x="1828800" y="4168588"/>
-            <a:ext cx="184731" cy="369332"/>
-          </a:xfrm>
-          <a:prstGeom prst="rect">
-            <a:avLst/>
-          </a:prstGeom>
-          <a:noFill/>
-        </p:spPr>
-        <p:txBody>
-          <a:bodyPr wrap="none" rtlCol="0">
-            <a:spAutoFit/>
-          </a:bodyPr>
-          <a:lstStyle/>
-          <a:p>
-            <a:endParaRPr lang="en-US" dirty="0"/>
-          </a:p>
-        </p:txBody>
-      </p:sp>
-    </p:spTree>
-    <p:extLst>
-      <p:ext uri="{BB962C8B-B14F-4D97-AF65-F5344CB8AC3E}">
-        <p14:creationId xmlns:p14="http://schemas.microsoft.com/office/powerpoint/2010/main" val="2718338151"/>
-      </p:ext>
-    </p:extLst>
-  </p:cSld>
-  <p:clrMapOvr>
-    <a:masterClrMapping/>
-  </p:clrMapOvr>
-  <p:timing>
-    <p:tnLst>
-      <p:par>
-        <p:cTn id="1" dur="indefinite" restart="never" nodeType="tmRoot"/>
-      </p:par>
-    </p:tnLst>
-  </p:timing>
-</p:sld>
-</file>
-
-<file path=ppt/slides/slide20.xml><?xml version="1.0" encoding="utf-8"?>
-<p:sld xmlns:a="http://schemas.openxmlformats.org/drawingml/2006/main" xmlns:r="http://schemas.openxmlformats.org/officeDocument/2006/relationships" xmlns:p="http://schemas.openxmlformats.org/presentationml/2006/main">
-  <p:cSld>
-    <p:spTree>
-      <p:nvGrpSpPr>
-        <p:cNvPr id="1" name=""/>
-        <p:cNvGrpSpPr/>
-        <p:nvPr/>
-      </p:nvGrpSpPr>
-      <p:grpSpPr>
-        <a:xfrm>
-          <a:off x="0" y="0"/>
-          <a:ext cx="0" cy="0"/>
-          <a:chOff x="0" y="0"/>
-          <a:chExt cx="0" cy="0"/>
-        </a:xfrm>
-      </p:grpSpPr>
-      <p:sp>
-        <p:nvSpPr>
-          <p:cNvPr id="2" name="Title 1"/>
-          <p:cNvSpPr>
-            <a:spLocks noGrp="1"/>
-          </p:cNvSpPr>
-          <p:nvPr>
-            <p:ph type="title"/>
-          </p:nvPr>
-        </p:nvSpPr>
-        <p:spPr/>
-        <p:txBody>
-          <a:bodyPr/>
-          <a:lstStyle/>
-          <a:p>
-            <a:r>
-              <a:rPr lang="en-US" dirty="0" smtClean="0"/>
-              <a:t>Html Attributes</a:t>
-            </a:r>
-            <a:endParaRPr lang="en-US" dirty="0"/>
-          </a:p>
-        </p:txBody>
-      </p:sp>
-      <p:sp>
-        <p:nvSpPr>
-          <p:cNvPr id="3" name="Content Placeholder 2"/>
-          <p:cNvSpPr>
-            <a:spLocks noGrp="1"/>
-          </p:cNvSpPr>
-          <p:nvPr>
-            <p:ph idx="1"/>
-          </p:nvPr>
-        </p:nvSpPr>
-        <p:spPr/>
-        <p:txBody>
-          <a:bodyPr/>
-          <a:lstStyle/>
-          <a:p>
-            <a:r>
-              <a:rPr lang="en-US" dirty="0" smtClean="0"/>
-              <a:t>React provides full support to all html attributes to us in its markup as a prop.</a:t>
-            </a:r>
-          </a:p>
-          <a:p>
-            <a:r>
-              <a:rPr lang="en-US" dirty="0" smtClean="0"/>
-              <a:t>But prop names should be in </a:t>
-            </a:r>
-            <a:r>
-              <a:rPr lang="en-US" dirty="0" err="1" smtClean="0"/>
-              <a:t>camelCase</a:t>
-            </a:r>
-            <a:r>
-              <a:rPr lang="en-US" dirty="0" smtClean="0"/>
-              <a:t>.</a:t>
-            </a:r>
-          </a:p>
-          <a:p>
-            <a:r>
-              <a:rPr lang="en-US" dirty="0" smtClean="0"/>
-              <a:t>Also there are some reserve keywords in </a:t>
-            </a:r>
-            <a:r>
-              <a:rPr lang="en-US" dirty="0" err="1" smtClean="0"/>
-              <a:t>Javascript</a:t>
-            </a:r>
-            <a:r>
-              <a:rPr lang="en-US" dirty="0" smtClean="0"/>
-              <a:t> like ‘class’ and ‘for’. So use them as props react provides ‘</a:t>
-            </a:r>
-            <a:r>
-              <a:rPr lang="en-US" dirty="0" err="1" smtClean="0"/>
-              <a:t>className</a:t>
-            </a:r>
-            <a:r>
-              <a:rPr lang="en-US" dirty="0" smtClean="0"/>
-              <a:t>’ and ‘</a:t>
-            </a:r>
-            <a:r>
-              <a:rPr lang="en-US" dirty="0" err="1" smtClean="0"/>
-              <a:t>htmlFor</a:t>
-            </a:r>
-            <a:r>
-              <a:rPr lang="en-US" dirty="0" smtClean="0"/>
-              <a:t>’ respectively.</a:t>
-            </a:r>
-            <a:endParaRPr lang="en-US" dirty="0"/>
-          </a:p>
-        </p:txBody>
-      </p:sp>
-    </p:spTree>
-    <p:extLst>
-      <p:ext uri="{BB962C8B-B14F-4D97-AF65-F5344CB8AC3E}">
-        <p14:creationId xmlns:p14="http://schemas.microsoft.com/office/powerpoint/2010/main" val="1033684808"/>
-      </p:ext>
-    </p:extLst>
-  </p:cSld>
-  <p:clrMapOvr>
-    <a:masterClrMapping/>
-  </p:clrMapOvr>
-  <p:timing>
-    <p:tnLst>
-      <p:par>
-        <p:cTn id="1" dur="indefinite" restart="never" nodeType="tmRoot"/>
-      </p:par>
-    </p:tnLst>
-  </p:timing>
-</p:sld>
-</file>
-
-<file path=ppt/slides/slide21.xml><?xml version="1.0" encoding="utf-8"?>
-<p:sld xmlns:a="http://schemas.openxmlformats.org/drawingml/2006/main" xmlns:r="http://schemas.openxmlformats.org/officeDocument/2006/relationships" xmlns:p="http://schemas.openxmlformats.org/presentationml/2006/main">
-  <p:cSld>
-    <p:spTree>
-      <p:nvGrpSpPr>
-        <p:cNvPr id="1" name=""/>
-        <p:cNvGrpSpPr/>
-        <p:nvPr/>
-      </p:nvGrpSpPr>
-      <p:grpSpPr>
-        <a:xfrm>
-          <a:off x="0" y="0"/>
-          <a:ext cx="0" cy="0"/>
-          <a:chOff x="0" y="0"/>
-          <a:chExt cx="0" cy="0"/>
-        </a:xfrm>
-      </p:grpSpPr>
-      <p:sp>
-        <p:nvSpPr>
-          <p:cNvPr id="2" name="Title 1"/>
-          <p:cNvSpPr>
-            <a:spLocks noGrp="1"/>
-          </p:cNvSpPr>
-          <p:nvPr>
-            <p:ph type="title"/>
-          </p:nvPr>
-        </p:nvSpPr>
-        <p:spPr/>
-        <p:txBody>
-          <a:bodyPr/>
-          <a:lstStyle/>
-          <a:p>
+              <a:t>Introducing </a:t>
+            </a:r>
             <a:r>
               <a:rPr lang="en-US" dirty="0" err="1" smtClean="0"/>
               <a:t>Alt.Js</a:t>
@@ -5237,7 +3726,3106 @@
 </p:sld>
 </file>
 
+<file path=ppt/slides/slide14.xml><?xml version="1.0" encoding="utf-8"?>
+<p:sld xmlns:a="http://schemas.openxmlformats.org/drawingml/2006/main" xmlns:r="http://schemas.openxmlformats.org/officeDocument/2006/relationships" xmlns:p="http://schemas.openxmlformats.org/presentationml/2006/main">
+  <p:cSld>
+    <p:spTree>
+      <p:nvGrpSpPr>
+        <p:cNvPr id="1" name=""/>
+        <p:cNvGrpSpPr/>
+        <p:nvPr/>
+      </p:nvGrpSpPr>
+      <p:grpSpPr>
+        <a:xfrm>
+          <a:off x="0" y="0"/>
+          <a:ext cx="0" cy="0"/>
+          <a:chOff x="0" y="0"/>
+          <a:chExt cx="0" cy="0"/>
+        </a:xfrm>
+      </p:grpSpPr>
+      <p:sp>
+        <p:nvSpPr>
+          <p:cNvPr id="2" name="Title 1"/>
+          <p:cNvSpPr>
+            <a:spLocks noGrp="1"/>
+          </p:cNvSpPr>
+          <p:nvPr>
+            <p:ph type="title"/>
+          </p:nvPr>
+        </p:nvSpPr>
+        <p:spPr/>
+        <p:txBody>
+          <a:bodyPr/>
+          <a:lstStyle/>
+          <a:p>
+            <a:r>
+              <a:rPr lang="en-US" dirty="0" smtClean="0"/>
+              <a:t>Installing Alt</a:t>
+            </a:r>
+            <a:endParaRPr lang="en-US" dirty="0"/>
+          </a:p>
+        </p:txBody>
+      </p:sp>
+      <p:sp>
+        <p:nvSpPr>
+          <p:cNvPr id="3" name="Content Placeholder 2"/>
+          <p:cNvSpPr>
+            <a:spLocks noGrp="1"/>
+          </p:cNvSpPr>
+          <p:nvPr>
+            <p:ph idx="1"/>
+          </p:nvPr>
+        </p:nvSpPr>
+        <p:spPr/>
+        <p:txBody>
+          <a:bodyPr/>
+          <a:lstStyle/>
+          <a:p>
+            <a:pPr marL="0" indent="0">
+              <a:buNone/>
+            </a:pPr>
+            <a:r>
+              <a:rPr lang="en-US" dirty="0" smtClean="0"/>
+              <a:t>Using </a:t>
+            </a:r>
+            <a:r>
+              <a:rPr lang="en-US" dirty="0" err="1" smtClean="0"/>
+              <a:t>npm</a:t>
+            </a:r>
+            <a:r>
+              <a:rPr lang="en-US" dirty="0" smtClean="0"/>
+              <a:t> we can run the following command at the root directory of our project.</a:t>
+            </a:r>
+          </a:p>
+          <a:p>
+            <a:pPr marL="0" indent="0">
+              <a:buNone/>
+            </a:pPr>
+            <a:r>
+              <a:rPr lang="en-US" dirty="0" smtClean="0"/>
+              <a:t>				</a:t>
+            </a:r>
+            <a:r>
+              <a:rPr lang="en-US" dirty="0" err="1" smtClean="0"/>
+              <a:t>npm</a:t>
+            </a:r>
+            <a:r>
+              <a:rPr lang="en-US" dirty="0" smtClean="0"/>
+              <a:t> </a:t>
+            </a:r>
+            <a:r>
+              <a:rPr lang="en-US" dirty="0"/>
+              <a:t>install </a:t>
+            </a:r>
+            <a:r>
+              <a:rPr lang="en-US" dirty="0" smtClean="0"/>
+              <a:t>alt</a:t>
+            </a:r>
+          </a:p>
+          <a:p>
+            <a:pPr marL="0" indent="0">
+              <a:buNone/>
+            </a:pPr>
+            <a:endParaRPr lang="en-US" dirty="0" smtClean="0"/>
+          </a:p>
+          <a:p>
+            <a:pPr marL="0" indent="0">
+              <a:buNone/>
+            </a:pPr>
+            <a:r>
+              <a:rPr lang="en-US" dirty="0" smtClean="0"/>
+              <a:t>This will install the require node modules of alt to the project directory.</a:t>
+            </a:r>
+          </a:p>
+          <a:p>
+            <a:pPr marL="0" indent="0">
+              <a:buNone/>
+            </a:pPr>
+            <a:endParaRPr lang="en-US" dirty="0"/>
+          </a:p>
+        </p:txBody>
+      </p:sp>
+    </p:spTree>
+    <p:extLst>
+      <p:ext uri="{BB962C8B-B14F-4D97-AF65-F5344CB8AC3E}">
+        <p14:creationId xmlns:p14="http://schemas.microsoft.com/office/powerpoint/2010/main" val="339529596"/>
+      </p:ext>
+    </p:extLst>
+  </p:cSld>
+  <p:clrMapOvr>
+    <a:masterClrMapping/>
+  </p:clrMapOvr>
+  <p:timing>
+    <p:tnLst>
+      <p:par>
+        <p:cTn id="1" dur="indefinite" restart="never" nodeType="tmRoot"/>
+      </p:par>
+    </p:tnLst>
+  </p:timing>
+</p:sld>
+</file>
+
+<file path=ppt/slides/slide15.xml><?xml version="1.0" encoding="utf-8"?>
+<p:sld xmlns:a="http://schemas.openxmlformats.org/drawingml/2006/main" xmlns:r="http://schemas.openxmlformats.org/officeDocument/2006/relationships" xmlns:p="http://schemas.openxmlformats.org/presentationml/2006/main">
+  <p:cSld>
+    <p:spTree>
+      <p:nvGrpSpPr>
+        <p:cNvPr id="1" name=""/>
+        <p:cNvGrpSpPr/>
+        <p:nvPr/>
+      </p:nvGrpSpPr>
+      <p:grpSpPr>
+        <a:xfrm>
+          <a:off x="0" y="0"/>
+          <a:ext cx="0" cy="0"/>
+          <a:chOff x="0" y="0"/>
+          <a:chExt cx="0" cy="0"/>
+        </a:xfrm>
+      </p:grpSpPr>
+      <p:sp>
+        <p:nvSpPr>
+          <p:cNvPr id="2" name="Title 1"/>
+          <p:cNvSpPr>
+            <a:spLocks noGrp="1"/>
+          </p:cNvSpPr>
+          <p:nvPr>
+            <p:ph type="title"/>
+          </p:nvPr>
+        </p:nvSpPr>
+        <p:spPr/>
+        <p:txBody>
+          <a:bodyPr/>
+          <a:lstStyle/>
+          <a:p>
+            <a:r>
+              <a:rPr lang="en-US" dirty="0" smtClean="0"/>
+              <a:t>Alt Directory Structure</a:t>
+            </a:r>
+            <a:endParaRPr lang="en-US" dirty="0"/>
+          </a:p>
+        </p:txBody>
+      </p:sp>
+      <p:sp>
+        <p:nvSpPr>
+          <p:cNvPr id="3" name="Content Placeholder 2"/>
+          <p:cNvSpPr>
+            <a:spLocks noGrp="1"/>
+          </p:cNvSpPr>
+          <p:nvPr>
+            <p:ph idx="1"/>
+          </p:nvPr>
+        </p:nvSpPr>
+        <p:spPr/>
+        <p:txBody>
+          <a:bodyPr>
+            <a:normAutofit lnSpcReduction="10000"/>
+          </a:bodyPr>
+          <a:lstStyle/>
+          <a:p>
+            <a:pPr marL="0" indent="0">
+              <a:buNone/>
+            </a:pPr>
+            <a:r>
+              <a:rPr lang="en-US" dirty="0" smtClean="0"/>
+              <a:t>A typical directory structure of alt look like:</a:t>
+            </a:r>
+          </a:p>
+          <a:p>
+            <a:pPr marL="0" indent="0">
+              <a:buNone/>
+            </a:pPr>
+            <a:endParaRPr lang="en-US" dirty="0"/>
+          </a:p>
+          <a:p>
+            <a:pPr marL="0" indent="0">
+              <a:buNone/>
+            </a:pPr>
+            <a:r>
+              <a:rPr lang="en-US" sz="2000" dirty="0" err="1" smtClean="0"/>
+              <a:t>my_project</a:t>
+            </a:r>
+            <a:endParaRPr lang="en-US" sz="2000" dirty="0"/>
+          </a:p>
+          <a:p>
+            <a:pPr marL="0" indent="0">
+              <a:buNone/>
+            </a:pPr>
+            <a:r>
+              <a:rPr lang="en-US" sz="2000" dirty="0"/>
+              <a:t>|--actions/</a:t>
+            </a:r>
+          </a:p>
+          <a:p>
+            <a:pPr marL="0" indent="0">
+              <a:buNone/>
+            </a:pPr>
+            <a:r>
+              <a:rPr lang="en-US" sz="2000" dirty="0"/>
+              <a:t>|  </a:t>
+            </a:r>
+            <a:r>
+              <a:rPr lang="en-US" sz="2000" dirty="0" smtClean="0"/>
+              <a:t>	|--MyActions.js </a:t>
+            </a:r>
+            <a:r>
+              <a:rPr lang="en-US" sz="2000" dirty="0" smtClean="0">
+                <a:solidFill>
+                  <a:schemeClr val="accent1">
+                    <a:lumMod val="75000"/>
+                  </a:schemeClr>
+                </a:solidFill>
+              </a:rPr>
+              <a:t>// contains the actions that needs to dispatch to the controllers</a:t>
+            </a:r>
+            <a:endParaRPr lang="en-US" sz="2000" dirty="0">
+              <a:solidFill>
+                <a:schemeClr val="accent1">
+                  <a:lumMod val="75000"/>
+                </a:schemeClr>
+              </a:solidFill>
+            </a:endParaRPr>
+          </a:p>
+          <a:p>
+            <a:pPr marL="0" indent="0">
+              <a:buNone/>
+            </a:pPr>
+            <a:r>
+              <a:rPr lang="en-US" sz="2000" dirty="0"/>
+              <a:t>|--stores/</a:t>
+            </a:r>
+          </a:p>
+          <a:p>
+            <a:pPr marL="0" indent="0">
+              <a:buNone/>
+            </a:pPr>
+            <a:r>
+              <a:rPr lang="en-US" sz="2000" dirty="0"/>
+              <a:t>|  </a:t>
+            </a:r>
+            <a:r>
+              <a:rPr lang="en-US" sz="2000" dirty="0" smtClean="0"/>
+              <a:t>	|--MyStore.js </a:t>
+            </a:r>
+            <a:r>
+              <a:rPr lang="en-US" sz="2000" dirty="0" smtClean="0">
+                <a:solidFill>
+                  <a:schemeClr val="accent1">
+                    <a:lumMod val="75000"/>
+                  </a:schemeClr>
+                </a:solidFill>
+              </a:rPr>
+              <a:t>// the data store</a:t>
+            </a:r>
+            <a:endParaRPr lang="en-US" sz="2000" dirty="0">
+              <a:solidFill>
+                <a:schemeClr val="accent1">
+                  <a:lumMod val="75000"/>
+                </a:schemeClr>
+              </a:solidFill>
+            </a:endParaRPr>
+          </a:p>
+          <a:p>
+            <a:pPr marL="0" indent="0">
+              <a:buNone/>
+            </a:pPr>
+            <a:r>
+              <a:rPr lang="en-US" sz="2000" dirty="0"/>
+              <a:t>|--components/</a:t>
+            </a:r>
+          </a:p>
+          <a:p>
+            <a:pPr marL="0" indent="0">
+              <a:buNone/>
+            </a:pPr>
+            <a:r>
+              <a:rPr lang="en-US" sz="2000" dirty="0"/>
+              <a:t>|  </a:t>
+            </a:r>
+            <a:r>
+              <a:rPr lang="en-US" sz="2000" dirty="0" smtClean="0"/>
+              <a:t>	|--MyComponent.js </a:t>
+            </a:r>
+            <a:r>
+              <a:rPr lang="en-US" sz="2000" dirty="0" smtClean="0">
+                <a:solidFill>
+                  <a:schemeClr val="accent1">
+                    <a:lumMod val="75000"/>
+                  </a:schemeClr>
+                </a:solidFill>
+              </a:rPr>
+              <a:t>// view components to render the data coming from stores</a:t>
+            </a:r>
+            <a:endParaRPr lang="en-US" sz="2000" dirty="0">
+              <a:solidFill>
+                <a:schemeClr val="accent1">
+                  <a:lumMod val="75000"/>
+                </a:schemeClr>
+              </a:solidFill>
+            </a:endParaRPr>
+          </a:p>
+          <a:p>
+            <a:pPr marL="0" indent="0">
+              <a:buNone/>
+            </a:pPr>
+            <a:r>
+              <a:rPr lang="en-US" sz="2000" dirty="0"/>
+              <a:t>|--</a:t>
+            </a:r>
+            <a:r>
+              <a:rPr lang="en-US" sz="2000" dirty="0" smtClean="0"/>
+              <a:t>alt.js </a:t>
+            </a:r>
+            <a:r>
+              <a:rPr lang="en-US" sz="2000" dirty="0" smtClean="0">
+                <a:solidFill>
+                  <a:schemeClr val="accent1">
+                    <a:lumMod val="75000"/>
+                  </a:schemeClr>
+                </a:solidFill>
+              </a:rPr>
+              <a:t>// contains the code of initializing alt object</a:t>
+            </a:r>
+            <a:endParaRPr lang="en-US" sz="2000" dirty="0">
+              <a:solidFill>
+                <a:schemeClr val="accent1">
+                  <a:lumMod val="75000"/>
+                </a:schemeClr>
+              </a:solidFill>
+            </a:endParaRPr>
+          </a:p>
+          <a:p>
+            <a:pPr marL="0" indent="0">
+              <a:buNone/>
+            </a:pPr>
+            <a:r>
+              <a:rPr lang="en-US" sz="2000" dirty="0"/>
+              <a:t>|--</a:t>
+            </a:r>
+            <a:r>
+              <a:rPr lang="en-US" sz="2000" dirty="0" smtClean="0"/>
+              <a:t>app.js </a:t>
+            </a:r>
+            <a:r>
+              <a:rPr lang="en-US" sz="2000" dirty="0" smtClean="0">
+                <a:solidFill>
+                  <a:schemeClr val="accent1">
+                    <a:lumMod val="75000"/>
+                  </a:schemeClr>
+                </a:solidFill>
+              </a:rPr>
+              <a:t>// The main starting point of the app that uses alt object</a:t>
+            </a:r>
+            <a:endParaRPr lang="en-US" sz="2000" dirty="0">
+              <a:solidFill>
+                <a:schemeClr val="accent1">
+                  <a:lumMod val="75000"/>
+                </a:schemeClr>
+              </a:solidFill>
+            </a:endParaRPr>
+          </a:p>
+        </p:txBody>
+      </p:sp>
+    </p:spTree>
+    <p:extLst>
+      <p:ext uri="{BB962C8B-B14F-4D97-AF65-F5344CB8AC3E}">
+        <p14:creationId xmlns:p14="http://schemas.microsoft.com/office/powerpoint/2010/main" val="737697807"/>
+      </p:ext>
+    </p:extLst>
+  </p:cSld>
+  <p:clrMapOvr>
+    <a:masterClrMapping/>
+  </p:clrMapOvr>
+  <p:timing>
+    <p:tnLst>
+      <p:par>
+        <p:cTn id="1" dur="indefinite" restart="never" nodeType="tmRoot"/>
+      </p:par>
+    </p:tnLst>
+  </p:timing>
+</p:sld>
+</file>
+
+<file path=ppt/slides/slide16.xml><?xml version="1.0" encoding="utf-8"?>
+<p:sld xmlns:a="http://schemas.openxmlformats.org/drawingml/2006/main" xmlns:r="http://schemas.openxmlformats.org/officeDocument/2006/relationships" xmlns:p="http://schemas.openxmlformats.org/presentationml/2006/main">
+  <p:cSld>
+    <p:spTree>
+      <p:nvGrpSpPr>
+        <p:cNvPr id="1" name=""/>
+        <p:cNvGrpSpPr/>
+        <p:nvPr/>
+      </p:nvGrpSpPr>
+      <p:grpSpPr>
+        <a:xfrm>
+          <a:off x="0" y="0"/>
+          <a:ext cx="0" cy="0"/>
+          <a:chOff x="0" y="0"/>
+          <a:chExt cx="0" cy="0"/>
+        </a:xfrm>
+      </p:grpSpPr>
+      <p:sp>
+        <p:nvSpPr>
+          <p:cNvPr id="2" name="Title 1"/>
+          <p:cNvSpPr>
+            <a:spLocks noGrp="1"/>
+          </p:cNvSpPr>
+          <p:nvPr>
+            <p:ph type="title"/>
+          </p:nvPr>
+        </p:nvSpPr>
+        <p:spPr/>
+        <p:txBody>
+          <a:bodyPr/>
+          <a:lstStyle/>
+          <a:p>
+            <a:r>
+              <a:rPr lang="en-US" dirty="0" smtClean="0"/>
+              <a:t>Alt Actions</a:t>
+            </a:r>
+            <a:endParaRPr lang="en-US" dirty="0"/>
+          </a:p>
+        </p:txBody>
+      </p:sp>
+      <p:sp>
+        <p:nvSpPr>
+          <p:cNvPr id="3" name="Content Placeholder 2"/>
+          <p:cNvSpPr>
+            <a:spLocks noGrp="1"/>
+          </p:cNvSpPr>
+          <p:nvPr>
+            <p:ph idx="1"/>
+          </p:nvPr>
+        </p:nvSpPr>
+        <p:spPr/>
+        <p:txBody>
+          <a:bodyPr>
+            <a:normAutofit/>
+          </a:bodyPr>
+          <a:lstStyle/>
+          <a:p>
+            <a:pPr marL="0" indent="0">
+              <a:buNone/>
+            </a:pPr>
+            <a:r>
+              <a:rPr lang="en-US" sz="2000" dirty="0" err="1"/>
+              <a:t>var</a:t>
+            </a:r>
+            <a:r>
+              <a:rPr lang="en-US" sz="2000" dirty="0"/>
+              <a:t> alt = require('../alt</a:t>
+            </a:r>
+            <a:r>
+              <a:rPr lang="en-US" sz="2000" dirty="0" smtClean="0"/>
+              <a:t>');</a:t>
+            </a:r>
+          </a:p>
+          <a:p>
+            <a:pPr marL="0" indent="0">
+              <a:buNone/>
+            </a:pPr>
+            <a:r>
+              <a:rPr lang="en-US" sz="2000" dirty="0" smtClean="0"/>
+              <a:t>class </a:t>
+            </a:r>
+            <a:r>
+              <a:rPr lang="en-US" sz="2000" dirty="0" err="1" smtClean="0"/>
+              <a:t>CustomerActions</a:t>
+            </a:r>
+            <a:r>
+              <a:rPr lang="en-US" sz="2000" dirty="0" smtClean="0"/>
+              <a:t> </a:t>
+            </a:r>
+            <a:r>
+              <a:rPr lang="en-US" sz="2000" dirty="0"/>
+              <a:t>{</a:t>
+            </a:r>
+          </a:p>
+          <a:p>
+            <a:pPr marL="0" indent="0">
+              <a:buNone/>
+            </a:pPr>
+            <a:r>
+              <a:rPr lang="en-US" sz="2000" dirty="0"/>
+              <a:t>  </a:t>
+            </a:r>
+            <a:r>
+              <a:rPr lang="en-US" sz="2000" dirty="0" err="1" smtClean="0"/>
+              <a:t>updateCustomers</a:t>
+            </a:r>
+            <a:r>
+              <a:rPr lang="en-US" sz="2000" dirty="0" smtClean="0"/>
+              <a:t>(customers) { </a:t>
+            </a:r>
+            <a:r>
+              <a:rPr lang="en-US" sz="2000" dirty="0" smtClean="0">
+                <a:solidFill>
+                  <a:schemeClr val="accent1">
+                    <a:lumMod val="75000"/>
+                  </a:schemeClr>
+                </a:solidFill>
+              </a:rPr>
+              <a:t>//an action getting the customers payload</a:t>
+            </a:r>
+            <a:endParaRPr lang="en-US" sz="2000" dirty="0">
+              <a:solidFill>
+                <a:schemeClr val="accent1">
+                  <a:lumMod val="75000"/>
+                </a:schemeClr>
+              </a:solidFill>
+            </a:endParaRPr>
+          </a:p>
+          <a:p>
+            <a:pPr marL="0" indent="0">
+              <a:buNone/>
+            </a:pPr>
+            <a:r>
+              <a:rPr lang="en-US" sz="2000" dirty="0"/>
+              <a:t>    return customers</a:t>
+            </a:r>
+            <a:r>
+              <a:rPr lang="en-US" sz="2000" dirty="0" smtClean="0"/>
+              <a:t>; </a:t>
+            </a:r>
+            <a:r>
+              <a:rPr lang="en-US" sz="2000" dirty="0" smtClean="0">
+                <a:solidFill>
+                  <a:schemeClr val="accent1">
+                    <a:lumMod val="75000"/>
+                  </a:schemeClr>
+                </a:solidFill>
+              </a:rPr>
+              <a:t>//or we can use </a:t>
+            </a:r>
+            <a:r>
+              <a:rPr lang="en-US" sz="2000" dirty="0" err="1" smtClean="0">
+                <a:solidFill>
+                  <a:schemeClr val="accent1">
+                    <a:lumMod val="75000"/>
+                  </a:schemeClr>
+                </a:solidFill>
+              </a:rPr>
+              <a:t>this.dispatch</a:t>
+            </a:r>
+            <a:r>
+              <a:rPr lang="en-US" sz="2000" dirty="0" smtClean="0">
+                <a:solidFill>
+                  <a:schemeClr val="accent1">
+                    <a:lumMod val="75000"/>
+                  </a:schemeClr>
+                </a:solidFill>
+              </a:rPr>
+              <a:t>(customers) to dispatch this action</a:t>
+            </a:r>
+            <a:endParaRPr lang="en-US" sz="2000" dirty="0">
+              <a:solidFill>
+                <a:schemeClr val="accent1">
+                  <a:lumMod val="75000"/>
+                </a:schemeClr>
+              </a:solidFill>
+            </a:endParaRPr>
+          </a:p>
+          <a:p>
+            <a:pPr marL="0" indent="0">
+              <a:buNone/>
+            </a:pPr>
+            <a:r>
+              <a:rPr lang="en-US" sz="2000" dirty="0"/>
+              <a:t>  }</a:t>
+            </a:r>
+          </a:p>
+          <a:p>
+            <a:pPr marL="0" indent="0">
+              <a:buNone/>
+            </a:pPr>
+            <a:r>
+              <a:rPr lang="en-US" sz="2000" dirty="0" smtClean="0"/>
+              <a:t>}</a:t>
+            </a:r>
+            <a:endParaRPr lang="en-US" sz="2000" dirty="0"/>
+          </a:p>
+          <a:p>
+            <a:pPr marL="0" indent="0">
+              <a:buNone/>
+            </a:pPr>
+            <a:r>
+              <a:rPr lang="en-US" sz="2000" dirty="0" err="1" smtClean="0"/>
+              <a:t>module.exports</a:t>
+            </a:r>
+            <a:r>
+              <a:rPr lang="en-US" sz="2000" dirty="0" smtClean="0"/>
+              <a:t> </a:t>
+            </a:r>
+            <a:r>
+              <a:rPr lang="en-US" sz="2000" dirty="0"/>
+              <a:t>= </a:t>
+            </a:r>
+            <a:r>
+              <a:rPr lang="en-US" sz="2000" dirty="0" err="1" smtClean="0"/>
+              <a:t>alt.createActions</a:t>
+            </a:r>
+            <a:r>
+              <a:rPr lang="en-US" sz="2000" dirty="0" smtClean="0"/>
+              <a:t>(</a:t>
+            </a:r>
+            <a:r>
+              <a:rPr lang="en-US" sz="2000" dirty="0" err="1" smtClean="0"/>
+              <a:t>CustomerActions</a:t>
+            </a:r>
+            <a:r>
+              <a:rPr lang="en-US" sz="2000" dirty="0" smtClean="0"/>
+              <a:t>); </a:t>
+            </a:r>
+            <a:r>
+              <a:rPr lang="en-US" sz="2000" dirty="0" smtClean="0">
+                <a:solidFill>
+                  <a:schemeClr val="accent1">
+                    <a:lumMod val="75000"/>
+                  </a:schemeClr>
+                </a:solidFill>
+              </a:rPr>
+              <a:t>//this will create the actions and export it as 						       module</a:t>
+            </a:r>
+          </a:p>
+          <a:p>
+            <a:pPr marL="0" indent="0">
+              <a:buNone/>
+            </a:pPr>
+            <a:endParaRPr lang="en-US" sz="2000" dirty="0"/>
+          </a:p>
+          <a:p>
+            <a:pPr marL="0" indent="0">
+              <a:buNone/>
+            </a:pPr>
+            <a:r>
+              <a:rPr lang="en-US" sz="2000" b="1" dirty="0" smtClean="0"/>
+              <a:t>NOTE:</a:t>
+            </a:r>
+            <a:r>
+              <a:rPr lang="en-US" sz="2000" dirty="0" smtClean="0"/>
+              <a:t> Alt is meant to use the ES6 syntax of class and constructors . But we can convert it to ES5 syntax using a </a:t>
+            </a:r>
+            <a:r>
+              <a:rPr lang="en-US" sz="2000" dirty="0" err="1" smtClean="0"/>
+              <a:t>javascript</a:t>
+            </a:r>
+            <a:r>
+              <a:rPr lang="en-US" sz="2000" dirty="0" smtClean="0"/>
+              <a:t> </a:t>
+            </a:r>
+            <a:r>
+              <a:rPr lang="en-US" sz="2000" dirty="0" err="1" smtClean="0"/>
+              <a:t>utitilty</a:t>
+            </a:r>
+            <a:r>
+              <a:rPr lang="en-US" sz="2000" dirty="0" smtClean="0"/>
+              <a:t>. </a:t>
+            </a:r>
+            <a:endParaRPr lang="en-US" sz="2000" b="1" dirty="0"/>
+          </a:p>
+        </p:txBody>
+      </p:sp>
+    </p:spTree>
+    <p:extLst>
+      <p:ext uri="{BB962C8B-B14F-4D97-AF65-F5344CB8AC3E}">
+        <p14:creationId xmlns:p14="http://schemas.microsoft.com/office/powerpoint/2010/main" val="1021464198"/>
+      </p:ext>
+    </p:extLst>
+  </p:cSld>
+  <p:clrMapOvr>
+    <a:masterClrMapping/>
+  </p:clrMapOvr>
+  <p:timing>
+    <p:tnLst>
+      <p:par>
+        <p:cTn id="1" dur="indefinite" restart="never" nodeType="tmRoot"/>
+      </p:par>
+    </p:tnLst>
+  </p:timing>
+</p:sld>
+</file>
+
+<file path=ppt/slides/slide17.xml><?xml version="1.0" encoding="utf-8"?>
+<p:sld xmlns:a="http://schemas.openxmlformats.org/drawingml/2006/main" xmlns:r="http://schemas.openxmlformats.org/officeDocument/2006/relationships" xmlns:p="http://schemas.openxmlformats.org/presentationml/2006/main">
+  <p:cSld>
+    <p:spTree>
+      <p:nvGrpSpPr>
+        <p:cNvPr id="1" name=""/>
+        <p:cNvGrpSpPr/>
+        <p:nvPr/>
+      </p:nvGrpSpPr>
+      <p:grpSpPr>
+        <a:xfrm>
+          <a:off x="0" y="0"/>
+          <a:ext cx="0" cy="0"/>
+          <a:chOff x="0" y="0"/>
+          <a:chExt cx="0" cy="0"/>
+        </a:xfrm>
+      </p:grpSpPr>
+      <p:sp>
+        <p:nvSpPr>
+          <p:cNvPr id="2" name="Title 1"/>
+          <p:cNvSpPr>
+            <a:spLocks noGrp="1"/>
+          </p:cNvSpPr>
+          <p:nvPr>
+            <p:ph type="title"/>
+          </p:nvPr>
+        </p:nvSpPr>
+        <p:spPr/>
+        <p:txBody>
+          <a:bodyPr/>
+          <a:lstStyle/>
+          <a:p>
+            <a:r>
+              <a:rPr lang="en-US" dirty="0" smtClean="0"/>
+              <a:t>Alt Stores</a:t>
+            </a:r>
+            <a:endParaRPr lang="en-US" dirty="0"/>
+          </a:p>
+        </p:txBody>
+      </p:sp>
+      <p:sp>
+        <p:nvSpPr>
+          <p:cNvPr id="3" name="Content Placeholder 2"/>
+          <p:cNvSpPr>
+            <a:spLocks noGrp="1"/>
+          </p:cNvSpPr>
+          <p:nvPr>
+            <p:ph idx="1"/>
+          </p:nvPr>
+        </p:nvSpPr>
+        <p:spPr/>
+        <p:txBody>
+          <a:bodyPr>
+            <a:normAutofit fontScale="85000" lnSpcReduction="20000"/>
+          </a:bodyPr>
+          <a:lstStyle/>
+          <a:p>
+            <a:pPr marL="0" indent="0">
+              <a:buNone/>
+            </a:pPr>
+            <a:r>
+              <a:rPr lang="en-US" sz="1600" dirty="0" err="1"/>
+              <a:t>var</a:t>
+            </a:r>
+            <a:r>
+              <a:rPr lang="en-US" sz="1600" dirty="0"/>
+              <a:t> alt = require('../alt');</a:t>
+            </a:r>
+          </a:p>
+          <a:p>
+            <a:pPr marL="0" indent="0">
+              <a:buNone/>
+            </a:pPr>
+            <a:r>
+              <a:rPr lang="en-US" sz="1600" dirty="0" err="1"/>
+              <a:t>var</a:t>
+            </a:r>
+            <a:r>
+              <a:rPr lang="en-US" sz="1600" dirty="0"/>
+              <a:t> </a:t>
+            </a:r>
+            <a:r>
+              <a:rPr lang="en-US" sz="1600" dirty="0" err="1" smtClean="0"/>
+              <a:t>CustomerActions</a:t>
+            </a:r>
+            <a:r>
+              <a:rPr lang="en-US" sz="1600" dirty="0" smtClean="0"/>
+              <a:t> </a:t>
+            </a:r>
+            <a:r>
+              <a:rPr lang="en-US" sz="1600" dirty="0"/>
+              <a:t>= require('../</a:t>
+            </a:r>
+            <a:r>
+              <a:rPr lang="en-US" sz="1600" dirty="0" smtClean="0"/>
+              <a:t>actions/</a:t>
+            </a:r>
+            <a:r>
+              <a:rPr lang="en-US" sz="1600" dirty="0" err="1" smtClean="0"/>
+              <a:t>CustomerActions</a:t>
+            </a:r>
+            <a:r>
+              <a:rPr lang="en-US" sz="1600" dirty="0" smtClean="0"/>
+              <a:t>'); </a:t>
+            </a:r>
+            <a:r>
+              <a:rPr lang="en-US" sz="1600" dirty="0" smtClean="0">
+                <a:solidFill>
+                  <a:schemeClr val="accent1">
+                    <a:lumMod val="75000"/>
+                  </a:schemeClr>
+                </a:solidFill>
+              </a:rPr>
+              <a:t>//Loading the created customer actions</a:t>
+            </a:r>
+            <a:endParaRPr lang="en-US" sz="1600" dirty="0">
+              <a:solidFill>
+                <a:schemeClr val="accent1">
+                  <a:lumMod val="75000"/>
+                </a:schemeClr>
+              </a:solidFill>
+            </a:endParaRPr>
+          </a:p>
+          <a:p>
+            <a:pPr marL="0" indent="0">
+              <a:buNone/>
+            </a:pPr>
+            <a:r>
+              <a:rPr lang="en-US" sz="1600" dirty="0"/>
+              <a:t>class </a:t>
+            </a:r>
+            <a:r>
+              <a:rPr lang="en-US" sz="1600" dirty="0" err="1" smtClean="0"/>
+              <a:t>CustomerStore</a:t>
+            </a:r>
+            <a:r>
+              <a:rPr lang="en-US" sz="1600" dirty="0" smtClean="0"/>
+              <a:t> { </a:t>
+            </a:r>
+            <a:r>
+              <a:rPr lang="en-US" sz="1600" dirty="0" smtClean="0">
+                <a:solidFill>
+                  <a:schemeClr val="accent1">
+                    <a:lumMod val="75000"/>
+                  </a:schemeClr>
+                </a:solidFill>
+              </a:rPr>
+              <a:t>//defining store class</a:t>
+            </a:r>
+            <a:endParaRPr lang="en-US" sz="1600" dirty="0">
+              <a:solidFill>
+                <a:schemeClr val="accent1">
+                  <a:lumMod val="75000"/>
+                </a:schemeClr>
+              </a:solidFill>
+            </a:endParaRPr>
+          </a:p>
+          <a:p>
+            <a:pPr marL="0" indent="0">
+              <a:buNone/>
+            </a:pPr>
+            <a:r>
+              <a:rPr lang="en-US" sz="1600" dirty="0"/>
+              <a:t>  constructor() {</a:t>
+            </a:r>
+          </a:p>
+          <a:p>
+            <a:pPr marL="0" indent="0">
+              <a:buNone/>
+            </a:pPr>
+            <a:r>
+              <a:rPr lang="en-US" sz="1600" dirty="0"/>
+              <a:t>    </a:t>
+            </a:r>
+            <a:r>
+              <a:rPr lang="en-US" sz="1600" dirty="0" err="1" smtClean="0"/>
+              <a:t>this.customers</a:t>
+            </a:r>
+            <a:r>
+              <a:rPr lang="en-US" sz="1600" dirty="0" smtClean="0"/>
+              <a:t> </a:t>
+            </a:r>
+            <a:r>
+              <a:rPr lang="en-US" sz="1600" dirty="0"/>
+              <a:t>= </a:t>
+            </a:r>
+            <a:r>
+              <a:rPr lang="en-US" sz="1600" dirty="0" smtClean="0"/>
+              <a:t>[]; </a:t>
+            </a:r>
+            <a:r>
+              <a:rPr lang="en-US" sz="1600" dirty="0" smtClean="0">
+                <a:solidFill>
+                  <a:schemeClr val="accent1">
+                    <a:lumMod val="75000"/>
+                  </a:schemeClr>
+                </a:solidFill>
+              </a:rPr>
+              <a:t>//any class member defines inside the store constructors will be treated as store’s state variables</a:t>
+            </a:r>
+            <a:endParaRPr lang="en-US" sz="1600" dirty="0">
+              <a:solidFill>
+                <a:schemeClr val="accent1">
+                  <a:lumMod val="75000"/>
+                </a:schemeClr>
+              </a:solidFill>
+            </a:endParaRPr>
+          </a:p>
+          <a:p>
+            <a:pPr marL="0" indent="0">
+              <a:buNone/>
+            </a:pPr>
+            <a:endParaRPr lang="en-US" sz="1600" dirty="0"/>
+          </a:p>
+          <a:p>
+            <a:pPr marL="0" indent="0">
+              <a:buNone/>
+            </a:pPr>
+            <a:r>
+              <a:rPr lang="en-US" sz="1600" dirty="0"/>
+              <a:t>    </a:t>
+            </a:r>
+            <a:r>
+              <a:rPr lang="en-US" sz="1600" dirty="0" err="1"/>
+              <a:t>this.bindListeners</a:t>
+            </a:r>
+            <a:r>
+              <a:rPr lang="en-US" sz="1600" dirty="0"/>
+              <a:t>({</a:t>
+            </a:r>
+          </a:p>
+          <a:p>
+            <a:pPr marL="0" indent="0">
+              <a:buNone/>
+            </a:pPr>
+            <a:r>
+              <a:rPr lang="en-US" sz="1600" dirty="0"/>
+              <a:t>      </a:t>
+            </a:r>
+            <a:r>
+              <a:rPr lang="en-US" sz="1600" dirty="0" err="1" smtClean="0"/>
+              <a:t>handleUpdateCustomers</a:t>
+            </a:r>
+            <a:r>
+              <a:rPr lang="en-US" sz="1600" dirty="0" smtClean="0"/>
+              <a:t>: </a:t>
+            </a:r>
+            <a:r>
+              <a:rPr lang="en-US" sz="1600" dirty="0" err="1" smtClean="0"/>
+              <a:t>LocationActions.updateCustomers</a:t>
+            </a:r>
+            <a:r>
+              <a:rPr lang="en-US" sz="1600" dirty="0" smtClean="0"/>
+              <a:t> </a:t>
+            </a:r>
+            <a:r>
+              <a:rPr lang="en-US" sz="1600" dirty="0" smtClean="0">
+                <a:solidFill>
+                  <a:schemeClr val="accent1">
+                    <a:lumMod val="75000"/>
+                  </a:schemeClr>
+                </a:solidFill>
+              </a:rPr>
+              <a:t>// binding the stores callback to the action. So whenever the action is 	</a:t>
+            </a:r>
+            <a:r>
+              <a:rPr lang="en-US" sz="1600" dirty="0" smtClean="0"/>
+              <a:t>					</a:t>
+            </a:r>
+            <a:r>
+              <a:rPr lang="en-US" sz="1600" dirty="0" smtClean="0">
+                <a:solidFill>
+                  <a:schemeClr val="accent1">
+                    <a:lumMod val="75000"/>
+                  </a:schemeClr>
+                </a:solidFill>
+              </a:rPr>
+              <a:t>      dispatched it will be handle by the callback </a:t>
+            </a:r>
+            <a:endParaRPr lang="en-US" sz="1600" dirty="0">
+              <a:solidFill>
+                <a:schemeClr val="accent1">
+                  <a:lumMod val="75000"/>
+                </a:schemeClr>
+              </a:solidFill>
+            </a:endParaRPr>
+          </a:p>
+          <a:p>
+            <a:pPr marL="0" indent="0">
+              <a:buNone/>
+            </a:pPr>
+            <a:r>
+              <a:rPr lang="en-US" sz="1600" dirty="0"/>
+              <a:t>    });</a:t>
+            </a:r>
+          </a:p>
+          <a:p>
+            <a:pPr marL="0" indent="0">
+              <a:buNone/>
+            </a:pPr>
+            <a:r>
+              <a:rPr lang="en-US" sz="1600" dirty="0"/>
+              <a:t>  </a:t>
+            </a:r>
+            <a:r>
+              <a:rPr lang="en-US" sz="1600" dirty="0" smtClean="0"/>
+              <a:t>}</a:t>
+            </a:r>
+            <a:endParaRPr lang="en-US" sz="1600" dirty="0"/>
+          </a:p>
+          <a:p>
+            <a:pPr marL="0" indent="0">
+              <a:buNone/>
+            </a:pPr>
+            <a:r>
+              <a:rPr lang="en-US" sz="1600" dirty="0"/>
+              <a:t>  </a:t>
+            </a:r>
+            <a:r>
+              <a:rPr lang="en-US" sz="1600" dirty="0" err="1" smtClean="0"/>
+              <a:t>handleUpdateCustomers</a:t>
+            </a:r>
+            <a:r>
+              <a:rPr lang="en-US" sz="1600" dirty="0" smtClean="0"/>
+              <a:t>(customers) { </a:t>
+            </a:r>
+            <a:r>
+              <a:rPr lang="en-US" sz="1600" dirty="0" smtClean="0">
+                <a:solidFill>
+                  <a:schemeClr val="accent1">
+                    <a:lumMod val="75000"/>
+                  </a:schemeClr>
+                </a:solidFill>
+              </a:rPr>
+              <a:t>//the callback of </a:t>
+            </a:r>
+            <a:r>
+              <a:rPr lang="en-US" sz="1600" dirty="0" err="1" smtClean="0">
+                <a:solidFill>
+                  <a:schemeClr val="accent1">
+                    <a:lumMod val="75000"/>
+                  </a:schemeClr>
+                </a:solidFill>
+              </a:rPr>
+              <a:t>updateCustomers</a:t>
+            </a:r>
+            <a:r>
+              <a:rPr lang="en-US" sz="1600" dirty="0" smtClean="0">
+                <a:solidFill>
+                  <a:schemeClr val="accent1">
+                    <a:lumMod val="75000"/>
+                  </a:schemeClr>
+                </a:solidFill>
+              </a:rPr>
+              <a:t> action</a:t>
+            </a:r>
+            <a:endParaRPr lang="en-US" sz="1600" dirty="0">
+              <a:solidFill>
+                <a:schemeClr val="accent1">
+                  <a:lumMod val="75000"/>
+                </a:schemeClr>
+              </a:solidFill>
+            </a:endParaRPr>
+          </a:p>
+          <a:p>
+            <a:pPr marL="0" indent="0">
+              <a:buNone/>
+            </a:pPr>
+            <a:r>
+              <a:rPr lang="en-US" sz="1600" dirty="0"/>
+              <a:t>    this</a:t>
+            </a:r>
+            <a:r>
+              <a:rPr lang="en-US" sz="1600" dirty="0" smtClean="0"/>
+              <a:t>.</a:t>
+            </a:r>
+            <a:r>
+              <a:rPr lang="en-US" sz="1600" dirty="0"/>
+              <a:t> customers</a:t>
+            </a:r>
+            <a:r>
+              <a:rPr lang="en-US" sz="1600" dirty="0" smtClean="0"/>
+              <a:t> </a:t>
+            </a:r>
+            <a:r>
+              <a:rPr lang="en-US" sz="1600" dirty="0"/>
+              <a:t>= customers</a:t>
+            </a:r>
+            <a:r>
+              <a:rPr lang="en-US" sz="1600" dirty="0" smtClean="0"/>
+              <a:t>;</a:t>
+            </a:r>
+            <a:endParaRPr lang="en-US" sz="1600" dirty="0"/>
+          </a:p>
+          <a:p>
+            <a:pPr marL="0" indent="0">
+              <a:buNone/>
+            </a:pPr>
+            <a:r>
+              <a:rPr lang="en-US" sz="1600" dirty="0"/>
+              <a:t>  }</a:t>
+            </a:r>
+          </a:p>
+          <a:p>
+            <a:pPr marL="0" indent="0">
+              <a:buNone/>
+            </a:pPr>
+            <a:r>
+              <a:rPr lang="en-US" sz="1600" dirty="0" smtClean="0"/>
+              <a:t>}</a:t>
+            </a:r>
+            <a:endParaRPr lang="en-US" sz="1600" dirty="0"/>
+          </a:p>
+          <a:p>
+            <a:pPr marL="0" indent="0">
+              <a:buNone/>
+            </a:pPr>
+            <a:r>
+              <a:rPr lang="en-US" sz="1600" dirty="0" err="1"/>
+              <a:t>module.exports</a:t>
+            </a:r>
+            <a:r>
+              <a:rPr lang="en-US" sz="1600" dirty="0"/>
+              <a:t> = </a:t>
+            </a:r>
+            <a:r>
+              <a:rPr lang="en-US" sz="1600" dirty="0" err="1" smtClean="0"/>
+              <a:t>alt.createStore</a:t>
+            </a:r>
+            <a:r>
+              <a:rPr lang="en-US" sz="1600" dirty="0" smtClean="0"/>
+              <a:t>(</a:t>
+            </a:r>
+            <a:r>
+              <a:rPr lang="en-US" sz="1600" dirty="0" err="1" smtClean="0"/>
+              <a:t>CustomerStore</a:t>
+            </a:r>
+            <a:r>
+              <a:rPr lang="en-US" sz="1600" dirty="0"/>
+              <a:t>, </a:t>
+            </a:r>
+            <a:r>
+              <a:rPr lang="en-US" sz="1600" dirty="0" smtClean="0"/>
+              <a:t>‘</a:t>
+            </a:r>
+            <a:r>
+              <a:rPr lang="en-US" sz="1600" dirty="0" err="1" smtClean="0"/>
+              <a:t>CustomerStore</a:t>
+            </a:r>
+            <a:r>
+              <a:rPr lang="en-US" sz="1600" dirty="0" smtClean="0"/>
+              <a:t>'); </a:t>
+            </a:r>
+            <a:r>
+              <a:rPr lang="en-US" sz="1600" dirty="0" smtClean="0">
+                <a:solidFill>
+                  <a:schemeClr val="accent1">
+                    <a:lumMod val="75000"/>
+                  </a:schemeClr>
+                </a:solidFill>
+              </a:rPr>
+              <a:t>//creating the class as alt store and export it</a:t>
+            </a:r>
+            <a:endParaRPr lang="en-US" sz="1600" dirty="0">
+              <a:solidFill>
+                <a:schemeClr val="accent1">
+                  <a:lumMod val="75000"/>
+                </a:schemeClr>
+              </a:solidFill>
+            </a:endParaRPr>
+          </a:p>
+        </p:txBody>
+      </p:sp>
+    </p:spTree>
+    <p:extLst>
+      <p:ext uri="{BB962C8B-B14F-4D97-AF65-F5344CB8AC3E}">
+        <p14:creationId xmlns:p14="http://schemas.microsoft.com/office/powerpoint/2010/main" val="2147216500"/>
+      </p:ext>
+    </p:extLst>
+  </p:cSld>
+  <p:clrMapOvr>
+    <a:masterClrMapping/>
+  </p:clrMapOvr>
+  <p:timing>
+    <p:tnLst>
+      <p:par>
+        <p:cTn id="1" dur="indefinite" restart="never" nodeType="tmRoot"/>
+      </p:par>
+    </p:tnLst>
+  </p:timing>
+</p:sld>
+</file>
+
+<file path=ppt/slides/slide18.xml><?xml version="1.0" encoding="utf-8"?>
+<p:sld xmlns:a="http://schemas.openxmlformats.org/drawingml/2006/main" xmlns:r="http://schemas.openxmlformats.org/officeDocument/2006/relationships" xmlns:p="http://schemas.openxmlformats.org/presentationml/2006/main">
+  <p:cSld>
+    <p:spTree>
+      <p:nvGrpSpPr>
+        <p:cNvPr id="1" name=""/>
+        <p:cNvGrpSpPr/>
+        <p:nvPr/>
+      </p:nvGrpSpPr>
+      <p:grpSpPr>
+        <a:xfrm>
+          <a:off x="0" y="0"/>
+          <a:ext cx="0" cy="0"/>
+          <a:chOff x="0" y="0"/>
+          <a:chExt cx="0" cy="0"/>
+        </a:xfrm>
+      </p:grpSpPr>
+      <p:sp>
+        <p:nvSpPr>
+          <p:cNvPr id="2" name="Title 1"/>
+          <p:cNvSpPr>
+            <a:spLocks noGrp="1"/>
+          </p:cNvSpPr>
+          <p:nvPr>
+            <p:ph type="title"/>
+          </p:nvPr>
+        </p:nvSpPr>
+        <p:spPr/>
+        <p:txBody>
+          <a:bodyPr/>
+          <a:lstStyle/>
+          <a:p>
+            <a:r>
+              <a:rPr lang="en-US" dirty="0" smtClean="0"/>
+              <a:t>Alt Views</a:t>
+            </a:r>
+            <a:endParaRPr lang="en-US" dirty="0"/>
+          </a:p>
+        </p:txBody>
+      </p:sp>
+      <p:sp>
+        <p:nvSpPr>
+          <p:cNvPr id="3" name="Content Placeholder 2"/>
+          <p:cNvSpPr>
+            <a:spLocks noGrp="1"/>
+          </p:cNvSpPr>
+          <p:nvPr>
+            <p:ph idx="1"/>
+          </p:nvPr>
+        </p:nvSpPr>
+        <p:spPr/>
+        <p:txBody>
+          <a:bodyPr/>
+          <a:lstStyle/>
+          <a:p>
+            <a:pPr marL="0" indent="0">
+              <a:buNone/>
+            </a:pPr>
+            <a:r>
+              <a:rPr lang="en-US" dirty="0" smtClean="0"/>
+              <a:t>To render the stores state variables data to the view we are targeting </a:t>
+            </a:r>
+            <a:r>
+              <a:rPr lang="en-US" dirty="0" err="1" smtClean="0"/>
+              <a:t>React.Js</a:t>
+            </a:r>
+            <a:endParaRPr lang="en-US" dirty="0" smtClean="0"/>
+          </a:p>
+          <a:p>
+            <a:pPr marL="0" indent="0">
+              <a:buNone/>
+            </a:pPr>
+            <a:endParaRPr lang="en-US" dirty="0" smtClean="0"/>
+          </a:p>
+          <a:p>
+            <a:pPr marL="0" indent="0">
+              <a:buNone/>
+            </a:pPr>
+            <a:r>
+              <a:rPr lang="en-US" dirty="0" smtClean="0"/>
+              <a:t>Lets understand the react then we will move back to Alt.</a:t>
+            </a:r>
+            <a:endParaRPr lang="en-US" dirty="0"/>
+          </a:p>
+        </p:txBody>
+      </p:sp>
+    </p:spTree>
+    <p:extLst>
+      <p:ext uri="{BB962C8B-B14F-4D97-AF65-F5344CB8AC3E}">
+        <p14:creationId xmlns:p14="http://schemas.microsoft.com/office/powerpoint/2010/main" val="1123625376"/>
+      </p:ext>
+    </p:extLst>
+  </p:cSld>
+  <p:clrMapOvr>
+    <a:masterClrMapping/>
+  </p:clrMapOvr>
+</p:sld>
+</file>
+
+<file path=ppt/slides/slide19.xml><?xml version="1.0" encoding="utf-8"?>
+<p:sld xmlns:a="http://schemas.openxmlformats.org/drawingml/2006/main" xmlns:r="http://schemas.openxmlformats.org/officeDocument/2006/relationships" xmlns:p="http://schemas.openxmlformats.org/presentationml/2006/main">
+  <p:cSld>
+    <p:spTree>
+      <p:nvGrpSpPr>
+        <p:cNvPr id="1" name=""/>
+        <p:cNvGrpSpPr/>
+        <p:nvPr/>
+      </p:nvGrpSpPr>
+      <p:grpSpPr>
+        <a:xfrm>
+          <a:off x="0" y="0"/>
+          <a:ext cx="0" cy="0"/>
+          <a:chOff x="0" y="0"/>
+          <a:chExt cx="0" cy="0"/>
+        </a:xfrm>
+      </p:grpSpPr>
+      <p:sp>
+        <p:nvSpPr>
+          <p:cNvPr id="2" name="Title 1"/>
+          <p:cNvSpPr>
+            <a:spLocks noGrp="1"/>
+          </p:cNvSpPr>
+          <p:nvPr>
+            <p:ph type="title"/>
+          </p:nvPr>
+        </p:nvSpPr>
+        <p:spPr/>
+        <p:txBody>
+          <a:bodyPr/>
+          <a:lstStyle/>
+          <a:p>
+            <a:r>
+              <a:rPr lang="en-US" dirty="0" smtClean="0"/>
+              <a:t>Introducing React </a:t>
+            </a:r>
+            <a:r>
+              <a:rPr lang="en-US" dirty="0" err="1" smtClean="0"/>
+              <a:t>Js</a:t>
+            </a:r>
+            <a:endParaRPr lang="en-US" dirty="0"/>
+          </a:p>
+        </p:txBody>
+      </p:sp>
+      <p:sp>
+        <p:nvSpPr>
+          <p:cNvPr id="3" name="Content Placeholder 2"/>
+          <p:cNvSpPr>
+            <a:spLocks noGrp="1"/>
+          </p:cNvSpPr>
+          <p:nvPr>
+            <p:ph idx="1"/>
+          </p:nvPr>
+        </p:nvSpPr>
+        <p:spPr>
+          <a:xfrm>
+            <a:off x="838200" y="1825625"/>
+            <a:ext cx="10515600" cy="3324599"/>
+          </a:xfrm>
+        </p:spPr>
+        <p:txBody>
+          <a:bodyPr/>
+          <a:lstStyle/>
+          <a:p>
+            <a:pPr marL="0" indent="0">
+              <a:buNone/>
+            </a:pPr>
+            <a:endParaRPr lang="en-US" dirty="0" smtClean="0"/>
+          </a:p>
+          <a:p>
+            <a:pPr marL="0" indent="0">
+              <a:buNone/>
+            </a:pPr>
+            <a:endParaRPr lang="en-US" dirty="0"/>
+          </a:p>
+          <a:p>
+            <a:pPr marL="0" indent="0">
+              <a:buNone/>
+            </a:pPr>
+            <a:endParaRPr lang="en-US" dirty="0" smtClean="0"/>
+          </a:p>
+          <a:p>
+            <a:pPr marL="0" indent="0">
+              <a:buNone/>
+            </a:pPr>
+            <a:endParaRPr lang="en-US" dirty="0"/>
+          </a:p>
+          <a:p>
+            <a:pPr marL="0" indent="0">
+              <a:buNone/>
+            </a:pPr>
+            <a:r>
+              <a:rPr lang="en-US" dirty="0" smtClean="0"/>
+              <a:t>		A </a:t>
+            </a:r>
+            <a:r>
+              <a:rPr lang="en-US" dirty="0" err="1" smtClean="0"/>
+              <a:t>Javascript</a:t>
+            </a:r>
+            <a:r>
+              <a:rPr lang="en-US" dirty="0" smtClean="0"/>
+              <a:t> framework for front end rendering </a:t>
+            </a:r>
+            <a:endParaRPr lang="en-US" dirty="0"/>
+          </a:p>
+        </p:txBody>
+      </p:sp>
+      <p:pic>
+        <p:nvPicPr>
+          <p:cNvPr id="5" name="Picture 4"/>
+          <p:cNvPicPr>
+            <a:picLocks noChangeAspect="1"/>
+          </p:cNvPicPr>
+          <p:nvPr/>
+        </p:nvPicPr>
+        <p:blipFill>
+          <a:blip r:embed="rId2">
+            <a:extLst>
+              <a:ext uri="{28A0092B-C50C-407E-A947-70E740481C1C}">
+                <a14:useLocalDpi xmlns:a14="http://schemas.microsoft.com/office/drawing/2010/main" val="0"/>
+              </a:ext>
+            </a:extLst>
+          </a:blip>
+          <a:stretch>
+            <a:fillRect/>
+          </a:stretch>
+        </p:blipFill>
+        <p:spPr>
+          <a:xfrm>
+            <a:off x="3905810" y="2450633"/>
+            <a:ext cx="4057650" cy="1123950"/>
+          </a:xfrm>
+          <a:prstGeom prst="rect">
+            <a:avLst/>
+          </a:prstGeom>
+        </p:spPr>
+      </p:pic>
+    </p:spTree>
+    <p:extLst>
+      <p:ext uri="{BB962C8B-B14F-4D97-AF65-F5344CB8AC3E}">
+        <p14:creationId xmlns:p14="http://schemas.microsoft.com/office/powerpoint/2010/main" val="1010064994"/>
+      </p:ext>
+    </p:extLst>
+  </p:cSld>
+  <p:clrMapOvr>
+    <a:masterClrMapping/>
+  </p:clrMapOvr>
+  <p:timing>
+    <p:tnLst>
+      <p:par>
+        <p:cTn id="1" dur="indefinite" restart="never" nodeType="tmRoot"/>
+      </p:par>
+    </p:tnLst>
+  </p:timing>
+</p:sld>
+</file>
+
+<file path=ppt/slides/slide2.xml><?xml version="1.0" encoding="utf-8"?>
+<p:sld xmlns:a="http://schemas.openxmlformats.org/drawingml/2006/main" xmlns:r="http://schemas.openxmlformats.org/officeDocument/2006/relationships" xmlns:p="http://schemas.openxmlformats.org/presentationml/2006/main">
+  <p:cSld>
+    <p:spTree>
+      <p:nvGrpSpPr>
+        <p:cNvPr id="1" name=""/>
+        <p:cNvGrpSpPr/>
+        <p:nvPr/>
+      </p:nvGrpSpPr>
+      <p:grpSpPr>
+        <a:xfrm>
+          <a:off x="0" y="0"/>
+          <a:ext cx="0" cy="0"/>
+          <a:chOff x="0" y="0"/>
+          <a:chExt cx="0" cy="0"/>
+        </a:xfrm>
+      </p:grpSpPr>
+      <p:sp>
+        <p:nvSpPr>
+          <p:cNvPr id="2" name="Title 1"/>
+          <p:cNvSpPr>
+            <a:spLocks noGrp="1"/>
+          </p:cNvSpPr>
+          <p:nvPr>
+            <p:ph type="title"/>
+          </p:nvPr>
+        </p:nvSpPr>
+        <p:spPr/>
+        <p:txBody>
+          <a:bodyPr/>
+          <a:lstStyle/>
+          <a:p>
+            <a:r>
+              <a:rPr lang="en-US" dirty="0" smtClean="0"/>
+              <a:t>Problem with MVC</a:t>
+            </a:r>
+            <a:endParaRPr lang="en-US" dirty="0"/>
+          </a:p>
+        </p:txBody>
+      </p:sp>
+      <p:pic>
+        <p:nvPicPr>
+          <p:cNvPr id="4" name="Content Placeholder 3"/>
+          <p:cNvPicPr>
+            <a:picLocks noGrp="1" noChangeAspect="1"/>
+          </p:cNvPicPr>
+          <p:nvPr>
+            <p:ph idx="1"/>
+          </p:nvPr>
+        </p:nvPicPr>
+        <p:blipFill>
+          <a:blip r:embed="rId2">
+            <a:extLst>
+              <a:ext uri="{28A0092B-C50C-407E-A947-70E740481C1C}">
+                <a14:useLocalDpi xmlns:a14="http://schemas.microsoft.com/office/drawing/2010/main" val="0"/>
+              </a:ext>
+            </a:extLst>
+          </a:blip>
+          <a:stretch>
+            <a:fillRect/>
+          </a:stretch>
+        </p:blipFill>
+        <p:spPr>
+          <a:xfrm>
+            <a:off x="1439908" y="1341064"/>
+            <a:ext cx="8027831" cy="2477432"/>
+          </a:xfrm>
+        </p:spPr>
+      </p:pic>
+      <p:sp>
+        <p:nvSpPr>
+          <p:cNvPr id="5" name="TextBox 4"/>
+          <p:cNvSpPr txBox="1"/>
+          <p:nvPr/>
+        </p:nvSpPr>
+        <p:spPr>
+          <a:xfrm>
+            <a:off x="1828800" y="4168588"/>
+            <a:ext cx="184731" cy="369332"/>
+          </a:xfrm>
+          <a:prstGeom prst="rect">
+            <a:avLst/>
+          </a:prstGeom>
+          <a:noFill/>
+        </p:spPr>
+        <p:txBody>
+          <a:bodyPr wrap="none" rtlCol="0">
+            <a:spAutoFit/>
+          </a:bodyPr>
+          <a:lstStyle/>
+          <a:p>
+            <a:endParaRPr lang="en-US" dirty="0"/>
+          </a:p>
+        </p:txBody>
+      </p:sp>
+    </p:spTree>
+    <p:extLst>
+      <p:ext uri="{BB962C8B-B14F-4D97-AF65-F5344CB8AC3E}">
+        <p14:creationId xmlns:p14="http://schemas.microsoft.com/office/powerpoint/2010/main" val="2718338151"/>
+      </p:ext>
+    </p:extLst>
+  </p:cSld>
+  <p:clrMapOvr>
+    <a:masterClrMapping/>
+  </p:clrMapOvr>
+  <p:timing>
+    <p:tnLst>
+      <p:par>
+        <p:cTn id="1" dur="indefinite" restart="never" nodeType="tmRoot"/>
+      </p:par>
+    </p:tnLst>
+  </p:timing>
+</p:sld>
+</file>
+
+<file path=ppt/slides/slide20.xml><?xml version="1.0" encoding="utf-8"?>
+<p:sld xmlns:a="http://schemas.openxmlformats.org/drawingml/2006/main" xmlns:r="http://schemas.openxmlformats.org/officeDocument/2006/relationships" xmlns:p="http://schemas.openxmlformats.org/presentationml/2006/main">
+  <p:cSld>
+    <p:spTree>
+      <p:nvGrpSpPr>
+        <p:cNvPr id="1" name=""/>
+        <p:cNvGrpSpPr/>
+        <p:nvPr/>
+      </p:nvGrpSpPr>
+      <p:grpSpPr>
+        <a:xfrm>
+          <a:off x="0" y="0"/>
+          <a:ext cx="0" cy="0"/>
+          <a:chOff x="0" y="0"/>
+          <a:chExt cx="0" cy="0"/>
+        </a:xfrm>
+      </p:grpSpPr>
+      <p:sp>
+        <p:nvSpPr>
+          <p:cNvPr id="2" name="Title 1"/>
+          <p:cNvSpPr>
+            <a:spLocks noGrp="1"/>
+          </p:cNvSpPr>
+          <p:nvPr>
+            <p:ph type="title"/>
+          </p:nvPr>
+        </p:nvSpPr>
+        <p:spPr/>
+        <p:txBody>
+          <a:bodyPr/>
+          <a:lstStyle/>
+          <a:p>
+            <a:r>
+              <a:rPr lang="en-US" dirty="0"/>
+              <a:t>Introducing React </a:t>
+            </a:r>
+            <a:r>
+              <a:rPr lang="en-US" dirty="0" err="1"/>
+              <a:t>Js</a:t>
+            </a:r>
+            <a:endParaRPr lang="en-US" dirty="0"/>
+          </a:p>
+        </p:txBody>
+      </p:sp>
+      <p:sp>
+        <p:nvSpPr>
+          <p:cNvPr id="3" name="Content Placeholder 2"/>
+          <p:cNvSpPr>
+            <a:spLocks noGrp="1"/>
+          </p:cNvSpPr>
+          <p:nvPr>
+            <p:ph idx="1"/>
+          </p:nvPr>
+        </p:nvSpPr>
+        <p:spPr/>
+        <p:txBody>
+          <a:bodyPr/>
+          <a:lstStyle/>
+          <a:p>
+            <a:r>
+              <a:rPr lang="en-US" cap="all" dirty="0"/>
+              <a:t>JUST THE UI</a:t>
+            </a:r>
+          </a:p>
+          <a:p>
+            <a:pPr lvl="1"/>
+            <a:r>
+              <a:rPr lang="en-US" sz="2000" dirty="0"/>
+              <a:t>Lots of people use React as the V in MVC. Since React makes no assumptions about the rest of your technology stack, it's easy to try it out on a small feature in an existing project</a:t>
+            </a:r>
+            <a:r>
+              <a:rPr lang="en-US" sz="2000" dirty="0" smtClean="0"/>
+              <a:t>.</a:t>
+            </a:r>
+            <a:endParaRPr lang="en-US" sz="2000" dirty="0" smtClean="0"/>
+          </a:p>
+        </p:txBody>
+      </p:sp>
+    </p:spTree>
+    <p:extLst>
+      <p:ext uri="{BB962C8B-B14F-4D97-AF65-F5344CB8AC3E}">
+        <p14:creationId xmlns:p14="http://schemas.microsoft.com/office/powerpoint/2010/main" val="3066686488"/>
+      </p:ext>
+    </p:extLst>
+  </p:cSld>
+  <p:clrMapOvr>
+    <a:masterClrMapping/>
+  </p:clrMapOvr>
+  <p:timing>
+    <p:tnLst>
+      <p:par>
+        <p:cTn id="1" dur="indefinite" restart="never" nodeType="tmRoot"/>
+      </p:par>
+    </p:tnLst>
+  </p:timing>
+</p:sld>
+</file>
+
+<file path=ppt/slides/slide21.xml><?xml version="1.0" encoding="utf-8"?>
+<p:sld xmlns:a="http://schemas.openxmlformats.org/drawingml/2006/main" xmlns:r="http://schemas.openxmlformats.org/officeDocument/2006/relationships" xmlns:p="http://schemas.openxmlformats.org/presentationml/2006/main">
+  <p:cSld>
+    <p:spTree>
+      <p:nvGrpSpPr>
+        <p:cNvPr id="1" name=""/>
+        <p:cNvGrpSpPr/>
+        <p:nvPr/>
+      </p:nvGrpSpPr>
+      <p:grpSpPr>
+        <a:xfrm>
+          <a:off x="0" y="0"/>
+          <a:ext cx="0" cy="0"/>
+          <a:chOff x="0" y="0"/>
+          <a:chExt cx="0" cy="0"/>
+        </a:xfrm>
+      </p:grpSpPr>
+      <p:sp>
+        <p:nvSpPr>
+          <p:cNvPr id="2" name="Title 1"/>
+          <p:cNvSpPr>
+            <a:spLocks noGrp="1"/>
+          </p:cNvSpPr>
+          <p:nvPr>
+            <p:ph type="title"/>
+          </p:nvPr>
+        </p:nvSpPr>
+        <p:spPr/>
+        <p:txBody>
+          <a:bodyPr/>
+          <a:lstStyle/>
+          <a:p>
+            <a:r>
+              <a:rPr lang="en-US" dirty="0"/>
+              <a:t>Introducing React </a:t>
+            </a:r>
+            <a:r>
+              <a:rPr lang="en-US" dirty="0" err="1"/>
+              <a:t>Js</a:t>
+            </a:r>
+            <a:endParaRPr lang="en-US" dirty="0"/>
+          </a:p>
+        </p:txBody>
+      </p:sp>
+      <p:sp>
+        <p:nvSpPr>
+          <p:cNvPr id="3" name="Content Placeholder 2"/>
+          <p:cNvSpPr>
+            <a:spLocks noGrp="1"/>
+          </p:cNvSpPr>
+          <p:nvPr>
+            <p:ph idx="1"/>
+          </p:nvPr>
+        </p:nvSpPr>
+        <p:spPr/>
+        <p:txBody>
+          <a:bodyPr/>
+          <a:lstStyle/>
+          <a:p>
+            <a:r>
+              <a:rPr lang="en-US" cap="all" dirty="0"/>
+              <a:t>JUST THE UI</a:t>
+            </a:r>
+          </a:p>
+          <a:p>
+            <a:pPr lvl="1"/>
+            <a:r>
+              <a:rPr lang="en-US" sz="2000" dirty="0"/>
+              <a:t>Lots of people use React as the V in MVC. Since React makes no assumptions about the rest of your technology stack, it's easy to try it out on a small feature in an existing project</a:t>
+            </a:r>
+            <a:r>
+              <a:rPr lang="en-US" sz="2000" dirty="0" smtClean="0"/>
+              <a:t>.</a:t>
+            </a:r>
+          </a:p>
+          <a:p>
+            <a:r>
+              <a:rPr lang="en-US" cap="all" dirty="0"/>
+              <a:t>VIRTUAL DOM</a:t>
+            </a:r>
+          </a:p>
+          <a:p>
+            <a:pPr lvl="1"/>
+            <a:r>
+              <a:rPr lang="en-US" sz="2000" dirty="0"/>
+              <a:t>React abstracts away the DOM from you, giving a simpler programming model and better </a:t>
+            </a:r>
+            <a:r>
+              <a:rPr lang="en-US" sz="2000" dirty="0" smtClean="0"/>
+              <a:t>performance</a:t>
+            </a:r>
+            <a:endParaRPr lang="en-US" sz="2000" dirty="0" smtClean="0"/>
+          </a:p>
+        </p:txBody>
+      </p:sp>
+    </p:spTree>
+    <p:extLst>
+      <p:ext uri="{BB962C8B-B14F-4D97-AF65-F5344CB8AC3E}">
+        <p14:creationId xmlns:p14="http://schemas.microsoft.com/office/powerpoint/2010/main" val="1992413976"/>
+      </p:ext>
+    </p:extLst>
+  </p:cSld>
+  <p:clrMapOvr>
+    <a:masterClrMapping/>
+  </p:clrMapOvr>
+  <p:timing>
+    <p:tnLst>
+      <p:par>
+        <p:cTn id="1" dur="indefinite" restart="never" nodeType="tmRoot"/>
+      </p:par>
+    </p:tnLst>
+  </p:timing>
+</p:sld>
+</file>
+
 <file path=ppt/slides/slide22.xml><?xml version="1.0" encoding="utf-8"?>
+<p:sld xmlns:a="http://schemas.openxmlformats.org/drawingml/2006/main" xmlns:r="http://schemas.openxmlformats.org/officeDocument/2006/relationships" xmlns:p="http://schemas.openxmlformats.org/presentationml/2006/main">
+  <p:cSld>
+    <p:spTree>
+      <p:nvGrpSpPr>
+        <p:cNvPr id="1" name=""/>
+        <p:cNvGrpSpPr/>
+        <p:nvPr/>
+      </p:nvGrpSpPr>
+      <p:grpSpPr>
+        <a:xfrm>
+          <a:off x="0" y="0"/>
+          <a:ext cx="0" cy="0"/>
+          <a:chOff x="0" y="0"/>
+          <a:chExt cx="0" cy="0"/>
+        </a:xfrm>
+      </p:grpSpPr>
+      <p:sp>
+        <p:nvSpPr>
+          <p:cNvPr id="2" name="Title 1"/>
+          <p:cNvSpPr>
+            <a:spLocks noGrp="1"/>
+          </p:cNvSpPr>
+          <p:nvPr>
+            <p:ph type="title"/>
+          </p:nvPr>
+        </p:nvSpPr>
+        <p:spPr/>
+        <p:txBody>
+          <a:bodyPr/>
+          <a:lstStyle/>
+          <a:p>
+            <a:r>
+              <a:rPr lang="en-US" dirty="0"/>
+              <a:t>Introducing React </a:t>
+            </a:r>
+            <a:r>
+              <a:rPr lang="en-US" dirty="0" err="1"/>
+              <a:t>Js</a:t>
+            </a:r>
+            <a:endParaRPr lang="en-US" dirty="0"/>
+          </a:p>
+        </p:txBody>
+      </p:sp>
+      <p:sp>
+        <p:nvSpPr>
+          <p:cNvPr id="3" name="Content Placeholder 2"/>
+          <p:cNvSpPr>
+            <a:spLocks noGrp="1"/>
+          </p:cNvSpPr>
+          <p:nvPr>
+            <p:ph idx="1"/>
+          </p:nvPr>
+        </p:nvSpPr>
+        <p:spPr/>
+        <p:txBody>
+          <a:bodyPr/>
+          <a:lstStyle/>
+          <a:p>
+            <a:r>
+              <a:rPr lang="en-US" cap="all" dirty="0"/>
+              <a:t>JUST THE UI</a:t>
+            </a:r>
+          </a:p>
+          <a:p>
+            <a:pPr lvl="1"/>
+            <a:r>
+              <a:rPr lang="en-US" sz="2000" dirty="0"/>
+              <a:t>Lots of people use React as the V in MVC. Since React makes no assumptions about the rest of your technology stack, it's easy to try it out on a small feature in an existing project</a:t>
+            </a:r>
+            <a:r>
+              <a:rPr lang="en-US" sz="2000" dirty="0" smtClean="0"/>
+              <a:t>.</a:t>
+            </a:r>
+          </a:p>
+          <a:p>
+            <a:r>
+              <a:rPr lang="en-US" cap="all" dirty="0"/>
+              <a:t>VIRTUAL DOM</a:t>
+            </a:r>
+          </a:p>
+          <a:p>
+            <a:pPr lvl="1"/>
+            <a:r>
+              <a:rPr lang="en-US" sz="2000" dirty="0"/>
+              <a:t>React abstracts away the DOM from you, giving a simpler programming model and better </a:t>
+            </a:r>
+            <a:r>
+              <a:rPr lang="en-US" sz="2000" dirty="0" smtClean="0"/>
+              <a:t>performance</a:t>
+            </a:r>
+          </a:p>
+          <a:p>
+            <a:r>
+              <a:rPr lang="en-US" cap="all" dirty="0" smtClean="0"/>
+              <a:t>DATA FLOW</a:t>
+            </a:r>
+          </a:p>
+          <a:p>
+            <a:pPr lvl="1"/>
+            <a:r>
+              <a:rPr lang="en-US" sz="2000" dirty="0" smtClean="0"/>
+              <a:t>React implements one-way reactive data flow which reduces boilerplate and is easier to reason about than traditional data binding.</a:t>
+            </a:r>
+            <a:endParaRPr lang="en-US" sz="2000" dirty="0"/>
+          </a:p>
+        </p:txBody>
+      </p:sp>
+    </p:spTree>
+    <p:extLst>
+      <p:ext uri="{BB962C8B-B14F-4D97-AF65-F5344CB8AC3E}">
+        <p14:creationId xmlns:p14="http://schemas.microsoft.com/office/powerpoint/2010/main" val="245537142"/>
+      </p:ext>
+    </p:extLst>
+  </p:cSld>
+  <p:clrMapOvr>
+    <a:masterClrMapping/>
+  </p:clrMapOvr>
+  <p:timing>
+    <p:tnLst>
+      <p:par>
+        <p:cTn id="1" dur="indefinite" restart="never" nodeType="tmRoot"/>
+      </p:par>
+    </p:tnLst>
+  </p:timing>
+</p:sld>
+</file>
+
+<file path=ppt/slides/slide23.xml><?xml version="1.0" encoding="utf-8"?>
+<p:sld xmlns:a="http://schemas.openxmlformats.org/drawingml/2006/main" xmlns:r="http://schemas.openxmlformats.org/officeDocument/2006/relationships" xmlns:p="http://schemas.openxmlformats.org/presentationml/2006/main">
+  <p:cSld>
+    <p:spTree>
+      <p:nvGrpSpPr>
+        <p:cNvPr id="1" name=""/>
+        <p:cNvGrpSpPr/>
+        <p:nvPr/>
+      </p:nvGrpSpPr>
+      <p:grpSpPr>
+        <a:xfrm>
+          <a:off x="0" y="0"/>
+          <a:ext cx="0" cy="0"/>
+          <a:chOff x="0" y="0"/>
+          <a:chExt cx="0" cy="0"/>
+        </a:xfrm>
+      </p:grpSpPr>
+      <p:sp>
+        <p:nvSpPr>
+          <p:cNvPr id="2" name="Title 1"/>
+          <p:cNvSpPr>
+            <a:spLocks noGrp="1"/>
+          </p:cNvSpPr>
+          <p:nvPr>
+            <p:ph type="title"/>
+          </p:nvPr>
+        </p:nvSpPr>
+        <p:spPr/>
+        <p:txBody>
+          <a:bodyPr/>
+          <a:lstStyle/>
+          <a:p>
+            <a:r>
+              <a:rPr lang="en-US" dirty="0" smtClean="0"/>
+              <a:t>React Installation</a:t>
+            </a:r>
+            <a:endParaRPr lang="en-US" dirty="0"/>
+          </a:p>
+        </p:txBody>
+      </p:sp>
+      <p:sp>
+        <p:nvSpPr>
+          <p:cNvPr id="3" name="Content Placeholder 2"/>
+          <p:cNvSpPr>
+            <a:spLocks noGrp="1"/>
+          </p:cNvSpPr>
+          <p:nvPr>
+            <p:ph idx="1"/>
+          </p:nvPr>
+        </p:nvSpPr>
+        <p:spPr/>
+        <p:txBody>
+          <a:bodyPr/>
+          <a:lstStyle/>
+          <a:p>
+            <a:pPr marL="0" indent="0">
+              <a:buNone/>
+            </a:pPr>
+            <a:r>
+              <a:rPr lang="en-US" sz="2000" dirty="0"/>
+              <a:t>&lt;script </a:t>
+            </a:r>
+            <a:r>
+              <a:rPr lang="en-US" sz="2000" dirty="0" err="1"/>
+              <a:t>src</a:t>
+            </a:r>
+            <a:r>
+              <a:rPr lang="en-US" sz="2000" dirty="0"/>
+              <a:t>="build/react.js"&gt;&lt;/script&gt; </a:t>
+            </a:r>
+            <a:endParaRPr lang="en-US" sz="2000" dirty="0" smtClean="0"/>
+          </a:p>
+          <a:p>
+            <a:pPr marL="0" indent="0">
+              <a:buNone/>
+            </a:pPr>
+            <a:r>
+              <a:rPr lang="en-US" sz="2000" dirty="0" smtClean="0"/>
+              <a:t>&lt;</a:t>
+            </a:r>
+            <a:r>
+              <a:rPr lang="en-US" sz="2000" dirty="0"/>
+              <a:t>script </a:t>
+            </a:r>
+            <a:r>
+              <a:rPr lang="en-US" sz="2000" dirty="0" err="1"/>
+              <a:t>src</a:t>
+            </a:r>
+            <a:r>
+              <a:rPr lang="en-US" sz="2000" dirty="0"/>
+              <a:t>="build/react-dom.js"&gt;&lt;/script&gt; </a:t>
+            </a:r>
+            <a:endParaRPr lang="en-US" sz="2000" dirty="0" smtClean="0"/>
+          </a:p>
+          <a:p>
+            <a:pPr marL="0" indent="0">
+              <a:buNone/>
+            </a:pPr>
+            <a:r>
+              <a:rPr lang="en-US" sz="2000" dirty="0" smtClean="0"/>
+              <a:t>&lt;</a:t>
+            </a:r>
+            <a:r>
+              <a:rPr lang="en-US" sz="2000" dirty="0"/>
+              <a:t>script </a:t>
+            </a:r>
+            <a:r>
+              <a:rPr lang="en-US" sz="2000" dirty="0" err="1"/>
+              <a:t>src</a:t>
+            </a:r>
+            <a:r>
+              <a:rPr lang="en-US" sz="2000" dirty="0"/>
+              <a:t>="https://cdnjs.cloudflare.com/ajax/libs/babel-core/5.8.23/browser.min.js"&gt;&lt;/script</a:t>
+            </a:r>
+            <a:r>
+              <a:rPr lang="en-US" sz="2000" dirty="0" smtClean="0"/>
+              <a:t>&gt;</a:t>
+            </a:r>
+            <a:endParaRPr lang="en-US" dirty="0"/>
+          </a:p>
+          <a:p>
+            <a:pPr marL="0" indent="0">
+              <a:buNone/>
+            </a:pPr>
+            <a:r>
+              <a:rPr lang="en-US" dirty="0" smtClean="0"/>
+              <a:t>		</a:t>
+            </a:r>
+          </a:p>
+          <a:p>
+            <a:pPr marL="0" indent="0">
+              <a:buNone/>
+            </a:pPr>
+            <a:r>
+              <a:rPr lang="en-US" dirty="0" smtClean="0"/>
+              <a:t>OR</a:t>
+            </a:r>
+          </a:p>
+          <a:p>
+            <a:pPr marL="0" indent="0">
+              <a:buNone/>
+            </a:pPr>
+            <a:endParaRPr lang="en-US" dirty="0"/>
+          </a:p>
+          <a:p>
+            <a:pPr marL="0" indent="0">
+              <a:buNone/>
+            </a:pPr>
+            <a:r>
+              <a:rPr lang="en-US" sz="2000" dirty="0" err="1" smtClean="0"/>
+              <a:t>npm</a:t>
+            </a:r>
+            <a:r>
+              <a:rPr lang="en-US" sz="2000" dirty="0" smtClean="0"/>
+              <a:t> </a:t>
+            </a:r>
+            <a:r>
+              <a:rPr lang="en-US" sz="2000" dirty="0"/>
+              <a:t>install --save react react-</a:t>
+            </a:r>
+            <a:r>
+              <a:rPr lang="en-US" sz="2000" dirty="0" err="1"/>
+              <a:t>dom</a:t>
+            </a:r>
+            <a:r>
+              <a:rPr lang="en-US" sz="2000" dirty="0"/>
+              <a:t> </a:t>
+            </a:r>
+            <a:r>
+              <a:rPr lang="en-US" sz="2000" dirty="0" err="1"/>
+              <a:t>babelify</a:t>
+            </a:r>
+            <a:r>
+              <a:rPr lang="en-US" sz="2000" dirty="0"/>
+              <a:t> </a:t>
+            </a:r>
+            <a:r>
+              <a:rPr lang="en-US" sz="2000" dirty="0" smtClean="0"/>
+              <a:t>babel-preset-react</a:t>
+            </a:r>
+          </a:p>
+          <a:p>
+            <a:pPr marL="0" indent="0">
+              <a:buNone/>
+            </a:pPr>
+            <a:r>
+              <a:rPr lang="en-US" sz="2000" dirty="0" smtClean="0"/>
+              <a:t>//Then use with require.js</a:t>
+            </a:r>
+            <a:endParaRPr lang="en-US" sz="2000" dirty="0"/>
+          </a:p>
+          <a:p>
+            <a:pPr marL="0" indent="0">
+              <a:buNone/>
+            </a:pPr>
+            <a:r>
+              <a:rPr lang="en-US" sz="2000" dirty="0" err="1"/>
+              <a:t>var</a:t>
+            </a:r>
+            <a:r>
+              <a:rPr lang="en-US" sz="2000" dirty="0"/>
+              <a:t> React = require('react'); </a:t>
+            </a:r>
+            <a:endParaRPr lang="en-US" sz="2000" dirty="0" smtClean="0"/>
+          </a:p>
+          <a:p>
+            <a:pPr marL="0" indent="0">
+              <a:buNone/>
+            </a:pPr>
+            <a:r>
+              <a:rPr lang="en-US" sz="2000" dirty="0" err="1" smtClean="0"/>
+              <a:t>var</a:t>
+            </a:r>
+            <a:r>
+              <a:rPr lang="en-US" sz="2000" dirty="0" smtClean="0"/>
+              <a:t> </a:t>
+            </a:r>
+            <a:r>
+              <a:rPr lang="en-US" sz="2000" dirty="0" err="1"/>
+              <a:t>ReactDOM</a:t>
+            </a:r>
+            <a:r>
+              <a:rPr lang="en-US" sz="2000" dirty="0"/>
+              <a:t> = require('react-</a:t>
+            </a:r>
+            <a:r>
+              <a:rPr lang="en-US" sz="2000" dirty="0" err="1"/>
+              <a:t>dom</a:t>
+            </a:r>
+            <a:r>
+              <a:rPr lang="en-US" sz="2000" dirty="0"/>
+              <a:t>');</a:t>
+            </a:r>
+            <a:endParaRPr lang="en-US" sz="2000" dirty="0" smtClean="0"/>
+          </a:p>
+          <a:p>
+            <a:pPr marL="0" indent="0">
+              <a:buNone/>
+            </a:pPr>
+            <a:endParaRPr lang="en-US" dirty="0"/>
+          </a:p>
+        </p:txBody>
+      </p:sp>
+    </p:spTree>
+    <p:extLst>
+      <p:ext uri="{BB962C8B-B14F-4D97-AF65-F5344CB8AC3E}">
+        <p14:creationId xmlns:p14="http://schemas.microsoft.com/office/powerpoint/2010/main" val="2870838800"/>
+      </p:ext>
+    </p:extLst>
+  </p:cSld>
+  <p:clrMapOvr>
+    <a:masterClrMapping/>
+  </p:clrMapOvr>
+  <p:timing>
+    <p:tnLst>
+      <p:par>
+        <p:cTn id="1" dur="indefinite" restart="never" nodeType="tmRoot"/>
+      </p:par>
+    </p:tnLst>
+  </p:timing>
+</p:sld>
+</file>
+
+<file path=ppt/slides/slide24.xml><?xml version="1.0" encoding="utf-8"?>
+<p:sld xmlns:a="http://schemas.openxmlformats.org/drawingml/2006/main" xmlns:r="http://schemas.openxmlformats.org/officeDocument/2006/relationships" xmlns:p="http://schemas.openxmlformats.org/presentationml/2006/main">
+  <p:cSld>
+    <p:spTree>
+      <p:nvGrpSpPr>
+        <p:cNvPr id="1" name=""/>
+        <p:cNvGrpSpPr/>
+        <p:nvPr/>
+      </p:nvGrpSpPr>
+      <p:grpSpPr>
+        <a:xfrm>
+          <a:off x="0" y="0"/>
+          <a:ext cx="0" cy="0"/>
+          <a:chOff x="0" y="0"/>
+          <a:chExt cx="0" cy="0"/>
+        </a:xfrm>
+      </p:grpSpPr>
+      <p:sp>
+        <p:nvSpPr>
+          <p:cNvPr id="2" name="Title 1"/>
+          <p:cNvSpPr>
+            <a:spLocks noGrp="1"/>
+          </p:cNvSpPr>
+          <p:nvPr>
+            <p:ph type="title"/>
+          </p:nvPr>
+        </p:nvSpPr>
+        <p:spPr/>
+        <p:txBody>
+          <a:bodyPr/>
+          <a:lstStyle/>
+          <a:p>
+            <a:r>
+              <a:rPr lang="en-US" dirty="0" smtClean="0"/>
+              <a:t>The JSX</a:t>
+            </a:r>
+            <a:endParaRPr lang="en-US" dirty="0"/>
+          </a:p>
+        </p:txBody>
+      </p:sp>
+      <p:sp>
+        <p:nvSpPr>
+          <p:cNvPr id="3" name="Content Placeholder 2"/>
+          <p:cNvSpPr>
+            <a:spLocks noGrp="1"/>
+          </p:cNvSpPr>
+          <p:nvPr>
+            <p:ph idx="1"/>
+          </p:nvPr>
+        </p:nvSpPr>
+        <p:spPr/>
+        <p:txBody>
+          <a:bodyPr/>
+          <a:lstStyle/>
+          <a:p>
+            <a:r>
+              <a:rPr lang="en-US" dirty="0" smtClean="0"/>
+              <a:t>React provides us a more convenient way to write Html markup in </a:t>
+            </a:r>
+            <a:r>
+              <a:rPr lang="en-US" dirty="0" err="1" smtClean="0"/>
+              <a:t>javascript</a:t>
+            </a:r>
+            <a:r>
+              <a:rPr lang="en-US" dirty="0" smtClean="0"/>
+              <a:t> code. We call it the </a:t>
+            </a:r>
+            <a:r>
+              <a:rPr lang="en-US" dirty="0" err="1" smtClean="0"/>
+              <a:t>XMLish</a:t>
+            </a:r>
+            <a:r>
+              <a:rPr lang="en-US" dirty="0" smtClean="0"/>
+              <a:t> syntax and can refer the files as .</a:t>
+            </a:r>
+            <a:r>
+              <a:rPr lang="en-US" dirty="0" err="1" smtClean="0"/>
+              <a:t>jsx</a:t>
+            </a:r>
+            <a:r>
+              <a:rPr lang="en-US" dirty="0" smtClean="0"/>
+              <a:t> extension</a:t>
+            </a:r>
+          </a:p>
+          <a:p>
+            <a:pPr marL="0" indent="0">
+              <a:buNone/>
+            </a:pPr>
+            <a:endParaRPr lang="en-US" dirty="0" smtClean="0"/>
+          </a:p>
+          <a:p>
+            <a:pPr marL="0" indent="0">
+              <a:buNone/>
+            </a:pPr>
+            <a:r>
+              <a:rPr lang="en-US" dirty="0" smtClean="0"/>
+              <a:t>function() {</a:t>
+            </a:r>
+          </a:p>
+          <a:p>
+            <a:pPr marL="0" indent="0">
+              <a:buNone/>
+            </a:pPr>
+            <a:r>
+              <a:rPr lang="en-US" dirty="0" smtClean="0"/>
+              <a:t>    return (</a:t>
+            </a:r>
+          </a:p>
+          <a:p>
+            <a:pPr marL="0" indent="0">
+              <a:buNone/>
+            </a:pPr>
+            <a:r>
+              <a:rPr lang="en-US" dirty="0" smtClean="0"/>
+              <a:t>      &lt;div&gt;Put markup inside the &lt;span&gt;</a:t>
+            </a:r>
+            <a:r>
+              <a:rPr lang="en-US" dirty="0" err="1" smtClean="0"/>
+              <a:t>Javascript</a:t>
+            </a:r>
+            <a:r>
+              <a:rPr lang="en-US" dirty="0" smtClean="0"/>
+              <a:t>&lt;/span&gt;&lt;/div&gt;</a:t>
+            </a:r>
+          </a:p>
+          <a:p>
+            <a:pPr marL="0" indent="0">
+              <a:buNone/>
+            </a:pPr>
+            <a:r>
+              <a:rPr lang="en-US" dirty="0" smtClean="0"/>
+              <a:t>    );</a:t>
+            </a:r>
+          </a:p>
+          <a:p>
+            <a:pPr marL="0" indent="0">
+              <a:buNone/>
+            </a:pPr>
+            <a:r>
+              <a:rPr lang="en-US" dirty="0" smtClean="0"/>
+              <a:t>  }</a:t>
+            </a:r>
+            <a:endParaRPr lang="en-US" dirty="0"/>
+          </a:p>
+        </p:txBody>
+      </p:sp>
+    </p:spTree>
+    <p:extLst>
+      <p:ext uri="{BB962C8B-B14F-4D97-AF65-F5344CB8AC3E}">
+        <p14:creationId xmlns:p14="http://schemas.microsoft.com/office/powerpoint/2010/main" val="2389650339"/>
+      </p:ext>
+    </p:extLst>
+  </p:cSld>
+  <p:clrMapOvr>
+    <a:masterClrMapping/>
+  </p:clrMapOvr>
+  <p:timing>
+    <p:tnLst>
+      <p:par>
+        <p:cTn id="1" dur="indefinite" restart="never" nodeType="tmRoot"/>
+      </p:par>
+    </p:tnLst>
+  </p:timing>
+</p:sld>
+</file>
+
+<file path=ppt/slides/slide25.xml><?xml version="1.0" encoding="utf-8"?>
+<p:sld xmlns:a="http://schemas.openxmlformats.org/drawingml/2006/main" xmlns:r="http://schemas.openxmlformats.org/officeDocument/2006/relationships" xmlns:p="http://schemas.openxmlformats.org/presentationml/2006/main">
+  <p:cSld>
+    <p:spTree>
+      <p:nvGrpSpPr>
+        <p:cNvPr id="1" name=""/>
+        <p:cNvGrpSpPr/>
+        <p:nvPr/>
+      </p:nvGrpSpPr>
+      <p:grpSpPr>
+        <a:xfrm>
+          <a:off x="0" y="0"/>
+          <a:ext cx="0" cy="0"/>
+          <a:chOff x="0" y="0"/>
+          <a:chExt cx="0" cy="0"/>
+        </a:xfrm>
+      </p:grpSpPr>
+      <p:sp>
+        <p:nvSpPr>
+          <p:cNvPr id="2" name="Title 1"/>
+          <p:cNvSpPr>
+            <a:spLocks noGrp="1"/>
+          </p:cNvSpPr>
+          <p:nvPr>
+            <p:ph type="title"/>
+          </p:nvPr>
+        </p:nvSpPr>
+        <p:spPr/>
+        <p:txBody>
+          <a:bodyPr/>
+          <a:lstStyle/>
+          <a:p>
+            <a:r>
+              <a:rPr lang="en-US" dirty="0" smtClean="0"/>
+              <a:t>Hello World</a:t>
+            </a:r>
+            <a:endParaRPr lang="en-US" dirty="0"/>
+          </a:p>
+        </p:txBody>
+      </p:sp>
+      <p:sp>
+        <p:nvSpPr>
+          <p:cNvPr id="3" name="Content Placeholder 2"/>
+          <p:cNvSpPr>
+            <a:spLocks noGrp="1"/>
+          </p:cNvSpPr>
+          <p:nvPr>
+            <p:ph idx="1"/>
+          </p:nvPr>
+        </p:nvSpPr>
+        <p:spPr/>
+        <p:txBody>
+          <a:bodyPr/>
+          <a:lstStyle/>
+          <a:p>
+            <a:pPr marL="0" indent="0">
+              <a:buNone/>
+            </a:pPr>
+            <a:r>
+              <a:rPr lang="en-US" dirty="0" err="1" smtClean="0"/>
+              <a:t>var</a:t>
+            </a:r>
+            <a:r>
+              <a:rPr lang="en-US" dirty="0" smtClean="0"/>
+              <a:t> </a:t>
+            </a:r>
+            <a:r>
+              <a:rPr lang="en-US" dirty="0" err="1" smtClean="0"/>
+              <a:t>HelloMessage</a:t>
+            </a:r>
+            <a:r>
+              <a:rPr lang="en-US" dirty="0" smtClean="0"/>
+              <a:t> = </a:t>
+            </a:r>
+            <a:r>
+              <a:rPr lang="en-US" dirty="0" err="1" smtClean="0"/>
+              <a:t>React.createClass</a:t>
+            </a:r>
+            <a:r>
+              <a:rPr lang="en-US" dirty="0" smtClean="0"/>
+              <a:t>({</a:t>
+            </a:r>
+          </a:p>
+          <a:p>
+            <a:pPr marL="0" indent="0">
+              <a:buNone/>
+            </a:pPr>
+            <a:r>
+              <a:rPr lang="en-US" dirty="0" smtClean="0"/>
+              <a:t>  render: function() {</a:t>
+            </a:r>
+          </a:p>
+          <a:p>
+            <a:pPr marL="0" indent="0">
+              <a:buNone/>
+            </a:pPr>
+            <a:r>
+              <a:rPr lang="en-US" dirty="0" smtClean="0"/>
+              <a:t>    return &lt;div&gt;Hello {this.props.name}&lt;/div&gt;;</a:t>
+            </a:r>
+          </a:p>
+          <a:p>
+            <a:pPr marL="0" indent="0">
+              <a:buNone/>
+            </a:pPr>
+            <a:r>
+              <a:rPr lang="en-US" dirty="0" smtClean="0"/>
+              <a:t>  }</a:t>
+            </a:r>
+          </a:p>
+          <a:p>
+            <a:pPr marL="0" indent="0">
+              <a:buNone/>
+            </a:pPr>
+            <a:r>
+              <a:rPr lang="en-US" dirty="0" smtClean="0"/>
+              <a:t>});</a:t>
+            </a:r>
+          </a:p>
+          <a:p>
+            <a:pPr marL="0" indent="0">
+              <a:buNone/>
+            </a:pPr>
+            <a:endParaRPr lang="en-US" dirty="0" smtClean="0"/>
+          </a:p>
+          <a:p>
+            <a:pPr marL="0" indent="0">
+              <a:buNone/>
+            </a:pPr>
+            <a:r>
+              <a:rPr lang="en-US" dirty="0" err="1" smtClean="0"/>
+              <a:t>mountNode</a:t>
+            </a:r>
+            <a:r>
+              <a:rPr lang="en-US" dirty="0" smtClean="0"/>
+              <a:t> = </a:t>
+            </a:r>
+            <a:r>
+              <a:rPr lang="en-US" dirty="0" err="1" smtClean="0"/>
+              <a:t>document.getElementById</a:t>
+            </a:r>
+            <a:r>
+              <a:rPr lang="en-US" dirty="0" smtClean="0"/>
+              <a:t>(‘</a:t>
+            </a:r>
+            <a:r>
+              <a:rPr lang="en-US" dirty="0" err="1" smtClean="0"/>
+              <a:t>mainDiv</a:t>
+            </a:r>
+            <a:r>
+              <a:rPr lang="en-US" dirty="0" smtClean="0"/>
+              <a:t>’);</a:t>
+            </a:r>
+          </a:p>
+          <a:p>
+            <a:pPr marL="0" indent="0">
+              <a:buNone/>
+            </a:pPr>
+            <a:r>
+              <a:rPr lang="en-US" dirty="0" err="1" smtClean="0"/>
+              <a:t>ReactDOM.render</a:t>
+            </a:r>
+            <a:r>
+              <a:rPr lang="en-US" dirty="0" smtClean="0"/>
+              <a:t>(&lt;</a:t>
+            </a:r>
+            <a:r>
+              <a:rPr lang="en-US" dirty="0" err="1" smtClean="0"/>
+              <a:t>HelloMessage</a:t>
+            </a:r>
+            <a:r>
+              <a:rPr lang="en-US" dirty="0" smtClean="0"/>
+              <a:t> name="John" /&gt;, </a:t>
+            </a:r>
+            <a:r>
+              <a:rPr lang="en-US" dirty="0" err="1" smtClean="0"/>
+              <a:t>mountNode</a:t>
+            </a:r>
+            <a:r>
+              <a:rPr lang="en-US" dirty="0" smtClean="0"/>
+              <a:t>);</a:t>
+            </a:r>
+            <a:endParaRPr lang="en-US" dirty="0"/>
+          </a:p>
+        </p:txBody>
+      </p:sp>
+    </p:spTree>
+    <p:extLst>
+      <p:ext uri="{BB962C8B-B14F-4D97-AF65-F5344CB8AC3E}">
+        <p14:creationId xmlns:p14="http://schemas.microsoft.com/office/powerpoint/2010/main" val="847371371"/>
+      </p:ext>
+    </p:extLst>
+  </p:cSld>
+  <p:clrMapOvr>
+    <a:masterClrMapping/>
+  </p:clrMapOvr>
+  <p:timing>
+    <p:tnLst>
+      <p:par>
+        <p:cTn id="1" dur="indefinite" restart="never" nodeType="tmRoot"/>
+      </p:par>
+    </p:tnLst>
+  </p:timing>
+</p:sld>
+</file>
+
+<file path=ppt/slides/slide26.xml><?xml version="1.0" encoding="utf-8"?>
+<p:sld xmlns:a="http://schemas.openxmlformats.org/drawingml/2006/main" xmlns:r="http://schemas.openxmlformats.org/officeDocument/2006/relationships" xmlns:p="http://schemas.openxmlformats.org/presentationml/2006/main">
+  <p:cSld>
+    <p:spTree>
+      <p:nvGrpSpPr>
+        <p:cNvPr id="1" name=""/>
+        <p:cNvGrpSpPr/>
+        <p:nvPr/>
+      </p:nvGrpSpPr>
+      <p:grpSpPr>
+        <a:xfrm>
+          <a:off x="0" y="0"/>
+          <a:ext cx="0" cy="0"/>
+          <a:chOff x="0" y="0"/>
+          <a:chExt cx="0" cy="0"/>
+        </a:xfrm>
+      </p:grpSpPr>
+      <p:sp>
+        <p:nvSpPr>
+          <p:cNvPr id="2" name="Title 1"/>
+          <p:cNvSpPr>
+            <a:spLocks noGrp="1"/>
+          </p:cNvSpPr>
+          <p:nvPr>
+            <p:ph type="title"/>
+          </p:nvPr>
+        </p:nvSpPr>
+        <p:spPr/>
+        <p:txBody>
+          <a:bodyPr/>
+          <a:lstStyle/>
+          <a:p>
+            <a:r>
+              <a:rPr lang="en-US" dirty="0"/>
+              <a:t>C</a:t>
+            </a:r>
+            <a:r>
+              <a:rPr lang="en-US" dirty="0" smtClean="0"/>
+              <a:t>omponent</a:t>
+            </a:r>
+            <a:endParaRPr lang="en-US" dirty="0"/>
+          </a:p>
+        </p:txBody>
+      </p:sp>
+      <p:sp>
+        <p:nvSpPr>
+          <p:cNvPr id="3" name="Content Placeholder 2"/>
+          <p:cNvSpPr>
+            <a:spLocks noGrp="1"/>
+          </p:cNvSpPr>
+          <p:nvPr>
+            <p:ph idx="1"/>
+          </p:nvPr>
+        </p:nvSpPr>
+        <p:spPr/>
+        <p:txBody>
+          <a:bodyPr/>
+          <a:lstStyle/>
+          <a:p>
+            <a:r>
+              <a:rPr lang="en-US" dirty="0" smtClean="0"/>
+              <a:t>In React we refer the all the piece of code as component. </a:t>
+            </a:r>
+          </a:p>
+          <a:p>
+            <a:r>
+              <a:rPr lang="en-US" dirty="0" smtClean="0"/>
+              <a:t>A </a:t>
+            </a:r>
+            <a:r>
+              <a:rPr lang="en-US" dirty="0"/>
+              <a:t>component can maintain internal state data (accessed </a:t>
+            </a:r>
+            <a:r>
+              <a:rPr lang="en-US" dirty="0" smtClean="0"/>
+              <a:t>via </a:t>
+            </a:r>
+            <a:r>
+              <a:rPr lang="en-US" dirty="0" err="1" smtClean="0"/>
+              <a:t>this.props</a:t>
+            </a:r>
+            <a:r>
+              <a:rPr lang="en-US" dirty="0" smtClean="0"/>
+              <a:t> or </a:t>
+            </a:r>
+            <a:r>
+              <a:rPr lang="en-US" dirty="0" err="1" smtClean="0"/>
+              <a:t>this.state</a:t>
+            </a:r>
+            <a:r>
+              <a:rPr lang="en-US" dirty="0" smtClean="0"/>
+              <a:t>) </a:t>
+            </a:r>
+            <a:r>
+              <a:rPr lang="en-US" dirty="0"/>
+              <a:t>When a component's state data changes, the rendered markup will be updated by </a:t>
+            </a:r>
+            <a:r>
+              <a:rPr lang="en-US" dirty="0" smtClean="0"/>
+              <a:t>re-invoking render() this is known as </a:t>
+            </a:r>
+            <a:r>
+              <a:rPr lang="en-US" dirty="0" err="1" smtClean="0"/>
+              <a:t>stateful</a:t>
+            </a:r>
+            <a:r>
+              <a:rPr lang="en-US" dirty="0" smtClean="0"/>
+              <a:t> component.</a:t>
+            </a:r>
+          </a:p>
+          <a:p>
+            <a:r>
+              <a:rPr lang="en-US" dirty="0" smtClean="0"/>
+              <a:t>Components can be nested i.e. One component can use the other component inside its render method()</a:t>
+            </a:r>
+            <a:endParaRPr lang="en-US" dirty="0"/>
+          </a:p>
+        </p:txBody>
+      </p:sp>
+    </p:spTree>
+    <p:extLst>
+      <p:ext uri="{BB962C8B-B14F-4D97-AF65-F5344CB8AC3E}">
+        <p14:creationId xmlns:p14="http://schemas.microsoft.com/office/powerpoint/2010/main" val="1758047748"/>
+      </p:ext>
+    </p:extLst>
+  </p:cSld>
+  <p:clrMapOvr>
+    <a:masterClrMapping/>
+  </p:clrMapOvr>
+  <p:timing>
+    <p:tnLst>
+      <p:par>
+        <p:cTn id="1" dur="indefinite" restart="never" nodeType="tmRoot"/>
+      </p:par>
+    </p:tnLst>
+  </p:timing>
+</p:sld>
+</file>
+
+<file path=ppt/slides/slide27.xml><?xml version="1.0" encoding="utf-8"?>
+<p:sld xmlns:a="http://schemas.openxmlformats.org/drawingml/2006/main" xmlns:r="http://schemas.openxmlformats.org/officeDocument/2006/relationships" xmlns:p="http://schemas.openxmlformats.org/presentationml/2006/main">
+  <p:cSld>
+    <p:spTree>
+      <p:nvGrpSpPr>
+        <p:cNvPr id="1" name=""/>
+        <p:cNvGrpSpPr/>
+        <p:nvPr/>
+      </p:nvGrpSpPr>
+      <p:grpSpPr>
+        <a:xfrm>
+          <a:off x="0" y="0"/>
+          <a:ext cx="0" cy="0"/>
+          <a:chOff x="0" y="0"/>
+          <a:chExt cx="0" cy="0"/>
+        </a:xfrm>
+      </p:grpSpPr>
+      <p:sp>
+        <p:nvSpPr>
+          <p:cNvPr id="2" name="Title 1"/>
+          <p:cNvSpPr>
+            <a:spLocks noGrp="1"/>
+          </p:cNvSpPr>
+          <p:nvPr>
+            <p:ph type="title"/>
+          </p:nvPr>
+        </p:nvSpPr>
+        <p:spPr/>
+        <p:txBody>
+          <a:bodyPr/>
+          <a:lstStyle/>
+          <a:p>
+            <a:r>
+              <a:rPr lang="en-US" dirty="0" err="1" smtClean="0"/>
+              <a:t>Stateful</a:t>
+            </a:r>
+            <a:r>
+              <a:rPr lang="en-US" dirty="0" smtClean="0"/>
+              <a:t> Component</a:t>
+            </a:r>
+            <a:endParaRPr lang="en-US" dirty="0"/>
+          </a:p>
+        </p:txBody>
+      </p:sp>
+      <p:sp>
+        <p:nvSpPr>
+          <p:cNvPr id="3" name="Content Placeholder 2"/>
+          <p:cNvSpPr>
+            <a:spLocks noGrp="1"/>
+          </p:cNvSpPr>
+          <p:nvPr>
+            <p:ph idx="1"/>
+          </p:nvPr>
+        </p:nvSpPr>
+        <p:spPr/>
+        <p:txBody>
+          <a:bodyPr>
+            <a:normAutofit fontScale="92500" lnSpcReduction="10000"/>
+          </a:bodyPr>
+          <a:lstStyle/>
+          <a:p>
+            <a:pPr marL="0" indent="0">
+              <a:buNone/>
+            </a:pPr>
+            <a:r>
+              <a:rPr lang="en-US" sz="1800" dirty="0" err="1" smtClean="0"/>
+              <a:t>var</a:t>
+            </a:r>
+            <a:r>
+              <a:rPr lang="en-US" sz="1800" dirty="0" smtClean="0"/>
+              <a:t> Counter = </a:t>
+            </a:r>
+            <a:r>
+              <a:rPr lang="en-US" sz="1800" dirty="0" err="1" smtClean="0"/>
+              <a:t>React.createClass</a:t>
+            </a:r>
+            <a:r>
+              <a:rPr lang="en-US" sz="1800" dirty="0" smtClean="0"/>
+              <a:t>({</a:t>
+            </a:r>
+          </a:p>
+          <a:p>
+            <a:pPr marL="0" indent="0">
+              <a:buNone/>
+            </a:pPr>
+            <a:r>
+              <a:rPr lang="en-US" sz="1800" dirty="0" smtClean="0"/>
+              <a:t>  </a:t>
+            </a:r>
+            <a:r>
+              <a:rPr lang="en-US" sz="1800" dirty="0" err="1" smtClean="0"/>
+              <a:t>getInitialState</a:t>
+            </a:r>
+            <a:r>
+              <a:rPr lang="en-US" sz="1800" dirty="0" smtClean="0"/>
+              <a:t>: function() {</a:t>
+            </a:r>
+          </a:p>
+          <a:p>
+            <a:pPr marL="0" indent="0">
+              <a:buNone/>
+            </a:pPr>
+            <a:r>
+              <a:rPr lang="en-US" sz="1800" dirty="0" smtClean="0"/>
+              <a:t>    return {counter: 0};</a:t>
+            </a:r>
+          </a:p>
+          <a:p>
+            <a:pPr marL="0" indent="0">
+              <a:buNone/>
+            </a:pPr>
+            <a:r>
+              <a:rPr lang="en-US" sz="1800" dirty="0" smtClean="0"/>
+              <a:t>  },</a:t>
+            </a:r>
+          </a:p>
+          <a:p>
+            <a:pPr marL="0" indent="0">
+              <a:buNone/>
+            </a:pPr>
+            <a:r>
+              <a:rPr lang="en-US" sz="1800" dirty="0" smtClean="0"/>
+              <a:t>  </a:t>
+            </a:r>
+            <a:r>
+              <a:rPr lang="en-US" sz="1800" dirty="0" err="1" smtClean="0"/>
+              <a:t>onClick</a:t>
+            </a:r>
+            <a:r>
+              <a:rPr lang="en-US" sz="1800" dirty="0" smtClean="0"/>
+              <a:t>: function() {</a:t>
+            </a:r>
+          </a:p>
+          <a:p>
+            <a:pPr marL="0" indent="0">
+              <a:buNone/>
+            </a:pPr>
+            <a:r>
+              <a:rPr lang="en-US" sz="1800" dirty="0" smtClean="0"/>
+              <a:t>    </a:t>
+            </a:r>
+            <a:r>
+              <a:rPr lang="en-US" sz="1800" dirty="0" err="1" smtClean="0"/>
+              <a:t>this.setState</a:t>
+            </a:r>
+            <a:r>
+              <a:rPr lang="en-US" sz="1800" dirty="0" smtClean="0"/>
+              <a:t>({counter: </a:t>
+            </a:r>
+            <a:r>
+              <a:rPr lang="en-US" sz="1800" dirty="0" err="1" smtClean="0"/>
+              <a:t>this.state.counter</a:t>
+            </a:r>
+            <a:r>
+              <a:rPr lang="en-US" sz="1800" dirty="0" smtClean="0"/>
+              <a:t> + 1}); //this will re render the </a:t>
+            </a:r>
+            <a:r>
+              <a:rPr lang="en-US" sz="1800" dirty="0" err="1" smtClean="0"/>
+              <a:t>the</a:t>
+            </a:r>
+            <a:r>
+              <a:rPr lang="en-US" sz="1800" dirty="0" smtClean="0"/>
+              <a:t> DOM</a:t>
+            </a:r>
+          </a:p>
+          <a:p>
+            <a:pPr marL="0" indent="0">
+              <a:buNone/>
+            </a:pPr>
+            <a:r>
+              <a:rPr lang="en-US" sz="1800" dirty="0" smtClean="0"/>
+              <a:t>  },</a:t>
+            </a:r>
+          </a:p>
+          <a:p>
+            <a:pPr marL="0" indent="0">
+              <a:buNone/>
+            </a:pPr>
+            <a:r>
+              <a:rPr lang="en-US" sz="1800" dirty="0" smtClean="0"/>
+              <a:t>  render: function() {</a:t>
+            </a:r>
+          </a:p>
+          <a:p>
+            <a:pPr marL="0" indent="0">
+              <a:buNone/>
+            </a:pPr>
+            <a:r>
+              <a:rPr lang="en-US" sz="1800" dirty="0" smtClean="0"/>
+              <a:t>    return (</a:t>
+            </a:r>
+          </a:p>
+          <a:p>
+            <a:pPr marL="0" indent="0">
+              <a:buNone/>
+            </a:pPr>
+            <a:r>
+              <a:rPr lang="en-US" sz="1800" dirty="0" smtClean="0"/>
+              <a:t>      &lt;h3 </a:t>
+            </a:r>
+            <a:r>
+              <a:rPr lang="en-US" sz="1800" dirty="0" err="1" smtClean="0"/>
+              <a:t>onClick</a:t>
+            </a:r>
+            <a:r>
+              <a:rPr lang="en-US" sz="1800" dirty="0" smtClean="0"/>
+              <a:t>={</a:t>
+            </a:r>
+            <a:r>
+              <a:rPr lang="en-US" sz="1800" dirty="0" err="1" smtClean="0"/>
+              <a:t>this.onClick</a:t>
+            </a:r>
+            <a:r>
+              <a:rPr lang="en-US" sz="1800" dirty="0" smtClean="0"/>
+              <a:t>}&gt; Counter using state property: {</a:t>
+            </a:r>
+            <a:r>
+              <a:rPr lang="en-US" sz="1800" dirty="0" err="1" smtClean="0"/>
+              <a:t>this.state.counter</a:t>
+            </a:r>
+            <a:r>
+              <a:rPr lang="en-US" sz="1800" dirty="0" smtClean="0"/>
+              <a:t>}&lt;/h3&gt;</a:t>
+            </a:r>
+          </a:p>
+          <a:p>
+            <a:pPr marL="0" indent="0">
+              <a:buNone/>
+            </a:pPr>
+            <a:r>
+              <a:rPr lang="en-US" sz="1800" dirty="0" smtClean="0"/>
+              <a:t>    );</a:t>
+            </a:r>
+          </a:p>
+          <a:p>
+            <a:pPr marL="0" indent="0">
+              <a:buNone/>
+            </a:pPr>
+            <a:r>
+              <a:rPr lang="en-US" sz="1800" dirty="0" smtClean="0"/>
+              <a:t>  }</a:t>
+            </a:r>
+          </a:p>
+          <a:p>
+            <a:pPr marL="0" indent="0">
+              <a:buNone/>
+            </a:pPr>
+            <a:r>
+              <a:rPr lang="en-US" sz="1800" dirty="0" smtClean="0"/>
+              <a:t>});</a:t>
+            </a:r>
+            <a:endParaRPr lang="en-US" sz="1800" dirty="0"/>
+          </a:p>
+        </p:txBody>
+      </p:sp>
+    </p:spTree>
+    <p:extLst>
+      <p:ext uri="{BB962C8B-B14F-4D97-AF65-F5344CB8AC3E}">
+        <p14:creationId xmlns:p14="http://schemas.microsoft.com/office/powerpoint/2010/main" val="1807522771"/>
+      </p:ext>
+    </p:extLst>
+  </p:cSld>
+  <p:clrMapOvr>
+    <a:masterClrMapping/>
+  </p:clrMapOvr>
+  <p:timing>
+    <p:tnLst>
+      <p:par>
+        <p:cTn id="1" dur="indefinite" restart="never" nodeType="tmRoot"/>
+      </p:par>
+    </p:tnLst>
+  </p:timing>
+</p:sld>
+</file>
+
+<file path=ppt/slides/slide28.xml><?xml version="1.0" encoding="utf-8"?>
+<p:sld xmlns:a="http://schemas.openxmlformats.org/drawingml/2006/main" xmlns:r="http://schemas.openxmlformats.org/officeDocument/2006/relationships" xmlns:p="http://schemas.openxmlformats.org/presentationml/2006/main">
+  <p:cSld>
+    <p:spTree>
+      <p:nvGrpSpPr>
+        <p:cNvPr id="1" name=""/>
+        <p:cNvGrpSpPr/>
+        <p:nvPr/>
+      </p:nvGrpSpPr>
+      <p:grpSpPr>
+        <a:xfrm>
+          <a:off x="0" y="0"/>
+          <a:ext cx="0" cy="0"/>
+          <a:chOff x="0" y="0"/>
+          <a:chExt cx="0" cy="0"/>
+        </a:xfrm>
+      </p:grpSpPr>
+      <p:sp>
+        <p:nvSpPr>
+          <p:cNvPr id="2" name="Title 1"/>
+          <p:cNvSpPr>
+            <a:spLocks noGrp="1"/>
+          </p:cNvSpPr>
+          <p:nvPr>
+            <p:ph type="title"/>
+          </p:nvPr>
+        </p:nvSpPr>
+        <p:spPr/>
+        <p:txBody>
+          <a:bodyPr/>
+          <a:lstStyle/>
+          <a:p>
+            <a:r>
+              <a:rPr lang="en-US" dirty="0" smtClean="0"/>
+              <a:t>Html Attributes</a:t>
+            </a:r>
+            <a:endParaRPr lang="en-US" dirty="0"/>
+          </a:p>
+        </p:txBody>
+      </p:sp>
+      <p:sp>
+        <p:nvSpPr>
+          <p:cNvPr id="3" name="Content Placeholder 2"/>
+          <p:cNvSpPr>
+            <a:spLocks noGrp="1"/>
+          </p:cNvSpPr>
+          <p:nvPr>
+            <p:ph idx="1"/>
+          </p:nvPr>
+        </p:nvSpPr>
+        <p:spPr/>
+        <p:txBody>
+          <a:bodyPr/>
+          <a:lstStyle/>
+          <a:p>
+            <a:r>
+              <a:rPr lang="en-US" dirty="0" smtClean="0"/>
+              <a:t>React provides full support to all html attributes to us in its markup as a prop.</a:t>
+            </a:r>
+          </a:p>
+          <a:p>
+            <a:r>
+              <a:rPr lang="en-US" dirty="0" smtClean="0"/>
+              <a:t>But prop names should be in </a:t>
+            </a:r>
+            <a:r>
+              <a:rPr lang="en-US" dirty="0" err="1" smtClean="0"/>
+              <a:t>camelCase</a:t>
+            </a:r>
+            <a:r>
+              <a:rPr lang="en-US" dirty="0" smtClean="0"/>
+              <a:t>.</a:t>
+            </a:r>
+          </a:p>
+          <a:p>
+            <a:r>
+              <a:rPr lang="en-US" dirty="0" smtClean="0"/>
+              <a:t>Also there are some reserve keywords in </a:t>
+            </a:r>
+            <a:r>
+              <a:rPr lang="en-US" dirty="0" err="1" smtClean="0"/>
+              <a:t>Javascript</a:t>
+            </a:r>
+            <a:r>
+              <a:rPr lang="en-US" dirty="0" smtClean="0"/>
+              <a:t> like ‘class’ and ‘for’. So use them as props react provides ‘</a:t>
+            </a:r>
+            <a:r>
+              <a:rPr lang="en-US" dirty="0" err="1" smtClean="0"/>
+              <a:t>className</a:t>
+            </a:r>
+            <a:r>
+              <a:rPr lang="en-US" dirty="0" smtClean="0"/>
+              <a:t>’ and ‘</a:t>
+            </a:r>
+            <a:r>
+              <a:rPr lang="en-US" dirty="0" err="1" smtClean="0"/>
+              <a:t>htmlFor</a:t>
+            </a:r>
+            <a:r>
+              <a:rPr lang="en-US" dirty="0" smtClean="0"/>
+              <a:t>’ respectively.</a:t>
+            </a:r>
+            <a:endParaRPr lang="en-US" dirty="0"/>
+          </a:p>
+        </p:txBody>
+      </p:sp>
+    </p:spTree>
+    <p:extLst>
+      <p:ext uri="{BB962C8B-B14F-4D97-AF65-F5344CB8AC3E}">
+        <p14:creationId xmlns:p14="http://schemas.microsoft.com/office/powerpoint/2010/main" val="1033684808"/>
+      </p:ext>
+    </p:extLst>
+  </p:cSld>
+  <p:clrMapOvr>
+    <a:masterClrMapping/>
+  </p:clrMapOvr>
+  <p:timing>
+    <p:tnLst>
+      <p:par>
+        <p:cTn id="1" dur="indefinite" restart="never" nodeType="tmRoot"/>
+      </p:par>
+    </p:tnLst>
+  </p:timing>
+</p:sld>
+</file>
+
+<file path=ppt/slides/slide29.xml><?xml version="1.0" encoding="utf-8"?>
 <p:sld xmlns:a="http://schemas.openxmlformats.org/drawingml/2006/main" xmlns:r="http://schemas.openxmlformats.org/officeDocument/2006/relationships" xmlns:p="http://schemas.openxmlformats.org/presentationml/2006/main">
   <p:cSld>
     <p:spTree>
@@ -5385,7 +6973,132 @@
 </p:sld>
 </file>
 
-<file path=ppt/slides/slide23.xml><?xml version="1.0" encoding="utf-8"?>
+<file path=ppt/slides/slide3.xml><?xml version="1.0" encoding="utf-8"?>
+<p:sld xmlns:a="http://schemas.openxmlformats.org/drawingml/2006/main" xmlns:r="http://schemas.openxmlformats.org/officeDocument/2006/relationships" xmlns:p="http://schemas.openxmlformats.org/presentationml/2006/main">
+  <p:cSld>
+    <p:spTree>
+      <p:nvGrpSpPr>
+        <p:cNvPr id="1" name=""/>
+        <p:cNvGrpSpPr/>
+        <p:nvPr/>
+      </p:nvGrpSpPr>
+      <p:grpSpPr>
+        <a:xfrm>
+          <a:off x="0" y="0"/>
+          <a:ext cx="0" cy="0"/>
+          <a:chOff x="0" y="0"/>
+          <a:chExt cx="0" cy="0"/>
+        </a:xfrm>
+      </p:grpSpPr>
+      <p:sp>
+        <p:nvSpPr>
+          <p:cNvPr id="2" name="Title 1"/>
+          <p:cNvSpPr>
+            <a:spLocks noGrp="1"/>
+          </p:cNvSpPr>
+          <p:nvPr>
+            <p:ph type="title"/>
+          </p:nvPr>
+        </p:nvSpPr>
+        <p:spPr/>
+        <p:txBody>
+          <a:bodyPr/>
+          <a:lstStyle/>
+          <a:p>
+            <a:r>
+              <a:rPr lang="en-US" dirty="0" smtClean="0"/>
+              <a:t>Problem with MVC</a:t>
+            </a:r>
+            <a:endParaRPr lang="en-US" dirty="0"/>
+          </a:p>
+        </p:txBody>
+      </p:sp>
+      <p:pic>
+        <p:nvPicPr>
+          <p:cNvPr id="4" name="Content Placeholder 3"/>
+          <p:cNvPicPr>
+            <a:picLocks noGrp="1" noChangeAspect="1"/>
+          </p:cNvPicPr>
+          <p:nvPr>
+            <p:ph idx="1"/>
+          </p:nvPr>
+        </p:nvPicPr>
+        <p:blipFill>
+          <a:blip r:embed="rId2">
+            <a:extLst>
+              <a:ext uri="{28A0092B-C50C-407E-A947-70E740481C1C}">
+                <a14:useLocalDpi xmlns:a14="http://schemas.microsoft.com/office/drawing/2010/main" val="0"/>
+              </a:ext>
+            </a:extLst>
+          </a:blip>
+          <a:stretch>
+            <a:fillRect/>
+          </a:stretch>
+        </p:blipFill>
+        <p:spPr>
+          <a:xfrm>
+            <a:off x="1439908" y="1341064"/>
+            <a:ext cx="8027831" cy="2477432"/>
+          </a:xfrm>
+        </p:spPr>
+      </p:pic>
+      <p:sp>
+        <p:nvSpPr>
+          <p:cNvPr id="5" name="TextBox 4"/>
+          <p:cNvSpPr txBox="1"/>
+          <p:nvPr/>
+        </p:nvSpPr>
+        <p:spPr>
+          <a:xfrm>
+            <a:off x="1828800" y="4168588"/>
+            <a:ext cx="9722277" cy="830997"/>
+          </a:xfrm>
+          <a:prstGeom prst="rect">
+            <a:avLst/>
+          </a:prstGeom>
+          <a:noFill/>
+        </p:spPr>
+        <p:txBody>
+          <a:bodyPr wrap="none" rtlCol="0">
+            <a:spAutoFit/>
+          </a:bodyPr>
+          <a:lstStyle/>
+          <a:p>
+            <a:pPr marL="285750" indent="-285750">
+              <a:buFont typeface="Arial" panose="020B0604020202020204" pitchFamily="34" charset="0"/>
+              <a:buChar char="•"/>
+            </a:pPr>
+            <a:r>
+              <a:rPr lang="en-US" sz="2400" dirty="0" smtClean="0"/>
+              <a:t>Model watches to views and views watches the model. Too many Watches</a:t>
+            </a:r>
+          </a:p>
+          <a:p>
+            <a:endParaRPr lang="en-US" sz="2400" dirty="0"/>
+          </a:p>
+        </p:txBody>
+      </p:sp>
+    </p:spTree>
+    <p:extLst>
+      <p:ext uri="{BB962C8B-B14F-4D97-AF65-F5344CB8AC3E}">
+        <p14:creationId xmlns:p14="http://schemas.microsoft.com/office/powerpoint/2010/main" val="2398091634"/>
+      </p:ext>
+    </p:extLst>
+  </p:cSld>
+  <p:clrMapOvr>
+    <a:masterClrMapping/>
+  </p:clrMapOvr>
+  <p:timing>
+    <p:tnLst>
+      <p:par>
+        <p:cTn id="1" dur="indefinite" restart="never" nodeType="tmRoot"/>
+      </p:par>
+    </p:tnLst>
+  </p:timing>
+</p:sld>
+</file>
+
+<file path=ppt/slides/slide30.xml><?xml version="1.0" encoding="utf-8"?>
 <p:sld xmlns:a="http://schemas.openxmlformats.org/drawingml/2006/main" xmlns:r="http://schemas.openxmlformats.org/officeDocument/2006/relationships" xmlns:p="http://schemas.openxmlformats.org/presentationml/2006/main">
   <p:cSld>
     <p:spTree>
@@ -5526,7 +7239,7 @@
 </p:sld>
 </file>
 
-<file path=ppt/slides/slide24.xml><?xml version="1.0" encoding="utf-8"?>
+<file path=ppt/slides/slide31.xml><?xml version="1.0" encoding="utf-8"?>
 <p:sld xmlns:a="http://schemas.openxmlformats.org/drawingml/2006/main" xmlns:r="http://schemas.openxmlformats.org/officeDocument/2006/relationships" xmlns:p="http://schemas.openxmlformats.org/presentationml/2006/main">
   <p:cSld>
     <p:spTree>
@@ -5822,7 +7535,7 @@
 </p:sld>
 </file>
 
-<file path=ppt/slides/slide25.xml><?xml version="1.0" encoding="utf-8"?>
+<file path=ppt/slides/slide32.xml><?xml version="1.0" encoding="utf-8"?>
 <p:sld xmlns:a="http://schemas.openxmlformats.org/drawingml/2006/main" xmlns:r="http://schemas.openxmlformats.org/officeDocument/2006/relationships" xmlns:p="http://schemas.openxmlformats.org/presentationml/2006/main">
   <p:cSld>
     <p:spTree>
@@ -5890,131 +7603,6 @@
     <p:extLst>
       <p:ext uri="{BB962C8B-B14F-4D97-AF65-F5344CB8AC3E}">
         <p14:creationId xmlns:p14="http://schemas.microsoft.com/office/powerpoint/2010/main" val="260462639"/>
-      </p:ext>
-    </p:extLst>
-  </p:cSld>
-  <p:clrMapOvr>
-    <a:masterClrMapping/>
-  </p:clrMapOvr>
-  <p:timing>
-    <p:tnLst>
-      <p:par>
-        <p:cTn id="1" dur="indefinite" restart="never" nodeType="tmRoot"/>
-      </p:par>
-    </p:tnLst>
-  </p:timing>
-</p:sld>
-</file>
-
-<file path=ppt/slides/slide3.xml><?xml version="1.0" encoding="utf-8"?>
-<p:sld xmlns:a="http://schemas.openxmlformats.org/drawingml/2006/main" xmlns:r="http://schemas.openxmlformats.org/officeDocument/2006/relationships" xmlns:p="http://schemas.openxmlformats.org/presentationml/2006/main">
-  <p:cSld>
-    <p:spTree>
-      <p:nvGrpSpPr>
-        <p:cNvPr id="1" name=""/>
-        <p:cNvGrpSpPr/>
-        <p:nvPr/>
-      </p:nvGrpSpPr>
-      <p:grpSpPr>
-        <a:xfrm>
-          <a:off x="0" y="0"/>
-          <a:ext cx="0" cy="0"/>
-          <a:chOff x="0" y="0"/>
-          <a:chExt cx="0" cy="0"/>
-        </a:xfrm>
-      </p:grpSpPr>
-      <p:sp>
-        <p:nvSpPr>
-          <p:cNvPr id="2" name="Title 1"/>
-          <p:cNvSpPr>
-            <a:spLocks noGrp="1"/>
-          </p:cNvSpPr>
-          <p:nvPr>
-            <p:ph type="title"/>
-          </p:nvPr>
-        </p:nvSpPr>
-        <p:spPr/>
-        <p:txBody>
-          <a:bodyPr/>
-          <a:lstStyle/>
-          <a:p>
-            <a:r>
-              <a:rPr lang="en-US" dirty="0" smtClean="0"/>
-              <a:t>Problem with MVC</a:t>
-            </a:r>
-            <a:endParaRPr lang="en-US" dirty="0"/>
-          </a:p>
-        </p:txBody>
-      </p:sp>
-      <p:pic>
-        <p:nvPicPr>
-          <p:cNvPr id="4" name="Content Placeholder 3"/>
-          <p:cNvPicPr>
-            <a:picLocks noGrp="1" noChangeAspect="1"/>
-          </p:cNvPicPr>
-          <p:nvPr>
-            <p:ph idx="1"/>
-          </p:nvPr>
-        </p:nvPicPr>
-        <p:blipFill>
-          <a:blip r:embed="rId2">
-            <a:extLst>
-              <a:ext uri="{28A0092B-C50C-407E-A947-70E740481C1C}">
-                <a14:useLocalDpi xmlns:a14="http://schemas.microsoft.com/office/drawing/2010/main" val="0"/>
-              </a:ext>
-            </a:extLst>
-          </a:blip>
-          <a:stretch>
-            <a:fillRect/>
-          </a:stretch>
-        </p:blipFill>
-        <p:spPr>
-          <a:xfrm>
-            <a:off x="1439908" y="1341064"/>
-            <a:ext cx="8027831" cy="2477432"/>
-          </a:xfrm>
-        </p:spPr>
-      </p:pic>
-      <p:sp>
-        <p:nvSpPr>
-          <p:cNvPr id="5" name="TextBox 4"/>
-          <p:cNvSpPr txBox="1"/>
-          <p:nvPr/>
-        </p:nvSpPr>
-        <p:spPr>
-          <a:xfrm>
-            <a:off x="1828800" y="4168588"/>
-            <a:ext cx="7428124" cy="646331"/>
-          </a:xfrm>
-          <a:prstGeom prst="rect">
-            <a:avLst/>
-          </a:prstGeom>
-          <a:noFill/>
-        </p:spPr>
-        <p:txBody>
-          <a:bodyPr wrap="none" rtlCol="0">
-            <a:spAutoFit/>
-          </a:bodyPr>
-          <a:lstStyle/>
-          <a:p>
-            <a:pPr marL="285750" indent="-285750">
-              <a:buFont typeface="Arial" panose="020B0604020202020204" pitchFamily="34" charset="0"/>
-              <a:buChar char="•"/>
-            </a:pPr>
-            <a:r>
-              <a:rPr lang="en-US" dirty="0" smtClean="0"/>
-              <a:t>Model watches to views and views watches the model. Too many Watches</a:t>
-            </a:r>
-          </a:p>
-          <a:p>
-            <a:endParaRPr lang="en-US" dirty="0"/>
-          </a:p>
-        </p:txBody>
-      </p:sp>
-    </p:spTree>
-    <p:extLst>
-      <p:ext uri="{BB962C8B-B14F-4D97-AF65-F5344CB8AC3E}">
-        <p14:creationId xmlns:p14="http://schemas.microsoft.com/office/powerpoint/2010/main" val="2398091634"/>
       </p:ext>
     </p:extLst>
   </p:cSld>
@@ -6109,7 +7697,7 @@
         <p:spPr>
           <a:xfrm>
             <a:off x="1828800" y="4168588"/>
-            <a:ext cx="7428124" cy="923330"/>
+            <a:ext cx="9722277" cy="1107996"/>
           </a:xfrm>
           <a:prstGeom prst="rect">
             <a:avLst/>
@@ -6127,7 +7715,7 @@
               <a:buChar char="•"/>
             </a:pPr>
             <a:r>
-              <a:rPr lang="en-US" dirty="0" smtClean="0"/>
+              <a:rPr lang="en-US" sz="2400" dirty="0" smtClean="0"/>
               <a:t>Model watches to views and views watches the model. Too many Watches</a:t>
             </a:r>
           </a:p>
@@ -6137,9 +7725,14 @@
               <a:buChar char="•"/>
             </a:pPr>
             <a:r>
-              <a:rPr lang="en-US" dirty="0" smtClean="0"/>
-              <a:t>Views re rendering too much</a:t>
-            </a:r>
+              <a:rPr lang="en-US" sz="2400" dirty="0" smtClean="0"/>
+              <a:t>Views re rendering too </a:t>
+            </a:r>
+            <a:r>
+              <a:rPr lang="en-US" sz="2400" dirty="0"/>
+              <a:t>much due to cascading update</a:t>
+            </a:r>
+            <a:endParaRPr lang="en-US" sz="2400" dirty="0" smtClean="0"/>
           </a:p>
           <a:p>
             <a:endParaRPr lang="en-US" dirty="0"/>
@@ -6244,7 +7837,7 @@
         <p:spPr>
           <a:xfrm>
             <a:off x="1828800" y="4168588"/>
-            <a:ext cx="7428124" cy="1200329"/>
+            <a:ext cx="9722277" cy="1477328"/>
           </a:xfrm>
           <a:prstGeom prst="rect">
             <a:avLst/>
@@ -6262,7 +7855,7 @@
               <a:buChar char="•"/>
             </a:pPr>
             <a:r>
-              <a:rPr lang="en-US" dirty="0" smtClean="0"/>
+              <a:rPr lang="en-US" sz="2400" dirty="0" smtClean="0"/>
               <a:t>Model watches to views and views watches the model. Too many Watches</a:t>
             </a:r>
           </a:p>
@@ -6272,9 +7865,14 @@
               <a:buChar char="•"/>
             </a:pPr>
             <a:r>
-              <a:rPr lang="en-US" dirty="0"/>
-              <a:t>Views re rendering too much</a:t>
-            </a:r>
+              <a:rPr lang="en-US" sz="2400" dirty="0" smtClean="0"/>
+              <a:t>Views re rendering too </a:t>
+            </a:r>
+            <a:r>
+              <a:rPr lang="en-US" sz="2400" dirty="0"/>
+              <a:t>much due to cascading update</a:t>
+            </a:r>
+            <a:endParaRPr lang="en-US" sz="2400" dirty="0" smtClean="0"/>
           </a:p>
           <a:p>
             <a:pPr marL="285750" indent="-285750">
@@ -6282,8 +7880,12 @@
               <a:buChar char="•"/>
             </a:pPr>
             <a:r>
-              <a:rPr lang="en-US" dirty="0" smtClean="0"/>
-              <a:t>Makes a page of real time data heavy to render</a:t>
+              <a:rPr lang="en-US" sz="2400" dirty="0" smtClean="0"/>
+              <a:t>Makes </a:t>
+            </a:r>
+            <a:r>
+              <a:rPr lang="en-US" sz="2400" dirty="0" smtClean="0"/>
+              <a:t>a page of real time data heavy to render</a:t>
             </a:r>
           </a:p>
           <a:p>
@@ -6389,7 +7991,7 @@
         <p:spPr>
           <a:xfrm>
             <a:off x="1828800" y="4168588"/>
-            <a:ext cx="7428124" cy="1477328"/>
+            <a:ext cx="9722277" cy="1846659"/>
           </a:xfrm>
           <a:prstGeom prst="rect">
             <a:avLst/>
@@ -6407,7 +8009,7 @@
               <a:buChar char="•"/>
             </a:pPr>
             <a:r>
-              <a:rPr lang="en-US" dirty="0" smtClean="0"/>
+              <a:rPr lang="en-US" sz="2400" dirty="0" smtClean="0"/>
               <a:t>Model watches to views and views watches the model. Too many Watches</a:t>
             </a:r>
           </a:p>
@@ -6417,9 +8019,14 @@
               <a:buChar char="•"/>
             </a:pPr>
             <a:r>
-              <a:rPr lang="en-US" dirty="0"/>
-              <a:t>Views re rendering too much</a:t>
-            </a:r>
+              <a:rPr lang="en-US" sz="2400" dirty="0"/>
+              <a:t>Views re rendering too </a:t>
+            </a:r>
+            <a:r>
+              <a:rPr lang="en-US" sz="2400" dirty="0" smtClean="0"/>
+              <a:t>much due to cascading update</a:t>
+            </a:r>
+            <a:endParaRPr lang="en-US" sz="2400" dirty="0"/>
           </a:p>
           <a:p>
             <a:pPr marL="285750" indent="-285750">
@@ -6427,7 +8034,7 @@
               <a:buChar char="•"/>
             </a:pPr>
             <a:r>
-              <a:rPr lang="en-US" dirty="0" smtClean="0"/>
+              <a:rPr lang="en-US" sz="2400" dirty="0" smtClean="0"/>
               <a:t>Makes a page of real time data heavy to render</a:t>
             </a:r>
           </a:p>
@@ -6437,7 +8044,7 @@
               <a:buChar char="•"/>
             </a:pPr>
             <a:r>
-              <a:rPr lang="en-US" dirty="0" smtClean="0"/>
+              <a:rPr lang="en-US" sz="2400" dirty="0" smtClean="0"/>
               <a:t>Two way data flow make it difficult to debug a problem</a:t>
             </a:r>
           </a:p>

--- a/React.pptx
+++ b/React.pptx
@@ -31,12 +31,18 @@
     <p:sldId id="258" r:id="rId25"/>
     <p:sldId id="259" r:id="rId26"/>
     <p:sldId id="260" r:id="rId27"/>
-    <p:sldId id="261" r:id="rId28"/>
-    <p:sldId id="262" r:id="rId29"/>
-    <p:sldId id="268" r:id="rId30"/>
-    <p:sldId id="265" r:id="rId31"/>
-    <p:sldId id="266" r:id="rId32"/>
-    <p:sldId id="267" r:id="rId33"/>
+    <p:sldId id="290" r:id="rId28"/>
+    <p:sldId id="291" r:id="rId29"/>
+    <p:sldId id="261" r:id="rId30"/>
+    <p:sldId id="262" r:id="rId31"/>
+    <p:sldId id="292" r:id="rId32"/>
+    <p:sldId id="293" r:id="rId33"/>
+    <p:sldId id="294" r:id="rId34"/>
+    <p:sldId id="297" r:id="rId35"/>
+    <p:sldId id="298" r:id="rId36"/>
+    <p:sldId id="296" r:id="rId37"/>
+    <p:sldId id="268" r:id="rId38"/>
+    <p:sldId id="295" r:id="rId39"/>
   </p:sldIdLst>
   <p:sldSz cx="12192000" cy="6858000"/>
   <p:notesSz cx="6858000" cy="9144000"/>
@@ -166,12 +172,18 @@
             <p14:sldId id="258"/>
             <p14:sldId id="259"/>
             <p14:sldId id="260"/>
+            <p14:sldId id="290"/>
+            <p14:sldId id="291"/>
             <p14:sldId id="261"/>
             <p14:sldId id="262"/>
+            <p14:sldId id="292"/>
+            <p14:sldId id="293"/>
+            <p14:sldId id="294"/>
+            <p14:sldId id="297"/>
+            <p14:sldId id="298"/>
+            <p14:sldId id="296"/>
             <p14:sldId id="268"/>
-            <p14:sldId id="265"/>
-            <p14:sldId id="266"/>
-            <p14:sldId id="267"/>
+            <p14:sldId id="295"/>
           </p14:sldIdLst>
         </p14:section>
       </p14:sectionLst>
@@ -5945,7 +5957,11 @@
           <a:p>
             <a:r>
               <a:rPr lang="en-US" dirty="0" smtClean="0"/>
-              <a:t>The JSX</a:t>
+              <a:t>The </a:t>
+            </a:r>
+            <a:r>
+              <a:rPr lang="en-US" dirty="0" smtClean="0"/>
+              <a:t>JSX syntax</a:t>
             </a:r>
             <a:endParaRPr lang="en-US" dirty="0"/>
           </a:p>
@@ -6316,12 +6332,8 @@
           <a:lstStyle/>
           <a:p>
             <a:r>
-              <a:rPr lang="en-US" dirty="0"/>
-              <a:t>C</a:t>
-            </a:r>
-            <a:r>
-              <a:rPr lang="en-US" dirty="0" smtClean="0"/>
-              <a:t>omponent</a:t>
+              <a:rPr lang="en-US" dirty="0" smtClean="0"/>
+              <a:t>React Component</a:t>
             </a:r>
             <a:endParaRPr lang="en-US" dirty="0"/>
           </a:p>
@@ -6346,59 +6358,6 @@
               <a:rPr lang="en-US" dirty="0" smtClean="0"/>
               <a:t>In React we refer the all the piece of code as component. </a:t>
             </a:r>
-          </a:p>
-          <a:p>
-            <a:r>
-              <a:rPr lang="en-US" dirty="0" smtClean="0"/>
-              <a:t>A </a:t>
-            </a:r>
-            <a:r>
-              <a:rPr lang="en-US" dirty="0"/>
-              <a:t>component can maintain internal state data (accessed </a:t>
-            </a:r>
-            <a:r>
-              <a:rPr lang="en-US" dirty="0" smtClean="0"/>
-              <a:t>via </a:t>
-            </a:r>
-            <a:r>
-              <a:rPr lang="en-US" dirty="0" err="1" smtClean="0"/>
-              <a:t>this.props</a:t>
-            </a:r>
-            <a:r>
-              <a:rPr lang="en-US" dirty="0" smtClean="0"/>
-              <a:t> or </a:t>
-            </a:r>
-            <a:r>
-              <a:rPr lang="en-US" dirty="0" err="1" smtClean="0"/>
-              <a:t>this.state</a:t>
-            </a:r>
-            <a:r>
-              <a:rPr lang="en-US" dirty="0" smtClean="0"/>
-              <a:t>) </a:t>
-            </a:r>
-            <a:r>
-              <a:rPr lang="en-US" dirty="0"/>
-              <a:t>When a component's state data changes, the rendered markup will be updated by </a:t>
-            </a:r>
-            <a:r>
-              <a:rPr lang="en-US" dirty="0" smtClean="0"/>
-              <a:t>re-invoking render() this is known as </a:t>
-            </a:r>
-            <a:r>
-              <a:rPr lang="en-US" dirty="0" err="1" smtClean="0"/>
-              <a:t>stateful</a:t>
-            </a:r>
-            <a:r>
-              <a:rPr lang="en-US" dirty="0" smtClean="0"/>
-              <a:t> component.</a:t>
-            </a:r>
-          </a:p>
-          <a:p>
-            <a:r>
-              <a:rPr lang="en-US" dirty="0" smtClean="0"/>
-              <a:t>Components can be nested i.e. One component can use the other component inside its render method()</a:t>
-            </a:r>
-            <a:endParaRPr lang="en-US" dirty="0"/>
           </a:p>
         </p:txBody>
       </p:sp>
@@ -6455,233 +6414,98 @@
           <a:lstStyle/>
           <a:p>
             <a:r>
+              <a:rPr lang="en-US" dirty="0" smtClean="0"/>
+              <a:t>React Component</a:t>
+            </a:r>
+            <a:endParaRPr lang="en-US" dirty="0"/>
+          </a:p>
+        </p:txBody>
+      </p:sp>
+      <p:sp>
+        <p:nvSpPr>
+          <p:cNvPr id="3" name="Content Placeholder 2"/>
+          <p:cNvSpPr>
+            <a:spLocks noGrp="1"/>
+          </p:cNvSpPr>
+          <p:nvPr>
+            <p:ph idx="1"/>
+          </p:nvPr>
+        </p:nvSpPr>
+        <p:spPr/>
+        <p:txBody>
+          <a:bodyPr/>
+          <a:lstStyle/>
+          <a:p>
+            <a:r>
+              <a:rPr lang="en-US" dirty="0" smtClean="0"/>
+              <a:t>In React we refer the all the piece of code as component. </a:t>
+            </a:r>
+          </a:p>
+          <a:p>
+            <a:r>
+              <a:rPr lang="en-US" dirty="0" smtClean="0"/>
+              <a:t>A </a:t>
+            </a:r>
+            <a:r>
+              <a:rPr lang="en-US" dirty="0"/>
+              <a:t>component can maintain internal state data (accessed </a:t>
+            </a:r>
+            <a:r>
+              <a:rPr lang="en-US" dirty="0" smtClean="0"/>
+              <a:t>via </a:t>
+            </a:r>
+            <a:r>
               <a:rPr lang="en-US" dirty="0" err="1" smtClean="0"/>
-              <a:t>Stateful</a:t>
-            </a:r>
-            <a:r>
-              <a:rPr lang="en-US" dirty="0" smtClean="0"/>
-              <a:t> Component</a:t>
-            </a:r>
-            <a:endParaRPr lang="en-US" dirty="0"/>
-          </a:p>
-        </p:txBody>
-      </p:sp>
-      <p:sp>
-        <p:nvSpPr>
-          <p:cNvPr id="3" name="Content Placeholder 2"/>
-          <p:cNvSpPr>
-            <a:spLocks noGrp="1"/>
-          </p:cNvSpPr>
-          <p:nvPr>
-            <p:ph idx="1"/>
-          </p:nvPr>
-        </p:nvSpPr>
-        <p:spPr/>
-        <p:txBody>
-          <a:bodyPr>
-            <a:normAutofit fontScale="92500" lnSpcReduction="10000"/>
-          </a:bodyPr>
-          <a:lstStyle/>
-          <a:p>
-            <a:pPr marL="0" indent="0">
-              <a:buNone/>
-            </a:pPr>
-            <a:r>
-              <a:rPr lang="en-US" sz="1800" dirty="0" err="1" smtClean="0"/>
-              <a:t>var</a:t>
-            </a:r>
-            <a:r>
-              <a:rPr lang="en-US" sz="1800" dirty="0" smtClean="0"/>
-              <a:t> Counter = </a:t>
-            </a:r>
-            <a:r>
-              <a:rPr lang="en-US" sz="1800" dirty="0" err="1" smtClean="0"/>
-              <a:t>React.createClass</a:t>
-            </a:r>
-            <a:r>
-              <a:rPr lang="en-US" sz="1800" dirty="0" smtClean="0"/>
-              <a:t>({</a:t>
-            </a:r>
-          </a:p>
-          <a:p>
-            <a:pPr marL="0" indent="0">
-              <a:buNone/>
-            </a:pPr>
-            <a:r>
-              <a:rPr lang="en-US" sz="1800" dirty="0" smtClean="0"/>
-              <a:t>  </a:t>
-            </a:r>
-            <a:r>
-              <a:rPr lang="en-US" sz="1800" dirty="0" err="1" smtClean="0"/>
-              <a:t>getInitialState</a:t>
-            </a:r>
-            <a:r>
-              <a:rPr lang="en-US" sz="1800" dirty="0" smtClean="0"/>
-              <a:t>: function() {</a:t>
-            </a:r>
-          </a:p>
-          <a:p>
-            <a:pPr marL="0" indent="0">
-              <a:buNone/>
-            </a:pPr>
-            <a:r>
-              <a:rPr lang="en-US" sz="1800" dirty="0" smtClean="0"/>
-              <a:t>    return {counter: 0};</a:t>
-            </a:r>
-          </a:p>
-          <a:p>
-            <a:pPr marL="0" indent="0">
-              <a:buNone/>
-            </a:pPr>
-            <a:r>
-              <a:rPr lang="en-US" sz="1800" dirty="0" smtClean="0"/>
-              <a:t>  },</a:t>
-            </a:r>
-          </a:p>
-          <a:p>
-            <a:pPr marL="0" indent="0">
-              <a:buNone/>
-            </a:pPr>
-            <a:r>
-              <a:rPr lang="en-US" sz="1800" dirty="0" smtClean="0"/>
-              <a:t>  </a:t>
-            </a:r>
-            <a:r>
-              <a:rPr lang="en-US" sz="1800" dirty="0" err="1" smtClean="0"/>
-              <a:t>onClick</a:t>
-            </a:r>
-            <a:r>
-              <a:rPr lang="en-US" sz="1800" dirty="0" smtClean="0"/>
-              <a:t>: function() {</a:t>
-            </a:r>
-          </a:p>
-          <a:p>
-            <a:pPr marL="0" indent="0">
-              <a:buNone/>
-            </a:pPr>
-            <a:r>
-              <a:rPr lang="en-US" sz="1800" dirty="0" smtClean="0"/>
-              <a:t>    </a:t>
-            </a:r>
-            <a:r>
-              <a:rPr lang="en-US" sz="1800" dirty="0" err="1" smtClean="0"/>
-              <a:t>this.setState</a:t>
-            </a:r>
-            <a:r>
-              <a:rPr lang="en-US" sz="1800" dirty="0" smtClean="0"/>
-              <a:t>({counter: </a:t>
-            </a:r>
-            <a:r>
-              <a:rPr lang="en-US" sz="1800" dirty="0" err="1" smtClean="0"/>
-              <a:t>this.state.counter</a:t>
-            </a:r>
-            <a:r>
-              <a:rPr lang="en-US" sz="1800" dirty="0" smtClean="0"/>
-              <a:t> + 1}); //this will re render the </a:t>
-            </a:r>
-            <a:r>
-              <a:rPr lang="en-US" sz="1800" dirty="0" err="1" smtClean="0"/>
-              <a:t>the</a:t>
-            </a:r>
-            <a:r>
-              <a:rPr lang="en-US" sz="1800" dirty="0" smtClean="0"/>
-              <a:t> DOM</a:t>
-            </a:r>
-          </a:p>
-          <a:p>
-            <a:pPr marL="0" indent="0">
-              <a:buNone/>
-            </a:pPr>
-            <a:r>
-              <a:rPr lang="en-US" sz="1800" dirty="0" smtClean="0"/>
-              <a:t>  },</a:t>
-            </a:r>
-          </a:p>
-          <a:p>
-            <a:pPr marL="0" indent="0">
-              <a:buNone/>
-            </a:pPr>
-            <a:r>
-              <a:rPr lang="en-US" sz="1800" dirty="0" smtClean="0"/>
-              <a:t>  render: function() {</a:t>
-            </a:r>
-          </a:p>
-          <a:p>
-            <a:pPr marL="0" indent="0">
-              <a:buNone/>
-            </a:pPr>
-            <a:r>
-              <a:rPr lang="en-US" sz="1800" dirty="0" smtClean="0"/>
-              <a:t>    return (</a:t>
-            </a:r>
-          </a:p>
-          <a:p>
-            <a:pPr marL="0" indent="0">
-              <a:buNone/>
-            </a:pPr>
-            <a:r>
-              <a:rPr lang="en-US" sz="1800" dirty="0" smtClean="0"/>
-              <a:t>      &lt;h3 </a:t>
-            </a:r>
-            <a:r>
-              <a:rPr lang="en-US" sz="1800" dirty="0" err="1" smtClean="0"/>
-              <a:t>onClick</a:t>
-            </a:r>
-            <a:r>
-              <a:rPr lang="en-US" sz="1800" dirty="0" smtClean="0"/>
-              <a:t>={</a:t>
-            </a:r>
-            <a:r>
-              <a:rPr lang="en-US" sz="1800" dirty="0" err="1" smtClean="0"/>
-              <a:t>this.onClick</a:t>
-            </a:r>
-            <a:r>
-              <a:rPr lang="en-US" sz="1800" dirty="0" smtClean="0"/>
-              <a:t>}&gt; Counter using state property: {</a:t>
-            </a:r>
-            <a:r>
-              <a:rPr lang="en-US" sz="1800" dirty="0" err="1" smtClean="0"/>
-              <a:t>this.state.counter</a:t>
-            </a:r>
-            <a:r>
-              <a:rPr lang="en-US" sz="1800" dirty="0" smtClean="0"/>
-              <a:t>}&lt;/h3&gt;</a:t>
-            </a:r>
-          </a:p>
-          <a:p>
-            <a:pPr marL="0" indent="0">
-              <a:buNone/>
-            </a:pPr>
-            <a:r>
-              <a:rPr lang="en-US" sz="1800" dirty="0" smtClean="0"/>
-              <a:t>    );</a:t>
-            </a:r>
-          </a:p>
-          <a:p>
-            <a:pPr marL="0" indent="0">
-              <a:buNone/>
-            </a:pPr>
-            <a:r>
-              <a:rPr lang="en-US" sz="1800" dirty="0" smtClean="0"/>
-              <a:t>  }</a:t>
-            </a:r>
-          </a:p>
-          <a:p>
-            <a:pPr marL="0" indent="0">
-              <a:buNone/>
-            </a:pPr>
-            <a:r>
-              <a:rPr lang="en-US" sz="1800" dirty="0" smtClean="0"/>
-              <a:t>});</a:t>
-            </a:r>
-            <a:endParaRPr lang="en-US" sz="1800" dirty="0"/>
+              <a:t>this.props</a:t>
+            </a:r>
+            <a:r>
+              <a:rPr lang="en-US" dirty="0" smtClean="0"/>
+              <a:t> or </a:t>
+            </a:r>
+            <a:r>
+              <a:rPr lang="en-US" dirty="0" err="1" smtClean="0"/>
+              <a:t>this.state</a:t>
+            </a:r>
+            <a:r>
+              <a:rPr lang="en-US" dirty="0" smtClean="0"/>
+              <a:t>) </a:t>
+            </a:r>
+            <a:r>
+              <a:rPr lang="en-US" dirty="0"/>
+              <a:t>When a component's state data changes, the rendered markup will be updated by </a:t>
+            </a:r>
+            <a:r>
+              <a:rPr lang="en-US" dirty="0" smtClean="0"/>
+              <a:t>re-invoking render</a:t>
+            </a:r>
+            <a:r>
+              <a:rPr lang="en-US" dirty="0" smtClean="0"/>
+              <a:t>() method </a:t>
+            </a:r>
+            <a:r>
+              <a:rPr lang="en-US" dirty="0" smtClean="0"/>
+              <a:t>this is known as </a:t>
+            </a:r>
+            <a:r>
+              <a:rPr lang="en-US" dirty="0" err="1" smtClean="0"/>
+              <a:t>stateful</a:t>
+            </a:r>
+            <a:r>
+              <a:rPr lang="en-US" dirty="0" smtClean="0"/>
+              <a:t> component</a:t>
+            </a:r>
+            <a:r>
+              <a:rPr lang="en-US" dirty="0" smtClean="0"/>
+              <a:t>.</a:t>
+            </a:r>
+            <a:endParaRPr lang="en-US" dirty="0" smtClean="0"/>
           </a:p>
         </p:txBody>
       </p:sp>
     </p:spTree>
     <p:extLst>
       <p:ext uri="{BB962C8B-B14F-4D97-AF65-F5344CB8AC3E}">
-        <p14:creationId xmlns:p14="http://schemas.microsoft.com/office/powerpoint/2010/main" val="1807522771"/>
+        <p14:creationId xmlns:p14="http://schemas.microsoft.com/office/powerpoint/2010/main" val="1267586818"/>
       </p:ext>
     </p:extLst>
   </p:cSld>
@@ -6732,7 +6556,7 @@
           <a:p>
             <a:r>
               <a:rPr lang="en-US" dirty="0" smtClean="0"/>
-              <a:t>Html Attributes</a:t>
+              <a:t>React Component</a:t>
             </a:r>
             <a:endParaRPr lang="en-US" dirty="0"/>
           </a:p>
@@ -6755,53 +6579,603 @@
           <a:p>
             <a:r>
               <a:rPr lang="en-US" dirty="0" smtClean="0"/>
-              <a:t>React provides full support to all html attributes to us in its markup as a prop.</a:t>
-            </a:r>
-          </a:p>
-          <a:p>
-            <a:r>
-              <a:rPr lang="en-US" dirty="0" smtClean="0"/>
-              <a:t>But prop names should be in </a:t>
+              <a:t>In React we refer the all the piece of code as component. </a:t>
+            </a:r>
+          </a:p>
+          <a:p>
+            <a:r>
+              <a:rPr lang="en-US" dirty="0" smtClean="0"/>
+              <a:t>A </a:t>
+            </a:r>
+            <a:r>
+              <a:rPr lang="en-US" dirty="0"/>
+              <a:t>component can maintain internal state data (accessed </a:t>
+            </a:r>
+            <a:r>
+              <a:rPr lang="en-US" dirty="0" smtClean="0"/>
+              <a:t>via </a:t>
             </a:r>
             <a:r>
               <a:rPr lang="en-US" dirty="0" err="1" smtClean="0"/>
-              <a:t>camelCase</a:t>
+              <a:t>this.props</a:t>
+            </a:r>
+            <a:r>
+              <a:rPr lang="en-US" dirty="0" smtClean="0"/>
+              <a:t> or </a:t>
+            </a:r>
+            <a:r>
+              <a:rPr lang="en-US" dirty="0" err="1" smtClean="0"/>
+              <a:t>this.state</a:t>
+            </a:r>
+            <a:r>
+              <a:rPr lang="en-US" dirty="0" smtClean="0"/>
+              <a:t>) </a:t>
+            </a:r>
+            <a:r>
+              <a:rPr lang="en-US" dirty="0"/>
+              <a:t>When a component's state data changes, the rendered markup will be updated by </a:t>
+            </a:r>
+            <a:r>
+              <a:rPr lang="en-US" dirty="0" smtClean="0"/>
+              <a:t>re-invoking render</a:t>
+            </a:r>
+            <a:r>
+              <a:rPr lang="en-US" dirty="0" smtClean="0"/>
+              <a:t>() method </a:t>
+            </a:r>
+            <a:r>
+              <a:rPr lang="en-US" dirty="0" smtClean="0"/>
+              <a:t>this is known as </a:t>
+            </a:r>
+            <a:r>
+              <a:rPr lang="en-US" dirty="0" err="1" smtClean="0"/>
+              <a:t>stateful</a:t>
+            </a:r>
+            <a:r>
+              <a:rPr lang="en-US" dirty="0" smtClean="0"/>
+              <a:t> component.</a:t>
+            </a:r>
+          </a:p>
+          <a:p>
+            <a:r>
+              <a:rPr lang="en-US" dirty="0" smtClean="0"/>
+              <a:t>Components can be nested i.e. One component can use the other component inside its render method()</a:t>
+            </a:r>
+            <a:endParaRPr lang="en-US" dirty="0"/>
+          </a:p>
+        </p:txBody>
+      </p:sp>
+    </p:spTree>
+    <p:extLst>
+      <p:ext uri="{BB962C8B-B14F-4D97-AF65-F5344CB8AC3E}">
+        <p14:creationId xmlns:p14="http://schemas.microsoft.com/office/powerpoint/2010/main" val="244897001"/>
+      </p:ext>
+    </p:extLst>
+  </p:cSld>
+  <p:clrMapOvr>
+    <a:masterClrMapping/>
+  </p:clrMapOvr>
+  <p:timing>
+    <p:tnLst>
+      <p:par>
+        <p:cTn id="1" dur="indefinite" restart="never" nodeType="tmRoot"/>
+      </p:par>
+    </p:tnLst>
+  </p:timing>
+</p:sld>
+</file>
+
+<file path=ppt/slides/slide29.xml><?xml version="1.0" encoding="utf-8"?>
+<p:sld xmlns:a="http://schemas.openxmlformats.org/drawingml/2006/main" xmlns:r="http://schemas.openxmlformats.org/officeDocument/2006/relationships" xmlns:p="http://schemas.openxmlformats.org/presentationml/2006/main">
+  <p:cSld>
+    <p:spTree>
+      <p:nvGrpSpPr>
+        <p:cNvPr id="1" name=""/>
+        <p:cNvGrpSpPr/>
+        <p:nvPr/>
+      </p:nvGrpSpPr>
+      <p:grpSpPr>
+        <a:xfrm>
+          <a:off x="0" y="0"/>
+          <a:ext cx="0" cy="0"/>
+          <a:chOff x="0" y="0"/>
+          <a:chExt cx="0" cy="0"/>
+        </a:xfrm>
+      </p:grpSpPr>
+      <p:sp>
+        <p:nvSpPr>
+          <p:cNvPr id="2" name="Title 1"/>
+          <p:cNvSpPr>
+            <a:spLocks noGrp="1"/>
+          </p:cNvSpPr>
+          <p:nvPr>
+            <p:ph type="title"/>
+          </p:nvPr>
+        </p:nvSpPr>
+        <p:spPr/>
+        <p:txBody>
+          <a:bodyPr/>
+          <a:lstStyle/>
+          <a:p>
+            <a:r>
+              <a:rPr lang="en-US" dirty="0" err="1" smtClean="0"/>
+              <a:t>Stateful</a:t>
+            </a:r>
+            <a:r>
+              <a:rPr lang="en-US" dirty="0" smtClean="0"/>
+              <a:t> Component</a:t>
+            </a:r>
+            <a:endParaRPr lang="en-US" dirty="0"/>
+          </a:p>
+        </p:txBody>
+      </p:sp>
+      <p:sp>
+        <p:nvSpPr>
+          <p:cNvPr id="3" name="Content Placeholder 2"/>
+          <p:cNvSpPr>
+            <a:spLocks noGrp="1"/>
+          </p:cNvSpPr>
+          <p:nvPr>
+            <p:ph idx="1"/>
+          </p:nvPr>
+        </p:nvSpPr>
+        <p:spPr/>
+        <p:txBody>
+          <a:bodyPr>
+            <a:normAutofit fontScale="92500" lnSpcReduction="10000"/>
+          </a:bodyPr>
+          <a:lstStyle/>
+          <a:p>
+            <a:pPr marL="0" indent="0">
+              <a:buNone/>
+            </a:pPr>
+            <a:r>
+              <a:rPr lang="en-US" sz="1800" dirty="0" err="1" smtClean="0"/>
+              <a:t>var</a:t>
+            </a:r>
+            <a:r>
+              <a:rPr lang="en-US" sz="1800" dirty="0" smtClean="0"/>
+              <a:t> Counter = </a:t>
+            </a:r>
+            <a:r>
+              <a:rPr lang="en-US" sz="1800" dirty="0" err="1" smtClean="0"/>
+              <a:t>React.createClass</a:t>
+            </a:r>
+            <a:r>
+              <a:rPr lang="en-US" sz="1800" dirty="0" smtClean="0"/>
+              <a:t>({</a:t>
+            </a:r>
+          </a:p>
+          <a:p>
+            <a:pPr marL="0" indent="0">
+              <a:buNone/>
+            </a:pPr>
+            <a:r>
+              <a:rPr lang="en-US" sz="1800" dirty="0" smtClean="0"/>
+              <a:t>  </a:t>
+            </a:r>
+            <a:r>
+              <a:rPr lang="en-US" sz="1800" dirty="0" err="1" smtClean="0"/>
+              <a:t>getInitialState</a:t>
+            </a:r>
+            <a:r>
+              <a:rPr lang="en-US" sz="1800" dirty="0" smtClean="0"/>
+              <a:t>: function() {</a:t>
+            </a:r>
+          </a:p>
+          <a:p>
+            <a:pPr marL="0" indent="0">
+              <a:buNone/>
+            </a:pPr>
+            <a:r>
+              <a:rPr lang="en-US" sz="1800" dirty="0" smtClean="0"/>
+              <a:t>    return {counter: 0};</a:t>
+            </a:r>
+          </a:p>
+          <a:p>
+            <a:pPr marL="0" indent="0">
+              <a:buNone/>
+            </a:pPr>
+            <a:r>
+              <a:rPr lang="en-US" sz="1800" dirty="0" smtClean="0"/>
+              <a:t>  },</a:t>
+            </a:r>
+          </a:p>
+          <a:p>
+            <a:pPr marL="0" indent="0">
+              <a:buNone/>
+            </a:pPr>
+            <a:r>
+              <a:rPr lang="en-US" sz="1800" dirty="0" smtClean="0"/>
+              <a:t>  </a:t>
+            </a:r>
+            <a:r>
+              <a:rPr lang="en-US" sz="1800" dirty="0" err="1" smtClean="0"/>
+              <a:t>onClick</a:t>
+            </a:r>
+            <a:r>
+              <a:rPr lang="en-US" sz="1800" dirty="0" smtClean="0"/>
+              <a:t>: function() {</a:t>
+            </a:r>
+          </a:p>
+          <a:p>
+            <a:pPr marL="0" indent="0">
+              <a:buNone/>
+            </a:pPr>
+            <a:r>
+              <a:rPr lang="en-US" sz="1800" dirty="0" smtClean="0"/>
+              <a:t>    </a:t>
+            </a:r>
+            <a:r>
+              <a:rPr lang="en-US" sz="1800" dirty="0" err="1" smtClean="0"/>
+              <a:t>this.setState</a:t>
+            </a:r>
+            <a:r>
+              <a:rPr lang="en-US" sz="1800" dirty="0" smtClean="0"/>
+              <a:t>({counter: </a:t>
+            </a:r>
+            <a:r>
+              <a:rPr lang="en-US" sz="1800" dirty="0" err="1" smtClean="0"/>
+              <a:t>this.state.counter</a:t>
+            </a:r>
+            <a:r>
+              <a:rPr lang="en-US" sz="1800" dirty="0" smtClean="0"/>
+              <a:t> + 1}); </a:t>
+            </a:r>
+            <a:r>
+              <a:rPr lang="en-US" sz="1800" dirty="0" smtClean="0">
+                <a:solidFill>
+                  <a:schemeClr val="accent1">
+                    <a:lumMod val="75000"/>
+                  </a:schemeClr>
+                </a:solidFill>
+              </a:rPr>
+              <a:t>//</a:t>
+            </a:r>
+            <a:r>
+              <a:rPr lang="en-US" sz="1800" dirty="0" smtClean="0">
+                <a:solidFill>
+                  <a:schemeClr val="accent1">
+                    <a:lumMod val="75000"/>
+                  </a:schemeClr>
+                </a:solidFill>
+              </a:rPr>
+              <a:t>this method </a:t>
+            </a:r>
+            <a:r>
+              <a:rPr lang="en-US" sz="1800" dirty="0" smtClean="0">
+                <a:solidFill>
+                  <a:schemeClr val="accent1">
+                    <a:lumMod val="75000"/>
+                  </a:schemeClr>
+                </a:solidFill>
+              </a:rPr>
+              <a:t>will re render the </a:t>
+            </a:r>
+            <a:r>
+              <a:rPr lang="en-US" sz="1800" dirty="0" err="1" smtClean="0">
+                <a:solidFill>
+                  <a:schemeClr val="accent1">
+                    <a:lumMod val="75000"/>
+                  </a:schemeClr>
+                </a:solidFill>
+              </a:rPr>
+              <a:t>the</a:t>
+            </a:r>
+            <a:r>
+              <a:rPr lang="en-US" sz="1800" dirty="0" smtClean="0">
+                <a:solidFill>
+                  <a:schemeClr val="accent1">
+                    <a:lumMod val="75000"/>
+                  </a:schemeClr>
+                </a:solidFill>
+              </a:rPr>
+              <a:t> DOM</a:t>
+            </a:r>
+          </a:p>
+          <a:p>
+            <a:pPr marL="0" indent="0">
+              <a:buNone/>
+            </a:pPr>
+            <a:r>
+              <a:rPr lang="en-US" sz="1800" dirty="0" smtClean="0"/>
+              <a:t>  },</a:t>
+            </a:r>
+          </a:p>
+          <a:p>
+            <a:pPr marL="0" indent="0">
+              <a:buNone/>
+            </a:pPr>
+            <a:r>
+              <a:rPr lang="en-US" sz="1800" dirty="0" smtClean="0"/>
+              <a:t>  render: function() {</a:t>
+            </a:r>
+          </a:p>
+          <a:p>
+            <a:pPr marL="0" indent="0">
+              <a:buNone/>
+            </a:pPr>
+            <a:r>
+              <a:rPr lang="en-US" sz="1800" dirty="0" smtClean="0"/>
+              <a:t>    return (</a:t>
+            </a:r>
+          </a:p>
+          <a:p>
+            <a:pPr marL="0" indent="0">
+              <a:buNone/>
+            </a:pPr>
+            <a:r>
+              <a:rPr lang="en-US" sz="1800" dirty="0" smtClean="0"/>
+              <a:t>      &lt;h3 </a:t>
+            </a:r>
+            <a:r>
+              <a:rPr lang="en-US" sz="1800" dirty="0" err="1" smtClean="0"/>
+              <a:t>onClick</a:t>
+            </a:r>
+            <a:r>
+              <a:rPr lang="en-US" sz="1800" dirty="0" smtClean="0"/>
+              <a:t>={</a:t>
+            </a:r>
+            <a:r>
+              <a:rPr lang="en-US" sz="1800" dirty="0" err="1" smtClean="0"/>
+              <a:t>this.onClick</a:t>
+            </a:r>
+            <a:r>
+              <a:rPr lang="en-US" sz="1800" dirty="0" smtClean="0"/>
+              <a:t>}&gt; Counter using state property: {</a:t>
+            </a:r>
+            <a:r>
+              <a:rPr lang="en-US" sz="1800" dirty="0" err="1" smtClean="0"/>
+              <a:t>this.state.counter</a:t>
+            </a:r>
+            <a:r>
+              <a:rPr lang="en-US" sz="1800" dirty="0" smtClean="0"/>
+              <a:t>}&lt;/h3&gt;</a:t>
+            </a:r>
+          </a:p>
+          <a:p>
+            <a:pPr marL="0" indent="0">
+              <a:buNone/>
+            </a:pPr>
+            <a:r>
+              <a:rPr lang="en-US" sz="1800" dirty="0" smtClean="0"/>
+              <a:t>    );</a:t>
+            </a:r>
+          </a:p>
+          <a:p>
+            <a:pPr marL="0" indent="0">
+              <a:buNone/>
+            </a:pPr>
+            <a:r>
+              <a:rPr lang="en-US" sz="1800" dirty="0" smtClean="0"/>
+              <a:t>  }</a:t>
+            </a:r>
+          </a:p>
+          <a:p>
+            <a:pPr marL="0" indent="0">
+              <a:buNone/>
+            </a:pPr>
+            <a:r>
+              <a:rPr lang="en-US" sz="1800" dirty="0" smtClean="0"/>
+              <a:t>});</a:t>
+            </a:r>
+            <a:endParaRPr lang="en-US" sz="1800" dirty="0"/>
+          </a:p>
+        </p:txBody>
+      </p:sp>
+    </p:spTree>
+    <p:extLst>
+      <p:ext uri="{BB962C8B-B14F-4D97-AF65-F5344CB8AC3E}">
+        <p14:creationId xmlns:p14="http://schemas.microsoft.com/office/powerpoint/2010/main" val="1807522771"/>
+      </p:ext>
+    </p:extLst>
+  </p:cSld>
+  <p:clrMapOvr>
+    <a:masterClrMapping/>
+  </p:clrMapOvr>
+  <p:timing>
+    <p:tnLst>
+      <p:par>
+        <p:cTn id="1" dur="indefinite" restart="never" nodeType="tmRoot"/>
+      </p:par>
+    </p:tnLst>
+  </p:timing>
+</p:sld>
+</file>
+
+<file path=ppt/slides/slide3.xml><?xml version="1.0" encoding="utf-8"?>
+<p:sld xmlns:a="http://schemas.openxmlformats.org/drawingml/2006/main" xmlns:r="http://schemas.openxmlformats.org/officeDocument/2006/relationships" xmlns:p="http://schemas.openxmlformats.org/presentationml/2006/main">
+  <p:cSld>
+    <p:spTree>
+      <p:nvGrpSpPr>
+        <p:cNvPr id="1" name=""/>
+        <p:cNvGrpSpPr/>
+        <p:nvPr/>
+      </p:nvGrpSpPr>
+      <p:grpSpPr>
+        <a:xfrm>
+          <a:off x="0" y="0"/>
+          <a:ext cx="0" cy="0"/>
+          <a:chOff x="0" y="0"/>
+          <a:chExt cx="0" cy="0"/>
+        </a:xfrm>
+      </p:grpSpPr>
+      <p:sp>
+        <p:nvSpPr>
+          <p:cNvPr id="2" name="Title 1"/>
+          <p:cNvSpPr>
+            <a:spLocks noGrp="1"/>
+          </p:cNvSpPr>
+          <p:nvPr>
+            <p:ph type="title"/>
+          </p:nvPr>
+        </p:nvSpPr>
+        <p:spPr/>
+        <p:txBody>
+          <a:bodyPr/>
+          <a:lstStyle/>
+          <a:p>
+            <a:r>
+              <a:rPr lang="en-US" dirty="0" smtClean="0"/>
+              <a:t>Problem with MVC</a:t>
+            </a:r>
+            <a:endParaRPr lang="en-US" dirty="0"/>
+          </a:p>
+        </p:txBody>
+      </p:sp>
+      <p:pic>
+        <p:nvPicPr>
+          <p:cNvPr id="4" name="Content Placeholder 3"/>
+          <p:cNvPicPr>
+            <a:picLocks noGrp="1" noChangeAspect="1"/>
+          </p:cNvPicPr>
+          <p:nvPr>
+            <p:ph idx="1"/>
+          </p:nvPr>
+        </p:nvPicPr>
+        <p:blipFill>
+          <a:blip r:embed="rId2">
+            <a:extLst>
+              <a:ext uri="{28A0092B-C50C-407E-A947-70E740481C1C}">
+                <a14:useLocalDpi xmlns:a14="http://schemas.microsoft.com/office/drawing/2010/main" val="0"/>
+              </a:ext>
+            </a:extLst>
+          </a:blip>
+          <a:stretch>
+            <a:fillRect/>
+          </a:stretch>
+        </p:blipFill>
+        <p:spPr>
+          <a:xfrm>
+            <a:off x="1439908" y="1341064"/>
+            <a:ext cx="8027831" cy="2477432"/>
+          </a:xfrm>
+        </p:spPr>
+      </p:pic>
+      <p:sp>
+        <p:nvSpPr>
+          <p:cNvPr id="5" name="TextBox 4"/>
+          <p:cNvSpPr txBox="1"/>
+          <p:nvPr/>
+        </p:nvSpPr>
+        <p:spPr>
+          <a:xfrm>
+            <a:off x="1828800" y="4168588"/>
+            <a:ext cx="9722277" cy="830997"/>
+          </a:xfrm>
+          <a:prstGeom prst="rect">
+            <a:avLst/>
+          </a:prstGeom>
+          <a:noFill/>
+        </p:spPr>
+        <p:txBody>
+          <a:bodyPr wrap="none" rtlCol="0">
+            <a:spAutoFit/>
+          </a:bodyPr>
+          <a:lstStyle/>
+          <a:p>
+            <a:pPr marL="285750" indent="-285750">
+              <a:buFont typeface="Arial" panose="020B0604020202020204" pitchFamily="34" charset="0"/>
+              <a:buChar char="•"/>
+            </a:pPr>
+            <a:r>
+              <a:rPr lang="en-US" sz="2400" dirty="0" smtClean="0"/>
+              <a:t>Model watches to views and views watches the model. Too many Watches</a:t>
+            </a:r>
+          </a:p>
+          <a:p>
+            <a:endParaRPr lang="en-US" sz="2400" dirty="0"/>
+          </a:p>
+        </p:txBody>
+      </p:sp>
+    </p:spTree>
+    <p:extLst>
+      <p:ext uri="{BB962C8B-B14F-4D97-AF65-F5344CB8AC3E}">
+        <p14:creationId xmlns:p14="http://schemas.microsoft.com/office/powerpoint/2010/main" val="2398091634"/>
+      </p:ext>
+    </p:extLst>
+  </p:cSld>
+  <p:clrMapOvr>
+    <a:masterClrMapping/>
+  </p:clrMapOvr>
+  <p:timing>
+    <p:tnLst>
+      <p:par>
+        <p:cTn id="1" dur="indefinite" restart="never" nodeType="tmRoot"/>
+      </p:par>
+    </p:tnLst>
+  </p:timing>
+</p:sld>
+</file>
+
+<file path=ppt/slides/slide30.xml><?xml version="1.0" encoding="utf-8"?>
+<p:sld xmlns:a="http://schemas.openxmlformats.org/drawingml/2006/main" xmlns:r="http://schemas.openxmlformats.org/officeDocument/2006/relationships" xmlns:p="http://schemas.openxmlformats.org/presentationml/2006/main">
+  <p:cSld>
+    <p:spTree>
+      <p:nvGrpSpPr>
+        <p:cNvPr id="1" name=""/>
+        <p:cNvGrpSpPr/>
+        <p:nvPr/>
+      </p:nvGrpSpPr>
+      <p:grpSpPr>
+        <a:xfrm>
+          <a:off x="0" y="0"/>
+          <a:ext cx="0" cy="0"/>
+          <a:chOff x="0" y="0"/>
+          <a:chExt cx="0" cy="0"/>
+        </a:xfrm>
+      </p:grpSpPr>
+      <p:sp>
+        <p:nvSpPr>
+          <p:cNvPr id="2" name="Title 1"/>
+          <p:cNvSpPr>
+            <a:spLocks noGrp="1"/>
+          </p:cNvSpPr>
+          <p:nvPr>
+            <p:ph type="title"/>
+          </p:nvPr>
+        </p:nvSpPr>
+        <p:spPr/>
+        <p:txBody>
+          <a:bodyPr/>
+          <a:lstStyle/>
+          <a:p>
+            <a:r>
+              <a:rPr lang="en-US" dirty="0" smtClean="0"/>
+              <a:t>Html </a:t>
+            </a:r>
+            <a:r>
+              <a:rPr lang="en-US" dirty="0" smtClean="0"/>
+              <a:t>Attributes in React</a:t>
+            </a:r>
+            <a:endParaRPr lang="en-US" dirty="0"/>
+          </a:p>
+        </p:txBody>
+      </p:sp>
+      <p:sp>
+        <p:nvSpPr>
+          <p:cNvPr id="3" name="Content Placeholder 2"/>
+          <p:cNvSpPr>
+            <a:spLocks noGrp="1"/>
+          </p:cNvSpPr>
+          <p:nvPr>
+            <p:ph idx="1"/>
+          </p:nvPr>
+        </p:nvSpPr>
+        <p:spPr/>
+        <p:txBody>
+          <a:bodyPr/>
+          <a:lstStyle/>
+          <a:p>
+            <a:r>
+              <a:rPr lang="en-US" dirty="0" smtClean="0"/>
+              <a:t>React provides full support to all html attributes to us in its markup as a prop</a:t>
             </a:r>
             <a:r>
               <a:rPr lang="en-US" dirty="0" smtClean="0"/>
               <a:t>.</a:t>
             </a:r>
-          </a:p>
-          <a:p>
-            <a:r>
-              <a:rPr lang="en-US" dirty="0" smtClean="0"/>
-              <a:t>Also there are some reserve keywords in </a:t>
-            </a:r>
-            <a:r>
-              <a:rPr lang="en-US" dirty="0" err="1" smtClean="0"/>
-              <a:t>Javascript</a:t>
-            </a:r>
-            <a:r>
-              <a:rPr lang="en-US" dirty="0" smtClean="0"/>
-              <a:t> like ‘class’ and ‘for’. So use them as props react provides ‘</a:t>
-            </a:r>
-            <a:r>
-              <a:rPr lang="en-US" dirty="0" err="1" smtClean="0"/>
-              <a:t>className</a:t>
-            </a:r>
-            <a:r>
-              <a:rPr lang="en-US" dirty="0" smtClean="0"/>
-              <a:t>’ and ‘</a:t>
-            </a:r>
-            <a:r>
-              <a:rPr lang="en-US" dirty="0" err="1" smtClean="0"/>
-              <a:t>htmlFor</a:t>
-            </a:r>
-            <a:r>
-              <a:rPr lang="en-US" dirty="0" smtClean="0"/>
-              <a:t>’ respectively.</a:t>
-            </a:r>
-            <a:endParaRPr lang="en-US" dirty="0"/>
+            <a:endParaRPr lang="en-US" dirty="0" smtClean="0"/>
           </a:p>
         </p:txBody>
       </p:sp>
@@ -6825,7 +7199,943 @@
 </p:sld>
 </file>
 
-<file path=ppt/slides/slide29.xml><?xml version="1.0" encoding="utf-8"?>
+<file path=ppt/slides/slide31.xml><?xml version="1.0" encoding="utf-8"?>
+<p:sld xmlns:a="http://schemas.openxmlformats.org/drawingml/2006/main" xmlns:r="http://schemas.openxmlformats.org/officeDocument/2006/relationships" xmlns:p="http://schemas.openxmlformats.org/presentationml/2006/main">
+  <p:cSld>
+    <p:spTree>
+      <p:nvGrpSpPr>
+        <p:cNvPr id="1" name=""/>
+        <p:cNvGrpSpPr/>
+        <p:nvPr/>
+      </p:nvGrpSpPr>
+      <p:grpSpPr>
+        <a:xfrm>
+          <a:off x="0" y="0"/>
+          <a:ext cx="0" cy="0"/>
+          <a:chOff x="0" y="0"/>
+          <a:chExt cx="0" cy="0"/>
+        </a:xfrm>
+      </p:grpSpPr>
+      <p:sp>
+        <p:nvSpPr>
+          <p:cNvPr id="2" name="Title 1"/>
+          <p:cNvSpPr>
+            <a:spLocks noGrp="1"/>
+          </p:cNvSpPr>
+          <p:nvPr>
+            <p:ph type="title"/>
+          </p:nvPr>
+        </p:nvSpPr>
+        <p:spPr/>
+        <p:txBody>
+          <a:bodyPr/>
+          <a:lstStyle/>
+          <a:p>
+            <a:r>
+              <a:rPr lang="en-US" dirty="0" smtClean="0"/>
+              <a:t>Html </a:t>
+            </a:r>
+            <a:r>
+              <a:rPr lang="en-US" dirty="0" smtClean="0"/>
+              <a:t>Attributes in React</a:t>
+            </a:r>
+            <a:endParaRPr lang="en-US" dirty="0"/>
+          </a:p>
+        </p:txBody>
+      </p:sp>
+      <p:sp>
+        <p:nvSpPr>
+          <p:cNvPr id="3" name="Content Placeholder 2"/>
+          <p:cNvSpPr>
+            <a:spLocks noGrp="1"/>
+          </p:cNvSpPr>
+          <p:nvPr>
+            <p:ph idx="1"/>
+          </p:nvPr>
+        </p:nvSpPr>
+        <p:spPr/>
+        <p:txBody>
+          <a:bodyPr/>
+          <a:lstStyle/>
+          <a:p>
+            <a:r>
+              <a:rPr lang="en-US" dirty="0" smtClean="0"/>
+              <a:t>React provides full support to all html attributes to us in its markup as a prop.</a:t>
+            </a:r>
+          </a:p>
+          <a:p>
+            <a:r>
+              <a:rPr lang="en-US" dirty="0" smtClean="0"/>
+              <a:t>But prop names should be in </a:t>
+            </a:r>
+            <a:r>
+              <a:rPr lang="en-US" dirty="0" err="1" smtClean="0"/>
+              <a:t>camelCase</a:t>
+            </a:r>
+            <a:r>
+              <a:rPr lang="en-US" dirty="0" smtClean="0"/>
+              <a:t>.</a:t>
+            </a:r>
+            <a:endParaRPr lang="en-US" dirty="0" smtClean="0"/>
+          </a:p>
+        </p:txBody>
+      </p:sp>
+    </p:spTree>
+    <p:extLst>
+      <p:ext uri="{BB962C8B-B14F-4D97-AF65-F5344CB8AC3E}">
+        <p14:creationId xmlns:p14="http://schemas.microsoft.com/office/powerpoint/2010/main" val="1313642367"/>
+      </p:ext>
+    </p:extLst>
+  </p:cSld>
+  <p:clrMapOvr>
+    <a:masterClrMapping/>
+  </p:clrMapOvr>
+  <p:timing>
+    <p:tnLst>
+      <p:par>
+        <p:cTn id="1" dur="indefinite" restart="never" nodeType="tmRoot"/>
+      </p:par>
+    </p:tnLst>
+  </p:timing>
+</p:sld>
+</file>
+
+<file path=ppt/slides/slide32.xml><?xml version="1.0" encoding="utf-8"?>
+<p:sld xmlns:a="http://schemas.openxmlformats.org/drawingml/2006/main" xmlns:r="http://schemas.openxmlformats.org/officeDocument/2006/relationships" xmlns:p="http://schemas.openxmlformats.org/presentationml/2006/main">
+  <p:cSld>
+    <p:spTree>
+      <p:nvGrpSpPr>
+        <p:cNvPr id="1" name=""/>
+        <p:cNvGrpSpPr/>
+        <p:nvPr/>
+      </p:nvGrpSpPr>
+      <p:grpSpPr>
+        <a:xfrm>
+          <a:off x="0" y="0"/>
+          <a:ext cx="0" cy="0"/>
+          <a:chOff x="0" y="0"/>
+          <a:chExt cx="0" cy="0"/>
+        </a:xfrm>
+      </p:grpSpPr>
+      <p:sp>
+        <p:nvSpPr>
+          <p:cNvPr id="2" name="Title 1"/>
+          <p:cNvSpPr>
+            <a:spLocks noGrp="1"/>
+          </p:cNvSpPr>
+          <p:nvPr>
+            <p:ph type="title"/>
+          </p:nvPr>
+        </p:nvSpPr>
+        <p:spPr/>
+        <p:txBody>
+          <a:bodyPr/>
+          <a:lstStyle/>
+          <a:p>
+            <a:r>
+              <a:rPr lang="en-US" dirty="0" smtClean="0"/>
+              <a:t>Html </a:t>
+            </a:r>
+            <a:r>
+              <a:rPr lang="en-US" dirty="0" smtClean="0"/>
+              <a:t>Attributes in React</a:t>
+            </a:r>
+            <a:endParaRPr lang="en-US" dirty="0"/>
+          </a:p>
+        </p:txBody>
+      </p:sp>
+      <p:sp>
+        <p:nvSpPr>
+          <p:cNvPr id="3" name="Content Placeholder 2"/>
+          <p:cNvSpPr>
+            <a:spLocks noGrp="1"/>
+          </p:cNvSpPr>
+          <p:nvPr>
+            <p:ph idx="1"/>
+          </p:nvPr>
+        </p:nvSpPr>
+        <p:spPr/>
+        <p:txBody>
+          <a:bodyPr/>
+          <a:lstStyle/>
+          <a:p>
+            <a:r>
+              <a:rPr lang="en-US" dirty="0" smtClean="0"/>
+              <a:t>React provides full support to all html attributes to us in its markup as a prop.</a:t>
+            </a:r>
+          </a:p>
+          <a:p>
+            <a:r>
+              <a:rPr lang="en-US" dirty="0" smtClean="0"/>
+              <a:t>But prop names should be in </a:t>
+            </a:r>
+            <a:r>
+              <a:rPr lang="en-US" dirty="0" err="1" smtClean="0"/>
+              <a:t>camelCase</a:t>
+            </a:r>
+            <a:r>
+              <a:rPr lang="en-US" dirty="0" smtClean="0"/>
+              <a:t>.</a:t>
+            </a:r>
+          </a:p>
+          <a:p>
+            <a:r>
+              <a:rPr lang="en-US" dirty="0" smtClean="0"/>
+              <a:t>Also there are some reserve keywords in </a:t>
+            </a:r>
+            <a:r>
+              <a:rPr lang="en-US" dirty="0" err="1" smtClean="0"/>
+              <a:t>Javascript</a:t>
+            </a:r>
+            <a:r>
+              <a:rPr lang="en-US" dirty="0" smtClean="0"/>
+              <a:t> like ‘class’ and ‘for’. So use them as props react provides ‘</a:t>
+            </a:r>
+            <a:r>
+              <a:rPr lang="en-US" dirty="0" err="1" smtClean="0"/>
+              <a:t>className</a:t>
+            </a:r>
+            <a:r>
+              <a:rPr lang="en-US" dirty="0" smtClean="0"/>
+              <a:t>’ and ‘</a:t>
+            </a:r>
+            <a:r>
+              <a:rPr lang="en-US" dirty="0" err="1" smtClean="0"/>
+              <a:t>htmlFor</a:t>
+            </a:r>
+            <a:r>
+              <a:rPr lang="en-US" dirty="0" smtClean="0"/>
+              <a:t>’ respectively.</a:t>
+            </a:r>
+            <a:endParaRPr lang="en-US" dirty="0"/>
+          </a:p>
+        </p:txBody>
+      </p:sp>
+    </p:spTree>
+    <p:extLst>
+      <p:ext uri="{BB962C8B-B14F-4D97-AF65-F5344CB8AC3E}">
+        <p14:creationId xmlns:p14="http://schemas.microsoft.com/office/powerpoint/2010/main" val="4152091014"/>
+      </p:ext>
+    </p:extLst>
+  </p:cSld>
+  <p:clrMapOvr>
+    <a:masterClrMapping/>
+  </p:clrMapOvr>
+  <p:timing>
+    <p:tnLst>
+      <p:par>
+        <p:cTn id="1" dur="indefinite" restart="never" nodeType="tmRoot"/>
+      </p:par>
+    </p:tnLst>
+  </p:timing>
+</p:sld>
+</file>
+
+<file path=ppt/slides/slide33.xml><?xml version="1.0" encoding="utf-8"?>
+<p:sld xmlns:a="http://schemas.openxmlformats.org/drawingml/2006/main" xmlns:r="http://schemas.openxmlformats.org/officeDocument/2006/relationships" xmlns:p="http://schemas.openxmlformats.org/presentationml/2006/main">
+  <p:cSld>
+    <p:spTree>
+      <p:nvGrpSpPr>
+        <p:cNvPr id="1" name=""/>
+        <p:cNvGrpSpPr/>
+        <p:nvPr/>
+      </p:nvGrpSpPr>
+      <p:grpSpPr>
+        <a:xfrm>
+          <a:off x="0" y="0"/>
+          <a:ext cx="0" cy="0"/>
+          <a:chOff x="0" y="0"/>
+          <a:chExt cx="0" cy="0"/>
+        </a:xfrm>
+      </p:grpSpPr>
+      <p:sp>
+        <p:nvSpPr>
+          <p:cNvPr id="2" name="Title 1"/>
+          <p:cNvSpPr>
+            <a:spLocks noGrp="1"/>
+          </p:cNvSpPr>
+          <p:nvPr>
+            <p:ph type="title"/>
+          </p:nvPr>
+        </p:nvSpPr>
+        <p:spPr/>
+        <p:txBody>
+          <a:bodyPr/>
+          <a:lstStyle/>
+          <a:p>
+            <a:r>
+              <a:rPr lang="en-US" dirty="0" smtClean="0"/>
+              <a:t>Using React Component as Alt View</a:t>
+            </a:r>
+            <a:endParaRPr lang="en-US" dirty="0"/>
+          </a:p>
+        </p:txBody>
+      </p:sp>
+      <p:sp>
+        <p:nvSpPr>
+          <p:cNvPr id="3" name="Content Placeholder 2"/>
+          <p:cNvSpPr>
+            <a:spLocks noGrp="1"/>
+          </p:cNvSpPr>
+          <p:nvPr>
+            <p:ph idx="1"/>
+          </p:nvPr>
+        </p:nvSpPr>
+        <p:spPr/>
+        <p:txBody>
+          <a:bodyPr>
+            <a:normAutofit/>
+          </a:bodyPr>
+          <a:lstStyle/>
+          <a:p>
+            <a:r>
+              <a:rPr lang="en-US" dirty="0" smtClean="0"/>
+              <a:t>We need to pass the alt store’s state data to the view.</a:t>
+            </a:r>
+          </a:p>
+          <a:p>
+            <a:pPr marL="0" indent="0">
+              <a:buNone/>
+            </a:pPr>
+            <a:endParaRPr lang="en-US" sz="2400" dirty="0"/>
+          </a:p>
+        </p:txBody>
+      </p:sp>
+    </p:spTree>
+    <p:extLst>
+      <p:ext uri="{BB962C8B-B14F-4D97-AF65-F5344CB8AC3E}">
+        <p14:creationId xmlns:p14="http://schemas.microsoft.com/office/powerpoint/2010/main" val="3950615268"/>
+      </p:ext>
+    </p:extLst>
+  </p:cSld>
+  <p:clrMapOvr>
+    <a:masterClrMapping/>
+  </p:clrMapOvr>
+</p:sld>
+</file>
+
+<file path=ppt/slides/slide34.xml><?xml version="1.0" encoding="utf-8"?>
+<p:sld xmlns:a="http://schemas.openxmlformats.org/drawingml/2006/main" xmlns:r="http://schemas.openxmlformats.org/officeDocument/2006/relationships" xmlns:p="http://schemas.openxmlformats.org/presentationml/2006/main">
+  <p:cSld>
+    <p:spTree>
+      <p:nvGrpSpPr>
+        <p:cNvPr id="1" name=""/>
+        <p:cNvGrpSpPr/>
+        <p:nvPr/>
+      </p:nvGrpSpPr>
+      <p:grpSpPr>
+        <a:xfrm>
+          <a:off x="0" y="0"/>
+          <a:ext cx="0" cy="0"/>
+          <a:chOff x="0" y="0"/>
+          <a:chExt cx="0" cy="0"/>
+        </a:xfrm>
+      </p:grpSpPr>
+      <p:sp>
+        <p:nvSpPr>
+          <p:cNvPr id="2" name="Title 1"/>
+          <p:cNvSpPr>
+            <a:spLocks noGrp="1"/>
+          </p:cNvSpPr>
+          <p:nvPr>
+            <p:ph type="title"/>
+          </p:nvPr>
+        </p:nvSpPr>
+        <p:spPr/>
+        <p:txBody>
+          <a:bodyPr/>
+          <a:lstStyle/>
+          <a:p>
+            <a:r>
+              <a:rPr lang="en-US" dirty="0" smtClean="0"/>
+              <a:t>Using React Component as Alt View</a:t>
+            </a:r>
+            <a:endParaRPr lang="en-US" dirty="0"/>
+          </a:p>
+        </p:txBody>
+      </p:sp>
+      <p:sp>
+        <p:nvSpPr>
+          <p:cNvPr id="3" name="Content Placeholder 2"/>
+          <p:cNvSpPr>
+            <a:spLocks noGrp="1"/>
+          </p:cNvSpPr>
+          <p:nvPr>
+            <p:ph idx="1"/>
+          </p:nvPr>
+        </p:nvSpPr>
+        <p:spPr/>
+        <p:txBody>
+          <a:bodyPr>
+            <a:normAutofit/>
+          </a:bodyPr>
+          <a:lstStyle/>
+          <a:p>
+            <a:r>
+              <a:rPr lang="en-US" dirty="0" smtClean="0"/>
+              <a:t>We need to pass the alt store’s state data to the view.</a:t>
+            </a:r>
+          </a:p>
+          <a:p>
+            <a:r>
+              <a:rPr lang="en-US" dirty="0" smtClean="0"/>
+              <a:t>Alt provides a built-in components that binds an specific store to the specific view. This is known as Component Container</a:t>
+            </a:r>
+          </a:p>
+          <a:p>
+            <a:pPr marL="0" indent="0">
+              <a:buNone/>
+            </a:pPr>
+            <a:endParaRPr lang="en-US" sz="2000" dirty="0" smtClean="0"/>
+          </a:p>
+          <a:p>
+            <a:pPr marL="0" indent="0">
+              <a:buNone/>
+            </a:pPr>
+            <a:r>
+              <a:rPr lang="en-US" sz="2000" dirty="0" smtClean="0"/>
+              <a:t>     &lt;</a:t>
+            </a:r>
+            <a:r>
+              <a:rPr lang="en-US" sz="2000" dirty="0" err="1"/>
+              <a:t>AltContainer</a:t>
+            </a:r>
+            <a:r>
+              <a:rPr lang="en-US" sz="2000" dirty="0"/>
+              <a:t> store</a:t>
+            </a:r>
+            <a:r>
+              <a:rPr lang="en-US" sz="2000" dirty="0" smtClean="0"/>
+              <a:t>={</a:t>
+            </a:r>
+            <a:r>
+              <a:rPr lang="en-US" sz="2000" dirty="0" err="1" smtClean="0"/>
+              <a:t>CustomerStore</a:t>
+            </a:r>
+            <a:r>
+              <a:rPr lang="en-US" sz="2000" dirty="0"/>
+              <a:t>}&gt;</a:t>
+            </a:r>
+          </a:p>
+          <a:p>
+            <a:pPr marL="0" indent="0">
+              <a:buNone/>
+            </a:pPr>
+            <a:r>
+              <a:rPr lang="en-US" sz="2000" dirty="0"/>
+              <a:t>       </a:t>
+            </a:r>
+            <a:r>
+              <a:rPr lang="en-US" sz="2000" dirty="0" smtClean="0"/>
+              <a:t>	 &lt;Customers/&gt;</a:t>
+            </a:r>
+            <a:endParaRPr lang="en-US" sz="2000" dirty="0"/>
+          </a:p>
+          <a:p>
+            <a:pPr marL="0" indent="0">
+              <a:buNone/>
+            </a:pPr>
+            <a:r>
+              <a:rPr lang="en-US" sz="2000" dirty="0"/>
+              <a:t>      &lt;/</a:t>
+            </a:r>
+            <a:r>
+              <a:rPr lang="en-US" sz="2000" dirty="0" err="1"/>
+              <a:t>AltContainer</a:t>
+            </a:r>
+            <a:r>
+              <a:rPr lang="en-US" sz="2000" dirty="0" smtClean="0"/>
+              <a:t>&gt;</a:t>
+            </a:r>
+          </a:p>
+          <a:p>
+            <a:pPr marL="0" indent="0">
+              <a:buNone/>
+            </a:pPr>
+            <a:endParaRPr lang="en-US" sz="2000" dirty="0" smtClean="0"/>
+          </a:p>
+          <a:p>
+            <a:pPr marL="0" indent="0">
+              <a:buNone/>
+            </a:pPr>
+            <a:endParaRPr lang="en-US" sz="2400" dirty="0"/>
+          </a:p>
+        </p:txBody>
+      </p:sp>
+    </p:spTree>
+    <p:extLst>
+      <p:ext uri="{BB962C8B-B14F-4D97-AF65-F5344CB8AC3E}">
+        <p14:creationId xmlns:p14="http://schemas.microsoft.com/office/powerpoint/2010/main" val="1371692681"/>
+      </p:ext>
+    </p:extLst>
+  </p:cSld>
+  <p:clrMapOvr>
+    <a:masterClrMapping/>
+  </p:clrMapOvr>
+</p:sld>
+</file>
+
+<file path=ppt/slides/slide35.xml><?xml version="1.0" encoding="utf-8"?>
+<p:sld xmlns:a="http://schemas.openxmlformats.org/drawingml/2006/main" xmlns:r="http://schemas.openxmlformats.org/officeDocument/2006/relationships" xmlns:p="http://schemas.openxmlformats.org/presentationml/2006/main">
+  <p:cSld>
+    <p:spTree>
+      <p:nvGrpSpPr>
+        <p:cNvPr id="1" name=""/>
+        <p:cNvGrpSpPr/>
+        <p:nvPr/>
+      </p:nvGrpSpPr>
+      <p:grpSpPr>
+        <a:xfrm>
+          <a:off x="0" y="0"/>
+          <a:ext cx="0" cy="0"/>
+          <a:chOff x="0" y="0"/>
+          <a:chExt cx="0" cy="0"/>
+        </a:xfrm>
+      </p:grpSpPr>
+      <p:sp>
+        <p:nvSpPr>
+          <p:cNvPr id="2" name="Title 1"/>
+          <p:cNvSpPr>
+            <a:spLocks noGrp="1"/>
+          </p:cNvSpPr>
+          <p:nvPr>
+            <p:ph type="title"/>
+          </p:nvPr>
+        </p:nvSpPr>
+        <p:spPr/>
+        <p:txBody>
+          <a:bodyPr/>
+          <a:lstStyle/>
+          <a:p>
+            <a:r>
+              <a:rPr lang="en-US" dirty="0" smtClean="0"/>
+              <a:t>Using React Component as Alt View</a:t>
+            </a:r>
+            <a:endParaRPr lang="en-US" dirty="0"/>
+          </a:p>
+        </p:txBody>
+      </p:sp>
+      <p:sp>
+        <p:nvSpPr>
+          <p:cNvPr id="3" name="Content Placeholder 2"/>
+          <p:cNvSpPr>
+            <a:spLocks noGrp="1"/>
+          </p:cNvSpPr>
+          <p:nvPr>
+            <p:ph idx="1"/>
+          </p:nvPr>
+        </p:nvSpPr>
+        <p:spPr/>
+        <p:txBody>
+          <a:bodyPr>
+            <a:normAutofit lnSpcReduction="10000"/>
+          </a:bodyPr>
+          <a:lstStyle/>
+          <a:p>
+            <a:r>
+              <a:rPr lang="en-US" dirty="0" smtClean="0"/>
+              <a:t>We need to pass the alt store’s state data to the view.</a:t>
+            </a:r>
+          </a:p>
+          <a:p>
+            <a:r>
+              <a:rPr lang="en-US" dirty="0" smtClean="0"/>
+              <a:t>Alt provides a built-in components that binds an specific store to the specific view. This is known as Component Container</a:t>
+            </a:r>
+          </a:p>
+          <a:p>
+            <a:pPr marL="0" indent="0">
+              <a:buNone/>
+            </a:pPr>
+            <a:endParaRPr lang="en-US" sz="2000" dirty="0" smtClean="0"/>
+          </a:p>
+          <a:p>
+            <a:pPr marL="0" indent="0">
+              <a:buNone/>
+            </a:pPr>
+            <a:r>
+              <a:rPr lang="en-US" sz="2000" dirty="0" smtClean="0"/>
+              <a:t>     &lt;</a:t>
+            </a:r>
+            <a:r>
+              <a:rPr lang="en-US" sz="2000" dirty="0" err="1"/>
+              <a:t>AltContainer</a:t>
+            </a:r>
+            <a:r>
+              <a:rPr lang="en-US" sz="2000" dirty="0"/>
+              <a:t> store</a:t>
+            </a:r>
+            <a:r>
+              <a:rPr lang="en-US" sz="2000" dirty="0" smtClean="0"/>
+              <a:t>={</a:t>
+            </a:r>
+            <a:r>
+              <a:rPr lang="en-US" sz="2000" dirty="0" err="1" smtClean="0"/>
+              <a:t>CustomerStore</a:t>
+            </a:r>
+            <a:r>
+              <a:rPr lang="en-US" sz="2000" dirty="0"/>
+              <a:t>}&gt;</a:t>
+            </a:r>
+          </a:p>
+          <a:p>
+            <a:pPr marL="0" indent="0">
+              <a:buNone/>
+            </a:pPr>
+            <a:r>
+              <a:rPr lang="en-US" sz="2000" dirty="0"/>
+              <a:t>       </a:t>
+            </a:r>
+            <a:r>
+              <a:rPr lang="en-US" sz="2000" dirty="0" smtClean="0"/>
+              <a:t>	 &lt;Customers/&gt;</a:t>
+            </a:r>
+            <a:endParaRPr lang="en-US" sz="2000" dirty="0"/>
+          </a:p>
+          <a:p>
+            <a:pPr marL="0" indent="0">
+              <a:buNone/>
+            </a:pPr>
+            <a:r>
+              <a:rPr lang="en-US" sz="2000" dirty="0"/>
+              <a:t>      &lt;/</a:t>
+            </a:r>
+            <a:r>
+              <a:rPr lang="en-US" sz="2000" dirty="0" err="1"/>
+              <a:t>AltContainer</a:t>
+            </a:r>
+            <a:r>
+              <a:rPr lang="en-US" sz="2000" dirty="0" smtClean="0"/>
+              <a:t>&gt;</a:t>
+            </a:r>
+          </a:p>
+          <a:p>
+            <a:pPr marL="0" indent="0">
+              <a:buNone/>
+            </a:pPr>
+            <a:endParaRPr lang="en-US" sz="2000" dirty="0" smtClean="0"/>
+          </a:p>
+          <a:p>
+            <a:r>
+              <a:rPr lang="en-US" sz="2400" dirty="0" smtClean="0"/>
+              <a:t>This will actually pass the state data from the store to the view as a prop. Hence </a:t>
+            </a:r>
+            <a:r>
+              <a:rPr lang="en-US" sz="2400" dirty="0"/>
+              <a:t>the Customer component can now access the state </a:t>
+            </a:r>
+            <a:r>
+              <a:rPr lang="en-US" sz="2400" dirty="0" smtClean="0"/>
+              <a:t>data from Customer Store </a:t>
+            </a:r>
+            <a:r>
+              <a:rPr lang="en-US" sz="2400" dirty="0" err="1"/>
+              <a:t>i.e</a:t>
+            </a:r>
+            <a:r>
+              <a:rPr lang="en-US" sz="2400" dirty="0"/>
+              <a:t> customers from its prop.</a:t>
+            </a:r>
+          </a:p>
+          <a:p>
+            <a:endParaRPr lang="en-US" sz="2400" dirty="0"/>
+          </a:p>
+        </p:txBody>
+      </p:sp>
+    </p:spTree>
+    <p:extLst>
+      <p:ext uri="{BB962C8B-B14F-4D97-AF65-F5344CB8AC3E}">
+        <p14:creationId xmlns:p14="http://schemas.microsoft.com/office/powerpoint/2010/main" val="1982672374"/>
+      </p:ext>
+    </p:extLst>
+  </p:cSld>
+  <p:clrMapOvr>
+    <a:masterClrMapping/>
+  </p:clrMapOvr>
+</p:sld>
+</file>
+
+<file path=ppt/slides/slide36.xml><?xml version="1.0" encoding="utf-8"?>
+<p:sld xmlns:a="http://schemas.openxmlformats.org/drawingml/2006/main" xmlns:r="http://schemas.openxmlformats.org/officeDocument/2006/relationships" xmlns:p="http://schemas.openxmlformats.org/presentationml/2006/main">
+  <p:cSld>
+    <p:spTree>
+      <p:nvGrpSpPr>
+        <p:cNvPr id="1" name=""/>
+        <p:cNvGrpSpPr/>
+        <p:nvPr/>
+      </p:nvGrpSpPr>
+      <p:grpSpPr>
+        <a:xfrm>
+          <a:off x="0" y="0"/>
+          <a:ext cx="0" cy="0"/>
+          <a:chOff x="0" y="0"/>
+          <a:chExt cx="0" cy="0"/>
+        </a:xfrm>
+      </p:grpSpPr>
+      <p:sp>
+        <p:nvSpPr>
+          <p:cNvPr id="2" name="Title 1"/>
+          <p:cNvSpPr>
+            <a:spLocks noGrp="1"/>
+          </p:cNvSpPr>
+          <p:nvPr>
+            <p:ph type="title"/>
+          </p:nvPr>
+        </p:nvSpPr>
+        <p:spPr/>
+        <p:txBody>
+          <a:bodyPr/>
+          <a:lstStyle/>
+          <a:p>
+            <a:r>
+              <a:rPr lang="en-US" dirty="0" smtClean="0"/>
+              <a:t>Using React Component as Alt View</a:t>
+            </a:r>
+            <a:endParaRPr lang="en-US" dirty="0"/>
+          </a:p>
+        </p:txBody>
+      </p:sp>
+      <p:sp>
+        <p:nvSpPr>
+          <p:cNvPr id="3" name="Content Placeholder 2"/>
+          <p:cNvSpPr>
+            <a:spLocks noGrp="1"/>
+          </p:cNvSpPr>
+          <p:nvPr>
+            <p:ph idx="1"/>
+          </p:nvPr>
+        </p:nvSpPr>
+        <p:spPr/>
+        <p:txBody>
+          <a:bodyPr>
+            <a:normAutofit fontScale="55000" lnSpcReduction="20000"/>
+          </a:bodyPr>
+          <a:lstStyle/>
+          <a:p>
+            <a:pPr marL="0" indent="0">
+              <a:buNone/>
+            </a:pPr>
+            <a:r>
+              <a:rPr lang="en-US" dirty="0" err="1" smtClean="0"/>
+              <a:t>var</a:t>
+            </a:r>
+            <a:r>
+              <a:rPr lang="en-US" dirty="0" smtClean="0"/>
+              <a:t> Customers= </a:t>
+            </a:r>
+            <a:r>
+              <a:rPr lang="en-US" dirty="0" err="1"/>
+              <a:t>React.createClass</a:t>
+            </a:r>
+            <a:r>
+              <a:rPr lang="en-US" dirty="0"/>
+              <a:t>({</a:t>
+            </a:r>
+          </a:p>
+          <a:p>
+            <a:pPr marL="0" indent="0">
+              <a:buNone/>
+            </a:pPr>
+            <a:r>
+              <a:rPr lang="en-US" dirty="0"/>
+              <a:t>  render() {</a:t>
+            </a:r>
+          </a:p>
+          <a:p>
+            <a:pPr marL="0" indent="0">
+              <a:buNone/>
+            </a:pPr>
+            <a:r>
+              <a:rPr lang="en-US" dirty="0"/>
+              <a:t>    return (</a:t>
+            </a:r>
+          </a:p>
+          <a:p>
+            <a:pPr marL="0" indent="0">
+              <a:buNone/>
+            </a:pPr>
+            <a:r>
+              <a:rPr lang="en-US" dirty="0"/>
+              <a:t>      &lt;</a:t>
+            </a:r>
+            <a:r>
+              <a:rPr lang="en-US" dirty="0" err="1"/>
+              <a:t>ul</a:t>
+            </a:r>
+            <a:r>
+              <a:rPr lang="en-US" dirty="0"/>
+              <a:t>&gt;</a:t>
+            </a:r>
+          </a:p>
+          <a:p>
+            <a:pPr marL="0" indent="0">
+              <a:buNone/>
+            </a:pPr>
+            <a:r>
+              <a:rPr lang="en-US" dirty="0"/>
+              <a:t>        {</a:t>
+            </a:r>
+            <a:r>
+              <a:rPr lang="en-US" dirty="0" err="1" smtClean="0"/>
+              <a:t>this.props.customers.map</a:t>
+            </a:r>
+            <a:r>
+              <a:rPr lang="en-US" dirty="0"/>
+              <a:t>((location, </a:t>
+            </a:r>
+            <a:r>
+              <a:rPr lang="en-US" dirty="0" err="1"/>
+              <a:t>i</a:t>
+            </a:r>
+            <a:r>
+              <a:rPr lang="en-US" dirty="0"/>
+              <a:t>) =&gt; </a:t>
+            </a:r>
+            <a:r>
+              <a:rPr lang="en-US" dirty="0" smtClean="0"/>
+              <a:t>{  </a:t>
+            </a:r>
+            <a:r>
+              <a:rPr lang="en-US" dirty="0" smtClean="0">
+                <a:solidFill>
+                  <a:schemeClr val="accent1">
+                    <a:lumMod val="75000"/>
+                  </a:schemeClr>
+                </a:solidFill>
+              </a:rPr>
+              <a:t>//getting customers data of store from the props</a:t>
+            </a:r>
+            <a:endParaRPr lang="en-US" dirty="0">
+              <a:solidFill>
+                <a:schemeClr val="accent1">
+                  <a:lumMod val="75000"/>
+                </a:schemeClr>
+              </a:solidFill>
+            </a:endParaRPr>
+          </a:p>
+          <a:p>
+            <a:pPr marL="0" indent="0">
+              <a:buNone/>
+            </a:pPr>
+            <a:r>
+              <a:rPr lang="en-US" dirty="0"/>
+              <a:t>          return (</a:t>
+            </a:r>
+          </a:p>
+          <a:p>
+            <a:pPr marL="0" indent="0">
+              <a:buNone/>
+            </a:pPr>
+            <a:r>
+              <a:rPr lang="en-US" dirty="0"/>
+              <a:t>            &lt;li key={</a:t>
+            </a:r>
+            <a:r>
+              <a:rPr lang="en-US" dirty="0" err="1"/>
+              <a:t>i</a:t>
+            </a:r>
+            <a:r>
+              <a:rPr lang="en-US" dirty="0"/>
+              <a:t>}&gt;</a:t>
+            </a:r>
+          </a:p>
+          <a:p>
+            <a:pPr marL="0" indent="0">
+              <a:buNone/>
+            </a:pPr>
+            <a:r>
+              <a:rPr lang="en-US" dirty="0"/>
+              <a:t>              {location.name}</a:t>
+            </a:r>
+          </a:p>
+          <a:p>
+            <a:pPr marL="0" indent="0">
+              <a:buNone/>
+            </a:pPr>
+            <a:r>
+              <a:rPr lang="en-US" dirty="0"/>
+              <a:t>            &lt;/li&gt;</a:t>
+            </a:r>
+          </a:p>
+          <a:p>
+            <a:pPr marL="0" indent="0">
+              <a:buNone/>
+            </a:pPr>
+            <a:r>
+              <a:rPr lang="en-US" dirty="0"/>
+              <a:t>          );</a:t>
+            </a:r>
+          </a:p>
+          <a:p>
+            <a:pPr marL="0" indent="0">
+              <a:buNone/>
+            </a:pPr>
+            <a:r>
+              <a:rPr lang="en-US" dirty="0"/>
+              <a:t>        })}</a:t>
+            </a:r>
+          </a:p>
+          <a:p>
+            <a:pPr marL="0" indent="0">
+              <a:buNone/>
+            </a:pPr>
+            <a:r>
+              <a:rPr lang="en-US" dirty="0"/>
+              <a:t>      &lt;/</a:t>
+            </a:r>
+            <a:r>
+              <a:rPr lang="en-US" dirty="0" err="1"/>
+              <a:t>ul</a:t>
+            </a:r>
+            <a:r>
+              <a:rPr lang="en-US" dirty="0"/>
+              <a:t>&gt;</a:t>
+            </a:r>
+          </a:p>
+          <a:p>
+            <a:pPr marL="0" indent="0">
+              <a:buNone/>
+            </a:pPr>
+            <a:r>
+              <a:rPr lang="en-US" dirty="0"/>
+              <a:t>    );</a:t>
+            </a:r>
+          </a:p>
+          <a:p>
+            <a:pPr marL="0" indent="0">
+              <a:buNone/>
+            </a:pPr>
+            <a:r>
+              <a:rPr lang="en-US" dirty="0"/>
+              <a:t>  }</a:t>
+            </a:r>
+          </a:p>
+          <a:p>
+            <a:pPr marL="0" indent="0">
+              <a:buNone/>
+            </a:pPr>
+            <a:r>
+              <a:rPr lang="en-US" dirty="0"/>
+              <a:t>});</a:t>
+            </a:r>
+            <a:endParaRPr lang="en-US" dirty="0" smtClean="0"/>
+          </a:p>
+        </p:txBody>
+      </p:sp>
+    </p:spTree>
+    <p:extLst>
+      <p:ext uri="{BB962C8B-B14F-4D97-AF65-F5344CB8AC3E}">
+        <p14:creationId xmlns:p14="http://schemas.microsoft.com/office/powerpoint/2010/main" val="3430342535"/>
+      </p:ext>
+    </p:extLst>
+  </p:cSld>
+  <p:clrMapOvr>
+    <a:masterClrMapping/>
+  </p:clrMapOvr>
+</p:sld>
+</file>
+
+<file path=ppt/slides/slide37.xml><?xml version="1.0" encoding="utf-8"?>
 <p:sld xmlns:a="http://schemas.openxmlformats.org/drawingml/2006/main" xmlns:r="http://schemas.openxmlformats.org/officeDocument/2006/relationships" xmlns:p="http://schemas.openxmlformats.org/presentationml/2006/main">
   <p:cSld>
     <p:spTree>
@@ -6973,7 +8283,7 @@
 </p:sld>
 </file>
 
-<file path=ppt/slides/slide3.xml><?xml version="1.0" encoding="utf-8"?>
+<file path=ppt/slides/slide38.xml><?xml version="1.0" encoding="utf-8"?>
 <p:sld xmlns:a="http://schemas.openxmlformats.org/drawingml/2006/main" xmlns:r="http://schemas.openxmlformats.org/officeDocument/2006/relationships" xmlns:p="http://schemas.openxmlformats.org/presentationml/2006/main">
   <p:cSld>
     <p:spTree>
@@ -7007,602 +8317,152 @@
           <a:p>
             <a:r>
               <a:rPr lang="en-US" dirty="0" smtClean="0"/>
-              <a:t>Problem with MVC</a:t>
+              <a:t>Demo</a:t>
             </a:r>
             <a:endParaRPr lang="en-US" dirty="0"/>
           </a:p>
         </p:txBody>
       </p:sp>
-      <p:pic>
-        <p:nvPicPr>
-          <p:cNvPr id="4" name="Content Placeholder 3"/>
-          <p:cNvPicPr>
-            <a:picLocks noGrp="1" noChangeAspect="1"/>
-          </p:cNvPicPr>
+      <p:sp>
+        <p:nvSpPr>
+          <p:cNvPr id="3" name="Content Placeholder 2"/>
+          <p:cNvSpPr>
+            <a:spLocks noGrp="1"/>
+          </p:cNvSpPr>
           <p:nvPr>
             <p:ph idx="1"/>
           </p:nvPr>
-        </p:nvPicPr>
-        <p:blipFill>
-          <a:blip r:embed="rId2">
-            <a:extLst>
-              <a:ext uri="{28A0092B-C50C-407E-A947-70E740481C1C}">
-                <a14:useLocalDpi xmlns:a14="http://schemas.microsoft.com/office/drawing/2010/main" val="0"/>
-              </a:ext>
-            </a:extLst>
-          </a:blip>
-          <a:stretch>
-            <a:fillRect/>
-          </a:stretch>
-        </p:blipFill>
+        </p:nvSpPr>
         <p:spPr>
           <a:xfrm>
-            <a:off x="1439908" y="1341064"/>
-            <a:ext cx="8027831" cy="2477432"/>
+            <a:off x="838200" y="1506071"/>
+            <a:ext cx="10515600" cy="5163670"/>
           </a:xfrm>
         </p:spPr>
-      </p:pic>
-      <p:sp>
-        <p:nvSpPr>
-          <p:cNvPr id="5" name="TextBox 4"/>
-          <p:cNvSpPr txBox="1"/>
-          <p:nvPr/>
-        </p:nvSpPr>
-        <p:spPr>
-          <a:xfrm>
-            <a:off x="1828800" y="4168588"/>
-            <a:ext cx="9722277" cy="830997"/>
-          </a:xfrm>
-          <a:prstGeom prst="rect">
-            <a:avLst/>
-          </a:prstGeom>
-          <a:noFill/>
-        </p:spPr>
-        <p:txBody>
-          <a:bodyPr wrap="none" rtlCol="0">
-            <a:spAutoFit/>
+        <p:txBody>
+          <a:bodyPr>
+            <a:normAutofit lnSpcReduction="10000"/>
           </a:bodyPr>
           <a:lstStyle/>
           <a:p>
-            <a:pPr marL="285750" indent="-285750">
-              <a:buFont typeface="Arial" panose="020B0604020202020204" pitchFamily="34" charset="0"/>
-              <a:buChar char="•"/>
+            <a:pPr marL="0" indent="0">
+              <a:buNone/>
+            </a:pPr>
+            <a:r>
+              <a:rPr lang="en-US" dirty="0" smtClean="0"/>
+              <a:t>Let see a sample single page app developed using Alt and React.</a:t>
+            </a:r>
+          </a:p>
+          <a:p>
+            <a:pPr marL="0" indent="0">
+              <a:buNone/>
+            </a:pPr>
+            <a:endParaRPr lang="en-US" dirty="0"/>
+          </a:p>
+          <a:p>
+            <a:pPr marL="0" indent="0">
+              <a:buNone/>
             </a:pPr>
             <a:r>
               <a:rPr lang="en-US" sz="2400" dirty="0" smtClean="0"/>
-              <a:t>Model watches to views and views watches the model. Too many Watches</a:t>
-            </a:r>
-          </a:p>
-          <a:p>
-            <a:endParaRPr lang="en-US" sz="2400" dirty="0"/>
+              <a:t>In the app, user has a list of Available Locations from which the user can mark any location to its favorite list. </a:t>
+            </a:r>
+          </a:p>
+          <a:p>
+            <a:pPr marL="0" indent="0">
+              <a:buNone/>
+            </a:pPr>
+            <a:r>
+              <a:rPr lang="en-US" sz="2400" dirty="0" smtClean="0"/>
+              <a:t>This app has the following features:</a:t>
+            </a:r>
+          </a:p>
+          <a:p>
+            <a:pPr marL="0" indent="0">
+              <a:buNone/>
+            </a:pPr>
+            <a:endParaRPr lang="en-US" sz="2400" dirty="0" smtClean="0"/>
+          </a:p>
+          <a:p>
+            <a:r>
+              <a:rPr lang="en-US" sz="1800" dirty="0" smtClean="0"/>
+              <a:t>Flux implemented using Alt</a:t>
+            </a:r>
+          </a:p>
+          <a:p>
+            <a:r>
+              <a:rPr lang="en-US" sz="1800" dirty="0" smtClean="0"/>
+              <a:t>Calling some server REST API</a:t>
+            </a:r>
+          </a:p>
+          <a:p>
+            <a:r>
+              <a:rPr lang="en-US" sz="1800" dirty="0" smtClean="0"/>
+              <a:t>Cookies usage</a:t>
+            </a:r>
+          </a:p>
+          <a:p>
+            <a:r>
+              <a:rPr lang="en-US" sz="1800" dirty="0" smtClean="0"/>
+              <a:t>Local storage usage</a:t>
+            </a:r>
+          </a:p>
+          <a:p>
+            <a:r>
+              <a:rPr lang="en-US" sz="1800" dirty="0" smtClean="0"/>
+              <a:t>Hash routing implemented</a:t>
+            </a:r>
+          </a:p>
+          <a:p>
+            <a:r>
+              <a:rPr lang="en-US" sz="1800" dirty="0" err="1" smtClean="0"/>
+              <a:t>Js</a:t>
+            </a:r>
+            <a:r>
+              <a:rPr lang="en-US" sz="1800" dirty="0" smtClean="0"/>
+              <a:t> files building and </a:t>
+            </a:r>
+            <a:r>
+              <a:rPr lang="en-US" sz="1800" dirty="0" err="1" smtClean="0"/>
+              <a:t>bundeling</a:t>
+            </a:r>
+            <a:r>
+              <a:rPr lang="en-US" sz="1800" dirty="0" smtClean="0"/>
+              <a:t> using </a:t>
+            </a:r>
+            <a:r>
+              <a:rPr lang="en-US" sz="1800" dirty="0" err="1" smtClean="0"/>
+              <a:t>Browserify</a:t>
+            </a:r>
+            <a:endParaRPr lang="en-US" sz="1800" dirty="0" smtClean="0"/>
+          </a:p>
+          <a:p>
+            <a:r>
+              <a:rPr lang="en-US" sz="1800" dirty="0" smtClean="0"/>
+              <a:t>Unit test with Jest</a:t>
+            </a:r>
+          </a:p>
+          <a:p>
+            <a:endParaRPr lang="en-US" sz="1800" dirty="0" smtClean="0"/>
+          </a:p>
+          <a:p>
+            <a:endParaRPr lang="en-US" sz="1800" dirty="0" smtClean="0"/>
+          </a:p>
+          <a:p>
+            <a:endParaRPr lang="en-US" sz="1800" dirty="0" smtClean="0"/>
+          </a:p>
+          <a:p>
+            <a:endParaRPr lang="en-US" sz="1800" dirty="0" smtClean="0"/>
+          </a:p>
+          <a:p>
+            <a:endParaRPr lang="en-US" sz="1800" dirty="0"/>
           </a:p>
         </p:txBody>
       </p:sp>
     </p:spTree>
     <p:extLst>
       <p:ext uri="{BB962C8B-B14F-4D97-AF65-F5344CB8AC3E}">
-        <p14:creationId xmlns:p14="http://schemas.microsoft.com/office/powerpoint/2010/main" val="2398091634"/>
-      </p:ext>
-    </p:extLst>
-  </p:cSld>
-  <p:clrMapOvr>
-    <a:masterClrMapping/>
-  </p:clrMapOvr>
-  <p:timing>
-    <p:tnLst>
-      <p:par>
-        <p:cTn id="1" dur="indefinite" restart="never" nodeType="tmRoot"/>
-      </p:par>
-    </p:tnLst>
-  </p:timing>
-</p:sld>
-</file>
-
-<file path=ppt/slides/slide30.xml><?xml version="1.0" encoding="utf-8"?>
-<p:sld xmlns:a="http://schemas.openxmlformats.org/drawingml/2006/main" xmlns:r="http://schemas.openxmlformats.org/officeDocument/2006/relationships" xmlns:p="http://schemas.openxmlformats.org/presentationml/2006/main">
-  <p:cSld>
-    <p:spTree>
-      <p:nvGrpSpPr>
-        <p:cNvPr id="1" name=""/>
-        <p:cNvGrpSpPr/>
-        <p:nvPr/>
-      </p:nvGrpSpPr>
-      <p:grpSpPr>
-        <a:xfrm>
-          <a:off x="0" y="0"/>
-          <a:ext cx="0" cy="0"/>
-          <a:chOff x="0" y="0"/>
-          <a:chExt cx="0" cy="0"/>
-        </a:xfrm>
-      </p:grpSpPr>
-      <p:sp>
-        <p:nvSpPr>
-          <p:cNvPr id="2" name="Title 1"/>
-          <p:cNvSpPr>
-            <a:spLocks noGrp="1"/>
-          </p:cNvSpPr>
-          <p:nvPr>
-            <p:ph type="title"/>
-          </p:nvPr>
-        </p:nvSpPr>
-        <p:spPr/>
-        <p:txBody>
-          <a:bodyPr/>
-          <a:lstStyle/>
-          <a:p>
-            <a:r>
-              <a:rPr lang="en-US" dirty="0" smtClean="0"/>
-              <a:t>Our Target</a:t>
-            </a:r>
-            <a:endParaRPr lang="en-US" dirty="0"/>
-          </a:p>
-        </p:txBody>
-      </p:sp>
-      <p:sp>
-        <p:nvSpPr>
-          <p:cNvPr id="3" name="Content Placeholder 2"/>
-          <p:cNvSpPr>
-            <a:spLocks noGrp="1"/>
-          </p:cNvSpPr>
-          <p:nvPr>
-            <p:ph idx="1"/>
-          </p:nvPr>
-        </p:nvSpPr>
-        <p:spPr/>
-        <p:txBody>
-          <a:bodyPr/>
-          <a:lstStyle/>
-          <a:p>
-            <a:r>
-              <a:rPr lang="en-US" dirty="0" smtClean="0"/>
-              <a:t>To make some simple component using react.js</a:t>
-            </a:r>
-          </a:p>
-          <a:p>
-            <a:r>
-              <a:rPr lang="en-US" dirty="0" smtClean="0"/>
-              <a:t>Then Implement Flux architecture in the app</a:t>
-            </a:r>
-          </a:p>
-          <a:p>
-            <a:r>
-              <a:rPr lang="en-US" dirty="0" smtClean="0"/>
-              <a:t>To find how we can call </a:t>
-            </a:r>
-            <a:r>
-              <a:rPr lang="en-US" dirty="0" err="1" smtClean="0"/>
-              <a:t>api</a:t>
-            </a:r>
-            <a:r>
-              <a:rPr lang="en-US" dirty="0" smtClean="0"/>
-              <a:t> and get data from it.</a:t>
-            </a:r>
-          </a:p>
-          <a:p>
-            <a:r>
-              <a:rPr lang="en-US" dirty="0" smtClean="0"/>
-              <a:t>How can we use cookies in react</a:t>
-            </a:r>
-          </a:p>
-          <a:p>
-            <a:r>
-              <a:rPr lang="en-US" dirty="0" smtClean="0"/>
-              <a:t>How can we use local storage in react</a:t>
-            </a:r>
-          </a:p>
-          <a:p>
-            <a:r>
-              <a:rPr lang="en-US" dirty="0" smtClean="0"/>
-              <a:t>How can we implement hash routing to make SPA</a:t>
-            </a:r>
-          </a:p>
-          <a:p>
-            <a:r>
-              <a:rPr lang="en-US" dirty="0" smtClean="0"/>
-              <a:t>How to test the app with unit tests.</a:t>
-            </a:r>
-          </a:p>
-          <a:p>
-            <a:r>
-              <a:rPr lang="en-US" dirty="0" smtClean="0"/>
-              <a:t>Find some good </a:t>
-            </a:r>
-            <a:r>
-              <a:rPr lang="en-US" dirty="0" err="1" smtClean="0"/>
-              <a:t>Js</a:t>
-            </a:r>
-            <a:r>
-              <a:rPr lang="en-US" dirty="0" smtClean="0"/>
-              <a:t> bundling framework.</a:t>
-            </a:r>
-            <a:endParaRPr lang="en-US" dirty="0"/>
-          </a:p>
-        </p:txBody>
-      </p:sp>
-    </p:spTree>
-    <p:extLst>
-      <p:ext uri="{BB962C8B-B14F-4D97-AF65-F5344CB8AC3E}">
-        <p14:creationId xmlns:p14="http://schemas.microsoft.com/office/powerpoint/2010/main" val="2692388104"/>
-      </p:ext>
-    </p:extLst>
-  </p:cSld>
-  <p:clrMapOvr>
-    <a:masterClrMapping/>
-  </p:clrMapOvr>
-  <p:timing>
-    <p:tnLst>
-      <p:par>
-        <p:cTn id="1" dur="indefinite" restart="never" nodeType="tmRoot"/>
-      </p:par>
-    </p:tnLst>
-  </p:timing>
-</p:sld>
-</file>
-
-<file path=ppt/slides/slide31.xml><?xml version="1.0" encoding="utf-8"?>
-<p:sld xmlns:a="http://schemas.openxmlformats.org/drawingml/2006/main" xmlns:r="http://schemas.openxmlformats.org/officeDocument/2006/relationships" xmlns:p="http://schemas.openxmlformats.org/presentationml/2006/main">
-  <p:cSld>
-    <p:spTree>
-      <p:nvGrpSpPr>
-        <p:cNvPr id="1" name=""/>
-        <p:cNvGrpSpPr/>
-        <p:nvPr/>
-      </p:nvGrpSpPr>
-      <p:grpSpPr>
-        <a:xfrm>
-          <a:off x="0" y="0"/>
-          <a:ext cx="0" cy="0"/>
-          <a:chOff x="0" y="0"/>
-          <a:chExt cx="0" cy="0"/>
-        </a:xfrm>
-      </p:grpSpPr>
-      <p:sp>
-        <p:nvSpPr>
-          <p:cNvPr id="2" name="Title 1"/>
-          <p:cNvSpPr>
-            <a:spLocks noGrp="1"/>
-          </p:cNvSpPr>
-          <p:nvPr>
-            <p:ph type="title"/>
-          </p:nvPr>
-        </p:nvSpPr>
-        <p:spPr/>
-        <p:txBody>
-          <a:bodyPr/>
-          <a:lstStyle/>
-          <a:p>
-            <a:r>
-              <a:rPr lang="en-US" dirty="0" smtClean="0"/>
-              <a:t>Our </a:t>
-            </a:r>
-            <a:r>
-              <a:rPr lang="en-US" dirty="0" err="1" smtClean="0"/>
-              <a:t>RnD</a:t>
-            </a:r>
-            <a:endParaRPr lang="en-US" dirty="0"/>
-          </a:p>
-        </p:txBody>
-      </p:sp>
-      <p:sp>
-        <p:nvSpPr>
-          <p:cNvPr id="3" name="Content Placeholder 2"/>
-          <p:cNvSpPr>
-            <a:spLocks noGrp="1"/>
-          </p:cNvSpPr>
-          <p:nvPr>
-            <p:ph idx="1"/>
-          </p:nvPr>
-        </p:nvSpPr>
-        <p:spPr/>
-        <p:txBody>
-          <a:bodyPr>
-            <a:normAutofit/>
-          </a:bodyPr>
-          <a:lstStyle/>
-          <a:p>
-            <a:r>
-              <a:rPr lang="en-US" dirty="0" smtClean="0"/>
-              <a:t>To make some simple component using react.js </a:t>
-            </a:r>
-            <a:r>
-              <a:rPr lang="en-US" dirty="0" smtClean="0">
-                <a:solidFill>
-                  <a:schemeClr val="accent6">
-                    <a:lumMod val="75000"/>
-                  </a:schemeClr>
-                </a:solidFill>
-              </a:rPr>
-              <a:t>(Done)</a:t>
-            </a:r>
-          </a:p>
-          <a:p>
-            <a:r>
-              <a:rPr lang="en-US" dirty="0" smtClean="0"/>
-              <a:t>Then Implement Flux architecture in the app </a:t>
-            </a:r>
-            <a:r>
-              <a:rPr lang="en-US" dirty="0" smtClean="0">
-                <a:solidFill>
-                  <a:schemeClr val="accent6">
-                    <a:lumMod val="75000"/>
-                  </a:schemeClr>
-                </a:solidFill>
-              </a:rPr>
-              <a:t>(Alt.js)</a:t>
-            </a:r>
-          </a:p>
-          <a:p>
-            <a:r>
-              <a:rPr lang="en-US" dirty="0" smtClean="0"/>
-              <a:t>To find how we can call </a:t>
-            </a:r>
-            <a:r>
-              <a:rPr lang="en-US" dirty="0" err="1" smtClean="0"/>
-              <a:t>api</a:t>
-            </a:r>
-            <a:r>
-              <a:rPr lang="en-US" dirty="0" smtClean="0"/>
-              <a:t> and get data from it. </a:t>
-            </a:r>
-            <a:r>
-              <a:rPr lang="en-US" dirty="0" smtClean="0">
-                <a:solidFill>
-                  <a:schemeClr val="accent6">
-                    <a:lumMod val="75000"/>
-                  </a:schemeClr>
-                </a:solidFill>
-              </a:rPr>
-              <a:t>(</a:t>
-            </a:r>
-            <a:r>
-              <a:rPr lang="en-US" dirty="0" err="1" smtClean="0">
-                <a:solidFill>
-                  <a:schemeClr val="accent6">
-                    <a:lumMod val="75000"/>
-                  </a:schemeClr>
-                </a:solidFill>
-              </a:rPr>
-              <a:t>Jquery</a:t>
-            </a:r>
-            <a:r>
-              <a:rPr lang="en-US" dirty="0" smtClean="0">
-                <a:solidFill>
-                  <a:schemeClr val="accent6">
-                    <a:lumMod val="75000"/>
-                  </a:schemeClr>
-                </a:solidFill>
-              </a:rPr>
-              <a:t>)</a:t>
-            </a:r>
-          </a:p>
-          <a:p>
-            <a:r>
-              <a:rPr lang="en-US" dirty="0" smtClean="0"/>
-              <a:t>How can we use cookies in react </a:t>
-            </a:r>
-            <a:r>
-              <a:rPr lang="en-US" dirty="0" smtClean="0">
-                <a:solidFill>
-                  <a:schemeClr val="accent6">
-                    <a:lumMod val="75000"/>
-                  </a:schemeClr>
-                </a:solidFill>
-              </a:rPr>
-              <a:t>(react-cookie)</a:t>
-            </a:r>
-          </a:p>
-          <a:p>
-            <a:r>
-              <a:rPr lang="en-US" dirty="0" smtClean="0"/>
-              <a:t>How can we use local storage in react </a:t>
-            </a:r>
-            <a:r>
-              <a:rPr lang="en-US" dirty="0" smtClean="0">
-                <a:solidFill>
-                  <a:schemeClr val="accent6">
-                    <a:lumMod val="75000"/>
-                  </a:schemeClr>
-                </a:solidFill>
-              </a:rPr>
-              <a:t>(react-</a:t>
-            </a:r>
-            <a:r>
-              <a:rPr lang="en-US" dirty="0" err="1" smtClean="0">
-                <a:solidFill>
-                  <a:schemeClr val="accent6">
-                    <a:lumMod val="75000"/>
-                  </a:schemeClr>
-                </a:solidFill>
-              </a:rPr>
-              <a:t>localstorage</a:t>
-            </a:r>
-            <a:r>
-              <a:rPr lang="en-US" dirty="0" smtClean="0">
-                <a:solidFill>
-                  <a:schemeClr val="accent6">
-                    <a:lumMod val="75000"/>
-                  </a:schemeClr>
-                </a:solidFill>
-              </a:rPr>
-              <a:t>)</a:t>
-            </a:r>
-          </a:p>
-          <a:p>
-            <a:r>
-              <a:rPr lang="en-US" dirty="0" smtClean="0"/>
-              <a:t>How can we implement hash routing to make SPA </a:t>
-            </a:r>
-            <a:r>
-              <a:rPr lang="en-US" dirty="0" smtClean="0">
-                <a:solidFill>
-                  <a:schemeClr val="accent6">
-                    <a:lumMod val="75000"/>
-                  </a:schemeClr>
-                </a:solidFill>
-              </a:rPr>
-              <a:t>(react-router)</a:t>
-            </a:r>
-          </a:p>
-          <a:p>
-            <a:r>
-              <a:rPr lang="en-US" dirty="0" smtClean="0"/>
-              <a:t>How to test the app with unit tests. </a:t>
-            </a:r>
-            <a:r>
-              <a:rPr lang="en-US" dirty="0" smtClean="0">
-                <a:solidFill>
-                  <a:schemeClr val="accent6">
-                    <a:lumMod val="75000"/>
-                  </a:schemeClr>
-                </a:solidFill>
-              </a:rPr>
-              <a:t>(Jest Framework)</a:t>
-            </a:r>
-          </a:p>
-          <a:p>
-            <a:r>
-              <a:rPr lang="en-US" dirty="0" smtClean="0"/>
-              <a:t>Find some good </a:t>
-            </a:r>
-            <a:r>
-              <a:rPr lang="en-US" dirty="0" err="1" smtClean="0"/>
-              <a:t>Js</a:t>
-            </a:r>
-            <a:r>
-              <a:rPr lang="en-US" dirty="0" smtClean="0"/>
-              <a:t> bundling framework.</a:t>
-            </a:r>
-            <a:r>
-              <a:rPr lang="en-US" dirty="0" smtClean="0">
-                <a:solidFill>
-                  <a:schemeClr val="accent6">
-                    <a:lumMod val="75000"/>
-                  </a:schemeClr>
-                </a:solidFill>
-              </a:rPr>
-              <a:t>(</a:t>
-            </a:r>
-            <a:r>
-              <a:rPr lang="en-US" dirty="0" err="1" smtClean="0">
-                <a:solidFill>
-                  <a:schemeClr val="accent6">
-                    <a:lumMod val="75000"/>
-                  </a:schemeClr>
-                </a:solidFill>
-              </a:rPr>
-              <a:t>Require,Reactify,Browserify</a:t>
-            </a:r>
-            <a:r>
-              <a:rPr lang="en-US" dirty="0">
-                <a:solidFill>
-                  <a:schemeClr val="accent6">
-                    <a:lumMod val="75000"/>
-                  </a:schemeClr>
-                </a:solidFill>
-              </a:rPr>
-              <a:t>)</a:t>
-            </a:r>
-            <a:endParaRPr lang="en-US" dirty="0" smtClean="0">
-              <a:solidFill>
-                <a:schemeClr val="accent6">
-                  <a:lumMod val="75000"/>
-                </a:schemeClr>
-              </a:solidFill>
-            </a:endParaRPr>
-          </a:p>
-          <a:p>
-            <a:endParaRPr lang="en-US" dirty="0"/>
-          </a:p>
-        </p:txBody>
-      </p:sp>
-    </p:spTree>
-    <p:extLst>
-      <p:ext uri="{BB962C8B-B14F-4D97-AF65-F5344CB8AC3E}">
-        <p14:creationId xmlns:p14="http://schemas.microsoft.com/office/powerpoint/2010/main" val="2564383913"/>
-      </p:ext>
-    </p:extLst>
-  </p:cSld>
-  <p:clrMapOvr>
-    <a:masterClrMapping/>
-  </p:clrMapOvr>
-  <p:timing>
-    <p:tnLst>
-      <p:par>
-        <p:cTn id="1" dur="indefinite" restart="never" nodeType="tmRoot"/>
-      </p:par>
-    </p:tnLst>
-  </p:timing>
-</p:sld>
-</file>
-
-<file path=ppt/slides/slide32.xml><?xml version="1.0" encoding="utf-8"?>
-<p:sld xmlns:a="http://schemas.openxmlformats.org/drawingml/2006/main" xmlns:r="http://schemas.openxmlformats.org/officeDocument/2006/relationships" xmlns:p="http://schemas.openxmlformats.org/presentationml/2006/main">
-  <p:cSld>
-    <p:spTree>
-      <p:nvGrpSpPr>
-        <p:cNvPr id="1" name=""/>
-        <p:cNvGrpSpPr/>
-        <p:nvPr/>
-      </p:nvGrpSpPr>
-      <p:grpSpPr>
-        <a:xfrm>
-          <a:off x="0" y="0"/>
-          <a:ext cx="0" cy="0"/>
-          <a:chOff x="0" y="0"/>
-          <a:chExt cx="0" cy="0"/>
-        </a:xfrm>
-      </p:grpSpPr>
-      <p:sp>
-        <p:nvSpPr>
-          <p:cNvPr id="2" name="Title 1"/>
-          <p:cNvSpPr>
-            <a:spLocks noGrp="1"/>
-          </p:cNvSpPr>
-          <p:nvPr>
-            <p:ph type="title"/>
-          </p:nvPr>
-        </p:nvSpPr>
-        <p:spPr/>
-        <p:txBody>
-          <a:bodyPr/>
-          <a:lstStyle/>
-          <a:p>
-            <a:endParaRPr lang="en-US"/>
-          </a:p>
-        </p:txBody>
-      </p:sp>
-      <p:sp>
-        <p:nvSpPr>
-          <p:cNvPr id="3" name="Content Placeholder 2"/>
-          <p:cNvSpPr>
-            <a:spLocks noGrp="1"/>
-          </p:cNvSpPr>
-          <p:nvPr>
-            <p:ph idx="1"/>
-          </p:nvPr>
-        </p:nvSpPr>
-        <p:spPr/>
-        <p:txBody>
-          <a:bodyPr>
-            <a:normAutofit/>
-          </a:bodyPr>
-          <a:lstStyle/>
-          <a:p>
-            <a:pPr marL="0" indent="0">
-              <a:buNone/>
-            </a:pPr>
-            <a:r>
-              <a:rPr lang="en-US" sz="9600" dirty="0" smtClean="0"/>
-              <a:t>				Demo</a:t>
-            </a:r>
-            <a:endParaRPr lang="en-US" sz="9600" dirty="0"/>
-          </a:p>
-        </p:txBody>
-      </p:sp>
-    </p:spTree>
-    <p:extLst>
-      <p:ext uri="{BB962C8B-B14F-4D97-AF65-F5344CB8AC3E}">
-        <p14:creationId xmlns:p14="http://schemas.microsoft.com/office/powerpoint/2010/main" val="260462639"/>
+        <p14:creationId xmlns:p14="http://schemas.microsoft.com/office/powerpoint/2010/main" val="2209489317"/>
       </p:ext>
     </p:extLst>
   </p:cSld>

--- a/React.pptx
+++ b/React.pptx
@@ -3384,6 +3384,13 @@
   <p:clrMapOvr>
     <a:masterClrMapping/>
   </p:clrMapOvr>
+  <p:timing>
+    <p:tnLst>
+      <p:par>
+        <p:cTn id="1" dur="indefinite" restart="never" nodeType="tmRoot"/>
+      </p:par>
+    </p:tnLst>
+  </p:timing>
 </p:sld>
 </file>
 
@@ -5044,6 +5051,13 @@
   <p:clrMapOvr>
     <a:masterClrMapping/>
   </p:clrMapOvr>
+  <p:timing>
+    <p:tnLst>
+      <p:par>
+        <p:cTn id="1" dur="indefinite" restart="never" nodeType="tmRoot"/>
+      </p:par>
+    </p:tnLst>
+  </p:timing>
 </p:sld>
 </file>
 
@@ -6356,7 +6370,15 @@
           <a:p>
             <a:r>
               <a:rPr lang="en-US" dirty="0" smtClean="0"/>
-              <a:t>In React we refer the all the piece of code as component. </a:t>
+              <a:t>In React we refer </a:t>
+            </a:r>
+            <a:r>
+              <a:rPr lang="en-US" dirty="0" smtClean="0"/>
+              <a:t>all </a:t>
+            </a:r>
+            <a:r>
+              <a:rPr lang="en-US" dirty="0" smtClean="0"/>
+              <a:t>the piece of code as component. </a:t>
             </a:r>
           </a:p>
         </p:txBody>
@@ -6438,7 +6460,19 @@
           <a:p>
             <a:r>
               <a:rPr lang="en-US" dirty="0" smtClean="0"/>
-              <a:t>In React we refer the all the piece of code as component. </a:t>
+              <a:t>In React we </a:t>
+            </a:r>
+            <a:r>
+              <a:rPr lang="en-US" smtClean="0"/>
+              <a:t>refer </a:t>
+            </a:r>
+            <a:r>
+              <a:rPr lang="en-US" smtClean="0"/>
+              <a:t>all </a:t>
+            </a:r>
+            <a:r>
+              <a:rPr lang="en-US" dirty="0" smtClean="0"/>
+              <a:t>the piece of code as component. </a:t>
             </a:r>
           </a:p>
           <a:p>
@@ -6579,7 +6613,15 @@
           <a:p>
             <a:r>
               <a:rPr lang="en-US" dirty="0" smtClean="0"/>
-              <a:t>In React we refer the all the piece of code as component. </a:t>
+              <a:t>In React we </a:t>
+            </a:r>
+            <a:r>
+              <a:rPr lang="en-US" dirty="0" smtClean="0"/>
+              <a:t>refer </a:t>
+            </a:r>
+            <a:r>
+              <a:rPr lang="en-US" dirty="0" smtClean="0"/>
+              <a:t>all the piece of code as component. </a:t>
             </a:r>
           </a:p>
           <a:p>
@@ -7511,6 +7553,13 @@
   <p:clrMapOvr>
     <a:masterClrMapping/>
   </p:clrMapOvr>
+  <p:timing>
+    <p:tnLst>
+      <p:par>
+        <p:cTn id="1" dur="indefinite" restart="never" nodeType="tmRoot"/>
+      </p:par>
+    </p:tnLst>
+  </p:timing>
 </p:sld>
 </file>
 
@@ -7672,6 +7721,13 @@
   <p:clrMapOvr>
     <a:masterClrMapping/>
   </p:clrMapOvr>
+  <p:timing>
+    <p:tnLst>
+      <p:par>
+        <p:cTn id="1" dur="indefinite" restart="never" nodeType="tmRoot"/>
+      </p:par>
+    </p:tnLst>
+  </p:timing>
 </p:sld>
 </file>
 
@@ -7852,6 +7908,13 @@
   <p:clrMapOvr>
     <a:masterClrMapping/>
   </p:clrMapOvr>
+  <p:timing>
+    <p:tnLst>
+      <p:par>
+        <p:cTn id="1" dur="indefinite" restart="never" nodeType="tmRoot"/>
+      </p:par>
+    </p:tnLst>
+  </p:timing>
 </p:sld>
 </file>
 
@@ -8132,6 +8195,13 @@
   <p:clrMapOvr>
     <a:masterClrMapping/>
   </p:clrMapOvr>
+  <p:timing>
+    <p:tnLst>
+      <p:par>
+        <p:cTn id="1" dur="indefinite" restart="never" nodeType="tmRoot"/>
+      </p:par>
+    </p:tnLst>
+  </p:timing>
 </p:sld>
 </file>
 
@@ -9049,6 +9119,13 @@
   <p:clrMapOvr>
     <a:masterClrMapping/>
   </p:clrMapOvr>
+  <p:timing>
+    <p:tnLst>
+      <p:par>
+        <p:cTn id="1" dur="indefinite" restart="never" nodeType="tmRoot"/>
+      </p:par>
+    </p:tnLst>
+  </p:timing>
 </p:sld>
 </file>
 
@@ -9128,6 +9205,13 @@
   <p:clrMapOvr>
     <a:masterClrMapping/>
   </p:clrMapOvr>
+  <p:timing>
+    <p:tnLst>
+      <p:par>
+        <p:cTn id="1" dur="indefinite" restart="never" nodeType="tmRoot"/>
+      </p:par>
+    </p:tnLst>
+  </p:timing>
 </p:sld>
 </file>
 
@@ -9224,6 +9308,13 @@
   <p:clrMapOvr>
     <a:masterClrMapping/>
   </p:clrMapOvr>
+  <p:timing>
+    <p:tnLst>
+      <p:par>
+        <p:cTn id="1" dur="indefinite" restart="never" nodeType="tmRoot"/>
+      </p:par>
+    </p:tnLst>
+  </p:timing>
 </p:sld>
 </file>
 

--- a/React.pptx
+++ b/React.pptx
@@ -41,8 +41,11 @@
     <p:sldId id="297" r:id="rId35"/>
     <p:sldId id="298" r:id="rId36"/>
     <p:sldId id="296" r:id="rId37"/>
-    <p:sldId id="268" r:id="rId38"/>
-    <p:sldId id="295" r:id="rId39"/>
+    <p:sldId id="299" r:id="rId38"/>
+    <p:sldId id="300" r:id="rId39"/>
+    <p:sldId id="301" r:id="rId40"/>
+    <p:sldId id="268" r:id="rId41"/>
+    <p:sldId id="295" r:id="rId42"/>
   </p:sldIdLst>
   <p:sldSz cx="12192000" cy="6858000"/>
   <p:notesSz cx="6858000" cy="9144000"/>
@@ -182,6 +185,9 @@
             <p14:sldId id="297"/>
             <p14:sldId id="298"/>
             <p14:sldId id="296"/>
+            <p14:sldId id="299"/>
+            <p14:sldId id="300"/>
+            <p14:sldId id="301"/>
             <p14:sldId id="268"/>
             <p14:sldId id="295"/>
           </p14:sldIdLst>
@@ -6460,14 +6466,10 @@
           <a:p>
             <a:r>
               <a:rPr lang="en-US" dirty="0" smtClean="0"/>
-              <a:t>In React we </a:t>
-            </a:r>
-            <a:r>
-              <a:rPr lang="en-US" smtClean="0"/>
-              <a:t>refer </a:t>
-            </a:r>
-            <a:r>
-              <a:rPr lang="en-US" smtClean="0"/>
+              <a:t>In React we refer </a:t>
+            </a:r>
+            <a:r>
+              <a:rPr lang="en-US" dirty="0" smtClean="0"/>
               <a:t>all </a:t>
             </a:r>
             <a:r>
@@ -8206,6 +8208,508 @@
 </file>
 
 <file path=ppt/slides/slide37.xml><?xml version="1.0" encoding="utf-8"?>
+<p:sld xmlns:a="http://schemas.openxmlformats.org/drawingml/2006/main" xmlns:r="http://schemas.openxmlformats.org/officeDocument/2006/relationships" xmlns:p="http://schemas.openxmlformats.org/presentationml/2006/main">
+  <p:cSld>
+    <p:spTree>
+      <p:nvGrpSpPr>
+        <p:cNvPr id="1" name=""/>
+        <p:cNvGrpSpPr/>
+        <p:nvPr/>
+      </p:nvGrpSpPr>
+      <p:grpSpPr>
+        <a:xfrm>
+          <a:off x="0" y="0"/>
+          <a:ext cx="0" cy="0"/>
+          <a:chOff x="0" y="0"/>
+          <a:chExt cx="0" cy="0"/>
+        </a:xfrm>
+      </p:grpSpPr>
+      <p:sp>
+        <p:nvSpPr>
+          <p:cNvPr id="2" name="Title 1"/>
+          <p:cNvSpPr>
+            <a:spLocks noGrp="1"/>
+          </p:cNvSpPr>
+          <p:nvPr>
+            <p:ph type="title"/>
+          </p:nvPr>
+        </p:nvSpPr>
+        <p:spPr/>
+        <p:txBody>
+          <a:bodyPr/>
+          <a:lstStyle/>
+          <a:p>
+            <a:r>
+              <a:rPr lang="en-US" dirty="0" err="1" smtClean="0"/>
+              <a:t>Jsx</a:t>
+            </a:r>
+            <a:r>
+              <a:rPr lang="en-US" dirty="0" smtClean="0"/>
+              <a:t> Compilation and ES6 Transformation</a:t>
+            </a:r>
+            <a:endParaRPr lang="en-US" dirty="0"/>
+          </a:p>
+        </p:txBody>
+      </p:sp>
+      <p:sp>
+        <p:nvSpPr>
+          <p:cNvPr id="3" name="Content Placeholder 2"/>
+          <p:cNvSpPr>
+            <a:spLocks noGrp="1"/>
+          </p:cNvSpPr>
+          <p:nvPr>
+            <p:ph idx="1"/>
+          </p:nvPr>
+        </p:nvSpPr>
+        <p:spPr/>
+        <p:txBody>
+          <a:bodyPr/>
+          <a:lstStyle/>
+          <a:p>
+            <a:r>
+              <a:rPr lang="en-US" dirty="0" smtClean="0"/>
+              <a:t>So far we use just the </a:t>
+            </a:r>
+            <a:r>
+              <a:rPr lang="en-US" dirty="0" err="1" smtClean="0"/>
+              <a:t>jsx</a:t>
+            </a:r>
+            <a:r>
+              <a:rPr lang="en-US" dirty="0" smtClean="0"/>
+              <a:t> syntax in our component and also used the ES6 features in the stores.</a:t>
+            </a:r>
+          </a:p>
+        </p:txBody>
+      </p:sp>
+    </p:spTree>
+    <p:extLst>
+      <p:ext uri="{BB962C8B-B14F-4D97-AF65-F5344CB8AC3E}">
+        <p14:creationId xmlns:p14="http://schemas.microsoft.com/office/powerpoint/2010/main" val="4092015278"/>
+      </p:ext>
+    </p:extLst>
+  </p:cSld>
+  <p:clrMapOvr>
+    <a:masterClrMapping/>
+  </p:clrMapOvr>
+</p:sld>
+</file>
+
+<file path=ppt/slides/slide38.xml><?xml version="1.0" encoding="utf-8"?>
+<p:sld xmlns:a="http://schemas.openxmlformats.org/drawingml/2006/main" xmlns:r="http://schemas.openxmlformats.org/officeDocument/2006/relationships" xmlns:p="http://schemas.openxmlformats.org/presentationml/2006/main">
+  <p:cSld>
+    <p:spTree>
+      <p:nvGrpSpPr>
+        <p:cNvPr id="1" name=""/>
+        <p:cNvGrpSpPr/>
+        <p:nvPr/>
+      </p:nvGrpSpPr>
+      <p:grpSpPr>
+        <a:xfrm>
+          <a:off x="0" y="0"/>
+          <a:ext cx="0" cy="0"/>
+          <a:chOff x="0" y="0"/>
+          <a:chExt cx="0" cy="0"/>
+        </a:xfrm>
+      </p:grpSpPr>
+      <p:sp>
+        <p:nvSpPr>
+          <p:cNvPr id="2" name="Title 1"/>
+          <p:cNvSpPr>
+            <a:spLocks noGrp="1"/>
+          </p:cNvSpPr>
+          <p:nvPr>
+            <p:ph type="title"/>
+          </p:nvPr>
+        </p:nvSpPr>
+        <p:spPr/>
+        <p:txBody>
+          <a:bodyPr/>
+          <a:lstStyle/>
+          <a:p>
+            <a:r>
+              <a:rPr lang="en-US" dirty="0" err="1" smtClean="0"/>
+              <a:t>Jsx</a:t>
+            </a:r>
+            <a:r>
+              <a:rPr lang="en-US" dirty="0" smtClean="0"/>
+              <a:t> Compilation and ES6 Transformation</a:t>
+            </a:r>
+            <a:endParaRPr lang="en-US" dirty="0"/>
+          </a:p>
+        </p:txBody>
+      </p:sp>
+      <p:sp>
+        <p:nvSpPr>
+          <p:cNvPr id="3" name="Content Placeholder 2"/>
+          <p:cNvSpPr>
+            <a:spLocks noGrp="1"/>
+          </p:cNvSpPr>
+          <p:nvPr>
+            <p:ph idx="1"/>
+          </p:nvPr>
+        </p:nvSpPr>
+        <p:spPr/>
+        <p:txBody>
+          <a:bodyPr/>
+          <a:lstStyle/>
+          <a:p>
+            <a:r>
+              <a:rPr lang="en-US" dirty="0" smtClean="0"/>
+              <a:t>So far we use just the </a:t>
+            </a:r>
+            <a:r>
+              <a:rPr lang="en-US" dirty="0" err="1" smtClean="0"/>
+              <a:t>jsx</a:t>
+            </a:r>
+            <a:r>
+              <a:rPr lang="en-US" dirty="0" smtClean="0"/>
+              <a:t> syntax in our component and also used the ES6 features in the stores.</a:t>
+            </a:r>
+          </a:p>
+          <a:p>
+            <a:r>
+              <a:rPr lang="en-US" dirty="0" smtClean="0"/>
+              <a:t>Browser don’t knows the </a:t>
+            </a:r>
+            <a:r>
+              <a:rPr lang="en-US" dirty="0" err="1" smtClean="0"/>
+              <a:t>jsx</a:t>
+            </a:r>
+            <a:r>
+              <a:rPr lang="en-US" dirty="0" smtClean="0"/>
+              <a:t> in </a:t>
+            </a:r>
+            <a:r>
+              <a:rPr lang="en-US" dirty="0" err="1" smtClean="0"/>
+              <a:t>javascript</a:t>
+            </a:r>
+            <a:r>
+              <a:rPr lang="en-US" dirty="0" smtClean="0"/>
+              <a:t> so we need some transformer utility that transform this syntax to plain script for browser to digest.</a:t>
+            </a:r>
+          </a:p>
+        </p:txBody>
+      </p:sp>
+    </p:spTree>
+    <p:extLst>
+      <p:ext uri="{BB962C8B-B14F-4D97-AF65-F5344CB8AC3E}">
+        <p14:creationId xmlns:p14="http://schemas.microsoft.com/office/powerpoint/2010/main" val="2577538556"/>
+      </p:ext>
+    </p:extLst>
+  </p:cSld>
+  <p:clrMapOvr>
+    <a:masterClrMapping/>
+  </p:clrMapOvr>
+</p:sld>
+</file>
+
+<file path=ppt/slides/slide39.xml><?xml version="1.0" encoding="utf-8"?>
+<p:sld xmlns:a="http://schemas.openxmlformats.org/drawingml/2006/main" xmlns:r="http://schemas.openxmlformats.org/officeDocument/2006/relationships" xmlns:p="http://schemas.openxmlformats.org/presentationml/2006/main">
+  <p:cSld>
+    <p:spTree>
+      <p:nvGrpSpPr>
+        <p:cNvPr id="1" name=""/>
+        <p:cNvGrpSpPr/>
+        <p:nvPr/>
+      </p:nvGrpSpPr>
+      <p:grpSpPr>
+        <a:xfrm>
+          <a:off x="0" y="0"/>
+          <a:ext cx="0" cy="0"/>
+          <a:chOff x="0" y="0"/>
+          <a:chExt cx="0" cy="0"/>
+        </a:xfrm>
+      </p:grpSpPr>
+      <p:sp>
+        <p:nvSpPr>
+          <p:cNvPr id="2" name="Title 1"/>
+          <p:cNvSpPr>
+            <a:spLocks noGrp="1"/>
+          </p:cNvSpPr>
+          <p:nvPr>
+            <p:ph type="title"/>
+          </p:nvPr>
+        </p:nvSpPr>
+        <p:spPr/>
+        <p:txBody>
+          <a:bodyPr/>
+          <a:lstStyle/>
+          <a:p>
+            <a:r>
+              <a:rPr lang="en-US" dirty="0" err="1" smtClean="0"/>
+              <a:t>Jsx</a:t>
+            </a:r>
+            <a:r>
+              <a:rPr lang="en-US" dirty="0" smtClean="0"/>
+              <a:t> Compilation and ES6 to 5 Transformation</a:t>
+            </a:r>
+            <a:endParaRPr lang="en-US" dirty="0"/>
+          </a:p>
+        </p:txBody>
+      </p:sp>
+      <p:sp>
+        <p:nvSpPr>
+          <p:cNvPr id="3" name="Content Placeholder 2"/>
+          <p:cNvSpPr>
+            <a:spLocks noGrp="1"/>
+          </p:cNvSpPr>
+          <p:nvPr>
+            <p:ph idx="1"/>
+          </p:nvPr>
+        </p:nvSpPr>
+        <p:spPr/>
+        <p:txBody>
+          <a:bodyPr/>
+          <a:lstStyle/>
+          <a:p>
+            <a:r>
+              <a:rPr lang="en-US" dirty="0" smtClean="0"/>
+              <a:t>So far we use just the </a:t>
+            </a:r>
+            <a:r>
+              <a:rPr lang="en-US" dirty="0" err="1" smtClean="0"/>
+              <a:t>jsx</a:t>
+            </a:r>
+            <a:r>
+              <a:rPr lang="en-US" dirty="0" smtClean="0"/>
+              <a:t> syntax in our component and also used the ES6 features in the stores.</a:t>
+            </a:r>
+          </a:p>
+          <a:p>
+            <a:r>
+              <a:rPr lang="en-US" dirty="0" smtClean="0"/>
+              <a:t>Browser don’t knows the </a:t>
+            </a:r>
+            <a:r>
+              <a:rPr lang="en-US" dirty="0" err="1" smtClean="0"/>
+              <a:t>jsx</a:t>
+            </a:r>
+            <a:r>
+              <a:rPr lang="en-US" dirty="0" smtClean="0"/>
+              <a:t> in </a:t>
+            </a:r>
+            <a:r>
+              <a:rPr lang="en-US" dirty="0" err="1" smtClean="0"/>
+              <a:t>javascript</a:t>
+            </a:r>
+            <a:r>
+              <a:rPr lang="en-US" dirty="0" smtClean="0"/>
+              <a:t> so we need some transformer utility that transform this syntax to plain script for browser to digest.</a:t>
+            </a:r>
+          </a:p>
+          <a:p>
+            <a:r>
+              <a:rPr lang="en-US" dirty="0" smtClean="0"/>
+              <a:t>Babel.js done this job pretty well this can be use directly by linking its script file or using </a:t>
+            </a:r>
+            <a:r>
+              <a:rPr lang="en-US" dirty="0" err="1" smtClean="0"/>
+              <a:t>npm</a:t>
+            </a:r>
+            <a:r>
+              <a:rPr lang="en-US" dirty="0" smtClean="0"/>
+              <a:t>. </a:t>
+            </a:r>
+          </a:p>
+          <a:p>
+            <a:r>
+              <a:rPr lang="en-US" dirty="0"/>
+              <a:t>https://babeljs.io/</a:t>
+            </a:r>
+            <a:endParaRPr lang="en-US" dirty="0" smtClean="0"/>
+          </a:p>
+          <a:p>
+            <a:pPr marL="0" indent="0">
+              <a:buNone/>
+            </a:pPr>
+            <a:endParaRPr lang="en-US" dirty="0"/>
+          </a:p>
+        </p:txBody>
+      </p:sp>
+      <p:pic>
+        <p:nvPicPr>
+          <p:cNvPr id="4" name="Picture 3"/>
+          <p:cNvPicPr>
+            <a:picLocks noChangeAspect="1"/>
+          </p:cNvPicPr>
+          <p:nvPr/>
+        </p:nvPicPr>
+        <p:blipFill>
+          <a:blip r:embed="rId2">
+            <a:extLst>
+              <a:ext uri="{28A0092B-C50C-407E-A947-70E740481C1C}">
+                <a14:useLocalDpi xmlns:a14="http://schemas.microsoft.com/office/drawing/2010/main" val="0"/>
+              </a:ext>
+            </a:extLst>
+          </a:blip>
+          <a:stretch>
+            <a:fillRect/>
+          </a:stretch>
+        </p:blipFill>
+        <p:spPr>
+          <a:xfrm>
+            <a:off x="5607423" y="4749886"/>
+            <a:ext cx="4096871" cy="1427077"/>
+          </a:xfrm>
+          <a:prstGeom prst="rect">
+            <a:avLst/>
+          </a:prstGeom>
+        </p:spPr>
+      </p:pic>
+    </p:spTree>
+    <p:extLst>
+      <p:ext uri="{BB962C8B-B14F-4D97-AF65-F5344CB8AC3E}">
+        <p14:creationId xmlns:p14="http://schemas.microsoft.com/office/powerpoint/2010/main" val="2627637613"/>
+      </p:ext>
+    </p:extLst>
+  </p:cSld>
+  <p:clrMapOvr>
+    <a:masterClrMapping/>
+  </p:clrMapOvr>
+</p:sld>
+</file>
+
+<file path=ppt/slides/slide4.xml><?xml version="1.0" encoding="utf-8"?>
+<p:sld xmlns:a="http://schemas.openxmlformats.org/drawingml/2006/main" xmlns:r="http://schemas.openxmlformats.org/officeDocument/2006/relationships" xmlns:p="http://schemas.openxmlformats.org/presentationml/2006/main">
+  <p:cSld>
+    <p:spTree>
+      <p:nvGrpSpPr>
+        <p:cNvPr id="1" name=""/>
+        <p:cNvGrpSpPr/>
+        <p:nvPr/>
+      </p:nvGrpSpPr>
+      <p:grpSpPr>
+        <a:xfrm>
+          <a:off x="0" y="0"/>
+          <a:ext cx="0" cy="0"/>
+          <a:chOff x="0" y="0"/>
+          <a:chExt cx="0" cy="0"/>
+        </a:xfrm>
+      </p:grpSpPr>
+      <p:sp>
+        <p:nvSpPr>
+          <p:cNvPr id="2" name="Title 1"/>
+          <p:cNvSpPr>
+            <a:spLocks noGrp="1"/>
+          </p:cNvSpPr>
+          <p:nvPr>
+            <p:ph type="title"/>
+          </p:nvPr>
+        </p:nvSpPr>
+        <p:spPr/>
+        <p:txBody>
+          <a:bodyPr/>
+          <a:lstStyle/>
+          <a:p>
+            <a:r>
+              <a:rPr lang="en-US" dirty="0" smtClean="0"/>
+              <a:t>Problem with MVC</a:t>
+            </a:r>
+            <a:endParaRPr lang="en-US" dirty="0"/>
+          </a:p>
+        </p:txBody>
+      </p:sp>
+      <p:pic>
+        <p:nvPicPr>
+          <p:cNvPr id="4" name="Content Placeholder 3"/>
+          <p:cNvPicPr>
+            <a:picLocks noGrp="1" noChangeAspect="1"/>
+          </p:cNvPicPr>
+          <p:nvPr>
+            <p:ph idx="1"/>
+          </p:nvPr>
+        </p:nvPicPr>
+        <p:blipFill>
+          <a:blip r:embed="rId2">
+            <a:extLst>
+              <a:ext uri="{28A0092B-C50C-407E-A947-70E740481C1C}">
+                <a14:useLocalDpi xmlns:a14="http://schemas.microsoft.com/office/drawing/2010/main" val="0"/>
+              </a:ext>
+            </a:extLst>
+          </a:blip>
+          <a:stretch>
+            <a:fillRect/>
+          </a:stretch>
+        </p:blipFill>
+        <p:spPr>
+          <a:xfrm>
+            <a:off x="1439908" y="1341064"/>
+            <a:ext cx="8027831" cy="2477432"/>
+          </a:xfrm>
+        </p:spPr>
+      </p:pic>
+      <p:sp>
+        <p:nvSpPr>
+          <p:cNvPr id="5" name="TextBox 4"/>
+          <p:cNvSpPr txBox="1"/>
+          <p:nvPr/>
+        </p:nvSpPr>
+        <p:spPr>
+          <a:xfrm>
+            <a:off x="1828800" y="4168588"/>
+            <a:ext cx="9722277" cy="1107996"/>
+          </a:xfrm>
+          <a:prstGeom prst="rect">
+            <a:avLst/>
+          </a:prstGeom>
+          <a:noFill/>
+        </p:spPr>
+        <p:txBody>
+          <a:bodyPr wrap="none" rtlCol="0">
+            <a:spAutoFit/>
+          </a:bodyPr>
+          <a:lstStyle/>
+          <a:p>
+            <a:pPr marL="285750" indent="-285750">
+              <a:buFont typeface="Arial" panose="020B0604020202020204" pitchFamily="34" charset="0"/>
+              <a:buChar char="•"/>
+            </a:pPr>
+            <a:r>
+              <a:rPr lang="en-US" sz="2400" dirty="0" smtClean="0"/>
+              <a:t>Model watches to views and views watches the model. Too many Watches</a:t>
+            </a:r>
+          </a:p>
+          <a:p>
+            <a:pPr marL="285750" indent="-285750">
+              <a:buFont typeface="Arial" panose="020B0604020202020204" pitchFamily="34" charset="0"/>
+              <a:buChar char="•"/>
+            </a:pPr>
+            <a:r>
+              <a:rPr lang="en-US" sz="2400" dirty="0" smtClean="0"/>
+              <a:t>Views re rendering too </a:t>
+            </a:r>
+            <a:r>
+              <a:rPr lang="en-US" sz="2400" dirty="0"/>
+              <a:t>much due to cascading update</a:t>
+            </a:r>
+            <a:endParaRPr lang="en-US" sz="2400" dirty="0" smtClean="0"/>
+          </a:p>
+          <a:p>
+            <a:endParaRPr lang="en-US" dirty="0"/>
+          </a:p>
+        </p:txBody>
+      </p:sp>
+    </p:spTree>
+    <p:extLst>
+      <p:ext uri="{BB962C8B-B14F-4D97-AF65-F5344CB8AC3E}">
+        <p14:creationId xmlns:p14="http://schemas.microsoft.com/office/powerpoint/2010/main" val="209395790"/>
+      </p:ext>
+    </p:extLst>
+  </p:cSld>
+  <p:clrMapOvr>
+    <a:masterClrMapping/>
+  </p:clrMapOvr>
+  <p:timing>
+    <p:tnLst>
+      <p:par>
+        <p:cTn id="1" dur="indefinite" restart="never" nodeType="tmRoot"/>
+      </p:par>
+    </p:tnLst>
+  </p:timing>
+</p:sld>
+</file>
+
+<file path=ppt/slides/slide40.xml><?xml version="1.0" encoding="utf-8"?>
 <p:sld xmlns:a="http://schemas.openxmlformats.org/drawingml/2006/main" xmlns:r="http://schemas.openxmlformats.org/officeDocument/2006/relationships" xmlns:p="http://schemas.openxmlformats.org/presentationml/2006/main">
   <p:cSld>
     <p:spTree>
@@ -8353,7 +8857,7 @@
 </p:sld>
 </file>
 
-<file path=ppt/slides/slide38.xml><?xml version="1.0" encoding="utf-8"?>
+<file path=ppt/slides/slide41.xml><?xml version="1.0" encoding="utf-8"?>
 <p:sld xmlns:a="http://schemas.openxmlformats.org/drawingml/2006/main" xmlns:r="http://schemas.openxmlformats.org/officeDocument/2006/relationships" xmlns:p="http://schemas.openxmlformats.org/presentationml/2006/main">
   <p:cSld>
     <p:spTree>
@@ -8411,7 +8915,7 @@
         </p:spPr>
         <p:txBody>
           <a:bodyPr>
-            <a:normAutofit lnSpcReduction="10000"/>
+            <a:normAutofit/>
           </a:bodyPr>
           <a:lstStyle/>
           <a:p>
@@ -8419,15 +8923,10 @@
               <a:buNone/>
             </a:pPr>
             <a:r>
-              <a:rPr lang="en-US" dirty="0" smtClean="0"/>
+              <a:rPr lang="en-US" sz="2400" dirty="0" smtClean="0"/>
               <a:t>Let see a sample single page app developed using Alt and React.</a:t>
             </a:r>
-          </a:p>
-          <a:p>
-            <a:pPr marL="0" indent="0">
-              <a:buNone/>
-            </a:pPr>
-            <a:endParaRPr lang="en-US" dirty="0"/>
+            <a:endParaRPr lang="en-US" sz="2400" dirty="0"/>
           </a:p>
           <a:p>
             <a:pPr marL="0" indent="0">
@@ -8481,6 +8980,56 @@
             <a:r>
               <a:rPr lang="en-US" sz="1800" dirty="0" smtClean="0"/>
               <a:t>Hash routing implemented</a:t>
+            </a:r>
+          </a:p>
+          <a:p>
+            <a:r>
+              <a:rPr lang="en-US" sz="1800" dirty="0" smtClean="0"/>
+              <a:t>Using </a:t>
+            </a:r>
+            <a:r>
+              <a:rPr lang="en-US" sz="1800" dirty="0" err="1" smtClean="0"/>
+              <a:t>Babelify</a:t>
+            </a:r>
+            <a:r>
+              <a:rPr lang="en-US" sz="1800" dirty="0" smtClean="0"/>
+              <a:t> to </a:t>
+            </a:r>
+            <a:r>
+              <a:rPr lang="en-US" sz="1800" dirty="0" err="1" smtClean="0"/>
+              <a:t>tranforms</a:t>
+            </a:r>
+            <a:r>
+              <a:rPr lang="en-US" sz="1800" dirty="0" smtClean="0"/>
+              <a:t> the ES6 and </a:t>
+            </a:r>
+            <a:r>
+              <a:rPr lang="en-US" sz="1800" dirty="0" err="1"/>
+              <a:t>J</a:t>
+            </a:r>
+            <a:r>
+              <a:rPr lang="en-US" sz="1800" dirty="0" err="1" smtClean="0"/>
+              <a:t>sx</a:t>
+            </a:r>
+            <a:r>
+              <a:rPr lang="en-US" sz="1800" dirty="0" smtClean="0"/>
+              <a:t> </a:t>
+            </a:r>
+            <a:r>
+              <a:rPr lang="en-US" sz="1800" dirty="0" err="1" smtClean="0"/>
+              <a:t>sytax</a:t>
+            </a:r>
+            <a:r>
+              <a:rPr lang="en-US" sz="1800" dirty="0" smtClean="0"/>
+              <a:t> to vanilla </a:t>
+            </a:r>
+            <a:r>
+              <a:rPr lang="en-US" sz="1800" dirty="0" err="1" smtClean="0"/>
+              <a:t>javascript</a:t>
+            </a:r>
+            <a:r>
+              <a:rPr lang="en-US" sz="1800" dirty="0" smtClean="0"/>
+              <a:t> </a:t>
             </a:r>
           </a:p>
           <a:p>
@@ -8533,146 +9082,6 @@
     <p:extLst>
       <p:ext uri="{BB962C8B-B14F-4D97-AF65-F5344CB8AC3E}">
         <p14:creationId xmlns:p14="http://schemas.microsoft.com/office/powerpoint/2010/main" val="2209489317"/>
-      </p:ext>
-    </p:extLst>
-  </p:cSld>
-  <p:clrMapOvr>
-    <a:masterClrMapping/>
-  </p:clrMapOvr>
-  <p:timing>
-    <p:tnLst>
-      <p:par>
-        <p:cTn id="1" dur="indefinite" restart="never" nodeType="tmRoot"/>
-      </p:par>
-    </p:tnLst>
-  </p:timing>
-</p:sld>
-</file>
-
-<file path=ppt/slides/slide4.xml><?xml version="1.0" encoding="utf-8"?>
-<p:sld xmlns:a="http://schemas.openxmlformats.org/drawingml/2006/main" xmlns:r="http://schemas.openxmlformats.org/officeDocument/2006/relationships" xmlns:p="http://schemas.openxmlformats.org/presentationml/2006/main">
-  <p:cSld>
-    <p:spTree>
-      <p:nvGrpSpPr>
-        <p:cNvPr id="1" name=""/>
-        <p:cNvGrpSpPr/>
-        <p:nvPr/>
-      </p:nvGrpSpPr>
-      <p:grpSpPr>
-        <a:xfrm>
-          <a:off x="0" y="0"/>
-          <a:ext cx="0" cy="0"/>
-          <a:chOff x="0" y="0"/>
-          <a:chExt cx="0" cy="0"/>
-        </a:xfrm>
-      </p:grpSpPr>
-      <p:sp>
-        <p:nvSpPr>
-          <p:cNvPr id="2" name="Title 1"/>
-          <p:cNvSpPr>
-            <a:spLocks noGrp="1"/>
-          </p:cNvSpPr>
-          <p:nvPr>
-            <p:ph type="title"/>
-          </p:nvPr>
-        </p:nvSpPr>
-        <p:spPr/>
-        <p:txBody>
-          <a:bodyPr/>
-          <a:lstStyle/>
-          <a:p>
-            <a:r>
-              <a:rPr lang="en-US" dirty="0" smtClean="0"/>
-              <a:t>Problem with MVC</a:t>
-            </a:r>
-            <a:endParaRPr lang="en-US" dirty="0"/>
-          </a:p>
-        </p:txBody>
-      </p:sp>
-      <p:pic>
-        <p:nvPicPr>
-          <p:cNvPr id="4" name="Content Placeholder 3"/>
-          <p:cNvPicPr>
-            <a:picLocks noGrp="1" noChangeAspect="1"/>
-          </p:cNvPicPr>
-          <p:nvPr>
-            <p:ph idx="1"/>
-          </p:nvPr>
-        </p:nvPicPr>
-        <p:blipFill>
-          <a:blip r:embed="rId2">
-            <a:extLst>
-              <a:ext uri="{28A0092B-C50C-407E-A947-70E740481C1C}">
-                <a14:useLocalDpi xmlns:a14="http://schemas.microsoft.com/office/drawing/2010/main" val="0"/>
-              </a:ext>
-            </a:extLst>
-          </a:blip>
-          <a:stretch>
-            <a:fillRect/>
-          </a:stretch>
-        </p:blipFill>
-        <p:spPr>
-          <a:xfrm>
-            <a:off x="1439908" y="1341064"/>
-            <a:ext cx="8027831" cy="2477432"/>
-          </a:xfrm>
-        </p:spPr>
-      </p:pic>
-      <p:sp>
-        <p:nvSpPr>
-          <p:cNvPr id="5" name="TextBox 4"/>
-          <p:cNvSpPr txBox="1"/>
-          <p:nvPr/>
-        </p:nvSpPr>
-        <p:spPr>
-          <a:xfrm>
-            <a:off x="1828800" y="4168588"/>
-            <a:ext cx="9722277" cy="1107996"/>
-          </a:xfrm>
-          <a:prstGeom prst="rect">
-            <a:avLst/>
-          </a:prstGeom>
-          <a:noFill/>
-        </p:spPr>
-        <p:txBody>
-          <a:bodyPr wrap="none" rtlCol="0">
-            <a:spAutoFit/>
-          </a:bodyPr>
-          <a:lstStyle/>
-          <a:p>
-            <a:pPr marL="285750" indent="-285750">
-              <a:buFont typeface="Arial" panose="020B0604020202020204" pitchFamily="34" charset="0"/>
-              <a:buChar char="•"/>
-            </a:pPr>
-            <a:r>
-              <a:rPr lang="en-US" sz="2400" dirty="0" smtClean="0"/>
-              <a:t>Model watches to views and views watches the model. Too many Watches</a:t>
-            </a:r>
-          </a:p>
-          <a:p>
-            <a:pPr marL="285750" indent="-285750">
-              <a:buFont typeface="Arial" panose="020B0604020202020204" pitchFamily="34" charset="0"/>
-              <a:buChar char="•"/>
-            </a:pPr>
-            <a:r>
-              <a:rPr lang="en-US" sz="2400" dirty="0" smtClean="0"/>
-              <a:t>Views re rendering too </a:t>
-            </a:r>
-            <a:r>
-              <a:rPr lang="en-US" sz="2400" dirty="0"/>
-              <a:t>much due to cascading update</a:t>
-            </a:r>
-            <a:endParaRPr lang="en-US" sz="2400" dirty="0" smtClean="0"/>
-          </a:p>
-          <a:p>
-            <a:endParaRPr lang="en-US" dirty="0"/>
-          </a:p>
-        </p:txBody>
-      </p:sp>
-    </p:spTree>
-    <p:extLst>
-      <p:ext uri="{BB962C8B-B14F-4D97-AF65-F5344CB8AC3E}">
-        <p14:creationId xmlns:p14="http://schemas.microsoft.com/office/powerpoint/2010/main" val="209395790"/>
       </p:ext>
     </p:extLst>
   </p:cSld>

--- a/React.pptx
+++ b/React.pptx
@@ -11,41 +11,48 @@
     <p:sldId id="273" r:id="rId5"/>
     <p:sldId id="274" r:id="rId6"/>
     <p:sldId id="275" r:id="rId7"/>
-    <p:sldId id="276" r:id="rId8"/>
-    <p:sldId id="277" r:id="rId9"/>
-    <p:sldId id="278" r:id="rId10"/>
-    <p:sldId id="279" r:id="rId11"/>
-    <p:sldId id="280" r:id="rId12"/>
-    <p:sldId id="263" r:id="rId13"/>
-    <p:sldId id="264" r:id="rId14"/>
-    <p:sldId id="282" r:id="rId15"/>
-    <p:sldId id="283" r:id="rId16"/>
-    <p:sldId id="287" r:id="rId17"/>
-    <p:sldId id="288" r:id="rId18"/>
-    <p:sldId id="289" r:id="rId19"/>
-    <p:sldId id="284" r:id="rId20"/>
-    <p:sldId id="257" r:id="rId21"/>
-    <p:sldId id="285" r:id="rId22"/>
-    <p:sldId id="286" r:id="rId23"/>
-    <p:sldId id="269" r:id="rId24"/>
-    <p:sldId id="258" r:id="rId25"/>
-    <p:sldId id="259" r:id="rId26"/>
-    <p:sldId id="260" r:id="rId27"/>
-    <p:sldId id="290" r:id="rId28"/>
-    <p:sldId id="291" r:id="rId29"/>
-    <p:sldId id="261" r:id="rId30"/>
-    <p:sldId id="262" r:id="rId31"/>
-    <p:sldId id="292" r:id="rId32"/>
-    <p:sldId id="293" r:id="rId33"/>
-    <p:sldId id="294" r:id="rId34"/>
-    <p:sldId id="297" r:id="rId35"/>
-    <p:sldId id="298" r:id="rId36"/>
-    <p:sldId id="296" r:id="rId37"/>
-    <p:sldId id="299" r:id="rId38"/>
-    <p:sldId id="300" r:id="rId39"/>
-    <p:sldId id="301" r:id="rId40"/>
-    <p:sldId id="268" r:id="rId41"/>
-    <p:sldId id="295" r:id="rId42"/>
+    <p:sldId id="302" r:id="rId8"/>
+    <p:sldId id="276" r:id="rId9"/>
+    <p:sldId id="277" r:id="rId10"/>
+    <p:sldId id="278" r:id="rId11"/>
+    <p:sldId id="279" r:id="rId12"/>
+    <p:sldId id="280" r:id="rId13"/>
+    <p:sldId id="263" r:id="rId14"/>
+    <p:sldId id="264" r:id="rId15"/>
+    <p:sldId id="282" r:id="rId16"/>
+    <p:sldId id="283" r:id="rId17"/>
+    <p:sldId id="287" r:id="rId18"/>
+    <p:sldId id="288" r:id="rId19"/>
+    <p:sldId id="289" r:id="rId20"/>
+    <p:sldId id="284" r:id="rId21"/>
+    <p:sldId id="257" r:id="rId22"/>
+    <p:sldId id="285" r:id="rId23"/>
+    <p:sldId id="286" r:id="rId24"/>
+    <p:sldId id="269" r:id="rId25"/>
+    <p:sldId id="258" r:id="rId26"/>
+    <p:sldId id="259" r:id="rId27"/>
+    <p:sldId id="260" r:id="rId28"/>
+    <p:sldId id="290" r:id="rId29"/>
+    <p:sldId id="291" r:id="rId30"/>
+    <p:sldId id="261" r:id="rId31"/>
+    <p:sldId id="262" r:id="rId32"/>
+    <p:sldId id="292" r:id="rId33"/>
+    <p:sldId id="293" r:id="rId34"/>
+    <p:sldId id="294" r:id="rId35"/>
+    <p:sldId id="297" r:id="rId36"/>
+    <p:sldId id="298" r:id="rId37"/>
+    <p:sldId id="296" r:id="rId38"/>
+    <p:sldId id="299" r:id="rId39"/>
+    <p:sldId id="300" r:id="rId40"/>
+    <p:sldId id="301" r:id="rId41"/>
+    <p:sldId id="268" r:id="rId42"/>
+    <p:sldId id="303" r:id="rId43"/>
+    <p:sldId id="305" r:id="rId44"/>
+    <p:sldId id="308" r:id="rId45"/>
+    <p:sldId id="307" r:id="rId46"/>
+    <p:sldId id="306" r:id="rId47"/>
+    <p:sldId id="304" r:id="rId48"/>
+    <p:sldId id="295" r:id="rId49"/>
   </p:sldIdLst>
   <p:sldSz cx="12192000" cy="6858000"/>
   <p:notesSz cx="6858000" cy="9144000"/>
@@ -155,6 +162,7 @@
             <p14:sldId id="273"/>
             <p14:sldId id="274"/>
             <p14:sldId id="275"/>
+            <p14:sldId id="302"/>
             <p14:sldId id="276"/>
             <p14:sldId id="277"/>
             <p14:sldId id="278"/>
@@ -189,6 +197,12 @@
             <p14:sldId id="300"/>
             <p14:sldId id="301"/>
             <p14:sldId id="268"/>
+            <p14:sldId id="303"/>
+            <p14:sldId id="305"/>
+            <p14:sldId id="308"/>
+            <p14:sldId id="307"/>
+            <p14:sldId id="306"/>
+            <p14:sldId id="304"/>
             <p14:sldId id="295"/>
           </p14:sldIdLst>
         </p14:section>
@@ -3369,21 +3383,17 @@
             <a:endParaRPr lang="en-US" b="1" dirty="0"/>
           </a:p>
           <a:p>
-            <a:r>
-              <a:rPr lang="en-US" b="1" dirty="0" smtClean="0"/>
-              <a:t>Stores </a:t>
-            </a:r>
-            <a:r>
-              <a:rPr lang="en-US" dirty="0" smtClean="0"/>
-              <a:t>are the data layer of flux that holds the application state data. It also holds the callbacks of actions coming from the dispatcher where the data can be manipulated to its new state. Once the state of data is changed it re renders its respective view.</a:t>
-            </a:r>
+            <a:pPr marL="0" indent="0">
+              <a:buNone/>
+            </a:pPr>
+            <a:endParaRPr lang="en-US" b="1" dirty="0"/>
           </a:p>
         </p:txBody>
       </p:sp>
     </p:spTree>
     <p:extLst>
       <p:ext uri="{BB962C8B-B14F-4D97-AF65-F5344CB8AC3E}">
-        <p14:creationId xmlns:p14="http://schemas.microsoft.com/office/powerpoint/2010/main" val="2578186491"/>
+        <p14:creationId xmlns:p14="http://schemas.microsoft.com/office/powerpoint/2010/main" val="2487134746"/>
       </p:ext>
     </p:extLst>
   </p:cSld>
@@ -3485,6 +3495,113 @@
               <a:t>are the data layer of flux that holds the application state data. It also holds the callbacks of actions coming from the dispatcher where the data can be manipulated to its new state. Once the state of data is changed it re renders its respective view.</a:t>
             </a:r>
           </a:p>
+        </p:txBody>
+      </p:sp>
+    </p:spTree>
+    <p:extLst>
+      <p:ext uri="{BB962C8B-B14F-4D97-AF65-F5344CB8AC3E}">
+        <p14:creationId xmlns:p14="http://schemas.microsoft.com/office/powerpoint/2010/main" val="2578186491"/>
+      </p:ext>
+    </p:extLst>
+  </p:cSld>
+  <p:clrMapOvr>
+    <a:masterClrMapping/>
+  </p:clrMapOvr>
+  <p:timing>
+    <p:tnLst>
+      <p:par>
+        <p:cTn id="1" dur="indefinite" restart="never" nodeType="tmRoot"/>
+      </p:par>
+    </p:tnLst>
+  </p:timing>
+</p:sld>
+</file>
+
+<file path=ppt/slides/slide12.xml><?xml version="1.0" encoding="utf-8"?>
+<p:sld xmlns:a="http://schemas.openxmlformats.org/drawingml/2006/main" xmlns:r="http://schemas.openxmlformats.org/officeDocument/2006/relationships" xmlns:p="http://schemas.openxmlformats.org/presentationml/2006/main">
+  <p:cSld>
+    <p:spTree>
+      <p:nvGrpSpPr>
+        <p:cNvPr id="1" name=""/>
+        <p:cNvGrpSpPr/>
+        <p:nvPr/>
+      </p:nvGrpSpPr>
+      <p:grpSpPr>
+        <a:xfrm>
+          <a:off x="0" y="0"/>
+          <a:ext cx="0" cy="0"/>
+          <a:chOff x="0" y="0"/>
+          <a:chExt cx="0" cy="0"/>
+        </a:xfrm>
+      </p:grpSpPr>
+      <p:sp>
+        <p:nvSpPr>
+          <p:cNvPr id="2" name="Title 1"/>
+          <p:cNvSpPr>
+            <a:spLocks noGrp="1"/>
+          </p:cNvSpPr>
+          <p:nvPr>
+            <p:ph type="title"/>
+          </p:nvPr>
+        </p:nvSpPr>
+        <p:spPr/>
+        <p:txBody>
+          <a:bodyPr/>
+          <a:lstStyle/>
+          <a:p>
+            <a:r>
+              <a:rPr lang="en-US" dirty="0"/>
+              <a:t>Introducing the Flux Architecture </a:t>
+            </a:r>
+          </a:p>
+        </p:txBody>
+      </p:sp>
+      <p:sp>
+        <p:nvSpPr>
+          <p:cNvPr id="3" name="Content Placeholder 2"/>
+          <p:cNvSpPr>
+            <a:spLocks noGrp="1"/>
+          </p:cNvSpPr>
+          <p:nvPr>
+            <p:ph idx="1"/>
+          </p:nvPr>
+        </p:nvSpPr>
+        <p:spPr/>
+        <p:txBody>
+          <a:bodyPr/>
+          <a:lstStyle/>
+          <a:p>
+            <a:r>
+              <a:rPr lang="en-US" b="1" dirty="0" smtClean="0"/>
+              <a:t>Actions </a:t>
+            </a:r>
+            <a:r>
+              <a:rPr lang="en-US" dirty="0" smtClean="0"/>
+              <a:t>are the triggers that are initiated by the view or some other components of an application.</a:t>
+            </a:r>
+            <a:endParaRPr lang="en-US" b="1" dirty="0"/>
+          </a:p>
+          <a:p>
+            <a:r>
+              <a:rPr lang="en-US" b="1" dirty="0" smtClean="0"/>
+              <a:t>Dispatcher </a:t>
+            </a:r>
+            <a:r>
+              <a:rPr lang="en-US" dirty="0" smtClean="0"/>
+              <a:t>catches the action and dispatch it to its respective stores where the corresponding actions was registered.</a:t>
+            </a:r>
+            <a:endParaRPr lang="en-US" b="1" dirty="0"/>
+          </a:p>
+          <a:p>
+            <a:r>
+              <a:rPr lang="en-US" b="1" dirty="0" smtClean="0"/>
+              <a:t>Stores </a:t>
+            </a:r>
+            <a:r>
+              <a:rPr lang="en-US" dirty="0" smtClean="0"/>
+              <a:t>are the data layer of flux that holds the application state data. It also holds the callbacks of actions coming from the dispatcher where the data can be manipulated to its new state. Once the state of data is changed it re renders its respective view.</a:t>
+            </a:r>
+          </a:p>
           <a:p>
             <a:r>
               <a:rPr lang="en-US" b="1" dirty="0" smtClean="0"/>
@@ -3518,7 +3635,7 @@
 </p:sld>
 </file>
 
-<file path=ppt/slides/slide12.xml><?xml version="1.0" encoding="utf-8"?>
+<file path=ppt/slides/slide13.xml><?xml version="1.0" encoding="utf-8"?>
 <p:sld xmlns:a="http://schemas.openxmlformats.org/drawingml/2006/main" xmlns:r="http://schemas.openxmlformats.org/officeDocument/2006/relationships" xmlns:p="http://schemas.openxmlformats.org/presentationml/2006/main">
   <p:cSld>
     <p:spTree>
@@ -3607,7 +3724,7 @@
 </p:sld>
 </file>
 
-<file path=ppt/slides/slide13.xml><?xml version="1.0" encoding="utf-8"?>
+<file path=ppt/slides/slide14.xml><?xml version="1.0" encoding="utf-8"?>
 <p:sld xmlns:a="http://schemas.openxmlformats.org/drawingml/2006/main" xmlns:r="http://schemas.openxmlformats.org/officeDocument/2006/relationships" xmlns:p="http://schemas.openxmlformats.org/presentationml/2006/main">
   <p:cSld>
     <p:spTree>
@@ -3751,145 +3868,6 @@
 </p:sld>
 </file>
 
-<file path=ppt/slides/slide14.xml><?xml version="1.0" encoding="utf-8"?>
-<p:sld xmlns:a="http://schemas.openxmlformats.org/drawingml/2006/main" xmlns:r="http://schemas.openxmlformats.org/officeDocument/2006/relationships" xmlns:p="http://schemas.openxmlformats.org/presentationml/2006/main">
-  <p:cSld>
-    <p:spTree>
-      <p:nvGrpSpPr>
-        <p:cNvPr id="1" name=""/>
-        <p:cNvGrpSpPr/>
-        <p:nvPr/>
-      </p:nvGrpSpPr>
-      <p:grpSpPr>
-        <a:xfrm>
-          <a:off x="0" y="0"/>
-          <a:ext cx="0" cy="0"/>
-          <a:chOff x="0" y="0"/>
-          <a:chExt cx="0" cy="0"/>
-        </a:xfrm>
-      </p:grpSpPr>
-      <p:sp>
-        <p:nvSpPr>
-          <p:cNvPr id="2" name="Title 1"/>
-          <p:cNvSpPr>
-            <a:spLocks noGrp="1"/>
-          </p:cNvSpPr>
-          <p:nvPr>
-            <p:ph type="title"/>
-          </p:nvPr>
-        </p:nvSpPr>
-        <p:spPr/>
-        <p:txBody>
-          <a:bodyPr/>
-          <a:lstStyle/>
-          <a:p>
-            <a:r>
-              <a:rPr lang="en-US" dirty="0" smtClean="0"/>
-              <a:t>Installing Alt</a:t>
-            </a:r>
-            <a:endParaRPr lang="en-US" dirty="0"/>
-          </a:p>
-        </p:txBody>
-      </p:sp>
-      <p:sp>
-        <p:nvSpPr>
-          <p:cNvPr id="3" name="Content Placeholder 2"/>
-          <p:cNvSpPr>
-            <a:spLocks noGrp="1"/>
-          </p:cNvSpPr>
-          <p:nvPr>
-            <p:ph idx="1"/>
-          </p:nvPr>
-        </p:nvSpPr>
-        <p:spPr/>
-        <p:txBody>
-          <a:bodyPr/>
-          <a:lstStyle/>
-          <a:p>
-            <a:pPr marL="0" indent="0">
-              <a:buNone/>
-            </a:pPr>
-            <a:r>
-              <a:rPr lang="en-US" dirty="0" smtClean="0"/>
-              <a:t>Using </a:t>
-            </a:r>
-            <a:r>
-              <a:rPr lang="en-US" dirty="0" err="1" smtClean="0"/>
-              <a:t>npm</a:t>
-            </a:r>
-            <a:r>
-              <a:rPr lang="en-US" dirty="0" smtClean="0"/>
-              <a:t> we can run the following command at the root directory of our project.</a:t>
-            </a:r>
-          </a:p>
-          <a:p>
-            <a:pPr marL="0" indent="0">
-              <a:buNone/>
-            </a:pPr>
-            <a:r>
-              <a:rPr lang="en-US" dirty="0" smtClean="0"/>
-              <a:t>				</a:t>
-            </a:r>
-            <a:r>
-              <a:rPr lang="en-US" dirty="0" err="1" smtClean="0"/>
-              <a:t>npm</a:t>
-            </a:r>
-            <a:r>
-              <a:rPr lang="en-US" dirty="0" smtClean="0"/>
-              <a:t> </a:t>
-            </a:r>
-            <a:r>
-              <a:rPr lang="en-US" dirty="0"/>
-              <a:t>install </a:t>
-            </a:r>
-            <a:r>
-              <a:rPr lang="en-US" dirty="0" smtClean="0"/>
-              <a:t>alt</a:t>
-            </a:r>
-          </a:p>
-          <a:p>
-            <a:pPr marL="0" indent="0">
-              <a:buNone/>
-            </a:pPr>
-            <a:endParaRPr lang="en-US" dirty="0" smtClean="0"/>
-          </a:p>
-          <a:p>
-            <a:pPr marL="0" indent="0">
-              <a:buNone/>
-            </a:pPr>
-            <a:r>
-              <a:rPr lang="en-US" dirty="0" smtClean="0"/>
-              <a:t>This will install the require node modules of alt to the project directory.</a:t>
-            </a:r>
-          </a:p>
-          <a:p>
-            <a:pPr marL="0" indent="0">
-              <a:buNone/>
-            </a:pPr>
-            <a:endParaRPr lang="en-US" dirty="0"/>
-          </a:p>
-        </p:txBody>
-      </p:sp>
-    </p:spTree>
-    <p:extLst>
-      <p:ext uri="{BB962C8B-B14F-4D97-AF65-F5344CB8AC3E}">
-        <p14:creationId xmlns:p14="http://schemas.microsoft.com/office/powerpoint/2010/main" val="339529596"/>
-      </p:ext>
-    </p:extLst>
-  </p:cSld>
-  <p:clrMapOvr>
-    <a:masterClrMapping/>
-  </p:clrMapOvr>
-  <p:timing>
-    <p:tnLst>
-      <p:par>
-        <p:cTn id="1" dur="indefinite" restart="never" nodeType="tmRoot"/>
-      </p:par>
-    </p:tnLst>
-  </p:timing>
-</p:sld>
-</file>
-
 <file path=ppt/slides/slide15.xml><?xml version="1.0" encoding="utf-8"?>
 <p:sld xmlns:a="http://schemas.openxmlformats.org/drawingml/2006/main" xmlns:r="http://schemas.openxmlformats.org/officeDocument/2006/relationships" xmlns:p="http://schemas.openxmlformats.org/presentationml/2006/main">
   <p:cSld>
@@ -3924,7 +3902,7 @@
           <a:p>
             <a:r>
               <a:rPr lang="en-US" dirty="0" smtClean="0"/>
-              <a:t>Alt Directory Structure</a:t>
+              <a:t>Installing Alt</a:t>
             </a:r>
             <a:endParaRPr lang="en-US" dirty="0"/>
           </a:p>
@@ -3942,17 +3920,63 @@
         </p:nvSpPr>
         <p:spPr/>
         <p:txBody>
-          <a:bodyPr>
-            <a:normAutofit lnSpcReduction="10000"/>
-          </a:bodyPr>
-          <a:lstStyle/>
-          <a:p>
-            <a:pPr marL="0" indent="0">
-              <a:buNone/>
-            </a:pPr>
-            <a:r>
-              <a:rPr lang="en-US" dirty="0" smtClean="0"/>
-              <a:t>A typical directory structure of alt look like:</a:t>
+          <a:bodyPr/>
+          <a:lstStyle/>
+          <a:p>
+            <a:pPr marL="0" indent="0">
+              <a:buNone/>
+            </a:pPr>
+            <a:r>
+              <a:rPr lang="en-US" dirty="0" smtClean="0"/>
+              <a:t>Using </a:t>
+            </a:r>
+            <a:r>
+              <a:rPr lang="en-US" dirty="0" err="1" smtClean="0"/>
+              <a:t>npm</a:t>
+            </a:r>
+            <a:r>
+              <a:rPr lang="en-US" dirty="0" smtClean="0"/>
+              <a:t> we can run the following command at the root directory of our project.</a:t>
+            </a:r>
+          </a:p>
+          <a:p>
+            <a:pPr marL="0" indent="0">
+              <a:buNone/>
+            </a:pPr>
+            <a:r>
+              <a:rPr lang="en-US" dirty="0" smtClean="0"/>
+              <a:t>				</a:t>
+            </a:r>
+            <a:r>
+              <a:rPr lang="en-US" dirty="0" err="1" smtClean="0"/>
+              <a:t>npm</a:t>
+            </a:r>
+            <a:r>
+              <a:rPr lang="en-US" dirty="0" smtClean="0"/>
+              <a:t> </a:t>
+            </a:r>
+            <a:r>
+              <a:rPr lang="en-US" dirty="0"/>
+              <a:t>install </a:t>
+            </a:r>
+            <a:r>
+              <a:rPr lang="en-US" dirty="0" smtClean="0"/>
+              <a:t>alt</a:t>
+            </a:r>
+          </a:p>
+          <a:p>
+            <a:pPr marL="0" indent="0">
+              <a:buNone/>
+            </a:pPr>
+            <a:endParaRPr lang="en-US" dirty="0" smtClean="0"/>
+          </a:p>
+          <a:p>
+            <a:pPr marL="0" indent="0">
+              <a:buNone/>
+            </a:pPr>
+            <a:r>
+              <a:rPr lang="en-US" dirty="0" smtClean="0"/>
+              <a:t>This will install the require node modules of alt to the project directory.</a:t>
             </a:r>
           </a:p>
           <a:p>
@@ -3960,200 +3984,13 @@
               <a:buNone/>
             </a:pPr>
             <a:endParaRPr lang="en-US" dirty="0"/>
-          </a:p>
-          <a:p>
-            <a:pPr marL="0" indent="0">
-              <a:buNone/>
-            </a:pPr>
-            <a:r>
-              <a:rPr lang="en-US" sz="2000" dirty="0" err="1" smtClean="0"/>
-              <a:t>my_project</a:t>
-            </a:r>
-            <a:endParaRPr lang="en-US" sz="2000" dirty="0"/>
-          </a:p>
-          <a:p>
-            <a:pPr marL="0" indent="0">
-              <a:buNone/>
-            </a:pPr>
-            <a:r>
-              <a:rPr lang="en-US" sz="2000" dirty="0"/>
-              <a:t>|--actions/</a:t>
-            </a:r>
-          </a:p>
-          <a:p>
-            <a:pPr marL="0" indent="0">
-              <a:buNone/>
-            </a:pPr>
-            <a:r>
-              <a:rPr lang="en-US" sz="2000" dirty="0"/>
-              <a:t>|  </a:t>
-            </a:r>
-            <a:r>
-              <a:rPr lang="en-US" sz="2000" dirty="0" smtClean="0"/>
-              <a:t>	|--MyActions.js </a:t>
-            </a:r>
-            <a:r>
-              <a:rPr lang="en-US" sz="2000" dirty="0" smtClean="0">
-                <a:solidFill>
-                  <a:schemeClr val="accent1">
-                    <a:lumMod val="75000"/>
-                  </a:schemeClr>
-                </a:solidFill>
-              </a:rPr>
-              <a:t>// contains the actions that needs to dispatch to the controllers</a:t>
-            </a:r>
-            <a:endParaRPr lang="en-US" sz="2000" dirty="0">
-              <a:solidFill>
-                <a:schemeClr val="accent1">
-                  <a:lumMod val="75000"/>
-                </a:schemeClr>
-              </a:solidFill>
-            </a:endParaRPr>
-          </a:p>
-          <a:p>
-            <a:pPr marL="0" indent="0">
-              <a:buNone/>
-            </a:pPr>
-            <a:r>
-              <a:rPr lang="en-US" sz="2000" dirty="0"/>
-              <a:t>|--stores/</a:t>
-            </a:r>
-          </a:p>
-          <a:p>
-            <a:pPr marL="0" indent="0">
-              <a:buNone/>
-            </a:pPr>
-            <a:r>
-              <a:rPr lang="en-US" sz="2000" dirty="0"/>
-              <a:t>|  </a:t>
-            </a:r>
-            <a:r>
-              <a:rPr lang="en-US" sz="2000" dirty="0" smtClean="0"/>
-              <a:t>	|--MyStore.js </a:t>
-            </a:r>
-            <a:r>
-              <a:rPr lang="en-US" sz="2000" dirty="0" smtClean="0">
-                <a:solidFill>
-                  <a:schemeClr val="accent1">
-                    <a:lumMod val="75000"/>
-                  </a:schemeClr>
-                </a:solidFill>
-              </a:rPr>
-              <a:t>// the data store</a:t>
-            </a:r>
-            <a:endParaRPr lang="en-US" sz="2000" dirty="0">
-              <a:solidFill>
-                <a:schemeClr val="accent1">
-                  <a:lumMod val="75000"/>
-                </a:schemeClr>
-              </a:solidFill>
-            </a:endParaRPr>
-          </a:p>
-          <a:p>
-            <a:pPr marL="0" indent="0">
-              <a:buNone/>
-            </a:pPr>
-            <a:r>
-              <a:rPr lang="en-US" sz="2000" dirty="0"/>
-              <a:t>|--components/</a:t>
-            </a:r>
-          </a:p>
-          <a:p>
-            <a:pPr marL="0" indent="0">
-              <a:buNone/>
-            </a:pPr>
-            <a:r>
-              <a:rPr lang="en-US" sz="2000" dirty="0"/>
-              <a:t>|  </a:t>
-            </a:r>
-            <a:r>
-              <a:rPr lang="en-US" sz="2000" dirty="0" smtClean="0"/>
-              <a:t>	|--MyComponent.js </a:t>
-            </a:r>
-            <a:r>
-              <a:rPr lang="en-US" sz="2000" dirty="0" smtClean="0">
-                <a:solidFill>
-                  <a:schemeClr val="accent1">
-                    <a:lumMod val="75000"/>
-                  </a:schemeClr>
-                </a:solidFill>
-              </a:rPr>
-              <a:t>// view components to render the data coming from stores</a:t>
-            </a:r>
-            <a:endParaRPr lang="en-US" sz="2000" dirty="0">
-              <a:solidFill>
-                <a:schemeClr val="accent1">
-                  <a:lumMod val="75000"/>
-                </a:schemeClr>
-              </a:solidFill>
-            </a:endParaRPr>
-          </a:p>
-          <a:p>
-            <a:pPr marL="0" indent="0">
-              <a:buNone/>
-            </a:pPr>
-            <a:r>
-              <a:rPr lang="en-US" sz="2000" dirty="0"/>
-              <a:t>|--</a:t>
-            </a:r>
-            <a:r>
-              <a:rPr lang="en-US" sz="2000" dirty="0" smtClean="0"/>
-              <a:t>alt.js </a:t>
-            </a:r>
-            <a:r>
-              <a:rPr lang="en-US" sz="2000" dirty="0" smtClean="0">
-                <a:solidFill>
-                  <a:schemeClr val="accent1">
-                    <a:lumMod val="75000"/>
-                  </a:schemeClr>
-                </a:solidFill>
-              </a:rPr>
-              <a:t>// contains the code of initializing alt object</a:t>
-            </a:r>
-            <a:endParaRPr lang="en-US" sz="2000" dirty="0">
-              <a:solidFill>
-                <a:schemeClr val="accent1">
-                  <a:lumMod val="75000"/>
-                </a:schemeClr>
-              </a:solidFill>
-            </a:endParaRPr>
-          </a:p>
-          <a:p>
-            <a:pPr marL="0" indent="0">
-              <a:buNone/>
-            </a:pPr>
-            <a:r>
-              <a:rPr lang="en-US" sz="2000" dirty="0"/>
-              <a:t>|--</a:t>
-            </a:r>
-            <a:r>
-              <a:rPr lang="en-US" sz="2000" dirty="0" smtClean="0"/>
-              <a:t>app.js </a:t>
-            </a:r>
-            <a:r>
-              <a:rPr lang="en-US" sz="2000" dirty="0" smtClean="0">
-                <a:solidFill>
-                  <a:schemeClr val="accent1">
-                    <a:lumMod val="75000"/>
-                  </a:schemeClr>
-                </a:solidFill>
-              </a:rPr>
-              <a:t>// The main starting point of the app that uses alt object</a:t>
-            </a:r>
-            <a:endParaRPr lang="en-US" sz="2000" dirty="0">
-              <a:solidFill>
-                <a:schemeClr val="accent1">
-                  <a:lumMod val="75000"/>
-                </a:schemeClr>
-              </a:solidFill>
-            </a:endParaRPr>
           </a:p>
         </p:txBody>
       </p:sp>
     </p:spTree>
     <p:extLst>
       <p:ext uri="{BB962C8B-B14F-4D97-AF65-F5344CB8AC3E}">
-        <p14:creationId xmlns:p14="http://schemas.microsoft.com/office/powerpoint/2010/main" val="737697807"/>
+        <p14:creationId xmlns:p14="http://schemas.microsoft.com/office/powerpoint/2010/main" val="339529596"/>
       </p:ext>
     </p:extLst>
   </p:cSld>
@@ -4204,7 +4041,7 @@
           <a:p>
             <a:r>
               <a:rPr lang="en-US" dirty="0" smtClean="0"/>
-              <a:t>Alt Actions</a:t>
+              <a:t>Alt Directory Structure</a:t>
             </a:r>
             <a:endParaRPr lang="en-US" dirty="0"/>
           </a:p>
@@ -4223,7 +4060,7 @@
         <p:spPr/>
         <p:txBody>
           <a:bodyPr>
-            <a:normAutofit/>
+            <a:normAutofit lnSpcReduction="10000"/>
           </a:bodyPr>
           <a:lstStyle/>
           <a:p>
@@ -4231,54 +4068,46 @@
               <a:buNone/>
             </a:pPr>
             <a:r>
-              <a:rPr lang="en-US" sz="2000" dirty="0" err="1"/>
-              <a:t>var</a:t>
-            </a:r>
+              <a:rPr lang="en-US" dirty="0" smtClean="0"/>
+              <a:t>A typical directory structure of alt look like:</a:t>
+            </a:r>
+          </a:p>
+          <a:p>
+            <a:pPr marL="0" indent="0">
+              <a:buNone/>
+            </a:pPr>
+            <a:endParaRPr lang="en-US" dirty="0"/>
+          </a:p>
+          <a:p>
+            <a:pPr marL="0" indent="0">
+              <a:buNone/>
+            </a:pPr>
+            <a:r>
+              <a:rPr lang="en-US" sz="2000" dirty="0" err="1" smtClean="0"/>
+              <a:t>my_project</a:t>
+            </a:r>
+            <a:endParaRPr lang="en-US" sz="2000" dirty="0"/>
+          </a:p>
+          <a:p>
+            <a:pPr marL="0" indent="0">
+              <a:buNone/>
+            </a:pPr>
             <a:r>
               <a:rPr lang="en-US" sz="2000" dirty="0"/>
-              <a:t> alt = require('../alt</a:t>
+              <a:t>|--actions/</a:t>
+            </a:r>
+          </a:p>
+          <a:p>
+            <a:pPr marL="0" indent="0">
+              <a:buNone/>
+            </a:pPr>
+            <a:r>
+              <a:rPr lang="en-US" sz="2000" dirty="0"/>
+              <a:t>|  </a:t>
             </a:r>
             <a:r>
               <a:rPr lang="en-US" sz="2000" dirty="0" smtClean="0"/>
-              <a:t>');</a:t>
-            </a:r>
-          </a:p>
-          <a:p>
-            <a:pPr marL="0" indent="0">
-              <a:buNone/>
-            </a:pPr>
-            <a:r>
-              <a:rPr lang="en-US" sz="2000" dirty="0" smtClean="0"/>
-              <a:t>class </a:t>
-            </a:r>
-            <a:r>
-              <a:rPr lang="en-US" sz="2000" dirty="0" err="1" smtClean="0"/>
-              <a:t>CustomerActions</a:t>
-            </a:r>
-            <a:r>
-              <a:rPr lang="en-US" sz="2000" dirty="0" smtClean="0"/>
-              <a:t> </a:t>
-            </a:r>
-            <a:r>
-              <a:rPr lang="en-US" sz="2000" dirty="0"/>
-              <a:t>{</a:t>
-            </a:r>
-          </a:p>
-          <a:p>
-            <a:pPr marL="0" indent="0">
-              <a:buNone/>
-            </a:pPr>
-            <a:r>
-              <a:rPr lang="en-US" sz="2000" dirty="0"/>
-              <a:t>  </a:t>
-            </a:r>
-            <a:r>
-              <a:rPr lang="en-US" sz="2000" dirty="0" err="1" smtClean="0"/>
-              <a:t>updateCustomers</a:t>
-            </a:r>
-            <a:r>
-              <a:rPr lang="en-US" sz="2000" dirty="0" smtClean="0"/>
-              <a:t>(customers) { </a:t>
+              <a:t>	|--MyActions.js </a:t>
             </a:r>
             <a:r>
               <a:rPr lang="en-US" sz="2000" dirty="0" smtClean="0">
@@ -4288,7 +4117,7 @@
                   </a:schemeClr>
                 </a:solidFill>
               </a:rPr>
-              <a:t>//an action getting the customers payload</a:t>
+              <a:t>// contains the actions that needs to dispatch to the controllers</a:t>
             </a:r>
             <a:endParaRPr lang="en-US" sz="2000" dirty="0">
               <a:solidFill>
@@ -4304,11 +4133,20 @@
             </a:pPr>
             <a:r>
               <a:rPr lang="en-US" sz="2000" dirty="0"/>
-              <a:t>    return customers</a:t>
+              <a:t>|--stores/</a:t>
+            </a:r>
+          </a:p>
+          <a:p>
+            <a:pPr marL="0" indent="0">
+              <a:buNone/>
+            </a:pPr>
+            <a:r>
+              <a:rPr lang="en-US" sz="2000" dirty="0"/>
+              <a:t>|  </a:t>
             </a:r>
             <a:r>
               <a:rPr lang="en-US" sz="2000" dirty="0" smtClean="0"/>
-              <a:t>; </a:t>
+              <a:t>	|--MyStore.js </a:t>
             </a:r>
             <a:r>
               <a:rPr lang="en-US" sz="2000" dirty="0" smtClean="0">
@@ -4318,17 +4156,36 @@
                   </a:schemeClr>
                 </a:solidFill>
               </a:rPr>
-              <a:t>//or we can use </a:t>
-            </a:r>
-            <a:r>
-              <a:rPr lang="en-US" sz="2000" dirty="0" err="1" smtClean="0">
-                <a:solidFill>
-                  <a:schemeClr val="accent1">
-                    <a:lumMod val="75000"/>
-                  </a:schemeClr>
-                </a:solidFill>
-              </a:rPr>
-              <a:t>this.dispatch</a:t>
+              <a:t>// the data store</a:t>
+            </a:r>
+            <a:endParaRPr lang="en-US" sz="2000" dirty="0">
+              <a:solidFill>
+                <a:schemeClr val="accent1">
+                  <a:lumMod val="75000"/>
+                </a:schemeClr>
+              </a:solidFill>
+            </a:endParaRPr>
+          </a:p>
+          <a:p>
+            <a:pPr marL="0" indent="0">
+              <a:buNone/>
+            </a:pPr>
+            <a:r>
+              <a:rPr lang="en-US" sz="2000" dirty="0"/>
+              <a:t>|--components/</a:t>
+            </a:r>
+          </a:p>
+          <a:p>
+            <a:pPr marL="0" indent="0">
+              <a:buNone/>
+            </a:pPr>
+            <a:r>
+              <a:rPr lang="en-US" sz="2000" dirty="0"/>
+              <a:t>|  </a:t>
+            </a:r>
+            <a:r>
+              <a:rPr lang="en-US" sz="2000" dirty="0" smtClean="0"/>
+              <a:t>	|--MyComponent.js </a:t>
             </a:r>
             <a:r>
               <a:rPr lang="en-US" sz="2000" dirty="0" smtClean="0">
@@ -4338,7 +4195,7 @@
                   </a:schemeClr>
                 </a:solidFill>
               </a:rPr>
-              <a:t>(customers) to dispatch this action</a:t>
+              <a:t>// view components to render the data coming from stores</a:t>
             </a:r>
             <a:endParaRPr lang="en-US" sz="2000" dirty="0">
               <a:solidFill>
@@ -4354,50 +4211,11 @@
             </a:pPr>
             <a:r>
               <a:rPr lang="en-US" sz="2000" dirty="0"/>
-              <a:t>  }</a:t>
-            </a:r>
-          </a:p>
-          <a:p>
-            <a:pPr marL="0" indent="0">
-              <a:buNone/>
-            </a:pPr>
+              <a:t>|--</a:t>
+            </a:r>
             <a:r>
               <a:rPr lang="en-US" sz="2000" dirty="0" smtClean="0"/>
-              <a:t>}</a:t>
-            </a:r>
-            <a:endParaRPr lang="en-US" sz="2000" dirty="0"/>
-          </a:p>
-          <a:p>
-            <a:pPr marL="0" indent="0">
-              <a:buNone/>
-            </a:pPr>
-            <a:r>
-              <a:rPr lang="en-US" sz="2000" dirty="0" err="1" smtClean="0"/>
-              <a:t>module.exports</a:t>
-            </a:r>
-            <a:r>
-              <a:rPr lang="en-US" sz="2000" dirty="0" smtClean="0"/>
-              <a:t> </a:t>
-            </a:r>
-            <a:r>
-              <a:rPr lang="en-US" sz="2000" dirty="0"/>
-              <a:t>= </a:t>
-            </a:r>
-            <a:r>
-              <a:rPr lang="en-US" sz="2000" dirty="0" err="1" smtClean="0"/>
-              <a:t>alt.createActions</a:t>
-            </a:r>
-            <a:r>
-              <a:rPr lang="en-US" sz="2000" dirty="0" smtClean="0"/>
-              <a:t>(</a:t>
-            </a:r>
-            <a:r>
-              <a:rPr lang="en-US" sz="2000" dirty="0" err="1" smtClean="0"/>
-              <a:t>CustomerActions</a:t>
-            </a:r>
-            <a:r>
-              <a:rPr lang="en-US" sz="2000" dirty="0" smtClean="0"/>
-              <a:t>); </a:t>
+              <a:t>alt.js </a:t>
             </a:r>
             <a:r>
               <a:rPr lang="en-US" sz="2000" dirty="0" smtClean="0">
@@ -4407,51 +4225,52 @@
                   </a:schemeClr>
                 </a:solidFill>
               </a:rPr>
-              <a:t>//this will create the actions and export it as 						       module</a:t>
-            </a:r>
-          </a:p>
-          <a:p>
-            <a:pPr marL="0" indent="0">
-              <a:buNone/>
-            </a:pPr>
-            <a:endParaRPr lang="en-US" sz="2000" dirty="0"/>
-          </a:p>
-          <a:p>
-            <a:pPr marL="0" indent="0">
-              <a:buNone/>
-            </a:pPr>
-            <a:r>
-              <a:rPr lang="en-US" sz="2000" b="1" dirty="0" smtClean="0"/>
-              <a:t>NOTE:</a:t>
+              <a:t>// contains the code of initializing alt object</a:t>
+            </a:r>
+            <a:endParaRPr lang="en-US" sz="2000" dirty="0">
+              <a:solidFill>
+                <a:schemeClr val="accent1">
+                  <a:lumMod val="75000"/>
+                </a:schemeClr>
+              </a:solidFill>
+            </a:endParaRPr>
+          </a:p>
+          <a:p>
+            <a:pPr marL="0" indent="0">
+              <a:buNone/>
+            </a:pPr>
+            <a:r>
+              <a:rPr lang="en-US" sz="2000" dirty="0"/>
+              <a:t>|--</a:t>
             </a:r>
             <a:r>
               <a:rPr lang="en-US" sz="2000" dirty="0" smtClean="0"/>
-              <a:t> Alt is meant to use the ES6 syntax of class and constructors . But we can convert it to ES5 syntax using a </a:t>
-            </a:r>
-            <a:r>
-              <a:rPr lang="en-US" sz="2000" dirty="0" err="1" smtClean="0"/>
-              <a:t>javascript</a:t>
-            </a:r>
-            <a:r>
-              <a:rPr lang="en-US" sz="2000" dirty="0" smtClean="0"/>
-              <a:t> </a:t>
-            </a:r>
-            <a:r>
-              <a:rPr lang="en-US" sz="2000" dirty="0" err="1" smtClean="0"/>
-              <a:t>utitilty</a:t>
-            </a:r>
-            <a:r>
-              <a:rPr lang="en-US" sz="2000" dirty="0" smtClean="0"/>
-              <a:t>. </a:t>
-            </a:r>
-            <a:endParaRPr lang="en-US" sz="2000" b="1" dirty="0"/>
+              <a:t>app.js </a:t>
+            </a:r>
+            <a:r>
+              <a:rPr lang="en-US" sz="2000" dirty="0" smtClean="0">
+                <a:solidFill>
+                  <a:schemeClr val="accent1">
+                    <a:lumMod val="75000"/>
+                  </a:schemeClr>
+                </a:solidFill>
+              </a:rPr>
+              <a:t>// The main starting point of the app that uses alt object</a:t>
+            </a:r>
+            <a:endParaRPr lang="en-US" sz="2000" dirty="0">
+              <a:solidFill>
+                <a:schemeClr val="accent1">
+                  <a:lumMod val="75000"/>
+                </a:schemeClr>
+              </a:solidFill>
+            </a:endParaRPr>
           </a:p>
         </p:txBody>
       </p:sp>
     </p:spTree>
     <p:extLst>
       <p:ext uri="{BB962C8B-B14F-4D97-AF65-F5344CB8AC3E}">
-        <p14:creationId xmlns:p14="http://schemas.microsoft.com/office/powerpoint/2010/main" val="1021464198"/>
+        <p14:creationId xmlns:p14="http://schemas.microsoft.com/office/powerpoint/2010/main" val="737697807"/>
       </p:ext>
     </p:extLst>
   </p:cSld>
@@ -4502,7 +4321,7 @@
           <a:p>
             <a:r>
               <a:rPr lang="en-US" dirty="0" smtClean="0"/>
-              <a:t>Alt Stores</a:t>
+              <a:t>Alt Actions</a:t>
             </a:r>
             <a:endParaRPr lang="en-US" dirty="0"/>
           </a:p>
@@ -4521,7 +4340,7 @@
         <p:spPr/>
         <p:txBody>
           <a:bodyPr>
-            <a:normAutofit fontScale="85000" lnSpcReduction="20000"/>
+            <a:normAutofit/>
           </a:bodyPr>
           <a:lstStyle/>
           <a:p>
@@ -4529,61 +4348,66 @@
               <a:buNone/>
             </a:pPr>
             <a:r>
-              <a:rPr lang="en-US" sz="1600" dirty="0" err="1"/>
+              <a:rPr lang="en-US" sz="2000" dirty="0" err="1"/>
               <a:t>var</a:t>
             </a:r>
             <a:r>
-              <a:rPr lang="en-US" sz="1600" dirty="0"/>
-              <a:t> alt = require('../alt');</a:t>
-            </a:r>
-          </a:p>
-          <a:p>
-            <a:pPr marL="0" indent="0">
-              <a:buNone/>
-            </a:pPr>
-            <a:r>
-              <a:rPr lang="en-US" sz="1600" dirty="0" err="1"/>
-              <a:t>var</a:t>
-            </a:r>
-            <a:r>
-              <a:rPr lang="en-US" sz="1600" dirty="0"/>
+              <a:rPr lang="en-US" sz="2000" dirty="0"/>
+              <a:t> alt = require('../alt</a:t>
+            </a:r>
+            <a:r>
+              <a:rPr lang="en-US" sz="2000" dirty="0" smtClean="0"/>
+              <a:t>');</a:t>
+            </a:r>
+          </a:p>
+          <a:p>
+            <a:pPr marL="0" indent="0">
+              <a:buNone/>
+            </a:pPr>
+            <a:r>
+              <a:rPr lang="en-US" sz="2000" dirty="0" smtClean="0"/>
+              <a:t>class </a:t>
+            </a:r>
+            <a:r>
+              <a:rPr lang="en-US" sz="2000" dirty="0" err="1" smtClean="0"/>
+              <a:t>CustomerActions</a:t>
+            </a:r>
+            <a:r>
+              <a:rPr lang="en-US" sz="2000" dirty="0" smtClean="0"/>
               <a:t> </a:t>
             </a:r>
             <a:r>
-              <a:rPr lang="en-US" sz="1600" dirty="0" err="1" smtClean="0"/>
-              <a:t>CustomerActions</a:t>
-            </a:r>
-            <a:r>
-              <a:rPr lang="en-US" sz="1600" dirty="0" smtClean="0"/>
-              <a:t> </a:t>
-            </a:r>
-            <a:r>
-              <a:rPr lang="en-US" sz="1600" dirty="0"/>
-              <a:t>= require('../</a:t>
-            </a:r>
-            <a:r>
-              <a:rPr lang="en-US" sz="1600" dirty="0" smtClean="0"/>
-              <a:t>actions/</a:t>
-            </a:r>
-            <a:r>
-              <a:rPr lang="en-US" sz="1600" dirty="0" err="1" smtClean="0"/>
-              <a:t>CustomerActions</a:t>
-            </a:r>
-            <a:r>
-              <a:rPr lang="en-US" sz="1600" dirty="0" smtClean="0"/>
-              <a:t>'); </a:t>
-            </a:r>
-            <a:r>
-              <a:rPr lang="en-US" sz="1600" dirty="0" smtClean="0">
+              <a:rPr lang="en-US" sz="2000" dirty="0"/>
+              <a:t>{</a:t>
+            </a:r>
+          </a:p>
+          <a:p>
+            <a:pPr marL="0" indent="0">
+              <a:buNone/>
+            </a:pPr>
+            <a:r>
+              <a:rPr lang="en-US" sz="2000" dirty="0"/>
+              <a:t>  </a:t>
+            </a:r>
+            <a:r>
+              <a:rPr lang="en-US" sz="2000" dirty="0" err="1" smtClean="0"/>
+              <a:t>updateCustomers</a:t>
+            </a:r>
+            <a:r>
+              <a:rPr lang="en-US" sz="2000" dirty="0" smtClean="0"/>
+              <a:t>(customers) { </a:t>
+            </a:r>
+            <a:r>
+              <a:rPr lang="en-US" sz="2000" dirty="0" smtClean="0">
                 <a:solidFill>
                   <a:schemeClr val="accent1">
                     <a:lumMod val="75000"/>
                   </a:schemeClr>
                 </a:solidFill>
               </a:rPr>
-              <a:t>//Loading the created customer actions</a:t>
-            </a:r>
-            <a:endParaRPr lang="en-US" sz="1600" dirty="0">
+              <a:t>//an action getting the customers payload</a:t>
+            </a:r>
+            <a:endParaRPr lang="en-US" sz="2000" dirty="0">
               <a:solidFill>
                 <a:schemeClr val="accent1">
                   <a:lumMod val="75000"/>
@@ -4596,28 +4420,44 @@
               <a:buNone/>
             </a:pPr>
             <a:r>
-              <a:rPr lang="en-US" sz="1600" dirty="0"/>
-              <a:t>class </a:t>
-            </a:r>
-            <a:r>
-              <a:rPr lang="en-US" sz="1600" dirty="0" err="1" smtClean="0"/>
-              <a:t>CustomerStore</a:t>
-            </a:r>
-            <a:r>
-              <a:rPr lang="en-US" sz="1600" dirty="0" smtClean="0"/>
-              <a:t> { </a:t>
-            </a:r>
-            <a:r>
-              <a:rPr lang="en-US" sz="1600" dirty="0" smtClean="0">
+              <a:rPr lang="en-US" sz="2000" dirty="0"/>
+              <a:t>    return customers</a:t>
+            </a:r>
+            <a:r>
+              <a:rPr lang="en-US" sz="2000" dirty="0" smtClean="0"/>
+              <a:t>; </a:t>
+            </a:r>
+            <a:r>
+              <a:rPr lang="en-US" sz="2000" dirty="0" smtClean="0">
                 <a:solidFill>
                   <a:schemeClr val="accent1">
                     <a:lumMod val="75000"/>
                   </a:schemeClr>
                 </a:solidFill>
               </a:rPr>
-              <a:t>//defining store class</a:t>
-            </a:r>
-            <a:endParaRPr lang="en-US" sz="1600" dirty="0">
+              <a:t>//or we can use </a:t>
+            </a:r>
+            <a:r>
+              <a:rPr lang="en-US" sz="2000" dirty="0" err="1" smtClean="0">
+                <a:solidFill>
+                  <a:schemeClr val="accent1">
+                    <a:lumMod val="75000"/>
+                  </a:schemeClr>
+                </a:solidFill>
+              </a:rPr>
+              <a:t>this.dispatch</a:t>
+            </a:r>
+            <a:r>
+              <a:rPr lang="en-US" sz="2000" dirty="0" smtClean="0">
+                <a:solidFill>
+                  <a:schemeClr val="accent1">
+                    <a:lumMod val="75000"/>
+                  </a:schemeClr>
+                </a:solidFill>
+              </a:rPr>
+              <a:t>(customers) to dispatch this action</a:t>
+            </a:r>
+            <a:endParaRPr lang="en-US" sz="2000" dirty="0">
               <a:solidFill>
                 <a:schemeClr val="accent1">
                   <a:lumMod val="75000"/>
@@ -4630,321 +4470,105 @@
               <a:buNone/>
             </a:pPr>
             <a:r>
-              <a:rPr lang="en-US" sz="1600" dirty="0"/>
-              <a:t>  constructor() {</a:t>
-            </a:r>
-          </a:p>
-          <a:p>
-            <a:pPr marL="0" indent="0">
-              <a:buNone/>
-            </a:pPr>
-            <a:r>
-              <a:rPr lang="en-US" sz="1600" dirty="0"/>
-              <a:t>    </a:t>
-            </a:r>
-            <a:r>
-              <a:rPr lang="en-US" sz="1600" dirty="0" err="1" smtClean="0"/>
-              <a:t>this.customers</a:t>
-            </a:r>
-            <a:r>
-              <a:rPr lang="en-US" sz="1600" dirty="0" smtClean="0"/>
+              <a:rPr lang="en-US" sz="2000" dirty="0"/>
+              <a:t>  }</a:t>
+            </a:r>
+          </a:p>
+          <a:p>
+            <a:pPr marL="0" indent="0">
+              <a:buNone/>
+            </a:pPr>
+            <a:r>
+              <a:rPr lang="en-US" sz="2000" dirty="0" smtClean="0"/>
+              <a:t>}</a:t>
+            </a:r>
+            <a:endParaRPr lang="en-US" sz="2000" dirty="0"/>
+          </a:p>
+          <a:p>
+            <a:pPr marL="0" indent="0">
+              <a:buNone/>
+            </a:pPr>
+            <a:r>
+              <a:rPr lang="en-US" sz="2000" dirty="0" err="1" smtClean="0"/>
+              <a:t>module.exports</a:t>
+            </a:r>
+            <a:r>
+              <a:rPr lang="en-US" sz="2000" dirty="0" smtClean="0"/>
               <a:t> </a:t>
             </a:r>
             <a:r>
-              <a:rPr lang="en-US" sz="1600" dirty="0"/>
+              <a:rPr lang="en-US" sz="2000" dirty="0"/>
               <a:t>= </a:t>
             </a:r>
             <a:r>
-              <a:rPr lang="en-US" sz="1600" dirty="0" smtClean="0"/>
-              <a:t>[]; </a:t>
-            </a:r>
-            <a:r>
-              <a:rPr lang="en-US" sz="1600" dirty="0" smtClean="0">
+              <a:rPr lang="en-US" sz="2000" dirty="0" err="1" smtClean="0"/>
+              <a:t>alt.createActions</a:t>
+            </a:r>
+            <a:r>
+              <a:rPr lang="en-US" sz="2000" dirty="0" smtClean="0"/>
+              <a:t>(</a:t>
+            </a:r>
+            <a:r>
+              <a:rPr lang="en-US" sz="2000" dirty="0" err="1" smtClean="0"/>
+              <a:t>CustomerActions</a:t>
+            </a:r>
+            <a:r>
+              <a:rPr lang="en-US" sz="2000" dirty="0" smtClean="0"/>
+              <a:t>); </a:t>
+            </a:r>
+            <a:r>
+              <a:rPr lang="en-US" sz="2000" dirty="0" smtClean="0">
                 <a:solidFill>
                   <a:schemeClr val="accent1">
                     <a:lumMod val="75000"/>
                   </a:schemeClr>
                 </a:solidFill>
               </a:rPr>
-              <a:t>//any class member defines inside the store constructors will be treated as store’s state variables</a:t>
-            </a:r>
-            <a:endParaRPr lang="en-US" sz="1600" dirty="0">
-              <a:solidFill>
-                <a:schemeClr val="accent1">
-                  <a:lumMod val="75000"/>
-                </a:schemeClr>
-              </a:solidFill>
-            </a:endParaRPr>
-          </a:p>
-          <a:p>
-            <a:pPr marL="0" indent="0">
-              <a:buNone/>
-            </a:pPr>
-            <a:endParaRPr lang="en-US" sz="1600" dirty="0"/>
-          </a:p>
-          <a:p>
-            <a:pPr marL="0" indent="0">
-              <a:buNone/>
-            </a:pPr>
-            <a:r>
-              <a:rPr lang="en-US" sz="1600" dirty="0"/>
-              <a:t>    </a:t>
-            </a:r>
-            <a:r>
-              <a:rPr lang="en-US" sz="1600" dirty="0" err="1"/>
-              <a:t>this.bindListeners</a:t>
-            </a:r>
-            <a:r>
-              <a:rPr lang="en-US" sz="1600" dirty="0"/>
-              <a:t>({</a:t>
-            </a:r>
-          </a:p>
-          <a:p>
-            <a:pPr marL="0" indent="0">
-              <a:buNone/>
-            </a:pPr>
-            <a:r>
-              <a:rPr lang="en-US" sz="1600" dirty="0"/>
-              <a:t>      </a:t>
-            </a:r>
-            <a:r>
-              <a:rPr lang="en-US" sz="1600" dirty="0" err="1" smtClean="0"/>
-              <a:t>handleUpdateCustomers</a:t>
-            </a:r>
-            <a:r>
-              <a:rPr lang="en-US" sz="1600" dirty="0" smtClean="0"/>
-              <a:t>: </a:t>
-            </a:r>
-            <a:r>
-              <a:rPr lang="en-US" sz="1600" dirty="0" err="1" smtClean="0"/>
-              <a:t>LocationActions.updateCustomers</a:t>
-            </a:r>
-            <a:r>
-              <a:rPr lang="en-US" sz="1600" dirty="0" smtClean="0"/>
+              <a:t>//this will create the actions and export it as 						       module</a:t>
+            </a:r>
+          </a:p>
+          <a:p>
+            <a:pPr marL="0" indent="0">
+              <a:buNone/>
+            </a:pPr>
+            <a:endParaRPr lang="en-US" sz="2000" dirty="0"/>
+          </a:p>
+          <a:p>
+            <a:pPr marL="0" indent="0">
+              <a:buNone/>
+            </a:pPr>
+            <a:r>
+              <a:rPr lang="en-US" sz="2000" b="1" dirty="0" smtClean="0"/>
+              <a:t>NOTE:</a:t>
+            </a:r>
+            <a:r>
+              <a:rPr lang="en-US" sz="2000" dirty="0" smtClean="0"/>
+              <a:t> Alt is meant to use the ES6 syntax of class and constructors . But we can convert it to ES5 syntax using a </a:t>
+            </a:r>
+            <a:r>
+              <a:rPr lang="en-US" sz="2000" dirty="0" err="1" smtClean="0"/>
+              <a:t>javascript</a:t>
+            </a:r>
+            <a:r>
+              <a:rPr lang="en-US" sz="2000" dirty="0" smtClean="0"/>
               <a:t> </a:t>
             </a:r>
             <a:r>
-              <a:rPr lang="en-US" sz="1600" dirty="0" smtClean="0">
-                <a:solidFill>
-                  <a:schemeClr val="accent1">
-                    <a:lumMod val="75000"/>
-                  </a:schemeClr>
-                </a:solidFill>
-              </a:rPr>
-              <a:t>// binding the stores callback to the action. So whenever the action is 	</a:t>
-            </a:r>
-            <a:r>
-              <a:rPr lang="en-US" sz="1600" dirty="0" smtClean="0"/>
-              <a:t>					</a:t>
-            </a:r>
-            <a:r>
-              <a:rPr lang="en-US" sz="1600" dirty="0" smtClean="0">
-                <a:solidFill>
-                  <a:schemeClr val="accent1">
-                    <a:lumMod val="75000"/>
-                  </a:schemeClr>
-                </a:solidFill>
-              </a:rPr>
-              <a:t>      dispatched it will be handle by the callback </a:t>
-            </a:r>
-            <a:endParaRPr lang="en-US" sz="1600" dirty="0">
-              <a:solidFill>
-                <a:schemeClr val="accent1">
-                  <a:lumMod val="75000"/>
-                </a:schemeClr>
-              </a:solidFill>
-            </a:endParaRPr>
-          </a:p>
-          <a:p>
-            <a:pPr marL="0" indent="0">
-              <a:buNone/>
-            </a:pPr>
-            <a:r>
-              <a:rPr lang="en-US" sz="1600" dirty="0"/>
-              <a:t>    });</a:t>
-            </a:r>
-          </a:p>
-          <a:p>
-            <a:pPr marL="0" indent="0">
-              <a:buNone/>
-            </a:pPr>
-            <a:r>
-              <a:rPr lang="en-US" sz="1600" dirty="0"/>
-              <a:t>  </a:t>
-            </a:r>
-            <a:r>
-              <a:rPr lang="en-US" sz="1600" dirty="0" smtClean="0"/>
-              <a:t>}</a:t>
-            </a:r>
-            <a:endParaRPr lang="en-US" sz="1600" dirty="0"/>
-          </a:p>
-          <a:p>
-            <a:pPr marL="0" indent="0">
-              <a:buNone/>
-            </a:pPr>
-            <a:r>
-              <a:rPr lang="en-US" sz="1600" dirty="0"/>
-              <a:t>  </a:t>
-            </a:r>
-            <a:r>
-              <a:rPr lang="en-US" sz="1600" dirty="0" err="1" smtClean="0"/>
-              <a:t>handleUpdateCustomers</a:t>
-            </a:r>
-            <a:r>
-              <a:rPr lang="en-US" sz="1600" dirty="0" smtClean="0"/>
-              <a:t>(customers) { </a:t>
-            </a:r>
-            <a:r>
-              <a:rPr lang="en-US" sz="1600" dirty="0" smtClean="0">
-                <a:solidFill>
-                  <a:schemeClr val="accent1">
-                    <a:lumMod val="75000"/>
-                  </a:schemeClr>
-                </a:solidFill>
-              </a:rPr>
-              <a:t>//the callback of </a:t>
-            </a:r>
-            <a:r>
-              <a:rPr lang="en-US" sz="1600" dirty="0" err="1" smtClean="0">
-                <a:solidFill>
-                  <a:schemeClr val="accent1">
-                    <a:lumMod val="75000"/>
-                  </a:schemeClr>
-                </a:solidFill>
-              </a:rPr>
-              <a:t>updateCustomers</a:t>
-            </a:r>
-            <a:r>
-              <a:rPr lang="en-US" sz="1600" dirty="0" smtClean="0">
-                <a:solidFill>
-                  <a:schemeClr val="accent1">
-                    <a:lumMod val="75000"/>
-                  </a:schemeClr>
-                </a:solidFill>
-              </a:rPr>
-              <a:t> action</a:t>
-            </a:r>
-            <a:endParaRPr lang="en-US" sz="1600" dirty="0">
-              <a:solidFill>
-                <a:schemeClr val="accent1">
-                  <a:lumMod val="75000"/>
-                </a:schemeClr>
-              </a:solidFill>
-            </a:endParaRPr>
-          </a:p>
-          <a:p>
-            <a:pPr marL="0" indent="0">
-              <a:buNone/>
-            </a:pPr>
-            <a:r>
-              <a:rPr lang="en-US" sz="1600" dirty="0"/>
-              <a:t>    this</a:t>
-            </a:r>
-            <a:r>
-              <a:rPr lang="en-US" sz="1600" dirty="0" smtClean="0"/>
-              <a:t>.</a:t>
-            </a:r>
-            <a:r>
-              <a:rPr lang="en-US" sz="1600" dirty="0"/>
-              <a:t> customers</a:t>
-            </a:r>
-            <a:r>
-              <a:rPr lang="en-US" sz="1600" dirty="0" smtClean="0"/>
-              <a:t> </a:t>
-            </a:r>
-            <a:r>
-              <a:rPr lang="en-US" sz="1600" dirty="0"/>
-              <a:t>= customers</a:t>
-            </a:r>
-            <a:r>
-              <a:rPr lang="en-US" sz="1600" dirty="0" smtClean="0"/>
-              <a:t>;</a:t>
-            </a:r>
-            <a:endParaRPr lang="en-US" sz="1600" dirty="0"/>
-          </a:p>
-          <a:p>
-            <a:pPr marL="0" indent="0">
-              <a:buNone/>
-            </a:pPr>
-            <a:r>
-              <a:rPr lang="en-US" sz="1600" dirty="0"/>
-              <a:t>  }</a:t>
-            </a:r>
-          </a:p>
-          <a:p>
-            <a:pPr marL="0" indent="0">
-              <a:buNone/>
-            </a:pPr>
-            <a:r>
-              <a:rPr lang="en-US" sz="1600" dirty="0" smtClean="0"/>
-              <a:t>}</a:t>
-            </a:r>
-            <a:endParaRPr lang="en-US" sz="1600" dirty="0"/>
-          </a:p>
-          <a:p>
-            <a:pPr marL="0" indent="0">
-              <a:buNone/>
-            </a:pPr>
-            <a:r>
-              <a:rPr lang="en-US" sz="1600" dirty="0" err="1"/>
-              <a:t>module.exports</a:t>
-            </a:r>
-            <a:r>
-              <a:rPr lang="en-US" sz="1600" dirty="0"/>
-              <a:t> = </a:t>
-            </a:r>
-            <a:r>
-              <a:rPr lang="en-US" sz="1600" dirty="0" err="1" smtClean="0"/>
-              <a:t>alt.createStore</a:t>
-            </a:r>
-            <a:r>
-              <a:rPr lang="en-US" sz="1600" dirty="0" smtClean="0"/>
-              <a:t>(</a:t>
-            </a:r>
-            <a:r>
-              <a:rPr lang="en-US" sz="1600" dirty="0" err="1" smtClean="0"/>
-              <a:t>CustomerStore</a:t>
-            </a:r>
-            <a:r>
-              <a:rPr lang="en-US" sz="1600" dirty="0"/>
-              <a:t>, </a:t>
-            </a:r>
-            <a:r>
-              <a:rPr lang="en-US" sz="1600" dirty="0" smtClean="0"/>
-              <a:t>‘</a:t>
-            </a:r>
-            <a:r>
-              <a:rPr lang="en-US" sz="1600" dirty="0" err="1" smtClean="0"/>
-              <a:t>CustomerStore</a:t>
-            </a:r>
-            <a:r>
-              <a:rPr lang="en-US" sz="1600" dirty="0" smtClean="0"/>
-              <a:t>'); </a:t>
-            </a:r>
-            <a:r>
-              <a:rPr lang="en-US" sz="1600" dirty="0" smtClean="0">
-                <a:solidFill>
-                  <a:schemeClr val="accent1">
-                    <a:lumMod val="75000"/>
-                  </a:schemeClr>
-                </a:solidFill>
-              </a:rPr>
-              <a:t>//creating the class as alt store and export it</a:t>
-            </a:r>
-            <a:endParaRPr lang="en-US" sz="1600" dirty="0">
-              <a:solidFill>
-                <a:schemeClr val="accent1">
-                  <a:lumMod val="75000"/>
-                </a:schemeClr>
-              </a:solidFill>
-            </a:endParaRPr>
+              <a:rPr lang="en-US" sz="2000" dirty="0" err="1" smtClean="0"/>
+              <a:t>utitilty</a:t>
+            </a:r>
+            <a:r>
+              <a:rPr lang="en-US" sz="2000" dirty="0" smtClean="0"/>
+              <a:t>. </a:t>
+            </a:r>
+            <a:endParaRPr lang="en-US" sz="2000" b="1" dirty="0"/>
           </a:p>
         </p:txBody>
       </p:sp>
     </p:spTree>
     <p:extLst>
       <p:ext uri="{BB962C8B-B14F-4D97-AF65-F5344CB8AC3E}">
-        <p14:creationId xmlns:p14="http://schemas.microsoft.com/office/powerpoint/2010/main" val="2147216500"/>
+        <p14:creationId xmlns:p14="http://schemas.microsoft.com/office/powerpoint/2010/main" val="1021464198"/>
       </p:ext>
     </p:extLst>
   </p:cSld>
@@ -4995,6 +4619,499 @@
           <a:p>
             <a:r>
               <a:rPr lang="en-US" dirty="0" smtClean="0"/>
+              <a:t>Alt Stores</a:t>
+            </a:r>
+            <a:endParaRPr lang="en-US" dirty="0"/>
+          </a:p>
+        </p:txBody>
+      </p:sp>
+      <p:sp>
+        <p:nvSpPr>
+          <p:cNvPr id="3" name="Content Placeholder 2"/>
+          <p:cNvSpPr>
+            <a:spLocks noGrp="1"/>
+          </p:cNvSpPr>
+          <p:nvPr>
+            <p:ph idx="1"/>
+          </p:nvPr>
+        </p:nvSpPr>
+        <p:spPr/>
+        <p:txBody>
+          <a:bodyPr>
+            <a:normAutofit fontScale="85000" lnSpcReduction="20000"/>
+          </a:bodyPr>
+          <a:lstStyle/>
+          <a:p>
+            <a:pPr marL="0" indent="0">
+              <a:buNone/>
+            </a:pPr>
+            <a:r>
+              <a:rPr lang="en-US" sz="1600" dirty="0" err="1"/>
+              <a:t>var</a:t>
+            </a:r>
+            <a:r>
+              <a:rPr lang="en-US" sz="1600" dirty="0"/>
+              <a:t> alt = require('../alt');</a:t>
+            </a:r>
+          </a:p>
+          <a:p>
+            <a:pPr marL="0" indent="0">
+              <a:buNone/>
+            </a:pPr>
+            <a:r>
+              <a:rPr lang="en-US" sz="1600" dirty="0" err="1"/>
+              <a:t>var</a:t>
+            </a:r>
+            <a:r>
+              <a:rPr lang="en-US" sz="1600" dirty="0"/>
+              <a:t> </a:t>
+            </a:r>
+            <a:r>
+              <a:rPr lang="en-US" sz="1600" dirty="0" err="1" smtClean="0"/>
+              <a:t>CustomerActions</a:t>
+            </a:r>
+            <a:r>
+              <a:rPr lang="en-US" sz="1600" dirty="0" smtClean="0"/>
+              <a:t> </a:t>
+            </a:r>
+            <a:r>
+              <a:rPr lang="en-US" sz="1600" dirty="0"/>
+              <a:t>= require('../</a:t>
+            </a:r>
+            <a:r>
+              <a:rPr lang="en-US" sz="1600" dirty="0" smtClean="0"/>
+              <a:t>actions/</a:t>
+            </a:r>
+            <a:r>
+              <a:rPr lang="en-US" sz="1600" dirty="0" err="1" smtClean="0"/>
+              <a:t>CustomerActions</a:t>
+            </a:r>
+            <a:r>
+              <a:rPr lang="en-US" sz="1600" dirty="0" smtClean="0"/>
+              <a:t>'); </a:t>
+            </a:r>
+            <a:r>
+              <a:rPr lang="en-US" sz="1600" dirty="0" smtClean="0">
+                <a:solidFill>
+                  <a:schemeClr val="accent1">
+                    <a:lumMod val="75000"/>
+                  </a:schemeClr>
+                </a:solidFill>
+              </a:rPr>
+              <a:t>//Loading the created customer actions</a:t>
+            </a:r>
+            <a:endParaRPr lang="en-US" sz="1600" dirty="0">
+              <a:solidFill>
+                <a:schemeClr val="accent1">
+                  <a:lumMod val="75000"/>
+                </a:schemeClr>
+              </a:solidFill>
+            </a:endParaRPr>
+          </a:p>
+          <a:p>
+            <a:pPr marL="0" indent="0">
+              <a:buNone/>
+            </a:pPr>
+            <a:r>
+              <a:rPr lang="en-US" sz="1600" dirty="0"/>
+              <a:t>class </a:t>
+            </a:r>
+            <a:r>
+              <a:rPr lang="en-US" sz="1600" dirty="0" err="1" smtClean="0"/>
+              <a:t>CustomerStore</a:t>
+            </a:r>
+            <a:r>
+              <a:rPr lang="en-US" sz="1600" dirty="0" smtClean="0"/>
+              <a:t> { </a:t>
+            </a:r>
+            <a:r>
+              <a:rPr lang="en-US" sz="1600" dirty="0" smtClean="0">
+                <a:solidFill>
+                  <a:schemeClr val="accent1">
+                    <a:lumMod val="75000"/>
+                  </a:schemeClr>
+                </a:solidFill>
+              </a:rPr>
+              <a:t>//defining store class</a:t>
+            </a:r>
+            <a:endParaRPr lang="en-US" sz="1600" dirty="0">
+              <a:solidFill>
+                <a:schemeClr val="accent1">
+                  <a:lumMod val="75000"/>
+                </a:schemeClr>
+              </a:solidFill>
+            </a:endParaRPr>
+          </a:p>
+          <a:p>
+            <a:pPr marL="0" indent="0">
+              <a:buNone/>
+            </a:pPr>
+            <a:r>
+              <a:rPr lang="en-US" sz="1600" dirty="0"/>
+              <a:t>  constructor() {</a:t>
+            </a:r>
+          </a:p>
+          <a:p>
+            <a:pPr marL="0" indent="0">
+              <a:buNone/>
+            </a:pPr>
+            <a:r>
+              <a:rPr lang="en-US" sz="1600" dirty="0"/>
+              <a:t>    </a:t>
+            </a:r>
+            <a:r>
+              <a:rPr lang="en-US" sz="1600" dirty="0" err="1" smtClean="0"/>
+              <a:t>this.customers</a:t>
+            </a:r>
+            <a:r>
+              <a:rPr lang="en-US" sz="1600" dirty="0" smtClean="0"/>
+              <a:t> </a:t>
+            </a:r>
+            <a:r>
+              <a:rPr lang="en-US" sz="1600" dirty="0"/>
+              <a:t>= </a:t>
+            </a:r>
+            <a:r>
+              <a:rPr lang="en-US" sz="1600" dirty="0" smtClean="0"/>
+              <a:t>[]; </a:t>
+            </a:r>
+            <a:r>
+              <a:rPr lang="en-US" sz="1600" dirty="0" smtClean="0">
+                <a:solidFill>
+                  <a:schemeClr val="accent1">
+                    <a:lumMod val="75000"/>
+                  </a:schemeClr>
+                </a:solidFill>
+              </a:rPr>
+              <a:t>//any class member defines inside the store constructors will be treated as store’s state variables</a:t>
+            </a:r>
+            <a:endParaRPr lang="en-US" sz="1600" dirty="0">
+              <a:solidFill>
+                <a:schemeClr val="accent1">
+                  <a:lumMod val="75000"/>
+                </a:schemeClr>
+              </a:solidFill>
+            </a:endParaRPr>
+          </a:p>
+          <a:p>
+            <a:pPr marL="0" indent="0">
+              <a:buNone/>
+            </a:pPr>
+            <a:endParaRPr lang="en-US" sz="1600" dirty="0"/>
+          </a:p>
+          <a:p>
+            <a:pPr marL="0" indent="0">
+              <a:buNone/>
+            </a:pPr>
+            <a:r>
+              <a:rPr lang="en-US" sz="1600" dirty="0"/>
+              <a:t>    </a:t>
+            </a:r>
+            <a:r>
+              <a:rPr lang="en-US" sz="1600" dirty="0" err="1"/>
+              <a:t>this.bindListeners</a:t>
+            </a:r>
+            <a:r>
+              <a:rPr lang="en-US" sz="1600" dirty="0"/>
+              <a:t>({</a:t>
+            </a:r>
+          </a:p>
+          <a:p>
+            <a:pPr marL="0" indent="0">
+              <a:buNone/>
+            </a:pPr>
+            <a:r>
+              <a:rPr lang="en-US" sz="1600" dirty="0"/>
+              <a:t>      </a:t>
+            </a:r>
+            <a:r>
+              <a:rPr lang="en-US" sz="1600" dirty="0" err="1" smtClean="0"/>
+              <a:t>handleUpdateCustomers</a:t>
+            </a:r>
+            <a:r>
+              <a:rPr lang="en-US" sz="1600" dirty="0" smtClean="0"/>
+              <a:t>: </a:t>
+            </a:r>
+            <a:r>
+              <a:rPr lang="en-US" sz="1600" dirty="0" err="1" smtClean="0"/>
+              <a:t>LocationActions.updateCustomers</a:t>
+            </a:r>
+            <a:r>
+              <a:rPr lang="en-US" sz="1600" dirty="0" smtClean="0"/>
+              <a:t> </a:t>
+            </a:r>
+            <a:r>
+              <a:rPr lang="en-US" sz="1600" dirty="0" smtClean="0">
+                <a:solidFill>
+                  <a:schemeClr val="accent1">
+                    <a:lumMod val="75000"/>
+                  </a:schemeClr>
+                </a:solidFill>
+              </a:rPr>
+              <a:t>// binding the stores callback to the action. So whenever the action is 	</a:t>
+            </a:r>
+            <a:r>
+              <a:rPr lang="en-US" sz="1600" dirty="0" smtClean="0"/>
+              <a:t>					</a:t>
+            </a:r>
+            <a:r>
+              <a:rPr lang="en-US" sz="1600" dirty="0" smtClean="0">
+                <a:solidFill>
+                  <a:schemeClr val="accent1">
+                    <a:lumMod val="75000"/>
+                  </a:schemeClr>
+                </a:solidFill>
+              </a:rPr>
+              <a:t>      dispatched it will be handle by the callback </a:t>
+            </a:r>
+            <a:endParaRPr lang="en-US" sz="1600" dirty="0">
+              <a:solidFill>
+                <a:schemeClr val="accent1">
+                  <a:lumMod val="75000"/>
+                </a:schemeClr>
+              </a:solidFill>
+            </a:endParaRPr>
+          </a:p>
+          <a:p>
+            <a:pPr marL="0" indent="0">
+              <a:buNone/>
+            </a:pPr>
+            <a:r>
+              <a:rPr lang="en-US" sz="1600" dirty="0"/>
+              <a:t>    });</a:t>
+            </a:r>
+          </a:p>
+          <a:p>
+            <a:pPr marL="0" indent="0">
+              <a:buNone/>
+            </a:pPr>
+            <a:r>
+              <a:rPr lang="en-US" sz="1600" dirty="0"/>
+              <a:t>  </a:t>
+            </a:r>
+            <a:r>
+              <a:rPr lang="en-US" sz="1600" dirty="0" smtClean="0"/>
+              <a:t>}</a:t>
+            </a:r>
+            <a:endParaRPr lang="en-US" sz="1600" dirty="0"/>
+          </a:p>
+          <a:p>
+            <a:pPr marL="0" indent="0">
+              <a:buNone/>
+            </a:pPr>
+            <a:r>
+              <a:rPr lang="en-US" sz="1600" dirty="0"/>
+              <a:t>  </a:t>
+            </a:r>
+            <a:r>
+              <a:rPr lang="en-US" sz="1600" dirty="0" err="1" smtClean="0"/>
+              <a:t>handleUpdateCustomers</a:t>
+            </a:r>
+            <a:r>
+              <a:rPr lang="en-US" sz="1600" dirty="0" smtClean="0"/>
+              <a:t>(customers) { </a:t>
+            </a:r>
+            <a:r>
+              <a:rPr lang="en-US" sz="1600" dirty="0" smtClean="0">
+                <a:solidFill>
+                  <a:schemeClr val="accent1">
+                    <a:lumMod val="75000"/>
+                  </a:schemeClr>
+                </a:solidFill>
+              </a:rPr>
+              <a:t>//the callback of </a:t>
+            </a:r>
+            <a:r>
+              <a:rPr lang="en-US" sz="1600" dirty="0" err="1" smtClean="0">
+                <a:solidFill>
+                  <a:schemeClr val="accent1">
+                    <a:lumMod val="75000"/>
+                  </a:schemeClr>
+                </a:solidFill>
+              </a:rPr>
+              <a:t>updateCustomers</a:t>
+            </a:r>
+            <a:r>
+              <a:rPr lang="en-US" sz="1600" dirty="0" smtClean="0">
+                <a:solidFill>
+                  <a:schemeClr val="accent1">
+                    <a:lumMod val="75000"/>
+                  </a:schemeClr>
+                </a:solidFill>
+              </a:rPr>
+              <a:t> action</a:t>
+            </a:r>
+            <a:endParaRPr lang="en-US" sz="1600" dirty="0">
+              <a:solidFill>
+                <a:schemeClr val="accent1">
+                  <a:lumMod val="75000"/>
+                </a:schemeClr>
+              </a:solidFill>
+            </a:endParaRPr>
+          </a:p>
+          <a:p>
+            <a:pPr marL="0" indent="0">
+              <a:buNone/>
+            </a:pPr>
+            <a:r>
+              <a:rPr lang="en-US" sz="1600" dirty="0"/>
+              <a:t>    this</a:t>
+            </a:r>
+            <a:r>
+              <a:rPr lang="en-US" sz="1600" dirty="0" smtClean="0"/>
+              <a:t>.</a:t>
+            </a:r>
+            <a:r>
+              <a:rPr lang="en-US" sz="1600" dirty="0"/>
+              <a:t> customers</a:t>
+            </a:r>
+            <a:r>
+              <a:rPr lang="en-US" sz="1600" dirty="0" smtClean="0"/>
+              <a:t> </a:t>
+            </a:r>
+            <a:r>
+              <a:rPr lang="en-US" sz="1600" dirty="0"/>
+              <a:t>= customers</a:t>
+            </a:r>
+            <a:r>
+              <a:rPr lang="en-US" sz="1600" dirty="0" smtClean="0"/>
+              <a:t>;</a:t>
+            </a:r>
+            <a:endParaRPr lang="en-US" sz="1600" dirty="0"/>
+          </a:p>
+          <a:p>
+            <a:pPr marL="0" indent="0">
+              <a:buNone/>
+            </a:pPr>
+            <a:r>
+              <a:rPr lang="en-US" sz="1600" dirty="0"/>
+              <a:t>  }</a:t>
+            </a:r>
+          </a:p>
+          <a:p>
+            <a:pPr marL="0" indent="0">
+              <a:buNone/>
+            </a:pPr>
+            <a:r>
+              <a:rPr lang="en-US" sz="1600" dirty="0" smtClean="0"/>
+              <a:t>}</a:t>
+            </a:r>
+            <a:endParaRPr lang="en-US" sz="1600" dirty="0"/>
+          </a:p>
+          <a:p>
+            <a:pPr marL="0" indent="0">
+              <a:buNone/>
+            </a:pPr>
+            <a:r>
+              <a:rPr lang="en-US" sz="1600" dirty="0" err="1"/>
+              <a:t>module.exports</a:t>
+            </a:r>
+            <a:r>
+              <a:rPr lang="en-US" sz="1600" dirty="0"/>
+              <a:t> = </a:t>
+            </a:r>
+            <a:r>
+              <a:rPr lang="en-US" sz="1600" dirty="0" err="1" smtClean="0"/>
+              <a:t>alt.createStore</a:t>
+            </a:r>
+            <a:r>
+              <a:rPr lang="en-US" sz="1600" dirty="0" smtClean="0"/>
+              <a:t>(</a:t>
+            </a:r>
+            <a:r>
+              <a:rPr lang="en-US" sz="1600" dirty="0" err="1" smtClean="0"/>
+              <a:t>CustomerStore</a:t>
+            </a:r>
+            <a:r>
+              <a:rPr lang="en-US" sz="1600" dirty="0"/>
+              <a:t>, </a:t>
+            </a:r>
+            <a:r>
+              <a:rPr lang="en-US" sz="1600" dirty="0" smtClean="0"/>
+              <a:t>‘</a:t>
+            </a:r>
+            <a:r>
+              <a:rPr lang="en-US" sz="1600" dirty="0" err="1" smtClean="0"/>
+              <a:t>CustomerStore</a:t>
+            </a:r>
+            <a:r>
+              <a:rPr lang="en-US" sz="1600" dirty="0" smtClean="0"/>
+              <a:t>'); </a:t>
+            </a:r>
+            <a:r>
+              <a:rPr lang="en-US" sz="1600" dirty="0" smtClean="0">
+                <a:solidFill>
+                  <a:schemeClr val="accent1">
+                    <a:lumMod val="75000"/>
+                  </a:schemeClr>
+                </a:solidFill>
+              </a:rPr>
+              <a:t>//creating the class as alt store and export it</a:t>
+            </a:r>
+            <a:endParaRPr lang="en-US" sz="1600" dirty="0">
+              <a:solidFill>
+                <a:schemeClr val="accent1">
+                  <a:lumMod val="75000"/>
+                </a:schemeClr>
+              </a:solidFill>
+            </a:endParaRPr>
+          </a:p>
+        </p:txBody>
+      </p:sp>
+    </p:spTree>
+    <p:extLst>
+      <p:ext uri="{BB962C8B-B14F-4D97-AF65-F5344CB8AC3E}">
+        <p14:creationId xmlns:p14="http://schemas.microsoft.com/office/powerpoint/2010/main" val="2147216500"/>
+      </p:ext>
+    </p:extLst>
+  </p:cSld>
+  <p:clrMapOvr>
+    <a:masterClrMapping/>
+  </p:clrMapOvr>
+  <p:timing>
+    <p:tnLst>
+      <p:par>
+        <p:cTn id="1" dur="indefinite" restart="never" nodeType="tmRoot"/>
+      </p:par>
+    </p:tnLst>
+  </p:timing>
+</p:sld>
+</file>
+
+<file path=ppt/slides/slide19.xml><?xml version="1.0" encoding="utf-8"?>
+<p:sld xmlns:a="http://schemas.openxmlformats.org/drawingml/2006/main" xmlns:r="http://schemas.openxmlformats.org/officeDocument/2006/relationships" xmlns:p="http://schemas.openxmlformats.org/presentationml/2006/main">
+  <p:cSld>
+    <p:spTree>
+      <p:nvGrpSpPr>
+        <p:cNvPr id="1" name=""/>
+        <p:cNvGrpSpPr/>
+        <p:nvPr/>
+      </p:nvGrpSpPr>
+      <p:grpSpPr>
+        <a:xfrm>
+          <a:off x="0" y="0"/>
+          <a:ext cx="0" cy="0"/>
+          <a:chOff x="0" y="0"/>
+          <a:chExt cx="0" cy="0"/>
+        </a:xfrm>
+      </p:grpSpPr>
+      <p:sp>
+        <p:nvSpPr>
+          <p:cNvPr id="2" name="Title 1"/>
+          <p:cNvSpPr>
+            <a:spLocks noGrp="1"/>
+          </p:cNvSpPr>
+          <p:nvPr>
+            <p:ph type="title"/>
+          </p:nvPr>
+        </p:nvSpPr>
+        <p:spPr/>
+        <p:txBody>
+          <a:bodyPr/>
+          <a:lstStyle/>
+          <a:p>
+            <a:r>
+              <a:rPr lang="en-US" dirty="0" smtClean="0"/>
               <a:t>Alt Views</a:t>
             </a:r>
             <a:endParaRPr lang="en-US" dirty="0"/>
@@ -5067,7 +5184,152 @@
 </p:sld>
 </file>
 
-<file path=ppt/slides/slide19.xml><?xml version="1.0" encoding="utf-8"?>
+<file path=ppt/slides/slide2.xml><?xml version="1.0" encoding="utf-8"?>
+<p:sld xmlns:a="http://schemas.openxmlformats.org/drawingml/2006/main" xmlns:r="http://schemas.openxmlformats.org/officeDocument/2006/relationships" xmlns:p="http://schemas.openxmlformats.org/presentationml/2006/main">
+  <p:cSld>
+    <p:spTree>
+      <p:nvGrpSpPr>
+        <p:cNvPr id="1" name=""/>
+        <p:cNvGrpSpPr/>
+        <p:nvPr/>
+      </p:nvGrpSpPr>
+      <p:grpSpPr>
+        <a:xfrm>
+          <a:off x="0" y="0"/>
+          <a:ext cx="0" cy="0"/>
+          <a:chOff x="0" y="0"/>
+          <a:chExt cx="0" cy="0"/>
+        </a:xfrm>
+      </p:grpSpPr>
+      <p:sp>
+        <p:nvSpPr>
+          <p:cNvPr id="2" name="Title 1"/>
+          <p:cNvSpPr>
+            <a:spLocks noGrp="1"/>
+          </p:cNvSpPr>
+          <p:nvPr>
+            <p:ph type="title"/>
+          </p:nvPr>
+        </p:nvSpPr>
+        <p:spPr/>
+        <p:txBody>
+          <a:bodyPr/>
+          <a:lstStyle/>
+          <a:p>
+            <a:r>
+              <a:rPr lang="en-US" dirty="0" smtClean="0"/>
+              <a:t>Problem with MVC</a:t>
+            </a:r>
+            <a:endParaRPr lang="en-US" dirty="0"/>
+          </a:p>
+        </p:txBody>
+      </p:sp>
+      <p:pic>
+        <p:nvPicPr>
+          <p:cNvPr id="4" name="Content Placeholder 3"/>
+          <p:cNvPicPr>
+            <a:picLocks noGrp="1" noChangeAspect="1"/>
+          </p:cNvPicPr>
+          <p:nvPr>
+            <p:ph idx="1"/>
+          </p:nvPr>
+        </p:nvPicPr>
+        <p:blipFill>
+          <a:blip r:embed="rId2">
+            <a:extLst>
+              <a:ext uri="{28A0092B-C50C-407E-A947-70E740481C1C}">
+                <a14:useLocalDpi xmlns:a14="http://schemas.microsoft.com/office/drawing/2010/main" val="0"/>
+              </a:ext>
+            </a:extLst>
+          </a:blip>
+          <a:stretch>
+            <a:fillRect/>
+          </a:stretch>
+        </p:blipFill>
+        <p:spPr>
+          <a:xfrm>
+            <a:off x="1439908" y="1341064"/>
+            <a:ext cx="8027831" cy="2477432"/>
+          </a:xfrm>
+        </p:spPr>
+      </p:pic>
+      <p:sp>
+        <p:nvSpPr>
+          <p:cNvPr id="5" name="TextBox 4"/>
+          <p:cNvSpPr txBox="1"/>
+          <p:nvPr/>
+        </p:nvSpPr>
+        <p:spPr>
+          <a:xfrm>
+            <a:off x="1828800" y="4168588"/>
+            <a:ext cx="184731" cy="369332"/>
+          </a:xfrm>
+          <a:prstGeom prst="rect">
+            <a:avLst/>
+          </a:prstGeom>
+          <a:noFill/>
+        </p:spPr>
+        <p:txBody>
+          <a:bodyPr wrap="none" rtlCol="0">
+            <a:spAutoFit/>
+          </a:bodyPr>
+          <a:lstStyle/>
+          <a:p>
+            <a:endParaRPr lang="en-US" dirty="0"/>
+          </a:p>
+        </p:txBody>
+      </p:sp>
+      <p:pic>
+        <p:nvPicPr>
+          <p:cNvPr id="6" name="Picture 5"/>
+          <p:cNvPicPr>
+            <a:picLocks noChangeAspect="1"/>
+          </p:cNvPicPr>
+          <p:nvPr/>
+        </p:nvPicPr>
+        <p:blipFill>
+          <a:blip r:embed="rId3">
+            <a:extLst>
+              <a:ext uri="{28A0092B-C50C-407E-A947-70E740481C1C}">
+                <a14:useLocalDpi xmlns:a14="http://schemas.microsoft.com/office/drawing/2010/main" val="0"/>
+              </a:ext>
+            </a:extLst>
+          </a:blip>
+          <a:stretch>
+            <a:fillRect/>
+          </a:stretch>
+        </p:blipFill>
+        <p:spPr>
+          <a:xfrm>
+            <a:off x="1671728" y="3322749"/>
+            <a:ext cx="8027831" cy="3360280"/>
+          </a:xfrm>
+          <a:prstGeom prst="rect">
+            <a:avLst/>
+          </a:prstGeom>
+        </p:spPr>
+      </p:pic>
+    </p:spTree>
+    <p:extLst>
+      <p:ext uri="{BB962C8B-B14F-4D97-AF65-F5344CB8AC3E}">
+        <p14:creationId xmlns:p14="http://schemas.microsoft.com/office/powerpoint/2010/main" val="2718338151"/>
+      </p:ext>
+    </p:extLst>
+  </p:cSld>
+  <p:clrMapOvr>
+    <a:masterClrMapping/>
+  </p:clrMapOvr>
+  <p:timing>
+    <p:tnLst>
+      <p:par>
+        <p:cTn id="1" dur="indefinite" restart="never" nodeType="tmRoot"/>
+      </p:par>
+    </p:tnLst>
+  </p:timing>
+</p:sld>
+</file>
+
+<file path=ppt/slides/slide20.xml><?xml version="1.0" encoding="utf-8"?>
 <p:sld xmlns:a="http://schemas.openxmlformats.org/drawingml/2006/main" xmlns:r="http://schemas.openxmlformats.org/officeDocument/2006/relationships" xmlns:p="http://schemas.openxmlformats.org/presentationml/2006/main">
   <p:cSld>
     <p:spTree>
@@ -5224,219 +5486,6 @@
 </p:sld>
 </file>
 
-<file path=ppt/slides/slide2.xml><?xml version="1.0" encoding="utf-8"?>
-<p:sld xmlns:a="http://schemas.openxmlformats.org/drawingml/2006/main" xmlns:r="http://schemas.openxmlformats.org/officeDocument/2006/relationships" xmlns:p="http://schemas.openxmlformats.org/presentationml/2006/main">
-  <p:cSld>
-    <p:spTree>
-      <p:nvGrpSpPr>
-        <p:cNvPr id="1" name=""/>
-        <p:cNvGrpSpPr/>
-        <p:nvPr/>
-      </p:nvGrpSpPr>
-      <p:grpSpPr>
-        <a:xfrm>
-          <a:off x="0" y="0"/>
-          <a:ext cx="0" cy="0"/>
-          <a:chOff x="0" y="0"/>
-          <a:chExt cx="0" cy="0"/>
-        </a:xfrm>
-      </p:grpSpPr>
-      <p:sp>
-        <p:nvSpPr>
-          <p:cNvPr id="2" name="Title 1"/>
-          <p:cNvSpPr>
-            <a:spLocks noGrp="1"/>
-          </p:cNvSpPr>
-          <p:nvPr>
-            <p:ph type="title"/>
-          </p:nvPr>
-        </p:nvSpPr>
-        <p:spPr/>
-        <p:txBody>
-          <a:bodyPr/>
-          <a:lstStyle/>
-          <a:p>
-            <a:r>
-              <a:rPr lang="en-US" dirty="0" smtClean="0"/>
-              <a:t>Problem with MVC</a:t>
-            </a:r>
-            <a:endParaRPr lang="en-US" dirty="0"/>
-          </a:p>
-        </p:txBody>
-      </p:sp>
-      <p:pic>
-        <p:nvPicPr>
-          <p:cNvPr id="4" name="Content Placeholder 3"/>
-          <p:cNvPicPr>
-            <a:picLocks noGrp="1" noChangeAspect="1"/>
-          </p:cNvPicPr>
-          <p:nvPr>
-            <p:ph idx="1"/>
-          </p:nvPr>
-        </p:nvPicPr>
-        <p:blipFill>
-          <a:blip r:embed="rId2">
-            <a:extLst>
-              <a:ext uri="{28A0092B-C50C-407E-A947-70E740481C1C}">
-                <a14:useLocalDpi xmlns:a14="http://schemas.microsoft.com/office/drawing/2010/main" val="0"/>
-              </a:ext>
-            </a:extLst>
-          </a:blip>
-          <a:stretch>
-            <a:fillRect/>
-          </a:stretch>
-        </p:blipFill>
-        <p:spPr>
-          <a:xfrm>
-            <a:off x="1439908" y="1341064"/>
-            <a:ext cx="8027831" cy="2477432"/>
-          </a:xfrm>
-        </p:spPr>
-      </p:pic>
-      <p:sp>
-        <p:nvSpPr>
-          <p:cNvPr id="5" name="TextBox 4"/>
-          <p:cNvSpPr txBox="1"/>
-          <p:nvPr/>
-        </p:nvSpPr>
-        <p:spPr>
-          <a:xfrm>
-            <a:off x="1828800" y="4168588"/>
-            <a:ext cx="184731" cy="369332"/>
-          </a:xfrm>
-          <a:prstGeom prst="rect">
-            <a:avLst/>
-          </a:prstGeom>
-          <a:noFill/>
-        </p:spPr>
-        <p:txBody>
-          <a:bodyPr wrap="none" rtlCol="0">
-            <a:spAutoFit/>
-          </a:bodyPr>
-          <a:lstStyle/>
-          <a:p>
-            <a:endParaRPr lang="en-US" dirty="0"/>
-          </a:p>
-        </p:txBody>
-      </p:sp>
-    </p:spTree>
-    <p:extLst>
-      <p:ext uri="{BB962C8B-B14F-4D97-AF65-F5344CB8AC3E}">
-        <p14:creationId xmlns:p14="http://schemas.microsoft.com/office/powerpoint/2010/main" val="2718338151"/>
-      </p:ext>
-    </p:extLst>
-  </p:cSld>
-  <p:clrMapOvr>
-    <a:masterClrMapping/>
-  </p:clrMapOvr>
-  <p:timing>
-    <p:tnLst>
-      <p:par>
-        <p:cTn id="1" dur="indefinite" restart="never" nodeType="tmRoot"/>
-      </p:par>
-    </p:tnLst>
-  </p:timing>
-</p:sld>
-</file>
-
-<file path=ppt/slides/slide20.xml><?xml version="1.0" encoding="utf-8"?>
-<p:sld xmlns:a="http://schemas.openxmlformats.org/drawingml/2006/main" xmlns:r="http://schemas.openxmlformats.org/officeDocument/2006/relationships" xmlns:p="http://schemas.openxmlformats.org/presentationml/2006/main">
-  <p:cSld>
-    <p:spTree>
-      <p:nvGrpSpPr>
-        <p:cNvPr id="1" name=""/>
-        <p:cNvGrpSpPr/>
-        <p:nvPr/>
-      </p:nvGrpSpPr>
-      <p:grpSpPr>
-        <a:xfrm>
-          <a:off x="0" y="0"/>
-          <a:ext cx="0" cy="0"/>
-          <a:chOff x="0" y="0"/>
-          <a:chExt cx="0" cy="0"/>
-        </a:xfrm>
-      </p:grpSpPr>
-      <p:sp>
-        <p:nvSpPr>
-          <p:cNvPr id="2" name="Title 1"/>
-          <p:cNvSpPr>
-            <a:spLocks noGrp="1"/>
-          </p:cNvSpPr>
-          <p:nvPr>
-            <p:ph type="title"/>
-          </p:nvPr>
-        </p:nvSpPr>
-        <p:spPr/>
-        <p:txBody>
-          <a:bodyPr/>
-          <a:lstStyle/>
-          <a:p>
-            <a:r>
-              <a:rPr lang="en-US" dirty="0"/>
-              <a:t>Introducing React </a:t>
-            </a:r>
-            <a:r>
-              <a:rPr lang="en-US" dirty="0" err="1"/>
-              <a:t>Js</a:t>
-            </a:r>
-            <a:endParaRPr lang="en-US" dirty="0"/>
-          </a:p>
-        </p:txBody>
-      </p:sp>
-      <p:sp>
-        <p:nvSpPr>
-          <p:cNvPr id="3" name="Content Placeholder 2"/>
-          <p:cNvSpPr>
-            <a:spLocks noGrp="1"/>
-          </p:cNvSpPr>
-          <p:nvPr>
-            <p:ph idx="1"/>
-          </p:nvPr>
-        </p:nvSpPr>
-        <p:spPr/>
-        <p:txBody>
-          <a:bodyPr/>
-          <a:lstStyle/>
-          <a:p>
-            <a:r>
-              <a:rPr lang="en-US" cap="all" dirty="0"/>
-              <a:t>JUST THE UI</a:t>
-            </a:r>
-          </a:p>
-          <a:p>
-            <a:pPr lvl="1"/>
-            <a:r>
-              <a:rPr lang="en-US" sz="2000" dirty="0"/>
-              <a:t>Lots of people use React as the V in MVC. Since React makes no assumptions about the rest of your technology stack, it's easy to try it out on a small feature in an existing project</a:t>
-            </a:r>
-            <a:r>
-              <a:rPr lang="en-US" sz="2000" dirty="0" smtClean="0"/>
-              <a:t>.</a:t>
-            </a:r>
-            <a:endParaRPr lang="en-US" sz="2000" dirty="0" smtClean="0"/>
-          </a:p>
-        </p:txBody>
-      </p:sp>
-    </p:spTree>
-    <p:extLst>
-      <p:ext uri="{BB962C8B-B14F-4D97-AF65-F5344CB8AC3E}">
-        <p14:creationId xmlns:p14="http://schemas.microsoft.com/office/powerpoint/2010/main" val="3066686488"/>
-      </p:ext>
-    </p:extLst>
-  </p:cSld>
-  <p:clrMapOvr>
-    <a:masterClrMapping/>
-  </p:clrMapOvr>
-  <p:timing>
-    <p:tnLst>
-      <p:par>
-        <p:cTn id="1" dur="indefinite" restart="never" nodeType="tmRoot"/>
-      </p:par>
-    </p:tnLst>
-  </p:timing>
-</p:sld>
-</file>
-
 <file path=ppt/slides/slide21.xml><?xml version="1.0" encoding="utf-8"?>
 <p:sld xmlns:a="http://schemas.openxmlformats.org/drawingml/2006/main" xmlns:r="http://schemas.openxmlformats.org/officeDocument/2006/relationships" xmlns:p="http://schemas.openxmlformats.org/presentationml/2006/main">
   <p:cSld>
@@ -5512,30 +5561,12 @@
               <a:t>.</a:t>
             </a:r>
           </a:p>
-          <a:p>
-            <a:r>
-              <a:rPr lang="en-US" cap="all" dirty="0"/>
-              <a:t>VIRTUAL DOM</a:t>
-            </a:r>
-          </a:p>
-          <a:p>
-            <a:pPr lvl="1"/>
-            <a:r>
-              <a:rPr lang="en-US" sz="2000" dirty="0"/>
-              <a:t>React abstracts away the DOM from you, giving a simpler programming model and better </a:t>
-            </a:r>
-            <a:r>
-              <a:rPr lang="en-US" sz="2000" dirty="0" smtClean="0"/>
-              <a:t>performance</a:t>
-            </a:r>
-            <a:endParaRPr lang="en-US" sz="2000" dirty="0" smtClean="0"/>
-          </a:p>
         </p:txBody>
       </p:sp>
     </p:spTree>
     <p:extLst>
       <p:ext uri="{BB962C8B-B14F-4D97-AF65-F5344CB8AC3E}">
-        <p14:creationId xmlns:p14="http://schemas.microsoft.com/office/powerpoint/2010/main" val="1992413976"/>
+        <p14:creationId xmlns:p14="http://schemas.microsoft.com/office/powerpoint/2010/main" val="3066686488"/>
       </p:ext>
     </p:extLst>
   </p:cSld>
@@ -5644,26 +5675,12 @@
               <a:t>performance</a:t>
             </a:r>
           </a:p>
-          <a:p>
-            <a:r>
-              <a:rPr lang="en-US" cap="all" dirty="0" smtClean="0"/>
-              <a:t>DATA FLOW</a:t>
-            </a:r>
-          </a:p>
-          <a:p>
-            <a:pPr lvl="1"/>
-            <a:r>
-              <a:rPr lang="en-US" sz="2000" dirty="0" smtClean="0"/>
-              <a:t>React implements one-way reactive data flow which reduces boilerplate and is easier to reason about than traditional data binding.</a:t>
-            </a:r>
-            <a:endParaRPr lang="en-US" sz="2000" dirty="0"/>
-          </a:p>
         </p:txBody>
       </p:sp>
     </p:spTree>
     <p:extLst>
       <p:ext uri="{BB962C8B-B14F-4D97-AF65-F5344CB8AC3E}">
-        <p14:creationId xmlns:p14="http://schemas.microsoft.com/office/powerpoint/2010/main" val="245537142"/>
+        <p14:creationId xmlns:p14="http://schemas.microsoft.com/office/powerpoint/2010/main" val="1992413976"/>
       </p:ext>
     </p:extLst>
   </p:cSld>
@@ -5713,8 +5730,12 @@
           <a:lstStyle/>
           <a:p>
             <a:r>
-              <a:rPr lang="en-US" dirty="0" smtClean="0"/>
-              <a:t>React Installation</a:t>
+              <a:rPr lang="en-US" dirty="0"/>
+              <a:t>Introducing React </a:t>
+            </a:r>
+            <a:r>
+              <a:rPr lang="en-US" dirty="0" err="1"/>
+              <a:t>Js</a:t>
             </a:r>
             <a:endParaRPr lang="en-US" dirty="0"/>
           </a:p>
@@ -5735,198 +5756,59 @@
           <a:bodyPr/>
           <a:lstStyle/>
           <a:p>
-            <a:pPr marL="0" indent="0">
-              <a:buNone/>
-            </a:pPr>
+            <a:r>
+              <a:rPr lang="en-US" cap="all" dirty="0"/>
+              <a:t>JUST THE UI</a:t>
+            </a:r>
+          </a:p>
+          <a:p>
+            <a:pPr lvl="1"/>
             <a:r>
               <a:rPr lang="en-US" sz="2000" dirty="0"/>
-              <a:t>&lt;script </a:t>
-            </a:r>
-            <a:r>
-              <a:rPr lang="en-US" sz="2000" dirty="0" err="1"/>
-              <a:t>src</a:t>
-            </a:r>
+              <a:t>Lots of people use React as the V in MVC. Since React makes no assumptions about the rest of your technology stack, it's easy to try it out on a small feature in an existing project</a:t>
+            </a:r>
+            <a:r>
+              <a:rPr lang="en-US" sz="2000" dirty="0" smtClean="0"/>
+              <a:t>.</a:t>
+            </a:r>
+          </a:p>
+          <a:p>
+            <a:r>
+              <a:rPr lang="en-US" cap="all" dirty="0"/>
+              <a:t>VIRTUAL DOM</a:t>
+            </a:r>
+          </a:p>
+          <a:p>
+            <a:pPr lvl="1"/>
             <a:r>
               <a:rPr lang="en-US" sz="2000" dirty="0"/>
-              <a:t>="build/react.js"&gt;&lt;/script&gt; </a:t>
-            </a:r>
-            <a:endParaRPr lang="en-US" sz="2000" dirty="0" smtClean="0"/>
-          </a:p>
-          <a:p>
-            <a:pPr marL="0" indent="0">
-              <a:buNone/>
-            </a:pPr>
+              <a:t>React abstracts away the DOM from you, giving a simpler programming model and better </a:t>
+            </a:r>
             <a:r>
               <a:rPr lang="en-US" sz="2000" dirty="0" smtClean="0"/>
-              <a:t>&lt;</a:t>
-            </a:r>
-            <a:r>
-              <a:rPr lang="en-US" sz="2000" dirty="0"/>
-              <a:t>script </a:t>
-            </a:r>
-            <a:r>
-              <a:rPr lang="en-US" sz="2000" dirty="0" err="1"/>
-              <a:t>src</a:t>
-            </a:r>
-            <a:r>
-              <a:rPr lang="en-US" sz="2000" dirty="0"/>
-              <a:t>="build/react-dom.js"&gt;&lt;/script&gt; </a:t>
-            </a:r>
-            <a:endParaRPr lang="en-US" sz="2000" dirty="0" smtClean="0"/>
-          </a:p>
-          <a:p>
-            <a:pPr marL="0" indent="0">
-              <a:buNone/>
-            </a:pPr>
+              <a:t>performance</a:t>
+            </a:r>
+          </a:p>
+          <a:p>
+            <a:r>
+              <a:rPr lang="en-US" cap="all" dirty="0" smtClean="0"/>
+              <a:t>DATA FLOW</a:t>
+            </a:r>
+          </a:p>
+          <a:p>
+            <a:pPr lvl="1"/>
             <a:r>
               <a:rPr lang="en-US" sz="2000" dirty="0" smtClean="0"/>
-              <a:t>&lt;</a:t>
-            </a:r>
-            <a:r>
-              <a:rPr lang="en-US" sz="2000" dirty="0"/>
-              <a:t>script </a:t>
-            </a:r>
-            <a:r>
-              <a:rPr lang="en-US" sz="2000" dirty="0" err="1"/>
-              <a:t>src</a:t>
-            </a:r>
-            <a:r>
-              <a:rPr lang="en-US" sz="2000" dirty="0"/>
-              <a:t>="https://cdnjs.cloudflare.com/ajax/libs/babel-core/5.8.23/browser.min.js"&gt;&lt;/script</a:t>
-            </a:r>
-            <a:r>
-              <a:rPr lang="en-US" sz="2000" dirty="0" smtClean="0"/>
-              <a:t>&gt;</a:t>
-            </a:r>
-            <a:endParaRPr lang="en-US" dirty="0"/>
-          </a:p>
-          <a:p>
-            <a:pPr marL="0" indent="0">
-              <a:buNone/>
-            </a:pPr>
-            <a:r>
-              <a:rPr lang="en-US" dirty="0" smtClean="0"/>
-              <a:t>		</a:t>
-            </a:r>
-          </a:p>
-          <a:p>
-            <a:pPr marL="0" indent="0">
-              <a:buNone/>
-            </a:pPr>
-            <a:r>
-              <a:rPr lang="en-US" dirty="0" smtClean="0"/>
-              <a:t>OR</a:t>
-            </a:r>
-          </a:p>
-          <a:p>
-            <a:pPr marL="0" indent="0">
-              <a:buNone/>
-            </a:pPr>
-            <a:endParaRPr lang="en-US" dirty="0"/>
-          </a:p>
-          <a:p>
-            <a:pPr marL="0" indent="0">
-              <a:buNone/>
-            </a:pPr>
-            <a:r>
-              <a:rPr lang="en-US" sz="2000" dirty="0" err="1" smtClean="0"/>
-              <a:t>npm</a:t>
-            </a:r>
-            <a:r>
-              <a:rPr lang="en-US" sz="2000" dirty="0" smtClean="0"/>
-              <a:t> </a:t>
-            </a:r>
-            <a:r>
-              <a:rPr lang="en-US" sz="2000" dirty="0"/>
-              <a:t>install --save react react-</a:t>
-            </a:r>
-            <a:r>
-              <a:rPr lang="en-US" sz="2000" dirty="0" err="1"/>
-              <a:t>dom</a:t>
-            </a:r>
-            <a:r>
-              <a:rPr lang="en-US" sz="2000" dirty="0"/>
-              <a:t> </a:t>
-            </a:r>
-            <a:r>
-              <a:rPr lang="en-US" sz="2000" dirty="0" err="1"/>
-              <a:t>babelify</a:t>
-            </a:r>
-            <a:r>
-              <a:rPr lang="en-US" sz="2000" dirty="0"/>
-              <a:t> </a:t>
-            </a:r>
-            <a:r>
-              <a:rPr lang="en-US" sz="2000" dirty="0" smtClean="0"/>
-              <a:t>babel-preset-react</a:t>
-            </a:r>
-          </a:p>
-          <a:p>
-            <a:pPr marL="0" indent="0">
-              <a:buNone/>
-            </a:pPr>
-            <a:r>
-              <a:rPr lang="en-US" sz="2000" dirty="0" smtClean="0"/>
-              <a:t>//Then use with require.js</a:t>
+              <a:t>React implements one-way reactive data flow which reduces boilerplate and is easier to reason about than traditional data binding.</a:t>
             </a:r>
             <a:endParaRPr lang="en-US" sz="2000" dirty="0"/>
-          </a:p>
-          <a:p>
-            <a:pPr marL="0" indent="0">
-              <a:buNone/>
-            </a:pPr>
-            <a:r>
-              <a:rPr lang="en-US" sz="2000" dirty="0" err="1"/>
-              <a:t>var</a:t>
-            </a:r>
-            <a:r>
-              <a:rPr lang="en-US" sz="2000" dirty="0"/>
-              <a:t> React = require('react'); </a:t>
-            </a:r>
-            <a:endParaRPr lang="en-US" sz="2000" dirty="0" smtClean="0"/>
-          </a:p>
-          <a:p>
-            <a:pPr marL="0" indent="0">
-              <a:buNone/>
-            </a:pPr>
-            <a:r>
-              <a:rPr lang="en-US" sz="2000" dirty="0" err="1" smtClean="0"/>
-              <a:t>var</a:t>
-            </a:r>
-            <a:r>
-              <a:rPr lang="en-US" sz="2000" dirty="0" smtClean="0"/>
-              <a:t> </a:t>
-            </a:r>
-            <a:r>
-              <a:rPr lang="en-US" sz="2000" dirty="0" err="1"/>
-              <a:t>ReactDOM</a:t>
-            </a:r>
-            <a:r>
-              <a:rPr lang="en-US" sz="2000" dirty="0"/>
-              <a:t> = require('react-</a:t>
-            </a:r>
-            <a:r>
-              <a:rPr lang="en-US" sz="2000" dirty="0" err="1"/>
-              <a:t>dom</a:t>
-            </a:r>
-            <a:r>
-              <a:rPr lang="en-US" sz="2000" dirty="0"/>
-              <a:t>');</a:t>
-            </a:r>
-            <a:endParaRPr lang="en-US" sz="2000" dirty="0" smtClean="0"/>
-          </a:p>
-          <a:p>
-            <a:pPr marL="0" indent="0">
-              <a:buNone/>
-            </a:pPr>
-            <a:endParaRPr lang="en-US" dirty="0"/>
           </a:p>
         </p:txBody>
       </p:sp>
     </p:spTree>
     <p:extLst>
       <p:ext uri="{BB962C8B-B14F-4D97-AF65-F5344CB8AC3E}">
-        <p14:creationId xmlns:p14="http://schemas.microsoft.com/office/powerpoint/2010/main" val="2870838800"/>
+        <p14:creationId xmlns:p14="http://schemas.microsoft.com/office/powerpoint/2010/main" val="245537142"/>
       </p:ext>
     </p:extLst>
   </p:cSld>
@@ -5977,11 +5859,7 @@
           <a:p>
             <a:r>
               <a:rPr lang="en-US" dirty="0" smtClean="0"/>
-              <a:t>The </a:t>
-            </a:r>
-            <a:r>
-              <a:rPr lang="en-US" dirty="0" smtClean="0"/>
-              <a:t>JSX syntax</a:t>
+              <a:t>React Installation</a:t>
             </a:r>
             <a:endParaRPr lang="en-US" dirty="0"/>
           </a:p>
@@ -6002,93 +5880,190 @@
           <a:bodyPr/>
           <a:lstStyle/>
           <a:p>
-            <a:r>
-              <a:rPr lang="en-US" dirty="0" smtClean="0"/>
-              <a:t>React provides us a more convenient way to write Html markup in </a:t>
-            </a:r>
-            <a:r>
-              <a:rPr lang="en-US" dirty="0" err="1" smtClean="0"/>
-              <a:t>javascript</a:t>
-            </a:r>
-            <a:r>
-              <a:rPr lang="en-US" dirty="0" smtClean="0"/>
-              <a:t> code. We call it the </a:t>
-            </a:r>
-            <a:r>
-              <a:rPr lang="en-US" dirty="0" err="1" smtClean="0"/>
-              <a:t>XMLish</a:t>
-            </a:r>
-            <a:r>
-              <a:rPr lang="en-US" dirty="0" smtClean="0"/>
-              <a:t> syntax and can refer the files as .</a:t>
-            </a:r>
-            <a:r>
-              <a:rPr lang="en-US" dirty="0" err="1" smtClean="0"/>
-              <a:t>jsx</a:t>
-            </a:r>
-            <a:r>
-              <a:rPr lang="en-US" dirty="0" smtClean="0"/>
-              <a:t> extension</a:t>
-            </a:r>
-          </a:p>
-          <a:p>
-            <a:pPr marL="0" indent="0">
-              <a:buNone/>
-            </a:pPr>
-            <a:endParaRPr lang="en-US" dirty="0" smtClean="0"/>
-          </a:p>
-          <a:p>
-            <a:pPr marL="0" indent="0">
-              <a:buNone/>
-            </a:pPr>
-            <a:r>
-              <a:rPr lang="en-US" dirty="0" smtClean="0"/>
-              <a:t>function() {</a:t>
-            </a:r>
-          </a:p>
-          <a:p>
-            <a:pPr marL="0" indent="0">
-              <a:buNone/>
-            </a:pPr>
-            <a:r>
-              <a:rPr lang="en-US" dirty="0" smtClean="0"/>
-              <a:t>    return (</a:t>
-            </a:r>
-          </a:p>
-          <a:p>
-            <a:pPr marL="0" indent="0">
-              <a:buNone/>
-            </a:pPr>
-            <a:r>
-              <a:rPr lang="en-US" dirty="0" smtClean="0"/>
-              <a:t>      &lt;div&gt;Put markup inside the &lt;span&gt;</a:t>
-            </a:r>
-            <a:r>
-              <a:rPr lang="en-US" dirty="0" err="1" smtClean="0"/>
-              <a:t>Javascript</a:t>
-            </a:r>
-            <a:r>
-              <a:rPr lang="en-US" dirty="0" smtClean="0"/>
-              <a:t>&lt;/span&gt;&lt;/div&gt;</a:t>
-            </a:r>
-          </a:p>
-          <a:p>
-            <a:pPr marL="0" indent="0">
-              <a:buNone/>
-            </a:pPr>
-            <a:r>
-              <a:rPr lang="en-US" dirty="0" smtClean="0"/>
-              <a:t>    );</a:t>
-            </a:r>
-          </a:p>
-          <a:p>
-            <a:pPr marL="0" indent="0">
-              <a:buNone/>
-            </a:pPr>
-            <a:r>
-              <a:rPr lang="en-US" dirty="0" smtClean="0"/>
-              <a:t>  }</a:t>
-            </a:r>
+            <a:pPr marL="0" indent="0">
+              <a:buNone/>
+            </a:pPr>
+            <a:r>
+              <a:rPr lang="en-US" sz="2000" dirty="0"/>
+              <a:t>&lt;script </a:t>
+            </a:r>
+            <a:r>
+              <a:rPr lang="en-US" sz="2000" dirty="0" err="1"/>
+              <a:t>src</a:t>
+            </a:r>
+            <a:r>
+              <a:rPr lang="en-US" sz="2000" dirty="0"/>
+              <a:t>="build/react.js"&gt;&lt;/script&gt; </a:t>
+            </a:r>
+            <a:endParaRPr lang="en-US" sz="2000" dirty="0" smtClean="0"/>
+          </a:p>
+          <a:p>
+            <a:pPr marL="0" indent="0">
+              <a:buNone/>
+            </a:pPr>
+            <a:r>
+              <a:rPr lang="en-US" sz="2000" dirty="0" smtClean="0"/>
+              <a:t>&lt;</a:t>
+            </a:r>
+            <a:r>
+              <a:rPr lang="en-US" sz="2000" dirty="0"/>
+              <a:t>script </a:t>
+            </a:r>
+            <a:r>
+              <a:rPr lang="en-US" sz="2000" dirty="0" err="1"/>
+              <a:t>src</a:t>
+            </a:r>
+            <a:r>
+              <a:rPr lang="en-US" sz="2000" dirty="0"/>
+              <a:t>="build/react-dom.js"&gt;&lt;/script&gt; </a:t>
+            </a:r>
+            <a:endParaRPr lang="en-US" sz="2000" dirty="0" smtClean="0"/>
+          </a:p>
+          <a:p>
+            <a:pPr marL="0" indent="0">
+              <a:buNone/>
+            </a:pPr>
+            <a:r>
+              <a:rPr lang="en-US" sz="2000" dirty="0" smtClean="0"/>
+              <a:t>&lt;</a:t>
+            </a:r>
+            <a:r>
+              <a:rPr lang="en-US" sz="2000" dirty="0"/>
+              <a:t>script </a:t>
+            </a:r>
+            <a:r>
+              <a:rPr lang="en-US" sz="2000" dirty="0" err="1"/>
+              <a:t>src</a:t>
+            </a:r>
+            <a:r>
+              <a:rPr lang="en-US" sz="2000" dirty="0"/>
+              <a:t>="https://cdnjs.cloudflare.com/ajax/libs/babel-core/5.8.23/browser.min.js"&gt;&lt;/script</a:t>
+            </a:r>
+            <a:r>
+              <a:rPr lang="en-US" sz="2000" dirty="0" smtClean="0"/>
+              <a:t>&gt;</a:t>
+            </a:r>
+            <a:endParaRPr lang="en-US" dirty="0"/>
+          </a:p>
+          <a:p>
+            <a:pPr marL="0" indent="0">
+              <a:buNone/>
+            </a:pPr>
+            <a:r>
+              <a:rPr lang="en-US" dirty="0" smtClean="0"/>
+              <a:t>		</a:t>
+            </a:r>
+          </a:p>
+          <a:p>
+            <a:pPr marL="0" indent="0">
+              <a:buNone/>
+            </a:pPr>
+            <a:r>
+              <a:rPr lang="en-US" dirty="0" smtClean="0"/>
+              <a:t>OR</a:t>
+            </a:r>
+          </a:p>
+          <a:p>
+            <a:pPr marL="0" indent="0">
+              <a:buNone/>
+            </a:pPr>
+            <a:endParaRPr lang="en-US" dirty="0"/>
+          </a:p>
+          <a:p>
+            <a:pPr marL="0" indent="0">
+              <a:buNone/>
+            </a:pPr>
+            <a:r>
+              <a:rPr lang="en-US" sz="2000" dirty="0" err="1" smtClean="0"/>
+              <a:t>npm</a:t>
+            </a:r>
+            <a:r>
+              <a:rPr lang="en-US" sz="2000" dirty="0" smtClean="0"/>
+              <a:t> </a:t>
+            </a:r>
+            <a:r>
+              <a:rPr lang="en-US" sz="2000" dirty="0"/>
+              <a:t>install --save react react-</a:t>
+            </a:r>
+            <a:r>
+              <a:rPr lang="en-US" sz="2000" dirty="0" err="1"/>
+              <a:t>dom</a:t>
+            </a:r>
+            <a:r>
+              <a:rPr lang="en-US" sz="2000" dirty="0"/>
+              <a:t> </a:t>
+            </a:r>
+            <a:r>
+              <a:rPr lang="en-US" sz="2000" dirty="0" err="1"/>
+              <a:t>babelify</a:t>
+            </a:r>
+            <a:r>
+              <a:rPr lang="en-US" sz="2000" dirty="0"/>
+              <a:t> </a:t>
+            </a:r>
+            <a:r>
+              <a:rPr lang="en-US" sz="2000" dirty="0" smtClean="0"/>
+              <a:t>babel-preset-react</a:t>
+            </a:r>
+          </a:p>
+          <a:p>
+            <a:pPr marL="0" indent="0">
+              <a:buNone/>
+            </a:pPr>
+            <a:r>
+              <a:rPr lang="en-US" sz="2000" dirty="0" smtClean="0"/>
+              <a:t>//Then use with require.js</a:t>
+            </a:r>
+            <a:endParaRPr lang="en-US" sz="2000" dirty="0"/>
+          </a:p>
+          <a:p>
+            <a:pPr marL="0" indent="0">
+              <a:buNone/>
+            </a:pPr>
+            <a:r>
+              <a:rPr lang="en-US" sz="2000" dirty="0" err="1"/>
+              <a:t>var</a:t>
+            </a:r>
+            <a:r>
+              <a:rPr lang="en-US" sz="2000" dirty="0"/>
+              <a:t> React = require('react'); </a:t>
+            </a:r>
+            <a:endParaRPr lang="en-US" sz="2000" dirty="0" smtClean="0"/>
+          </a:p>
+          <a:p>
+            <a:pPr marL="0" indent="0">
+              <a:buNone/>
+            </a:pPr>
+            <a:r>
+              <a:rPr lang="en-US" sz="2000" dirty="0" err="1" smtClean="0"/>
+              <a:t>var</a:t>
+            </a:r>
+            <a:r>
+              <a:rPr lang="en-US" sz="2000" dirty="0" smtClean="0"/>
+              <a:t> </a:t>
+            </a:r>
+            <a:r>
+              <a:rPr lang="en-US" sz="2000" dirty="0" err="1"/>
+              <a:t>ReactDOM</a:t>
+            </a:r>
+            <a:r>
+              <a:rPr lang="en-US" sz="2000" dirty="0"/>
+              <a:t> = require('react-</a:t>
+            </a:r>
+            <a:r>
+              <a:rPr lang="en-US" sz="2000" dirty="0" err="1"/>
+              <a:t>dom</a:t>
+            </a:r>
+            <a:r>
+              <a:rPr lang="en-US" sz="2000" dirty="0"/>
+              <a:t>');</a:t>
+            </a:r>
+            <a:endParaRPr lang="en-US" sz="2000" dirty="0" smtClean="0"/>
+          </a:p>
+          <a:p>
+            <a:pPr marL="0" indent="0">
+              <a:buNone/>
+            </a:pPr>
             <a:endParaRPr lang="en-US" dirty="0"/>
           </a:p>
         </p:txBody>
@@ -6096,7 +6071,7 @@
     </p:spTree>
     <p:extLst>
       <p:ext uri="{BB962C8B-B14F-4D97-AF65-F5344CB8AC3E}">
-        <p14:creationId xmlns:p14="http://schemas.microsoft.com/office/powerpoint/2010/main" val="2389650339"/>
+        <p14:creationId xmlns:p14="http://schemas.microsoft.com/office/powerpoint/2010/main" val="2870838800"/>
       </p:ext>
     </p:extLst>
   </p:cSld>
@@ -6147,7 +6122,7 @@
           <a:p>
             <a:r>
               <a:rPr lang="en-US" dirty="0" smtClean="0"/>
-              <a:t>Hello World</a:t>
+              <a:t>The JSX syntax</a:t>
             </a:r>
             <a:endParaRPr lang="en-US" dirty="0"/>
           </a:p>
@@ -6168,50 +6143,83 @@
           <a:bodyPr/>
           <a:lstStyle/>
           <a:p>
-            <a:pPr marL="0" indent="0">
-              <a:buNone/>
-            </a:pPr>
+            <a:r>
+              <a:rPr lang="en-US" dirty="0" smtClean="0"/>
+              <a:t>React provides us a more convenient way to write Html markup in </a:t>
+            </a:r>
             <a:r>
               <a:rPr lang="en-US" dirty="0" err="1" smtClean="0"/>
-              <a:t>var</a:t>
-            </a:r>
-            <a:r>
-              <a:rPr lang="en-US" dirty="0" smtClean="0"/>
-              <a:t> </a:t>
+              <a:t>javascript</a:t>
+            </a:r>
+            <a:r>
+              <a:rPr lang="en-US" dirty="0" smtClean="0"/>
+              <a:t> code. We call it the </a:t>
             </a:r>
             <a:r>
               <a:rPr lang="en-US" dirty="0" err="1" smtClean="0"/>
-              <a:t>HelloMessage</a:t>
-            </a:r>
-            <a:r>
-              <a:rPr lang="en-US" dirty="0" smtClean="0"/>
-              <a:t> = </a:t>
+              <a:t>XMLish</a:t>
+            </a:r>
+            <a:r>
+              <a:rPr lang="en-US" dirty="0" smtClean="0"/>
+              <a:t> syntax and can refer the files as .</a:t>
             </a:r>
             <a:r>
               <a:rPr lang="en-US" dirty="0" err="1" smtClean="0"/>
-              <a:t>React.createClass</a:t>
-            </a:r>
-            <a:r>
-              <a:rPr lang="en-US" dirty="0" smtClean="0"/>
-              <a:t>({</a:t>
-            </a:r>
-          </a:p>
-          <a:p>
-            <a:pPr marL="0" indent="0">
-              <a:buNone/>
-            </a:pPr>
-            <a:r>
-              <a:rPr lang="en-US" dirty="0" smtClean="0"/>
-              <a:t>  render: function() {</a:t>
-            </a:r>
-          </a:p>
-          <a:p>
-            <a:pPr marL="0" indent="0">
-              <a:buNone/>
-            </a:pPr>
-            <a:r>
-              <a:rPr lang="en-US" dirty="0" smtClean="0"/>
-              <a:t>    return &lt;div&gt;Hello {this.props.name}&lt;/div&gt;;</a:t>
+              <a:t>jsx</a:t>
+            </a:r>
+            <a:r>
+              <a:rPr lang="en-US" dirty="0" smtClean="0"/>
+              <a:t> extension</a:t>
+            </a:r>
+          </a:p>
+          <a:p>
+            <a:pPr marL="0" indent="0">
+              <a:buNone/>
+            </a:pPr>
+            <a:endParaRPr lang="en-US" dirty="0" smtClean="0"/>
+          </a:p>
+          <a:p>
+            <a:pPr marL="0" indent="0">
+              <a:buNone/>
+            </a:pPr>
+            <a:r>
+              <a:rPr lang="en-US" dirty="0" smtClean="0"/>
+              <a:t>function() {</a:t>
+            </a:r>
+          </a:p>
+          <a:p>
+            <a:pPr marL="0" indent="0">
+              <a:buNone/>
+            </a:pPr>
+            <a:r>
+              <a:rPr lang="en-US" dirty="0" smtClean="0"/>
+              <a:t>    return (</a:t>
+            </a:r>
+          </a:p>
+          <a:p>
+            <a:pPr marL="0" indent="0">
+              <a:buNone/>
+            </a:pPr>
+            <a:r>
+              <a:rPr lang="en-US" dirty="0" smtClean="0"/>
+              <a:t>      &lt;div&gt;Put markup inside the &lt;span&gt;</a:t>
+            </a:r>
+            <a:r>
+              <a:rPr lang="en-US" dirty="0" err="1" smtClean="0"/>
+              <a:t>Javascript</a:t>
+            </a:r>
+            <a:r>
+              <a:rPr lang="en-US" dirty="0" smtClean="0"/>
+              <a:t>&lt;/span&gt;&lt;/div&gt;</a:t>
+            </a:r>
+          </a:p>
+          <a:p>
+            <a:pPr marL="0" indent="0">
+              <a:buNone/>
+            </a:pPr>
+            <a:r>
+              <a:rPr lang="en-US" dirty="0" smtClean="0"/>
+              <a:t>    );</a:t>
             </a:r>
           </a:p>
           <a:p>
@@ -6221,79 +6229,6 @@
             <a:r>
               <a:rPr lang="en-US" dirty="0" smtClean="0"/>
               <a:t>  }</a:t>
-            </a:r>
-          </a:p>
-          <a:p>
-            <a:pPr marL="0" indent="0">
-              <a:buNone/>
-            </a:pPr>
-            <a:r>
-              <a:rPr lang="en-US" dirty="0" smtClean="0"/>
-              <a:t>});</a:t>
-            </a:r>
-          </a:p>
-          <a:p>
-            <a:pPr marL="0" indent="0">
-              <a:buNone/>
-            </a:pPr>
-            <a:endParaRPr lang="en-US" dirty="0" smtClean="0"/>
-          </a:p>
-          <a:p>
-            <a:pPr marL="0" indent="0">
-              <a:buNone/>
-            </a:pPr>
-            <a:r>
-              <a:rPr lang="en-US" dirty="0" err="1" smtClean="0"/>
-              <a:t>mountNode</a:t>
-            </a:r>
-            <a:r>
-              <a:rPr lang="en-US" dirty="0" smtClean="0"/>
-              <a:t> = </a:t>
-            </a:r>
-            <a:r>
-              <a:rPr lang="en-US" dirty="0" err="1" smtClean="0"/>
-              <a:t>document.getElementById</a:t>
-            </a:r>
-            <a:r>
-              <a:rPr lang="en-US" dirty="0" smtClean="0"/>
-              <a:t>(‘</a:t>
-            </a:r>
-            <a:r>
-              <a:rPr lang="en-US" dirty="0" err="1" smtClean="0"/>
-              <a:t>mainDiv</a:t>
-            </a:r>
-            <a:r>
-              <a:rPr lang="en-US" dirty="0" smtClean="0"/>
-              <a:t>’);</a:t>
-            </a:r>
-          </a:p>
-          <a:p>
-            <a:pPr marL="0" indent="0">
-              <a:buNone/>
-            </a:pPr>
-            <a:r>
-              <a:rPr lang="en-US" dirty="0" err="1" smtClean="0"/>
-              <a:t>ReactDOM.render</a:t>
-            </a:r>
-            <a:r>
-              <a:rPr lang="en-US" dirty="0" smtClean="0"/>
-              <a:t>(&lt;</a:t>
-            </a:r>
-            <a:r>
-              <a:rPr lang="en-US" dirty="0" err="1" smtClean="0"/>
-              <a:t>HelloMessage</a:t>
-            </a:r>
-            <a:r>
-              <a:rPr lang="en-US" dirty="0" smtClean="0"/>
-              <a:t> name="John" /&gt;, </a:t>
-            </a:r>
-            <a:r>
-              <a:rPr lang="en-US" dirty="0" err="1" smtClean="0"/>
-              <a:t>mountNode</a:t>
-            </a:r>
-            <a:r>
-              <a:rPr lang="en-US" dirty="0" smtClean="0"/>
-              <a:t>);</a:t>
             </a:r>
             <a:endParaRPr lang="en-US" dirty="0"/>
           </a:p>
@@ -6302,7 +6237,7 @@
     </p:spTree>
     <p:extLst>
       <p:ext uri="{BB962C8B-B14F-4D97-AF65-F5344CB8AC3E}">
-        <p14:creationId xmlns:p14="http://schemas.microsoft.com/office/powerpoint/2010/main" val="847371371"/>
+        <p14:creationId xmlns:p14="http://schemas.microsoft.com/office/powerpoint/2010/main" val="2389650339"/>
       </p:ext>
     </p:extLst>
   </p:cSld>
@@ -6353,7 +6288,7 @@
           <a:p>
             <a:r>
               <a:rPr lang="en-US" dirty="0" smtClean="0"/>
-              <a:t>React Component</a:t>
+              <a:t>Hello World</a:t>
             </a:r>
             <a:endParaRPr lang="en-US" dirty="0"/>
           </a:p>
@@ -6374,25 +6309,141 @@
           <a:bodyPr/>
           <a:lstStyle/>
           <a:p>
-            <a:r>
-              <a:rPr lang="en-US" dirty="0" smtClean="0"/>
-              <a:t>In React we refer </a:t>
-            </a:r>
-            <a:r>
-              <a:rPr lang="en-US" dirty="0" smtClean="0"/>
-              <a:t>all </a:t>
-            </a:r>
-            <a:r>
-              <a:rPr lang="en-US" dirty="0" smtClean="0"/>
-              <a:t>the piece of code as component. </a:t>
-            </a:r>
+            <a:pPr marL="0" indent="0">
+              <a:buNone/>
+            </a:pPr>
+            <a:r>
+              <a:rPr lang="en-US" dirty="0" err="1" smtClean="0"/>
+              <a:t>var</a:t>
+            </a:r>
+            <a:r>
+              <a:rPr lang="en-US" dirty="0" smtClean="0"/>
+              <a:t> </a:t>
+            </a:r>
+            <a:r>
+              <a:rPr lang="en-US" dirty="0" err="1" smtClean="0"/>
+              <a:t>HelloMessage</a:t>
+            </a:r>
+            <a:r>
+              <a:rPr lang="en-US" dirty="0" smtClean="0"/>
+              <a:t> = </a:t>
+            </a:r>
+            <a:r>
+              <a:rPr lang="en-US" dirty="0" err="1" smtClean="0"/>
+              <a:t>React.createClass</a:t>
+            </a:r>
+            <a:r>
+              <a:rPr lang="en-US" dirty="0" smtClean="0"/>
+              <a:t>({</a:t>
+            </a:r>
+          </a:p>
+          <a:p>
+            <a:pPr marL="0" indent="0">
+              <a:buNone/>
+            </a:pPr>
+            <a:r>
+              <a:rPr lang="en-US" dirty="0" smtClean="0"/>
+              <a:t>  render: function() {</a:t>
+            </a:r>
+          </a:p>
+          <a:p>
+            <a:pPr marL="0" indent="0">
+              <a:buNone/>
+            </a:pPr>
+            <a:r>
+              <a:rPr lang="en-US" dirty="0" smtClean="0"/>
+              <a:t>    return &lt;div&gt;Hello {this.props.name}&lt;/div&gt;;</a:t>
+            </a:r>
+          </a:p>
+          <a:p>
+            <a:pPr marL="0" indent="0">
+              <a:buNone/>
+            </a:pPr>
+            <a:r>
+              <a:rPr lang="en-US" dirty="0" smtClean="0"/>
+              <a:t>  }</a:t>
+            </a:r>
+          </a:p>
+          <a:p>
+            <a:pPr marL="0" indent="0">
+              <a:buNone/>
+            </a:pPr>
+            <a:r>
+              <a:rPr lang="en-US" dirty="0" smtClean="0"/>
+              <a:t>});</a:t>
+            </a:r>
+          </a:p>
+          <a:p>
+            <a:pPr marL="0" indent="0">
+              <a:buNone/>
+            </a:pPr>
+            <a:endParaRPr lang="en-US" dirty="0" smtClean="0"/>
+          </a:p>
+          <a:p>
+            <a:pPr marL="0" indent="0">
+              <a:buNone/>
+            </a:pPr>
+            <a:r>
+              <a:rPr lang="en-US" dirty="0" err="1" smtClean="0"/>
+              <a:t>mountNode</a:t>
+            </a:r>
+            <a:r>
+              <a:rPr lang="en-US" dirty="0" smtClean="0"/>
+              <a:t> = </a:t>
+            </a:r>
+            <a:r>
+              <a:rPr lang="en-US" dirty="0" err="1" smtClean="0"/>
+              <a:t>document.getElementById</a:t>
+            </a:r>
+            <a:r>
+              <a:rPr lang="en-US" dirty="0" smtClean="0"/>
+              <a:t>(‘</a:t>
+            </a:r>
+            <a:r>
+              <a:rPr lang="en-US" dirty="0" err="1" smtClean="0"/>
+              <a:t>mainDiv</a:t>
+            </a:r>
+            <a:r>
+              <a:rPr lang="en-US" dirty="0" smtClean="0"/>
+              <a:t>’);</a:t>
+            </a:r>
+          </a:p>
+          <a:p>
+            <a:pPr marL="0" indent="0">
+              <a:buNone/>
+            </a:pPr>
+            <a:r>
+              <a:rPr lang="en-US" dirty="0" err="1" smtClean="0"/>
+              <a:t>ReactDOM.render</a:t>
+            </a:r>
+            <a:r>
+              <a:rPr lang="en-US" dirty="0" smtClean="0"/>
+              <a:t>(&lt;</a:t>
+            </a:r>
+            <a:r>
+              <a:rPr lang="en-US" dirty="0" err="1" smtClean="0"/>
+              <a:t>HelloMessage</a:t>
+            </a:r>
+            <a:r>
+              <a:rPr lang="en-US" dirty="0" smtClean="0"/>
+              <a:t> name="John" /&gt;, </a:t>
+            </a:r>
+            <a:r>
+              <a:rPr lang="en-US" dirty="0" err="1" smtClean="0"/>
+              <a:t>mountNode</a:t>
+            </a:r>
+            <a:r>
+              <a:rPr lang="en-US" dirty="0" smtClean="0"/>
+              <a:t>);</a:t>
+            </a:r>
+            <a:endParaRPr lang="en-US" dirty="0"/>
           </a:p>
         </p:txBody>
       </p:sp>
     </p:spTree>
     <p:extLst>
       <p:ext uri="{BB962C8B-B14F-4D97-AF65-F5344CB8AC3E}">
-        <p14:creationId xmlns:p14="http://schemas.microsoft.com/office/powerpoint/2010/main" val="1758047748"/>
+        <p14:creationId xmlns:p14="http://schemas.microsoft.com/office/powerpoint/2010/main" val="847371371"/>
       </p:ext>
     </p:extLst>
   </p:cSld>
@@ -6466,82 +6517,15 @@
           <a:p>
             <a:r>
               <a:rPr lang="en-US" dirty="0" smtClean="0"/>
-              <a:t>In React we refer </a:t>
-            </a:r>
-            <a:r>
-              <a:rPr lang="en-US" dirty="0" smtClean="0"/>
-              <a:t>all </a:t>
-            </a:r>
-            <a:r>
-              <a:rPr lang="en-US" dirty="0" smtClean="0"/>
-              <a:t>the piece of code as component. </a:t>
-            </a:r>
-          </a:p>
-          <a:p>
-            <a:r>
-              <a:rPr lang="en-US" dirty="0" smtClean="0"/>
-              <a:t>A </a:t>
-            </a:r>
-            <a:r>
-              <a:rPr lang="en-US" dirty="0"/>
-              <a:t>component can maintain internal state data (accessed </a:t>
-            </a:r>
-            <a:r>
-              <a:rPr lang="en-US" dirty="0" smtClean="0"/>
-              <a:t>via </a:t>
-            </a:r>
-            <a:r>
-              <a:rPr lang="en-US" dirty="0" err="1" smtClean="0"/>
-              <a:t>this.props</a:t>
-            </a:r>
-            <a:r>
-              <a:rPr lang="en-US" dirty="0" smtClean="0"/>
-              <a:t> or </a:t>
-            </a:r>
-            <a:r>
-              <a:rPr lang="en-US" dirty="0" err="1" smtClean="0"/>
-              <a:t>this.state</a:t>
-            </a:r>
-            <a:r>
-              <a:rPr lang="en-US" dirty="0" smtClean="0"/>
-              <a:t>) </a:t>
-            </a:r>
-            <a:r>
-              <a:rPr lang="en-US" dirty="0"/>
-              <a:t>When a component's state data changes, the rendered markup will be updated by </a:t>
-            </a:r>
-            <a:r>
-              <a:rPr lang="en-US" dirty="0" smtClean="0"/>
-              <a:t>re-invoking render</a:t>
-            </a:r>
-            <a:r>
-              <a:rPr lang="en-US" dirty="0" smtClean="0"/>
-              <a:t>() method </a:t>
-            </a:r>
-            <a:r>
-              <a:rPr lang="en-US" dirty="0" smtClean="0"/>
-              <a:t>this is known as </a:t>
-            </a:r>
-            <a:r>
-              <a:rPr lang="en-US" dirty="0" err="1" smtClean="0"/>
-              <a:t>stateful</a:t>
-            </a:r>
-            <a:r>
-              <a:rPr lang="en-US" dirty="0" smtClean="0"/>
-              <a:t> component</a:t>
-            </a:r>
-            <a:r>
-              <a:rPr lang="en-US" dirty="0" smtClean="0"/>
-              <a:t>.</a:t>
-            </a:r>
-            <a:endParaRPr lang="en-US" dirty="0" smtClean="0"/>
+              <a:t>In React we refer all the piece of code as component. </a:t>
+            </a:r>
           </a:p>
         </p:txBody>
       </p:sp>
     </p:spTree>
     <p:extLst>
       <p:ext uri="{BB962C8B-B14F-4D97-AF65-F5344CB8AC3E}">
-        <p14:creationId xmlns:p14="http://schemas.microsoft.com/office/powerpoint/2010/main" val="1267586818"/>
+        <p14:creationId xmlns:p14="http://schemas.microsoft.com/office/powerpoint/2010/main" val="1758047748"/>
       </p:ext>
     </p:extLst>
   </p:cSld>
@@ -6615,15 +6599,7 @@
           <a:p>
             <a:r>
               <a:rPr lang="en-US" dirty="0" smtClean="0"/>
-              <a:t>In React we </a:t>
-            </a:r>
-            <a:r>
-              <a:rPr lang="en-US" dirty="0" smtClean="0"/>
-              <a:t>refer </a:t>
-            </a:r>
-            <a:r>
-              <a:rPr lang="en-US" dirty="0" smtClean="0"/>
-              <a:t>all the piece of code as component. </a:t>
+              <a:t>In React we refer all the piece of code as component. </a:t>
             </a:r>
           </a:p>
           <a:p>
@@ -6661,15 +6637,7 @@
             </a:r>
             <a:r>
               <a:rPr lang="en-US" dirty="0" smtClean="0"/>
-              <a:t>re-invoking render</a:t>
-            </a:r>
-            <a:r>
-              <a:rPr lang="en-US" dirty="0" smtClean="0"/>
-              <a:t>() method </a:t>
-            </a:r>
-            <a:r>
-              <a:rPr lang="en-US" dirty="0" smtClean="0"/>
-              <a:t>this is known as </a:t>
+              <a:t>re-invoking render() method this is known as </a:t>
             </a:r>
             <a:r>
               <a:rPr lang="en-US" dirty="0" err="1" smtClean="0"/>
@@ -6679,20 +6647,13 @@
               <a:rPr lang="en-US" dirty="0" smtClean="0"/>
               <a:t> component.</a:t>
             </a:r>
-          </a:p>
-          <a:p>
-            <a:r>
-              <a:rPr lang="en-US" dirty="0" smtClean="0"/>
-              <a:t>Components can be nested i.e. One component can use the other component inside its render method()</a:t>
-            </a:r>
-            <a:endParaRPr lang="en-US" dirty="0"/>
           </a:p>
         </p:txBody>
       </p:sp>
     </p:spTree>
     <p:extLst>
       <p:ext uri="{BB962C8B-B14F-4D97-AF65-F5344CB8AC3E}">
-        <p14:creationId xmlns:p14="http://schemas.microsoft.com/office/powerpoint/2010/main" val="244897001"/>
+        <p14:creationId xmlns:p14="http://schemas.microsoft.com/office/powerpoint/2010/main" val="1267586818"/>
       </p:ext>
     </p:extLst>
   </p:cSld>
@@ -6742,275 +6703,92 @@
           <a:lstStyle/>
           <a:p>
             <a:r>
+              <a:rPr lang="en-US" dirty="0" smtClean="0"/>
+              <a:t>React Component</a:t>
+            </a:r>
+            <a:endParaRPr lang="en-US" dirty="0"/>
+          </a:p>
+        </p:txBody>
+      </p:sp>
+      <p:sp>
+        <p:nvSpPr>
+          <p:cNvPr id="3" name="Content Placeholder 2"/>
+          <p:cNvSpPr>
+            <a:spLocks noGrp="1"/>
+          </p:cNvSpPr>
+          <p:nvPr>
+            <p:ph idx="1"/>
+          </p:nvPr>
+        </p:nvSpPr>
+        <p:spPr/>
+        <p:txBody>
+          <a:bodyPr/>
+          <a:lstStyle/>
+          <a:p>
+            <a:r>
+              <a:rPr lang="en-US" dirty="0" smtClean="0"/>
+              <a:t>In React we refer all the piece of code as component. </a:t>
+            </a:r>
+          </a:p>
+          <a:p>
+            <a:r>
+              <a:rPr lang="en-US" dirty="0" smtClean="0"/>
+              <a:t>A </a:t>
+            </a:r>
+            <a:r>
+              <a:rPr lang="en-US" dirty="0"/>
+              <a:t>component can maintain internal state data (accessed </a:t>
+            </a:r>
+            <a:r>
+              <a:rPr lang="en-US" dirty="0" smtClean="0"/>
+              <a:t>via </a:t>
+            </a:r>
+            <a:r>
               <a:rPr lang="en-US" dirty="0" err="1" smtClean="0"/>
-              <a:t>Stateful</a:t>
-            </a:r>
-            <a:r>
-              <a:rPr lang="en-US" dirty="0" smtClean="0"/>
-              <a:t> Component</a:t>
+              <a:t>this.props</a:t>
+            </a:r>
+            <a:r>
+              <a:rPr lang="en-US" dirty="0" smtClean="0"/>
+              <a:t> or </a:t>
+            </a:r>
+            <a:r>
+              <a:rPr lang="en-US" dirty="0" err="1" smtClean="0"/>
+              <a:t>this.state</a:t>
+            </a:r>
+            <a:r>
+              <a:rPr lang="en-US" dirty="0" smtClean="0"/>
+              <a:t>) </a:t>
+            </a:r>
+            <a:r>
+              <a:rPr lang="en-US" dirty="0"/>
+              <a:t>When a component's state data changes, the rendered markup will be updated by </a:t>
+            </a:r>
+            <a:r>
+              <a:rPr lang="en-US" dirty="0" smtClean="0"/>
+              <a:t>re-invoking render() method this is known as </a:t>
+            </a:r>
+            <a:r>
+              <a:rPr lang="en-US" dirty="0" err="1" smtClean="0"/>
+              <a:t>stateful</a:t>
+            </a:r>
+            <a:r>
+              <a:rPr lang="en-US" dirty="0" smtClean="0"/>
+              <a:t> component.</a:t>
+            </a:r>
+          </a:p>
+          <a:p>
+            <a:r>
+              <a:rPr lang="en-US" dirty="0" smtClean="0"/>
+              <a:t>Components can be nested i.e. One component can use the other component inside its render method()</a:t>
             </a:r>
             <a:endParaRPr lang="en-US" dirty="0"/>
-          </a:p>
-        </p:txBody>
-      </p:sp>
-      <p:sp>
-        <p:nvSpPr>
-          <p:cNvPr id="3" name="Content Placeholder 2"/>
-          <p:cNvSpPr>
-            <a:spLocks noGrp="1"/>
-          </p:cNvSpPr>
-          <p:nvPr>
-            <p:ph idx="1"/>
-          </p:nvPr>
-        </p:nvSpPr>
-        <p:spPr/>
-        <p:txBody>
-          <a:bodyPr>
-            <a:normAutofit fontScale="92500" lnSpcReduction="10000"/>
-          </a:bodyPr>
-          <a:lstStyle/>
-          <a:p>
-            <a:pPr marL="0" indent="0">
-              <a:buNone/>
-            </a:pPr>
-            <a:r>
-              <a:rPr lang="en-US" sz="1800" dirty="0" err="1" smtClean="0"/>
-              <a:t>var</a:t>
-            </a:r>
-            <a:r>
-              <a:rPr lang="en-US" sz="1800" dirty="0" smtClean="0"/>
-              <a:t> Counter = </a:t>
-            </a:r>
-            <a:r>
-              <a:rPr lang="en-US" sz="1800" dirty="0" err="1" smtClean="0"/>
-              <a:t>React.createClass</a:t>
-            </a:r>
-            <a:r>
-              <a:rPr lang="en-US" sz="1800" dirty="0" smtClean="0"/>
-              <a:t>({</a:t>
-            </a:r>
-          </a:p>
-          <a:p>
-            <a:pPr marL="0" indent="0">
-              <a:buNone/>
-            </a:pPr>
-            <a:r>
-              <a:rPr lang="en-US" sz="1800" dirty="0" smtClean="0"/>
-              <a:t>  </a:t>
-            </a:r>
-            <a:r>
-              <a:rPr lang="en-US" sz="1800" dirty="0" err="1" smtClean="0"/>
-              <a:t>getInitialState</a:t>
-            </a:r>
-            <a:r>
-              <a:rPr lang="en-US" sz="1800" dirty="0" smtClean="0"/>
-              <a:t>: function() {</a:t>
-            </a:r>
-          </a:p>
-          <a:p>
-            <a:pPr marL="0" indent="0">
-              <a:buNone/>
-            </a:pPr>
-            <a:r>
-              <a:rPr lang="en-US" sz="1800" dirty="0" smtClean="0"/>
-              <a:t>    return {counter: 0};</a:t>
-            </a:r>
-          </a:p>
-          <a:p>
-            <a:pPr marL="0" indent="0">
-              <a:buNone/>
-            </a:pPr>
-            <a:r>
-              <a:rPr lang="en-US" sz="1800" dirty="0" smtClean="0"/>
-              <a:t>  },</a:t>
-            </a:r>
-          </a:p>
-          <a:p>
-            <a:pPr marL="0" indent="0">
-              <a:buNone/>
-            </a:pPr>
-            <a:r>
-              <a:rPr lang="en-US" sz="1800" dirty="0" smtClean="0"/>
-              <a:t>  </a:t>
-            </a:r>
-            <a:r>
-              <a:rPr lang="en-US" sz="1800" dirty="0" err="1" smtClean="0"/>
-              <a:t>onClick</a:t>
-            </a:r>
-            <a:r>
-              <a:rPr lang="en-US" sz="1800" dirty="0" smtClean="0"/>
-              <a:t>: function() {</a:t>
-            </a:r>
-          </a:p>
-          <a:p>
-            <a:pPr marL="0" indent="0">
-              <a:buNone/>
-            </a:pPr>
-            <a:r>
-              <a:rPr lang="en-US" sz="1800" dirty="0" smtClean="0"/>
-              <a:t>    </a:t>
-            </a:r>
-            <a:r>
-              <a:rPr lang="en-US" sz="1800" dirty="0" err="1" smtClean="0"/>
-              <a:t>this.setState</a:t>
-            </a:r>
-            <a:r>
-              <a:rPr lang="en-US" sz="1800" dirty="0" smtClean="0"/>
-              <a:t>({counter: </a:t>
-            </a:r>
-            <a:r>
-              <a:rPr lang="en-US" sz="1800" dirty="0" err="1" smtClean="0"/>
-              <a:t>this.state.counter</a:t>
-            </a:r>
-            <a:r>
-              <a:rPr lang="en-US" sz="1800" dirty="0" smtClean="0"/>
-              <a:t> + 1}); </a:t>
-            </a:r>
-            <a:r>
-              <a:rPr lang="en-US" sz="1800" dirty="0" smtClean="0">
-                <a:solidFill>
-                  <a:schemeClr val="accent1">
-                    <a:lumMod val="75000"/>
-                  </a:schemeClr>
-                </a:solidFill>
-              </a:rPr>
-              <a:t>//</a:t>
-            </a:r>
-            <a:r>
-              <a:rPr lang="en-US" sz="1800" dirty="0" smtClean="0">
-                <a:solidFill>
-                  <a:schemeClr val="accent1">
-                    <a:lumMod val="75000"/>
-                  </a:schemeClr>
-                </a:solidFill>
-              </a:rPr>
-              <a:t>this method </a:t>
-            </a:r>
-            <a:r>
-              <a:rPr lang="en-US" sz="1800" dirty="0" smtClean="0">
-                <a:solidFill>
-                  <a:schemeClr val="accent1">
-                    <a:lumMod val="75000"/>
-                  </a:schemeClr>
-                </a:solidFill>
-              </a:rPr>
-              <a:t>will re render the </a:t>
-            </a:r>
-            <a:r>
-              <a:rPr lang="en-US" sz="1800" dirty="0" err="1" smtClean="0">
-                <a:solidFill>
-                  <a:schemeClr val="accent1">
-                    <a:lumMod val="75000"/>
-                  </a:schemeClr>
-                </a:solidFill>
-              </a:rPr>
-              <a:t>the</a:t>
-            </a:r>
-            <a:r>
-              <a:rPr lang="en-US" sz="1800" dirty="0" smtClean="0">
-                <a:solidFill>
-                  <a:schemeClr val="accent1">
-                    <a:lumMod val="75000"/>
-                  </a:schemeClr>
-                </a:solidFill>
-              </a:rPr>
-              <a:t> DOM</a:t>
-            </a:r>
-          </a:p>
-          <a:p>
-            <a:pPr marL="0" indent="0">
-              <a:buNone/>
-            </a:pPr>
-            <a:r>
-              <a:rPr lang="en-US" sz="1800" dirty="0" smtClean="0"/>
-              <a:t>  },</a:t>
-            </a:r>
-          </a:p>
-          <a:p>
-            <a:pPr marL="0" indent="0">
-              <a:buNone/>
-            </a:pPr>
-            <a:r>
-              <a:rPr lang="en-US" sz="1800" dirty="0" smtClean="0"/>
-              <a:t>  render: function() {</a:t>
-            </a:r>
-          </a:p>
-          <a:p>
-            <a:pPr marL="0" indent="0">
-              <a:buNone/>
-            </a:pPr>
-            <a:r>
-              <a:rPr lang="en-US" sz="1800" dirty="0" smtClean="0"/>
-              <a:t>    return (</a:t>
-            </a:r>
-          </a:p>
-          <a:p>
-            <a:pPr marL="0" indent="0">
-              <a:buNone/>
-            </a:pPr>
-            <a:r>
-              <a:rPr lang="en-US" sz="1800" dirty="0" smtClean="0"/>
-              <a:t>      &lt;h3 </a:t>
-            </a:r>
-            <a:r>
-              <a:rPr lang="en-US" sz="1800" dirty="0" err="1" smtClean="0"/>
-              <a:t>onClick</a:t>
-            </a:r>
-            <a:r>
-              <a:rPr lang="en-US" sz="1800" dirty="0" smtClean="0"/>
-              <a:t>={</a:t>
-            </a:r>
-            <a:r>
-              <a:rPr lang="en-US" sz="1800" dirty="0" err="1" smtClean="0"/>
-              <a:t>this.onClick</a:t>
-            </a:r>
-            <a:r>
-              <a:rPr lang="en-US" sz="1800" dirty="0" smtClean="0"/>
-              <a:t>}&gt; Counter using state property: {</a:t>
-            </a:r>
-            <a:r>
-              <a:rPr lang="en-US" sz="1800" dirty="0" err="1" smtClean="0"/>
-              <a:t>this.state.counter</a:t>
-            </a:r>
-            <a:r>
-              <a:rPr lang="en-US" sz="1800" dirty="0" smtClean="0"/>
-              <a:t>}&lt;/h3&gt;</a:t>
-            </a:r>
-          </a:p>
-          <a:p>
-            <a:pPr marL="0" indent="0">
-              <a:buNone/>
-            </a:pPr>
-            <a:r>
-              <a:rPr lang="en-US" sz="1800" dirty="0" smtClean="0"/>
-              <a:t>    );</a:t>
-            </a:r>
-          </a:p>
-          <a:p>
-            <a:pPr marL="0" indent="0">
-              <a:buNone/>
-            </a:pPr>
-            <a:r>
-              <a:rPr lang="en-US" sz="1800" dirty="0" smtClean="0"/>
-              <a:t>  }</a:t>
-            </a:r>
-          </a:p>
-          <a:p>
-            <a:pPr marL="0" indent="0">
-              <a:buNone/>
-            </a:pPr>
-            <a:r>
-              <a:rPr lang="en-US" sz="1800" dirty="0" smtClean="0"/>
-              <a:t>});</a:t>
-            </a:r>
-            <a:endParaRPr lang="en-US" sz="1800" dirty="0"/>
           </a:p>
         </p:txBody>
       </p:sp>
     </p:spTree>
     <p:extLst>
       <p:ext uri="{BB962C8B-B14F-4D97-AF65-F5344CB8AC3E}">
-        <p14:creationId xmlns:p14="http://schemas.microsoft.com/office/powerpoint/2010/main" val="1807522771"/>
+        <p14:creationId xmlns:p14="http://schemas.microsoft.com/office/powerpoint/2010/main" val="244897001"/>
       </p:ext>
     </p:extLst>
   </p:cSld>
@@ -7185,12 +6963,12 @@
           <a:lstStyle/>
           <a:p>
             <a:r>
-              <a:rPr lang="en-US" dirty="0" smtClean="0"/>
-              <a:t>Html </a:t>
-            </a:r>
-            <a:r>
-              <a:rPr lang="en-US" dirty="0" smtClean="0"/>
-              <a:t>Attributes in React</a:t>
+              <a:rPr lang="en-US" dirty="0" err="1" smtClean="0"/>
+              <a:t>Stateful</a:t>
+            </a:r>
+            <a:r>
+              <a:rPr lang="en-US" dirty="0" smtClean="0"/>
+              <a:t> Component</a:t>
             </a:r>
             <a:endParaRPr lang="en-US" dirty="0"/>
           </a:p>
@@ -7208,25 +6986,232 @@
         </p:nvSpPr>
         <p:spPr/>
         <p:txBody>
-          <a:bodyPr/>
-          <a:lstStyle/>
-          <a:p>
-            <a:r>
-              <a:rPr lang="en-US" dirty="0" smtClean="0"/>
-              <a:t>React provides full support to all html attributes to us in its markup as a prop</a:t>
-            </a:r>
-            <a:r>
-              <a:rPr lang="en-US" dirty="0" smtClean="0"/>
-              <a:t>.</a:t>
-            </a:r>
-            <a:endParaRPr lang="en-US" dirty="0" smtClean="0"/>
+          <a:bodyPr>
+            <a:normAutofit fontScale="92500" lnSpcReduction="10000"/>
+          </a:bodyPr>
+          <a:lstStyle/>
+          <a:p>
+            <a:pPr marL="0" indent="0">
+              <a:buNone/>
+            </a:pPr>
+            <a:r>
+              <a:rPr lang="en-US" sz="1800" dirty="0" err="1" smtClean="0"/>
+              <a:t>var</a:t>
+            </a:r>
+            <a:r>
+              <a:rPr lang="en-US" sz="1800" dirty="0" smtClean="0"/>
+              <a:t> Counter = </a:t>
+            </a:r>
+            <a:r>
+              <a:rPr lang="en-US" sz="1800" dirty="0" err="1" smtClean="0"/>
+              <a:t>React.createClass</a:t>
+            </a:r>
+            <a:r>
+              <a:rPr lang="en-US" sz="1800" dirty="0" smtClean="0"/>
+              <a:t>({</a:t>
+            </a:r>
+          </a:p>
+          <a:p>
+            <a:pPr marL="0" indent="0">
+              <a:buNone/>
+            </a:pPr>
+            <a:r>
+              <a:rPr lang="en-US" sz="1800" dirty="0" smtClean="0"/>
+              <a:t>  </a:t>
+            </a:r>
+            <a:r>
+              <a:rPr lang="en-US" sz="1800" dirty="0" err="1" smtClean="0"/>
+              <a:t>getInitialState</a:t>
+            </a:r>
+            <a:r>
+              <a:rPr lang="en-US" sz="1800" dirty="0" smtClean="0"/>
+              <a:t>: function() {</a:t>
+            </a:r>
+          </a:p>
+          <a:p>
+            <a:pPr marL="0" indent="0">
+              <a:buNone/>
+            </a:pPr>
+            <a:r>
+              <a:rPr lang="en-US" sz="1800" dirty="0" smtClean="0"/>
+              <a:t>    return {counter: 0};</a:t>
+            </a:r>
+          </a:p>
+          <a:p>
+            <a:pPr marL="0" indent="0">
+              <a:buNone/>
+            </a:pPr>
+            <a:r>
+              <a:rPr lang="en-US" sz="1800" dirty="0" smtClean="0"/>
+              <a:t>  },</a:t>
+            </a:r>
+          </a:p>
+          <a:p>
+            <a:pPr marL="0" indent="0">
+              <a:buNone/>
+            </a:pPr>
+            <a:r>
+              <a:rPr lang="en-US" sz="1800" dirty="0" smtClean="0"/>
+              <a:t>  </a:t>
+            </a:r>
+            <a:r>
+              <a:rPr lang="en-US" sz="1800" dirty="0" err="1" smtClean="0"/>
+              <a:t>onClick</a:t>
+            </a:r>
+            <a:r>
+              <a:rPr lang="en-US" sz="1800" dirty="0" smtClean="0"/>
+              <a:t>: function() {</a:t>
+            </a:r>
+          </a:p>
+          <a:p>
+            <a:pPr marL="0" indent="0">
+              <a:buNone/>
+            </a:pPr>
+            <a:r>
+              <a:rPr lang="en-US" sz="1800" dirty="0" smtClean="0"/>
+              <a:t>    </a:t>
+            </a:r>
+            <a:r>
+              <a:rPr lang="en-US" sz="1800" dirty="0" err="1" smtClean="0"/>
+              <a:t>this.setState</a:t>
+            </a:r>
+            <a:r>
+              <a:rPr lang="en-US" sz="1800" dirty="0" smtClean="0"/>
+              <a:t>({counter: </a:t>
+            </a:r>
+            <a:r>
+              <a:rPr lang="en-US" sz="1800" dirty="0" err="1" smtClean="0"/>
+              <a:t>this.state.counter</a:t>
+            </a:r>
+            <a:r>
+              <a:rPr lang="en-US" sz="1800" dirty="0" smtClean="0"/>
+              <a:t> + 1}); </a:t>
+            </a:r>
+            <a:r>
+              <a:rPr lang="en-US" sz="1800" dirty="0" smtClean="0">
+                <a:solidFill>
+                  <a:schemeClr val="accent1">
+                    <a:lumMod val="75000"/>
+                  </a:schemeClr>
+                </a:solidFill>
+              </a:rPr>
+              <a:t>//this method will re render the </a:t>
+            </a:r>
+            <a:r>
+              <a:rPr lang="en-US" sz="1800" dirty="0" err="1" smtClean="0">
+                <a:solidFill>
+                  <a:schemeClr val="accent1">
+                    <a:lumMod val="75000"/>
+                  </a:schemeClr>
+                </a:solidFill>
+              </a:rPr>
+              <a:t>the</a:t>
+            </a:r>
+            <a:r>
+              <a:rPr lang="en-US" sz="1800" dirty="0" smtClean="0">
+                <a:solidFill>
+                  <a:schemeClr val="accent1">
+                    <a:lumMod val="75000"/>
+                  </a:schemeClr>
+                </a:solidFill>
+              </a:rPr>
+              <a:t> DOM</a:t>
+            </a:r>
+          </a:p>
+          <a:p>
+            <a:pPr marL="0" indent="0">
+              <a:buNone/>
+            </a:pPr>
+            <a:r>
+              <a:rPr lang="en-US" sz="1800" dirty="0" smtClean="0"/>
+              <a:t>  },</a:t>
+            </a:r>
+          </a:p>
+          <a:p>
+            <a:pPr marL="0" indent="0">
+              <a:buNone/>
+            </a:pPr>
+            <a:r>
+              <a:rPr lang="en-US" sz="1800" dirty="0" smtClean="0"/>
+              <a:t>  render: function() {</a:t>
+            </a:r>
+          </a:p>
+          <a:p>
+            <a:pPr marL="0" indent="0">
+              <a:buNone/>
+            </a:pPr>
+            <a:r>
+              <a:rPr lang="en-US" sz="1800" dirty="0" smtClean="0"/>
+              <a:t>    return (</a:t>
+            </a:r>
+          </a:p>
+          <a:p>
+            <a:pPr marL="0" indent="0">
+              <a:buNone/>
+            </a:pPr>
+            <a:r>
+              <a:rPr lang="en-US" sz="1800" dirty="0" smtClean="0"/>
+              <a:t>      &lt;h3 </a:t>
+            </a:r>
+            <a:r>
+              <a:rPr lang="en-US" sz="1800" dirty="0" err="1" smtClean="0"/>
+              <a:t>onClick</a:t>
+            </a:r>
+            <a:r>
+              <a:rPr lang="en-US" sz="1800" dirty="0" smtClean="0"/>
+              <a:t>={</a:t>
+            </a:r>
+            <a:r>
+              <a:rPr lang="en-US" sz="1800" dirty="0" err="1" smtClean="0"/>
+              <a:t>this.onClick</a:t>
+            </a:r>
+            <a:r>
+              <a:rPr lang="en-US" sz="1800" dirty="0" smtClean="0"/>
+              <a:t>}&gt; Counter using state property: {</a:t>
+            </a:r>
+            <a:r>
+              <a:rPr lang="en-US" sz="1800" dirty="0" err="1" smtClean="0"/>
+              <a:t>this.state.counter</a:t>
+            </a:r>
+            <a:r>
+              <a:rPr lang="en-US" sz="1800" dirty="0" smtClean="0"/>
+              <a:t>}&lt;/h3&gt;</a:t>
+            </a:r>
+          </a:p>
+          <a:p>
+            <a:pPr marL="0" indent="0">
+              <a:buNone/>
+            </a:pPr>
+            <a:r>
+              <a:rPr lang="en-US" sz="1800" dirty="0" smtClean="0"/>
+              <a:t>    );</a:t>
+            </a:r>
+          </a:p>
+          <a:p>
+            <a:pPr marL="0" indent="0">
+              <a:buNone/>
+            </a:pPr>
+            <a:r>
+              <a:rPr lang="en-US" sz="1800" dirty="0" smtClean="0"/>
+              <a:t>  }</a:t>
+            </a:r>
+          </a:p>
+          <a:p>
+            <a:pPr marL="0" indent="0">
+              <a:buNone/>
+            </a:pPr>
+            <a:r>
+              <a:rPr lang="en-US" sz="1800" dirty="0" smtClean="0"/>
+              <a:t>});</a:t>
+            </a:r>
+            <a:endParaRPr lang="en-US" sz="1800" dirty="0"/>
           </a:p>
         </p:txBody>
       </p:sp>
     </p:spTree>
     <p:extLst>
       <p:ext uri="{BB962C8B-B14F-4D97-AF65-F5344CB8AC3E}">
-        <p14:creationId xmlns:p14="http://schemas.microsoft.com/office/powerpoint/2010/main" val="1033684808"/>
+        <p14:creationId xmlns:p14="http://schemas.microsoft.com/office/powerpoint/2010/main" val="1807522771"/>
       </p:ext>
     </p:extLst>
   </p:cSld>
@@ -7277,11 +7262,7 @@
           <a:p>
             <a:r>
               <a:rPr lang="en-US" dirty="0" smtClean="0"/>
-              <a:t>Html </a:t>
-            </a:r>
-            <a:r>
-              <a:rPr lang="en-US" dirty="0" smtClean="0"/>
-              <a:t>Attributes in React</a:t>
+              <a:t>Html Attributes in React</a:t>
             </a:r>
             <a:endParaRPr lang="en-US" dirty="0"/>
           </a:p>
@@ -7306,28 +7287,13 @@
               <a:rPr lang="en-US" dirty="0" smtClean="0"/>
               <a:t>React provides full support to all html attributes to us in its markup as a prop.</a:t>
             </a:r>
-          </a:p>
-          <a:p>
-            <a:r>
-              <a:rPr lang="en-US" dirty="0" smtClean="0"/>
-              <a:t>But prop names should be in </a:t>
-            </a:r>
-            <a:r>
-              <a:rPr lang="en-US" dirty="0" err="1" smtClean="0"/>
-              <a:t>camelCase</a:t>
-            </a:r>
-            <a:r>
-              <a:rPr lang="en-US" dirty="0" smtClean="0"/>
-              <a:t>.</a:t>
-            </a:r>
-            <a:endParaRPr lang="en-US" dirty="0" smtClean="0"/>
           </a:p>
         </p:txBody>
       </p:sp>
     </p:spTree>
     <p:extLst>
       <p:ext uri="{BB962C8B-B14F-4D97-AF65-F5344CB8AC3E}">
-        <p14:creationId xmlns:p14="http://schemas.microsoft.com/office/powerpoint/2010/main" val="1313642367"/>
+        <p14:creationId xmlns:p14="http://schemas.microsoft.com/office/powerpoint/2010/main" val="1033684808"/>
       </p:ext>
     </p:extLst>
   </p:cSld>
@@ -7378,11 +7344,7 @@
           <a:p>
             <a:r>
               <a:rPr lang="en-US" dirty="0" smtClean="0"/>
-              <a:t>Html </a:t>
-            </a:r>
-            <a:r>
-              <a:rPr lang="en-US" dirty="0" smtClean="0"/>
-              <a:t>Attributes in React</a:t>
+              <a:t>Html Attributes in React</a:t>
             </a:r>
             <a:endParaRPr lang="en-US" dirty="0"/>
           </a:p>
@@ -7421,44 +7383,13 @@
               <a:rPr lang="en-US" dirty="0" smtClean="0"/>
               <a:t>.</a:t>
             </a:r>
-          </a:p>
-          <a:p>
-            <a:r>
-              <a:rPr lang="en-US" dirty="0" smtClean="0"/>
-              <a:t>Also there are some reserve keywords in </a:t>
-            </a:r>
-            <a:r>
-              <a:rPr lang="en-US" dirty="0" err="1" smtClean="0"/>
-              <a:t>Javascript</a:t>
-            </a:r>
-            <a:r>
-              <a:rPr lang="en-US" dirty="0" smtClean="0"/>
-              <a:t> like ‘class’ and ‘for’. So use them as props react provides ‘</a:t>
-            </a:r>
-            <a:r>
-              <a:rPr lang="en-US" dirty="0" err="1" smtClean="0"/>
-              <a:t>className</a:t>
-            </a:r>
-            <a:r>
-              <a:rPr lang="en-US" dirty="0" smtClean="0"/>
-              <a:t>’ and ‘</a:t>
-            </a:r>
-            <a:r>
-              <a:rPr lang="en-US" dirty="0" err="1" smtClean="0"/>
-              <a:t>htmlFor</a:t>
-            </a:r>
-            <a:r>
-              <a:rPr lang="en-US" dirty="0" smtClean="0"/>
-              <a:t>’ respectively.</a:t>
-            </a:r>
-            <a:endParaRPr lang="en-US" dirty="0"/>
           </a:p>
         </p:txBody>
       </p:sp>
     </p:spTree>
     <p:extLst>
       <p:ext uri="{BB962C8B-B14F-4D97-AF65-F5344CB8AC3E}">
-        <p14:creationId xmlns:p14="http://schemas.microsoft.com/office/powerpoint/2010/main" val="4152091014"/>
+        <p14:creationId xmlns:p14="http://schemas.microsoft.com/office/powerpoint/2010/main" val="1313642367"/>
       </p:ext>
     </p:extLst>
   </p:cSld>
@@ -7509,7 +7440,7 @@
           <a:p>
             <a:r>
               <a:rPr lang="en-US" dirty="0" smtClean="0"/>
-              <a:t>Using React Component as Alt View</a:t>
+              <a:t>Html Attributes in React</a:t>
             </a:r>
             <a:endParaRPr lang="en-US" dirty="0"/>
           </a:p>
@@ -7527,28 +7458,65 @@
         </p:nvSpPr>
         <p:spPr/>
         <p:txBody>
-          <a:bodyPr>
-            <a:normAutofit/>
-          </a:bodyPr>
-          <a:lstStyle/>
-          <a:p>
-            <a:r>
-              <a:rPr lang="en-US" dirty="0" smtClean="0"/>
-              <a:t>We need to pass the alt store’s state data to the view.</a:t>
-            </a:r>
-          </a:p>
-          <a:p>
-            <a:pPr marL="0" indent="0">
-              <a:buNone/>
-            </a:pPr>
-            <a:endParaRPr lang="en-US" sz="2400" dirty="0"/>
+          <a:bodyPr/>
+          <a:lstStyle/>
+          <a:p>
+            <a:r>
+              <a:rPr lang="en-US" dirty="0" smtClean="0"/>
+              <a:t>React provides full support to all html attributes to us in its markup as a prop.</a:t>
+            </a:r>
+          </a:p>
+          <a:p>
+            <a:r>
+              <a:rPr lang="en-US" dirty="0" smtClean="0"/>
+              <a:t>But prop names should be in </a:t>
+            </a:r>
+            <a:r>
+              <a:rPr lang="en-US" dirty="0" err="1" smtClean="0"/>
+              <a:t>camelCase</a:t>
+            </a:r>
+            <a:r>
+              <a:rPr lang="en-US" dirty="0" smtClean="0"/>
+              <a:t>.</a:t>
+            </a:r>
+          </a:p>
+          <a:p>
+            <a:r>
+              <a:rPr lang="en-US" dirty="0" smtClean="0"/>
+              <a:t>Also there are some reserve keywords in </a:t>
+            </a:r>
+            <a:r>
+              <a:rPr lang="en-US" dirty="0" err="1" smtClean="0"/>
+              <a:t>Javascript</a:t>
+            </a:r>
+            <a:r>
+              <a:rPr lang="en-US" dirty="0" smtClean="0"/>
+              <a:t> like ‘class’ and ‘for’. So use them as props react provides ‘</a:t>
+            </a:r>
+            <a:r>
+              <a:rPr lang="en-US" dirty="0" err="1" smtClean="0"/>
+              <a:t>className</a:t>
+            </a:r>
+            <a:r>
+              <a:rPr lang="en-US" dirty="0" smtClean="0"/>
+              <a:t>’ and ‘</a:t>
+            </a:r>
+            <a:r>
+              <a:rPr lang="en-US" dirty="0" err="1" smtClean="0"/>
+              <a:t>htmlFor</a:t>
+            </a:r>
+            <a:r>
+              <a:rPr lang="en-US" dirty="0" smtClean="0"/>
+              <a:t>’ respectively.</a:t>
+            </a:r>
+            <a:endParaRPr lang="en-US" dirty="0"/>
           </a:p>
         </p:txBody>
       </p:sp>
     </p:spTree>
     <p:extLst>
       <p:ext uri="{BB962C8B-B14F-4D97-AF65-F5344CB8AC3E}">
-        <p14:creationId xmlns:p14="http://schemas.microsoft.com/office/powerpoint/2010/main" val="3950615268"/>
+        <p14:creationId xmlns:p14="http://schemas.microsoft.com/office/powerpoint/2010/main" val="4152091014"/>
       </p:ext>
     </p:extLst>
   </p:cSld>
@@ -7628,84 +7596,6 @@
             </a:r>
           </a:p>
           <a:p>
-            <a:r>
-              <a:rPr lang="en-US" dirty="0" smtClean="0"/>
-              <a:t>Alt provides a built-in components that binds an specific store to the specific view. This is known as Component Container</a:t>
-            </a:r>
-          </a:p>
-          <a:p>
-            <a:pPr marL="0" indent="0">
-              <a:buNone/>
-            </a:pPr>
-            <a:endParaRPr lang="en-US" sz="2000" dirty="0" smtClean="0"/>
-          </a:p>
-          <a:p>
-            <a:pPr marL="0" indent="0">
-              <a:buNone/>
-            </a:pPr>
-            <a:r>
-              <a:rPr lang="en-US" sz="2000" dirty="0" smtClean="0"/>
-              <a:t>     &lt;</a:t>
-            </a:r>
-            <a:r>
-              <a:rPr lang="en-US" sz="2000" dirty="0" err="1"/>
-              <a:t>AltContainer</a:t>
-            </a:r>
-            <a:r>
-              <a:rPr lang="en-US" sz="2000" dirty="0"/>
-              <a:t> store</a:t>
-            </a:r>
-            <a:r>
-              <a:rPr lang="en-US" sz="2000" dirty="0" smtClean="0"/>
-              <a:t>={</a:t>
-            </a:r>
-            <a:r>
-              <a:rPr lang="en-US" sz="2000" dirty="0" err="1" smtClean="0"/>
-              <a:t>CustomerStore</a:t>
-            </a:r>
-            <a:r>
-              <a:rPr lang="en-US" sz="2000" dirty="0"/>
-              <a:t>}&gt;</a:t>
-            </a:r>
-          </a:p>
-          <a:p>
-            <a:pPr marL="0" indent="0">
-              <a:buNone/>
-            </a:pPr>
-            <a:r>
-              <a:rPr lang="en-US" sz="2000" dirty="0"/>
-              <a:t>       </a:t>
-            </a:r>
-            <a:r>
-              <a:rPr lang="en-US" sz="2000" dirty="0" smtClean="0"/>
-              <a:t>	 &lt;Customers/&gt;</a:t>
-            </a:r>
-            <a:endParaRPr lang="en-US" sz="2000" dirty="0"/>
-          </a:p>
-          <a:p>
-            <a:pPr marL="0" indent="0">
-              <a:buNone/>
-            </a:pPr>
-            <a:r>
-              <a:rPr lang="en-US" sz="2000" dirty="0"/>
-              <a:t>      &lt;/</a:t>
-            </a:r>
-            <a:r>
-              <a:rPr lang="en-US" sz="2000" dirty="0" err="1"/>
-              <a:t>AltContainer</a:t>
-            </a:r>
-            <a:r>
-              <a:rPr lang="en-US" sz="2000" dirty="0" smtClean="0"/>
-              <a:t>&gt;</a:t>
-            </a:r>
-          </a:p>
-          <a:p>
-            <a:pPr marL="0" indent="0">
-              <a:buNone/>
-            </a:pPr>
-            <a:endParaRPr lang="en-US" sz="2000" dirty="0" smtClean="0"/>
-          </a:p>
-          <a:p>
             <a:pPr marL="0" indent="0">
               <a:buNone/>
             </a:pPr>
@@ -7716,7 +7606,7 @@
     </p:spTree>
     <p:extLst>
       <p:ext uri="{BB962C8B-B14F-4D97-AF65-F5344CB8AC3E}">
-        <p14:creationId xmlns:p14="http://schemas.microsoft.com/office/powerpoint/2010/main" val="1371692681"/>
+        <p14:creationId xmlns:p14="http://schemas.microsoft.com/office/powerpoint/2010/main" val="3950615268"/>
       </p:ext>
     </p:extLst>
   </p:cSld>
@@ -7786,7 +7676,7 @@
         <p:spPr/>
         <p:txBody>
           <a:bodyPr>
-            <a:normAutofit lnSpcReduction="10000"/>
+            <a:normAutofit/>
           </a:bodyPr>
           <a:lstStyle/>
           <a:p>
@@ -7874,28 +7764,9 @@
             <a:endParaRPr lang="en-US" sz="2000" dirty="0" smtClean="0"/>
           </a:p>
           <a:p>
-            <a:r>
-              <a:rPr lang="en-US" sz="2400" dirty="0" smtClean="0"/>
-              <a:t>This will actually pass the state data from the store to the view as a prop. Hence </a:t>
-            </a:r>
-            <a:r>
-              <a:rPr lang="en-US" sz="2400" dirty="0"/>
-              <a:t>the Customer component can now access the state </a:t>
-            </a:r>
-            <a:r>
-              <a:rPr lang="en-US" sz="2400" dirty="0" smtClean="0"/>
-              <a:t>data from Customer Store </a:t>
-            </a:r>
-            <a:r>
-              <a:rPr lang="en-US" sz="2400" dirty="0" err="1"/>
-              <a:t>i.e</a:t>
-            </a:r>
-            <a:r>
-              <a:rPr lang="en-US" sz="2400" dirty="0"/>
-              <a:t> customers from its prop.</a:t>
-            </a:r>
-          </a:p>
-          <a:p>
+            <a:pPr marL="0" indent="0">
+              <a:buNone/>
+            </a:pPr>
             <a:endParaRPr lang="en-US" sz="2400" dirty="0"/>
           </a:p>
         </p:txBody>
@@ -7903,7 +7774,7 @@
     </p:spTree>
     <p:extLst>
       <p:ext uri="{BB962C8B-B14F-4D97-AF65-F5344CB8AC3E}">
-        <p14:creationId xmlns:p14="http://schemas.microsoft.com/office/powerpoint/2010/main" val="1982672374"/>
+        <p14:creationId xmlns:p14="http://schemas.microsoft.com/office/powerpoint/2010/main" val="1371692681"/>
       </p:ext>
     </p:extLst>
   </p:cSld>
@@ -7973,62 +7844,84 @@
         <p:spPr/>
         <p:txBody>
           <a:bodyPr>
-            <a:normAutofit fontScale="55000" lnSpcReduction="20000"/>
+            <a:normAutofit lnSpcReduction="10000"/>
           </a:bodyPr>
           <a:lstStyle/>
           <a:p>
-            <a:pPr marL="0" indent="0">
-              <a:buNone/>
-            </a:pPr>
-            <a:r>
-              <a:rPr lang="en-US" dirty="0" err="1" smtClean="0"/>
-              <a:t>var</a:t>
-            </a:r>
-            <a:r>
-              <a:rPr lang="en-US" dirty="0" smtClean="0"/>
-              <a:t> Customers= </a:t>
-            </a:r>
-            <a:r>
-              <a:rPr lang="en-US" dirty="0" err="1"/>
-              <a:t>React.createClass</a:t>
-            </a:r>
-            <a:r>
-              <a:rPr lang="en-US" dirty="0"/>
-              <a:t>({</a:t>
-            </a:r>
-          </a:p>
-          <a:p>
-            <a:pPr marL="0" indent="0">
-              <a:buNone/>
-            </a:pPr>
-            <a:r>
-              <a:rPr lang="en-US" dirty="0"/>
-              <a:t>  render() {</a:t>
-            </a:r>
-          </a:p>
-          <a:p>
-            <a:pPr marL="0" indent="0">
-              <a:buNone/>
-            </a:pPr>
-            <a:r>
-              <a:rPr lang="en-US" dirty="0"/>
-              <a:t>    return (</a:t>
-            </a:r>
-          </a:p>
-          <a:p>
-            <a:pPr marL="0" indent="0">
-              <a:buNone/>
-            </a:pPr>
-            <a:r>
-              <a:rPr lang="en-US" dirty="0"/>
-              <a:t>      &lt;</a:t>
-            </a:r>
-            <a:r>
-              <a:rPr lang="en-US" dirty="0" err="1"/>
-              <a:t>ul</a:t>
-            </a:r>
-            <a:r>
-              <a:rPr lang="en-US" dirty="0"/>
+            <a:r>
+              <a:rPr lang="en-US" dirty="0" smtClean="0"/>
+              <a:t>We need to pass the alt store’s state data to the view.</a:t>
+            </a:r>
+          </a:p>
+          <a:p>
+            <a:r>
+              <a:rPr lang="en-US" dirty="0" smtClean="0"/>
+              <a:t>Alt provides a built-in components that binds an specific store to the specific view. This is known as Component Container</a:t>
+            </a:r>
+          </a:p>
+          <a:p>
+            <a:pPr marL="0" indent="0">
+              <a:buNone/>
+            </a:pPr>
+            <a:endParaRPr lang="en-US" sz="2000" dirty="0" smtClean="0"/>
+          </a:p>
+          <a:p>
+            <a:pPr marL="0" indent="0">
+              <a:buNone/>
+            </a:pPr>
+            <a:r>
+              <a:rPr lang="en-US" sz="2000" dirty="0" smtClean="0"/>
+              <a:t>     &lt;</a:t>
+            </a:r>
+            <a:r>
+              <a:rPr lang="en-US" sz="2000" dirty="0" err="1"/>
+              <a:t>AltContainer</a:t>
+            </a:r>
+            <a:r>
+              <a:rPr lang="en-US" sz="2000" dirty="0"/>
+              <a:t> store</a:t>
+            </a:r>
+            <a:r>
+              <a:rPr lang="en-US" sz="2000" dirty="0" smtClean="0"/>
+              <a:t>={</a:t>
+            </a:r>
+            <a:r>
+              <a:rPr lang="en-US" sz="2000" dirty="0" err="1" smtClean="0"/>
+              <a:t>CustomerStore</a:t>
+            </a:r>
+            <a:r>
+              <a:rPr lang="en-US" sz="2000" dirty="0"/>
+              <a:t>}&gt;</a:t>
+            </a:r>
+          </a:p>
+          <a:p>
+            <a:pPr marL="0" indent="0">
+              <a:buNone/>
+            </a:pPr>
+            <a:r>
+              <a:rPr lang="en-US" sz="2000" dirty="0"/>
+              <a:t>       </a:t>
+            </a:r>
+            <a:r>
+              <a:rPr lang="en-US" sz="2000" dirty="0" smtClean="0"/>
+              <a:t>	 &lt;Customers/&gt;</a:t>
+            </a:r>
+            <a:endParaRPr lang="en-US" sz="2000" dirty="0"/>
+          </a:p>
+          <a:p>
+            <a:pPr marL="0" indent="0">
+              <a:buNone/>
+            </a:pPr>
+            <a:r>
+              <a:rPr lang="en-US" sz="2000" dirty="0"/>
+              <a:t>      &lt;/</a:t>
+            </a:r>
+            <a:r>
+              <a:rPr lang="en-US" sz="2000" dirty="0" err="1"/>
+              <a:t>AltContainer</a:t>
+            </a:r>
+            <a:r>
+              <a:rPr lang="en-US" sz="2000" dirty="0" smtClean="0"/>
               <a:t>&gt;</a:t>
             </a:r>
           </a:p>
@@ -8036,161 +7929,39 @@
             <a:pPr marL="0" indent="0">
               <a:buNone/>
             </a:pPr>
-            <a:r>
-              <a:rPr lang="en-US" dirty="0"/>
-              <a:t>        {</a:t>
-            </a:r>
-            <a:r>
-              <a:rPr lang="en-US" dirty="0" err="1" smtClean="0"/>
-              <a:t>this.props.customers.map</a:t>
-            </a:r>
-            <a:r>
-              <a:rPr lang="en-US" dirty="0"/>
-              <a:t>((location, </a:t>
-            </a:r>
-            <a:r>
-              <a:rPr lang="en-US" dirty="0" err="1"/>
-              <a:t>i</a:t>
-            </a:r>
-            <a:r>
-              <a:rPr lang="en-US" dirty="0"/>
-              <a:t>) =&gt; </a:t>
-            </a:r>
-            <a:r>
-              <a:rPr lang="en-US" dirty="0" smtClean="0"/>
-              <a:t>{  </a:t>
-            </a:r>
-            <a:r>
-              <a:rPr lang="en-US" dirty="0" smtClean="0">
-                <a:solidFill>
-                  <a:schemeClr val="accent1">
-                    <a:lumMod val="75000"/>
-                  </a:schemeClr>
-                </a:solidFill>
-              </a:rPr>
-              <a:t>//getting customers data of store from the props</a:t>
-            </a:r>
-            <a:endParaRPr lang="en-US" dirty="0">
-              <a:solidFill>
-                <a:schemeClr val="accent1">
-                  <a:lumMod val="75000"/>
-                </a:schemeClr>
-              </a:solidFill>
-            </a:endParaRPr>
-          </a:p>
-          <a:p>
-            <a:pPr marL="0" indent="0">
-              <a:buNone/>
-            </a:pPr>
-            <a:r>
-              <a:rPr lang="en-US" dirty="0"/>
-              <a:t>          return (</a:t>
-            </a:r>
-          </a:p>
-          <a:p>
-            <a:pPr marL="0" indent="0">
-              <a:buNone/>
-            </a:pPr>
-            <a:r>
-              <a:rPr lang="en-US" dirty="0"/>
-              <a:t>            &lt;li key={</a:t>
-            </a:r>
-            <a:r>
-              <a:rPr lang="en-US" dirty="0" err="1"/>
-              <a:t>i</a:t>
-            </a:r>
-            <a:r>
-              <a:rPr lang="en-US" dirty="0"/>
-              <a:t>}&gt;</a:t>
-            </a:r>
-          </a:p>
-          <a:p>
-            <a:pPr marL="0" indent="0">
-              <a:buNone/>
-            </a:pPr>
-            <a:r>
-              <a:rPr lang="en-US" dirty="0"/>
-              <a:t>              {location.name}</a:t>
-            </a:r>
-          </a:p>
-          <a:p>
-            <a:pPr marL="0" indent="0">
-              <a:buNone/>
-            </a:pPr>
-            <a:r>
-              <a:rPr lang="en-US" dirty="0"/>
-              <a:t>            &lt;/li&gt;</a:t>
-            </a:r>
-          </a:p>
-          <a:p>
-            <a:pPr marL="0" indent="0">
-              <a:buNone/>
-            </a:pPr>
-            <a:r>
-              <a:rPr lang="en-US" dirty="0"/>
-              <a:t>          );</a:t>
-            </a:r>
-          </a:p>
-          <a:p>
-            <a:pPr marL="0" indent="0">
-              <a:buNone/>
-            </a:pPr>
-            <a:r>
-              <a:rPr lang="en-US" dirty="0"/>
-              <a:t>        })}</a:t>
-            </a:r>
-          </a:p>
-          <a:p>
-            <a:pPr marL="0" indent="0">
-              <a:buNone/>
-            </a:pPr>
-            <a:r>
-              <a:rPr lang="en-US" dirty="0"/>
-              <a:t>      &lt;/</a:t>
-            </a:r>
-            <a:r>
-              <a:rPr lang="en-US" dirty="0" err="1"/>
-              <a:t>ul</a:t>
-            </a:r>
-            <a:r>
-              <a:rPr lang="en-US" dirty="0"/>
-              <a:t>&gt;</a:t>
-            </a:r>
-          </a:p>
-          <a:p>
-            <a:pPr marL="0" indent="0">
-              <a:buNone/>
-            </a:pPr>
-            <a:r>
-              <a:rPr lang="en-US" dirty="0"/>
-              <a:t>    );</a:t>
-            </a:r>
-          </a:p>
-          <a:p>
-            <a:pPr marL="0" indent="0">
-              <a:buNone/>
-            </a:pPr>
-            <a:r>
-              <a:rPr lang="en-US" dirty="0"/>
-              <a:t>  }</a:t>
-            </a:r>
-          </a:p>
-          <a:p>
-            <a:pPr marL="0" indent="0">
-              <a:buNone/>
-            </a:pPr>
-            <a:r>
-              <a:rPr lang="en-US" dirty="0"/>
-              <a:t>});</a:t>
-            </a:r>
-            <a:endParaRPr lang="en-US" dirty="0" smtClean="0"/>
+            <a:endParaRPr lang="en-US" sz="2000" dirty="0" smtClean="0"/>
+          </a:p>
+          <a:p>
+            <a:r>
+              <a:rPr lang="en-US" sz="2400" dirty="0" smtClean="0"/>
+              <a:t>This will actually pass the state data from the store to the view as a prop. Hence </a:t>
+            </a:r>
+            <a:r>
+              <a:rPr lang="en-US" sz="2400" dirty="0"/>
+              <a:t>the Customer component can now access the state </a:t>
+            </a:r>
+            <a:r>
+              <a:rPr lang="en-US" sz="2400" dirty="0" smtClean="0"/>
+              <a:t>data from Customer Store </a:t>
+            </a:r>
+            <a:r>
+              <a:rPr lang="en-US" sz="2400" dirty="0" err="1"/>
+              <a:t>i.e</a:t>
+            </a:r>
+            <a:r>
+              <a:rPr lang="en-US" sz="2400" dirty="0"/>
+              <a:t> customers from its prop.</a:t>
+            </a:r>
+          </a:p>
+          <a:p>
+            <a:endParaRPr lang="en-US" sz="2400" dirty="0"/>
           </a:p>
         </p:txBody>
       </p:sp>
     </p:spTree>
     <p:extLst>
       <p:ext uri="{BB962C8B-B14F-4D97-AF65-F5344CB8AC3E}">
-        <p14:creationId xmlns:p14="http://schemas.microsoft.com/office/powerpoint/2010/main" val="3430342535"/>
+        <p14:creationId xmlns:p14="http://schemas.microsoft.com/office/powerpoint/2010/main" val="1982672374"/>
       </p:ext>
     </p:extLst>
   </p:cSld>
@@ -8240,57 +8011,257 @@
           <a:lstStyle/>
           <a:p>
             <a:r>
+              <a:rPr lang="en-US" dirty="0" smtClean="0"/>
+              <a:t>Using React Component as Alt View</a:t>
+            </a:r>
+            <a:endParaRPr lang="en-US" dirty="0"/>
+          </a:p>
+        </p:txBody>
+      </p:sp>
+      <p:sp>
+        <p:nvSpPr>
+          <p:cNvPr id="3" name="Content Placeholder 2"/>
+          <p:cNvSpPr>
+            <a:spLocks noGrp="1"/>
+          </p:cNvSpPr>
+          <p:nvPr>
+            <p:ph idx="1"/>
+          </p:nvPr>
+        </p:nvSpPr>
+        <p:spPr/>
+        <p:txBody>
+          <a:bodyPr>
+            <a:normAutofit fontScale="55000" lnSpcReduction="20000"/>
+          </a:bodyPr>
+          <a:lstStyle/>
+          <a:p>
+            <a:pPr marL="0" indent="0">
+              <a:buNone/>
+            </a:pPr>
+            <a:r>
               <a:rPr lang="en-US" dirty="0" err="1" smtClean="0"/>
-              <a:t>Jsx</a:t>
-            </a:r>
-            <a:r>
-              <a:rPr lang="en-US" dirty="0" smtClean="0"/>
-              <a:t> Compilation and ES6 Transformation</a:t>
-            </a:r>
-            <a:endParaRPr lang="en-US" dirty="0"/>
-          </a:p>
-        </p:txBody>
-      </p:sp>
-      <p:sp>
-        <p:nvSpPr>
-          <p:cNvPr id="3" name="Content Placeholder 2"/>
-          <p:cNvSpPr>
-            <a:spLocks noGrp="1"/>
-          </p:cNvSpPr>
-          <p:nvPr>
-            <p:ph idx="1"/>
-          </p:nvPr>
-        </p:nvSpPr>
-        <p:spPr/>
-        <p:txBody>
-          <a:bodyPr/>
-          <a:lstStyle/>
-          <a:p>
-            <a:r>
-              <a:rPr lang="en-US" dirty="0" smtClean="0"/>
-              <a:t>So far we use just the </a:t>
+              <a:t>var</a:t>
+            </a:r>
+            <a:r>
+              <a:rPr lang="en-US" dirty="0" smtClean="0"/>
+              <a:t> Customers= </a:t>
+            </a:r>
+            <a:r>
+              <a:rPr lang="en-US" dirty="0" err="1"/>
+              <a:t>React.createClass</a:t>
+            </a:r>
+            <a:r>
+              <a:rPr lang="en-US" dirty="0"/>
+              <a:t>({</a:t>
+            </a:r>
+          </a:p>
+          <a:p>
+            <a:pPr marL="0" indent="0">
+              <a:buNone/>
+            </a:pPr>
+            <a:r>
+              <a:rPr lang="en-US" dirty="0"/>
+              <a:t>  render() {</a:t>
+            </a:r>
+          </a:p>
+          <a:p>
+            <a:pPr marL="0" indent="0">
+              <a:buNone/>
+            </a:pPr>
+            <a:r>
+              <a:rPr lang="en-US" dirty="0"/>
+              <a:t>    return (</a:t>
+            </a:r>
+          </a:p>
+          <a:p>
+            <a:pPr marL="0" indent="0">
+              <a:buNone/>
+            </a:pPr>
+            <a:r>
+              <a:rPr lang="en-US" dirty="0"/>
+              <a:t>      &lt;</a:t>
+            </a:r>
+            <a:r>
+              <a:rPr lang="en-US" dirty="0" err="1"/>
+              <a:t>ul</a:t>
+            </a:r>
+            <a:r>
+              <a:rPr lang="en-US" dirty="0"/>
+              <a:t>&gt;</a:t>
+            </a:r>
+          </a:p>
+          <a:p>
+            <a:pPr marL="0" indent="0">
+              <a:buNone/>
+            </a:pPr>
+            <a:r>
+              <a:rPr lang="en-US" dirty="0"/>
+              <a:t>        {</a:t>
             </a:r>
             <a:r>
               <a:rPr lang="en-US" dirty="0" err="1" smtClean="0"/>
-              <a:t>jsx</a:t>
-            </a:r>
-            <a:r>
-              <a:rPr lang="en-US" dirty="0" smtClean="0"/>
-              <a:t> syntax in our component and also used the ES6 features in the stores.</a:t>
-            </a:r>
+              <a:t>this.props.customers.map</a:t>
+            </a:r>
+            <a:r>
+              <a:rPr lang="en-US" dirty="0"/>
+              <a:t>((location, </a:t>
+            </a:r>
+            <a:r>
+              <a:rPr lang="en-US" dirty="0" err="1"/>
+              <a:t>i</a:t>
+            </a:r>
+            <a:r>
+              <a:rPr lang="en-US" dirty="0"/>
+              <a:t>) =&gt; </a:t>
+            </a:r>
+            <a:r>
+              <a:rPr lang="en-US" dirty="0" smtClean="0"/>
+              <a:t>{  </a:t>
+            </a:r>
+            <a:r>
+              <a:rPr lang="en-US" dirty="0" smtClean="0">
+                <a:solidFill>
+                  <a:schemeClr val="accent1">
+                    <a:lumMod val="75000"/>
+                  </a:schemeClr>
+                </a:solidFill>
+              </a:rPr>
+              <a:t>//getting customers data of store from the props</a:t>
+            </a:r>
+            <a:endParaRPr lang="en-US" dirty="0">
+              <a:solidFill>
+                <a:schemeClr val="accent1">
+                  <a:lumMod val="75000"/>
+                </a:schemeClr>
+              </a:solidFill>
+            </a:endParaRPr>
+          </a:p>
+          <a:p>
+            <a:pPr marL="0" indent="0">
+              <a:buNone/>
+            </a:pPr>
+            <a:r>
+              <a:rPr lang="en-US" dirty="0"/>
+              <a:t>          return (</a:t>
+            </a:r>
+          </a:p>
+          <a:p>
+            <a:pPr marL="0" indent="0">
+              <a:buNone/>
+            </a:pPr>
+            <a:r>
+              <a:rPr lang="en-US" dirty="0"/>
+              <a:t>            &lt;li key={</a:t>
+            </a:r>
+            <a:r>
+              <a:rPr lang="en-US" dirty="0" err="1"/>
+              <a:t>i</a:t>
+            </a:r>
+            <a:r>
+              <a:rPr lang="en-US" dirty="0"/>
+              <a:t>}&gt;</a:t>
+            </a:r>
+          </a:p>
+          <a:p>
+            <a:pPr marL="0" indent="0">
+              <a:buNone/>
+            </a:pPr>
+            <a:r>
+              <a:rPr lang="en-US" dirty="0"/>
+              <a:t>              {location.name}</a:t>
+            </a:r>
+          </a:p>
+          <a:p>
+            <a:pPr marL="0" indent="0">
+              <a:buNone/>
+            </a:pPr>
+            <a:r>
+              <a:rPr lang="en-US" dirty="0"/>
+              <a:t>            &lt;/li&gt;</a:t>
+            </a:r>
+          </a:p>
+          <a:p>
+            <a:pPr marL="0" indent="0">
+              <a:buNone/>
+            </a:pPr>
+            <a:r>
+              <a:rPr lang="en-US" dirty="0"/>
+              <a:t>          );</a:t>
+            </a:r>
+          </a:p>
+          <a:p>
+            <a:pPr marL="0" indent="0">
+              <a:buNone/>
+            </a:pPr>
+            <a:r>
+              <a:rPr lang="en-US" dirty="0"/>
+              <a:t>        })}</a:t>
+            </a:r>
+          </a:p>
+          <a:p>
+            <a:pPr marL="0" indent="0">
+              <a:buNone/>
+            </a:pPr>
+            <a:r>
+              <a:rPr lang="en-US" dirty="0"/>
+              <a:t>      &lt;/</a:t>
+            </a:r>
+            <a:r>
+              <a:rPr lang="en-US" dirty="0" err="1"/>
+              <a:t>ul</a:t>
+            </a:r>
+            <a:r>
+              <a:rPr lang="en-US" dirty="0"/>
+              <a:t>&gt;</a:t>
+            </a:r>
+          </a:p>
+          <a:p>
+            <a:pPr marL="0" indent="0">
+              <a:buNone/>
+            </a:pPr>
+            <a:r>
+              <a:rPr lang="en-US" dirty="0"/>
+              <a:t>    );</a:t>
+            </a:r>
+          </a:p>
+          <a:p>
+            <a:pPr marL="0" indent="0">
+              <a:buNone/>
+            </a:pPr>
+            <a:r>
+              <a:rPr lang="en-US" dirty="0"/>
+              <a:t>  }</a:t>
+            </a:r>
+          </a:p>
+          <a:p>
+            <a:pPr marL="0" indent="0">
+              <a:buNone/>
+            </a:pPr>
+            <a:r>
+              <a:rPr lang="en-US" dirty="0"/>
+              <a:t>});</a:t>
+            </a:r>
+            <a:endParaRPr lang="en-US" dirty="0" smtClean="0"/>
           </a:p>
         </p:txBody>
       </p:sp>
     </p:spTree>
     <p:extLst>
       <p:ext uri="{BB962C8B-B14F-4D97-AF65-F5344CB8AC3E}">
-        <p14:creationId xmlns:p14="http://schemas.microsoft.com/office/powerpoint/2010/main" val="4092015278"/>
+        <p14:creationId xmlns:p14="http://schemas.microsoft.com/office/powerpoint/2010/main" val="3430342535"/>
       </p:ext>
     </p:extLst>
   </p:cSld>
   <p:clrMapOvr>
     <a:masterClrMapping/>
   </p:clrMapOvr>
+  <p:timing>
+    <p:tnLst>
+      <p:par>
+        <p:cTn id="1" dur="indefinite" restart="never" nodeType="tmRoot"/>
+      </p:par>
+    </p:tnLst>
+  </p:timing>
 </p:sld>
 </file>
 
@@ -8366,6 +8337,93 @@
               <a:t> syntax in our component and also used the ES6 features in the stores.</a:t>
             </a:r>
           </a:p>
+        </p:txBody>
+      </p:sp>
+    </p:spTree>
+    <p:extLst>
+      <p:ext uri="{BB962C8B-B14F-4D97-AF65-F5344CB8AC3E}">
+        <p14:creationId xmlns:p14="http://schemas.microsoft.com/office/powerpoint/2010/main" val="4092015278"/>
+      </p:ext>
+    </p:extLst>
+  </p:cSld>
+  <p:clrMapOvr>
+    <a:masterClrMapping/>
+  </p:clrMapOvr>
+</p:sld>
+</file>
+
+<file path=ppt/slides/slide39.xml><?xml version="1.0" encoding="utf-8"?>
+<p:sld xmlns:a="http://schemas.openxmlformats.org/drawingml/2006/main" xmlns:r="http://schemas.openxmlformats.org/officeDocument/2006/relationships" xmlns:p="http://schemas.openxmlformats.org/presentationml/2006/main">
+  <p:cSld>
+    <p:spTree>
+      <p:nvGrpSpPr>
+        <p:cNvPr id="1" name=""/>
+        <p:cNvGrpSpPr/>
+        <p:nvPr/>
+      </p:nvGrpSpPr>
+      <p:grpSpPr>
+        <a:xfrm>
+          <a:off x="0" y="0"/>
+          <a:ext cx="0" cy="0"/>
+          <a:chOff x="0" y="0"/>
+          <a:chExt cx="0" cy="0"/>
+        </a:xfrm>
+      </p:grpSpPr>
+      <p:sp>
+        <p:nvSpPr>
+          <p:cNvPr id="2" name="Title 1"/>
+          <p:cNvSpPr>
+            <a:spLocks noGrp="1"/>
+          </p:cNvSpPr>
+          <p:nvPr>
+            <p:ph type="title"/>
+          </p:nvPr>
+        </p:nvSpPr>
+        <p:spPr/>
+        <p:txBody>
+          <a:bodyPr/>
+          <a:lstStyle/>
+          <a:p>
+            <a:r>
+              <a:rPr lang="en-US" dirty="0" err="1" smtClean="0"/>
+              <a:t>Jsx</a:t>
+            </a:r>
+            <a:r>
+              <a:rPr lang="en-US" dirty="0" smtClean="0"/>
+              <a:t> Compilation and ES6 Transformation</a:t>
+            </a:r>
+            <a:endParaRPr lang="en-US" dirty="0"/>
+          </a:p>
+        </p:txBody>
+      </p:sp>
+      <p:sp>
+        <p:nvSpPr>
+          <p:cNvPr id="3" name="Content Placeholder 2"/>
+          <p:cNvSpPr>
+            <a:spLocks noGrp="1"/>
+          </p:cNvSpPr>
+          <p:nvPr>
+            <p:ph idx="1"/>
+          </p:nvPr>
+        </p:nvSpPr>
+        <p:spPr/>
+        <p:txBody>
+          <a:bodyPr/>
+          <a:lstStyle/>
+          <a:p>
+            <a:r>
+              <a:rPr lang="en-US" dirty="0" smtClean="0"/>
+              <a:t>So far we use just the </a:t>
+            </a:r>
+            <a:r>
+              <a:rPr lang="en-US" dirty="0" err="1" smtClean="0"/>
+              <a:t>jsx</a:t>
+            </a:r>
+            <a:r>
+              <a:rPr lang="en-US" dirty="0" smtClean="0"/>
+              <a:t> syntax in our component and also used the ES6 features in the stores.</a:t>
+            </a:r>
+          </a:p>
           <a:p>
             <a:r>
               <a:rPr lang="en-US" dirty="0" smtClean="0"/>
@@ -8403,7 +8461,147 @@
 </p:sld>
 </file>
 
-<file path=ppt/slides/slide39.xml><?xml version="1.0" encoding="utf-8"?>
+<file path=ppt/slides/slide4.xml><?xml version="1.0" encoding="utf-8"?>
+<p:sld xmlns:a="http://schemas.openxmlformats.org/drawingml/2006/main" xmlns:r="http://schemas.openxmlformats.org/officeDocument/2006/relationships" xmlns:p="http://schemas.openxmlformats.org/presentationml/2006/main">
+  <p:cSld>
+    <p:spTree>
+      <p:nvGrpSpPr>
+        <p:cNvPr id="1" name=""/>
+        <p:cNvGrpSpPr/>
+        <p:nvPr/>
+      </p:nvGrpSpPr>
+      <p:grpSpPr>
+        <a:xfrm>
+          <a:off x="0" y="0"/>
+          <a:ext cx="0" cy="0"/>
+          <a:chOff x="0" y="0"/>
+          <a:chExt cx="0" cy="0"/>
+        </a:xfrm>
+      </p:grpSpPr>
+      <p:sp>
+        <p:nvSpPr>
+          <p:cNvPr id="2" name="Title 1"/>
+          <p:cNvSpPr>
+            <a:spLocks noGrp="1"/>
+          </p:cNvSpPr>
+          <p:nvPr>
+            <p:ph type="title"/>
+          </p:nvPr>
+        </p:nvSpPr>
+        <p:spPr/>
+        <p:txBody>
+          <a:bodyPr/>
+          <a:lstStyle/>
+          <a:p>
+            <a:r>
+              <a:rPr lang="en-US" dirty="0" smtClean="0"/>
+              <a:t>Problem with MVC</a:t>
+            </a:r>
+            <a:endParaRPr lang="en-US" dirty="0"/>
+          </a:p>
+        </p:txBody>
+      </p:sp>
+      <p:pic>
+        <p:nvPicPr>
+          <p:cNvPr id="4" name="Content Placeholder 3"/>
+          <p:cNvPicPr>
+            <a:picLocks noGrp="1" noChangeAspect="1"/>
+          </p:cNvPicPr>
+          <p:nvPr>
+            <p:ph idx="1"/>
+          </p:nvPr>
+        </p:nvPicPr>
+        <p:blipFill>
+          <a:blip r:embed="rId2">
+            <a:extLst>
+              <a:ext uri="{28A0092B-C50C-407E-A947-70E740481C1C}">
+                <a14:useLocalDpi xmlns:a14="http://schemas.microsoft.com/office/drawing/2010/main" val="0"/>
+              </a:ext>
+            </a:extLst>
+          </a:blip>
+          <a:stretch>
+            <a:fillRect/>
+          </a:stretch>
+        </p:blipFill>
+        <p:spPr>
+          <a:xfrm>
+            <a:off x="1439908" y="1341064"/>
+            <a:ext cx="8027831" cy="2477432"/>
+          </a:xfrm>
+        </p:spPr>
+      </p:pic>
+      <p:sp>
+        <p:nvSpPr>
+          <p:cNvPr id="5" name="TextBox 4"/>
+          <p:cNvSpPr txBox="1"/>
+          <p:nvPr/>
+        </p:nvSpPr>
+        <p:spPr>
+          <a:xfrm>
+            <a:off x="1828800" y="4168588"/>
+            <a:ext cx="9722277" cy="1107996"/>
+          </a:xfrm>
+          <a:prstGeom prst="rect">
+            <a:avLst/>
+          </a:prstGeom>
+          <a:noFill/>
+        </p:spPr>
+        <p:txBody>
+          <a:bodyPr wrap="none" rtlCol="0">
+            <a:spAutoFit/>
+          </a:bodyPr>
+          <a:lstStyle/>
+          <a:p>
+            <a:pPr marL="285750" indent="-285750">
+              <a:buFont typeface="Arial" panose="020B0604020202020204" pitchFamily="34" charset="0"/>
+              <a:buChar char="•"/>
+            </a:pPr>
+            <a:r>
+              <a:rPr lang="en-US" sz="2400" dirty="0" smtClean="0"/>
+              <a:t>Model watches to views and views watches the model. Too many Watches</a:t>
+            </a:r>
+          </a:p>
+          <a:p>
+            <a:pPr marL="285750" indent="-285750">
+              <a:buFont typeface="Arial" panose="020B0604020202020204" pitchFamily="34" charset="0"/>
+              <a:buChar char="•"/>
+            </a:pPr>
+            <a:r>
+              <a:rPr lang="en-US" sz="2400" dirty="0" smtClean="0"/>
+              <a:t>Views re rendering too </a:t>
+            </a:r>
+            <a:r>
+              <a:rPr lang="en-US" sz="2400" dirty="0"/>
+              <a:t>much due to cascading update</a:t>
+            </a:r>
+            <a:endParaRPr lang="en-US" sz="2400" dirty="0" smtClean="0"/>
+          </a:p>
+          <a:p>
+            <a:endParaRPr lang="en-US" dirty="0"/>
+          </a:p>
+        </p:txBody>
+      </p:sp>
+    </p:spTree>
+    <p:extLst>
+      <p:ext uri="{BB962C8B-B14F-4D97-AF65-F5344CB8AC3E}">
+        <p14:creationId xmlns:p14="http://schemas.microsoft.com/office/powerpoint/2010/main" val="209395790"/>
+      </p:ext>
+    </p:extLst>
+  </p:cSld>
+  <p:clrMapOvr>
+    <a:masterClrMapping/>
+  </p:clrMapOvr>
+  <p:timing>
+    <p:tnLst>
+      <p:par>
+        <p:cTn id="1" dur="indefinite" restart="never" nodeType="tmRoot"/>
+      </p:par>
+    </p:tnLst>
+  </p:timing>
+</p:sld>
+</file>
+
+<file path=ppt/slides/slide40.xml><?xml version="1.0" encoding="utf-8"?>
 <p:sld xmlns:a="http://schemas.openxmlformats.org/drawingml/2006/main" xmlns:r="http://schemas.openxmlformats.org/officeDocument/2006/relationships" xmlns:p="http://schemas.openxmlformats.org/presentationml/2006/main">
   <p:cSld>
     <p:spTree>
@@ -8569,147 +8767,7 @@
 </p:sld>
 </file>
 
-<file path=ppt/slides/slide4.xml><?xml version="1.0" encoding="utf-8"?>
-<p:sld xmlns:a="http://schemas.openxmlformats.org/drawingml/2006/main" xmlns:r="http://schemas.openxmlformats.org/officeDocument/2006/relationships" xmlns:p="http://schemas.openxmlformats.org/presentationml/2006/main">
-  <p:cSld>
-    <p:spTree>
-      <p:nvGrpSpPr>
-        <p:cNvPr id="1" name=""/>
-        <p:cNvGrpSpPr/>
-        <p:nvPr/>
-      </p:nvGrpSpPr>
-      <p:grpSpPr>
-        <a:xfrm>
-          <a:off x="0" y="0"/>
-          <a:ext cx="0" cy="0"/>
-          <a:chOff x="0" y="0"/>
-          <a:chExt cx="0" cy="0"/>
-        </a:xfrm>
-      </p:grpSpPr>
-      <p:sp>
-        <p:nvSpPr>
-          <p:cNvPr id="2" name="Title 1"/>
-          <p:cNvSpPr>
-            <a:spLocks noGrp="1"/>
-          </p:cNvSpPr>
-          <p:nvPr>
-            <p:ph type="title"/>
-          </p:nvPr>
-        </p:nvSpPr>
-        <p:spPr/>
-        <p:txBody>
-          <a:bodyPr/>
-          <a:lstStyle/>
-          <a:p>
-            <a:r>
-              <a:rPr lang="en-US" dirty="0" smtClean="0"/>
-              <a:t>Problem with MVC</a:t>
-            </a:r>
-            <a:endParaRPr lang="en-US" dirty="0"/>
-          </a:p>
-        </p:txBody>
-      </p:sp>
-      <p:pic>
-        <p:nvPicPr>
-          <p:cNvPr id="4" name="Content Placeholder 3"/>
-          <p:cNvPicPr>
-            <a:picLocks noGrp="1" noChangeAspect="1"/>
-          </p:cNvPicPr>
-          <p:nvPr>
-            <p:ph idx="1"/>
-          </p:nvPr>
-        </p:nvPicPr>
-        <p:blipFill>
-          <a:blip r:embed="rId2">
-            <a:extLst>
-              <a:ext uri="{28A0092B-C50C-407E-A947-70E740481C1C}">
-                <a14:useLocalDpi xmlns:a14="http://schemas.microsoft.com/office/drawing/2010/main" val="0"/>
-              </a:ext>
-            </a:extLst>
-          </a:blip>
-          <a:stretch>
-            <a:fillRect/>
-          </a:stretch>
-        </p:blipFill>
-        <p:spPr>
-          <a:xfrm>
-            <a:off x="1439908" y="1341064"/>
-            <a:ext cx="8027831" cy="2477432"/>
-          </a:xfrm>
-        </p:spPr>
-      </p:pic>
-      <p:sp>
-        <p:nvSpPr>
-          <p:cNvPr id="5" name="TextBox 4"/>
-          <p:cNvSpPr txBox="1"/>
-          <p:nvPr/>
-        </p:nvSpPr>
-        <p:spPr>
-          <a:xfrm>
-            <a:off x="1828800" y="4168588"/>
-            <a:ext cx="9722277" cy="1107996"/>
-          </a:xfrm>
-          <a:prstGeom prst="rect">
-            <a:avLst/>
-          </a:prstGeom>
-          <a:noFill/>
-        </p:spPr>
-        <p:txBody>
-          <a:bodyPr wrap="none" rtlCol="0">
-            <a:spAutoFit/>
-          </a:bodyPr>
-          <a:lstStyle/>
-          <a:p>
-            <a:pPr marL="285750" indent="-285750">
-              <a:buFont typeface="Arial" panose="020B0604020202020204" pitchFamily="34" charset="0"/>
-              <a:buChar char="•"/>
-            </a:pPr>
-            <a:r>
-              <a:rPr lang="en-US" sz="2400" dirty="0" smtClean="0"/>
-              <a:t>Model watches to views and views watches the model. Too many Watches</a:t>
-            </a:r>
-          </a:p>
-          <a:p>
-            <a:pPr marL="285750" indent="-285750">
-              <a:buFont typeface="Arial" panose="020B0604020202020204" pitchFamily="34" charset="0"/>
-              <a:buChar char="•"/>
-            </a:pPr>
-            <a:r>
-              <a:rPr lang="en-US" sz="2400" dirty="0" smtClean="0"/>
-              <a:t>Views re rendering too </a:t>
-            </a:r>
-            <a:r>
-              <a:rPr lang="en-US" sz="2400" dirty="0"/>
-              <a:t>much due to cascading update</a:t>
-            </a:r>
-            <a:endParaRPr lang="en-US" sz="2400" dirty="0" smtClean="0"/>
-          </a:p>
-          <a:p>
-            <a:endParaRPr lang="en-US" dirty="0"/>
-          </a:p>
-        </p:txBody>
-      </p:sp>
-    </p:spTree>
-    <p:extLst>
-      <p:ext uri="{BB962C8B-B14F-4D97-AF65-F5344CB8AC3E}">
-        <p14:creationId xmlns:p14="http://schemas.microsoft.com/office/powerpoint/2010/main" val="209395790"/>
-      </p:ext>
-    </p:extLst>
-  </p:cSld>
-  <p:clrMapOvr>
-    <a:masterClrMapping/>
-  </p:clrMapOvr>
-  <p:timing>
-    <p:tnLst>
-      <p:par>
-        <p:cTn id="1" dur="indefinite" restart="never" nodeType="tmRoot"/>
-      </p:par>
-    </p:tnLst>
-  </p:timing>
-</p:sld>
-</file>
-
-<file path=ppt/slides/slide40.xml><?xml version="1.0" encoding="utf-8"?>
+<file path=ppt/slides/slide41.xml><?xml version="1.0" encoding="utf-8"?>
 <p:sld xmlns:a="http://schemas.openxmlformats.org/drawingml/2006/main" xmlns:r="http://schemas.openxmlformats.org/officeDocument/2006/relationships" xmlns:p="http://schemas.openxmlformats.org/presentationml/2006/main">
   <p:cSld>
     <p:spTree>
@@ -8857,7 +8915,657 @@
 </p:sld>
 </file>
 
-<file path=ppt/slides/slide41.xml><?xml version="1.0" encoding="utf-8"?>
+<file path=ppt/slides/slide42.xml><?xml version="1.0" encoding="utf-8"?>
+<p:sld xmlns:a="http://schemas.openxmlformats.org/drawingml/2006/main" xmlns:r="http://schemas.openxmlformats.org/officeDocument/2006/relationships" xmlns:p="http://schemas.openxmlformats.org/presentationml/2006/main">
+  <p:cSld>
+    <p:spTree>
+      <p:nvGrpSpPr>
+        <p:cNvPr id="1" name=""/>
+        <p:cNvGrpSpPr/>
+        <p:nvPr/>
+      </p:nvGrpSpPr>
+      <p:grpSpPr>
+        <a:xfrm>
+          <a:off x="0" y="0"/>
+          <a:ext cx="0" cy="0"/>
+          <a:chOff x="0" y="0"/>
+          <a:chExt cx="0" cy="0"/>
+        </a:xfrm>
+      </p:grpSpPr>
+      <p:sp>
+        <p:nvSpPr>
+          <p:cNvPr id="2" name="Title 1"/>
+          <p:cNvSpPr>
+            <a:spLocks noGrp="1"/>
+          </p:cNvSpPr>
+          <p:nvPr>
+            <p:ph type="title"/>
+          </p:nvPr>
+        </p:nvSpPr>
+        <p:spPr/>
+        <p:txBody>
+          <a:bodyPr/>
+          <a:lstStyle/>
+          <a:p>
+            <a:r>
+              <a:rPr lang="en-US" dirty="0" smtClean="0"/>
+              <a:t>Using Jest</a:t>
+            </a:r>
+            <a:endParaRPr lang="en-US" dirty="0"/>
+          </a:p>
+        </p:txBody>
+      </p:sp>
+      <p:sp>
+        <p:nvSpPr>
+          <p:cNvPr id="3" name="Content Placeholder 2"/>
+          <p:cNvSpPr>
+            <a:spLocks noGrp="1"/>
+          </p:cNvSpPr>
+          <p:nvPr>
+            <p:ph idx="1"/>
+          </p:nvPr>
+        </p:nvSpPr>
+        <p:spPr/>
+        <p:txBody>
+          <a:bodyPr/>
+          <a:lstStyle/>
+          <a:p>
+            <a:pPr marL="0" indent="0">
+              <a:buNone/>
+            </a:pPr>
+            <a:r>
+              <a:rPr lang="en-US" dirty="0"/>
+              <a:t>Jest provides </a:t>
+            </a:r>
+            <a:r>
+              <a:rPr lang="en-US" dirty="0" smtClean="0"/>
+              <a:t>you:</a:t>
+            </a:r>
+            <a:endParaRPr lang="en-US" dirty="0"/>
+          </a:p>
+          <a:p>
+            <a:r>
+              <a:rPr lang="en-US" dirty="0"/>
+              <a:t>Automatically finds tests to execute in your </a:t>
+            </a:r>
+            <a:r>
+              <a:rPr lang="en-US" dirty="0" smtClean="0"/>
+              <a:t>repository.</a:t>
+            </a:r>
+            <a:endParaRPr lang="en-US" dirty="0"/>
+          </a:p>
+          <a:p>
+            <a:endParaRPr lang="en-US" dirty="0"/>
+          </a:p>
+        </p:txBody>
+      </p:sp>
+    </p:spTree>
+    <p:extLst>
+      <p:ext uri="{BB962C8B-B14F-4D97-AF65-F5344CB8AC3E}">
+        <p14:creationId xmlns:p14="http://schemas.microsoft.com/office/powerpoint/2010/main" val="2467322991"/>
+      </p:ext>
+    </p:extLst>
+  </p:cSld>
+  <p:clrMapOvr>
+    <a:masterClrMapping/>
+  </p:clrMapOvr>
+</p:sld>
+</file>
+
+<file path=ppt/slides/slide43.xml><?xml version="1.0" encoding="utf-8"?>
+<p:sld xmlns:a="http://schemas.openxmlformats.org/drawingml/2006/main" xmlns:r="http://schemas.openxmlformats.org/officeDocument/2006/relationships" xmlns:p="http://schemas.openxmlformats.org/presentationml/2006/main">
+  <p:cSld>
+    <p:spTree>
+      <p:nvGrpSpPr>
+        <p:cNvPr id="1" name=""/>
+        <p:cNvGrpSpPr/>
+        <p:nvPr/>
+      </p:nvGrpSpPr>
+      <p:grpSpPr>
+        <a:xfrm>
+          <a:off x="0" y="0"/>
+          <a:ext cx="0" cy="0"/>
+          <a:chOff x="0" y="0"/>
+          <a:chExt cx="0" cy="0"/>
+        </a:xfrm>
+      </p:grpSpPr>
+      <p:sp>
+        <p:nvSpPr>
+          <p:cNvPr id="2" name="Title 1"/>
+          <p:cNvSpPr>
+            <a:spLocks noGrp="1"/>
+          </p:cNvSpPr>
+          <p:nvPr>
+            <p:ph type="title"/>
+          </p:nvPr>
+        </p:nvSpPr>
+        <p:spPr/>
+        <p:txBody>
+          <a:bodyPr/>
+          <a:lstStyle/>
+          <a:p>
+            <a:r>
+              <a:rPr lang="en-US" dirty="0" smtClean="0"/>
+              <a:t>Using Jest</a:t>
+            </a:r>
+            <a:endParaRPr lang="en-US" dirty="0"/>
+          </a:p>
+        </p:txBody>
+      </p:sp>
+      <p:sp>
+        <p:nvSpPr>
+          <p:cNvPr id="3" name="Content Placeholder 2"/>
+          <p:cNvSpPr>
+            <a:spLocks noGrp="1"/>
+          </p:cNvSpPr>
+          <p:nvPr>
+            <p:ph idx="1"/>
+          </p:nvPr>
+        </p:nvSpPr>
+        <p:spPr/>
+        <p:txBody>
+          <a:bodyPr/>
+          <a:lstStyle/>
+          <a:p>
+            <a:pPr marL="0" indent="0">
+              <a:buNone/>
+            </a:pPr>
+            <a:r>
+              <a:rPr lang="en-US" dirty="0"/>
+              <a:t>Jest provides </a:t>
+            </a:r>
+            <a:r>
+              <a:rPr lang="en-US" dirty="0" smtClean="0"/>
+              <a:t>you:</a:t>
+            </a:r>
+            <a:endParaRPr lang="en-US" dirty="0"/>
+          </a:p>
+          <a:p>
+            <a:r>
+              <a:rPr lang="en-US" dirty="0"/>
+              <a:t>Automatically finds tests to execute in your </a:t>
+            </a:r>
+            <a:r>
+              <a:rPr lang="en-US" dirty="0" smtClean="0"/>
+              <a:t>repository.</a:t>
+            </a:r>
+            <a:endParaRPr lang="en-US" dirty="0"/>
+          </a:p>
+          <a:p>
+            <a:r>
+              <a:rPr lang="en-US" dirty="0"/>
+              <a:t>Automatically mocks dependencies for you when running your tests</a:t>
+            </a:r>
+          </a:p>
+          <a:p>
+            <a:endParaRPr lang="en-US" dirty="0"/>
+          </a:p>
+        </p:txBody>
+      </p:sp>
+    </p:spTree>
+    <p:extLst>
+      <p:ext uri="{BB962C8B-B14F-4D97-AF65-F5344CB8AC3E}">
+        <p14:creationId xmlns:p14="http://schemas.microsoft.com/office/powerpoint/2010/main" val="2020463584"/>
+      </p:ext>
+    </p:extLst>
+  </p:cSld>
+  <p:clrMapOvr>
+    <a:masterClrMapping/>
+  </p:clrMapOvr>
+</p:sld>
+</file>
+
+<file path=ppt/slides/slide44.xml><?xml version="1.0" encoding="utf-8"?>
+<p:sld xmlns:a="http://schemas.openxmlformats.org/drawingml/2006/main" xmlns:r="http://schemas.openxmlformats.org/officeDocument/2006/relationships" xmlns:p="http://schemas.openxmlformats.org/presentationml/2006/main">
+  <p:cSld>
+    <p:spTree>
+      <p:nvGrpSpPr>
+        <p:cNvPr id="1" name=""/>
+        <p:cNvGrpSpPr/>
+        <p:nvPr/>
+      </p:nvGrpSpPr>
+      <p:grpSpPr>
+        <a:xfrm>
+          <a:off x="0" y="0"/>
+          <a:ext cx="0" cy="0"/>
+          <a:chOff x="0" y="0"/>
+          <a:chExt cx="0" cy="0"/>
+        </a:xfrm>
+      </p:grpSpPr>
+      <p:sp>
+        <p:nvSpPr>
+          <p:cNvPr id="2" name="Title 1"/>
+          <p:cNvSpPr>
+            <a:spLocks noGrp="1"/>
+          </p:cNvSpPr>
+          <p:nvPr>
+            <p:ph type="title"/>
+          </p:nvPr>
+        </p:nvSpPr>
+        <p:spPr/>
+        <p:txBody>
+          <a:bodyPr/>
+          <a:lstStyle/>
+          <a:p>
+            <a:r>
+              <a:rPr lang="en-US" dirty="0" smtClean="0"/>
+              <a:t>Using Jest</a:t>
+            </a:r>
+            <a:endParaRPr lang="en-US" dirty="0"/>
+          </a:p>
+        </p:txBody>
+      </p:sp>
+      <p:sp>
+        <p:nvSpPr>
+          <p:cNvPr id="3" name="Content Placeholder 2"/>
+          <p:cNvSpPr>
+            <a:spLocks noGrp="1"/>
+          </p:cNvSpPr>
+          <p:nvPr>
+            <p:ph idx="1"/>
+          </p:nvPr>
+        </p:nvSpPr>
+        <p:spPr/>
+        <p:txBody>
+          <a:bodyPr/>
+          <a:lstStyle/>
+          <a:p>
+            <a:pPr marL="0" indent="0">
+              <a:buNone/>
+            </a:pPr>
+            <a:r>
+              <a:rPr lang="en-US" dirty="0"/>
+              <a:t>Jest provides </a:t>
+            </a:r>
+            <a:r>
+              <a:rPr lang="en-US" dirty="0" smtClean="0"/>
+              <a:t>you:</a:t>
+            </a:r>
+            <a:endParaRPr lang="en-US" dirty="0"/>
+          </a:p>
+          <a:p>
+            <a:r>
+              <a:rPr lang="en-US" dirty="0"/>
+              <a:t>Automatically finds tests to execute in your </a:t>
+            </a:r>
+            <a:r>
+              <a:rPr lang="en-US" dirty="0" smtClean="0"/>
+              <a:t>repository.</a:t>
+            </a:r>
+            <a:endParaRPr lang="en-US" dirty="0"/>
+          </a:p>
+          <a:p>
+            <a:r>
+              <a:rPr lang="en-US" dirty="0"/>
+              <a:t>Automatically mocks dependencies for you when running your tests</a:t>
+            </a:r>
+          </a:p>
+          <a:p>
+            <a:r>
+              <a:rPr lang="en-US" dirty="0"/>
+              <a:t>Allows you to test asynchronous code synchronously</a:t>
+            </a:r>
+          </a:p>
+          <a:p>
+            <a:endParaRPr lang="en-US" dirty="0"/>
+          </a:p>
+        </p:txBody>
+      </p:sp>
+    </p:spTree>
+    <p:extLst>
+      <p:ext uri="{BB962C8B-B14F-4D97-AF65-F5344CB8AC3E}">
+        <p14:creationId xmlns:p14="http://schemas.microsoft.com/office/powerpoint/2010/main" val="2122791856"/>
+      </p:ext>
+    </p:extLst>
+  </p:cSld>
+  <p:clrMapOvr>
+    <a:masterClrMapping/>
+  </p:clrMapOvr>
+</p:sld>
+</file>
+
+<file path=ppt/slides/slide45.xml><?xml version="1.0" encoding="utf-8"?>
+<p:sld xmlns:a="http://schemas.openxmlformats.org/drawingml/2006/main" xmlns:r="http://schemas.openxmlformats.org/officeDocument/2006/relationships" xmlns:p="http://schemas.openxmlformats.org/presentationml/2006/main">
+  <p:cSld>
+    <p:spTree>
+      <p:nvGrpSpPr>
+        <p:cNvPr id="1" name=""/>
+        <p:cNvGrpSpPr/>
+        <p:nvPr/>
+      </p:nvGrpSpPr>
+      <p:grpSpPr>
+        <a:xfrm>
+          <a:off x="0" y="0"/>
+          <a:ext cx="0" cy="0"/>
+          <a:chOff x="0" y="0"/>
+          <a:chExt cx="0" cy="0"/>
+        </a:xfrm>
+      </p:grpSpPr>
+      <p:sp>
+        <p:nvSpPr>
+          <p:cNvPr id="2" name="Title 1"/>
+          <p:cNvSpPr>
+            <a:spLocks noGrp="1"/>
+          </p:cNvSpPr>
+          <p:nvPr>
+            <p:ph type="title"/>
+          </p:nvPr>
+        </p:nvSpPr>
+        <p:spPr/>
+        <p:txBody>
+          <a:bodyPr/>
+          <a:lstStyle/>
+          <a:p>
+            <a:r>
+              <a:rPr lang="en-US" dirty="0" smtClean="0"/>
+              <a:t>Using Jest</a:t>
+            </a:r>
+            <a:endParaRPr lang="en-US" dirty="0"/>
+          </a:p>
+        </p:txBody>
+      </p:sp>
+      <p:sp>
+        <p:nvSpPr>
+          <p:cNvPr id="3" name="Content Placeholder 2"/>
+          <p:cNvSpPr>
+            <a:spLocks noGrp="1"/>
+          </p:cNvSpPr>
+          <p:nvPr>
+            <p:ph idx="1"/>
+          </p:nvPr>
+        </p:nvSpPr>
+        <p:spPr/>
+        <p:txBody>
+          <a:bodyPr/>
+          <a:lstStyle/>
+          <a:p>
+            <a:pPr marL="0" indent="0">
+              <a:buNone/>
+            </a:pPr>
+            <a:r>
+              <a:rPr lang="en-US" dirty="0"/>
+              <a:t>Jest provides </a:t>
+            </a:r>
+            <a:r>
+              <a:rPr lang="en-US" dirty="0" smtClean="0"/>
+              <a:t>you:</a:t>
+            </a:r>
+            <a:endParaRPr lang="en-US" dirty="0"/>
+          </a:p>
+          <a:p>
+            <a:r>
+              <a:rPr lang="en-US" dirty="0"/>
+              <a:t>Automatically finds tests to execute in your </a:t>
+            </a:r>
+            <a:r>
+              <a:rPr lang="en-US" dirty="0" smtClean="0"/>
+              <a:t>repository.</a:t>
+            </a:r>
+            <a:endParaRPr lang="en-US" dirty="0"/>
+          </a:p>
+          <a:p>
+            <a:r>
+              <a:rPr lang="en-US" dirty="0"/>
+              <a:t>Automatically mocks dependencies for you when running your tests</a:t>
+            </a:r>
+          </a:p>
+          <a:p>
+            <a:r>
+              <a:rPr lang="en-US" dirty="0"/>
+              <a:t>Allows you to test asynchronous code synchronously</a:t>
+            </a:r>
+          </a:p>
+          <a:p>
+            <a:r>
+              <a:rPr lang="en-US" dirty="0"/>
+              <a:t>Runs your tests with a fake DOM implementation (via jsdom) so that your tests can run on the command line</a:t>
+            </a:r>
+          </a:p>
+          <a:p>
+            <a:pPr marL="0" indent="0">
+              <a:buNone/>
+            </a:pPr>
+            <a:endParaRPr lang="en-US" dirty="0"/>
+          </a:p>
+        </p:txBody>
+      </p:sp>
+    </p:spTree>
+    <p:extLst>
+      <p:ext uri="{BB962C8B-B14F-4D97-AF65-F5344CB8AC3E}">
+        <p14:creationId xmlns:p14="http://schemas.microsoft.com/office/powerpoint/2010/main" val="3778917702"/>
+      </p:ext>
+    </p:extLst>
+  </p:cSld>
+  <p:clrMapOvr>
+    <a:masterClrMapping/>
+  </p:clrMapOvr>
+</p:sld>
+</file>
+
+<file path=ppt/slides/slide46.xml><?xml version="1.0" encoding="utf-8"?>
+<p:sld xmlns:a="http://schemas.openxmlformats.org/drawingml/2006/main" xmlns:r="http://schemas.openxmlformats.org/officeDocument/2006/relationships" xmlns:p="http://schemas.openxmlformats.org/presentationml/2006/main">
+  <p:cSld>
+    <p:spTree>
+      <p:nvGrpSpPr>
+        <p:cNvPr id="1" name=""/>
+        <p:cNvGrpSpPr/>
+        <p:nvPr/>
+      </p:nvGrpSpPr>
+      <p:grpSpPr>
+        <a:xfrm>
+          <a:off x="0" y="0"/>
+          <a:ext cx="0" cy="0"/>
+          <a:chOff x="0" y="0"/>
+          <a:chExt cx="0" cy="0"/>
+        </a:xfrm>
+      </p:grpSpPr>
+      <p:sp>
+        <p:nvSpPr>
+          <p:cNvPr id="2" name="Title 1"/>
+          <p:cNvSpPr>
+            <a:spLocks noGrp="1"/>
+          </p:cNvSpPr>
+          <p:nvPr>
+            <p:ph type="title"/>
+          </p:nvPr>
+        </p:nvSpPr>
+        <p:spPr/>
+        <p:txBody>
+          <a:bodyPr/>
+          <a:lstStyle/>
+          <a:p>
+            <a:r>
+              <a:rPr lang="en-US" dirty="0" smtClean="0"/>
+              <a:t>Using Jest</a:t>
+            </a:r>
+            <a:endParaRPr lang="en-US" dirty="0"/>
+          </a:p>
+        </p:txBody>
+      </p:sp>
+      <p:sp>
+        <p:nvSpPr>
+          <p:cNvPr id="3" name="Content Placeholder 2"/>
+          <p:cNvSpPr>
+            <a:spLocks noGrp="1"/>
+          </p:cNvSpPr>
+          <p:nvPr>
+            <p:ph idx="1"/>
+          </p:nvPr>
+        </p:nvSpPr>
+        <p:spPr/>
+        <p:txBody>
+          <a:bodyPr/>
+          <a:lstStyle/>
+          <a:p>
+            <a:pPr marL="0" indent="0">
+              <a:buNone/>
+            </a:pPr>
+            <a:r>
+              <a:rPr lang="en-US" dirty="0"/>
+              <a:t>Jest provides </a:t>
+            </a:r>
+            <a:r>
+              <a:rPr lang="en-US" dirty="0" smtClean="0"/>
+              <a:t>you:</a:t>
+            </a:r>
+            <a:endParaRPr lang="en-US" dirty="0"/>
+          </a:p>
+          <a:p>
+            <a:r>
+              <a:rPr lang="en-US" dirty="0"/>
+              <a:t>Automatically finds tests to execute in your </a:t>
+            </a:r>
+            <a:r>
+              <a:rPr lang="en-US" dirty="0" smtClean="0"/>
+              <a:t>repository.</a:t>
+            </a:r>
+            <a:endParaRPr lang="en-US" dirty="0"/>
+          </a:p>
+          <a:p>
+            <a:r>
+              <a:rPr lang="en-US" dirty="0"/>
+              <a:t>Automatically mocks dependencies for you when running your tests</a:t>
+            </a:r>
+          </a:p>
+          <a:p>
+            <a:r>
+              <a:rPr lang="en-US" dirty="0"/>
+              <a:t>Allows you to test asynchronous code synchronously</a:t>
+            </a:r>
+          </a:p>
+          <a:p>
+            <a:r>
+              <a:rPr lang="en-US" dirty="0"/>
+              <a:t>Runs your tests with a fake DOM implementation (via jsdom) so that your tests can run on the command line</a:t>
+            </a:r>
+          </a:p>
+          <a:p>
+            <a:r>
+              <a:rPr lang="en-US" dirty="0"/>
+              <a:t>Runs tests in parallel processes so that they finish sooner</a:t>
+            </a:r>
+          </a:p>
+          <a:p>
+            <a:endParaRPr lang="en-US" dirty="0"/>
+          </a:p>
+        </p:txBody>
+      </p:sp>
+    </p:spTree>
+    <p:extLst>
+      <p:ext uri="{BB962C8B-B14F-4D97-AF65-F5344CB8AC3E}">
+        <p14:creationId xmlns:p14="http://schemas.microsoft.com/office/powerpoint/2010/main" val="2356172442"/>
+      </p:ext>
+    </p:extLst>
+  </p:cSld>
+  <p:clrMapOvr>
+    <a:masterClrMapping/>
+  </p:clrMapOvr>
+</p:sld>
+</file>
+
+<file path=ppt/slides/slide47.xml><?xml version="1.0" encoding="utf-8"?>
+<p:sld xmlns:a="http://schemas.openxmlformats.org/drawingml/2006/main" xmlns:r="http://schemas.openxmlformats.org/officeDocument/2006/relationships" xmlns:p="http://schemas.openxmlformats.org/presentationml/2006/main">
+  <p:cSld>
+    <p:spTree>
+      <p:nvGrpSpPr>
+        <p:cNvPr id="1" name=""/>
+        <p:cNvGrpSpPr/>
+        <p:nvPr/>
+      </p:nvGrpSpPr>
+      <p:grpSpPr>
+        <a:xfrm>
+          <a:off x="0" y="0"/>
+          <a:ext cx="0" cy="0"/>
+          <a:chOff x="0" y="0"/>
+          <a:chExt cx="0" cy="0"/>
+        </a:xfrm>
+      </p:grpSpPr>
+      <p:sp>
+        <p:nvSpPr>
+          <p:cNvPr id="2" name="Title 1"/>
+          <p:cNvSpPr>
+            <a:spLocks noGrp="1"/>
+          </p:cNvSpPr>
+          <p:nvPr>
+            <p:ph type="title"/>
+          </p:nvPr>
+        </p:nvSpPr>
+        <p:spPr/>
+        <p:txBody>
+          <a:bodyPr/>
+          <a:lstStyle/>
+          <a:p>
+            <a:r>
+              <a:rPr lang="en-US" dirty="0" smtClean="0"/>
+              <a:t>Setting Up Jest</a:t>
+            </a:r>
+            <a:endParaRPr lang="en-US" dirty="0"/>
+          </a:p>
+        </p:txBody>
+      </p:sp>
+      <p:sp>
+        <p:nvSpPr>
+          <p:cNvPr id="3" name="Content Placeholder 2"/>
+          <p:cNvSpPr>
+            <a:spLocks noGrp="1"/>
+          </p:cNvSpPr>
+          <p:nvPr>
+            <p:ph idx="1"/>
+          </p:nvPr>
+        </p:nvSpPr>
+        <p:spPr/>
+        <p:txBody>
+          <a:bodyPr/>
+          <a:lstStyle/>
+          <a:p>
+            <a:r>
+              <a:rPr lang="en-US" dirty="0" smtClean="0"/>
+              <a:t>Directory Structure</a:t>
+            </a:r>
+          </a:p>
+          <a:p>
+            <a:endParaRPr lang="en-US" dirty="0"/>
+          </a:p>
+        </p:txBody>
+      </p:sp>
+      <p:pic>
+        <p:nvPicPr>
+          <p:cNvPr id="7" name="Picture 6"/>
+          <p:cNvPicPr>
+            <a:picLocks noChangeAspect="1"/>
+          </p:cNvPicPr>
+          <p:nvPr/>
+        </p:nvPicPr>
+        <p:blipFill>
+          <a:blip r:embed="rId2"/>
+          <a:stretch>
+            <a:fillRect/>
+          </a:stretch>
+        </p:blipFill>
+        <p:spPr>
+          <a:xfrm>
+            <a:off x="1056068" y="2333557"/>
+            <a:ext cx="4228563" cy="3045341"/>
+          </a:xfrm>
+          <a:prstGeom prst="rect">
+            <a:avLst/>
+          </a:prstGeom>
+        </p:spPr>
+      </p:pic>
+    </p:spTree>
+    <p:extLst>
+      <p:ext uri="{BB962C8B-B14F-4D97-AF65-F5344CB8AC3E}">
+        <p14:creationId xmlns:p14="http://schemas.microsoft.com/office/powerpoint/2010/main" val="801430724"/>
+      </p:ext>
+    </p:extLst>
+  </p:cSld>
+  <p:clrMapOvr>
+    <a:masterClrMapping/>
+  </p:clrMapOvr>
+</p:sld>
+</file>
+
+<file path=ppt/slides/slide48.xml><?xml version="1.0" encoding="utf-8"?>
 <p:sld xmlns:a="http://schemas.openxmlformats.org/drawingml/2006/main" xmlns:r="http://schemas.openxmlformats.org/officeDocument/2006/relationships" xmlns:p="http://schemas.openxmlformats.org/presentationml/2006/main">
   <p:cSld>
     <p:spTree>
@@ -9220,11 +9928,7 @@
             </a:pPr>
             <a:r>
               <a:rPr lang="en-US" sz="2400" dirty="0" smtClean="0"/>
-              <a:t>Makes </a:t>
-            </a:r>
-            <a:r>
-              <a:rPr lang="en-US" sz="2400" dirty="0" smtClean="0"/>
-              <a:t>a page of real time data heavy to render</a:t>
+              <a:t>Makes a page of real time data heavy to render</a:t>
             </a:r>
           </a:p>
           <a:p>
@@ -9413,6 +10117,214 @@
 </file>
 
 <file path=ppt/slides/slide7.xml><?xml version="1.0" encoding="utf-8"?>
+<p:sld xmlns:a="http://schemas.openxmlformats.org/drawingml/2006/main" xmlns:r="http://schemas.openxmlformats.org/officeDocument/2006/relationships" xmlns:p="http://schemas.openxmlformats.org/presentationml/2006/main">
+  <p:cSld>
+    <p:spTree>
+      <p:nvGrpSpPr>
+        <p:cNvPr id="1" name=""/>
+        <p:cNvGrpSpPr/>
+        <p:nvPr/>
+      </p:nvGrpSpPr>
+      <p:grpSpPr>
+        <a:xfrm>
+          <a:off x="0" y="0"/>
+          <a:ext cx="0" cy="0"/>
+          <a:chOff x="0" y="0"/>
+          <a:chExt cx="0" cy="0"/>
+        </a:xfrm>
+      </p:grpSpPr>
+      <p:sp>
+        <p:nvSpPr>
+          <p:cNvPr id="2" name="Title 1"/>
+          <p:cNvSpPr>
+            <a:spLocks noGrp="1"/>
+          </p:cNvSpPr>
+          <p:nvPr>
+            <p:ph type="title"/>
+          </p:nvPr>
+        </p:nvSpPr>
+        <p:spPr/>
+        <p:txBody>
+          <a:bodyPr/>
+          <a:lstStyle/>
+          <a:p>
+            <a:r>
+              <a:rPr lang="en-US" dirty="0" smtClean="0"/>
+              <a:t>Problem with MVC</a:t>
+            </a:r>
+            <a:endParaRPr lang="en-US" dirty="0"/>
+          </a:p>
+        </p:txBody>
+      </p:sp>
+      <p:pic>
+        <p:nvPicPr>
+          <p:cNvPr id="4" name="Content Placeholder 3"/>
+          <p:cNvPicPr>
+            <a:picLocks noGrp="1" noChangeAspect="1"/>
+          </p:cNvPicPr>
+          <p:nvPr>
+            <p:ph idx="1"/>
+          </p:nvPr>
+        </p:nvPicPr>
+        <p:blipFill>
+          <a:blip r:embed="rId2">
+            <a:extLst>
+              <a:ext uri="{28A0092B-C50C-407E-A947-70E740481C1C}">
+                <a14:useLocalDpi xmlns:a14="http://schemas.microsoft.com/office/drawing/2010/main" val="0"/>
+              </a:ext>
+            </a:extLst>
+          </a:blip>
+          <a:stretch>
+            <a:fillRect/>
+          </a:stretch>
+        </p:blipFill>
+        <p:spPr>
+          <a:xfrm>
+            <a:off x="1439908" y="1341064"/>
+            <a:ext cx="8027831" cy="2477432"/>
+          </a:xfrm>
+        </p:spPr>
+      </p:pic>
+      <p:sp>
+        <p:nvSpPr>
+          <p:cNvPr id="5" name="TextBox 4"/>
+          <p:cNvSpPr txBox="1"/>
+          <p:nvPr/>
+        </p:nvSpPr>
+        <p:spPr>
+          <a:xfrm>
+            <a:off x="1828800" y="4168588"/>
+            <a:ext cx="10232738" cy="3139321"/>
+          </a:xfrm>
+          <a:prstGeom prst="rect">
+            <a:avLst/>
+          </a:prstGeom>
+          <a:noFill/>
+        </p:spPr>
+        <p:txBody>
+          <a:bodyPr wrap="none" rtlCol="0">
+            <a:spAutoFit/>
+          </a:bodyPr>
+          <a:lstStyle/>
+          <a:p>
+            <a:pPr marL="285750" indent="-285750">
+              <a:buFont typeface="Arial" panose="020B0604020202020204" pitchFamily="34" charset="0"/>
+              <a:buChar char="•"/>
+            </a:pPr>
+            <a:r>
+              <a:rPr lang="en-US" dirty="0" smtClean="0"/>
+              <a:t>Model watches to views and views watches the model. Too many Watches</a:t>
+            </a:r>
+          </a:p>
+          <a:p>
+            <a:pPr marL="285750" indent="-285750">
+              <a:buFont typeface="Arial" panose="020B0604020202020204" pitchFamily="34" charset="0"/>
+              <a:buChar char="•"/>
+            </a:pPr>
+            <a:r>
+              <a:rPr lang="en-US" dirty="0"/>
+              <a:t>Views re rendering too much</a:t>
+            </a:r>
+          </a:p>
+          <a:p>
+            <a:pPr marL="285750" indent="-285750">
+              <a:buFont typeface="Arial" panose="020B0604020202020204" pitchFamily="34" charset="0"/>
+              <a:buChar char="•"/>
+            </a:pPr>
+            <a:r>
+              <a:rPr lang="en-US" dirty="0" smtClean="0"/>
+              <a:t>Makes a page of real time data heavy to render</a:t>
+            </a:r>
+          </a:p>
+          <a:p>
+            <a:pPr marL="285750" indent="-285750">
+              <a:buFont typeface="Arial" panose="020B0604020202020204" pitchFamily="34" charset="0"/>
+              <a:buChar char="•"/>
+            </a:pPr>
+            <a:r>
+              <a:rPr lang="en-US" dirty="0" smtClean="0"/>
+              <a:t>Two way data flow make it difficult to debug a problem.</a:t>
+            </a:r>
+          </a:p>
+          <a:p>
+            <a:pPr marL="285750" indent="-285750">
+              <a:buFont typeface="Arial" panose="020B0604020202020204" pitchFamily="34" charset="0"/>
+              <a:buChar char="•"/>
+            </a:pPr>
+            <a:r>
+              <a:rPr lang="en-US" dirty="0" smtClean="0"/>
+              <a:t>MVC </a:t>
+            </a:r>
+            <a:r>
+              <a:rPr lang="en-US" dirty="0"/>
+              <a:t>did not scale well for Facebook’s huge codebase. The main problem for them was the bidirectional </a:t>
+            </a:r>
+            <a:endParaRPr lang="en-US" dirty="0" smtClean="0"/>
+          </a:p>
+          <a:p>
+            <a:r>
+              <a:rPr lang="en-US" dirty="0" smtClean="0"/>
+              <a:t>     communication</a:t>
+            </a:r>
+            <a:r>
+              <a:rPr lang="en-US" dirty="0"/>
+              <a:t>, where one change can loop back and have cascading effects across the codebase </a:t>
+            </a:r>
+            <a:endParaRPr lang="en-US" dirty="0" smtClean="0"/>
+          </a:p>
+          <a:p>
+            <a:r>
+              <a:rPr lang="en-US" dirty="0" smtClean="0"/>
+              <a:t>     (</a:t>
+            </a:r>
+            <a:r>
+              <a:rPr lang="en-US" dirty="0"/>
+              <a:t>making things very complicated to debug and understand).</a:t>
+            </a:r>
+          </a:p>
+          <a:p>
+            <a:endParaRPr lang="en-US" dirty="0"/>
+          </a:p>
+          <a:p>
+            <a:pPr marL="285750" indent="-285750">
+              <a:buFont typeface="Arial" panose="020B0604020202020204" pitchFamily="34" charset="0"/>
+              <a:buChar char="•"/>
+            </a:pPr>
+            <a:endParaRPr lang="en-US" dirty="0" smtClean="0"/>
+          </a:p>
+          <a:p>
+            <a:pPr marL="285750" indent="-285750">
+              <a:buFont typeface="Arial" panose="020B0604020202020204" pitchFamily="34" charset="0"/>
+              <a:buChar char="•"/>
+            </a:pPr>
+            <a:endParaRPr lang="en-US" dirty="0" smtClean="0"/>
+          </a:p>
+          <a:p>
+            <a:endParaRPr lang="en-US" dirty="0"/>
+          </a:p>
+        </p:txBody>
+      </p:sp>
+    </p:spTree>
+    <p:extLst>
+      <p:ext uri="{BB962C8B-B14F-4D97-AF65-F5344CB8AC3E}">
+        <p14:creationId xmlns:p14="http://schemas.microsoft.com/office/powerpoint/2010/main" val="772403909"/>
+      </p:ext>
+    </p:extLst>
+  </p:cSld>
+  <p:clrMapOvr>
+    <a:masterClrMapping/>
+  </p:clrMapOvr>
+  <p:timing>
+    <p:tnLst>
+      <p:par>
+        <p:cTn id="1" dur="indefinite" restart="never" nodeType="tmRoot"/>
+      </p:par>
+    </p:tnLst>
+  </p:timing>
+</p:sld>
+</file>
+
+<file path=ppt/slides/slide8.xml><?xml version="1.0" encoding="utf-8"?>
 <p:sld xmlns:a="http://schemas.openxmlformats.org/drawingml/2006/main" xmlns:r="http://schemas.openxmlformats.org/officeDocument/2006/relationships" xmlns:p="http://schemas.openxmlformats.org/presentationml/2006/main">
   <p:cSld>
     <p:spTree>
@@ -9538,92 +10450,6 @@
 </p:sld>
 </file>
 
-<file path=ppt/slides/slide8.xml><?xml version="1.0" encoding="utf-8"?>
-<p:sld xmlns:a="http://schemas.openxmlformats.org/drawingml/2006/main" xmlns:r="http://schemas.openxmlformats.org/officeDocument/2006/relationships" xmlns:p="http://schemas.openxmlformats.org/presentationml/2006/main">
-  <p:cSld>
-    <p:spTree>
-      <p:nvGrpSpPr>
-        <p:cNvPr id="1" name=""/>
-        <p:cNvGrpSpPr/>
-        <p:nvPr/>
-      </p:nvGrpSpPr>
-      <p:grpSpPr>
-        <a:xfrm>
-          <a:off x="0" y="0"/>
-          <a:ext cx="0" cy="0"/>
-          <a:chOff x="0" y="0"/>
-          <a:chExt cx="0" cy="0"/>
-        </a:xfrm>
-      </p:grpSpPr>
-      <p:sp>
-        <p:nvSpPr>
-          <p:cNvPr id="2" name="Title 1"/>
-          <p:cNvSpPr>
-            <a:spLocks noGrp="1"/>
-          </p:cNvSpPr>
-          <p:nvPr>
-            <p:ph type="title"/>
-          </p:nvPr>
-        </p:nvSpPr>
-        <p:spPr/>
-        <p:txBody>
-          <a:bodyPr/>
-          <a:lstStyle/>
-          <a:p>
-            <a:r>
-              <a:rPr lang="en-US" dirty="0"/>
-              <a:t>Introducing the Flux Architecture </a:t>
-            </a:r>
-          </a:p>
-        </p:txBody>
-      </p:sp>
-      <p:sp>
-        <p:nvSpPr>
-          <p:cNvPr id="3" name="Content Placeholder 2"/>
-          <p:cNvSpPr>
-            <a:spLocks noGrp="1"/>
-          </p:cNvSpPr>
-          <p:nvPr>
-            <p:ph idx="1"/>
-          </p:nvPr>
-        </p:nvSpPr>
-        <p:spPr/>
-        <p:txBody>
-          <a:bodyPr/>
-          <a:lstStyle/>
-          <a:p>
-            <a:r>
-              <a:rPr lang="en-US" b="1" dirty="0" smtClean="0"/>
-              <a:t>Actions </a:t>
-            </a:r>
-            <a:r>
-              <a:rPr lang="en-US" dirty="0" smtClean="0"/>
-              <a:t>are the triggers that are initiated by the view or some other components of an application.</a:t>
-            </a:r>
-            <a:endParaRPr lang="en-US" b="1" dirty="0"/>
-          </a:p>
-        </p:txBody>
-      </p:sp>
-    </p:spTree>
-    <p:extLst>
-      <p:ext uri="{BB962C8B-B14F-4D97-AF65-F5344CB8AC3E}">
-        <p14:creationId xmlns:p14="http://schemas.microsoft.com/office/powerpoint/2010/main" val="741513284"/>
-      </p:ext>
-    </p:extLst>
-  </p:cSld>
-  <p:clrMapOvr>
-    <a:masterClrMapping/>
-  </p:clrMapOvr>
-  <p:timing>
-    <p:tnLst>
-      <p:par>
-        <p:cTn id="1" dur="indefinite" restart="never" nodeType="tmRoot"/>
-      </p:par>
-    </p:tnLst>
-  </p:timing>
-</p:sld>
-</file>
-
 <file path=ppt/slides/slide9.xml><?xml version="1.0" encoding="utf-8"?>
 <p:sld xmlns:a="http://schemas.openxmlformats.org/drawingml/2006/main" xmlns:r="http://schemas.openxmlformats.org/officeDocument/2006/relationships" xmlns:p="http://schemas.openxmlformats.org/presentationml/2006/main">
   <p:cSld>
@@ -9688,29 +10514,12 @@
             </a:r>
             <a:endParaRPr lang="en-US" b="1" dirty="0"/>
           </a:p>
-          <a:p>
-            <a:r>
-              <a:rPr lang="en-US" b="1" dirty="0" smtClean="0"/>
-              <a:t>Dispatcher </a:t>
-            </a:r>
-            <a:r>
-              <a:rPr lang="en-US" dirty="0" smtClean="0"/>
-              <a:t>catches the action and dispatch it to its respective stores where the corresponding actions was registered.</a:t>
-            </a:r>
-            <a:endParaRPr lang="en-US" b="1" dirty="0"/>
-          </a:p>
-          <a:p>
-            <a:pPr marL="0" indent="0">
-              <a:buNone/>
-            </a:pPr>
-            <a:endParaRPr lang="en-US" b="1" dirty="0"/>
-          </a:p>
         </p:txBody>
       </p:sp>
     </p:spTree>
     <p:extLst>
       <p:ext uri="{BB962C8B-B14F-4D97-AF65-F5344CB8AC3E}">
-        <p14:creationId xmlns:p14="http://schemas.microsoft.com/office/powerpoint/2010/main" val="2487134746"/>
+        <p14:creationId xmlns:p14="http://schemas.microsoft.com/office/powerpoint/2010/main" val="741513284"/>
       </p:ext>
     </p:extLst>
   </p:cSld>

--- a/React.pptx
+++ b/React.pptx
@@ -11,41 +11,48 @@
     <p:sldId id="273" r:id="rId5"/>
     <p:sldId id="274" r:id="rId6"/>
     <p:sldId id="275" r:id="rId7"/>
-    <p:sldId id="276" r:id="rId8"/>
-    <p:sldId id="277" r:id="rId9"/>
-    <p:sldId id="278" r:id="rId10"/>
-    <p:sldId id="279" r:id="rId11"/>
-    <p:sldId id="280" r:id="rId12"/>
-    <p:sldId id="263" r:id="rId13"/>
-    <p:sldId id="264" r:id="rId14"/>
-    <p:sldId id="282" r:id="rId15"/>
-    <p:sldId id="283" r:id="rId16"/>
-    <p:sldId id="287" r:id="rId17"/>
-    <p:sldId id="288" r:id="rId18"/>
-    <p:sldId id="289" r:id="rId19"/>
-    <p:sldId id="284" r:id="rId20"/>
-    <p:sldId id="257" r:id="rId21"/>
-    <p:sldId id="285" r:id="rId22"/>
-    <p:sldId id="286" r:id="rId23"/>
-    <p:sldId id="269" r:id="rId24"/>
-    <p:sldId id="258" r:id="rId25"/>
-    <p:sldId id="259" r:id="rId26"/>
-    <p:sldId id="260" r:id="rId27"/>
-    <p:sldId id="290" r:id="rId28"/>
-    <p:sldId id="291" r:id="rId29"/>
-    <p:sldId id="261" r:id="rId30"/>
-    <p:sldId id="262" r:id="rId31"/>
-    <p:sldId id="292" r:id="rId32"/>
-    <p:sldId id="293" r:id="rId33"/>
-    <p:sldId id="294" r:id="rId34"/>
-    <p:sldId id="297" r:id="rId35"/>
-    <p:sldId id="298" r:id="rId36"/>
-    <p:sldId id="296" r:id="rId37"/>
-    <p:sldId id="299" r:id="rId38"/>
-    <p:sldId id="300" r:id="rId39"/>
-    <p:sldId id="301" r:id="rId40"/>
-    <p:sldId id="268" r:id="rId41"/>
-    <p:sldId id="295" r:id="rId42"/>
+    <p:sldId id="302" r:id="rId8"/>
+    <p:sldId id="276" r:id="rId9"/>
+    <p:sldId id="277" r:id="rId10"/>
+    <p:sldId id="278" r:id="rId11"/>
+    <p:sldId id="279" r:id="rId12"/>
+    <p:sldId id="280" r:id="rId13"/>
+    <p:sldId id="263" r:id="rId14"/>
+    <p:sldId id="264" r:id="rId15"/>
+    <p:sldId id="282" r:id="rId16"/>
+    <p:sldId id="283" r:id="rId17"/>
+    <p:sldId id="287" r:id="rId18"/>
+    <p:sldId id="288" r:id="rId19"/>
+    <p:sldId id="289" r:id="rId20"/>
+    <p:sldId id="284" r:id="rId21"/>
+    <p:sldId id="257" r:id="rId22"/>
+    <p:sldId id="285" r:id="rId23"/>
+    <p:sldId id="286" r:id="rId24"/>
+    <p:sldId id="269" r:id="rId25"/>
+    <p:sldId id="258" r:id="rId26"/>
+    <p:sldId id="259" r:id="rId27"/>
+    <p:sldId id="260" r:id="rId28"/>
+    <p:sldId id="290" r:id="rId29"/>
+    <p:sldId id="291" r:id="rId30"/>
+    <p:sldId id="261" r:id="rId31"/>
+    <p:sldId id="262" r:id="rId32"/>
+    <p:sldId id="292" r:id="rId33"/>
+    <p:sldId id="293" r:id="rId34"/>
+    <p:sldId id="294" r:id="rId35"/>
+    <p:sldId id="297" r:id="rId36"/>
+    <p:sldId id="298" r:id="rId37"/>
+    <p:sldId id="296" r:id="rId38"/>
+    <p:sldId id="299" r:id="rId39"/>
+    <p:sldId id="300" r:id="rId40"/>
+    <p:sldId id="301" r:id="rId41"/>
+    <p:sldId id="268" r:id="rId42"/>
+    <p:sldId id="303" r:id="rId43"/>
+    <p:sldId id="305" r:id="rId44"/>
+    <p:sldId id="308" r:id="rId45"/>
+    <p:sldId id="307" r:id="rId46"/>
+    <p:sldId id="306" r:id="rId47"/>
+    <p:sldId id="304" r:id="rId48"/>
+    <p:sldId id="295" r:id="rId49"/>
   </p:sldIdLst>
   <p:sldSz cx="12192000" cy="6858000"/>
   <p:notesSz cx="6858000" cy="9144000"/>
@@ -155,6 +162,7 @@
             <p14:sldId id="273"/>
             <p14:sldId id="274"/>
             <p14:sldId id="275"/>
+            <p14:sldId id="302"/>
             <p14:sldId id="276"/>
             <p14:sldId id="277"/>
             <p14:sldId id="278"/>
@@ -189,6 +197,12 @@
             <p14:sldId id="300"/>
             <p14:sldId id="301"/>
             <p14:sldId id="268"/>
+            <p14:sldId id="303"/>
+            <p14:sldId id="305"/>
+            <p14:sldId id="308"/>
+            <p14:sldId id="307"/>
+            <p14:sldId id="306"/>
+            <p14:sldId id="304"/>
             <p14:sldId id="295"/>
           </p14:sldIdLst>
         </p14:section>
@@ -3369,21 +3383,17 @@
             <a:endParaRPr lang="en-US" b="1" dirty="0"/>
           </a:p>
           <a:p>
-            <a:r>
-              <a:rPr lang="en-US" b="1" dirty="0" smtClean="0"/>
-              <a:t>Stores </a:t>
-            </a:r>
-            <a:r>
-              <a:rPr lang="en-US" dirty="0" smtClean="0"/>
-              <a:t>are the data layer of flux that holds the application state data. It also holds the callbacks of actions coming from the dispatcher where the data can be manipulated to its new state. Once the state of data is changed it re renders its respective view.</a:t>
-            </a:r>
+            <a:pPr marL="0" indent="0">
+              <a:buNone/>
+            </a:pPr>
+            <a:endParaRPr lang="en-US" b="1" dirty="0"/>
           </a:p>
         </p:txBody>
       </p:sp>
     </p:spTree>
     <p:extLst>
       <p:ext uri="{BB962C8B-B14F-4D97-AF65-F5344CB8AC3E}">
-        <p14:creationId xmlns:p14="http://schemas.microsoft.com/office/powerpoint/2010/main" val="2578186491"/>
+        <p14:creationId xmlns:p14="http://schemas.microsoft.com/office/powerpoint/2010/main" val="2487134746"/>
       </p:ext>
     </p:extLst>
   </p:cSld>
@@ -3485,6 +3495,113 @@
               <a:t>are the data layer of flux that holds the application state data. It also holds the callbacks of actions coming from the dispatcher where the data can be manipulated to its new state. Once the state of data is changed it re renders its respective view.</a:t>
             </a:r>
           </a:p>
+        </p:txBody>
+      </p:sp>
+    </p:spTree>
+    <p:extLst>
+      <p:ext uri="{BB962C8B-B14F-4D97-AF65-F5344CB8AC3E}">
+        <p14:creationId xmlns:p14="http://schemas.microsoft.com/office/powerpoint/2010/main" val="2578186491"/>
+      </p:ext>
+    </p:extLst>
+  </p:cSld>
+  <p:clrMapOvr>
+    <a:masterClrMapping/>
+  </p:clrMapOvr>
+  <p:timing>
+    <p:tnLst>
+      <p:par>
+        <p:cTn id="1" dur="indefinite" restart="never" nodeType="tmRoot"/>
+      </p:par>
+    </p:tnLst>
+  </p:timing>
+</p:sld>
+</file>
+
+<file path=ppt/slides/slide12.xml><?xml version="1.0" encoding="utf-8"?>
+<p:sld xmlns:a="http://schemas.openxmlformats.org/drawingml/2006/main" xmlns:r="http://schemas.openxmlformats.org/officeDocument/2006/relationships" xmlns:p="http://schemas.openxmlformats.org/presentationml/2006/main">
+  <p:cSld>
+    <p:spTree>
+      <p:nvGrpSpPr>
+        <p:cNvPr id="1" name=""/>
+        <p:cNvGrpSpPr/>
+        <p:nvPr/>
+      </p:nvGrpSpPr>
+      <p:grpSpPr>
+        <a:xfrm>
+          <a:off x="0" y="0"/>
+          <a:ext cx="0" cy="0"/>
+          <a:chOff x="0" y="0"/>
+          <a:chExt cx="0" cy="0"/>
+        </a:xfrm>
+      </p:grpSpPr>
+      <p:sp>
+        <p:nvSpPr>
+          <p:cNvPr id="2" name="Title 1"/>
+          <p:cNvSpPr>
+            <a:spLocks noGrp="1"/>
+          </p:cNvSpPr>
+          <p:nvPr>
+            <p:ph type="title"/>
+          </p:nvPr>
+        </p:nvSpPr>
+        <p:spPr/>
+        <p:txBody>
+          <a:bodyPr/>
+          <a:lstStyle/>
+          <a:p>
+            <a:r>
+              <a:rPr lang="en-US" dirty="0"/>
+              <a:t>Introducing the Flux Architecture </a:t>
+            </a:r>
+          </a:p>
+        </p:txBody>
+      </p:sp>
+      <p:sp>
+        <p:nvSpPr>
+          <p:cNvPr id="3" name="Content Placeholder 2"/>
+          <p:cNvSpPr>
+            <a:spLocks noGrp="1"/>
+          </p:cNvSpPr>
+          <p:nvPr>
+            <p:ph idx="1"/>
+          </p:nvPr>
+        </p:nvSpPr>
+        <p:spPr/>
+        <p:txBody>
+          <a:bodyPr/>
+          <a:lstStyle/>
+          <a:p>
+            <a:r>
+              <a:rPr lang="en-US" b="1" dirty="0" smtClean="0"/>
+              <a:t>Actions </a:t>
+            </a:r>
+            <a:r>
+              <a:rPr lang="en-US" dirty="0" smtClean="0"/>
+              <a:t>are the triggers that are initiated by the view or some other components of an application.</a:t>
+            </a:r>
+            <a:endParaRPr lang="en-US" b="1" dirty="0"/>
+          </a:p>
+          <a:p>
+            <a:r>
+              <a:rPr lang="en-US" b="1" dirty="0" smtClean="0"/>
+              <a:t>Dispatcher </a:t>
+            </a:r>
+            <a:r>
+              <a:rPr lang="en-US" dirty="0" smtClean="0"/>
+              <a:t>catches the action and dispatch it to its respective stores where the corresponding actions was registered.</a:t>
+            </a:r>
+            <a:endParaRPr lang="en-US" b="1" dirty="0"/>
+          </a:p>
+          <a:p>
+            <a:r>
+              <a:rPr lang="en-US" b="1" dirty="0" smtClean="0"/>
+              <a:t>Stores </a:t>
+            </a:r>
+            <a:r>
+              <a:rPr lang="en-US" dirty="0" smtClean="0"/>
+              <a:t>are the data layer of flux that holds the application state data. It also holds the callbacks of actions coming from the dispatcher where the data can be manipulated to its new state. Once the state of data is changed it re renders its respective view.</a:t>
+            </a:r>
+          </a:p>
           <a:p>
             <a:r>
               <a:rPr lang="en-US" b="1" dirty="0" smtClean="0"/>
@@ -3518,7 +3635,7 @@
 </p:sld>
 </file>
 
-<file path=ppt/slides/slide12.xml><?xml version="1.0" encoding="utf-8"?>
+<file path=ppt/slides/slide13.xml><?xml version="1.0" encoding="utf-8"?>
 <p:sld xmlns:a="http://schemas.openxmlformats.org/drawingml/2006/main" xmlns:r="http://schemas.openxmlformats.org/officeDocument/2006/relationships" xmlns:p="http://schemas.openxmlformats.org/presentationml/2006/main">
   <p:cSld>
     <p:spTree>
@@ -3607,7 +3724,7 @@
 </p:sld>
 </file>
 
-<file path=ppt/slides/slide13.xml><?xml version="1.0" encoding="utf-8"?>
+<file path=ppt/slides/slide14.xml><?xml version="1.0" encoding="utf-8"?>
 <p:sld xmlns:a="http://schemas.openxmlformats.org/drawingml/2006/main" xmlns:r="http://schemas.openxmlformats.org/officeDocument/2006/relationships" xmlns:p="http://schemas.openxmlformats.org/presentationml/2006/main">
   <p:cSld>
     <p:spTree>
@@ -3751,145 +3868,6 @@
 </p:sld>
 </file>
 
-<file path=ppt/slides/slide14.xml><?xml version="1.0" encoding="utf-8"?>
-<p:sld xmlns:a="http://schemas.openxmlformats.org/drawingml/2006/main" xmlns:r="http://schemas.openxmlformats.org/officeDocument/2006/relationships" xmlns:p="http://schemas.openxmlformats.org/presentationml/2006/main">
-  <p:cSld>
-    <p:spTree>
-      <p:nvGrpSpPr>
-        <p:cNvPr id="1" name=""/>
-        <p:cNvGrpSpPr/>
-        <p:nvPr/>
-      </p:nvGrpSpPr>
-      <p:grpSpPr>
-        <a:xfrm>
-          <a:off x="0" y="0"/>
-          <a:ext cx="0" cy="0"/>
-          <a:chOff x="0" y="0"/>
-          <a:chExt cx="0" cy="0"/>
-        </a:xfrm>
-      </p:grpSpPr>
-      <p:sp>
-        <p:nvSpPr>
-          <p:cNvPr id="2" name="Title 1"/>
-          <p:cNvSpPr>
-            <a:spLocks noGrp="1"/>
-          </p:cNvSpPr>
-          <p:nvPr>
-            <p:ph type="title"/>
-          </p:nvPr>
-        </p:nvSpPr>
-        <p:spPr/>
-        <p:txBody>
-          <a:bodyPr/>
-          <a:lstStyle/>
-          <a:p>
-            <a:r>
-              <a:rPr lang="en-US" dirty="0" smtClean="0"/>
-              <a:t>Installing Alt</a:t>
-            </a:r>
-            <a:endParaRPr lang="en-US" dirty="0"/>
-          </a:p>
-        </p:txBody>
-      </p:sp>
-      <p:sp>
-        <p:nvSpPr>
-          <p:cNvPr id="3" name="Content Placeholder 2"/>
-          <p:cNvSpPr>
-            <a:spLocks noGrp="1"/>
-          </p:cNvSpPr>
-          <p:nvPr>
-            <p:ph idx="1"/>
-          </p:nvPr>
-        </p:nvSpPr>
-        <p:spPr/>
-        <p:txBody>
-          <a:bodyPr/>
-          <a:lstStyle/>
-          <a:p>
-            <a:pPr marL="0" indent="0">
-              <a:buNone/>
-            </a:pPr>
-            <a:r>
-              <a:rPr lang="en-US" dirty="0" smtClean="0"/>
-              <a:t>Using </a:t>
-            </a:r>
-            <a:r>
-              <a:rPr lang="en-US" dirty="0" err="1" smtClean="0"/>
-              <a:t>npm</a:t>
-            </a:r>
-            <a:r>
-              <a:rPr lang="en-US" dirty="0" smtClean="0"/>
-              <a:t> we can run the following command at the root directory of our project.</a:t>
-            </a:r>
-          </a:p>
-          <a:p>
-            <a:pPr marL="0" indent="0">
-              <a:buNone/>
-            </a:pPr>
-            <a:r>
-              <a:rPr lang="en-US" dirty="0" smtClean="0"/>
-              <a:t>				</a:t>
-            </a:r>
-            <a:r>
-              <a:rPr lang="en-US" dirty="0" err="1" smtClean="0"/>
-              <a:t>npm</a:t>
-            </a:r>
-            <a:r>
-              <a:rPr lang="en-US" dirty="0" smtClean="0"/>
-              <a:t> </a:t>
-            </a:r>
-            <a:r>
-              <a:rPr lang="en-US" dirty="0"/>
-              <a:t>install </a:t>
-            </a:r>
-            <a:r>
-              <a:rPr lang="en-US" dirty="0" smtClean="0"/>
-              <a:t>alt</a:t>
-            </a:r>
-          </a:p>
-          <a:p>
-            <a:pPr marL="0" indent="0">
-              <a:buNone/>
-            </a:pPr>
-            <a:endParaRPr lang="en-US" dirty="0" smtClean="0"/>
-          </a:p>
-          <a:p>
-            <a:pPr marL="0" indent="0">
-              <a:buNone/>
-            </a:pPr>
-            <a:r>
-              <a:rPr lang="en-US" dirty="0" smtClean="0"/>
-              <a:t>This will install the require node modules of alt to the project directory.</a:t>
-            </a:r>
-          </a:p>
-          <a:p>
-            <a:pPr marL="0" indent="0">
-              <a:buNone/>
-            </a:pPr>
-            <a:endParaRPr lang="en-US" dirty="0"/>
-          </a:p>
-        </p:txBody>
-      </p:sp>
-    </p:spTree>
-    <p:extLst>
-      <p:ext uri="{BB962C8B-B14F-4D97-AF65-F5344CB8AC3E}">
-        <p14:creationId xmlns:p14="http://schemas.microsoft.com/office/powerpoint/2010/main" val="339529596"/>
-      </p:ext>
-    </p:extLst>
-  </p:cSld>
-  <p:clrMapOvr>
-    <a:masterClrMapping/>
-  </p:clrMapOvr>
-  <p:timing>
-    <p:tnLst>
-      <p:par>
-        <p:cTn id="1" dur="indefinite" restart="never" nodeType="tmRoot"/>
-      </p:par>
-    </p:tnLst>
-  </p:timing>
-</p:sld>
-</file>
-
 <file path=ppt/slides/slide15.xml><?xml version="1.0" encoding="utf-8"?>
 <p:sld xmlns:a="http://schemas.openxmlformats.org/drawingml/2006/main" xmlns:r="http://schemas.openxmlformats.org/officeDocument/2006/relationships" xmlns:p="http://schemas.openxmlformats.org/presentationml/2006/main">
   <p:cSld>
@@ -3924,7 +3902,7 @@
           <a:p>
             <a:r>
               <a:rPr lang="en-US" dirty="0" smtClean="0"/>
-              <a:t>Alt Directory Structure</a:t>
+              <a:t>Installing Alt</a:t>
             </a:r>
             <a:endParaRPr lang="en-US" dirty="0"/>
           </a:p>
@@ -3942,17 +3920,63 @@
         </p:nvSpPr>
         <p:spPr/>
         <p:txBody>
-          <a:bodyPr>
-            <a:normAutofit lnSpcReduction="10000"/>
-          </a:bodyPr>
-          <a:lstStyle/>
-          <a:p>
-            <a:pPr marL="0" indent="0">
-              <a:buNone/>
-            </a:pPr>
-            <a:r>
-              <a:rPr lang="en-US" dirty="0" smtClean="0"/>
-              <a:t>A typical directory structure of alt look like:</a:t>
+          <a:bodyPr/>
+          <a:lstStyle/>
+          <a:p>
+            <a:pPr marL="0" indent="0">
+              <a:buNone/>
+            </a:pPr>
+            <a:r>
+              <a:rPr lang="en-US" dirty="0" smtClean="0"/>
+              <a:t>Using </a:t>
+            </a:r>
+            <a:r>
+              <a:rPr lang="en-US" dirty="0" err="1" smtClean="0"/>
+              <a:t>npm</a:t>
+            </a:r>
+            <a:r>
+              <a:rPr lang="en-US" dirty="0" smtClean="0"/>
+              <a:t> we can run the following command at the root directory of our project.</a:t>
+            </a:r>
+          </a:p>
+          <a:p>
+            <a:pPr marL="0" indent="0">
+              <a:buNone/>
+            </a:pPr>
+            <a:r>
+              <a:rPr lang="en-US" dirty="0" smtClean="0"/>
+              <a:t>				</a:t>
+            </a:r>
+            <a:r>
+              <a:rPr lang="en-US" dirty="0" err="1" smtClean="0"/>
+              <a:t>npm</a:t>
+            </a:r>
+            <a:r>
+              <a:rPr lang="en-US" dirty="0" smtClean="0"/>
+              <a:t> </a:t>
+            </a:r>
+            <a:r>
+              <a:rPr lang="en-US" dirty="0"/>
+              <a:t>install </a:t>
+            </a:r>
+            <a:r>
+              <a:rPr lang="en-US" dirty="0" smtClean="0"/>
+              <a:t>alt</a:t>
+            </a:r>
+          </a:p>
+          <a:p>
+            <a:pPr marL="0" indent="0">
+              <a:buNone/>
+            </a:pPr>
+            <a:endParaRPr lang="en-US" dirty="0" smtClean="0"/>
+          </a:p>
+          <a:p>
+            <a:pPr marL="0" indent="0">
+              <a:buNone/>
+            </a:pPr>
+            <a:r>
+              <a:rPr lang="en-US" dirty="0" smtClean="0"/>
+              <a:t>This will install the require node modules of alt to the project directory.</a:t>
             </a:r>
           </a:p>
           <a:p>
@@ -3960,200 +3984,13 @@
               <a:buNone/>
             </a:pPr>
             <a:endParaRPr lang="en-US" dirty="0"/>
-          </a:p>
-          <a:p>
-            <a:pPr marL="0" indent="0">
-              <a:buNone/>
-            </a:pPr>
-            <a:r>
-              <a:rPr lang="en-US" sz="2000" dirty="0" err="1" smtClean="0"/>
-              <a:t>my_project</a:t>
-            </a:r>
-            <a:endParaRPr lang="en-US" sz="2000" dirty="0"/>
-          </a:p>
-          <a:p>
-            <a:pPr marL="0" indent="0">
-              <a:buNone/>
-            </a:pPr>
-            <a:r>
-              <a:rPr lang="en-US" sz="2000" dirty="0"/>
-              <a:t>|--actions/</a:t>
-            </a:r>
-          </a:p>
-          <a:p>
-            <a:pPr marL="0" indent="0">
-              <a:buNone/>
-            </a:pPr>
-            <a:r>
-              <a:rPr lang="en-US" sz="2000" dirty="0"/>
-              <a:t>|  </a:t>
-            </a:r>
-            <a:r>
-              <a:rPr lang="en-US" sz="2000" dirty="0" smtClean="0"/>
-              <a:t>	|--MyActions.js </a:t>
-            </a:r>
-            <a:r>
-              <a:rPr lang="en-US" sz="2000" dirty="0" smtClean="0">
-                <a:solidFill>
-                  <a:schemeClr val="accent1">
-                    <a:lumMod val="75000"/>
-                  </a:schemeClr>
-                </a:solidFill>
-              </a:rPr>
-              <a:t>// contains the actions that needs to dispatch to the controllers</a:t>
-            </a:r>
-            <a:endParaRPr lang="en-US" sz="2000" dirty="0">
-              <a:solidFill>
-                <a:schemeClr val="accent1">
-                  <a:lumMod val="75000"/>
-                </a:schemeClr>
-              </a:solidFill>
-            </a:endParaRPr>
-          </a:p>
-          <a:p>
-            <a:pPr marL="0" indent="0">
-              <a:buNone/>
-            </a:pPr>
-            <a:r>
-              <a:rPr lang="en-US" sz="2000" dirty="0"/>
-              <a:t>|--stores/</a:t>
-            </a:r>
-          </a:p>
-          <a:p>
-            <a:pPr marL="0" indent="0">
-              <a:buNone/>
-            </a:pPr>
-            <a:r>
-              <a:rPr lang="en-US" sz="2000" dirty="0"/>
-              <a:t>|  </a:t>
-            </a:r>
-            <a:r>
-              <a:rPr lang="en-US" sz="2000" dirty="0" smtClean="0"/>
-              <a:t>	|--MyStore.js </a:t>
-            </a:r>
-            <a:r>
-              <a:rPr lang="en-US" sz="2000" dirty="0" smtClean="0">
-                <a:solidFill>
-                  <a:schemeClr val="accent1">
-                    <a:lumMod val="75000"/>
-                  </a:schemeClr>
-                </a:solidFill>
-              </a:rPr>
-              <a:t>// the data store</a:t>
-            </a:r>
-            <a:endParaRPr lang="en-US" sz="2000" dirty="0">
-              <a:solidFill>
-                <a:schemeClr val="accent1">
-                  <a:lumMod val="75000"/>
-                </a:schemeClr>
-              </a:solidFill>
-            </a:endParaRPr>
-          </a:p>
-          <a:p>
-            <a:pPr marL="0" indent="0">
-              <a:buNone/>
-            </a:pPr>
-            <a:r>
-              <a:rPr lang="en-US" sz="2000" dirty="0"/>
-              <a:t>|--components/</a:t>
-            </a:r>
-          </a:p>
-          <a:p>
-            <a:pPr marL="0" indent="0">
-              <a:buNone/>
-            </a:pPr>
-            <a:r>
-              <a:rPr lang="en-US" sz="2000" dirty="0"/>
-              <a:t>|  </a:t>
-            </a:r>
-            <a:r>
-              <a:rPr lang="en-US" sz="2000" dirty="0" smtClean="0"/>
-              <a:t>	|--MyComponent.js </a:t>
-            </a:r>
-            <a:r>
-              <a:rPr lang="en-US" sz="2000" dirty="0" smtClean="0">
-                <a:solidFill>
-                  <a:schemeClr val="accent1">
-                    <a:lumMod val="75000"/>
-                  </a:schemeClr>
-                </a:solidFill>
-              </a:rPr>
-              <a:t>// view components to render the data coming from stores</a:t>
-            </a:r>
-            <a:endParaRPr lang="en-US" sz="2000" dirty="0">
-              <a:solidFill>
-                <a:schemeClr val="accent1">
-                  <a:lumMod val="75000"/>
-                </a:schemeClr>
-              </a:solidFill>
-            </a:endParaRPr>
-          </a:p>
-          <a:p>
-            <a:pPr marL="0" indent="0">
-              <a:buNone/>
-            </a:pPr>
-            <a:r>
-              <a:rPr lang="en-US" sz="2000" dirty="0"/>
-              <a:t>|--</a:t>
-            </a:r>
-            <a:r>
-              <a:rPr lang="en-US" sz="2000" dirty="0" smtClean="0"/>
-              <a:t>alt.js </a:t>
-            </a:r>
-            <a:r>
-              <a:rPr lang="en-US" sz="2000" dirty="0" smtClean="0">
-                <a:solidFill>
-                  <a:schemeClr val="accent1">
-                    <a:lumMod val="75000"/>
-                  </a:schemeClr>
-                </a:solidFill>
-              </a:rPr>
-              <a:t>// contains the code of initializing alt object</a:t>
-            </a:r>
-            <a:endParaRPr lang="en-US" sz="2000" dirty="0">
-              <a:solidFill>
-                <a:schemeClr val="accent1">
-                  <a:lumMod val="75000"/>
-                </a:schemeClr>
-              </a:solidFill>
-            </a:endParaRPr>
-          </a:p>
-          <a:p>
-            <a:pPr marL="0" indent="0">
-              <a:buNone/>
-            </a:pPr>
-            <a:r>
-              <a:rPr lang="en-US" sz="2000" dirty="0"/>
-              <a:t>|--</a:t>
-            </a:r>
-            <a:r>
-              <a:rPr lang="en-US" sz="2000" dirty="0" smtClean="0"/>
-              <a:t>app.js </a:t>
-            </a:r>
-            <a:r>
-              <a:rPr lang="en-US" sz="2000" dirty="0" smtClean="0">
-                <a:solidFill>
-                  <a:schemeClr val="accent1">
-                    <a:lumMod val="75000"/>
-                  </a:schemeClr>
-                </a:solidFill>
-              </a:rPr>
-              <a:t>// The main starting point of the app that uses alt object</a:t>
-            </a:r>
-            <a:endParaRPr lang="en-US" sz="2000" dirty="0">
-              <a:solidFill>
-                <a:schemeClr val="accent1">
-                  <a:lumMod val="75000"/>
-                </a:schemeClr>
-              </a:solidFill>
-            </a:endParaRPr>
           </a:p>
         </p:txBody>
       </p:sp>
     </p:spTree>
     <p:extLst>
       <p:ext uri="{BB962C8B-B14F-4D97-AF65-F5344CB8AC3E}">
-        <p14:creationId xmlns:p14="http://schemas.microsoft.com/office/powerpoint/2010/main" val="737697807"/>
+        <p14:creationId xmlns:p14="http://schemas.microsoft.com/office/powerpoint/2010/main" val="339529596"/>
       </p:ext>
     </p:extLst>
   </p:cSld>
@@ -4204,7 +4041,7 @@
           <a:p>
             <a:r>
               <a:rPr lang="en-US" dirty="0" smtClean="0"/>
-              <a:t>Alt Actions</a:t>
+              <a:t>Alt Directory Structure</a:t>
             </a:r>
             <a:endParaRPr lang="en-US" dirty="0"/>
           </a:p>
@@ -4223,7 +4060,7 @@
         <p:spPr/>
         <p:txBody>
           <a:bodyPr>
-            <a:normAutofit/>
+            <a:normAutofit lnSpcReduction="10000"/>
           </a:bodyPr>
           <a:lstStyle/>
           <a:p>
@@ -4231,54 +4068,46 @@
               <a:buNone/>
             </a:pPr>
             <a:r>
-              <a:rPr lang="en-US" sz="2000" dirty="0" err="1"/>
-              <a:t>var</a:t>
-            </a:r>
+              <a:rPr lang="en-US" dirty="0" smtClean="0"/>
+              <a:t>A typical directory structure of alt look like:</a:t>
+            </a:r>
+          </a:p>
+          <a:p>
+            <a:pPr marL="0" indent="0">
+              <a:buNone/>
+            </a:pPr>
+            <a:endParaRPr lang="en-US" dirty="0"/>
+          </a:p>
+          <a:p>
+            <a:pPr marL="0" indent="0">
+              <a:buNone/>
+            </a:pPr>
+            <a:r>
+              <a:rPr lang="en-US" sz="2000" dirty="0" err="1" smtClean="0"/>
+              <a:t>my_project</a:t>
+            </a:r>
+            <a:endParaRPr lang="en-US" sz="2000" dirty="0"/>
+          </a:p>
+          <a:p>
+            <a:pPr marL="0" indent="0">
+              <a:buNone/>
+            </a:pPr>
             <a:r>
               <a:rPr lang="en-US" sz="2000" dirty="0"/>
-              <a:t> alt = require('../alt</a:t>
+              <a:t>|--actions/</a:t>
+            </a:r>
+          </a:p>
+          <a:p>
+            <a:pPr marL="0" indent="0">
+              <a:buNone/>
+            </a:pPr>
+            <a:r>
+              <a:rPr lang="en-US" sz="2000" dirty="0"/>
+              <a:t>|  </a:t>
             </a:r>
             <a:r>
               <a:rPr lang="en-US" sz="2000" dirty="0" smtClean="0"/>
-              <a:t>');</a:t>
-            </a:r>
-          </a:p>
-          <a:p>
-            <a:pPr marL="0" indent="0">
-              <a:buNone/>
-            </a:pPr>
-            <a:r>
-              <a:rPr lang="en-US" sz="2000" dirty="0" smtClean="0"/>
-              <a:t>class </a:t>
-            </a:r>
-            <a:r>
-              <a:rPr lang="en-US" sz="2000" dirty="0" err="1" smtClean="0"/>
-              <a:t>CustomerActions</a:t>
-            </a:r>
-            <a:r>
-              <a:rPr lang="en-US" sz="2000" dirty="0" smtClean="0"/>
-              <a:t> </a:t>
-            </a:r>
-            <a:r>
-              <a:rPr lang="en-US" sz="2000" dirty="0"/>
-              <a:t>{</a:t>
-            </a:r>
-          </a:p>
-          <a:p>
-            <a:pPr marL="0" indent="0">
-              <a:buNone/>
-            </a:pPr>
-            <a:r>
-              <a:rPr lang="en-US" sz="2000" dirty="0"/>
-              <a:t>  </a:t>
-            </a:r>
-            <a:r>
-              <a:rPr lang="en-US" sz="2000" dirty="0" err="1" smtClean="0"/>
-              <a:t>updateCustomers</a:t>
-            </a:r>
-            <a:r>
-              <a:rPr lang="en-US" sz="2000" dirty="0" smtClean="0"/>
-              <a:t>(customers) { </a:t>
+              <a:t>	|--MyActions.js </a:t>
             </a:r>
             <a:r>
               <a:rPr lang="en-US" sz="2000" dirty="0" smtClean="0">
@@ -4288,7 +4117,7 @@
                   </a:schemeClr>
                 </a:solidFill>
               </a:rPr>
-              <a:t>//an action getting the customers payload</a:t>
+              <a:t>// contains the actions that needs to dispatch to the controllers</a:t>
             </a:r>
             <a:endParaRPr lang="en-US" sz="2000" dirty="0">
               <a:solidFill>
@@ -4304,11 +4133,20 @@
             </a:pPr>
             <a:r>
               <a:rPr lang="en-US" sz="2000" dirty="0"/>
-              <a:t>    return customers</a:t>
+              <a:t>|--stores/</a:t>
+            </a:r>
+          </a:p>
+          <a:p>
+            <a:pPr marL="0" indent="0">
+              <a:buNone/>
+            </a:pPr>
+            <a:r>
+              <a:rPr lang="en-US" sz="2000" dirty="0"/>
+              <a:t>|  </a:t>
             </a:r>
             <a:r>
               <a:rPr lang="en-US" sz="2000" dirty="0" smtClean="0"/>
-              <a:t>; </a:t>
+              <a:t>	|--MyStore.js </a:t>
             </a:r>
             <a:r>
               <a:rPr lang="en-US" sz="2000" dirty="0" smtClean="0">
@@ -4318,17 +4156,36 @@
                   </a:schemeClr>
                 </a:solidFill>
               </a:rPr>
-              <a:t>//or we can use </a:t>
-            </a:r>
-            <a:r>
-              <a:rPr lang="en-US" sz="2000" dirty="0" err="1" smtClean="0">
-                <a:solidFill>
-                  <a:schemeClr val="accent1">
-                    <a:lumMod val="75000"/>
-                  </a:schemeClr>
-                </a:solidFill>
-              </a:rPr>
-              <a:t>this.dispatch</a:t>
+              <a:t>// the data store</a:t>
+            </a:r>
+            <a:endParaRPr lang="en-US" sz="2000" dirty="0">
+              <a:solidFill>
+                <a:schemeClr val="accent1">
+                  <a:lumMod val="75000"/>
+                </a:schemeClr>
+              </a:solidFill>
+            </a:endParaRPr>
+          </a:p>
+          <a:p>
+            <a:pPr marL="0" indent="0">
+              <a:buNone/>
+            </a:pPr>
+            <a:r>
+              <a:rPr lang="en-US" sz="2000" dirty="0"/>
+              <a:t>|--components/</a:t>
+            </a:r>
+          </a:p>
+          <a:p>
+            <a:pPr marL="0" indent="0">
+              <a:buNone/>
+            </a:pPr>
+            <a:r>
+              <a:rPr lang="en-US" sz="2000" dirty="0"/>
+              <a:t>|  </a:t>
+            </a:r>
+            <a:r>
+              <a:rPr lang="en-US" sz="2000" dirty="0" smtClean="0"/>
+              <a:t>	|--MyComponent.js </a:t>
             </a:r>
             <a:r>
               <a:rPr lang="en-US" sz="2000" dirty="0" smtClean="0">
@@ -4338,7 +4195,7 @@
                   </a:schemeClr>
                 </a:solidFill>
               </a:rPr>
-              <a:t>(customers) to dispatch this action</a:t>
+              <a:t>// view components to render the data coming from stores</a:t>
             </a:r>
             <a:endParaRPr lang="en-US" sz="2000" dirty="0">
               <a:solidFill>
@@ -4354,50 +4211,11 @@
             </a:pPr>
             <a:r>
               <a:rPr lang="en-US" sz="2000" dirty="0"/>
-              <a:t>  }</a:t>
-            </a:r>
-          </a:p>
-          <a:p>
-            <a:pPr marL="0" indent="0">
-              <a:buNone/>
-            </a:pPr>
+              <a:t>|--</a:t>
+            </a:r>
             <a:r>
               <a:rPr lang="en-US" sz="2000" dirty="0" smtClean="0"/>
-              <a:t>}</a:t>
-            </a:r>
-            <a:endParaRPr lang="en-US" sz="2000" dirty="0"/>
-          </a:p>
-          <a:p>
-            <a:pPr marL="0" indent="0">
-              <a:buNone/>
-            </a:pPr>
-            <a:r>
-              <a:rPr lang="en-US" sz="2000" dirty="0" err="1" smtClean="0"/>
-              <a:t>module.exports</a:t>
-            </a:r>
-            <a:r>
-              <a:rPr lang="en-US" sz="2000" dirty="0" smtClean="0"/>
-              <a:t> </a:t>
-            </a:r>
-            <a:r>
-              <a:rPr lang="en-US" sz="2000" dirty="0"/>
-              <a:t>= </a:t>
-            </a:r>
-            <a:r>
-              <a:rPr lang="en-US" sz="2000" dirty="0" err="1" smtClean="0"/>
-              <a:t>alt.createActions</a:t>
-            </a:r>
-            <a:r>
-              <a:rPr lang="en-US" sz="2000" dirty="0" smtClean="0"/>
-              <a:t>(</a:t>
-            </a:r>
-            <a:r>
-              <a:rPr lang="en-US" sz="2000" dirty="0" err="1" smtClean="0"/>
-              <a:t>CustomerActions</a:t>
-            </a:r>
-            <a:r>
-              <a:rPr lang="en-US" sz="2000" dirty="0" smtClean="0"/>
-              <a:t>); </a:t>
+              <a:t>alt.js </a:t>
             </a:r>
             <a:r>
               <a:rPr lang="en-US" sz="2000" dirty="0" smtClean="0">
@@ -4407,51 +4225,52 @@
                   </a:schemeClr>
                 </a:solidFill>
               </a:rPr>
-              <a:t>//this will create the actions and export it as 						       module</a:t>
-            </a:r>
-          </a:p>
-          <a:p>
-            <a:pPr marL="0" indent="0">
-              <a:buNone/>
-            </a:pPr>
-            <a:endParaRPr lang="en-US" sz="2000" dirty="0"/>
-          </a:p>
-          <a:p>
-            <a:pPr marL="0" indent="0">
-              <a:buNone/>
-            </a:pPr>
-            <a:r>
-              <a:rPr lang="en-US" sz="2000" b="1" dirty="0" smtClean="0"/>
-              <a:t>NOTE:</a:t>
+              <a:t>// contains the code of initializing alt object</a:t>
+            </a:r>
+            <a:endParaRPr lang="en-US" sz="2000" dirty="0">
+              <a:solidFill>
+                <a:schemeClr val="accent1">
+                  <a:lumMod val="75000"/>
+                </a:schemeClr>
+              </a:solidFill>
+            </a:endParaRPr>
+          </a:p>
+          <a:p>
+            <a:pPr marL="0" indent="0">
+              <a:buNone/>
+            </a:pPr>
+            <a:r>
+              <a:rPr lang="en-US" sz="2000" dirty="0"/>
+              <a:t>|--</a:t>
             </a:r>
             <a:r>
               <a:rPr lang="en-US" sz="2000" dirty="0" smtClean="0"/>
-              <a:t> Alt is meant to use the ES6 syntax of class and constructors . But we can convert it to ES5 syntax using a </a:t>
-            </a:r>
-            <a:r>
-              <a:rPr lang="en-US" sz="2000" dirty="0" err="1" smtClean="0"/>
-              <a:t>javascript</a:t>
-            </a:r>
-            <a:r>
-              <a:rPr lang="en-US" sz="2000" dirty="0" smtClean="0"/>
-              <a:t> </a:t>
-            </a:r>
-            <a:r>
-              <a:rPr lang="en-US" sz="2000" dirty="0" err="1" smtClean="0"/>
-              <a:t>utitilty</a:t>
-            </a:r>
-            <a:r>
-              <a:rPr lang="en-US" sz="2000" dirty="0" smtClean="0"/>
-              <a:t>. </a:t>
-            </a:r>
-            <a:endParaRPr lang="en-US" sz="2000" b="1" dirty="0"/>
+              <a:t>app.js </a:t>
+            </a:r>
+            <a:r>
+              <a:rPr lang="en-US" sz="2000" dirty="0" smtClean="0">
+                <a:solidFill>
+                  <a:schemeClr val="accent1">
+                    <a:lumMod val="75000"/>
+                  </a:schemeClr>
+                </a:solidFill>
+              </a:rPr>
+              <a:t>// The main starting point of the app that uses alt object</a:t>
+            </a:r>
+            <a:endParaRPr lang="en-US" sz="2000" dirty="0">
+              <a:solidFill>
+                <a:schemeClr val="accent1">
+                  <a:lumMod val="75000"/>
+                </a:schemeClr>
+              </a:solidFill>
+            </a:endParaRPr>
           </a:p>
         </p:txBody>
       </p:sp>
     </p:spTree>
     <p:extLst>
       <p:ext uri="{BB962C8B-B14F-4D97-AF65-F5344CB8AC3E}">
-        <p14:creationId xmlns:p14="http://schemas.microsoft.com/office/powerpoint/2010/main" val="1021464198"/>
+        <p14:creationId xmlns:p14="http://schemas.microsoft.com/office/powerpoint/2010/main" val="737697807"/>
       </p:ext>
     </p:extLst>
   </p:cSld>
@@ -4502,7 +4321,7 @@
           <a:p>
             <a:r>
               <a:rPr lang="en-US" dirty="0" smtClean="0"/>
-              <a:t>Alt Stores</a:t>
+              <a:t>Alt Actions</a:t>
             </a:r>
             <a:endParaRPr lang="en-US" dirty="0"/>
           </a:p>
@@ -4521,7 +4340,7 @@
         <p:spPr/>
         <p:txBody>
           <a:bodyPr>
-            <a:normAutofit fontScale="85000" lnSpcReduction="20000"/>
+            <a:normAutofit/>
           </a:bodyPr>
           <a:lstStyle/>
           <a:p>
@@ -4529,61 +4348,66 @@
               <a:buNone/>
             </a:pPr>
             <a:r>
-              <a:rPr lang="en-US" sz="1600" dirty="0" err="1"/>
+              <a:rPr lang="en-US" sz="2000" dirty="0" err="1"/>
               <a:t>var</a:t>
             </a:r>
             <a:r>
-              <a:rPr lang="en-US" sz="1600" dirty="0"/>
-              <a:t> alt = require('../alt');</a:t>
-            </a:r>
-          </a:p>
-          <a:p>
-            <a:pPr marL="0" indent="0">
-              <a:buNone/>
-            </a:pPr>
-            <a:r>
-              <a:rPr lang="en-US" sz="1600" dirty="0" err="1"/>
-              <a:t>var</a:t>
-            </a:r>
-            <a:r>
-              <a:rPr lang="en-US" sz="1600" dirty="0"/>
+              <a:rPr lang="en-US" sz="2000" dirty="0"/>
+              <a:t> alt = require('../alt</a:t>
+            </a:r>
+            <a:r>
+              <a:rPr lang="en-US" sz="2000" dirty="0" smtClean="0"/>
+              <a:t>');</a:t>
+            </a:r>
+          </a:p>
+          <a:p>
+            <a:pPr marL="0" indent="0">
+              <a:buNone/>
+            </a:pPr>
+            <a:r>
+              <a:rPr lang="en-US" sz="2000" dirty="0" smtClean="0"/>
+              <a:t>class </a:t>
+            </a:r>
+            <a:r>
+              <a:rPr lang="en-US" sz="2000" dirty="0" err="1" smtClean="0"/>
+              <a:t>CustomerActions</a:t>
+            </a:r>
+            <a:r>
+              <a:rPr lang="en-US" sz="2000" dirty="0" smtClean="0"/>
               <a:t> </a:t>
             </a:r>
             <a:r>
-              <a:rPr lang="en-US" sz="1600" dirty="0" err="1" smtClean="0"/>
-              <a:t>CustomerActions</a:t>
-            </a:r>
-            <a:r>
-              <a:rPr lang="en-US" sz="1600" dirty="0" smtClean="0"/>
-              <a:t> </a:t>
-            </a:r>
-            <a:r>
-              <a:rPr lang="en-US" sz="1600" dirty="0"/>
-              <a:t>= require('../</a:t>
-            </a:r>
-            <a:r>
-              <a:rPr lang="en-US" sz="1600" dirty="0" smtClean="0"/>
-              <a:t>actions/</a:t>
-            </a:r>
-            <a:r>
-              <a:rPr lang="en-US" sz="1600" dirty="0" err="1" smtClean="0"/>
-              <a:t>CustomerActions</a:t>
-            </a:r>
-            <a:r>
-              <a:rPr lang="en-US" sz="1600" dirty="0" smtClean="0"/>
-              <a:t>'); </a:t>
-            </a:r>
-            <a:r>
-              <a:rPr lang="en-US" sz="1600" dirty="0" smtClean="0">
+              <a:rPr lang="en-US" sz="2000" dirty="0"/>
+              <a:t>{</a:t>
+            </a:r>
+          </a:p>
+          <a:p>
+            <a:pPr marL="0" indent="0">
+              <a:buNone/>
+            </a:pPr>
+            <a:r>
+              <a:rPr lang="en-US" sz="2000" dirty="0"/>
+              <a:t>  </a:t>
+            </a:r>
+            <a:r>
+              <a:rPr lang="en-US" sz="2000" dirty="0" err="1" smtClean="0"/>
+              <a:t>updateCustomers</a:t>
+            </a:r>
+            <a:r>
+              <a:rPr lang="en-US" sz="2000" dirty="0" smtClean="0"/>
+              <a:t>(customers) { </a:t>
+            </a:r>
+            <a:r>
+              <a:rPr lang="en-US" sz="2000" dirty="0" smtClean="0">
                 <a:solidFill>
                   <a:schemeClr val="accent1">
                     <a:lumMod val="75000"/>
                   </a:schemeClr>
                 </a:solidFill>
               </a:rPr>
-              <a:t>//Loading the created customer actions</a:t>
-            </a:r>
-            <a:endParaRPr lang="en-US" sz="1600" dirty="0">
+              <a:t>//an action getting the customers payload</a:t>
+            </a:r>
+            <a:endParaRPr lang="en-US" sz="2000" dirty="0">
               <a:solidFill>
                 <a:schemeClr val="accent1">
                   <a:lumMod val="75000"/>
@@ -4596,28 +4420,44 @@
               <a:buNone/>
             </a:pPr>
             <a:r>
-              <a:rPr lang="en-US" sz="1600" dirty="0"/>
-              <a:t>class </a:t>
-            </a:r>
-            <a:r>
-              <a:rPr lang="en-US" sz="1600" dirty="0" err="1" smtClean="0"/>
-              <a:t>CustomerStore</a:t>
-            </a:r>
-            <a:r>
-              <a:rPr lang="en-US" sz="1600" dirty="0" smtClean="0"/>
-              <a:t> { </a:t>
-            </a:r>
-            <a:r>
-              <a:rPr lang="en-US" sz="1600" dirty="0" smtClean="0">
+              <a:rPr lang="en-US" sz="2000" dirty="0"/>
+              <a:t>    return customers</a:t>
+            </a:r>
+            <a:r>
+              <a:rPr lang="en-US" sz="2000" dirty="0" smtClean="0"/>
+              <a:t>; </a:t>
+            </a:r>
+            <a:r>
+              <a:rPr lang="en-US" sz="2000" dirty="0" smtClean="0">
                 <a:solidFill>
                   <a:schemeClr val="accent1">
                     <a:lumMod val="75000"/>
                   </a:schemeClr>
                 </a:solidFill>
               </a:rPr>
-              <a:t>//defining store class</a:t>
-            </a:r>
-            <a:endParaRPr lang="en-US" sz="1600" dirty="0">
+              <a:t>//or we can use </a:t>
+            </a:r>
+            <a:r>
+              <a:rPr lang="en-US" sz="2000" dirty="0" err="1" smtClean="0">
+                <a:solidFill>
+                  <a:schemeClr val="accent1">
+                    <a:lumMod val="75000"/>
+                  </a:schemeClr>
+                </a:solidFill>
+              </a:rPr>
+              <a:t>this.dispatch</a:t>
+            </a:r>
+            <a:r>
+              <a:rPr lang="en-US" sz="2000" dirty="0" smtClean="0">
+                <a:solidFill>
+                  <a:schemeClr val="accent1">
+                    <a:lumMod val="75000"/>
+                  </a:schemeClr>
+                </a:solidFill>
+              </a:rPr>
+              <a:t>(customers) to dispatch this action</a:t>
+            </a:r>
+            <a:endParaRPr lang="en-US" sz="2000" dirty="0">
               <a:solidFill>
                 <a:schemeClr val="accent1">
                   <a:lumMod val="75000"/>
@@ -4630,321 +4470,105 @@
               <a:buNone/>
             </a:pPr>
             <a:r>
-              <a:rPr lang="en-US" sz="1600" dirty="0"/>
-              <a:t>  constructor() {</a:t>
-            </a:r>
-          </a:p>
-          <a:p>
-            <a:pPr marL="0" indent="0">
-              <a:buNone/>
-            </a:pPr>
-            <a:r>
-              <a:rPr lang="en-US" sz="1600" dirty="0"/>
-              <a:t>    </a:t>
-            </a:r>
-            <a:r>
-              <a:rPr lang="en-US" sz="1600" dirty="0" err="1" smtClean="0"/>
-              <a:t>this.customers</a:t>
-            </a:r>
-            <a:r>
-              <a:rPr lang="en-US" sz="1600" dirty="0" smtClean="0"/>
+              <a:rPr lang="en-US" sz="2000" dirty="0"/>
+              <a:t>  }</a:t>
+            </a:r>
+          </a:p>
+          <a:p>
+            <a:pPr marL="0" indent="0">
+              <a:buNone/>
+            </a:pPr>
+            <a:r>
+              <a:rPr lang="en-US" sz="2000" dirty="0" smtClean="0"/>
+              <a:t>}</a:t>
+            </a:r>
+            <a:endParaRPr lang="en-US" sz="2000" dirty="0"/>
+          </a:p>
+          <a:p>
+            <a:pPr marL="0" indent="0">
+              <a:buNone/>
+            </a:pPr>
+            <a:r>
+              <a:rPr lang="en-US" sz="2000" dirty="0" err="1" smtClean="0"/>
+              <a:t>module.exports</a:t>
+            </a:r>
+            <a:r>
+              <a:rPr lang="en-US" sz="2000" dirty="0" smtClean="0"/>
               <a:t> </a:t>
             </a:r>
             <a:r>
-              <a:rPr lang="en-US" sz="1600" dirty="0"/>
+              <a:rPr lang="en-US" sz="2000" dirty="0"/>
               <a:t>= </a:t>
             </a:r>
             <a:r>
-              <a:rPr lang="en-US" sz="1600" dirty="0" smtClean="0"/>
-              <a:t>[]; </a:t>
-            </a:r>
-            <a:r>
-              <a:rPr lang="en-US" sz="1600" dirty="0" smtClean="0">
+              <a:rPr lang="en-US" sz="2000" dirty="0" err="1" smtClean="0"/>
+              <a:t>alt.createActions</a:t>
+            </a:r>
+            <a:r>
+              <a:rPr lang="en-US" sz="2000" dirty="0" smtClean="0"/>
+              <a:t>(</a:t>
+            </a:r>
+            <a:r>
+              <a:rPr lang="en-US" sz="2000" dirty="0" err="1" smtClean="0"/>
+              <a:t>CustomerActions</a:t>
+            </a:r>
+            <a:r>
+              <a:rPr lang="en-US" sz="2000" dirty="0" smtClean="0"/>
+              <a:t>); </a:t>
+            </a:r>
+            <a:r>
+              <a:rPr lang="en-US" sz="2000" dirty="0" smtClean="0">
                 <a:solidFill>
                   <a:schemeClr val="accent1">
                     <a:lumMod val="75000"/>
                   </a:schemeClr>
                 </a:solidFill>
               </a:rPr>
-              <a:t>//any class member defines inside the store constructors will be treated as store’s state variables</a:t>
-            </a:r>
-            <a:endParaRPr lang="en-US" sz="1600" dirty="0">
-              <a:solidFill>
-                <a:schemeClr val="accent1">
-                  <a:lumMod val="75000"/>
-                </a:schemeClr>
-              </a:solidFill>
-            </a:endParaRPr>
-          </a:p>
-          <a:p>
-            <a:pPr marL="0" indent="0">
-              <a:buNone/>
-            </a:pPr>
-            <a:endParaRPr lang="en-US" sz="1600" dirty="0"/>
-          </a:p>
-          <a:p>
-            <a:pPr marL="0" indent="0">
-              <a:buNone/>
-            </a:pPr>
-            <a:r>
-              <a:rPr lang="en-US" sz="1600" dirty="0"/>
-              <a:t>    </a:t>
-            </a:r>
-            <a:r>
-              <a:rPr lang="en-US" sz="1600" dirty="0" err="1"/>
-              <a:t>this.bindListeners</a:t>
-            </a:r>
-            <a:r>
-              <a:rPr lang="en-US" sz="1600" dirty="0"/>
-              <a:t>({</a:t>
-            </a:r>
-          </a:p>
-          <a:p>
-            <a:pPr marL="0" indent="0">
-              <a:buNone/>
-            </a:pPr>
-            <a:r>
-              <a:rPr lang="en-US" sz="1600" dirty="0"/>
-              <a:t>      </a:t>
-            </a:r>
-            <a:r>
-              <a:rPr lang="en-US" sz="1600" dirty="0" err="1" smtClean="0"/>
-              <a:t>handleUpdateCustomers</a:t>
-            </a:r>
-            <a:r>
-              <a:rPr lang="en-US" sz="1600" dirty="0" smtClean="0"/>
-              <a:t>: </a:t>
-            </a:r>
-            <a:r>
-              <a:rPr lang="en-US" sz="1600" dirty="0" err="1" smtClean="0"/>
-              <a:t>LocationActions.updateCustomers</a:t>
-            </a:r>
-            <a:r>
-              <a:rPr lang="en-US" sz="1600" dirty="0" smtClean="0"/>
+              <a:t>//this will create the actions and export it as 						       module</a:t>
+            </a:r>
+          </a:p>
+          <a:p>
+            <a:pPr marL="0" indent="0">
+              <a:buNone/>
+            </a:pPr>
+            <a:endParaRPr lang="en-US" sz="2000" dirty="0"/>
+          </a:p>
+          <a:p>
+            <a:pPr marL="0" indent="0">
+              <a:buNone/>
+            </a:pPr>
+            <a:r>
+              <a:rPr lang="en-US" sz="2000" b="1" dirty="0" smtClean="0"/>
+              <a:t>NOTE:</a:t>
+            </a:r>
+            <a:r>
+              <a:rPr lang="en-US" sz="2000" dirty="0" smtClean="0"/>
+              <a:t> Alt is meant to use the ES6 syntax of class and constructors . But we can convert it to ES5 syntax using a </a:t>
+            </a:r>
+            <a:r>
+              <a:rPr lang="en-US" sz="2000" dirty="0" err="1" smtClean="0"/>
+              <a:t>javascript</a:t>
+            </a:r>
+            <a:r>
+              <a:rPr lang="en-US" sz="2000" dirty="0" smtClean="0"/>
               <a:t> </a:t>
             </a:r>
             <a:r>
-              <a:rPr lang="en-US" sz="1600" dirty="0" smtClean="0">
-                <a:solidFill>
-                  <a:schemeClr val="accent1">
-                    <a:lumMod val="75000"/>
-                  </a:schemeClr>
-                </a:solidFill>
-              </a:rPr>
-              <a:t>// binding the stores callback to the action. So whenever the action is 	</a:t>
-            </a:r>
-            <a:r>
-              <a:rPr lang="en-US" sz="1600" dirty="0" smtClean="0"/>
-              <a:t>					</a:t>
-            </a:r>
-            <a:r>
-              <a:rPr lang="en-US" sz="1600" dirty="0" smtClean="0">
-                <a:solidFill>
-                  <a:schemeClr val="accent1">
-                    <a:lumMod val="75000"/>
-                  </a:schemeClr>
-                </a:solidFill>
-              </a:rPr>
-              <a:t>      dispatched it will be handle by the callback </a:t>
-            </a:r>
-            <a:endParaRPr lang="en-US" sz="1600" dirty="0">
-              <a:solidFill>
-                <a:schemeClr val="accent1">
-                  <a:lumMod val="75000"/>
-                </a:schemeClr>
-              </a:solidFill>
-            </a:endParaRPr>
-          </a:p>
-          <a:p>
-            <a:pPr marL="0" indent="0">
-              <a:buNone/>
-            </a:pPr>
-            <a:r>
-              <a:rPr lang="en-US" sz="1600" dirty="0"/>
-              <a:t>    });</a:t>
-            </a:r>
-          </a:p>
-          <a:p>
-            <a:pPr marL="0" indent="0">
-              <a:buNone/>
-            </a:pPr>
-            <a:r>
-              <a:rPr lang="en-US" sz="1600" dirty="0"/>
-              <a:t>  </a:t>
-            </a:r>
-            <a:r>
-              <a:rPr lang="en-US" sz="1600" dirty="0" smtClean="0"/>
-              <a:t>}</a:t>
-            </a:r>
-            <a:endParaRPr lang="en-US" sz="1600" dirty="0"/>
-          </a:p>
-          <a:p>
-            <a:pPr marL="0" indent="0">
-              <a:buNone/>
-            </a:pPr>
-            <a:r>
-              <a:rPr lang="en-US" sz="1600" dirty="0"/>
-              <a:t>  </a:t>
-            </a:r>
-            <a:r>
-              <a:rPr lang="en-US" sz="1600" dirty="0" err="1" smtClean="0"/>
-              <a:t>handleUpdateCustomers</a:t>
-            </a:r>
-            <a:r>
-              <a:rPr lang="en-US" sz="1600" dirty="0" smtClean="0"/>
-              <a:t>(customers) { </a:t>
-            </a:r>
-            <a:r>
-              <a:rPr lang="en-US" sz="1600" dirty="0" smtClean="0">
-                <a:solidFill>
-                  <a:schemeClr val="accent1">
-                    <a:lumMod val="75000"/>
-                  </a:schemeClr>
-                </a:solidFill>
-              </a:rPr>
-              <a:t>//the callback of </a:t>
-            </a:r>
-            <a:r>
-              <a:rPr lang="en-US" sz="1600" dirty="0" err="1" smtClean="0">
-                <a:solidFill>
-                  <a:schemeClr val="accent1">
-                    <a:lumMod val="75000"/>
-                  </a:schemeClr>
-                </a:solidFill>
-              </a:rPr>
-              <a:t>updateCustomers</a:t>
-            </a:r>
-            <a:r>
-              <a:rPr lang="en-US" sz="1600" dirty="0" smtClean="0">
-                <a:solidFill>
-                  <a:schemeClr val="accent1">
-                    <a:lumMod val="75000"/>
-                  </a:schemeClr>
-                </a:solidFill>
-              </a:rPr>
-              <a:t> action</a:t>
-            </a:r>
-            <a:endParaRPr lang="en-US" sz="1600" dirty="0">
-              <a:solidFill>
-                <a:schemeClr val="accent1">
-                  <a:lumMod val="75000"/>
-                </a:schemeClr>
-              </a:solidFill>
-            </a:endParaRPr>
-          </a:p>
-          <a:p>
-            <a:pPr marL="0" indent="0">
-              <a:buNone/>
-            </a:pPr>
-            <a:r>
-              <a:rPr lang="en-US" sz="1600" dirty="0"/>
-              <a:t>    this</a:t>
-            </a:r>
-            <a:r>
-              <a:rPr lang="en-US" sz="1600" dirty="0" smtClean="0"/>
-              <a:t>.</a:t>
-            </a:r>
-            <a:r>
-              <a:rPr lang="en-US" sz="1600" dirty="0"/>
-              <a:t> customers</a:t>
-            </a:r>
-            <a:r>
-              <a:rPr lang="en-US" sz="1600" dirty="0" smtClean="0"/>
-              <a:t> </a:t>
-            </a:r>
-            <a:r>
-              <a:rPr lang="en-US" sz="1600" dirty="0"/>
-              <a:t>= customers</a:t>
-            </a:r>
-            <a:r>
-              <a:rPr lang="en-US" sz="1600" dirty="0" smtClean="0"/>
-              <a:t>;</a:t>
-            </a:r>
-            <a:endParaRPr lang="en-US" sz="1600" dirty="0"/>
-          </a:p>
-          <a:p>
-            <a:pPr marL="0" indent="0">
-              <a:buNone/>
-            </a:pPr>
-            <a:r>
-              <a:rPr lang="en-US" sz="1600" dirty="0"/>
-              <a:t>  }</a:t>
-            </a:r>
-          </a:p>
-          <a:p>
-            <a:pPr marL="0" indent="0">
-              <a:buNone/>
-            </a:pPr>
-            <a:r>
-              <a:rPr lang="en-US" sz="1600" dirty="0" smtClean="0"/>
-              <a:t>}</a:t>
-            </a:r>
-            <a:endParaRPr lang="en-US" sz="1600" dirty="0"/>
-          </a:p>
-          <a:p>
-            <a:pPr marL="0" indent="0">
-              <a:buNone/>
-            </a:pPr>
-            <a:r>
-              <a:rPr lang="en-US" sz="1600" dirty="0" err="1"/>
-              <a:t>module.exports</a:t>
-            </a:r>
-            <a:r>
-              <a:rPr lang="en-US" sz="1600" dirty="0"/>
-              <a:t> = </a:t>
-            </a:r>
-            <a:r>
-              <a:rPr lang="en-US" sz="1600" dirty="0" err="1" smtClean="0"/>
-              <a:t>alt.createStore</a:t>
-            </a:r>
-            <a:r>
-              <a:rPr lang="en-US" sz="1600" dirty="0" smtClean="0"/>
-              <a:t>(</a:t>
-            </a:r>
-            <a:r>
-              <a:rPr lang="en-US" sz="1600" dirty="0" err="1" smtClean="0"/>
-              <a:t>CustomerStore</a:t>
-            </a:r>
-            <a:r>
-              <a:rPr lang="en-US" sz="1600" dirty="0"/>
-              <a:t>, </a:t>
-            </a:r>
-            <a:r>
-              <a:rPr lang="en-US" sz="1600" dirty="0" smtClean="0"/>
-              <a:t>‘</a:t>
-            </a:r>
-            <a:r>
-              <a:rPr lang="en-US" sz="1600" dirty="0" err="1" smtClean="0"/>
-              <a:t>CustomerStore</a:t>
-            </a:r>
-            <a:r>
-              <a:rPr lang="en-US" sz="1600" dirty="0" smtClean="0"/>
-              <a:t>'); </a:t>
-            </a:r>
-            <a:r>
-              <a:rPr lang="en-US" sz="1600" dirty="0" smtClean="0">
-                <a:solidFill>
-                  <a:schemeClr val="accent1">
-                    <a:lumMod val="75000"/>
-                  </a:schemeClr>
-                </a:solidFill>
-              </a:rPr>
-              <a:t>//creating the class as alt store and export it</a:t>
-            </a:r>
-            <a:endParaRPr lang="en-US" sz="1600" dirty="0">
-              <a:solidFill>
-                <a:schemeClr val="accent1">
-                  <a:lumMod val="75000"/>
-                </a:schemeClr>
-              </a:solidFill>
-            </a:endParaRPr>
+              <a:rPr lang="en-US" sz="2000" dirty="0" err="1" smtClean="0"/>
+              <a:t>utitilty</a:t>
+            </a:r>
+            <a:r>
+              <a:rPr lang="en-US" sz="2000" dirty="0" smtClean="0"/>
+              <a:t>. </a:t>
+            </a:r>
+            <a:endParaRPr lang="en-US" sz="2000" b="1" dirty="0"/>
           </a:p>
         </p:txBody>
       </p:sp>
     </p:spTree>
     <p:extLst>
       <p:ext uri="{BB962C8B-B14F-4D97-AF65-F5344CB8AC3E}">
-        <p14:creationId xmlns:p14="http://schemas.microsoft.com/office/powerpoint/2010/main" val="2147216500"/>
+        <p14:creationId xmlns:p14="http://schemas.microsoft.com/office/powerpoint/2010/main" val="1021464198"/>
       </p:ext>
     </p:extLst>
   </p:cSld>
@@ -4995,6 +4619,499 @@
           <a:p>
             <a:r>
               <a:rPr lang="en-US" dirty="0" smtClean="0"/>
+              <a:t>Alt Stores</a:t>
+            </a:r>
+            <a:endParaRPr lang="en-US" dirty="0"/>
+          </a:p>
+        </p:txBody>
+      </p:sp>
+      <p:sp>
+        <p:nvSpPr>
+          <p:cNvPr id="3" name="Content Placeholder 2"/>
+          <p:cNvSpPr>
+            <a:spLocks noGrp="1"/>
+          </p:cNvSpPr>
+          <p:nvPr>
+            <p:ph idx="1"/>
+          </p:nvPr>
+        </p:nvSpPr>
+        <p:spPr/>
+        <p:txBody>
+          <a:bodyPr>
+            <a:normAutofit fontScale="85000" lnSpcReduction="20000"/>
+          </a:bodyPr>
+          <a:lstStyle/>
+          <a:p>
+            <a:pPr marL="0" indent="0">
+              <a:buNone/>
+            </a:pPr>
+            <a:r>
+              <a:rPr lang="en-US" sz="1600" dirty="0" err="1"/>
+              <a:t>var</a:t>
+            </a:r>
+            <a:r>
+              <a:rPr lang="en-US" sz="1600" dirty="0"/>
+              <a:t> alt = require('../alt');</a:t>
+            </a:r>
+          </a:p>
+          <a:p>
+            <a:pPr marL="0" indent="0">
+              <a:buNone/>
+            </a:pPr>
+            <a:r>
+              <a:rPr lang="en-US" sz="1600" dirty="0" err="1"/>
+              <a:t>var</a:t>
+            </a:r>
+            <a:r>
+              <a:rPr lang="en-US" sz="1600" dirty="0"/>
+              <a:t> </a:t>
+            </a:r>
+            <a:r>
+              <a:rPr lang="en-US" sz="1600" dirty="0" err="1" smtClean="0"/>
+              <a:t>CustomerActions</a:t>
+            </a:r>
+            <a:r>
+              <a:rPr lang="en-US" sz="1600" dirty="0" smtClean="0"/>
+              <a:t> </a:t>
+            </a:r>
+            <a:r>
+              <a:rPr lang="en-US" sz="1600" dirty="0"/>
+              <a:t>= require('../</a:t>
+            </a:r>
+            <a:r>
+              <a:rPr lang="en-US" sz="1600" dirty="0" smtClean="0"/>
+              <a:t>actions/</a:t>
+            </a:r>
+            <a:r>
+              <a:rPr lang="en-US" sz="1600" dirty="0" err="1" smtClean="0"/>
+              <a:t>CustomerActions</a:t>
+            </a:r>
+            <a:r>
+              <a:rPr lang="en-US" sz="1600" dirty="0" smtClean="0"/>
+              <a:t>'); </a:t>
+            </a:r>
+            <a:r>
+              <a:rPr lang="en-US" sz="1600" dirty="0" smtClean="0">
+                <a:solidFill>
+                  <a:schemeClr val="accent1">
+                    <a:lumMod val="75000"/>
+                  </a:schemeClr>
+                </a:solidFill>
+              </a:rPr>
+              <a:t>//Loading the created customer actions</a:t>
+            </a:r>
+            <a:endParaRPr lang="en-US" sz="1600" dirty="0">
+              <a:solidFill>
+                <a:schemeClr val="accent1">
+                  <a:lumMod val="75000"/>
+                </a:schemeClr>
+              </a:solidFill>
+            </a:endParaRPr>
+          </a:p>
+          <a:p>
+            <a:pPr marL="0" indent="0">
+              <a:buNone/>
+            </a:pPr>
+            <a:r>
+              <a:rPr lang="en-US" sz="1600" dirty="0"/>
+              <a:t>class </a:t>
+            </a:r>
+            <a:r>
+              <a:rPr lang="en-US" sz="1600" dirty="0" err="1" smtClean="0"/>
+              <a:t>CustomerStore</a:t>
+            </a:r>
+            <a:r>
+              <a:rPr lang="en-US" sz="1600" dirty="0" smtClean="0"/>
+              <a:t> { </a:t>
+            </a:r>
+            <a:r>
+              <a:rPr lang="en-US" sz="1600" dirty="0" smtClean="0">
+                <a:solidFill>
+                  <a:schemeClr val="accent1">
+                    <a:lumMod val="75000"/>
+                  </a:schemeClr>
+                </a:solidFill>
+              </a:rPr>
+              <a:t>//defining store class</a:t>
+            </a:r>
+            <a:endParaRPr lang="en-US" sz="1600" dirty="0">
+              <a:solidFill>
+                <a:schemeClr val="accent1">
+                  <a:lumMod val="75000"/>
+                </a:schemeClr>
+              </a:solidFill>
+            </a:endParaRPr>
+          </a:p>
+          <a:p>
+            <a:pPr marL="0" indent="0">
+              <a:buNone/>
+            </a:pPr>
+            <a:r>
+              <a:rPr lang="en-US" sz="1600" dirty="0"/>
+              <a:t>  constructor() {</a:t>
+            </a:r>
+          </a:p>
+          <a:p>
+            <a:pPr marL="0" indent="0">
+              <a:buNone/>
+            </a:pPr>
+            <a:r>
+              <a:rPr lang="en-US" sz="1600" dirty="0"/>
+              <a:t>    </a:t>
+            </a:r>
+            <a:r>
+              <a:rPr lang="en-US" sz="1600" dirty="0" err="1" smtClean="0"/>
+              <a:t>this.customers</a:t>
+            </a:r>
+            <a:r>
+              <a:rPr lang="en-US" sz="1600" dirty="0" smtClean="0"/>
+              <a:t> </a:t>
+            </a:r>
+            <a:r>
+              <a:rPr lang="en-US" sz="1600" dirty="0"/>
+              <a:t>= </a:t>
+            </a:r>
+            <a:r>
+              <a:rPr lang="en-US" sz="1600" dirty="0" smtClean="0"/>
+              <a:t>[]; </a:t>
+            </a:r>
+            <a:r>
+              <a:rPr lang="en-US" sz="1600" dirty="0" smtClean="0">
+                <a:solidFill>
+                  <a:schemeClr val="accent1">
+                    <a:lumMod val="75000"/>
+                  </a:schemeClr>
+                </a:solidFill>
+              </a:rPr>
+              <a:t>//any class member defines inside the store constructors will be treated as store’s state variables</a:t>
+            </a:r>
+            <a:endParaRPr lang="en-US" sz="1600" dirty="0">
+              <a:solidFill>
+                <a:schemeClr val="accent1">
+                  <a:lumMod val="75000"/>
+                </a:schemeClr>
+              </a:solidFill>
+            </a:endParaRPr>
+          </a:p>
+          <a:p>
+            <a:pPr marL="0" indent="0">
+              <a:buNone/>
+            </a:pPr>
+            <a:endParaRPr lang="en-US" sz="1600" dirty="0"/>
+          </a:p>
+          <a:p>
+            <a:pPr marL="0" indent="0">
+              <a:buNone/>
+            </a:pPr>
+            <a:r>
+              <a:rPr lang="en-US" sz="1600" dirty="0"/>
+              <a:t>    </a:t>
+            </a:r>
+            <a:r>
+              <a:rPr lang="en-US" sz="1600" dirty="0" err="1"/>
+              <a:t>this.bindListeners</a:t>
+            </a:r>
+            <a:r>
+              <a:rPr lang="en-US" sz="1600" dirty="0"/>
+              <a:t>({</a:t>
+            </a:r>
+          </a:p>
+          <a:p>
+            <a:pPr marL="0" indent="0">
+              <a:buNone/>
+            </a:pPr>
+            <a:r>
+              <a:rPr lang="en-US" sz="1600" dirty="0"/>
+              <a:t>      </a:t>
+            </a:r>
+            <a:r>
+              <a:rPr lang="en-US" sz="1600" dirty="0" err="1" smtClean="0"/>
+              <a:t>handleUpdateCustomers</a:t>
+            </a:r>
+            <a:r>
+              <a:rPr lang="en-US" sz="1600" dirty="0" smtClean="0"/>
+              <a:t>: </a:t>
+            </a:r>
+            <a:r>
+              <a:rPr lang="en-US" sz="1600" dirty="0" err="1" smtClean="0"/>
+              <a:t>LocationActions.updateCustomers</a:t>
+            </a:r>
+            <a:r>
+              <a:rPr lang="en-US" sz="1600" dirty="0" smtClean="0"/>
+              <a:t> </a:t>
+            </a:r>
+            <a:r>
+              <a:rPr lang="en-US" sz="1600" dirty="0" smtClean="0">
+                <a:solidFill>
+                  <a:schemeClr val="accent1">
+                    <a:lumMod val="75000"/>
+                  </a:schemeClr>
+                </a:solidFill>
+              </a:rPr>
+              <a:t>// binding the stores callback to the action. So whenever the action is 	</a:t>
+            </a:r>
+            <a:r>
+              <a:rPr lang="en-US" sz="1600" dirty="0" smtClean="0"/>
+              <a:t>					</a:t>
+            </a:r>
+            <a:r>
+              <a:rPr lang="en-US" sz="1600" dirty="0" smtClean="0">
+                <a:solidFill>
+                  <a:schemeClr val="accent1">
+                    <a:lumMod val="75000"/>
+                  </a:schemeClr>
+                </a:solidFill>
+              </a:rPr>
+              <a:t>      dispatched it will be handle by the callback </a:t>
+            </a:r>
+            <a:endParaRPr lang="en-US" sz="1600" dirty="0">
+              <a:solidFill>
+                <a:schemeClr val="accent1">
+                  <a:lumMod val="75000"/>
+                </a:schemeClr>
+              </a:solidFill>
+            </a:endParaRPr>
+          </a:p>
+          <a:p>
+            <a:pPr marL="0" indent="0">
+              <a:buNone/>
+            </a:pPr>
+            <a:r>
+              <a:rPr lang="en-US" sz="1600" dirty="0"/>
+              <a:t>    });</a:t>
+            </a:r>
+          </a:p>
+          <a:p>
+            <a:pPr marL="0" indent="0">
+              <a:buNone/>
+            </a:pPr>
+            <a:r>
+              <a:rPr lang="en-US" sz="1600" dirty="0"/>
+              <a:t>  </a:t>
+            </a:r>
+            <a:r>
+              <a:rPr lang="en-US" sz="1600" dirty="0" smtClean="0"/>
+              <a:t>}</a:t>
+            </a:r>
+            <a:endParaRPr lang="en-US" sz="1600" dirty="0"/>
+          </a:p>
+          <a:p>
+            <a:pPr marL="0" indent="0">
+              <a:buNone/>
+            </a:pPr>
+            <a:r>
+              <a:rPr lang="en-US" sz="1600" dirty="0"/>
+              <a:t>  </a:t>
+            </a:r>
+            <a:r>
+              <a:rPr lang="en-US" sz="1600" dirty="0" err="1" smtClean="0"/>
+              <a:t>handleUpdateCustomers</a:t>
+            </a:r>
+            <a:r>
+              <a:rPr lang="en-US" sz="1600" dirty="0" smtClean="0"/>
+              <a:t>(customers) { </a:t>
+            </a:r>
+            <a:r>
+              <a:rPr lang="en-US" sz="1600" dirty="0" smtClean="0">
+                <a:solidFill>
+                  <a:schemeClr val="accent1">
+                    <a:lumMod val="75000"/>
+                  </a:schemeClr>
+                </a:solidFill>
+              </a:rPr>
+              <a:t>//the callback of </a:t>
+            </a:r>
+            <a:r>
+              <a:rPr lang="en-US" sz="1600" dirty="0" err="1" smtClean="0">
+                <a:solidFill>
+                  <a:schemeClr val="accent1">
+                    <a:lumMod val="75000"/>
+                  </a:schemeClr>
+                </a:solidFill>
+              </a:rPr>
+              <a:t>updateCustomers</a:t>
+            </a:r>
+            <a:r>
+              <a:rPr lang="en-US" sz="1600" dirty="0" smtClean="0">
+                <a:solidFill>
+                  <a:schemeClr val="accent1">
+                    <a:lumMod val="75000"/>
+                  </a:schemeClr>
+                </a:solidFill>
+              </a:rPr>
+              <a:t> action</a:t>
+            </a:r>
+            <a:endParaRPr lang="en-US" sz="1600" dirty="0">
+              <a:solidFill>
+                <a:schemeClr val="accent1">
+                  <a:lumMod val="75000"/>
+                </a:schemeClr>
+              </a:solidFill>
+            </a:endParaRPr>
+          </a:p>
+          <a:p>
+            <a:pPr marL="0" indent="0">
+              <a:buNone/>
+            </a:pPr>
+            <a:r>
+              <a:rPr lang="en-US" sz="1600" dirty="0"/>
+              <a:t>    this</a:t>
+            </a:r>
+            <a:r>
+              <a:rPr lang="en-US" sz="1600" dirty="0" smtClean="0"/>
+              <a:t>.</a:t>
+            </a:r>
+            <a:r>
+              <a:rPr lang="en-US" sz="1600" dirty="0"/>
+              <a:t> customers</a:t>
+            </a:r>
+            <a:r>
+              <a:rPr lang="en-US" sz="1600" dirty="0" smtClean="0"/>
+              <a:t> </a:t>
+            </a:r>
+            <a:r>
+              <a:rPr lang="en-US" sz="1600" dirty="0"/>
+              <a:t>= customers</a:t>
+            </a:r>
+            <a:r>
+              <a:rPr lang="en-US" sz="1600" dirty="0" smtClean="0"/>
+              <a:t>;</a:t>
+            </a:r>
+            <a:endParaRPr lang="en-US" sz="1600" dirty="0"/>
+          </a:p>
+          <a:p>
+            <a:pPr marL="0" indent="0">
+              <a:buNone/>
+            </a:pPr>
+            <a:r>
+              <a:rPr lang="en-US" sz="1600" dirty="0"/>
+              <a:t>  }</a:t>
+            </a:r>
+          </a:p>
+          <a:p>
+            <a:pPr marL="0" indent="0">
+              <a:buNone/>
+            </a:pPr>
+            <a:r>
+              <a:rPr lang="en-US" sz="1600" dirty="0" smtClean="0"/>
+              <a:t>}</a:t>
+            </a:r>
+            <a:endParaRPr lang="en-US" sz="1600" dirty="0"/>
+          </a:p>
+          <a:p>
+            <a:pPr marL="0" indent="0">
+              <a:buNone/>
+            </a:pPr>
+            <a:r>
+              <a:rPr lang="en-US" sz="1600" dirty="0" err="1"/>
+              <a:t>module.exports</a:t>
+            </a:r>
+            <a:r>
+              <a:rPr lang="en-US" sz="1600" dirty="0"/>
+              <a:t> = </a:t>
+            </a:r>
+            <a:r>
+              <a:rPr lang="en-US" sz="1600" dirty="0" err="1" smtClean="0"/>
+              <a:t>alt.createStore</a:t>
+            </a:r>
+            <a:r>
+              <a:rPr lang="en-US" sz="1600" dirty="0" smtClean="0"/>
+              <a:t>(</a:t>
+            </a:r>
+            <a:r>
+              <a:rPr lang="en-US" sz="1600" dirty="0" err="1" smtClean="0"/>
+              <a:t>CustomerStore</a:t>
+            </a:r>
+            <a:r>
+              <a:rPr lang="en-US" sz="1600" dirty="0"/>
+              <a:t>, </a:t>
+            </a:r>
+            <a:r>
+              <a:rPr lang="en-US" sz="1600" dirty="0" smtClean="0"/>
+              <a:t>‘</a:t>
+            </a:r>
+            <a:r>
+              <a:rPr lang="en-US" sz="1600" dirty="0" err="1" smtClean="0"/>
+              <a:t>CustomerStore</a:t>
+            </a:r>
+            <a:r>
+              <a:rPr lang="en-US" sz="1600" dirty="0" smtClean="0"/>
+              <a:t>'); </a:t>
+            </a:r>
+            <a:r>
+              <a:rPr lang="en-US" sz="1600" dirty="0" smtClean="0">
+                <a:solidFill>
+                  <a:schemeClr val="accent1">
+                    <a:lumMod val="75000"/>
+                  </a:schemeClr>
+                </a:solidFill>
+              </a:rPr>
+              <a:t>//creating the class as alt store and export it</a:t>
+            </a:r>
+            <a:endParaRPr lang="en-US" sz="1600" dirty="0">
+              <a:solidFill>
+                <a:schemeClr val="accent1">
+                  <a:lumMod val="75000"/>
+                </a:schemeClr>
+              </a:solidFill>
+            </a:endParaRPr>
+          </a:p>
+        </p:txBody>
+      </p:sp>
+    </p:spTree>
+    <p:extLst>
+      <p:ext uri="{BB962C8B-B14F-4D97-AF65-F5344CB8AC3E}">
+        <p14:creationId xmlns:p14="http://schemas.microsoft.com/office/powerpoint/2010/main" val="2147216500"/>
+      </p:ext>
+    </p:extLst>
+  </p:cSld>
+  <p:clrMapOvr>
+    <a:masterClrMapping/>
+  </p:clrMapOvr>
+  <p:timing>
+    <p:tnLst>
+      <p:par>
+        <p:cTn id="1" dur="indefinite" restart="never" nodeType="tmRoot"/>
+      </p:par>
+    </p:tnLst>
+  </p:timing>
+</p:sld>
+</file>
+
+<file path=ppt/slides/slide19.xml><?xml version="1.0" encoding="utf-8"?>
+<p:sld xmlns:a="http://schemas.openxmlformats.org/drawingml/2006/main" xmlns:r="http://schemas.openxmlformats.org/officeDocument/2006/relationships" xmlns:p="http://schemas.openxmlformats.org/presentationml/2006/main">
+  <p:cSld>
+    <p:spTree>
+      <p:nvGrpSpPr>
+        <p:cNvPr id="1" name=""/>
+        <p:cNvGrpSpPr/>
+        <p:nvPr/>
+      </p:nvGrpSpPr>
+      <p:grpSpPr>
+        <a:xfrm>
+          <a:off x="0" y="0"/>
+          <a:ext cx="0" cy="0"/>
+          <a:chOff x="0" y="0"/>
+          <a:chExt cx="0" cy="0"/>
+        </a:xfrm>
+      </p:grpSpPr>
+      <p:sp>
+        <p:nvSpPr>
+          <p:cNvPr id="2" name="Title 1"/>
+          <p:cNvSpPr>
+            <a:spLocks noGrp="1"/>
+          </p:cNvSpPr>
+          <p:nvPr>
+            <p:ph type="title"/>
+          </p:nvPr>
+        </p:nvSpPr>
+        <p:spPr/>
+        <p:txBody>
+          <a:bodyPr/>
+          <a:lstStyle/>
+          <a:p>
+            <a:r>
+              <a:rPr lang="en-US" dirty="0" smtClean="0"/>
               <a:t>Alt Views</a:t>
             </a:r>
             <a:endParaRPr lang="en-US" dirty="0"/>
@@ -5067,7 +5184,152 @@
 </p:sld>
 </file>
 
-<file path=ppt/slides/slide19.xml><?xml version="1.0" encoding="utf-8"?>
+<file path=ppt/slides/slide2.xml><?xml version="1.0" encoding="utf-8"?>
+<p:sld xmlns:a="http://schemas.openxmlformats.org/drawingml/2006/main" xmlns:r="http://schemas.openxmlformats.org/officeDocument/2006/relationships" xmlns:p="http://schemas.openxmlformats.org/presentationml/2006/main">
+  <p:cSld>
+    <p:spTree>
+      <p:nvGrpSpPr>
+        <p:cNvPr id="1" name=""/>
+        <p:cNvGrpSpPr/>
+        <p:nvPr/>
+      </p:nvGrpSpPr>
+      <p:grpSpPr>
+        <a:xfrm>
+          <a:off x="0" y="0"/>
+          <a:ext cx="0" cy="0"/>
+          <a:chOff x="0" y="0"/>
+          <a:chExt cx="0" cy="0"/>
+        </a:xfrm>
+      </p:grpSpPr>
+      <p:sp>
+        <p:nvSpPr>
+          <p:cNvPr id="2" name="Title 1"/>
+          <p:cNvSpPr>
+            <a:spLocks noGrp="1"/>
+          </p:cNvSpPr>
+          <p:nvPr>
+            <p:ph type="title"/>
+          </p:nvPr>
+        </p:nvSpPr>
+        <p:spPr/>
+        <p:txBody>
+          <a:bodyPr/>
+          <a:lstStyle/>
+          <a:p>
+            <a:r>
+              <a:rPr lang="en-US" dirty="0" smtClean="0"/>
+              <a:t>Problem with MVC</a:t>
+            </a:r>
+            <a:endParaRPr lang="en-US" dirty="0"/>
+          </a:p>
+        </p:txBody>
+      </p:sp>
+      <p:pic>
+        <p:nvPicPr>
+          <p:cNvPr id="4" name="Content Placeholder 3"/>
+          <p:cNvPicPr>
+            <a:picLocks noGrp="1" noChangeAspect="1"/>
+          </p:cNvPicPr>
+          <p:nvPr>
+            <p:ph idx="1"/>
+          </p:nvPr>
+        </p:nvPicPr>
+        <p:blipFill>
+          <a:blip r:embed="rId2">
+            <a:extLst>
+              <a:ext uri="{28A0092B-C50C-407E-A947-70E740481C1C}">
+                <a14:useLocalDpi xmlns:a14="http://schemas.microsoft.com/office/drawing/2010/main" val="0"/>
+              </a:ext>
+            </a:extLst>
+          </a:blip>
+          <a:stretch>
+            <a:fillRect/>
+          </a:stretch>
+        </p:blipFill>
+        <p:spPr>
+          <a:xfrm>
+            <a:off x="1439908" y="1341064"/>
+            <a:ext cx="8027831" cy="2477432"/>
+          </a:xfrm>
+        </p:spPr>
+      </p:pic>
+      <p:sp>
+        <p:nvSpPr>
+          <p:cNvPr id="5" name="TextBox 4"/>
+          <p:cNvSpPr txBox="1"/>
+          <p:nvPr/>
+        </p:nvSpPr>
+        <p:spPr>
+          <a:xfrm>
+            <a:off x="1828800" y="4168588"/>
+            <a:ext cx="184731" cy="369332"/>
+          </a:xfrm>
+          <a:prstGeom prst="rect">
+            <a:avLst/>
+          </a:prstGeom>
+          <a:noFill/>
+        </p:spPr>
+        <p:txBody>
+          <a:bodyPr wrap="none" rtlCol="0">
+            <a:spAutoFit/>
+          </a:bodyPr>
+          <a:lstStyle/>
+          <a:p>
+            <a:endParaRPr lang="en-US" dirty="0"/>
+          </a:p>
+        </p:txBody>
+      </p:sp>
+      <p:pic>
+        <p:nvPicPr>
+          <p:cNvPr id="6" name="Picture 5"/>
+          <p:cNvPicPr>
+            <a:picLocks noChangeAspect="1"/>
+          </p:cNvPicPr>
+          <p:nvPr/>
+        </p:nvPicPr>
+        <p:blipFill>
+          <a:blip r:embed="rId3">
+            <a:extLst>
+              <a:ext uri="{28A0092B-C50C-407E-A947-70E740481C1C}">
+                <a14:useLocalDpi xmlns:a14="http://schemas.microsoft.com/office/drawing/2010/main" val="0"/>
+              </a:ext>
+            </a:extLst>
+          </a:blip>
+          <a:stretch>
+            <a:fillRect/>
+          </a:stretch>
+        </p:blipFill>
+        <p:spPr>
+          <a:xfrm>
+            <a:off x="1671728" y="3322749"/>
+            <a:ext cx="8027831" cy="3360280"/>
+          </a:xfrm>
+          <a:prstGeom prst="rect">
+            <a:avLst/>
+          </a:prstGeom>
+        </p:spPr>
+      </p:pic>
+    </p:spTree>
+    <p:extLst>
+      <p:ext uri="{BB962C8B-B14F-4D97-AF65-F5344CB8AC3E}">
+        <p14:creationId xmlns:p14="http://schemas.microsoft.com/office/powerpoint/2010/main" val="2718338151"/>
+      </p:ext>
+    </p:extLst>
+  </p:cSld>
+  <p:clrMapOvr>
+    <a:masterClrMapping/>
+  </p:clrMapOvr>
+  <p:timing>
+    <p:tnLst>
+      <p:par>
+        <p:cTn id="1" dur="indefinite" restart="never" nodeType="tmRoot"/>
+      </p:par>
+    </p:tnLst>
+  </p:timing>
+</p:sld>
+</file>
+
+<file path=ppt/slides/slide20.xml><?xml version="1.0" encoding="utf-8"?>
 <p:sld xmlns:a="http://schemas.openxmlformats.org/drawingml/2006/main" xmlns:r="http://schemas.openxmlformats.org/officeDocument/2006/relationships" xmlns:p="http://schemas.openxmlformats.org/presentationml/2006/main">
   <p:cSld>
     <p:spTree>
@@ -5224,219 +5486,6 @@
 </p:sld>
 </file>
 
-<file path=ppt/slides/slide2.xml><?xml version="1.0" encoding="utf-8"?>
-<p:sld xmlns:a="http://schemas.openxmlformats.org/drawingml/2006/main" xmlns:r="http://schemas.openxmlformats.org/officeDocument/2006/relationships" xmlns:p="http://schemas.openxmlformats.org/presentationml/2006/main">
-  <p:cSld>
-    <p:spTree>
-      <p:nvGrpSpPr>
-        <p:cNvPr id="1" name=""/>
-        <p:cNvGrpSpPr/>
-        <p:nvPr/>
-      </p:nvGrpSpPr>
-      <p:grpSpPr>
-        <a:xfrm>
-          <a:off x="0" y="0"/>
-          <a:ext cx="0" cy="0"/>
-          <a:chOff x="0" y="0"/>
-          <a:chExt cx="0" cy="0"/>
-        </a:xfrm>
-      </p:grpSpPr>
-      <p:sp>
-        <p:nvSpPr>
-          <p:cNvPr id="2" name="Title 1"/>
-          <p:cNvSpPr>
-            <a:spLocks noGrp="1"/>
-          </p:cNvSpPr>
-          <p:nvPr>
-            <p:ph type="title"/>
-          </p:nvPr>
-        </p:nvSpPr>
-        <p:spPr/>
-        <p:txBody>
-          <a:bodyPr/>
-          <a:lstStyle/>
-          <a:p>
-            <a:r>
-              <a:rPr lang="en-US" dirty="0" smtClean="0"/>
-              <a:t>Problem with MVC</a:t>
-            </a:r>
-            <a:endParaRPr lang="en-US" dirty="0"/>
-          </a:p>
-        </p:txBody>
-      </p:sp>
-      <p:pic>
-        <p:nvPicPr>
-          <p:cNvPr id="4" name="Content Placeholder 3"/>
-          <p:cNvPicPr>
-            <a:picLocks noGrp="1" noChangeAspect="1"/>
-          </p:cNvPicPr>
-          <p:nvPr>
-            <p:ph idx="1"/>
-          </p:nvPr>
-        </p:nvPicPr>
-        <p:blipFill>
-          <a:blip r:embed="rId2">
-            <a:extLst>
-              <a:ext uri="{28A0092B-C50C-407E-A947-70E740481C1C}">
-                <a14:useLocalDpi xmlns:a14="http://schemas.microsoft.com/office/drawing/2010/main" val="0"/>
-              </a:ext>
-            </a:extLst>
-          </a:blip>
-          <a:stretch>
-            <a:fillRect/>
-          </a:stretch>
-        </p:blipFill>
-        <p:spPr>
-          <a:xfrm>
-            <a:off x="1439908" y="1341064"/>
-            <a:ext cx="8027831" cy="2477432"/>
-          </a:xfrm>
-        </p:spPr>
-      </p:pic>
-      <p:sp>
-        <p:nvSpPr>
-          <p:cNvPr id="5" name="TextBox 4"/>
-          <p:cNvSpPr txBox="1"/>
-          <p:nvPr/>
-        </p:nvSpPr>
-        <p:spPr>
-          <a:xfrm>
-            <a:off x="1828800" y="4168588"/>
-            <a:ext cx="184731" cy="369332"/>
-          </a:xfrm>
-          <a:prstGeom prst="rect">
-            <a:avLst/>
-          </a:prstGeom>
-          <a:noFill/>
-        </p:spPr>
-        <p:txBody>
-          <a:bodyPr wrap="none" rtlCol="0">
-            <a:spAutoFit/>
-          </a:bodyPr>
-          <a:lstStyle/>
-          <a:p>
-            <a:endParaRPr lang="en-US" dirty="0"/>
-          </a:p>
-        </p:txBody>
-      </p:sp>
-    </p:spTree>
-    <p:extLst>
-      <p:ext uri="{BB962C8B-B14F-4D97-AF65-F5344CB8AC3E}">
-        <p14:creationId xmlns:p14="http://schemas.microsoft.com/office/powerpoint/2010/main" val="2718338151"/>
-      </p:ext>
-    </p:extLst>
-  </p:cSld>
-  <p:clrMapOvr>
-    <a:masterClrMapping/>
-  </p:clrMapOvr>
-  <p:timing>
-    <p:tnLst>
-      <p:par>
-        <p:cTn id="1" dur="indefinite" restart="never" nodeType="tmRoot"/>
-      </p:par>
-    </p:tnLst>
-  </p:timing>
-</p:sld>
-</file>
-
-<file path=ppt/slides/slide20.xml><?xml version="1.0" encoding="utf-8"?>
-<p:sld xmlns:a="http://schemas.openxmlformats.org/drawingml/2006/main" xmlns:r="http://schemas.openxmlformats.org/officeDocument/2006/relationships" xmlns:p="http://schemas.openxmlformats.org/presentationml/2006/main">
-  <p:cSld>
-    <p:spTree>
-      <p:nvGrpSpPr>
-        <p:cNvPr id="1" name=""/>
-        <p:cNvGrpSpPr/>
-        <p:nvPr/>
-      </p:nvGrpSpPr>
-      <p:grpSpPr>
-        <a:xfrm>
-          <a:off x="0" y="0"/>
-          <a:ext cx="0" cy="0"/>
-          <a:chOff x="0" y="0"/>
-          <a:chExt cx="0" cy="0"/>
-        </a:xfrm>
-      </p:grpSpPr>
-      <p:sp>
-        <p:nvSpPr>
-          <p:cNvPr id="2" name="Title 1"/>
-          <p:cNvSpPr>
-            <a:spLocks noGrp="1"/>
-          </p:cNvSpPr>
-          <p:nvPr>
-            <p:ph type="title"/>
-          </p:nvPr>
-        </p:nvSpPr>
-        <p:spPr/>
-        <p:txBody>
-          <a:bodyPr/>
-          <a:lstStyle/>
-          <a:p>
-            <a:r>
-              <a:rPr lang="en-US" dirty="0"/>
-              <a:t>Introducing React </a:t>
-            </a:r>
-            <a:r>
-              <a:rPr lang="en-US" dirty="0" err="1"/>
-              <a:t>Js</a:t>
-            </a:r>
-            <a:endParaRPr lang="en-US" dirty="0"/>
-          </a:p>
-        </p:txBody>
-      </p:sp>
-      <p:sp>
-        <p:nvSpPr>
-          <p:cNvPr id="3" name="Content Placeholder 2"/>
-          <p:cNvSpPr>
-            <a:spLocks noGrp="1"/>
-          </p:cNvSpPr>
-          <p:nvPr>
-            <p:ph idx="1"/>
-          </p:nvPr>
-        </p:nvSpPr>
-        <p:spPr/>
-        <p:txBody>
-          <a:bodyPr/>
-          <a:lstStyle/>
-          <a:p>
-            <a:r>
-              <a:rPr lang="en-US" cap="all" dirty="0"/>
-              <a:t>JUST THE UI</a:t>
-            </a:r>
-          </a:p>
-          <a:p>
-            <a:pPr lvl="1"/>
-            <a:r>
-              <a:rPr lang="en-US" sz="2000" dirty="0"/>
-              <a:t>Lots of people use React as the V in MVC. Since React makes no assumptions about the rest of your technology stack, it's easy to try it out on a small feature in an existing project</a:t>
-            </a:r>
-            <a:r>
-              <a:rPr lang="en-US" sz="2000" dirty="0" smtClean="0"/>
-              <a:t>.</a:t>
-            </a:r>
-            <a:endParaRPr lang="en-US" sz="2000" dirty="0" smtClean="0"/>
-          </a:p>
-        </p:txBody>
-      </p:sp>
-    </p:spTree>
-    <p:extLst>
-      <p:ext uri="{BB962C8B-B14F-4D97-AF65-F5344CB8AC3E}">
-        <p14:creationId xmlns:p14="http://schemas.microsoft.com/office/powerpoint/2010/main" val="3066686488"/>
-      </p:ext>
-    </p:extLst>
-  </p:cSld>
-  <p:clrMapOvr>
-    <a:masterClrMapping/>
-  </p:clrMapOvr>
-  <p:timing>
-    <p:tnLst>
-      <p:par>
-        <p:cTn id="1" dur="indefinite" restart="never" nodeType="tmRoot"/>
-      </p:par>
-    </p:tnLst>
-  </p:timing>
-</p:sld>
-</file>
-
 <file path=ppt/slides/slide21.xml><?xml version="1.0" encoding="utf-8"?>
 <p:sld xmlns:a="http://schemas.openxmlformats.org/drawingml/2006/main" xmlns:r="http://schemas.openxmlformats.org/officeDocument/2006/relationships" xmlns:p="http://schemas.openxmlformats.org/presentationml/2006/main">
   <p:cSld>
@@ -5512,30 +5561,12 @@
               <a:t>.</a:t>
             </a:r>
           </a:p>
-          <a:p>
-            <a:r>
-              <a:rPr lang="en-US" cap="all" dirty="0"/>
-              <a:t>VIRTUAL DOM</a:t>
-            </a:r>
-          </a:p>
-          <a:p>
-            <a:pPr lvl="1"/>
-            <a:r>
-              <a:rPr lang="en-US" sz="2000" dirty="0"/>
-              <a:t>React abstracts away the DOM from you, giving a simpler programming model and better </a:t>
-            </a:r>
-            <a:r>
-              <a:rPr lang="en-US" sz="2000" dirty="0" smtClean="0"/>
-              <a:t>performance</a:t>
-            </a:r>
-            <a:endParaRPr lang="en-US" sz="2000" dirty="0" smtClean="0"/>
-          </a:p>
         </p:txBody>
       </p:sp>
     </p:spTree>
     <p:extLst>
       <p:ext uri="{BB962C8B-B14F-4D97-AF65-F5344CB8AC3E}">
-        <p14:creationId xmlns:p14="http://schemas.microsoft.com/office/powerpoint/2010/main" val="1992413976"/>
+        <p14:creationId xmlns:p14="http://schemas.microsoft.com/office/powerpoint/2010/main" val="3066686488"/>
       </p:ext>
     </p:extLst>
   </p:cSld>
@@ -5644,26 +5675,12 @@
               <a:t>performance</a:t>
             </a:r>
           </a:p>
-          <a:p>
-            <a:r>
-              <a:rPr lang="en-US" cap="all" dirty="0" smtClean="0"/>
-              <a:t>DATA FLOW</a:t>
-            </a:r>
-          </a:p>
-          <a:p>
-            <a:pPr lvl="1"/>
-            <a:r>
-              <a:rPr lang="en-US" sz="2000" dirty="0" smtClean="0"/>
-              <a:t>React implements one-way reactive data flow which reduces boilerplate and is easier to reason about than traditional data binding.</a:t>
-            </a:r>
-            <a:endParaRPr lang="en-US" sz="2000" dirty="0"/>
-          </a:p>
         </p:txBody>
       </p:sp>
     </p:spTree>
     <p:extLst>
       <p:ext uri="{BB962C8B-B14F-4D97-AF65-F5344CB8AC3E}">
-        <p14:creationId xmlns:p14="http://schemas.microsoft.com/office/powerpoint/2010/main" val="245537142"/>
+        <p14:creationId xmlns:p14="http://schemas.microsoft.com/office/powerpoint/2010/main" val="1992413976"/>
       </p:ext>
     </p:extLst>
   </p:cSld>
@@ -5713,8 +5730,12 @@
           <a:lstStyle/>
           <a:p>
             <a:r>
-              <a:rPr lang="en-US" dirty="0" smtClean="0"/>
-              <a:t>React Installation</a:t>
+              <a:rPr lang="en-US" dirty="0"/>
+              <a:t>Introducing React </a:t>
+            </a:r>
+            <a:r>
+              <a:rPr lang="en-US" dirty="0" err="1"/>
+              <a:t>Js</a:t>
             </a:r>
             <a:endParaRPr lang="en-US" dirty="0"/>
           </a:p>
@@ -5735,198 +5756,59 @@
           <a:bodyPr/>
           <a:lstStyle/>
           <a:p>
-            <a:pPr marL="0" indent="0">
-              <a:buNone/>
-            </a:pPr>
+            <a:r>
+              <a:rPr lang="en-US" cap="all" dirty="0"/>
+              <a:t>JUST THE UI</a:t>
+            </a:r>
+          </a:p>
+          <a:p>
+            <a:pPr lvl="1"/>
             <a:r>
               <a:rPr lang="en-US" sz="2000" dirty="0"/>
-              <a:t>&lt;script </a:t>
-            </a:r>
-            <a:r>
-              <a:rPr lang="en-US" sz="2000" dirty="0" err="1"/>
-              <a:t>src</a:t>
-            </a:r>
+              <a:t>Lots of people use React as the V in MVC. Since React makes no assumptions about the rest of your technology stack, it's easy to try it out on a small feature in an existing project</a:t>
+            </a:r>
+            <a:r>
+              <a:rPr lang="en-US" sz="2000" dirty="0" smtClean="0"/>
+              <a:t>.</a:t>
+            </a:r>
+          </a:p>
+          <a:p>
+            <a:r>
+              <a:rPr lang="en-US" cap="all" dirty="0"/>
+              <a:t>VIRTUAL DOM</a:t>
+            </a:r>
+          </a:p>
+          <a:p>
+            <a:pPr lvl="1"/>
             <a:r>
               <a:rPr lang="en-US" sz="2000" dirty="0"/>
-              <a:t>="build/react.js"&gt;&lt;/script&gt; </a:t>
-            </a:r>
-            <a:endParaRPr lang="en-US" sz="2000" dirty="0" smtClean="0"/>
-          </a:p>
-          <a:p>
-            <a:pPr marL="0" indent="0">
-              <a:buNone/>
-            </a:pPr>
+              <a:t>React abstracts away the DOM from you, giving a simpler programming model and better </a:t>
+            </a:r>
             <a:r>
               <a:rPr lang="en-US" sz="2000" dirty="0" smtClean="0"/>
-              <a:t>&lt;</a:t>
-            </a:r>
-            <a:r>
-              <a:rPr lang="en-US" sz="2000" dirty="0"/>
-              <a:t>script </a:t>
-            </a:r>
-            <a:r>
-              <a:rPr lang="en-US" sz="2000" dirty="0" err="1"/>
-              <a:t>src</a:t>
-            </a:r>
-            <a:r>
-              <a:rPr lang="en-US" sz="2000" dirty="0"/>
-              <a:t>="build/react-dom.js"&gt;&lt;/script&gt; </a:t>
-            </a:r>
-            <a:endParaRPr lang="en-US" sz="2000" dirty="0" smtClean="0"/>
-          </a:p>
-          <a:p>
-            <a:pPr marL="0" indent="0">
-              <a:buNone/>
-            </a:pPr>
+              <a:t>performance</a:t>
+            </a:r>
+          </a:p>
+          <a:p>
+            <a:r>
+              <a:rPr lang="en-US" cap="all" dirty="0" smtClean="0"/>
+              <a:t>DATA FLOW</a:t>
+            </a:r>
+          </a:p>
+          <a:p>
+            <a:pPr lvl="1"/>
             <a:r>
               <a:rPr lang="en-US" sz="2000" dirty="0" smtClean="0"/>
-              <a:t>&lt;</a:t>
-            </a:r>
-            <a:r>
-              <a:rPr lang="en-US" sz="2000" dirty="0"/>
-              <a:t>script </a:t>
-            </a:r>
-            <a:r>
-              <a:rPr lang="en-US" sz="2000" dirty="0" err="1"/>
-              <a:t>src</a:t>
-            </a:r>
-            <a:r>
-              <a:rPr lang="en-US" sz="2000" dirty="0"/>
-              <a:t>="https://cdnjs.cloudflare.com/ajax/libs/babel-core/5.8.23/browser.min.js"&gt;&lt;/script</a:t>
-            </a:r>
-            <a:r>
-              <a:rPr lang="en-US" sz="2000" dirty="0" smtClean="0"/>
-              <a:t>&gt;</a:t>
-            </a:r>
-            <a:endParaRPr lang="en-US" dirty="0"/>
-          </a:p>
-          <a:p>
-            <a:pPr marL="0" indent="0">
-              <a:buNone/>
-            </a:pPr>
-            <a:r>
-              <a:rPr lang="en-US" dirty="0" smtClean="0"/>
-              <a:t>		</a:t>
-            </a:r>
-          </a:p>
-          <a:p>
-            <a:pPr marL="0" indent="0">
-              <a:buNone/>
-            </a:pPr>
-            <a:r>
-              <a:rPr lang="en-US" dirty="0" smtClean="0"/>
-              <a:t>OR</a:t>
-            </a:r>
-          </a:p>
-          <a:p>
-            <a:pPr marL="0" indent="0">
-              <a:buNone/>
-            </a:pPr>
-            <a:endParaRPr lang="en-US" dirty="0"/>
-          </a:p>
-          <a:p>
-            <a:pPr marL="0" indent="0">
-              <a:buNone/>
-            </a:pPr>
-            <a:r>
-              <a:rPr lang="en-US" sz="2000" dirty="0" err="1" smtClean="0"/>
-              <a:t>npm</a:t>
-            </a:r>
-            <a:r>
-              <a:rPr lang="en-US" sz="2000" dirty="0" smtClean="0"/>
-              <a:t> </a:t>
-            </a:r>
-            <a:r>
-              <a:rPr lang="en-US" sz="2000" dirty="0"/>
-              <a:t>install --save react react-</a:t>
-            </a:r>
-            <a:r>
-              <a:rPr lang="en-US" sz="2000" dirty="0" err="1"/>
-              <a:t>dom</a:t>
-            </a:r>
-            <a:r>
-              <a:rPr lang="en-US" sz="2000" dirty="0"/>
-              <a:t> </a:t>
-            </a:r>
-            <a:r>
-              <a:rPr lang="en-US" sz="2000" dirty="0" err="1"/>
-              <a:t>babelify</a:t>
-            </a:r>
-            <a:r>
-              <a:rPr lang="en-US" sz="2000" dirty="0"/>
-              <a:t> </a:t>
-            </a:r>
-            <a:r>
-              <a:rPr lang="en-US" sz="2000" dirty="0" smtClean="0"/>
-              <a:t>babel-preset-react</a:t>
-            </a:r>
-          </a:p>
-          <a:p>
-            <a:pPr marL="0" indent="0">
-              <a:buNone/>
-            </a:pPr>
-            <a:r>
-              <a:rPr lang="en-US" sz="2000" dirty="0" smtClean="0"/>
-              <a:t>//Then use with require.js</a:t>
+              <a:t>React implements one-way reactive data flow which reduces boilerplate and is easier to reason about than traditional data binding.</a:t>
             </a:r>
             <a:endParaRPr lang="en-US" sz="2000" dirty="0"/>
-          </a:p>
-          <a:p>
-            <a:pPr marL="0" indent="0">
-              <a:buNone/>
-            </a:pPr>
-            <a:r>
-              <a:rPr lang="en-US" sz="2000" dirty="0" err="1"/>
-              <a:t>var</a:t>
-            </a:r>
-            <a:r>
-              <a:rPr lang="en-US" sz="2000" dirty="0"/>
-              <a:t> React = require('react'); </a:t>
-            </a:r>
-            <a:endParaRPr lang="en-US" sz="2000" dirty="0" smtClean="0"/>
-          </a:p>
-          <a:p>
-            <a:pPr marL="0" indent="0">
-              <a:buNone/>
-            </a:pPr>
-            <a:r>
-              <a:rPr lang="en-US" sz="2000" dirty="0" err="1" smtClean="0"/>
-              <a:t>var</a:t>
-            </a:r>
-            <a:r>
-              <a:rPr lang="en-US" sz="2000" dirty="0" smtClean="0"/>
-              <a:t> </a:t>
-            </a:r>
-            <a:r>
-              <a:rPr lang="en-US" sz="2000" dirty="0" err="1"/>
-              <a:t>ReactDOM</a:t>
-            </a:r>
-            <a:r>
-              <a:rPr lang="en-US" sz="2000" dirty="0"/>
-              <a:t> = require('react-</a:t>
-            </a:r>
-            <a:r>
-              <a:rPr lang="en-US" sz="2000" dirty="0" err="1"/>
-              <a:t>dom</a:t>
-            </a:r>
-            <a:r>
-              <a:rPr lang="en-US" sz="2000" dirty="0"/>
-              <a:t>');</a:t>
-            </a:r>
-            <a:endParaRPr lang="en-US" sz="2000" dirty="0" smtClean="0"/>
-          </a:p>
-          <a:p>
-            <a:pPr marL="0" indent="0">
-              <a:buNone/>
-            </a:pPr>
-            <a:endParaRPr lang="en-US" dirty="0"/>
           </a:p>
         </p:txBody>
       </p:sp>
     </p:spTree>
     <p:extLst>
       <p:ext uri="{BB962C8B-B14F-4D97-AF65-F5344CB8AC3E}">
-        <p14:creationId xmlns:p14="http://schemas.microsoft.com/office/powerpoint/2010/main" val="2870838800"/>
+        <p14:creationId xmlns:p14="http://schemas.microsoft.com/office/powerpoint/2010/main" val="245537142"/>
       </p:ext>
     </p:extLst>
   </p:cSld>
@@ -5977,11 +5859,7 @@
           <a:p>
             <a:r>
               <a:rPr lang="en-US" dirty="0" smtClean="0"/>
-              <a:t>The </a:t>
-            </a:r>
-            <a:r>
-              <a:rPr lang="en-US" dirty="0" smtClean="0"/>
-              <a:t>JSX syntax</a:t>
+              <a:t>React Installation</a:t>
             </a:r>
             <a:endParaRPr lang="en-US" dirty="0"/>
           </a:p>
@@ -6002,93 +5880,190 @@
           <a:bodyPr/>
           <a:lstStyle/>
           <a:p>
-            <a:r>
-              <a:rPr lang="en-US" dirty="0" smtClean="0"/>
-              <a:t>React provides us a more convenient way to write Html markup in </a:t>
-            </a:r>
-            <a:r>
-              <a:rPr lang="en-US" dirty="0" err="1" smtClean="0"/>
-              <a:t>javascript</a:t>
-            </a:r>
-            <a:r>
-              <a:rPr lang="en-US" dirty="0" smtClean="0"/>
-              <a:t> code. We call it the </a:t>
-            </a:r>
-            <a:r>
-              <a:rPr lang="en-US" dirty="0" err="1" smtClean="0"/>
-              <a:t>XMLish</a:t>
-            </a:r>
-            <a:r>
-              <a:rPr lang="en-US" dirty="0" smtClean="0"/>
-              <a:t> syntax and can refer the files as .</a:t>
-            </a:r>
-            <a:r>
-              <a:rPr lang="en-US" dirty="0" err="1" smtClean="0"/>
-              <a:t>jsx</a:t>
-            </a:r>
-            <a:r>
-              <a:rPr lang="en-US" dirty="0" smtClean="0"/>
-              <a:t> extension</a:t>
-            </a:r>
-          </a:p>
-          <a:p>
-            <a:pPr marL="0" indent="0">
-              <a:buNone/>
-            </a:pPr>
-            <a:endParaRPr lang="en-US" dirty="0" smtClean="0"/>
-          </a:p>
-          <a:p>
-            <a:pPr marL="0" indent="0">
-              <a:buNone/>
-            </a:pPr>
-            <a:r>
-              <a:rPr lang="en-US" dirty="0" smtClean="0"/>
-              <a:t>function() {</a:t>
-            </a:r>
-          </a:p>
-          <a:p>
-            <a:pPr marL="0" indent="0">
-              <a:buNone/>
-            </a:pPr>
-            <a:r>
-              <a:rPr lang="en-US" dirty="0" smtClean="0"/>
-              <a:t>    return (</a:t>
-            </a:r>
-          </a:p>
-          <a:p>
-            <a:pPr marL="0" indent="0">
-              <a:buNone/>
-            </a:pPr>
-            <a:r>
-              <a:rPr lang="en-US" dirty="0" smtClean="0"/>
-              <a:t>      &lt;div&gt;Put markup inside the &lt;span&gt;</a:t>
-            </a:r>
-            <a:r>
-              <a:rPr lang="en-US" dirty="0" err="1" smtClean="0"/>
-              <a:t>Javascript</a:t>
-            </a:r>
-            <a:r>
-              <a:rPr lang="en-US" dirty="0" smtClean="0"/>
-              <a:t>&lt;/span&gt;&lt;/div&gt;</a:t>
-            </a:r>
-          </a:p>
-          <a:p>
-            <a:pPr marL="0" indent="0">
-              <a:buNone/>
-            </a:pPr>
-            <a:r>
-              <a:rPr lang="en-US" dirty="0" smtClean="0"/>
-              <a:t>    );</a:t>
-            </a:r>
-          </a:p>
-          <a:p>
-            <a:pPr marL="0" indent="0">
-              <a:buNone/>
-            </a:pPr>
-            <a:r>
-              <a:rPr lang="en-US" dirty="0" smtClean="0"/>
-              <a:t>  }</a:t>
-            </a:r>
+            <a:pPr marL="0" indent="0">
+              <a:buNone/>
+            </a:pPr>
+            <a:r>
+              <a:rPr lang="en-US" sz="2000" dirty="0"/>
+              <a:t>&lt;script </a:t>
+            </a:r>
+            <a:r>
+              <a:rPr lang="en-US" sz="2000" dirty="0" err="1"/>
+              <a:t>src</a:t>
+            </a:r>
+            <a:r>
+              <a:rPr lang="en-US" sz="2000" dirty="0"/>
+              <a:t>="build/react.js"&gt;&lt;/script&gt; </a:t>
+            </a:r>
+            <a:endParaRPr lang="en-US" sz="2000" dirty="0" smtClean="0"/>
+          </a:p>
+          <a:p>
+            <a:pPr marL="0" indent="0">
+              <a:buNone/>
+            </a:pPr>
+            <a:r>
+              <a:rPr lang="en-US" sz="2000" dirty="0" smtClean="0"/>
+              <a:t>&lt;</a:t>
+            </a:r>
+            <a:r>
+              <a:rPr lang="en-US" sz="2000" dirty="0"/>
+              <a:t>script </a:t>
+            </a:r>
+            <a:r>
+              <a:rPr lang="en-US" sz="2000" dirty="0" err="1"/>
+              <a:t>src</a:t>
+            </a:r>
+            <a:r>
+              <a:rPr lang="en-US" sz="2000" dirty="0"/>
+              <a:t>="build/react-dom.js"&gt;&lt;/script&gt; </a:t>
+            </a:r>
+            <a:endParaRPr lang="en-US" sz="2000" dirty="0" smtClean="0"/>
+          </a:p>
+          <a:p>
+            <a:pPr marL="0" indent="0">
+              <a:buNone/>
+            </a:pPr>
+            <a:r>
+              <a:rPr lang="en-US" sz="2000" dirty="0" smtClean="0"/>
+              <a:t>&lt;</a:t>
+            </a:r>
+            <a:r>
+              <a:rPr lang="en-US" sz="2000" dirty="0"/>
+              <a:t>script </a:t>
+            </a:r>
+            <a:r>
+              <a:rPr lang="en-US" sz="2000" dirty="0" err="1"/>
+              <a:t>src</a:t>
+            </a:r>
+            <a:r>
+              <a:rPr lang="en-US" sz="2000" dirty="0"/>
+              <a:t>="https://cdnjs.cloudflare.com/ajax/libs/babel-core/5.8.23/browser.min.js"&gt;&lt;/script</a:t>
+            </a:r>
+            <a:r>
+              <a:rPr lang="en-US" sz="2000" dirty="0" smtClean="0"/>
+              <a:t>&gt;</a:t>
+            </a:r>
+            <a:endParaRPr lang="en-US" dirty="0"/>
+          </a:p>
+          <a:p>
+            <a:pPr marL="0" indent="0">
+              <a:buNone/>
+            </a:pPr>
+            <a:r>
+              <a:rPr lang="en-US" dirty="0" smtClean="0"/>
+              <a:t>		</a:t>
+            </a:r>
+          </a:p>
+          <a:p>
+            <a:pPr marL="0" indent="0">
+              <a:buNone/>
+            </a:pPr>
+            <a:r>
+              <a:rPr lang="en-US" dirty="0" smtClean="0"/>
+              <a:t>OR</a:t>
+            </a:r>
+          </a:p>
+          <a:p>
+            <a:pPr marL="0" indent="0">
+              <a:buNone/>
+            </a:pPr>
+            <a:endParaRPr lang="en-US" dirty="0"/>
+          </a:p>
+          <a:p>
+            <a:pPr marL="0" indent="0">
+              <a:buNone/>
+            </a:pPr>
+            <a:r>
+              <a:rPr lang="en-US" sz="2000" dirty="0" err="1" smtClean="0"/>
+              <a:t>npm</a:t>
+            </a:r>
+            <a:r>
+              <a:rPr lang="en-US" sz="2000" dirty="0" smtClean="0"/>
+              <a:t> </a:t>
+            </a:r>
+            <a:r>
+              <a:rPr lang="en-US" sz="2000" dirty="0"/>
+              <a:t>install --save react react-</a:t>
+            </a:r>
+            <a:r>
+              <a:rPr lang="en-US" sz="2000" dirty="0" err="1"/>
+              <a:t>dom</a:t>
+            </a:r>
+            <a:r>
+              <a:rPr lang="en-US" sz="2000" dirty="0"/>
+              <a:t> </a:t>
+            </a:r>
+            <a:r>
+              <a:rPr lang="en-US" sz="2000" dirty="0" err="1"/>
+              <a:t>babelify</a:t>
+            </a:r>
+            <a:r>
+              <a:rPr lang="en-US" sz="2000" dirty="0"/>
+              <a:t> </a:t>
+            </a:r>
+            <a:r>
+              <a:rPr lang="en-US" sz="2000" dirty="0" smtClean="0"/>
+              <a:t>babel-preset-react</a:t>
+            </a:r>
+          </a:p>
+          <a:p>
+            <a:pPr marL="0" indent="0">
+              <a:buNone/>
+            </a:pPr>
+            <a:r>
+              <a:rPr lang="en-US" sz="2000" dirty="0" smtClean="0"/>
+              <a:t>//Then use with require.js</a:t>
+            </a:r>
+            <a:endParaRPr lang="en-US" sz="2000" dirty="0"/>
+          </a:p>
+          <a:p>
+            <a:pPr marL="0" indent="0">
+              <a:buNone/>
+            </a:pPr>
+            <a:r>
+              <a:rPr lang="en-US" sz="2000" dirty="0" err="1"/>
+              <a:t>var</a:t>
+            </a:r>
+            <a:r>
+              <a:rPr lang="en-US" sz="2000" dirty="0"/>
+              <a:t> React = require('react'); </a:t>
+            </a:r>
+            <a:endParaRPr lang="en-US" sz="2000" dirty="0" smtClean="0"/>
+          </a:p>
+          <a:p>
+            <a:pPr marL="0" indent="0">
+              <a:buNone/>
+            </a:pPr>
+            <a:r>
+              <a:rPr lang="en-US" sz="2000" dirty="0" err="1" smtClean="0"/>
+              <a:t>var</a:t>
+            </a:r>
+            <a:r>
+              <a:rPr lang="en-US" sz="2000" dirty="0" smtClean="0"/>
+              <a:t> </a:t>
+            </a:r>
+            <a:r>
+              <a:rPr lang="en-US" sz="2000" dirty="0" err="1"/>
+              <a:t>ReactDOM</a:t>
+            </a:r>
+            <a:r>
+              <a:rPr lang="en-US" sz="2000" dirty="0"/>
+              <a:t> = require('react-</a:t>
+            </a:r>
+            <a:r>
+              <a:rPr lang="en-US" sz="2000" dirty="0" err="1"/>
+              <a:t>dom</a:t>
+            </a:r>
+            <a:r>
+              <a:rPr lang="en-US" sz="2000" dirty="0"/>
+              <a:t>');</a:t>
+            </a:r>
+            <a:endParaRPr lang="en-US" sz="2000" dirty="0" smtClean="0"/>
+          </a:p>
+          <a:p>
+            <a:pPr marL="0" indent="0">
+              <a:buNone/>
+            </a:pPr>
             <a:endParaRPr lang="en-US" dirty="0"/>
           </a:p>
         </p:txBody>
@@ -6096,7 +6071,7 @@
     </p:spTree>
     <p:extLst>
       <p:ext uri="{BB962C8B-B14F-4D97-AF65-F5344CB8AC3E}">
-        <p14:creationId xmlns:p14="http://schemas.microsoft.com/office/powerpoint/2010/main" val="2389650339"/>
+        <p14:creationId xmlns:p14="http://schemas.microsoft.com/office/powerpoint/2010/main" val="2870838800"/>
       </p:ext>
     </p:extLst>
   </p:cSld>
@@ -6147,7 +6122,7 @@
           <a:p>
             <a:r>
               <a:rPr lang="en-US" dirty="0" smtClean="0"/>
-              <a:t>Hello World</a:t>
+              <a:t>The JSX syntax</a:t>
             </a:r>
             <a:endParaRPr lang="en-US" dirty="0"/>
           </a:p>
@@ -6168,50 +6143,83 @@
           <a:bodyPr/>
           <a:lstStyle/>
           <a:p>
-            <a:pPr marL="0" indent="0">
-              <a:buNone/>
-            </a:pPr>
+            <a:r>
+              <a:rPr lang="en-US" dirty="0" smtClean="0"/>
+              <a:t>React provides us a more convenient way to write Html markup in </a:t>
+            </a:r>
             <a:r>
               <a:rPr lang="en-US" dirty="0" err="1" smtClean="0"/>
-              <a:t>var</a:t>
-            </a:r>
-            <a:r>
-              <a:rPr lang="en-US" dirty="0" smtClean="0"/>
-              <a:t> </a:t>
+              <a:t>javascript</a:t>
+            </a:r>
+            <a:r>
+              <a:rPr lang="en-US" dirty="0" smtClean="0"/>
+              <a:t> code. We call it the </a:t>
             </a:r>
             <a:r>
               <a:rPr lang="en-US" dirty="0" err="1" smtClean="0"/>
-              <a:t>HelloMessage</a:t>
-            </a:r>
-            <a:r>
-              <a:rPr lang="en-US" dirty="0" smtClean="0"/>
-              <a:t> = </a:t>
+              <a:t>XMLish</a:t>
+            </a:r>
+            <a:r>
+              <a:rPr lang="en-US" dirty="0" smtClean="0"/>
+              <a:t> syntax and can refer the files as .</a:t>
             </a:r>
             <a:r>
               <a:rPr lang="en-US" dirty="0" err="1" smtClean="0"/>
-              <a:t>React.createClass</a:t>
-            </a:r>
-            <a:r>
-              <a:rPr lang="en-US" dirty="0" smtClean="0"/>
-              <a:t>({</a:t>
-            </a:r>
-          </a:p>
-          <a:p>
-            <a:pPr marL="0" indent="0">
-              <a:buNone/>
-            </a:pPr>
-            <a:r>
-              <a:rPr lang="en-US" dirty="0" smtClean="0"/>
-              <a:t>  render: function() {</a:t>
-            </a:r>
-          </a:p>
-          <a:p>
-            <a:pPr marL="0" indent="0">
-              <a:buNone/>
-            </a:pPr>
-            <a:r>
-              <a:rPr lang="en-US" dirty="0" smtClean="0"/>
-              <a:t>    return &lt;div&gt;Hello {this.props.name}&lt;/div&gt;;</a:t>
+              <a:t>jsx</a:t>
+            </a:r>
+            <a:r>
+              <a:rPr lang="en-US" dirty="0" smtClean="0"/>
+              <a:t> extension</a:t>
+            </a:r>
+          </a:p>
+          <a:p>
+            <a:pPr marL="0" indent="0">
+              <a:buNone/>
+            </a:pPr>
+            <a:endParaRPr lang="en-US" dirty="0" smtClean="0"/>
+          </a:p>
+          <a:p>
+            <a:pPr marL="0" indent="0">
+              <a:buNone/>
+            </a:pPr>
+            <a:r>
+              <a:rPr lang="en-US" dirty="0" smtClean="0"/>
+              <a:t>function() {</a:t>
+            </a:r>
+          </a:p>
+          <a:p>
+            <a:pPr marL="0" indent="0">
+              <a:buNone/>
+            </a:pPr>
+            <a:r>
+              <a:rPr lang="en-US" dirty="0" smtClean="0"/>
+              <a:t>    return (</a:t>
+            </a:r>
+          </a:p>
+          <a:p>
+            <a:pPr marL="0" indent="0">
+              <a:buNone/>
+            </a:pPr>
+            <a:r>
+              <a:rPr lang="en-US" dirty="0" smtClean="0"/>
+              <a:t>      &lt;div&gt;Put markup inside the &lt;span&gt;</a:t>
+            </a:r>
+            <a:r>
+              <a:rPr lang="en-US" dirty="0" err="1" smtClean="0"/>
+              <a:t>Javascript</a:t>
+            </a:r>
+            <a:r>
+              <a:rPr lang="en-US" dirty="0" smtClean="0"/>
+              <a:t>&lt;/span&gt;&lt;/div&gt;</a:t>
+            </a:r>
+          </a:p>
+          <a:p>
+            <a:pPr marL="0" indent="0">
+              <a:buNone/>
+            </a:pPr>
+            <a:r>
+              <a:rPr lang="en-US" dirty="0" smtClean="0"/>
+              <a:t>    );</a:t>
             </a:r>
           </a:p>
           <a:p>
@@ -6221,79 +6229,6 @@
             <a:r>
               <a:rPr lang="en-US" dirty="0" smtClean="0"/>
               <a:t>  }</a:t>
-            </a:r>
-          </a:p>
-          <a:p>
-            <a:pPr marL="0" indent="0">
-              <a:buNone/>
-            </a:pPr>
-            <a:r>
-              <a:rPr lang="en-US" dirty="0" smtClean="0"/>
-              <a:t>});</a:t>
-            </a:r>
-          </a:p>
-          <a:p>
-            <a:pPr marL="0" indent="0">
-              <a:buNone/>
-            </a:pPr>
-            <a:endParaRPr lang="en-US" dirty="0" smtClean="0"/>
-          </a:p>
-          <a:p>
-            <a:pPr marL="0" indent="0">
-              <a:buNone/>
-            </a:pPr>
-            <a:r>
-              <a:rPr lang="en-US" dirty="0" err="1" smtClean="0"/>
-              <a:t>mountNode</a:t>
-            </a:r>
-            <a:r>
-              <a:rPr lang="en-US" dirty="0" smtClean="0"/>
-              <a:t> = </a:t>
-            </a:r>
-            <a:r>
-              <a:rPr lang="en-US" dirty="0" err="1" smtClean="0"/>
-              <a:t>document.getElementById</a:t>
-            </a:r>
-            <a:r>
-              <a:rPr lang="en-US" dirty="0" smtClean="0"/>
-              <a:t>(‘</a:t>
-            </a:r>
-            <a:r>
-              <a:rPr lang="en-US" dirty="0" err="1" smtClean="0"/>
-              <a:t>mainDiv</a:t>
-            </a:r>
-            <a:r>
-              <a:rPr lang="en-US" dirty="0" smtClean="0"/>
-              <a:t>’);</a:t>
-            </a:r>
-          </a:p>
-          <a:p>
-            <a:pPr marL="0" indent="0">
-              <a:buNone/>
-            </a:pPr>
-            <a:r>
-              <a:rPr lang="en-US" dirty="0" err="1" smtClean="0"/>
-              <a:t>ReactDOM.render</a:t>
-            </a:r>
-            <a:r>
-              <a:rPr lang="en-US" dirty="0" smtClean="0"/>
-              <a:t>(&lt;</a:t>
-            </a:r>
-            <a:r>
-              <a:rPr lang="en-US" dirty="0" err="1" smtClean="0"/>
-              <a:t>HelloMessage</a:t>
-            </a:r>
-            <a:r>
-              <a:rPr lang="en-US" dirty="0" smtClean="0"/>
-              <a:t> name="John" /&gt;, </a:t>
-            </a:r>
-            <a:r>
-              <a:rPr lang="en-US" dirty="0" err="1" smtClean="0"/>
-              <a:t>mountNode</a:t>
-            </a:r>
-            <a:r>
-              <a:rPr lang="en-US" dirty="0" smtClean="0"/>
-              <a:t>);</a:t>
             </a:r>
             <a:endParaRPr lang="en-US" dirty="0"/>
           </a:p>
@@ -6302,7 +6237,7 @@
     </p:spTree>
     <p:extLst>
       <p:ext uri="{BB962C8B-B14F-4D97-AF65-F5344CB8AC3E}">
-        <p14:creationId xmlns:p14="http://schemas.microsoft.com/office/powerpoint/2010/main" val="847371371"/>
+        <p14:creationId xmlns:p14="http://schemas.microsoft.com/office/powerpoint/2010/main" val="2389650339"/>
       </p:ext>
     </p:extLst>
   </p:cSld>
@@ -6353,7 +6288,7 @@
           <a:p>
             <a:r>
               <a:rPr lang="en-US" dirty="0" smtClean="0"/>
-              <a:t>React Component</a:t>
+              <a:t>Hello World</a:t>
             </a:r>
             <a:endParaRPr lang="en-US" dirty="0"/>
           </a:p>
@@ -6374,25 +6309,141 @@
           <a:bodyPr/>
           <a:lstStyle/>
           <a:p>
-            <a:r>
-              <a:rPr lang="en-US" dirty="0" smtClean="0"/>
-              <a:t>In React we refer </a:t>
-            </a:r>
-            <a:r>
-              <a:rPr lang="en-US" dirty="0" smtClean="0"/>
-              <a:t>all </a:t>
-            </a:r>
-            <a:r>
-              <a:rPr lang="en-US" dirty="0" smtClean="0"/>
-              <a:t>the piece of code as component. </a:t>
-            </a:r>
+            <a:pPr marL="0" indent="0">
+              <a:buNone/>
+            </a:pPr>
+            <a:r>
+              <a:rPr lang="en-US" dirty="0" err="1" smtClean="0"/>
+              <a:t>var</a:t>
+            </a:r>
+            <a:r>
+              <a:rPr lang="en-US" dirty="0" smtClean="0"/>
+              <a:t> </a:t>
+            </a:r>
+            <a:r>
+              <a:rPr lang="en-US" dirty="0" err="1" smtClean="0"/>
+              <a:t>HelloMessage</a:t>
+            </a:r>
+            <a:r>
+              <a:rPr lang="en-US" dirty="0" smtClean="0"/>
+              <a:t> = </a:t>
+            </a:r>
+            <a:r>
+              <a:rPr lang="en-US" dirty="0" err="1" smtClean="0"/>
+              <a:t>React.createClass</a:t>
+            </a:r>
+            <a:r>
+              <a:rPr lang="en-US" dirty="0" smtClean="0"/>
+              <a:t>({</a:t>
+            </a:r>
+          </a:p>
+          <a:p>
+            <a:pPr marL="0" indent="0">
+              <a:buNone/>
+            </a:pPr>
+            <a:r>
+              <a:rPr lang="en-US" dirty="0" smtClean="0"/>
+              <a:t>  render: function() {</a:t>
+            </a:r>
+          </a:p>
+          <a:p>
+            <a:pPr marL="0" indent="0">
+              <a:buNone/>
+            </a:pPr>
+            <a:r>
+              <a:rPr lang="en-US" dirty="0" smtClean="0"/>
+              <a:t>    return &lt;div&gt;Hello {this.props.name}&lt;/div&gt;;</a:t>
+            </a:r>
+          </a:p>
+          <a:p>
+            <a:pPr marL="0" indent="0">
+              <a:buNone/>
+            </a:pPr>
+            <a:r>
+              <a:rPr lang="en-US" dirty="0" smtClean="0"/>
+              <a:t>  }</a:t>
+            </a:r>
+          </a:p>
+          <a:p>
+            <a:pPr marL="0" indent="0">
+              <a:buNone/>
+            </a:pPr>
+            <a:r>
+              <a:rPr lang="en-US" dirty="0" smtClean="0"/>
+              <a:t>});</a:t>
+            </a:r>
+          </a:p>
+          <a:p>
+            <a:pPr marL="0" indent="0">
+              <a:buNone/>
+            </a:pPr>
+            <a:endParaRPr lang="en-US" dirty="0" smtClean="0"/>
+          </a:p>
+          <a:p>
+            <a:pPr marL="0" indent="0">
+              <a:buNone/>
+            </a:pPr>
+            <a:r>
+              <a:rPr lang="en-US" dirty="0" err="1" smtClean="0"/>
+              <a:t>mountNode</a:t>
+            </a:r>
+            <a:r>
+              <a:rPr lang="en-US" dirty="0" smtClean="0"/>
+              <a:t> = </a:t>
+            </a:r>
+            <a:r>
+              <a:rPr lang="en-US" dirty="0" err="1" smtClean="0"/>
+              <a:t>document.getElementById</a:t>
+            </a:r>
+            <a:r>
+              <a:rPr lang="en-US" dirty="0" smtClean="0"/>
+              <a:t>(‘</a:t>
+            </a:r>
+            <a:r>
+              <a:rPr lang="en-US" dirty="0" err="1" smtClean="0"/>
+              <a:t>mainDiv</a:t>
+            </a:r>
+            <a:r>
+              <a:rPr lang="en-US" dirty="0" smtClean="0"/>
+              <a:t>’);</a:t>
+            </a:r>
+          </a:p>
+          <a:p>
+            <a:pPr marL="0" indent="0">
+              <a:buNone/>
+            </a:pPr>
+            <a:r>
+              <a:rPr lang="en-US" dirty="0" err="1" smtClean="0"/>
+              <a:t>ReactDOM.render</a:t>
+            </a:r>
+            <a:r>
+              <a:rPr lang="en-US" dirty="0" smtClean="0"/>
+              <a:t>(&lt;</a:t>
+            </a:r>
+            <a:r>
+              <a:rPr lang="en-US" dirty="0" err="1" smtClean="0"/>
+              <a:t>HelloMessage</a:t>
+            </a:r>
+            <a:r>
+              <a:rPr lang="en-US" dirty="0" smtClean="0"/>
+              <a:t> name="John" /&gt;, </a:t>
+            </a:r>
+            <a:r>
+              <a:rPr lang="en-US" dirty="0" err="1" smtClean="0"/>
+              <a:t>mountNode</a:t>
+            </a:r>
+            <a:r>
+              <a:rPr lang="en-US" dirty="0" smtClean="0"/>
+              <a:t>);</a:t>
+            </a:r>
+            <a:endParaRPr lang="en-US" dirty="0"/>
           </a:p>
         </p:txBody>
       </p:sp>
     </p:spTree>
     <p:extLst>
       <p:ext uri="{BB962C8B-B14F-4D97-AF65-F5344CB8AC3E}">
-        <p14:creationId xmlns:p14="http://schemas.microsoft.com/office/powerpoint/2010/main" val="1758047748"/>
+        <p14:creationId xmlns:p14="http://schemas.microsoft.com/office/powerpoint/2010/main" val="847371371"/>
       </p:ext>
     </p:extLst>
   </p:cSld>
@@ -6466,82 +6517,15 @@
           <a:p>
             <a:r>
               <a:rPr lang="en-US" dirty="0" smtClean="0"/>
-              <a:t>In React we refer </a:t>
-            </a:r>
-            <a:r>
-              <a:rPr lang="en-US" dirty="0" smtClean="0"/>
-              <a:t>all </a:t>
-            </a:r>
-            <a:r>
-              <a:rPr lang="en-US" dirty="0" smtClean="0"/>
-              <a:t>the piece of code as component. </a:t>
-            </a:r>
-          </a:p>
-          <a:p>
-            <a:r>
-              <a:rPr lang="en-US" dirty="0" smtClean="0"/>
-              <a:t>A </a:t>
-            </a:r>
-            <a:r>
-              <a:rPr lang="en-US" dirty="0"/>
-              <a:t>component can maintain internal state data (accessed </a:t>
-            </a:r>
-            <a:r>
-              <a:rPr lang="en-US" dirty="0" smtClean="0"/>
-              <a:t>via </a:t>
-            </a:r>
-            <a:r>
-              <a:rPr lang="en-US" dirty="0" err="1" smtClean="0"/>
-              <a:t>this.props</a:t>
-            </a:r>
-            <a:r>
-              <a:rPr lang="en-US" dirty="0" smtClean="0"/>
-              <a:t> or </a:t>
-            </a:r>
-            <a:r>
-              <a:rPr lang="en-US" dirty="0" err="1" smtClean="0"/>
-              <a:t>this.state</a:t>
-            </a:r>
-            <a:r>
-              <a:rPr lang="en-US" dirty="0" smtClean="0"/>
-              <a:t>) </a:t>
-            </a:r>
-            <a:r>
-              <a:rPr lang="en-US" dirty="0"/>
-              <a:t>When a component's state data changes, the rendered markup will be updated by </a:t>
-            </a:r>
-            <a:r>
-              <a:rPr lang="en-US" dirty="0" smtClean="0"/>
-              <a:t>re-invoking render</a:t>
-            </a:r>
-            <a:r>
-              <a:rPr lang="en-US" dirty="0" smtClean="0"/>
-              <a:t>() method </a:t>
-            </a:r>
-            <a:r>
-              <a:rPr lang="en-US" dirty="0" smtClean="0"/>
-              <a:t>this is known as </a:t>
-            </a:r>
-            <a:r>
-              <a:rPr lang="en-US" dirty="0" err="1" smtClean="0"/>
-              <a:t>stateful</a:t>
-            </a:r>
-            <a:r>
-              <a:rPr lang="en-US" dirty="0" smtClean="0"/>
-              <a:t> component</a:t>
-            </a:r>
-            <a:r>
-              <a:rPr lang="en-US" dirty="0" smtClean="0"/>
-              <a:t>.</a:t>
-            </a:r>
-            <a:endParaRPr lang="en-US" dirty="0" smtClean="0"/>
+              <a:t>In React we refer all the piece of code as component. </a:t>
+            </a:r>
           </a:p>
         </p:txBody>
       </p:sp>
     </p:spTree>
     <p:extLst>
       <p:ext uri="{BB962C8B-B14F-4D97-AF65-F5344CB8AC3E}">
-        <p14:creationId xmlns:p14="http://schemas.microsoft.com/office/powerpoint/2010/main" val="1267586818"/>
+        <p14:creationId xmlns:p14="http://schemas.microsoft.com/office/powerpoint/2010/main" val="1758047748"/>
       </p:ext>
     </p:extLst>
   </p:cSld>
@@ -6615,15 +6599,7 @@
           <a:p>
             <a:r>
               <a:rPr lang="en-US" dirty="0" smtClean="0"/>
-              <a:t>In React we </a:t>
-            </a:r>
-            <a:r>
-              <a:rPr lang="en-US" dirty="0" smtClean="0"/>
-              <a:t>refer </a:t>
-            </a:r>
-            <a:r>
-              <a:rPr lang="en-US" dirty="0" smtClean="0"/>
-              <a:t>all the piece of code as component. </a:t>
+              <a:t>In React we refer all the piece of code as component. </a:t>
             </a:r>
           </a:p>
           <a:p>
@@ -6661,15 +6637,7 @@
             </a:r>
             <a:r>
               <a:rPr lang="en-US" dirty="0" smtClean="0"/>
-              <a:t>re-invoking render</a:t>
-            </a:r>
-            <a:r>
-              <a:rPr lang="en-US" dirty="0" smtClean="0"/>
-              <a:t>() method </a:t>
-            </a:r>
-            <a:r>
-              <a:rPr lang="en-US" dirty="0" smtClean="0"/>
-              <a:t>this is known as </a:t>
+              <a:t>re-invoking render() method this is known as </a:t>
             </a:r>
             <a:r>
               <a:rPr lang="en-US" dirty="0" err="1" smtClean="0"/>
@@ -6679,20 +6647,13 @@
               <a:rPr lang="en-US" dirty="0" smtClean="0"/>
               <a:t> component.</a:t>
             </a:r>
-          </a:p>
-          <a:p>
-            <a:r>
-              <a:rPr lang="en-US" dirty="0" smtClean="0"/>
-              <a:t>Components can be nested i.e. One component can use the other component inside its render method()</a:t>
-            </a:r>
-            <a:endParaRPr lang="en-US" dirty="0"/>
           </a:p>
         </p:txBody>
       </p:sp>
     </p:spTree>
     <p:extLst>
       <p:ext uri="{BB962C8B-B14F-4D97-AF65-F5344CB8AC3E}">
-        <p14:creationId xmlns:p14="http://schemas.microsoft.com/office/powerpoint/2010/main" val="244897001"/>
+        <p14:creationId xmlns:p14="http://schemas.microsoft.com/office/powerpoint/2010/main" val="1267586818"/>
       </p:ext>
     </p:extLst>
   </p:cSld>
@@ -6742,275 +6703,92 @@
           <a:lstStyle/>
           <a:p>
             <a:r>
+              <a:rPr lang="en-US" dirty="0" smtClean="0"/>
+              <a:t>React Component</a:t>
+            </a:r>
+            <a:endParaRPr lang="en-US" dirty="0"/>
+          </a:p>
+        </p:txBody>
+      </p:sp>
+      <p:sp>
+        <p:nvSpPr>
+          <p:cNvPr id="3" name="Content Placeholder 2"/>
+          <p:cNvSpPr>
+            <a:spLocks noGrp="1"/>
+          </p:cNvSpPr>
+          <p:nvPr>
+            <p:ph idx="1"/>
+          </p:nvPr>
+        </p:nvSpPr>
+        <p:spPr/>
+        <p:txBody>
+          <a:bodyPr/>
+          <a:lstStyle/>
+          <a:p>
+            <a:r>
+              <a:rPr lang="en-US" dirty="0" smtClean="0"/>
+              <a:t>In React we refer all the piece of code as component. </a:t>
+            </a:r>
+          </a:p>
+          <a:p>
+            <a:r>
+              <a:rPr lang="en-US" dirty="0" smtClean="0"/>
+              <a:t>A </a:t>
+            </a:r>
+            <a:r>
+              <a:rPr lang="en-US" dirty="0"/>
+              <a:t>component can maintain internal state data (accessed </a:t>
+            </a:r>
+            <a:r>
+              <a:rPr lang="en-US" dirty="0" smtClean="0"/>
+              <a:t>via </a:t>
+            </a:r>
+            <a:r>
               <a:rPr lang="en-US" dirty="0" err="1" smtClean="0"/>
-              <a:t>Stateful</a:t>
-            </a:r>
-            <a:r>
-              <a:rPr lang="en-US" dirty="0" smtClean="0"/>
-              <a:t> Component</a:t>
+              <a:t>this.props</a:t>
+            </a:r>
+            <a:r>
+              <a:rPr lang="en-US" dirty="0" smtClean="0"/>
+              <a:t> or </a:t>
+            </a:r>
+            <a:r>
+              <a:rPr lang="en-US" dirty="0" err="1" smtClean="0"/>
+              <a:t>this.state</a:t>
+            </a:r>
+            <a:r>
+              <a:rPr lang="en-US" dirty="0" smtClean="0"/>
+              <a:t>) </a:t>
+            </a:r>
+            <a:r>
+              <a:rPr lang="en-US" dirty="0"/>
+              <a:t>When a component's state data changes, the rendered markup will be updated by </a:t>
+            </a:r>
+            <a:r>
+              <a:rPr lang="en-US" dirty="0" smtClean="0"/>
+              <a:t>re-invoking render() method this is known as </a:t>
+            </a:r>
+            <a:r>
+              <a:rPr lang="en-US" dirty="0" err="1" smtClean="0"/>
+              <a:t>stateful</a:t>
+            </a:r>
+            <a:r>
+              <a:rPr lang="en-US" dirty="0" smtClean="0"/>
+              <a:t> component.</a:t>
+            </a:r>
+          </a:p>
+          <a:p>
+            <a:r>
+              <a:rPr lang="en-US" dirty="0" smtClean="0"/>
+              <a:t>Components can be nested i.e. One component can use the other component inside its render method()</a:t>
             </a:r>
             <a:endParaRPr lang="en-US" dirty="0"/>
-          </a:p>
-        </p:txBody>
-      </p:sp>
-      <p:sp>
-        <p:nvSpPr>
-          <p:cNvPr id="3" name="Content Placeholder 2"/>
-          <p:cNvSpPr>
-            <a:spLocks noGrp="1"/>
-          </p:cNvSpPr>
-          <p:nvPr>
-            <p:ph idx="1"/>
-          </p:nvPr>
-        </p:nvSpPr>
-        <p:spPr/>
-        <p:txBody>
-          <a:bodyPr>
-            <a:normAutofit fontScale="92500" lnSpcReduction="10000"/>
-          </a:bodyPr>
-          <a:lstStyle/>
-          <a:p>
-            <a:pPr marL="0" indent="0">
-              <a:buNone/>
-            </a:pPr>
-            <a:r>
-              <a:rPr lang="en-US" sz="1800" dirty="0" err="1" smtClean="0"/>
-              <a:t>var</a:t>
-            </a:r>
-            <a:r>
-              <a:rPr lang="en-US" sz="1800" dirty="0" smtClean="0"/>
-              <a:t> Counter = </a:t>
-            </a:r>
-            <a:r>
-              <a:rPr lang="en-US" sz="1800" dirty="0" err="1" smtClean="0"/>
-              <a:t>React.createClass</a:t>
-            </a:r>
-            <a:r>
-              <a:rPr lang="en-US" sz="1800" dirty="0" smtClean="0"/>
-              <a:t>({</a:t>
-            </a:r>
-          </a:p>
-          <a:p>
-            <a:pPr marL="0" indent="0">
-              <a:buNone/>
-            </a:pPr>
-            <a:r>
-              <a:rPr lang="en-US" sz="1800" dirty="0" smtClean="0"/>
-              <a:t>  </a:t>
-            </a:r>
-            <a:r>
-              <a:rPr lang="en-US" sz="1800" dirty="0" err="1" smtClean="0"/>
-              <a:t>getInitialState</a:t>
-            </a:r>
-            <a:r>
-              <a:rPr lang="en-US" sz="1800" dirty="0" smtClean="0"/>
-              <a:t>: function() {</a:t>
-            </a:r>
-          </a:p>
-          <a:p>
-            <a:pPr marL="0" indent="0">
-              <a:buNone/>
-            </a:pPr>
-            <a:r>
-              <a:rPr lang="en-US" sz="1800" dirty="0" smtClean="0"/>
-              <a:t>    return {counter: 0};</a:t>
-            </a:r>
-          </a:p>
-          <a:p>
-            <a:pPr marL="0" indent="0">
-              <a:buNone/>
-            </a:pPr>
-            <a:r>
-              <a:rPr lang="en-US" sz="1800" dirty="0" smtClean="0"/>
-              <a:t>  },</a:t>
-            </a:r>
-          </a:p>
-          <a:p>
-            <a:pPr marL="0" indent="0">
-              <a:buNone/>
-            </a:pPr>
-            <a:r>
-              <a:rPr lang="en-US" sz="1800" dirty="0" smtClean="0"/>
-              <a:t>  </a:t>
-            </a:r>
-            <a:r>
-              <a:rPr lang="en-US" sz="1800" dirty="0" err="1" smtClean="0"/>
-              <a:t>onClick</a:t>
-            </a:r>
-            <a:r>
-              <a:rPr lang="en-US" sz="1800" dirty="0" smtClean="0"/>
-              <a:t>: function() {</a:t>
-            </a:r>
-          </a:p>
-          <a:p>
-            <a:pPr marL="0" indent="0">
-              <a:buNone/>
-            </a:pPr>
-            <a:r>
-              <a:rPr lang="en-US" sz="1800" dirty="0" smtClean="0"/>
-              <a:t>    </a:t>
-            </a:r>
-            <a:r>
-              <a:rPr lang="en-US" sz="1800" dirty="0" err="1" smtClean="0"/>
-              <a:t>this.setState</a:t>
-            </a:r>
-            <a:r>
-              <a:rPr lang="en-US" sz="1800" dirty="0" smtClean="0"/>
-              <a:t>({counter: </a:t>
-            </a:r>
-            <a:r>
-              <a:rPr lang="en-US" sz="1800" dirty="0" err="1" smtClean="0"/>
-              <a:t>this.state.counter</a:t>
-            </a:r>
-            <a:r>
-              <a:rPr lang="en-US" sz="1800" dirty="0" smtClean="0"/>
-              <a:t> + 1}); </a:t>
-            </a:r>
-            <a:r>
-              <a:rPr lang="en-US" sz="1800" dirty="0" smtClean="0">
-                <a:solidFill>
-                  <a:schemeClr val="accent1">
-                    <a:lumMod val="75000"/>
-                  </a:schemeClr>
-                </a:solidFill>
-              </a:rPr>
-              <a:t>//</a:t>
-            </a:r>
-            <a:r>
-              <a:rPr lang="en-US" sz="1800" dirty="0" smtClean="0">
-                <a:solidFill>
-                  <a:schemeClr val="accent1">
-                    <a:lumMod val="75000"/>
-                  </a:schemeClr>
-                </a:solidFill>
-              </a:rPr>
-              <a:t>this method </a:t>
-            </a:r>
-            <a:r>
-              <a:rPr lang="en-US" sz="1800" dirty="0" smtClean="0">
-                <a:solidFill>
-                  <a:schemeClr val="accent1">
-                    <a:lumMod val="75000"/>
-                  </a:schemeClr>
-                </a:solidFill>
-              </a:rPr>
-              <a:t>will re render the </a:t>
-            </a:r>
-            <a:r>
-              <a:rPr lang="en-US" sz="1800" dirty="0" err="1" smtClean="0">
-                <a:solidFill>
-                  <a:schemeClr val="accent1">
-                    <a:lumMod val="75000"/>
-                  </a:schemeClr>
-                </a:solidFill>
-              </a:rPr>
-              <a:t>the</a:t>
-            </a:r>
-            <a:r>
-              <a:rPr lang="en-US" sz="1800" dirty="0" smtClean="0">
-                <a:solidFill>
-                  <a:schemeClr val="accent1">
-                    <a:lumMod val="75000"/>
-                  </a:schemeClr>
-                </a:solidFill>
-              </a:rPr>
-              <a:t> DOM</a:t>
-            </a:r>
-          </a:p>
-          <a:p>
-            <a:pPr marL="0" indent="0">
-              <a:buNone/>
-            </a:pPr>
-            <a:r>
-              <a:rPr lang="en-US" sz="1800" dirty="0" smtClean="0"/>
-              <a:t>  },</a:t>
-            </a:r>
-          </a:p>
-          <a:p>
-            <a:pPr marL="0" indent="0">
-              <a:buNone/>
-            </a:pPr>
-            <a:r>
-              <a:rPr lang="en-US" sz="1800" dirty="0" smtClean="0"/>
-              <a:t>  render: function() {</a:t>
-            </a:r>
-          </a:p>
-          <a:p>
-            <a:pPr marL="0" indent="0">
-              <a:buNone/>
-            </a:pPr>
-            <a:r>
-              <a:rPr lang="en-US" sz="1800" dirty="0" smtClean="0"/>
-              <a:t>    return (</a:t>
-            </a:r>
-          </a:p>
-          <a:p>
-            <a:pPr marL="0" indent="0">
-              <a:buNone/>
-            </a:pPr>
-            <a:r>
-              <a:rPr lang="en-US" sz="1800" dirty="0" smtClean="0"/>
-              <a:t>      &lt;h3 </a:t>
-            </a:r>
-            <a:r>
-              <a:rPr lang="en-US" sz="1800" dirty="0" err="1" smtClean="0"/>
-              <a:t>onClick</a:t>
-            </a:r>
-            <a:r>
-              <a:rPr lang="en-US" sz="1800" dirty="0" smtClean="0"/>
-              <a:t>={</a:t>
-            </a:r>
-            <a:r>
-              <a:rPr lang="en-US" sz="1800" dirty="0" err="1" smtClean="0"/>
-              <a:t>this.onClick</a:t>
-            </a:r>
-            <a:r>
-              <a:rPr lang="en-US" sz="1800" dirty="0" smtClean="0"/>
-              <a:t>}&gt; Counter using state property: {</a:t>
-            </a:r>
-            <a:r>
-              <a:rPr lang="en-US" sz="1800" dirty="0" err="1" smtClean="0"/>
-              <a:t>this.state.counter</a:t>
-            </a:r>
-            <a:r>
-              <a:rPr lang="en-US" sz="1800" dirty="0" smtClean="0"/>
-              <a:t>}&lt;/h3&gt;</a:t>
-            </a:r>
-          </a:p>
-          <a:p>
-            <a:pPr marL="0" indent="0">
-              <a:buNone/>
-            </a:pPr>
-            <a:r>
-              <a:rPr lang="en-US" sz="1800" dirty="0" smtClean="0"/>
-              <a:t>    );</a:t>
-            </a:r>
-          </a:p>
-          <a:p>
-            <a:pPr marL="0" indent="0">
-              <a:buNone/>
-            </a:pPr>
-            <a:r>
-              <a:rPr lang="en-US" sz="1800" dirty="0" smtClean="0"/>
-              <a:t>  }</a:t>
-            </a:r>
-          </a:p>
-          <a:p>
-            <a:pPr marL="0" indent="0">
-              <a:buNone/>
-            </a:pPr>
-            <a:r>
-              <a:rPr lang="en-US" sz="1800" dirty="0" smtClean="0"/>
-              <a:t>});</a:t>
-            </a:r>
-            <a:endParaRPr lang="en-US" sz="1800" dirty="0"/>
           </a:p>
         </p:txBody>
       </p:sp>
     </p:spTree>
     <p:extLst>
       <p:ext uri="{BB962C8B-B14F-4D97-AF65-F5344CB8AC3E}">
-        <p14:creationId xmlns:p14="http://schemas.microsoft.com/office/powerpoint/2010/main" val="1807522771"/>
+        <p14:creationId xmlns:p14="http://schemas.microsoft.com/office/powerpoint/2010/main" val="244897001"/>
       </p:ext>
     </p:extLst>
   </p:cSld>
@@ -7105,7 +6883,7 @@
         <p:spPr>
           <a:xfrm>
             <a:off x="1828800" y="4168588"/>
-            <a:ext cx="9722277" cy="830997"/>
+            <a:ext cx="7428124" cy="738664"/>
           </a:xfrm>
           <a:prstGeom prst="rect">
             <a:avLst/>
@@ -7123,7 +6901,7 @@
               <a:buChar char="•"/>
             </a:pPr>
             <a:r>
-              <a:rPr lang="en-US" sz="2400" dirty="0" smtClean="0"/>
+              <a:rPr lang="en-US" dirty="0" smtClean="0"/>
               <a:t>Model watches to views and views watches the model. Too many Watches</a:t>
             </a:r>
           </a:p>
@@ -7185,12 +6963,12 @@
           <a:lstStyle/>
           <a:p>
             <a:r>
-              <a:rPr lang="en-US" dirty="0" smtClean="0"/>
-              <a:t>Html </a:t>
-            </a:r>
-            <a:r>
-              <a:rPr lang="en-US" dirty="0" smtClean="0"/>
-              <a:t>Attributes in React</a:t>
+              <a:rPr lang="en-US" dirty="0" err="1" smtClean="0"/>
+              <a:t>Stateful</a:t>
+            </a:r>
+            <a:r>
+              <a:rPr lang="en-US" dirty="0" smtClean="0"/>
+              <a:t> Component</a:t>
             </a:r>
             <a:endParaRPr lang="en-US" dirty="0"/>
           </a:p>
@@ -7208,25 +6986,232 @@
         </p:nvSpPr>
         <p:spPr/>
         <p:txBody>
-          <a:bodyPr/>
-          <a:lstStyle/>
-          <a:p>
-            <a:r>
-              <a:rPr lang="en-US" dirty="0" smtClean="0"/>
-              <a:t>React provides full support to all html attributes to us in its markup as a prop</a:t>
-            </a:r>
-            <a:r>
-              <a:rPr lang="en-US" dirty="0" smtClean="0"/>
-              <a:t>.</a:t>
-            </a:r>
-            <a:endParaRPr lang="en-US" dirty="0" smtClean="0"/>
+          <a:bodyPr>
+            <a:normAutofit fontScale="92500" lnSpcReduction="10000"/>
+          </a:bodyPr>
+          <a:lstStyle/>
+          <a:p>
+            <a:pPr marL="0" indent="0">
+              <a:buNone/>
+            </a:pPr>
+            <a:r>
+              <a:rPr lang="en-US" sz="1800" dirty="0" err="1" smtClean="0"/>
+              <a:t>var</a:t>
+            </a:r>
+            <a:r>
+              <a:rPr lang="en-US" sz="1800" dirty="0" smtClean="0"/>
+              <a:t> Counter = </a:t>
+            </a:r>
+            <a:r>
+              <a:rPr lang="en-US" sz="1800" dirty="0" err="1" smtClean="0"/>
+              <a:t>React.createClass</a:t>
+            </a:r>
+            <a:r>
+              <a:rPr lang="en-US" sz="1800" dirty="0" smtClean="0"/>
+              <a:t>({</a:t>
+            </a:r>
+          </a:p>
+          <a:p>
+            <a:pPr marL="0" indent="0">
+              <a:buNone/>
+            </a:pPr>
+            <a:r>
+              <a:rPr lang="en-US" sz="1800" dirty="0" smtClean="0"/>
+              <a:t>  </a:t>
+            </a:r>
+            <a:r>
+              <a:rPr lang="en-US" sz="1800" dirty="0" err="1" smtClean="0"/>
+              <a:t>getInitialState</a:t>
+            </a:r>
+            <a:r>
+              <a:rPr lang="en-US" sz="1800" dirty="0" smtClean="0"/>
+              <a:t>: function() {</a:t>
+            </a:r>
+          </a:p>
+          <a:p>
+            <a:pPr marL="0" indent="0">
+              <a:buNone/>
+            </a:pPr>
+            <a:r>
+              <a:rPr lang="en-US" sz="1800" dirty="0" smtClean="0"/>
+              <a:t>    return {counter: 0};</a:t>
+            </a:r>
+          </a:p>
+          <a:p>
+            <a:pPr marL="0" indent="0">
+              <a:buNone/>
+            </a:pPr>
+            <a:r>
+              <a:rPr lang="en-US" sz="1800" dirty="0" smtClean="0"/>
+              <a:t>  },</a:t>
+            </a:r>
+          </a:p>
+          <a:p>
+            <a:pPr marL="0" indent="0">
+              <a:buNone/>
+            </a:pPr>
+            <a:r>
+              <a:rPr lang="en-US" sz="1800" dirty="0" smtClean="0"/>
+              <a:t>  </a:t>
+            </a:r>
+            <a:r>
+              <a:rPr lang="en-US" sz="1800" dirty="0" err="1" smtClean="0"/>
+              <a:t>onClick</a:t>
+            </a:r>
+            <a:r>
+              <a:rPr lang="en-US" sz="1800" dirty="0" smtClean="0"/>
+              <a:t>: function() {</a:t>
+            </a:r>
+          </a:p>
+          <a:p>
+            <a:pPr marL="0" indent="0">
+              <a:buNone/>
+            </a:pPr>
+            <a:r>
+              <a:rPr lang="en-US" sz="1800" dirty="0" smtClean="0"/>
+              <a:t>    </a:t>
+            </a:r>
+            <a:r>
+              <a:rPr lang="en-US" sz="1800" dirty="0" err="1" smtClean="0"/>
+              <a:t>this.setState</a:t>
+            </a:r>
+            <a:r>
+              <a:rPr lang="en-US" sz="1800" dirty="0" smtClean="0"/>
+              <a:t>({counter: </a:t>
+            </a:r>
+            <a:r>
+              <a:rPr lang="en-US" sz="1800" dirty="0" err="1" smtClean="0"/>
+              <a:t>this.state.counter</a:t>
+            </a:r>
+            <a:r>
+              <a:rPr lang="en-US" sz="1800" dirty="0" smtClean="0"/>
+              <a:t> + 1}); </a:t>
+            </a:r>
+            <a:r>
+              <a:rPr lang="en-US" sz="1800" dirty="0" smtClean="0">
+                <a:solidFill>
+                  <a:schemeClr val="accent1">
+                    <a:lumMod val="75000"/>
+                  </a:schemeClr>
+                </a:solidFill>
+              </a:rPr>
+              <a:t>//this method will re render the </a:t>
+            </a:r>
+            <a:r>
+              <a:rPr lang="en-US" sz="1800" dirty="0" err="1" smtClean="0">
+                <a:solidFill>
+                  <a:schemeClr val="accent1">
+                    <a:lumMod val="75000"/>
+                  </a:schemeClr>
+                </a:solidFill>
+              </a:rPr>
+              <a:t>the</a:t>
+            </a:r>
+            <a:r>
+              <a:rPr lang="en-US" sz="1800" dirty="0" smtClean="0">
+                <a:solidFill>
+                  <a:schemeClr val="accent1">
+                    <a:lumMod val="75000"/>
+                  </a:schemeClr>
+                </a:solidFill>
+              </a:rPr>
+              <a:t> DOM</a:t>
+            </a:r>
+          </a:p>
+          <a:p>
+            <a:pPr marL="0" indent="0">
+              <a:buNone/>
+            </a:pPr>
+            <a:r>
+              <a:rPr lang="en-US" sz="1800" dirty="0" smtClean="0"/>
+              <a:t>  },</a:t>
+            </a:r>
+          </a:p>
+          <a:p>
+            <a:pPr marL="0" indent="0">
+              <a:buNone/>
+            </a:pPr>
+            <a:r>
+              <a:rPr lang="en-US" sz="1800" dirty="0" smtClean="0"/>
+              <a:t>  render: function() {</a:t>
+            </a:r>
+          </a:p>
+          <a:p>
+            <a:pPr marL="0" indent="0">
+              <a:buNone/>
+            </a:pPr>
+            <a:r>
+              <a:rPr lang="en-US" sz="1800" dirty="0" smtClean="0"/>
+              <a:t>    return (</a:t>
+            </a:r>
+          </a:p>
+          <a:p>
+            <a:pPr marL="0" indent="0">
+              <a:buNone/>
+            </a:pPr>
+            <a:r>
+              <a:rPr lang="en-US" sz="1800" dirty="0" smtClean="0"/>
+              <a:t>      &lt;h3 </a:t>
+            </a:r>
+            <a:r>
+              <a:rPr lang="en-US" sz="1800" dirty="0" err="1" smtClean="0"/>
+              <a:t>onClick</a:t>
+            </a:r>
+            <a:r>
+              <a:rPr lang="en-US" sz="1800" dirty="0" smtClean="0"/>
+              <a:t>={</a:t>
+            </a:r>
+            <a:r>
+              <a:rPr lang="en-US" sz="1800" dirty="0" err="1" smtClean="0"/>
+              <a:t>this.onClick</a:t>
+            </a:r>
+            <a:r>
+              <a:rPr lang="en-US" sz="1800" dirty="0" smtClean="0"/>
+              <a:t>}&gt; Counter using state property: {</a:t>
+            </a:r>
+            <a:r>
+              <a:rPr lang="en-US" sz="1800" dirty="0" err="1" smtClean="0"/>
+              <a:t>this.state.counter</a:t>
+            </a:r>
+            <a:r>
+              <a:rPr lang="en-US" sz="1800" dirty="0" smtClean="0"/>
+              <a:t>}&lt;/h3&gt;</a:t>
+            </a:r>
+          </a:p>
+          <a:p>
+            <a:pPr marL="0" indent="0">
+              <a:buNone/>
+            </a:pPr>
+            <a:r>
+              <a:rPr lang="en-US" sz="1800" dirty="0" smtClean="0"/>
+              <a:t>    );</a:t>
+            </a:r>
+          </a:p>
+          <a:p>
+            <a:pPr marL="0" indent="0">
+              <a:buNone/>
+            </a:pPr>
+            <a:r>
+              <a:rPr lang="en-US" sz="1800" dirty="0" smtClean="0"/>
+              <a:t>  }</a:t>
+            </a:r>
+          </a:p>
+          <a:p>
+            <a:pPr marL="0" indent="0">
+              <a:buNone/>
+            </a:pPr>
+            <a:r>
+              <a:rPr lang="en-US" sz="1800" dirty="0" smtClean="0"/>
+              <a:t>});</a:t>
+            </a:r>
+            <a:endParaRPr lang="en-US" sz="1800" dirty="0"/>
           </a:p>
         </p:txBody>
       </p:sp>
     </p:spTree>
     <p:extLst>
       <p:ext uri="{BB962C8B-B14F-4D97-AF65-F5344CB8AC3E}">
-        <p14:creationId xmlns:p14="http://schemas.microsoft.com/office/powerpoint/2010/main" val="1033684808"/>
+        <p14:creationId xmlns:p14="http://schemas.microsoft.com/office/powerpoint/2010/main" val="1807522771"/>
       </p:ext>
     </p:extLst>
   </p:cSld>
@@ -7277,11 +7262,7 @@
           <a:p>
             <a:r>
               <a:rPr lang="en-US" dirty="0" smtClean="0"/>
-              <a:t>Html </a:t>
-            </a:r>
-            <a:r>
-              <a:rPr lang="en-US" dirty="0" smtClean="0"/>
-              <a:t>Attributes in React</a:t>
+              <a:t>Html Attributes in React</a:t>
             </a:r>
             <a:endParaRPr lang="en-US" dirty="0"/>
           </a:p>
@@ -7306,28 +7287,13 @@
               <a:rPr lang="en-US" dirty="0" smtClean="0"/>
               <a:t>React provides full support to all html attributes to us in its markup as a prop.</a:t>
             </a:r>
-          </a:p>
-          <a:p>
-            <a:r>
-              <a:rPr lang="en-US" dirty="0" smtClean="0"/>
-              <a:t>But prop names should be in </a:t>
-            </a:r>
-            <a:r>
-              <a:rPr lang="en-US" dirty="0" err="1" smtClean="0"/>
-              <a:t>camelCase</a:t>
-            </a:r>
-            <a:r>
-              <a:rPr lang="en-US" dirty="0" smtClean="0"/>
-              <a:t>.</a:t>
-            </a:r>
-            <a:endParaRPr lang="en-US" dirty="0" smtClean="0"/>
           </a:p>
         </p:txBody>
       </p:sp>
     </p:spTree>
     <p:extLst>
       <p:ext uri="{BB962C8B-B14F-4D97-AF65-F5344CB8AC3E}">
-        <p14:creationId xmlns:p14="http://schemas.microsoft.com/office/powerpoint/2010/main" val="1313642367"/>
+        <p14:creationId xmlns:p14="http://schemas.microsoft.com/office/powerpoint/2010/main" val="1033684808"/>
       </p:ext>
     </p:extLst>
   </p:cSld>
@@ -7378,11 +7344,7 @@
           <a:p>
             <a:r>
               <a:rPr lang="en-US" dirty="0" smtClean="0"/>
-              <a:t>Html </a:t>
-            </a:r>
-            <a:r>
-              <a:rPr lang="en-US" dirty="0" smtClean="0"/>
-              <a:t>Attributes in React</a:t>
+              <a:t>Html Attributes in React</a:t>
             </a:r>
             <a:endParaRPr lang="en-US" dirty="0"/>
           </a:p>
@@ -7421,44 +7383,13 @@
               <a:rPr lang="en-US" dirty="0" smtClean="0"/>
               <a:t>.</a:t>
             </a:r>
-          </a:p>
-          <a:p>
-            <a:r>
-              <a:rPr lang="en-US" dirty="0" smtClean="0"/>
-              <a:t>Also there are some reserve keywords in </a:t>
-            </a:r>
-            <a:r>
-              <a:rPr lang="en-US" dirty="0" err="1" smtClean="0"/>
-              <a:t>Javascript</a:t>
-            </a:r>
-            <a:r>
-              <a:rPr lang="en-US" dirty="0" smtClean="0"/>
-              <a:t> like ‘class’ and ‘for’. So use them as props react provides ‘</a:t>
-            </a:r>
-            <a:r>
-              <a:rPr lang="en-US" dirty="0" err="1" smtClean="0"/>
-              <a:t>className</a:t>
-            </a:r>
-            <a:r>
-              <a:rPr lang="en-US" dirty="0" smtClean="0"/>
-              <a:t>’ and ‘</a:t>
-            </a:r>
-            <a:r>
-              <a:rPr lang="en-US" dirty="0" err="1" smtClean="0"/>
-              <a:t>htmlFor</a:t>
-            </a:r>
-            <a:r>
-              <a:rPr lang="en-US" dirty="0" smtClean="0"/>
-              <a:t>’ respectively.</a:t>
-            </a:r>
-            <a:endParaRPr lang="en-US" dirty="0"/>
           </a:p>
         </p:txBody>
       </p:sp>
     </p:spTree>
     <p:extLst>
       <p:ext uri="{BB962C8B-B14F-4D97-AF65-F5344CB8AC3E}">
-        <p14:creationId xmlns:p14="http://schemas.microsoft.com/office/powerpoint/2010/main" val="4152091014"/>
+        <p14:creationId xmlns:p14="http://schemas.microsoft.com/office/powerpoint/2010/main" val="1313642367"/>
       </p:ext>
     </p:extLst>
   </p:cSld>
@@ -7509,7 +7440,7 @@
           <a:p>
             <a:r>
               <a:rPr lang="en-US" dirty="0" smtClean="0"/>
-              <a:t>Using React Component as Alt View</a:t>
+              <a:t>Html Attributes in React</a:t>
             </a:r>
             <a:endParaRPr lang="en-US" dirty="0"/>
           </a:p>
@@ -7527,28 +7458,65 @@
         </p:nvSpPr>
         <p:spPr/>
         <p:txBody>
-          <a:bodyPr>
-            <a:normAutofit/>
-          </a:bodyPr>
-          <a:lstStyle/>
-          <a:p>
-            <a:r>
-              <a:rPr lang="en-US" dirty="0" smtClean="0"/>
-              <a:t>We need to pass the alt store’s state data to the view.</a:t>
-            </a:r>
-          </a:p>
-          <a:p>
-            <a:pPr marL="0" indent="0">
-              <a:buNone/>
-            </a:pPr>
-            <a:endParaRPr lang="en-US" sz="2400" dirty="0"/>
+          <a:bodyPr/>
+          <a:lstStyle/>
+          <a:p>
+            <a:r>
+              <a:rPr lang="en-US" dirty="0" smtClean="0"/>
+              <a:t>React provides full support to all html attributes to us in its markup as a prop.</a:t>
+            </a:r>
+          </a:p>
+          <a:p>
+            <a:r>
+              <a:rPr lang="en-US" dirty="0" smtClean="0"/>
+              <a:t>But prop names should be in </a:t>
+            </a:r>
+            <a:r>
+              <a:rPr lang="en-US" dirty="0" err="1" smtClean="0"/>
+              <a:t>camelCase</a:t>
+            </a:r>
+            <a:r>
+              <a:rPr lang="en-US" dirty="0" smtClean="0"/>
+              <a:t>.</a:t>
+            </a:r>
+          </a:p>
+          <a:p>
+            <a:r>
+              <a:rPr lang="en-US" dirty="0" smtClean="0"/>
+              <a:t>Also there are some reserve keywords in </a:t>
+            </a:r>
+            <a:r>
+              <a:rPr lang="en-US" dirty="0" err="1" smtClean="0"/>
+              <a:t>Javascript</a:t>
+            </a:r>
+            <a:r>
+              <a:rPr lang="en-US" dirty="0" smtClean="0"/>
+              <a:t> like ‘class’ and ‘for’. So use them as props react provides ‘</a:t>
+            </a:r>
+            <a:r>
+              <a:rPr lang="en-US" dirty="0" err="1" smtClean="0"/>
+              <a:t>className</a:t>
+            </a:r>
+            <a:r>
+              <a:rPr lang="en-US" dirty="0" smtClean="0"/>
+              <a:t>’ and ‘</a:t>
+            </a:r>
+            <a:r>
+              <a:rPr lang="en-US" dirty="0" err="1" smtClean="0"/>
+              <a:t>htmlFor</a:t>
+            </a:r>
+            <a:r>
+              <a:rPr lang="en-US" dirty="0" smtClean="0"/>
+              <a:t>’ respectively.</a:t>
+            </a:r>
+            <a:endParaRPr lang="en-US" dirty="0"/>
           </a:p>
         </p:txBody>
       </p:sp>
     </p:spTree>
     <p:extLst>
       <p:ext uri="{BB962C8B-B14F-4D97-AF65-F5344CB8AC3E}">
-        <p14:creationId xmlns:p14="http://schemas.microsoft.com/office/powerpoint/2010/main" val="3950615268"/>
+        <p14:creationId xmlns:p14="http://schemas.microsoft.com/office/powerpoint/2010/main" val="4152091014"/>
       </p:ext>
     </p:extLst>
   </p:cSld>
@@ -7628,84 +7596,6 @@
             </a:r>
           </a:p>
           <a:p>
-            <a:r>
-              <a:rPr lang="en-US" dirty="0" smtClean="0"/>
-              <a:t>Alt provides a built-in components that binds an specific store to the specific view. This is known as Component Container</a:t>
-            </a:r>
-          </a:p>
-          <a:p>
-            <a:pPr marL="0" indent="0">
-              <a:buNone/>
-            </a:pPr>
-            <a:endParaRPr lang="en-US" sz="2000" dirty="0" smtClean="0"/>
-          </a:p>
-          <a:p>
-            <a:pPr marL="0" indent="0">
-              <a:buNone/>
-            </a:pPr>
-            <a:r>
-              <a:rPr lang="en-US" sz="2000" dirty="0" smtClean="0"/>
-              <a:t>     &lt;</a:t>
-            </a:r>
-            <a:r>
-              <a:rPr lang="en-US" sz="2000" dirty="0" err="1"/>
-              <a:t>AltContainer</a:t>
-            </a:r>
-            <a:r>
-              <a:rPr lang="en-US" sz="2000" dirty="0"/>
-              <a:t> store</a:t>
-            </a:r>
-            <a:r>
-              <a:rPr lang="en-US" sz="2000" dirty="0" smtClean="0"/>
-              <a:t>={</a:t>
-            </a:r>
-            <a:r>
-              <a:rPr lang="en-US" sz="2000" dirty="0" err="1" smtClean="0"/>
-              <a:t>CustomerStore</a:t>
-            </a:r>
-            <a:r>
-              <a:rPr lang="en-US" sz="2000" dirty="0"/>
-              <a:t>}&gt;</a:t>
-            </a:r>
-          </a:p>
-          <a:p>
-            <a:pPr marL="0" indent="0">
-              <a:buNone/>
-            </a:pPr>
-            <a:r>
-              <a:rPr lang="en-US" sz="2000" dirty="0"/>
-              <a:t>       </a:t>
-            </a:r>
-            <a:r>
-              <a:rPr lang="en-US" sz="2000" dirty="0" smtClean="0"/>
-              <a:t>	 &lt;Customers/&gt;</a:t>
-            </a:r>
-            <a:endParaRPr lang="en-US" sz="2000" dirty="0"/>
-          </a:p>
-          <a:p>
-            <a:pPr marL="0" indent="0">
-              <a:buNone/>
-            </a:pPr>
-            <a:r>
-              <a:rPr lang="en-US" sz="2000" dirty="0"/>
-              <a:t>      &lt;/</a:t>
-            </a:r>
-            <a:r>
-              <a:rPr lang="en-US" sz="2000" dirty="0" err="1"/>
-              <a:t>AltContainer</a:t>
-            </a:r>
-            <a:r>
-              <a:rPr lang="en-US" sz="2000" dirty="0" smtClean="0"/>
-              <a:t>&gt;</a:t>
-            </a:r>
-          </a:p>
-          <a:p>
-            <a:pPr marL="0" indent="0">
-              <a:buNone/>
-            </a:pPr>
-            <a:endParaRPr lang="en-US" sz="2000" dirty="0" smtClean="0"/>
-          </a:p>
-          <a:p>
             <a:pPr marL="0" indent="0">
               <a:buNone/>
             </a:pPr>
@@ -7716,7 +7606,7 @@
     </p:spTree>
     <p:extLst>
       <p:ext uri="{BB962C8B-B14F-4D97-AF65-F5344CB8AC3E}">
-        <p14:creationId xmlns:p14="http://schemas.microsoft.com/office/powerpoint/2010/main" val="1371692681"/>
+        <p14:creationId xmlns:p14="http://schemas.microsoft.com/office/powerpoint/2010/main" val="3950615268"/>
       </p:ext>
     </p:extLst>
   </p:cSld>
@@ -7786,7 +7676,7 @@
         <p:spPr/>
         <p:txBody>
           <a:bodyPr>
-            <a:normAutofit lnSpcReduction="10000"/>
+            <a:normAutofit/>
           </a:bodyPr>
           <a:lstStyle/>
           <a:p>
@@ -7874,28 +7764,9 @@
             <a:endParaRPr lang="en-US" sz="2000" dirty="0" smtClean="0"/>
           </a:p>
           <a:p>
-            <a:r>
-              <a:rPr lang="en-US" sz="2400" dirty="0" smtClean="0"/>
-              <a:t>This will actually pass the state data from the store to the view as a prop. Hence </a:t>
-            </a:r>
-            <a:r>
-              <a:rPr lang="en-US" sz="2400" dirty="0"/>
-              <a:t>the Customer component can now access the state </a:t>
-            </a:r>
-            <a:r>
-              <a:rPr lang="en-US" sz="2400" dirty="0" smtClean="0"/>
-              <a:t>data from Customer Store </a:t>
-            </a:r>
-            <a:r>
-              <a:rPr lang="en-US" sz="2400" dirty="0" err="1"/>
-              <a:t>i.e</a:t>
-            </a:r>
-            <a:r>
-              <a:rPr lang="en-US" sz="2400" dirty="0"/>
-              <a:t> customers from its prop.</a:t>
-            </a:r>
-          </a:p>
-          <a:p>
+            <a:pPr marL="0" indent="0">
+              <a:buNone/>
+            </a:pPr>
             <a:endParaRPr lang="en-US" sz="2400" dirty="0"/>
           </a:p>
         </p:txBody>
@@ -7903,7 +7774,7 @@
     </p:spTree>
     <p:extLst>
       <p:ext uri="{BB962C8B-B14F-4D97-AF65-F5344CB8AC3E}">
-        <p14:creationId xmlns:p14="http://schemas.microsoft.com/office/powerpoint/2010/main" val="1982672374"/>
+        <p14:creationId xmlns:p14="http://schemas.microsoft.com/office/powerpoint/2010/main" val="1371692681"/>
       </p:ext>
     </p:extLst>
   </p:cSld>
@@ -7973,62 +7844,84 @@
         <p:spPr/>
         <p:txBody>
           <a:bodyPr>
-            <a:normAutofit fontScale="55000" lnSpcReduction="20000"/>
+            <a:normAutofit lnSpcReduction="10000"/>
           </a:bodyPr>
           <a:lstStyle/>
           <a:p>
-            <a:pPr marL="0" indent="0">
-              <a:buNone/>
-            </a:pPr>
-            <a:r>
-              <a:rPr lang="en-US" dirty="0" err="1" smtClean="0"/>
-              <a:t>var</a:t>
-            </a:r>
-            <a:r>
-              <a:rPr lang="en-US" dirty="0" smtClean="0"/>
-              <a:t> Customers= </a:t>
-            </a:r>
-            <a:r>
-              <a:rPr lang="en-US" dirty="0" err="1"/>
-              <a:t>React.createClass</a:t>
-            </a:r>
-            <a:r>
-              <a:rPr lang="en-US" dirty="0"/>
-              <a:t>({</a:t>
-            </a:r>
-          </a:p>
-          <a:p>
-            <a:pPr marL="0" indent="0">
-              <a:buNone/>
-            </a:pPr>
-            <a:r>
-              <a:rPr lang="en-US" dirty="0"/>
-              <a:t>  render() {</a:t>
-            </a:r>
-          </a:p>
-          <a:p>
-            <a:pPr marL="0" indent="0">
-              <a:buNone/>
-            </a:pPr>
-            <a:r>
-              <a:rPr lang="en-US" dirty="0"/>
-              <a:t>    return (</a:t>
-            </a:r>
-          </a:p>
-          <a:p>
-            <a:pPr marL="0" indent="0">
-              <a:buNone/>
-            </a:pPr>
-            <a:r>
-              <a:rPr lang="en-US" dirty="0"/>
-              <a:t>      &lt;</a:t>
-            </a:r>
-            <a:r>
-              <a:rPr lang="en-US" dirty="0" err="1"/>
-              <a:t>ul</a:t>
-            </a:r>
-            <a:r>
-              <a:rPr lang="en-US" dirty="0"/>
+            <a:r>
+              <a:rPr lang="en-US" dirty="0" smtClean="0"/>
+              <a:t>We need to pass the alt store’s state data to the view.</a:t>
+            </a:r>
+          </a:p>
+          <a:p>
+            <a:r>
+              <a:rPr lang="en-US" dirty="0" smtClean="0"/>
+              <a:t>Alt provides a built-in components that binds an specific store to the specific view. This is known as Component Container</a:t>
+            </a:r>
+          </a:p>
+          <a:p>
+            <a:pPr marL="0" indent="0">
+              <a:buNone/>
+            </a:pPr>
+            <a:endParaRPr lang="en-US" sz="2000" dirty="0" smtClean="0"/>
+          </a:p>
+          <a:p>
+            <a:pPr marL="0" indent="0">
+              <a:buNone/>
+            </a:pPr>
+            <a:r>
+              <a:rPr lang="en-US" sz="2000" dirty="0" smtClean="0"/>
+              <a:t>     &lt;</a:t>
+            </a:r>
+            <a:r>
+              <a:rPr lang="en-US" sz="2000" dirty="0" err="1"/>
+              <a:t>AltContainer</a:t>
+            </a:r>
+            <a:r>
+              <a:rPr lang="en-US" sz="2000" dirty="0"/>
+              <a:t> store</a:t>
+            </a:r>
+            <a:r>
+              <a:rPr lang="en-US" sz="2000" dirty="0" smtClean="0"/>
+              <a:t>={</a:t>
+            </a:r>
+            <a:r>
+              <a:rPr lang="en-US" sz="2000" dirty="0" err="1" smtClean="0"/>
+              <a:t>CustomerStore</a:t>
+            </a:r>
+            <a:r>
+              <a:rPr lang="en-US" sz="2000" dirty="0"/>
+              <a:t>}&gt;</a:t>
+            </a:r>
+          </a:p>
+          <a:p>
+            <a:pPr marL="0" indent="0">
+              <a:buNone/>
+            </a:pPr>
+            <a:r>
+              <a:rPr lang="en-US" sz="2000" dirty="0"/>
+              <a:t>       </a:t>
+            </a:r>
+            <a:r>
+              <a:rPr lang="en-US" sz="2000" dirty="0" smtClean="0"/>
+              <a:t>	 &lt;Customers/&gt;</a:t>
+            </a:r>
+            <a:endParaRPr lang="en-US" sz="2000" dirty="0"/>
+          </a:p>
+          <a:p>
+            <a:pPr marL="0" indent="0">
+              <a:buNone/>
+            </a:pPr>
+            <a:r>
+              <a:rPr lang="en-US" sz="2000" dirty="0"/>
+              <a:t>      &lt;/</a:t>
+            </a:r>
+            <a:r>
+              <a:rPr lang="en-US" sz="2000" dirty="0" err="1"/>
+              <a:t>AltContainer</a:t>
+            </a:r>
+            <a:r>
+              <a:rPr lang="en-US" sz="2000" dirty="0" smtClean="0"/>
               <a:t>&gt;</a:t>
             </a:r>
           </a:p>
@@ -8036,161 +7929,39 @@
             <a:pPr marL="0" indent="0">
               <a:buNone/>
             </a:pPr>
-            <a:r>
-              <a:rPr lang="en-US" dirty="0"/>
-              <a:t>        {</a:t>
-            </a:r>
-            <a:r>
-              <a:rPr lang="en-US" dirty="0" err="1" smtClean="0"/>
-              <a:t>this.props.customers.map</a:t>
-            </a:r>
-            <a:r>
-              <a:rPr lang="en-US" dirty="0"/>
-              <a:t>((location, </a:t>
-            </a:r>
-            <a:r>
-              <a:rPr lang="en-US" dirty="0" err="1"/>
-              <a:t>i</a:t>
-            </a:r>
-            <a:r>
-              <a:rPr lang="en-US" dirty="0"/>
-              <a:t>) =&gt; </a:t>
-            </a:r>
-            <a:r>
-              <a:rPr lang="en-US" dirty="0" smtClean="0"/>
-              <a:t>{  </a:t>
-            </a:r>
-            <a:r>
-              <a:rPr lang="en-US" dirty="0" smtClean="0">
-                <a:solidFill>
-                  <a:schemeClr val="accent1">
-                    <a:lumMod val="75000"/>
-                  </a:schemeClr>
-                </a:solidFill>
-              </a:rPr>
-              <a:t>//getting customers data of store from the props</a:t>
-            </a:r>
-            <a:endParaRPr lang="en-US" dirty="0">
-              <a:solidFill>
-                <a:schemeClr val="accent1">
-                  <a:lumMod val="75000"/>
-                </a:schemeClr>
-              </a:solidFill>
-            </a:endParaRPr>
-          </a:p>
-          <a:p>
-            <a:pPr marL="0" indent="0">
-              <a:buNone/>
-            </a:pPr>
-            <a:r>
-              <a:rPr lang="en-US" dirty="0"/>
-              <a:t>          return (</a:t>
-            </a:r>
-          </a:p>
-          <a:p>
-            <a:pPr marL="0" indent="0">
-              <a:buNone/>
-            </a:pPr>
-            <a:r>
-              <a:rPr lang="en-US" dirty="0"/>
-              <a:t>            &lt;li key={</a:t>
-            </a:r>
-            <a:r>
-              <a:rPr lang="en-US" dirty="0" err="1"/>
-              <a:t>i</a:t>
-            </a:r>
-            <a:r>
-              <a:rPr lang="en-US" dirty="0"/>
-              <a:t>}&gt;</a:t>
-            </a:r>
-          </a:p>
-          <a:p>
-            <a:pPr marL="0" indent="0">
-              <a:buNone/>
-            </a:pPr>
-            <a:r>
-              <a:rPr lang="en-US" dirty="0"/>
-              <a:t>              {location.name}</a:t>
-            </a:r>
-          </a:p>
-          <a:p>
-            <a:pPr marL="0" indent="0">
-              <a:buNone/>
-            </a:pPr>
-            <a:r>
-              <a:rPr lang="en-US" dirty="0"/>
-              <a:t>            &lt;/li&gt;</a:t>
-            </a:r>
-          </a:p>
-          <a:p>
-            <a:pPr marL="0" indent="0">
-              <a:buNone/>
-            </a:pPr>
-            <a:r>
-              <a:rPr lang="en-US" dirty="0"/>
-              <a:t>          );</a:t>
-            </a:r>
-          </a:p>
-          <a:p>
-            <a:pPr marL="0" indent="0">
-              <a:buNone/>
-            </a:pPr>
-            <a:r>
-              <a:rPr lang="en-US" dirty="0"/>
-              <a:t>        })}</a:t>
-            </a:r>
-          </a:p>
-          <a:p>
-            <a:pPr marL="0" indent="0">
-              <a:buNone/>
-            </a:pPr>
-            <a:r>
-              <a:rPr lang="en-US" dirty="0"/>
-              <a:t>      &lt;/</a:t>
-            </a:r>
-            <a:r>
-              <a:rPr lang="en-US" dirty="0" err="1"/>
-              <a:t>ul</a:t>
-            </a:r>
-            <a:r>
-              <a:rPr lang="en-US" dirty="0"/>
-              <a:t>&gt;</a:t>
-            </a:r>
-          </a:p>
-          <a:p>
-            <a:pPr marL="0" indent="0">
-              <a:buNone/>
-            </a:pPr>
-            <a:r>
-              <a:rPr lang="en-US" dirty="0"/>
-              <a:t>    );</a:t>
-            </a:r>
-          </a:p>
-          <a:p>
-            <a:pPr marL="0" indent="0">
-              <a:buNone/>
-            </a:pPr>
-            <a:r>
-              <a:rPr lang="en-US" dirty="0"/>
-              <a:t>  }</a:t>
-            </a:r>
-          </a:p>
-          <a:p>
-            <a:pPr marL="0" indent="0">
-              <a:buNone/>
-            </a:pPr>
-            <a:r>
-              <a:rPr lang="en-US" dirty="0"/>
-              <a:t>});</a:t>
-            </a:r>
-            <a:endParaRPr lang="en-US" dirty="0" smtClean="0"/>
+            <a:endParaRPr lang="en-US" sz="2000" dirty="0" smtClean="0"/>
+          </a:p>
+          <a:p>
+            <a:r>
+              <a:rPr lang="en-US" sz="2400" dirty="0" smtClean="0"/>
+              <a:t>This will actually pass the state data from the store to the view as a prop. Hence </a:t>
+            </a:r>
+            <a:r>
+              <a:rPr lang="en-US" sz="2400" dirty="0"/>
+              <a:t>the Customer component can now access the state </a:t>
+            </a:r>
+            <a:r>
+              <a:rPr lang="en-US" sz="2400" dirty="0" smtClean="0"/>
+              <a:t>data from Customer Store </a:t>
+            </a:r>
+            <a:r>
+              <a:rPr lang="en-US" sz="2400" dirty="0" err="1"/>
+              <a:t>i.e</a:t>
+            </a:r>
+            <a:r>
+              <a:rPr lang="en-US" sz="2400" dirty="0"/>
+              <a:t> customers from its prop.</a:t>
+            </a:r>
+          </a:p>
+          <a:p>
+            <a:endParaRPr lang="en-US" sz="2400" dirty="0"/>
           </a:p>
         </p:txBody>
       </p:sp>
     </p:spTree>
     <p:extLst>
       <p:ext uri="{BB962C8B-B14F-4D97-AF65-F5344CB8AC3E}">
-        <p14:creationId xmlns:p14="http://schemas.microsoft.com/office/powerpoint/2010/main" val="3430342535"/>
+        <p14:creationId xmlns:p14="http://schemas.microsoft.com/office/powerpoint/2010/main" val="1982672374"/>
       </p:ext>
     </p:extLst>
   </p:cSld>
@@ -8240,57 +8011,257 @@
           <a:lstStyle/>
           <a:p>
             <a:r>
+              <a:rPr lang="en-US" dirty="0" smtClean="0"/>
+              <a:t>Using React Component as Alt View</a:t>
+            </a:r>
+            <a:endParaRPr lang="en-US" dirty="0"/>
+          </a:p>
+        </p:txBody>
+      </p:sp>
+      <p:sp>
+        <p:nvSpPr>
+          <p:cNvPr id="3" name="Content Placeholder 2"/>
+          <p:cNvSpPr>
+            <a:spLocks noGrp="1"/>
+          </p:cNvSpPr>
+          <p:nvPr>
+            <p:ph idx="1"/>
+          </p:nvPr>
+        </p:nvSpPr>
+        <p:spPr/>
+        <p:txBody>
+          <a:bodyPr>
+            <a:normAutofit fontScale="55000" lnSpcReduction="20000"/>
+          </a:bodyPr>
+          <a:lstStyle/>
+          <a:p>
+            <a:pPr marL="0" indent="0">
+              <a:buNone/>
+            </a:pPr>
+            <a:r>
               <a:rPr lang="en-US" dirty="0" err="1" smtClean="0"/>
-              <a:t>Jsx</a:t>
-            </a:r>
-            <a:r>
-              <a:rPr lang="en-US" dirty="0" smtClean="0"/>
-              <a:t> Compilation and ES6 Transformation</a:t>
-            </a:r>
-            <a:endParaRPr lang="en-US" dirty="0"/>
-          </a:p>
-        </p:txBody>
-      </p:sp>
-      <p:sp>
-        <p:nvSpPr>
-          <p:cNvPr id="3" name="Content Placeholder 2"/>
-          <p:cNvSpPr>
-            <a:spLocks noGrp="1"/>
-          </p:cNvSpPr>
-          <p:nvPr>
-            <p:ph idx="1"/>
-          </p:nvPr>
-        </p:nvSpPr>
-        <p:spPr/>
-        <p:txBody>
-          <a:bodyPr/>
-          <a:lstStyle/>
-          <a:p>
-            <a:r>
-              <a:rPr lang="en-US" dirty="0" smtClean="0"/>
-              <a:t>So far we use just the </a:t>
+              <a:t>var</a:t>
+            </a:r>
+            <a:r>
+              <a:rPr lang="en-US" dirty="0" smtClean="0"/>
+              <a:t> Customers= </a:t>
+            </a:r>
+            <a:r>
+              <a:rPr lang="en-US" dirty="0" err="1"/>
+              <a:t>React.createClass</a:t>
+            </a:r>
+            <a:r>
+              <a:rPr lang="en-US" dirty="0"/>
+              <a:t>({</a:t>
+            </a:r>
+          </a:p>
+          <a:p>
+            <a:pPr marL="0" indent="0">
+              <a:buNone/>
+            </a:pPr>
+            <a:r>
+              <a:rPr lang="en-US" dirty="0"/>
+              <a:t>  render() {</a:t>
+            </a:r>
+          </a:p>
+          <a:p>
+            <a:pPr marL="0" indent="0">
+              <a:buNone/>
+            </a:pPr>
+            <a:r>
+              <a:rPr lang="en-US" dirty="0"/>
+              <a:t>    return (</a:t>
+            </a:r>
+          </a:p>
+          <a:p>
+            <a:pPr marL="0" indent="0">
+              <a:buNone/>
+            </a:pPr>
+            <a:r>
+              <a:rPr lang="en-US" dirty="0"/>
+              <a:t>      &lt;</a:t>
+            </a:r>
+            <a:r>
+              <a:rPr lang="en-US" dirty="0" err="1"/>
+              <a:t>ul</a:t>
+            </a:r>
+            <a:r>
+              <a:rPr lang="en-US" dirty="0"/>
+              <a:t>&gt;</a:t>
+            </a:r>
+          </a:p>
+          <a:p>
+            <a:pPr marL="0" indent="0">
+              <a:buNone/>
+            </a:pPr>
+            <a:r>
+              <a:rPr lang="en-US" dirty="0"/>
+              <a:t>        {</a:t>
             </a:r>
             <a:r>
               <a:rPr lang="en-US" dirty="0" err="1" smtClean="0"/>
-              <a:t>jsx</a:t>
-            </a:r>
-            <a:r>
-              <a:rPr lang="en-US" dirty="0" smtClean="0"/>
-              <a:t> syntax in our component and also used the ES6 features in the stores.</a:t>
-            </a:r>
+              <a:t>this.props.customers.map</a:t>
+            </a:r>
+            <a:r>
+              <a:rPr lang="en-US" dirty="0"/>
+              <a:t>((location, </a:t>
+            </a:r>
+            <a:r>
+              <a:rPr lang="en-US" dirty="0" err="1"/>
+              <a:t>i</a:t>
+            </a:r>
+            <a:r>
+              <a:rPr lang="en-US" dirty="0"/>
+              <a:t>) =&gt; </a:t>
+            </a:r>
+            <a:r>
+              <a:rPr lang="en-US" dirty="0" smtClean="0"/>
+              <a:t>{  </a:t>
+            </a:r>
+            <a:r>
+              <a:rPr lang="en-US" dirty="0" smtClean="0">
+                <a:solidFill>
+                  <a:schemeClr val="accent1">
+                    <a:lumMod val="75000"/>
+                  </a:schemeClr>
+                </a:solidFill>
+              </a:rPr>
+              <a:t>//getting customers data of store from the props</a:t>
+            </a:r>
+            <a:endParaRPr lang="en-US" dirty="0">
+              <a:solidFill>
+                <a:schemeClr val="accent1">
+                  <a:lumMod val="75000"/>
+                </a:schemeClr>
+              </a:solidFill>
+            </a:endParaRPr>
+          </a:p>
+          <a:p>
+            <a:pPr marL="0" indent="0">
+              <a:buNone/>
+            </a:pPr>
+            <a:r>
+              <a:rPr lang="en-US" dirty="0"/>
+              <a:t>          return (</a:t>
+            </a:r>
+          </a:p>
+          <a:p>
+            <a:pPr marL="0" indent="0">
+              <a:buNone/>
+            </a:pPr>
+            <a:r>
+              <a:rPr lang="en-US" dirty="0"/>
+              <a:t>            &lt;li key={</a:t>
+            </a:r>
+            <a:r>
+              <a:rPr lang="en-US" dirty="0" err="1"/>
+              <a:t>i</a:t>
+            </a:r>
+            <a:r>
+              <a:rPr lang="en-US" dirty="0"/>
+              <a:t>}&gt;</a:t>
+            </a:r>
+          </a:p>
+          <a:p>
+            <a:pPr marL="0" indent="0">
+              <a:buNone/>
+            </a:pPr>
+            <a:r>
+              <a:rPr lang="en-US" dirty="0"/>
+              <a:t>              {location.name}</a:t>
+            </a:r>
+          </a:p>
+          <a:p>
+            <a:pPr marL="0" indent="0">
+              <a:buNone/>
+            </a:pPr>
+            <a:r>
+              <a:rPr lang="en-US" dirty="0"/>
+              <a:t>            &lt;/li&gt;</a:t>
+            </a:r>
+          </a:p>
+          <a:p>
+            <a:pPr marL="0" indent="0">
+              <a:buNone/>
+            </a:pPr>
+            <a:r>
+              <a:rPr lang="en-US" dirty="0"/>
+              <a:t>          );</a:t>
+            </a:r>
+          </a:p>
+          <a:p>
+            <a:pPr marL="0" indent="0">
+              <a:buNone/>
+            </a:pPr>
+            <a:r>
+              <a:rPr lang="en-US" dirty="0"/>
+              <a:t>        })}</a:t>
+            </a:r>
+          </a:p>
+          <a:p>
+            <a:pPr marL="0" indent="0">
+              <a:buNone/>
+            </a:pPr>
+            <a:r>
+              <a:rPr lang="en-US" dirty="0"/>
+              <a:t>      &lt;/</a:t>
+            </a:r>
+            <a:r>
+              <a:rPr lang="en-US" dirty="0" err="1"/>
+              <a:t>ul</a:t>
+            </a:r>
+            <a:r>
+              <a:rPr lang="en-US" dirty="0"/>
+              <a:t>&gt;</a:t>
+            </a:r>
+          </a:p>
+          <a:p>
+            <a:pPr marL="0" indent="0">
+              <a:buNone/>
+            </a:pPr>
+            <a:r>
+              <a:rPr lang="en-US" dirty="0"/>
+              <a:t>    );</a:t>
+            </a:r>
+          </a:p>
+          <a:p>
+            <a:pPr marL="0" indent="0">
+              <a:buNone/>
+            </a:pPr>
+            <a:r>
+              <a:rPr lang="en-US" dirty="0"/>
+              <a:t>  }</a:t>
+            </a:r>
+          </a:p>
+          <a:p>
+            <a:pPr marL="0" indent="0">
+              <a:buNone/>
+            </a:pPr>
+            <a:r>
+              <a:rPr lang="en-US" dirty="0"/>
+              <a:t>});</a:t>
+            </a:r>
+            <a:endParaRPr lang="en-US" dirty="0" smtClean="0"/>
           </a:p>
         </p:txBody>
       </p:sp>
     </p:spTree>
     <p:extLst>
       <p:ext uri="{BB962C8B-B14F-4D97-AF65-F5344CB8AC3E}">
-        <p14:creationId xmlns:p14="http://schemas.microsoft.com/office/powerpoint/2010/main" val="4092015278"/>
+        <p14:creationId xmlns:p14="http://schemas.microsoft.com/office/powerpoint/2010/main" val="3430342535"/>
       </p:ext>
     </p:extLst>
   </p:cSld>
   <p:clrMapOvr>
     <a:masterClrMapping/>
   </p:clrMapOvr>
+  <p:timing>
+    <p:tnLst>
+      <p:par>
+        <p:cTn id="1" dur="indefinite" restart="never" nodeType="tmRoot"/>
+      </p:par>
+    </p:tnLst>
+  </p:timing>
 </p:sld>
 </file>
 
@@ -8366,6 +8337,93 @@
               <a:t> syntax in our component and also used the ES6 features in the stores.</a:t>
             </a:r>
           </a:p>
+        </p:txBody>
+      </p:sp>
+    </p:spTree>
+    <p:extLst>
+      <p:ext uri="{BB962C8B-B14F-4D97-AF65-F5344CB8AC3E}">
+        <p14:creationId xmlns:p14="http://schemas.microsoft.com/office/powerpoint/2010/main" val="4092015278"/>
+      </p:ext>
+    </p:extLst>
+  </p:cSld>
+  <p:clrMapOvr>
+    <a:masterClrMapping/>
+  </p:clrMapOvr>
+</p:sld>
+</file>
+
+<file path=ppt/slides/slide39.xml><?xml version="1.0" encoding="utf-8"?>
+<p:sld xmlns:a="http://schemas.openxmlformats.org/drawingml/2006/main" xmlns:r="http://schemas.openxmlformats.org/officeDocument/2006/relationships" xmlns:p="http://schemas.openxmlformats.org/presentationml/2006/main">
+  <p:cSld>
+    <p:spTree>
+      <p:nvGrpSpPr>
+        <p:cNvPr id="1" name=""/>
+        <p:cNvGrpSpPr/>
+        <p:nvPr/>
+      </p:nvGrpSpPr>
+      <p:grpSpPr>
+        <a:xfrm>
+          <a:off x="0" y="0"/>
+          <a:ext cx="0" cy="0"/>
+          <a:chOff x="0" y="0"/>
+          <a:chExt cx="0" cy="0"/>
+        </a:xfrm>
+      </p:grpSpPr>
+      <p:sp>
+        <p:nvSpPr>
+          <p:cNvPr id="2" name="Title 1"/>
+          <p:cNvSpPr>
+            <a:spLocks noGrp="1"/>
+          </p:cNvSpPr>
+          <p:nvPr>
+            <p:ph type="title"/>
+          </p:nvPr>
+        </p:nvSpPr>
+        <p:spPr/>
+        <p:txBody>
+          <a:bodyPr/>
+          <a:lstStyle/>
+          <a:p>
+            <a:r>
+              <a:rPr lang="en-US" dirty="0" err="1" smtClean="0"/>
+              <a:t>Jsx</a:t>
+            </a:r>
+            <a:r>
+              <a:rPr lang="en-US" dirty="0" smtClean="0"/>
+              <a:t> Compilation and ES6 Transformation</a:t>
+            </a:r>
+            <a:endParaRPr lang="en-US" dirty="0"/>
+          </a:p>
+        </p:txBody>
+      </p:sp>
+      <p:sp>
+        <p:nvSpPr>
+          <p:cNvPr id="3" name="Content Placeholder 2"/>
+          <p:cNvSpPr>
+            <a:spLocks noGrp="1"/>
+          </p:cNvSpPr>
+          <p:nvPr>
+            <p:ph idx="1"/>
+          </p:nvPr>
+        </p:nvSpPr>
+        <p:spPr/>
+        <p:txBody>
+          <a:bodyPr/>
+          <a:lstStyle/>
+          <a:p>
+            <a:r>
+              <a:rPr lang="en-US" dirty="0" smtClean="0"/>
+              <a:t>So far we use just the </a:t>
+            </a:r>
+            <a:r>
+              <a:rPr lang="en-US" dirty="0" err="1" smtClean="0"/>
+              <a:t>jsx</a:t>
+            </a:r>
+            <a:r>
+              <a:rPr lang="en-US" dirty="0" smtClean="0"/>
+              <a:t> syntax in our component and also used the ES6 features in the stores.</a:t>
+            </a:r>
+          </a:p>
           <a:p>
             <a:r>
               <a:rPr lang="en-US" dirty="0" smtClean="0"/>
@@ -8403,7 +8461,147 @@
 </p:sld>
 </file>
 
-<file path=ppt/slides/slide39.xml><?xml version="1.0" encoding="utf-8"?>
+<file path=ppt/slides/slide4.xml><?xml version="1.0" encoding="utf-8"?>
+<p:sld xmlns:a="http://schemas.openxmlformats.org/drawingml/2006/main" xmlns:r="http://schemas.openxmlformats.org/officeDocument/2006/relationships" xmlns:p="http://schemas.openxmlformats.org/presentationml/2006/main">
+  <p:cSld>
+    <p:spTree>
+      <p:nvGrpSpPr>
+        <p:cNvPr id="1" name=""/>
+        <p:cNvGrpSpPr/>
+        <p:nvPr/>
+      </p:nvGrpSpPr>
+      <p:grpSpPr>
+        <a:xfrm>
+          <a:off x="0" y="0"/>
+          <a:ext cx="0" cy="0"/>
+          <a:chOff x="0" y="0"/>
+          <a:chExt cx="0" cy="0"/>
+        </a:xfrm>
+      </p:grpSpPr>
+      <p:sp>
+        <p:nvSpPr>
+          <p:cNvPr id="2" name="Title 1"/>
+          <p:cNvSpPr>
+            <a:spLocks noGrp="1"/>
+          </p:cNvSpPr>
+          <p:nvPr>
+            <p:ph type="title"/>
+          </p:nvPr>
+        </p:nvSpPr>
+        <p:spPr/>
+        <p:txBody>
+          <a:bodyPr/>
+          <a:lstStyle/>
+          <a:p>
+            <a:r>
+              <a:rPr lang="en-US" dirty="0" smtClean="0"/>
+              <a:t>Problem with MVC</a:t>
+            </a:r>
+            <a:endParaRPr lang="en-US" dirty="0"/>
+          </a:p>
+        </p:txBody>
+      </p:sp>
+      <p:pic>
+        <p:nvPicPr>
+          <p:cNvPr id="4" name="Content Placeholder 3"/>
+          <p:cNvPicPr>
+            <a:picLocks noGrp="1" noChangeAspect="1"/>
+          </p:cNvPicPr>
+          <p:nvPr>
+            <p:ph idx="1"/>
+          </p:nvPr>
+        </p:nvPicPr>
+        <p:blipFill>
+          <a:blip r:embed="rId2">
+            <a:extLst>
+              <a:ext uri="{28A0092B-C50C-407E-A947-70E740481C1C}">
+                <a14:useLocalDpi xmlns:a14="http://schemas.microsoft.com/office/drawing/2010/main" val="0"/>
+              </a:ext>
+            </a:extLst>
+          </a:blip>
+          <a:stretch>
+            <a:fillRect/>
+          </a:stretch>
+        </p:blipFill>
+        <p:spPr>
+          <a:xfrm>
+            <a:off x="1439908" y="1341064"/>
+            <a:ext cx="8027831" cy="2477432"/>
+          </a:xfrm>
+        </p:spPr>
+      </p:pic>
+      <p:sp>
+        <p:nvSpPr>
+          <p:cNvPr id="5" name="TextBox 4"/>
+          <p:cNvSpPr txBox="1"/>
+          <p:nvPr/>
+        </p:nvSpPr>
+        <p:spPr>
+          <a:xfrm>
+            <a:off x="1828800" y="4168588"/>
+            <a:ext cx="7428124" cy="923330"/>
+          </a:xfrm>
+          <a:prstGeom prst="rect">
+            <a:avLst/>
+          </a:prstGeom>
+          <a:noFill/>
+        </p:spPr>
+        <p:txBody>
+          <a:bodyPr wrap="none" rtlCol="0">
+            <a:spAutoFit/>
+          </a:bodyPr>
+          <a:lstStyle/>
+          <a:p>
+            <a:pPr marL="285750" indent="-285750">
+              <a:buFont typeface="Arial" panose="020B0604020202020204" pitchFamily="34" charset="0"/>
+              <a:buChar char="•"/>
+            </a:pPr>
+            <a:r>
+              <a:rPr lang="en-US" dirty="0" smtClean="0"/>
+              <a:t>Model watches to views and views watches the model. Too many Watches</a:t>
+            </a:r>
+          </a:p>
+          <a:p>
+            <a:pPr marL="285750" indent="-285750">
+              <a:buFont typeface="Arial" panose="020B0604020202020204" pitchFamily="34" charset="0"/>
+              <a:buChar char="•"/>
+            </a:pPr>
+            <a:r>
+              <a:rPr lang="en-US" dirty="0" smtClean="0"/>
+              <a:t>Views re rendering too </a:t>
+            </a:r>
+            <a:r>
+              <a:rPr lang="en-US" dirty="0"/>
+              <a:t>much due to cascading update</a:t>
+            </a:r>
+            <a:endParaRPr lang="en-US" dirty="0" smtClean="0"/>
+          </a:p>
+          <a:p>
+            <a:endParaRPr lang="en-US" dirty="0"/>
+          </a:p>
+        </p:txBody>
+      </p:sp>
+    </p:spTree>
+    <p:extLst>
+      <p:ext uri="{BB962C8B-B14F-4D97-AF65-F5344CB8AC3E}">
+        <p14:creationId xmlns:p14="http://schemas.microsoft.com/office/powerpoint/2010/main" val="209395790"/>
+      </p:ext>
+    </p:extLst>
+  </p:cSld>
+  <p:clrMapOvr>
+    <a:masterClrMapping/>
+  </p:clrMapOvr>
+  <p:timing>
+    <p:tnLst>
+      <p:par>
+        <p:cTn id="1" dur="indefinite" restart="never" nodeType="tmRoot"/>
+      </p:par>
+    </p:tnLst>
+  </p:timing>
+</p:sld>
+</file>
+
+<file path=ppt/slides/slide40.xml><?xml version="1.0" encoding="utf-8"?>
 <p:sld xmlns:a="http://schemas.openxmlformats.org/drawingml/2006/main" xmlns:r="http://schemas.openxmlformats.org/officeDocument/2006/relationships" xmlns:p="http://schemas.openxmlformats.org/presentationml/2006/main">
   <p:cSld>
     <p:spTree>
@@ -8569,147 +8767,7 @@
 </p:sld>
 </file>
 
-<file path=ppt/slides/slide4.xml><?xml version="1.0" encoding="utf-8"?>
-<p:sld xmlns:a="http://schemas.openxmlformats.org/drawingml/2006/main" xmlns:r="http://schemas.openxmlformats.org/officeDocument/2006/relationships" xmlns:p="http://schemas.openxmlformats.org/presentationml/2006/main">
-  <p:cSld>
-    <p:spTree>
-      <p:nvGrpSpPr>
-        <p:cNvPr id="1" name=""/>
-        <p:cNvGrpSpPr/>
-        <p:nvPr/>
-      </p:nvGrpSpPr>
-      <p:grpSpPr>
-        <a:xfrm>
-          <a:off x="0" y="0"/>
-          <a:ext cx="0" cy="0"/>
-          <a:chOff x="0" y="0"/>
-          <a:chExt cx="0" cy="0"/>
-        </a:xfrm>
-      </p:grpSpPr>
-      <p:sp>
-        <p:nvSpPr>
-          <p:cNvPr id="2" name="Title 1"/>
-          <p:cNvSpPr>
-            <a:spLocks noGrp="1"/>
-          </p:cNvSpPr>
-          <p:nvPr>
-            <p:ph type="title"/>
-          </p:nvPr>
-        </p:nvSpPr>
-        <p:spPr/>
-        <p:txBody>
-          <a:bodyPr/>
-          <a:lstStyle/>
-          <a:p>
-            <a:r>
-              <a:rPr lang="en-US" dirty="0" smtClean="0"/>
-              <a:t>Problem with MVC</a:t>
-            </a:r>
-            <a:endParaRPr lang="en-US" dirty="0"/>
-          </a:p>
-        </p:txBody>
-      </p:sp>
-      <p:pic>
-        <p:nvPicPr>
-          <p:cNvPr id="4" name="Content Placeholder 3"/>
-          <p:cNvPicPr>
-            <a:picLocks noGrp="1" noChangeAspect="1"/>
-          </p:cNvPicPr>
-          <p:nvPr>
-            <p:ph idx="1"/>
-          </p:nvPr>
-        </p:nvPicPr>
-        <p:blipFill>
-          <a:blip r:embed="rId2">
-            <a:extLst>
-              <a:ext uri="{28A0092B-C50C-407E-A947-70E740481C1C}">
-                <a14:useLocalDpi xmlns:a14="http://schemas.microsoft.com/office/drawing/2010/main" val="0"/>
-              </a:ext>
-            </a:extLst>
-          </a:blip>
-          <a:stretch>
-            <a:fillRect/>
-          </a:stretch>
-        </p:blipFill>
-        <p:spPr>
-          <a:xfrm>
-            <a:off x="1439908" y="1341064"/>
-            <a:ext cx="8027831" cy="2477432"/>
-          </a:xfrm>
-        </p:spPr>
-      </p:pic>
-      <p:sp>
-        <p:nvSpPr>
-          <p:cNvPr id="5" name="TextBox 4"/>
-          <p:cNvSpPr txBox="1"/>
-          <p:nvPr/>
-        </p:nvSpPr>
-        <p:spPr>
-          <a:xfrm>
-            <a:off x="1828800" y="4168588"/>
-            <a:ext cx="9722277" cy="1107996"/>
-          </a:xfrm>
-          <a:prstGeom prst="rect">
-            <a:avLst/>
-          </a:prstGeom>
-          <a:noFill/>
-        </p:spPr>
-        <p:txBody>
-          <a:bodyPr wrap="none" rtlCol="0">
-            <a:spAutoFit/>
-          </a:bodyPr>
-          <a:lstStyle/>
-          <a:p>
-            <a:pPr marL="285750" indent="-285750">
-              <a:buFont typeface="Arial" panose="020B0604020202020204" pitchFamily="34" charset="0"/>
-              <a:buChar char="•"/>
-            </a:pPr>
-            <a:r>
-              <a:rPr lang="en-US" sz="2400" dirty="0" smtClean="0"/>
-              <a:t>Model watches to views and views watches the model. Too many Watches</a:t>
-            </a:r>
-          </a:p>
-          <a:p>
-            <a:pPr marL="285750" indent="-285750">
-              <a:buFont typeface="Arial" panose="020B0604020202020204" pitchFamily="34" charset="0"/>
-              <a:buChar char="•"/>
-            </a:pPr>
-            <a:r>
-              <a:rPr lang="en-US" sz="2400" dirty="0" smtClean="0"/>
-              <a:t>Views re rendering too </a:t>
-            </a:r>
-            <a:r>
-              <a:rPr lang="en-US" sz="2400" dirty="0"/>
-              <a:t>much due to cascading update</a:t>
-            </a:r>
-            <a:endParaRPr lang="en-US" sz="2400" dirty="0" smtClean="0"/>
-          </a:p>
-          <a:p>
-            <a:endParaRPr lang="en-US" dirty="0"/>
-          </a:p>
-        </p:txBody>
-      </p:sp>
-    </p:spTree>
-    <p:extLst>
-      <p:ext uri="{BB962C8B-B14F-4D97-AF65-F5344CB8AC3E}">
-        <p14:creationId xmlns:p14="http://schemas.microsoft.com/office/powerpoint/2010/main" val="209395790"/>
-      </p:ext>
-    </p:extLst>
-  </p:cSld>
-  <p:clrMapOvr>
-    <a:masterClrMapping/>
-  </p:clrMapOvr>
-  <p:timing>
-    <p:tnLst>
-      <p:par>
-        <p:cTn id="1" dur="indefinite" restart="never" nodeType="tmRoot"/>
-      </p:par>
-    </p:tnLst>
-  </p:timing>
-</p:sld>
-</file>
-
-<file path=ppt/slides/slide40.xml><?xml version="1.0" encoding="utf-8"?>
+<file path=ppt/slides/slide41.xml><?xml version="1.0" encoding="utf-8"?>
 <p:sld xmlns:a="http://schemas.openxmlformats.org/drawingml/2006/main" xmlns:r="http://schemas.openxmlformats.org/officeDocument/2006/relationships" xmlns:p="http://schemas.openxmlformats.org/presentationml/2006/main">
   <p:cSld>
     <p:spTree>
@@ -8857,7 +8915,657 @@
 </p:sld>
 </file>
 
-<file path=ppt/slides/slide41.xml><?xml version="1.0" encoding="utf-8"?>
+<file path=ppt/slides/slide42.xml><?xml version="1.0" encoding="utf-8"?>
+<p:sld xmlns:a="http://schemas.openxmlformats.org/drawingml/2006/main" xmlns:r="http://schemas.openxmlformats.org/officeDocument/2006/relationships" xmlns:p="http://schemas.openxmlformats.org/presentationml/2006/main">
+  <p:cSld>
+    <p:spTree>
+      <p:nvGrpSpPr>
+        <p:cNvPr id="1" name=""/>
+        <p:cNvGrpSpPr/>
+        <p:nvPr/>
+      </p:nvGrpSpPr>
+      <p:grpSpPr>
+        <a:xfrm>
+          <a:off x="0" y="0"/>
+          <a:ext cx="0" cy="0"/>
+          <a:chOff x="0" y="0"/>
+          <a:chExt cx="0" cy="0"/>
+        </a:xfrm>
+      </p:grpSpPr>
+      <p:sp>
+        <p:nvSpPr>
+          <p:cNvPr id="2" name="Title 1"/>
+          <p:cNvSpPr>
+            <a:spLocks noGrp="1"/>
+          </p:cNvSpPr>
+          <p:nvPr>
+            <p:ph type="title"/>
+          </p:nvPr>
+        </p:nvSpPr>
+        <p:spPr/>
+        <p:txBody>
+          <a:bodyPr/>
+          <a:lstStyle/>
+          <a:p>
+            <a:r>
+              <a:rPr lang="en-US" dirty="0" smtClean="0"/>
+              <a:t>Using Jest</a:t>
+            </a:r>
+            <a:endParaRPr lang="en-US" dirty="0"/>
+          </a:p>
+        </p:txBody>
+      </p:sp>
+      <p:sp>
+        <p:nvSpPr>
+          <p:cNvPr id="3" name="Content Placeholder 2"/>
+          <p:cNvSpPr>
+            <a:spLocks noGrp="1"/>
+          </p:cNvSpPr>
+          <p:nvPr>
+            <p:ph idx="1"/>
+          </p:nvPr>
+        </p:nvSpPr>
+        <p:spPr/>
+        <p:txBody>
+          <a:bodyPr/>
+          <a:lstStyle/>
+          <a:p>
+            <a:pPr marL="0" indent="0">
+              <a:buNone/>
+            </a:pPr>
+            <a:r>
+              <a:rPr lang="en-US" dirty="0"/>
+              <a:t>Jest provides </a:t>
+            </a:r>
+            <a:r>
+              <a:rPr lang="en-US" dirty="0" smtClean="0"/>
+              <a:t>you:</a:t>
+            </a:r>
+            <a:endParaRPr lang="en-US" dirty="0"/>
+          </a:p>
+          <a:p>
+            <a:r>
+              <a:rPr lang="en-US" dirty="0"/>
+              <a:t>Automatically finds tests to execute in your </a:t>
+            </a:r>
+            <a:r>
+              <a:rPr lang="en-US" dirty="0" smtClean="0"/>
+              <a:t>repository.</a:t>
+            </a:r>
+            <a:endParaRPr lang="en-US" dirty="0"/>
+          </a:p>
+          <a:p>
+            <a:endParaRPr lang="en-US" dirty="0"/>
+          </a:p>
+        </p:txBody>
+      </p:sp>
+    </p:spTree>
+    <p:extLst>
+      <p:ext uri="{BB962C8B-B14F-4D97-AF65-F5344CB8AC3E}">
+        <p14:creationId xmlns:p14="http://schemas.microsoft.com/office/powerpoint/2010/main" val="2467322991"/>
+      </p:ext>
+    </p:extLst>
+  </p:cSld>
+  <p:clrMapOvr>
+    <a:masterClrMapping/>
+  </p:clrMapOvr>
+</p:sld>
+</file>
+
+<file path=ppt/slides/slide43.xml><?xml version="1.0" encoding="utf-8"?>
+<p:sld xmlns:a="http://schemas.openxmlformats.org/drawingml/2006/main" xmlns:r="http://schemas.openxmlformats.org/officeDocument/2006/relationships" xmlns:p="http://schemas.openxmlformats.org/presentationml/2006/main">
+  <p:cSld>
+    <p:spTree>
+      <p:nvGrpSpPr>
+        <p:cNvPr id="1" name=""/>
+        <p:cNvGrpSpPr/>
+        <p:nvPr/>
+      </p:nvGrpSpPr>
+      <p:grpSpPr>
+        <a:xfrm>
+          <a:off x="0" y="0"/>
+          <a:ext cx="0" cy="0"/>
+          <a:chOff x="0" y="0"/>
+          <a:chExt cx="0" cy="0"/>
+        </a:xfrm>
+      </p:grpSpPr>
+      <p:sp>
+        <p:nvSpPr>
+          <p:cNvPr id="2" name="Title 1"/>
+          <p:cNvSpPr>
+            <a:spLocks noGrp="1"/>
+          </p:cNvSpPr>
+          <p:nvPr>
+            <p:ph type="title"/>
+          </p:nvPr>
+        </p:nvSpPr>
+        <p:spPr/>
+        <p:txBody>
+          <a:bodyPr/>
+          <a:lstStyle/>
+          <a:p>
+            <a:r>
+              <a:rPr lang="en-US" dirty="0" smtClean="0"/>
+              <a:t>Using Jest</a:t>
+            </a:r>
+            <a:endParaRPr lang="en-US" dirty="0"/>
+          </a:p>
+        </p:txBody>
+      </p:sp>
+      <p:sp>
+        <p:nvSpPr>
+          <p:cNvPr id="3" name="Content Placeholder 2"/>
+          <p:cNvSpPr>
+            <a:spLocks noGrp="1"/>
+          </p:cNvSpPr>
+          <p:nvPr>
+            <p:ph idx="1"/>
+          </p:nvPr>
+        </p:nvSpPr>
+        <p:spPr/>
+        <p:txBody>
+          <a:bodyPr/>
+          <a:lstStyle/>
+          <a:p>
+            <a:pPr marL="0" indent="0">
+              <a:buNone/>
+            </a:pPr>
+            <a:r>
+              <a:rPr lang="en-US" dirty="0"/>
+              <a:t>Jest provides </a:t>
+            </a:r>
+            <a:r>
+              <a:rPr lang="en-US" dirty="0" smtClean="0"/>
+              <a:t>you:</a:t>
+            </a:r>
+            <a:endParaRPr lang="en-US" dirty="0"/>
+          </a:p>
+          <a:p>
+            <a:r>
+              <a:rPr lang="en-US" dirty="0"/>
+              <a:t>Automatically finds tests to execute in your </a:t>
+            </a:r>
+            <a:r>
+              <a:rPr lang="en-US" dirty="0" smtClean="0"/>
+              <a:t>repository.</a:t>
+            </a:r>
+            <a:endParaRPr lang="en-US" dirty="0"/>
+          </a:p>
+          <a:p>
+            <a:r>
+              <a:rPr lang="en-US" dirty="0"/>
+              <a:t>Automatically mocks dependencies for you when running your tests</a:t>
+            </a:r>
+          </a:p>
+          <a:p>
+            <a:endParaRPr lang="en-US" dirty="0"/>
+          </a:p>
+        </p:txBody>
+      </p:sp>
+    </p:spTree>
+    <p:extLst>
+      <p:ext uri="{BB962C8B-B14F-4D97-AF65-F5344CB8AC3E}">
+        <p14:creationId xmlns:p14="http://schemas.microsoft.com/office/powerpoint/2010/main" val="2020463584"/>
+      </p:ext>
+    </p:extLst>
+  </p:cSld>
+  <p:clrMapOvr>
+    <a:masterClrMapping/>
+  </p:clrMapOvr>
+</p:sld>
+</file>
+
+<file path=ppt/slides/slide44.xml><?xml version="1.0" encoding="utf-8"?>
+<p:sld xmlns:a="http://schemas.openxmlformats.org/drawingml/2006/main" xmlns:r="http://schemas.openxmlformats.org/officeDocument/2006/relationships" xmlns:p="http://schemas.openxmlformats.org/presentationml/2006/main">
+  <p:cSld>
+    <p:spTree>
+      <p:nvGrpSpPr>
+        <p:cNvPr id="1" name=""/>
+        <p:cNvGrpSpPr/>
+        <p:nvPr/>
+      </p:nvGrpSpPr>
+      <p:grpSpPr>
+        <a:xfrm>
+          <a:off x="0" y="0"/>
+          <a:ext cx="0" cy="0"/>
+          <a:chOff x="0" y="0"/>
+          <a:chExt cx="0" cy="0"/>
+        </a:xfrm>
+      </p:grpSpPr>
+      <p:sp>
+        <p:nvSpPr>
+          <p:cNvPr id="2" name="Title 1"/>
+          <p:cNvSpPr>
+            <a:spLocks noGrp="1"/>
+          </p:cNvSpPr>
+          <p:nvPr>
+            <p:ph type="title"/>
+          </p:nvPr>
+        </p:nvSpPr>
+        <p:spPr/>
+        <p:txBody>
+          <a:bodyPr/>
+          <a:lstStyle/>
+          <a:p>
+            <a:r>
+              <a:rPr lang="en-US" dirty="0" smtClean="0"/>
+              <a:t>Using Jest</a:t>
+            </a:r>
+            <a:endParaRPr lang="en-US" dirty="0"/>
+          </a:p>
+        </p:txBody>
+      </p:sp>
+      <p:sp>
+        <p:nvSpPr>
+          <p:cNvPr id="3" name="Content Placeholder 2"/>
+          <p:cNvSpPr>
+            <a:spLocks noGrp="1"/>
+          </p:cNvSpPr>
+          <p:nvPr>
+            <p:ph idx="1"/>
+          </p:nvPr>
+        </p:nvSpPr>
+        <p:spPr/>
+        <p:txBody>
+          <a:bodyPr/>
+          <a:lstStyle/>
+          <a:p>
+            <a:pPr marL="0" indent="0">
+              <a:buNone/>
+            </a:pPr>
+            <a:r>
+              <a:rPr lang="en-US" dirty="0"/>
+              <a:t>Jest provides </a:t>
+            </a:r>
+            <a:r>
+              <a:rPr lang="en-US" dirty="0" smtClean="0"/>
+              <a:t>you:</a:t>
+            </a:r>
+            <a:endParaRPr lang="en-US" dirty="0"/>
+          </a:p>
+          <a:p>
+            <a:r>
+              <a:rPr lang="en-US" dirty="0"/>
+              <a:t>Automatically finds tests to execute in your </a:t>
+            </a:r>
+            <a:r>
+              <a:rPr lang="en-US" dirty="0" smtClean="0"/>
+              <a:t>repository.</a:t>
+            </a:r>
+            <a:endParaRPr lang="en-US" dirty="0"/>
+          </a:p>
+          <a:p>
+            <a:r>
+              <a:rPr lang="en-US" dirty="0"/>
+              <a:t>Automatically mocks dependencies for you when running your tests</a:t>
+            </a:r>
+          </a:p>
+          <a:p>
+            <a:r>
+              <a:rPr lang="en-US" dirty="0"/>
+              <a:t>Allows you to test asynchronous code synchronously</a:t>
+            </a:r>
+          </a:p>
+          <a:p>
+            <a:endParaRPr lang="en-US" dirty="0"/>
+          </a:p>
+        </p:txBody>
+      </p:sp>
+    </p:spTree>
+    <p:extLst>
+      <p:ext uri="{BB962C8B-B14F-4D97-AF65-F5344CB8AC3E}">
+        <p14:creationId xmlns:p14="http://schemas.microsoft.com/office/powerpoint/2010/main" val="2122791856"/>
+      </p:ext>
+    </p:extLst>
+  </p:cSld>
+  <p:clrMapOvr>
+    <a:masterClrMapping/>
+  </p:clrMapOvr>
+</p:sld>
+</file>
+
+<file path=ppt/slides/slide45.xml><?xml version="1.0" encoding="utf-8"?>
+<p:sld xmlns:a="http://schemas.openxmlformats.org/drawingml/2006/main" xmlns:r="http://schemas.openxmlformats.org/officeDocument/2006/relationships" xmlns:p="http://schemas.openxmlformats.org/presentationml/2006/main">
+  <p:cSld>
+    <p:spTree>
+      <p:nvGrpSpPr>
+        <p:cNvPr id="1" name=""/>
+        <p:cNvGrpSpPr/>
+        <p:nvPr/>
+      </p:nvGrpSpPr>
+      <p:grpSpPr>
+        <a:xfrm>
+          <a:off x="0" y="0"/>
+          <a:ext cx="0" cy="0"/>
+          <a:chOff x="0" y="0"/>
+          <a:chExt cx="0" cy="0"/>
+        </a:xfrm>
+      </p:grpSpPr>
+      <p:sp>
+        <p:nvSpPr>
+          <p:cNvPr id="2" name="Title 1"/>
+          <p:cNvSpPr>
+            <a:spLocks noGrp="1"/>
+          </p:cNvSpPr>
+          <p:nvPr>
+            <p:ph type="title"/>
+          </p:nvPr>
+        </p:nvSpPr>
+        <p:spPr/>
+        <p:txBody>
+          <a:bodyPr/>
+          <a:lstStyle/>
+          <a:p>
+            <a:r>
+              <a:rPr lang="en-US" dirty="0" smtClean="0"/>
+              <a:t>Using Jest</a:t>
+            </a:r>
+            <a:endParaRPr lang="en-US" dirty="0"/>
+          </a:p>
+        </p:txBody>
+      </p:sp>
+      <p:sp>
+        <p:nvSpPr>
+          <p:cNvPr id="3" name="Content Placeholder 2"/>
+          <p:cNvSpPr>
+            <a:spLocks noGrp="1"/>
+          </p:cNvSpPr>
+          <p:nvPr>
+            <p:ph idx="1"/>
+          </p:nvPr>
+        </p:nvSpPr>
+        <p:spPr/>
+        <p:txBody>
+          <a:bodyPr/>
+          <a:lstStyle/>
+          <a:p>
+            <a:pPr marL="0" indent="0">
+              <a:buNone/>
+            </a:pPr>
+            <a:r>
+              <a:rPr lang="en-US" dirty="0"/>
+              <a:t>Jest provides </a:t>
+            </a:r>
+            <a:r>
+              <a:rPr lang="en-US" dirty="0" smtClean="0"/>
+              <a:t>you:</a:t>
+            </a:r>
+            <a:endParaRPr lang="en-US" dirty="0"/>
+          </a:p>
+          <a:p>
+            <a:r>
+              <a:rPr lang="en-US" dirty="0"/>
+              <a:t>Automatically finds tests to execute in your </a:t>
+            </a:r>
+            <a:r>
+              <a:rPr lang="en-US" dirty="0" smtClean="0"/>
+              <a:t>repository.</a:t>
+            </a:r>
+            <a:endParaRPr lang="en-US" dirty="0"/>
+          </a:p>
+          <a:p>
+            <a:r>
+              <a:rPr lang="en-US" dirty="0"/>
+              <a:t>Automatically mocks dependencies for you when running your tests</a:t>
+            </a:r>
+          </a:p>
+          <a:p>
+            <a:r>
+              <a:rPr lang="en-US" dirty="0"/>
+              <a:t>Allows you to test asynchronous code synchronously</a:t>
+            </a:r>
+          </a:p>
+          <a:p>
+            <a:r>
+              <a:rPr lang="en-US" dirty="0"/>
+              <a:t>Runs your tests with a fake DOM implementation (via jsdom) so that your tests can run on the command line</a:t>
+            </a:r>
+          </a:p>
+          <a:p>
+            <a:pPr marL="0" indent="0">
+              <a:buNone/>
+            </a:pPr>
+            <a:endParaRPr lang="en-US" dirty="0"/>
+          </a:p>
+        </p:txBody>
+      </p:sp>
+    </p:spTree>
+    <p:extLst>
+      <p:ext uri="{BB962C8B-B14F-4D97-AF65-F5344CB8AC3E}">
+        <p14:creationId xmlns:p14="http://schemas.microsoft.com/office/powerpoint/2010/main" val="3778917702"/>
+      </p:ext>
+    </p:extLst>
+  </p:cSld>
+  <p:clrMapOvr>
+    <a:masterClrMapping/>
+  </p:clrMapOvr>
+</p:sld>
+</file>
+
+<file path=ppt/slides/slide46.xml><?xml version="1.0" encoding="utf-8"?>
+<p:sld xmlns:a="http://schemas.openxmlformats.org/drawingml/2006/main" xmlns:r="http://schemas.openxmlformats.org/officeDocument/2006/relationships" xmlns:p="http://schemas.openxmlformats.org/presentationml/2006/main">
+  <p:cSld>
+    <p:spTree>
+      <p:nvGrpSpPr>
+        <p:cNvPr id="1" name=""/>
+        <p:cNvGrpSpPr/>
+        <p:nvPr/>
+      </p:nvGrpSpPr>
+      <p:grpSpPr>
+        <a:xfrm>
+          <a:off x="0" y="0"/>
+          <a:ext cx="0" cy="0"/>
+          <a:chOff x="0" y="0"/>
+          <a:chExt cx="0" cy="0"/>
+        </a:xfrm>
+      </p:grpSpPr>
+      <p:sp>
+        <p:nvSpPr>
+          <p:cNvPr id="2" name="Title 1"/>
+          <p:cNvSpPr>
+            <a:spLocks noGrp="1"/>
+          </p:cNvSpPr>
+          <p:nvPr>
+            <p:ph type="title"/>
+          </p:nvPr>
+        </p:nvSpPr>
+        <p:spPr/>
+        <p:txBody>
+          <a:bodyPr/>
+          <a:lstStyle/>
+          <a:p>
+            <a:r>
+              <a:rPr lang="en-US" dirty="0" smtClean="0"/>
+              <a:t>Using Jest</a:t>
+            </a:r>
+            <a:endParaRPr lang="en-US" dirty="0"/>
+          </a:p>
+        </p:txBody>
+      </p:sp>
+      <p:sp>
+        <p:nvSpPr>
+          <p:cNvPr id="3" name="Content Placeholder 2"/>
+          <p:cNvSpPr>
+            <a:spLocks noGrp="1"/>
+          </p:cNvSpPr>
+          <p:nvPr>
+            <p:ph idx="1"/>
+          </p:nvPr>
+        </p:nvSpPr>
+        <p:spPr/>
+        <p:txBody>
+          <a:bodyPr/>
+          <a:lstStyle/>
+          <a:p>
+            <a:pPr marL="0" indent="0">
+              <a:buNone/>
+            </a:pPr>
+            <a:r>
+              <a:rPr lang="en-US" dirty="0"/>
+              <a:t>Jest provides </a:t>
+            </a:r>
+            <a:r>
+              <a:rPr lang="en-US" dirty="0" smtClean="0"/>
+              <a:t>you:</a:t>
+            </a:r>
+            <a:endParaRPr lang="en-US" dirty="0"/>
+          </a:p>
+          <a:p>
+            <a:r>
+              <a:rPr lang="en-US" dirty="0"/>
+              <a:t>Automatically finds tests to execute in your </a:t>
+            </a:r>
+            <a:r>
+              <a:rPr lang="en-US" dirty="0" smtClean="0"/>
+              <a:t>repository.</a:t>
+            </a:r>
+            <a:endParaRPr lang="en-US" dirty="0"/>
+          </a:p>
+          <a:p>
+            <a:r>
+              <a:rPr lang="en-US" dirty="0"/>
+              <a:t>Automatically mocks dependencies for you when running your tests</a:t>
+            </a:r>
+          </a:p>
+          <a:p>
+            <a:r>
+              <a:rPr lang="en-US" dirty="0"/>
+              <a:t>Allows you to test asynchronous code synchronously</a:t>
+            </a:r>
+          </a:p>
+          <a:p>
+            <a:r>
+              <a:rPr lang="en-US" dirty="0"/>
+              <a:t>Runs your tests with a fake DOM implementation (via jsdom) so that your tests can run on the command line</a:t>
+            </a:r>
+          </a:p>
+          <a:p>
+            <a:r>
+              <a:rPr lang="en-US" dirty="0"/>
+              <a:t>Runs tests in parallel processes so that they finish sooner</a:t>
+            </a:r>
+          </a:p>
+          <a:p>
+            <a:endParaRPr lang="en-US" dirty="0"/>
+          </a:p>
+        </p:txBody>
+      </p:sp>
+    </p:spTree>
+    <p:extLst>
+      <p:ext uri="{BB962C8B-B14F-4D97-AF65-F5344CB8AC3E}">
+        <p14:creationId xmlns:p14="http://schemas.microsoft.com/office/powerpoint/2010/main" val="2356172442"/>
+      </p:ext>
+    </p:extLst>
+  </p:cSld>
+  <p:clrMapOvr>
+    <a:masterClrMapping/>
+  </p:clrMapOvr>
+</p:sld>
+</file>
+
+<file path=ppt/slides/slide47.xml><?xml version="1.0" encoding="utf-8"?>
+<p:sld xmlns:a="http://schemas.openxmlformats.org/drawingml/2006/main" xmlns:r="http://schemas.openxmlformats.org/officeDocument/2006/relationships" xmlns:p="http://schemas.openxmlformats.org/presentationml/2006/main">
+  <p:cSld>
+    <p:spTree>
+      <p:nvGrpSpPr>
+        <p:cNvPr id="1" name=""/>
+        <p:cNvGrpSpPr/>
+        <p:nvPr/>
+      </p:nvGrpSpPr>
+      <p:grpSpPr>
+        <a:xfrm>
+          <a:off x="0" y="0"/>
+          <a:ext cx="0" cy="0"/>
+          <a:chOff x="0" y="0"/>
+          <a:chExt cx="0" cy="0"/>
+        </a:xfrm>
+      </p:grpSpPr>
+      <p:sp>
+        <p:nvSpPr>
+          <p:cNvPr id="2" name="Title 1"/>
+          <p:cNvSpPr>
+            <a:spLocks noGrp="1"/>
+          </p:cNvSpPr>
+          <p:nvPr>
+            <p:ph type="title"/>
+          </p:nvPr>
+        </p:nvSpPr>
+        <p:spPr/>
+        <p:txBody>
+          <a:bodyPr/>
+          <a:lstStyle/>
+          <a:p>
+            <a:r>
+              <a:rPr lang="en-US" dirty="0" smtClean="0"/>
+              <a:t>Setting Up Jest</a:t>
+            </a:r>
+            <a:endParaRPr lang="en-US" dirty="0"/>
+          </a:p>
+        </p:txBody>
+      </p:sp>
+      <p:sp>
+        <p:nvSpPr>
+          <p:cNvPr id="3" name="Content Placeholder 2"/>
+          <p:cNvSpPr>
+            <a:spLocks noGrp="1"/>
+          </p:cNvSpPr>
+          <p:nvPr>
+            <p:ph idx="1"/>
+          </p:nvPr>
+        </p:nvSpPr>
+        <p:spPr/>
+        <p:txBody>
+          <a:bodyPr/>
+          <a:lstStyle/>
+          <a:p>
+            <a:r>
+              <a:rPr lang="en-US" dirty="0" smtClean="0"/>
+              <a:t>Directory Structure</a:t>
+            </a:r>
+          </a:p>
+          <a:p>
+            <a:endParaRPr lang="en-US" dirty="0"/>
+          </a:p>
+        </p:txBody>
+      </p:sp>
+      <p:pic>
+        <p:nvPicPr>
+          <p:cNvPr id="7" name="Picture 6"/>
+          <p:cNvPicPr>
+            <a:picLocks noChangeAspect="1"/>
+          </p:cNvPicPr>
+          <p:nvPr/>
+        </p:nvPicPr>
+        <p:blipFill>
+          <a:blip r:embed="rId2"/>
+          <a:stretch>
+            <a:fillRect/>
+          </a:stretch>
+        </p:blipFill>
+        <p:spPr>
+          <a:xfrm>
+            <a:off x="1056068" y="2333557"/>
+            <a:ext cx="4228563" cy="3045341"/>
+          </a:xfrm>
+          <a:prstGeom prst="rect">
+            <a:avLst/>
+          </a:prstGeom>
+        </p:spPr>
+      </p:pic>
+    </p:spTree>
+    <p:extLst>
+      <p:ext uri="{BB962C8B-B14F-4D97-AF65-F5344CB8AC3E}">
+        <p14:creationId xmlns:p14="http://schemas.microsoft.com/office/powerpoint/2010/main" val="801430724"/>
+      </p:ext>
+    </p:extLst>
+  </p:cSld>
+  <p:clrMapOvr>
+    <a:masterClrMapping/>
+  </p:clrMapOvr>
+</p:sld>
+</file>
+
+<file path=ppt/slides/slide48.xml><?xml version="1.0" encoding="utf-8"?>
 <p:sld xmlns:a="http://schemas.openxmlformats.org/drawingml/2006/main" xmlns:r="http://schemas.openxmlformats.org/officeDocument/2006/relationships" xmlns:p="http://schemas.openxmlformats.org/presentationml/2006/main">
   <p:cSld>
     <p:spTree>
@@ -9176,7 +9884,7 @@
         <p:spPr>
           <a:xfrm>
             <a:off x="1828800" y="4168588"/>
-            <a:ext cx="9722277" cy="1477328"/>
+            <a:ext cx="7428124" cy="1200329"/>
           </a:xfrm>
           <a:prstGeom prst="rect">
             <a:avLst/>
@@ -9194,7 +9902,7 @@
               <a:buChar char="•"/>
             </a:pPr>
             <a:r>
-              <a:rPr lang="en-US" sz="2400" dirty="0" smtClean="0"/>
+              <a:rPr lang="en-US" dirty="0" smtClean="0"/>
               <a:t>Model watches to views and views watches the model. Too many Watches</a:t>
             </a:r>
           </a:p>
@@ -9204,14 +9912,14 @@
               <a:buChar char="•"/>
             </a:pPr>
             <a:r>
-              <a:rPr lang="en-US" sz="2400" dirty="0" smtClean="0"/>
+              <a:rPr lang="en-US" dirty="0" smtClean="0"/>
               <a:t>Views re rendering too </a:t>
             </a:r>
             <a:r>
-              <a:rPr lang="en-US" sz="2400" dirty="0"/>
+              <a:rPr lang="en-US" dirty="0"/>
               <a:t>much due to cascading update</a:t>
             </a:r>
-            <a:endParaRPr lang="en-US" sz="2400" dirty="0" smtClean="0"/>
+            <a:endParaRPr lang="en-US" dirty="0" smtClean="0"/>
           </a:p>
           <a:p>
             <a:pPr marL="285750" indent="-285750">
@@ -9219,12 +9927,8 @@
               <a:buChar char="•"/>
             </a:pPr>
             <a:r>
-              <a:rPr lang="en-US" sz="2400" dirty="0" smtClean="0"/>
-              <a:t>Makes </a:t>
-            </a:r>
-            <a:r>
-              <a:rPr lang="en-US" sz="2400" dirty="0" smtClean="0"/>
-              <a:t>a page of real time data heavy to render</a:t>
+              <a:rPr lang="en-US" dirty="0" smtClean="0"/>
+              <a:t>Makes a page of real time data heavy to render</a:t>
             </a:r>
           </a:p>
           <a:p>
@@ -9330,7 +10034,7 @@
         <p:spPr>
           <a:xfrm>
             <a:off x="1828800" y="4168588"/>
-            <a:ext cx="9722277" cy="1846659"/>
+            <a:ext cx="7428124" cy="1477328"/>
           </a:xfrm>
           <a:prstGeom prst="rect">
             <a:avLst/>
@@ -9348,7 +10052,7 @@
               <a:buChar char="•"/>
             </a:pPr>
             <a:r>
-              <a:rPr lang="en-US" sz="2400" dirty="0" smtClean="0"/>
+              <a:rPr lang="en-US" dirty="0" smtClean="0"/>
               <a:t>Model watches to views and views watches the model. Too many Watches</a:t>
             </a:r>
           </a:p>
@@ -9358,14 +10062,14 @@
               <a:buChar char="•"/>
             </a:pPr>
             <a:r>
-              <a:rPr lang="en-US" sz="2400" dirty="0"/>
+              <a:rPr lang="en-US" dirty="0"/>
               <a:t>Views re rendering too </a:t>
             </a:r>
             <a:r>
-              <a:rPr lang="en-US" sz="2400" dirty="0" smtClean="0"/>
+              <a:rPr lang="en-US" dirty="0" smtClean="0"/>
               <a:t>much due to cascading update</a:t>
             </a:r>
-            <a:endParaRPr lang="en-US" sz="2400" dirty="0"/>
+            <a:endParaRPr lang="en-US" dirty="0"/>
           </a:p>
           <a:p>
             <a:pPr marL="285750" indent="-285750">
@@ -9373,7 +10077,7 @@
               <a:buChar char="•"/>
             </a:pPr>
             <a:r>
-              <a:rPr lang="en-US" sz="2400" dirty="0" smtClean="0"/>
+              <a:rPr lang="en-US" dirty="0" smtClean="0"/>
               <a:t>Makes a page of real time data heavy to render</a:t>
             </a:r>
           </a:p>
@@ -9383,7 +10087,7 @@
               <a:buChar char="•"/>
             </a:pPr>
             <a:r>
-              <a:rPr lang="en-US" sz="2400" dirty="0" smtClean="0"/>
+              <a:rPr lang="en-US" dirty="0" smtClean="0"/>
               <a:t>Two way data flow make it difficult to debug a problem</a:t>
             </a:r>
           </a:p>
@@ -9413,6 +10117,214 @@
 </file>
 
 <file path=ppt/slides/slide7.xml><?xml version="1.0" encoding="utf-8"?>
+<p:sld xmlns:a="http://schemas.openxmlformats.org/drawingml/2006/main" xmlns:r="http://schemas.openxmlformats.org/officeDocument/2006/relationships" xmlns:p="http://schemas.openxmlformats.org/presentationml/2006/main">
+  <p:cSld>
+    <p:spTree>
+      <p:nvGrpSpPr>
+        <p:cNvPr id="1" name=""/>
+        <p:cNvGrpSpPr/>
+        <p:nvPr/>
+      </p:nvGrpSpPr>
+      <p:grpSpPr>
+        <a:xfrm>
+          <a:off x="0" y="0"/>
+          <a:ext cx="0" cy="0"/>
+          <a:chOff x="0" y="0"/>
+          <a:chExt cx="0" cy="0"/>
+        </a:xfrm>
+      </p:grpSpPr>
+      <p:sp>
+        <p:nvSpPr>
+          <p:cNvPr id="2" name="Title 1"/>
+          <p:cNvSpPr>
+            <a:spLocks noGrp="1"/>
+          </p:cNvSpPr>
+          <p:nvPr>
+            <p:ph type="title"/>
+          </p:nvPr>
+        </p:nvSpPr>
+        <p:spPr/>
+        <p:txBody>
+          <a:bodyPr/>
+          <a:lstStyle/>
+          <a:p>
+            <a:r>
+              <a:rPr lang="en-US" dirty="0" smtClean="0"/>
+              <a:t>Problem with MVC</a:t>
+            </a:r>
+            <a:endParaRPr lang="en-US" dirty="0"/>
+          </a:p>
+        </p:txBody>
+      </p:sp>
+      <p:pic>
+        <p:nvPicPr>
+          <p:cNvPr id="4" name="Content Placeholder 3"/>
+          <p:cNvPicPr>
+            <a:picLocks noGrp="1" noChangeAspect="1"/>
+          </p:cNvPicPr>
+          <p:nvPr>
+            <p:ph idx="1"/>
+          </p:nvPr>
+        </p:nvPicPr>
+        <p:blipFill>
+          <a:blip r:embed="rId2">
+            <a:extLst>
+              <a:ext uri="{28A0092B-C50C-407E-A947-70E740481C1C}">
+                <a14:useLocalDpi xmlns:a14="http://schemas.microsoft.com/office/drawing/2010/main" val="0"/>
+              </a:ext>
+            </a:extLst>
+          </a:blip>
+          <a:stretch>
+            <a:fillRect/>
+          </a:stretch>
+        </p:blipFill>
+        <p:spPr>
+          <a:xfrm>
+            <a:off x="1439908" y="1341064"/>
+            <a:ext cx="8027831" cy="2477432"/>
+          </a:xfrm>
+        </p:spPr>
+      </p:pic>
+      <p:sp>
+        <p:nvSpPr>
+          <p:cNvPr id="5" name="TextBox 4"/>
+          <p:cNvSpPr txBox="1"/>
+          <p:nvPr/>
+        </p:nvSpPr>
+        <p:spPr>
+          <a:xfrm>
+            <a:off x="1828800" y="4168588"/>
+            <a:ext cx="10232738" cy="3139321"/>
+          </a:xfrm>
+          <a:prstGeom prst="rect">
+            <a:avLst/>
+          </a:prstGeom>
+          <a:noFill/>
+        </p:spPr>
+        <p:txBody>
+          <a:bodyPr wrap="none" rtlCol="0">
+            <a:spAutoFit/>
+          </a:bodyPr>
+          <a:lstStyle/>
+          <a:p>
+            <a:pPr marL="285750" indent="-285750">
+              <a:buFont typeface="Arial" panose="020B0604020202020204" pitchFamily="34" charset="0"/>
+              <a:buChar char="•"/>
+            </a:pPr>
+            <a:r>
+              <a:rPr lang="en-US" dirty="0" smtClean="0"/>
+              <a:t>Model watches to views and views watches the model. Too many Watches</a:t>
+            </a:r>
+          </a:p>
+          <a:p>
+            <a:pPr marL="285750" indent="-285750">
+              <a:buFont typeface="Arial" panose="020B0604020202020204" pitchFamily="34" charset="0"/>
+              <a:buChar char="•"/>
+            </a:pPr>
+            <a:r>
+              <a:rPr lang="en-US" dirty="0"/>
+              <a:t>Views re rendering too much</a:t>
+            </a:r>
+          </a:p>
+          <a:p>
+            <a:pPr marL="285750" indent="-285750">
+              <a:buFont typeface="Arial" panose="020B0604020202020204" pitchFamily="34" charset="0"/>
+              <a:buChar char="•"/>
+            </a:pPr>
+            <a:r>
+              <a:rPr lang="en-US" dirty="0" smtClean="0"/>
+              <a:t>Makes a page of real time data heavy to render</a:t>
+            </a:r>
+          </a:p>
+          <a:p>
+            <a:pPr marL="285750" indent="-285750">
+              <a:buFont typeface="Arial" panose="020B0604020202020204" pitchFamily="34" charset="0"/>
+              <a:buChar char="•"/>
+            </a:pPr>
+            <a:r>
+              <a:rPr lang="en-US" dirty="0" smtClean="0"/>
+              <a:t>Two way data flow make it difficult to debug a problem.</a:t>
+            </a:r>
+          </a:p>
+          <a:p>
+            <a:pPr marL="285750" indent="-285750">
+              <a:buFont typeface="Arial" panose="020B0604020202020204" pitchFamily="34" charset="0"/>
+              <a:buChar char="•"/>
+            </a:pPr>
+            <a:r>
+              <a:rPr lang="en-US" dirty="0" smtClean="0"/>
+              <a:t>MVC </a:t>
+            </a:r>
+            <a:r>
+              <a:rPr lang="en-US" dirty="0"/>
+              <a:t>did not scale well for Facebook’s huge codebase. The main problem for them was the bidirectional </a:t>
+            </a:r>
+            <a:endParaRPr lang="en-US" dirty="0" smtClean="0"/>
+          </a:p>
+          <a:p>
+            <a:r>
+              <a:rPr lang="en-US" dirty="0" smtClean="0"/>
+              <a:t>     communication</a:t>
+            </a:r>
+            <a:r>
+              <a:rPr lang="en-US" dirty="0"/>
+              <a:t>, where one change can loop back and have cascading effects across the codebase </a:t>
+            </a:r>
+            <a:endParaRPr lang="en-US" dirty="0" smtClean="0"/>
+          </a:p>
+          <a:p>
+            <a:r>
+              <a:rPr lang="en-US" dirty="0" smtClean="0"/>
+              <a:t>     (</a:t>
+            </a:r>
+            <a:r>
+              <a:rPr lang="en-US" dirty="0"/>
+              <a:t>making things very complicated to debug and understand).</a:t>
+            </a:r>
+          </a:p>
+          <a:p>
+            <a:endParaRPr lang="en-US" dirty="0"/>
+          </a:p>
+          <a:p>
+            <a:pPr marL="285750" indent="-285750">
+              <a:buFont typeface="Arial" panose="020B0604020202020204" pitchFamily="34" charset="0"/>
+              <a:buChar char="•"/>
+            </a:pPr>
+            <a:endParaRPr lang="en-US" dirty="0" smtClean="0"/>
+          </a:p>
+          <a:p>
+            <a:pPr marL="285750" indent="-285750">
+              <a:buFont typeface="Arial" panose="020B0604020202020204" pitchFamily="34" charset="0"/>
+              <a:buChar char="•"/>
+            </a:pPr>
+            <a:endParaRPr lang="en-US" dirty="0" smtClean="0"/>
+          </a:p>
+          <a:p>
+            <a:endParaRPr lang="en-US" dirty="0"/>
+          </a:p>
+        </p:txBody>
+      </p:sp>
+    </p:spTree>
+    <p:extLst>
+      <p:ext uri="{BB962C8B-B14F-4D97-AF65-F5344CB8AC3E}">
+        <p14:creationId xmlns:p14="http://schemas.microsoft.com/office/powerpoint/2010/main" val="772403909"/>
+      </p:ext>
+    </p:extLst>
+  </p:cSld>
+  <p:clrMapOvr>
+    <a:masterClrMapping/>
+  </p:clrMapOvr>
+  <p:timing>
+    <p:tnLst>
+      <p:par>
+        <p:cTn id="1" dur="indefinite" restart="never" nodeType="tmRoot"/>
+      </p:par>
+    </p:tnLst>
+  </p:timing>
+</p:sld>
+</file>
+
+<file path=ppt/slides/slide8.xml><?xml version="1.0" encoding="utf-8"?>
 <p:sld xmlns:a="http://schemas.openxmlformats.org/drawingml/2006/main" xmlns:r="http://schemas.openxmlformats.org/officeDocument/2006/relationships" xmlns:p="http://schemas.openxmlformats.org/presentationml/2006/main">
   <p:cSld>
     <p:spTree>
@@ -9538,92 +10450,6 @@
 </p:sld>
 </file>
 
-<file path=ppt/slides/slide8.xml><?xml version="1.0" encoding="utf-8"?>
-<p:sld xmlns:a="http://schemas.openxmlformats.org/drawingml/2006/main" xmlns:r="http://schemas.openxmlformats.org/officeDocument/2006/relationships" xmlns:p="http://schemas.openxmlformats.org/presentationml/2006/main">
-  <p:cSld>
-    <p:spTree>
-      <p:nvGrpSpPr>
-        <p:cNvPr id="1" name=""/>
-        <p:cNvGrpSpPr/>
-        <p:nvPr/>
-      </p:nvGrpSpPr>
-      <p:grpSpPr>
-        <a:xfrm>
-          <a:off x="0" y="0"/>
-          <a:ext cx="0" cy="0"/>
-          <a:chOff x="0" y="0"/>
-          <a:chExt cx="0" cy="0"/>
-        </a:xfrm>
-      </p:grpSpPr>
-      <p:sp>
-        <p:nvSpPr>
-          <p:cNvPr id="2" name="Title 1"/>
-          <p:cNvSpPr>
-            <a:spLocks noGrp="1"/>
-          </p:cNvSpPr>
-          <p:nvPr>
-            <p:ph type="title"/>
-          </p:nvPr>
-        </p:nvSpPr>
-        <p:spPr/>
-        <p:txBody>
-          <a:bodyPr/>
-          <a:lstStyle/>
-          <a:p>
-            <a:r>
-              <a:rPr lang="en-US" dirty="0"/>
-              <a:t>Introducing the Flux Architecture </a:t>
-            </a:r>
-          </a:p>
-        </p:txBody>
-      </p:sp>
-      <p:sp>
-        <p:nvSpPr>
-          <p:cNvPr id="3" name="Content Placeholder 2"/>
-          <p:cNvSpPr>
-            <a:spLocks noGrp="1"/>
-          </p:cNvSpPr>
-          <p:nvPr>
-            <p:ph idx="1"/>
-          </p:nvPr>
-        </p:nvSpPr>
-        <p:spPr/>
-        <p:txBody>
-          <a:bodyPr/>
-          <a:lstStyle/>
-          <a:p>
-            <a:r>
-              <a:rPr lang="en-US" b="1" dirty="0" smtClean="0"/>
-              <a:t>Actions </a:t>
-            </a:r>
-            <a:r>
-              <a:rPr lang="en-US" dirty="0" smtClean="0"/>
-              <a:t>are the triggers that are initiated by the view or some other components of an application.</a:t>
-            </a:r>
-            <a:endParaRPr lang="en-US" b="1" dirty="0"/>
-          </a:p>
-        </p:txBody>
-      </p:sp>
-    </p:spTree>
-    <p:extLst>
-      <p:ext uri="{BB962C8B-B14F-4D97-AF65-F5344CB8AC3E}">
-        <p14:creationId xmlns:p14="http://schemas.microsoft.com/office/powerpoint/2010/main" val="741513284"/>
-      </p:ext>
-    </p:extLst>
-  </p:cSld>
-  <p:clrMapOvr>
-    <a:masterClrMapping/>
-  </p:clrMapOvr>
-  <p:timing>
-    <p:tnLst>
-      <p:par>
-        <p:cTn id="1" dur="indefinite" restart="never" nodeType="tmRoot"/>
-      </p:par>
-    </p:tnLst>
-  </p:timing>
-</p:sld>
-</file>
-
 <file path=ppt/slides/slide9.xml><?xml version="1.0" encoding="utf-8"?>
 <p:sld xmlns:a="http://schemas.openxmlformats.org/drawingml/2006/main" xmlns:r="http://schemas.openxmlformats.org/officeDocument/2006/relationships" xmlns:p="http://schemas.openxmlformats.org/presentationml/2006/main">
   <p:cSld>
@@ -9688,29 +10514,12 @@
             </a:r>
             <a:endParaRPr lang="en-US" b="1" dirty="0"/>
           </a:p>
-          <a:p>
-            <a:r>
-              <a:rPr lang="en-US" b="1" dirty="0" smtClean="0"/>
-              <a:t>Dispatcher </a:t>
-            </a:r>
-            <a:r>
-              <a:rPr lang="en-US" dirty="0" smtClean="0"/>
-              <a:t>catches the action and dispatch it to its respective stores where the corresponding actions was registered.</a:t>
-            </a:r>
-            <a:endParaRPr lang="en-US" b="1" dirty="0"/>
-          </a:p>
-          <a:p>
-            <a:pPr marL="0" indent="0">
-              <a:buNone/>
-            </a:pPr>
-            <a:endParaRPr lang="en-US" b="1" dirty="0"/>
-          </a:p>
         </p:txBody>
       </p:sp>
     </p:spTree>
     <p:extLst>
       <p:ext uri="{BB962C8B-B14F-4D97-AF65-F5344CB8AC3E}">
-        <p14:creationId xmlns:p14="http://schemas.microsoft.com/office/powerpoint/2010/main" val="2487134746"/>
+        <p14:creationId xmlns:p14="http://schemas.microsoft.com/office/powerpoint/2010/main" val="741513284"/>
       </p:ext>
     </p:extLst>
   </p:cSld>

--- a/React.pptx
+++ b/React.pptx
@@ -3785,13 +3785,12 @@
           <a:p>
             <a:r>
               <a:rPr lang="en-US" dirty="0" smtClean="0"/>
-              <a:t>Alt.js provides us an easy and convenient way to implement flux architecture into project using react.js</a:t>
-            </a:r>
-          </a:p>
-          <a:p>
-            <a:pPr marL="0" indent="0">
-              <a:buNone/>
-            </a:pPr>
+              <a:t>Alt.js provides us an easy and convenient way to implement flux architecture into </a:t>
+            </a:r>
+            <a:r>
+              <a:rPr lang="en-US" dirty="0" smtClean="0"/>
+              <a:t>project.</a:t>
+            </a:r>
             <a:endParaRPr lang="en-US" dirty="0" smtClean="0"/>
           </a:p>
           <a:p>
@@ -5924,34 +5923,8 @@
               <a:buNone/>
             </a:pPr>
             <a:r>
-              <a:rPr lang="en-US" sz="2000" dirty="0" smtClean="0"/>
-              <a:t>&lt;</a:t>
-            </a:r>
-            <a:r>
-              <a:rPr lang="en-US" sz="2000" dirty="0"/>
-              <a:t>script </a:t>
-            </a:r>
-            <a:r>
-              <a:rPr lang="en-US" sz="2000" dirty="0" err="1"/>
-              <a:t>src</a:t>
-            </a:r>
-            <a:r>
-              <a:rPr lang="en-US" sz="2000" dirty="0"/>
-              <a:t>="https://cdnjs.cloudflare.com/ajax/libs/babel-core/5.8.23/browser.min.js"&gt;&lt;/script</a:t>
-            </a:r>
-            <a:r>
-              <a:rPr lang="en-US" sz="2000" dirty="0" smtClean="0"/>
-              <a:t>&gt;</a:t>
-            </a:r>
-            <a:endParaRPr lang="en-US" dirty="0"/>
-          </a:p>
-          <a:p>
-            <a:pPr marL="0" indent="0">
-              <a:buNone/>
-            </a:pPr>
-            <a:r>
-              <a:rPr lang="en-US" dirty="0" smtClean="0"/>
-              <a:t>		</a:t>
+              <a:rPr lang="en-US" dirty="0" smtClean="0"/>
+              <a:t>	</a:t>
             </a:r>
           </a:p>
           <a:p>
@@ -6010,10 +5983,6 @@
             <a:pPr marL="0" indent="0">
               <a:buNone/>
             </a:pPr>
-            <a:r>
-              <a:rPr lang="en-US" sz="2000" dirty="0" smtClean="0"/>
-              <a:t>//Then use with require.js</a:t>
-            </a:r>
             <a:endParaRPr lang="en-US" sz="2000" dirty="0"/>
           </a:p>
           <a:p>
@@ -8349,6 +8318,13 @@
   <p:clrMapOvr>
     <a:masterClrMapping/>
   </p:clrMapOvr>
+  <p:timing>
+    <p:tnLst>
+      <p:par>
+        <p:cTn id="1" dur="indefinite" restart="never" nodeType="tmRoot"/>
+      </p:par>
+    </p:tnLst>
+  </p:timing>
 </p:sld>
 </file>
 
@@ -8458,6 +8434,13 @@
   <p:clrMapOvr>
     <a:masterClrMapping/>
   </p:clrMapOvr>
+  <p:timing>
+    <p:tnLst>
+      <p:par>
+        <p:cTn id="1" dur="indefinite" restart="never" nodeType="tmRoot"/>
+      </p:par>
+    </p:tnLst>
+  </p:timing>
 </p:sld>
 </file>
 
@@ -8764,6 +8747,13 @@
   <p:clrMapOvr>
     <a:masterClrMapping/>
   </p:clrMapOvr>
+  <p:timing>
+    <p:tnLst>
+      <p:par>
+        <p:cTn id="1" dur="indefinite" restart="never" nodeType="tmRoot"/>
+      </p:par>
+    </p:tnLst>
+  </p:timing>
 </p:sld>
 </file>
 
@@ -9009,6 +8999,13 @@
   <p:clrMapOvr>
     <a:masterClrMapping/>
   </p:clrMapOvr>
+  <p:timing>
+    <p:tnLst>
+      <p:par>
+        <p:cTn id="1" dur="indefinite" restart="never" nodeType="tmRoot"/>
+      </p:par>
+    </p:tnLst>
+  </p:timing>
 </p:sld>
 </file>
 
@@ -9112,6 +9109,13 @@
   <p:clrMapOvr>
     <a:masterClrMapping/>
   </p:clrMapOvr>
+  <p:timing>
+    <p:tnLst>
+      <p:par>
+        <p:cTn id="1" dur="indefinite" restart="never" nodeType="tmRoot"/>
+      </p:par>
+    </p:tnLst>
+  </p:timing>
 </p:sld>
 </file>
 
@@ -9221,6 +9225,13 @@
   <p:clrMapOvr>
     <a:masterClrMapping/>
   </p:clrMapOvr>
+  <p:timing>
+    <p:tnLst>
+      <p:par>
+        <p:cTn id="1" dur="indefinite" restart="never" nodeType="tmRoot"/>
+      </p:par>
+    </p:tnLst>
+  </p:timing>
 </p:sld>
 </file>
 
@@ -9339,6 +9350,13 @@
   <p:clrMapOvr>
     <a:masterClrMapping/>
   </p:clrMapOvr>
+  <p:timing>
+    <p:tnLst>
+      <p:par>
+        <p:cTn id="1" dur="indefinite" restart="never" nodeType="tmRoot"/>
+      </p:par>
+    </p:tnLst>
+  </p:timing>
 </p:sld>
 </file>
 
@@ -9460,6 +9478,13 @@
   <p:clrMapOvr>
     <a:masterClrMapping/>
   </p:clrMapOvr>
+  <p:timing>
+    <p:tnLst>
+      <p:par>
+        <p:cTn id="1" dur="indefinite" restart="never" nodeType="tmRoot"/>
+      </p:par>
+    </p:tnLst>
+  </p:timing>
 </p:sld>
 </file>
 
@@ -9496,8 +9521,12 @@
           <a:lstStyle/>
           <a:p>
             <a:r>
-              <a:rPr lang="en-US" dirty="0" smtClean="0"/>
-              <a:t>Setting Up Jest</a:t>
+              <a:rPr lang="en-US" dirty="0"/>
+              <a:t>Jest Directory </a:t>
+            </a:r>
+            <a:r>
+              <a:rPr lang="en-US" dirty="0" smtClean="0"/>
+              <a:t>Structure</a:t>
             </a:r>
             <a:endParaRPr lang="en-US" dirty="0"/>
           </a:p>
@@ -9518,12 +9547,9 @@
           <a:bodyPr/>
           <a:lstStyle/>
           <a:p>
-            <a:r>
-              <a:rPr lang="en-US" dirty="0" smtClean="0"/>
-              <a:t>Directory Structure</a:t>
-            </a:r>
-          </a:p>
-          <a:p>
+            <a:pPr marL="0" indent="0">
+              <a:buNone/>
+            </a:pPr>
             <a:endParaRPr lang="en-US" dirty="0"/>
           </a:p>
         </p:txBody>
@@ -9562,6 +9588,13 @@
   <p:clrMapOvr>
     <a:masterClrMapping/>
   </p:clrMapOvr>
+  <p:timing>
+    <p:tnLst>
+      <p:par>
+        <p:cTn id="1" dur="indefinite" restart="never" nodeType="tmRoot"/>
+      </p:par>
+    </p:tnLst>
+  </p:timing>
 </p:sld>
 </file>
 

--- a/React.pptx
+++ b/React.pptx
@@ -4,6 +4,9 @@
   <p:sldMasterIdLst>
     <p:sldMasterId id="2147483648" r:id="rId1"/>
   </p:sldMasterIdLst>
+  <p:notesMasterIdLst>
+    <p:notesMasterId r:id="rId50"/>
+  </p:notesMasterIdLst>
   <p:sldIdLst>
     <p:sldId id="270" r:id="rId2"/>
     <p:sldId id="271" r:id="rId3"/>
@@ -213,6 +216,528 @@
     </p:ext>
   </p:extLst>
 </p:presentation>
+</file>
+
+<file path=ppt/notesMasters/notesMaster1.xml><?xml version="1.0" encoding="utf-8"?>
+<p:notesMaster xmlns:a="http://schemas.openxmlformats.org/drawingml/2006/main" xmlns:r="http://schemas.openxmlformats.org/officeDocument/2006/relationships" xmlns:p="http://schemas.openxmlformats.org/presentationml/2006/main">
+  <p:cSld>
+    <p:bg>
+      <p:bgRef idx="1001">
+        <a:schemeClr val="bg1"/>
+      </p:bgRef>
+    </p:bg>
+    <p:spTree>
+      <p:nvGrpSpPr>
+        <p:cNvPr id="1" name=""/>
+        <p:cNvGrpSpPr/>
+        <p:nvPr/>
+      </p:nvGrpSpPr>
+      <p:grpSpPr>
+        <a:xfrm>
+          <a:off x="0" y="0"/>
+          <a:ext cx="0" cy="0"/>
+          <a:chOff x="0" y="0"/>
+          <a:chExt cx="0" cy="0"/>
+        </a:xfrm>
+      </p:grpSpPr>
+      <p:sp>
+        <p:nvSpPr>
+          <p:cNvPr id="2" name="Header Placeholder 1"/>
+          <p:cNvSpPr>
+            <a:spLocks noGrp="1"/>
+          </p:cNvSpPr>
+          <p:nvPr>
+            <p:ph type="hdr" sz="quarter"/>
+          </p:nvPr>
+        </p:nvSpPr>
+        <p:spPr>
+          <a:xfrm>
+            <a:off x="0" y="0"/>
+            <a:ext cx="2971800" cy="458788"/>
+          </a:xfrm>
+          <a:prstGeom prst="rect">
+            <a:avLst/>
+          </a:prstGeom>
+        </p:spPr>
+        <p:txBody>
+          <a:bodyPr vert="horz" lIns="91440" tIns="45720" rIns="91440" bIns="45720" rtlCol="0"/>
+          <a:lstStyle>
+            <a:lvl1pPr algn="l">
+              <a:defRPr sz="1200"/>
+            </a:lvl1pPr>
+          </a:lstStyle>
+          <a:p>
+            <a:endParaRPr lang="en-US"/>
+          </a:p>
+        </p:txBody>
+      </p:sp>
+      <p:sp>
+        <p:nvSpPr>
+          <p:cNvPr id="3" name="Date Placeholder 2"/>
+          <p:cNvSpPr>
+            <a:spLocks noGrp="1"/>
+          </p:cNvSpPr>
+          <p:nvPr>
+            <p:ph type="dt" idx="1"/>
+          </p:nvPr>
+        </p:nvSpPr>
+        <p:spPr>
+          <a:xfrm>
+            <a:off x="3884613" y="0"/>
+            <a:ext cx="2971800" cy="458788"/>
+          </a:xfrm>
+          <a:prstGeom prst="rect">
+            <a:avLst/>
+          </a:prstGeom>
+        </p:spPr>
+        <p:txBody>
+          <a:bodyPr vert="horz" lIns="91440" tIns="45720" rIns="91440" bIns="45720" rtlCol="0"/>
+          <a:lstStyle>
+            <a:lvl1pPr algn="r">
+              <a:defRPr sz="1200"/>
+            </a:lvl1pPr>
+          </a:lstStyle>
+          <a:p>
+            <a:fld id="{ED1B4B99-2273-4D0F-B50E-7680EF1753AD}" type="datetimeFigureOut">
+              <a:rPr lang="en-US" smtClean="0"/>
+              <a:t>12/23/2015</a:t>
+            </a:fld>
+            <a:endParaRPr lang="en-US"/>
+          </a:p>
+        </p:txBody>
+      </p:sp>
+      <p:sp>
+        <p:nvSpPr>
+          <p:cNvPr id="4" name="Slide Image Placeholder 3"/>
+          <p:cNvSpPr>
+            <a:spLocks noGrp="1" noRot="1" noChangeAspect="1"/>
+          </p:cNvSpPr>
+          <p:nvPr>
+            <p:ph type="sldImg" idx="2"/>
+          </p:nvPr>
+        </p:nvSpPr>
+        <p:spPr>
+          <a:xfrm>
+            <a:off x="685800" y="1143000"/>
+            <a:ext cx="5486400" cy="3086100"/>
+          </a:xfrm>
+          <a:prstGeom prst="rect">
+            <a:avLst/>
+          </a:prstGeom>
+          <a:noFill/>
+          <a:ln w="12700">
+            <a:solidFill>
+              <a:prstClr val="black"/>
+            </a:solidFill>
+          </a:ln>
+        </p:spPr>
+        <p:txBody>
+          <a:bodyPr vert="horz" lIns="91440" tIns="45720" rIns="91440" bIns="45720" rtlCol="0" anchor="ctr"/>
+          <a:lstStyle/>
+          <a:p>
+            <a:endParaRPr lang="en-US"/>
+          </a:p>
+        </p:txBody>
+      </p:sp>
+      <p:sp>
+        <p:nvSpPr>
+          <p:cNvPr id="5" name="Notes Placeholder 4"/>
+          <p:cNvSpPr>
+            <a:spLocks noGrp="1"/>
+          </p:cNvSpPr>
+          <p:nvPr>
+            <p:ph type="body" sz="quarter" idx="3"/>
+          </p:nvPr>
+        </p:nvSpPr>
+        <p:spPr>
+          <a:xfrm>
+            <a:off x="685800" y="4400550"/>
+            <a:ext cx="5486400" cy="3600450"/>
+          </a:xfrm>
+          <a:prstGeom prst="rect">
+            <a:avLst/>
+          </a:prstGeom>
+        </p:spPr>
+        <p:txBody>
+          <a:bodyPr vert="horz" lIns="91440" tIns="45720" rIns="91440" bIns="45720" rtlCol="0"/>
+          <a:lstStyle/>
+          <a:p>
+            <a:pPr lvl="0"/>
+            <a:r>
+              <a:rPr lang="en-US" smtClean="0"/>
+              <a:t>Click to edit Master text styles</a:t>
+            </a:r>
+          </a:p>
+          <a:p>
+            <a:pPr lvl="1"/>
+            <a:r>
+              <a:rPr lang="en-US" smtClean="0"/>
+              <a:t>Second level</a:t>
+            </a:r>
+          </a:p>
+          <a:p>
+            <a:pPr lvl="2"/>
+            <a:r>
+              <a:rPr lang="en-US" smtClean="0"/>
+              <a:t>Third level</a:t>
+            </a:r>
+          </a:p>
+          <a:p>
+            <a:pPr lvl="3"/>
+            <a:r>
+              <a:rPr lang="en-US" smtClean="0"/>
+              <a:t>Fourth level</a:t>
+            </a:r>
+          </a:p>
+          <a:p>
+            <a:pPr lvl="4"/>
+            <a:r>
+              <a:rPr lang="en-US" smtClean="0"/>
+              <a:t>Fifth level</a:t>
+            </a:r>
+            <a:endParaRPr lang="en-US"/>
+          </a:p>
+        </p:txBody>
+      </p:sp>
+      <p:sp>
+        <p:nvSpPr>
+          <p:cNvPr id="6" name="Footer Placeholder 5"/>
+          <p:cNvSpPr>
+            <a:spLocks noGrp="1"/>
+          </p:cNvSpPr>
+          <p:nvPr>
+            <p:ph type="ftr" sz="quarter" idx="4"/>
+          </p:nvPr>
+        </p:nvSpPr>
+        <p:spPr>
+          <a:xfrm>
+            <a:off x="0" y="8685213"/>
+            <a:ext cx="2971800" cy="458787"/>
+          </a:xfrm>
+          <a:prstGeom prst="rect">
+            <a:avLst/>
+          </a:prstGeom>
+        </p:spPr>
+        <p:txBody>
+          <a:bodyPr vert="horz" lIns="91440" tIns="45720" rIns="91440" bIns="45720" rtlCol="0" anchor="b"/>
+          <a:lstStyle>
+            <a:lvl1pPr algn="l">
+              <a:defRPr sz="1200"/>
+            </a:lvl1pPr>
+          </a:lstStyle>
+          <a:p>
+            <a:endParaRPr lang="en-US"/>
+          </a:p>
+        </p:txBody>
+      </p:sp>
+      <p:sp>
+        <p:nvSpPr>
+          <p:cNvPr id="7" name="Slide Number Placeholder 6"/>
+          <p:cNvSpPr>
+            <a:spLocks noGrp="1"/>
+          </p:cNvSpPr>
+          <p:nvPr>
+            <p:ph type="sldNum" sz="quarter" idx="5"/>
+          </p:nvPr>
+        </p:nvSpPr>
+        <p:spPr>
+          <a:xfrm>
+            <a:off x="3884613" y="8685213"/>
+            <a:ext cx="2971800" cy="458787"/>
+          </a:xfrm>
+          <a:prstGeom prst="rect">
+            <a:avLst/>
+          </a:prstGeom>
+        </p:spPr>
+        <p:txBody>
+          <a:bodyPr vert="horz" lIns="91440" tIns="45720" rIns="91440" bIns="45720" rtlCol="0" anchor="b"/>
+          <a:lstStyle>
+            <a:lvl1pPr algn="r">
+              <a:defRPr sz="1200"/>
+            </a:lvl1pPr>
+          </a:lstStyle>
+          <a:p>
+            <a:fld id="{B1206FEA-4AFC-4465-8ABD-ECC3D411179B}" type="slidenum">
+              <a:rPr lang="en-US" smtClean="0"/>
+              <a:t>‹#›</a:t>
+            </a:fld>
+            <a:endParaRPr lang="en-US"/>
+          </a:p>
+        </p:txBody>
+      </p:sp>
+    </p:spTree>
+    <p:extLst>
+      <p:ext uri="{BB962C8B-B14F-4D97-AF65-F5344CB8AC3E}">
+        <p14:creationId xmlns:p14="http://schemas.microsoft.com/office/powerpoint/2010/main" val="567544316"/>
+      </p:ext>
+    </p:extLst>
+  </p:cSld>
+  <p:clrMap bg1="lt1" tx1="dk1" bg2="lt2" tx2="dk2" accent1="accent1" accent2="accent2" accent3="accent3" accent4="accent4" accent5="accent5" accent6="accent6" hlink="hlink" folHlink="folHlink"/>
+  <p:notesStyle>
+    <a:lvl1pPr marL="0" algn="l" defTabSz="914400" rtl="0" eaLnBrk="1" latinLnBrk="0" hangingPunct="1">
+      <a:defRPr sz="1200" kern="1200">
+        <a:solidFill>
+          <a:schemeClr val="tx1"/>
+        </a:solidFill>
+        <a:latin typeface="+mn-lt"/>
+        <a:ea typeface="+mn-ea"/>
+        <a:cs typeface="+mn-cs"/>
+      </a:defRPr>
+    </a:lvl1pPr>
+    <a:lvl2pPr marL="457200" algn="l" defTabSz="914400" rtl="0" eaLnBrk="1" latinLnBrk="0" hangingPunct="1">
+      <a:defRPr sz="1200" kern="1200">
+        <a:solidFill>
+          <a:schemeClr val="tx1"/>
+        </a:solidFill>
+        <a:latin typeface="+mn-lt"/>
+        <a:ea typeface="+mn-ea"/>
+        <a:cs typeface="+mn-cs"/>
+      </a:defRPr>
+    </a:lvl2pPr>
+    <a:lvl3pPr marL="914400" algn="l" defTabSz="914400" rtl="0" eaLnBrk="1" latinLnBrk="0" hangingPunct="1">
+      <a:defRPr sz="1200" kern="1200">
+        <a:solidFill>
+          <a:schemeClr val="tx1"/>
+        </a:solidFill>
+        <a:latin typeface="+mn-lt"/>
+        <a:ea typeface="+mn-ea"/>
+        <a:cs typeface="+mn-cs"/>
+      </a:defRPr>
+    </a:lvl3pPr>
+    <a:lvl4pPr marL="1371600" algn="l" defTabSz="914400" rtl="0" eaLnBrk="1" latinLnBrk="0" hangingPunct="1">
+      <a:defRPr sz="1200" kern="1200">
+        <a:solidFill>
+          <a:schemeClr val="tx1"/>
+        </a:solidFill>
+        <a:latin typeface="+mn-lt"/>
+        <a:ea typeface="+mn-ea"/>
+        <a:cs typeface="+mn-cs"/>
+      </a:defRPr>
+    </a:lvl4pPr>
+    <a:lvl5pPr marL="1828800" algn="l" defTabSz="914400" rtl="0" eaLnBrk="1" latinLnBrk="0" hangingPunct="1">
+      <a:defRPr sz="1200" kern="1200">
+        <a:solidFill>
+          <a:schemeClr val="tx1"/>
+        </a:solidFill>
+        <a:latin typeface="+mn-lt"/>
+        <a:ea typeface="+mn-ea"/>
+        <a:cs typeface="+mn-cs"/>
+      </a:defRPr>
+    </a:lvl5pPr>
+    <a:lvl6pPr marL="2286000" algn="l" defTabSz="914400" rtl="0" eaLnBrk="1" latinLnBrk="0" hangingPunct="1">
+      <a:defRPr sz="1200" kern="1200">
+        <a:solidFill>
+          <a:schemeClr val="tx1"/>
+        </a:solidFill>
+        <a:latin typeface="+mn-lt"/>
+        <a:ea typeface="+mn-ea"/>
+        <a:cs typeface="+mn-cs"/>
+      </a:defRPr>
+    </a:lvl6pPr>
+    <a:lvl7pPr marL="2743200" algn="l" defTabSz="914400" rtl="0" eaLnBrk="1" latinLnBrk="0" hangingPunct="1">
+      <a:defRPr sz="1200" kern="1200">
+        <a:solidFill>
+          <a:schemeClr val="tx1"/>
+        </a:solidFill>
+        <a:latin typeface="+mn-lt"/>
+        <a:ea typeface="+mn-ea"/>
+        <a:cs typeface="+mn-cs"/>
+      </a:defRPr>
+    </a:lvl7pPr>
+    <a:lvl8pPr marL="3200400" algn="l" defTabSz="914400" rtl="0" eaLnBrk="1" latinLnBrk="0" hangingPunct="1">
+      <a:defRPr sz="1200" kern="1200">
+        <a:solidFill>
+          <a:schemeClr val="tx1"/>
+        </a:solidFill>
+        <a:latin typeface="+mn-lt"/>
+        <a:ea typeface="+mn-ea"/>
+        <a:cs typeface="+mn-cs"/>
+      </a:defRPr>
+    </a:lvl8pPr>
+    <a:lvl9pPr marL="3657600" algn="l" defTabSz="914400" rtl="0" eaLnBrk="1" latinLnBrk="0" hangingPunct="1">
+      <a:defRPr sz="1200" kern="1200">
+        <a:solidFill>
+          <a:schemeClr val="tx1"/>
+        </a:solidFill>
+        <a:latin typeface="+mn-lt"/>
+        <a:ea typeface="+mn-ea"/>
+        <a:cs typeface="+mn-cs"/>
+      </a:defRPr>
+    </a:lvl9pPr>
+  </p:notesStyle>
+</p:notesMaster>
+</file>
+
+<file path=ppt/notesSlides/notesSlide1.xml><?xml version="1.0" encoding="utf-8"?>
+<p:notes xmlns:a="http://schemas.openxmlformats.org/drawingml/2006/main" xmlns:r="http://schemas.openxmlformats.org/officeDocument/2006/relationships" xmlns:p="http://schemas.openxmlformats.org/presentationml/2006/main">
+  <p:cSld>
+    <p:spTree>
+      <p:nvGrpSpPr>
+        <p:cNvPr id="1" name=""/>
+        <p:cNvGrpSpPr/>
+        <p:nvPr/>
+      </p:nvGrpSpPr>
+      <p:grpSpPr>
+        <a:xfrm>
+          <a:off x="0" y="0"/>
+          <a:ext cx="0" cy="0"/>
+          <a:chOff x="0" y="0"/>
+          <a:chExt cx="0" cy="0"/>
+        </a:xfrm>
+      </p:grpSpPr>
+      <p:sp>
+        <p:nvSpPr>
+          <p:cNvPr id="2" name="Slide Image Placeholder 1"/>
+          <p:cNvSpPr>
+            <a:spLocks noGrp="1" noRot="1" noChangeAspect="1"/>
+          </p:cNvSpPr>
+          <p:nvPr>
+            <p:ph type="sldImg"/>
+          </p:nvPr>
+        </p:nvSpPr>
+        <p:spPr/>
+      </p:sp>
+      <p:sp>
+        <p:nvSpPr>
+          <p:cNvPr id="3" name="Notes Placeholder 2"/>
+          <p:cNvSpPr>
+            <a:spLocks noGrp="1"/>
+          </p:cNvSpPr>
+          <p:nvPr>
+            <p:ph type="body" idx="1"/>
+          </p:nvPr>
+        </p:nvSpPr>
+        <p:spPr/>
+        <p:txBody>
+          <a:bodyPr/>
+          <a:lstStyle/>
+          <a:p>
+            <a:endParaRPr lang="en-US" dirty="0"/>
+          </a:p>
+        </p:txBody>
+      </p:sp>
+      <p:sp>
+        <p:nvSpPr>
+          <p:cNvPr id="4" name="Slide Number Placeholder 3"/>
+          <p:cNvSpPr>
+            <a:spLocks noGrp="1"/>
+          </p:cNvSpPr>
+          <p:nvPr>
+            <p:ph type="sldNum" sz="quarter" idx="10"/>
+          </p:nvPr>
+        </p:nvSpPr>
+        <p:spPr/>
+        <p:txBody>
+          <a:bodyPr/>
+          <a:lstStyle/>
+          <a:p>
+            <a:fld id="{B1206FEA-4AFC-4465-8ABD-ECC3D411179B}" type="slidenum">
+              <a:rPr lang="en-US" smtClean="0"/>
+              <a:t>32</a:t>
+            </a:fld>
+            <a:endParaRPr lang="en-US"/>
+          </a:p>
+        </p:txBody>
+      </p:sp>
+    </p:spTree>
+    <p:extLst>
+      <p:ext uri="{BB962C8B-B14F-4D97-AF65-F5344CB8AC3E}">
+        <p14:creationId xmlns:p14="http://schemas.microsoft.com/office/powerpoint/2010/main" val="595045294"/>
+      </p:ext>
+    </p:extLst>
+  </p:cSld>
+  <p:clrMapOvr>
+    <a:masterClrMapping/>
+  </p:clrMapOvr>
+</p:notes>
+</file>
+
+<file path=ppt/notesSlides/notesSlide2.xml><?xml version="1.0" encoding="utf-8"?>
+<p:notes xmlns:a="http://schemas.openxmlformats.org/drawingml/2006/main" xmlns:r="http://schemas.openxmlformats.org/officeDocument/2006/relationships" xmlns:p="http://schemas.openxmlformats.org/presentationml/2006/main">
+  <p:cSld>
+    <p:spTree>
+      <p:nvGrpSpPr>
+        <p:cNvPr id="1" name=""/>
+        <p:cNvGrpSpPr/>
+        <p:nvPr/>
+      </p:nvGrpSpPr>
+      <p:grpSpPr>
+        <a:xfrm>
+          <a:off x="0" y="0"/>
+          <a:ext cx="0" cy="0"/>
+          <a:chOff x="0" y="0"/>
+          <a:chExt cx="0" cy="0"/>
+        </a:xfrm>
+      </p:grpSpPr>
+      <p:sp>
+        <p:nvSpPr>
+          <p:cNvPr id="2" name="Slide Image Placeholder 1"/>
+          <p:cNvSpPr>
+            <a:spLocks noGrp="1" noRot="1" noChangeAspect="1"/>
+          </p:cNvSpPr>
+          <p:nvPr>
+            <p:ph type="sldImg"/>
+          </p:nvPr>
+        </p:nvSpPr>
+        <p:spPr/>
+      </p:sp>
+      <p:sp>
+        <p:nvSpPr>
+          <p:cNvPr id="3" name="Notes Placeholder 2"/>
+          <p:cNvSpPr>
+            <a:spLocks noGrp="1"/>
+          </p:cNvSpPr>
+          <p:nvPr>
+            <p:ph type="body" idx="1"/>
+          </p:nvPr>
+        </p:nvSpPr>
+        <p:spPr/>
+        <p:txBody>
+          <a:bodyPr/>
+          <a:lstStyle/>
+          <a:p>
+            <a:r>
+              <a:rPr lang="en-US" dirty="0" smtClean="0"/>
+              <a:t>test</a:t>
+            </a:r>
+            <a:endParaRPr lang="en-US" dirty="0"/>
+          </a:p>
+        </p:txBody>
+      </p:sp>
+      <p:sp>
+        <p:nvSpPr>
+          <p:cNvPr id="4" name="Slide Number Placeholder 3"/>
+          <p:cNvSpPr>
+            <a:spLocks noGrp="1"/>
+          </p:cNvSpPr>
+          <p:nvPr>
+            <p:ph type="sldNum" sz="quarter" idx="10"/>
+          </p:nvPr>
+        </p:nvSpPr>
+        <p:spPr/>
+        <p:txBody>
+          <a:bodyPr/>
+          <a:lstStyle/>
+          <a:p>
+            <a:fld id="{B1206FEA-4AFC-4465-8ABD-ECC3D411179B}" type="slidenum">
+              <a:rPr lang="en-US" smtClean="0"/>
+              <a:t>33</a:t>
+            </a:fld>
+            <a:endParaRPr lang="en-US"/>
+          </a:p>
+        </p:txBody>
+      </p:sp>
+    </p:spTree>
+    <p:extLst>
+      <p:ext uri="{BB962C8B-B14F-4D97-AF65-F5344CB8AC3E}">
+        <p14:creationId xmlns:p14="http://schemas.microsoft.com/office/powerpoint/2010/main" val="4238810153"/>
+      </p:ext>
+    </p:extLst>
+  </p:cSld>
+  <p:clrMapOvr>
+    <a:masterClrMapping/>
+  </p:clrMapOvr>
+</p:notes>
 </file>
 
 <file path=ppt/slideLayouts/slideLayout1.xml><?xml version="1.0" encoding="utf-8"?>
@@ -3568,7 +4093,9 @@
         </p:nvSpPr>
         <p:spPr/>
         <p:txBody>
-          <a:bodyPr/>
+          <a:bodyPr>
+            <a:normAutofit lnSpcReduction="10000"/>
+          </a:bodyPr>
           <a:lstStyle/>
           <a:p>
             <a:r>
@@ -3609,7 +4136,15 @@
             </a:r>
             <a:r>
               <a:rPr lang="en-US" dirty="0" smtClean="0"/>
-              <a:t>are the front end components to render the data coming from the stores. Views than again initiate some action to the dispatcher.</a:t>
+              <a:t>are the front end components to render the data coming from the stores. Views </a:t>
+            </a:r>
+            <a:r>
+              <a:rPr lang="en-US" dirty="0" smtClean="0"/>
+              <a:t>can then </a:t>
+            </a:r>
+            <a:r>
+              <a:rPr lang="en-US" dirty="0" smtClean="0"/>
+              <a:t>again initiate some action to the dispatcher.</a:t>
             </a:r>
             <a:endParaRPr lang="en-US" b="1" dirty="0"/>
           </a:p>
@@ -4833,7 +5368,7 @@
             </a:r>
             <a:r>
               <a:rPr lang="en-US" sz="1600" dirty="0" err="1" smtClean="0"/>
-              <a:t>LocationActions.updateCustomers</a:t>
+              <a:t>CustomerActions.updateCustomers</a:t>
             </a:r>
             <a:r>
               <a:rPr lang="en-US" sz="1600" dirty="0" smtClean="0"/>
@@ -8072,8 +8607,8 @@
               <a:t>this.props.customers.map</a:t>
             </a:r>
             <a:r>
-              <a:rPr lang="en-US" dirty="0"/>
-              <a:t>((location, </a:t>
+              <a:rPr lang="en-US" smtClean="0"/>
+              <a:t>((customer, </a:t>
             </a:r>
             <a:r>
               <a:rPr lang="en-US" dirty="0" err="1"/>
@@ -8137,7 +8672,23 @@
             </a:pPr>
             <a:r>
               <a:rPr lang="en-US" dirty="0"/>
-              <a:t>              {location.name}</a:t>
+              <a:t>              </a:t>
+            </a:r>
+            <a:r>
+              <a:rPr lang="en-US" dirty="0" smtClean="0"/>
+              <a:t>{</a:t>
+            </a:r>
+            <a:r>
+              <a:rPr lang="en-US" dirty="0" smtClean="0"/>
+              <a:t>customer</a:t>
+            </a:r>
+            <a:r>
+              <a:rPr lang="en-US" dirty="0" smtClean="0"/>
+              <a:t>.name</a:t>
+            </a:r>
+            <a:r>
+              <a:rPr lang="en-US" dirty="0"/>
+              <a:t>}</a:t>
             </a:r>
           </a:p>
           <a:p>
@@ -10828,4 +11379,265 @@
     </a:ext>
   </a:extLst>
 </a:theme>
+</file>
+
+<file path=ppt/theme/theme2.xml><?xml version="1.0" encoding="utf-8"?>
+<a:theme xmlns:a="http://schemas.openxmlformats.org/drawingml/2006/main" name="Office Theme">
+  <a:themeElements>
+    <a:clrScheme name="Office">
+      <a:dk1>
+        <a:sysClr val="windowText" lastClr="000000"/>
+      </a:dk1>
+      <a:lt1>
+        <a:sysClr val="window" lastClr="FFFFFF"/>
+      </a:lt1>
+      <a:dk2>
+        <a:srgbClr val="44546A"/>
+      </a:dk2>
+      <a:lt2>
+        <a:srgbClr val="E7E6E6"/>
+      </a:lt2>
+      <a:accent1>
+        <a:srgbClr val="5B9BD5"/>
+      </a:accent1>
+      <a:accent2>
+        <a:srgbClr val="ED7D31"/>
+      </a:accent2>
+      <a:accent3>
+        <a:srgbClr val="A5A5A5"/>
+      </a:accent3>
+      <a:accent4>
+        <a:srgbClr val="FFC000"/>
+      </a:accent4>
+      <a:accent5>
+        <a:srgbClr val="4472C4"/>
+      </a:accent5>
+      <a:accent6>
+        <a:srgbClr val="70AD47"/>
+      </a:accent6>
+      <a:hlink>
+        <a:srgbClr val="0563C1"/>
+      </a:hlink>
+      <a:folHlink>
+        <a:srgbClr val="954F72"/>
+      </a:folHlink>
+    </a:clrScheme>
+    <a:fontScheme name="Office">
+      <a:majorFont>
+        <a:latin typeface="Calibri Light" panose="020F0302020204030204"/>
+        <a:ea typeface=""/>
+        <a:cs typeface=""/>
+        <a:font script="Jpan" typeface="ＭＳ Ｐゴシック"/>
+        <a:font script="Hang" typeface="맑은 고딕"/>
+        <a:font script="Hans" typeface="宋体"/>
+        <a:font script="Hant" typeface="新細明體"/>
+        <a:font script="Arab" typeface="Times New Roman"/>
+        <a:font script="Hebr" typeface="Times New Roman"/>
+        <a:font script="Thai" typeface="Angsana New"/>
+        <a:font script="Ethi" typeface="Nyala"/>
+        <a:font script="Beng" typeface="Vrinda"/>
+        <a:font script="Gujr" typeface="Shruti"/>
+        <a:font script="Khmr" typeface="MoolBoran"/>
+        <a:font script="Knda" typeface="Tunga"/>
+        <a:font script="Guru" typeface="Raavi"/>
+        <a:font script="Cans" typeface="Euphemia"/>
+        <a:font script="Cher" typeface="Plantagenet Cherokee"/>
+        <a:font script="Yiii" typeface="Microsoft Yi Baiti"/>
+        <a:font script="Tibt" typeface="Microsoft Himalaya"/>
+        <a:font script="Thaa" typeface="MV Boli"/>
+        <a:font script="Deva" typeface="Mangal"/>
+        <a:font script="Telu" typeface="Gautami"/>
+        <a:font script="Taml" typeface="Latha"/>
+        <a:font script="Syrc" typeface="Estrangelo Edessa"/>
+        <a:font script="Orya" typeface="Kalinga"/>
+        <a:font script="Mlym" typeface="Kartika"/>
+        <a:font script="Laoo" typeface="DokChampa"/>
+        <a:font script="Sinh" typeface="Iskoola Pota"/>
+        <a:font script="Mong" typeface="Mongolian Baiti"/>
+        <a:font script="Viet" typeface="Times New Roman"/>
+        <a:font script="Uigh" typeface="Microsoft Uighur"/>
+        <a:font script="Geor" typeface="Sylfaen"/>
+      </a:majorFont>
+      <a:minorFont>
+        <a:latin typeface="Calibri" panose="020F0502020204030204"/>
+        <a:ea typeface=""/>
+        <a:cs typeface=""/>
+        <a:font script="Jpan" typeface="ＭＳ Ｐゴシック"/>
+        <a:font script="Hang" typeface="맑은 고딕"/>
+        <a:font script="Hans" typeface="宋体"/>
+        <a:font script="Hant" typeface="新細明體"/>
+        <a:font script="Arab" typeface="Arial"/>
+        <a:font script="Hebr" typeface="Arial"/>
+        <a:font script="Thai" typeface="Cordia New"/>
+        <a:font script="Ethi" typeface="Nyala"/>
+        <a:font script="Beng" typeface="Vrinda"/>
+        <a:font script="Gujr" typeface="Shruti"/>
+        <a:font script="Khmr" typeface="DaunPenh"/>
+        <a:font script="Knda" typeface="Tunga"/>
+        <a:font script="Guru" typeface="Raavi"/>
+        <a:font script="Cans" typeface="Euphemia"/>
+        <a:font script="Cher" typeface="Plantagenet Cherokee"/>
+        <a:font script="Yiii" typeface="Microsoft Yi Baiti"/>
+        <a:font script="Tibt" typeface="Microsoft Himalaya"/>
+        <a:font script="Thaa" typeface="MV Boli"/>
+        <a:font script="Deva" typeface="Mangal"/>
+        <a:font script="Telu" typeface="Gautami"/>
+        <a:font script="Taml" typeface="Latha"/>
+        <a:font script="Syrc" typeface="Estrangelo Edessa"/>
+        <a:font script="Orya" typeface="Kalinga"/>
+        <a:font script="Mlym" typeface="Kartika"/>
+        <a:font script="Laoo" typeface="DokChampa"/>
+        <a:font script="Sinh" typeface="Iskoola Pota"/>
+        <a:font script="Mong" typeface="Mongolian Baiti"/>
+        <a:font script="Viet" typeface="Arial"/>
+        <a:font script="Uigh" typeface="Microsoft Uighur"/>
+        <a:font script="Geor" typeface="Sylfaen"/>
+      </a:minorFont>
+    </a:fontScheme>
+    <a:fmtScheme name="Office">
+      <a:fillStyleLst>
+        <a:solidFill>
+          <a:schemeClr val="phClr"/>
+        </a:solidFill>
+        <a:gradFill rotWithShape="1">
+          <a:gsLst>
+            <a:gs pos="0">
+              <a:schemeClr val="phClr">
+                <a:lumMod val="110000"/>
+                <a:satMod val="105000"/>
+                <a:tint val="67000"/>
+              </a:schemeClr>
+            </a:gs>
+            <a:gs pos="50000">
+              <a:schemeClr val="phClr">
+                <a:lumMod val="105000"/>
+                <a:satMod val="103000"/>
+                <a:tint val="73000"/>
+              </a:schemeClr>
+            </a:gs>
+            <a:gs pos="100000">
+              <a:schemeClr val="phClr">
+                <a:lumMod val="105000"/>
+                <a:satMod val="109000"/>
+                <a:tint val="81000"/>
+              </a:schemeClr>
+            </a:gs>
+          </a:gsLst>
+          <a:lin ang="5400000" scaled="0"/>
+        </a:gradFill>
+        <a:gradFill rotWithShape="1">
+          <a:gsLst>
+            <a:gs pos="0">
+              <a:schemeClr val="phClr">
+                <a:satMod val="103000"/>
+                <a:lumMod val="102000"/>
+                <a:tint val="94000"/>
+              </a:schemeClr>
+            </a:gs>
+            <a:gs pos="50000">
+              <a:schemeClr val="phClr">
+                <a:satMod val="110000"/>
+                <a:lumMod val="100000"/>
+                <a:shade val="100000"/>
+              </a:schemeClr>
+            </a:gs>
+            <a:gs pos="100000">
+              <a:schemeClr val="phClr">
+                <a:lumMod val="99000"/>
+                <a:satMod val="120000"/>
+                <a:shade val="78000"/>
+              </a:schemeClr>
+            </a:gs>
+          </a:gsLst>
+          <a:lin ang="5400000" scaled="0"/>
+        </a:gradFill>
+      </a:fillStyleLst>
+      <a:lnStyleLst>
+        <a:ln w="6350" cap="flat" cmpd="sng" algn="ctr">
+          <a:solidFill>
+            <a:schemeClr val="phClr"/>
+          </a:solidFill>
+          <a:prstDash val="solid"/>
+          <a:miter lim="800000"/>
+        </a:ln>
+        <a:ln w="12700" cap="flat" cmpd="sng" algn="ctr">
+          <a:solidFill>
+            <a:schemeClr val="phClr"/>
+          </a:solidFill>
+          <a:prstDash val="solid"/>
+          <a:miter lim="800000"/>
+        </a:ln>
+        <a:ln w="19050" cap="flat" cmpd="sng" algn="ctr">
+          <a:solidFill>
+            <a:schemeClr val="phClr"/>
+          </a:solidFill>
+          <a:prstDash val="solid"/>
+          <a:miter lim="800000"/>
+        </a:ln>
+      </a:lnStyleLst>
+      <a:effectStyleLst>
+        <a:effectStyle>
+          <a:effectLst/>
+        </a:effectStyle>
+        <a:effectStyle>
+          <a:effectLst/>
+        </a:effectStyle>
+        <a:effectStyle>
+          <a:effectLst>
+            <a:outerShdw blurRad="57150" dist="19050" dir="5400000" algn="ctr" rotWithShape="0">
+              <a:srgbClr val="000000">
+                <a:alpha val="63000"/>
+              </a:srgbClr>
+            </a:outerShdw>
+          </a:effectLst>
+        </a:effectStyle>
+      </a:effectStyleLst>
+      <a:bgFillStyleLst>
+        <a:solidFill>
+          <a:schemeClr val="phClr"/>
+        </a:solidFill>
+        <a:solidFill>
+          <a:schemeClr val="phClr">
+            <a:tint val="95000"/>
+            <a:satMod val="170000"/>
+          </a:schemeClr>
+        </a:solidFill>
+        <a:gradFill rotWithShape="1">
+          <a:gsLst>
+            <a:gs pos="0">
+              <a:schemeClr val="phClr">
+                <a:tint val="93000"/>
+                <a:satMod val="150000"/>
+                <a:shade val="98000"/>
+                <a:lumMod val="102000"/>
+              </a:schemeClr>
+            </a:gs>
+            <a:gs pos="50000">
+              <a:schemeClr val="phClr">
+                <a:tint val="98000"/>
+                <a:satMod val="130000"/>
+                <a:shade val="90000"/>
+                <a:lumMod val="103000"/>
+              </a:schemeClr>
+            </a:gs>
+            <a:gs pos="100000">
+              <a:schemeClr val="phClr">
+                <a:shade val="63000"/>
+                <a:satMod val="120000"/>
+              </a:schemeClr>
+            </a:gs>
+          </a:gsLst>
+          <a:lin ang="5400000" scaled="0"/>
+        </a:gradFill>
+      </a:bgFillStyleLst>
+    </a:fmtScheme>
+  </a:themeElements>
+  <a:objectDefaults/>
+  <a:extraClrSchemeLst/>
+  <a:extLst>
+    <a:ext uri="{05A4C25C-085E-4340-85A3-A5531E510DB2}">
+      <thm15:themeFamily xmlns:thm15="http://schemas.microsoft.com/office/thememl/2012/main" name="Office Theme" id="{62F939B6-93AF-4DB8-9C6B-D6C7DFDC589F}" vid="{4A3C46E8-61CC-4603-A589-7422A47A8E4A}"/>
+    </a:ext>
+  </a:extLst>
+</a:theme>
 </file>
--- a/React.pptx
+++ b/React.pptx
@@ -1,6 +1,6 @@
 
 <file path=ppt/presentation.xml><?xml version="1.0" encoding="utf-8"?>
-<p:presentation xmlns:a="http://schemas.openxmlformats.org/drawingml/2006/main" xmlns:r="http://schemas.openxmlformats.org/officeDocument/2006/relationships" xmlns:p="http://schemas.openxmlformats.org/presentationml/2006/main" saveSubsetFonts="1">
+<p:presentation xmlns:a="http://schemas.openxmlformats.org/drawingml/2006/main" xmlns:r="http://schemas.openxmlformats.org/officeDocument/2006/relationships" xmlns:p="http://schemas.openxmlformats.org/presentationml/2006/main" showSpecialPlsOnTitleSld="0" saveSubsetFonts="1">
   <p:sldMasterIdLst>
     <p:sldMasterId id="2147483678" r:id="rId1"/>
     <p:sldMasterId id="2147483690" r:id="rId2"/>
@@ -9,6 +9,9 @@
   <p:notesMasterIdLst>
     <p:notesMasterId r:id="rId33"/>
   </p:notesMasterIdLst>
+  <p:handoutMasterIdLst>
+    <p:handoutMasterId r:id="rId34"/>
+  </p:handoutMasterIdLst>
   <p:sldIdLst>
     <p:sldId id="309" r:id="rId4"/>
     <p:sldId id="270" r:id="rId5"/>
@@ -182,6 +185,176 @@
 </p:presentation>
 </file>
 
+<file path=ppt/handoutMasters/handoutMaster1.xml><?xml version="1.0" encoding="utf-8"?>
+<p:handoutMaster xmlns:a="http://schemas.openxmlformats.org/drawingml/2006/main" xmlns:r="http://schemas.openxmlformats.org/officeDocument/2006/relationships" xmlns:p="http://schemas.openxmlformats.org/presentationml/2006/main">
+  <p:cSld>
+    <p:bg>
+      <p:bgRef idx="1001">
+        <a:schemeClr val="bg1"/>
+      </p:bgRef>
+    </p:bg>
+    <p:spTree>
+      <p:nvGrpSpPr>
+        <p:cNvPr id="1" name=""/>
+        <p:cNvGrpSpPr/>
+        <p:nvPr/>
+      </p:nvGrpSpPr>
+      <p:grpSpPr>
+        <a:xfrm>
+          <a:off x="0" y="0"/>
+          <a:ext cx="0" cy="0"/>
+          <a:chOff x="0" y="0"/>
+          <a:chExt cx="0" cy="0"/>
+        </a:xfrm>
+      </p:grpSpPr>
+      <p:sp>
+        <p:nvSpPr>
+          <p:cNvPr id="2" name="Header Placeholder 1"/>
+          <p:cNvSpPr>
+            <a:spLocks noGrp="1"/>
+          </p:cNvSpPr>
+          <p:nvPr>
+            <p:ph type="hdr" sz="quarter"/>
+          </p:nvPr>
+        </p:nvSpPr>
+        <p:spPr>
+          <a:xfrm>
+            <a:off x="0" y="0"/>
+            <a:ext cx="2971800" cy="458788"/>
+          </a:xfrm>
+          <a:prstGeom prst="rect">
+            <a:avLst/>
+          </a:prstGeom>
+        </p:spPr>
+        <p:txBody>
+          <a:bodyPr vert="horz" lIns="91440" tIns="45720" rIns="91440" bIns="45720" rtlCol="0"/>
+          <a:lstStyle>
+            <a:lvl1pPr algn="l">
+              <a:defRPr sz="1200"/>
+            </a:lvl1pPr>
+          </a:lstStyle>
+          <a:p>
+            <a:r>
+              <a:rPr lang="en-US" smtClean="0"/>
+              <a:t>TEST</a:t>
+            </a:r>
+            <a:endParaRPr lang="en-US"/>
+          </a:p>
+        </p:txBody>
+      </p:sp>
+      <p:sp>
+        <p:nvSpPr>
+          <p:cNvPr id="3" name="Date Placeholder 2"/>
+          <p:cNvSpPr>
+            <a:spLocks noGrp="1"/>
+          </p:cNvSpPr>
+          <p:nvPr>
+            <p:ph type="dt" sz="quarter" idx="1"/>
+          </p:nvPr>
+        </p:nvSpPr>
+        <p:spPr>
+          <a:xfrm>
+            <a:off x="3884613" y="0"/>
+            <a:ext cx="2971800" cy="458788"/>
+          </a:xfrm>
+          <a:prstGeom prst="rect">
+            <a:avLst/>
+          </a:prstGeom>
+        </p:spPr>
+        <p:txBody>
+          <a:bodyPr vert="horz" lIns="91440" tIns="45720" rIns="91440" bIns="45720" rtlCol="0"/>
+          <a:lstStyle>
+            <a:lvl1pPr algn="r">
+              <a:defRPr sz="1200"/>
+            </a:lvl1pPr>
+          </a:lstStyle>
+          <a:p>
+            <a:fld id="{0CFB67D1-B930-45EB-8ABD-6B5C9D4B80D1}" type="datetimeFigureOut">
+              <a:rPr lang="en-US" smtClean="0"/>
+              <a:t>12/28/2015</a:t>
+            </a:fld>
+            <a:endParaRPr lang="en-US"/>
+          </a:p>
+        </p:txBody>
+      </p:sp>
+      <p:sp>
+        <p:nvSpPr>
+          <p:cNvPr id="4" name="Footer Placeholder 3"/>
+          <p:cNvSpPr>
+            <a:spLocks noGrp="1"/>
+          </p:cNvSpPr>
+          <p:nvPr>
+            <p:ph type="ftr" sz="quarter" idx="2"/>
+          </p:nvPr>
+        </p:nvSpPr>
+        <p:spPr>
+          <a:xfrm>
+            <a:off x="0" y="8685213"/>
+            <a:ext cx="2971800" cy="458787"/>
+          </a:xfrm>
+          <a:prstGeom prst="rect">
+            <a:avLst/>
+          </a:prstGeom>
+        </p:spPr>
+        <p:txBody>
+          <a:bodyPr vert="horz" lIns="91440" tIns="45720" rIns="91440" bIns="45720" rtlCol="0" anchor="b"/>
+          <a:lstStyle>
+            <a:lvl1pPr algn="l">
+              <a:defRPr sz="1200"/>
+            </a:lvl1pPr>
+          </a:lstStyle>
+          <a:p>
+            <a:endParaRPr lang="en-US"/>
+          </a:p>
+        </p:txBody>
+      </p:sp>
+      <p:sp>
+        <p:nvSpPr>
+          <p:cNvPr id="5" name="Slide Number Placeholder 4"/>
+          <p:cNvSpPr>
+            <a:spLocks noGrp="1"/>
+          </p:cNvSpPr>
+          <p:nvPr>
+            <p:ph type="sldNum" sz="quarter" idx="3"/>
+          </p:nvPr>
+        </p:nvSpPr>
+        <p:spPr>
+          <a:xfrm>
+            <a:off x="3884613" y="8685213"/>
+            <a:ext cx="2971800" cy="458787"/>
+          </a:xfrm>
+          <a:prstGeom prst="rect">
+            <a:avLst/>
+          </a:prstGeom>
+        </p:spPr>
+        <p:txBody>
+          <a:bodyPr vert="horz" lIns="91440" tIns="45720" rIns="91440" bIns="45720" rtlCol="0" anchor="b"/>
+          <a:lstStyle>
+            <a:lvl1pPr algn="r">
+              <a:defRPr sz="1200"/>
+            </a:lvl1pPr>
+          </a:lstStyle>
+          <a:p>
+            <a:fld id="{22F009B3-D1C4-4F25-AC27-38EB6DBF6410}" type="slidenum">
+              <a:rPr lang="en-US" smtClean="0"/>
+              <a:t>‹#›</a:t>
+            </a:fld>
+            <a:endParaRPr lang="en-US"/>
+          </a:p>
+        </p:txBody>
+      </p:sp>
+    </p:spTree>
+    <p:extLst>
+      <p:ext uri="{BB962C8B-B14F-4D97-AF65-F5344CB8AC3E}">
+        <p14:creationId xmlns:p14="http://schemas.microsoft.com/office/powerpoint/2010/main" val="504010240"/>
+      </p:ext>
+    </p:extLst>
+  </p:cSld>
+  <p:clrMap bg1="lt1" tx1="dk1" bg2="lt2" tx2="dk2" accent1="accent1" accent2="accent2" accent3="accent3" accent4="accent4" accent5="accent5" accent6="accent6" hlink="hlink" folHlink="folHlink"/>
+  <p:hf ftr="0" dt="0"/>
+</p:handoutMaster>
+</file>
+
 <file path=ppt/notesMasters/notesMaster1.xml><?xml version="1.0" encoding="utf-8"?>
 <p:notesMaster xmlns:a="http://schemas.openxmlformats.org/drawingml/2006/main" xmlns:r="http://schemas.openxmlformats.org/officeDocument/2006/relationships" xmlns:p="http://schemas.openxmlformats.org/presentationml/2006/main">
   <p:cSld>
@@ -231,6 +404,10 @@
             </a:lvl1pPr>
           </a:lstStyle>
           <a:p>
+            <a:r>
+              <a:rPr lang="en-US" smtClean="0"/>
+              <a:t>TEST</a:t>
+            </a:r>
             <a:endParaRPr lang="en-US"/>
           </a:p>
         </p:txBody>
@@ -437,6 +614,7 @@
     </p:extLst>
   </p:cSld>
   <p:clrMap bg1="lt1" tx1="dk1" bg2="lt2" tx2="dk2" accent1="accent1" accent2="accent2" accent3="accent3" accent4="accent4" accent5="accent5" accent6="accent6" hlink="hlink" folHlink="folHlink"/>
+  <p:hf ftr="0" dt="0"/>
   <p:notesStyle>
     <a:lvl1pPr marL="0" algn="l" defTabSz="914400" rtl="0" eaLnBrk="1" latinLnBrk="0" hangingPunct="1">
       <a:defRPr sz="1200" kern="1200">
@@ -603,6 +781,29 @@
           </a:p>
         </p:txBody>
       </p:sp>
+      <p:sp>
+        <p:nvSpPr>
+          <p:cNvPr id="5" name="Header Placeholder 4"/>
+          <p:cNvSpPr>
+            <a:spLocks noGrp="1"/>
+          </p:cNvSpPr>
+          <p:nvPr>
+            <p:ph type="hdr" sz="quarter" idx="11"/>
+          </p:nvPr>
+        </p:nvSpPr>
+        <p:spPr/>
+        <p:txBody>
+          <a:bodyPr/>
+          <a:lstStyle/>
+          <a:p>
+            <a:r>
+              <a:rPr lang="en-US" smtClean="0"/>
+              <a:t>TEST</a:t>
+            </a:r>
+            <a:endParaRPr lang="en-US"/>
+          </a:p>
+        </p:txBody>
+      </p:sp>
     </p:spTree>
     <p:extLst>
       <p:ext uri="{BB962C8B-B14F-4D97-AF65-F5344CB8AC3E}">
@@ -660,6 +861,113 @@
           <a:bodyPr/>
           <a:lstStyle/>
           <a:p>
+            <a:endParaRPr lang="en-US"/>
+          </a:p>
+        </p:txBody>
+      </p:sp>
+      <p:sp>
+        <p:nvSpPr>
+          <p:cNvPr id="4" name="Header Placeholder 3"/>
+          <p:cNvSpPr>
+            <a:spLocks noGrp="1"/>
+          </p:cNvSpPr>
+          <p:nvPr>
+            <p:ph type="hdr" sz="quarter" idx="10"/>
+          </p:nvPr>
+        </p:nvSpPr>
+        <p:spPr/>
+        <p:txBody>
+          <a:bodyPr/>
+          <a:lstStyle/>
+          <a:p>
+            <a:r>
+              <a:rPr lang="en-US" smtClean="0"/>
+              <a:t>TEST</a:t>
+            </a:r>
+            <a:endParaRPr lang="en-US"/>
+          </a:p>
+        </p:txBody>
+      </p:sp>
+      <p:sp>
+        <p:nvSpPr>
+          <p:cNvPr id="5" name="Slide Number Placeholder 4"/>
+          <p:cNvSpPr>
+            <a:spLocks noGrp="1"/>
+          </p:cNvSpPr>
+          <p:nvPr>
+            <p:ph type="sldNum" sz="quarter" idx="11"/>
+          </p:nvPr>
+        </p:nvSpPr>
+        <p:spPr/>
+        <p:txBody>
+          <a:bodyPr/>
+          <a:lstStyle/>
+          <a:p>
+            <a:fld id="{B1206FEA-4AFC-4465-8ABD-ECC3D411179B}" type="slidenum">
+              <a:rPr lang="en-US" smtClean="0"/>
+              <a:t>4</a:t>
+            </a:fld>
+            <a:endParaRPr lang="en-US"/>
+          </a:p>
+        </p:txBody>
+      </p:sp>
+    </p:spTree>
+    <p:extLst>
+      <p:ext uri="{BB962C8B-B14F-4D97-AF65-F5344CB8AC3E}">
+        <p14:creationId xmlns:p14="http://schemas.microsoft.com/office/powerpoint/2010/main" val="2624536755"/>
+      </p:ext>
+    </p:extLst>
+  </p:cSld>
+  <p:clrMapOvr>
+    <a:masterClrMapping/>
+  </p:clrMapOvr>
+</p:notes>
+</file>
+
+<file path=ppt/notesSlides/notesSlide3.xml><?xml version="1.0" encoding="utf-8"?>
+<p:notes xmlns:a="http://schemas.openxmlformats.org/drawingml/2006/main" xmlns:r="http://schemas.openxmlformats.org/officeDocument/2006/relationships" xmlns:p="http://schemas.openxmlformats.org/presentationml/2006/main">
+  <p:cSld>
+    <p:spTree>
+      <p:nvGrpSpPr>
+        <p:cNvPr id="1" name=""/>
+        <p:cNvGrpSpPr/>
+        <p:nvPr/>
+      </p:nvGrpSpPr>
+      <p:grpSpPr>
+        <a:xfrm>
+          <a:off x="0" y="0"/>
+          <a:ext cx="0" cy="0"/>
+          <a:chOff x="0" y="0"/>
+          <a:chExt cx="0" cy="0"/>
+        </a:xfrm>
+      </p:grpSpPr>
+      <p:sp>
+        <p:nvSpPr>
+          <p:cNvPr id="2" name="Slide Image Placeholder 1"/>
+          <p:cNvSpPr>
+            <a:spLocks noGrp="1" noRot="1" noChangeAspect="1"/>
+          </p:cNvSpPr>
+          <p:nvPr>
+            <p:ph type="sldImg"/>
+          </p:nvPr>
+        </p:nvSpPr>
+        <p:spPr/>
+      </p:sp>
+      <p:sp>
+        <p:nvSpPr>
+          <p:cNvPr id="3" name="Notes Placeholder 2"/>
+          <p:cNvSpPr>
+            <a:spLocks noGrp="1"/>
+          </p:cNvSpPr>
+          <p:nvPr>
+            <p:ph type="body" idx="1"/>
+          </p:nvPr>
+        </p:nvSpPr>
+        <p:spPr/>
+        <p:txBody>
+          <a:bodyPr/>
+          <a:lstStyle/>
+          <a:p>
             <a:r>
               <a:rPr lang="en-US" dirty="0" smtClean="0"/>
               <a:t>test</a:t>
@@ -687,6 +995,29 @@
               <a:rPr lang="en-US" smtClean="0"/>
               <a:t>21</a:t>
             </a:fld>
+            <a:endParaRPr lang="en-US"/>
+          </a:p>
+        </p:txBody>
+      </p:sp>
+      <p:sp>
+        <p:nvSpPr>
+          <p:cNvPr id="5" name="Header Placeholder 4"/>
+          <p:cNvSpPr>
+            <a:spLocks noGrp="1"/>
+          </p:cNvSpPr>
+          <p:nvPr>
+            <p:ph type="hdr" sz="quarter" idx="11"/>
+          </p:nvPr>
+        </p:nvSpPr>
+        <p:spPr/>
+        <p:txBody>
+          <a:bodyPr/>
+          <a:lstStyle/>
+          <a:p>
+            <a:r>
+              <a:rPr lang="en-US" smtClean="0"/>
+              <a:t>TEST</a:t>
+            </a:r>
             <a:endParaRPr lang="en-US"/>
           </a:p>
         </p:txBody>
@@ -15525,6 +15856,36 @@
           </a:p>
         </p:txBody>
       </p:sp>
+      <p:pic>
+        <p:nvPicPr>
+          <p:cNvPr id="6" name="Picture 5"/>
+          <p:cNvPicPr>
+            <a:picLocks noChangeAspect="1"/>
+          </p:cNvPicPr>
+          <p:nvPr/>
+        </p:nvPicPr>
+        <p:blipFill>
+          <a:blip r:embed="rId2">
+            <a:extLst>
+              <a:ext uri="{28A0092B-C50C-407E-A947-70E740481C1C}">
+                <a14:useLocalDpi xmlns:a14="http://schemas.microsoft.com/office/drawing/2010/main" val="0"/>
+              </a:ext>
+            </a:extLst>
+          </a:blip>
+          <a:stretch>
+            <a:fillRect/>
+          </a:stretch>
+        </p:blipFill>
+        <p:spPr>
+          <a:xfrm>
+            <a:off x="157162" y="84137"/>
+            <a:ext cx="1362075" cy="561975"/>
+          </a:xfrm>
+          <a:prstGeom prst="rect">
+            <a:avLst/>
+          </a:prstGeom>
+        </p:spPr>
+      </p:pic>
     </p:spTree>
     <p:extLst>
       <p:ext uri="{BB962C8B-B14F-4D97-AF65-F5344CB8AC3E}">
@@ -15873,6 +16234,36 @@
           </a:p>
         </p:txBody>
       </p:sp>
+      <p:pic>
+        <p:nvPicPr>
+          <p:cNvPr id="6" name="Picture 5"/>
+          <p:cNvPicPr>
+            <a:picLocks noChangeAspect="1"/>
+          </p:cNvPicPr>
+          <p:nvPr/>
+        </p:nvPicPr>
+        <p:blipFill>
+          <a:blip r:embed="rId2">
+            <a:extLst>
+              <a:ext uri="{28A0092B-C50C-407E-A947-70E740481C1C}">
+                <a14:useLocalDpi xmlns:a14="http://schemas.microsoft.com/office/drawing/2010/main" val="0"/>
+              </a:ext>
+            </a:extLst>
+          </a:blip>
+          <a:stretch>
+            <a:fillRect/>
+          </a:stretch>
+        </p:blipFill>
+        <p:spPr>
+          <a:xfrm>
+            <a:off x="157162" y="84137"/>
+            <a:ext cx="1362075" cy="561975"/>
+          </a:xfrm>
+          <a:prstGeom prst="rect">
+            <a:avLst/>
+          </a:prstGeom>
+        </p:spPr>
+      </p:pic>
     </p:spTree>
     <p:extLst>
       <p:ext uri="{BB962C8B-B14F-4D97-AF65-F5344CB8AC3E}">
@@ -16416,6 +16807,36 @@
           </a:p>
         </p:txBody>
       </p:sp>
+      <p:pic>
+        <p:nvPicPr>
+          <p:cNvPr id="6" name="Picture 5"/>
+          <p:cNvPicPr>
+            <a:picLocks noChangeAspect="1"/>
+          </p:cNvPicPr>
+          <p:nvPr/>
+        </p:nvPicPr>
+        <p:blipFill>
+          <a:blip r:embed="rId2">
+            <a:extLst>
+              <a:ext uri="{28A0092B-C50C-407E-A947-70E740481C1C}">
+                <a14:useLocalDpi xmlns:a14="http://schemas.microsoft.com/office/drawing/2010/main" val="0"/>
+              </a:ext>
+            </a:extLst>
+          </a:blip>
+          <a:stretch>
+            <a:fillRect/>
+          </a:stretch>
+        </p:blipFill>
+        <p:spPr>
+          <a:xfrm>
+            <a:off x="157162" y="84137"/>
+            <a:ext cx="1362075" cy="561975"/>
+          </a:xfrm>
+          <a:prstGeom prst="rect">
+            <a:avLst/>
+          </a:prstGeom>
+        </p:spPr>
+      </p:pic>
     </p:spTree>
     <p:extLst>
       <p:ext uri="{BB962C8B-B14F-4D97-AF65-F5344CB8AC3E}">
@@ -16572,6 +16993,36 @@
           </a:p>
         </p:txBody>
       </p:sp>
+      <p:pic>
+        <p:nvPicPr>
+          <p:cNvPr id="6" name="Picture 5"/>
+          <p:cNvPicPr>
+            <a:picLocks noChangeAspect="1"/>
+          </p:cNvPicPr>
+          <p:nvPr/>
+        </p:nvPicPr>
+        <p:blipFill>
+          <a:blip r:embed="rId2">
+            <a:extLst>
+              <a:ext uri="{28A0092B-C50C-407E-A947-70E740481C1C}">
+                <a14:useLocalDpi xmlns:a14="http://schemas.microsoft.com/office/drawing/2010/main" val="0"/>
+              </a:ext>
+            </a:extLst>
+          </a:blip>
+          <a:stretch>
+            <a:fillRect/>
+          </a:stretch>
+        </p:blipFill>
+        <p:spPr>
+          <a:xfrm>
+            <a:off x="157162" y="84137"/>
+            <a:ext cx="1362075" cy="561975"/>
+          </a:xfrm>
+          <a:prstGeom prst="rect">
+            <a:avLst/>
+          </a:prstGeom>
+        </p:spPr>
+      </p:pic>
     </p:spTree>
     <p:extLst>
       <p:ext uri="{BB962C8B-B14F-4D97-AF65-F5344CB8AC3E}">
@@ -16779,6 +17230,36 @@
           </a:p>
         </p:txBody>
       </p:sp>
+      <p:pic>
+        <p:nvPicPr>
+          <p:cNvPr id="7" name="Picture 6"/>
+          <p:cNvPicPr>
+            <a:picLocks noChangeAspect="1"/>
+          </p:cNvPicPr>
+          <p:nvPr/>
+        </p:nvPicPr>
+        <p:blipFill>
+          <a:blip r:embed="rId3">
+            <a:extLst>
+              <a:ext uri="{28A0092B-C50C-407E-A947-70E740481C1C}">
+                <a14:useLocalDpi xmlns:a14="http://schemas.microsoft.com/office/drawing/2010/main" val="0"/>
+              </a:ext>
+            </a:extLst>
+          </a:blip>
+          <a:stretch>
+            <a:fillRect/>
+          </a:stretch>
+        </p:blipFill>
+        <p:spPr>
+          <a:xfrm>
+            <a:off x="157162" y="84137"/>
+            <a:ext cx="1362075" cy="561975"/>
+          </a:xfrm>
+          <a:prstGeom prst="rect">
+            <a:avLst/>
+          </a:prstGeom>
+        </p:spPr>
+      </p:pic>
     </p:spTree>
     <p:extLst>
       <p:ext uri="{BB962C8B-B14F-4D97-AF65-F5344CB8AC3E}">
@@ -16957,6 +17438,36 @@
           </a:p>
         </p:txBody>
       </p:sp>
+      <p:pic>
+        <p:nvPicPr>
+          <p:cNvPr id="6" name="Picture 5"/>
+          <p:cNvPicPr>
+            <a:picLocks noChangeAspect="1"/>
+          </p:cNvPicPr>
+          <p:nvPr/>
+        </p:nvPicPr>
+        <p:blipFill>
+          <a:blip r:embed="rId2">
+            <a:extLst>
+              <a:ext uri="{28A0092B-C50C-407E-A947-70E740481C1C}">
+                <a14:useLocalDpi xmlns:a14="http://schemas.microsoft.com/office/drawing/2010/main" val="0"/>
+              </a:ext>
+            </a:extLst>
+          </a:blip>
+          <a:stretch>
+            <a:fillRect/>
+          </a:stretch>
+        </p:blipFill>
+        <p:spPr>
+          <a:xfrm>
+            <a:off x="157162" y="84137"/>
+            <a:ext cx="1362075" cy="561975"/>
+          </a:xfrm>
+          <a:prstGeom prst="rect">
+            <a:avLst/>
+          </a:prstGeom>
+        </p:spPr>
+      </p:pic>
     </p:spTree>
     <p:extLst>
       <p:ext uri="{BB962C8B-B14F-4D97-AF65-F5344CB8AC3E}">
@@ -17506,6 +18017,36 @@
           </a:p>
         </p:txBody>
       </p:sp>
+      <p:pic>
+        <p:nvPicPr>
+          <p:cNvPr id="6" name="Picture 5"/>
+          <p:cNvPicPr>
+            <a:picLocks noChangeAspect="1"/>
+          </p:cNvPicPr>
+          <p:nvPr/>
+        </p:nvPicPr>
+        <p:blipFill>
+          <a:blip r:embed="rId2">
+            <a:extLst>
+              <a:ext uri="{28A0092B-C50C-407E-A947-70E740481C1C}">
+                <a14:useLocalDpi xmlns:a14="http://schemas.microsoft.com/office/drawing/2010/main" val="0"/>
+              </a:ext>
+            </a:extLst>
+          </a:blip>
+          <a:stretch>
+            <a:fillRect/>
+          </a:stretch>
+        </p:blipFill>
+        <p:spPr>
+          <a:xfrm>
+            <a:off x="157162" y="84137"/>
+            <a:ext cx="1362075" cy="561975"/>
+          </a:xfrm>
+          <a:prstGeom prst="rect">
+            <a:avLst/>
+          </a:prstGeom>
+        </p:spPr>
+      </p:pic>
     </p:spTree>
     <p:extLst>
       <p:ext uri="{BB962C8B-B14F-4D97-AF65-F5344CB8AC3E}">
@@ -17720,6 +18261,36 @@
           </a:p>
         </p:txBody>
       </p:sp>
+      <p:pic>
+        <p:nvPicPr>
+          <p:cNvPr id="6" name="Picture 5"/>
+          <p:cNvPicPr>
+            <a:picLocks noChangeAspect="1"/>
+          </p:cNvPicPr>
+          <p:nvPr/>
+        </p:nvPicPr>
+        <p:blipFill>
+          <a:blip r:embed="rId2">
+            <a:extLst>
+              <a:ext uri="{28A0092B-C50C-407E-A947-70E740481C1C}">
+                <a14:useLocalDpi xmlns:a14="http://schemas.microsoft.com/office/drawing/2010/main" val="0"/>
+              </a:ext>
+            </a:extLst>
+          </a:blip>
+          <a:stretch>
+            <a:fillRect/>
+          </a:stretch>
+        </p:blipFill>
+        <p:spPr>
+          <a:xfrm>
+            <a:off x="157162" y="84137"/>
+            <a:ext cx="1362075" cy="561975"/>
+          </a:xfrm>
+          <a:prstGeom prst="rect">
+            <a:avLst/>
+          </a:prstGeom>
+        </p:spPr>
+      </p:pic>
     </p:spTree>
     <p:extLst>
       <p:ext uri="{BB962C8B-B14F-4D97-AF65-F5344CB8AC3E}">
@@ -17976,6 +18547,36 @@
           </a:p>
         </p:txBody>
       </p:sp>
+      <p:pic>
+        <p:nvPicPr>
+          <p:cNvPr id="6" name="Picture 5"/>
+          <p:cNvPicPr>
+            <a:picLocks noChangeAspect="1"/>
+          </p:cNvPicPr>
+          <p:nvPr/>
+        </p:nvPicPr>
+        <p:blipFill>
+          <a:blip r:embed="rId2">
+            <a:extLst>
+              <a:ext uri="{28A0092B-C50C-407E-A947-70E740481C1C}">
+                <a14:useLocalDpi xmlns:a14="http://schemas.microsoft.com/office/drawing/2010/main" val="0"/>
+              </a:ext>
+            </a:extLst>
+          </a:blip>
+          <a:stretch>
+            <a:fillRect/>
+          </a:stretch>
+        </p:blipFill>
+        <p:spPr>
+          <a:xfrm>
+            <a:off x="157162" y="84137"/>
+            <a:ext cx="1362075" cy="561975"/>
+          </a:xfrm>
+          <a:prstGeom prst="rect">
+            <a:avLst/>
+          </a:prstGeom>
+        </p:spPr>
+      </p:pic>
     </p:spTree>
     <p:extLst>
       <p:ext uri="{BB962C8B-B14F-4D97-AF65-F5344CB8AC3E}">
@@ -18161,6 +18762,36 @@
           </a:p>
         </p:txBody>
       </p:sp>
+      <p:pic>
+        <p:nvPicPr>
+          <p:cNvPr id="6" name="Picture 5"/>
+          <p:cNvPicPr>
+            <a:picLocks noChangeAspect="1"/>
+          </p:cNvPicPr>
+          <p:nvPr/>
+        </p:nvPicPr>
+        <p:blipFill>
+          <a:blip r:embed="rId2">
+            <a:extLst>
+              <a:ext uri="{28A0092B-C50C-407E-A947-70E740481C1C}">
+                <a14:useLocalDpi xmlns:a14="http://schemas.microsoft.com/office/drawing/2010/main" val="0"/>
+              </a:ext>
+            </a:extLst>
+          </a:blip>
+          <a:stretch>
+            <a:fillRect/>
+          </a:stretch>
+        </p:blipFill>
+        <p:spPr>
+          <a:xfrm>
+            <a:off x="157162" y="84137"/>
+            <a:ext cx="1362075" cy="561975"/>
+          </a:xfrm>
+          <a:prstGeom prst="rect">
+            <a:avLst/>
+          </a:prstGeom>
+        </p:spPr>
+      </p:pic>
     </p:spTree>
     <p:extLst>
       <p:ext uri="{BB962C8B-B14F-4D97-AF65-F5344CB8AC3E}">
@@ -18589,52 +19220,36 @@
           </a:prstGeom>
         </p:spPr>
       </p:pic>
-      <p:sp>
-        <p:nvSpPr>
-          <p:cNvPr id="8" name="Footer Placeholder 7"/>
-          <p:cNvSpPr>
-            <a:spLocks noGrp="1"/>
-          </p:cNvSpPr>
-          <p:nvPr>
-            <p:ph type="ftr" sz="quarter" idx="11"/>
-          </p:nvPr>
-        </p:nvSpPr>
-        <p:spPr/>
-        <p:txBody>
-          <a:bodyPr/>
-          <a:lstStyle/>
-          <a:p>
-            <a:r>
-              <a:rPr lang="en-US" dirty="0"/>
-              <a:t>Agenda</a:t>
-            </a:r>
-            <a:endParaRPr lang="en-US" dirty="0"/>
-          </a:p>
-        </p:txBody>
-      </p:sp>
-      <p:sp>
-        <p:nvSpPr>
-          <p:cNvPr id="9" name="Slide Number Placeholder 8"/>
-          <p:cNvSpPr>
-            <a:spLocks noGrp="1"/>
-          </p:cNvSpPr>
-          <p:nvPr>
-            <p:ph type="sldNum" sz="quarter" idx="12"/>
-          </p:nvPr>
-        </p:nvSpPr>
-        <p:spPr/>
-        <p:txBody>
-          <a:bodyPr/>
-          <a:lstStyle/>
-          <a:p>
-            <a:fld id="{B777A91B-BF1B-4ECE-B89B-72F2144CF226}" type="slidenum">
-              <a:rPr lang="en-US" smtClean="0"/>
-              <a:t>2</a:t>
-            </a:fld>
-            <a:endParaRPr lang="en-US" dirty="0"/>
-          </a:p>
-        </p:txBody>
-      </p:sp>
+      <p:pic>
+        <p:nvPicPr>
+          <p:cNvPr id="10" name="Picture 9"/>
+          <p:cNvPicPr>
+            <a:picLocks noChangeAspect="1"/>
+          </p:cNvPicPr>
+          <p:nvPr/>
+        </p:nvPicPr>
+        <p:blipFill>
+          <a:blip r:embed="rId7">
+            <a:extLst>
+              <a:ext uri="{28A0092B-C50C-407E-A947-70E740481C1C}">
+                <a14:useLocalDpi xmlns:a14="http://schemas.microsoft.com/office/drawing/2010/main" val="0"/>
+              </a:ext>
+            </a:extLst>
+          </a:blip>
+          <a:stretch>
+            <a:fillRect/>
+          </a:stretch>
+        </p:blipFill>
+        <p:spPr>
+          <a:xfrm>
+            <a:off x="157162" y="84137"/>
+            <a:ext cx="1362075" cy="561975"/>
+          </a:xfrm>
+          <a:prstGeom prst="rect">
+            <a:avLst/>
+          </a:prstGeom>
+        </p:spPr>
+      </p:pic>
     </p:spTree>
     <p:extLst>
       <p:ext uri="{BB962C8B-B14F-4D97-AF65-F5344CB8AC3E}">
@@ -18983,6 +19598,36 @@
           </a:p>
         </p:txBody>
       </p:sp>
+      <p:pic>
+        <p:nvPicPr>
+          <p:cNvPr id="6" name="Picture 5"/>
+          <p:cNvPicPr>
+            <a:picLocks noChangeAspect="1"/>
+          </p:cNvPicPr>
+          <p:nvPr/>
+        </p:nvPicPr>
+        <p:blipFill>
+          <a:blip r:embed="rId2">
+            <a:extLst>
+              <a:ext uri="{28A0092B-C50C-407E-A947-70E740481C1C}">
+                <a14:useLocalDpi xmlns:a14="http://schemas.microsoft.com/office/drawing/2010/main" val="0"/>
+              </a:ext>
+            </a:extLst>
+          </a:blip>
+          <a:stretch>
+            <a:fillRect/>
+          </a:stretch>
+        </p:blipFill>
+        <p:spPr>
+          <a:xfrm>
+            <a:off x="157162" y="84137"/>
+            <a:ext cx="1362075" cy="561975"/>
+          </a:xfrm>
+          <a:prstGeom prst="rect">
+            <a:avLst/>
+          </a:prstGeom>
+        </p:spPr>
+      </p:pic>
     </p:spTree>
     <p:extLst>
       <p:ext uri="{BB962C8B-B14F-4D97-AF65-F5344CB8AC3E}">
@@ -19160,6 +19805,36 @@
           </a:p>
         </p:txBody>
       </p:sp>
+      <p:pic>
+        <p:nvPicPr>
+          <p:cNvPr id="6" name="Picture 5"/>
+          <p:cNvPicPr>
+            <a:picLocks noChangeAspect="1"/>
+          </p:cNvPicPr>
+          <p:nvPr/>
+        </p:nvPicPr>
+        <p:blipFill>
+          <a:blip r:embed="rId3">
+            <a:extLst>
+              <a:ext uri="{28A0092B-C50C-407E-A947-70E740481C1C}">
+                <a14:useLocalDpi xmlns:a14="http://schemas.microsoft.com/office/drawing/2010/main" val="0"/>
+              </a:ext>
+            </a:extLst>
+          </a:blip>
+          <a:stretch>
+            <a:fillRect/>
+          </a:stretch>
+        </p:blipFill>
+        <p:spPr>
+          <a:xfrm>
+            <a:off x="157162" y="84137"/>
+            <a:ext cx="1362075" cy="561975"/>
+          </a:xfrm>
+          <a:prstGeom prst="rect">
+            <a:avLst/>
+          </a:prstGeom>
+        </p:spPr>
+      </p:pic>
     </p:spTree>
     <p:extLst>
       <p:ext uri="{BB962C8B-B14F-4D97-AF65-F5344CB8AC3E}">
@@ -19427,11 +20102,7 @@
             </a:pPr>
             <a:r>
               <a:rPr lang="en-US" sz="2000" dirty="0" smtClean="0"/>
-              <a:t>     </a:t>
-            </a:r>
-            <a:r>
-              <a:rPr lang="en-US" sz="2000" dirty="0" smtClean="0"/>
-              <a:t>&lt;</a:t>
+              <a:t>     &lt;</a:t>
             </a:r>
             <a:r>
               <a:rPr lang="en-US" sz="2000" dirty="0" err="1"/>
@@ -19568,6 +20239,36 @@
           </a:p>
         </p:txBody>
       </p:sp>
+      <p:pic>
+        <p:nvPicPr>
+          <p:cNvPr id="6" name="Picture 5"/>
+          <p:cNvPicPr>
+            <a:picLocks noChangeAspect="1"/>
+          </p:cNvPicPr>
+          <p:nvPr/>
+        </p:nvPicPr>
+        <p:blipFill>
+          <a:blip r:embed="rId2">
+            <a:extLst>
+              <a:ext uri="{28A0092B-C50C-407E-A947-70E740481C1C}">
+                <a14:useLocalDpi xmlns:a14="http://schemas.microsoft.com/office/drawing/2010/main" val="0"/>
+              </a:ext>
+            </a:extLst>
+          </a:blip>
+          <a:stretch>
+            <a:fillRect/>
+          </a:stretch>
+        </p:blipFill>
+        <p:spPr>
+          <a:xfrm>
+            <a:off x="157162" y="84137"/>
+            <a:ext cx="1362075" cy="561975"/>
+          </a:xfrm>
+          <a:prstGeom prst="rect">
+            <a:avLst/>
+          </a:prstGeom>
+        </p:spPr>
+      </p:pic>
     </p:spTree>
     <p:extLst>
       <p:ext uri="{BB962C8B-B14F-4D97-AF65-F5344CB8AC3E}">
@@ -20233,6 +20934,36 @@
           </a:p>
         </p:txBody>
       </p:sp>
+      <p:pic>
+        <p:nvPicPr>
+          <p:cNvPr id="6" name="Picture 5"/>
+          <p:cNvPicPr>
+            <a:picLocks noChangeAspect="1"/>
+          </p:cNvPicPr>
+          <p:nvPr/>
+        </p:nvPicPr>
+        <p:blipFill>
+          <a:blip r:embed="rId2">
+            <a:extLst>
+              <a:ext uri="{28A0092B-C50C-407E-A947-70E740481C1C}">
+                <a14:useLocalDpi xmlns:a14="http://schemas.microsoft.com/office/drawing/2010/main" val="0"/>
+              </a:ext>
+            </a:extLst>
+          </a:blip>
+          <a:stretch>
+            <a:fillRect/>
+          </a:stretch>
+        </p:blipFill>
+        <p:spPr>
+          <a:xfrm>
+            <a:off x="157162" y="84137"/>
+            <a:ext cx="1362075" cy="561975"/>
+          </a:xfrm>
+          <a:prstGeom prst="rect">
+            <a:avLst/>
+          </a:prstGeom>
+        </p:spPr>
+      </p:pic>
     </p:spTree>
     <p:extLst>
       <p:ext uri="{BB962C8B-B14F-4D97-AF65-F5344CB8AC3E}">
@@ -20456,6 +21187,36 @@
           </a:p>
         </p:txBody>
       </p:sp>
+      <p:pic>
+        <p:nvPicPr>
+          <p:cNvPr id="7" name="Picture 6"/>
+          <p:cNvPicPr>
+            <a:picLocks noChangeAspect="1"/>
+          </p:cNvPicPr>
+          <p:nvPr/>
+        </p:nvPicPr>
+        <p:blipFill>
+          <a:blip r:embed="rId3">
+            <a:extLst>
+              <a:ext uri="{28A0092B-C50C-407E-A947-70E740481C1C}">
+                <a14:useLocalDpi xmlns:a14="http://schemas.microsoft.com/office/drawing/2010/main" val="0"/>
+              </a:ext>
+            </a:extLst>
+          </a:blip>
+          <a:stretch>
+            <a:fillRect/>
+          </a:stretch>
+        </p:blipFill>
+        <p:spPr>
+          <a:xfrm>
+            <a:off x="157162" y="84137"/>
+            <a:ext cx="1362075" cy="561975"/>
+          </a:xfrm>
+          <a:prstGeom prst="rect">
+            <a:avLst/>
+          </a:prstGeom>
+        </p:spPr>
+      </p:pic>
     </p:spTree>
     <p:extLst>
       <p:ext uri="{BB962C8B-B14F-4D97-AF65-F5344CB8AC3E}">
@@ -20876,6 +21637,36 @@
           </a:p>
         </p:txBody>
       </p:sp>
+      <p:pic>
+        <p:nvPicPr>
+          <p:cNvPr id="7" name="Picture 6"/>
+          <p:cNvPicPr>
+            <a:picLocks noChangeAspect="1"/>
+          </p:cNvPicPr>
+          <p:nvPr/>
+        </p:nvPicPr>
+        <p:blipFill>
+          <a:blip r:embed="rId4">
+            <a:extLst>
+              <a:ext uri="{28A0092B-C50C-407E-A947-70E740481C1C}">
+                <a14:useLocalDpi xmlns:a14="http://schemas.microsoft.com/office/drawing/2010/main" val="0"/>
+              </a:ext>
+            </a:extLst>
+          </a:blip>
+          <a:stretch>
+            <a:fillRect/>
+          </a:stretch>
+        </p:blipFill>
+        <p:spPr>
+          <a:xfrm>
+            <a:off x="157162" y="84137"/>
+            <a:ext cx="1362075" cy="561975"/>
+          </a:xfrm>
+          <a:prstGeom prst="rect">
+            <a:avLst/>
+          </a:prstGeom>
+        </p:spPr>
+      </p:pic>
     </p:spTree>
     <p:extLst>
       <p:ext uri="{BB962C8B-B14F-4D97-AF65-F5344CB8AC3E}">
@@ -21023,7 +21814,6 @@
               <a:rPr lang="en-US" dirty="0"/>
               <a:t>Unit testing With JEST</a:t>
             </a:r>
-            <a:endParaRPr lang="en-US" dirty="0"/>
           </a:p>
         </p:txBody>
       </p:sp>
@@ -21050,6 +21840,36 @@
           </a:p>
         </p:txBody>
       </p:sp>
+      <p:pic>
+        <p:nvPicPr>
+          <p:cNvPr id="6" name="Picture 5"/>
+          <p:cNvPicPr>
+            <a:picLocks noChangeAspect="1"/>
+          </p:cNvPicPr>
+          <p:nvPr/>
+        </p:nvPicPr>
+        <p:blipFill>
+          <a:blip r:embed="rId2">
+            <a:extLst>
+              <a:ext uri="{28A0092B-C50C-407E-A947-70E740481C1C}">
+                <a14:useLocalDpi xmlns:a14="http://schemas.microsoft.com/office/drawing/2010/main" val="0"/>
+              </a:ext>
+            </a:extLst>
+          </a:blip>
+          <a:stretch>
+            <a:fillRect/>
+          </a:stretch>
+        </p:blipFill>
+        <p:spPr>
+          <a:xfrm>
+            <a:off x="157162" y="84137"/>
+            <a:ext cx="1362075" cy="561975"/>
+          </a:xfrm>
+          <a:prstGeom prst="rect">
+            <a:avLst/>
+          </a:prstGeom>
+        </p:spPr>
+      </p:pic>
     </p:spTree>
     <p:extLst>
       <p:ext uri="{BB962C8B-B14F-4D97-AF65-F5344CB8AC3E}">
@@ -21499,7 +22319,6 @@
               <a:rPr lang="en-US" dirty="0"/>
               <a:t>Unit testing With JEST</a:t>
             </a:r>
-            <a:endParaRPr lang="en-US" dirty="0"/>
           </a:p>
         </p:txBody>
       </p:sp>
@@ -21526,6 +22345,36 @@
           </a:p>
         </p:txBody>
       </p:sp>
+      <p:pic>
+        <p:nvPicPr>
+          <p:cNvPr id="8" name="Picture 7"/>
+          <p:cNvPicPr>
+            <a:picLocks noChangeAspect="1"/>
+          </p:cNvPicPr>
+          <p:nvPr/>
+        </p:nvPicPr>
+        <p:blipFill>
+          <a:blip r:embed="rId3">
+            <a:extLst>
+              <a:ext uri="{28A0092B-C50C-407E-A947-70E740481C1C}">
+                <a14:useLocalDpi xmlns:a14="http://schemas.microsoft.com/office/drawing/2010/main" val="0"/>
+              </a:ext>
+            </a:extLst>
+          </a:blip>
+          <a:stretch>
+            <a:fillRect/>
+          </a:stretch>
+        </p:blipFill>
+        <p:spPr>
+          <a:xfrm>
+            <a:off x="157162" y="84137"/>
+            <a:ext cx="1362075" cy="561975"/>
+          </a:xfrm>
+          <a:prstGeom prst="rect">
+            <a:avLst/>
+          </a:prstGeom>
+        </p:spPr>
+      </p:pic>
     </p:spTree>
     <p:extLst>
       <p:ext uri="{BB962C8B-B14F-4D97-AF65-F5344CB8AC3E}">
@@ -21790,6 +22639,36 @@
           </a:p>
         </p:txBody>
       </p:sp>
+      <p:pic>
+        <p:nvPicPr>
+          <p:cNvPr id="6" name="Picture 5"/>
+          <p:cNvPicPr>
+            <a:picLocks noChangeAspect="1"/>
+          </p:cNvPicPr>
+          <p:nvPr/>
+        </p:nvPicPr>
+        <p:blipFill>
+          <a:blip r:embed="rId2">
+            <a:extLst>
+              <a:ext uri="{28A0092B-C50C-407E-A947-70E740481C1C}">
+                <a14:useLocalDpi xmlns:a14="http://schemas.microsoft.com/office/drawing/2010/main" val="0"/>
+              </a:ext>
+            </a:extLst>
+          </a:blip>
+          <a:stretch>
+            <a:fillRect/>
+          </a:stretch>
+        </p:blipFill>
+        <p:spPr>
+          <a:xfrm>
+            <a:off x="157162" y="84137"/>
+            <a:ext cx="1362075" cy="561975"/>
+          </a:xfrm>
+          <a:prstGeom prst="rect">
+            <a:avLst/>
+          </a:prstGeom>
+        </p:spPr>
+      </p:pic>
     </p:spTree>
     <p:extLst>
       <p:ext uri="{BB962C8B-B14F-4D97-AF65-F5344CB8AC3E}">
@@ -21844,7 +22723,11 @@
           <a:p>
             <a:r>
               <a:rPr lang="en-US" dirty="0" smtClean="0"/>
-              <a:t>Thank You</a:t>
+              <a:t>	Thank </a:t>
+            </a:r>
+            <a:r>
+              <a:rPr lang="en-US" dirty="0" smtClean="0"/>
+              <a:t>You</a:t>
             </a:r>
             <a:endParaRPr lang="en-US" dirty="0"/>
           </a:p>
@@ -21911,7 +22794,7 @@
         <p:spPr>
           <a:xfrm>
             <a:off x="748317" y="1710263"/>
-            <a:ext cx="6027464" cy="1754326"/>
+            <a:ext cx="6027464" cy="2031325"/>
           </a:xfrm>
           <a:prstGeom prst="rect">
             <a:avLst/>
@@ -21926,7 +22809,21 @@
           <a:p>
             <a:r>
               <a:rPr lang="en-US" dirty="0" smtClean="0"/>
-              <a:t>Any questions from the audience please!!!</a:t>
+              <a:t>	</a:t>
+            </a:r>
+          </a:p>
+          <a:p>
+            <a:r>
+              <a:rPr lang="en-US" dirty="0"/>
+              <a:t>	</a:t>
+            </a:r>
+            <a:r>
+              <a:rPr lang="en-US" dirty="0" smtClean="0"/>
+              <a:t>Any </a:t>
+            </a:r>
+            <a:r>
+              <a:rPr lang="en-US" dirty="0" smtClean="0"/>
+              <a:t>questions from the audience please!!!</a:t>
             </a:r>
           </a:p>
           <a:p>
@@ -21958,6 +22855,36 @@
           </a:p>
         </p:txBody>
       </p:sp>
+      <p:pic>
+        <p:nvPicPr>
+          <p:cNvPr id="6" name="Picture 5"/>
+          <p:cNvPicPr>
+            <a:picLocks noChangeAspect="1"/>
+          </p:cNvPicPr>
+          <p:nvPr/>
+        </p:nvPicPr>
+        <p:blipFill>
+          <a:blip r:embed="rId3">
+            <a:extLst>
+              <a:ext uri="{28A0092B-C50C-407E-A947-70E740481C1C}">
+                <a14:useLocalDpi xmlns:a14="http://schemas.microsoft.com/office/drawing/2010/main" val="0"/>
+              </a:ext>
+            </a:extLst>
+          </a:blip>
+          <a:stretch>
+            <a:fillRect/>
+          </a:stretch>
+        </p:blipFill>
+        <p:spPr>
+          <a:xfrm>
+            <a:off x="157162" y="84137"/>
+            <a:ext cx="1362075" cy="561975"/>
+          </a:xfrm>
+          <a:prstGeom prst="rect">
+            <a:avLst/>
+          </a:prstGeom>
+        </p:spPr>
+      </p:pic>
     </p:spTree>
     <p:extLst>
       <p:ext uri="{BB962C8B-B14F-4D97-AF65-F5344CB8AC3E}">
@@ -22012,11 +22939,7 @@
           <a:p>
             <a:r>
               <a:rPr lang="en-US" dirty="0" smtClean="0"/>
-              <a:t>Problem with </a:t>
-            </a:r>
-            <a:r>
-              <a:rPr lang="en-US" dirty="0" smtClean="0"/>
-              <a:t>Two-way binding</a:t>
+              <a:t>Problem with Two-way binding</a:t>
             </a:r>
             <a:endParaRPr lang="en-US" dirty="0"/>
           </a:p>
@@ -22130,6 +23053,36 @@
           </a:p>
         </p:txBody>
       </p:sp>
+      <p:pic>
+        <p:nvPicPr>
+          <p:cNvPr id="8" name="Picture 7"/>
+          <p:cNvPicPr>
+            <a:picLocks noChangeAspect="1"/>
+          </p:cNvPicPr>
+          <p:nvPr/>
+        </p:nvPicPr>
+        <p:blipFill>
+          <a:blip r:embed="rId4">
+            <a:extLst>
+              <a:ext uri="{28A0092B-C50C-407E-A947-70E740481C1C}">
+                <a14:useLocalDpi xmlns:a14="http://schemas.microsoft.com/office/drawing/2010/main" val="0"/>
+              </a:ext>
+            </a:extLst>
+          </a:blip>
+          <a:stretch>
+            <a:fillRect/>
+          </a:stretch>
+        </p:blipFill>
+        <p:spPr>
+          <a:xfrm>
+            <a:off x="157162" y="84137"/>
+            <a:ext cx="1362075" cy="561975"/>
+          </a:xfrm>
+          <a:prstGeom prst="rect">
+            <a:avLst/>
+          </a:prstGeom>
+        </p:spPr>
+      </p:pic>
     </p:spTree>
     <p:extLst>
       <p:ext uri="{BB962C8B-B14F-4D97-AF65-F5344CB8AC3E}">
@@ -22184,11 +23137,7 @@
           <a:p>
             <a:r>
               <a:rPr lang="en-US" dirty="0" smtClean="0"/>
-              <a:t>Problem with </a:t>
-            </a:r>
-            <a:r>
-              <a:rPr lang="en-US" dirty="0" smtClean="0"/>
-              <a:t>Two-way binding</a:t>
+              <a:t>Problem with Two-way binding</a:t>
             </a:r>
             <a:endParaRPr lang="en-US" dirty="0"/>
           </a:p>
@@ -22205,7 +23154,7 @@
           </p:nvPr>
         </p:nvPicPr>
         <p:blipFill>
-          <a:blip r:embed="rId2">
+          <a:blip r:embed="rId3">
             <a:extLst>
               <a:ext uri="{28A0092B-C50C-407E-A947-70E740481C1C}">
                 <a14:useLocalDpi xmlns:a14="http://schemas.microsoft.com/office/drawing/2010/main" val="0"/>
@@ -22251,13 +23200,8 @@
             </a:pPr>
             <a:r>
               <a:rPr lang="en-US" dirty="0" smtClean="0"/>
-              <a:t>Model watches to views and views watches the model. Too many </a:t>
-            </a:r>
-            <a:r>
-              <a:rPr lang="en-US" dirty="0" smtClean="0"/>
-              <a:t>Watches.</a:t>
-            </a:r>
-            <a:endParaRPr lang="en-US" dirty="0" smtClean="0"/>
+              <a:t>Model watches to views and views watches the model. Too many Watches.</a:t>
+            </a:r>
           </a:p>
           <a:p>
             <a:pPr marL="285750" indent="-285750">
@@ -22281,13 +23225,8 @@
             </a:pPr>
             <a:r>
               <a:rPr lang="en-US" dirty="0" smtClean="0"/>
-              <a:t>Makes a page of real time data heavy to </a:t>
-            </a:r>
-            <a:r>
-              <a:rPr lang="en-US" dirty="0" smtClean="0"/>
-              <a:t>render.</a:t>
-            </a:r>
-            <a:endParaRPr lang="en-US" dirty="0" smtClean="0"/>
+              <a:t>Makes a page of real time data heavy to render.</a:t>
+            </a:r>
           </a:p>
           <a:p>
             <a:pPr marL="285750" indent="-285750">
@@ -22405,6 +23344,36 @@
           </a:p>
         </p:txBody>
       </p:sp>
+      <p:pic>
+        <p:nvPicPr>
+          <p:cNvPr id="9" name="Picture 8"/>
+          <p:cNvPicPr>
+            <a:picLocks noChangeAspect="1"/>
+          </p:cNvPicPr>
+          <p:nvPr/>
+        </p:nvPicPr>
+        <p:blipFill>
+          <a:blip r:embed="rId4">
+            <a:extLst>
+              <a:ext uri="{28A0092B-C50C-407E-A947-70E740481C1C}">
+                <a14:useLocalDpi xmlns:a14="http://schemas.microsoft.com/office/drawing/2010/main" val="0"/>
+              </a:ext>
+            </a:extLst>
+          </a:blip>
+          <a:stretch>
+            <a:fillRect/>
+          </a:stretch>
+        </p:blipFill>
+        <p:spPr>
+          <a:xfrm>
+            <a:off x="157162" y="84137"/>
+            <a:ext cx="1362075" cy="561975"/>
+          </a:xfrm>
+          <a:prstGeom prst="rect">
+            <a:avLst/>
+          </a:prstGeom>
+        </p:spPr>
+      </p:pic>
     </p:spTree>
     <p:extLst>
       <p:ext uri="{BB962C8B-B14F-4D97-AF65-F5344CB8AC3E}">
@@ -22653,6 +23622,36 @@
           </a:p>
         </p:txBody>
       </p:sp>
+      <p:pic>
+        <p:nvPicPr>
+          <p:cNvPr id="7" name="Picture 6"/>
+          <p:cNvPicPr>
+            <a:picLocks noChangeAspect="1"/>
+          </p:cNvPicPr>
+          <p:nvPr/>
+        </p:nvPicPr>
+        <p:blipFill>
+          <a:blip r:embed="rId3">
+            <a:extLst>
+              <a:ext uri="{28A0092B-C50C-407E-A947-70E740481C1C}">
+                <a14:useLocalDpi xmlns:a14="http://schemas.microsoft.com/office/drawing/2010/main" val="0"/>
+              </a:ext>
+            </a:extLst>
+          </a:blip>
+          <a:stretch>
+            <a:fillRect/>
+          </a:stretch>
+        </p:blipFill>
+        <p:spPr>
+          <a:xfrm>
+            <a:off x="157162" y="84137"/>
+            <a:ext cx="1362075" cy="561975"/>
+          </a:xfrm>
+          <a:prstGeom prst="rect">
+            <a:avLst/>
+          </a:prstGeom>
+        </p:spPr>
+      </p:pic>
     </p:spTree>
     <p:extLst>
       <p:ext uri="{BB962C8B-B14F-4D97-AF65-F5344CB8AC3E}">
@@ -22824,6 +23823,36 @@
           </a:p>
         </p:txBody>
       </p:sp>
+      <p:pic>
+        <p:nvPicPr>
+          <p:cNvPr id="6" name="Picture 5"/>
+          <p:cNvPicPr>
+            <a:picLocks noChangeAspect="1"/>
+          </p:cNvPicPr>
+          <p:nvPr/>
+        </p:nvPicPr>
+        <p:blipFill>
+          <a:blip r:embed="rId2">
+            <a:extLst>
+              <a:ext uri="{28A0092B-C50C-407E-A947-70E740481C1C}">
+                <a14:useLocalDpi xmlns:a14="http://schemas.microsoft.com/office/drawing/2010/main" val="0"/>
+              </a:ext>
+            </a:extLst>
+          </a:blip>
+          <a:stretch>
+            <a:fillRect/>
+          </a:stretch>
+        </p:blipFill>
+        <p:spPr>
+          <a:xfrm>
+            <a:off x="157162" y="84137"/>
+            <a:ext cx="1362075" cy="561975"/>
+          </a:xfrm>
+          <a:prstGeom prst="rect">
+            <a:avLst/>
+          </a:prstGeom>
+        </p:spPr>
+      </p:pic>
     </p:spTree>
     <p:extLst>
       <p:ext uri="{BB962C8B-B14F-4D97-AF65-F5344CB8AC3E}">
@@ -23187,6 +24216,36 @@
           </a:p>
         </p:txBody>
       </p:sp>
+      <p:pic>
+        <p:nvPicPr>
+          <p:cNvPr id="6" name="Picture 5"/>
+          <p:cNvPicPr>
+            <a:picLocks noChangeAspect="1"/>
+          </p:cNvPicPr>
+          <p:nvPr/>
+        </p:nvPicPr>
+        <p:blipFill>
+          <a:blip r:embed="rId3">
+            <a:extLst>
+              <a:ext uri="{28A0092B-C50C-407E-A947-70E740481C1C}">
+                <a14:useLocalDpi xmlns:a14="http://schemas.microsoft.com/office/drawing/2010/main" val="0"/>
+              </a:ext>
+            </a:extLst>
+          </a:blip>
+          <a:stretch>
+            <a:fillRect/>
+          </a:stretch>
+        </p:blipFill>
+        <p:spPr>
+          <a:xfrm>
+            <a:off x="157162" y="84137"/>
+            <a:ext cx="1362075" cy="561975"/>
+          </a:xfrm>
+          <a:prstGeom prst="rect">
+            <a:avLst/>
+          </a:prstGeom>
+        </p:spPr>
+      </p:pic>
     </p:spTree>
     <p:extLst>
       <p:ext uri="{BB962C8B-B14F-4D97-AF65-F5344CB8AC3E}">
@@ -23344,7 +24403,6 @@
               <a:rPr lang="en-US" dirty="0"/>
               <a:t>Flux Architecture</a:t>
             </a:r>
-            <a:endParaRPr lang="en-US" dirty="0"/>
           </a:p>
         </p:txBody>
       </p:sp>
@@ -23371,6 +24429,36 @@
           </a:p>
         </p:txBody>
       </p:sp>
+      <p:pic>
+        <p:nvPicPr>
+          <p:cNvPr id="7" name="Picture 6"/>
+          <p:cNvPicPr>
+            <a:picLocks noChangeAspect="1"/>
+          </p:cNvPicPr>
+          <p:nvPr/>
+        </p:nvPicPr>
+        <p:blipFill>
+          <a:blip r:embed="rId4">
+            <a:extLst>
+              <a:ext uri="{28A0092B-C50C-407E-A947-70E740481C1C}">
+                <a14:useLocalDpi xmlns:a14="http://schemas.microsoft.com/office/drawing/2010/main" val="0"/>
+              </a:ext>
+            </a:extLst>
+          </a:blip>
+          <a:stretch>
+            <a:fillRect/>
+          </a:stretch>
+        </p:blipFill>
+        <p:spPr>
+          <a:xfrm>
+            <a:off x="157162" y="84137"/>
+            <a:ext cx="1362075" cy="561975"/>
+          </a:xfrm>
+          <a:prstGeom prst="rect">
+            <a:avLst/>
+          </a:prstGeom>
+        </p:spPr>
+      </p:pic>
     </p:spTree>
     <p:extLst>
       <p:ext uri="{BB962C8B-B14F-4D97-AF65-F5344CB8AC3E}">
@@ -23548,6 +24636,36 @@
           </a:p>
         </p:txBody>
       </p:sp>
+      <p:pic>
+        <p:nvPicPr>
+          <p:cNvPr id="6" name="Picture 5"/>
+          <p:cNvPicPr>
+            <a:picLocks noChangeAspect="1"/>
+          </p:cNvPicPr>
+          <p:nvPr/>
+        </p:nvPicPr>
+        <p:blipFill>
+          <a:blip r:embed="rId2">
+            <a:extLst>
+              <a:ext uri="{28A0092B-C50C-407E-A947-70E740481C1C}">
+                <a14:useLocalDpi xmlns:a14="http://schemas.microsoft.com/office/drawing/2010/main" val="0"/>
+              </a:ext>
+            </a:extLst>
+          </a:blip>
+          <a:stretch>
+            <a:fillRect/>
+          </a:stretch>
+        </p:blipFill>
+        <p:spPr>
+          <a:xfrm>
+            <a:off x="157162" y="84137"/>
+            <a:ext cx="1362075" cy="561975"/>
+          </a:xfrm>
+          <a:prstGeom prst="rect">
+            <a:avLst/>
+          </a:prstGeom>
+        </p:spPr>
+      </p:pic>
     </p:spTree>
     <p:extLst>
       <p:ext uri="{BB962C8B-B14F-4D97-AF65-F5344CB8AC3E}">
@@ -24602,4 +25720,265 @@
     </a:ext>
   </a:extLst>
 </a:theme>
+</file>
+
+<file path=ppt/theme/theme5.xml><?xml version="1.0" encoding="utf-8"?>
+<a:theme xmlns:a="http://schemas.openxmlformats.org/drawingml/2006/main" name="Office Theme">
+  <a:themeElements>
+    <a:clrScheme name="Office">
+      <a:dk1>
+        <a:sysClr val="windowText" lastClr="000000"/>
+      </a:dk1>
+      <a:lt1>
+        <a:sysClr val="window" lastClr="FFFFFF"/>
+      </a:lt1>
+      <a:dk2>
+        <a:srgbClr val="44546A"/>
+      </a:dk2>
+      <a:lt2>
+        <a:srgbClr val="E7E6E6"/>
+      </a:lt2>
+      <a:accent1>
+        <a:srgbClr val="5B9BD5"/>
+      </a:accent1>
+      <a:accent2>
+        <a:srgbClr val="ED7D31"/>
+      </a:accent2>
+      <a:accent3>
+        <a:srgbClr val="A5A5A5"/>
+      </a:accent3>
+      <a:accent4>
+        <a:srgbClr val="FFC000"/>
+      </a:accent4>
+      <a:accent5>
+        <a:srgbClr val="4472C4"/>
+      </a:accent5>
+      <a:accent6>
+        <a:srgbClr val="70AD47"/>
+      </a:accent6>
+      <a:hlink>
+        <a:srgbClr val="0563C1"/>
+      </a:hlink>
+      <a:folHlink>
+        <a:srgbClr val="954F72"/>
+      </a:folHlink>
+    </a:clrScheme>
+    <a:fontScheme name="Office">
+      <a:majorFont>
+        <a:latin typeface="Calibri Light" panose="020F0302020204030204"/>
+        <a:ea typeface=""/>
+        <a:cs typeface=""/>
+        <a:font script="Jpan" typeface="ＭＳ Ｐゴシック"/>
+        <a:font script="Hang" typeface="맑은 고딕"/>
+        <a:font script="Hans" typeface="宋体"/>
+        <a:font script="Hant" typeface="新細明體"/>
+        <a:font script="Arab" typeface="Times New Roman"/>
+        <a:font script="Hebr" typeface="Times New Roman"/>
+        <a:font script="Thai" typeface="Angsana New"/>
+        <a:font script="Ethi" typeface="Nyala"/>
+        <a:font script="Beng" typeface="Vrinda"/>
+        <a:font script="Gujr" typeface="Shruti"/>
+        <a:font script="Khmr" typeface="MoolBoran"/>
+        <a:font script="Knda" typeface="Tunga"/>
+        <a:font script="Guru" typeface="Raavi"/>
+        <a:font script="Cans" typeface="Euphemia"/>
+        <a:font script="Cher" typeface="Plantagenet Cherokee"/>
+        <a:font script="Yiii" typeface="Microsoft Yi Baiti"/>
+        <a:font script="Tibt" typeface="Microsoft Himalaya"/>
+        <a:font script="Thaa" typeface="MV Boli"/>
+        <a:font script="Deva" typeface="Mangal"/>
+        <a:font script="Telu" typeface="Gautami"/>
+        <a:font script="Taml" typeface="Latha"/>
+        <a:font script="Syrc" typeface="Estrangelo Edessa"/>
+        <a:font script="Orya" typeface="Kalinga"/>
+        <a:font script="Mlym" typeface="Kartika"/>
+        <a:font script="Laoo" typeface="DokChampa"/>
+        <a:font script="Sinh" typeface="Iskoola Pota"/>
+        <a:font script="Mong" typeface="Mongolian Baiti"/>
+        <a:font script="Viet" typeface="Times New Roman"/>
+        <a:font script="Uigh" typeface="Microsoft Uighur"/>
+        <a:font script="Geor" typeface="Sylfaen"/>
+      </a:majorFont>
+      <a:minorFont>
+        <a:latin typeface="Calibri" panose="020F0502020204030204"/>
+        <a:ea typeface=""/>
+        <a:cs typeface=""/>
+        <a:font script="Jpan" typeface="ＭＳ Ｐゴシック"/>
+        <a:font script="Hang" typeface="맑은 고딕"/>
+        <a:font script="Hans" typeface="宋体"/>
+        <a:font script="Hant" typeface="新細明體"/>
+        <a:font script="Arab" typeface="Arial"/>
+        <a:font script="Hebr" typeface="Arial"/>
+        <a:font script="Thai" typeface="Cordia New"/>
+        <a:font script="Ethi" typeface="Nyala"/>
+        <a:font script="Beng" typeface="Vrinda"/>
+        <a:font script="Gujr" typeface="Shruti"/>
+        <a:font script="Khmr" typeface="DaunPenh"/>
+        <a:font script="Knda" typeface="Tunga"/>
+        <a:font script="Guru" typeface="Raavi"/>
+        <a:font script="Cans" typeface="Euphemia"/>
+        <a:font script="Cher" typeface="Plantagenet Cherokee"/>
+        <a:font script="Yiii" typeface="Microsoft Yi Baiti"/>
+        <a:font script="Tibt" typeface="Microsoft Himalaya"/>
+        <a:font script="Thaa" typeface="MV Boli"/>
+        <a:font script="Deva" typeface="Mangal"/>
+        <a:font script="Telu" typeface="Gautami"/>
+        <a:font script="Taml" typeface="Latha"/>
+        <a:font script="Syrc" typeface="Estrangelo Edessa"/>
+        <a:font script="Orya" typeface="Kalinga"/>
+        <a:font script="Mlym" typeface="Kartika"/>
+        <a:font script="Laoo" typeface="DokChampa"/>
+        <a:font script="Sinh" typeface="Iskoola Pota"/>
+        <a:font script="Mong" typeface="Mongolian Baiti"/>
+        <a:font script="Viet" typeface="Arial"/>
+        <a:font script="Uigh" typeface="Microsoft Uighur"/>
+        <a:font script="Geor" typeface="Sylfaen"/>
+      </a:minorFont>
+    </a:fontScheme>
+    <a:fmtScheme name="Office">
+      <a:fillStyleLst>
+        <a:solidFill>
+          <a:schemeClr val="phClr"/>
+        </a:solidFill>
+        <a:gradFill rotWithShape="1">
+          <a:gsLst>
+            <a:gs pos="0">
+              <a:schemeClr val="phClr">
+                <a:lumMod val="110000"/>
+                <a:satMod val="105000"/>
+                <a:tint val="67000"/>
+              </a:schemeClr>
+            </a:gs>
+            <a:gs pos="50000">
+              <a:schemeClr val="phClr">
+                <a:lumMod val="105000"/>
+                <a:satMod val="103000"/>
+                <a:tint val="73000"/>
+              </a:schemeClr>
+            </a:gs>
+            <a:gs pos="100000">
+              <a:schemeClr val="phClr">
+                <a:lumMod val="105000"/>
+                <a:satMod val="109000"/>
+                <a:tint val="81000"/>
+              </a:schemeClr>
+            </a:gs>
+          </a:gsLst>
+          <a:lin ang="5400000" scaled="0"/>
+        </a:gradFill>
+        <a:gradFill rotWithShape="1">
+          <a:gsLst>
+            <a:gs pos="0">
+              <a:schemeClr val="phClr">
+                <a:satMod val="103000"/>
+                <a:lumMod val="102000"/>
+                <a:tint val="94000"/>
+              </a:schemeClr>
+            </a:gs>
+            <a:gs pos="50000">
+              <a:schemeClr val="phClr">
+                <a:satMod val="110000"/>
+                <a:lumMod val="100000"/>
+                <a:shade val="100000"/>
+              </a:schemeClr>
+            </a:gs>
+            <a:gs pos="100000">
+              <a:schemeClr val="phClr">
+                <a:lumMod val="99000"/>
+                <a:satMod val="120000"/>
+                <a:shade val="78000"/>
+              </a:schemeClr>
+            </a:gs>
+          </a:gsLst>
+          <a:lin ang="5400000" scaled="0"/>
+        </a:gradFill>
+      </a:fillStyleLst>
+      <a:lnStyleLst>
+        <a:ln w="6350" cap="flat" cmpd="sng" algn="ctr">
+          <a:solidFill>
+            <a:schemeClr val="phClr"/>
+          </a:solidFill>
+          <a:prstDash val="solid"/>
+          <a:miter lim="800000"/>
+        </a:ln>
+        <a:ln w="12700" cap="flat" cmpd="sng" algn="ctr">
+          <a:solidFill>
+            <a:schemeClr val="phClr"/>
+          </a:solidFill>
+          <a:prstDash val="solid"/>
+          <a:miter lim="800000"/>
+        </a:ln>
+        <a:ln w="19050" cap="flat" cmpd="sng" algn="ctr">
+          <a:solidFill>
+            <a:schemeClr val="phClr"/>
+          </a:solidFill>
+          <a:prstDash val="solid"/>
+          <a:miter lim="800000"/>
+        </a:ln>
+      </a:lnStyleLst>
+      <a:effectStyleLst>
+        <a:effectStyle>
+          <a:effectLst/>
+        </a:effectStyle>
+        <a:effectStyle>
+          <a:effectLst/>
+        </a:effectStyle>
+        <a:effectStyle>
+          <a:effectLst>
+            <a:outerShdw blurRad="57150" dist="19050" dir="5400000" algn="ctr" rotWithShape="0">
+              <a:srgbClr val="000000">
+                <a:alpha val="63000"/>
+              </a:srgbClr>
+            </a:outerShdw>
+          </a:effectLst>
+        </a:effectStyle>
+      </a:effectStyleLst>
+      <a:bgFillStyleLst>
+        <a:solidFill>
+          <a:schemeClr val="phClr"/>
+        </a:solidFill>
+        <a:solidFill>
+          <a:schemeClr val="phClr">
+            <a:tint val="95000"/>
+            <a:satMod val="170000"/>
+          </a:schemeClr>
+        </a:solidFill>
+        <a:gradFill rotWithShape="1">
+          <a:gsLst>
+            <a:gs pos="0">
+              <a:schemeClr val="phClr">
+                <a:tint val="93000"/>
+                <a:satMod val="150000"/>
+                <a:shade val="98000"/>
+                <a:lumMod val="102000"/>
+              </a:schemeClr>
+            </a:gs>
+            <a:gs pos="50000">
+              <a:schemeClr val="phClr">
+                <a:tint val="98000"/>
+                <a:satMod val="130000"/>
+                <a:shade val="90000"/>
+                <a:lumMod val="103000"/>
+              </a:schemeClr>
+            </a:gs>
+            <a:gs pos="100000">
+              <a:schemeClr val="phClr">
+                <a:shade val="63000"/>
+                <a:satMod val="120000"/>
+              </a:schemeClr>
+            </a:gs>
+          </a:gsLst>
+          <a:lin ang="5400000" scaled="0"/>
+        </a:gradFill>
+      </a:bgFillStyleLst>
+    </a:fmtScheme>
+  </a:themeElements>
+  <a:objectDefaults/>
+  <a:extraClrSchemeLst/>
+  <a:extLst>
+    <a:ext uri="{05A4C25C-085E-4340-85A3-A5531E510DB2}">
+      <thm15:themeFamily xmlns:thm15="http://schemas.microsoft.com/office/thememl/2012/main" name="Office Theme" id="{62F939B6-93AF-4DB8-9C6B-D6C7DFDC589F}" vid="{4A3C46E8-61CC-4603-A589-7422A47A8E4A}"/>
+    </a:ext>
+  </a:extLst>
+</a:theme>
 </file>
--- a/React.pptx
+++ b/React.pptx
@@ -7,10 +7,10 @@
     <p:sldMasterId id="2147483707" r:id="rId3"/>
   </p:sldMasterIdLst>
   <p:notesMasterIdLst>
-    <p:notesMasterId r:id="rId33"/>
+    <p:notesMasterId r:id="rId38"/>
   </p:notesMasterIdLst>
   <p:handoutMasterIdLst>
-    <p:handoutMasterId r:id="rId34"/>
+    <p:handoutMasterId r:id="rId39"/>
   </p:handoutMasterIdLst>
   <p:sldIdLst>
     <p:sldId id="309" r:id="rId4"/>
@@ -21,27 +21,32 @@
     <p:sldId id="280" r:id="rId9"/>
     <p:sldId id="263" r:id="rId10"/>
     <p:sldId id="264" r:id="rId11"/>
-    <p:sldId id="282" r:id="rId12"/>
-    <p:sldId id="283" r:id="rId13"/>
-    <p:sldId id="287" r:id="rId14"/>
-    <p:sldId id="288" r:id="rId15"/>
-    <p:sldId id="289" r:id="rId16"/>
-    <p:sldId id="284" r:id="rId17"/>
-    <p:sldId id="286" r:id="rId18"/>
-    <p:sldId id="269" r:id="rId19"/>
-    <p:sldId id="258" r:id="rId20"/>
-    <p:sldId id="259" r:id="rId21"/>
-    <p:sldId id="291" r:id="rId22"/>
-    <p:sldId id="261" r:id="rId23"/>
-    <p:sldId id="293" r:id="rId24"/>
-    <p:sldId id="298" r:id="rId25"/>
-    <p:sldId id="296" r:id="rId26"/>
-    <p:sldId id="301" r:id="rId27"/>
-    <p:sldId id="268" r:id="rId28"/>
-    <p:sldId id="306" r:id="rId29"/>
-    <p:sldId id="304" r:id="rId30"/>
-    <p:sldId id="295" r:id="rId31"/>
-    <p:sldId id="311" r:id="rId32"/>
+    <p:sldId id="318" r:id="rId12"/>
+    <p:sldId id="312" r:id="rId13"/>
+    <p:sldId id="283" r:id="rId14"/>
+    <p:sldId id="313" r:id="rId15"/>
+    <p:sldId id="314" r:id="rId16"/>
+    <p:sldId id="287" r:id="rId17"/>
+    <p:sldId id="315" r:id="rId18"/>
+    <p:sldId id="289" r:id="rId19"/>
+    <p:sldId id="284" r:id="rId20"/>
+    <p:sldId id="286" r:id="rId21"/>
+    <p:sldId id="269" r:id="rId22"/>
+    <p:sldId id="258" r:id="rId23"/>
+    <p:sldId id="259" r:id="rId24"/>
+    <p:sldId id="291" r:id="rId25"/>
+    <p:sldId id="261" r:id="rId26"/>
+    <p:sldId id="293" r:id="rId27"/>
+    <p:sldId id="316" r:id="rId28"/>
+    <p:sldId id="298" r:id="rId29"/>
+    <p:sldId id="296" r:id="rId30"/>
+    <p:sldId id="301" r:id="rId31"/>
+    <p:sldId id="317" r:id="rId32"/>
+    <p:sldId id="268" r:id="rId33"/>
+    <p:sldId id="306" r:id="rId34"/>
+    <p:sldId id="304" r:id="rId35"/>
+    <p:sldId id="295" r:id="rId36"/>
+    <p:sldId id="311" r:id="rId37"/>
   </p:sldIdLst>
   <p:sldSz cx="12192000" cy="6858000"/>
   <p:notesSz cx="6858000" cy="9144000"/>
@@ -153,10 +158,13 @@
             <p14:sldId id="280"/>
             <p14:sldId id="263"/>
             <p14:sldId id="264"/>
-            <p14:sldId id="282"/>
+            <p14:sldId id="318"/>
+            <p14:sldId id="312"/>
             <p14:sldId id="283"/>
+            <p14:sldId id="313"/>
+            <p14:sldId id="314"/>
             <p14:sldId id="287"/>
-            <p14:sldId id="288"/>
+            <p14:sldId id="315"/>
             <p14:sldId id="289"/>
             <p14:sldId id="284"/>
             <p14:sldId id="286"/>
@@ -166,9 +174,11 @@
             <p14:sldId id="291"/>
             <p14:sldId id="261"/>
             <p14:sldId id="293"/>
+            <p14:sldId id="316"/>
             <p14:sldId id="298"/>
             <p14:sldId id="296"/>
             <p14:sldId id="301"/>
+            <p14:sldId id="317"/>
             <p14:sldId id="268"/>
             <p14:sldId id="306"/>
             <p14:sldId id="304"/>
@@ -905,7 +915,7 @@
           <a:p>
             <a:fld id="{B1206FEA-4AFC-4465-8ABD-ECC3D411179B}" type="slidenum">
               <a:rPr lang="en-US" smtClean="0"/>
-              <a:t>4</a:t>
+              <a:t>3</a:t>
             </a:fld>
             <a:endParaRPr lang="en-US"/>
           </a:p>
@@ -914,7 +924,7 @@
     </p:spTree>
     <p:extLst>
       <p:ext uri="{BB962C8B-B14F-4D97-AF65-F5344CB8AC3E}">
-        <p14:creationId xmlns:p14="http://schemas.microsoft.com/office/powerpoint/2010/main" val="2624536755"/>
+        <p14:creationId xmlns:p14="http://schemas.microsoft.com/office/powerpoint/2010/main" val="781760026"/>
       </p:ext>
     </p:extLst>
   </p:cSld>
@@ -968,6 +978,113 @@
           <a:bodyPr/>
           <a:lstStyle/>
           <a:p>
+            <a:endParaRPr lang="en-US"/>
+          </a:p>
+        </p:txBody>
+      </p:sp>
+      <p:sp>
+        <p:nvSpPr>
+          <p:cNvPr id="4" name="Header Placeholder 3"/>
+          <p:cNvSpPr>
+            <a:spLocks noGrp="1"/>
+          </p:cNvSpPr>
+          <p:nvPr>
+            <p:ph type="hdr" sz="quarter" idx="10"/>
+          </p:nvPr>
+        </p:nvSpPr>
+        <p:spPr/>
+        <p:txBody>
+          <a:bodyPr/>
+          <a:lstStyle/>
+          <a:p>
+            <a:r>
+              <a:rPr lang="en-US" smtClean="0"/>
+              <a:t>TEST</a:t>
+            </a:r>
+            <a:endParaRPr lang="en-US"/>
+          </a:p>
+        </p:txBody>
+      </p:sp>
+      <p:sp>
+        <p:nvSpPr>
+          <p:cNvPr id="5" name="Slide Number Placeholder 4"/>
+          <p:cNvSpPr>
+            <a:spLocks noGrp="1"/>
+          </p:cNvSpPr>
+          <p:nvPr>
+            <p:ph type="sldNum" sz="quarter" idx="11"/>
+          </p:nvPr>
+        </p:nvSpPr>
+        <p:spPr/>
+        <p:txBody>
+          <a:bodyPr/>
+          <a:lstStyle/>
+          <a:p>
+            <a:fld id="{B1206FEA-4AFC-4465-8ABD-ECC3D411179B}" type="slidenum">
+              <a:rPr lang="en-US" smtClean="0"/>
+              <a:t>4</a:t>
+            </a:fld>
+            <a:endParaRPr lang="en-US"/>
+          </a:p>
+        </p:txBody>
+      </p:sp>
+    </p:spTree>
+    <p:extLst>
+      <p:ext uri="{BB962C8B-B14F-4D97-AF65-F5344CB8AC3E}">
+        <p14:creationId xmlns:p14="http://schemas.microsoft.com/office/powerpoint/2010/main" val="2624536755"/>
+      </p:ext>
+    </p:extLst>
+  </p:cSld>
+  <p:clrMapOvr>
+    <a:masterClrMapping/>
+  </p:clrMapOvr>
+</p:notes>
+</file>
+
+<file path=ppt/notesSlides/notesSlide4.xml><?xml version="1.0" encoding="utf-8"?>
+<p:notes xmlns:a="http://schemas.openxmlformats.org/drawingml/2006/main" xmlns:r="http://schemas.openxmlformats.org/officeDocument/2006/relationships" xmlns:p="http://schemas.openxmlformats.org/presentationml/2006/main">
+  <p:cSld>
+    <p:spTree>
+      <p:nvGrpSpPr>
+        <p:cNvPr id="1" name=""/>
+        <p:cNvGrpSpPr/>
+        <p:nvPr/>
+      </p:nvGrpSpPr>
+      <p:grpSpPr>
+        <a:xfrm>
+          <a:off x="0" y="0"/>
+          <a:ext cx="0" cy="0"/>
+          <a:chOff x="0" y="0"/>
+          <a:chExt cx="0" cy="0"/>
+        </a:xfrm>
+      </p:grpSpPr>
+      <p:sp>
+        <p:nvSpPr>
+          <p:cNvPr id="2" name="Slide Image Placeholder 1"/>
+          <p:cNvSpPr>
+            <a:spLocks noGrp="1" noRot="1" noChangeAspect="1"/>
+          </p:cNvSpPr>
+          <p:nvPr>
+            <p:ph type="sldImg"/>
+          </p:nvPr>
+        </p:nvSpPr>
+        <p:spPr/>
+      </p:sp>
+      <p:sp>
+        <p:nvSpPr>
+          <p:cNvPr id="3" name="Notes Placeholder 2"/>
+          <p:cNvSpPr>
+            <a:spLocks noGrp="1"/>
+          </p:cNvSpPr>
+          <p:nvPr>
+            <p:ph type="body" idx="1"/>
+          </p:nvPr>
+        </p:nvSpPr>
+        <p:spPr/>
+        <p:txBody>
+          <a:bodyPr/>
+          <a:lstStyle/>
+          <a:p>
             <a:r>
               <a:rPr lang="en-US" dirty="0" smtClean="0"/>
               <a:t>test</a:t>
@@ -993,7 +1110,7 @@
           <a:p>
             <a:fld id="{B1206FEA-4AFC-4465-8ABD-ECC3D411179B}" type="slidenum">
               <a:rPr lang="en-US" smtClean="0"/>
-              <a:t>21</a:t>
+              <a:t>24</a:t>
             </a:fld>
             <a:endParaRPr lang="en-US"/>
           </a:p>
@@ -15352,7 +15469,7 @@
         </p:blipFill>
         <p:spPr>
           <a:xfrm>
-            <a:off x="5430130" y="1930400"/>
+            <a:off x="5080788" y="880008"/>
             <a:ext cx="4193214" cy="3881437"/>
           </a:xfrm>
         </p:spPr>
@@ -15380,36 +15497,6 @@
           </a:p>
         </p:txBody>
       </p:sp>
-      <p:pic>
-        <p:nvPicPr>
-          <p:cNvPr id="8" name="Content Placeholder 5"/>
-          <p:cNvPicPr>
-            <a:picLocks noChangeAspect="1"/>
-          </p:cNvPicPr>
-          <p:nvPr/>
-        </p:nvPicPr>
-        <p:blipFill>
-          <a:blip r:embed="rId2">
-            <a:extLst>
-              <a:ext uri="{28A0092B-C50C-407E-A947-70E740481C1C}">
-                <a14:useLocalDpi xmlns:a14="http://schemas.microsoft.com/office/drawing/2010/main" val="0"/>
-              </a:ext>
-            </a:extLst>
-          </a:blip>
-          <a:stretch>
-            <a:fillRect/>
-          </a:stretch>
-        </p:blipFill>
-        <p:spPr>
-          <a:xfrm>
-            <a:off x="5437540" y="1503464"/>
-            <a:ext cx="4193214" cy="3881437"/>
-          </a:xfrm>
-          <a:prstGeom prst="rect">
-            <a:avLst/>
-          </a:prstGeom>
-        </p:spPr>
-      </p:pic>
       <p:sp>
         <p:nvSpPr>
           <p:cNvPr id="9" name="TextBox 8"/>
@@ -15580,6 +15667,265 @@
           <a:p>
             <a:r>
               <a:rPr lang="en-US" dirty="0" smtClean="0"/>
+              <a:t>Learn</a:t>
+            </a:r>
+            <a:r>
+              <a:rPr lang="en-US" dirty="0" smtClean="0"/>
+              <a:t> Alt with an example</a:t>
+            </a:r>
+            <a:endParaRPr lang="en-US" dirty="0"/>
+          </a:p>
+        </p:txBody>
+      </p:sp>
+      <p:sp>
+        <p:nvSpPr>
+          <p:cNvPr id="3" name="Content Placeholder 2"/>
+          <p:cNvSpPr>
+            <a:spLocks noGrp="1"/>
+          </p:cNvSpPr>
+          <p:nvPr>
+            <p:ph idx="1"/>
+          </p:nvPr>
+        </p:nvSpPr>
+        <p:spPr/>
+        <p:txBody>
+          <a:bodyPr/>
+          <a:lstStyle/>
+          <a:p>
+            <a:r>
+              <a:rPr lang="en-US" dirty="0" smtClean="0"/>
+              <a:t>Create an empty folder named “</a:t>
+            </a:r>
+            <a:r>
+              <a:rPr lang="en-US" dirty="0" err="1" smtClean="0"/>
+              <a:t>todos</a:t>
+            </a:r>
+            <a:r>
+              <a:rPr lang="en-US" dirty="0" smtClean="0"/>
+              <a:t>”</a:t>
+            </a:r>
+          </a:p>
+          <a:p>
+            <a:r>
+              <a:rPr lang="en-US" dirty="0" smtClean="0"/>
+              <a:t>Using </a:t>
+            </a:r>
+            <a:r>
+              <a:rPr lang="en-US" dirty="0" err="1" smtClean="0"/>
+              <a:t>npm</a:t>
+            </a:r>
+            <a:r>
+              <a:rPr lang="en-US" dirty="0" smtClean="0"/>
+              <a:t> we can run the following command at the root </a:t>
+            </a:r>
+            <a:r>
+              <a:rPr lang="en-US" dirty="0" smtClean="0"/>
+              <a:t>of the directory</a:t>
+            </a:r>
+            <a:endParaRPr lang="en-US" dirty="0" smtClean="0"/>
+          </a:p>
+          <a:p>
+            <a:pPr lvl="7"/>
+            <a:r>
+              <a:rPr lang="en-US" sz="2800" b="1" dirty="0" err="1" smtClean="0"/>
+              <a:t>npm</a:t>
+            </a:r>
+            <a:r>
+              <a:rPr lang="en-US" sz="2800" b="1" dirty="0" smtClean="0"/>
+              <a:t> </a:t>
+            </a:r>
+            <a:r>
+              <a:rPr lang="en-US" sz="2800" b="1" dirty="0"/>
+              <a:t>install </a:t>
+            </a:r>
+            <a:r>
+              <a:rPr lang="en-US" sz="2800" b="1" dirty="0" smtClean="0"/>
+              <a:t>alt</a:t>
+            </a:r>
+            <a:endParaRPr lang="en-US" b="1" dirty="0" smtClean="0"/>
+          </a:p>
+          <a:p>
+            <a:r>
+              <a:rPr lang="en-US" dirty="0" smtClean="0"/>
+              <a:t>This will install the require node modules of alt to the project directory.</a:t>
+            </a:r>
+          </a:p>
+          <a:p>
+            <a:pPr marL="0" indent="0">
+              <a:buNone/>
+            </a:pPr>
+            <a:endParaRPr lang="en-US" dirty="0"/>
+          </a:p>
+        </p:txBody>
+      </p:sp>
+      <p:sp>
+        <p:nvSpPr>
+          <p:cNvPr id="4" name="Footer Placeholder 3"/>
+          <p:cNvSpPr>
+            <a:spLocks noGrp="1"/>
+          </p:cNvSpPr>
+          <p:nvPr>
+            <p:ph type="ftr" sz="quarter" idx="11"/>
+          </p:nvPr>
+        </p:nvSpPr>
+        <p:spPr/>
+        <p:txBody>
+          <a:bodyPr/>
+          <a:lstStyle/>
+          <a:p>
+            <a:r>
+              <a:rPr lang="en-US" dirty="0" smtClean="0"/>
+              <a:t>Learning </a:t>
+            </a:r>
+            <a:r>
+              <a:rPr lang="en-US" dirty="0" smtClean="0"/>
+              <a:t>Alt </a:t>
+            </a:r>
+            <a:r>
+              <a:rPr lang="en-US" dirty="0" err="1" smtClean="0"/>
+              <a:t>Js</a:t>
+            </a:r>
+            <a:endParaRPr lang="en-US" dirty="0"/>
+          </a:p>
+        </p:txBody>
+      </p:sp>
+      <p:sp>
+        <p:nvSpPr>
+          <p:cNvPr id="5" name="Slide Number Placeholder 4"/>
+          <p:cNvSpPr>
+            <a:spLocks noGrp="1"/>
+          </p:cNvSpPr>
+          <p:nvPr>
+            <p:ph type="sldNum" sz="quarter" idx="12"/>
+          </p:nvPr>
+        </p:nvSpPr>
+        <p:spPr/>
+        <p:txBody>
+          <a:bodyPr/>
+          <a:lstStyle/>
+          <a:p>
+            <a:fld id="{B777A91B-BF1B-4ECE-B89B-72F2144CF226}" type="slidenum">
+              <a:rPr lang="en-US" smtClean="0"/>
+              <a:t>10</a:t>
+            </a:fld>
+            <a:endParaRPr lang="en-US"/>
+          </a:p>
+        </p:txBody>
+      </p:sp>
+      <p:pic>
+        <p:nvPicPr>
+          <p:cNvPr id="6" name="Picture 5"/>
+          <p:cNvPicPr>
+            <a:picLocks noChangeAspect="1"/>
+          </p:cNvPicPr>
+          <p:nvPr/>
+        </p:nvPicPr>
+        <p:blipFill>
+          <a:blip r:embed="rId2">
+            <a:extLst>
+              <a:ext uri="{28A0092B-C50C-407E-A947-70E740481C1C}">
+                <a14:useLocalDpi xmlns:a14="http://schemas.microsoft.com/office/drawing/2010/main" val="0"/>
+              </a:ext>
+            </a:extLst>
+          </a:blip>
+          <a:stretch>
+            <a:fillRect/>
+          </a:stretch>
+        </p:blipFill>
+        <p:spPr>
+          <a:xfrm>
+            <a:off x="157162" y="84137"/>
+            <a:ext cx="1362075" cy="561975"/>
+          </a:xfrm>
+          <a:prstGeom prst="rect">
+            <a:avLst/>
+          </a:prstGeom>
+        </p:spPr>
+      </p:pic>
+      <p:pic>
+        <p:nvPicPr>
+          <p:cNvPr id="7" name="Picture 6"/>
+          <p:cNvPicPr>
+            <a:picLocks noChangeAspect="1"/>
+          </p:cNvPicPr>
+          <p:nvPr/>
+        </p:nvPicPr>
+        <p:blipFill>
+          <a:blip r:embed="rId3">
+            <a:extLst>
+              <a:ext uri="{28A0092B-C50C-407E-A947-70E740481C1C}">
+                <a14:useLocalDpi xmlns:a14="http://schemas.microsoft.com/office/drawing/2010/main" val="0"/>
+              </a:ext>
+            </a:extLst>
+          </a:blip>
+          <a:stretch>
+            <a:fillRect/>
+          </a:stretch>
+        </p:blipFill>
+        <p:spPr>
+          <a:xfrm>
+            <a:off x="2974860" y="4253870"/>
+            <a:ext cx="8192419" cy="2102479"/>
+          </a:xfrm>
+          <a:prstGeom prst="rect">
+            <a:avLst/>
+          </a:prstGeom>
+        </p:spPr>
+      </p:pic>
+    </p:spTree>
+    <p:extLst>
+      <p:ext uri="{BB962C8B-B14F-4D97-AF65-F5344CB8AC3E}">
+        <p14:creationId xmlns:p14="http://schemas.microsoft.com/office/powerpoint/2010/main" val="1073305259"/>
+      </p:ext>
+    </p:extLst>
+  </p:cSld>
+  <p:clrMapOvr>
+    <a:masterClrMapping/>
+  </p:clrMapOvr>
+  <p:timing>
+    <p:tnLst>
+      <p:par>
+        <p:cTn id="1" dur="indefinite" restart="never" nodeType="tmRoot"/>
+      </p:par>
+    </p:tnLst>
+  </p:timing>
+</p:sld>
+</file>
+
+<file path=ppt/slides/slide11.xml><?xml version="1.0" encoding="utf-8"?>
+<p:sld xmlns:a="http://schemas.openxmlformats.org/drawingml/2006/main" xmlns:r="http://schemas.openxmlformats.org/officeDocument/2006/relationships" xmlns:p="http://schemas.openxmlformats.org/presentationml/2006/main">
+  <p:cSld>
+    <p:spTree>
+      <p:nvGrpSpPr>
+        <p:cNvPr id="1" name=""/>
+        <p:cNvGrpSpPr/>
+        <p:nvPr/>
+      </p:nvGrpSpPr>
+      <p:grpSpPr>
+        <a:xfrm>
+          <a:off x="0" y="0"/>
+          <a:ext cx="0" cy="0"/>
+          <a:chOff x="0" y="0"/>
+          <a:chExt cx="0" cy="0"/>
+        </a:xfrm>
+      </p:grpSpPr>
+      <p:sp>
+        <p:nvSpPr>
+          <p:cNvPr id="2" name="Title 1"/>
+          <p:cNvSpPr>
+            <a:spLocks noGrp="1"/>
+          </p:cNvSpPr>
+          <p:nvPr>
+            <p:ph type="title"/>
+          </p:nvPr>
+        </p:nvSpPr>
+        <p:spPr/>
+        <p:txBody>
+          <a:bodyPr/>
+          <a:lstStyle/>
+          <a:p>
+            <a:r>
+              <a:rPr lang="en-US" dirty="0" smtClean="0"/>
               <a:t>Alt Directory Structure</a:t>
             </a:r>
             <a:endParaRPr lang="en-US" dirty="0"/>
@@ -15623,7 +15969,7 @@
             </a:pPr>
             <a:r>
               <a:rPr lang="en-US" sz="2000" dirty="0" err="1" smtClean="0"/>
-              <a:t>my_project</a:t>
+              <a:t>todos</a:t>
             </a:r>
             <a:endParaRPr lang="en-US" sz="2000" dirty="0"/>
           </a:p>
@@ -15646,7 +15992,11 @@
             </a:r>
             <a:r>
               <a:rPr lang="en-US" sz="2000" dirty="0" smtClean="0"/>
-              <a:t>	|--MyActions.js </a:t>
+              <a:t>	</a:t>
+            </a:r>
+            <a:r>
+              <a:rPr lang="en-US" sz="2000" dirty="0" smtClean="0"/>
+              <a:t>|--TodoActions.js </a:t>
             </a:r>
             <a:r>
               <a:rPr lang="en-US" sz="2000" dirty="0" smtClean="0">
@@ -15685,7 +16035,19 @@
             </a:r>
             <a:r>
               <a:rPr lang="en-US" sz="2000" dirty="0" smtClean="0"/>
-              <a:t>	|--MyStore.js </a:t>
+              <a:t>	</a:t>
+            </a:r>
+            <a:r>
+              <a:rPr lang="en-US" sz="2000" dirty="0" smtClean="0"/>
+              <a:t>|--</a:t>
+            </a:r>
+            <a:r>
+              <a:rPr lang="en-US" sz="2000" dirty="0" smtClean="0"/>
+              <a:t>Todo</a:t>
+            </a:r>
+            <a:r>
+              <a:rPr lang="en-US" sz="2000" dirty="0" smtClean="0"/>
+              <a:t>Store.js </a:t>
             </a:r>
             <a:r>
               <a:rPr lang="en-US" sz="2000" dirty="0" smtClean="0">
@@ -15724,7 +16086,11 @@
             </a:r>
             <a:r>
               <a:rPr lang="en-US" sz="2000" dirty="0" smtClean="0"/>
-              <a:t>	|--MyComponent.js </a:t>
+              <a:t>	</a:t>
+            </a:r>
+            <a:r>
+              <a:rPr lang="en-US" sz="2000" dirty="0" smtClean="0"/>
+              <a:t>|--Todos.js </a:t>
             </a:r>
             <a:r>
               <a:rPr lang="en-US" sz="2000" dirty="0" smtClean="0">
@@ -15749,12 +16115,16 @@
               <a:buNone/>
             </a:pPr>
             <a:r>
+              <a:rPr lang="en-US" sz="2000" dirty="0" smtClean="0"/>
+              <a:t>|--</a:t>
+            </a:r>
+            <a:r>
               <a:rPr lang="en-US" sz="2000" dirty="0"/>
-              <a:t>|--</a:t>
+              <a:t>A</a:t>
             </a:r>
             <a:r>
               <a:rPr lang="en-US" sz="2000" dirty="0" smtClean="0"/>
-              <a:t>alt.js </a:t>
+              <a:t>lt.js </a:t>
             </a:r>
             <a:r>
               <a:rPr lang="en-US" sz="2000" dirty="0" smtClean="0">
@@ -15779,12 +16149,16 @@
               <a:buNone/>
             </a:pPr>
             <a:r>
+              <a:rPr lang="en-US" sz="2000" dirty="0" smtClean="0"/>
+              <a:t>|--</a:t>
+            </a:r>
+            <a:r>
               <a:rPr lang="en-US" sz="2000" dirty="0"/>
-              <a:t>|--</a:t>
+              <a:t>A</a:t>
             </a:r>
             <a:r>
               <a:rPr lang="en-US" sz="2000" dirty="0" smtClean="0"/>
-              <a:t>app.js </a:t>
+              <a:t>pp.js </a:t>
             </a:r>
             <a:r>
               <a:rPr lang="en-US" sz="2000" dirty="0" smtClean="0">
@@ -15823,7 +16197,7 @@
           <a:p>
             <a:r>
               <a:rPr lang="en-US" dirty="0"/>
-              <a:t>Alt </a:t>
+              <a:t>Learning Alt </a:t>
             </a:r>
             <a:r>
               <a:rPr lang="en-US" dirty="0" err="1"/>
@@ -15850,7 +16224,7 @@
           <a:p>
             <a:fld id="{B777A91B-BF1B-4ECE-B89B-72F2144CF226}" type="slidenum">
               <a:rPr lang="en-US" smtClean="0"/>
-              <a:t>10</a:t>
+              <a:t>11</a:t>
             </a:fld>
             <a:endParaRPr lang="en-US"/>
           </a:p>
@@ -15906,7 +16280,7 @@
 </p:sld>
 </file>
 
-<file path=ppt/slides/slide11.xml><?xml version="1.0" encoding="utf-8"?>
+<file path=ppt/slides/slide12.xml><?xml version="1.0" encoding="utf-8"?>
 <p:sld xmlns:a="http://schemas.openxmlformats.org/drawingml/2006/main" xmlns:r="http://schemas.openxmlformats.org/officeDocument/2006/relationships" xmlns:p="http://schemas.openxmlformats.org/presentationml/2006/main">
   <p:cSld>
     <p:spTree>
@@ -15940,7 +16314,15 @@
           <a:p>
             <a:r>
               <a:rPr lang="en-US" dirty="0" smtClean="0"/>
-              <a:t>Alt Actions</a:t>
+              <a:t>Example </a:t>
+            </a:r>
+            <a:r>
+              <a:rPr lang="en-US" dirty="0" err="1" smtClean="0"/>
+              <a:t>Todo</a:t>
+            </a:r>
+            <a:r>
+              <a:rPr lang="en-US" dirty="0" smtClean="0"/>
+              <a:t> App</a:t>
             </a:r>
             <a:endParaRPr lang="en-US" dirty="0"/>
           </a:p>
@@ -15956,231 +16338,91 @@
             <p:ph idx="1"/>
           </p:nvPr>
         </p:nvSpPr>
-        <p:spPr/>
+        <p:spPr>
+          <a:xfrm>
+            <a:off x="838200" y="1825625"/>
+            <a:ext cx="7203487" cy="4351338"/>
+          </a:xfrm>
+        </p:spPr>
         <p:txBody>
           <a:bodyPr>
             <a:normAutofit/>
           </a:bodyPr>
           <a:lstStyle/>
           <a:p>
-            <a:pPr marL="0" indent="0">
-              <a:buNone/>
-            </a:pPr>
-            <a:r>
-              <a:rPr lang="en-US" sz="2000" dirty="0" err="1"/>
-              <a:t>var</a:t>
-            </a:r>
-            <a:r>
-              <a:rPr lang="en-US" sz="2000" dirty="0"/>
-              <a:t> alt = require('../alt</a:t>
-            </a:r>
-            <a:r>
-              <a:rPr lang="en-US" sz="2000" dirty="0" smtClean="0"/>
-              <a:t>');</a:t>
-            </a:r>
-          </a:p>
-          <a:p>
-            <a:pPr marL="0" indent="0">
-              <a:buNone/>
-            </a:pPr>
-            <a:r>
-              <a:rPr lang="en-US" sz="2000" dirty="0" smtClean="0"/>
-              <a:t>class </a:t>
-            </a:r>
-            <a:r>
-              <a:rPr lang="en-US" sz="2000" dirty="0" err="1" smtClean="0"/>
-              <a:t>CustomerActions</a:t>
-            </a:r>
-            <a:r>
-              <a:rPr lang="en-US" sz="2000" dirty="0" smtClean="0"/>
+            <a:r>
+              <a:rPr lang="en-US" dirty="0" smtClean="0"/>
+              <a:t>We have now setup an alt app in </a:t>
+            </a:r>
+            <a:r>
+              <a:rPr lang="en-US" dirty="0" err="1" smtClean="0"/>
+              <a:t>todos</a:t>
+            </a:r>
+            <a:r>
+              <a:rPr lang="en-US" dirty="0" smtClean="0"/>
+              <a:t> folder.</a:t>
+            </a:r>
+          </a:p>
+          <a:p>
+            <a:r>
+              <a:rPr lang="en-US" dirty="0" smtClean="0"/>
+              <a:t>In which all our </a:t>
+            </a:r>
+            <a:r>
+              <a:rPr lang="en-US" dirty="0" err="1" smtClean="0"/>
+              <a:t>Js</a:t>
+            </a:r>
+            <a:r>
+              <a:rPr lang="en-US" dirty="0" smtClean="0"/>
+              <a:t> code resides in the </a:t>
+            </a:r>
+            <a:r>
+              <a:rPr lang="en-US" dirty="0" err="1" smtClean="0"/>
+              <a:t>src</a:t>
+            </a:r>
+            <a:r>
+              <a:rPr lang="en-US" dirty="0" smtClean="0"/>
               <a:t> </a:t>
             </a:r>
             <a:r>
-              <a:rPr lang="en-US" sz="2000" dirty="0"/>
-              <a:t>{</a:t>
-            </a:r>
-          </a:p>
-          <a:p>
-            <a:pPr marL="0" indent="0">
-              <a:buNone/>
-            </a:pPr>
-            <a:r>
-              <a:rPr lang="en-US" sz="2000" dirty="0"/>
-              <a:t>  </a:t>
-            </a:r>
-            <a:r>
-              <a:rPr lang="en-US" sz="2000" dirty="0" err="1" smtClean="0"/>
-              <a:t>updateCustomers</a:t>
-            </a:r>
-            <a:r>
-              <a:rPr lang="en-US" sz="2000" dirty="0" smtClean="0"/>
-              <a:t>(customers) { </a:t>
-            </a:r>
-            <a:r>
-              <a:rPr lang="en-US" sz="2000" dirty="0" smtClean="0">
-                <a:solidFill>
-                  <a:schemeClr val="accent1">
-                    <a:lumMod val="75000"/>
-                  </a:schemeClr>
-                </a:solidFill>
-              </a:rPr>
-              <a:t>//an action getting the customers payload</a:t>
-            </a:r>
-            <a:endParaRPr lang="en-US" sz="2000" dirty="0">
-              <a:solidFill>
-                <a:schemeClr val="accent1">
-                  <a:lumMod val="75000"/>
-                </a:schemeClr>
-              </a:solidFill>
-            </a:endParaRPr>
-          </a:p>
-          <a:p>
-            <a:pPr marL="0" indent="0">
-              <a:buNone/>
-            </a:pPr>
-            <a:r>
-              <a:rPr lang="en-US" sz="2000" dirty="0"/>
-              <a:t>    return customers</a:t>
-            </a:r>
-            <a:r>
-              <a:rPr lang="en-US" sz="2000" dirty="0" smtClean="0"/>
-              <a:t>; </a:t>
-            </a:r>
-            <a:r>
-              <a:rPr lang="en-US" sz="2000" dirty="0" smtClean="0">
-                <a:solidFill>
-                  <a:schemeClr val="accent1">
-                    <a:lumMod val="75000"/>
-                  </a:schemeClr>
-                </a:solidFill>
-              </a:rPr>
-              <a:t>//or we can use </a:t>
-            </a:r>
-            <a:r>
-              <a:rPr lang="en-US" sz="2000" dirty="0" err="1" smtClean="0">
-                <a:solidFill>
-                  <a:schemeClr val="accent1">
-                    <a:lumMod val="75000"/>
-                  </a:schemeClr>
-                </a:solidFill>
-              </a:rPr>
-              <a:t>this.dispatch</a:t>
-            </a:r>
-            <a:r>
-              <a:rPr lang="en-US" sz="2000" dirty="0" smtClean="0">
-                <a:solidFill>
-                  <a:schemeClr val="accent1">
-                    <a:lumMod val="75000"/>
-                  </a:schemeClr>
-                </a:solidFill>
-              </a:rPr>
-              <a:t>(customers) to dispatch this action</a:t>
-            </a:r>
-            <a:endParaRPr lang="en-US" sz="2000" dirty="0">
-              <a:solidFill>
-                <a:schemeClr val="accent1">
-                  <a:lumMod val="75000"/>
-                </a:schemeClr>
-              </a:solidFill>
-            </a:endParaRPr>
-          </a:p>
-          <a:p>
-            <a:pPr marL="0" indent="0">
-              <a:buNone/>
-            </a:pPr>
-            <a:r>
-              <a:rPr lang="en-US" sz="2000" dirty="0"/>
-              <a:t>  }</a:t>
-            </a:r>
-          </a:p>
-          <a:p>
-            <a:pPr marL="0" indent="0">
-              <a:buNone/>
-            </a:pPr>
-            <a:r>
-              <a:rPr lang="en-US" sz="2000" dirty="0" smtClean="0"/>
-              <a:t>}</a:t>
-            </a:r>
-            <a:endParaRPr lang="en-US" sz="2000" dirty="0"/>
-          </a:p>
-          <a:p>
-            <a:pPr marL="0" indent="0">
-              <a:buNone/>
-            </a:pPr>
-            <a:r>
-              <a:rPr lang="en-US" sz="2000" dirty="0" err="1" smtClean="0"/>
-              <a:t>module.exports</a:t>
-            </a:r>
-            <a:r>
-              <a:rPr lang="en-US" sz="2000" dirty="0" smtClean="0"/>
-              <a:t> </a:t>
-            </a:r>
-            <a:r>
-              <a:rPr lang="en-US" sz="2000" dirty="0"/>
-              <a:t>= </a:t>
-            </a:r>
-            <a:r>
-              <a:rPr lang="en-US" sz="2000" dirty="0" err="1" smtClean="0"/>
-              <a:t>alt.createActions</a:t>
-            </a:r>
-            <a:r>
-              <a:rPr lang="en-US" sz="2000" dirty="0" smtClean="0"/>
-              <a:t>(</a:t>
-            </a:r>
-            <a:r>
-              <a:rPr lang="en-US" sz="2000" dirty="0" err="1" smtClean="0"/>
-              <a:t>CustomerActions</a:t>
-            </a:r>
-            <a:r>
-              <a:rPr lang="en-US" sz="2000" dirty="0" smtClean="0"/>
-              <a:t>); </a:t>
-            </a:r>
-            <a:r>
-              <a:rPr lang="en-US" sz="2000" dirty="0" smtClean="0">
-                <a:solidFill>
-                  <a:schemeClr val="accent1">
-                    <a:lumMod val="75000"/>
-                  </a:schemeClr>
-                </a:solidFill>
-              </a:rPr>
-              <a:t>//this will create the actions and export it as 						       module</a:t>
-            </a:r>
-          </a:p>
-          <a:p>
-            <a:pPr marL="0" indent="0">
-              <a:buNone/>
-            </a:pPr>
-            <a:endParaRPr lang="en-US" sz="2000" dirty="0"/>
-          </a:p>
-          <a:p>
-            <a:pPr marL="0" indent="0">
-              <a:buNone/>
-            </a:pPr>
-            <a:r>
-              <a:rPr lang="en-US" sz="2000" b="1" dirty="0" smtClean="0"/>
-              <a:t>NOTE:</a:t>
-            </a:r>
-            <a:r>
-              <a:rPr lang="en-US" sz="2000" dirty="0" smtClean="0"/>
-              <a:t> Alt is meant to use the ES6 syntax of class and constructors . But we can convert it to ES5 syntax using a </a:t>
-            </a:r>
-            <a:r>
-              <a:rPr lang="en-US" sz="2000" dirty="0" err="1" smtClean="0"/>
-              <a:t>javascript</a:t>
-            </a:r>
-            <a:r>
-              <a:rPr lang="en-US" sz="2000" dirty="0" smtClean="0"/>
-              <a:t> </a:t>
-            </a:r>
-            <a:r>
-              <a:rPr lang="en-US" sz="2000" dirty="0" err="1" smtClean="0"/>
-              <a:t>utitilty</a:t>
-            </a:r>
-            <a:r>
-              <a:rPr lang="en-US" sz="2000" dirty="0" smtClean="0"/>
-              <a:t>. </a:t>
-            </a:r>
-            <a:endParaRPr lang="en-US" sz="2000" b="1" dirty="0"/>
+              <a:rPr lang="en-US" dirty="0" smtClean="0"/>
+              <a:t>directory</a:t>
+            </a:r>
+          </a:p>
+          <a:p>
+            <a:r>
+              <a:rPr lang="en-US" dirty="0" smtClean="0"/>
+              <a:t>We added the require files in the their respective folders</a:t>
+            </a:r>
+          </a:p>
+          <a:p>
+            <a:r>
+              <a:rPr lang="en-US" dirty="0" smtClean="0"/>
+              <a:t>Also The Index.html page added at the root which will be starting view</a:t>
+            </a:r>
+          </a:p>
+          <a:p>
+            <a:r>
+              <a:rPr lang="en-US" dirty="0" smtClean="0"/>
+              <a:t>And a </a:t>
+            </a:r>
+            <a:r>
+              <a:rPr lang="en-US" dirty="0" err="1" smtClean="0"/>
+              <a:t>package.json</a:t>
+            </a:r>
+            <a:r>
+              <a:rPr lang="en-US" dirty="0" smtClean="0"/>
+              <a:t> file for project’s </a:t>
+            </a:r>
+            <a:r>
+              <a:rPr lang="en-US" dirty="0" err="1" smtClean="0"/>
+              <a:t>npm</a:t>
+            </a:r>
+            <a:r>
+              <a:rPr lang="en-US" dirty="0" smtClean="0"/>
+              <a:t> configuration</a:t>
+            </a:r>
+            <a:endParaRPr lang="en-US" dirty="0" smtClean="0"/>
           </a:p>
         </p:txBody>
       </p:sp>
@@ -16201,7 +16443,7 @@
           <a:p>
             <a:r>
               <a:rPr lang="en-US" dirty="0"/>
-              <a:t>Alt </a:t>
+              <a:t>Learning Alt </a:t>
             </a:r>
             <a:r>
               <a:rPr lang="en-US" dirty="0" err="1"/>
@@ -16228,9 +16470,9 @@
           <a:p>
             <a:fld id="{B777A91B-BF1B-4ECE-B89B-72F2144CF226}" type="slidenum">
               <a:rPr lang="en-US" smtClean="0"/>
-              <a:t>11</a:t>
+              <a:t>12</a:t>
             </a:fld>
-            <a:endParaRPr lang="en-US" dirty="0"/>
+            <a:endParaRPr lang="en-US"/>
           </a:p>
         </p:txBody>
       </p:sp>
@@ -16264,10 +16506,40 @@
           </a:prstGeom>
         </p:spPr>
       </p:pic>
+      <p:pic>
+        <p:nvPicPr>
+          <p:cNvPr id="7" name="Picture 6"/>
+          <p:cNvPicPr>
+            <a:picLocks noChangeAspect="1"/>
+          </p:cNvPicPr>
+          <p:nvPr/>
+        </p:nvPicPr>
+        <p:blipFill>
+          <a:blip r:embed="rId3">
+            <a:extLst>
+              <a:ext uri="{28A0092B-C50C-407E-A947-70E740481C1C}">
+                <a14:useLocalDpi xmlns:a14="http://schemas.microsoft.com/office/drawing/2010/main" val="0"/>
+              </a:ext>
+            </a:extLst>
+          </a:blip>
+          <a:stretch>
+            <a:fillRect/>
+          </a:stretch>
+        </p:blipFill>
+        <p:spPr>
+          <a:xfrm>
+            <a:off x="8041687" y="1837023"/>
+            <a:ext cx="3091006" cy="4372991"/>
+          </a:xfrm>
+          <a:prstGeom prst="rect">
+            <a:avLst/>
+          </a:prstGeom>
+        </p:spPr>
+      </p:pic>
     </p:spTree>
     <p:extLst>
       <p:ext uri="{BB962C8B-B14F-4D97-AF65-F5344CB8AC3E}">
-        <p14:creationId xmlns:p14="http://schemas.microsoft.com/office/powerpoint/2010/main" val="1021464198"/>
+        <p14:creationId xmlns:p14="http://schemas.microsoft.com/office/powerpoint/2010/main" val="733218503"/>
       </p:ext>
     </p:extLst>
   </p:cSld>
@@ -16277,14 +16549,285 @@
   <p:timing>
     <p:tnLst>
       <p:par>
-        <p:cTn id="1" dur="indefinite" restart="never" nodeType="tmRoot"/>
+        <p:cTn id="1" dur="indefinite" restart="never" nodeType="tmRoot">
+          <p:childTnLst>
+            <p:seq concurrent="1" nextAc="seek">
+              <p:cTn id="2" dur="indefinite" nodeType="mainSeq">
+                <p:childTnLst>
+                  <p:par>
+                    <p:cTn id="3" fill="hold">
+                      <p:stCondLst>
+                        <p:cond delay="indefinite"/>
+                      </p:stCondLst>
+                      <p:childTnLst>
+                        <p:par>
+                          <p:cTn id="4" fill="hold">
+                            <p:stCondLst>
+                              <p:cond delay="0"/>
+                            </p:stCondLst>
+                            <p:childTnLst>
+                              <p:par>
+                                <p:cTn id="5" presetID="1" presetClass="entr" presetSubtype="0" fill="hold" grpId="0" nodeType="clickEffect">
+                                  <p:stCondLst>
+                                    <p:cond delay="0"/>
+                                  </p:stCondLst>
+                                  <p:childTnLst>
+                                    <p:set>
+                                      <p:cBhvr>
+                                        <p:cTn id="6" dur="1" fill="hold">
+                                          <p:stCondLst>
+                                            <p:cond delay="0"/>
+                                          </p:stCondLst>
+                                        </p:cTn>
+                                        <p:tgtEl>
+                                          <p:spTgt spid="3">
+                                            <p:txEl>
+                                              <p:pRg st="0" end="0"/>
+                                            </p:txEl>
+                                          </p:spTgt>
+                                        </p:tgtEl>
+                                        <p:attrNameLst>
+                                          <p:attrName>style.visibility</p:attrName>
+                                        </p:attrNameLst>
+                                      </p:cBhvr>
+                                      <p:to>
+                                        <p:strVal val="visible"/>
+                                      </p:to>
+                                    </p:set>
+                                  </p:childTnLst>
+                                </p:cTn>
+                              </p:par>
+                            </p:childTnLst>
+                          </p:cTn>
+                        </p:par>
+                      </p:childTnLst>
+                    </p:cTn>
+                  </p:par>
+                  <p:par>
+                    <p:cTn id="7" fill="hold">
+                      <p:stCondLst>
+                        <p:cond delay="indefinite"/>
+                      </p:stCondLst>
+                      <p:childTnLst>
+                        <p:par>
+                          <p:cTn id="8" fill="hold">
+                            <p:stCondLst>
+                              <p:cond delay="0"/>
+                            </p:stCondLst>
+                            <p:childTnLst>
+                              <p:par>
+                                <p:cTn id="9" presetID="1" presetClass="entr" presetSubtype="0" fill="hold" grpId="0" nodeType="clickEffect">
+                                  <p:stCondLst>
+                                    <p:cond delay="0"/>
+                                  </p:stCondLst>
+                                  <p:childTnLst>
+                                    <p:set>
+                                      <p:cBhvr>
+                                        <p:cTn id="10" dur="1" fill="hold">
+                                          <p:stCondLst>
+                                            <p:cond delay="0"/>
+                                          </p:stCondLst>
+                                        </p:cTn>
+                                        <p:tgtEl>
+                                          <p:spTgt spid="3">
+                                            <p:txEl>
+                                              <p:pRg st="1" end="1"/>
+                                            </p:txEl>
+                                          </p:spTgt>
+                                        </p:tgtEl>
+                                        <p:attrNameLst>
+                                          <p:attrName>style.visibility</p:attrName>
+                                        </p:attrNameLst>
+                                      </p:cBhvr>
+                                      <p:to>
+                                        <p:strVal val="visible"/>
+                                      </p:to>
+                                    </p:set>
+                                  </p:childTnLst>
+                                </p:cTn>
+                              </p:par>
+                            </p:childTnLst>
+                          </p:cTn>
+                        </p:par>
+                      </p:childTnLst>
+                    </p:cTn>
+                  </p:par>
+                  <p:par>
+                    <p:cTn id="11" fill="hold">
+                      <p:stCondLst>
+                        <p:cond delay="indefinite"/>
+                      </p:stCondLst>
+                      <p:childTnLst>
+                        <p:par>
+                          <p:cTn id="12" fill="hold">
+                            <p:stCondLst>
+                              <p:cond delay="0"/>
+                            </p:stCondLst>
+                            <p:childTnLst>
+                              <p:par>
+                                <p:cTn id="13" presetID="1" presetClass="entr" presetSubtype="0" fill="hold" grpId="0" nodeType="clickEffect">
+                                  <p:stCondLst>
+                                    <p:cond delay="0"/>
+                                  </p:stCondLst>
+                                  <p:childTnLst>
+                                    <p:set>
+                                      <p:cBhvr>
+                                        <p:cTn id="14" dur="1" fill="hold">
+                                          <p:stCondLst>
+                                            <p:cond delay="0"/>
+                                          </p:stCondLst>
+                                        </p:cTn>
+                                        <p:tgtEl>
+                                          <p:spTgt spid="3">
+                                            <p:txEl>
+                                              <p:pRg st="2" end="2"/>
+                                            </p:txEl>
+                                          </p:spTgt>
+                                        </p:tgtEl>
+                                        <p:attrNameLst>
+                                          <p:attrName>style.visibility</p:attrName>
+                                        </p:attrNameLst>
+                                      </p:cBhvr>
+                                      <p:to>
+                                        <p:strVal val="visible"/>
+                                      </p:to>
+                                    </p:set>
+                                  </p:childTnLst>
+                                </p:cTn>
+                              </p:par>
+                            </p:childTnLst>
+                          </p:cTn>
+                        </p:par>
+                      </p:childTnLst>
+                    </p:cTn>
+                  </p:par>
+                  <p:par>
+                    <p:cTn id="15" fill="hold">
+                      <p:stCondLst>
+                        <p:cond delay="indefinite"/>
+                      </p:stCondLst>
+                      <p:childTnLst>
+                        <p:par>
+                          <p:cTn id="16" fill="hold">
+                            <p:stCondLst>
+                              <p:cond delay="0"/>
+                            </p:stCondLst>
+                            <p:childTnLst>
+                              <p:par>
+                                <p:cTn id="17" presetID="1" presetClass="entr" presetSubtype="0" fill="hold" grpId="0" nodeType="clickEffect">
+                                  <p:stCondLst>
+                                    <p:cond delay="0"/>
+                                  </p:stCondLst>
+                                  <p:childTnLst>
+                                    <p:set>
+                                      <p:cBhvr>
+                                        <p:cTn id="18" dur="1" fill="hold">
+                                          <p:stCondLst>
+                                            <p:cond delay="0"/>
+                                          </p:stCondLst>
+                                        </p:cTn>
+                                        <p:tgtEl>
+                                          <p:spTgt spid="3">
+                                            <p:txEl>
+                                              <p:pRg st="3" end="3"/>
+                                            </p:txEl>
+                                          </p:spTgt>
+                                        </p:tgtEl>
+                                        <p:attrNameLst>
+                                          <p:attrName>style.visibility</p:attrName>
+                                        </p:attrNameLst>
+                                      </p:cBhvr>
+                                      <p:to>
+                                        <p:strVal val="visible"/>
+                                      </p:to>
+                                    </p:set>
+                                  </p:childTnLst>
+                                </p:cTn>
+                              </p:par>
+                            </p:childTnLst>
+                          </p:cTn>
+                        </p:par>
+                      </p:childTnLst>
+                    </p:cTn>
+                  </p:par>
+                  <p:par>
+                    <p:cTn id="19" fill="hold">
+                      <p:stCondLst>
+                        <p:cond delay="indefinite"/>
+                      </p:stCondLst>
+                      <p:childTnLst>
+                        <p:par>
+                          <p:cTn id="20" fill="hold">
+                            <p:stCondLst>
+                              <p:cond delay="0"/>
+                            </p:stCondLst>
+                            <p:childTnLst>
+                              <p:par>
+                                <p:cTn id="21" presetID="1" presetClass="entr" presetSubtype="0" fill="hold" grpId="0" nodeType="clickEffect">
+                                  <p:stCondLst>
+                                    <p:cond delay="0"/>
+                                  </p:stCondLst>
+                                  <p:childTnLst>
+                                    <p:set>
+                                      <p:cBhvr>
+                                        <p:cTn id="22" dur="1" fill="hold">
+                                          <p:stCondLst>
+                                            <p:cond delay="0"/>
+                                          </p:stCondLst>
+                                        </p:cTn>
+                                        <p:tgtEl>
+                                          <p:spTgt spid="3">
+                                            <p:txEl>
+                                              <p:pRg st="4" end="4"/>
+                                            </p:txEl>
+                                          </p:spTgt>
+                                        </p:tgtEl>
+                                        <p:attrNameLst>
+                                          <p:attrName>style.visibility</p:attrName>
+                                        </p:attrNameLst>
+                                      </p:cBhvr>
+                                      <p:to>
+                                        <p:strVal val="visible"/>
+                                      </p:to>
+                                    </p:set>
+                                  </p:childTnLst>
+                                </p:cTn>
+                              </p:par>
+                            </p:childTnLst>
+                          </p:cTn>
+                        </p:par>
+                      </p:childTnLst>
+                    </p:cTn>
+                  </p:par>
+                </p:childTnLst>
+              </p:cTn>
+              <p:prevCondLst>
+                <p:cond evt="onPrev" delay="0">
+                  <p:tgtEl>
+                    <p:sldTgt/>
+                  </p:tgtEl>
+                </p:cond>
+              </p:prevCondLst>
+              <p:nextCondLst>
+                <p:cond evt="onNext" delay="0">
+                  <p:tgtEl>
+                    <p:sldTgt/>
+                  </p:tgtEl>
+                </p:cond>
+              </p:nextCondLst>
+            </p:seq>
+          </p:childTnLst>
+        </p:cTn>
       </p:par>
     </p:tnLst>
+    <p:bldLst>
+      <p:bldP spid="3" grpId="0" build="p"/>
+    </p:bldLst>
   </p:timing>
 </p:sld>
 </file>
 
-<file path=ppt/slides/slide12.xml><?xml version="1.0" encoding="utf-8"?>
+<file path=ppt/slides/slide13.xml><?xml version="1.0" encoding="utf-8"?>
 <p:sld xmlns:a="http://schemas.openxmlformats.org/drawingml/2006/main" xmlns:r="http://schemas.openxmlformats.org/officeDocument/2006/relationships" xmlns:p="http://schemas.openxmlformats.org/presentationml/2006/main">
   <p:cSld>
     <p:spTree>
@@ -16318,7 +16861,7 @@
           <a:p>
             <a:r>
               <a:rPr lang="en-US" dirty="0" smtClean="0"/>
-              <a:t>Alt Stores</a:t>
+              <a:t>Initiating Alt application</a:t>
             </a:r>
             <a:endParaRPr lang="en-US" dirty="0"/>
           </a:p>
@@ -16337,423 +16880,25 @@
         <p:spPr/>
         <p:txBody>
           <a:bodyPr>
-            <a:normAutofit fontScale="85000" lnSpcReduction="20000"/>
+            <a:normAutofit/>
           </a:bodyPr>
           <a:lstStyle/>
           <a:p>
-            <a:pPr marL="0" indent="0">
-              <a:buNone/>
-            </a:pPr>
-            <a:r>
-              <a:rPr lang="en-US" sz="1600" dirty="0" err="1"/>
-              <a:t>var</a:t>
-            </a:r>
-            <a:r>
-              <a:rPr lang="en-US" sz="1600" dirty="0"/>
-              <a:t> alt = require('../alt');</a:t>
-            </a:r>
-          </a:p>
-          <a:p>
-            <a:pPr marL="0" indent="0">
-              <a:buNone/>
-            </a:pPr>
-            <a:r>
-              <a:rPr lang="en-US" sz="1600" dirty="0" err="1"/>
-              <a:t>var</a:t>
-            </a:r>
-            <a:r>
-              <a:rPr lang="en-US" sz="1600" dirty="0"/>
-              <a:t> </a:t>
-            </a:r>
-            <a:r>
-              <a:rPr lang="en-US" sz="1600" dirty="0" err="1" smtClean="0"/>
-              <a:t>CustomerActions</a:t>
-            </a:r>
-            <a:r>
-              <a:rPr lang="en-US" sz="1600" dirty="0" smtClean="0"/>
-              <a:t> </a:t>
-            </a:r>
-            <a:r>
-              <a:rPr lang="en-US" sz="1600" dirty="0"/>
-              <a:t>= require('../</a:t>
-            </a:r>
-            <a:r>
-              <a:rPr lang="en-US" sz="1600" dirty="0" smtClean="0"/>
-              <a:t>actions/</a:t>
-            </a:r>
-            <a:r>
-              <a:rPr lang="en-US" sz="1600" dirty="0" err="1" smtClean="0"/>
-              <a:t>CustomerActions</a:t>
-            </a:r>
-            <a:r>
-              <a:rPr lang="en-US" sz="1600" dirty="0" smtClean="0"/>
-              <a:t>'); </a:t>
-            </a:r>
-            <a:r>
-              <a:rPr lang="en-US" sz="1600" dirty="0" smtClean="0">
-                <a:solidFill>
-                  <a:schemeClr val="accent1">
-                    <a:lumMod val="75000"/>
-                  </a:schemeClr>
-                </a:solidFill>
-              </a:rPr>
-              <a:t>//Loading the created customer actions</a:t>
-            </a:r>
-            <a:endParaRPr lang="en-US" sz="1600" dirty="0">
-              <a:solidFill>
-                <a:schemeClr val="accent1">
-                  <a:lumMod val="75000"/>
-                </a:schemeClr>
-              </a:solidFill>
-            </a:endParaRPr>
-          </a:p>
-          <a:p>
-            <a:pPr marL="0" indent="0">
-              <a:buNone/>
-            </a:pPr>
-            <a:r>
-              <a:rPr lang="en-US" sz="1600" dirty="0"/>
-              <a:t>class </a:t>
-            </a:r>
-            <a:r>
-              <a:rPr lang="en-US" sz="1600" dirty="0" err="1" smtClean="0"/>
-              <a:t>CustomerStore</a:t>
-            </a:r>
-            <a:r>
-              <a:rPr lang="en-US" sz="1600" dirty="0" smtClean="0"/>
-              <a:t> { </a:t>
-            </a:r>
-            <a:r>
-              <a:rPr lang="en-US" sz="1600" dirty="0" smtClean="0">
-                <a:solidFill>
-                  <a:schemeClr val="accent1">
-                    <a:lumMod val="75000"/>
-                  </a:schemeClr>
-                </a:solidFill>
-              </a:rPr>
-              <a:t>//defining store class</a:t>
-            </a:r>
-            <a:endParaRPr lang="en-US" sz="1600" dirty="0">
-              <a:solidFill>
-                <a:schemeClr val="accent1">
-                  <a:lumMod val="75000"/>
-                </a:schemeClr>
-              </a:solidFill>
-            </a:endParaRPr>
-          </a:p>
-          <a:p>
-            <a:pPr marL="0" indent="0">
-              <a:buNone/>
-            </a:pPr>
-            <a:r>
-              <a:rPr lang="en-US" sz="1600" dirty="0"/>
-              <a:t>  constructor() {</a:t>
-            </a:r>
-          </a:p>
-          <a:p>
-            <a:pPr marL="0" indent="0">
-              <a:buNone/>
-            </a:pPr>
-            <a:r>
-              <a:rPr lang="en-US" sz="1600" dirty="0"/>
-              <a:t>    </a:t>
-            </a:r>
-            <a:r>
-              <a:rPr lang="en-US" sz="1600" dirty="0" err="1" smtClean="0"/>
-              <a:t>this.customers</a:t>
-            </a:r>
-            <a:r>
-              <a:rPr lang="en-US" sz="1600" dirty="0" smtClean="0"/>
-              <a:t> </a:t>
-            </a:r>
-            <a:r>
-              <a:rPr lang="en-US" sz="1600" dirty="0"/>
-              <a:t>= </a:t>
-            </a:r>
-            <a:r>
-              <a:rPr lang="en-US" sz="1600" dirty="0" smtClean="0"/>
-              <a:t>[]; </a:t>
-            </a:r>
-            <a:r>
-              <a:rPr lang="en-US" sz="1600" dirty="0" smtClean="0">
-                <a:solidFill>
-                  <a:schemeClr val="accent1">
-                    <a:lumMod val="75000"/>
-                  </a:schemeClr>
-                </a:solidFill>
-              </a:rPr>
-              <a:t>//any class member defines inside the store constructors will be treated as store’s state variables</a:t>
-            </a:r>
-            <a:endParaRPr lang="en-US" sz="1600" dirty="0">
-              <a:solidFill>
-                <a:schemeClr val="accent1">
-                  <a:lumMod val="75000"/>
-                </a:schemeClr>
-              </a:solidFill>
-            </a:endParaRPr>
-          </a:p>
-          <a:p>
-            <a:pPr marL="0" indent="0">
-              <a:buNone/>
-            </a:pPr>
-            <a:endParaRPr lang="en-US" sz="1600" dirty="0"/>
-          </a:p>
-          <a:p>
-            <a:pPr marL="0" indent="0">
-              <a:buNone/>
-            </a:pPr>
-            <a:r>
-              <a:rPr lang="en-US" sz="1600" dirty="0"/>
-              <a:t>    </a:t>
-            </a:r>
-            <a:r>
-              <a:rPr lang="en-US" sz="1600" dirty="0" err="1"/>
-              <a:t>this.bindListeners</a:t>
-            </a:r>
-            <a:r>
-              <a:rPr lang="en-US" sz="1600" dirty="0"/>
-              <a:t>({</a:t>
-            </a:r>
-          </a:p>
-          <a:p>
-            <a:pPr marL="0" indent="0">
-              <a:buNone/>
-            </a:pPr>
-            <a:r>
-              <a:rPr lang="en-US" sz="1600" dirty="0"/>
-              <a:t>      </a:t>
-            </a:r>
-            <a:r>
-              <a:rPr lang="en-US" sz="1600" dirty="0" err="1" smtClean="0"/>
-              <a:t>handleUpdateCustomers</a:t>
-            </a:r>
-            <a:r>
-              <a:rPr lang="en-US" sz="1600" dirty="0" smtClean="0"/>
-              <a:t>: </a:t>
-            </a:r>
-            <a:r>
-              <a:rPr lang="en-US" sz="1600" dirty="0" err="1" smtClean="0"/>
-              <a:t>CustomerActions.updateCustomers</a:t>
-            </a:r>
-            <a:r>
-              <a:rPr lang="en-US" sz="1600" dirty="0" smtClean="0"/>
-              <a:t> </a:t>
-            </a:r>
-            <a:r>
-              <a:rPr lang="en-US" sz="1600" dirty="0" smtClean="0">
-                <a:solidFill>
-                  <a:schemeClr val="accent1">
-                    <a:lumMod val="75000"/>
-                  </a:schemeClr>
-                </a:solidFill>
-              </a:rPr>
-              <a:t>// binding the stores callback to the action. So whenever the action is 	</a:t>
-            </a:r>
-            <a:r>
-              <a:rPr lang="en-US" sz="1600" dirty="0" smtClean="0"/>
-              <a:t>					</a:t>
-            </a:r>
-            <a:r>
-              <a:rPr lang="en-US" sz="1600" dirty="0" smtClean="0">
-                <a:solidFill>
-                  <a:schemeClr val="accent1">
-                    <a:lumMod val="75000"/>
-                  </a:schemeClr>
-                </a:solidFill>
-              </a:rPr>
-              <a:t>      dispatched it will be handle by the callback </a:t>
-            </a:r>
-            <a:endParaRPr lang="en-US" sz="1600" dirty="0">
-              <a:solidFill>
-                <a:schemeClr val="accent1">
-                  <a:lumMod val="75000"/>
-                </a:schemeClr>
-              </a:solidFill>
-            </a:endParaRPr>
-          </a:p>
-          <a:p>
-            <a:pPr marL="0" indent="0">
-              <a:buNone/>
-            </a:pPr>
-            <a:r>
-              <a:rPr lang="en-US" sz="1600" dirty="0"/>
-              <a:t>    });</a:t>
-            </a:r>
-          </a:p>
-          <a:p>
-            <a:pPr marL="0" indent="0">
-              <a:buNone/>
-            </a:pPr>
-            <a:r>
-              <a:rPr lang="en-US" sz="1600" dirty="0"/>
-              <a:t>  </a:t>
-            </a:r>
-            <a:r>
-              <a:rPr lang="en-US" sz="1600" dirty="0" smtClean="0"/>
-              <a:t>}</a:t>
-            </a:r>
-            <a:endParaRPr lang="en-US" sz="1600" dirty="0"/>
-          </a:p>
-          <a:p>
-            <a:pPr marL="0" indent="0">
-              <a:buNone/>
-            </a:pPr>
-            <a:r>
-              <a:rPr lang="en-US" sz="1600" dirty="0"/>
-              <a:t>  </a:t>
-            </a:r>
-            <a:r>
-              <a:rPr lang="en-US" sz="1600" dirty="0" err="1" smtClean="0"/>
-              <a:t>handleUpdateCustomers</a:t>
-            </a:r>
-            <a:r>
-              <a:rPr lang="en-US" sz="1600" dirty="0" smtClean="0"/>
-              <a:t>(customers) { </a:t>
-            </a:r>
-            <a:r>
-              <a:rPr lang="en-US" sz="1600" dirty="0" smtClean="0">
-                <a:solidFill>
-                  <a:schemeClr val="accent1">
-                    <a:lumMod val="75000"/>
-                  </a:schemeClr>
-                </a:solidFill>
-              </a:rPr>
-              <a:t>//the callback of </a:t>
-            </a:r>
-            <a:r>
-              <a:rPr lang="en-US" sz="1600" dirty="0" err="1" smtClean="0">
-                <a:solidFill>
-                  <a:schemeClr val="accent1">
-                    <a:lumMod val="75000"/>
-                  </a:schemeClr>
-                </a:solidFill>
-              </a:rPr>
-              <a:t>updateCustomers</a:t>
-            </a:r>
-            <a:r>
-              <a:rPr lang="en-US" sz="1600" dirty="0" smtClean="0">
-                <a:solidFill>
-                  <a:schemeClr val="accent1">
-                    <a:lumMod val="75000"/>
-                  </a:schemeClr>
-                </a:solidFill>
-              </a:rPr>
-              <a:t> action</a:t>
-            </a:r>
-            <a:endParaRPr lang="en-US" sz="1600" dirty="0">
-              <a:solidFill>
-                <a:schemeClr val="accent1">
-                  <a:lumMod val="75000"/>
-                </a:schemeClr>
-              </a:solidFill>
-            </a:endParaRPr>
-          </a:p>
-          <a:p>
-            <a:pPr marL="0" indent="0">
-              <a:buNone/>
-            </a:pPr>
-            <a:r>
-              <a:rPr lang="en-US" sz="1600" dirty="0"/>
-              <a:t>    this</a:t>
-            </a:r>
-            <a:r>
-              <a:rPr lang="en-US" sz="1600" dirty="0" smtClean="0"/>
-              <a:t>.</a:t>
-            </a:r>
-            <a:r>
-              <a:rPr lang="en-US" sz="1600" dirty="0"/>
-              <a:t> customers</a:t>
-            </a:r>
-            <a:r>
-              <a:rPr lang="en-US" sz="1600" dirty="0" smtClean="0"/>
-              <a:t> </a:t>
-            </a:r>
-            <a:r>
-              <a:rPr lang="en-US" sz="1600" dirty="0"/>
-              <a:t>= customers</a:t>
-            </a:r>
-            <a:r>
-              <a:rPr lang="en-US" sz="1600" dirty="0" smtClean="0"/>
-              <a:t>;</a:t>
-            </a:r>
-            <a:endParaRPr lang="en-US" sz="1600" dirty="0"/>
-          </a:p>
-          <a:p>
-            <a:pPr marL="0" indent="0">
-              <a:buNone/>
-            </a:pPr>
-            <a:r>
-              <a:rPr lang="en-US" sz="1600" dirty="0"/>
-              <a:t>  }</a:t>
-            </a:r>
-          </a:p>
-          <a:p>
-            <a:pPr marL="0" indent="0">
-              <a:buNone/>
-            </a:pPr>
-            <a:r>
-              <a:rPr lang="en-US" sz="1600" dirty="0" smtClean="0"/>
-              <a:t>}</a:t>
-            </a:r>
-            <a:endParaRPr lang="en-US" sz="1600" dirty="0"/>
-          </a:p>
-          <a:p>
-            <a:pPr marL="0" indent="0">
-              <a:buNone/>
-            </a:pPr>
-            <a:r>
-              <a:rPr lang="en-US" sz="1600" dirty="0" err="1"/>
-              <a:t>module.exports</a:t>
-            </a:r>
-            <a:r>
-              <a:rPr lang="en-US" sz="1600" dirty="0"/>
-              <a:t> = </a:t>
-            </a:r>
-            <a:r>
-              <a:rPr lang="en-US" sz="1600" dirty="0" err="1" smtClean="0"/>
-              <a:t>alt.createStore</a:t>
-            </a:r>
-            <a:r>
-              <a:rPr lang="en-US" sz="1600" dirty="0" smtClean="0"/>
-              <a:t>(</a:t>
-            </a:r>
-            <a:r>
-              <a:rPr lang="en-US" sz="1600" dirty="0" err="1" smtClean="0"/>
-              <a:t>CustomerStore</a:t>
-            </a:r>
-            <a:r>
-              <a:rPr lang="en-US" sz="1600" dirty="0"/>
-              <a:t>, </a:t>
-            </a:r>
-            <a:r>
-              <a:rPr lang="en-US" sz="1600" dirty="0" smtClean="0"/>
-              <a:t>‘</a:t>
-            </a:r>
-            <a:r>
-              <a:rPr lang="en-US" sz="1600" dirty="0" err="1" smtClean="0"/>
-              <a:t>CustomerStore</a:t>
-            </a:r>
-            <a:r>
-              <a:rPr lang="en-US" sz="1600" dirty="0" smtClean="0"/>
-              <a:t>'); </a:t>
-            </a:r>
-            <a:r>
-              <a:rPr lang="en-US" sz="1600" dirty="0" smtClean="0">
-                <a:solidFill>
-                  <a:schemeClr val="accent1">
-                    <a:lumMod val="75000"/>
-                  </a:schemeClr>
-                </a:solidFill>
-              </a:rPr>
-              <a:t>//creating the class as alt store and export it</a:t>
-            </a:r>
-            <a:endParaRPr lang="en-US" sz="1600" dirty="0">
-              <a:solidFill>
-                <a:schemeClr val="accent1">
-                  <a:lumMod val="75000"/>
-                </a:schemeClr>
-              </a:solidFill>
-            </a:endParaRPr>
+            <a:r>
+              <a:rPr lang="en-US" sz="1800" dirty="0" smtClean="0"/>
+              <a:t>Open up </a:t>
+            </a:r>
+            <a:r>
+              <a:rPr lang="en-US" sz="1800" dirty="0" err="1" smtClean="0"/>
+              <a:t>tha</a:t>
+            </a:r>
+            <a:r>
+              <a:rPr lang="en-US" sz="1800" dirty="0" smtClean="0"/>
+              <a:t> Alt.js and use the following code that will initiate the alt object. </a:t>
+            </a:r>
+          </a:p>
+          <a:p>
+            <a:endParaRPr lang="en-US" sz="2400" dirty="0"/>
           </a:p>
         </p:txBody>
       </p:sp>
@@ -16774,7 +16919,7 @@
           <a:p>
             <a:r>
               <a:rPr lang="en-US" dirty="0"/>
-              <a:t>Alt </a:t>
+              <a:t>Learning Alt </a:t>
             </a:r>
             <a:r>
               <a:rPr lang="en-US" dirty="0" err="1"/>
@@ -16801,7 +16946,7 @@
           <a:p>
             <a:fld id="{B777A91B-BF1B-4ECE-B89B-72F2144CF226}" type="slidenum">
               <a:rPr lang="en-US" smtClean="0"/>
-              <a:t>12</a:t>
+              <a:t>13</a:t>
             </a:fld>
             <a:endParaRPr lang="en-US" dirty="0"/>
           </a:p>
@@ -16837,10 +16982,40 @@
           </a:prstGeom>
         </p:spPr>
       </p:pic>
+      <p:pic>
+        <p:nvPicPr>
+          <p:cNvPr id="7" name="Picture 6"/>
+          <p:cNvPicPr>
+            <a:picLocks noChangeAspect="1"/>
+          </p:cNvPicPr>
+          <p:nvPr/>
+        </p:nvPicPr>
+        <p:blipFill>
+          <a:blip r:embed="rId3">
+            <a:extLst>
+              <a:ext uri="{28A0092B-C50C-407E-A947-70E740481C1C}">
+                <a14:useLocalDpi xmlns:a14="http://schemas.microsoft.com/office/drawing/2010/main" val="0"/>
+              </a:ext>
+            </a:extLst>
+          </a:blip>
+          <a:stretch>
+            <a:fillRect/>
+          </a:stretch>
+        </p:blipFill>
+        <p:spPr>
+          <a:xfrm>
+            <a:off x="2102311" y="2906406"/>
+            <a:ext cx="7130807" cy="2189776"/>
+          </a:xfrm>
+          <a:prstGeom prst="rect">
+            <a:avLst/>
+          </a:prstGeom>
+        </p:spPr>
+      </p:pic>
     </p:spTree>
     <p:extLst>
       <p:ext uri="{BB962C8B-B14F-4D97-AF65-F5344CB8AC3E}">
-        <p14:creationId xmlns:p14="http://schemas.microsoft.com/office/powerpoint/2010/main" val="2147216500"/>
+        <p14:creationId xmlns:p14="http://schemas.microsoft.com/office/powerpoint/2010/main" val="1129516727"/>
       </p:ext>
     </p:extLst>
   </p:cSld>
@@ -16857,7 +17032,7 @@
 </p:sld>
 </file>
 
-<file path=ppt/slides/slide13.xml><?xml version="1.0" encoding="utf-8"?>
+<file path=ppt/slides/slide14.xml><?xml version="1.0" encoding="utf-8"?>
 <p:sld xmlns:a="http://schemas.openxmlformats.org/drawingml/2006/main" xmlns:r="http://schemas.openxmlformats.org/officeDocument/2006/relationships" xmlns:p="http://schemas.openxmlformats.org/presentationml/2006/main">
   <p:cSld>
     <p:spTree>
@@ -16891,6 +17066,400 @@
           <a:p>
             <a:r>
               <a:rPr lang="en-US" dirty="0" smtClean="0"/>
+              <a:t>Alt </a:t>
+            </a:r>
+            <a:r>
+              <a:rPr lang="en-US" dirty="0" smtClean="0"/>
+              <a:t>Actions</a:t>
+            </a:r>
+            <a:endParaRPr lang="en-US" dirty="0"/>
+          </a:p>
+        </p:txBody>
+      </p:sp>
+      <p:sp>
+        <p:nvSpPr>
+          <p:cNvPr id="4" name="Footer Placeholder 3"/>
+          <p:cNvSpPr>
+            <a:spLocks noGrp="1"/>
+          </p:cNvSpPr>
+          <p:nvPr>
+            <p:ph type="ftr" sz="quarter" idx="11"/>
+          </p:nvPr>
+        </p:nvSpPr>
+        <p:spPr/>
+        <p:txBody>
+          <a:bodyPr/>
+          <a:lstStyle/>
+          <a:p>
+            <a:r>
+              <a:rPr lang="en-US" dirty="0"/>
+              <a:t>Learning Alt </a:t>
+            </a:r>
+            <a:r>
+              <a:rPr lang="en-US" dirty="0" err="1"/>
+              <a:t>Js</a:t>
+            </a:r>
+            <a:endParaRPr lang="en-US" dirty="0"/>
+          </a:p>
+        </p:txBody>
+      </p:sp>
+      <p:sp>
+        <p:nvSpPr>
+          <p:cNvPr id="5" name="Slide Number Placeholder 4"/>
+          <p:cNvSpPr>
+            <a:spLocks noGrp="1"/>
+          </p:cNvSpPr>
+          <p:nvPr>
+            <p:ph type="sldNum" sz="quarter" idx="12"/>
+          </p:nvPr>
+        </p:nvSpPr>
+        <p:spPr/>
+        <p:txBody>
+          <a:bodyPr/>
+          <a:lstStyle/>
+          <a:p>
+            <a:fld id="{B777A91B-BF1B-4ECE-B89B-72F2144CF226}" type="slidenum">
+              <a:rPr lang="en-US" smtClean="0"/>
+              <a:t>14</a:t>
+            </a:fld>
+            <a:endParaRPr lang="en-US" dirty="0"/>
+          </a:p>
+        </p:txBody>
+      </p:sp>
+      <p:pic>
+        <p:nvPicPr>
+          <p:cNvPr id="6" name="Picture 5"/>
+          <p:cNvPicPr>
+            <a:picLocks noChangeAspect="1"/>
+          </p:cNvPicPr>
+          <p:nvPr/>
+        </p:nvPicPr>
+        <p:blipFill>
+          <a:blip r:embed="rId2">
+            <a:extLst>
+              <a:ext uri="{28A0092B-C50C-407E-A947-70E740481C1C}">
+                <a14:useLocalDpi xmlns:a14="http://schemas.microsoft.com/office/drawing/2010/main" val="0"/>
+              </a:ext>
+            </a:extLst>
+          </a:blip>
+          <a:stretch>
+            <a:fillRect/>
+          </a:stretch>
+        </p:blipFill>
+        <p:spPr>
+          <a:xfrm>
+            <a:off x="157162" y="84137"/>
+            <a:ext cx="1362075" cy="561975"/>
+          </a:xfrm>
+          <a:prstGeom prst="rect">
+            <a:avLst/>
+          </a:prstGeom>
+        </p:spPr>
+      </p:pic>
+      <p:sp>
+        <p:nvSpPr>
+          <p:cNvPr id="8" name="Content Placeholder 7"/>
+          <p:cNvSpPr>
+            <a:spLocks noGrp="1"/>
+          </p:cNvSpPr>
+          <p:nvPr>
+            <p:ph idx="1"/>
+          </p:nvPr>
+        </p:nvSpPr>
+        <p:spPr/>
+        <p:txBody>
+          <a:bodyPr>
+            <a:normAutofit/>
+          </a:bodyPr>
+          <a:lstStyle/>
+          <a:p>
+            <a:r>
+              <a:rPr lang="en-US" sz="1800" dirty="0" smtClean="0"/>
+              <a:t>Put the following code in TodoActions.js</a:t>
+            </a:r>
+            <a:endParaRPr lang="en-US" sz="1800" dirty="0"/>
+          </a:p>
+        </p:txBody>
+      </p:sp>
+      <p:pic>
+        <p:nvPicPr>
+          <p:cNvPr id="9" name="Content Placeholder 6"/>
+          <p:cNvPicPr>
+            <a:picLocks noChangeAspect="1"/>
+          </p:cNvPicPr>
+          <p:nvPr/>
+        </p:nvPicPr>
+        <p:blipFill>
+          <a:blip r:embed="rId3">
+            <a:extLst>
+              <a:ext uri="{28A0092B-C50C-407E-A947-70E740481C1C}">
+                <a14:useLocalDpi xmlns:a14="http://schemas.microsoft.com/office/drawing/2010/main" val="0"/>
+              </a:ext>
+            </a:extLst>
+          </a:blip>
+          <a:stretch>
+            <a:fillRect/>
+          </a:stretch>
+        </p:blipFill>
+        <p:spPr>
+          <a:xfrm>
+            <a:off x="900410" y="2238370"/>
+            <a:ext cx="10391180" cy="3938593"/>
+          </a:xfrm>
+          <a:prstGeom prst="rect">
+            <a:avLst/>
+          </a:prstGeom>
+        </p:spPr>
+      </p:pic>
+    </p:spTree>
+    <p:extLst>
+      <p:ext uri="{BB962C8B-B14F-4D97-AF65-F5344CB8AC3E}">
+        <p14:creationId xmlns:p14="http://schemas.microsoft.com/office/powerpoint/2010/main" val="1021464198"/>
+      </p:ext>
+    </p:extLst>
+  </p:cSld>
+  <p:clrMapOvr>
+    <a:masterClrMapping/>
+  </p:clrMapOvr>
+  <p:timing>
+    <p:tnLst>
+      <p:par>
+        <p:cTn id="1" dur="indefinite" restart="never" nodeType="tmRoot"/>
+      </p:par>
+    </p:tnLst>
+  </p:timing>
+</p:sld>
+</file>
+
+<file path=ppt/slides/slide15.xml><?xml version="1.0" encoding="utf-8"?>
+<p:sld xmlns:a="http://schemas.openxmlformats.org/drawingml/2006/main" xmlns:r="http://schemas.openxmlformats.org/officeDocument/2006/relationships" xmlns:p="http://schemas.openxmlformats.org/presentationml/2006/main">
+  <p:cSld>
+    <p:spTree>
+      <p:nvGrpSpPr>
+        <p:cNvPr id="1" name=""/>
+        <p:cNvGrpSpPr/>
+        <p:nvPr/>
+      </p:nvGrpSpPr>
+      <p:grpSpPr>
+        <a:xfrm>
+          <a:off x="0" y="0"/>
+          <a:ext cx="0" cy="0"/>
+          <a:chOff x="0" y="0"/>
+          <a:chExt cx="0" cy="0"/>
+        </a:xfrm>
+      </p:grpSpPr>
+      <p:sp>
+        <p:nvSpPr>
+          <p:cNvPr id="2" name="Title 1"/>
+          <p:cNvSpPr>
+            <a:spLocks noGrp="1"/>
+          </p:cNvSpPr>
+          <p:nvPr>
+            <p:ph type="title"/>
+          </p:nvPr>
+        </p:nvSpPr>
+        <p:spPr/>
+        <p:txBody>
+          <a:bodyPr/>
+          <a:lstStyle/>
+          <a:p>
+            <a:r>
+              <a:rPr lang="en-US" dirty="0" smtClean="0"/>
+              <a:t>Alt </a:t>
+            </a:r>
+            <a:r>
+              <a:rPr lang="en-US" dirty="0" smtClean="0"/>
+              <a:t>Stores</a:t>
+            </a:r>
+            <a:endParaRPr lang="en-US" dirty="0"/>
+          </a:p>
+        </p:txBody>
+      </p:sp>
+      <p:sp>
+        <p:nvSpPr>
+          <p:cNvPr id="4" name="Footer Placeholder 3"/>
+          <p:cNvSpPr>
+            <a:spLocks noGrp="1"/>
+          </p:cNvSpPr>
+          <p:nvPr>
+            <p:ph type="ftr" sz="quarter" idx="11"/>
+          </p:nvPr>
+        </p:nvSpPr>
+        <p:spPr/>
+        <p:txBody>
+          <a:bodyPr/>
+          <a:lstStyle/>
+          <a:p>
+            <a:r>
+              <a:rPr lang="en-US" smtClean="0"/>
+              <a:t>Alt Js</a:t>
+            </a:r>
+            <a:endParaRPr lang="en-US" dirty="0"/>
+          </a:p>
+        </p:txBody>
+      </p:sp>
+      <p:sp>
+        <p:nvSpPr>
+          <p:cNvPr id="5" name="Slide Number Placeholder 4"/>
+          <p:cNvSpPr>
+            <a:spLocks noGrp="1"/>
+          </p:cNvSpPr>
+          <p:nvPr>
+            <p:ph type="sldNum" sz="quarter" idx="12"/>
+          </p:nvPr>
+        </p:nvSpPr>
+        <p:spPr/>
+        <p:txBody>
+          <a:bodyPr/>
+          <a:lstStyle/>
+          <a:p>
+            <a:fld id="{B777A91B-BF1B-4ECE-B89B-72F2144CF226}" type="slidenum">
+              <a:rPr lang="en-US" smtClean="0"/>
+              <a:t>15</a:t>
+            </a:fld>
+            <a:endParaRPr lang="en-US" dirty="0"/>
+          </a:p>
+        </p:txBody>
+      </p:sp>
+      <p:pic>
+        <p:nvPicPr>
+          <p:cNvPr id="6" name="Picture 5"/>
+          <p:cNvPicPr>
+            <a:picLocks noChangeAspect="1"/>
+          </p:cNvPicPr>
+          <p:nvPr/>
+        </p:nvPicPr>
+        <p:blipFill>
+          <a:blip r:embed="rId2">
+            <a:extLst>
+              <a:ext uri="{28A0092B-C50C-407E-A947-70E740481C1C}">
+                <a14:useLocalDpi xmlns:a14="http://schemas.microsoft.com/office/drawing/2010/main" val="0"/>
+              </a:ext>
+            </a:extLst>
+          </a:blip>
+          <a:stretch>
+            <a:fillRect/>
+          </a:stretch>
+        </p:blipFill>
+        <p:spPr>
+          <a:xfrm>
+            <a:off x="157162" y="84137"/>
+            <a:ext cx="1362075" cy="561975"/>
+          </a:xfrm>
+          <a:prstGeom prst="rect">
+            <a:avLst/>
+          </a:prstGeom>
+        </p:spPr>
+      </p:pic>
+      <p:sp>
+        <p:nvSpPr>
+          <p:cNvPr id="8" name="Content Placeholder 7"/>
+          <p:cNvSpPr>
+            <a:spLocks noGrp="1"/>
+          </p:cNvSpPr>
+          <p:nvPr>
+            <p:ph idx="1"/>
+          </p:nvPr>
+        </p:nvSpPr>
+        <p:spPr/>
+        <p:txBody>
+          <a:bodyPr>
+            <a:normAutofit/>
+          </a:bodyPr>
+          <a:lstStyle/>
+          <a:p>
+            <a:r>
+              <a:rPr lang="en-US" sz="1800" dirty="0" smtClean="0"/>
+              <a:t>Put the following code in TodoStore.js</a:t>
+            </a:r>
+            <a:endParaRPr lang="en-US" sz="1800" dirty="0"/>
+          </a:p>
+        </p:txBody>
+      </p:sp>
+      <p:pic>
+        <p:nvPicPr>
+          <p:cNvPr id="3" name="Picture 2"/>
+          <p:cNvPicPr>
+            <a:picLocks noChangeAspect="1"/>
+          </p:cNvPicPr>
+          <p:nvPr/>
+        </p:nvPicPr>
+        <p:blipFill>
+          <a:blip r:embed="rId3">
+            <a:extLst>
+              <a:ext uri="{28A0092B-C50C-407E-A947-70E740481C1C}">
+                <a14:useLocalDpi xmlns:a14="http://schemas.microsoft.com/office/drawing/2010/main" val="0"/>
+              </a:ext>
+            </a:extLst>
+          </a:blip>
+          <a:stretch>
+            <a:fillRect/>
+          </a:stretch>
+        </p:blipFill>
+        <p:spPr>
+          <a:xfrm>
+            <a:off x="1669222" y="2176858"/>
+            <a:ext cx="7953080" cy="4544617"/>
+          </a:xfrm>
+          <a:prstGeom prst="rect">
+            <a:avLst/>
+          </a:prstGeom>
+        </p:spPr>
+      </p:pic>
+    </p:spTree>
+    <p:extLst>
+      <p:ext uri="{BB962C8B-B14F-4D97-AF65-F5344CB8AC3E}">
+        <p14:creationId xmlns:p14="http://schemas.microsoft.com/office/powerpoint/2010/main" val="1817655082"/>
+      </p:ext>
+    </p:extLst>
+  </p:cSld>
+  <p:clrMapOvr>
+    <a:masterClrMapping/>
+  </p:clrMapOvr>
+  <p:timing>
+    <p:tnLst>
+      <p:par>
+        <p:cTn id="1" dur="indefinite" restart="never" nodeType="tmRoot"/>
+      </p:par>
+    </p:tnLst>
+  </p:timing>
+</p:sld>
+</file>
+
+<file path=ppt/slides/slide16.xml><?xml version="1.0" encoding="utf-8"?>
+<p:sld xmlns:a="http://schemas.openxmlformats.org/drawingml/2006/main" xmlns:r="http://schemas.openxmlformats.org/officeDocument/2006/relationships" xmlns:p="http://schemas.openxmlformats.org/presentationml/2006/main">
+  <p:cSld>
+    <p:spTree>
+      <p:nvGrpSpPr>
+        <p:cNvPr id="1" name=""/>
+        <p:cNvGrpSpPr/>
+        <p:nvPr/>
+      </p:nvGrpSpPr>
+      <p:grpSpPr>
+        <a:xfrm>
+          <a:off x="0" y="0"/>
+          <a:ext cx="0" cy="0"/>
+          <a:chOff x="0" y="0"/>
+          <a:chExt cx="0" cy="0"/>
+        </a:xfrm>
+      </p:grpSpPr>
+      <p:sp>
+        <p:nvSpPr>
+          <p:cNvPr id="2" name="Title 1"/>
+          <p:cNvSpPr>
+            <a:spLocks noGrp="1"/>
+          </p:cNvSpPr>
+          <p:nvPr>
+            <p:ph type="title"/>
+          </p:nvPr>
+        </p:nvSpPr>
+        <p:spPr/>
+        <p:txBody>
+          <a:bodyPr/>
+          <a:lstStyle/>
+          <a:p>
+            <a:r>
+              <a:rPr lang="en-US" dirty="0" smtClean="0"/>
               <a:t>Alt Views</a:t>
             </a:r>
             <a:endParaRPr lang="en-US" dirty="0"/>
@@ -16937,7 +17506,27 @@
             </a:pPr>
             <a:r>
               <a:rPr lang="en-US" dirty="0" smtClean="0"/>
-              <a:t>Lets understand the react then we will move back to Alt.</a:t>
+              <a:t>Lets understand the react </a:t>
+            </a:r>
+            <a:r>
+              <a:rPr lang="en-US" dirty="0" smtClean="0"/>
+              <a:t>first then </a:t>
+            </a:r>
+            <a:r>
+              <a:rPr lang="en-US" dirty="0" smtClean="0"/>
+              <a:t>we will move back to </a:t>
+            </a:r>
+            <a:r>
+              <a:rPr lang="en-US" dirty="0" smtClean="0"/>
+              <a:t>our Alt </a:t>
+            </a:r>
+            <a:r>
+              <a:rPr lang="en-US" dirty="0" err="1" smtClean="0"/>
+              <a:t>Todo</a:t>
+            </a:r>
+            <a:r>
+              <a:rPr lang="en-US" dirty="0" smtClean="0"/>
+              <a:t> app.</a:t>
             </a:r>
             <a:endParaRPr lang="en-US" dirty="0"/>
           </a:p>
@@ -16960,7 +17549,7 @@
           <a:p>
             <a:r>
               <a:rPr lang="en-US" dirty="0"/>
-              <a:t>Alt </a:t>
+              <a:t>Learning Alt </a:t>
             </a:r>
             <a:r>
               <a:rPr lang="en-US" dirty="0" err="1"/>
@@ -16987,7 +17576,7 @@
           <a:p>
             <a:fld id="{B777A91B-BF1B-4ECE-B89B-72F2144CF226}" type="slidenum">
               <a:rPr lang="en-US" smtClean="0"/>
-              <a:t>13</a:t>
+              <a:t>16</a:t>
             </a:fld>
             <a:endParaRPr lang="en-US"/>
           </a:p>
@@ -17043,7 +17632,7 @@
 </p:sld>
 </file>
 
-<file path=ppt/slides/slide14.xml><?xml version="1.0" encoding="utf-8"?>
+<file path=ppt/slides/slide17.xml><?xml version="1.0" encoding="utf-8"?>
 <p:sld xmlns:a="http://schemas.openxmlformats.org/drawingml/2006/main" xmlns:r="http://schemas.openxmlformats.org/officeDocument/2006/relationships" xmlns:p="http://schemas.openxmlformats.org/presentationml/2006/main">
   <p:cSld>
     <p:spTree>
@@ -17196,11 +17785,11 @@
           <a:lstStyle/>
           <a:p>
             <a:r>
-              <a:rPr lang="en-US" dirty="0"/>
-              <a:t>React </a:t>
-            </a:r>
-            <a:r>
-              <a:rPr lang="en-US" dirty="0" err="1"/>
+              <a:rPr lang="en-US" dirty="0" smtClean="0"/>
+              <a:t>Learning React </a:t>
+            </a:r>
+            <a:r>
+              <a:rPr lang="en-US" dirty="0" err="1" smtClean="0"/>
               <a:t>Js</a:t>
             </a:r>
             <a:endParaRPr lang="en-US" dirty="0"/>
@@ -17224,7 +17813,7 @@
           <a:p>
             <a:fld id="{B777A91B-BF1B-4ECE-B89B-72F2144CF226}" type="slidenum">
               <a:rPr lang="en-US" smtClean="0"/>
-              <a:t>14</a:t>
+              <a:t>17</a:t>
             </a:fld>
             <a:endParaRPr lang="en-US"/>
           </a:p>
@@ -17280,7 +17869,7 @@
 </p:sld>
 </file>
 
-<file path=ppt/slides/slide15.xml><?xml version="1.0" encoding="utf-8"?>
+<file path=ppt/slides/slide18.xml><?xml version="1.0" encoding="utf-8"?>
 <p:sld xmlns:a="http://schemas.openxmlformats.org/drawingml/2006/main" xmlns:r="http://schemas.openxmlformats.org/officeDocument/2006/relationships" xmlns:p="http://schemas.openxmlformats.org/presentationml/2006/main">
   <p:cSld>
     <p:spTree>
@@ -17405,7 +17994,7 @@
           <a:p>
             <a:r>
               <a:rPr lang="en-US" dirty="0"/>
-              <a:t>React </a:t>
+              <a:t>Learning React </a:t>
             </a:r>
             <a:r>
               <a:rPr lang="en-US" dirty="0" err="1"/>
@@ -17432,7 +18021,7 @@
           <a:p>
             <a:fld id="{B777A91B-BF1B-4ECE-B89B-72F2144CF226}" type="slidenum">
               <a:rPr lang="en-US" smtClean="0"/>
-              <a:t>15</a:t>
+              <a:t>18</a:t>
             </a:fld>
             <a:endParaRPr lang="en-US"/>
           </a:p>
@@ -17754,7 +18343,7 @@
 </p:sld>
 </file>
 
-<file path=ppt/slides/slide16.xml><?xml version="1.0" encoding="utf-8"?>
+<file path=ppt/slides/slide19.xml><?xml version="1.0" encoding="utf-8"?>
 <p:sld xmlns:a="http://schemas.openxmlformats.org/drawingml/2006/main" xmlns:r="http://schemas.openxmlformats.org/officeDocument/2006/relationships" xmlns:p="http://schemas.openxmlformats.org/presentationml/2006/main">
   <p:cSld>
     <p:spTree>
@@ -17813,46 +18402,6 @@
               <a:buNone/>
             </a:pPr>
             <a:r>
-              <a:rPr lang="en-US" sz="2000" dirty="0"/>
-              <a:t>&lt;script </a:t>
-            </a:r>
-            <a:r>
-              <a:rPr lang="en-US" sz="2000" dirty="0" err="1"/>
-              <a:t>src</a:t>
-            </a:r>
-            <a:r>
-              <a:rPr lang="en-US" sz="2000" dirty="0"/>
-              <a:t>="build/react.js"&gt;&lt;/script&gt; </a:t>
-            </a:r>
-            <a:endParaRPr lang="en-US" sz="2000" dirty="0" smtClean="0"/>
-          </a:p>
-          <a:p>
-            <a:pPr marL="0" indent="0">
-              <a:buNone/>
-            </a:pPr>
-            <a:r>
-              <a:rPr lang="en-US" sz="2000" dirty="0" smtClean="0"/>
-              <a:t>&lt;</a:t>
-            </a:r>
-            <a:r>
-              <a:rPr lang="en-US" sz="2000" dirty="0"/>
-              <a:t>script </a:t>
-            </a:r>
-            <a:r>
-              <a:rPr lang="en-US" sz="2000" dirty="0" err="1"/>
-              <a:t>src</a:t>
-            </a:r>
-            <a:r>
-              <a:rPr lang="en-US" sz="2000" dirty="0"/>
-              <a:t>="build/react-dom.js"&gt;&lt;/script&gt; </a:t>
-            </a:r>
-            <a:endParaRPr lang="en-US" sz="2000" dirty="0" smtClean="0"/>
-          </a:p>
-          <a:p>
-            <a:pPr marL="0" indent="0">
-              <a:buNone/>
-            </a:pPr>
-            <a:r>
               <a:rPr lang="en-US" dirty="0" smtClean="0"/>
               <a:t>	</a:t>
             </a:r>
@@ -17863,8 +18412,9 @@
             </a:pPr>
             <a:r>
               <a:rPr lang="en-US" dirty="0" smtClean="0"/>
-              <a:t>OR</a:t>
-            </a:r>
+              <a:t>					OR</a:t>
+            </a:r>
+            <a:endParaRPr lang="en-US" dirty="0"/>
           </a:p>
           <a:p>
             <a:pPr marL="0" indent="0">
@@ -17877,94 +18427,37 @@
               <a:buNone/>
             </a:pPr>
             <a:r>
-              <a:rPr lang="en-US" sz="2000" dirty="0" err="1" smtClean="0"/>
+              <a:rPr lang="en-US" sz="2000" b="1" dirty="0" smtClean="0"/>
+              <a:t>			</a:t>
+            </a:r>
+            <a:r>
+              <a:rPr lang="en-US" sz="2000" b="1" dirty="0" err="1" smtClean="0"/>
               <a:t>npm</a:t>
             </a:r>
             <a:r>
-              <a:rPr lang="en-US" sz="2000" dirty="0" smtClean="0"/>
+              <a:rPr lang="en-US" sz="2000" b="1" dirty="0" smtClean="0"/>
               <a:t> </a:t>
             </a:r>
             <a:r>
-              <a:rPr lang="en-US" sz="2000" dirty="0"/>
-              <a:t>install --save react react-</a:t>
-            </a:r>
-            <a:r>
-              <a:rPr lang="en-US" sz="2000" dirty="0" err="1"/>
+              <a:rPr lang="en-US" sz="2000" b="1" dirty="0"/>
+              <a:t>install --save react </a:t>
+            </a:r>
+            <a:r>
+              <a:rPr lang="en-US" sz="2000" b="1" dirty="0" smtClean="0"/>
+              <a:t>react-</a:t>
+            </a:r>
+            <a:r>
+              <a:rPr lang="en-US" sz="2000" b="1" dirty="0" err="1" smtClean="0"/>
               <a:t>dom</a:t>
             </a:r>
-            <a:r>
-              <a:rPr lang="en-US" sz="2000" dirty="0"/>
-              <a:t> </a:t>
-            </a:r>
-            <a:r>
-              <a:rPr lang="en-US" sz="2000" dirty="0" err="1"/>
-              <a:t>babelify</a:t>
-            </a:r>
-            <a:r>
-              <a:rPr lang="en-US" sz="2000" dirty="0"/>
-              <a:t> </a:t>
-            </a:r>
-            <a:r>
-              <a:rPr lang="en-US" sz="2000" dirty="0" smtClean="0"/>
-              <a:t>babel-preset-react</a:t>
-            </a:r>
+            <a:endParaRPr lang="en-US" sz="2000" b="1" dirty="0"/>
           </a:p>
           <a:p>
             <a:pPr marL="0" indent="0">
               <a:buNone/>
             </a:pPr>
-            <a:endParaRPr lang="en-US" sz="2000" dirty="0"/>
-          </a:p>
-          <a:p>
-            <a:pPr marL="0" indent="0">
-              <a:buNone/>
-            </a:pPr>
-            <a:r>
-              <a:rPr lang="en-US" sz="2000" dirty="0" err="1"/>
-              <a:t>var</a:t>
-            </a:r>
-            <a:r>
-              <a:rPr lang="en-US" sz="2000" dirty="0"/>
-              <a:t> React = require('react'); </a:t>
-            </a:r>
             <a:endParaRPr lang="en-US" sz="2000" dirty="0" smtClean="0"/>
           </a:p>
-          <a:p>
-            <a:pPr marL="0" indent="0">
-              <a:buNone/>
-            </a:pPr>
-            <a:r>
-              <a:rPr lang="en-US" sz="2000" dirty="0" err="1" smtClean="0"/>
-              <a:t>var</a:t>
-            </a:r>
-            <a:r>
-              <a:rPr lang="en-US" sz="2000" dirty="0" smtClean="0"/>
-              <a:t> </a:t>
-            </a:r>
-            <a:r>
-              <a:rPr lang="en-US" sz="2000" dirty="0" err="1"/>
-              <a:t>ReactDOM</a:t>
-            </a:r>
-            <a:r>
-              <a:rPr lang="en-US" sz="2000" dirty="0"/>
-              <a:t> = require('react-</a:t>
-            </a:r>
-            <a:r>
-              <a:rPr lang="en-US" sz="2000" dirty="0" err="1"/>
-              <a:t>dom</a:t>
-            </a:r>
-            <a:r>
-              <a:rPr lang="en-US" sz="2000" dirty="0"/>
-              <a:t>');</a:t>
-            </a:r>
-            <a:endParaRPr lang="en-US" sz="2000" dirty="0" smtClean="0"/>
-          </a:p>
-          <a:p>
-            <a:pPr marL="0" indent="0">
-              <a:buNone/>
-            </a:pPr>
-            <a:endParaRPr lang="en-US" dirty="0"/>
-          </a:p>
         </p:txBody>
       </p:sp>
       <p:sp>
@@ -17984,7 +18477,7 @@
           <a:p>
             <a:r>
               <a:rPr lang="en-US" dirty="0"/>
-              <a:t>React </a:t>
+              <a:t>Learning React </a:t>
             </a:r>
             <a:r>
               <a:rPr lang="en-US" dirty="0" err="1"/>
@@ -18011,7 +18504,7 @@
           <a:p>
             <a:fld id="{B777A91B-BF1B-4ECE-B89B-72F2144CF226}" type="slidenum">
               <a:rPr lang="en-US" smtClean="0"/>
-              <a:t>16</a:t>
+              <a:t>19</a:t>
             </a:fld>
             <a:endParaRPr lang="en-US"/>
           </a:p>
@@ -18047,6 +18540,66 @@
           </a:prstGeom>
         </p:spPr>
       </p:pic>
+      <p:pic>
+        <p:nvPicPr>
+          <p:cNvPr id="7" name="Picture 6"/>
+          <p:cNvPicPr>
+            <a:picLocks noChangeAspect="1"/>
+          </p:cNvPicPr>
+          <p:nvPr/>
+        </p:nvPicPr>
+        <p:blipFill>
+          <a:blip r:embed="rId3">
+            <a:extLst>
+              <a:ext uri="{28A0092B-C50C-407E-A947-70E740481C1C}">
+                <a14:useLocalDpi xmlns:a14="http://schemas.microsoft.com/office/drawing/2010/main" val="0"/>
+              </a:ext>
+            </a:extLst>
+          </a:blip>
+          <a:stretch>
+            <a:fillRect/>
+          </a:stretch>
+        </p:blipFill>
+        <p:spPr>
+          <a:xfrm>
+            <a:off x="838198" y="1650969"/>
+            <a:ext cx="9572207" cy="670200"/>
+          </a:xfrm>
+          <a:prstGeom prst="rect">
+            <a:avLst/>
+          </a:prstGeom>
+        </p:spPr>
+      </p:pic>
+      <p:pic>
+        <p:nvPicPr>
+          <p:cNvPr id="8" name="Picture 7"/>
+          <p:cNvPicPr>
+            <a:picLocks noChangeAspect="1"/>
+          </p:cNvPicPr>
+          <p:nvPr/>
+        </p:nvPicPr>
+        <p:blipFill>
+          <a:blip r:embed="rId4">
+            <a:extLst>
+              <a:ext uri="{28A0092B-C50C-407E-A947-70E740481C1C}">
+                <a14:useLocalDpi xmlns:a14="http://schemas.microsoft.com/office/drawing/2010/main" val="0"/>
+              </a:ext>
+            </a:extLst>
+          </a:blip>
+          <a:stretch>
+            <a:fillRect/>
+          </a:stretch>
+        </p:blipFill>
+        <p:spPr>
+          <a:xfrm>
+            <a:off x="1384587" y="4157076"/>
+            <a:ext cx="8895908" cy="1315255"/>
+          </a:xfrm>
+          <a:prstGeom prst="rect">
+            <a:avLst/>
+          </a:prstGeom>
+        </p:spPr>
+      </p:pic>
     </p:spTree>
     <p:extLst>
       <p:ext uri="{BB962C8B-B14F-4D97-AF65-F5344CB8AC3E}">
@@ -18067,7 +18620,292 @@
 </p:sld>
 </file>
 
-<file path=ppt/slides/slide17.xml><?xml version="1.0" encoding="utf-8"?>
+<file path=ppt/slides/slide2.xml><?xml version="1.0" encoding="utf-8"?>
+<p:sld xmlns:a="http://schemas.openxmlformats.org/drawingml/2006/main" xmlns:r="http://schemas.openxmlformats.org/officeDocument/2006/relationships" xmlns:p="http://schemas.openxmlformats.org/presentationml/2006/main">
+  <p:cSld>
+    <p:bg>
+      <p:bgPr>
+        <a:solidFill>
+          <a:schemeClr val="bg1"/>
+        </a:solidFill>
+        <a:effectLst/>
+      </p:bgPr>
+    </p:bg>
+    <p:spTree>
+      <p:nvGrpSpPr>
+        <p:cNvPr id="1" name=""/>
+        <p:cNvGrpSpPr/>
+        <p:nvPr/>
+      </p:nvGrpSpPr>
+      <p:grpSpPr>
+        <a:xfrm>
+          <a:off x="0" y="0"/>
+          <a:ext cx="0" cy="0"/>
+          <a:chOff x="0" y="0"/>
+          <a:chExt cx="0" cy="0"/>
+        </a:xfrm>
+      </p:grpSpPr>
+      <p:sp>
+        <p:nvSpPr>
+          <p:cNvPr id="2" name="Title 1"/>
+          <p:cNvSpPr>
+            <a:spLocks noGrp="1"/>
+          </p:cNvSpPr>
+          <p:nvPr>
+            <p:ph type="ctrTitle"/>
+          </p:nvPr>
+        </p:nvSpPr>
+        <p:spPr>
+          <a:xfrm>
+            <a:off x="1524000" y="1122363"/>
+            <a:ext cx="9144000" cy="1661178"/>
+          </a:xfrm>
+        </p:spPr>
+        <p:txBody>
+          <a:bodyPr/>
+          <a:lstStyle/>
+          <a:p>
+            <a:pPr algn="l"/>
+            <a:r>
+              <a:rPr lang="en-US" dirty="0" smtClean="0"/>
+              <a:t>Agenda</a:t>
+            </a:r>
+            <a:endParaRPr lang="en-US" dirty="0"/>
+          </a:p>
+        </p:txBody>
+      </p:sp>
+      <p:sp>
+        <p:nvSpPr>
+          <p:cNvPr id="3" name="Subtitle 2"/>
+          <p:cNvSpPr>
+            <a:spLocks noGrp="1"/>
+          </p:cNvSpPr>
+          <p:nvPr>
+            <p:ph type="subTitle" idx="1"/>
+          </p:nvPr>
+        </p:nvSpPr>
+        <p:spPr/>
+        <p:txBody>
+          <a:bodyPr>
+            <a:normAutofit fontScale="92500" lnSpcReduction="10000"/>
+          </a:bodyPr>
+          <a:lstStyle/>
+          <a:p>
+            <a:pPr marL="457200" indent="-457200" algn="l">
+              <a:buFont typeface="Arial" panose="020B0604020202020204" pitchFamily="34" charset="0"/>
+              <a:buChar char="•"/>
+            </a:pPr>
+            <a:r>
+              <a:rPr lang="en-US" dirty="0" smtClean="0"/>
+              <a:t>Understanding Flux Architecture</a:t>
+            </a:r>
+          </a:p>
+          <a:p>
+            <a:pPr marL="457200" indent="-457200" algn="l">
+              <a:buFont typeface="Arial" panose="020B0604020202020204" pitchFamily="34" charset="0"/>
+              <a:buChar char="•"/>
+            </a:pPr>
+            <a:r>
+              <a:rPr lang="en-US" dirty="0" smtClean="0"/>
+              <a:t>Application Development using Alt.js</a:t>
+            </a:r>
+          </a:p>
+          <a:p>
+            <a:pPr marL="457200" indent="-457200" algn="l">
+              <a:buFont typeface="Arial" panose="020B0604020202020204" pitchFamily="34" charset="0"/>
+              <a:buChar char="•"/>
+            </a:pPr>
+            <a:r>
+              <a:rPr lang="en-US" dirty="0" smtClean="0"/>
+              <a:t>Front End Rendering with React.js</a:t>
+            </a:r>
+          </a:p>
+          <a:p>
+            <a:pPr marL="457200" indent="-457200" algn="l">
+              <a:buFont typeface="Arial" panose="020B0604020202020204" pitchFamily="34" charset="0"/>
+              <a:buChar char="•"/>
+            </a:pPr>
+            <a:r>
+              <a:rPr lang="en-US" dirty="0" smtClean="0"/>
+              <a:t>Test with Jest.js Framework</a:t>
+            </a:r>
+          </a:p>
+          <a:p>
+            <a:endParaRPr lang="en-US" dirty="0"/>
+          </a:p>
+        </p:txBody>
+      </p:sp>
+      <p:pic>
+        <p:nvPicPr>
+          <p:cNvPr id="4" name="Picture 3"/>
+          <p:cNvPicPr>
+            <a:picLocks noChangeAspect="1"/>
+          </p:cNvPicPr>
+          <p:nvPr/>
+        </p:nvPicPr>
+        <p:blipFill>
+          <a:blip r:embed="rId3">
+            <a:extLst>
+              <a:ext uri="{28A0092B-C50C-407E-A947-70E740481C1C}">
+                <a14:useLocalDpi xmlns:a14="http://schemas.microsoft.com/office/drawing/2010/main" val="0"/>
+              </a:ext>
+            </a:extLst>
+          </a:blip>
+          <a:stretch>
+            <a:fillRect/>
+          </a:stretch>
+        </p:blipFill>
+        <p:spPr>
+          <a:xfrm>
+            <a:off x="9087905" y="1741386"/>
+            <a:ext cx="920923" cy="920923"/>
+          </a:xfrm>
+          <a:prstGeom prst="rect">
+            <a:avLst/>
+          </a:prstGeom>
+        </p:spPr>
+      </p:pic>
+      <p:pic>
+        <p:nvPicPr>
+          <p:cNvPr id="5" name="Picture 4"/>
+          <p:cNvPicPr>
+            <a:picLocks noChangeAspect="1"/>
+          </p:cNvPicPr>
+          <p:nvPr/>
+        </p:nvPicPr>
+        <p:blipFill>
+          <a:blip r:embed="rId4">
+            <a:extLst>
+              <a:ext uri="{28A0092B-C50C-407E-A947-70E740481C1C}">
+                <a14:useLocalDpi xmlns:a14="http://schemas.microsoft.com/office/drawing/2010/main" val="0"/>
+              </a:ext>
+            </a:extLst>
+          </a:blip>
+          <a:stretch>
+            <a:fillRect/>
+          </a:stretch>
+        </p:blipFill>
+        <p:spPr>
+          <a:xfrm>
+            <a:off x="9168752" y="4779586"/>
+            <a:ext cx="739597" cy="798765"/>
+          </a:xfrm>
+          <a:prstGeom prst="rect">
+            <a:avLst/>
+          </a:prstGeom>
+        </p:spPr>
+      </p:pic>
+      <p:pic>
+        <p:nvPicPr>
+          <p:cNvPr id="6" name="Picture 5"/>
+          <p:cNvPicPr>
+            <a:picLocks noChangeAspect="1"/>
+          </p:cNvPicPr>
+          <p:nvPr/>
+        </p:nvPicPr>
+        <p:blipFill>
+          <a:blip r:embed="rId5" cstate="print">
+            <a:extLst>
+              <a:ext uri="{28A0092B-C50C-407E-A947-70E740481C1C}">
+                <a14:useLocalDpi xmlns:a14="http://schemas.microsoft.com/office/drawing/2010/main" val="0"/>
+              </a:ext>
+            </a:extLst>
+          </a:blip>
+          <a:stretch>
+            <a:fillRect/>
+          </a:stretch>
+        </p:blipFill>
+        <p:spPr>
+          <a:xfrm>
+            <a:off x="9229833" y="3711544"/>
+            <a:ext cx="678517" cy="678517"/>
+          </a:xfrm>
+          <a:prstGeom prst="rect">
+            <a:avLst/>
+          </a:prstGeom>
+        </p:spPr>
+      </p:pic>
+      <p:pic>
+        <p:nvPicPr>
+          <p:cNvPr id="7" name="Picture 6"/>
+          <p:cNvPicPr>
+            <a:picLocks noChangeAspect="1"/>
+          </p:cNvPicPr>
+          <p:nvPr/>
+        </p:nvPicPr>
+        <p:blipFill>
+          <a:blip r:embed="rId6" cstate="print">
+            <a:extLst>
+              <a:ext uri="{28A0092B-C50C-407E-A947-70E740481C1C}">
+                <a14:useLocalDpi xmlns:a14="http://schemas.microsoft.com/office/drawing/2010/main" val="0"/>
+              </a:ext>
+            </a:extLst>
+          </a:blip>
+          <a:stretch>
+            <a:fillRect/>
+          </a:stretch>
+        </p:blipFill>
+        <p:spPr>
+          <a:xfrm>
+            <a:off x="9194651" y="2805440"/>
+            <a:ext cx="707433" cy="476047"/>
+          </a:xfrm>
+          <a:prstGeom prst="rect">
+            <a:avLst/>
+          </a:prstGeom>
+        </p:spPr>
+      </p:pic>
+      <p:pic>
+        <p:nvPicPr>
+          <p:cNvPr id="10" name="Picture 9"/>
+          <p:cNvPicPr>
+            <a:picLocks noChangeAspect="1"/>
+          </p:cNvPicPr>
+          <p:nvPr/>
+        </p:nvPicPr>
+        <p:blipFill>
+          <a:blip r:embed="rId7">
+            <a:extLst>
+              <a:ext uri="{28A0092B-C50C-407E-A947-70E740481C1C}">
+                <a14:useLocalDpi xmlns:a14="http://schemas.microsoft.com/office/drawing/2010/main" val="0"/>
+              </a:ext>
+            </a:extLst>
+          </a:blip>
+          <a:stretch>
+            <a:fillRect/>
+          </a:stretch>
+        </p:blipFill>
+        <p:spPr>
+          <a:xfrm>
+            <a:off x="157162" y="84137"/>
+            <a:ext cx="1362075" cy="561975"/>
+          </a:xfrm>
+          <a:prstGeom prst="rect">
+            <a:avLst/>
+          </a:prstGeom>
+        </p:spPr>
+      </p:pic>
+    </p:spTree>
+    <p:extLst>
+      <p:ext uri="{BB962C8B-B14F-4D97-AF65-F5344CB8AC3E}">
+        <p14:creationId xmlns:p14="http://schemas.microsoft.com/office/powerpoint/2010/main" val="2369147910"/>
+      </p:ext>
+    </p:extLst>
+  </p:cSld>
+  <p:clrMapOvr>
+    <a:masterClrMapping/>
+  </p:clrMapOvr>
+  <p:timing>
+    <p:tnLst>
+      <p:par>
+        <p:cTn id="1" dur="indefinite" restart="never" nodeType="tmRoot"/>
+      </p:par>
+    </p:tnLst>
+  </p:timing>
+</p:sld>
+</file>
+
+<file path=ppt/slides/slide20.xml><?xml version="1.0" encoding="utf-8"?>
 <p:sld xmlns:a="http://schemas.openxmlformats.org/drawingml/2006/main" xmlns:r="http://schemas.openxmlformats.org/officeDocument/2006/relationships" xmlns:p="http://schemas.openxmlformats.org/presentationml/2006/main">
   <p:cSld>
     <p:spTree>
@@ -18161,85 +18999,37 @@
             <a:pPr marL="0" indent="0">
               <a:buNone/>
             </a:pPr>
-            <a:r>
-              <a:rPr lang="en-US" dirty="0" smtClean="0"/>
-              <a:t>function() {</a:t>
-            </a:r>
-          </a:p>
-          <a:p>
-            <a:pPr marL="0" indent="0">
-              <a:buNone/>
-            </a:pPr>
-            <a:r>
-              <a:rPr lang="en-US" dirty="0" smtClean="0"/>
-              <a:t>    return (</a:t>
-            </a:r>
-          </a:p>
-          <a:p>
-            <a:pPr marL="0" indent="0">
-              <a:buNone/>
-            </a:pPr>
-            <a:r>
-              <a:rPr lang="en-US" dirty="0" smtClean="0"/>
-              <a:t>      &lt;div&gt;Put markup inside the &lt;span&gt;</a:t>
-            </a:r>
-            <a:r>
-              <a:rPr lang="en-US" dirty="0" err="1" smtClean="0"/>
-              <a:t>Javascript</a:t>
-            </a:r>
-            <a:r>
-              <a:rPr lang="en-US" dirty="0" smtClean="0"/>
-              <a:t>&lt;/span&gt;&lt;/div&gt;</a:t>
-            </a:r>
-          </a:p>
-          <a:p>
-            <a:pPr marL="0" indent="0">
-              <a:buNone/>
-            </a:pPr>
-            <a:r>
-              <a:rPr lang="en-US" dirty="0" smtClean="0"/>
-              <a:t>    );</a:t>
-            </a:r>
-          </a:p>
-          <a:p>
-            <a:pPr marL="0" indent="0">
-              <a:buNone/>
-            </a:pPr>
-            <a:r>
-              <a:rPr lang="en-US" dirty="0" smtClean="0"/>
-              <a:t>  }</a:t>
-            </a:r>
+            <a:endParaRPr lang="en-US" dirty="0" smtClean="0"/>
+          </a:p>
+        </p:txBody>
+      </p:sp>
+      <p:sp>
+        <p:nvSpPr>
+          <p:cNvPr id="4" name="Footer Placeholder 3"/>
+          <p:cNvSpPr>
+            <a:spLocks noGrp="1"/>
+          </p:cNvSpPr>
+          <p:nvPr>
+            <p:ph type="ftr" sz="quarter" idx="11"/>
+          </p:nvPr>
+        </p:nvSpPr>
+        <p:spPr/>
+        <p:txBody>
+          <a:bodyPr/>
+          <a:lstStyle/>
+          <a:p>
+            <a:r>
+              <a:rPr lang="en-US" smtClean="0"/>
+              <a:t>Web Training Session</a:t>
+            </a:r>
+          </a:p>
+          <a:p>
             <a:endParaRPr lang="en-US" dirty="0"/>
           </a:p>
         </p:txBody>
       </p:sp>
       <p:sp>
         <p:nvSpPr>
-          <p:cNvPr id="4" name="Footer Placeholder 3"/>
-          <p:cNvSpPr>
-            <a:spLocks noGrp="1"/>
-          </p:cNvSpPr>
-          <p:nvPr>
-            <p:ph type="ftr" sz="quarter" idx="11"/>
-          </p:nvPr>
-        </p:nvSpPr>
-        <p:spPr/>
-        <p:txBody>
-          <a:bodyPr/>
-          <a:lstStyle/>
-          <a:p>
-            <a:r>
-              <a:rPr lang="en-US" dirty="0"/>
-              <a:t>Web Training Session</a:t>
-            </a:r>
-          </a:p>
-          <a:p>
-            <a:endParaRPr lang="en-US" dirty="0"/>
-          </a:p>
-        </p:txBody>
-      </p:sp>
-      <p:sp>
-        <p:nvSpPr>
           <p:cNvPr id="5" name="Slide Number Placeholder 4"/>
           <p:cNvSpPr>
             <a:spLocks noGrp="1"/>
@@ -18255,7 +19045,7 @@
           <a:p>
             <a:fld id="{B777A91B-BF1B-4ECE-B89B-72F2144CF226}" type="slidenum">
               <a:rPr lang="en-US" smtClean="0"/>
-              <a:t>17</a:t>
+              <a:t>20</a:t>
             </a:fld>
             <a:endParaRPr lang="en-US"/>
           </a:p>
@@ -18291,6 +19081,36 @@
           </a:prstGeom>
         </p:spPr>
       </p:pic>
+      <p:pic>
+        <p:nvPicPr>
+          <p:cNvPr id="7" name="Picture 6"/>
+          <p:cNvPicPr>
+            <a:picLocks noChangeAspect="1"/>
+          </p:cNvPicPr>
+          <p:nvPr/>
+        </p:nvPicPr>
+        <p:blipFill>
+          <a:blip r:embed="rId3">
+            <a:extLst>
+              <a:ext uri="{28A0092B-C50C-407E-A947-70E740481C1C}">
+                <a14:useLocalDpi xmlns:a14="http://schemas.microsoft.com/office/drawing/2010/main" val="0"/>
+              </a:ext>
+            </a:extLst>
+          </a:blip>
+          <a:stretch>
+            <a:fillRect/>
+          </a:stretch>
+        </p:blipFill>
+        <p:spPr>
+          <a:xfrm>
+            <a:off x="1377406" y="3387511"/>
+            <a:ext cx="8980859" cy="2056686"/>
+          </a:xfrm>
+          <a:prstGeom prst="rect">
+            <a:avLst/>
+          </a:prstGeom>
+        </p:spPr>
+      </p:pic>
     </p:spTree>
     <p:extLst>
       <p:ext uri="{BB962C8B-B14F-4D97-AF65-F5344CB8AC3E}">
@@ -18311,7 +19131,7 @@
 </p:sld>
 </file>
 
-<file path=ppt/slides/slide18.xml><?xml version="1.0" encoding="utf-8"?>
+<file path=ppt/slides/slide21.xml><?xml version="1.0" encoding="utf-8"?>
 <p:sld xmlns:a="http://schemas.openxmlformats.org/drawingml/2006/main" xmlns:r="http://schemas.openxmlformats.org/officeDocument/2006/relationships" xmlns:p="http://schemas.openxmlformats.org/presentationml/2006/main">
   <p:cSld>
     <p:spTree>
@@ -18351,152 +19171,35 @@
           </a:p>
         </p:txBody>
       </p:sp>
-      <p:sp>
-        <p:nvSpPr>
-          <p:cNvPr id="3" name="Content Placeholder 2"/>
-          <p:cNvSpPr>
-            <a:spLocks noGrp="1"/>
-          </p:cNvSpPr>
+      <p:pic>
+        <p:nvPicPr>
+          <p:cNvPr id="7" name="Content Placeholder 6"/>
+          <p:cNvPicPr>
+            <a:picLocks noGrp="1" noChangeAspect="1"/>
+          </p:cNvPicPr>
           <p:nvPr>
             <p:ph idx="1"/>
           </p:nvPr>
-        </p:nvSpPr>
-        <p:spPr/>
-        <p:txBody>
-          <a:bodyPr/>
-          <a:lstStyle/>
-          <a:p>
-            <a:pPr marL="0" indent="0">
-              <a:buNone/>
-            </a:pPr>
-            <a:r>
-              <a:rPr lang="en-US" dirty="0" err="1" smtClean="0"/>
-              <a:t>var</a:t>
-            </a:r>
-            <a:r>
-              <a:rPr lang="en-US" dirty="0" smtClean="0"/>
-              <a:t> </a:t>
-            </a:r>
-            <a:r>
-              <a:rPr lang="en-US" dirty="0" err="1" smtClean="0"/>
-              <a:t>HelloMessage</a:t>
-            </a:r>
-            <a:r>
-              <a:rPr lang="en-US" dirty="0" smtClean="0"/>
-              <a:t> = </a:t>
-            </a:r>
-            <a:r>
-              <a:rPr lang="en-US" dirty="0" err="1" smtClean="0"/>
-              <a:t>React.createClass</a:t>
-            </a:r>
-            <a:r>
-              <a:rPr lang="en-US" dirty="0" smtClean="0"/>
-              <a:t>({</a:t>
-            </a:r>
-          </a:p>
-          <a:p>
-            <a:pPr marL="0" indent="0">
-              <a:buNone/>
-            </a:pPr>
-            <a:r>
-              <a:rPr lang="en-US" dirty="0" smtClean="0"/>
-              <a:t>  render: function() {</a:t>
-            </a:r>
-          </a:p>
-          <a:p>
-            <a:pPr marL="0" indent="0">
-              <a:buNone/>
-            </a:pPr>
-            <a:r>
-              <a:rPr lang="en-US" dirty="0" smtClean="0"/>
-              <a:t>    return &lt;div&gt;Hello {this.props.name}&lt;/div&gt;;</a:t>
-            </a:r>
-          </a:p>
-          <a:p>
-            <a:pPr marL="0" indent="0">
-              <a:buNone/>
-            </a:pPr>
-            <a:r>
-              <a:rPr lang="en-US" dirty="0" smtClean="0"/>
-              <a:t>  }</a:t>
-            </a:r>
-          </a:p>
-          <a:p>
-            <a:pPr marL="0" indent="0">
-              <a:buNone/>
-            </a:pPr>
-            <a:r>
-              <a:rPr lang="en-US" dirty="0" smtClean="0"/>
-              <a:t>});</a:t>
-            </a:r>
-          </a:p>
-          <a:p>
-            <a:pPr marL="0" indent="0">
-              <a:buNone/>
-            </a:pPr>
-            <a:endParaRPr lang="en-US" dirty="0" smtClean="0"/>
-          </a:p>
-          <a:p>
-            <a:pPr marL="0" indent="0">
-              <a:buNone/>
-            </a:pPr>
-            <a:r>
-              <a:rPr lang="en-US" dirty="0" err="1" smtClean="0"/>
-              <a:t>mountNode</a:t>
-            </a:r>
-            <a:r>
-              <a:rPr lang="en-US" dirty="0" smtClean="0"/>
-              <a:t> = </a:t>
-            </a:r>
-            <a:r>
-              <a:rPr lang="en-US" dirty="0" err="1" smtClean="0"/>
-              <a:t>document.getElementById</a:t>
-            </a:r>
-            <a:r>
-              <a:rPr lang="en-US" dirty="0" smtClean="0"/>
-              <a:t>(‘</a:t>
-            </a:r>
-            <a:r>
-              <a:rPr lang="en-US" dirty="0" err="1" smtClean="0"/>
-              <a:t>mainDiv</a:t>
-            </a:r>
-            <a:r>
-              <a:rPr lang="en-US" dirty="0" smtClean="0"/>
-              <a:t>’);</a:t>
-            </a:r>
-          </a:p>
-          <a:p>
-            <a:pPr marL="0" indent="0">
-              <a:buNone/>
-            </a:pPr>
-            <a:r>
-              <a:rPr lang="en-US" dirty="0" err="1" smtClean="0"/>
-              <a:t>ReactDOM.render</a:t>
-            </a:r>
-            <a:r>
-              <a:rPr lang="en-US" dirty="0" smtClean="0"/>
-              <a:t>(&lt;</a:t>
-            </a:r>
-            <a:r>
-              <a:rPr lang="en-US" dirty="0" err="1" smtClean="0"/>
-              <a:t>HelloMessage</a:t>
-            </a:r>
-            <a:r>
-              <a:rPr lang="en-US" dirty="0" smtClean="0"/>
-              <a:t> name="John" /&gt;, </a:t>
-            </a:r>
-            <a:r>
-              <a:rPr lang="en-US" dirty="0" err="1" smtClean="0"/>
-              <a:t>mountNode</a:t>
-            </a:r>
-            <a:r>
-              <a:rPr lang="en-US" dirty="0" smtClean="0"/>
-              <a:t>);</a:t>
-            </a:r>
-            <a:endParaRPr lang="en-US" dirty="0"/>
-          </a:p>
-        </p:txBody>
-      </p:sp>
+        </p:nvPicPr>
+        <p:blipFill>
+          <a:blip r:embed="rId2">
+            <a:extLst>
+              <a:ext uri="{28A0092B-C50C-407E-A947-70E740481C1C}">
+                <a14:useLocalDpi xmlns:a14="http://schemas.microsoft.com/office/drawing/2010/main" val="0"/>
+              </a:ext>
+            </a:extLst>
+          </a:blip>
+          <a:stretch>
+            <a:fillRect/>
+          </a:stretch>
+        </p:blipFill>
+        <p:spPr>
+          <a:xfrm>
+            <a:off x="1159271" y="1690688"/>
+            <a:ext cx="9369914" cy="3387749"/>
+          </a:xfrm>
+        </p:spPr>
+      </p:pic>
       <p:sp>
         <p:nvSpPr>
           <p:cNvPr id="4" name="Footer Placeholder 3"/>
@@ -18514,7 +19217,7 @@
           <a:p>
             <a:r>
               <a:rPr lang="en-US" dirty="0"/>
-              <a:t>React </a:t>
+              <a:t>Learning React </a:t>
             </a:r>
             <a:r>
               <a:rPr lang="en-US" dirty="0" err="1"/>
@@ -18541,7 +19244,7 @@
           <a:p>
             <a:fld id="{B777A91B-BF1B-4ECE-B89B-72F2144CF226}" type="slidenum">
               <a:rPr lang="en-US" smtClean="0"/>
-              <a:t>18</a:t>
+              <a:t>21</a:t>
             </a:fld>
             <a:endParaRPr lang="en-US"/>
           </a:p>
@@ -18556,7 +19259,7 @@
           <p:nvPr/>
         </p:nvPicPr>
         <p:blipFill>
-          <a:blip r:embed="rId2">
+          <a:blip r:embed="rId3">
             <a:extLst>
               <a:ext uri="{28A0092B-C50C-407E-A947-70E740481C1C}">
                 <a14:useLocalDpi xmlns:a14="http://schemas.microsoft.com/office/drawing/2010/main" val="0"/>
@@ -18597,7 +19300,7 @@
 </p:sld>
 </file>
 
-<file path=ppt/slides/slide19.xml><?xml version="1.0" encoding="utf-8"?>
+<file path=ppt/slides/slide22.xml><?xml version="1.0" encoding="utf-8"?>
 <p:sld xmlns:a="http://schemas.openxmlformats.org/drawingml/2006/main" xmlns:r="http://schemas.openxmlformats.org/officeDocument/2006/relationships" xmlns:p="http://schemas.openxmlformats.org/presentationml/2006/main">
   <p:cSld>
     <p:spTree>
@@ -18729,7 +19432,7 @@
           <a:p>
             <a:r>
               <a:rPr lang="en-US" dirty="0"/>
-              <a:t>React </a:t>
+              <a:t>Learning React </a:t>
             </a:r>
             <a:r>
               <a:rPr lang="en-US" dirty="0" err="1"/>
@@ -18756,7 +19459,7 @@
           <a:p>
             <a:fld id="{B777A91B-BF1B-4ECE-B89B-72F2144CF226}" type="slidenum">
               <a:rPr lang="en-US" smtClean="0"/>
-              <a:t>19</a:t>
+              <a:t>22</a:t>
             </a:fld>
             <a:endParaRPr lang="en-US"/>
           </a:p>
@@ -18985,292 +19688,7 @@
 </p:sld>
 </file>
 
-<file path=ppt/slides/slide2.xml><?xml version="1.0" encoding="utf-8"?>
-<p:sld xmlns:a="http://schemas.openxmlformats.org/drawingml/2006/main" xmlns:r="http://schemas.openxmlformats.org/officeDocument/2006/relationships" xmlns:p="http://schemas.openxmlformats.org/presentationml/2006/main">
-  <p:cSld>
-    <p:bg>
-      <p:bgPr>
-        <a:solidFill>
-          <a:schemeClr val="bg1"/>
-        </a:solidFill>
-        <a:effectLst/>
-      </p:bgPr>
-    </p:bg>
-    <p:spTree>
-      <p:nvGrpSpPr>
-        <p:cNvPr id="1" name=""/>
-        <p:cNvGrpSpPr/>
-        <p:nvPr/>
-      </p:nvGrpSpPr>
-      <p:grpSpPr>
-        <a:xfrm>
-          <a:off x="0" y="0"/>
-          <a:ext cx="0" cy="0"/>
-          <a:chOff x="0" y="0"/>
-          <a:chExt cx="0" cy="0"/>
-        </a:xfrm>
-      </p:grpSpPr>
-      <p:sp>
-        <p:nvSpPr>
-          <p:cNvPr id="2" name="Title 1"/>
-          <p:cNvSpPr>
-            <a:spLocks noGrp="1"/>
-          </p:cNvSpPr>
-          <p:nvPr>
-            <p:ph type="ctrTitle"/>
-          </p:nvPr>
-        </p:nvSpPr>
-        <p:spPr>
-          <a:xfrm>
-            <a:off x="1524000" y="1122363"/>
-            <a:ext cx="9144000" cy="1661178"/>
-          </a:xfrm>
-        </p:spPr>
-        <p:txBody>
-          <a:bodyPr/>
-          <a:lstStyle/>
-          <a:p>
-            <a:pPr algn="l"/>
-            <a:r>
-              <a:rPr lang="en-US" dirty="0" smtClean="0"/>
-              <a:t>Agenda</a:t>
-            </a:r>
-            <a:endParaRPr lang="en-US" dirty="0"/>
-          </a:p>
-        </p:txBody>
-      </p:sp>
-      <p:sp>
-        <p:nvSpPr>
-          <p:cNvPr id="3" name="Subtitle 2"/>
-          <p:cNvSpPr>
-            <a:spLocks noGrp="1"/>
-          </p:cNvSpPr>
-          <p:nvPr>
-            <p:ph type="subTitle" idx="1"/>
-          </p:nvPr>
-        </p:nvSpPr>
-        <p:spPr/>
-        <p:txBody>
-          <a:bodyPr>
-            <a:normAutofit fontScale="92500" lnSpcReduction="10000"/>
-          </a:bodyPr>
-          <a:lstStyle/>
-          <a:p>
-            <a:pPr marL="457200" indent="-457200" algn="l">
-              <a:buFont typeface="Arial" panose="020B0604020202020204" pitchFamily="34" charset="0"/>
-              <a:buChar char="•"/>
-            </a:pPr>
-            <a:r>
-              <a:rPr lang="en-US" dirty="0" smtClean="0"/>
-              <a:t>Understanding Flux Architecture</a:t>
-            </a:r>
-          </a:p>
-          <a:p>
-            <a:pPr marL="457200" indent="-457200" algn="l">
-              <a:buFont typeface="Arial" panose="020B0604020202020204" pitchFamily="34" charset="0"/>
-              <a:buChar char="•"/>
-            </a:pPr>
-            <a:r>
-              <a:rPr lang="en-US" dirty="0" smtClean="0"/>
-              <a:t>Application Development using Alt.js</a:t>
-            </a:r>
-          </a:p>
-          <a:p>
-            <a:pPr marL="457200" indent="-457200" algn="l">
-              <a:buFont typeface="Arial" panose="020B0604020202020204" pitchFamily="34" charset="0"/>
-              <a:buChar char="•"/>
-            </a:pPr>
-            <a:r>
-              <a:rPr lang="en-US" dirty="0" smtClean="0"/>
-              <a:t>Front End Rendering with React.js</a:t>
-            </a:r>
-          </a:p>
-          <a:p>
-            <a:pPr marL="457200" indent="-457200" algn="l">
-              <a:buFont typeface="Arial" panose="020B0604020202020204" pitchFamily="34" charset="0"/>
-              <a:buChar char="•"/>
-            </a:pPr>
-            <a:r>
-              <a:rPr lang="en-US" dirty="0" smtClean="0"/>
-              <a:t>Test with Jest.js Framework</a:t>
-            </a:r>
-          </a:p>
-          <a:p>
-            <a:endParaRPr lang="en-US" dirty="0"/>
-          </a:p>
-        </p:txBody>
-      </p:sp>
-      <p:pic>
-        <p:nvPicPr>
-          <p:cNvPr id="4" name="Picture 3"/>
-          <p:cNvPicPr>
-            <a:picLocks noChangeAspect="1"/>
-          </p:cNvPicPr>
-          <p:nvPr/>
-        </p:nvPicPr>
-        <p:blipFill>
-          <a:blip r:embed="rId3">
-            <a:extLst>
-              <a:ext uri="{28A0092B-C50C-407E-A947-70E740481C1C}">
-                <a14:useLocalDpi xmlns:a14="http://schemas.microsoft.com/office/drawing/2010/main" val="0"/>
-              </a:ext>
-            </a:extLst>
-          </a:blip>
-          <a:stretch>
-            <a:fillRect/>
-          </a:stretch>
-        </p:blipFill>
-        <p:spPr>
-          <a:xfrm>
-            <a:off x="9087905" y="1741386"/>
-            <a:ext cx="920923" cy="920923"/>
-          </a:xfrm>
-          <a:prstGeom prst="rect">
-            <a:avLst/>
-          </a:prstGeom>
-        </p:spPr>
-      </p:pic>
-      <p:pic>
-        <p:nvPicPr>
-          <p:cNvPr id="5" name="Picture 4"/>
-          <p:cNvPicPr>
-            <a:picLocks noChangeAspect="1"/>
-          </p:cNvPicPr>
-          <p:nvPr/>
-        </p:nvPicPr>
-        <p:blipFill>
-          <a:blip r:embed="rId4">
-            <a:extLst>
-              <a:ext uri="{28A0092B-C50C-407E-A947-70E740481C1C}">
-                <a14:useLocalDpi xmlns:a14="http://schemas.microsoft.com/office/drawing/2010/main" val="0"/>
-              </a:ext>
-            </a:extLst>
-          </a:blip>
-          <a:stretch>
-            <a:fillRect/>
-          </a:stretch>
-        </p:blipFill>
-        <p:spPr>
-          <a:xfrm>
-            <a:off x="9168752" y="4779586"/>
-            <a:ext cx="739597" cy="798765"/>
-          </a:xfrm>
-          <a:prstGeom prst="rect">
-            <a:avLst/>
-          </a:prstGeom>
-        </p:spPr>
-      </p:pic>
-      <p:pic>
-        <p:nvPicPr>
-          <p:cNvPr id="6" name="Picture 5"/>
-          <p:cNvPicPr>
-            <a:picLocks noChangeAspect="1"/>
-          </p:cNvPicPr>
-          <p:nvPr/>
-        </p:nvPicPr>
-        <p:blipFill>
-          <a:blip r:embed="rId5" cstate="print">
-            <a:extLst>
-              <a:ext uri="{28A0092B-C50C-407E-A947-70E740481C1C}">
-                <a14:useLocalDpi xmlns:a14="http://schemas.microsoft.com/office/drawing/2010/main" val="0"/>
-              </a:ext>
-            </a:extLst>
-          </a:blip>
-          <a:stretch>
-            <a:fillRect/>
-          </a:stretch>
-        </p:blipFill>
-        <p:spPr>
-          <a:xfrm>
-            <a:off x="9229833" y="3711544"/>
-            <a:ext cx="678517" cy="678517"/>
-          </a:xfrm>
-          <a:prstGeom prst="rect">
-            <a:avLst/>
-          </a:prstGeom>
-        </p:spPr>
-      </p:pic>
-      <p:pic>
-        <p:nvPicPr>
-          <p:cNvPr id="7" name="Picture 6"/>
-          <p:cNvPicPr>
-            <a:picLocks noChangeAspect="1"/>
-          </p:cNvPicPr>
-          <p:nvPr/>
-        </p:nvPicPr>
-        <p:blipFill>
-          <a:blip r:embed="rId6" cstate="print">
-            <a:extLst>
-              <a:ext uri="{28A0092B-C50C-407E-A947-70E740481C1C}">
-                <a14:useLocalDpi xmlns:a14="http://schemas.microsoft.com/office/drawing/2010/main" val="0"/>
-              </a:ext>
-            </a:extLst>
-          </a:blip>
-          <a:stretch>
-            <a:fillRect/>
-          </a:stretch>
-        </p:blipFill>
-        <p:spPr>
-          <a:xfrm>
-            <a:off x="9194651" y="2805440"/>
-            <a:ext cx="707433" cy="476047"/>
-          </a:xfrm>
-          <a:prstGeom prst="rect">
-            <a:avLst/>
-          </a:prstGeom>
-        </p:spPr>
-      </p:pic>
-      <p:pic>
-        <p:nvPicPr>
-          <p:cNvPr id="10" name="Picture 9"/>
-          <p:cNvPicPr>
-            <a:picLocks noChangeAspect="1"/>
-          </p:cNvPicPr>
-          <p:nvPr/>
-        </p:nvPicPr>
-        <p:blipFill>
-          <a:blip r:embed="rId7">
-            <a:extLst>
-              <a:ext uri="{28A0092B-C50C-407E-A947-70E740481C1C}">
-                <a14:useLocalDpi xmlns:a14="http://schemas.microsoft.com/office/drawing/2010/main" val="0"/>
-              </a:ext>
-            </a:extLst>
-          </a:blip>
-          <a:stretch>
-            <a:fillRect/>
-          </a:stretch>
-        </p:blipFill>
-        <p:spPr>
-          <a:xfrm>
-            <a:off x="157162" y="84137"/>
-            <a:ext cx="1362075" cy="561975"/>
-          </a:xfrm>
-          <a:prstGeom prst="rect">
-            <a:avLst/>
-          </a:prstGeom>
-        </p:spPr>
-      </p:pic>
-    </p:spTree>
-    <p:extLst>
-      <p:ext uri="{BB962C8B-B14F-4D97-AF65-F5344CB8AC3E}">
-        <p14:creationId xmlns:p14="http://schemas.microsoft.com/office/powerpoint/2010/main" val="2369147910"/>
-      </p:ext>
-    </p:extLst>
-  </p:cSld>
-  <p:clrMapOvr>
-    <a:masterClrMapping/>
-  </p:clrMapOvr>
-  <p:timing>
-    <p:tnLst>
-      <p:par>
-        <p:cTn id="1" dur="indefinite" restart="never" nodeType="tmRoot"/>
-      </p:par>
-    </p:tnLst>
-  </p:timing>
-</p:sld>
-</file>
-
-<file path=ppt/slides/slide20.xml><?xml version="1.0" encoding="utf-8"?>
+<file path=ppt/slides/slide23.xml><?xml version="1.0" encoding="utf-8"?>
 <p:sld xmlns:a="http://schemas.openxmlformats.org/drawingml/2006/main" xmlns:r="http://schemas.openxmlformats.org/officeDocument/2006/relationships" xmlns:p="http://schemas.openxmlformats.org/presentationml/2006/main">
   <p:cSld>
     <p:spTree>
@@ -19314,240 +19732,35 @@
           </a:p>
         </p:txBody>
       </p:sp>
-      <p:sp>
-        <p:nvSpPr>
-          <p:cNvPr id="3" name="Content Placeholder 2"/>
-          <p:cNvSpPr>
-            <a:spLocks noGrp="1"/>
-          </p:cNvSpPr>
+      <p:pic>
+        <p:nvPicPr>
+          <p:cNvPr id="7" name="Content Placeholder 6"/>
+          <p:cNvPicPr>
+            <a:picLocks noGrp="1" noChangeAspect="1"/>
+          </p:cNvPicPr>
           <p:nvPr>
             <p:ph idx="1"/>
           </p:nvPr>
-        </p:nvSpPr>
-        <p:spPr/>
-        <p:txBody>
-          <a:bodyPr>
-            <a:normAutofit fontScale="92500" lnSpcReduction="10000"/>
-          </a:bodyPr>
-          <a:lstStyle/>
-          <a:p>
-            <a:pPr marL="0" indent="0">
-              <a:buNone/>
-            </a:pPr>
-            <a:r>
-              <a:rPr lang="en-US" sz="1800" dirty="0" err="1" smtClean="0"/>
-              <a:t>var</a:t>
-            </a:r>
-            <a:r>
-              <a:rPr lang="en-US" sz="1800" dirty="0" smtClean="0"/>
-              <a:t> Counter = </a:t>
-            </a:r>
-            <a:r>
-              <a:rPr lang="en-US" sz="1800" dirty="0" err="1" smtClean="0"/>
-              <a:t>React.createClass</a:t>
-            </a:r>
-            <a:r>
-              <a:rPr lang="en-US" sz="1800" dirty="0" smtClean="0"/>
-              <a:t>({</a:t>
-            </a:r>
-          </a:p>
-          <a:p>
-            <a:pPr marL="0" indent="0">
-              <a:buNone/>
-            </a:pPr>
-            <a:r>
-              <a:rPr lang="en-US" sz="1800" dirty="0" smtClean="0"/>
-              <a:t>  </a:t>
-            </a:r>
-            <a:r>
-              <a:rPr lang="en-US" sz="1800" dirty="0" err="1" smtClean="0"/>
-              <a:t>getInitialState</a:t>
-            </a:r>
-            <a:r>
-              <a:rPr lang="en-US" sz="1800" dirty="0" smtClean="0"/>
-              <a:t>: function() {</a:t>
-            </a:r>
-          </a:p>
-          <a:p>
-            <a:pPr marL="0" indent="0">
-              <a:buNone/>
-            </a:pPr>
-            <a:r>
-              <a:rPr lang="en-US" sz="1800" dirty="0" smtClean="0"/>
-              <a:t>    return {counter: 0};</a:t>
-            </a:r>
-          </a:p>
-          <a:p>
-            <a:pPr marL="0" indent="0">
-              <a:buNone/>
-            </a:pPr>
-            <a:r>
-              <a:rPr lang="en-US" sz="1800" dirty="0" smtClean="0"/>
-              <a:t>  },</a:t>
-            </a:r>
-          </a:p>
-          <a:p>
-            <a:pPr marL="0" indent="0">
-              <a:buNone/>
-            </a:pPr>
-            <a:r>
-              <a:rPr lang="en-US" sz="1800" dirty="0" smtClean="0"/>
-              <a:t>  </a:t>
-            </a:r>
-            <a:r>
-              <a:rPr lang="en-US" sz="1800" dirty="0" err="1" smtClean="0"/>
-              <a:t>onClick</a:t>
-            </a:r>
-            <a:r>
-              <a:rPr lang="en-US" sz="1800" dirty="0" smtClean="0"/>
-              <a:t>: function() {</a:t>
-            </a:r>
-          </a:p>
-          <a:p>
-            <a:pPr marL="0" indent="0">
-              <a:buNone/>
-            </a:pPr>
-            <a:r>
-              <a:rPr lang="en-US" sz="1800" dirty="0" smtClean="0"/>
-              <a:t>    </a:t>
-            </a:r>
-            <a:r>
-              <a:rPr lang="en-US" sz="1800" dirty="0" err="1" smtClean="0"/>
-              <a:t>this.setState</a:t>
-            </a:r>
-            <a:r>
-              <a:rPr lang="en-US" sz="1800" dirty="0" smtClean="0"/>
-              <a:t>({counter: </a:t>
-            </a:r>
-            <a:r>
-              <a:rPr lang="en-US" sz="1800" dirty="0" err="1" smtClean="0"/>
-              <a:t>this.state.counter</a:t>
-            </a:r>
-            <a:r>
-              <a:rPr lang="en-US" sz="1800" dirty="0" smtClean="0"/>
-              <a:t> + 1}); </a:t>
-            </a:r>
-            <a:r>
-              <a:rPr lang="en-US" sz="1800" dirty="0" smtClean="0">
-                <a:solidFill>
-                  <a:schemeClr val="accent1">
-                    <a:lumMod val="75000"/>
-                  </a:schemeClr>
-                </a:solidFill>
-              </a:rPr>
-              <a:t>//this method will re render the </a:t>
-            </a:r>
-            <a:r>
-              <a:rPr lang="en-US" sz="1800" dirty="0" err="1" smtClean="0">
-                <a:solidFill>
-                  <a:schemeClr val="accent1">
-                    <a:lumMod val="75000"/>
-                  </a:schemeClr>
-                </a:solidFill>
-              </a:rPr>
-              <a:t>the</a:t>
-            </a:r>
-            <a:r>
-              <a:rPr lang="en-US" sz="1800" dirty="0" smtClean="0">
-                <a:solidFill>
-                  <a:schemeClr val="accent1">
-                    <a:lumMod val="75000"/>
-                  </a:schemeClr>
-                </a:solidFill>
-              </a:rPr>
-              <a:t> DOM</a:t>
-            </a:r>
-          </a:p>
-          <a:p>
-            <a:pPr marL="0" indent="0">
-              <a:buNone/>
-            </a:pPr>
-            <a:r>
-              <a:rPr lang="en-US" sz="1800" dirty="0" smtClean="0"/>
-              <a:t>  },</a:t>
-            </a:r>
-          </a:p>
-          <a:p>
-            <a:pPr marL="0" indent="0">
-              <a:buNone/>
-            </a:pPr>
-            <a:r>
-              <a:rPr lang="en-US" sz="1800" dirty="0" smtClean="0"/>
-              <a:t>  render: function() {</a:t>
-            </a:r>
-          </a:p>
-          <a:p>
-            <a:pPr marL="0" indent="0">
-              <a:buNone/>
-            </a:pPr>
-            <a:r>
-              <a:rPr lang="en-US" sz="1800" dirty="0" smtClean="0"/>
-              <a:t>    return (</a:t>
-            </a:r>
-          </a:p>
-          <a:p>
-            <a:pPr marL="0" indent="0">
-              <a:buNone/>
-            </a:pPr>
-            <a:r>
-              <a:rPr lang="en-US" sz="1800" dirty="0" smtClean="0"/>
-              <a:t>      &lt;h3 </a:t>
-            </a:r>
-            <a:r>
-              <a:rPr lang="en-US" sz="1800" dirty="0" err="1" smtClean="0"/>
-              <a:t>onClick</a:t>
-            </a:r>
-            <a:r>
-              <a:rPr lang="en-US" sz="1800" dirty="0" smtClean="0"/>
-              <a:t>={</a:t>
-            </a:r>
-            <a:r>
-              <a:rPr lang="en-US" sz="1800" dirty="0" err="1" smtClean="0"/>
-              <a:t>this.onClick</a:t>
-            </a:r>
-            <a:r>
-              <a:rPr lang="en-US" sz="1800" dirty="0" smtClean="0"/>
-              <a:t>}&gt; Counter using state property: {</a:t>
-            </a:r>
-            <a:r>
-              <a:rPr lang="en-US" sz="1800" dirty="0" err="1" smtClean="0"/>
-              <a:t>this.state.counter</a:t>
-            </a:r>
-            <a:r>
-              <a:rPr lang="en-US" sz="1800" dirty="0" smtClean="0"/>
-              <a:t>}&lt;/h3&gt;</a:t>
-            </a:r>
-          </a:p>
-          <a:p>
-            <a:pPr marL="0" indent="0">
-              <a:buNone/>
-            </a:pPr>
-            <a:r>
-              <a:rPr lang="en-US" sz="1800" dirty="0" smtClean="0"/>
-              <a:t>    );</a:t>
-            </a:r>
-          </a:p>
-          <a:p>
-            <a:pPr marL="0" indent="0">
-              <a:buNone/>
-            </a:pPr>
-            <a:r>
-              <a:rPr lang="en-US" sz="1800" dirty="0" smtClean="0"/>
-              <a:t>  }</a:t>
-            </a:r>
-          </a:p>
-          <a:p>
-            <a:pPr marL="0" indent="0">
-              <a:buNone/>
-            </a:pPr>
-            <a:r>
-              <a:rPr lang="en-US" sz="1800" dirty="0" smtClean="0"/>
-              <a:t>});</a:t>
-            </a:r>
-            <a:endParaRPr lang="en-US" sz="1800" dirty="0"/>
-          </a:p>
-        </p:txBody>
-      </p:sp>
+        </p:nvPicPr>
+        <p:blipFill>
+          <a:blip r:embed="rId2">
+            <a:extLst>
+              <a:ext uri="{28A0092B-C50C-407E-A947-70E740481C1C}">
+                <a14:useLocalDpi xmlns:a14="http://schemas.microsoft.com/office/drawing/2010/main" val="0"/>
+              </a:ext>
+            </a:extLst>
+          </a:blip>
+          <a:stretch>
+            <a:fillRect/>
+          </a:stretch>
+        </p:blipFill>
+        <p:spPr>
+          <a:xfrm>
+            <a:off x="838198" y="1690688"/>
+            <a:ext cx="11051367" cy="3621086"/>
+          </a:xfrm>
+        </p:spPr>
+      </p:pic>
       <p:sp>
         <p:nvSpPr>
           <p:cNvPr id="4" name="Footer Placeholder 3"/>
@@ -19565,7 +19778,7 @@
           <a:p>
             <a:r>
               <a:rPr lang="en-US" dirty="0"/>
-              <a:t>React </a:t>
+              <a:t>Learning React </a:t>
             </a:r>
             <a:r>
               <a:rPr lang="en-US" dirty="0" err="1"/>
@@ -19592,7 +19805,7 @@
           <a:p>
             <a:fld id="{B777A91B-BF1B-4ECE-B89B-72F2144CF226}" type="slidenum">
               <a:rPr lang="en-US" smtClean="0"/>
-              <a:t>20</a:t>
+              <a:t>23</a:t>
             </a:fld>
             <a:endParaRPr lang="en-US"/>
           </a:p>
@@ -19607,7 +19820,7 @@
           <p:nvPr/>
         </p:nvPicPr>
         <p:blipFill>
-          <a:blip r:embed="rId2">
+          <a:blip r:embed="rId3">
             <a:extLst>
               <a:ext uri="{28A0092B-C50C-407E-A947-70E740481C1C}">
                 <a14:useLocalDpi xmlns:a14="http://schemas.microsoft.com/office/drawing/2010/main" val="0"/>
@@ -19648,7 +19861,7 @@
 </p:sld>
 </file>
 
-<file path=ppt/slides/slide21.xml><?xml version="1.0" encoding="utf-8"?>
+<file path=ppt/slides/slide24.xml><?xml version="1.0" encoding="utf-8"?>
 <p:sld xmlns:a="http://schemas.openxmlformats.org/drawingml/2006/main" xmlns:r="http://schemas.openxmlformats.org/officeDocument/2006/relationships" xmlns:p="http://schemas.openxmlformats.org/presentationml/2006/main">
   <p:cSld>
     <p:spTree>
@@ -19749,7 +19962,37 @@
             </a:r>
             <a:r>
               <a:rPr lang="en-US" dirty="0" smtClean="0"/>
-              <a:t>’ respectively.</a:t>
+              <a:t>’ respectively</a:t>
+            </a:r>
+            <a:r>
+              <a:rPr lang="en-US" dirty="0" smtClean="0"/>
+              <a:t>.</a:t>
+            </a:r>
+          </a:p>
+          <a:p>
+            <a:r>
+              <a:rPr lang="en-US" dirty="0" smtClean="0"/>
+              <a:t>Similarly defining any inline style should also use the </a:t>
+            </a:r>
+            <a:r>
+              <a:rPr lang="en-US" dirty="0" err="1" smtClean="0"/>
+              <a:t>camelCase</a:t>
+            </a:r>
+            <a:r>
+              <a:rPr lang="en-US" dirty="0" smtClean="0"/>
+              <a:t> </a:t>
+            </a:r>
+            <a:r>
+              <a:rPr lang="en-US" dirty="0"/>
+              <a:t>syntax like: style={{</a:t>
+            </a:r>
+            <a:r>
+              <a:rPr lang="en-US" dirty="0" err="1"/>
+              <a:t>marginLeft</a:t>
+            </a:r>
+            <a:r>
+              <a:rPr lang="en-US" dirty="0"/>
+              <a:t>: '5px'}}</a:t>
             </a:r>
             <a:endParaRPr lang="en-US" dirty="0"/>
           </a:p>
@@ -19772,7 +20015,7 @@
           <a:p>
             <a:r>
               <a:rPr lang="en-US" dirty="0"/>
-              <a:t>React </a:t>
+              <a:t>Learning React </a:t>
             </a:r>
             <a:r>
               <a:rPr lang="en-US" dirty="0" err="1"/>
@@ -19799,7 +20042,7 @@
           <a:p>
             <a:fld id="{B777A91B-BF1B-4ECE-B89B-72F2144CF226}" type="slidenum">
               <a:rPr lang="en-US" smtClean="0"/>
-              <a:t>21</a:t>
+              <a:t>24</a:t>
             </a:fld>
             <a:endParaRPr lang="en-US"/>
           </a:p>
@@ -20000,6 +20243,55 @@
                       </p:childTnLst>
                     </p:cTn>
                   </p:par>
+                  <p:par>
+                    <p:cTn id="15" fill="hold">
+                      <p:stCondLst>
+                        <p:cond delay="indefinite"/>
+                      </p:stCondLst>
+                      <p:childTnLst>
+                        <p:par>
+                          <p:cTn id="16" fill="hold">
+                            <p:stCondLst>
+                              <p:cond delay="0"/>
+                            </p:stCondLst>
+                            <p:childTnLst>
+                              <p:par>
+                                <p:cTn id="17" presetID="1" presetClass="entr" presetSubtype="0" fill="hold" grpId="0" nodeType="clickEffect">
+                                  <p:stCondLst>
+                                    <p:cond delay="0"/>
+                                  </p:stCondLst>
+                                  <p:childTnLst>
+                                    <p:set>
+                                      <p:cBhvr>
+                                        <p:cTn id="18" dur="1" fill="hold">
+                                          <p:stCondLst>
+                                            <p:cond delay="0"/>
+                                          </p:stCondLst>
+                                        </p:cTn>
+                                        <p:tgtEl>
+                                          <p:spTgt spid="3">
+                                            <p:txEl>
+                                              <p:pRg st="3" end="3"/>
+                                            </p:txEl>
+                                          </p:spTgt>
+                                        </p:tgtEl>
+                                        <p:attrNameLst>
+                                          <p:attrName>style.visibility</p:attrName>
+                                        </p:attrNameLst>
+                                      </p:cBhvr>
+                                      <p:to>
+                                        <p:strVal val="visible"/>
+                                      </p:to>
+                                    </p:set>
+                                  </p:childTnLst>
+                                </p:cTn>
+                              </p:par>
+                            </p:childTnLst>
+                          </p:cTn>
+                        </p:par>
+                      </p:childTnLst>
+                    </p:cTn>
+                  </p:par>
                 </p:childTnLst>
               </p:cTn>
               <p:prevCondLst>
@@ -20028,7 +20320,7 @@
 </p:sld>
 </file>
 
-<file path=ppt/slides/slide22.xml><?xml version="1.0" encoding="utf-8"?>
+<file path=ppt/slides/slide25.xml><?xml version="1.0" encoding="utf-8"?>
 <p:sld xmlns:a="http://schemas.openxmlformats.org/drawingml/2006/main" xmlns:r="http://schemas.openxmlformats.org/officeDocument/2006/relationships" xmlns:p="http://schemas.openxmlformats.org/presentationml/2006/main">
   <p:cSld>
     <p:spTree>
@@ -20062,7 +20354,19 @@
           <a:p>
             <a:r>
               <a:rPr lang="en-US" dirty="0" smtClean="0"/>
-              <a:t>Using React Component as Alt View</a:t>
+              <a:t>Moving back to our </a:t>
+            </a:r>
+            <a:r>
+              <a:rPr lang="en-US" dirty="0" err="1" smtClean="0"/>
+              <a:t>Todo</a:t>
+            </a:r>
+            <a:r>
+              <a:rPr lang="en-US" dirty="0"/>
+              <a:t> </a:t>
+            </a:r>
+            <a:r>
+              <a:rPr lang="en-US" dirty="0" smtClean="0"/>
+              <a:t>App</a:t>
             </a:r>
             <a:endParaRPr lang="en-US" dirty="0"/>
           </a:p>
@@ -20087,12 +20391,194 @@
           <a:p>
             <a:r>
               <a:rPr lang="en-US" dirty="0" smtClean="0"/>
+              <a:t>We have learned the React rendering enough so far.</a:t>
+            </a:r>
+          </a:p>
+          <a:p>
+            <a:r>
+              <a:rPr lang="en-US" dirty="0" smtClean="0"/>
+              <a:t>Lets use a react view in our app to render the </a:t>
+            </a:r>
+            <a:r>
+              <a:rPr lang="en-US" dirty="0" err="1" smtClean="0"/>
+              <a:t>todos</a:t>
+            </a:r>
+            <a:endParaRPr lang="en-US" dirty="0"/>
+          </a:p>
+          <a:p>
+            <a:endParaRPr lang="en-US" sz="2400" dirty="0"/>
+          </a:p>
+        </p:txBody>
+      </p:sp>
+      <p:sp>
+        <p:nvSpPr>
+          <p:cNvPr id="4" name="Footer Placeholder 3"/>
+          <p:cNvSpPr>
+            <a:spLocks noGrp="1"/>
+          </p:cNvSpPr>
+          <p:nvPr>
+            <p:ph type="ftr" sz="quarter" idx="11"/>
+          </p:nvPr>
+        </p:nvSpPr>
+        <p:spPr/>
+        <p:txBody>
+          <a:bodyPr/>
+          <a:lstStyle/>
+          <a:p>
+            <a:r>
+              <a:rPr lang="en-US" dirty="0" smtClean="0"/>
+              <a:t>The </a:t>
+            </a:r>
+            <a:r>
+              <a:rPr lang="en-US" dirty="0" err="1" smtClean="0"/>
+              <a:t>Todo</a:t>
+            </a:r>
+            <a:r>
+              <a:rPr lang="en-US" dirty="0" smtClean="0"/>
+              <a:t> App</a:t>
+            </a:r>
+            <a:endParaRPr lang="en-US" dirty="0"/>
+          </a:p>
+        </p:txBody>
+      </p:sp>
+      <p:sp>
+        <p:nvSpPr>
+          <p:cNvPr id="5" name="Slide Number Placeholder 4"/>
+          <p:cNvSpPr>
+            <a:spLocks noGrp="1"/>
+          </p:cNvSpPr>
+          <p:nvPr>
+            <p:ph type="sldNum" sz="quarter" idx="12"/>
+          </p:nvPr>
+        </p:nvSpPr>
+        <p:spPr/>
+        <p:txBody>
+          <a:bodyPr/>
+          <a:lstStyle/>
+          <a:p>
+            <a:fld id="{B777A91B-BF1B-4ECE-B89B-72F2144CF226}" type="slidenum">
+              <a:rPr lang="en-US" smtClean="0"/>
+              <a:t>25</a:t>
+            </a:fld>
+            <a:endParaRPr lang="en-US"/>
+          </a:p>
+        </p:txBody>
+      </p:sp>
+      <p:pic>
+        <p:nvPicPr>
+          <p:cNvPr id="6" name="Picture 5"/>
+          <p:cNvPicPr>
+            <a:picLocks noChangeAspect="1"/>
+          </p:cNvPicPr>
+          <p:nvPr/>
+        </p:nvPicPr>
+        <p:blipFill>
+          <a:blip r:embed="rId2">
+            <a:extLst>
+              <a:ext uri="{28A0092B-C50C-407E-A947-70E740481C1C}">
+                <a14:useLocalDpi xmlns:a14="http://schemas.microsoft.com/office/drawing/2010/main" val="0"/>
+              </a:ext>
+            </a:extLst>
+          </a:blip>
+          <a:stretch>
+            <a:fillRect/>
+          </a:stretch>
+        </p:blipFill>
+        <p:spPr>
+          <a:xfrm>
+            <a:off x="157162" y="84137"/>
+            <a:ext cx="1362075" cy="561975"/>
+          </a:xfrm>
+          <a:prstGeom prst="rect">
+            <a:avLst/>
+          </a:prstGeom>
+        </p:spPr>
+      </p:pic>
+    </p:spTree>
+    <p:extLst>
+      <p:ext uri="{BB962C8B-B14F-4D97-AF65-F5344CB8AC3E}">
+        <p14:creationId xmlns:p14="http://schemas.microsoft.com/office/powerpoint/2010/main" val="3385189169"/>
+      </p:ext>
+    </p:extLst>
+  </p:cSld>
+  <p:clrMapOvr>
+    <a:masterClrMapping/>
+  </p:clrMapOvr>
+  <p:timing>
+    <p:tnLst>
+      <p:par>
+        <p:cTn id="1" dur="indefinite" restart="never" nodeType="tmRoot"/>
+      </p:par>
+    </p:tnLst>
+  </p:timing>
+</p:sld>
+</file>
+
+<file path=ppt/slides/slide26.xml><?xml version="1.0" encoding="utf-8"?>
+<p:sld xmlns:a="http://schemas.openxmlformats.org/drawingml/2006/main" xmlns:r="http://schemas.openxmlformats.org/officeDocument/2006/relationships" xmlns:p="http://schemas.openxmlformats.org/presentationml/2006/main">
+  <p:cSld>
+    <p:spTree>
+      <p:nvGrpSpPr>
+        <p:cNvPr id="1" name=""/>
+        <p:cNvGrpSpPr/>
+        <p:nvPr/>
+      </p:nvGrpSpPr>
+      <p:grpSpPr>
+        <a:xfrm>
+          <a:off x="0" y="0"/>
+          <a:ext cx="0" cy="0"/>
+          <a:chOff x="0" y="0"/>
+          <a:chExt cx="0" cy="0"/>
+        </a:xfrm>
+      </p:grpSpPr>
+      <p:sp>
+        <p:nvSpPr>
+          <p:cNvPr id="2" name="Title 1"/>
+          <p:cNvSpPr>
+            <a:spLocks noGrp="1"/>
+          </p:cNvSpPr>
+          <p:nvPr>
+            <p:ph type="title"/>
+          </p:nvPr>
+        </p:nvSpPr>
+        <p:spPr/>
+        <p:txBody>
+          <a:bodyPr/>
+          <a:lstStyle/>
+          <a:p>
+            <a:r>
+              <a:rPr lang="en-US" dirty="0" smtClean="0"/>
+              <a:t>Using React Component as Alt View</a:t>
+            </a:r>
+            <a:endParaRPr lang="en-US" dirty="0"/>
+          </a:p>
+        </p:txBody>
+      </p:sp>
+      <p:sp>
+        <p:nvSpPr>
+          <p:cNvPr id="3" name="Content Placeholder 2"/>
+          <p:cNvSpPr>
+            <a:spLocks noGrp="1"/>
+          </p:cNvSpPr>
+          <p:nvPr>
+            <p:ph idx="1"/>
+          </p:nvPr>
+        </p:nvSpPr>
+        <p:spPr/>
+        <p:txBody>
+          <a:bodyPr>
+            <a:normAutofit/>
+          </a:bodyPr>
+          <a:lstStyle/>
+          <a:p>
+            <a:r>
+              <a:rPr lang="en-US" sz="2400" dirty="0" smtClean="0"/>
               <a:t>We need to pass the alt store’s state data to the view.</a:t>
             </a:r>
           </a:p>
           <a:p>
             <a:r>
-              <a:rPr lang="en-US" dirty="0" smtClean="0"/>
+              <a:rPr lang="en-US" sz="2400" dirty="0" smtClean="0"/>
               <a:t>Alt provides a built-in components that binds an specific store to the specific view. This is known as Component Container</a:t>
             </a:r>
           </a:p>
@@ -20102,7 +20588,11 @@
             </a:pPr>
             <a:r>
               <a:rPr lang="en-US" sz="2000" dirty="0" smtClean="0"/>
-              <a:t>     &lt;</a:t>
+              <a:t>     </a:t>
+            </a:r>
+            <a:r>
+              <a:rPr lang="en-US" sz="2000" dirty="0" smtClean="0"/>
+              <a:t>			&lt;</a:t>
             </a:r>
             <a:r>
               <a:rPr lang="en-US" sz="2000" dirty="0" err="1"/>
@@ -20113,17 +20603,18 @@
               <a:t> store</a:t>
             </a:r>
             <a:r>
-              <a:rPr lang="en-US" sz="2000" dirty="0" smtClean="0"/>
+              <a:rPr lang="en-US" sz="2000" dirty="0"/>
               <a:t>={</a:t>
             </a:r>
             <a:r>
-              <a:rPr lang="en-US" sz="2000" dirty="0" err="1" smtClean="0"/>
-              <a:t>CustomerStore</a:t>
+              <a:rPr lang="en-US" sz="2000" dirty="0" err="1"/>
+              <a:t>TodoStore</a:t>
             </a:r>
             <a:r>
               <a:rPr lang="en-US" sz="2000" dirty="0"/>
               <a:t>}&gt;</a:t>
             </a:r>
+            <a:endParaRPr lang="en-US" sz="2000" dirty="0"/>
           </a:p>
           <a:p>
             <a:pPr marL="0" indent="0">
@@ -20135,7 +20626,23 @@
             </a:r>
             <a:r>
               <a:rPr lang="en-US" sz="2000" dirty="0" smtClean="0"/>
-              <a:t>	 &lt;Customers/&gt;</a:t>
+              <a:t>	 </a:t>
+            </a:r>
+            <a:r>
+              <a:rPr lang="en-US" sz="2000" dirty="0" smtClean="0"/>
+              <a:t>			</a:t>
+            </a:r>
+            <a:r>
+              <a:rPr lang="en-US" sz="2000" dirty="0" smtClean="0"/>
+              <a:t>&lt;</a:t>
+            </a:r>
+            <a:r>
+              <a:rPr lang="en-US" sz="2000" dirty="0" err="1" smtClean="0"/>
+              <a:t>TodoComponent</a:t>
+            </a:r>
+            <a:r>
+              <a:rPr lang="en-US" sz="2000" dirty="0" smtClean="0"/>
+              <a:t> /&gt;</a:t>
             </a:r>
             <a:endParaRPr lang="en-US" sz="2000" dirty="0"/>
           </a:p>
@@ -20145,7 +20652,11 @@
             </a:pPr>
             <a:r>
               <a:rPr lang="en-US" sz="2000" dirty="0"/>
-              <a:t>      &lt;/</a:t>
+              <a:t>      </a:t>
+            </a:r>
+            <a:r>
+              <a:rPr lang="en-US" sz="2000" dirty="0" smtClean="0"/>
+              <a:t>			&lt;/</a:t>
             </a:r>
             <a:r>
               <a:rPr lang="en-US" sz="2000" dirty="0" err="1"/>
@@ -20206,11 +20717,15 @@
           <a:p>
             <a:r>
               <a:rPr lang="en-US" dirty="0"/>
-              <a:t>React </a:t>
+              <a:t>The </a:t>
             </a:r>
             <a:r>
               <a:rPr lang="en-US" dirty="0" err="1"/>
-              <a:t>Js</a:t>
+              <a:t>Todo</a:t>
+            </a:r>
+            <a:r>
+              <a:rPr lang="en-US" dirty="0"/>
+              <a:t> App</a:t>
             </a:r>
             <a:endParaRPr lang="en-US" dirty="0"/>
           </a:p>
@@ -20233,7 +20748,7 @@
           <a:p>
             <a:fld id="{B777A91B-BF1B-4ECE-B89B-72F2144CF226}" type="slidenum">
               <a:rPr lang="en-US" smtClean="0"/>
-              <a:t>22</a:t>
+              <a:t>26</a:t>
             </a:fld>
             <a:endParaRPr lang="en-US"/>
           </a:p>
@@ -20609,7 +21124,7 @@
 </p:sld>
 </file>
 
-<file path=ppt/slides/slide23.xml><?xml version="1.0" encoding="utf-8"?>
+<file path=ppt/slides/slide27.xml><?xml version="1.0" encoding="utf-8"?>
 <p:sld xmlns:a="http://schemas.openxmlformats.org/drawingml/2006/main" xmlns:r="http://schemas.openxmlformats.org/officeDocument/2006/relationships" xmlns:p="http://schemas.openxmlformats.org/presentationml/2006/main">
   <p:cSld>
     <p:spTree>
@@ -20643,7 +21158,7 @@
           <a:p>
             <a:r>
               <a:rPr lang="en-US" dirty="0" smtClean="0"/>
-              <a:t>Using React Component as Alt View</a:t>
+              <a:t>Alt Component</a:t>
             </a:r>
             <a:endParaRPr lang="en-US" dirty="0"/>
           </a:p>
@@ -20651,261 +21166,30 @@
       </p:sp>
       <p:sp>
         <p:nvSpPr>
-          <p:cNvPr id="3" name="Content Placeholder 2"/>
-          <p:cNvSpPr>
-            <a:spLocks noGrp="1"/>
-          </p:cNvSpPr>
-          <p:nvPr>
-            <p:ph idx="1"/>
-          </p:nvPr>
-        </p:nvSpPr>
-        <p:spPr/>
-        <p:txBody>
-          <a:bodyPr>
-            <a:normAutofit fontScale="55000" lnSpcReduction="20000"/>
-          </a:bodyPr>
-          <a:lstStyle/>
-          <a:p>
-            <a:pPr marL="0" indent="0">
-              <a:buNone/>
-            </a:pPr>
+          <p:cNvPr id="4" name="Footer Placeholder 3"/>
+          <p:cNvSpPr>
+            <a:spLocks noGrp="1"/>
+          </p:cNvSpPr>
+          <p:nvPr>
+            <p:ph type="ftr" sz="quarter" idx="11"/>
+          </p:nvPr>
+        </p:nvSpPr>
+        <p:spPr/>
+        <p:txBody>
+          <a:bodyPr/>
+          <a:lstStyle/>
+          <a:p>
+            <a:r>
+              <a:rPr lang="en-US" dirty="0" smtClean="0"/>
+              <a:t>The </a:t>
+            </a:r>
             <a:r>
               <a:rPr lang="en-US" dirty="0" err="1" smtClean="0"/>
-              <a:t>var</a:t>
+              <a:t>Todo</a:t>
             </a:r>
             <a:r>
               <a:rPr lang="en-US" dirty="0" smtClean="0"/>
-              <a:t> Customers= </a:t>
-            </a:r>
-            <a:r>
-              <a:rPr lang="en-US" dirty="0" err="1"/>
-              <a:t>React.createClass</a:t>
-            </a:r>
-            <a:r>
-              <a:rPr lang="en-US" dirty="0"/>
-              <a:t>({</a:t>
-            </a:r>
-          </a:p>
-          <a:p>
-            <a:pPr marL="0" indent="0">
-              <a:buNone/>
-            </a:pPr>
-            <a:r>
-              <a:rPr lang="en-US" dirty="0"/>
-              <a:t>  render() {</a:t>
-            </a:r>
-          </a:p>
-          <a:p>
-            <a:pPr marL="0" indent="0">
-              <a:buNone/>
-            </a:pPr>
-            <a:r>
-              <a:rPr lang="en-US" dirty="0"/>
-              <a:t>    return (</a:t>
-            </a:r>
-          </a:p>
-          <a:p>
-            <a:pPr marL="0" indent="0">
-              <a:buNone/>
-            </a:pPr>
-            <a:r>
-              <a:rPr lang="en-US" dirty="0"/>
-              <a:t>      &lt;</a:t>
-            </a:r>
-            <a:r>
-              <a:rPr lang="en-US" dirty="0" err="1"/>
-              <a:t>ul</a:t>
-            </a:r>
-            <a:r>
-              <a:rPr lang="en-US" dirty="0"/>
-              <a:t>&gt;</a:t>
-            </a:r>
-          </a:p>
-          <a:p>
-            <a:pPr marL="0" indent="0">
-              <a:buNone/>
-            </a:pPr>
-            <a:r>
-              <a:rPr lang="en-US" dirty="0"/>
-              <a:t>        {</a:t>
-            </a:r>
-            <a:r>
-              <a:rPr lang="en-US" dirty="0" err="1" smtClean="0"/>
-              <a:t>this.props.customers.map</a:t>
-            </a:r>
-            <a:r>
-              <a:rPr lang="en-US" smtClean="0"/>
-              <a:t>((customer, </a:t>
-            </a:r>
-            <a:r>
-              <a:rPr lang="en-US" dirty="0" err="1"/>
-              <a:t>i</a:t>
-            </a:r>
-            <a:r>
-              <a:rPr lang="en-US" dirty="0"/>
-              <a:t>) =&gt; </a:t>
-            </a:r>
-            <a:r>
-              <a:rPr lang="en-US" dirty="0" smtClean="0"/>
-              <a:t>{  </a:t>
-            </a:r>
-            <a:r>
-              <a:rPr lang="en-US" dirty="0" smtClean="0">
-                <a:solidFill>
-                  <a:schemeClr val="accent1">
-                    <a:lumMod val="75000"/>
-                  </a:schemeClr>
-                </a:solidFill>
-              </a:rPr>
-              <a:t>//getting customers data of store from the props</a:t>
-            </a:r>
-            <a:endParaRPr lang="en-US" dirty="0">
-              <a:solidFill>
-                <a:schemeClr val="accent1">
-                  <a:lumMod val="75000"/>
-                </a:schemeClr>
-              </a:solidFill>
-            </a:endParaRPr>
-          </a:p>
-          <a:p>
-            <a:pPr marL="0" indent="0">
-              <a:buNone/>
-            </a:pPr>
-            <a:r>
-              <a:rPr lang="en-US" dirty="0"/>
-              <a:t>          return (</a:t>
-            </a:r>
-          </a:p>
-          <a:p>
-            <a:pPr marL="0" indent="0">
-              <a:buNone/>
-            </a:pPr>
-            <a:r>
-              <a:rPr lang="en-US" dirty="0"/>
-              <a:t>            &lt;li key={</a:t>
-            </a:r>
-            <a:r>
-              <a:rPr lang="en-US" dirty="0" err="1"/>
-              <a:t>i</a:t>
-            </a:r>
-            <a:r>
-              <a:rPr lang="en-US" dirty="0"/>
-              <a:t>}&gt;</a:t>
-            </a:r>
-          </a:p>
-          <a:p>
-            <a:pPr marL="0" indent="0">
-              <a:buNone/>
-            </a:pPr>
-            <a:r>
-              <a:rPr lang="en-US" dirty="0"/>
-              <a:t>              </a:t>
-            </a:r>
-            <a:r>
-              <a:rPr lang="en-US" dirty="0" smtClean="0"/>
-              <a:t>{customer.name</a:t>
-            </a:r>
-            <a:r>
-              <a:rPr lang="en-US" dirty="0"/>
-              <a:t>}</a:t>
-            </a:r>
-          </a:p>
-          <a:p>
-            <a:pPr marL="0" indent="0">
-              <a:buNone/>
-            </a:pPr>
-            <a:r>
-              <a:rPr lang="en-US" dirty="0"/>
-              <a:t>            &lt;/li&gt;</a:t>
-            </a:r>
-          </a:p>
-          <a:p>
-            <a:pPr marL="0" indent="0">
-              <a:buNone/>
-            </a:pPr>
-            <a:r>
-              <a:rPr lang="en-US" dirty="0"/>
-              <a:t>          );</a:t>
-            </a:r>
-          </a:p>
-          <a:p>
-            <a:pPr marL="0" indent="0">
-              <a:buNone/>
-            </a:pPr>
-            <a:r>
-              <a:rPr lang="en-US" dirty="0"/>
-              <a:t>        })}</a:t>
-            </a:r>
-          </a:p>
-          <a:p>
-            <a:pPr marL="0" indent="0">
-              <a:buNone/>
-            </a:pPr>
-            <a:r>
-              <a:rPr lang="en-US" dirty="0"/>
-              <a:t>      &lt;/</a:t>
-            </a:r>
-            <a:r>
-              <a:rPr lang="en-US" dirty="0" err="1"/>
-              <a:t>ul</a:t>
-            </a:r>
-            <a:r>
-              <a:rPr lang="en-US" dirty="0"/>
-              <a:t>&gt;</a:t>
-            </a:r>
-          </a:p>
-          <a:p>
-            <a:pPr marL="0" indent="0">
-              <a:buNone/>
-            </a:pPr>
-            <a:r>
-              <a:rPr lang="en-US" dirty="0"/>
-              <a:t>    );</a:t>
-            </a:r>
-          </a:p>
-          <a:p>
-            <a:pPr marL="0" indent="0">
-              <a:buNone/>
-            </a:pPr>
-            <a:r>
-              <a:rPr lang="en-US" dirty="0"/>
-              <a:t>  }</a:t>
-            </a:r>
-          </a:p>
-          <a:p>
-            <a:pPr marL="0" indent="0">
-              <a:buNone/>
-            </a:pPr>
-            <a:r>
-              <a:rPr lang="en-US" dirty="0"/>
-              <a:t>});</a:t>
-            </a:r>
-            <a:endParaRPr lang="en-US" dirty="0" smtClean="0"/>
-          </a:p>
-        </p:txBody>
-      </p:sp>
-      <p:sp>
-        <p:nvSpPr>
-          <p:cNvPr id="4" name="Footer Placeholder 3"/>
-          <p:cNvSpPr>
-            <a:spLocks noGrp="1"/>
-          </p:cNvSpPr>
-          <p:nvPr>
-            <p:ph type="ftr" sz="quarter" idx="11"/>
-          </p:nvPr>
-        </p:nvSpPr>
-        <p:spPr/>
-        <p:txBody>
-          <a:bodyPr/>
-          <a:lstStyle/>
-          <a:p>
-            <a:r>
-              <a:rPr lang="en-US" dirty="0"/>
-              <a:t>React </a:t>
-            </a:r>
-            <a:r>
-              <a:rPr lang="en-US" dirty="0" err="1"/>
-              <a:t>Js</a:t>
+              <a:t> App</a:t>
             </a:r>
             <a:endParaRPr lang="en-US" dirty="0"/>
           </a:p>
@@ -20928,7 +21212,7 @@
           <a:p>
             <a:fld id="{B777A91B-BF1B-4ECE-B89B-72F2144CF226}" type="slidenum">
               <a:rPr lang="en-US" smtClean="0"/>
-              <a:t>23</a:t>
+              <a:t>27</a:t>
             </a:fld>
             <a:endParaRPr lang="en-US"/>
           </a:p>
@@ -20964,6 +21248,63 @@
           </a:prstGeom>
         </p:spPr>
       </p:pic>
+      <p:sp>
+        <p:nvSpPr>
+          <p:cNvPr id="10" name="Content Placeholder 9"/>
+          <p:cNvSpPr>
+            <a:spLocks noGrp="1"/>
+          </p:cNvSpPr>
+          <p:nvPr>
+            <p:ph idx="1"/>
+          </p:nvPr>
+        </p:nvSpPr>
+        <p:spPr/>
+        <p:txBody>
+          <a:bodyPr>
+            <a:normAutofit/>
+          </a:bodyPr>
+          <a:lstStyle/>
+          <a:p>
+            <a:r>
+              <a:rPr lang="en-US" sz="1800" dirty="0" smtClean="0"/>
+              <a:t>Use the following code in Todos.js of component directory</a:t>
+            </a:r>
+          </a:p>
+          <a:p>
+            <a:endParaRPr lang="en-US" sz="2400" dirty="0"/>
+          </a:p>
+        </p:txBody>
+      </p:sp>
+      <p:pic>
+        <p:nvPicPr>
+          <p:cNvPr id="11" name="Content Placeholder 8"/>
+          <p:cNvPicPr>
+            <a:picLocks noChangeAspect="1"/>
+          </p:cNvPicPr>
+          <p:nvPr/>
+        </p:nvPicPr>
+        <p:blipFill>
+          <a:blip r:embed="rId3">
+            <a:extLst>
+              <a:ext uri="{28A0092B-C50C-407E-A947-70E740481C1C}">
+                <a14:useLocalDpi xmlns:a14="http://schemas.microsoft.com/office/drawing/2010/main" val="0"/>
+              </a:ext>
+            </a:extLst>
+          </a:blip>
+          <a:stretch>
+            <a:fillRect/>
+          </a:stretch>
+        </p:blipFill>
+        <p:spPr>
+          <a:xfrm>
+            <a:off x="1131433" y="2149475"/>
+            <a:ext cx="8698367" cy="4246447"/>
+          </a:xfrm>
+          <a:prstGeom prst="rect">
+            <a:avLst/>
+          </a:prstGeom>
+        </p:spPr>
+      </p:pic>
     </p:spTree>
     <p:extLst>
       <p:ext uri="{BB962C8B-B14F-4D97-AF65-F5344CB8AC3E}">
@@ -20984,7 +21325,7 @@
 </p:sld>
 </file>
 
-<file path=ppt/slides/slide24.xml><?xml version="1.0" encoding="utf-8"?>
+<file path=ppt/slides/slide28.xml><?xml version="1.0" encoding="utf-8"?>
 <p:sld xmlns:a="http://schemas.openxmlformats.org/drawingml/2006/main" xmlns:r="http://schemas.openxmlformats.org/officeDocument/2006/relationships" xmlns:p="http://schemas.openxmlformats.org/presentationml/2006/main">
   <p:cSld>
     <p:spTree>
@@ -21067,7 +21408,11 @@
             </a:r>
             <a:r>
               <a:rPr lang="en-US" dirty="0" smtClean="0"/>
-              <a:t> in </a:t>
+              <a:t> syntax </a:t>
+            </a:r>
+            <a:r>
+              <a:rPr lang="en-US" dirty="0" smtClean="0"/>
+              <a:t>in </a:t>
             </a:r>
             <a:r>
               <a:rPr lang="en-US" dirty="0" err="1" smtClean="0"/>
@@ -21129,7 +21474,7 @@
         </p:blipFill>
         <p:spPr>
           <a:xfrm>
-            <a:off x="5607423" y="4749886"/>
+            <a:off x="7256929" y="4749886"/>
             <a:ext cx="4096871" cy="1427077"/>
           </a:xfrm>
           <a:prstGeom prst="rect">
@@ -21153,12 +21498,8 @@
           <a:lstStyle/>
           <a:p>
             <a:r>
-              <a:rPr lang="en-US" dirty="0"/>
-              <a:t>React </a:t>
-            </a:r>
-            <a:r>
-              <a:rPr lang="en-US" dirty="0" err="1"/>
-              <a:t>Js</a:t>
+              <a:rPr lang="en-US" smtClean="0"/>
+              <a:t>Babel Js the Transpiler</a:t>
             </a:r>
             <a:endParaRPr lang="en-US" dirty="0"/>
           </a:p>
@@ -21181,7 +21522,7 @@
           <a:p>
             <a:fld id="{B777A91B-BF1B-4ECE-B89B-72F2144CF226}" type="slidenum">
               <a:rPr lang="en-US" smtClean="0"/>
-              <a:t>24</a:t>
+              <a:t>28</a:t>
             </a:fld>
             <a:endParaRPr lang="en-US"/>
           </a:p>
@@ -21459,7 +21800,503 @@
 </p:sld>
 </file>
 
-<file path=ppt/slides/slide25.xml><?xml version="1.0" encoding="utf-8"?>
+<file path=ppt/slides/slide29.xml><?xml version="1.0" encoding="utf-8"?>
+<p:sld xmlns:a="http://schemas.openxmlformats.org/drawingml/2006/main" xmlns:r="http://schemas.openxmlformats.org/officeDocument/2006/relationships" xmlns:p="http://schemas.openxmlformats.org/presentationml/2006/main">
+  <p:cSld>
+    <p:spTree>
+      <p:nvGrpSpPr>
+        <p:cNvPr id="1" name=""/>
+        <p:cNvGrpSpPr/>
+        <p:nvPr/>
+      </p:nvGrpSpPr>
+      <p:grpSpPr>
+        <a:xfrm>
+          <a:off x="0" y="0"/>
+          <a:ext cx="0" cy="0"/>
+          <a:chOff x="0" y="0"/>
+          <a:chExt cx="0" cy="0"/>
+        </a:xfrm>
+      </p:grpSpPr>
+      <p:sp>
+        <p:nvSpPr>
+          <p:cNvPr id="2" name="Title 1"/>
+          <p:cNvSpPr>
+            <a:spLocks noGrp="1"/>
+          </p:cNvSpPr>
+          <p:nvPr>
+            <p:ph type="title"/>
+          </p:nvPr>
+        </p:nvSpPr>
+        <p:spPr/>
+        <p:txBody>
+          <a:bodyPr/>
+          <a:lstStyle/>
+          <a:p>
+            <a:r>
+              <a:rPr lang="en-US" dirty="0" smtClean="0"/>
+              <a:t>Build and Run</a:t>
+            </a:r>
+            <a:endParaRPr lang="en-US" dirty="0"/>
+          </a:p>
+        </p:txBody>
+      </p:sp>
+      <p:sp>
+        <p:nvSpPr>
+          <p:cNvPr id="4" name="Footer Placeholder 3"/>
+          <p:cNvSpPr>
+            <a:spLocks noGrp="1"/>
+          </p:cNvSpPr>
+          <p:nvPr>
+            <p:ph type="ftr" sz="quarter" idx="11"/>
+          </p:nvPr>
+        </p:nvSpPr>
+        <p:spPr/>
+        <p:txBody>
+          <a:bodyPr/>
+          <a:lstStyle/>
+          <a:p>
+            <a:r>
+              <a:rPr lang="en-US" dirty="0"/>
+              <a:t>The </a:t>
+            </a:r>
+            <a:r>
+              <a:rPr lang="en-US" dirty="0" err="1"/>
+              <a:t>Todo</a:t>
+            </a:r>
+            <a:r>
+              <a:rPr lang="en-US" dirty="0"/>
+              <a:t> App</a:t>
+            </a:r>
+            <a:endParaRPr lang="en-US" dirty="0"/>
+          </a:p>
+        </p:txBody>
+      </p:sp>
+      <p:sp>
+        <p:nvSpPr>
+          <p:cNvPr id="5" name="Slide Number Placeholder 4"/>
+          <p:cNvSpPr>
+            <a:spLocks noGrp="1"/>
+          </p:cNvSpPr>
+          <p:nvPr>
+            <p:ph type="sldNum" sz="quarter" idx="12"/>
+          </p:nvPr>
+        </p:nvSpPr>
+        <p:spPr/>
+        <p:txBody>
+          <a:bodyPr/>
+          <a:lstStyle/>
+          <a:p>
+            <a:fld id="{B777A91B-BF1B-4ECE-B89B-72F2144CF226}" type="slidenum">
+              <a:rPr lang="en-US" smtClean="0"/>
+              <a:t>29</a:t>
+            </a:fld>
+            <a:endParaRPr lang="en-US"/>
+          </a:p>
+        </p:txBody>
+      </p:sp>
+      <p:pic>
+        <p:nvPicPr>
+          <p:cNvPr id="6" name="Picture 5"/>
+          <p:cNvPicPr>
+            <a:picLocks noChangeAspect="1"/>
+          </p:cNvPicPr>
+          <p:nvPr/>
+        </p:nvPicPr>
+        <p:blipFill>
+          <a:blip r:embed="rId2">
+            <a:extLst>
+              <a:ext uri="{28A0092B-C50C-407E-A947-70E740481C1C}">
+                <a14:useLocalDpi xmlns:a14="http://schemas.microsoft.com/office/drawing/2010/main" val="0"/>
+              </a:ext>
+            </a:extLst>
+          </a:blip>
+          <a:stretch>
+            <a:fillRect/>
+          </a:stretch>
+        </p:blipFill>
+        <p:spPr>
+          <a:xfrm>
+            <a:off x="157162" y="84137"/>
+            <a:ext cx="1362075" cy="561975"/>
+          </a:xfrm>
+          <a:prstGeom prst="rect">
+            <a:avLst/>
+          </a:prstGeom>
+        </p:spPr>
+      </p:pic>
+      <p:sp>
+        <p:nvSpPr>
+          <p:cNvPr id="10" name="Content Placeholder 9"/>
+          <p:cNvSpPr>
+            <a:spLocks noGrp="1"/>
+          </p:cNvSpPr>
+          <p:nvPr>
+            <p:ph idx="1"/>
+          </p:nvPr>
+        </p:nvSpPr>
+        <p:spPr/>
+        <p:txBody>
+          <a:bodyPr>
+            <a:normAutofit/>
+          </a:bodyPr>
+          <a:lstStyle/>
+          <a:p>
+            <a:r>
+              <a:rPr lang="en-US" sz="1800" dirty="0" smtClean="0"/>
+              <a:t>Put the following configuration in </a:t>
+            </a:r>
+            <a:r>
+              <a:rPr lang="en-US" sz="1800" dirty="0" err="1" smtClean="0"/>
+              <a:t>package.json</a:t>
+            </a:r>
+            <a:r>
+              <a:rPr lang="en-US" sz="1800" dirty="0" smtClean="0"/>
+              <a:t> which contains all the required dependencies. </a:t>
+            </a:r>
+          </a:p>
+          <a:p>
+            <a:r>
+              <a:rPr lang="en-US" sz="1800" dirty="0" smtClean="0"/>
+              <a:t>Then use the commands “</a:t>
+            </a:r>
+            <a:r>
+              <a:rPr lang="en-US" sz="1800" dirty="0" err="1" smtClean="0"/>
+              <a:t>npm</a:t>
+            </a:r>
+            <a:r>
+              <a:rPr lang="en-US" sz="1800" dirty="0" smtClean="0"/>
+              <a:t> install” and “</a:t>
+            </a:r>
+            <a:r>
+              <a:rPr lang="en-US" sz="1800" dirty="0" err="1" smtClean="0"/>
+              <a:t>npm</a:t>
+            </a:r>
+            <a:r>
+              <a:rPr lang="en-US" sz="1800" dirty="0" smtClean="0"/>
+              <a:t> run build” to install the required dependencies and build the code </a:t>
+            </a:r>
+            <a:br>
+              <a:rPr lang="en-US" sz="1800" dirty="0" smtClean="0"/>
+            </a:br>
+            <a:endParaRPr lang="en-US" sz="1800" dirty="0"/>
+          </a:p>
+          <a:p>
+            <a:endParaRPr lang="en-US" sz="1800" dirty="0" smtClean="0"/>
+          </a:p>
+          <a:p>
+            <a:endParaRPr lang="en-US" sz="2400" dirty="0"/>
+          </a:p>
+        </p:txBody>
+      </p:sp>
+      <p:pic>
+        <p:nvPicPr>
+          <p:cNvPr id="3" name="Picture 2"/>
+          <p:cNvPicPr>
+            <a:picLocks noChangeAspect="1"/>
+          </p:cNvPicPr>
+          <p:nvPr/>
+        </p:nvPicPr>
+        <p:blipFill>
+          <a:blip r:embed="rId3">
+            <a:extLst>
+              <a:ext uri="{28A0092B-C50C-407E-A947-70E740481C1C}">
+                <a14:useLocalDpi xmlns:a14="http://schemas.microsoft.com/office/drawing/2010/main" val="0"/>
+              </a:ext>
+            </a:extLst>
+          </a:blip>
+          <a:stretch>
+            <a:fillRect/>
+          </a:stretch>
+        </p:blipFill>
+        <p:spPr>
+          <a:xfrm>
+            <a:off x="838199" y="2984507"/>
+            <a:ext cx="5345405" cy="2908482"/>
+          </a:xfrm>
+          <a:prstGeom prst="rect">
+            <a:avLst/>
+          </a:prstGeom>
+        </p:spPr>
+      </p:pic>
+      <p:pic>
+        <p:nvPicPr>
+          <p:cNvPr id="7" name="Picture 6"/>
+          <p:cNvPicPr>
+            <a:picLocks noChangeAspect="1"/>
+          </p:cNvPicPr>
+          <p:nvPr/>
+        </p:nvPicPr>
+        <p:blipFill>
+          <a:blip r:embed="rId4">
+            <a:extLst>
+              <a:ext uri="{28A0092B-C50C-407E-A947-70E740481C1C}">
+                <a14:useLocalDpi xmlns:a14="http://schemas.microsoft.com/office/drawing/2010/main" val="0"/>
+              </a:ext>
+            </a:extLst>
+          </a:blip>
+          <a:stretch>
+            <a:fillRect/>
+          </a:stretch>
+        </p:blipFill>
+        <p:spPr>
+          <a:xfrm>
+            <a:off x="5298203" y="2819572"/>
+            <a:ext cx="6624794" cy="1439789"/>
+          </a:xfrm>
+          <a:prstGeom prst="rect">
+            <a:avLst/>
+          </a:prstGeom>
+        </p:spPr>
+      </p:pic>
+      <p:pic>
+        <p:nvPicPr>
+          <p:cNvPr id="8" name="Picture 7"/>
+          <p:cNvPicPr>
+            <a:picLocks noChangeAspect="1"/>
+          </p:cNvPicPr>
+          <p:nvPr/>
+        </p:nvPicPr>
+        <p:blipFill>
+          <a:blip r:embed="rId5">
+            <a:extLst>
+              <a:ext uri="{28A0092B-C50C-407E-A947-70E740481C1C}">
+                <a14:useLocalDpi xmlns:a14="http://schemas.microsoft.com/office/drawing/2010/main" val="0"/>
+              </a:ext>
+            </a:extLst>
+          </a:blip>
+          <a:stretch>
+            <a:fillRect/>
+          </a:stretch>
+        </p:blipFill>
+        <p:spPr>
+          <a:xfrm>
+            <a:off x="6505864" y="4559454"/>
+            <a:ext cx="3886742" cy="1657581"/>
+          </a:xfrm>
+          <a:prstGeom prst="rect">
+            <a:avLst/>
+          </a:prstGeom>
+        </p:spPr>
+      </p:pic>
+    </p:spTree>
+    <p:extLst>
+      <p:ext uri="{BB962C8B-B14F-4D97-AF65-F5344CB8AC3E}">
+        <p14:creationId xmlns:p14="http://schemas.microsoft.com/office/powerpoint/2010/main" val="2964273100"/>
+      </p:ext>
+    </p:extLst>
+  </p:cSld>
+  <p:clrMapOvr>
+    <a:masterClrMapping/>
+  </p:clrMapOvr>
+  <p:timing>
+    <p:tnLst>
+      <p:par>
+        <p:cTn id="1" dur="indefinite" restart="never" nodeType="tmRoot"/>
+      </p:par>
+    </p:tnLst>
+  </p:timing>
+</p:sld>
+</file>
+
+<file path=ppt/slides/slide3.xml><?xml version="1.0" encoding="utf-8"?>
+<p:sld xmlns:a="http://schemas.openxmlformats.org/drawingml/2006/main" xmlns:r="http://schemas.openxmlformats.org/officeDocument/2006/relationships" xmlns:p="http://schemas.openxmlformats.org/presentationml/2006/main">
+  <p:cSld>
+    <p:spTree>
+      <p:nvGrpSpPr>
+        <p:cNvPr id="1" name=""/>
+        <p:cNvGrpSpPr/>
+        <p:nvPr/>
+      </p:nvGrpSpPr>
+      <p:grpSpPr>
+        <a:xfrm>
+          <a:off x="0" y="0"/>
+          <a:ext cx="0" cy="0"/>
+          <a:chOff x="0" y="0"/>
+          <a:chExt cx="0" cy="0"/>
+        </a:xfrm>
+      </p:grpSpPr>
+      <p:sp>
+        <p:nvSpPr>
+          <p:cNvPr id="2" name="Title 1"/>
+          <p:cNvSpPr>
+            <a:spLocks noGrp="1"/>
+          </p:cNvSpPr>
+          <p:nvPr>
+            <p:ph type="title"/>
+          </p:nvPr>
+        </p:nvSpPr>
+        <p:spPr/>
+        <p:txBody>
+          <a:bodyPr/>
+          <a:lstStyle/>
+          <a:p>
+            <a:r>
+              <a:rPr lang="en-US" dirty="0" smtClean="0"/>
+              <a:t>Problem with Two-way binding</a:t>
+            </a:r>
+            <a:endParaRPr lang="en-US" dirty="0"/>
+          </a:p>
+        </p:txBody>
+      </p:sp>
+      <p:pic>
+        <p:nvPicPr>
+          <p:cNvPr id="4" name="Content Placeholder 3"/>
+          <p:cNvPicPr>
+            <a:picLocks noGrp="1" noChangeAspect="1"/>
+          </p:cNvPicPr>
+          <p:nvPr>
+            <p:ph idx="1"/>
+          </p:nvPr>
+        </p:nvPicPr>
+        <p:blipFill>
+          <a:blip r:embed="rId3">
+            <a:extLst>
+              <a:ext uri="{28A0092B-C50C-407E-A947-70E740481C1C}">
+                <a14:useLocalDpi xmlns:a14="http://schemas.microsoft.com/office/drawing/2010/main" val="0"/>
+              </a:ext>
+            </a:extLst>
+          </a:blip>
+          <a:stretch>
+            <a:fillRect/>
+          </a:stretch>
+        </p:blipFill>
+        <p:spPr>
+          <a:xfrm>
+            <a:off x="1519237" y="1297811"/>
+            <a:ext cx="8027831" cy="2477432"/>
+          </a:xfrm>
+        </p:spPr>
+      </p:pic>
+      <p:sp>
+        <p:nvSpPr>
+          <p:cNvPr id="5" name="TextBox 4"/>
+          <p:cNvSpPr txBox="1"/>
+          <p:nvPr/>
+        </p:nvSpPr>
+        <p:spPr>
+          <a:xfrm>
+            <a:off x="1828800" y="4168588"/>
+            <a:ext cx="184731" cy="369332"/>
+          </a:xfrm>
+          <a:prstGeom prst="rect">
+            <a:avLst/>
+          </a:prstGeom>
+          <a:noFill/>
+        </p:spPr>
+        <p:txBody>
+          <a:bodyPr wrap="none" rtlCol="0">
+            <a:spAutoFit/>
+          </a:bodyPr>
+          <a:lstStyle/>
+          <a:p>
+            <a:endParaRPr lang="en-US" dirty="0"/>
+          </a:p>
+        </p:txBody>
+      </p:sp>
+      <p:pic>
+        <p:nvPicPr>
+          <p:cNvPr id="6" name="Picture 5"/>
+          <p:cNvPicPr>
+            <a:picLocks noChangeAspect="1"/>
+          </p:cNvPicPr>
+          <p:nvPr/>
+        </p:nvPicPr>
+        <p:blipFill>
+          <a:blip r:embed="rId4">
+            <a:extLst>
+              <a:ext uri="{28A0092B-C50C-407E-A947-70E740481C1C}">
+                <a14:useLocalDpi xmlns:a14="http://schemas.microsoft.com/office/drawing/2010/main" val="0"/>
+              </a:ext>
+            </a:extLst>
+          </a:blip>
+          <a:stretch>
+            <a:fillRect/>
+          </a:stretch>
+        </p:blipFill>
+        <p:spPr>
+          <a:xfrm>
+            <a:off x="2013531" y="3322749"/>
+            <a:ext cx="7247383" cy="3033601"/>
+          </a:xfrm>
+          <a:prstGeom prst="rect">
+            <a:avLst/>
+          </a:prstGeom>
+        </p:spPr>
+      </p:pic>
+      <p:sp>
+        <p:nvSpPr>
+          <p:cNvPr id="7" name="Slide Number Placeholder 6"/>
+          <p:cNvSpPr>
+            <a:spLocks noGrp="1"/>
+          </p:cNvSpPr>
+          <p:nvPr>
+            <p:ph type="sldNum" sz="quarter" idx="12"/>
+          </p:nvPr>
+        </p:nvSpPr>
+        <p:spPr/>
+        <p:txBody>
+          <a:bodyPr/>
+          <a:lstStyle/>
+          <a:p>
+            <a:fld id="{B777A91B-BF1B-4ECE-B89B-72F2144CF226}" type="slidenum">
+              <a:rPr lang="en-US" smtClean="0"/>
+              <a:t>3</a:t>
+            </a:fld>
+            <a:endParaRPr lang="en-US"/>
+          </a:p>
+        </p:txBody>
+      </p:sp>
+      <p:pic>
+        <p:nvPicPr>
+          <p:cNvPr id="8" name="Picture 7"/>
+          <p:cNvPicPr>
+            <a:picLocks noChangeAspect="1"/>
+          </p:cNvPicPr>
+          <p:nvPr/>
+        </p:nvPicPr>
+        <p:blipFill>
+          <a:blip r:embed="rId5">
+            <a:extLst>
+              <a:ext uri="{28A0092B-C50C-407E-A947-70E740481C1C}">
+                <a14:useLocalDpi xmlns:a14="http://schemas.microsoft.com/office/drawing/2010/main" val="0"/>
+              </a:ext>
+            </a:extLst>
+          </a:blip>
+          <a:stretch>
+            <a:fillRect/>
+          </a:stretch>
+        </p:blipFill>
+        <p:spPr>
+          <a:xfrm>
+            <a:off x="157162" y="84137"/>
+            <a:ext cx="1362075" cy="561975"/>
+          </a:xfrm>
+          <a:prstGeom prst="rect">
+            <a:avLst/>
+          </a:prstGeom>
+        </p:spPr>
+      </p:pic>
+    </p:spTree>
+    <p:extLst>
+      <p:ext uri="{BB962C8B-B14F-4D97-AF65-F5344CB8AC3E}">
+        <p14:creationId xmlns:p14="http://schemas.microsoft.com/office/powerpoint/2010/main" val="2718338151"/>
+      </p:ext>
+    </p:extLst>
+  </p:cSld>
+  <p:clrMapOvr>
+    <a:masterClrMapping/>
+  </p:clrMapOvr>
+  <p:timing>
+    <p:tnLst>
+      <p:par>
+        <p:cTn id="1" dur="indefinite" restart="never" nodeType="tmRoot"/>
+      </p:par>
+    </p:tnLst>
+  </p:timing>
+</p:sld>
+</file>
+
+<file path=ppt/slides/slide30.xml><?xml version="1.0" encoding="utf-8"?>
 <p:sld xmlns:a="http://schemas.openxmlformats.org/drawingml/2006/main" xmlns:r="http://schemas.openxmlformats.org/officeDocument/2006/relationships" xmlns:p="http://schemas.openxmlformats.org/presentationml/2006/main">
   <p:cSld>
     <p:spTree>
@@ -21603,12 +22440,8 @@
           <a:lstStyle/>
           <a:p>
             <a:r>
-              <a:rPr lang="en-US" dirty="0"/>
-              <a:t>Unit </a:t>
-            </a:r>
-            <a:r>
-              <a:rPr lang="en-US" dirty="0" smtClean="0"/>
-              <a:t>testing With JEST</a:t>
+              <a:rPr lang="en-US" smtClean="0"/>
+              <a:t>Unit testing With JEST</a:t>
             </a:r>
             <a:endParaRPr lang="en-US" dirty="0"/>
           </a:p>
@@ -21631,7 +22464,7 @@
           <a:p>
             <a:fld id="{B777A91B-BF1B-4ECE-B89B-72F2144CF226}" type="slidenum">
               <a:rPr lang="en-US" smtClean="0"/>
-              <a:t>25</a:t>
+              <a:t>30</a:t>
             </a:fld>
             <a:endParaRPr lang="en-US"/>
           </a:p>
@@ -21687,7 +22520,7 @@
 </p:sld>
 </file>
 
-<file path=ppt/slides/slide26.xml><?xml version="1.0" encoding="utf-8"?>
+<file path=ppt/slides/slide31.xml><?xml version="1.0" encoding="utf-8"?>
 <p:sld xmlns:a="http://schemas.openxmlformats.org/drawingml/2006/main" xmlns:r="http://schemas.openxmlformats.org/officeDocument/2006/relationships" xmlns:p="http://schemas.openxmlformats.org/presentationml/2006/main">
   <p:cSld>
     <p:spTree>
@@ -21811,9 +22644,10 @@
           <a:lstStyle/>
           <a:p>
             <a:r>
-              <a:rPr lang="en-US" dirty="0"/>
+              <a:rPr lang="en-US" smtClean="0"/>
               <a:t>Unit testing With JEST</a:t>
             </a:r>
+            <a:endParaRPr lang="en-US" dirty="0"/>
           </a:p>
         </p:txBody>
       </p:sp>
@@ -21834,7 +22668,7 @@
           <a:p>
             <a:fld id="{B777A91B-BF1B-4ECE-B89B-72F2144CF226}" type="slidenum">
               <a:rPr lang="en-US" smtClean="0"/>
-              <a:t>26</a:t>
+              <a:t>31</a:t>
             </a:fld>
             <a:endParaRPr lang="en-US"/>
           </a:p>
@@ -22210,7 +23044,7 @@
 </p:sld>
 </file>
 
-<file path=ppt/slides/slide27.xml><?xml version="1.0" encoding="utf-8"?>
+<file path=ppt/slides/slide32.xml><?xml version="1.0" encoding="utf-8"?>
 <p:sld xmlns:a="http://schemas.openxmlformats.org/drawingml/2006/main" xmlns:r="http://schemas.openxmlformats.org/officeDocument/2006/relationships" xmlns:p="http://schemas.openxmlformats.org/presentationml/2006/main">
   <p:cSld>
     <p:spTree>
@@ -22316,9 +23150,10 @@
           <a:lstStyle/>
           <a:p>
             <a:r>
-              <a:rPr lang="en-US" dirty="0"/>
+              <a:rPr lang="en-US" smtClean="0"/>
               <a:t>Unit testing With JEST</a:t>
             </a:r>
+            <a:endParaRPr lang="en-US" dirty="0"/>
           </a:p>
         </p:txBody>
       </p:sp>
@@ -22339,7 +23174,7 @@
           <a:p>
             <a:fld id="{B777A91B-BF1B-4ECE-B89B-72F2144CF226}" type="slidenum">
               <a:rPr lang="en-US" smtClean="0"/>
-              <a:t>27</a:t>
+              <a:t>32</a:t>
             </a:fld>
             <a:endParaRPr lang="en-US"/>
           </a:p>
@@ -22395,7 +23230,7 @@
 </p:sld>
 </file>
 
-<file path=ppt/slides/slide28.xml><?xml version="1.0" encoding="utf-8"?>
+<file path=ppt/slides/slide33.xml><?xml version="1.0" encoding="utf-8"?>
 <p:sld xmlns:a="http://schemas.openxmlformats.org/drawingml/2006/main" xmlns:r="http://schemas.openxmlformats.org/officeDocument/2006/relationships" xmlns:p="http://schemas.openxmlformats.org/presentationml/2006/main">
   <p:cSld>
     <p:spTree>
@@ -22633,7 +23468,7 @@
           <a:p>
             <a:fld id="{B777A91B-BF1B-4ECE-B89B-72F2144CF226}" type="slidenum">
               <a:rPr lang="en-US" smtClean="0"/>
-              <a:t>28</a:t>
+              <a:t>33</a:t>
             </a:fld>
             <a:endParaRPr lang="en-US"/>
           </a:p>
@@ -22689,7 +23524,7 @@
 </p:sld>
 </file>
 
-<file path=ppt/slides/slide29.xml><?xml version="1.0" encoding="utf-8"?>
+<file path=ppt/slides/slide34.xml><?xml version="1.0" encoding="utf-8"?>
 <p:sld xmlns:a="http://schemas.openxmlformats.org/drawingml/2006/main" xmlns:r="http://schemas.openxmlformats.org/officeDocument/2006/relationships" xmlns:p="http://schemas.openxmlformats.org/presentationml/2006/main">
   <p:cSld>
     <p:spTree>
@@ -22723,11 +23558,7 @@
           <a:p>
             <a:r>
               <a:rPr lang="en-US" dirty="0" smtClean="0"/>
-              <a:t>	Thank </a:t>
-            </a:r>
-            <a:r>
-              <a:rPr lang="en-US" dirty="0" smtClean="0"/>
-              <a:t>You</a:t>
+              <a:t>	Thank You</a:t>
             </a:r>
             <a:endParaRPr lang="en-US" dirty="0"/>
           </a:p>
@@ -22779,7 +23610,7 @@
           <a:p>
             <a:fld id="{B777A91B-BF1B-4ECE-B89B-72F2144CF226}" type="slidenum">
               <a:rPr lang="en-US" smtClean="0"/>
-              <a:t>29</a:t>
+              <a:t>34</a:t>
             </a:fld>
             <a:endParaRPr lang="en-US"/>
           </a:p>
@@ -22819,11 +23650,7 @@
             </a:r>
             <a:r>
               <a:rPr lang="en-US" dirty="0" smtClean="0"/>
-              <a:t>Any </a:t>
-            </a:r>
-            <a:r>
-              <a:rPr lang="en-US" dirty="0" smtClean="0"/>
-              <a:t>questions from the audience please!!!</a:t>
+              <a:t>Any questions from the audience please!!!</a:t>
             </a:r>
           </a:p>
           <a:p>
@@ -22905,204 +23732,6 @@
 </p:sld>
 </file>
 
-<file path=ppt/slides/slide3.xml><?xml version="1.0" encoding="utf-8"?>
-<p:sld xmlns:a="http://schemas.openxmlformats.org/drawingml/2006/main" xmlns:r="http://schemas.openxmlformats.org/officeDocument/2006/relationships" xmlns:p="http://schemas.openxmlformats.org/presentationml/2006/main">
-  <p:cSld>
-    <p:spTree>
-      <p:nvGrpSpPr>
-        <p:cNvPr id="1" name=""/>
-        <p:cNvGrpSpPr/>
-        <p:nvPr/>
-      </p:nvGrpSpPr>
-      <p:grpSpPr>
-        <a:xfrm>
-          <a:off x="0" y="0"/>
-          <a:ext cx="0" cy="0"/>
-          <a:chOff x="0" y="0"/>
-          <a:chExt cx="0" cy="0"/>
-        </a:xfrm>
-      </p:grpSpPr>
-      <p:sp>
-        <p:nvSpPr>
-          <p:cNvPr id="2" name="Title 1"/>
-          <p:cNvSpPr>
-            <a:spLocks noGrp="1"/>
-          </p:cNvSpPr>
-          <p:nvPr>
-            <p:ph type="title"/>
-          </p:nvPr>
-        </p:nvSpPr>
-        <p:spPr/>
-        <p:txBody>
-          <a:bodyPr/>
-          <a:lstStyle/>
-          <a:p>
-            <a:r>
-              <a:rPr lang="en-US" dirty="0" smtClean="0"/>
-              <a:t>Problem with Two-way binding</a:t>
-            </a:r>
-            <a:endParaRPr lang="en-US" dirty="0"/>
-          </a:p>
-        </p:txBody>
-      </p:sp>
-      <p:pic>
-        <p:nvPicPr>
-          <p:cNvPr id="4" name="Content Placeholder 3"/>
-          <p:cNvPicPr>
-            <a:picLocks noGrp="1" noChangeAspect="1"/>
-          </p:cNvPicPr>
-          <p:nvPr>
-            <p:ph idx="1"/>
-          </p:nvPr>
-        </p:nvPicPr>
-        <p:blipFill>
-          <a:blip r:embed="rId2">
-            <a:extLst>
-              <a:ext uri="{28A0092B-C50C-407E-A947-70E740481C1C}">
-                <a14:useLocalDpi xmlns:a14="http://schemas.microsoft.com/office/drawing/2010/main" val="0"/>
-              </a:ext>
-            </a:extLst>
-          </a:blip>
-          <a:stretch>
-            <a:fillRect/>
-          </a:stretch>
-        </p:blipFill>
-        <p:spPr>
-          <a:xfrm>
-            <a:off x="1439908" y="1341064"/>
-            <a:ext cx="8027831" cy="2477432"/>
-          </a:xfrm>
-        </p:spPr>
-      </p:pic>
-      <p:sp>
-        <p:nvSpPr>
-          <p:cNvPr id="5" name="TextBox 4"/>
-          <p:cNvSpPr txBox="1"/>
-          <p:nvPr/>
-        </p:nvSpPr>
-        <p:spPr>
-          <a:xfrm>
-            <a:off x="1828800" y="4168588"/>
-            <a:ext cx="184731" cy="369332"/>
-          </a:xfrm>
-          <a:prstGeom prst="rect">
-            <a:avLst/>
-          </a:prstGeom>
-          <a:noFill/>
-        </p:spPr>
-        <p:txBody>
-          <a:bodyPr wrap="none" rtlCol="0">
-            <a:spAutoFit/>
-          </a:bodyPr>
-          <a:lstStyle/>
-          <a:p>
-            <a:endParaRPr lang="en-US" dirty="0"/>
-          </a:p>
-        </p:txBody>
-      </p:sp>
-      <p:pic>
-        <p:nvPicPr>
-          <p:cNvPr id="6" name="Picture 5"/>
-          <p:cNvPicPr>
-            <a:picLocks noChangeAspect="1"/>
-          </p:cNvPicPr>
-          <p:nvPr/>
-        </p:nvPicPr>
-        <p:blipFill>
-          <a:blip r:embed="rId3">
-            <a:extLst>
-              <a:ext uri="{28A0092B-C50C-407E-A947-70E740481C1C}">
-                <a14:useLocalDpi xmlns:a14="http://schemas.microsoft.com/office/drawing/2010/main" val="0"/>
-              </a:ext>
-            </a:extLst>
-          </a:blip>
-          <a:stretch>
-            <a:fillRect/>
-          </a:stretch>
-        </p:blipFill>
-        <p:spPr>
-          <a:xfrm>
-            <a:off x="1671728" y="3322749"/>
-            <a:ext cx="8027831" cy="3360280"/>
-          </a:xfrm>
-          <a:prstGeom prst="rect">
-            <a:avLst/>
-          </a:prstGeom>
-        </p:spPr>
-      </p:pic>
-      <p:sp>
-        <p:nvSpPr>
-          <p:cNvPr id="7" name="Slide Number Placeholder 6"/>
-          <p:cNvSpPr>
-            <a:spLocks noGrp="1"/>
-          </p:cNvSpPr>
-          <p:nvPr>
-            <p:ph type="sldNum" sz="quarter" idx="12"/>
-          </p:nvPr>
-        </p:nvSpPr>
-        <p:spPr/>
-        <p:txBody>
-          <a:bodyPr/>
-          <a:lstStyle/>
-          <a:p>
-            <a:fld id="{B777A91B-BF1B-4ECE-B89B-72F2144CF226}" type="slidenum">
-              <a:rPr lang="en-US" smtClean="0"/>
-              <a:t>3</a:t>
-            </a:fld>
-            <a:endParaRPr lang="en-US"/>
-          </a:p>
-        </p:txBody>
-      </p:sp>
-      <p:pic>
-        <p:nvPicPr>
-          <p:cNvPr id="8" name="Picture 7"/>
-          <p:cNvPicPr>
-            <a:picLocks noChangeAspect="1"/>
-          </p:cNvPicPr>
-          <p:nvPr/>
-        </p:nvPicPr>
-        <p:blipFill>
-          <a:blip r:embed="rId4">
-            <a:extLst>
-              <a:ext uri="{28A0092B-C50C-407E-A947-70E740481C1C}">
-                <a14:useLocalDpi xmlns:a14="http://schemas.microsoft.com/office/drawing/2010/main" val="0"/>
-              </a:ext>
-            </a:extLst>
-          </a:blip>
-          <a:stretch>
-            <a:fillRect/>
-          </a:stretch>
-        </p:blipFill>
-        <p:spPr>
-          <a:xfrm>
-            <a:off x="157162" y="84137"/>
-            <a:ext cx="1362075" cy="561975"/>
-          </a:xfrm>
-          <a:prstGeom prst="rect">
-            <a:avLst/>
-          </a:prstGeom>
-        </p:spPr>
-      </p:pic>
-    </p:spTree>
-    <p:extLst>
-      <p:ext uri="{BB962C8B-B14F-4D97-AF65-F5344CB8AC3E}">
-        <p14:creationId xmlns:p14="http://schemas.microsoft.com/office/powerpoint/2010/main" val="2718338151"/>
-      </p:ext>
-    </p:extLst>
-  </p:cSld>
-  <p:clrMapOvr>
-    <a:masterClrMapping/>
-  </p:clrMapOvr>
-  <p:timing>
-    <p:tnLst>
-      <p:par>
-        <p:cTn id="1" dur="indefinite" restart="never" nodeType="tmRoot"/>
-      </p:par>
-    </p:tnLst>
-  </p:timing>
-</p:sld>
-</file>
-
 <file path=ppt/slides/slide4.xml><?xml version="1.0" encoding="utf-8"?>
 <p:sld xmlns:a="http://schemas.openxmlformats.org/drawingml/2006/main" xmlns:r="http://schemas.openxmlformats.org/officeDocument/2006/relationships" xmlns:p="http://schemas.openxmlformats.org/presentationml/2006/main">
   <p:cSld>
@@ -23312,7 +23941,7 @@
           <a:lstStyle/>
           <a:p>
             <a:r>
-              <a:rPr lang="en-US" dirty="0"/>
+              <a:rPr lang="en-US" smtClean="0"/>
               <a:t>Web Training Session</a:t>
             </a:r>
           </a:p>
@@ -23586,11 +24215,11 @@
           <a:bodyPr/>
           <a:lstStyle/>
           <a:p>
-            <a:endParaRPr lang="en-US" dirty="0"/>
-          </a:p>
-          <a:p>
-            <a:r>
-              <a:rPr lang="en-US" dirty="0"/>
+            <a:endParaRPr lang="en-US" smtClean="0"/>
+          </a:p>
+          <a:p>
+            <a:r>
+              <a:rPr lang="en-US" smtClean="0"/>
               <a:t>Flux Architecture </a:t>
             </a:r>
           </a:p>
@@ -23787,11 +24416,11 @@
           <a:bodyPr/>
           <a:lstStyle/>
           <a:p>
-            <a:endParaRPr lang="en-US" dirty="0"/>
-          </a:p>
-          <a:p>
-            <a:r>
-              <a:rPr lang="en-US" dirty="0"/>
+            <a:endParaRPr lang="en-US" smtClean="0"/>
+          </a:p>
+          <a:p>
+            <a:r>
+              <a:rPr lang="en-US" smtClean="0"/>
               <a:t>Flux Architecture </a:t>
             </a:r>
           </a:p>
@@ -24179,14 +24808,13 @@
           <a:bodyPr/>
           <a:lstStyle/>
           <a:p>
-            <a:endParaRPr lang="en-US" dirty="0" smtClean="0"/>
-          </a:p>
-          <a:p>
-            <a:r>
-              <a:rPr lang="en-US" dirty="0" smtClean="0"/>
+            <a:endParaRPr lang="en-US" smtClean="0"/>
+          </a:p>
+          <a:p>
+            <a:r>
+              <a:rPr lang="en-US" smtClean="0"/>
               <a:t>Flux Architecture </a:t>
             </a:r>
-            <a:endParaRPr lang="en-US" dirty="0"/>
           </a:p>
           <a:p>
             <a:endParaRPr lang="en-US" dirty="0"/>
@@ -24400,9 +25028,10 @@
           <a:lstStyle/>
           <a:p>
             <a:r>
-              <a:rPr lang="en-US" dirty="0"/>
+              <a:rPr lang="en-US" dirty="0" smtClean="0"/>
               <a:t>Flux Architecture</a:t>
             </a:r>
+            <a:endParaRPr lang="en-US" dirty="0"/>
           </a:p>
         </p:txBody>
       </p:sp>
@@ -24512,8 +25141,12 @@
           <a:lstStyle/>
           <a:p>
             <a:r>
+              <a:rPr lang="en-US" dirty="0" err="1" smtClean="0"/>
+              <a:t>Ecmascript</a:t>
+            </a:r>
+            <a:r>
               <a:rPr lang="en-US" dirty="0" smtClean="0"/>
-              <a:t>Installing Alt</a:t>
+              <a:t> 6</a:t>
             </a:r>
             <a:endParaRPr lang="en-US" dirty="0"/>
           </a:p>
@@ -24536,59 +25169,71 @@
           <a:p>
             <a:r>
               <a:rPr lang="en-US" dirty="0" smtClean="0"/>
-              <a:t>Using </a:t>
+              <a:t>Alt.js </a:t>
+            </a:r>
+            <a:r>
+              <a:rPr lang="en-US" dirty="0" smtClean="0"/>
+              <a:t>is meant to use the new features of </a:t>
             </a:r>
             <a:r>
               <a:rPr lang="en-US" dirty="0" err="1" smtClean="0"/>
-              <a:t>npm</a:t>
+              <a:t>Ecmascript</a:t>
             </a:r>
             <a:r>
               <a:rPr lang="en-US" dirty="0" smtClean="0"/>
-              <a:t> we can run the following command at the root directory of our project.</a:t>
-            </a:r>
-          </a:p>
-          <a:p>
-            <a:pPr lvl="7"/>
-            <a:r>
-              <a:rPr lang="en-US" sz="2800" dirty="0" err="1" smtClean="0"/>
-              <a:t>npm</a:t>
-            </a:r>
-            <a:r>
-              <a:rPr lang="en-US" sz="2800" dirty="0" smtClean="0"/>
-              <a:t> </a:t>
-            </a:r>
-            <a:r>
-              <a:rPr lang="en-US" sz="2800" dirty="0"/>
-              <a:t>install </a:t>
-            </a:r>
-            <a:r>
-              <a:rPr lang="en-US" sz="2800" dirty="0" smtClean="0"/>
-              <a:t>alt</a:t>
-            </a:r>
+              <a:t> 6. </a:t>
+            </a:r>
+          </a:p>
+          <a:p>
+            <a:r>
+              <a:rPr lang="en-US" dirty="0" smtClean="0"/>
+              <a:t>We will use classes of ES6 in our </a:t>
+            </a:r>
+            <a:r>
+              <a:rPr lang="en-US" dirty="0" smtClean="0"/>
+              <a:t>sample </a:t>
+            </a:r>
+            <a:r>
+              <a:rPr lang="en-US" dirty="0" smtClean="0"/>
+              <a:t>application. </a:t>
+            </a:r>
+          </a:p>
+          <a:p>
+            <a:r>
+              <a:rPr lang="en-US" dirty="0" smtClean="0"/>
+              <a:t>Therefore some transformer is needed to make the ES6 code compatible to the browsers that only know ES5</a:t>
+            </a:r>
+          </a:p>
+          <a:p>
+            <a:r>
+              <a:rPr lang="en-US" dirty="0" smtClean="0"/>
+              <a:t>Will discuss it later</a:t>
+            </a:r>
+            <a:endParaRPr lang="en-US" dirty="0" smtClean="0"/>
           </a:p>
           <a:p>
             <a:pPr marL="0" indent="0">
               <a:buNone/>
             </a:pPr>
-            <a:endParaRPr lang="en-US" dirty="0" smtClean="0"/>
-          </a:p>
-          <a:p>
             <a:r>
               <a:rPr lang="en-US" dirty="0" smtClean="0"/>
-              <a:t>This will install the require node modules of alt to the project directory.</a:t>
-            </a:r>
-          </a:p>
-          <a:p>
-            <a:pPr marL="0" indent="0">
-              <a:buNone/>
-            </a:pPr>
+              <a:t>	</a:t>
+            </a:r>
+            <a:r>
+              <a:rPr lang="en-US" dirty="0" smtClean="0"/>
+              <a:t>	</a:t>
+            </a:r>
+            <a:r>
+              <a:rPr lang="en-US" dirty="0" smtClean="0"/>
+              <a:t>	</a:t>
+            </a:r>
             <a:endParaRPr lang="en-US" dirty="0"/>
           </a:p>
         </p:txBody>
       </p:sp>
       <p:sp>
         <p:nvSpPr>
-          <p:cNvPr id="4" name="Footer Placeholder 3"/>
+          <p:cNvPr id="5" name="Footer Placeholder 4"/>
           <p:cNvSpPr>
             <a:spLocks noGrp="1"/>
           </p:cNvSpPr>
@@ -24602,12 +25247,8 @@
           <a:lstStyle/>
           <a:p>
             <a:r>
-              <a:rPr lang="en-US" dirty="0" smtClean="0"/>
-              <a:t>Alt </a:t>
-            </a:r>
-            <a:r>
-              <a:rPr lang="en-US" dirty="0" err="1" smtClean="0"/>
-              <a:t>Js</a:t>
+              <a:rPr lang="en-US" smtClean="0"/>
+              <a:t>Ecmascript 6</a:t>
             </a:r>
             <a:endParaRPr lang="en-US" dirty="0"/>
           </a:p>
@@ -24615,7 +25256,7 @@
       </p:sp>
       <p:sp>
         <p:nvSpPr>
-          <p:cNvPr id="5" name="Slide Number Placeholder 4"/>
+          <p:cNvPr id="6" name="Slide Number Placeholder 5"/>
           <p:cNvSpPr>
             <a:spLocks noGrp="1"/>
           </p:cNvSpPr>
@@ -24638,7 +25279,7 @@
       </p:sp>
       <p:pic>
         <p:nvPicPr>
-          <p:cNvPr id="6" name="Picture 5"/>
+          <p:cNvPr id="7" name="Picture 6"/>
           <p:cNvPicPr>
             <a:picLocks noChangeAspect="1"/>
           </p:cNvPicPr>
@@ -24669,7 +25310,7 @@
     </p:spTree>
     <p:extLst>
       <p:ext uri="{BB962C8B-B14F-4D97-AF65-F5344CB8AC3E}">
-        <p14:creationId xmlns:p14="http://schemas.microsoft.com/office/powerpoint/2010/main" val="339529596"/>
+        <p14:creationId xmlns:p14="http://schemas.microsoft.com/office/powerpoint/2010/main" val="1909807227"/>
       </p:ext>
     </p:extLst>
   </p:cSld>
@@ -24679,9 +25320,280 @@
   <p:timing>
     <p:tnLst>
       <p:par>
-        <p:cTn id="1" dur="indefinite" restart="never" nodeType="tmRoot"/>
+        <p:cTn id="1" dur="indefinite" restart="never" nodeType="tmRoot">
+          <p:childTnLst>
+            <p:seq concurrent="1" nextAc="seek">
+              <p:cTn id="2" dur="indefinite" nodeType="mainSeq">
+                <p:childTnLst>
+                  <p:par>
+                    <p:cTn id="3" fill="hold">
+                      <p:stCondLst>
+                        <p:cond delay="indefinite"/>
+                      </p:stCondLst>
+                      <p:childTnLst>
+                        <p:par>
+                          <p:cTn id="4" fill="hold">
+                            <p:stCondLst>
+                              <p:cond delay="0"/>
+                            </p:stCondLst>
+                            <p:childTnLst>
+                              <p:par>
+                                <p:cTn id="5" presetID="1" presetClass="entr" presetSubtype="0" fill="hold" grpId="0" nodeType="clickEffect">
+                                  <p:stCondLst>
+                                    <p:cond delay="0"/>
+                                  </p:stCondLst>
+                                  <p:childTnLst>
+                                    <p:set>
+                                      <p:cBhvr>
+                                        <p:cTn id="6" dur="1" fill="hold">
+                                          <p:stCondLst>
+                                            <p:cond delay="0"/>
+                                          </p:stCondLst>
+                                        </p:cTn>
+                                        <p:tgtEl>
+                                          <p:spTgt spid="3">
+                                            <p:txEl>
+                                              <p:pRg st="0" end="0"/>
+                                            </p:txEl>
+                                          </p:spTgt>
+                                        </p:tgtEl>
+                                        <p:attrNameLst>
+                                          <p:attrName>style.visibility</p:attrName>
+                                        </p:attrNameLst>
+                                      </p:cBhvr>
+                                      <p:to>
+                                        <p:strVal val="visible"/>
+                                      </p:to>
+                                    </p:set>
+                                  </p:childTnLst>
+                                </p:cTn>
+                              </p:par>
+                            </p:childTnLst>
+                          </p:cTn>
+                        </p:par>
+                      </p:childTnLst>
+                    </p:cTn>
+                  </p:par>
+                  <p:par>
+                    <p:cTn id="7" fill="hold">
+                      <p:stCondLst>
+                        <p:cond delay="indefinite"/>
+                      </p:stCondLst>
+                      <p:childTnLst>
+                        <p:par>
+                          <p:cTn id="8" fill="hold">
+                            <p:stCondLst>
+                              <p:cond delay="0"/>
+                            </p:stCondLst>
+                            <p:childTnLst>
+                              <p:par>
+                                <p:cTn id="9" presetID="1" presetClass="entr" presetSubtype="0" fill="hold" grpId="0" nodeType="clickEffect">
+                                  <p:stCondLst>
+                                    <p:cond delay="0"/>
+                                  </p:stCondLst>
+                                  <p:childTnLst>
+                                    <p:set>
+                                      <p:cBhvr>
+                                        <p:cTn id="10" dur="1" fill="hold">
+                                          <p:stCondLst>
+                                            <p:cond delay="0"/>
+                                          </p:stCondLst>
+                                        </p:cTn>
+                                        <p:tgtEl>
+                                          <p:spTgt spid="3">
+                                            <p:txEl>
+                                              <p:pRg st="1" end="1"/>
+                                            </p:txEl>
+                                          </p:spTgt>
+                                        </p:tgtEl>
+                                        <p:attrNameLst>
+                                          <p:attrName>style.visibility</p:attrName>
+                                        </p:attrNameLst>
+                                      </p:cBhvr>
+                                      <p:to>
+                                        <p:strVal val="visible"/>
+                                      </p:to>
+                                    </p:set>
+                                  </p:childTnLst>
+                                </p:cTn>
+                              </p:par>
+                            </p:childTnLst>
+                          </p:cTn>
+                        </p:par>
+                      </p:childTnLst>
+                    </p:cTn>
+                  </p:par>
+                  <p:par>
+                    <p:cTn id="11" fill="hold">
+                      <p:stCondLst>
+                        <p:cond delay="indefinite"/>
+                      </p:stCondLst>
+                      <p:childTnLst>
+                        <p:par>
+                          <p:cTn id="12" fill="hold">
+                            <p:stCondLst>
+                              <p:cond delay="0"/>
+                            </p:stCondLst>
+                            <p:childTnLst>
+                              <p:par>
+                                <p:cTn id="13" presetID="1" presetClass="entr" presetSubtype="0" fill="hold" grpId="0" nodeType="clickEffect">
+                                  <p:stCondLst>
+                                    <p:cond delay="0"/>
+                                  </p:stCondLst>
+                                  <p:childTnLst>
+                                    <p:set>
+                                      <p:cBhvr>
+                                        <p:cTn id="14" dur="1" fill="hold">
+                                          <p:stCondLst>
+                                            <p:cond delay="0"/>
+                                          </p:stCondLst>
+                                        </p:cTn>
+                                        <p:tgtEl>
+                                          <p:spTgt spid="3">
+                                            <p:txEl>
+                                              <p:pRg st="2" end="2"/>
+                                            </p:txEl>
+                                          </p:spTgt>
+                                        </p:tgtEl>
+                                        <p:attrNameLst>
+                                          <p:attrName>style.visibility</p:attrName>
+                                        </p:attrNameLst>
+                                      </p:cBhvr>
+                                      <p:to>
+                                        <p:strVal val="visible"/>
+                                      </p:to>
+                                    </p:set>
+                                  </p:childTnLst>
+                                </p:cTn>
+                              </p:par>
+                            </p:childTnLst>
+                          </p:cTn>
+                        </p:par>
+                      </p:childTnLst>
+                    </p:cTn>
+                  </p:par>
+                  <p:par>
+                    <p:cTn id="15" fill="hold">
+                      <p:stCondLst>
+                        <p:cond delay="indefinite"/>
+                      </p:stCondLst>
+                      <p:childTnLst>
+                        <p:par>
+                          <p:cTn id="16" fill="hold">
+                            <p:stCondLst>
+                              <p:cond delay="0"/>
+                            </p:stCondLst>
+                            <p:childTnLst>
+                              <p:par>
+                                <p:cTn id="17" presetID="1" presetClass="entr" presetSubtype="0" fill="hold" grpId="0" nodeType="clickEffect">
+                                  <p:stCondLst>
+                                    <p:cond delay="0"/>
+                                  </p:stCondLst>
+                                  <p:childTnLst>
+                                    <p:set>
+                                      <p:cBhvr>
+                                        <p:cTn id="18" dur="1" fill="hold">
+                                          <p:stCondLst>
+                                            <p:cond delay="0"/>
+                                          </p:stCondLst>
+                                        </p:cTn>
+                                        <p:tgtEl>
+                                          <p:spTgt spid="3">
+                                            <p:txEl>
+                                              <p:pRg st="3" end="3"/>
+                                            </p:txEl>
+                                          </p:spTgt>
+                                        </p:tgtEl>
+                                        <p:attrNameLst>
+                                          <p:attrName>style.visibility</p:attrName>
+                                        </p:attrNameLst>
+                                      </p:cBhvr>
+                                      <p:to>
+                                        <p:strVal val="visible"/>
+                                      </p:to>
+                                    </p:set>
+                                  </p:childTnLst>
+                                </p:cTn>
+                              </p:par>
+                            </p:childTnLst>
+                          </p:cTn>
+                        </p:par>
+                      </p:childTnLst>
+                    </p:cTn>
+                  </p:par>
+                  <p:par>
+                    <p:cTn id="19" fill="hold">
+                      <p:stCondLst>
+                        <p:cond delay="indefinite"/>
+                      </p:stCondLst>
+                      <p:childTnLst>
+                        <p:par>
+                          <p:cTn id="20" fill="hold">
+                            <p:stCondLst>
+                              <p:cond delay="0"/>
+                            </p:stCondLst>
+                            <p:childTnLst>
+                              <p:par>
+                                <p:cTn id="21" presetID="1" presetClass="entr" presetSubtype="0" fill="hold" grpId="0" nodeType="clickEffect">
+                                  <p:stCondLst>
+                                    <p:cond delay="0"/>
+                                  </p:stCondLst>
+                                  <p:childTnLst>
+                                    <p:set>
+                                      <p:cBhvr>
+                                        <p:cTn id="22" dur="1" fill="hold">
+                                          <p:stCondLst>
+                                            <p:cond delay="0"/>
+                                          </p:stCondLst>
+                                        </p:cTn>
+                                        <p:tgtEl>
+                                          <p:spTgt spid="3">
+                                            <p:txEl>
+                                              <p:pRg st="4" end="4"/>
+                                            </p:txEl>
+                                          </p:spTgt>
+                                        </p:tgtEl>
+                                        <p:attrNameLst>
+                                          <p:attrName>style.visibility</p:attrName>
+                                        </p:attrNameLst>
+                                      </p:cBhvr>
+                                      <p:to>
+                                        <p:strVal val="visible"/>
+                                      </p:to>
+                                    </p:set>
+                                  </p:childTnLst>
+                                </p:cTn>
+                              </p:par>
+                            </p:childTnLst>
+                          </p:cTn>
+                        </p:par>
+                      </p:childTnLst>
+                    </p:cTn>
+                  </p:par>
+                </p:childTnLst>
+              </p:cTn>
+              <p:prevCondLst>
+                <p:cond evt="onPrev" delay="0">
+                  <p:tgtEl>
+                    <p:sldTgt/>
+                  </p:tgtEl>
+                </p:cond>
+              </p:prevCondLst>
+              <p:nextCondLst>
+                <p:cond evt="onNext" delay="0">
+                  <p:tgtEl>
+                    <p:sldTgt/>
+                  </p:tgtEl>
+                </p:cond>
+              </p:nextCondLst>
+            </p:seq>
+          </p:childTnLst>
+        </p:cTn>
       </p:par>
     </p:tnLst>
+    <p:bldLst>
+      <p:bldP spid="3" grpId="0" build="p"/>
+    </p:bldLst>
   </p:timing>
 </p:sld>
 </file>

--- a/React.pptx
+++ b/React.pptx
@@ -15352,7 +15352,7 @@
         </p:blipFill>
         <p:spPr>
           <a:xfrm>
-            <a:off x="5430130" y="1930400"/>
+            <a:off x="5080788" y="1089696"/>
             <a:ext cx="4193214" cy="3881437"/>
           </a:xfrm>
         </p:spPr>
@@ -15380,36 +15380,6 @@
           </a:p>
         </p:txBody>
       </p:sp>
-      <p:pic>
-        <p:nvPicPr>
-          <p:cNvPr id="8" name="Content Placeholder 5"/>
-          <p:cNvPicPr>
-            <a:picLocks noChangeAspect="1"/>
-          </p:cNvPicPr>
-          <p:nvPr/>
-        </p:nvPicPr>
-        <p:blipFill>
-          <a:blip r:embed="rId2">
-            <a:extLst>
-              <a:ext uri="{28A0092B-C50C-407E-A947-70E740481C1C}">
-                <a14:useLocalDpi xmlns:a14="http://schemas.microsoft.com/office/drawing/2010/main" val="0"/>
-              </a:ext>
-            </a:extLst>
-          </a:blip>
-          <a:stretch>
-            <a:fillRect/>
-          </a:stretch>
-        </p:blipFill>
-        <p:spPr>
-          <a:xfrm>
-            <a:off x="5437540" y="1503464"/>
-            <a:ext cx="4193214" cy="3881437"/>
-          </a:xfrm>
-          <a:prstGeom prst="rect">
-            <a:avLst/>
-          </a:prstGeom>
-        </p:spPr>
-      </p:pic>
       <p:sp>
         <p:nvSpPr>
           <p:cNvPr id="9" name="TextBox 8"/>
@@ -15470,12 +15440,12 @@
               <a:buChar char="•"/>
             </a:pPr>
             <a:r>
-              <a:rPr lang="en-US" dirty="0" err="1" smtClean="0"/>
-              <a:t>Mr</a:t>
-            </a:r>
-            <a:r>
               <a:rPr lang="en-US" dirty="0" smtClean="0"/>
-              <a:t> Abdul </a:t>
+              <a:t>Mr. </a:t>
+            </a:r>
+            <a:r>
+              <a:rPr lang="en-US" dirty="0" smtClean="0"/>
+              <a:t>Abdul </a:t>
             </a:r>
             <a:r>
               <a:rPr lang="en-US" dirty="0" err="1" smtClean="0"/>
@@ -15489,12 +15459,12 @@
               <a:buChar char="•"/>
             </a:pPr>
             <a:r>
-              <a:rPr lang="en-US" dirty="0" err="1" smtClean="0"/>
-              <a:t>Mr</a:t>
-            </a:r>
-            <a:r>
               <a:rPr lang="en-US" dirty="0" smtClean="0"/>
-              <a:t> Tahir Masood</a:t>
+              <a:t>Mr. </a:t>
+            </a:r>
+            <a:r>
+              <a:rPr lang="en-US" dirty="0" smtClean="0"/>
+              <a:t>Tahir Masood</a:t>
             </a:r>
           </a:p>
           <a:p>
@@ -22723,11 +22693,7 @@
           <a:p>
             <a:r>
               <a:rPr lang="en-US" dirty="0" smtClean="0"/>
-              <a:t>	Thank </a:t>
-            </a:r>
-            <a:r>
-              <a:rPr lang="en-US" dirty="0" smtClean="0"/>
-              <a:t>You</a:t>
+              <a:t>	Thank You</a:t>
             </a:r>
             <a:endParaRPr lang="en-US" dirty="0"/>
           </a:p>
@@ -22819,11 +22785,7 @@
             </a:r>
             <a:r>
               <a:rPr lang="en-US" dirty="0" smtClean="0"/>
-              <a:t>Any </a:t>
-            </a:r>
-            <a:r>
-              <a:rPr lang="en-US" dirty="0" smtClean="0"/>
-              <a:t>questions from the audience please!!!</a:t>
+              <a:t>Any questions from the audience please!!!</a:t>
             </a:r>
           </a:p>
           <a:p>

--- a/React.pptx
+++ b/React.pptx
@@ -7,10 +7,10 @@
     <p:sldMasterId id="2147483707" r:id="rId3"/>
   </p:sldMasterIdLst>
   <p:notesMasterIdLst>
-    <p:notesMasterId r:id="rId38"/>
+    <p:notesMasterId r:id="rId39"/>
   </p:notesMasterIdLst>
   <p:handoutMasterIdLst>
-    <p:handoutMasterId r:id="rId39"/>
+    <p:handoutMasterId r:id="rId40"/>
   </p:handoutMasterIdLst>
   <p:sldIdLst>
     <p:sldId id="309" r:id="rId4"/>
@@ -44,9 +44,10 @@
     <p:sldId id="317" r:id="rId32"/>
     <p:sldId id="268" r:id="rId33"/>
     <p:sldId id="306" r:id="rId34"/>
-    <p:sldId id="304" r:id="rId35"/>
-    <p:sldId id="295" r:id="rId36"/>
-    <p:sldId id="311" r:id="rId37"/>
+    <p:sldId id="319" r:id="rId35"/>
+    <p:sldId id="304" r:id="rId36"/>
+    <p:sldId id="295" r:id="rId37"/>
+    <p:sldId id="311" r:id="rId38"/>
   </p:sldIdLst>
   <p:sldSz cx="12192000" cy="6858000"/>
   <p:notesSz cx="6858000" cy="9144000"/>
@@ -181,6 +182,7 @@
             <p14:sldId id="317"/>
             <p14:sldId id="268"/>
             <p14:sldId id="306"/>
+            <p14:sldId id="319"/>
             <p14:sldId id="304"/>
             <p14:sldId id="295"/>
             <p14:sldId id="311"/>
@@ -15667,11 +15669,7 @@
           <a:p>
             <a:r>
               <a:rPr lang="en-US" dirty="0" smtClean="0"/>
-              <a:t>Learn</a:t>
-            </a:r>
-            <a:r>
-              <a:rPr lang="en-US" dirty="0" smtClean="0"/>
-              <a:t> Alt with an example</a:t>
+              <a:t>Learn Alt with an example</a:t>
             </a:r>
             <a:endParaRPr lang="en-US" dirty="0"/>
           </a:p>
@@ -15716,13 +15714,8 @@
             </a:r>
             <a:r>
               <a:rPr lang="en-US" dirty="0" smtClean="0"/>
-              <a:t> we can run the following command at the root </a:t>
-            </a:r>
-            <a:r>
-              <a:rPr lang="en-US" dirty="0" smtClean="0"/>
-              <a:t>of the directory</a:t>
-            </a:r>
-            <a:endParaRPr lang="en-US" dirty="0" smtClean="0"/>
+              <a:t> we can run the following command at the root of the directory</a:t>
+            </a:r>
           </a:p>
           <a:p>
             <a:pPr lvl="7"/>
@@ -15775,11 +15768,7 @@
           <a:p>
             <a:r>
               <a:rPr lang="en-US" dirty="0" smtClean="0"/>
-              <a:t>Learning </a:t>
-            </a:r>
-            <a:r>
-              <a:rPr lang="en-US" dirty="0" smtClean="0"/>
-              <a:t>Alt </a:t>
+              <a:t>Learning Alt </a:t>
             </a:r>
             <a:r>
               <a:rPr lang="en-US" dirty="0" err="1" smtClean="0"/>
@@ -15992,11 +15981,7 @@
             </a:r>
             <a:r>
               <a:rPr lang="en-US" sz="2000" dirty="0" smtClean="0"/>
-              <a:t>	</a:t>
-            </a:r>
-            <a:r>
-              <a:rPr lang="en-US" sz="2000" dirty="0" smtClean="0"/>
-              <a:t>|--TodoActions.js </a:t>
+              <a:t>	|--TodoActions.js </a:t>
             </a:r>
             <a:r>
               <a:rPr lang="en-US" sz="2000" dirty="0" smtClean="0">
@@ -16035,19 +16020,7 @@
             </a:r>
             <a:r>
               <a:rPr lang="en-US" sz="2000" dirty="0" smtClean="0"/>
-              <a:t>	</a:t>
-            </a:r>
-            <a:r>
-              <a:rPr lang="en-US" sz="2000" dirty="0" smtClean="0"/>
-              <a:t>|--</a:t>
-            </a:r>
-            <a:r>
-              <a:rPr lang="en-US" sz="2000" dirty="0" smtClean="0"/>
-              <a:t>Todo</a:t>
-            </a:r>
-            <a:r>
-              <a:rPr lang="en-US" sz="2000" dirty="0" smtClean="0"/>
-              <a:t>Store.js </a:t>
+              <a:t>	|--TodoStore.js </a:t>
             </a:r>
             <a:r>
               <a:rPr lang="en-US" sz="2000" dirty="0" smtClean="0">
@@ -16086,11 +16059,7 @@
             </a:r>
             <a:r>
               <a:rPr lang="en-US" sz="2000" dirty="0" smtClean="0"/>
-              <a:t>	</a:t>
-            </a:r>
-            <a:r>
-              <a:rPr lang="en-US" sz="2000" dirty="0" smtClean="0"/>
-              <a:t>|--Todos.js </a:t>
+              <a:t>	|--Todos.js </a:t>
             </a:r>
             <a:r>
               <a:rPr lang="en-US" sz="2000" dirty="0" smtClean="0">
@@ -16382,11 +16351,7 @@
             </a:r>
             <a:r>
               <a:rPr lang="en-US" dirty="0" smtClean="0"/>
-              <a:t> </a:t>
-            </a:r>
-            <a:r>
-              <a:rPr lang="en-US" dirty="0" smtClean="0"/>
-              <a:t>directory</a:t>
+              <a:t> directory</a:t>
             </a:r>
           </a:p>
           <a:p>
@@ -16422,7 +16387,6 @@
               <a:rPr lang="en-US" dirty="0" smtClean="0"/>
               <a:t> configuration</a:t>
             </a:r>
-            <a:endParaRPr lang="en-US" dirty="0" smtClean="0"/>
           </a:p>
         </p:txBody>
       </p:sp>
@@ -17066,11 +17030,7 @@
           <a:p>
             <a:r>
               <a:rPr lang="en-US" dirty="0" smtClean="0"/>
-              <a:t>Alt </a:t>
-            </a:r>
-            <a:r>
-              <a:rPr lang="en-US" dirty="0" smtClean="0"/>
-              <a:t>Actions</a:t>
+              <a:t>Alt Actions</a:t>
             </a:r>
             <a:endParaRPr lang="en-US" dirty="0"/>
           </a:p>
@@ -17265,11 +17225,7 @@
           <a:p>
             <a:r>
               <a:rPr lang="en-US" dirty="0" smtClean="0"/>
-              <a:t>Alt </a:t>
-            </a:r>
-            <a:r>
-              <a:rPr lang="en-US" dirty="0" smtClean="0"/>
-              <a:t>Stores</a:t>
+              <a:t>Alt Stores</a:t>
             </a:r>
             <a:endParaRPr lang="en-US" dirty="0"/>
           </a:p>
@@ -17506,19 +17462,7 @@
             </a:pPr>
             <a:r>
               <a:rPr lang="en-US" dirty="0" smtClean="0"/>
-              <a:t>Lets understand the react </a:t>
-            </a:r>
-            <a:r>
-              <a:rPr lang="en-US" dirty="0" smtClean="0"/>
-              <a:t>first then </a:t>
-            </a:r>
-            <a:r>
-              <a:rPr lang="en-US" dirty="0" smtClean="0"/>
-              <a:t>we will move back to </a:t>
-            </a:r>
-            <a:r>
-              <a:rPr lang="en-US" dirty="0" smtClean="0"/>
-              <a:t>our Alt </a:t>
+              <a:t>Lets understand the react first then we will move back to our Alt </a:t>
             </a:r>
             <a:r>
               <a:rPr lang="en-US" dirty="0" err="1" smtClean="0"/>
@@ -19962,11 +19906,7 @@
             </a:r>
             <a:r>
               <a:rPr lang="en-US" dirty="0" smtClean="0"/>
-              <a:t>’ respectively</a:t>
-            </a:r>
-            <a:r>
-              <a:rPr lang="en-US" dirty="0" smtClean="0"/>
-              <a:t>.</a:t>
+              <a:t>’ respectively.</a:t>
             </a:r>
           </a:p>
           <a:p>
@@ -19994,7 +19934,6 @@
               <a:rPr lang="en-US" dirty="0"/>
               <a:t>: '5px'}}</a:t>
             </a:r>
-            <a:endParaRPr lang="en-US" dirty="0"/>
           </a:p>
         </p:txBody>
       </p:sp>
@@ -20588,11 +20527,7 @@
             </a:pPr>
             <a:r>
               <a:rPr lang="en-US" sz="2000" dirty="0" smtClean="0"/>
-              <a:t>     </a:t>
-            </a:r>
-            <a:r>
-              <a:rPr lang="en-US" sz="2000" dirty="0" smtClean="0"/>
-              <a:t>			&lt;</a:t>
+              <a:t>     			&lt;</a:t>
             </a:r>
             <a:r>
               <a:rPr lang="en-US" sz="2000" dirty="0" err="1"/>
@@ -20600,11 +20535,7 @@
             </a:r>
             <a:r>
               <a:rPr lang="en-US" sz="2000" dirty="0"/>
-              <a:t> store</a:t>
-            </a:r>
-            <a:r>
-              <a:rPr lang="en-US" sz="2000" dirty="0"/>
-              <a:t>={</a:t>
+              <a:t> store={</a:t>
             </a:r>
             <a:r>
               <a:rPr lang="en-US" sz="2000" dirty="0" err="1"/>
@@ -20614,7 +20545,6 @@
               <a:rPr lang="en-US" sz="2000" dirty="0"/>
               <a:t>}&gt;</a:t>
             </a:r>
-            <a:endParaRPr lang="en-US" sz="2000" dirty="0"/>
           </a:p>
           <a:p>
             <a:pPr marL="0" indent="0">
@@ -20626,15 +20556,7 @@
             </a:r>
             <a:r>
               <a:rPr lang="en-US" sz="2000" dirty="0" smtClean="0"/>
-              <a:t>	 </a:t>
-            </a:r>
-            <a:r>
-              <a:rPr lang="en-US" sz="2000" dirty="0" smtClean="0"/>
-              <a:t>			</a:t>
-            </a:r>
-            <a:r>
-              <a:rPr lang="en-US" sz="2000" dirty="0" smtClean="0"/>
-              <a:t>&lt;</a:t>
+              <a:t>	 			&lt;</a:t>
             </a:r>
             <a:r>
               <a:rPr lang="en-US" sz="2000" dirty="0" err="1" smtClean="0"/>
@@ -20727,7 +20649,6 @@
               <a:rPr lang="en-US" dirty="0"/>
               <a:t> App</a:t>
             </a:r>
-            <a:endParaRPr lang="en-US" dirty="0"/>
           </a:p>
         </p:txBody>
       </p:sp>
@@ -21408,11 +21329,7 @@
             </a:r>
             <a:r>
               <a:rPr lang="en-US" dirty="0" smtClean="0"/>
-              <a:t> syntax </a:t>
-            </a:r>
-            <a:r>
-              <a:rPr lang="en-US" dirty="0" smtClean="0"/>
-              <a:t>in </a:t>
+              <a:t> syntax in </a:t>
             </a:r>
             <a:r>
               <a:rPr lang="en-US" dirty="0" err="1" smtClean="0"/>
@@ -21867,7 +21784,6 @@
               <a:rPr lang="en-US" dirty="0"/>
               <a:t> App</a:t>
             </a:r>
-            <a:endParaRPr lang="en-US" dirty="0"/>
           </a:p>
         </p:txBody>
       </p:sp>
@@ -23063,12 +22979,12 @@
       </p:grpSpPr>
       <p:sp>
         <p:nvSpPr>
-          <p:cNvPr id="2" name="Title 1"/>
-          <p:cNvSpPr>
-            <a:spLocks noGrp="1"/>
-          </p:cNvSpPr>
-          <p:nvPr>
-            <p:ph type="title"/>
+          <p:cNvPr id="4" name="Footer Placeholder 3"/>
+          <p:cNvSpPr>
+            <a:spLocks noGrp="1"/>
+          </p:cNvSpPr>
+          <p:nvPr>
+            <p:ph type="ftr" sz="quarter" idx="11"/>
           </p:nvPr>
         </p:nvSpPr>
         <p:spPr/>
@@ -23078,11 +22994,7 @@
           <a:p>
             <a:r>
               <a:rPr lang="en-US" dirty="0"/>
-              <a:t>Jest Directory </a:t>
-            </a:r>
-            <a:r>
-              <a:rPr lang="en-US" dirty="0" smtClean="0"/>
-              <a:t>Structure</a:t>
+              <a:t>Unit testing With JEST</a:t>
             </a:r>
             <a:endParaRPr lang="en-US" dirty="0"/>
           </a:p>
@@ -23090,23 +23002,24 @@
       </p:sp>
       <p:sp>
         <p:nvSpPr>
-          <p:cNvPr id="3" name="Content Placeholder 2"/>
-          <p:cNvSpPr>
-            <a:spLocks noGrp="1"/>
-          </p:cNvSpPr>
-          <p:nvPr>
-            <p:ph idx="1"/>
-          </p:nvPr>
-        </p:nvSpPr>
-        <p:spPr/>
-        <p:txBody>
-          <a:bodyPr/>
-          <a:lstStyle/>
-          <a:p>
-            <a:pPr marL="0" indent="0">
-              <a:buNone/>
-            </a:pPr>
-            <a:endParaRPr lang="en-US" dirty="0"/>
+          <p:cNvPr id="5" name="Slide Number Placeholder 4"/>
+          <p:cNvSpPr>
+            <a:spLocks noGrp="1"/>
+          </p:cNvSpPr>
+          <p:nvPr>
+            <p:ph type="sldNum" sz="quarter" idx="12"/>
+          </p:nvPr>
+        </p:nvSpPr>
+        <p:spPr/>
+        <p:txBody>
+          <a:bodyPr/>
+          <a:lstStyle/>
+          <a:p>
+            <a:fld id="{B777A91B-BF1B-4ECE-B89B-72F2144CF226}" type="slidenum">
+              <a:rPr lang="en-US" smtClean="0"/>
+              <a:t>32</a:t>
+            </a:fld>
+            <a:endParaRPr lang="en-US"/>
           </a:p>
         </p:txBody>
       </p:sp>
@@ -23126,8 +23039,8 @@
         </p:blipFill>
         <p:spPr>
           <a:xfrm>
-            <a:off x="1056068" y="2333557"/>
-            <a:ext cx="4228563" cy="3045341"/>
+            <a:off x="431040" y="1599909"/>
+            <a:ext cx="6648450" cy="4611240"/>
           </a:xfrm>
           <a:prstGeom prst="rect">
             <a:avLst/>
@@ -23136,6 +23049,148 @@
       </p:pic>
       <p:sp>
         <p:nvSpPr>
+          <p:cNvPr id="9" name="Title 1"/>
+          <p:cNvSpPr>
+            <a:spLocks noGrp="1"/>
+          </p:cNvSpPr>
+          <p:nvPr>
+            <p:ph type="title"/>
+          </p:nvPr>
+        </p:nvSpPr>
+        <p:spPr>
+          <a:xfrm>
+            <a:off x="431040" y="129146"/>
+            <a:ext cx="10515600" cy="1325563"/>
+          </a:xfrm>
+        </p:spPr>
+        <p:txBody>
+          <a:bodyPr/>
+          <a:lstStyle/>
+          <a:p>
+            <a:r>
+              <a:rPr lang="en-US" dirty="0" smtClean="0"/>
+              <a:t>Test And Result</a:t>
+            </a:r>
+            <a:endParaRPr lang="en-US" dirty="0"/>
+          </a:p>
+        </p:txBody>
+      </p:sp>
+      <p:pic>
+        <p:nvPicPr>
+          <p:cNvPr id="10" name="Picture 9"/>
+          <p:cNvPicPr>
+            <a:picLocks noChangeAspect="1"/>
+          </p:cNvPicPr>
+          <p:nvPr/>
+        </p:nvPicPr>
+        <p:blipFill>
+          <a:blip r:embed="rId3"/>
+          <a:stretch>
+            <a:fillRect/>
+          </a:stretch>
+        </p:blipFill>
+        <p:spPr>
+          <a:xfrm>
+            <a:off x="7202242" y="2326648"/>
+            <a:ext cx="4848090" cy="1781712"/>
+          </a:xfrm>
+          <a:prstGeom prst="rect">
+            <a:avLst/>
+          </a:prstGeom>
+        </p:spPr>
+      </p:pic>
+    </p:spTree>
+    <p:extLst>
+      <p:ext uri="{BB962C8B-B14F-4D97-AF65-F5344CB8AC3E}">
+        <p14:creationId xmlns:p14="http://schemas.microsoft.com/office/powerpoint/2010/main" val="2027190933"/>
+      </p:ext>
+    </p:extLst>
+  </p:cSld>
+  <p:clrMapOvr>
+    <a:masterClrMapping/>
+  </p:clrMapOvr>
+</p:sld>
+</file>
+
+<file path=ppt/slides/slide33.xml><?xml version="1.0" encoding="utf-8"?>
+<p:sld xmlns:a="http://schemas.openxmlformats.org/drawingml/2006/main" xmlns:r="http://schemas.openxmlformats.org/officeDocument/2006/relationships" xmlns:p="http://schemas.openxmlformats.org/presentationml/2006/main">
+  <p:cSld>
+    <p:spTree>
+      <p:nvGrpSpPr>
+        <p:cNvPr id="1" name=""/>
+        <p:cNvGrpSpPr/>
+        <p:nvPr/>
+      </p:nvGrpSpPr>
+      <p:grpSpPr>
+        <a:xfrm>
+          <a:off x="0" y="0"/>
+          <a:ext cx="0" cy="0"/>
+          <a:chOff x="0" y="0"/>
+          <a:chExt cx="0" cy="0"/>
+        </a:xfrm>
+      </p:grpSpPr>
+      <p:sp>
+        <p:nvSpPr>
+          <p:cNvPr id="2" name="Title 1"/>
+          <p:cNvSpPr>
+            <a:spLocks noGrp="1"/>
+          </p:cNvSpPr>
+          <p:nvPr>
+            <p:ph type="title"/>
+          </p:nvPr>
+        </p:nvSpPr>
+        <p:spPr/>
+        <p:txBody>
+          <a:bodyPr/>
+          <a:lstStyle/>
+          <a:p>
+            <a:r>
+              <a:rPr lang="en-US" dirty="0"/>
+              <a:t>Jest Directory </a:t>
+            </a:r>
+            <a:r>
+              <a:rPr lang="en-US" dirty="0" smtClean="0"/>
+              <a:t>Structure</a:t>
+            </a:r>
+            <a:endParaRPr lang="en-US" dirty="0"/>
+          </a:p>
+        </p:txBody>
+      </p:sp>
+      <p:sp>
+        <p:nvSpPr>
+          <p:cNvPr id="3" name="Content Placeholder 2"/>
+          <p:cNvSpPr>
+            <a:spLocks noGrp="1"/>
+          </p:cNvSpPr>
+          <p:nvPr>
+            <p:ph idx="1"/>
+          </p:nvPr>
+        </p:nvSpPr>
+        <p:spPr>
+          <a:xfrm>
+            <a:off x="838200" y="1825625"/>
+            <a:ext cx="6348211" cy="4351338"/>
+          </a:xfrm>
+        </p:spPr>
+        <p:txBody>
+          <a:bodyPr/>
+          <a:lstStyle/>
+          <a:p>
+            <a:r>
+              <a:rPr lang="en-US" dirty="0" smtClean="0"/>
+              <a:t>You can follow the structure as provided by Jest Examples as it creates a folder ‘__tests__’ at top and place all test cases inside it.</a:t>
+            </a:r>
+          </a:p>
+          <a:p>
+            <a:pPr marL="0" indent="0">
+              <a:buNone/>
+            </a:pPr>
+            <a:endParaRPr lang="en-US" dirty="0"/>
+          </a:p>
+        </p:txBody>
+      </p:sp>
+      <p:sp>
+        <p:nvSpPr>
           <p:cNvPr id="4" name="Footer Placeholder 3"/>
           <p:cNvSpPr>
             <a:spLocks noGrp="1"/>
@@ -23150,7 +23205,7 @@
           <a:lstStyle/>
           <a:p>
             <a:r>
-              <a:rPr lang="en-US" smtClean="0"/>
+              <a:rPr lang="en-US" dirty="0" smtClean="0"/>
               <a:t>Unit testing With JEST</a:t>
             </a:r>
             <a:endParaRPr lang="en-US" dirty="0"/>
@@ -23174,7 +23229,7 @@
           <a:p>
             <a:fld id="{B777A91B-BF1B-4ECE-B89B-72F2144CF226}" type="slidenum">
               <a:rPr lang="en-US" smtClean="0"/>
-              <a:t>32</a:t>
+              <a:t>33</a:t>
             </a:fld>
             <a:endParaRPr lang="en-US"/>
           </a:p>
@@ -23189,7 +23244,7 @@
           <p:nvPr/>
         </p:nvPicPr>
         <p:blipFill>
-          <a:blip r:embed="rId3">
+          <a:blip r:embed="rId2">
             <a:extLst>
               <a:ext uri="{28A0092B-C50C-407E-A947-70E740481C1C}">
                 <a14:useLocalDpi xmlns:a14="http://schemas.microsoft.com/office/drawing/2010/main" val="0"/>
@@ -23204,6 +23259,30 @@
           <a:xfrm>
             <a:off x="157162" y="84137"/>
             <a:ext cx="1362075" cy="561975"/>
+          </a:xfrm>
+          <a:prstGeom prst="rect">
+            <a:avLst/>
+          </a:prstGeom>
+        </p:spPr>
+      </p:pic>
+      <p:pic>
+        <p:nvPicPr>
+          <p:cNvPr id="6" name="Picture 5"/>
+          <p:cNvPicPr>
+            <a:picLocks noChangeAspect="1"/>
+          </p:cNvPicPr>
+          <p:nvPr/>
+        </p:nvPicPr>
+        <p:blipFill>
+          <a:blip r:embed="rId3"/>
+          <a:stretch>
+            <a:fillRect/>
+          </a:stretch>
+        </p:blipFill>
+        <p:spPr>
+          <a:xfrm>
+            <a:off x="7670441" y="1870075"/>
+            <a:ext cx="2542505" cy="4068008"/>
           </a:xfrm>
           <a:prstGeom prst="rect">
             <a:avLst/>
@@ -23230,7 +23309,7 @@
 </p:sld>
 </file>
 
-<file path=ppt/slides/slide33.xml><?xml version="1.0" encoding="utf-8"?>
+<file path=ppt/slides/slide34.xml><?xml version="1.0" encoding="utf-8"?>
 <p:sld xmlns:a="http://schemas.openxmlformats.org/drawingml/2006/main" xmlns:r="http://schemas.openxmlformats.org/officeDocument/2006/relationships" xmlns:p="http://schemas.openxmlformats.org/presentationml/2006/main">
   <p:cSld>
     <p:spTree>
@@ -23468,7 +23547,7 @@
           <a:p>
             <a:fld id="{B777A91B-BF1B-4ECE-B89B-72F2144CF226}" type="slidenum">
               <a:rPr lang="en-US" smtClean="0"/>
-              <a:t>33</a:t>
+              <a:t>34</a:t>
             </a:fld>
             <a:endParaRPr lang="en-US"/>
           </a:p>
@@ -23524,7 +23603,7 @@
 </p:sld>
 </file>
 
-<file path=ppt/slides/slide34.xml><?xml version="1.0" encoding="utf-8"?>
+<file path=ppt/slides/slide35.xml><?xml version="1.0" encoding="utf-8"?>
 <p:sld xmlns:a="http://schemas.openxmlformats.org/drawingml/2006/main" xmlns:r="http://schemas.openxmlformats.org/officeDocument/2006/relationships" xmlns:p="http://schemas.openxmlformats.org/presentationml/2006/main">
   <p:cSld>
     <p:spTree>
@@ -23610,7 +23689,7 @@
           <a:p>
             <a:fld id="{B777A91B-BF1B-4ECE-B89B-72F2144CF226}" type="slidenum">
               <a:rPr lang="en-US" smtClean="0"/>
-              <a:t>34</a:t>
+              <a:t>35</a:t>
             </a:fld>
             <a:endParaRPr lang="en-US"/>
           </a:p>
@@ -25169,11 +25248,7 @@
           <a:p>
             <a:r>
               <a:rPr lang="en-US" dirty="0" smtClean="0"/>
-              <a:t>Alt.js </a:t>
-            </a:r>
-            <a:r>
-              <a:rPr lang="en-US" dirty="0" smtClean="0"/>
-              <a:t>is meant to use the new features of </a:t>
+              <a:t>Alt.js is meant to use the new features of </a:t>
             </a:r>
             <a:r>
               <a:rPr lang="en-US" dirty="0" err="1" smtClean="0"/>
@@ -25187,15 +25262,7 @@
           <a:p>
             <a:r>
               <a:rPr lang="en-US" dirty="0" smtClean="0"/>
-              <a:t>We will use classes of ES6 in our </a:t>
-            </a:r>
-            <a:r>
-              <a:rPr lang="en-US" dirty="0" smtClean="0"/>
-              <a:t>sample </a:t>
-            </a:r>
-            <a:r>
-              <a:rPr lang="en-US" dirty="0" smtClean="0"/>
-              <a:t>application. </a:t>
+              <a:t>We will use classes of ES6 in our sample application. </a:t>
             </a:r>
           </a:p>
           <a:p>
@@ -25209,7 +25276,6 @@
               <a:rPr lang="en-US" dirty="0" smtClean="0"/>
               <a:t>Will discuss it later</a:t>
             </a:r>
-            <a:endParaRPr lang="en-US" dirty="0" smtClean="0"/>
           </a:p>
           <a:p>
             <a:pPr marL="0" indent="0">
@@ -25217,15 +25283,7 @@
             </a:pPr>
             <a:r>
               <a:rPr lang="en-US" dirty="0" smtClean="0"/>
-              <a:t>	</a:t>
-            </a:r>
-            <a:r>
-              <a:rPr lang="en-US" dirty="0" smtClean="0"/>
-              <a:t>	</a:t>
-            </a:r>
-            <a:r>
-              <a:rPr lang="en-US" dirty="0" smtClean="0"/>
-              <a:t>	</a:t>
+              <a:t>			</a:t>
             </a:r>
             <a:endParaRPr lang="en-US" dirty="0"/>
           </a:p>

--- a/React.pptx
+++ b/React.pptx
@@ -7,47 +7,51 @@
     <p:sldMasterId id="2147483707" r:id="rId3"/>
   </p:sldMasterIdLst>
   <p:notesMasterIdLst>
-    <p:notesMasterId r:id="rId39"/>
+    <p:notesMasterId r:id="rId43"/>
   </p:notesMasterIdLst>
   <p:handoutMasterIdLst>
-    <p:handoutMasterId r:id="rId40"/>
+    <p:handoutMasterId r:id="rId44"/>
   </p:handoutMasterIdLst>
   <p:sldIdLst>
     <p:sldId id="309" r:id="rId4"/>
     <p:sldId id="270" r:id="rId5"/>
-    <p:sldId id="271" r:id="rId6"/>
-    <p:sldId id="302" r:id="rId7"/>
+    <p:sldId id="302" r:id="rId6"/>
+    <p:sldId id="271" r:id="rId7"/>
     <p:sldId id="276" r:id="rId8"/>
-    <p:sldId id="280" r:id="rId9"/>
-    <p:sldId id="263" r:id="rId10"/>
-    <p:sldId id="264" r:id="rId11"/>
-    <p:sldId id="318" r:id="rId12"/>
+    <p:sldId id="263" r:id="rId9"/>
+    <p:sldId id="264" r:id="rId10"/>
+    <p:sldId id="318" r:id="rId11"/>
+    <p:sldId id="322" r:id="rId12"/>
     <p:sldId id="312" r:id="rId13"/>
-    <p:sldId id="283" r:id="rId14"/>
-    <p:sldId id="313" r:id="rId15"/>
-    <p:sldId id="314" r:id="rId16"/>
-    <p:sldId id="287" r:id="rId17"/>
-    <p:sldId id="315" r:id="rId18"/>
-    <p:sldId id="289" r:id="rId19"/>
-    <p:sldId id="284" r:id="rId20"/>
-    <p:sldId id="286" r:id="rId21"/>
-    <p:sldId id="269" r:id="rId22"/>
-    <p:sldId id="258" r:id="rId23"/>
-    <p:sldId id="259" r:id="rId24"/>
-    <p:sldId id="291" r:id="rId25"/>
-    <p:sldId id="261" r:id="rId26"/>
-    <p:sldId id="293" r:id="rId27"/>
-    <p:sldId id="316" r:id="rId28"/>
-    <p:sldId id="298" r:id="rId29"/>
-    <p:sldId id="296" r:id="rId30"/>
-    <p:sldId id="301" r:id="rId31"/>
-    <p:sldId id="317" r:id="rId32"/>
-    <p:sldId id="268" r:id="rId33"/>
-    <p:sldId id="306" r:id="rId34"/>
-    <p:sldId id="319" r:id="rId35"/>
-    <p:sldId id="304" r:id="rId36"/>
-    <p:sldId id="295" r:id="rId37"/>
-    <p:sldId id="311" r:id="rId38"/>
+    <p:sldId id="313" r:id="rId14"/>
+    <p:sldId id="314" r:id="rId15"/>
+    <p:sldId id="287" r:id="rId16"/>
+    <p:sldId id="315" r:id="rId17"/>
+    <p:sldId id="289" r:id="rId18"/>
+    <p:sldId id="284" r:id="rId19"/>
+    <p:sldId id="286" r:id="rId20"/>
+    <p:sldId id="269" r:id="rId21"/>
+    <p:sldId id="258" r:id="rId22"/>
+    <p:sldId id="259" r:id="rId23"/>
+    <p:sldId id="291" r:id="rId24"/>
+    <p:sldId id="261" r:id="rId25"/>
+    <p:sldId id="293" r:id="rId26"/>
+    <p:sldId id="316" r:id="rId27"/>
+    <p:sldId id="298" r:id="rId28"/>
+    <p:sldId id="296" r:id="rId29"/>
+    <p:sldId id="321" r:id="rId30"/>
+    <p:sldId id="323" r:id="rId31"/>
+    <p:sldId id="301" r:id="rId32"/>
+    <p:sldId id="317" r:id="rId33"/>
+    <p:sldId id="324" r:id="rId34"/>
+    <p:sldId id="325" r:id="rId35"/>
+    <p:sldId id="326" r:id="rId36"/>
+    <p:sldId id="320" r:id="rId37"/>
+    <p:sldId id="268" r:id="rId38"/>
+    <p:sldId id="306" r:id="rId39"/>
+    <p:sldId id="319" r:id="rId40"/>
+    <p:sldId id="304" r:id="rId41"/>
+    <p:sldId id="311" r:id="rId42"/>
   </p:sldIdLst>
   <p:sldSz cx="12192000" cy="6858000"/>
   <p:notesSz cx="6858000" cy="9144000"/>
@@ -153,15 +157,14 @@
           <p14:sldIdLst>
             <p14:sldId id="309"/>
             <p14:sldId id="270"/>
+            <p14:sldId id="302"/>
             <p14:sldId id="271"/>
-            <p14:sldId id="302"/>
             <p14:sldId id="276"/>
-            <p14:sldId id="280"/>
             <p14:sldId id="263"/>
             <p14:sldId id="264"/>
             <p14:sldId id="318"/>
+            <p14:sldId id="322"/>
             <p14:sldId id="312"/>
-            <p14:sldId id="283"/>
             <p14:sldId id="313"/>
             <p14:sldId id="314"/>
             <p14:sldId id="287"/>
@@ -178,13 +181,18 @@
             <p14:sldId id="316"/>
             <p14:sldId id="298"/>
             <p14:sldId id="296"/>
+            <p14:sldId id="321"/>
+            <p14:sldId id="323"/>
             <p14:sldId id="301"/>
             <p14:sldId id="317"/>
+            <p14:sldId id="324"/>
+            <p14:sldId id="325"/>
+            <p14:sldId id="326"/>
+            <p14:sldId id="320"/>
             <p14:sldId id="268"/>
             <p14:sldId id="306"/>
             <p14:sldId id="319"/>
             <p14:sldId id="304"/>
-            <p14:sldId id="295"/>
             <p14:sldId id="311"/>
           </p14:sldIdLst>
         </p14:section>
@@ -829,6 +837,1360 @@
 </p:notes>
 </file>
 
+<file path=ppt/notesSlides/notesSlide10.xml><?xml version="1.0" encoding="utf-8"?>
+<p:notes xmlns:a="http://schemas.openxmlformats.org/drawingml/2006/main" xmlns:r="http://schemas.openxmlformats.org/officeDocument/2006/relationships" xmlns:p="http://schemas.openxmlformats.org/presentationml/2006/main">
+  <p:cSld>
+    <p:spTree>
+      <p:nvGrpSpPr>
+        <p:cNvPr id="1" name=""/>
+        <p:cNvGrpSpPr/>
+        <p:nvPr/>
+      </p:nvGrpSpPr>
+      <p:grpSpPr>
+        <a:xfrm>
+          <a:off x="0" y="0"/>
+          <a:ext cx="0" cy="0"/>
+          <a:chOff x="0" y="0"/>
+          <a:chExt cx="0" cy="0"/>
+        </a:xfrm>
+      </p:grpSpPr>
+      <p:sp>
+        <p:nvSpPr>
+          <p:cNvPr id="2" name="Slide Image Placeholder 1"/>
+          <p:cNvSpPr>
+            <a:spLocks noGrp="1" noRot="1" noChangeAspect="1"/>
+          </p:cNvSpPr>
+          <p:nvPr>
+            <p:ph type="sldImg"/>
+          </p:nvPr>
+        </p:nvSpPr>
+        <p:spPr/>
+      </p:sp>
+      <p:sp>
+        <p:nvSpPr>
+          <p:cNvPr id="3" name="Notes Placeholder 2"/>
+          <p:cNvSpPr>
+            <a:spLocks noGrp="1"/>
+          </p:cNvSpPr>
+          <p:nvPr>
+            <p:ph type="body" idx="1"/>
+          </p:nvPr>
+        </p:nvSpPr>
+        <p:spPr/>
+        <p:txBody>
+          <a:bodyPr/>
+          <a:lstStyle/>
+          <a:p>
+            <a:pPr marL="0" marR="0" indent="0" algn="l" defTabSz="914400" rtl="0" eaLnBrk="1" fontAlgn="auto" latinLnBrk="0" hangingPunct="1">
+              <a:lnSpc>
+                <a:spcPct val="100000"/>
+              </a:lnSpc>
+              <a:spcBef>
+                <a:spcPts val="0"/>
+              </a:spcBef>
+              <a:spcAft>
+                <a:spcPts val="0"/>
+              </a:spcAft>
+              <a:buClrTx/>
+              <a:buSzTx/>
+              <a:buFontTx/>
+              <a:buNone/>
+              <a:tabLst/>
+              <a:defRPr/>
+            </a:pPr>
+            <a:r>
+              <a:rPr lang="en-US" sz="1200" dirty="0" smtClean="0"/>
+              <a:t>Put the following code in TodoActions.js</a:t>
+            </a:r>
+          </a:p>
+          <a:p>
+            <a:endParaRPr lang="en-US" dirty="0"/>
+          </a:p>
+        </p:txBody>
+      </p:sp>
+      <p:sp>
+        <p:nvSpPr>
+          <p:cNvPr id="4" name="Header Placeholder 3"/>
+          <p:cNvSpPr>
+            <a:spLocks noGrp="1"/>
+          </p:cNvSpPr>
+          <p:nvPr>
+            <p:ph type="hdr" sz="quarter" idx="10"/>
+          </p:nvPr>
+        </p:nvSpPr>
+        <p:spPr/>
+        <p:txBody>
+          <a:bodyPr/>
+          <a:lstStyle/>
+          <a:p>
+            <a:r>
+              <a:rPr lang="en-US" smtClean="0"/>
+              <a:t>TEST</a:t>
+            </a:r>
+            <a:endParaRPr lang="en-US"/>
+          </a:p>
+        </p:txBody>
+      </p:sp>
+      <p:sp>
+        <p:nvSpPr>
+          <p:cNvPr id="5" name="Slide Number Placeholder 4"/>
+          <p:cNvSpPr>
+            <a:spLocks noGrp="1"/>
+          </p:cNvSpPr>
+          <p:nvPr>
+            <p:ph type="sldNum" sz="quarter" idx="11"/>
+          </p:nvPr>
+        </p:nvSpPr>
+        <p:spPr/>
+        <p:txBody>
+          <a:bodyPr/>
+          <a:lstStyle/>
+          <a:p>
+            <a:fld id="{B1206FEA-4AFC-4465-8ABD-ECC3D411179B}" type="slidenum">
+              <a:rPr lang="en-US" smtClean="0"/>
+              <a:t>13</a:t>
+            </a:fld>
+            <a:endParaRPr lang="en-US"/>
+          </a:p>
+        </p:txBody>
+      </p:sp>
+    </p:spTree>
+    <p:extLst>
+      <p:ext uri="{BB962C8B-B14F-4D97-AF65-F5344CB8AC3E}">
+        <p14:creationId xmlns:p14="http://schemas.microsoft.com/office/powerpoint/2010/main" val="3369049814"/>
+      </p:ext>
+    </p:extLst>
+  </p:cSld>
+  <p:clrMapOvr>
+    <a:masterClrMapping/>
+  </p:clrMapOvr>
+</p:notes>
+</file>
+
+<file path=ppt/notesSlides/notesSlide11.xml><?xml version="1.0" encoding="utf-8"?>
+<p:notes xmlns:a="http://schemas.openxmlformats.org/drawingml/2006/main" xmlns:r="http://schemas.openxmlformats.org/officeDocument/2006/relationships" xmlns:p="http://schemas.openxmlformats.org/presentationml/2006/main">
+  <p:cSld>
+    <p:spTree>
+      <p:nvGrpSpPr>
+        <p:cNvPr id="1" name=""/>
+        <p:cNvGrpSpPr/>
+        <p:nvPr/>
+      </p:nvGrpSpPr>
+      <p:grpSpPr>
+        <a:xfrm>
+          <a:off x="0" y="0"/>
+          <a:ext cx="0" cy="0"/>
+          <a:chOff x="0" y="0"/>
+          <a:chExt cx="0" cy="0"/>
+        </a:xfrm>
+      </p:grpSpPr>
+      <p:sp>
+        <p:nvSpPr>
+          <p:cNvPr id="2" name="Slide Image Placeholder 1"/>
+          <p:cNvSpPr>
+            <a:spLocks noGrp="1" noRot="1" noChangeAspect="1"/>
+          </p:cNvSpPr>
+          <p:nvPr>
+            <p:ph type="sldImg"/>
+          </p:nvPr>
+        </p:nvSpPr>
+        <p:spPr/>
+      </p:sp>
+      <p:sp>
+        <p:nvSpPr>
+          <p:cNvPr id="3" name="Notes Placeholder 2"/>
+          <p:cNvSpPr>
+            <a:spLocks noGrp="1"/>
+          </p:cNvSpPr>
+          <p:nvPr>
+            <p:ph type="body" idx="1"/>
+          </p:nvPr>
+        </p:nvSpPr>
+        <p:spPr/>
+        <p:txBody>
+          <a:bodyPr/>
+          <a:lstStyle/>
+          <a:p>
+            <a:pPr marL="0" marR="0" indent="0" algn="l" defTabSz="914400" rtl="0" eaLnBrk="1" fontAlgn="auto" latinLnBrk="0" hangingPunct="1">
+              <a:lnSpc>
+                <a:spcPct val="100000"/>
+              </a:lnSpc>
+              <a:spcBef>
+                <a:spcPts val="0"/>
+              </a:spcBef>
+              <a:spcAft>
+                <a:spcPts val="0"/>
+              </a:spcAft>
+              <a:buClrTx/>
+              <a:buSzTx/>
+              <a:buFontTx/>
+              <a:buNone/>
+              <a:tabLst/>
+              <a:defRPr/>
+            </a:pPr>
+            <a:r>
+              <a:rPr lang="en-US" sz="1200" dirty="0" smtClean="0"/>
+              <a:t>Put the following code in TodoStore.js</a:t>
+            </a:r>
+          </a:p>
+          <a:p>
+            <a:endParaRPr lang="en-US" dirty="0"/>
+          </a:p>
+        </p:txBody>
+      </p:sp>
+      <p:sp>
+        <p:nvSpPr>
+          <p:cNvPr id="4" name="Header Placeholder 3"/>
+          <p:cNvSpPr>
+            <a:spLocks noGrp="1"/>
+          </p:cNvSpPr>
+          <p:nvPr>
+            <p:ph type="hdr" sz="quarter" idx="10"/>
+          </p:nvPr>
+        </p:nvSpPr>
+        <p:spPr/>
+        <p:txBody>
+          <a:bodyPr/>
+          <a:lstStyle/>
+          <a:p>
+            <a:r>
+              <a:rPr lang="en-US" smtClean="0"/>
+              <a:t>TEST</a:t>
+            </a:r>
+            <a:endParaRPr lang="en-US"/>
+          </a:p>
+        </p:txBody>
+      </p:sp>
+      <p:sp>
+        <p:nvSpPr>
+          <p:cNvPr id="5" name="Slide Number Placeholder 4"/>
+          <p:cNvSpPr>
+            <a:spLocks noGrp="1"/>
+          </p:cNvSpPr>
+          <p:nvPr>
+            <p:ph type="sldNum" sz="quarter" idx="11"/>
+          </p:nvPr>
+        </p:nvSpPr>
+        <p:spPr/>
+        <p:txBody>
+          <a:bodyPr/>
+          <a:lstStyle/>
+          <a:p>
+            <a:fld id="{B1206FEA-4AFC-4465-8ABD-ECC3D411179B}" type="slidenum">
+              <a:rPr lang="en-US" smtClean="0"/>
+              <a:t>14</a:t>
+            </a:fld>
+            <a:endParaRPr lang="en-US"/>
+          </a:p>
+        </p:txBody>
+      </p:sp>
+    </p:spTree>
+    <p:extLst>
+      <p:ext uri="{BB962C8B-B14F-4D97-AF65-F5344CB8AC3E}">
+        <p14:creationId xmlns:p14="http://schemas.microsoft.com/office/powerpoint/2010/main" val="2863549464"/>
+      </p:ext>
+    </p:extLst>
+  </p:cSld>
+  <p:clrMapOvr>
+    <a:masterClrMapping/>
+  </p:clrMapOvr>
+</p:notes>
+</file>
+
+<file path=ppt/notesSlides/notesSlide12.xml><?xml version="1.0" encoding="utf-8"?>
+<p:notes xmlns:a="http://schemas.openxmlformats.org/drawingml/2006/main" xmlns:r="http://schemas.openxmlformats.org/officeDocument/2006/relationships" xmlns:p="http://schemas.openxmlformats.org/presentationml/2006/main">
+  <p:cSld>
+    <p:spTree>
+      <p:nvGrpSpPr>
+        <p:cNvPr id="1" name=""/>
+        <p:cNvGrpSpPr/>
+        <p:nvPr/>
+      </p:nvGrpSpPr>
+      <p:grpSpPr>
+        <a:xfrm>
+          <a:off x="0" y="0"/>
+          <a:ext cx="0" cy="0"/>
+          <a:chOff x="0" y="0"/>
+          <a:chExt cx="0" cy="0"/>
+        </a:xfrm>
+      </p:grpSpPr>
+      <p:sp>
+        <p:nvSpPr>
+          <p:cNvPr id="2" name="Slide Image Placeholder 1"/>
+          <p:cNvSpPr>
+            <a:spLocks noGrp="1" noRot="1" noChangeAspect="1"/>
+          </p:cNvSpPr>
+          <p:nvPr>
+            <p:ph type="sldImg"/>
+          </p:nvPr>
+        </p:nvSpPr>
+        <p:spPr/>
+      </p:sp>
+      <p:sp>
+        <p:nvSpPr>
+          <p:cNvPr id="3" name="Notes Placeholder 2"/>
+          <p:cNvSpPr>
+            <a:spLocks noGrp="1"/>
+          </p:cNvSpPr>
+          <p:nvPr>
+            <p:ph type="body" idx="1"/>
+          </p:nvPr>
+        </p:nvSpPr>
+        <p:spPr/>
+        <p:txBody>
+          <a:bodyPr/>
+          <a:lstStyle/>
+          <a:p>
+            <a:endParaRPr lang="en-US" dirty="0"/>
+          </a:p>
+        </p:txBody>
+      </p:sp>
+      <p:sp>
+        <p:nvSpPr>
+          <p:cNvPr id="4" name="Slide Number Placeholder 3"/>
+          <p:cNvSpPr>
+            <a:spLocks noGrp="1"/>
+          </p:cNvSpPr>
+          <p:nvPr>
+            <p:ph type="sldNum" sz="quarter" idx="10"/>
+          </p:nvPr>
+        </p:nvSpPr>
+        <p:spPr/>
+        <p:txBody>
+          <a:bodyPr/>
+          <a:lstStyle/>
+          <a:p>
+            <a:fld id="{B1206FEA-4AFC-4465-8ABD-ECC3D411179B}" type="slidenum">
+              <a:rPr lang="en-US" smtClean="0"/>
+              <a:t>23</a:t>
+            </a:fld>
+            <a:endParaRPr lang="en-US"/>
+          </a:p>
+        </p:txBody>
+      </p:sp>
+      <p:sp>
+        <p:nvSpPr>
+          <p:cNvPr id="5" name="Header Placeholder 4"/>
+          <p:cNvSpPr>
+            <a:spLocks noGrp="1"/>
+          </p:cNvSpPr>
+          <p:nvPr>
+            <p:ph type="hdr" sz="quarter" idx="11"/>
+          </p:nvPr>
+        </p:nvSpPr>
+        <p:spPr/>
+        <p:txBody>
+          <a:bodyPr/>
+          <a:lstStyle/>
+          <a:p>
+            <a:r>
+              <a:rPr lang="en-US" smtClean="0"/>
+              <a:t>TEST</a:t>
+            </a:r>
+            <a:endParaRPr lang="en-US"/>
+          </a:p>
+        </p:txBody>
+      </p:sp>
+    </p:spTree>
+    <p:extLst>
+      <p:ext uri="{BB962C8B-B14F-4D97-AF65-F5344CB8AC3E}">
+        <p14:creationId xmlns:p14="http://schemas.microsoft.com/office/powerpoint/2010/main" val="4238810153"/>
+      </p:ext>
+    </p:extLst>
+  </p:cSld>
+  <p:clrMapOvr>
+    <a:masterClrMapping/>
+  </p:clrMapOvr>
+</p:notes>
+</file>
+
+<file path=ppt/notesSlides/notesSlide13.xml><?xml version="1.0" encoding="utf-8"?>
+<p:notes xmlns:a="http://schemas.openxmlformats.org/drawingml/2006/main" xmlns:r="http://schemas.openxmlformats.org/officeDocument/2006/relationships" xmlns:p="http://schemas.openxmlformats.org/presentationml/2006/main">
+  <p:cSld>
+    <p:spTree>
+      <p:nvGrpSpPr>
+        <p:cNvPr id="1" name=""/>
+        <p:cNvGrpSpPr/>
+        <p:nvPr/>
+      </p:nvGrpSpPr>
+      <p:grpSpPr>
+        <a:xfrm>
+          <a:off x="0" y="0"/>
+          <a:ext cx="0" cy="0"/>
+          <a:chOff x="0" y="0"/>
+          <a:chExt cx="0" cy="0"/>
+        </a:xfrm>
+      </p:grpSpPr>
+      <p:sp>
+        <p:nvSpPr>
+          <p:cNvPr id="2" name="Slide Image Placeholder 1"/>
+          <p:cNvSpPr>
+            <a:spLocks noGrp="1" noRot="1" noChangeAspect="1"/>
+          </p:cNvSpPr>
+          <p:nvPr>
+            <p:ph type="sldImg"/>
+          </p:nvPr>
+        </p:nvSpPr>
+        <p:spPr/>
+      </p:sp>
+      <p:sp>
+        <p:nvSpPr>
+          <p:cNvPr id="3" name="Notes Placeholder 2"/>
+          <p:cNvSpPr>
+            <a:spLocks noGrp="1"/>
+          </p:cNvSpPr>
+          <p:nvPr>
+            <p:ph type="body" idx="1"/>
+          </p:nvPr>
+        </p:nvSpPr>
+        <p:spPr/>
+        <p:txBody>
+          <a:bodyPr/>
+          <a:lstStyle/>
+          <a:p>
+            <a:r>
+              <a:rPr lang="en-US" dirty="0" smtClean="0"/>
+              <a:t>We have learned the React rendering enough so far.</a:t>
+            </a:r>
+          </a:p>
+          <a:p>
+            <a:r>
+              <a:rPr lang="en-US" dirty="0" smtClean="0"/>
+              <a:t>Lets use a react view in our app to render the </a:t>
+            </a:r>
+            <a:r>
+              <a:rPr lang="en-US" dirty="0" err="1" smtClean="0"/>
+              <a:t>todos</a:t>
+            </a:r>
+            <a:endParaRPr lang="en-US" dirty="0" smtClean="0"/>
+          </a:p>
+          <a:p>
+            <a:endParaRPr lang="en-US" dirty="0"/>
+          </a:p>
+        </p:txBody>
+      </p:sp>
+      <p:sp>
+        <p:nvSpPr>
+          <p:cNvPr id="4" name="Header Placeholder 3"/>
+          <p:cNvSpPr>
+            <a:spLocks noGrp="1"/>
+          </p:cNvSpPr>
+          <p:nvPr>
+            <p:ph type="hdr" sz="quarter" idx="10"/>
+          </p:nvPr>
+        </p:nvSpPr>
+        <p:spPr/>
+        <p:txBody>
+          <a:bodyPr/>
+          <a:lstStyle/>
+          <a:p>
+            <a:r>
+              <a:rPr lang="en-US" smtClean="0"/>
+              <a:t>TEST</a:t>
+            </a:r>
+            <a:endParaRPr lang="en-US"/>
+          </a:p>
+        </p:txBody>
+      </p:sp>
+      <p:sp>
+        <p:nvSpPr>
+          <p:cNvPr id="5" name="Slide Number Placeholder 4"/>
+          <p:cNvSpPr>
+            <a:spLocks noGrp="1"/>
+          </p:cNvSpPr>
+          <p:nvPr>
+            <p:ph type="sldNum" sz="quarter" idx="11"/>
+          </p:nvPr>
+        </p:nvSpPr>
+        <p:spPr/>
+        <p:txBody>
+          <a:bodyPr/>
+          <a:lstStyle/>
+          <a:p>
+            <a:fld id="{B1206FEA-4AFC-4465-8ABD-ECC3D411179B}" type="slidenum">
+              <a:rPr lang="en-US" smtClean="0"/>
+              <a:t>24</a:t>
+            </a:fld>
+            <a:endParaRPr lang="en-US"/>
+          </a:p>
+        </p:txBody>
+      </p:sp>
+    </p:spTree>
+    <p:extLst>
+      <p:ext uri="{BB962C8B-B14F-4D97-AF65-F5344CB8AC3E}">
+        <p14:creationId xmlns:p14="http://schemas.microsoft.com/office/powerpoint/2010/main" val="3701715139"/>
+      </p:ext>
+    </p:extLst>
+  </p:cSld>
+  <p:clrMapOvr>
+    <a:masterClrMapping/>
+  </p:clrMapOvr>
+</p:notes>
+</file>
+
+<file path=ppt/notesSlides/notesSlide14.xml><?xml version="1.0" encoding="utf-8"?>
+<p:notes xmlns:a="http://schemas.openxmlformats.org/drawingml/2006/main" xmlns:r="http://schemas.openxmlformats.org/officeDocument/2006/relationships" xmlns:p="http://schemas.openxmlformats.org/presentationml/2006/main">
+  <p:cSld>
+    <p:spTree>
+      <p:nvGrpSpPr>
+        <p:cNvPr id="1" name=""/>
+        <p:cNvGrpSpPr/>
+        <p:nvPr/>
+      </p:nvGrpSpPr>
+      <p:grpSpPr>
+        <a:xfrm>
+          <a:off x="0" y="0"/>
+          <a:ext cx="0" cy="0"/>
+          <a:chOff x="0" y="0"/>
+          <a:chExt cx="0" cy="0"/>
+        </a:xfrm>
+      </p:grpSpPr>
+      <p:sp>
+        <p:nvSpPr>
+          <p:cNvPr id="2" name="Slide Image Placeholder 1"/>
+          <p:cNvSpPr>
+            <a:spLocks noGrp="1" noRot="1" noChangeAspect="1"/>
+          </p:cNvSpPr>
+          <p:nvPr>
+            <p:ph type="sldImg"/>
+          </p:nvPr>
+        </p:nvSpPr>
+        <p:spPr/>
+      </p:sp>
+      <p:sp>
+        <p:nvSpPr>
+          <p:cNvPr id="3" name="Notes Placeholder 2"/>
+          <p:cNvSpPr>
+            <a:spLocks noGrp="1"/>
+          </p:cNvSpPr>
+          <p:nvPr>
+            <p:ph type="body" idx="1"/>
+          </p:nvPr>
+        </p:nvSpPr>
+        <p:spPr/>
+        <p:txBody>
+          <a:bodyPr/>
+          <a:lstStyle/>
+          <a:p>
+            <a:endParaRPr lang="en-US" dirty="0" smtClean="0"/>
+          </a:p>
+          <a:p>
+            <a:r>
+              <a:rPr lang="en-US" sz="1200" dirty="0" smtClean="0"/>
+              <a:t>We need to pass the alt store’s state data to the view.</a:t>
+            </a:r>
+          </a:p>
+          <a:p>
+            <a:endParaRPr lang="en-US" sz="1200" dirty="0" smtClean="0"/>
+          </a:p>
+          <a:p>
+            <a:r>
+              <a:rPr lang="en-US" sz="1200" dirty="0" smtClean="0"/>
+              <a:t>Alt provides a built-in components that binds an specific store to the specific view. This is known as Component Container</a:t>
+            </a:r>
+          </a:p>
+          <a:p>
+            <a:endParaRPr lang="en-US" dirty="0" smtClean="0"/>
+          </a:p>
+          <a:p>
+            <a:pPr marL="0" marR="0" indent="0" algn="l" defTabSz="914400" rtl="0" eaLnBrk="1" fontAlgn="auto" latinLnBrk="0" hangingPunct="1">
+              <a:lnSpc>
+                <a:spcPct val="100000"/>
+              </a:lnSpc>
+              <a:spcBef>
+                <a:spcPts val="0"/>
+              </a:spcBef>
+              <a:spcAft>
+                <a:spcPts val="0"/>
+              </a:spcAft>
+              <a:buClrTx/>
+              <a:buSzTx/>
+              <a:buFontTx/>
+              <a:buNone/>
+              <a:tabLst/>
+              <a:defRPr/>
+            </a:pPr>
+            <a:r>
+              <a:rPr lang="en-US" sz="1200" dirty="0" smtClean="0"/>
+              <a:t>This will actually pass the state data from the store to the view as a prop. Hence the Customer component can now access the state data from Customer Store </a:t>
+            </a:r>
+            <a:r>
+              <a:rPr lang="en-US" sz="1200" dirty="0" err="1" smtClean="0"/>
+              <a:t>i.e</a:t>
+            </a:r>
+            <a:r>
+              <a:rPr lang="en-US" sz="1200" dirty="0" smtClean="0"/>
+              <a:t> customers from its prop.</a:t>
+            </a:r>
+          </a:p>
+          <a:p>
+            <a:endParaRPr lang="en-US" dirty="0"/>
+          </a:p>
+        </p:txBody>
+      </p:sp>
+      <p:sp>
+        <p:nvSpPr>
+          <p:cNvPr id="4" name="Header Placeholder 3"/>
+          <p:cNvSpPr>
+            <a:spLocks noGrp="1"/>
+          </p:cNvSpPr>
+          <p:nvPr>
+            <p:ph type="hdr" sz="quarter" idx="10"/>
+          </p:nvPr>
+        </p:nvSpPr>
+        <p:spPr/>
+        <p:txBody>
+          <a:bodyPr/>
+          <a:lstStyle/>
+          <a:p>
+            <a:r>
+              <a:rPr lang="en-US" smtClean="0"/>
+              <a:t>TEST</a:t>
+            </a:r>
+            <a:endParaRPr lang="en-US"/>
+          </a:p>
+        </p:txBody>
+      </p:sp>
+      <p:sp>
+        <p:nvSpPr>
+          <p:cNvPr id="5" name="Slide Number Placeholder 4"/>
+          <p:cNvSpPr>
+            <a:spLocks noGrp="1"/>
+          </p:cNvSpPr>
+          <p:nvPr>
+            <p:ph type="sldNum" sz="quarter" idx="11"/>
+          </p:nvPr>
+        </p:nvSpPr>
+        <p:spPr/>
+        <p:txBody>
+          <a:bodyPr/>
+          <a:lstStyle/>
+          <a:p>
+            <a:fld id="{B1206FEA-4AFC-4465-8ABD-ECC3D411179B}" type="slidenum">
+              <a:rPr lang="en-US" smtClean="0"/>
+              <a:t>25</a:t>
+            </a:fld>
+            <a:endParaRPr lang="en-US"/>
+          </a:p>
+        </p:txBody>
+      </p:sp>
+    </p:spTree>
+    <p:extLst>
+      <p:ext uri="{BB962C8B-B14F-4D97-AF65-F5344CB8AC3E}">
+        <p14:creationId xmlns:p14="http://schemas.microsoft.com/office/powerpoint/2010/main" val="2010599516"/>
+      </p:ext>
+    </p:extLst>
+  </p:cSld>
+  <p:clrMapOvr>
+    <a:masterClrMapping/>
+  </p:clrMapOvr>
+</p:notes>
+</file>
+
+<file path=ppt/notesSlides/notesSlide15.xml><?xml version="1.0" encoding="utf-8"?>
+<p:notes xmlns:a="http://schemas.openxmlformats.org/drawingml/2006/main" xmlns:r="http://schemas.openxmlformats.org/officeDocument/2006/relationships" xmlns:p="http://schemas.openxmlformats.org/presentationml/2006/main">
+  <p:cSld>
+    <p:spTree>
+      <p:nvGrpSpPr>
+        <p:cNvPr id="1" name=""/>
+        <p:cNvGrpSpPr/>
+        <p:nvPr/>
+      </p:nvGrpSpPr>
+      <p:grpSpPr>
+        <a:xfrm>
+          <a:off x="0" y="0"/>
+          <a:ext cx="0" cy="0"/>
+          <a:chOff x="0" y="0"/>
+          <a:chExt cx="0" cy="0"/>
+        </a:xfrm>
+      </p:grpSpPr>
+      <p:sp>
+        <p:nvSpPr>
+          <p:cNvPr id="2" name="Slide Image Placeholder 1"/>
+          <p:cNvSpPr>
+            <a:spLocks noGrp="1" noRot="1" noChangeAspect="1"/>
+          </p:cNvSpPr>
+          <p:nvPr>
+            <p:ph type="sldImg"/>
+          </p:nvPr>
+        </p:nvSpPr>
+        <p:spPr/>
+      </p:sp>
+      <p:sp>
+        <p:nvSpPr>
+          <p:cNvPr id="3" name="Notes Placeholder 2"/>
+          <p:cNvSpPr>
+            <a:spLocks noGrp="1"/>
+          </p:cNvSpPr>
+          <p:nvPr>
+            <p:ph type="body" idx="1"/>
+          </p:nvPr>
+        </p:nvSpPr>
+        <p:spPr/>
+        <p:txBody>
+          <a:bodyPr/>
+          <a:lstStyle/>
+          <a:p>
+            <a:pPr marL="0" marR="0" indent="0" algn="l" defTabSz="914400" rtl="0" eaLnBrk="1" fontAlgn="auto" latinLnBrk="0" hangingPunct="1">
+              <a:lnSpc>
+                <a:spcPct val="100000"/>
+              </a:lnSpc>
+              <a:spcBef>
+                <a:spcPts val="0"/>
+              </a:spcBef>
+              <a:spcAft>
+                <a:spcPts val="0"/>
+              </a:spcAft>
+              <a:buClrTx/>
+              <a:buSzTx/>
+              <a:buFontTx/>
+              <a:buNone/>
+              <a:tabLst/>
+              <a:defRPr/>
+            </a:pPr>
+            <a:r>
+              <a:rPr lang="en-US" sz="1200" dirty="0" smtClean="0"/>
+              <a:t>Use the following code in Todos.js of component directory</a:t>
+            </a:r>
+          </a:p>
+          <a:p>
+            <a:endParaRPr lang="en-US" dirty="0"/>
+          </a:p>
+        </p:txBody>
+      </p:sp>
+      <p:sp>
+        <p:nvSpPr>
+          <p:cNvPr id="4" name="Header Placeholder 3"/>
+          <p:cNvSpPr>
+            <a:spLocks noGrp="1"/>
+          </p:cNvSpPr>
+          <p:nvPr>
+            <p:ph type="hdr" sz="quarter" idx="10"/>
+          </p:nvPr>
+        </p:nvSpPr>
+        <p:spPr/>
+        <p:txBody>
+          <a:bodyPr/>
+          <a:lstStyle/>
+          <a:p>
+            <a:r>
+              <a:rPr lang="en-US" smtClean="0"/>
+              <a:t>TEST</a:t>
+            </a:r>
+            <a:endParaRPr lang="en-US"/>
+          </a:p>
+        </p:txBody>
+      </p:sp>
+      <p:sp>
+        <p:nvSpPr>
+          <p:cNvPr id="5" name="Slide Number Placeholder 4"/>
+          <p:cNvSpPr>
+            <a:spLocks noGrp="1"/>
+          </p:cNvSpPr>
+          <p:nvPr>
+            <p:ph type="sldNum" sz="quarter" idx="11"/>
+          </p:nvPr>
+        </p:nvSpPr>
+        <p:spPr/>
+        <p:txBody>
+          <a:bodyPr/>
+          <a:lstStyle/>
+          <a:p>
+            <a:fld id="{B1206FEA-4AFC-4465-8ABD-ECC3D411179B}" type="slidenum">
+              <a:rPr lang="en-US" smtClean="0"/>
+              <a:t>26</a:t>
+            </a:fld>
+            <a:endParaRPr lang="en-US"/>
+          </a:p>
+        </p:txBody>
+      </p:sp>
+    </p:spTree>
+    <p:extLst>
+      <p:ext uri="{BB962C8B-B14F-4D97-AF65-F5344CB8AC3E}">
+        <p14:creationId xmlns:p14="http://schemas.microsoft.com/office/powerpoint/2010/main" val="1555669338"/>
+      </p:ext>
+    </p:extLst>
+  </p:cSld>
+  <p:clrMapOvr>
+    <a:masterClrMapping/>
+  </p:clrMapOvr>
+</p:notes>
+</file>
+
+<file path=ppt/notesSlides/notesSlide16.xml><?xml version="1.0" encoding="utf-8"?>
+<p:notes xmlns:a="http://schemas.openxmlformats.org/drawingml/2006/main" xmlns:r="http://schemas.openxmlformats.org/officeDocument/2006/relationships" xmlns:p="http://schemas.openxmlformats.org/presentationml/2006/main">
+  <p:cSld>
+    <p:spTree>
+      <p:nvGrpSpPr>
+        <p:cNvPr id="1" name=""/>
+        <p:cNvGrpSpPr/>
+        <p:nvPr/>
+      </p:nvGrpSpPr>
+      <p:grpSpPr>
+        <a:xfrm>
+          <a:off x="0" y="0"/>
+          <a:ext cx="0" cy="0"/>
+          <a:chOff x="0" y="0"/>
+          <a:chExt cx="0" cy="0"/>
+        </a:xfrm>
+      </p:grpSpPr>
+      <p:sp>
+        <p:nvSpPr>
+          <p:cNvPr id="2" name="Slide Image Placeholder 1"/>
+          <p:cNvSpPr>
+            <a:spLocks noGrp="1" noRot="1" noChangeAspect="1"/>
+          </p:cNvSpPr>
+          <p:nvPr>
+            <p:ph type="sldImg"/>
+          </p:nvPr>
+        </p:nvSpPr>
+        <p:spPr/>
+      </p:sp>
+      <p:sp>
+        <p:nvSpPr>
+          <p:cNvPr id="3" name="Notes Placeholder 2"/>
+          <p:cNvSpPr>
+            <a:spLocks noGrp="1"/>
+          </p:cNvSpPr>
+          <p:nvPr>
+            <p:ph type="body" idx="1"/>
+          </p:nvPr>
+        </p:nvSpPr>
+        <p:spPr/>
+        <p:txBody>
+          <a:bodyPr/>
+          <a:lstStyle/>
+          <a:p>
+            <a:pPr marL="0" marR="0" indent="0" algn="l" defTabSz="914400" rtl="0" eaLnBrk="1" fontAlgn="auto" latinLnBrk="0" hangingPunct="1">
+              <a:lnSpc>
+                <a:spcPct val="100000"/>
+              </a:lnSpc>
+              <a:spcBef>
+                <a:spcPts val="0"/>
+              </a:spcBef>
+              <a:spcAft>
+                <a:spcPts val="0"/>
+              </a:spcAft>
+              <a:buClrTx/>
+              <a:buSzTx/>
+              <a:buFontTx/>
+              <a:buNone/>
+              <a:tabLst/>
+              <a:defRPr/>
+            </a:pPr>
+            <a:r>
+              <a:rPr lang="en-US" sz="1200" dirty="0" smtClean="0"/>
+              <a:t>Use the following code in Todos.js of component directory</a:t>
+            </a:r>
+          </a:p>
+          <a:p>
+            <a:endParaRPr lang="en-US" dirty="0"/>
+          </a:p>
+        </p:txBody>
+      </p:sp>
+      <p:sp>
+        <p:nvSpPr>
+          <p:cNvPr id="4" name="Header Placeholder 3"/>
+          <p:cNvSpPr>
+            <a:spLocks noGrp="1"/>
+          </p:cNvSpPr>
+          <p:nvPr>
+            <p:ph type="hdr" sz="quarter" idx="10"/>
+          </p:nvPr>
+        </p:nvSpPr>
+        <p:spPr/>
+        <p:txBody>
+          <a:bodyPr/>
+          <a:lstStyle/>
+          <a:p>
+            <a:r>
+              <a:rPr lang="en-US" smtClean="0"/>
+              <a:t>TEST</a:t>
+            </a:r>
+            <a:endParaRPr lang="en-US"/>
+          </a:p>
+        </p:txBody>
+      </p:sp>
+      <p:sp>
+        <p:nvSpPr>
+          <p:cNvPr id="5" name="Slide Number Placeholder 4"/>
+          <p:cNvSpPr>
+            <a:spLocks noGrp="1"/>
+          </p:cNvSpPr>
+          <p:nvPr>
+            <p:ph type="sldNum" sz="quarter" idx="11"/>
+          </p:nvPr>
+        </p:nvSpPr>
+        <p:spPr/>
+        <p:txBody>
+          <a:bodyPr/>
+          <a:lstStyle/>
+          <a:p>
+            <a:fld id="{B1206FEA-4AFC-4465-8ABD-ECC3D411179B}" type="slidenum">
+              <a:rPr lang="en-US" smtClean="0"/>
+              <a:t>27</a:t>
+            </a:fld>
+            <a:endParaRPr lang="en-US"/>
+          </a:p>
+        </p:txBody>
+      </p:sp>
+    </p:spTree>
+    <p:extLst>
+      <p:ext uri="{BB962C8B-B14F-4D97-AF65-F5344CB8AC3E}">
+        <p14:creationId xmlns:p14="http://schemas.microsoft.com/office/powerpoint/2010/main" val="3944715601"/>
+      </p:ext>
+    </p:extLst>
+  </p:cSld>
+  <p:clrMapOvr>
+    <a:masterClrMapping/>
+  </p:clrMapOvr>
+</p:notes>
+</file>
+
+<file path=ppt/notesSlides/notesSlide17.xml><?xml version="1.0" encoding="utf-8"?>
+<p:notes xmlns:a="http://schemas.openxmlformats.org/drawingml/2006/main" xmlns:r="http://schemas.openxmlformats.org/officeDocument/2006/relationships" xmlns:p="http://schemas.openxmlformats.org/presentationml/2006/main">
+  <p:cSld>
+    <p:spTree>
+      <p:nvGrpSpPr>
+        <p:cNvPr id="1" name=""/>
+        <p:cNvGrpSpPr/>
+        <p:nvPr/>
+      </p:nvGrpSpPr>
+      <p:grpSpPr>
+        <a:xfrm>
+          <a:off x="0" y="0"/>
+          <a:ext cx="0" cy="0"/>
+          <a:chOff x="0" y="0"/>
+          <a:chExt cx="0" cy="0"/>
+        </a:xfrm>
+      </p:grpSpPr>
+      <p:sp>
+        <p:nvSpPr>
+          <p:cNvPr id="2" name="Slide Image Placeholder 1"/>
+          <p:cNvSpPr>
+            <a:spLocks noGrp="1" noRot="1" noChangeAspect="1"/>
+          </p:cNvSpPr>
+          <p:nvPr>
+            <p:ph type="sldImg"/>
+          </p:nvPr>
+        </p:nvSpPr>
+        <p:spPr/>
+      </p:sp>
+      <p:sp>
+        <p:nvSpPr>
+          <p:cNvPr id="3" name="Notes Placeholder 2"/>
+          <p:cNvSpPr>
+            <a:spLocks noGrp="1"/>
+          </p:cNvSpPr>
+          <p:nvPr>
+            <p:ph type="body" idx="1"/>
+          </p:nvPr>
+        </p:nvSpPr>
+        <p:spPr/>
+        <p:txBody>
+          <a:bodyPr/>
+          <a:lstStyle/>
+          <a:p>
+            <a:pPr marL="0" marR="0" indent="0" algn="l" defTabSz="914400" rtl="0" eaLnBrk="1" fontAlgn="auto" latinLnBrk="0" hangingPunct="1">
+              <a:lnSpc>
+                <a:spcPct val="100000"/>
+              </a:lnSpc>
+              <a:spcBef>
+                <a:spcPts val="0"/>
+              </a:spcBef>
+              <a:spcAft>
+                <a:spcPts val="0"/>
+              </a:spcAft>
+              <a:buClrTx/>
+              <a:buSzTx/>
+              <a:buFontTx/>
+              <a:buNone/>
+              <a:tabLst/>
+              <a:defRPr/>
+            </a:pPr>
+            <a:r>
+              <a:rPr lang="en-US" sz="1200" dirty="0" smtClean="0"/>
+              <a:t>Use</a:t>
+            </a:r>
+            <a:r>
+              <a:rPr lang="en-US" sz="1200" baseline="0" dirty="0" smtClean="0"/>
+              <a:t> the code in index.html</a:t>
+            </a:r>
+          </a:p>
+          <a:p>
+            <a:pPr marL="0" marR="0" indent="0" algn="l" defTabSz="914400" rtl="0" eaLnBrk="1" fontAlgn="auto" latinLnBrk="0" hangingPunct="1">
+              <a:lnSpc>
+                <a:spcPct val="100000"/>
+              </a:lnSpc>
+              <a:spcBef>
+                <a:spcPts val="0"/>
+              </a:spcBef>
+              <a:spcAft>
+                <a:spcPts val="0"/>
+              </a:spcAft>
+              <a:buClrTx/>
+              <a:buSzTx/>
+              <a:buFontTx/>
+              <a:buNone/>
+              <a:tabLst/>
+              <a:defRPr/>
+            </a:pPr>
+            <a:r>
+              <a:rPr lang="en-US" sz="1200" baseline="0" dirty="0" smtClean="0"/>
+              <a:t>And in app.js</a:t>
+            </a:r>
+            <a:endParaRPr lang="en-US" sz="1200" dirty="0" smtClean="0"/>
+          </a:p>
+          <a:p>
+            <a:endParaRPr lang="en-US" dirty="0"/>
+          </a:p>
+        </p:txBody>
+      </p:sp>
+      <p:sp>
+        <p:nvSpPr>
+          <p:cNvPr id="4" name="Header Placeholder 3"/>
+          <p:cNvSpPr>
+            <a:spLocks noGrp="1"/>
+          </p:cNvSpPr>
+          <p:nvPr>
+            <p:ph type="hdr" sz="quarter" idx="10"/>
+          </p:nvPr>
+        </p:nvSpPr>
+        <p:spPr/>
+        <p:txBody>
+          <a:bodyPr/>
+          <a:lstStyle/>
+          <a:p>
+            <a:r>
+              <a:rPr lang="en-US" smtClean="0"/>
+              <a:t>TEST</a:t>
+            </a:r>
+            <a:endParaRPr lang="en-US"/>
+          </a:p>
+        </p:txBody>
+      </p:sp>
+      <p:sp>
+        <p:nvSpPr>
+          <p:cNvPr id="5" name="Slide Number Placeholder 4"/>
+          <p:cNvSpPr>
+            <a:spLocks noGrp="1"/>
+          </p:cNvSpPr>
+          <p:nvPr>
+            <p:ph type="sldNum" sz="quarter" idx="11"/>
+          </p:nvPr>
+        </p:nvSpPr>
+        <p:spPr/>
+        <p:txBody>
+          <a:bodyPr/>
+          <a:lstStyle/>
+          <a:p>
+            <a:fld id="{B1206FEA-4AFC-4465-8ABD-ECC3D411179B}" type="slidenum">
+              <a:rPr lang="en-US" smtClean="0"/>
+              <a:t>28</a:t>
+            </a:fld>
+            <a:endParaRPr lang="en-US"/>
+          </a:p>
+        </p:txBody>
+      </p:sp>
+    </p:spTree>
+    <p:extLst>
+      <p:ext uri="{BB962C8B-B14F-4D97-AF65-F5344CB8AC3E}">
+        <p14:creationId xmlns:p14="http://schemas.microsoft.com/office/powerpoint/2010/main" val="2837921313"/>
+      </p:ext>
+    </p:extLst>
+  </p:cSld>
+  <p:clrMapOvr>
+    <a:masterClrMapping/>
+  </p:clrMapOvr>
+</p:notes>
+</file>
+
+<file path=ppt/notesSlides/notesSlide18.xml><?xml version="1.0" encoding="utf-8"?>
+<p:notes xmlns:a="http://schemas.openxmlformats.org/drawingml/2006/main" xmlns:r="http://schemas.openxmlformats.org/officeDocument/2006/relationships" xmlns:p="http://schemas.openxmlformats.org/presentationml/2006/main">
+  <p:cSld>
+    <p:spTree>
+      <p:nvGrpSpPr>
+        <p:cNvPr id="1" name=""/>
+        <p:cNvGrpSpPr/>
+        <p:nvPr/>
+      </p:nvGrpSpPr>
+      <p:grpSpPr>
+        <a:xfrm>
+          <a:off x="0" y="0"/>
+          <a:ext cx="0" cy="0"/>
+          <a:chOff x="0" y="0"/>
+          <a:chExt cx="0" cy="0"/>
+        </a:xfrm>
+      </p:grpSpPr>
+      <p:sp>
+        <p:nvSpPr>
+          <p:cNvPr id="2" name="Slide Image Placeholder 1"/>
+          <p:cNvSpPr>
+            <a:spLocks noGrp="1" noRot="1" noChangeAspect="1"/>
+          </p:cNvSpPr>
+          <p:nvPr>
+            <p:ph type="sldImg"/>
+          </p:nvPr>
+        </p:nvSpPr>
+        <p:spPr/>
+      </p:sp>
+      <p:sp>
+        <p:nvSpPr>
+          <p:cNvPr id="3" name="Notes Placeholder 2"/>
+          <p:cNvSpPr>
+            <a:spLocks noGrp="1"/>
+          </p:cNvSpPr>
+          <p:nvPr>
+            <p:ph type="body" idx="1"/>
+          </p:nvPr>
+        </p:nvSpPr>
+        <p:spPr/>
+        <p:txBody>
+          <a:bodyPr/>
+          <a:lstStyle/>
+          <a:p>
+            <a:r>
+              <a:rPr lang="en-US" sz="1200" dirty="0" smtClean="0"/>
+              <a:t>Put the following configuration in </a:t>
+            </a:r>
+            <a:r>
+              <a:rPr lang="en-US" sz="1200" dirty="0" err="1" smtClean="0"/>
+              <a:t>package.json</a:t>
+            </a:r>
+            <a:r>
+              <a:rPr lang="en-US" sz="1200" dirty="0" smtClean="0"/>
+              <a:t> which contains all the required dependencies. </a:t>
+            </a:r>
+          </a:p>
+          <a:p>
+            <a:endParaRPr lang="en-US" sz="1200" dirty="0" smtClean="0"/>
+          </a:p>
+          <a:p>
+            <a:r>
+              <a:rPr lang="en-US" sz="1200" dirty="0" smtClean="0"/>
+              <a:t>Then use the commands “</a:t>
+            </a:r>
+            <a:r>
+              <a:rPr lang="en-US" sz="1200" dirty="0" err="1" smtClean="0"/>
+              <a:t>npm</a:t>
+            </a:r>
+            <a:r>
+              <a:rPr lang="en-US" sz="1200" dirty="0" smtClean="0"/>
+              <a:t> install” and “</a:t>
+            </a:r>
+            <a:r>
+              <a:rPr lang="en-US" sz="1200" dirty="0" err="1" smtClean="0"/>
+              <a:t>npm</a:t>
+            </a:r>
+            <a:r>
+              <a:rPr lang="en-US" sz="1200" dirty="0" smtClean="0"/>
+              <a:t> run build” to install the required dependencies and build the code </a:t>
+            </a:r>
+            <a:endParaRPr lang="en-US" dirty="0"/>
+          </a:p>
+        </p:txBody>
+      </p:sp>
+      <p:sp>
+        <p:nvSpPr>
+          <p:cNvPr id="4" name="Header Placeholder 3"/>
+          <p:cNvSpPr>
+            <a:spLocks noGrp="1"/>
+          </p:cNvSpPr>
+          <p:nvPr>
+            <p:ph type="hdr" sz="quarter" idx="10"/>
+          </p:nvPr>
+        </p:nvSpPr>
+        <p:spPr/>
+        <p:txBody>
+          <a:bodyPr/>
+          <a:lstStyle/>
+          <a:p>
+            <a:r>
+              <a:rPr lang="en-US" smtClean="0"/>
+              <a:t>TEST</a:t>
+            </a:r>
+            <a:endParaRPr lang="en-US"/>
+          </a:p>
+        </p:txBody>
+      </p:sp>
+      <p:sp>
+        <p:nvSpPr>
+          <p:cNvPr id="5" name="Slide Number Placeholder 4"/>
+          <p:cNvSpPr>
+            <a:spLocks noGrp="1"/>
+          </p:cNvSpPr>
+          <p:nvPr>
+            <p:ph type="sldNum" sz="quarter" idx="11"/>
+          </p:nvPr>
+        </p:nvSpPr>
+        <p:spPr/>
+        <p:txBody>
+          <a:bodyPr/>
+          <a:lstStyle/>
+          <a:p>
+            <a:fld id="{B1206FEA-4AFC-4465-8ABD-ECC3D411179B}" type="slidenum">
+              <a:rPr lang="en-US" smtClean="0"/>
+              <a:t>30</a:t>
+            </a:fld>
+            <a:endParaRPr lang="en-US"/>
+          </a:p>
+        </p:txBody>
+      </p:sp>
+    </p:spTree>
+    <p:extLst>
+      <p:ext uri="{BB962C8B-B14F-4D97-AF65-F5344CB8AC3E}">
+        <p14:creationId xmlns:p14="http://schemas.microsoft.com/office/powerpoint/2010/main" val="527664236"/>
+      </p:ext>
+    </p:extLst>
+  </p:cSld>
+  <p:clrMapOvr>
+    <a:masterClrMapping/>
+  </p:clrMapOvr>
+</p:notes>
+</file>
+
+<file path=ppt/notesSlides/notesSlide19.xml><?xml version="1.0" encoding="utf-8"?>
+<p:notes xmlns:a="http://schemas.openxmlformats.org/drawingml/2006/main" xmlns:r="http://schemas.openxmlformats.org/officeDocument/2006/relationships" xmlns:p="http://schemas.openxmlformats.org/presentationml/2006/main">
+  <p:cSld>
+    <p:spTree>
+      <p:nvGrpSpPr>
+        <p:cNvPr id="1" name=""/>
+        <p:cNvGrpSpPr/>
+        <p:nvPr/>
+      </p:nvGrpSpPr>
+      <p:grpSpPr>
+        <a:xfrm>
+          <a:off x="0" y="0"/>
+          <a:ext cx="0" cy="0"/>
+          <a:chOff x="0" y="0"/>
+          <a:chExt cx="0" cy="0"/>
+        </a:xfrm>
+      </p:grpSpPr>
+      <p:sp>
+        <p:nvSpPr>
+          <p:cNvPr id="2" name="Slide Image Placeholder 1"/>
+          <p:cNvSpPr>
+            <a:spLocks noGrp="1" noRot="1" noChangeAspect="1"/>
+          </p:cNvSpPr>
+          <p:nvPr>
+            <p:ph type="sldImg"/>
+          </p:nvPr>
+        </p:nvSpPr>
+        <p:spPr/>
+      </p:sp>
+      <p:sp>
+        <p:nvSpPr>
+          <p:cNvPr id="3" name="Notes Placeholder 2"/>
+          <p:cNvSpPr>
+            <a:spLocks noGrp="1"/>
+          </p:cNvSpPr>
+          <p:nvPr>
+            <p:ph type="body" idx="1"/>
+          </p:nvPr>
+        </p:nvSpPr>
+        <p:spPr/>
+        <p:txBody>
+          <a:bodyPr/>
+          <a:lstStyle/>
+          <a:p>
+            <a:r>
+              <a:rPr lang="en-US" sz="1200" dirty="0" smtClean="0"/>
+              <a:t>To make the app SPA using hash routes we will use react-router</a:t>
+            </a:r>
+            <a:r>
+              <a:rPr lang="en-US" sz="1200" baseline="0" dirty="0" smtClean="0"/>
+              <a:t> component</a:t>
+            </a:r>
+          </a:p>
+          <a:p>
+            <a:r>
+              <a:rPr lang="en-US" dirty="0" smtClean="0"/>
+              <a:t>https://github.com/rackt/react-router</a:t>
+            </a:r>
+          </a:p>
+          <a:p>
+            <a:endParaRPr lang="en-US" dirty="0" smtClean="0"/>
+          </a:p>
+          <a:p>
+            <a:r>
+              <a:rPr lang="en-US" dirty="0" smtClean="0"/>
+              <a:t>Add</a:t>
+            </a:r>
+            <a:r>
+              <a:rPr lang="en-US" baseline="0" dirty="0" smtClean="0"/>
+              <a:t> react-router dependency and run “</a:t>
+            </a:r>
+            <a:r>
+              <a:rPr lang="en-US" baseline="0" dirty="0" err="1" smtClean="0"/>
+              <a:t>npm</a:t>
+            </a:r>
+            <a:r>
+              <a:rPr lang="en-US" baseline="0" dirty="0" smtClean="0"/>
+              <a:t> install” command</a:t>
+            </a:r>
+            <a:endParaRPr lang="en-US" dirty="0"/>
+          </a:p>
+        </p:txBody>
+      </p:sp>
+      <p:sp>
+        <p:nvSpPr>
+          <p:cNvPr id="4" name="Header Placeholder 3"/>
+          <p:cNvSpPr>
+            <a:spLocks noGrp="1"/>
+          </p:cNvSpPr>
+          <p:nvPr>
+            <p:ph type="hdr" sz="quarter" idx="10"/>
+          </p:nvPr>
+        </p:nvSpPr>
+        <p:spPr/>
+        <p:txBody>
+          <a:bodyPr/>
+          <a:lstStyle/>
+          <a:p>
+            <a:r>
+              <a:rPr lang="en-US" smtClean="0"/>
+              <a:t>TEST</a:t>
+            </a:r>
+            <a:endParaRPr lang="en-US"/>
+          </a:p>
+        </p:txBody>
+      </p:sp>
+      <p:sp>
+        <p:nvSpPr>
+          <p:cNvPr id="5" name="Slide Number Placeholder 4"/>
+          <p:cNvSpPr>
+            <a:spLocks noGrp="1"/>
+          </p:cNvSpPr>
+          <p:nvPr>
+            <p:ph type="sldNum" sz="quarter" idx="11"/>
+          </p:nvPr>
+        </p:nvSpPr>
+        <p:spPr/>
+        <p:txBody>
+          <a:bodyPr/>
+          <a:lstStyle/>
+          <a:p>
+            <a:fld id="{B1206FEA-4AFC-4465-8ABD-ECC3D411179B}" type="slidenum">
+              <a:rPr lang="en-US" smtClean="0"/>
+              <a:t>31</a:t>
+            </a:fld>
+            <a:endParaRPr lang="en-US"/>
+          </a:p>
+        </p:txBody>
+      </p:sp>
+    </p:spTree>
+    <p:extLst>
+      <p:ext uri="{BB962C8B-B14F-4D97-AF65-F5344CB8AC3E}">
+        <p14:creationId xmlns:p14="http://schemas.microsoft.com/office/powerpoint/2010/main" val="2039934366"/>
+      </p:ext>
+    </p:extLst>
+  </p:cSld>
+  <p:clrMapOvr>
+    <a:masterClrMapping/>
+  </p:clrMapOvr>
+</p:notes>
+</file>
+
 <file path=ppt/notesSlides/notesSlide2.xml><?xml version="1.0" encoding="utf-8"?>
 <p:notes xmlns:a="http://schemas.openxmlformats.org/drawingml/2006/main" xmlns:r="http://schemas.openxmlformats.org/officeDocument/2006/relationships" xmlns:p="http://schemas.openxmlformats.org/presentationml/2006/main">
   <p:cSld>
@@ -873,7 +2235,69 @@
           <a:bodyPr/>
           <a:lstStyle/>
           <a:p>
-            <a:endParaRPr lang="en-US"/>
+            <a:pPr marL="285750" indent="-285750">
+              <a:buFont typeface="Arial" panose="020B0604020202020204" pitchFamily="34" charset="0"/>
+              <a:buChar char="•"/>
+            </a:pPr>
+            <a:r>
+              <a:rPr lang="en-US" dirty="0" smtClean="0"/>
+              <a:t>Model watches to views and views watches the model. Too many Watches.</a:t>
+            </a:r>
+          </a:p>
+          <a:p>
+            <a:pPr marL="285750" indent="-285750">
+              <a:buFont typeface="Arial" panose="020B0604020202020204" pitchFamily="34" charset="0"/>
+              <a:buChar char="•"/>
+            </a:pPr>
+            <a:r>
+              <a:rPr lang="en-US" dirty="0" smtClean="0"/>
+              <a:t>Views re rendering too much.</a:t>
+            </a:r>
+          </a:p>
+          <a:p>
+            <a:pPr marL="285750" indent="-285750">
+              <a:buFont typeface="Arial" panose="020B0604020202020204" pitchFamily="34" charset="0"/>
+              <a:buChar char="•"/>
+            </a:pPr>
+            <a:r>
+              <a:rPr lang="en-US" dirty="0" smtClean="0"/>
+              <a:t>Makes a page of real time data heavy to render.</a:t>
+            </a:r>
+          </a:p>
+          <a:p>
+            <a:pPr marL="285750" indent="-285750">
+              <a:buFont typeface="Arial" panose="020B0604020202020204" pitchFamily="34" charset="0"/>
+              <a:buChar char="•"/>
+            </a:pPr>
+            <a:r>
+              <a:rPr lang="en-US" dirty="0" smtClean="0"/>
+              <a:t>Two way data flow make it difficult to debug a problem.</a:t>
+            </a:r>
+          </a:p>
+          <a:p>
+            <a:pPr marL="285750" indent="-285750">
+              <a:buFont typeface="Arial" panose="020B0604020202020204" pitchFamily="34" charset="0"/>
+              <a:buChar char="•"/>
+            </a:pPr>
+            <a:r>
+              <a:rPr lang="en-US" dirty="0" smtClean="0"/>
+              <a:t>MVC did not scale well for Facebook’s huge codebase. The main problem for them was the bidirectional </a:t>
+            </a:r>
+          </a:p>
+          <a:p>
+            <a:r>
+              <a:rPr lang="en-US" dirty="0" smtClean="0"/>
+              <a:t>     communication, where one change can loop back and have cascading effects across the codebase </a:t>
+            </a:r>
+          </a:p>
+          <a:p>
+            <a:r>
+              <a:rPr lang="en-US" dirty="0" smtClean="0"/>
+              <a:t>     (making things very complicated to debug and understand).</a:t>
+            </a:r>
+          </a:p>
+          <a:p>
+            <a:endParaRPr lang="en-US" dirty="0"/>
           </a:p>
         </p:txBody>
       </p:sp>
@@ -926,7 +2350,291 @@
     </p:spTree>
     <p:extLst>
       <p:ext uri="{BB962C8B-B14F-4D97-AF65-F5344CB8AC3E}">
-        <p14:creationId xmlns:p14="http://schemas.microsoft.com/office/powerpoint/2010/main" val="781760026"/>
+        <p14:creationId xmlns:p14="http://schemas.microsoft.com/office/powerpoint/2010/main" val="2624536755"/>
+      </p:ext>
+    </p:extLst>
+  </p:cSld>
+  <p:clrMapOvr>
+    <a:masterClrMapping/>
+  </p:clrMapOvr>
+</p:notes>
+</file>
+
+<file path=ppt/notesSlides/notesSlide20.xml><?xml version="1.0" encoding="utf-8"?>
+<p:notes xmlns:a="http://schemas.openxmlformats.org/drawingml/2006/main" xmlns:r="http://schemas.openxmlformats.org/officeDocument/2006/relationships" xmlns:p="http://schemas.openxmlformats.org/presentationml/2006/main">
+  <p:cSld>
+    <p:spTree>
+      <p:nvGrpSpPr>
+        <p:cNvPr id="1" name=""/>
+        <p:cNvGrpSpPr/>
+        <p:nvPr/>
+      </p:nvGrpSpPr>
+      <p:grpSpPr>
+        <a:xfrm>
+          <a:off x="0" y="0"/>
+          <a:ext cx="0" cy="0"/>
+          <a:chOff x="0" y="0"/>
+          <a:chExt cx="0" cy="0"/>
+        </a:xfrm>
+      </p:grpSpPr>
+      <p:sp>
+        <p:nvSpPr>
+          <p:cNvPr id="2" name="Slide Image Placeholder 1"/>
+          <p:cNvSpPr>
+            <a:spLocks noGrp="1" noRot="1" noChangeAspect="1"/>
+          </p:cNvSpPr>
+          <p:nvPr>
+            <p:ph type="sldImg"/>
+          </p:nvPr>
+        </p:nvSpPr>
+        <p:spPr/>
+      </p:sp>
+      <p:sp>
+        <p:nvSpPr>
+          <p:cNvPr id="3" name="Notes Placeholder 2"/>
+          <p:cNvSpPr>
+            <a:spLocks noGrp="1"/>
+          </p:cNvSpPr>
+          <p:nvPr>
+            <p:ph type="body" idx="1"/>
+          </p:nvPr>
+        </p:nvSpPr>
+        <p:spPr/>
+        <p:txBody>
+          <a:bodyPr/>
+          <a:lstStyle/>
+          <a:p>
+            <a:r>
+              <a:rPr lang="en-US" sz="1200" dirty="0" smtClean="0"/>
+              <a:t>To make the app SPA using hash routes we will use react-router</a:t>
+            </a:r>
+            <a:r>
+              <a:rPr lang="en-US" sz="1200" baseline="0" dirty="0" smtClean="0"/>
+              <a:t> component</a:t>
+            </a:r>
+          </a:p>
+          <a:p>
+            <a:r>
+              <a:rPr lang="en-US" dirty="0" smtClean="0"/>
+              <a:t>https://github.com/rackt/react-router</a:t>
+            </a:r>
+          </a:p>
+          <a:p>
+            <a:endParaRPr lang="en-US" dirty="0" smtClean="0"/>
+          </a:p>
+          <a:p>
+            <a:r>
+              <a:rPr lang="en-US" dirty="0" smtClean="0"/>
+              <a:t>Add</a:t>
+            </a:r>
+            <a:r>
+              <a:rPr lang="en-US" baseline="0" dirty="0" smtClean="0"/>
+              <a:t> react-router dependency and run “</a:t>
+            </a:r>
+            <a:r>
+              <a:rPr lang="en-US" baseline="0" dirty="0" err="1" smtClean="0"/>
+              <a:t>npm</a:t>
+            </a:r>
+            <a:r>
+              <a:rPr lang="en-US" baseline="0" dirty="0" smtClean="0"/>
+              <a:t> install” command</a:t>
+            </a:r>
+            <a:endParaRPr lang="en-US" dirty="0"/>
+          </a:p>
+        </p:txBody>
+      </p:sp>
+      <p:sp>
+        <p:nvSpPr>
+          <p:cNvPr id="4" name="Header Placeholder 3"/>
+          <p:cNvSpPr>
+            <a:spLocks noGrp="1"/>
+          </p:cNvSpPr>
+          <p:nvPr>
+            <p:ph type="hdr" sz="quarter" idx="10"/>
+          </p:nvPr>
+        </p:nvSpPr>
+        <p:spPr/>
+        <p:txBody>
+          <a:bodyPr/>
+          <a:lstStyle/>
+          <a:p>
+            <a:r>
+              <a:rPr lang="en-US" smtClean="0"/>
+              <a:t>TEST</a:t>
+            </a:r>
+            <a:endParaRPr lang="en-US"/>
+          </a:p>
+        </p:txBody>
+      </p:sp>
+      <p:sp>
+        <p:nvSpPr>
+          <p:cNvPr id="5" name="Slide Number Placeholder 4"/>
+          <p:cNvSpPr>
+            <a:spLocks noGrp="1"/>
+          </p:cNvSpPr>
+          <p:nvPr>
+            <p:ph type="sldNum" sz="quarter" idx="11"/>
+          </p:nvPr>
+        </p:nvSpPr>
+        <p:spPr/>
+        <p:txBody>
+          <a:bodyPr/>
+          <a:lstStyle/>
+          <a:p>
+            <a:fld id="{B1206FEA-4AFC-4465-8ABD-ECC3D411179B}" type="slidenum">
+              <a:rPr lang="en-US" smtClean="0"/>
+              <a:t>32</a:t>
+            </a:fld>
+            <a:endParaRPr lang="en-US"/>
+          </a:p>
+        </p:txBody>
+      </p:sp>
+    </p:spTree>
+    <p:extLst>
+      <p:ext uri="{BB962C8B-B14F-4D97-AF65-F5344CB8AC3E}">
+        <p14:creationId xmlns:p14="http://schemas.microsoft.com/office/powerpoint/2010/main" val="906655533"/>
+      </p:ext>
+    </p:extLst>
+  </p:cSld>
+  <p:clrMapOvr>
+    <a:masterClrMapping/>
+  </p:clrMapOvr>
+</p:notes>
+</file>
+
+<file path=ppt/notesSlides/notesSlide21.xml><?xml version="1.0" encoding="utf-8"?>
+<p:notes xmlns:a="http://schemas.openxmlformats.org/drawingml/2006/main" xmlns:r="http://schemas.openxmlformats.org/officeDocument/2006/relationships" xmlns:p="http://schemas.openxmlformats.org/presentationml/2006/main">
+  <p:cSld>
+    <p:spTree>
+      <p:nvGrpSpPr>
+        <p:cNvPr id="1" name=""/>
+        <p:cNvGrpSpPr/>
+        <p:nvPr/>
+      </p:nvGrpSpPr>
+      <p:grpSpPr>
+        <a:xfrm>
+          <a:off x="0" y="0"/>
+          <a:ext cx="0" cy="0"/>
+          <a:chOff x="0" y="0"/>
+          <a:chExt cx="0" cy="0"/>
+        </a:xfrm>
+      </p:grpSpPr>
+      <p:sp>
+        <p:nvSpPr>
+          <p:cNvPr id="2" name="Slide Image Placeholder 1"/>
+          <p:cNvSpPr>
+            <a:spLocks noGrp="1" noRot="1" noChangeAspect="1"/>
+          </p:cNvSpPr>
+          <p:nvPr>
+            <p:ph type="sldImg"/>
+          </p:nvPr>
+        </p:nvSpPr>
+        <p:spPr/>
+      </p:sp>
+      <p:sp>
+        <p:nvSpPr>
+          <p:cNvPr id="3" name="Notes Placeholder 2"/>
+          <p:cNvSpPr>
+            <a:spLocks noGrp="1"/>
+          </p:cNvSpPr>
+          <p:nvPr>
+            <p:ph type="body" idx="1"/>
+          </p:nvPr>
+        </p:nvSpPr>
+        <p:spPr/>
+        <p:txBody>
+          <a:bodyPr/>
+          <a:lstStyle/>
+          <a:p>
+            <a:r>
+              <a:rPr lang="en-US" sz="1200" dirty="0" smtClean="0"/>
+              <a:t>To make the app SPA using hash routes we will use react-router</a:t>
+            </a:r>
+            <a:r>
+              <a:rPr lang="en-US" sz="1200" baseline="0" dirty="0" smtClean="0"/>
+              <a:t> component</a:t>
+            </a:r>
+          </a:p>
+          <a:p>
+            <a:r>
+              <a:rPr lang="en-US" dirty="0" smtClean="0"/>
+              <a:t>https://github.com/rackt/react-router</a:t>
+            </a:r>
+          </a:p>
+          <a:p>
+            <a:endParaRPr lang="en-US" dirty="0" smtClean="0"/>
+          </a:p>
+          <a:p>
+            <a:r>
+              <a:rPr lang="en-US" dirty="0" smtClean="0"/>
+              <a:t>Add</a:t>
+            </a:r>
+            <a:r>
+              <a:rPr lang="en-US" baseline="0" dirty="0" smtClean="0"/>
+              <a:t> react-router dependency and run “</a:t>
+            </a:r>
+            <a:r>
+              <a:rPr lang="en-US" baseline="0" dirty="0" err="1" smtClean="0"/>
+              <a:t>npm</a:t>
+            </a:r>
+            <a:r>
+              <a:rPr lang="en-US" baseline="0" dirty="0" smtClean="0"/>
+              <a:t> install” command</a:t>
+            </a:r>
+            <a:endParaRPr lang="en-US" dirty="0"/>
+          </a:p>
+        </p:txBody>
+      </p:sp>
+      <p:sp>
+        <p:nvSpPr>
+          <p:cNvPr id="4" name="Header Placeholder 3"/>
+          <p:cNvSpPr>
+            <a:spLocks noGrp="1"/>
+          </p:cNvSpPr>
+          <p:nvPr>
+            <p:ph type="hdr" sz="quarter" idx="10"/>
+          </p:nvPr>
+        </p:nvSpPr>
+        <p:spPr/>
+        <p:txBody>
+          <a:bodyPr/>
+          <a:lstStyle/>
+          <a:p>
+            <a:r>
+              <a:rPr lang="en-US" smtClean="0"/>
+              <a:t>TEST</a:t>
+            </a:r>
+            <a:endParaRPr lang="en-US"/>
+          </a:p>
+        </p:txBody>
+      </p:sp>
+      <p:sp>
+        <p:nvSpPr>
+          <p:cNvPr id="5" name="Slide Number Placeholder 4"/>
+          <p:cNvSpPr>
+            <a:spLocks noGrp="1"/>
+          </p:cNvSpPr>
+          <p:nvPr>
+            <p:ph type="sldNum" sz="quarter" idx="11"/>
+          </p:nvPr>
+        </p:nvSpPr>
+        <p:spPr/>
+        <p:txBody>
+          <a:bodyPr/>
+          <a:lstStyle/>
+          <a:p>
+            <a:fld id="{B1206FEA-4AFC-4465-8ABD-ECC3D411179B}" type="slidenum">
+              <a:rPr lang="en-US" smtClean="0"/>
+              <a:t>33</a:t>
+            </a:fld>
+            <a:endParaRPr lang="en-US"/>
+          </a:p>
+        </p:txBody>
+      </p:sp>
+    </p:spTree>
+    <p:extLst>
+      <p:ext uri="{BB962C8B-B14F-4D97-AF65-F5344CB8AC3E}">
+        <p14:creationId xmlns:p14="http://schemas.microsoft.com/office/powerpoint/2010/main" val="2992053221"/>
       </p:ext>
     </p:extLst>
   </p:cSld>
@@ -980,7 +2688,15 @@
           <a:bodyPr/>
           <a:lstStyle/>
           <a:p>
-            <a:endParaRPr lang="en-US"/>
+            <a:r>
+              <a:rPr lang="en-US" dirty="0" smtClean="0"/>
+              <a:t>It creates mash between</a:t>
+            </a:r>
+            <a:r>
+              <a:rPr lang="en-US" baseline="0" dirty="0" smtClean="0"/>
+              <a:t> model and views</a:t>
+            </a:r>
+            <a:endParaRPr lang="en-US" dirty="0"/>
           </a:p>
         </p:txBody>
       </p:sp>
@@ -1033,7 +2749,7 @@
     </p:spTree>
     <p:extLst>
       <p:ext uri="{BB962C8B-B14F-4D97-AF65-F5344CB8AC3E}">
-        <p14:creationId xmlns:p14="http://schemas.microsoft.com/office/powerpoint/2010/main" val="2624536755"/>
+        <p14:creationId xmlns:p14="http://schemas.microsoft.com/office/powerpoint/2010/main" val="781760026"/>
       </p:ext>
     </p:extLst>
   </p:cSld>
@@ -1088,21 +2804,83 @@
           <a:lstStyle/>
           <a:p>
             <a:r>
+              <a:rPr lang="en-US" b="1" dirty="0" smtClean="0"/>
+              <a:t>Actions </a:t>
+            </a:r>
+            <a:r>
               <a:rPr lang="en-US" dirty="0" smtClean="0"/>
-              <a:t>test</a:t>
-            </a:r>
+              <a:t>are the triggers that are initiated by the view or some other components of an application.</a:t>
+            </a:r>
+            <a:endParaRPr lang="en-US" b="1" dirty="0" smtClean="0"/>
+          </a:p>
+          <a:p>
+            <a:r>
+              <a:rPr lang="en-US" b="1" dirty="0" smtClean="0"/>
+              <a:t>Dispatcher </a:t>
+            </a:r>
+            <a:r>
+              <a:rPr lang="en-US" dirty="0" smtClean="0"/>
+              <a:t>catches the action and dispatch it to its respective stores where the corresponding actions was registered.</a:t>
+            </a:r>
+            <a:endParaRPr lang="en-US" b="1" dirty="0" smtClean="0"/>
+          </a:p>
+          <a:p>
+            <a:r>
+              <a:rPr lang="en-US" b="1" dirty="0" smtClean="0"/>
+              <a:t>Stores </a:t>
+            </a:r>
+            <a:r>
+              <a:rPr lang="en-US" dirty="0" smtClean="0"/>
+              <a:t>are the data layer of flux that holds the application state data. It also holds the callbacks of actions coming from the dispatcher where the data can be manipulated to its new state. Once the state of data is changed it re renders its respective view.</a:t>
+            </a:r>
+          </a:p>
+          <a:p>
+            <a:r>
+              <a:rPr lang="en-US" b="1" dirty="0" smtClean="0"/>
+              <a:t>Views </a:t>
+            </a:r>
+            <a:r>
+              <a:rPr lang="en-US" dirty="0" smtClean="0"/>
+              <a:t>are the front end components to render the data coming from the stores. Views can then again initiate some action to the dispatcher.</a:t>
+            </a:r>
+            <a:endParaRPr lang="en-US" b="1" dirty="0" smtClean="0"/>
+          </a:p>
+          <a:p>
             <a:endParaRPr lang="en-US" dirty="0"/>
           </a:p>
         </p:txBody>
       </p:sp>
       <p:sp>
         <p:nvSpPr>
-          <p:cNvPr id="4" name="Slide Number Placeholder 3"/>
-          <p:cNvSpPr>
-            <a:spLocks noGrp="1"/>
-          </p:cNvSpPr>
-          <p:nvPr>
-            <p:ph type="sldNum" sz="quarter" idx="10"/>
+          <p:cNvPr id="4" name="Header Placeholder 3"/>
+          <p:cNvSpPr>
+            <a:spLocks noGrp="1"/>
+          </p:cNvSpPr>
+          <p:nvPr>
+            <p:ph type="hdr" sz="quarter" idx="10"/>
+          </p:nvPr>
+        </p:nvSpPr>
+        <p:spPr/>
+        <p:txBody>
+          <a:bodyPr/>
+          <a:lstStyle/>
+          <a:p>
+            <a:r>
+              <a:rPr lang="en-US" smtClean="0"/>
+              <a:t>TEST</a:t>
+            </a:r>
+            <a:endParaRPr lang="en-US"/>
+          </a:p>
+        </p:txBody>
+      </p:sp>
+      <p:sp>
+        <p:nvSpPr>
+          <p:cNvPr id="5" name="Slide Number Placeholder 4"/>
+          <p:cNvSpPr>
+            <a:spLocks noGrp="1"/>
+          </p:cNvSpPr>
+          <p:nvPr>
+            <p:ph type="sldNum" sz="quarter" idx="11"/>
           </p:nvPr>
         </p:nvSpPr>
         <p:spPr/>
@@ -1112,31 +2890,8 @@
           <a:p>
             <a:fld id="{B1206FEA-4AFC-4465-8ABD-ECC3D411179B}" type="slidenum">
               <a:rPr lang="en-US" smtClean="0"/>
-              <a:t>24</a:t>
+              <a:t>6</a:t>
             </a:fld>
-            <a:endParaRPr lang="en-US"/>
-          </a:p>
-        </p:txBody>
-      </p:sp>
-      <p:sp>
-        <p:nvSpPr>
-          <p:cNvPr id="5" name="Header Placeholder 4"/>
-          <p:cNvSpPr>
-            <a:spLocks noGrp="1"/>
-          </p:cNvSpPr>
-          <p:nvPr>
-            <p:ph type="hdr" sz="quarter" idx="11"/>
-          </p:nvPr>
-        </p:nvSpPr>
-        <p:spPr/>
-        <p:txBody>
-          <a:bodyPr/>
-          <a:lstStyle/>
-          <a:p>
-            <a:r>
-              <a:rPr lang="en-US" smtClean="0"/>
-              <a:t>TEST</a:t>
-            </a:r>
             <a:endParaRPr lang="en-US"/>
           </a:p>
         </p:txBody>
@@ -1144,7 +2899,695 @@
     </p:spTree>
     <p:extLst>
       <p:ext uri="{BB962C8B-B14F-4D97-AF65-F5344CB8AC3E}">
-        <p14:creationId xmlns:p14="http://schemas.microsoft.com/office/powerpoint/2010/main" val="4238810153"/>
+        <p14:creationId xmlns:p14="http://schemas.microsoft.com/office/powerpoint/2010/main" val="1284779438"/>
+      </p:ext>
+    </p:extLst>
+  </p:cSld>
+  <p:clrMapOvr>
+    <a:masterClrMapping/>
+  </p:clrMapOvr>
+</p:notes>
+</file>
+
+<file path=ppt/notesSlides/notesSlide5.xml><?xml version="1.0" encoding="utf-8"?>
+<p:notes xmlns:a="http://schemas.openxmlformats.org/drawingml/2006/main" xmlns:r="http://schemas.openxmlformats.org/officeDocument/2006/relationships" xmlns:p="http://schemas.openxmlformats.org/presentationml/2006/main">
+  <p:cSld>
+    <p:spTree>
+      <p:nvGrpSpPr>
+        <p:cNvPr id="1" name=""/>
+        <p:cNvGrpSpPr/>
+        <p:nvPr/>
+      </p:nvGrpSpPr>
+      <p:grpSpPr>
+        <a:xfrm>
+          <a:off x="0" y="0"/>
+          <a:ext cx="0" cy="0"/>
+          <a:chOff x="0" y="0"/>
+          <a:chExt cx="0" cy="0"/>
+        </a:xfrm>
+      </p:grpSpPr>
+      <p:sp>
+        <p:nvSpPr>
+          <p:cNvPr id="2" name="Slide Image Placeholder 1"/>
+          <p:cNvSpPr>
+            <a:spLocks noGrp="1" noRot="1" noChangeAspect="1"/>
+          </p:cNvSpPr>
+          <p:nvPr>
+            <p:ph type="sldImg"/>
+          </p:nvPr>
+        </p:nvSpPr>
+        <p:spPr/>
+      </p:sp>
+      <p:sp>
+        <p:nvSpPr>
+          <p:cNvPr id="3" name="Notes Placeholder 2"/>
+          <p:cNvSpPr>
+            <a:spLocks noGrp="1"/>
+          </p:cNvSpPr>
+          <p:nvPr>
+            <p:ph type="body" idx="1"/>
+          </p:nvPr>
+        </p:nvSpPr>
+        <p:spPr/>
+        <p:txBody>
+          <a:bodyPr/>
+          <a:lstStyle/>
+          <a:p>
+            <a:r>
+              <a:rPr lang="en-US" dirty="0" smtClean="0"/>
+              <a:t>Alt.js is meant to use the new features of </a:t>
+            </a:r>
+            <a:r>
+              <a:rPr lang="en-US" dirty="0" err="1" smtClean="0"/>
+              <a:t>Ecmascript</a:t>
+            </a:r>
+            <a:r>
+              <a:rPr lang="en-US" dirty="0" smtClean="0"/>
+              <a:t> 6. </a:t>
+            </a:r>
+          </a:p>
+          <a:p>
+            <a:r>
+              <a:rPr lang="en-US" dirty="0" smtClean="0"/>
+              <a:t>We will use classes of ES6 in our sample application. </a:t>
+            </a:r>
+          </a:p>
+          <a:p>
+            <a:r>
+              <a:rPr lang="en-US" dirty="0" smtClean="0"/>
+              <a:t>Therefore some transformer is needed to make the ES6 code compatible to the browsers that only know ES5</a:t>
+            </a:r>
+          </a:p>
+          <a:p>
+            <a:r>
+              <a:rPr lang="en-US" dirty="0" smtClean="0"/>
+              <a:t>Will discuss it later</a:t>
+            </a:r>
+            <a:endParaRPr lang="en-US" dirty="0"/>
+          </a:p>
+        </p:txBody>
+      </p:sp>
+      <p:sp>
+        <p:nvSpPr>
+          <p:cNvPr id="4" name="Header Placeholder 3"/>
+          <p:cNvSpPr>
+            <a:spLocks noGrp="1"/>
+          </p:cNvSpPr>
+          <p:nvPr>
+            <p:ph type="hdr" sz="quarter" idx="10"/>
+          </p:nvPr>
+        </p:nvSpPr>
+        <p:spPr/>
+        <p:txBody>
+          <a:bodyPr/>
+          <a:lstStyle/>
+          <a:p>
+            <a:r>
+              <a:rPr lang="en-US" smtClean="0"/>
+              <a:t>TEST</a:t>
+            </a:r>
+            <a:endParaRPr lang="en-US"/>
+          </a:p>
+        </p:txBody>
+      </p:sp>
+      <p:sp>
+        <p:nvSpPr>
+          <p:cNvPr id="5" name="Slide Number Placeholder 4"/>
+          <p:cNvSpPr>
+            <a:spLocks noGrp="1"/>
+          </p:cNvSpPr>
+          <p:nvPr>
+            <p:ph type="sldNum" sz="quarter" idx="11"/>
+          </p:nvPr>
+        </p:nvSpPr>
+        <p:spPr/>
+        <p:txBody>
+          <a:bodyPr/>
+          <a:lstStyle/>
+          <a:p>
+            <a:fld id="{B1206FEA-4AFC-4465-8ABD-ECC3D411179B}" type="slidenum">
+              <a:rPr lang="en-US" smtClean="0"/>
+              <a:t>8</a:t>
+            </a:fld>
+            <a:endParaRPr lang="en-US"/>
+          </a:p>
+        </p:txBody>
+      </p:sp>
+    </p:spTree>
+    <p:extLst>
+      <p:ext uri="{BB962C8B-B14F-4D97-AF65-F5344CB8AC3E}">
+        <p14:creationId xmlns:p14="http://schemas.microsoft.com/office/powerpoint/2010/main" val="1719427369"/>
+      </p:ext>
+    </p:extLst>
+  </p:cSld>
+  <p:clrMapOvr>
+    <a:masterClrMapping/>
+  </p:clrMapOvr>
+</p:notes>
+</file>
+
+<file path=ppt/notesSlides/notesSlide6.xml><?xml version="1.0" encoding="utf-8"?>
+<p:notes xmlns:a="http://schemas.openxmlformats.org/drawingml/2006/main" xmlns:r="http://schemas.openxmlformats.org/officeDocument/2006/relationships" xmlns:p="http://schemas.openxmlformats.org/presentationml/2006/main">
+  <p:cSld>
+    <p:spTree>
+      <p:nvGrpSpPr>
+        <p:cNvPr id="1" name=""/>
+        <p:cNvGrpSpPr/>
+        <p:nvPr/>
+      </p:nvGrpSpPr>
+      <p:grpSpPr>
+        <a:xfrm>
+          <a:off x="0" y="0"/>
+          <a:ext cx="0" cy="0"/>
+          <a:chOff x="0" y="0"/>
+          <a:chExt cx="0" cy="0"/>
+        </a:xfrm>
+      </p:grpSpPr>
+      <p:sp>
+        <p:nvSpPr>
+          <p:cNvPr id="2" name="Slide Image Placeholder 1"/>
+          <p:cNvSpPr>
+            <a:spLocks noGrp="1" noRot="1" noChangeAspect="1"/>
+          </p:cNvSpPr>
+          <p:nvPr>
+            <p:ph type="sldImg"/>
+          </p:nvPr>
+        </p:nvSpPr>
+        <p:spPr/>
+      </p:sp>
+      <p:sp>
+        <p:nvSpPr>
+          <p:cNvPr id="3" name="Notes Placeholder 2"/>
+          <p:cNvSpPr>
+            <a:spLocks noGrp="1"/>
+          </p:cNvSpPr>
+          <p:nvPr>
+            <p:ph type="body" idx="1"/>
+          </p:nvPr>
+        </p:nvSpPr>
+        <p:spPr/>
+        <p:txBody>
+          <a:bodyPr/>
+          <a:lstStyle/>
+          <a:p>
+            <a:endParaRPr lang="en-US" dirty="0"/>
+          </a:p>
+        </p:txBody>
+      </p:sp>
+      <p:sp>
+        <p:nvSpPr>
+          <p:cNvPr id="4" name="Header Placeholder 3"/>
+          <p:cNvSpPr>
+            <a:spLocks noGrp="1"/>
+          </p:cNvSpPr>
+          <p:nvPr>
+            <p:ph type="hdr" sz="quarter" idx="10"/>
+          </p:nvPr>
+        </p:nvSpPr>
+        <p:spPr/>
+        <p:txBody>
+          <a:bodyPr/>
+          <a:lstStyle/>
+          <a:p>
+            <a:r>
+              <a:rPr lang="en-US" smtClean="0"/>
+              <a:t>TEST</a:t>
+            </a:r>
+            <a:endParaRPr lang="en-US"/>
+          </a:p>
+        </p:txBody>
+      </p:sp>
+      <p:sp>
+        <p:nvSpPr>
+          <p:cNvPr id="5" name="Slide Number Placeholder 4"/>
+          <p:cNvSpPr>
+            <a:spLocks noGrp="1"/>
+          </p:cNvSpPr>
+          <p:nvPr>
+            <p:ph type="sldNum" sz="quarter" idx="11"/>
+          </p:nvPr>
+        </p:nvSpPr>
+        <p:spPr/>
+        <p:txBody>
+          <a:bodyPr/>
+          <a:lstStyle/>
+          <a:p>
+            <a:fld id="{B1206FEA-4AFC-4465-8ABD-ECC3D411179B}" type="slidenum">
+              <a:rPr lang="en-US" smtClean="0"/>
+              <a:t>9</a:t>
+            </a:fld>
+            <a:endParaRPr lang="en-US"/>
+          </a:p>
+        </p:txBody>
+      </p:sp>
+    </p:spTree>
+    <p:extLst>
+      <p:ext uri="{BB962C8B-B14F-4D97-AF65-F5344CB8AC3E}">
+        <p14:creationId xmlns:p14="http://schemas.microsoft.com/office/powerpoint/2010/main" val="2698405075"/>
+      </p:ext>
+    </p:extLst>
+  </p:cSld>
+  <p:clrMapOvr>
+    <a:masterClrMapping/>
+  </p:clrMapOvr>
+</p:notes>
+</file>
+
+<file path=ppt/notesSlides/notesSlide7.xml><?xml version="1.0" encoding="utf-8"?>
+<p:notes xmlns:a="http://schemas.openxmlformats.org/drawingml/2006/main" xmlns:r="http://schemas.openxmlformats.org/officeDocument/2006/relationships" xmlns:p="http://schemas.openxmlformats.org/presentationml/2006/main">
+  <p:cSld>
+    <p:spTree>
+      <p:nvGrpSpPr>
+        <p:cNvPr id="1" name=""/>
+        <p:cNvGrpSpPr/>
+        <p:nvPr/>
+      </p:nvGrpSpPr>
+      <p:grpSpPr>
+        <a:xfrm>
+          <a:off x="0" y="0"/>
+          <a:ext cx="0" cy="0"/>
+          <a:chOff x="0" y="0"/>
+          <a:chExt cx="0" cy="0"/>
+        </a:xfrm>
+      </p:grpSpPr>
+      <p:sp>
+        <p:nvSpPr>
+          <p:cNvPr id="2" name="Slide Image Placeholder 1"/>
+          <p:cNvSpPr>
+            <a:spLocks noGrp="1" noRot="1" noChangeAspect="1"/>
+          </p:cNvSpPr>
+          <p:nvPr>
+            <p:ph type="sldImg"/>
+          </p:nvPr>
+        </p:nvSpPr>
+        <p:spPr/>
+      </p:sp>
+      <p:sp>
+        <p:nvSpPr>
+          <p:cNvPr id="3" name="Notes Placeholder 2"/>
+          <p:cNvSpPr>
+            <a:spLocks noGrp="1"/>
+          </p:cNvSpPr>
+          <p:nvPr>
+            <p:ph type="body" idx="1"/>
+          </p:nvPr>
+        </p:nvSpPr>
+        <p:spPr/>
+        <p:txBody>
+          <a:bodyPr/>
+          <a:lstStyle/>
+          <a:p>
+            <a:r>
+              <a:rPr lang="en-US" dirty="0" smtClean="0"/>
+              <a:t>Using </a:t>
+            </a:r>
+            <a:r>
+              <a:rPr lang="en-US" dirty="0" err="1" smtClean="0"/>
+              <a:t>npm</a:t>
+            </a:r>
+            <a:r>
+              <a:rPr lang="en-US" dirty="0" smtClean="0"/>
+              <a:t> we can run the following command at the root of the directory</a:t>
+            </a:r>
+          </a:p>
+          <a:p>
+            <a:r>
+              <a:rPr lang="en-US" smtClean="0"/>
+              <a:t>This </a:t>
+            </a:r>
+            <a:r>
+              <a:rPr lang="en-US" dirty="0" smtClean="0"/>
+              <a:t>will install the require node modules of alt to the project directory</a:t>
+            </a:r>
+            <a:endParaRPr lang="en-US" dirty="0"/>
+          </a:p>
+        </p:txBody>
+      </p:sp>
+      <p:sp>
+        <p:nvSpPr>
+          <p:cNvPr id="4" name="Header Placeholder 3"/>
+          <p:cNvSpPr>
+            <a:spLocks noGrp="1"/>
+          </p:cNvSpPr>
+          <p:nvPr>
+            <p:ph type="hdr" sz="quarter" idx="10"/>
+          </p:nvPr>
+        </p:nvSpPr>
+        <p:spPr/>
+        <p:txBody>
+          <a:bodyPr/>
+          <a:lstStyle/>
+          <a:p>
+            <a:r>
+              <a:rPr lang="en-US" smtClean="0"/>
+              <a:t>TEST</a:t>
+            </a:r>
+            <a:endParaRPr lang="en-US"/>
+          </a:p>
+        </p:txBody>
+      </p:sp>
+      <p:sp>
+        <p:nvSpPr>
+          <p:cNvPr id="5" name="Slide Number Placeholder 4"/>
+          <p:cNvSpPr>
+            <a:spLocks noGrp="1"/>
+          </p:cNvSpPr>
+          <p:nvPr>
+            <p:ph type="sldNum" sz="quarter" idx="11"/>
+          </p:nvPr>
+        </p:nvSpPr>
+        <p:spPr/>
+        <p:txBody>
+          <a:bodyPr/>
+          <a:lstStyle/>
+          <a:p>
+            <a:fld id="{B1206FEA-4AFC-4465-8ABD-ECC3D411179B}" type="slidenum">
+              <a:rPr lang="en-US" smtClean="0"/>
+              <a:t>10</a:t>
+            </a:fld>
+            <a:endParaRPr lang="en-US"/>
+          </a:p>
+        </p:txBody>
+      </p:sp>
+    </p:spTree>
+    <p:extLst>
+      <p:ext uri="{BB962C8B-B14F-4D97-AF65-F5344CB8AC3E}">
+        <p14:creationId xmlns:p14="http://schemas.microsoft.com/office/powerpoint/2010/main" val="1093796733"/>
+      </p:ext>
+    </p:extLst>
+  </p:cSld>
+  <p:clrMapOvr>
+    <a:masterClrMapping/>
+  </p:clrMapOvr>
+</p:notes>
+</file>
+
+<file path=ppt/notesSlides/notesSlide8.xml><?xml version="1.0" encoding="utf-8"?>
+<p:notes xmlns:a="http://schemas.openxmlformats.org/drawingml/2006/main" xmlns:r="http://schemas.openxmlformats.org/officeDocument/2006/relationships" xmlns:p="http://schemas.openxmlformats.org/presentationml/2006/main">
+  <p:cSld>
+    <p:spTree>
+      <p:nvGrpSpPr>
+        <p:cNvPr id="1" name=""/>
+        <p:cNvGrpSpPr/>
+        <p:nvPr/>
+      </p:nvGrpSpPr>
+      <p:grpSpPr>
+        <a:xfrm>
+          <a:off x="0" y="0"/>
+          <a:ext cx="0" cy="0"/>
+          <a:chOff x="0" y="0"/>
+          <a:chExt cx="0" cy="0"/>
+        </a:xfrm>
+      </p:grpSpPr>
+      <p:sp>
+        <p:nvSpPr>
+          <p:cNvPr id="2" name="Slide Image Placeholder 1"/>
+          <p:cNvSpPr>
+            <a:spLocks noGrp="1" noRot="1" noChangeAspect="1"/>
+          </p:cNvSpPr>
+          <p:nvPr>
+            <p:ph type="sldImg"/>
+          </p:nvPr>
+        </p:nvSpPr>
+        <p:spPr/>
+      </p:sp>
+      <p:sp>
+        <p:nvSpPr>
+          <p:cNvPr id="3" name="Notes Placeholder 2"/>
+          <p:cNvSpPr>
+            <a:spLocks noGrp="1"/>
+          </p:cNvSpPr>
+          <p:nvPr>
+            <p:ph type="body" idx="1"/>
+          </p:nvPr>
+        </p:nvSpPr>
+        <p:spPr/>
+        <p:txBody>
+          <a:bodyPr/>
+          <a:lstStyle/>
+          <a:p>
+            <a:r>
+              <a:rPr lang="en-US" dirty="0" smtClean="0"/>
+              <a:t>We have now setup an alt app in </a:t>
+            </a:r>
+            <a:r>
+              <a:rPr lang="en-US" dirty="0" err="1" smtClean="0"/>
+              <a:t>todos</a:t>
+            </a:r>
+            <a:r>
+              <a:rPr lang="en-US" dirty="0" smtClean="0"/>
+              <a:t> folder.</a:t>
+            </a:r>
+          </a:p>
+          <a:p>
+            <a:r>
+              <a:rPr lang="en-US" dirty="0" smtClean="0"/>
+              <a:t>In which all our </a:t>
+            </a:r>
+            <a:r>
+              <a:rPr lang="en-US" dirty="0" err="1" smtClean="0"/>
+              <a:t>Js</a:t>
+            </a:r>
+            <a:r>
+              <a:rPr lang="en-US" dirty="0" smtClean="0"/>
+              <a:t> code resides in the </a:t>
+            </a:r>
+            <a:r>
+              <a:rPr lang="en-US" dirty="0" err="1" smtClean="0"/>
+              <a:t>src</a:t>
+            </a:r>
+            <a:r>
+              <a:rPr lang="en-US" dirty="0" smtClean="0"/>
+              <a:t> directory</a:t>
+            </a:r>
+          </a:p>
+          <a:p>
+            <a:r>
+              <a:rPr lang="en-US" dirty="0" smtClean="0"/>
+              <a:t>We added the require files in the their respective folders</a:t>
+            </a:r>
+          </a:p>
+          <a:p>
+            <a:r>
+              <a:rPr lang="en-US" dirty="0" smtClean="0"/>
+              <a:t>Also The Index.html page added at the root which will be starting view</a:t>
+            </a:r>
+          </a:p>
+          <a:p>
+            <a:r>
+              <a:rPr lang="en-US" dirty="0" smtClean="0"/>
+              <a:t>And a </a:t>
+            </a:r>
+            <a:r>
+              <a:rPr lang="en-US" dirty="0" err="1" smtClean="0"/>
+              <a:t>package.json</a:t>
+            </a:r>
+            <a:r>
+              <a:rPr lang="en-US" dirty="0" smtClean="0"/>
+              <a:t> file for project’s </a:t>
+            </a:r>
+            <a:r>
+              <a:rPr lang="en-US" dirty="0" err="1" smtClean="0"/>
+              <a:t>npm</a:t>
+            </a:r>
+            <a:r>
+              <a:rPr lang="en-US" dirty="0" smtClean="0"/>
+              <a:t> configuration</a:t>
+            </a:r>
+          </a:p>
+          <a:p>
+            <a:endParaRPr lang="en-US" dirty="0"/>
+          </a:p>
+        </p:txBody>
+      </p:sp>
+      <p:sp>
+        <p:nvSpPr>
+          <p:cNvPr id="4" name="Header Placeholder 3"/>
+          <p:cNvSpPr>
+            <a:spLocks noGrp="1"/>
+          </p:cNvSpPr>
+          <p:nvPr>
+            <p:ph type="hdr" sz="quarter" idx="10"/>
+          </p:nvPr>
+        </p:nvSpPr>
+        <p:spPr/>
+        <p:txBody>
+          <a:bodyPr/>
+          <a:lstStyle/>
+          <a:p>
+            <a:r>
+              <a:rPr lang="en-US" smtClean="0"/>
+              <a:t>TEST</a:t>
+            </a:r>
+            <a:endParaRPr lang="en-US"/>
+          </a:p>
+        </p:txBody>
+      </p:sp>
+      <p:sp>
+        <p:nvSpPr>
+          <p:cNvPr id="5" name="Slide Number Placeholder 4"/>
+          <p:cNvSpPr>
+            <a:spLocks noGrp="1"/>
+          </p:cNvSpPr>
+          <p:nvPr>
+            <p:ph type="sldNum" sz="quarter" idx="11"/>
+          </p:nvPr>
+        </p:nvSpPr>
+        <p:spPr/>
+        <p:txBody>
+          <a:bodyPr/>
+          <a:lstStyle/>
+          <a:p>
+            <a:fld id="{B1206FEA-4AFC-4465-8ABD-ECC3D411179B}" type="slidenum">
+              <a:rPr lang="en-US" smtClean="0"/>
+              <a:t>11</a:t>
+            </a:fld>
+            <a:endParaRPr lang="en-US"/>
+          </a:p>
+        </p:txBody>
+      </p:sp>
+    </p:spTree>
+    <p:extLst>
+      <p:ext uri="{BB962C8B-B14F-4D97-AF65-F5344CB8AC3E}">
+        <p14:creationId xmlns:p14="http://schemas.microsoft.com/office/powerpoint/2010/main" val="2416653282"/>
+      </p:ext>
+    </p:extLst>
+  </p:cSld>
+  <p:clrMapOvr>
+    <a:masterClrMapping/>
+  </p:clrMapOvr>
+</p:notes>
+</file>
+
+<file path=ppt/notesSlides/notesSlide9.xml><?xml version="1.0" encoding="utf-8"?>
+<p:notes xmlns:a="http://schemas.openxmlformats.org/drawingml/2006/main" xmlns:r="http://schemas.openxmlformats.org/officeDocument/2006/relationships" xmlns:p="http://schemas.openxmlformats.org/presentationml/2006/main">
+  <p:cSld>
+    <p:spTree>
+      <p:nvGrpSpPr>
+        <p:cNvPr id="1" name=""/>
+        <p:cNvGrpSpPr/>
+        <p:nvPr/>
+      </p:nvGrpSpPr>
+      <p:grpSpPr>
+        <a:xfrm>
+          <a:off x="0" y="0"/>
+          <a:ext cx="0" cy="0"/>
+          <a:chOff x="0" y="0"/>
+          <a:chExt cx="0" cy="0"/>
+        </a:xfrm>
+      </p:grpSpPr>
+      <p:sp>
+        <p:nvSpPr>
+          <p:cNvPr id="2" name="Slide Image Placeholder 1"/>
+          <p:cNvSpPr>
+            <a:spLocks noGrp="1" noRot="1" noChangeAspect="1"/>
+          </p:cNvSpPr>
+          <p:nvPr>
+            <p:ph type="sldImg"/>
+          </p:nvPr>
+        </p:nvSpPr>
+        <p:spPr/>
+      </p:sp>
+      <p:sp>
+        <p:nvSpPr>
+          <p:cNvPr id="3" name="Notes Placeholder 2"/>
+          <p:cNvSpPr>
+            <a:spLocks noGrp="1"/>
+          </p:cNvSpPr>
+          <p:nvPr>
+            <p:ph type="body" idx="1"/>
+          </p:nvPr>
+        </p:nvSpPr>
+        <p:spPr/>
+        <p:txBody>
+          <a:bodyPr/>
+          <a:lstStyle/>
+          <a:p>
+            <a:pPr marL="0" marR="0" indent="0" algn="l" defTabSz="914400" rtl="0" eaLnBrk="1" fontAlgn="auto" latinLnBrk="0" hangingPunct="1">
+              <a:lnSpc>
+                <a:spcPct val="100000"/>
+              </a:lnSpc>
+              <a:spcBef>
+                <a:spcPts val="0"/>
+              </a:spcBef>
+              <a:spcAft>
+                <a:spcPts val="0"/>
+              </a:spcAft>
+              <a:buClrTx/>
+              <a:buSzTx/>
+              <a:buFontTx/>
+              <a:buNone/>
+              <a:tabLst/>
+              <a:defRPr/>
+            </a:pPr>
+            <a:r>
+              <a:rPr lang="en-US" sz="1200" dirty="0" smtClean="0"/>
+              <a:t>Open up </a:t>
+            </a:r>
+            <a:r>
+              <a:rPr lang="en-US" sz="1200" dirty="0" err="1" smtClean="0"/>
+              <a:t>tha</a:t>
+            </a:r>
+            <a:r>
+              <a:rPr lang="en-US" sz="1200" dirty="0" smtClean="0"/>
+              <a:t> Alt.js and use the following code that will initiate the alt object. </a:t>
+            </a:r>
+          </a:p>
+          <a:p>
+            <a:endParaRPr lang="en-US" dirty="0"/>
+          </a:p>
+        </p:txBody>
+      </p:sp>
+      <p:sp>
+        <p:nvSpPr>
+          <p:cNvPr id="4" name="Header Placeholder 3"/>
+          <p:cNvSpPr>
+            <a:spLocks noGrp="1"/>
+          </p:cNvSpPr>
+          <p:nvPr>
+            <p:ph type="hdr" sz="quarter" idx="10"/>
+          </p:nvPr>
+        </p:nvSpPr>
+        <p:spPr/>
+        <p:txBody>
+          <a:bodyPr/>
+          <a:lstStyle/>
+          <a:p>
+            <a:r>
+              <a:rPr lang="en-US" smtClean="0"/>
+              <a:t>TEST</a:t>
+            </a:r>
+            <a:endParaRPr lang="en-US"/>
+          </a:p>
+        </p:txBody>
+      </p:sp>
+      <p:sp>
+        <p:nvSpPr>
+          <p:cNvPr id="5" name="Slide Number Placeholder 4"/>
+          <p:cNvSpPr>
+            <a:spLocks noGrp="1"/>
+          </p:cNvSpPr>
+          <p:nvPr>
+            <p:ph type="sldNum" sz="quarter" idx="11"/>
+          </p:nvPr>
+        </p:nvSpPr>
+        <p:spPr/>
+        <p:txBody>
+          <a:bodyPr/>
+          <a:lstStyle/>
+          <a:p>
+            <a:fld id="{B1206FEA-4AFC-4465-8ABD-ECC3D411179B}" type="slidenum">
+              <a:rPr lang="en-US" smtClean="0"/>
+              <a:t>12</a:t>
+            </a:fld>
+            <a:endParaRPr lang="en-US"/>
+          </a:p>
+        </p:txBody>
+      </p:sp>
+    </p:spTree>
+    <p:extLst>
+      <p:ext uri="{BB962C8B-B14F-4D97-AF65-F5344CB8AC3E}">
+        <p14:creationId xmlns:p14="http://schemas.microsoft.com/office/powerpoint/2010/main" val="3686265627"/>
       </p:ext>
     </p:extLst>
   </p:cSld>
@@ -15700,25 +18143,20 @@
             </a:r>
             <a:r>
               <a:rPr lang="en-US" dirty="0" smtClean="0"/>
-              <a:t>”</a:t>
-            </a:r>
-          </a:p>
-          <a:p>
-            <a:r>
-              <a:rPr lang="en-US" dirty="0" smtClean="0"/>
-              <a:t>Using </a:t>
-            </a:r>
-            <a:r>
-              <a:rPr lang="en-US" dirty="0" err="1" smtClean="0"/>
-              <a:t>npm</a:t>
-            </a:r>
-            <a:r>
-              <a:rPr lang="en-US" dirty="0" smtClean="0"/>
-              <a:t> we can run the following command at the root of the directory</a:t>
-            </a:r>
-          </a:p>
-          <a:p>
-            <a:pPr lvl="7"/>
+              <a:t>”.</a:t>
+            </a:r>
+          </a:p>
+          <a:p>
+            <a:pPr marL="0" lvl="7" indent="0">
+              <a:spcBef>
+                <a:spcPts val="1000"/>
+              </a:spcBef>
+              <a:buNone/>
+            </a:pPr>
+            <a:r>
+              <a:rPr lang="en-US" sz="2800" b="1" dirty="0" smtClean="0"/>
+              <a:t>				</a:t>
+            </a:r>
             <a:r>
               <a:rPr lang="en-US" sz="2800" b="1" dirty="0" err="1" smtClean="0"/>
               <a:t>npm</a:t>
@@ -15729,19 +18167,15 @@
             </a:r>
             <a:r>
               <a:rPr lang="en-US" sz="2800" b="1" dirty="0"/>
-              <a:t>install </a:t>
-            </a:r>
-            <a:r>
-              <a:rPr lang="en-US" sz="2800" b="1" dirty="0" smtClean="0"/>
-              <a:t>alt</a:t>
-            </a:r>
-            <a:endParaRPr lang="en-US" b="1" dirty="0" smtClean="0"/>
-          </a:p>
-          <a:p>
-            <a:r>
-              <a:rPr lang="en-US" dirty="0" smtClean="0"/>
-              <a:t>This will install the require node modules of alt to the project directory.</a:t>
-            </a:r>
+              <a:t>install alt</a:t>
+            </a:r>
+            <a:endParaRPr lang="en-US" b="1" dirty="0"/>
+          </a:p>
+          <a:p>
+            <a:endParaRPr lang="en-US" dirty="0" smtClean="0"/>
+          </a:p>
+          <a:p>
+            <a:endParaRPr lang="en-US" dirty="0" smtClean="0"/>
           </a:p>
           <a:p>
             <a:pPr marL="0" indent="0">
@@ -15810,7 +18244,7 @@
           <p:nvPr/>
         </p:nvPicPr>
         <p:blipFill>
-          <a:blip r:embed="rId2">
+          <a:blip r:embed="rId3">
             <a:extLst>
               <a:ext uri="{28A0092B-C50C-407E-A947-70E740481C1C}">
                 <a14:useLocalDpi xmlns:a14="http://schemas.microsoft.com/office/drawing/2010/main" val="0"/>
@@ -15840,7 +18274,7 @@
           <p:nvPr/>
         </p:nvPicPr>
         <p:blipFill>
-          <a:blip r:embed="rId3">
+          <a:blip r:embed="rId4">
             <a:extLst>
               <a:ext uri="{28A0092B-C50C-407E-A947-70E740481C1C}">
                 <a14:useLocalDpi xmlns:a14="http://schemas.microsoft.com/office/drawing/2010/main" val="0"/>
@@ -15853,8 +18287,8 @@
         </p:blipFill>
         <p:spPr>
           <a:xfrm>
-            <a:off x="2974860" y="4253870"/>
-            <a:ext cx="8192419" cy="2102479"/>
+            <a:off x="838199" y="3151947"/>
+            <a:ext cx="10531371" cy="2702741"/>
           </a:xfrm>
           <a:prstGeom prst="rect">
             <a:avLst/>
@@ -15915,7 +18349,15 @@
           <a:p>
             <a:r>
               <a:rPr lang="en-US" dirty="0" smtClean="0"/>
-              <a:t>Alt Directory Structure</a:t>
+              <a:t>Example </a:t>
+            </a:r>
+            <a:r>
+              <a:rPr lang="en-US" dirty="0" err="1" smtClean="0"/>
+              <a:t>Todo</a:t>
+            </a:r>
+            <a:r>
+              <a:rPr lang="en-US" dirty="0" smtClean="0"/>
+              <a:t> App</a:t>
             </a:r>
             <a:endParaRPr lang="en-US" dirty="0"/>
           </a:p>
@@ -15931,221 +18373,22 @@
             <p:ph idx="1"/>
           </p:nvPr>
         </p:nvSpPr>
-        <p:spPr/>
+        <p:spPr>
+          <a:xfrm>
+            <a:off x="838200" y="1825625"/>
+            <a:ext cx="7203487" cy="4351338"/>
+          </a:xfrm>
+        </p:spPr>
         <p:txBody>
           <a:bodyPr>
-            <a:normAutofit fontScale="92500" lnSpcReduction="10000"/>
+            <a:normAutofit/>
           </a:bodyPr>
           <a:lstStyle/>
           <a:p>
             <a:pPr marL="0" indent="0">
               <a:buNone/>
             </a:pPr>
-            <a:r>
-              <a:rPr lang="en-US" dirty="0" smtClean="0"/>
-              <a:t>A typical directory structure of alt look like:</a:t>
-            </a:r>
-          </a:p>
-          <a:p>
-            <a:pPr marL="0" indent="0">
-              <a:buNone/>
-            </a:pPr>
-            <a:endParaRPr lang="en-US" dirty="0"/>
-          </a:p>
-          <a:p>
-            <a:pPr marL="0" indent="0">
-              <a:buNone/>
-            </a:pPr>
-            <a:r>
-              <a:rPr lang="en-US" sz="2000" dirty="0" err="1" smtClean="0"/>
-              <a:t>todos</a:t>
-            </a:r>
-            <a:endParaRPr lang="en-US" sz="2000" dirty="0"/>
-          </a:p>
-          <a:p>
-            <a:pPr marL="0" indent="0">
-              <a:buNone/>
-            </a:pPr>
-            <a:r>
-              <a:rPr lang="en-US" sz="2000" dirty="0"/>
-              <a:t>|--actions/</a:t>
-            </a:r>
-          </a:p>
-          <a:p>
-            <a:pPr marL="0" indent="0">
-              <a:buNone/>
-            </a:pPr>
-            <a:r>
-              <a:rPr lang="en-US" sz="2000" dirty="0"/>
-              <a:t>|  </a:t>
-            </a:r>
-            <a:r>
-              <a:rPr lang="en-US" sz="2000" dirty="0" smtClean="0"/>
-              <a:t>	|--TodoActions.js </a:t>
-            </a:r>
-            <a:r>
-              <a:rPr lang="en-US" sz="2000" dirty="0" smtClean="0">
-                <a:solidFill>
-                  <a:schemeClr val="accent1">
-                    <a:lumMod val="75000"/>
-                  </a:schemeClr>
-                </a:solidFill>
-              </a:rPr>
-              <a:t>// contains the actions that needs to dispatch to the controllers</a:t>
-            </a:r>
-            <a:endParaRPr lang="en-US" sz="2000" dirty="0">
-              <a:solidFill>
-                <a:schemeClr val="accent1">
-                  <a:lumMod val="75000"/>
-                </a:schemeClr>
-              </a:solidFill>
-            </a:endParaRPr>
-          </a:p>
-          <a:p>
-            <a:pPr marL="0" indent="0">
-              <a:buNone/>
-            </a:pPr>
-            <a:r>
-              <a:rPr lang="en-US" sz="2000" dirty="0"/>
-              <a:t>|--stores/</a:t>
-            </a:r>
-          </a:p>
-          <a:p>
-            <a:pPr marL="0" indent="0">
-              <a:buNone/>
-            </a:pPr>
-            <a:r>
-              <a:rPr lang="en-US" sz="2000" dirty="0"/>
-              <a:t>|  </a:t>
-            </a:r>
-            <a:r>
-              <a:rPr lang="en-US" sz="2000" dirty="0" smtClean="0"/>
-              <a:t>	|--TodoStore.js </a:t>
-            </a:r>
-            <a:r>
-              <a:rPr lang="en-US" sz="2000" dirty="0" smtClean="0">
-                <a:solidFill>
-                  <a:schemeClr val="accent1">
-                    <a:lumMod val="75000"/>
-                  </a:schemeClr>
-                </a:solidFill>
-              </a:rPr>
-              <a:t>// the data store</a:t>
-            </a:r>
-            <a:endParaRPr lang="en-US" sz="2000" dirty="0">
-              <a:solidFill>
-                <a:schemeClr val="accent1">
-                  <a:lumMod val="75000"/>
-                </a:schemeClr>
-              </a:solidFill>
-            </a:endParaRPr>
-          </a:p>
-          <a:p>
-            <a:pPr marL="0" indent="0">
-              <a:buNone/>
-            </a:pPr>
-            <a:r>
-              <a:rPr lang="en-US" sz="2000" dirty="0"/>
-              <a:t>|--components/</a:t>
-            </a:r>
-          </a:p>
-          <a:p>
-            <a:pPr marL="0" indent="0">
-              <a:buNone/>
-            </a:pPr>
-            <a:r>
-              <a:rPr lang="en-US" sz="2000" dirty="0"/>
-              <a:t>|  </a:t>
-            </a:r>
-            <a:r>
-              <a:rPr lang="en-US" sz="2000" dirty="0" smtClean="0"/>
-              <a:t>	|--Todos.js </a:t>
-            </a:r>
-            <a:r>
-              <a:rPr lang="en-US" sz="2000" dirty="0" smtClean="0">
-                <a:solidFill>
-                  <a:schemeClr val="accent1">
-                    <a:lumMod val="75000"/>
-                  </a:schemeClr>
-                </a:solidFill>
-              </a:rPr>
-              <a:t>// view components to render the data coming from stores</a:t>
-            </a:r>
-            <a:endParaRPr lang="en-US" sz="2000" dirty="0">
-              <a:solidFill>
-                <a:schemeClr val="accent1">
-                  <a:lumMod val="75000"/>
-                </a:schemeClr>
-              </a:solidFill>
-            </a:endParaRPr>
-          </a:p>
-          <a:p>
-            <a:pPr marL="0" indent="0">
-              <a:buNone/>
-            </a:pPr>
-            <a:r>
-              <a:rPr lang="en-US" sz="2000" dirty="0" smtClean="0"/>
-              <a:t>|--</a:t>
-            </a:r>
-            <a:r>
-              <a:rPr lang="en-US" sz="2000" dirty="0"/>
-              <a:t>A</a:t>
-            </a:r>
-            <a:r>
-              <a:rPr lang="en-US" sz="2000" dirty="0" smtClean="0"/>
-              <a:t>lt.js </a:t>
-            </a:r>
-            <a:r>
-              <a:rPr lang="en-US" sz="2000" dirty="0" smtClean="0">
-                <a:solidFill>
-                  <a:schemeClr val="accent1">
-                    <a:lumMod val="75000"/>
-                  </a:schemeClr>
-                </a:solidFill>
-              </a:rPr>
-              <a:t>// contains the code of initializing alt object</a:t>
-            </a:r>
-            <a:endParaRPr lang="en-US" sz="2000" dirty="0">
-              <a:solidFill>
-                <a:schemeClr val="accent1">
-                  <a:lumMod val="75000"/>
-                </a:schemeClr>
-              </a:solidFill>
-            </a:endParaRPr>
-          </a:p>
-          <a:p>
-            <a:pPr marL="0" indent="0">
-              <a:buNone/>
-            </a:pPr>
-            <a:r>
-              <a:rPr lang="en-US" sz="2000" dirty="0" smtClean="0"/>
-              <a:t>|--</a:t>
-            </a:r>
-            <a:r>
-              <a:rPr lang="en-US" sz="2000" dirty="0"/>
-              <a:t>A</a:t>
-            </a:r>
-            <a:r>
-              <a:rPr lang="en-US" sz="2000" dirty="0" smtClean="0"/>
-              <a:t>pp.js </a:t>
-            </a:r>
-            <a:r>
-              <a:rPr lang="en-US" sz="2000" dirty="0" smtClean="0">
-                <a:solidFill>
-                  <a:schemeClr val="accent1">
-                    <a:lumMod val="75000"/>
-                  </a:schemeClr>
-                </a:solidFill>
-              </a:rPr>
-              <a:t>// The main starting point of the app that uses alt object</a:t>
-            </a:r>
-            <a:endParaRPr lang="en-US" sz="2000" dirty="0">
-              <a:solidFill>
-                <a:schemeClr val="accent1">
-                  <a:lumMod val="75000"/>
-                </a:schemeClr>
-              </a:solidFill>
-            </a:endParaRPr>
+            <a:endParaRPr lang="en-US" dirty="0" smtClean="0"/>
           </a:p>
         </p:txBody>
       </p:sp>
@@ -16208,248 +18451,7 @@
           <p:nvPr/>
         </p:nvPicPr>
         <p:blipFill>
-          <a:blip r:embed="rId2">
-            <a:extLst>
-              <a:ext uri="{28A0092B-C50C-407E-A947-70E740481C1C}">
-                <a14:useLocalDpi xmlns:a14="http://schemas.microsoft.com/office/drawing/2010/main" val="0"/>
-              </a:ext>
-            </a:extLst>
-          </a:blip>
-          <a:stretch>
-            <a:fillRect/>
-          </a:stretch>
-        </p:blipFill>
-        <p:spPr>
-          <a:xfrm>
-            <a:off x="157162" y="84137"/>
-            <a:ext cx="1362075" cy="561975"/>
-          </a:xfrm>
-          <a:prstGeom prst="rect">
-            <a:avLst/>
-          </a:prstGeom>
-        </p:spPr>
-      </p:pic>
-    </p:spTree>
-    <p:extLst>
-      <p:ext uri="{BB962C8B-B14F-4D97-AF65-F5344CB8AC3E}">
-        <p14:creationId xmlns:p14="http://schemas.microsoft.com/office/powerpoint/2010/main" val="737697807"/>
-      </p:ext>
-    </p:extLst>
-  </p:cSld>
-  <p:clrMapOvr>
-    <a:masterClrMapping/>
-  </p:clrMapOvr>
-  <p:timing>
-    <p:tnLst>
-      <p:par>
-        <p:cTn id="1" dur="indefinite" restart="never" nodeType="tmRoot"/>
-      </p:par>
-    </p:tnLst>
-  </p:timing>
-</p:sld>
-</file>
-
-<file path=ppt/slides/slide12.xml><?xml version="1.0" encoding="utf-8"?>
-<p:sld xmlns:a="http://schemas.openxmlformats.org/drawingml/2006/main" xmlns:r="http://schemas.openxmlformats.org/officeDocument/2006/relationships" xmlns:p="http://schemas.openxmlformats.org/presentationml/2006/main">
-  <p:cSld>
-    <p:spTree>
-      <p:nvGrpSpPr>
-        <p:cNvPr id="1" name=""/>
-        <p:cNvGrpSpPr/>
-        <p:nvPr/>
-      </p:nvGrpSpPr>
-      <p:grpSpPr>
-        <a:xfrm>
-          <a:off x="0" y="0"/>
-          <a:ext cx="0" cy="0"/>
-          <a:chOff x="0" y="0"/>
-          <a:chExt cx="0" cy="0"/>
-        </a:xfrm>
-      </p:grpSpPr>
-      <p:sp>
-        <p:nvSpPr>
-          <p:cNvPr id="2" name="Title 1"/>
-          <p:cNvSpPr>
-            <a:spLocks noGrp="1"/>
-          </p:cNvSpPr>
-          <p:nvPr>
-            <p:ph type="title"/>
-          </p:nvPr>
-        </p:nvSpPr>
-        <p:spPr/>
-        <p:txBody>
-          <a:bodyPr/>
-          <a:lstStyle/>
-          <a:p>
-            <a:r>
-              <a:rPr lang="en-US" dirty="0" smtClean="0"/>
-              <a:t>Example </a:t>
-            </a:r>
-            <a:r>
-              <a:rPr lang="en-US" dirty="0" err="1" smtClean="0"/>
-              <a:t>Todo</a:t>
-            </a:r>
-            <a:r>
-              <a:rPr lang="en-US" dirty="0" smtClean="0"/>
-              <a:t> App</a:t>
-            </a:r>
-            <a:endParaRPr lang="en-US" dirty="0"/>
-          </a:p>
-        </p:txBody>
-      </p:sp>
-      <p:sp>
-        <p:nvSpPr>
-          <p:cNvPr id="3" name="Content Placeholder 2"/>
-          <p:cNvSpPr>
-            <a:spLocks noGrp="1"/>
-          </p:cNvSpPr>
-          <p:nvPr>
-            <p:ph idx="1"/>
-          </p:nvPr>
-        </p:nvSpPr>
-        <p:spPr>
-          <a:xfrm>
-            <a:off x="838200" y="1825625"/>
-            <a:ext cx="7203487" cy="4351338"/>
-          </a:xfrm>
-        </p:spPr>
-        <p:txBody>
-          <a:bodyPr>
-            <a:normAutofit/>
-          </a:bodyPr>
-          <a:lstStyle/>
-          <a:p>
-            <a:r>
-              <a:rPr lang="en-US" dirty="0" smtClean="0"/>
-              <a:t>We have now setup an alt app in </a:t>
-            </a:r>
-            <a:r>
-              <a:rPr lang="en-US" dirty="0" err="1" smtClean="0"/>
-              <a:t>todos</a:t>
-            </a:r>
-            <a:r>
-              <a:rPr lang="en-US" dirty="0" smtClean="0"/>
-              <a:t> folder.</a:t>
-            </a:r>
-          </a:p>
-          <a:p>
-            <a:r>
-              <a:rPr lang="en-US" dirty="0" smtClean="0"/>
-              <a:t>In which all our </a:t>
-            </a:r>
-            <a:r>
-              <a:rPr lang="en-US" dirty="0" err="1" smtClean="0"/>
-              <a:t>Js</a:t>
-            </a:r>
-            <a:r>
-              <a:rPr lang="en-US" dirty="0" smtClean="0"/>
-              <a:t> code resides in the </a:t>
-            </a:r>
-            <a:r>
-              <a:rPr lang="en-US" dirty="0" err="1" smtClean="0"/>
-              <a:t>src</a:t>
-            </a:r>
-            <a:r>
-              <a:rPr lang="en-US" dirty="0" smtClean="0"/>
-              <a:t> directory</a:t>
-            </a:r>
-          </a:p>
-          <a:p>
-            <a:r>
-              <a:rPr lang="en-US" dirty="0" smtClean="0"/>
-              <a:t>We added the require files in the their respective folders</a:t>
-            </a:r>
-          </a:p>
-          <a:p>
-            <a:r>
-              <a:rPr lang="en-US" dirty="0" smtClean="0"/>
-              <a:t>Also The Index.html page added at the root which will be starting view</a:t>
-            </a:r>
-          </a:p>
-          <a:p>
-            <a:r>
-              <a:rPr lang="en-US" dirty="0" smtClean="0"/>
-              <a:t>And a </a:t>
-            </a:r>
-            <a:r>
-              <a:rPr lang="en-US" dirty="0" err="1" smtClean="0"/>
-              <a:t>package.json</a:t>
-            </a:r>
-            <a:r>
-              <a:rPr lang="en-US" dirty="0" smtClean="0"/>
-              <a:t> file for project’s </a:t>
-            </a:r>
-            <a:r>
-              <a:rPr lang="en-US" dirty="0" err="1" smtClean="0"/>
-              <a:t>npm</a:t>
-            </a:r>
-            <a:r>
-              <a:rPr lang="en-US" dirty="0" smtClean="0"/>
-              <a:t> configuration</a:t>
-            </a:r>
-          </a:p>
-        </p:txBody>
-      </p:sp>
-      <p:sp>
-        <p:nvSpPr>
-          <p:cNvPr id="4" name="Footer Placeholder 3"/>
-          <p:cNvSpPr>
-            <a:spLocks noGrp="1"/>
-          </p:cNvSpPr>
-          <p:nvPr>
-            <p:ph type="ftr" sz="quarter" idx="11"/>
-          </p:nvPr>
-        </p:nvSpPr>
-        <p:spPr/>
-        <p:txBody>
-          <a:bodyPr/>
-          <a:lstStyle/>
-          <a:p>
-            <a:r>
-              <a:rPr lang="en-US" dirty="0"/>
-              <a:t>Learning Alt </a:t>
-            </a:r>
-            <a:r>
-              <a:rPr lang="en-US" dirty="0" err="1"/>
-              <a:t>Js</a:t>
-            </a:r>
-            <a:endParaRPr lang="en-US" dirty="0"/>
-          </a:p>
-        </p:txBody>
-      </p:sp>
-      <p:sp>
-        <p:nvSpPr>
-          <p:cNvPr id="5" name="Slide Number Placeholder 4"/>
-          <p:cNvSpPr>
-            <a:spLocks noGrp="1"/>
-          </p:cNvSpPr>
-          <p:nvPr>
-            <p:ph type="sldNum" sz="quarter" idx="12"/>
-          </p:nvPr>
-        </p:nvSpPr>
-        <p:spPr/>
-        <p:txBody>
-          <a:bodyPr/>
-          <a:lstStyle/>
-          <a:p>
-            <a:fld id="{B777A91B-BF1B-4ECE-B89B-72F2144CF226}" type="slidenum">
-              <a:rPr lang="en-US" smtClean="0"/>
-              <a:t>12</a:t>
-            </a:fld>
-            <a:endParaRPr lang="en-US"/>
-          </a:p>
-        </p:txBody>
-      </p:sp>
-      <p:pic>
-        <p:nvPicPr>
-          <p:cNvPr id="6" name="Picture 5"/>
-          <p:cNvPicPr>
-            <a:picLocks noChangeAspect="1"/>
-          </p:cNvPicPr>
-          <p:nvPr/>
-        </p:nvPicPr>
-        <p:blipFill>
-          <a:blip r:embed="rId2">
+          <a:blip r:embed="rId3">
             <a:extLst>
               <a:ext uri="{28A0092B-C50C-407E-A947-70E740481C1C}">
                 <a14:useLocalDpi xmlns:a14="http://schemas.microsoft.com/office/drawing/2010/main" val="0"/>
@@ -16479,7 +18481,7 @@
           <p:nvPr/>
         </p:nvPicPr>
         <p:blipFill>
-          <a:blip r:embed="rId3">
+          <a:blip r:embed="rId4">
             <a:extLst>
               <a:ext uri="{28A0092B-C50C-407E-A947-70E740481C1C}">
                 <a14:useLocalDpi xmlns:a14="http://schemas.microsoft.com/office/drawing/2010/main" val="0"/>
@@ -16492,8 +18494,8 @@
         </p:blipFill>
         <p:spPr>
           <a:xfrm>
-            <a:off x="8041687" y="1837023"/>
-            <a:ext cx="3091006" cy="4372991"/>
+            <a:off x="5564561" y="1083480"/>
+            <a:ext cx="3727077" cy="5272870"/>
           </a:xfrm>
           <a:prstGeom prst="rect">
             <a:avLst/>
@@ -16531,10 +18533,15 @@
                             </p:stCondLst>
                             <p:childTnLst>
                               <p:par>
-                                <p:cTn id="5" presetID="1" presetClass="entr" presetSubtype="0" fill="hold" grpId="0" nodeType="clickEffect">
+                                <p:cTn id="5" presetID="1" presetClass="entr" presetSubtype="0" fill="hold" grpId="0" nodeType="clickEffect" nodePh="1">
                                   <p:stCondLst>
                                     <p:cond delay="0"/>
                                   </p:stCondLst>
+                                  <p:endCondLst>
+                                    <p:cond evt="begin" delay="0">
+                                      <p:tn val="5"/>
+                                    </p:cond>
+                                  </p:endCondLst>
                                   <p:childTnLst>
                                     <p:set>
                                       <p:cBhvr>
@@ -16547,202 +18554,6 @@
                                           <p:spTgt spid="3">
                                             <p:txEl>
                                               <p:pRg st="0" end="0"/>
-                                            </p:txEl>
-                                          </p:spTgt>
-                                        </p:tgtEl>
-                                        <p:attrNameLst>
-                                          <p:attrName>style.visibility</p:attrName>
-                                        </p:attrNameLst>
-                                      </p:cBhvr>
-                                      <p:to>
-                                        <p:strVal val="visible"/>
-                                      </p:to>
-                                    </p:set>
-                                  </p:childTnLst>
-                                </p:cTn>
-                              </p:par>
-                            </p:childTnLst>
-                          </p:cTn>
-                        </p:par>
-                      </p:childTnLst>
-                    </p:cTn>
-                  </p:par>
-                  <p:par>
-                    <p:cTn id="7" fill="hold">
-                      <p:stCondLst>
-                        <p:cond delay="indefinite"/>
-                      </p:stCondLst>
-                      <p:childTnLst>
-                        <p:par>
-                          <p:cTn id="8" fill="hold">
-                            <p:stCondLst>
-                              <p:cond delay="0"/>
-                            </p:stCondLst>
-                            <p:childTnLst>
-                              <p:par>
-                                <p:cTn id="9" presetID="1" presetClass="entr" presetSubtype="0" fill="hold" grpId="0" nodeType="clickEffect">
-                                  <p:stCondLst>
-                                    <p:cond delay="0"/>
-                                  </p:stCondLst>
-                                  <p:childTnLst>
-                                    <p:set>
-                                      <p:cBhvr>
-                                        <p:cTn id="10" dur="1" fill="hold">
-                                          <p:stCondLst>
-                                            <p:cond delay="0"/>
-                                          </p:stCondLst>
-                                        </p:cTn>
-                                        <p:tgtEl>
-                                          <p:spTgt spid="3">
-                                            <p:txEl>
-                                              <p:pRg st="1" end="1"/>
-                                            </p:txEl>
-                                          </p:spTgt>
-                                        </p:tgtEl>
-                                        <p:attrNameLst>
-                                          <p:attrName>style.visibility</p:attrName>
-                                        </p:attrNameLst>
-                                      </p:cBhvr>
-                                      <p:to>
-                                        <p:strVal val="visible"/>
-                                      </p:to>
-                                    </p:set>
-                                  </p:childTnLst>
-                                </p:cTn>
-                              </p:par>
-                            </p:childTnLst>
-                          </p:cTn>
-                        </p:par>
-                      </p:childTnLst>
-                    </p:cTn>
-                  </p:par>
-                  <p:par>
-                    <p:cTn id="11" fill="hold">
-                      <p:stCondLst>
-                        <p:cond delay="indefinite"/>
-                      </p:stCondLst>
-                      <p:childTnLst>
-                        <p:par>
-                          <p:cTn id="12" fill="hold">
-                            <p:stCondLst>
-                              <p:cond delay="0"/>
-                            </p:stCondLst>
-                            <p:childTnLst>
-                              <p:par>
-                                <p:cTn id="13" presetID="1" presetClass="entr" presetSubtype="0" fill="hold" grpId="0" nodeType="clickEffect">
-                                  <p:stCondLst>
-                                    <p:cond delay="0"/>
-                                  </p:stCondLst>
-                                  <p:childTnLst>
-                                    <p:set>
-                                      <p:cBhvr>
-                                        <p:cTn id="14" dur="1" fill="hold">
-                                          <p:stCondLst>
-                                            <p:cond delay="0"/>
-                                          </p:stCondLst>
-                                        </p:cTn>
-                                        <p:tgtEl>
-                                          <p:spTgt spid="3">
-                                            <p:txEl>
-                                              <p:pRg st="2" end="2"/>
-                                            </p:txEl>
-                                          </p:spTgt>
-                                        </p:tgtEl>
-                                        <p:attrNameLst>
-                                          <p:attrName>style.visibility</p:attrName>
-                                        </p:attrNameLst>
-                                      </p:cBhvr>
-                                      <p:to>
-                                        <p:strVal val="visible"/>
-                                      </p:to>
-                                    </p:set>
-                                  </p:childTnLst>
-                                </p:cTn>
-                              </p:par>
-                            </p:childTnLst>
-                          </p:cTn>
-                        </p:par>
-                      </p:childTnLst>
-                    </p:cTn>
-                  </p:par>
-                  <p:par>
-                    <p:cTn id="15" fill="hold">
-                      <p:stCondLst>
-                        <p:cond delay="indefinite"/>
-                      </p:stCondLst>
-                      <p:childTnLst>
-                        <p:par>
-                          <p:cTn id="16" fill="hold">
-                            <p:stCondLst>
-                              <p:cond delay="0"/>
-                            </p:stCondLst>
-                            <p:childTnLst>
-                              <p:par>
-                                <p:cTn id="17" presetID="1" presetClass="entr" presetSubtype="0" fill="hold" grpId="0" nodeType="clickEffect">
-                                  <p:stCondLst>
-                                    <p:cond delay="0"/>
-                                  </p:stCondLst>
-                                  <p:childTnLst>
-                                    <p:set>
-                                      <p:cBhvr>
-                                        <p:cTn id="18" dur="1" fill="hold">
-                                          <p:stCondLst>
-                                            <p:cond delay="0"/>
-                                          </p:stCondLst>
-                                        </p:cTn>
-                                        <p:tgtEl>
-                                          <p:spTgt spid="3">
-                                            <p:txEl>
-                                              <p:pRg st="3" end="3"/>
-                                            </p:txEl>
-                                          </p:spTgt>
-                                        </p:tgtEl>
-                                        <p:attrNameLst>
-                                          <p:attrName>style.visibility</p:attrName>
-                                        </p:attrNameLst>
-                                      </p:cBhvr>
-                                      <p:to>
-                                        <p:strVal val="visible"/>
-                                      </p:to>
-                                    </p:set>
-                                  </p:childTnLst>
-                                </p:cTn>
-                              </p:par>
-                            </p:childTnLst>
-                          </p:cTn>
-                        </p:par>
-                      </p:childTnLst>
-                    </p:cTn>
-                  </p:par>
-                  <p:par>
-                    <p:cTn id="19" fill="hold">
-                      <p:stCondLst>
-                        <p:cond delay="indefinite"/>
-                      </p:stCondLst>
-                      <p:childTnLst>
-                        <p:par>
-                          <p:cTn id="20" fill="hold">
-                            <p:stCondLst>
-                              <p:cond delay="0"/>
-                            </p:stCondLst>
-                            <p:childTnLst>
-                              <p:par>
-                                <p:cTn id="21" presetID="1" presetClass="entr" presetSubtype="0" fill="hold" grpId="0" nodeType="clickEffect">
-                                  <p:stCondLst>
-                                    <p:cond delay="0"/>
-                                  </p:stCondLst>
-                                  <p:childTnLst>
-                                    <p:set>
-                                      <p:cBhvr>
-                                        <p:cTn id="22" dur="1" fill="hold">
-                                          <p:stCondLst>
-                                            <p:cond delay="0"/>
-                                          </p:stCondLst>
-                                        </p:cTn>
-                                        <p:tgtEl>
-                                          <p:spTgt spid="3">
-                                            <p:txEl>
-                                              <p:pRg st="4" end="4"/>
                                             </p:txEl>
                                           </p:spTgt>
                                         </p:tgtEl>
@@ -16791,7 +18602,7 @@
 </p:sld>
 </file>
 
-<file path=ppt/slides/slide13.xml><?xml version="1.0" encoding="utf-8"?>
+<file path=ppt/slides/slide12.xml><?xml version="1.0" encoding="utf-8"?>
 <p:sld xmlns:a="http://schemas.openxmlformats.org/drawingml/2006/main" xmlns:r="http://schemas.openxmlformats.org/officeDocument/2006/relationships" xmlns:p="http://schemas.openxmlformats.org/presentationml/2006/main">
   <p:cSld>
     <p:spTree>
@@ -16848,20 +18659,9 @@
           </a:bodyPr>
           <a:lstStyle/>
           <a:p>
-            <a:r>
-              <a:rPr lang="en-US" sz="1800" dirty="0" smtClean="0"/>
-              <a:t>Open up </a:t>
-            </a:r>
-            <a:r>
-              <a:rPr lang="en-US" sz="1800" dirty="0" err="1" smtClean="0"/>
-              <a:t>tha</a:t>
-            </a:r>
-            <a:r>
-              <a:rPr lang="en-US" sz="1800" dirty="0" smtClean="0"/>
-              <a:t> Alt.js and use the following code that will initiate the alt object. </a:t>
-            </a:r>
-          </a:p>
-          <a:p>
+            <a:pPr marL="0" indent="0">
+              <a:buNone/>
+            </a:pPr>
             <a:endParaRPr lang="en-US" sz="2400" dirty="0"/>
           </a:p>
         </p:txBody>
@@ -16910,7 +18710,7 @@
           <a:p>
             <a:fld id="{B777A91B-BF1B-4ECE-B89B-72F2144CF226}" type="slidenum">
               <a:rPr lang="en-US" smtClean="0"/>
-              <a:t>13</a:t>
+              <a:t>12</a:t>
             </a:fld>
             <a:endParaRPr lang="en-US" dirty="0"/>
           </a:p>
@@ -16925,7 +18725,7 @@
           <p:nvPr/>
         </p:nvPicPr>
         <p:blipFill>
-          <a:blip r:embed="rId2">
+          <a:blip r:embed="rId3">
             <a:extLst>
               <a:ext uri="{28A0092B-C50C-407E-A947-70E740481C1C}">
                 <a14:useLocalDpi xmlns:a14="http://schemas.microsoft.com/office/drawing/2010/main" val="0"/>
@@ -16955,7 +18755,7 @@
           <p:nvPr/>
         </p:nvPicPr>
         <p:blipFill>
-          <a:blip r:embed="rId3">
+          <a:blip r:embed="rId4">
             <a:extLst>
               <a:ext uri="{28A0092B-C50C-407E-A947-70E740481C1C}">
                 <a14:useLocalDpi xmlns:a14="http://schemas.microsoft.com/office/drawing/2010/main" val="0"/>
@@ -16996,7 +18796,7 @@
 </p:sld>
 </file>
 
-<file path=ppt/slides/slide14.xml><?xml version="1.0" encoding="utf-8"?>
+<file path=ppt/slides/slide13.xml><?xml version="1.0" encoding="utf-8"?>
 <p:sld xmlns:a="http://schemas.openxmlformats.org/drawingml/2006/main" xmlns:r="http://schemas.openxmlformats.org/officeDocument/2006/relationships" xmlns:p="http://schemas.openxmlformats.org/presentationml/2006/main">
   <p:cSld>
     <p:spTree>
@@ -17080,7 +18880,7 @@
           <a:p>
             <a:fld id="{B777A91B-BF1B-4ECE-B89B-72F2144CF226}" type="slidenum">
               <a:rPr lang="en-US" smtClean="0"/>
-              <a:t>14</a:t>
+              <a:t>13</a:t>
             </a:fld>
             <a:endParaRPr lang="en-US" dirty="0"/>
           </a:p>
@@ -17095,7 +18895,7 @@
           <p:nvPr/>
         </p:nvPicPr>
         <p:blipFill>
-          <a:blip r:embed="rId2">
+          <a:blip r:embed="rId3">
             <a:extLst>
               <a:ext uri="{28A0092B-C50C-407E-A947-70E740481C1C}">
                 <a14:useLocalDpi xmlns:a14="http://schemas.microsoft.com/office/drawing/2010/main" val="0"/>
@@ -17133,10 +18933,9 @@
           </a:bodyPr>
           <a:lstStyle/>
           <a:p>
-            <a:r>
-              <a:rPr lang="en-US" sz="1800" dirty="0" smtClean="0"/>
-              <a:t>Put the following code in TodoActions.js</a:t>
-            </a:r>
+            <a:pPr marL="0" indent="0">
+              <a:buNone/>
+            </a:pPr>
             <a:endParaRPr lang="en-US" sz="1800" dirty="0"/>
           </a:p>
         </p:txBody>
@@ -17144,6 +18943,146 @@
       <p:pic>
         <p:nvPicPr>
           <p:cNvPr id="9" name="Content Placeholder 6"/>
+          <p:cNvPicPr>
+            <a:picLocks noChangeAspect="1"/>
+          </p:cNvPicPr>
+          <p:nvPr/>
+        </p:nvPicPr>
+        <p:blipFill>
+          <a:blip r:embed="rId4">
+            <a:extLst>
+              <a:ext uri="{28A0092B-C50C-407E-A947-70E740481C1C}">
+                <a14:useLocalDpi xmlns:a14="http://schemas.microsoft.com/office/drawing/2010/main" val="0"/>
+              </a:ext>
+            </a:extLst>
+          </a:blip>
+          <a:stretch>
+            <a:fillRect/>
+          </a:stretch>
+        </p:blipFill>
+        <p:spPr>
+          <a:xfrm>
+            <a:off x="838200" y="1646238"/>
+            <a:ext cx="10413760" cy="3947152"/>
+          </a:xfrm>
+          <a:prstGeom prst="rect">
+            <a:avLst/>
+          </a:prstGeom>
+        </p:spPr>
+      </p:pic>
+    </p:spTree>
+    <p:extLst>
+      <p:ext uri="{BB962C8B-B14F-4D97-AF65-F5344CB8AC3E}">
+        <p14:creationId xmlns:p14="http://schemas.microsoft.com/office/powerpoint/2010/main" val="1021464198"/>
+      </p:ext>
+    </p:extLst>
+  </p:cSld>
+  <p:clrMapOvr>
+    <a:masterClrMapping/>
+  </p:clrMapOvr>
+  <p:timing>
+    <p:tnLst>
+      <p:par>
+        <p:cTn id="1" dur="indefinite" restart="never" nodeType="tmRoot"/>
+      </p:par>
+    </p:tnLst>
+  </p:timing>
+</p:sld>
+</file>
+
+<file path=ppt/slides/slide14.xml><?xml version="1.0" encoding="utf-8"?>
+<p:sld xmlns:a="http://schemas.openxmlformats.org/drawingml/2006/main" xmlns:r="http://schemas.openxmlformats.org/officeDocument/2006/relationships" xmlns:p="http://schemas.openxmlformats.org/presentationml/2006/main">
+  <p:cSld>
+    <p:spTree>
+      <p:nvGrpSpPr>
+        <p:cNvPr id="1" name=""/>
+        <p:cNvGrpSpPr/>
+        <p:nvPr/>
+      </p:nvGrpSpPr>
+      <p:grpSpPr>
+        <a:xfrm>
+          <a:off x="0" y="0"/>
+          <a:ext cx="0" cy="0"/>
+          <a:chOff x="0" y="0"/>
+          <a:chExt cx="0" cy="0"/>
+        </a:xfrm>
+      </p:grpSpPr>
+      <p:sp>
+        <p:nvSpPr>
+          <p:cNvPr id="2" name="Title 1"/>
+          <p:cNvSpPr>
+            <a:spLocks noGrp="1"/>
+          </p:cNvSpPr>
+          <p:nvPr>
+            <p:ph type="title"/>
+          </p:nvPr>
+        </p:nvSpPr>
+        <p:spPr/>
+        <p:txBody>
+          <a:bodyPr/>
+          <a:lstStyle/>
+          <a:p>
+            <a:r>
+              <a:rPr lang="en-US" dirty="0" smtClean="0"/>
+              <a:t>Alt Stores</a:t>
+            </a:r>
+            <a:endParaRPr lang="en-US" dirty="0"/>
+          </a:p>
+        </p:txBody>
+      </p:sp>
+      <p:sp>
+        <p:nvSpPr>
+          <p:cNvPr id="4" name="Footer Placeholder 3"/>
+          <p:cNvSpPr>
+            <a:spLocks noGrp="1"/>
+          </p:cNvSpPr>
+          <p:nvPr>
+            <p:ph type="ftr" sz="quarter" idx="11"/>
+          </p:nvPr>
+        </p:nvSpPr>
+        <p:spPr/>
+        <p:txBody>
+          <a:bodyPr/>
+          <a:lstStyle/>
+          <a:p>
+            <a:r>
+              <a:rPr lang="en-US" dirty="0" smtClean="0"/>
+              <a:t>Learning Alt </a:t>
+            </a:r>
+            <a:r>
+              <a:rPr lang="en-US" dirty="0" err="1" smtClean="0"/>
+              <a:t>Js</a:t>
+            </a:r>
+            <a:endParaRPr lang="en-US" dirty="0"/>
+          </a:p>
+        </p:txBody>
+      </p:sp>
+      <p:sp>
+        <p:nvSpPr>
+          <p:cNvPr id="5" name="Slide Number Placeholder 4"/>
+          <p:cNvSpPr>
+            <a:spLocks noGrp="1"/>
+          </p:cNvSpPr>
+          <p:nvPr>
+            <p:ph type="sldNum" sz="quarter" idx="12"/>
+          </p:nvPr>
+        </p:nvSpPr>
+        <p:spPr/>
+        <p:txBody>
+          <a:bodyPr/>
+          <a:lstStyle/>
+          <a:p>
+            <a:fld id="{B777A91B-BF1B-4ECE-B89B-72F2144CF226}" type="slidenum">
+              <a:rPr lang="en-US" smtClean="0"/>
+              <a:t>14</a:t>
+            </a:fld>
+            <a:endParaRPr lang="en-US" dirty="0"/>
+          </a:p>
+        </p:txBody>
+      </p:sp>
+      <p:pic>
+        <p:nvPicPr>
+          <p:cNvPr id="6" name="Picture 5"/>
           <p:cNvPicPr>
             <a:picLocks noChangeAspect="1"/>
           </p:cNvPicPr>
@@ -17163,8 +19102,62 @@
         </p:blipFill>
         <p:spPr>
           <a:xfrm>
-            <a:off x="900410" y="2238370"/>
-            <a:ext cx="10391180" cy="3938593"/>
+            <a:off x="157162" y="84137"/>
+            <a:ext cx="1362075" cy="561975"/>
+          </a:xfrm>
+          <a:prstGeom prst="rect">
+            <a:avLst/>
+          </a:prstGeom>
+        </p:spPr>
+      </p:pic>
+      <p:sp>
+        <p:nvSpPr>
+          <p:cNvPr id="8" name="Content Placeholder 7"/>
+          <p:cNvSpPr>
+            <a:spLocks noGrp="1"/>
+          </p:cNvSpPr>
+          <p:nvPr>
+            <p:ph idx="1"/>
+          </p:nvPr>
+        </p:nvSpPr>
+        <p:spPr/>
+        <p:txBody>
+          <a:bodyPr>
+            <a:normAutofit/>
+          </a:bodyPr>
+          <a:lstStyle/>
+          <a:p>
+            <a:pPr marL="0" indent="0">
+              <a:buNone/>
+            </a:pPr>
+            <a:endParaRPr lang="en-US" sz="1800" dirty="0"/>
+          </a:p>
+        </p:txBody>
+      </p:sp>
+      <p:pic>
+        <p:nvPicPr>
+          <p:cNvPr id="3" name="Picture 2"/>
+          <p:cNvPicPr>
+            <a:picLocks noChangeAspect="1"/>
+          </p:cNvPicPr>
+          <p:nvPr/>
+        </p:nvPicPr>
+        <p:blipFill>
+          <a:blip r:embed="rId4">
+            <a:extLst>
+              <a:ext uri="{28A0092B-C50C-407E-A947-70E740481C1C}">
+                <a14:useLocalDpi xmlns:a14="http://schemas.microsoft.com/office/drawing/2010/main" val="0"/>
+              </a:ext>
+            </a:extLst>
+          </a:blip>
+          <a:stretch>
+            <a:fillRect/>
+          </a:stretch>
+        </p:blipFill>
+        <p:spPr>
+          <a:xfrm>
+            <a:off x="838199" y="1325563"/>
+            <a:ext cx="8803878" cy="5030787"/>
           </a:xfrm>
           <a:prstGeom prst="rect">
             <a:avLst/>
@@ -17174,7 +19167,7 @@
     </p:spTree>
     <p:extLst>
       <p:ext uri="{BB962C8B-B14F-4D97-AF65-F5344CB8AC3E}">
-        <p14:creationId xmlns:p14="http://schemas.microsoft.com/office/powerpoint/2010/main" val="1021464198"/>
+        <p14:creationId xmlns:p14="http://schemas.microsoft.com/office/powerpoint/2010/main" val="1817655082"/>
       </p:ext>
     </p:extLst>
   </p:cSld>
@@ -17225,197 +19218,6 @@
           <a:p>
             <a:r>
               <a:rPr lang="en-US" dirty="0" smtClean="0"/>
-              <a:t>Alt Stores</a:t>
-            </a:r>
-            <a:endParaRPr lang="en-US" dirty="0"/>
-          </a:p>
-        </p:txBody>
-      </p:sp>
-      <p:sp>
-        <p:nvSpPr>
-          <p:cNvPr id="4" name="Footer Placeholder 3"/>
-          <p:cNvSpPr>
-            <a:spLocks noGrp="1"/>
-          </p:cNvSpPr>
-          <p:nvPr>
-            <p:ph type="ftr" sz="quarter" idx="11"/>
-          </p:nvPr>
-        </p:nvSpPr>
-        <p:spPr/>
-        <p:txBody>
-          <a:bodyPr/>
-          <a:lstStyle/>
-          <a:p>
-            <a:r>
-              <a:rPr lang="en-US" smtClean="0"/>
-              <a:t>Alt Js</a:t>
-            </a:r>
-            <a:endParaRPr lang="en-US" dirty="0"/>
-          </a:p>
-        </p:txBody>
-      </p:sp>
-      <p:sp>
-        <p:nvSpPr>
-          <p:cNvPr id="5" name="Slide Number Placeholder 4"/>
-          <p:cNvSpPr>
-            <a:spLocks noGrp="1"/>
-          </p:cNvSpPr>
-          <p:nvPr>
-            <p:ph type="sldNum" sz="quarter" idx="12"/>
-          </p:nvPr>
-        </p:nvSpPr>
-        <p:spPr/>
-        <p:txBody>
-          <a:bodyPr/>
-          <a:lstStyle/>
-          <a:p>
-            <a:fld id="{B777A91B-BF1B-4ECE-B89B-72F2144CF226}" type="slidenum">
-              <a:rPr lang="en-US" smtClean="0"/>
-              <a:t>15</a:t>
-            </a:fld>
-            <a:endParaRPr lang="en-US" dirty="0"/>
-          </a:p>
-        </p:txBody>
-      </p:sp>
-      <p:pic>
-        <p:nvPicPr>
-          <p:cNvPr id="6" name="Picture 5"/>
-          <p:cNvPicPr>
-            <a:picLocks noChangeAspect="1"/>
-          </p:cNvPicPr>
-          <p:nvPr/>
-        </p:nvPicPr>
-        <p:blipFill>
-          <a:blip r:embed="rId2">
-            <a:extLst>
-              <a:ext uri="{28A0092B-C50C-407E-A947-70E740481C1C}">
-                <a14:useLocalDpi xmlns:a14="http://schemas.microsoft.com/office/drawing/2010/main" val="0"/>
-              </a:ext>
-            </a:extLst>
-          </a:blip>
-          <a:stretch>
-            <a:fillRect/>
-          </a:stretch>
-        </p:blipFill>
-        <p:spPr>
-          <a:xfrm>
-            <a:off x="157162" y="84137"/>
-            <a:ext cx="1362075" cy="561975"/>
-          </a:xfrm>
-          <a:prstGeom prst="rect">
-            <a:avLst/>
-          </a:prstGeom>
-        </p:spPr>
-      </p:pic>
-      <p:sp>
-        <p:nvSpPr>
-          <p:cNvPr id="8" name="Content Placeholder 7"/>
-          <p:cNvSpPr>
-            <a:spLocks noGrp="1"/>
-          </p:cNvSpPr>
-          <p:nvPr>
-            <p:ph idx="1"/>
-          </p:nvPr>
-        </p:nvSpPr>
-        <p:spPr/>
-        <p:txBody>
-          <a:bodyPr>
-            <a:normAutofit/>
-          </a:bodyPr>
-          <a:lstStyle/>
-          <a:p>
-            <a:r>
-              <a:rPr lang="en-US" sz="1800" dirty="0" smtClean="0"/>
-              <a:t>Put the following code in TodoStore.js</a:t>
-            </a:r>
-            <a:endParaRPr lang="en-US" sz="1800" dirty="0"/>
-          </a:p>
-        </p:txBody>
-      </p:sp>
-      <p:pic>
-        <p:nvPicPr>
-          <p:cNvPr id="3" name="Picture 2"/>
-          <p:cNvPicPr>
-            <a:picLocks noChangeAspect="1"/>
-          </p:cNvPicPr>
-          <p:nvPr/>
-        </p:nvPicPr>
-        <p:blipFill>
-          <a:blip r:embed="rId3">
-            <a:extLst>
-              <a:ext uri="{28A0092B-C50C-407E-A947-70E740481C1C}">
-                <a14:useLocalDpi xmlns:a14="http://schemas.microsoft.com/office/drawing/2010/main" val="0"/>
-              </a:ext>
-            </a:extLst>
-          </a:blip>
-          <a:stretch>
-            <a:fillRect/>
-          </a:stretch>
-        </p:blipFill>
-        <p:spPr>
-          <a:xfrm>
-            <a:off x="1669222" y="2176858"/>
-            <a:ext cx="7953080" cy="4544617"/>
-          </a:xfrm>
-          <a:prstGeom prst="rect">
-            <a:avLst/>
-          </a:prstGeom>
-        </p:spPr>
-      </p:pic>
-    </p:spTree>
-    <p:extLst>
-      <p:ext uri="{BB962C8B-B14F-4D97-AF65-F5344CB8AC3E}">
-        <p14:creationId xmlns:p14="http://schemas.microsoft.com/office/powerpoint/2010/main" val="1817655082"/>
-      </p:ext>
-    </p:extLst>
-  </p:cSld>
-  <p:clrMapOvr>
-    <a:masterClrMapping/>
-  </p:clrMapOvr>
-  <p:timing>
-    <p:tnLst>
-      <p:par>
-        <p:cTn id="1" dur="indefinite" restart="never" nodeType="tmRoot"/>
-      </p:par>
-    </p:tnLst>
-  </p:timing>
-</p:sld>
-</file>
-
-<file path=ppt/slides/slide16.xml><?xml version="1.0" encoding="utf-8"?>
-<p:sld xmlns:a="http://schemas.openxmlformats.org/drawingml/2006/main" xmlns:r="http://schemas.openxmlformats.org/officeDocument/2006/relationships" xmlns:p="http://schemas.openxmlformats.org/presentationml/2006/main">
-  <p:cSld>
-    <p:spTree>
-      <p:nvGrpSpPr>
-        <p:cNvPr id="1" name=""/>
-        <p:cNvGrpSpPr/>
-        <p:nvPr/>
-      </p:nvGrpSpPr>
-      <p:grpSpPr>
-        <a:xfrm>
-          <a:off x="0" y="0"/>
-          <a:ext cx="0" cy="0"/>
-          <a:chOff x="0" y="0"/>
-          <a:chExt cx="0" cy="0"/>
-        </a:xfrm>
-      </p:grpSpPr>
-      <p:sp>
-        <p:nvSpPr>
-          <p:cNvPr id="2" name="Title 1"/>
-          <p:cNvSpPr>
-            <a:spLocks noGrp="1"/>
-          </p:cNvSpPr>
-          <p:nvPr>
-            <p:ph type="title"/>
-          </p:nvPr>
-        </p:nvSpPr>
-        <p:spPr/>
-        <p:txBody>
-          <a:bodyPr/>
-          <a:lstStyle/>
-          <a:p>
-            <a:r>
-              <a:rPr lang="en-US" dirty="0" smtClean="0"/>
               <a:t>Alt Views</a:t>
             </a:r>
             <a:endParaRPr lang="en-US" dirty="0"/>
@@ -17520,7 +19322,7 @@
           <a:p>
             <a:fld id="{B777A91B-BF1B-4ECE-B89B-72F2144CF226}" type="slidenum">
               <a:rPr lang="en-US" smtClean="0"/>
-              <a:t>16</a:t>
+              <a:t>15</a:t>
             </a:fld>
             <a:endParaRPr lang="en-US"/>
           </a:p>
@@ -17576,7 +19378,7 @@
 </p:sld>
 </file>
 
-<file path=ppt/slides/slide17.xml><?xml version="1.0" encoding="utf-8"?>
+<file path=ppt/slides/slide16.xml><?xml version="1.0" encoding="utf-8"?>
 <p:sld xmlns:a="http://schemas.openxmlformats.org/drawingml/2006/main" xmlns:r="http://schemas.openxmlformats.org/officeDocument/2006/relationships" xmlns:p="http://schemas.openxmlformats.org/presentationml/2006/main">
   <p:cSld>
     <p:spTree>
@@ -17757,7 +19559,7 @@
           <a:p>
             <a:fld id="{B777A91B-BF1B-4ECE-B89B-72F2144CF226}" type="slidenum">
               <a:rPr lang="en-US" smtClean="0"/>
-              <a:t>17</a:t>
+              <a:t>16</a:t>
             </a:fld>
             <a:endParaRPr lang="en-US"/>
           </a:p>
@@ -17813,7 +19615,7 @@
 </p:sld>
 </file>
 
-<file path=ppt/slides/slide18.xml><?xml version="1.0" encoding="utf-8"?>
+<file path=ppt/slides/slide17.xml><?xml version="1.0" encoding="utf-8"?>
 <p:sld xmlns:a="http://schemas.openxmlformats.org/drawingml/2006/main" xmlns:r="http://schemas.openxmlformats.org/officeDocument/2006/relationships" xmlns:p="http://schemas.openxmlformats.org/presentationml/2006/main">
   <p:cSld>
     <p:spTree>
@@ -17965,7 +19767,7 @@
           <a:p>
             <a:fld id="{B777A91B-BF1B-4ECE-B89B-72F2144CF226}" type="slidenum">
               <a:rPr lang="en-US" smtClean="0"/>
-              <a:t>18</a:t>
+              <a:t>17</a:t>
             </a:fld>
             <a:endParaRPr lang="en-US"/>
           </a:p>
@@ -18287,7 +20089,7 @@
 </p:sld>
 </file>
 
-<file path=ppt/slides/slide19.xml><?xml version="1.0" encoding="utf-8"?>
+<file path=ppt/slides/slide18.xml><?xml version="1.0" encoding="utf-8"?>
 <p:sld xmlns:a="http://schemas.openxmlformats.org/drawingml/2006/main" xmlns:r="http://schemas.openxmlformats.org/officeDocument/2006/relationships" xmlns:p="http://schemas.openxmlformats.org/presentationml/2006/main">
   <p:cSld>
     <p:spTree>
@@ -18448,7 +20250,7 @@
           <a:p>
             <a:fld id="{B777A91B-BF1B-4ECE-B89B-72F2144CF226}" type="slidenum">
               <a:rPr lang="en-US" smtClean="0"/>
-              <a:t>19</a:t>
+              <a:t>18</a:t>
             </a:fld>
             <a:endParaRPr lang="en-US"/>
           </a:p>
@@ -18548,6 +20350,232 @@
     <p:extLst>
       <p:ext uri="{BB962C8B-B14F-4D97-AF65-F5344CB8AC3E}">
         <p14:creationId xmlns:p14="http://schemas.microsoft.com/office/powerpoint/2010/main" val="2870838800"/>
+      </p:ext>
+    </p:extLst>
+  </p:cSld>
+  <p:clrMapOvr>
+    <a:masterClrMapping/>
+  </p:clrMapOvr>
+  <p:timing>
+    <p:tnLst>
+      <p:par>
+        <p:cTn id="1" dur="indefinite" restart="never" nodeType="tmRoot"/>
+      </p:par>
+    </p:tnLst>
+  </p:timing>
+</p:sld>
+</file>
+
+<file path=ppt/slides/slide19.xml><?xml version="1.0" encoding="utf-8"?>
+<p:sld xmlns:a="http://schemas.openxmlformats.org/drawingml/2006/main" xmlns:r="http://schemas.openxmlformats.org/officeDocument/2006/relationships" xmlns:p="http://schemas.openxmlformats.org/presentationml/2006/main">
+  <p:cSld>
+    <p:spTree>
+      <p:nvGrpSpPr>
+        <p:cNvPr id="1" name=""/>
+        <p:cNvGrpSpPr/>
+        <p:nvPr/>
+      </p:nvGrpSpPr>
+      <p:grpSpPr>
+        <a:xfrm>
+          <a:off x="0" y="0"/>
+          <a:ext cx="0" cy="0"/>
+          <a:chOff x="0" y="0"/>
+          <a:chExt cx="0" cy="0"/>
+        </a:xfrm>
+      </p:grpSpPr>
+      <p:sp>
+        <p:nvSpPr>
+          <p:cNvPr id="2" name="Title 1"/>
+          <p:cNvSpPr>
+            <a:spLocks noGrp="1"/>
+          </p:cNvSpPr>
+          <p:nvPr>
+            <p:ph type="title"/>
+          </p:nvPr>
+        </p:nvSpPr>
+        <p:spPr/>
+        <p:txBody>
+          <a:bodyPr/>
+          <a:lstStyle/>
+          <a:p>
+            <a:r>
+              <a:rPr lang="en-US" dirty="0" smtClean="0"/>
+              <a:t>The JSX syntax</a:t>
+            </a:r>
+            <a:endParaRPr lang="en-US" dirty="0"/>
+          </a:p>
+        </p:txBody>
+      </p:sp>
+      <p:sp>
+        <p:nvSpPr>
+          <p:cNvPr id="3" name="Content Placeholder 2"/>
+          <p:cNvSpPr>
+            <a:spLocks noGrp="1"/>
+          </p:cNvSpPr>
+          <p:nvPr>
+            <p:ph idx="1"/>
+          </p:nvPr>
+        </p:nvSpPr>
+        <p:spPr/>
+        <p:txBody>
+          <a:bodyPr/>
+          <a:lstStyle/>
+          <a:p>
+            <a:r>
+              <a:rPr lang="en-US" dirty="0" smtClean="0"/>
+              <a:t>React provides us a more convenient way to write Html markup in </a:t>
+            </a:r>
+            <a:r>
+              <a:rPr lang="en-US" dirty="0" err="1" smtClean="0"/>
+              <a:t>javascript</a:t>
+            </a:r>
+            <a:r>
+              <a:rPr lang="en-US" dirty="0" smtClean="0"/>
+              <a:t> code. We call it the </a:t>
+            </a:r>
+            <a:r>
+              <a:rPr lang="en-US" dirty="0" err="1" smtClean="0"/>
+              <a:t>XMLish</a:t>
+            </a:r>
+            <a:r>
+              <a:rPr lang="en-US" dirty="0" smtClean="0"/>
+              <a:t> syntax and can refer the files as .</a:t>
+            </a:r>
+            <a:r>
+              <a:rPr lang="en-US" dirty="0" err="1" smtClean="0"/>
+              <a:t>jsx</a:t>
+            </a:r>
+            <a:r>
+              <a:rPr lang="en-US" dirty="0" smtClean="0"/>
+              <a:t> extension</a:t>
+            </a:r>
+          </a:p>
+          <a:p>
+            <a:pPr marL="0" indent="0">
+              <a:buNone/>
+            </a:pPr>
+            <a:endParaRPr lang="en-US" dirty="0" smtClean="0"/>
+          </a:p>
+          <a:p>
+            <a:pPr marL="0" indent="0">
+              <a:buNone/>
+            </a:pPr>
+            <a:endParaRPr lang="en-US" dirty="0" smtClean="0"/>
+          </a:p>
+        </p:txBody>
+      </p:sp>
+      <p:sp>
+        <p:nvSpPr>
+          <p:cNvPr id="4" name="Footer Placeholder 3"/>
+          <p:cNvSpPr>
+            <a:spLocks noGrp="1"/>
+          </p:cNvSpPr>
+          <p:nvPr>
+            <p:ph type="ftr" sz="quarter" idx="11"/>
+          </p:nvPr>
+        </p:nvSpPr>
+        <p:spPr/>
+        <p:txBody>
+          <a:bodyPr/>
+          <a:lstStyle/>
+          <a:p>
+            <a:r>
+              <a:rPr lang="en-US" smtClean="0"/>
+              <a:t>Web Training Session</a:t>
+            </a:r>
+          </a:p>
+          <a:p>
+            <a:endParaRPr lang="en-US" dirty="0"/>
+          </a:p>
+        </p:txBody>
+      </p:sp>
+      <p:sp>
+        <p:nvSpPr>
+          <p:cNvPr id="5" name="Slide Number Placeholder 4"/>
+          <p:cNvSpPr>
+            <a:spLocks noGrp="1"/>
+          </p:cNvSpPr>
+          <p:nvPr>
+            <p:ph type="sldNum" sz="quarter" idx="12"/>
+          </p:nvPr>
+        </p:nvSpPr>
+        <p:spPr/>
+        <p:txBody>
+          <a:bodyPr/>
+          <a:lstStyle/>
+          <a:p>
+            <a:fld id="{B777A91B-BF1B-4ECE-B89B-72F2144CF226}" type="slidenum">
+              <a:rPr lang="en-US" smtClean="0"/>
+              <a:t>19</a:t>
+            </a:fld>
+            <a:endParaRPr lang="en-US"/>
+          </a:p>
+        </p:txBody>
+      </p:sp>
+      <p:pic>
+        <p:nvPicPr>
+          <p:cNvPr id="6" name="Picture 5"/>
+          <p:cNvPicPr>
+            <a:picLocks noChangeAspect="1"/>
+          </p:cNvPicPr>
+          <p:nvPr/>
+        </p:nvPicPr>
+        <p:blipFill>
+          <a:blip r:embed="rId2">
+            <a:extLst>
+              <a:ext uri="{28A0092B-C50C-407E-A947-70E740481C1C}">
+                <a14:useLocalDpi xmlns:a14="http://schemas.microsoft.com/office/drawing/2010/main" val="0"/>
+              </a:ext>
+            </a:extLst>
+          </a:blip>
+          <a:stretch>
+            <a:fillRect/>
+          </a:stretch>
+        </p:blipFill>
+        <p:spPr>
+          <a:xfrm>
+            <a:off x="157162" y="84137"/>
+            <a:ext cx="1362075" cy="561975"/>
+          </a:xfrm>
+          <a:prstGeom prst="rect">
+            <a:avLst/>
+          </a:prstGeom>
+        </p:spPr>
+      </p:pic>
+      <p:pic>
+        <p:nvPicPr>
+          <p:cNvPr id="7" name="Picture 6"/>
+          <p:cNvPicPr>
+            <a:picLocks noChangeAspect="1"/>
+          </p:cNvPicPr>
+          <p:nvPr/>
+        </p:nvPicPr>
+        <p:blipFill>
+          <a:blip r:embed="rId3">
+            <a:extLst>
+              <a:ext uri="{28A0092B-C50C-407E-A947-70E740481C1C}">
+                <a14:useLocalDpi xmlns:a14="http://schemas.microsoft.com/office/drawing/2010/main" val="0"/>
+              </a:ext>
+            </a:extLst>
+          </a:blip>
+          <a:stretch>
+            <a:fillRect/>
+          </a:stretch>
+        </p:blipFill>
+        <p:spPr>
+          <a:xfrm>
+            <a:off x="1377406" y="3387511"/>
+            <a:ext cx="8980859" cy="2056686"/>
+          </a:xfrm>
+          <a:prstGeom prst="rect">
+            <a:avLst/>
+          </a:prstGeom>
+        </p:spPr>
+      </p:pic>
+    </p:spTree>
+    <p:extLst>
+      <p:ext uri="{BB962C8B-B14F-4D97-AF65-F5344CB8AC3E}">
+        <p14:creationId xmlns:p14="http://schemas.microsoft.com/office/powerpoint/2010/main" val="2389650339"/>
       </p:ext>
     </p:extLst>
   </p:cSld>
@@ -18883,232 +20911,6 @@
           <a:p>
             <a:r>
               <a:rPr lang="en-US" dirty="0" smtClean="0"/>
-              <a:t>The JSX syntax</a:t>
-            </a:r>
-            <a:endParaRPr lang="en-US" dirty="0"/>
-          </a:p>
-        </p:txBody>
-      </p:sp>
-      <p:sp>
-        <p:nvSpPr>
-          <p:cNvPr id="3" name="Content Placeholder 2"/>
-          <p:cNvSpPr>
-            <a:spLocks noGrp="1"/>
-          </p:cNvSpPr>
-          <p:nvPr>
-            <p:ph idx="1"/>
-          </p:nvPr>
-        </p:nvSpPr>
-        <p:spPr/>
-        <p:txBody>
-          <a:bodyPr/>
-          <a:lstStyle/>
-          <a:p>
-            <a:r>
-              <a:rPr lang="en-US" dirty="0" smtClean="0"/>
-              <a:t>React provides us a more convenient way to write Html markup in </a:t>
-            </a:r>
-            <a:r>
-              <a:rPr lang="en-US" dirty="0" err="1" smtClean="0"/>
-              <a:t>javascript</a:t>
-            </a:r>
-            <a:r>
-              <a:rPr lang="en-US" dirty="0" smtClean="0"/>
-              <a:t> code. We call it the </a:t>
-            </a:r>
-            <a:r>
-              <a:rPr lang="en-US" dirty="0" err="1" smtClean="0"/>
-              <a:t>XMLish</a:t>
-            </a:r>
-            <a:r>
-              <a:rPr lang="en-US" dirty="0" smtClean="0"/>
-              <a:t> syntax and can refer the files as .</a:t>
-            </a:r>
-            <a:r>
-              <a:rPr lang="en-US" dirty="0" err="1" smtClean="0"/>
-              <a:t>jsx</a:t>
-            </a:r>
-            <a:r>
-              <a:rPr lang="en-US" dirty="0" smtClean="0"/>
-              <a:t> extension</a:t>
-            </a:r>
-          </a:p>
-          <a:p>
-            <a:pPr marL="0" indent="0">
-              <a:buNone/>
-            </a:pPr>
-            <a:endParaRPr lang="en-US" dirty="0" smtClean="0"/>
-          </a:p>
-          <a:p>
-            <a:pPr marL="0" indent="0">
-              <a:buNone/>
-            </a:pPr>
-            <a:endParaRPr lang="en-US" dirty="0" smtClean="0"/>
-          </a:p>
-        </p:txBody>
-      </p:sp>
-      <p:sp>
-        <p:nvSpPr>
-          <p:cNvPr id="4" name="Footer Placeholder 3"/>
-          <p:cNvSpPr>
-            <a:spLocks noGrp="1"/>
-          </p:cNvSpPr>
-          <p:nvPr>
-            <p:ph type="ftr" sz="quarter" idx="11"/>
-          </p:nvPr>
-        </p:nvSpPr>
-        <p:spPr/>
-        <p:txBody>
-          <a:bodyPr/>
-          <a:lstStyle/>
-          <a:p>
-            <a:r>
-              <a:rPr lang="en-US" smtClean="0"/>
-              <a:t>Web Training Session</a:t>
-            </a:r>
-          </a:p>
-          <a:p>
-            <a:endParaRPr lang="en-US" dirty="0"/>
-          </a:p>
-        </p:txBody>
-      </p:sp>
-      <p:sp>
-        <p:nvSpPr>
-          <p:cNvPr id="5" name="Slide Number Placeholder 4"/>
-          <p:cNvSpPr>
-            <a:spLocks noGrp="1"/>
-          </p:cNvSpPr>
-          <p:nvPr>
-            <p:ph type="sldNum" sz="quarter" idx="12"/>
-          </p:nvPr>
-        </p:nvSpPr>
-        <p:spPr/>
-        <p:txBody>
-          <a:bodyPr/>
-          <a:lstStyle/>
-          <a:p>
-            <a:fld id="{B777A91B-BF1B-4ECE-B89B-72F2144CF226}" type="slidenum">
-              <a:rPr lang="en-US" smtClean="0"/>
-              <a:t>20</a:t>
-            </a:fld>
-            <a:endParaRPr lang="en-US"/>
-          </a:p>
-        </p:txBody>
-      </p:sp>
-      <p:pic>
-        <p:nvPicPr>
-          <p:cNvPr id="6" name="Picture 5"/>
-          <p:cNvPicPr>
-            <a:picLocks noChangeAspect="1"/>
-          </p:cNvPicPr>
-          <p:nvPr/>
-        </p:nvPicPr>
-        <p:blipFill>
-          <a:blip r:embed="rId2">
-            <a:extLst>
-              <a:ext uri="{28A0092B-C50C-407E-A947-70E740481C1C}">
-                <a14:useLocalDpi xmlns:a14="http://schemas.microsoft.com/office/drawing/2010/main" val="0"/>
-              </a:ext>
-            </a:extLst>
-          </a:blip>
-          <a:stretch>
-            <a:fillRect/>
-          </a:stretch>
-        </p:blipFill>
-        <p:spPr>
-          <a:xfrm>
-            <a:off x="157162" y="84137"/>
-            <a:ext cx="1362075" cy="561975"/>
-          </a:xfrm>
-          <a:prstGeom prst="rect">
-            <a:avLst/>
-          </a:prstGeom>
-        </p:spPr>
-      </p:pic>
-      <p:pic>
-        <p:nvPicPr>
-          <p:cNvPr id="7" name="Picture 6"/>
-          <p:cNvPicPr>
-            <a:picLocks noChangeAspect="1"/>
-          </p:cNvPicPr>
-          <p:nvPr/>
-        </p:nvPicPr>
-        <p:blipFill>
-          <a:blip r:embed="rId3">
-            <a:extLst>
-              <a:ext uri="{28A0092B-C50C-407E-A947-70E740481C1C}">
-                <a14:useLocalDpi xmlns:a14="http://schemas.microsoft.com/office/drawing/2010/main" val="0"/>
-              </a:ext>
-            </a:extLst>
-          </a:blip>
-          <a:stretch>
-            <a:fillRect/>
-          </a:stretch>
-        </p:blipFill>
-        <p:spPr>
-          <a:xfrm>
-            <a:off x="1377406" y="3387511"/>
-            <a:ext cx="8980859" cy="2056686"/>
-          </a:xfrm>
-          <a:prstGeom prst="rect">
-            <a:avLst/>
-          </a:prstGeom>
-        </p:spPr>
-      </p:pic>
-    </p:spTree>
-    <p:extLst>
-      <p:ext uri="{BB962C8B-B14F-4D97-AF65-F5344CB8AC3E}">
-        <p14:creationId xmlns:p14="http://schemas.microsoft.com/office/powerpoint/2010/main" val="2389650339"/>
-      </p:ext>
-    </p:extLst>
-  </p:cSld>
-  <p:clrMapOvr>
-    <a:masterClrMapping/>
-  </p:clrMapOvr>
-  <p:timing>
-    <p:tnLst>
-      <p:par>
-        <p:cTn id="1" dur="indefinite" restart="never" nodeType="tmRoot"/>
-      </p:par>
-    </p:tnLst>
-  </p:timing>
-</p:sld>
-</file>
-
-<file path=ppt/slides/slide21.xml><?xml version="1.0" encoding="utf-8"?>
-<p:sld xmlns:a="http://schemas.openxmlformats.org/drawingml/2006/main" xmlns:r="http://schemas.openxmlformats.org/officeDocument/2006/relationships" xmlns:p="http://schemas.openxmlformats.org/presentationml/2006/main">
-  <p:cSld>
-    <p:spTree>
-      <p:nvGrpSpPr>
-        <p:cNvPr id="1" name=""/>
-        <p:cNvGrpSpPr/>
-        <p:nvPr/>
-      </p:nvGrpSpPr>
-      <p:grpSpPr>
-        <a:xfrm>
-          <a:off x="0" y="0"/>
-          <a:ext cx="0" cy="0"/>
-          <a:chOff x="0" y="0"/>
-          <a:chExt cx="0" cy="0"/>
-        </a:xfrm>
-      </p:grpSpPr>
-      <p:sp>
-        <p:nvSpPr>
-          <p:cNvPr id="2" name="Title 1"/>
-          <p:cNvSpPr>
-            <a:spLocks noGrp="1"/>
-          </p:cNvSpPr>
-          <p:nvPr>
-            <p:ph type="title"/>
-          </p:nvPr>
-        </p:nvSpPr>
-        <p:spPr/>
-        <p:txBody>
-          <a:bodyPr/>
-          <a:lstStyle/>
-          <a:p>
-            <a:r>
-              <a:rPr lang="en-US" dirty="0" smtClean="0"/>
               <a:t>Hello World</a:t>
             </a:r>
             <a:endParaRPr lang="en-US" dirty="0"/>
@@ -19188,7 +20990,7 @@
           <a:p>
             <a:fld id="{B777A91B-BF1B-4ECE-B89B-72F2144CF226}" type="slidenum">
               <a:rPr lang="en-US" smtClean="0"/>
-              <a:t>21</a:t>
+              <a:t>20</a:t>
             </a:fld>
             <a:endParaRPr lang="en-US"/>
           </a:p>
@@ -19244,7 +21046,7 @@
 </p:sld>
 </file>
 
-<file path=ppt/slides/slide22.xml><?xml version="1.0" encoding="utf-8"?>
+<file path=ppt/slides/slide21.xml><?xml version="1.0" encoding="utf-8"?>
 <p:sld xmlns:a="http://schemas.openxmlformats.org/drawingml/2006/main" xmlns:r="http://schemas.openxmlformats.org/officeDocument/2006/relationships" xmlns:p="http://schemas.openxmlformats.org/presentationml/2006/main">
   <p:cSld>
     <p:spTree>
@@ -19403,7 +21205,7 @@
           <a:p>
             <a:fld id="{B777A91B-BF1B-4ECE-B89B-72F2144CF226}" type="slidenum">
               <a:rPr lang="en-US" smtClean="0"/>
-              <a:t>22</a:t>
+              <a:t>21</a:t>
             </a:fld>
             <a:endParaRPr lang="en-US"/>
           </a:p>
@@ -19632,7 +21434,7 @@
 </p:sld>
 </file>
 
-<file path=ppt/slides/slide23.xml><?xml version="1.0" encoding="utf-8"?>
+<file path=ppt/slides/slide22.xml><?xml version="1.0" encoding="utf-8"?>
 <p:sld xmlns:a="http://schemas.openxmlformats.org/drawingml/2006/main" xmlns:r="http://schemas.openxmlformats.org/officeDocument/2006/relationships" xmlns:p="http://schemas.openxmlformats.org/presentationml/2006/main">
   <p:cSld>
     <p:spTree>
@@ -19749,7 +21551,7 @@
           <a:p>
             <a:fld id="{B777A91B-BF1B-4ECE-B89B-72F2144CF226}" type="slidenum">
               <a:rPr lang="en-US" smtClean="0"/>
-              <a:t>23</a:t>
+              <a:t>22</a:t>
             </a:fld>
             <a:endParaRPr lang="en-US"/>
           </a:p>
@@ -19805,7 +21607,7 @@
 </p:sld>
 </file>
 
-<file path=ppt/slides/slide24.xml><?xml version="1.0" encoding="utf-8"?>
+<file path=ppt/slides/slide23.xml><?xml version="1.0" encoding="utf-8"?>
 <p:sld xmlns:a="http://schemas.openxmlformats.org/drawingml/2006/main" xmlns:r="http://schemas.openxmlformats.org/officeDocument/2006/relationships" xmlns:p="http://schemas.openxmlformats.org/presentationml/2006/main">
   <p:cSld>
     <p:spTree>
@@ -19981,7 +21783,7 @@
           <a:p>
             <a:fld id="{B777A91B-BF1B-4ECE-B89B-72F2144CF226}" type="slidenum">
               <a:rPr lang="en-US" smtClean="0"/>
-              <a:t>24</a:t>
+              <a:t>23</a:t>
             </a:fld>
             <a:endParaRPr lang="en-US"/>
           </a:p>
@@ -20063,7 +21865,7 @@
                                         <p:tgtEl>
                                           <p:spTgt spid="3">
                                             <p:txEl>
-                                              <p:pRg st="0" end="0"/>
+                                              <p:pRg st="1" end="1"/>
                                             </p:txEl>
                                           </p:spTgt>
                                         </p:tgtEl>
@@ -20112,7 +21914,7 @@
                                         <p:tgtEl>
                                           <p:spTgt spid="3">
                                             <p:txEl>
-                                              <p:pRg st="1" end="1"/>
+                                              <p:pRg st="2" end="2"/>
                                             </p:txEl>
                                           </p:spTgt>
                                         </p:tgtEl>
@@ -20154,55 +21956,6 @@
                                     <p:set>
                                       <p:cBhvr>
                                         <p:cTn id="14" dur="1" fill="hold">
-                                          <p:stCondLst>
-                                            <p:cond delay="0"/>
-                                          </p:stCondLst>
-                                        </p:cTn>
-                                        <p:tgtEl>
-                                          <p:spTgt spid="3">
-                                            <p:txEl>
-                                              <p:pRg st="2" end="2"/>
-                                            </p:txEl>
-                                          </p:spTgt>
-                                        </p:tgtEl>
-                                        <p:attrNameLst>
-                                          <p:attrName>style.visibility</p:attrName>
-                                        </p:attrNameLst>
-                                      </p:cBhvr>
-                                      <p:to>
-                                        <p:strVal val="visible"/>
-                                      </p:to>
-                                    </p:set>
-                                  </p:childTnLst>
-                                </p:cTn>
-                              </p:par>
-                            </p:childTnLst>
-                          </p:cTn>
-                        </p:par>
-                      </p:childTnLst>
-                    </p:cTn>
-                  </p:par>
-                  <p:par>
-                    <p:cTn id="15" fill="hold">
-                      <p:stCondLst>
-                        <p:cond delay="indefinite"/>
-                      </p:stCondLst>
-                      <p:childTnLst>
-                        <p:par>
-                          <p:cTn id="16" fill="hold">
-                            <p:stCondLst>
-                              <p:cond delay="0"/>
-                            </p:stCondLst>
-                            <p:childTnLst>
-                              <p:par>
-                                <p:cTn id="17" presetID="1" presetClass="entr" presetSubtype="0" fill="hold" grpId="0" nodeType="clickEffect">
-                                  <p:stCondLst>
-                                    <p:cond delay="0"/>
-                                  </p:stCondLst>
-                                  <p:childTnLst>
-                                    <p:set>
-                                      <p:cBhvr>
-                                        <p:cTn id="18" dur="1" fill="hold">
                                           <p:stCondLst>
                                             <p:cond delay="0"/>
                                           </p:stCondLst>
@@ -20253,13 +22006,13 @@
       </p:par>
     </p:tnLst>
     <p:bldLst>
-      <p:bldP spid="3" grpId="0" build="p"/>
+      <p:bldP spid="3" grpId="0" uiExpand="1" build="p"/>
     </p:bldLst>
   </p:timing>
 </p:sld>
 </file>
 
-<file path=ppt/slides/slide25.xml><?xml version="1.0" encoding="utf-8"?>
+<file path=ppt/slides/slide24.xml><?xml version="1.0" encoding="utf-8"?>
 <p:sld xmlns:a="http://schemas.openxmlformats.org/drawingml/2006/main" xmlns:r="http://schemas.openxmlformats.org/officeDocument/2006/relationships" xmlns:p="http://schemas.openxmlformats.org/presentationml/2006/main">
   <p:cSld>
     <p:spTree>
@@ -20291,22 +22044,6 @@
           <a:bodyPr/>
           <a:lstStyle/>
           <a:p>
-            <a:r>
-              <a:rPr lang="en-US" dirty="0" smtClean="0"/>
-              <a:t>Moving back to our </a:t>
-            </a:r>
-            <a:r>
-              <a:rPr lang="en-US" dirty="0" err="1" smtClean="0"/>
-              <a:t>Todo</a:t>
-            </a:r>
-            <a:r>
-              <a:rPr lang="en-US" dirty="0"/>
-              <a:t> </a:t>
-            </a:r>
-            <a:r>
-              <a:rPr lang="en-US" dirty="0" smtClean="0"/>
-              <a:t>App</a:t>
-            </a:r>
             <a:endParaRPr lang="en-US" dirty="0"/>
           </a:p>
         </p:txBody>
@@ -20328,24 +22065,45 @@
           </a:bodyPr>
           <a:lstStyle/>
           <a:p>
-            <a:r>
-              <a:rPr lang="en-US" dirty="0" smtClean="0"/>
-              <a:t>We have learned the React rendering enough so far.</a:t>
-            </a:r>
-          </a:p>
-          <a:p>
-            <a:r>
-              <a:rPr lang="en-US" dirty="0" smtClean="0"/>
-              <a:t>Lets use a react view in our app to render the </a:t>
-            </a:r>
-            <a:r>
-              <a:rPr lang="en-US" dirty="0" err="1" smtClean="0"/>
-              <a:t>todos</a:t>
-            </a:r>
-            <a:endParaRPr lang="en-US" dirty="0"/>
-          </a:p>
-          <a:p>
-            <a:endParaRPr lang="en-US" sz="2400" dirty="0"/>
+            <a:pPr marL="0" indent="0">
+              <a:buNone/>
+            </a:pPr>
+            <a:endParaRPr lang="en-US" sz="2400" dirty="0" smtClean="0"/>
+          </a:p>
+          <a:p>
+            <a:pPr marL="0" indent="0">
+              <a:buNone/>
+            </a:pPr>
+            <a:r>
+              <a:rPr lang="en-US" sz="4000" dirty="0" smtClean="0"/>
+              <a:t>		</a:t>
+            </a:r>
+          </a:p>
+          <a:p>
+            <a:pPr marL="0" indent="0">
+              <a:buNone/>
+            </a:pPr>
+            <a:r>
+              <a:rPr lang="en-US" sz="4000" dirty="0"/>
+              <a:t>	</a:t>
+            </a:r>
+            <a:r>
+              <a:rPr lang="en-US" sz="4000" dirty="0" smtClean="0"/>
+              <a:t>	Moving </a:t>
+            </a:r>
+            <a:r>
+              <a:rPr lang="en-US" sz="4000" dirty="0"/>
+              <a:t>back to our </a:t>
+            </a:r>
+            <a:r>
+              <a:rPr lang="en-US" sz="4000" dirty="0" err="1"/>
+              <a:t>Todo</a:t>
+            </a:r>
+            <a:r>
+              <a:rPr lang="en-US" sz="4000" dirty="0"/>
+              <a:t> App</a:t>
+            </a:r>
+            <a:endParaRPr lang="en-US" sz="4000" dirty="0"/>
           </a:p>
         </p:txBody>
       </p:sp>
@@ -20397,7 +22155,7 @@
           <a:p>
             <a:fld id="{B777A91B-BF1B-4ECE-B89B-72F2144CF226}" type="slidenum">
               <a:rPr lang="en-US" smtClean="0"/>
-              <a:t>25</a:t>
+              <a:t>24</a:t>
             </a:fld>
             <a:endParaRPr lang="en-US"/>
           </a:p>
@@ -20412,7 +22170,7 @@
           <p:nvPr/>
         </p:nvPicPr>
         <p:blipFill>
-          <a:blip r:embed="rId2">
+          <a:blip r:embed="rId3">
             <a:extLst>
               <a:ext uri="{28A0092B-C50C-407E-A947-70E740481C1C}">
                 <a14:useLocalDpi xmlns:a14="http://schemas.microsoft.com/office/drawing/2010/main" val="0"/>
@@ -20453,7 +22211,7 @@
 </p:sld>
 </file>
 
-<file path=ppt/slides/slide26.xml><?xml version="1.0" encoding="utf-8"?>
+<file path=ppt/slides/slide25.xml><?xml version="1.0" encoding="utf-8"?>
 <p:sld xmlns:a="http://schemas.openxmlformats.org/drawingml/2006/main" xmlns:r="http://schemas.openxmlformats.org/officeDocument/2006/relationships" xmlns:p="http://schemas.openxmlformats.org/presentationml/2006/main">
   <p:cSld>
     <p:spTree>
@@ -20510,114 +22268,48 @@
           </a:bodyPr>
           <a:lstStyle/>
           <a:p>
-            <a:r>
-              <a:rPr lang="en-US" sz="2400" dirty="0" smtClean="0"/>
-              <a:t>We need to pass the alt store’s state data to the view.</a:t>
-            </a:r>
-          </a:p>
-          <a:p>
-            <a:r>
-              <a:rPr lang="en-US" sz="2400" dirty="0" smtClean="0"/>
-              <a:t>Alt provides a built-in components that binds an specific store to the specific view. This is known as Component Container</a:t>
-            </a:r>
-          </a:p>
-          <a:p>
             <a:pPr marL="0" indent="0">
               <a:buNone/>
             </a:pPr>
             <a:r>
               <a:rPr lang="en-US" sz="2000" dirty="0" smtClean="0"/>
-              <a:t>     			&lt;</a:t>
-            </a:r>
-            <a:r>
-              <a:rPr lang="en-US" sz="2000" dirty="0" err="1"/>
-              <a:t>AltContainer</a:t>
-            </a:r>
-            <a:r>
-              <a:rPr lang="en-US" sz="2000" dirty="0"/>
-              <a:t> store={</a:t>
-            </a:r>
-            <a:r>
-              <a:rPr lang="en-US" sz="2000" dirty="0" err="1"/>
-              <a:t>TodoStore</a:t>
-            </a:r>
-            <a:r>
-              <a:rPr lang="en-US" sz="2000" dirty="0"/>
-              <a:t>}&gt;</a:t>
+              <a:t>			</a:t>
             </a:r>
           </a:p>
           <a:p>
             <a:pPr marL="0" indent="0">
               <a:buNone/>
             </a:pPr>
-            <a:r>
-              <a:rPr lang="en-US" sz="2000" dirty="0"/>
-              <a:t>       </a:t>
-            </a:r>
-            <a:r>
-              <a:rPr lang="en-US" sz="2000" dirty="0" smtClean="0"/>
-              <a:t>	 			&lt;</a:t>
-            </a:r>
-            <a:r>
-              <a:rPr lang="en-US" sz="2000" dirty="0" err="1" smtClean="0"/>
-              <a:t>TodoComponent</a:t>
-            </a:r>
-            <a:r>
-              <a:rPr lang="en-US" sz="2000" dirty="0" smtClean="0"/>
-              <a:t> /&gt;</a:t>
-            </a:r>
-            <a:endParaRPr lang="en-US" sz="2000" dirty="0"/>
+            <a:endParaRPr lang="en-US" sz="2400" dirty="0" smtClean="0"/>
           </a:p>
           <a:p>
             <a:pPr marL="0" indent="0">
               <a:buNone/>
             </a:pPr>
-            <a:r>
-              <a:rPr lang="en-US" sz="2000" dirty="0"/>
-              <a:t>      </a:t>
-            </a:r>
-            <a:r>
-              <a:rPr lang="en-US" sz="2000" dirty="0" smtClean="0"/>
-              <a:t>			&lt;/</a:t>
-            </a:r>
-            <a:r>
-              <a:rPr lang="en-US" sz="2000" dirty="0" err="1"/>
-              <a:t>AltContainer</a:t>
-            </a:r>
-            <a:r>
-              <a:rPr lang="en-US" sz="2000" dirty="0" smtClean="0"/>
-              <a:t>&gt;</a:t>
-            </a:r>
+            <a:endParaRPr lang="en-US" sz="2400" dirty="0"/>
           </a:p>
           <a:p>
             <a:pPr marL="0" indent="0">
               <a:buNone/>
             </a:pPr>
-            <a:endParaRPr lang="en-US" sz="2000" dirty="0" smtClean="0"/>
-          </a:p>
-          <a:p>
-            <a:r>
-              <a:rPr lang="en-US" sz="2400" dirty="0" smtClean="0"/>
-              <a:t>This will actually pass the state data from the store to the view as a prop. Hence </a:t>
-            </a:r>
-            <a:r>
-              <a:rPr lang="en-US" sz="2400" dirty="0"/>
-              <a:t>the Customer component can now access the state </a:t>
-            </a:r>
-            <a:r>
-              <a:rPr lang="en-US" sz="2400" dirty="0" smtClean="0"/>
-              <a:t>data from Customer Store </a:t>
-            </a:r>
-            <a:r>
-              <a:rPr lang="en-US" sz="2400" dirty="0" err="1"/>
-              <a:t>i.e</a:t>
-            </a:r>
-            <a:r>
-              <a:rPr lang="en-US" sz="2400" dirty="0"/>
-              <a:t> customers from its prop.</a:t>
-            </a:r>
-          </a:p>
-          <a:p>
+            <a:endParaRPr lang="en-US" sz="2400" dirty="0" smtClean="0"/>
+          </a:p>
+          <a:p>
+            <a:pPr marL="0" indent="0">
+              <a:buNone/>
+            </a:pPr>
+            <a:endParaRPr lang="en-US" sz="2400" dirty="0"/>
+          </a:p>
+          <a:p>
+            <a:pPr marL="0" indent="0">
+              <a:buNone/>
+            </a:pPr>
+            <a:endParaRPr lang="en-US" sz="2400" dirty="0" smtClean="0"/>
+          </a:p>
+          <a:p>
+            <a:pPr marL="0" indent="0">
+              <a:buNone/>
+            </a:pPr>
             <a:endParaRPr lang="en-US" sz="2400" dirty="0"/>
           </a:p>
         </p:txBody>
@@ -20669,7 +22361,7 @@
           <a:p>
             <a:fld id="{B777A91B-BF1B-4ECE-B89B-72F2144CF226}" type="slidenum">
               <a:rPr lang="en-US" smtClean="0"/>
-              <a:t>26</a:t>
+              <a:t>25</a:t>
             </a:fld>
             <a:endParaRPr lang="en-US"/>
           </a:p>
@@ -20684,7 +22376,7 @@
           <p:nvPr/>
         </p:nvPicPr>
         <p:blipFill>
-          <a:blip r:embed="rId2">
+          <a:blip r:embed="rId3">
             <a:extLst>
               <a:ext uri="{28A0092B-C50C-407E-A947-70E740481C1C}">
                 <a14:useLocalDpi xmlns:a14="http://schemas.microsoft.com/office/drawing/2010/main" val="0"/>
@@ -20699,6 +22391,36 @@
           <a:xfrm>
             <a:off x="157162" y="84137"/>
             <a:ext cx="1362075" cy="561975"/>
+          </a:xfrm>
+          <a:prstGeom prst="rect">
+            <a:avLst/>
+          </a:prstGeom>
+        </p:spPr>
+      </p:pic>
+      <p:pic>
+        <p:nvPicPr>
+          <p:cNvPr id="7" name="Picture 6"/>
+          <p:cNvPicPr>
+            <a:picLocks noChangeAspect="1"/>
+          </p:cNvPicPr>
+          <p:nvPr/>
+        </p:nvPicPr>
+        <p:blipFill>
+          <a:blip r:embed="rId4">
+            <a:extLst>
+              <a:ext uri="{28A0092B-C50C-407E-A947-70E740481C1C}">
+                <a14:useLocalDpi xmlns:a14="http://schemas.microsoft.com/office/drawing/2010/main" val="0"/>
+              </a:ext>
+            </a:extLst>
+          </a:blip>
+          <a:stretch>
+            <a:fillRect/>
+          </a:stretch>
+        </p:blipFill>
+        <p:spPr>
+          <a:xfrm>
+            <a:off x="2311309" y="3086870"/>
+            <a:ext cx="6783706" cy="1744382"/>
           </a:xfrm>
           <a:prstGeom prst="rect">
             <a:avLst/>
@@ -20772,251 +22494,6 @@
                       </p:childTnLst>
                     </p:cTn>
                   </p:par>
-                  <p:par>
-                    <p:cTn id="7" fill="hold">
-                      <p:stCondLst>
-                        <p:cond delay="indefinite"/>
-                      </p:stCondLst>
-                      <p:childTnLst>
-                        <p:par>
-                          <p:cTn id="8" fill="hold">
-                            <p:stCondLst>
-                              <p:cond delay="0"/>
-                            </p:stCondLst>
-                            <p:childTnLst>
-                              <p:par>
-                                <p:cTn id="9" presetID="1" presetClass="entr" presetSubtype="0" fill="hold" grpId="0" nodeType="clickEffect">
-                                  <p:stCondLst>
-                                    <p:cond delay="0"/>
-                                  </p:stCondLst>
-                                  <p:childTnLst>
-                                    <p:set>
-                                      <p:cBhvr>
-                                        <p:cTn id="10" dur="1" fill="hold">
-                                          <p:stCondLst>
-                                            <p:cond delay="0"/>
-                                          </p:stCondLst>
-                                        </p:cTn>
-                                        <p:tgtEl>
-                                          <p:spTgt spid="3">
-                                            <p:txEl>
-                                              <p:pRg st="1" end="1"/>
-                                            </p:txEl>
-                                          </p:spTgt>
-                                        </p:tgtEl>
-                                        <p:attrNameLst>
-                                          <p:attrName>style.visibility</p:attrName>
-                                        </p:attrNameLst>
-                                      </p:cBhvr>
-                                      <p:to>
-                                        <p:strVal val="visible"/>
-                                      </p:to>
-                                    </p:set>
-                                  </p:childTnLst>
-                                </p:cTn>
-                              </p:par>
-                            </p:childTnLst>
-                          </p:cTn>
-                        </p:par>
-                      </p:childTnLst>
-                    </p:cTn>
-                  </p:par>
-                  <p:par>
-                    <p:cTn id="11" fill="hold">
-                      <p:stCondLst>
-                        <p:cond delay="indefinite"/>
-                      </p:stCondLst>
-                      <p:childTnLst>
-                        <p:par>
-                          <p:cTn id="12" fill="hold">
-                            <p:stCondLst>
-                              <p:cond delay="0"/>
-                            </p:stCondLst>
-                            <p:childTnLst>
-                              <p:par>
-                                <p:cTn id="13" presetID="1" presetClass="entr" presetSubtype="0" fill="hold" grpId="0" nodeType="clickEffect">
-                                  <p:stCondLst>
-                                    <p:cond delay="0"/>
-                                  </p:stCondLst>
-                                  <p:childTnLst>
-                                    <p:set>
-                                      <p:cBhvr>
-                                        <p:cTn id="14" dur="1" fill="hold">
-                                          <p:stCondLst>
-                                            <p:cond delay="0"/>
-                                          </p:stCondLst>
-                                        </p:cTn>
-                                        <p:tgtEl>
-                                          <p:spTgt spid="3">
-                                            <p:txEl>
-                                              <p:pRg st="2" end="2"/>
-                                            </p:txEl>
-                                          </p:spTgt>
-                                        </p:tgtEl>
-                                        <p:attrNameLst>
-                                          <p:attrName>style.visibility</p:attrName>
-                                        </p:attrNameLst>
-                                      </p:cBhvr>
-                                      <p:to>
-                                        <p:strVal val="visible"/>
-                                      </p:to>
-                                    </p:set>
-                                  </p:childTnLst>
-                                </p:cTn>
-                              </p:par>
-                            </p:childTnLst>
-                          </p:cTn>
-                        </p:par>
-                      </p:childTnLst>
-                    </p:cTn>
-                  </p:par>
-                  <p:par>
-                    <p:cTn id="15" fill="hold">
-                      <p:stCondLst>
-                        <p:cond delay="indefinite"/>
-                      </p:stCondLst>
-                      <p:childTnLst>
-                        <p:par>
-                          <p:cTn id="16" fill="hold">
-                            <p:stCondLst>
-                              <p:cond delay="0"/>
-                            </p:stCondLst>
-                            <p:childTnLst>
-                              <p:par>
-                                <p:cTn id="17" presetID="1" presetClass="entr" presetSubtype="0" fill="hold" grpId="0" nodeType="clickEffect">
-                                  <p:stCondLst>
-                                    <p:cond delay="0"/>
-                                  </p:stCondLst>
-                                  <p:childTnLst>
-                                    <p:set>
-                                      <p:cBhvr>
-                                        <p:cTn id="18" dur="1" fill="hold">
-                                          <p:stCondLst>
-                                            <p:cond delay="0"/>
-                                          </p:stCondLst>
-                                        </p:cTn>
-                                        <p:tgtEl>
-                                          <p:spTgt spid="3">
-                                            <p:txEl>
-                                              <p:pRg st="3" end="3"/>
-                                            </p:txEl>
-                                          </p:spTgt>
-                                        </p:tgtEl>
-                                        <p:attrNameLst>
-                                          <p:attrName>style.visibility</p:attrName>
-                                        </p:attrNameLst>
-                                      </p:cBhvr>
-                                      <p:to>
-                                        <p:strVal val="visible"/>
-                                      </p:to>
-                                    </p:set>
-                                  </p:childTnLst>
-                                </p:cTn>
-                              </p:par>
-                            </p:childTnLst>
-                          </p:cTn>
-                        </p:par>
-                      </p:childTnLst>
-                    </p:cTn>
-                  </p:par>
-                  <p:par>
-                    <p:cTn id="19" fill="hold">
-                      <p:stCondLst>
-                        <p:cond delay="indefinite"/>
-                      </p:stCondLst>
-                      <p:childTnLst>
-                        <p:par>
-                          <p:cTn id="20" fill="hold">
-                            <p:stCondLst>
-                              <p:cond delay="0"/>
-                            </p:stCondLst>
-                            <p:childTnLst>
-                              <p:par>
-                                <p:cTn id="21" presetID="1" presetClass="entr" presetSubtype="0" fill="hold" grpId="0" nodeType="clickEffect">
-                                  <p:stCondLst>
-                                    <p:cond delay="0"/>
-                                  </p:stCondLst>
-                                  <p:childTnLst>
-                                    <p:set>
-                                      <p:cBhvr>
-                                        <p:cTn id="22" dur="1" fill="hold">
-                                          <p:stCondLst>
-                                            <p:cond delay="0"/>
-                                          </p:stCondLst>
-                                        </p:cTn>
-                                        <p:tgtEl>
-                                          <p:spTgt spid="3">
-                                            <p:txEl>
-                                              <p:pRg st="4" end="4"/>
-                                            </p:txEl>
-                                          </p:spTgt>
-                                        </p:tgtEl>
-                                        <p:attrNameLst>
-                                          <p:attrName>style.visibility</p:attrName>
-                                        </p:attrNameLst>
-                                      </p:cBhvr>
-                                      <p:to>
-                                        <p:strVal val="visible"/>
-                                      </p:to>
-                                    </p:set>
-                                  </p:childTnLst>
-                                </p:cTn>
-                              </p:par>
-                            </p:childTnLst>
-                          </p:cTn>
-                        </p:par>
-                      </p:childTnLst>
-                    </p:cTn>
-                  </p:par>
-                  <p:par>
-                    <p:cTn id="23" fill="hold">
-                      <p:stCondLst>
-                        <p:cond delay="indefinite"/>
-                      </p:stCondLst>
-                      <p:childTnLst>
-                        <p:par>
-                          <p:cTn id="24" fill="hold">
-                            <p:stCondLst>
-                              <p:cond delay="0"/>
-                            </p:stCondLst>
-                            <p:childTnLst>
-                              <p:par>
-                                <p:cTn id="25" presetID="1" presetClass="entr" presetSubtype="0" fill="hold" grpId="0" nodeType="clickEffect">
-                                  <p:stCondLst>
-                                    <p:cond delay="0"/>
-                                  </p:stCondLst>
-                                  <p:childTnLst>
-                                    <p:set>
-                                      <p:cBhvr>
-                                        <p:cTn id="26" dur="1" fill="hold">
-                                          <p:stCondLst>
-                                            <p:cond delay="0"/>
-                                          </p:stCondLst>
-                                        </p:cTn>
-                                        <p:tgtEl>
-                                          <p:spTgt spid="3">
-                                            <p:txEl>
-                                              <p:pRg st="6" end="6"/>
-                                            </p:txEl>
-                                          </p:spTgt>
-                                        </p:tgtEl>
-                                        <p:attrNameLst>
-                                          <p:attrName>style.visibility</p:attrName>
-                                        </p:attrNameLst>
-                                      </p:cBhvr>
-                                      <p:to>
-                                        <p:strVal val="visible"/>
-                                      </p:to>
-                                    </p:set>
-                                  </p:childTnLst>
-                                </p:cTn>
-                              </p:par>
-                            </p:childTnLst>
-                          </p:cTn>
-                        </p:par>
-                      </p:childTnLst>
-                    </p:cTn>
-                  </p:par>
                 </p:childTnLst>
               </p:cTn>
               <p:prevCondLst>
@@ -21045,7 +22522,7 @@
 </p:sld>
 </file>
 
-<file path=ppt/slides/slide27.xml><?xml version="1.0" encoding="utf-8"?>
+<file path=ppt/slides/slide26.xml><?xml version="1.0" encoding="utf-8"?>
 <p:sld xmlns:a="http://schemas.openxmlformats.org/drawingml/2006/main" xmlns:r="http://schemas.openxmlformats.org/officeDocument/2006/relationships" xmlns:p="http://schemas.openxmlformats.org/presentationml/2006/main">
   <p:cSld>
     <p:spTree>
@@ -21133,7 +22610,7 @@
           <a:p>
             <a:fld id="{B777A91B-BF1B-4ECE-B89B-72F2144CF226}" type="slidenum">
               <a:rPr lang="en-US" smtClean="0"/>
-              <a:t>27</a:t>
+              <a:t>26</a:t>
             </a:fld>
             <a:endParaRPr lang="en-US"/>
           </a:p>
@@ -21148,7 +22625,7 @@
           <p:nvPr/>
         </p:nvPicPr>
         <p:blipFill>
-          <a:blip r:embed="rId2">
+          <a:blip r:embed="rId3">
             <a:extLst>
               <a:ext uri="{28A0092B-C50C-407E-A947-70E740481C1C}">
                 <a14:useLocalDpi xmlns:a14="http://schemas.microsoft.com/office/drawing/2010/main" val="0"/>
@@ -21169,36 +22646,152 @@
           </a:prstGeom>
         </p:spPr>
       </p:pic>
-      <p:sp>
-        <p:nvSpPr>
-          <p:cNvPr id="10" name="Content Placeholder 9"/>
-          <p:cNvSpPr>
-            <a:spLocks noGrp="1"/>
-          </p:cNvSpPr>
-          <p:nvPr>
-            <p:ph idx="1"/>
-          </p:nvPr>
-        </p:nvSpPr>
-        <p:spPr/>
-        <p:txBody>
-          <a:bodyPr>
-            <a:normAutofit/>
-          </a:bodyPr>
-          <a:lstStyle/>
-          <a:p>
-            <a:r>
-              <a:rPr lang="en-US" sz="1800" dirty="0" smtClean="0"/>
-              <a:t>Use the following code in Todos.js of component directory</a:t>
-            </a:r>
-          </a:p>
-          <a:p>
-            <a:endParaRPr lang="en-US" sz="2400" dirty="0"/>
-          </a:p>
-        </p:txBody>
-      </p:sp>
       <p:pic>
         <p:nvPicPr>
-          <p:cNvPr id="11" name="Content Placeholder 8"/>
+          <p:cNvPr id="3" name="Content Placeholder 2"/>
+          <p:cNvPicPr>
+            <a:picLocks noGrp="1" noChangeAspect="1"/>
+          </p:cNvPicPr>
+          <p:nvPr>
+            <p:ph idx="1"/>
+          </p:nvPr>
+        </p:nvPicPr>
+        <p:blipFill>
+          <a:blip r:embed="rId4">
+            <a:extLst>
+              <a:ext uri="{28A0092B-C50C-407E-A947-70E740481C1C}">
+                <a14:useLocalDpi xmlns:a14="http://schemas.microsoft.com/office/drawing/2010/main" val="0"/>
+              </a:ext>
+            </a:extLst>
+          </a:blip>
+          <a:stretch>
+            <a:fillRect/>
+          </a:stretch>
+        </p:blipFill>
+        <p:spPr>
+          <a:xfrm>
+            <a:off x="984819" y="1506071"/>
+            <a:ext cx="8741674" cy="4267589"/>
+          </a:xfrm>
+        </p:spPr>
+      </p:pic>
+    </p:spTree>
+    <p:extLst>
+      <p:ext uri="{BB962C8B-B14F-4D97-AF65-F5344CB8AC3E}">
+        <p14:creationId xmlns:p14="http://schemas.microsoft.com/office/powerpoint/2010/main" val="3430342535"/>
+      </p:ext>
+    </p:extLst>
+  </p:cSld>
+  <p:clrMapOvr>
+    <a:masterClrMapping/>
+  </p:clrMapOvr>
+  <p:timing>
+    <p:tnLst>
+      <p:par>
+        <p:cTn id="1" dur="indefinite" restart="never" nodeType="tmRoot"/>
+      </p:par>
+    </p:tnLst>
+  </p:timing>
+</p:sld>
+</file>
+
+<file path=ppt/slides/slide27.xml><?xml version="1.0" encoding="utf-8"?>
+<p:sld xmlns:a="http://schemas.openxmlformats.org/drawingml/2006/main" xmlns:r="http://schemas.openxmlformats.org/officeDocument/2006/relationships" xmlns:p="http://schemas.openxmlformats.org/presentationml/2006/main">
+  <p:cSld>
+    <p:spTree>
+      <p:nvGrpSpPr>
+        <p:cNvPr id="1" name=""/>
+        <p:cNvGrpSpPr/>
+        <p:nvPr/>
+      </p:nvGrpSpPr>
+      <p:grpSpPr>
+        <a:xfrm>
+          <a:off x="0" y="0"/>
+          <a:ext cx="0" cy="0"/>
+          <a:chOff x="0" y="0"/>
+          <a:chExt cx="0" cy="0"/>
+        </a:xfrm>
+      </p:grpSpPr>
+      <p:sp>
+        <p:nvSpPr>
+          <p:cNvPr id="2" name="Title 1"/>
+          <p:cNvSpPr>
+            <a:spLocks noGrp="1"/>
+          </p:cNvSpPr>
+          <p:nvPr>
+            <p:ph type="title"/>
+          </p:nvPr>
+        </p:nvSpPr>
+        <p:spPr/>
+        <p:txBody>
+          <a:bodyPr/>
+          <a:lstStyle/>
+          <a:p>
+            <a:r>
+              <a:rPr lang="en-US" dirty="0" smtClean="0"/>
+              <a:t>Alt Component</a:t>
+            </a:r>
+            <a:endParaRPr lang="en-US" dirty="0"/>
+          </a:p>
+        </p:txBody>
+      </p:sp>
+      <p:sp>
+        <p:nvSpPr>
+          <p:cNvPr id="4" name="Footer Placeholder 3"/>
+          <p:cNvSpPr>
+            <a:spLocks noGrp="1"/>
+          </p:cNvSpPr>
+          <p:nvPr>
+            <p:ph type="ftr" sz="quarter" idx="11"/>
+          </p:nvPr>
+        </p:nvSpPr>
+        <p:spPr/>
+        <p:txBody>
+          <a:bodyPr/>
+          <a:lstStyle/>
+          <a:p>
+            <a:r>
+              <a:rPr lang="en-US" dirty="0" smtClean="0"/>
+              <a:t>The </a:t>
+            </a:r>
+            <a:r>
+              <a:rPr lang="en-US" dirty="0" err="1" smtClean="0"/>
+              <a:t>Todo</a:t>
+            </a:r>
+            <a:r>
+              <a:rPr lang="en-US" dirty="0" smtClean="0"/>
+              <a:t> App</a:t>
+            </a:r>
+            <a:endParaRPr lang="en-US" dirty="0"/>
+          </a:p>
+        </p:txBody>
+      </p:sp>
+      <p:sp>
+        <p:nvSpPr>
+          <p:cNvPr id="5" name="Slide Number Placeholder 4"/>
+          <p:cNvSpPr>
+            <a:spLocks noGrp="1"/>
+          </p:cNvSpPr>
+          <p:nvPr>
+            <p:ph type="sldNum" sz="quarter" idx="12"/>
+          </p:nvPr>
+        </p:nvSpPr>
+        <p:spPr/>
+        <p:txBody>
+          <a:bodyPr/>
+          <a:lstStyle/>
+          <a:p>
+            <a:fld id="{B777A91B-BF1B-4ECE-B89B-72F2144CF226}" type="slidenum">
+              <a:rPr lang="en-US" smtClean="0"/>
+              <a:t>27</a:t>
+            </a:fld>
+            <a:endParaRPr lang="en-US"/>
+          </a:p>
+        </p:txBody>
+      </p:sp>
+      <p:pic>
+        <p:nvPicPr>
+          <p:cNvPr id="6" name="Picture 5"/>
           <p:cNvPicPr>
             <a:picLocks noChangeAspect="1"/>
           </p:cNvPicPr>
@@ -21218,18 +22811,47 @@
         </p:blipFill>
         <p:spPr>
           <a:xfrm>
-            <a:off x="1131433" y="2149475"/>
-            <a:ext cx="8698367" cy="4246447"/>
+            <a:off x="157162" y="84137"/>
+            <a:ext cx="1362075" cy="561975"/>
           </a:xfrm>
           <a:prstGeom prst="rect">
             <a:avLst/>
           </a:prstGeom>
         </p:spPr>
       </p:pic>
+      <p:pic>
+        <p:nvPicPr>
+          <p:cNvPr id="3" name="Content Placeholder 2"/>
+          <p:cNvPicPr>
+            <a:picLocks noGrp="1" noChangeAspect="1"/>
+          </p:cNvPicPr>
+          <p:nvPr>
+            <p:ph idx="1"/>
+          </p:nvPr>
+        </p:nvPicPr>
+        <p:blipFill>
+          <a:blip r:embed="rId4">
+            <a:extLst>
+              <a:ext uri="{28A0092B-C50C-407E-A947-70E740481C1C}">
+                <a14:useLocalDpi xmlns:a14="http://schemas.microsoft.com/office/drawing/2010/main" val="0"/>
+              </a:ext>
+            </a:extLst>
+          </a:blip>
+          <a:stretch>
+            <a:fillRect/>
+          </a:stretch>
+        </p:blipFill>
+        <p:spPr>
+          <a:xfrm>
+            <a:off x="4876800" y="646112"/>
+            <a:ext cx="5378824" cy="5789422"/>
+          </a:xfrm>
+        </p:spPr>
+      </p:pic>
     </p:spTree>
     <p:extLst>
       <p:ext uri="{BB962C8B-B14F-4D97-AF65-F5344CB8AC3E}">
-        <p14:creationId xmlns:p14="http://schemas.microsoft.com/office/powerpoint/2010/main" val="3430342535"/>
+        <p14:creationId xmlns:p14="http://schemas.microsoft.com/office/powerpoint/2010/main" val="2992015739"/>
       </p:ext>
     </p:extLst>
   </p:cSld>
@@ -21279,6 +22901,179 @@
           <a:lstStyle/>
           <a:p>
             <a:r>
+              <a:rPr lang="en-US" dirty="0" smtClean="0"/>
+              <a:t>Rendering Component</a:t>
+            </a:r>
+            <a:endParaRPr lang="en-US" dirty="0"/>
+          </a:p>
+        </p:txBody>
+      </p:sp>
+      <p:sp>
+        <p:nvSpPr>
+          <p:cNvPr id="4" name="Footer Placeholder 3"/>
+          <p:cNvSpPr>
+            <a:spLocks noGrp="1"/>
+          </p:cNvSpPr>
+          <p:nvPr>
+            <p:ph type="ftr" sz="quarter" idx="11"/>
+          </p:nvPr>
+        </p:nvSpPr>
+        <p:spPr/>
+        <p:txBody>
+          <a:bodyPr/>
+          <a:lstStyle/>
+          <a:p>
+            <a:r>
+              <a:rPr lang="en-US" dirty="0" smtClean="0"/>
+              <a:t>The </a:t>
+            </a:r>
+            <a:r>
+              <a:rPr lang="en-US" dirty="0" err="1" smtClean="0"/>
+              <a:t>Todo</a:t>
+            </a:r>
+            <a:r>
+              <a:rPr lang="en-US" dirty="0" smtClean="0"/>
+              <a:t> App</a:t>
+            </a:r>
+            <a:endParaRPr lang="en-US" dirty="0"/>
+          </a:p>
+        </p:txBody>
+      </p:sp>
+      <p:sp>
+        <p:nvSpPr>
+          <p:cNvPr id="5" name="Slide Number Placeholder 4"/>
+          <p:cNvSpPr>
+            <a:spLocks noGrp="1"/>
+          </p:cNvSpPr>
+          <p:nvPr>
+            <p:ph type="sldNum" sz="quarter" idx="12"/>
+          </p:nvPr>
+        </p:nvSpPr>
+        <p:spPr/>
+        <p:txBody>
+          <a:bodyPr/>
+          <a:lstStyle/>
+          <a:p>
+            <a:fld id="{B777A91B-BF1B-4ECE-B89B-72F2144CF226}" type="slidenum">
+              <a:rPr lang="en-US" smtClean="0"/>
+              <a:t>28</a:t>
+            </a:fld>
+            <a:endParaRPr lang="en-US"/>
+          </a:p>
+        </p:txBody>
+      </p:sp>
+      <p:pic>
+        <p:nvPicPr>
+          <p:cNvPr id="6" name="Picture 5"/>
+          <p:cNvPicPr>
+            <a:picLocks noChangeAspect="1"/>
+          </p:cNvPicPr>
+          <p:nvPr/>
+        </p:nvPicPr>
+        <p:blipFill>
+          <a:blip r:embed="rId3">
+            <a:extLst>
+              <a:ext uri="{28A0092B-C50C-407E-A947-70E740481C1C}">
+                <a14:useLocalDpi xmlns:a14="http://schemas.microsoft.com/office/drawing/2010/main" val="0"/>
+              </a:ext>
+            </a:extLst>
+          </a:blip>
+          <a:stretch>
+            <a:fillRect/>
+          </a:stretch>
+        </p:blipFill>
+        <p:spPr>
+          <a:xfrm>
+            <a:off x="157162" y="84137"/>
+            <a:ext cx="1362075" cy="561975"/>
+          </a:xfrm>
+          <a:prstGeom prst="rect">
+            <a:avLst/>
+          </a:prstGeom>
+        </p:spPr>
+      </p:pic>
+      <p:pic>
+        <p:nvPicPr>
+          <p:cNvPr id="8" name="Content Placeholder 7"/>
+          <p:cNvPicPr>
+            <a:picLocks noGrp="1" noChangeAspect="1"/>
+          </p:cNvPicPr>
+          <p:nvPr>
+            <p:ph idx="1"/>
+          </p:nvPr>
+        </p:nvPicPr>
+        <p:blipFill>
+          <a:blip r:embed="rId4">
+            <a:extLst>
+              <a:ext uri="{28A0092B-C50C-407E-A947-70E740481C1C}">
+                <a14:useLocalDpi xmlns:a14="http://schemas.microsoft.com/office/drawing/2010/main" val="0"/>
+              </a:ext>
+            </a:extLst>
+          </a:blip>
+          <a:stretch>
+            <a:fillRect/>
+          </a:stretch>
+        </p:blipFill>
+        <p:spPr>
+          <a:xfrm>
+            <a:off x="1736791" y="2241177"/>
+            <a:ext cx="9111013" cy="3060731"/>
+          </a:xfrm>
+        </p:spPr>
+      </p:pic>
+    </p:spTree>
+    <p:extLst>
+      <p:ext uri="{BB962C8B-B14F-4D97-AF65-F5344CB8AC3E}">
+        <p14:creationId xmlns:p14="http://schemas.microsoft.com/office/powerpoint/2010/main" val="3982329485"/>
+      </p:ext>
+    </p:extLst>
+  </p:cSld>
+  <p:clrMapOvr>
+    <a:masterClrMapping/>
+  </p:clrMapOvr>
+  <p:timing>
+    <p:tnLst>
+      <p:par>
+        <p:cTn id="1" dur="indefinite" restart="never" nodeType="tmRoot"/>
+      </p:par>
+    </p:tnLst>
+  </p:timing>
+</p:sld>
+</file>
+
+<file path=ppt/slides/slide29.xml><?xml version="1.0" encoding="utf-8"?>
+<p:sld xmlns:a="http://schemas.openxmlformats.org/drawingml/2006/main" xmlns:r="http://schemas.openxmlformats.org/officeDocument/2006/relationships" xmlns:p="http://schemas.openxmlformats.org/presentationml/2006/main">
+  <p:cSld>
+    <p:spTree>
+      <p:nvGrpSpPr>
+        <p:cNvPr id="1" name=""/>
+        <p:cNvGrpSpPr/>
+        <p:nvPr/>
+      </p:nvGrpSpPr>
+      <p:grpSpPr>
+        <a:xfrm>
+          <a:off x="0" y="0"/>
+          <a:ext cx="0" cy="0"/>
+          <a:chOff x="0" y="0"/>
+          <a:chExt cx="0" cy="0"/>
+        </a:xfrm>
+      </p:grpSpPr>
+      <p:sp>
+        <p:nvSpPr>
+          <p:cNvPr id="2" name="Title 1"/>
+          <p:cNvSpPr>
+            <a:spLocks noGrp="1"/>
+          </p:cNvSpPr>
+          <p:nvPr>
+            <p:ph type="title"/>
+          </p:nvPr>
+        </p:nvSpPr>
+        <p:spPr/>
+        <p:txBody>
+          <a:bodyPr/>
+          <a:lstStyle/>
+          <a:p>
+            <a:r>
               <a:rPr lang="en-US" dirty="0" err="1" smtClean="0"/>
               <a:t>Jsx</a:t>
             </a:r>
@@ -21439,7 +23234,7 @@
           <a:p>
             <a:fld id="{B777A91B-BF1B-4ECE-B89B-72F2144CF226}" type="slidenum">
               <a:rPr lang="en-US" smtClean="0"/>
-              <a:t>28</a:t>
+              <a:t>29</a:t>
             </a:fld>
             <a:endParaRPr lang="en-US"/>
           </a:p>
@@ -21521,7 +23316,7 @@
                                         <p:tgtEl>
                                           <p:spTgt spid="3">
                                             <p:txEl>
-                                              <p:pRg st="0" end="0"/>
+                                              <p:pRg st="1" end="1"/>
                                             </p:txEl>
                                           </p:spTgt>
                                         </p:tgtEl>
@@ -21570,7 +23365,7 @@
                                         <p:tgtEl>
                                           <p:spTgt spid="3">
                                             <p:txEl>
-                                              <p:pRg st="1" end="1"/>
+                                              <p:pRg st="2" end="2"/>
                                             </p:txEl>
                                           </p:spTgt>
                                         </p:tgtEl>
@@ -21619,7 +23414,7 @@
                                         <p:tgtEl>
                                           <p:spTgt spid="3">
                                             <p:txEl>
-                                              <p:pRg st="2" end="2"/>
+                                              <p:pRg st="3" end="3"/>
                                             </p:txEl>
                                           </p:spTgt>
                                         </p:tgtEl>
@@ -21637,40 +23432,27 @@
                             </p:childTnLst>
                           </p:cTn>
                         </p:par>
-                      </p:childTnLst>
-                    </p:cTn>
-                  </p:par>
-                  <p:par>
-                    <p:cTn id="15" fill="hold">
-                      <p:stCondLst>
-                        <p:cond delay="indefinite"/>
-                      </p:stCondLst>
-                      <p:childTnLst>
                         <p:par>
-                          <p:cTn id="16" fill="hold">
+                          <p:cTn id="15" fill="hold">
                             <p:stCondLst>
                               <p:cond delay="0"/>
                             </p:stCondLst>
                             <p:childTnLst>
                               <p:par>
-                                <p:cTn id="17" presetID="1" presetClass="entr" presetSubtype="0" fill="hold" grpId="0" nodeType="clickEffect">
+                                <p:cTn id="16" presetID="1" presetClass="entr" presetSubtype="0" fill="hold" nodeType="afterEffect">
                                   <p:stCondLst>
                                     <p:cond delay="0"/>
                                   </p:stCondLst>
                                   <p:childTnLst>
                                     <p:set>
                                       <p:cBhvr>
-                                        <p:cTn id="18" dur="1" fill="hold">
+                                        <p:cTn id="17" dur="1" fill="hold">
                                           <p:stCondLst>
                                             <p:cond delay="0"/>
                                           </p:stCondLst>
                                         </p:cTn>
                                         <p:tgtEl>
-                                          <p:spTgt spid="3">
-                                            <p:txEl>
-                                              <p:pRg st="3" end="3"/>
-                                            </p:txEl>
-                                          </p:spTgt>
+                                          <p:spTgt spid="4"/>
                                         </p:tgtEl>
                                         <p:attrNameLst>
                                           <p:attrName>style.visibility</p:attrName>
@@ -21711,13 +23493,13 @@
       </p:par>
     </p:tnLst>
     <p:bldLst>
-      <p:bldP spid="3" grpId="0" build="p"/>
+      <p:bldP spid="3" grpId="0" uiExpand="1" build="p"/>
     </p:bldLst>
   </p:timing>
 </p:sld>
 </file>
 
-<file path=ppt/slides/slide29.xml><?xml version="1.0" encoding="utf-8"?>
+<file path=ppt/slides/slide3.xml><?xml version="1.0" encoding="utf-8"?>
 <p:sld xmlns:a="http://schemas.openxmlformats.org/drawingml/2006/main" xmlns:r="http://schemas.openxmlformats.org/officeDocument/2006/relationships" xmlns:p="http://schemas.openxmlformats.org/presentationml/2006/main">
   <p:cSld>
     <p:spTree>
@@ -21751,6 +23533,293 @@
           <a:p>
             <a:r>
               <a:rPr lang="en-US" dirty="0" smtClean="0"/>
+              <a:t>Introducing Flux Architecture</a:t>
+            </a:r>
+            <a:endParaRPr lang="en-US" dirty="0"/>
+          </a:p>
+        </p:txBody>
+      </p:sp>
+      <p:pic>
+        <p:nvPicPr>
+          <p:cNvPr id="4" name="Content Placeholder 3"/>
+          <p:cNvPicPr>
+            <a:picLocks noGrp="1" noChangeAspect="1"/>
+          </p:cNvPicPr>
+          <p:nvPr>
+            <p:ph idx="1"/>
+          </p:nvPr>
+        </p:nvPicPr>
+        <p:blipFill>
+          <a:blip r:embed="rId3">
+            <a:extLst>
+              <a:ext uri="{28A0092B-C50C-407E-A947-70E740481C1C}">
+                <a14:useLocalDpi xmlns:a14="http://schemas.microsoft.com/office/drawing/2010/main" val="0"/>
+              </a:ext>
+            </a:extLst>
+          </a:blip>
+          <a:stretch>
+            <a:fillRect/>
+          </a:stretch>
+        </p:blipFill>
+        <p:spPr>
+          <a:xfrm>
+            <a:off x="1227536" y="1900545"/>
+            <a:ext cx="9453509" cy="2917404"/>
+          </a:xfrm>
+        </p:spPr>
+      </p:pic>
+      <p:sp>
+        <p:nvSpPr>
+          <p:cNvPr id="5" name="TextBox 4"/>
+          <p:cNvSpPr txBox="1"/>
+          <p:nvPr/>
+        </p:nvSpPr>
+        <p:spPr>
+          <a:xfrm>
+            <a:off x="994453" y="3591139"/>
+            <a:ext cx="10359347" cy="1200329"/>
+          </a:xfrm>
+          <a:prstGeom prst="rect">
+            <a:avLst/>
+          </a:prstGeom>
+          <a:noFill/>
+        </p:spPr>
+        <p:txBody>
+          <a:bodyPr wrap="square" rtlCol="0">
+            <a:spAutoFit/>
+          </a:bodyPr>
+          <a:lstStyle/>
+          <a:p>
+            <a:endParaRPr lang="en-US" dirty="0"/>
+          </a:p>
+          <a:p>
+            <a:pPr marL="285750" indent="-285750">
+              <a:buFont typeface="Arial" panose="020B0604020202020204" pitchFamily="34" charset="0"/>
+              <a:buChar char="•"/>
+            </a:pPr>
+            <a:endParaRPr lang="en-US" dirty="0" smtClean="0"/>
+          </a:p>
+          <a:p>
+            <a:pPr marL="285750" indent="-285750">
+              <a:buFont typeface="Arial" panose="020B0604020202020204" pitchFamily="34" charset="0"/>
+              <a:buChar char="•"/>
+            </a:pPr>
+            <a:endParaRPr lang="en-US" dirty="0" smtClean="0"/>
+          </a:p>
+          <a:p>
+            <a:endParaRPr lang="en-US" dirty="0"/>
+          </a:p>
+        </p:txBody>
+      </p:sp>
+      <p:sp>
+        <p:nvSpPr>
+          <p:cNvPr id="3" name="Footer Placeholder 2"/>
+          <p:cNvSpPr>
+            <a:spLocks noGrp="1"/>
+          </p:cNvSpPr>
+          <p:nvPr>
+            <p:ph type="ftr" sz="quarter" idx="11"/>
+          </p:nvPr>
+        </p:nvSpPr>
+        <p:spPr/>
+        <p:txBody>
+          <a:bodyPr/>
+          <a:lstStyle/>
+          <a:p>
+            <a:r>
+              <a:rPr lang="en-US" dirty="0" smtClean="0"/>
+              <a:t>Understanding Flux</a:t>
+            </a:r>
+            <a:endParaRPr lang="en-US" dirty="0" smtClean="0"/>
+          </a:p>
+          <a:p>
+            <a:endParaRPr lang="en-US" dirty="0"/>
+          </a:p>
+        </p:txBody>
+      </p:sp>
+      <p:sp>
+        <p:nvSpPr>
+          <p:cNvPr id="6" name="Slide Number Placeholder 5"/>
+          <p:cNvSpPr>
+            <a:spLocks noGrp="1"/>
+          </p:cNvSpPr>
+          <p:nvPr>
+            <p:ph type="sldNum" sz="quarter" idx="12"/>
+          </p:nvPr>
+        </p:nvSpPr>
+        <p:spPr/>
+        <p:txBody>
+          <a:bodyPr/>
+          <a:lstStyle/>
+          <a:p>
+            <a:fld id="{B777A91B-BF1B-4ECE-B89B-72F2144CF226}" type="slidenum">
+              <a:rPr lang="en-US" smtClean="0"/>
+              <a:t>3</a:t>
+            </a:fld>
+            <a:endParaRPr lang="en-US"/>
+          </a:p>
+        </p:txBody>
+      </p:sp>
+      <p:pic>
+        <p:nvPicPr>
+          <p:cNvPr id="9" name="Picture 8"/>
+          <p:cNvPicPr>
+            <a:picLocks noChangeAspect="1"/>
+          </p:cNvPicPr>
+          <p:nvPr/>
+        </p:nvPicPr>
+        <p:blipFill>
+          <a:blip r:embed="rId4">
+            <a:extLst>
+              <a:ext uri="{28A0092B-C50C-407E-A947-70E740481C1C}">
+                <a14:useLocalDpi xmlns:a14="http://schemas.microsoft.com/office/drawing/2010/main" val="0"/>
+              </a:ext>
+            </a:extLst>
+          </a:blip>
+          <a:stretch>
+            <a:fillRect/>
+          </a:stretch>
+        </p:blipFill>
+        <p:spPr>
+          <a:xfrm>
+            <a:off x="157162" y="84137"/>
+            <a:ext cx="1362075" cy="561975"/>
+          </a:xfrm>
+          <a:prstGeom prst="rect">
+            <a:avLst/>
+          </a:prstGeom>
+        </p:spPr>
+      </p:pic>
+    </p:spTree>
+    <p:extLst>
+      <p:ext uri="{BB962C8B-B14F-4D97-AF65-F5344CB8AC3E}">
+        <p14:creationId xmlns:p14="http://schemas.microsoft.com/office/powerpoint/2010/main" val="772403909"/>
+      </p:ext>
+    </p:extLst>
+  </p:cSld>
+  <p:clrMapOvr>
+    <a:masterClrMapping/>
+  </p:clrMapOvr>
+  <p:timing>
+    <p:tnLst>
+      <p:par>
+        <p:cTn id="1" dur="indefinite" restart="never" nodeType="tmRoot">
+          <p:childTnLst>
+            <p:seq concurrent="1" nextAc="seek">
+              <p:cTn id="2" dur="indefinite" nodeType="mainSeq">
+                <p:childTnLst>
+                  <p:par>
+                    <p:cTn id="3" fill="hold">
+                      <p:stCondLst>
+                        <p:cond delay="indefinite"/>
+                      </p:stCondLst>
+                      <p:childTnLst>
+                        <p:par>
+                          <p:cTn id="4" fill="hold">
+                            <p:stCondLst>
+                              <p:cond delay="0"/>
+                            </p:stCondLst>
+                            <p:childTnLst>
+                              <p:par>
+                                <p:cTn id="5" presetID="1" presetClass="entr" presetSubtype="0" fill="hold" grpId="0" nodeType="clickEffect" nodePh="1">
+                                  <p:stCondLst>
+                                    <p:cond delay="0"/>
+                                  </p:stCondLst>
+                                  <p:endCondLst>
+                                    <p:cond evt="begin" delay="0">
+                                      <p:tn val="5"/>
+                                    </p:cond>
+                                  </p:endCondLst>
+                                  <p:childTnLst>
+                                    <p:set>
+                                      <p:cBhvr>
+                                        <p:cTn id="6" dur="1" fill="hold">
+                                          <p:stCondLst>
+                                            <p:cond delay="0"/>
+                                          </p:stCondLst>
+                                        </p:cTn>
+                                        <p:tgtEl>
+                                          <p:spTgt spid="5"/>
+                                        </p:tgtEl>
+                                        <p:attrNameLst>
+                                          <p:attrName>style.visibility</p:attrName>
+                                        </p:attrNameLst>
+                                      </p:cBhvr>
+                                      <p:to>
+                                        <p:strVal val="visible"/>
+                                      </p:to>
+                                    </p:set>
+                                  </p:childTnLst>
+                                </p:cTn>
+                              </p:par>
+                            </p:childTnLst>
+                          </p:cTn>
+                        </p:par>
+                      </p:childTnLst>
+                    </p:cTn>
+                  </p:par>
+                </p:childTnLst>
+              </p:cTn>
+              <p:prevCondLst>
+                <p:cond evt="onPrev" delay="0">
+                  <p:tgtEl>
+                    <p:sldTgt/>
+                  </p:tgtEl>
+                </p:cond>
+              </p:prevCondLst>
+              <p:nextCondLst>
+                <p:cond evt="onNext" delay="0">
+                  <p:tgtEl>
+                    <p:sldTgt/>
+                  </p:tgtEl>
+                </p:cond>
+              </p:nextCondLst>
+            </p:seq>
+          </p:childTnLst>
+        </p:cTn>
+      </p:par>
+    </p:tnLst>
+    <p:bldLst>
+      <p:bldP spid="5" grpId="0"/>
+    </p:bldLst>
+  </p:timing>
+</p:sld>
+</file>
+
+<file path=ppt/slides/slide30.xml><?xml version="1.0" encoding="utf-8"?>
+<p:sld xmlns:a="http://schemas.openxmlformats.org/drawingml/2006/main" xmlns:r="http://schemas.openxmlformats.org/officeDocument/2006/relationships" xmlns:p="http://schemas.openxmlformats.org/presentationml/2006/main">
+  <p:cSld>
+    <p:spTree>
+      <p:nvGrpSpPr>
+        <p:cNvPr id="1" name=""/>
+        <p:cNvGrpSpPr/>
+        <p:nvPr/>
+      </p:nvGrpSpPr>
+      <p:grpSpPr>
+        <a:xfrm>
+          <a:off x="0" y="0"/>
+          <a:ext cx="0" cy="0"/>
+          <a:chOff x="0" y="0"/>
+          <a:chExt cx="0" cy="0"/>
+        </a:xfrm>
+      </p:grpSpPr>
+      <p:sp>
+        <p:nvSpPr>
+          <p:cNvPr id="2" name="Title 1"/>
+          <p:cNvSpPr>
+            <a:spLocks noGrp="1"/>
+          </p:cNvSpPr>
+          <p:nvPr>
+            <p:ph type="title"/>
+          </p:nvPr>
+        </p:nvSpPr>
+        <p:spPr/>
+        <p:txBody>
+          <a:bodyPr/>
+          <a:lstStyle/>
+          <a:p>
+            <a:r>
+              <a:rPr lang="en-US" dirty="0" smtClean="0"/>
               <a:t>Build and Run</a:t>
             </a:r>
             <a:endParaRPr lang="en-US" dirty="0"/>
@@ -21804,7 +23873,1406 @@
           <a:p>
             <a:fld id="{B777A91B-BF1B-4ECE-B89B-72F2144CF226}" type="slidenum">
               <a:rPr lang="en-US" smtClean="0"/>
-              <a:t>29</a:t>
+              <a:t>30</a:t>
+            </a:fld>
+            <a:endParaRPr lang="en-US"/>
+          </a:p>
+        </p:txBody>
+      </p:sp>
+      <p:pic>
+        <p:nvPicPr>
+          <p:cNvPr id="6" name="Picture 5"/>
+          <p:cNvPicPr>
+            <a:picLocks noChangeAspect="1"/>
+          </p:cNvPicPr>
+          <p:nvPr/>
+        </p:nvPicPr>
+        <p:blipFill>
+          <a:blip r:embed="rId3">
+            <a:extLst>
+              <a:ext uri="{28A0092B-C50C-407E-A947-70E740481C1C}">
+                <a14:useLocalDpi xmlns:a14="http://schemas.microsoft.com/office/drawing/2010/main" val="0"/>
+              </a:ext>
+            </a:extLst>
+          </a:blip>
+          <a:stretch>
+            <a:fillRect/>
+          </a:stretch>
+        </p:blipFill>
+        <p:spPr>
+          <a:xfrm>
+            <a:off x="157162" y="84137"/>
+            <a:ext cx="1362075" cy="561975"/>
+          </a:xfrm>
+          <a:prstGeom prst="rect">
+            <a:avLst/>
+          </a:prstGeom>
+        </p:spPr>
+      </p:pic>
+      <p:sp>
+        <p:nvSpPr>
+          <p:cNvPr id="10" name="Content Placeholder 9"/>
+          <p:cNvSpPr>
+            <a:spLocks noGrp="1"/>
+          </p:cNvSpPr>
+          <p:nvPr>
+            <p:ph idx="1"/>
+          </p:nvPr>
+        </p:nvSpPr>
+        <p:spPr/>
+        <p:txBody>
+          <a:bodyPr>
+            <a:normAutofit/>
+          </a:bodyPr>
+          <a:lstStyle/>
+          <a:p>
+            <a:pPr marL="0" indent="0">
+              <a:buNone/>
+            </a:pPr>
+            <a:r>
+              <a:rPr lang="en-US" sz="1800" dirty="0" smtClean="0"/>
+              <a:t/>
+            </a:r>
+            <a:br>
+              <a:rPr lang="en-US" sz="1800" dirty="0" smtClean="0"/>
+            </a:br>
+            <a:endParaRPr lang="en-US" sz="1800" dirty="0"/>
+          </a:p>
+          <a:p>
+            <a:endParaRPr lang="en-US" sz="1800" dirty="0" smtClean="0"/>
+          </a:p>
+          <a:p>
+            <a:endParaRPr lang="en-US" sz="2400" dirty="0"/>
+          </a:p>
+        </p:txBody>
+      </p:sp>
+      <p:pic>
+        <p:nvPicPr>
+          <p:cNvPr id="3" name="Picture 2"/>
+          <p:cNvPicPr>
+            <a:picLocks noChangeAspect="1"/>
+          </p:cNvPicPr>
+          <p:nvPr/>
+        </p:nvPicPr>
+        <p:blipFill>
+          <a:blip r:embed="rId4">
+            <a:extLst>
+              <a:ext uri="{28A0092B-C50C-407E-A947-70E740481C1C}">
+                <a14:useLocalDpi xmlns:a14="http://schemas.microsoft.com/office/drawing/2010/main" val="0"/>
+              </a:ext>
+            </a:extLst>
+          </a:blip>
+          <a:stretch>
+            <a:fillRect/>
+          </a:stretch>
+        </p:blipFill>
+        <p:spPr>
+          <a:xfrm>
+            <a:off x="597526" y="1646238"/>
+            <a:ext cx="6149013" cy="3345732"/>
+          </a:xfrm>
+          <a:prstGeom prst="rect">
+            <a:avLst/>
+          </a:prstGeom>
+        </p:spPr>
+      </p:pic>
+      <p:pic>
+        <p:nvPicPr>
+          <p:cNvPr id="7" name="Picture 6"/>
+          <p:cNvPicPr>
+            <a:picLocks noChangeAspect="1"/>
+          </p:cNvPicPr>
+          <p:nvPr/>
+        </p:nvPicPr>
+        <p:blipFill>
+          <a:blip r:embed="rId5">
+            <a:extLst>
+              <a:ext uri="{28A0092B-C50C-407E-A947-70E740481C1C}">
+                <a14:useLocalDpi xmlns:a14="http://schemas.microsoft.com/office/drawing/2010/main" val="0"/>
+              </a:ext>
+            </a:extLst>
+          </a:blip>
+          <a:stretch>
+            <a:fillRect/>
+          </a:stretch>
+        </p:blipFill>
+        <p:spPr>
+          <a:xfrm>
+            <a:off x="5445160" y="2251906"/>
+            <a:ext cx="6624794" cy="1439789"/>
+          </a:xfrm>
+          <a:prstGeom prst="rect">
+            <a:avLst/>
+          </a:prstGeom>
+        </p:spPr>
+      </p:pic>
+      <p:pic>
+        <p:nvPicPr>
+          <p:cNvPr id="8" name="Picture 7"/>
+          <p:cNvPicPr>
+            <a:picLocks noChangeAspect="1"/>
+          </p:cNvPicPr>
+          <p:nvPr/>
+        </p:nvPicPr>
+        <p:blipFill>
+          <a:blip r:embed="rId6">
+            <a:extLst>
+              <a:ext uri="{28A0092B-C50C-407E-A947-70E740481C1C}">
+                <a14:useLocalDpi xmlns:a14="http://schemas.microsoft.com/office/drawing/2010/main" val="0"/>
+              </a:ext>
+            </a:extLst>
+          </a:blip>
+          <a:stretch>
+            <a:fillRect/>
+          </a:stretch>
+        </p:blipFill>
+        <p:spPr>
+          <a:xfrm>
+            <a:off x="7106798" y="4195232"/>
+            <a:ext cx="3886742" cy="1657581"/>
+          </a:xfrm>
+          <a:prstGeom prst="rect">
+            <a:avLst/>
+          </a:prstGeom>
+        </p:spPr>
+      </p:pic>
+    </p:spTree>
+    <p:extLst>
+      <p:ext uri="{BB962C8B-B14F-4D97-AF65-F5344CB8AC3E}">
+        <p14:creationId xmlns:p14="http://schemas.microsoft.com/office/powerpoint/2010/main" val="2964273100"/>
+      </p:ext>
+    </p:extLst>
+  </p:cSld>
+  <p:clrMapOvr>
+    <a:masterClrMapping/>
+  </p:clrMapOvr>
+  <p:timing>
+    <p:tnLst>
+      <p:par>
+        <p:cTn id="1" dur="indefinite" restart="never" nodeType="tmRoot">
+          <p:childTnLst>
+            <p:seq concurrent="1" nextAc="seek">
+              <p:cTn id="2" dur="indefinite" nodeType="mainSeq">
+                <p:childTnLst>
+                  <p:par>
+                    <p:cTn id="3" fill="hold">
+                      <p:stCondLst>
+                        <p:cond delay="indefinite"/>
+                      </p:stCondLst>
+                      <p:childTnLst>
+                        <p:par>
+                          <p:cTn id="4" fill="hold">
+                            <p:stCondLst>
+                              <p:cond delay="0"/>
+                            </p:stCondLst>
+                            <p:childTnLst>
+                              <p:par>
+                                <p:cTn id="5" presetID="1" presetClass="entr" presetSubtype="0" fill="hold" nodeType="clickEffect">
+                                  <p:stCondLst>
+                                    <p:cond delay="0"/>
+                                  </p:stCondLst>
+                                  <p:childTnLst>
+                                    <p:set>
+                                      <p:cBhvr>
+                                        <p:cTn id="6" dur="1" fill="hold">
+                                          <p:stCondLst>
+                                            <p:cond delay="0"/>
+                                          </p:stCondLst>
+                                        </p:cTn>
+                                        <p:tgtEl>
+                                          <p:spTgt spid="3"/>
+                                        </p:tgtEl>
+                                        <p:attrNameLst>
+                                          <p:attrName>style.visibility</p:attrName>
+                                        </p:attrNameLst>
+                                      </p:cBhvr>
+                                      <p:to>
+                                        <p:strVal val="visible"/>
+                                      </p:to>
+                                    </p:set>
+                                  </p:childTnLst>
+                                </p:cTn>
+                              </p:par>
+                            </p:childTnLst>
+                          </p:cTn>
+                        </p:par>
+                      </p:childTnLst>
+                    </p:cTn>
+                  </p:par>
+                  <p:par>
+                    <p:cTn id="7" fill="hold">
+                      <p:stCondLst>
+                        <p:cond delay="indefinite"/>
+                      </p:stCondLst>
+                      <p:childTnLst>
+                        <p:par>
+                          <p:cTn id="8" fill="hold">
+                            <p:stCondLst>
+                              <p:cond delay="0"/>
+                            </p:stCondLst>
+                            <p:childTnLst>
+                              <p:par>
+                                <p:cTn id="9" presetID="1" presetClass="entr" presetSubtype="0" fill="hold" nodeType="clickEffect">
+                                  <p:stCondLst>
+                                    <p:cond delay="0"/>
+                                  </p:stCondLst>
+                                  <p:childTnLst>
+                                    <p:set>
+                                      <p:cBhvr>
+                                        <p:cTn id="10" dur="1" fill="hold">
+                                          <p:stCondLst>
+                                            <p:cond delay="0"/>
+                                          </p:stCondLst>
+                                        </p:cTn>
+                                        <p:tgtEl>
+                                          <p:spTgt spid="7"/>
+                                        </p:tgtEl>
+                                        <p:attrNameLst>
+                                          <p:attrName>style.visibility</p:attrName>
+                                        </p:attrNameLst>
+                                      </p:cBhvr>
+                                      <p:to>
+                                        <p:strVal val="visible"/>
+                                      </p:to>
+                                    </p:set>
+                                  </p:childTnLst>
+                                </p:cTn>
+                              </p:par>
+                            </p:childTnLst>
+                          </p:cTn>
+                        </p:par>
+                      </p:childTnLst>
+                    </p:cTn>
+                  </p:par>
+                  <p:par>
+                    <p:cTn id="11" fill="hold">
+                      <p:stCondLst>
+                        <p:cond delay="indefinite"/>
+                      </p:stCondLst>
+                      <p:childTnLst>
+                        <p:par>
+                          <p:cTn id="12" fill="hold">
+                            <p:stCondLst>
+                              <p:cond delay="0"/>
+                            </p:stCondLst>
+                            <p:childTnLst>
+                              <p:par>
+                                <p:cTn id="13" presetID="1" presetClass="entr" presetSubtype="0" fill="hold" nodeType="clickEffect">
+                                  <p:stCondLst>
+                                    <p:cond delay="0"/>
+                                  </p:stCondLst>
+                                  <p:childTnLst>
+                                    <p:set>
+                                      <p:cBhvr>
+                                        <p:cTn id="14" dur="1" fill="hold">
+                                          <p:stCondLst>
+                                            <p:cond delay="0"/>
+                                          </p:stCondLst>
+                                        </p:cTn>
+                                        <p:tgtEl>
+                                          <p:spTgt spid="8"/>
+                                        </p:tgtEl>
+                                        <p:attrNameLst>
+                                          <p:attrName>style.visibility</p:attrName>
+                                        </p:attrNameLst>
+                                      </p:cBhvr>
+                                      <p:to>
+                                        <p:strVal val="visible"/>
+                                      </p:to>
+                                    </p:set>
+                                  </p:childTnLst>
+                                </p:cTn>
+                              </p:par>
+                            </p:childTnLst>
+                          </p:cTn>
+                        </p:par>
+                      </p:childTnLst>
+                    </p:cTn>
+                  </p:par>
+                </p:childTnLst>
+              </p:cTn>
+              <p:prevCondLst>
+                <p:cond evt="onPrev" delay="0">
+                  <p:tgtEl>
+                    <p:sldTgt/>
+                  </p:tgtEl>
+                </p:cond>
+              </p:prevCondLst>
+              <p:nextCondLst>
+                <p:cond evt="onNext" delay="0">
+                  <p:tgtEl>
+                    <p:sldTgt/>
+                  </p:tgtEl>
+                </p:cond>
+              </p:nextCondLst>
+            </p:seq>
+          </p:childTnLst>
+        </p:cTn>
+      </p:par>
+    </p:tnLst>
+  </p:timing>
+</p:sld>
+</file>
+
+<file path=ppt/slides/slide31.xml><?xml version="1.0" encoding="utf-8"?>
+<p:sld xmlns:a="http://schemas.openxmlformats.org/drawingml/2006/main" xmlns:r="http://schemas.openxmlformats.org/officeDocument/2006/relationships" xmlns:p="http://schemas.openxmlformats.org/presentationml/2006/main">
+  <p:cSld>
+    <p:spTree>
+      <p:nvGrpSpPr>
+        <p:cNvPr id="1" name=""/>
+        <p:cNvGrpSpPr/>
+        <p:nvPr/>
+      </p:nvGrpSpPr>
+      <p:grpSpPr>
+        <a:xfrm>
+          <a:off x="0" y="0"/>
+          <a:ext cx="0" cy="0"/>
+          <a:chOff x="0" y="0"/>
+          <a:chExt cx="0" cy="0"/>
+        </a:xfrm>
+      </p:grpSpPr>
+      <p:sp>
+        <p:nvSpPr>
+          <p:cNvPr id="2" name="Title 1"/>
+          <p:cNvSpPr>
+            <a:spLocks noGrp="1"/>
+          </p:cNvSpPr>
+          <p:nvPr>
+            <p:ph type="title"/>
+          </p:nvPr>
+        </p:nvSpPr>
+        <p:spPr/>
+        <p:txBody>
+          <a:bodyPr/>
+          <a:lstStyle/>
+          <a:p>
+            <a:r>
+              <a:rPr lang="en-US" dirty="0" smtClean="0"/>
+              <a:t>Introducing hash routes</a:t>
+            </a:r>
+            <a:endParaRPr lang="en-US" dirty="0"/>
+          </a:p>
+        </p:txBody>
+      </p:sp>
+      <p:sp>
+        <p:nvSpPr>
+          <p:cNvPr id="4" name="Footer Placeholder 3"/>
+          <p:cNvSpPr>
+            <a:spLocks noGrp="1"/>
+          </p:cNvSpPr>
+          <p:nvPr>
+            <p:ph type="ftr" sz="quarter" idx="11"/>
+          </p:nvPr>
+        </p:nvSpPr>
+        <p:spPr/>
+        <p:txBody>
+          <a:bodyPr/>
+          <a:lstStyle/>
+          <a:p>
+            <a:r>
+              <a:rPr lang="en-US" dirty="0"/>
+              <a:t>The </a:t>
+            </a:r>
+            <a:r>
+              <a:rPr lang="en-US" dirty="0" err="1"/>
+              <a:t>Todo</a:t>
+            </a:r>
+            <a:r>
+              <a:rPr lang="en-US" dirty="0"/>
+              <a:t> App</a:t>
+            </a:r>
+          </a:p>
+        </p:txBody>
+      </p:sp>
+      <p:sp>
+        <p:nvSpPr>
+          <p:cNvPr id="5" name="Slide Number Placeholder 4"/>
+          <p:cNvSpPr>
+            <a:spLocks noGrp="1"/>
+          </p:cNvSpPr>
+          <p:nvPr>
+            <p:ph type="sldNum" sz="quarter" idx="12"/>
+          </p:nvPr>
+        </p:nvSpPr>
+        <p:spPr/>
+        <p:txBody>
+          <a:bodyPr/>
+          <a:lstStyle/>
+          <a:p>
+            <a:fld id="{B777A91B-BF1B-4ECE-B89B-72F2144CF226}" type="slidenum">
+              <a:rPr lang="en-US" smtClean="0"/>
+              <a:t>31</a:t>
+            </a:fld>
+            <a:endParaRPr lang="en-US"/>
+          </a:p>
+        </p:txBody>
+      </p:sp>
+      <p:pic>
+        <p:nvPicPr>
+          <p:cNvPr id="6" name="Picture 5"/>
+          <p:cNvPicPr>
+            <a:picLocks noChangeAspect="1"/>
+          </p:cNvPicPr>
+          <p:nvPr/>
+        </p:nvPicPr>
+        <p:blipFill>
+          <a:blip r:embed="rId3">
+            <a:extLst>
+              <a:ext uri="{28A0092B-C50C-407E-A947-70E740481C1C}">
+                <a14:useLocalDpi xmlns:a14="http://schemas.microsoft.com/office/drawing/2010/main" val="0"/>
+              </a:ext>
+            </a:extLst>
+          </a:blip>
+          <a:stretch>
+            <a:fillRect/>
+          </a:stretch>
+        </p:blipFill>
+        <p:spPr>
+          <a:xfrm>
+            <a:off x="157162" y="84137"/>
+            <a:ext cx="1362075" cy="561975"/>
+          </a:xfrm>
+          <a:prstGeom prst="rect">
+            <a:avLst/>
+          </a:prstGeom>
+        </p:spPr>
+      </p:pic>
+      <p:pic>
+        <p:nvPicPr>
+          <p:cNvPr id="9" name="Content Placeholder 8"/>
+          <p:cNvPicPr>
+            <a:picLocks noGrp="1" noChangeAspect="1"/>
+          </p:cNvPicPr>
+          <p:nvPr>
+            <p:ph idx="1"/>
+          </p:nvPr>
+        </p:nvPicPr>
+        <p:blipFill>
+          <a:blip r:embed="rId4">
+            <a:extLst>
+              <a:ext uri="{28A0092B-C50C-407E-A947-70E740481C1C}">
+                <a14:useLocalDpi xmlns:a14="http://schemas.microsoft.com/office/drawing/2010/main" val="0"/>
+              </a:ext>
+            </a:extLst>
+          </a:blip>
+          <a:stretch>
+            <a:fillRect/>
+          </a:stretch>
+        </p:blipFill>
+        <p:spPr>
+          <a:xfrm>
+            <a:off x="838199" y="1617225"/>
+            <a:ext cx="4140513" cy="1520345"/>
+          </a:xfrm>
+        </p:spPr>
+      </p:pic>
+      <p:pic>
+        <p:nvPicPr>
+          <p:cNvPr id="11" name="Picture 10"/>
+          <p:cNvPicPr>
+            <a:picLocks noChangeAspect="1"/>
+          </p:cNvPicPr>
+          <p:nvPr/>
+        </p:nvPicPr>
+        <p:blipFill>
+          <a:blip r:embed="rId5">
+            <a:extLst>
+              <a:ext uri="{28A0092B-C50C-407E-A947-70E740481C1C}">
+                <a14:useLocalDpi xmlns:a14="http://schemas.microsoft.com/office/drawing/2010/main" val="0"/>
+              </a:ext>
+            </a:extLst>
+          </a:blip>
+          <a:stretch>
+            <a:fillRect/>
+          </a:stretch>
+        </p:blipFill>
+        <p:spPr>
+          <a:xfrm>
+            <a:off x="838199" y="4347859"/>
+            <a:ext cx="7935974" cy="971113"/>
+          </a:xfrm>
+          <a:prstGeom prst="rect">
+            <a:avLst/>
+          </a:prstGeom>
+        </p:spPr>
+      </p:pic>
+      <p:pic>
+        <p:nvPicPr>
+          <p:cNvPr id="14" name="Picture 13"/>
+          <p:cNvPicPr>
+            <a:picLocks noChangeAspect="1"/>
+          </p:cNvPicPr>
+          <p:nvPr/>
+        </p:nvPicPr>
+        <p:blipFill>
+          <a:blip r:embed="rId6">
+            <a:extLst>
+              <a:ext uri="{28A0092B-C50C-407E-A947-70E740481C1C}">
+                <a14:useLocalDpi xmlns:a14="http://schemas.microsoft.com/office/drawing/2010/main" val="0"/>
+              </a:ext>
+            </a:extLst>
+          </a:blip>
+          <a:stretch>
+            <a:fillRect/>
+          </a:stretch>
+        </p:blipFill>
+        <p:spPr>
+          <a:xfrm>
+            <a:off x="8408766" y="832199"/>
+            <a:ext cx="1829055" cy="3191320"/>
+          </a:xfrm>
+          <a:prstGeom prst="rect">
+            <a:avLst/>
+          </a:prstGeom>
+        </p:spPr>
+      </p:pic>
+    </p:spTree>
+    <p:extLst>
+      <p:ext uri="{BB962C8B-B14F-4D97-AF65-F5344CB8AC3E}">
+        <p14:creationId xmlns:p14="http://schemas.microsoft.com/office/powerpoint/2010/main" val="2298874871"/>
+      </p:ext>
+    </p:extLst>
+  </p:cSld>
+  <p:clrMapOvr>
+    <a:masterClrMapping/>
+  </p:clrMapOvr>
+  <p:timing>
+    <p:tnLst>
+      <p:par>
+        <p:cTn id="1" dur="indefinite" restart="never" nodeType="tmRoot">
+          <p:childTnLst>
+            <p:seq concurrent="1" nextAc="seek">
+              <p:cTn id="2" dur="indefinite" nodeType="mainSeq">
+                <p:childTnLst>
+                  <p:par>
+                    <p:cTn id="3" fill="hold">
+                      <p:stCondLst>
+                        <p:cond delay="indefinite"/>
+                      </p:stCondLst>
+                      <p:childTnLst>
+                        <p:par>
+                          <p:cTn id="4" fill="hold">
+                            <p:stCondLst>
+                              <p:cond delay="0"/>
+                            </p:stCondLst>
+                            <p:childTnLst>
+                              <p:par>
+                                <p:cTn id="5" presetID="1" presetClass="entr" presetSubtype="0" fill="hold" nodeType="clickEffect">
+                                  <p:stCondLst>
+                                    <p:cond delay="0"/>
+                                  </p:stCondLst>
+                                  <p:childTnLst>
+                                    <p:set>
+                                      <p:cBhvr>
+                                        <p:cTn id="6" dur="1" fill="hold">
+                                          <p:stCondLst>
+                                            <p:cond delay="0"/>
+                                          </p:stCondLst>
+                                        </p:cTn>
+                                        <p:tgtEl>
+                                          <p:spTgt spid="9"/>
+                                        </p:tgtEl>
+                                        <p:attrNameLst>
+                                          <p:attrName>style.visibility</p:attrName>
+                                        </p:attrNameLst>
+                                      </p:cBhvr>
+                                      <p:to>
+                                        <p:strVal val="visible"/>
+                                      </p:to>
+                                    </p:set>
+                                  </p:childTnLst>
+                                </p:cTn>
+                              </p:par>
+                            </p:childTnLst>
+                          </p:cTn>
+                        </p:par>
+                      </p:childTnLst>
+                    </p:cTn>
+                  </p:par>
+                  <p:par>
+                    <p:cTn id="7" fill="hold">
+                      <p:stCondLst>
+                        <p:cond delay="indefinite"/>
+                      </p:stCondLst>
+                      <p:childTnLst>
+                        <p:par>
+                          <p:cTn id="8" fill="hold">
+                            <p:stCondLst>
+                              <p:cond delay="0"/>
+                            </p:stCondLst>
+                            <p:childTnLst>
+                              <p:par>
+                                <p:cTn id="9" presetID="1" presetClass="entr" presetSubtype="0" fill="hold" nodeType="clickEffect">
+                                  <p:stCondLst>
+                                    <p:cond delay="0"/>
+                                  </p:stCondLst>
+                                  <p:childTnLst>
+                                    <p:set>
+                                      <p:cBhvr>
+                                        <p:cTn id="10" dur="1" fill="hold">
+                                          <p:stCondLst>
+                                            <p:cond delay="0"/>
+                                          </p:stCondLst>
+                                        </p:cTn>
+                                        <p:tgtEl>
+                                          <p:spTgt spid="11"/>
+                                        </p:tgtEl>
+                                        <p:attrNameLst>
+                                          <p:attrName>style.visibility</p:attrName>
+                                        </p:attrNameLst>
+                                      </p:cBhvr>
+                                      <p:to>
+                                        <p:strVal val="visible"/>
+                                      </p:to>
+                                    </p:set>
+                                  </p:childTnLst>
+                                </p:cTn>
+                              </p:par>
+                            </p:childTnLst>
+                          </p:cTn>
+                        </p:par>
+                      </p:childTnLst>
+                    </p:cTn>
+                  </p:par>
+                  <p:par>
+                    <p:cTn id="11" fill="hold">
+                      <p:stCondLst>
+                        <p:cond delay="indefinite"/>
+                      </p:stCondLst>
+                      <p:childTnLst>
+                        <p:par>
+                          <p:cTn id="12" fill="hold">
+                            <p:stCondLst>
+                              <p:cond delay="0"/>
+                            </p:stCondLst>
+                            <p:childTnLst>
+                              <p:par>
+                                <p:cTn id="13" presetID="1" presetClass="entr" presetSubtype="0" fill="hold" nodeType="clickEffect">
+                                  <p:stCondLst>
+                                    <p:cond delay="0"/>
+                                  </p:stCondLst>
+                                  <p:childTnLst>
+                                    <p:set>
+                                      <p:cBhvr>
+                                        <p:cTn id="14" dur="1" fill="hold">
+                                          <p:stCondLst>
+                                            <p:cond delay="0"/>
+                                          </p:stCondLst>
+                                        </p:cTn>
+                                        <p:tgtEl>
+                                          <p:spTgt spid="14"/>
+                                        </p:tgtEl>
+                                        <p:attrNameLst>
+                                          <p:attrName>style.visibility</p:attrName>
+                                        </p:attrNameLst>
+                                      </p:cBhvr>
+                                      <p:to>
+                                        <p:strVal val="visible"/>
+                                      </p:to>
+                                    </p:set>
+                                  </p:childTnLst>
+                                </p:cTn>
+                              </p:par>
+                            </p:childTnLst>
+                          </p:cTn>
+                        </p:par>
+                      </p:childTnLst>
+                    </p:cTn>
+                  </p:par>
+                </p:childTnLst>
+              </p:cTn>
+              <p:prevCondLst>
+                <p:cond evt="onPrev" delay="0">
+                  <p:tgtEl>
+                    <p:sldTgt/>
+                  </p:tgtEl>
+                </p:cond>
+              </p:prevCondLst>
+              <p:nextCondLst>
+                <p:cond evt="onNext" delay="0">
+                  <p:tgtEl>
+                    <p:sldTgt/>
+                  </p:tgtEl>
+                </p:cond>
+              </p:nextCondLst>
+            </p:seq>
+          </p:childTnLst>
+        </p:cTn>
+      </p:par>
+    </p:tnLst>
+  </p:timing>
+</p:sld>
+</file>
+
+<file path=ppt/slides/slide32.xml><?xml version="1.0" encoding="utf-8"?>
+<p:sld xmlns:a="http://schemas.openxmlformats.org/drawingml/2006/main" xmlns:r="http://schemas.openxmlformats.org/officeDocument/2006/relationships" xmlns:p="http://schemas.openxmlformats.org/presentationml/2006/main">
+  <p:cSld>
+    <p:spTree>
+      <p:nvGrpSpPr>
+        <p:cNvPr id="1" name=""/>
+        <p:cNvGrpSpPr/>
+        <p:nvPr/>
+      </p:nvGrpSpPr>
+      <p:grpSpPr>
+        <a:xfrm>
+          <a:off x="0" y="0"/>
+          <a:ext cx="0" cy="0"/>
+          <a:chOff x="0" y="0"/>
+          <a:chExt cx="0" cy="0"/>
+        </a:xfrm>
+      </p:grpSpPr>
+      <p:sp>
+        <p:nvSpPr>
+          <p:cNvPr id="2" name="Title 1"/>
+          <p:cNvSpPr>
+            <a:spLocks noGrp="1"/>
+          </p:cNvSpPr>
+          <p:nvPr>
+            <p:ph type="title"/>
+          </p:nvPr>
+        </p:nvSpPr>
+        <p:spPr/>
+        <p:txBody>
+          <a:bodyPr/>
+          <a:lstStyle/>
+          <a:p>
+            <a:r>
+              <a:rPr lang="en-US" dirty="0" smtClean="0"/>
+              <a:t>Introducing hash routes</a:t>
+            </a:r>
+            <a:endParaRPr lang="en-US" dirty="0"/>
+          </a:p>
+        </p:txBody>
+      </p:sp>
+      <p:sp>
+        <p:nvSpPr>
+          <p:cNvPr id="4" name="Footer Placeholder 3"/>
+          <p:cNvSpPr>
+            <a:spLocks noGrp="1"/>
+          </p:cNvSpPr>
+          <p:nvPr>
+            <p:ph type="ftr" sz="quarter" idx="11"/>
+          </p:nvPr>
+        </p:nvSpPr>
+        <p:spPr/>
+        <p:txBody>
+          <a:bodyPr/>
+          <a:lstStyle/>
+          <a:p>
+            <a:r>
+              <a:rPr lang="en-US" dirty="0"/>
+              <a:t>The </a:t>
+            </a:r>
+            <a:r>
+              <a:rPr lang="en-US" dirty="0" err="1"/>
+              <a:t>Todo</a:t>
+            </a:r>
+            <a:r>
+              <a:rPr lang="en-US" dirty="0"/>
+              <a:t> App</a:t>
+            </a:r>
+          </a:p>
+        </p:txBody>
+      </p:sp>
+      <p:sp>
+        <p:nvSpPr>
+          <p:cNvPr id="5" name="Slide Number Placeholder 4"/>
+          <p:cNvSpPr>
+            <a:spLocks noGrp="1"/>
+          </p:cNvSpPr>
+          <p:nvPr>
+            <p:ph type="sldNum" sz="quarter" idx="12"/>
+          </p:nvPr>
+        </p:nvSpPr>
+        <p:spPr/>
+        <p:txBody>
+          <a:bodyPr/>
+          <a:lstStyle/>
+          <a:p>
+            <a:fld id="{B777A91B-BF1B-4ECE-B89B-72F2144CF226}" type="slidenum">
+              <a:rPr lang="en-US" smtClean="0"/>
+              <a:t>32</a:t>
+            </a:fld>
+            <a:endParaRPr lang="en-US"/>
+          </a:p>
+        </p:txBody>
+      </p:sp>
+      <p:pic>
+        <p:nvPicPr>
+          <p:cNvPr id="6" name="Picture 5"/>
+          <p:cNvPicPr>
+            <a:picLocks noChangeAspect="1"/>
+          </p:cNvPicPr>
+          <p:nvPr/>
+        </p:nvPicPr>
+        <p:blipFill>
+          <a:blip r:embed="rId3">
+            <a:extLst>
+              <a:ext uri="{28A0092B-C50C-407E-A947-70E740481C1C}">
+                <a14:useLocalDpi xmlns:a14="http://schemas.microsoft.com/office/drawing/2010/main" val="0"/>
+              </a:ext>
+            </a:extLst>
+          </a:blip>
+          <a:stretch>
+            <a:fillRect/>
+          </a:stretch>
+        </p:blipFill>
+        <p:spPr>
+          <a:xfrm>
+            <a:off x="157162" y="84137"/>
+            <a:ext cx="1362075" cy="561975"/>
+          </a:xfrm>
+          <a:prstGeom prst="rect">
+            <a:avLst/>
+          </a:prstGeom>
+        </p:spPr>
+      </p:pic>
+      <p:pic>
+        <p:nvPicPr>
+          <p:cNvPr id="7" name="Content Placeholder 6"/>
+          <p:cNvPicPr>
+            <a:picLocks noGrp="1" noChangeAspect="1"/>
+          </p:cNvPicPr>
+          <p:nvPr>
+            <p:ph idx="1"/>
+          </p:nvPr>
+        </p:nvPicPr>
+        <p:blipFill>
+          <a:blip r:embed="rId4">
+            <a:extLst>
+              <a:ext uri="{28A0092B-C50C-407E-A947-70E740481C1C}">
+                <a14:useLocalDpi xmlns:a14="http://schemas.microsoft.com/office/drawing/2010/main" val="0"/>
+              </a:ext>
+            </a:extLst>
+          </a:blip>
+          <a:stretch>
+            <a:fillRect/>
+          </a:stretch>
+        </p:blipFill>
+        <p:spPr>
+          <a:xfrm>
+            <a:off x="838199" y="1700345"/>
+            <a:ext cx="4533331" cy="2694095"/>
+          </a:xfrm>
+        </p:spPr>
+      </p:pic>
+      <p:pic>
+        <p:nvPicPr>
+          <p:cNvPr id="8" name="Picture 7"/>
+          <p:cNvPicPr>
+            <a:picLocks noChangeAspect="1"/>
+          </p:cNvPicPr>
+          <p:nvPr/>
+        </p:nvPicPr>
+        <p:blipFill>
+          <a:blip r:embed="rId5">
+            <a:extLst>
+              <a:ext uri="{28A0092B-C50C-407E-A947-70E740481C1C}">
+                <a14:useLocalDpi xmlns:a14="http://schemas.microsoft.com/office/drawing/2010/main" val="0"/>
+              </a:ext>
+            </a:extLst>
+          </a:blip>
+          <a:stretch>
+            <a:fillRect/>
+          </a:stretch>
+        </p:blipFill>
+        <p:spPr>
+          <a:xfrm>
+            <a:off x="5596684" y="1700345"/>
+            <a:ext cx="5582480" cy="3365406"/>
+          </a:xfrm>
+          <a:prstGeom prst="rect">
+            <a:avLst/>
+          </a:prstGeom>
+        </p:spPr>
+      </p:pic>
+    </p:spTree>
+    <p:extLst>
+      <p:ext uri="{BB962C8B-B14F-4D97-AF65-F5344CB8AC3E}">
+        <p14:creationId xmlns:p14="http://schemas.microsoft.com/office/powerpoint/2010/main" val="1905390572"/>
+      </p:ext>
+    </p:extLst>
+  </p:cSld>
+  <p:clrMapOvr>
+    <a:masterClrMapping/>
+  </p:clrMapOvr>
+  <p:timing>
+    <p:tnLst>
+      <p:par>
+        <p:cTn id="1" dur="indefinite" restart="never" nodeType="tmRoot">
+          <p:childTnLst>
+            <p:seq concurrent="1" nextAc="seek">
+              <p:cTn id="2" dur="indefinite" nodeType="mainSeq">
+                <p:childTnLst>
+                  <p:par>
+                    <p:cTn id="3" fill="hold">
+                      <p:stCondLst>
+                        <p:cond delay="indefinite"/>
+                      </p:stCondLst>
+                      <p:childTnLst>
+                        <p:par>
+                          <p:cTn id="4" fill="hold">
+                            <p:stCondLst>
+                              <p:cond delay="0"/>
+                            </p:stCondLst>
+                            <p:childTnLst>
+                              <p:par>
+                                <p:cTn id="5" presetID="1" presetClass="entr" presetSubtype="0" fill="hold" nodeType="clickEffect">
+                                  <p:stCondLst>
+                                    <p:cond delay="0"/>
+                                  </p:stCondLst>
+                                  <p:childTnLst>
+                                    <p:set>
+                                      <p:cBhvr>
+                                        <p:cTn id="6" dur="1" fill="hold">
+                                          <p:stCondLst>
+                                            <p:cond delay="0"/>
+                                          </p:stCondLst>
+                                        </p:cTn>
+                                        <p:tgtEl>
+                                          <p:spTgt spid="8"/>
+                                        </p:tgtEl>
+                                        <p:attrNameLst>
+                                          <p:attrName>style.visibility</p:attrName>
+                                        </p:attrNameLst>
+                                      </p:cBhvr>
+                                      <p:to>
+                                        <p:strVal val="visible"/>
+                                      </p:to>
+                                    </p:set>
+                                  </p:childTnLst>
+                                </p:cTn>
+                              </p:par>
+                            </p:childTnLst>
+                          </p:cTn>
+                        </p:par>
+                      </p:childTnLst>
+                    </p:cTn>
+                  </p:par>
+                </p:childTnLst>
+              </p:cTn>
+              <p:prevCondLst>
+                <p:cond evt="onPrev" delay="0">
+                  <p:tgtEl>
+                    <p:sldTgt/>
+                  </p:tgtEl>
+                </p:cond>
+              </p:prevCondLst>
+              <p:nextCondLst>
+                <p:cond evt="onNext" delay="0">
+                  <p:tgtEl>
+                    <p:sldTgt/>
+                  </p:tgtEl>
+                </p:cond>
+              </p:nextCondLst>
+            </p:seq>
+          </p:childTnLst>
+        </p:cTn>
+      </p:par>
+    </p:tnLst>
+  </p:timing>
+</p:sld>
+</file>
+
+<file path=ppt/slides/slide33.xml><?xml version="1.0" encoding="utf-8"?>
+<p:sld xmlns:a="http://schemas.openxmlformats.org/drawingml/2006/main" xmlns:r="http://schemas.openxmlformats.org/officeDocument/2006/relationships" xmlns:p="http://schemas.openxmlformats.org/presentationml/2006/main">
+  <p:cSld>
+    <p:spTree>
+      <p:nvGrpSpPr>
+        <p:cNvPr id="1" name=""/>
+        <p:cNvGrpSpPr/>
+        <p:nvPr/>
+      </p:nvGrpSpPr>
+      <p:grpSpPr>
+        <a:xfrm>
+          <a:off x="0" y="0"/>
+          <a:ext cx="0" cy="0"/>
+          <a:chOff x="0" y="0"/>
+          <a:chExt cx="0" cy="0"/>
+        </a:xfrm>
+      </p:grpSpPr>
+      <p:sp>
+        <p:nvSpPr>
+          <p:cNvPr id="2" name="Title 1"/>
+          <p:cNvSpPr>
+            <a:spLocks noGrp="1"/>
+          </p:cNvSpPr>
+          <p:nvPr>
+            <p:ph type="title"/>
+          </p:nvPr>
+        </p:nvSpPr>
+        <p:spPr/>
+        <p:txBody>
+          <a:bodyPr/>
+          <a:lstStyle/>
+          <a:p>
+            <a:r>
+              <a:rPr lang="en-US" dirty="0" smtClean="0"/>
+              <a:t>Introducing hash routes</a:t>
+            </a:r>
+            <a:endParaRPr lang="en-US" dirty="0"/>
+          </a:p>
+        </p:txBody>
+      </p:sp>
+      <p:sp>
+        <p:nvSpPr>
+          <p:cNvPr id="4" name="Footer Placeholder 3"/>
+          <p:cNvSpPr>
+            <a:spLocks noGrp="1"/>
+          </p:cNvSpPr>
+          <p:nvPr>
+            <p:ph type="ftr" sz="quarter" idx="11"/>
+          </p:nvPr>
+        </p:nvSpPr>
+        <p:spPr/>
+        <p:txBody>
+          <a:bodyPr/>
+          <a:lstStyle/>
+          <a:p>
+            <a:r>
+              <a:rPr lang="en-US" dirty="0"/>
+              <a:t>The </a:t>
+            </a:r>
+            <a:r>
+              <a:rPr lang="en-US" dirty="0" err="1"/>
+              <a:t>Todo</a:t>
+            </a:r>
+            <a:r>
+              <a:rPr lang="en-US" dirty="0"/>
+              <a:t> App</a:t>
+            </a:r>
+          </a:p>
+        </p:txBody>
+      </p:sp>
+      <p:sp>
+        <p:nvSpPr>
+          <p:cNvPr id="5" name="Slide Number Placeholder 4"/>
+          <p:cNvSpPr>
+            <a:spLocks noGrp="1"/>
+          </p:cNvSpPr>
+          <p:nvPr>
+            <p:ph type="sldNum" sz="quarter" idx="12"/>
+          </p:nvPr>
+        </p:nvSpPr>
+        <p:spPr/>
+        <p:txBody>
+          <a:bodyPr/>
+          <a:lstStyle/>
+          <a:p>
+            <a:fld id="{B777A91B-BF1B-4ECE-B89B-72F2144CF226}" type="slidenum">
+              <a:rPr lang="en-US" smtClean="0"/>
+              <a:t>33</a:t>
+            </a:fld>
+            <a:endParaRPr lang="en-US"/>
+          </a:p>
+        </p:txBody>
+      </p:sp>
+      <p:pic>
+        <p:nvPicPr>
+          <p:cNvPr id="6" name="Picture 5"/>
+          <p:cNvPicPr>
+            <a:picLocks noChangeAspect="1"/>
+          </p:cNvPicPr>
+          <p:nvPr/>
+        </p:nvPicPr>
+        <p:blipFill>
+          <a:blip r:embed="rId3">
+            <a:extLst>
+              <a:ext uri="{28A0092B-C50C-407E-A947-70E740481C1C}">
+                <a14:useLocalDpi xmlns:a14="http://schemas.microsoft.com/office/drawing/2010/main" val="0"/>
+              </a:ext>
+            </a:extLst>
+          </a:blip>
+          <a:stretch>
+            <a:fillRect/>
+          </a:stretch>
+        </p:blipFill>
+        <p:spPr>
+          <a:xfrm>
+            <a:off x="157162" y="84137"/>
+            <a:ext cx="1362075" cy="561975"/>
+          </a:xfrm>
+          <a:prstGeom prst="rect">
+            <a:avLst/>
+          </a:prstGeom>
+        </p:spPr>
+      </p:pic>
+      <p:pic>
+        <p:nvPicPr>
+          <p:cNvPr id="10" name="Content Placeholder 9"/>
+          <p:cNvPicPr>
+            <a:picLocks noGrp="1" noChangeAspect="1"/>
+          </p:cNvPicPr>
+          <p:nvPr>
+            <p:ph idx="1"/>
+          </p:nvPr>
+        </p:nvPicPr>
+        <p:blipFill>
+          <a:blip r:embed="rId4">
+            <a:extLst>
+              <a:ext uri="{28A0092B-C50C-407E-A947-70E740481C1C}">
+                <a14:useLocalDpi xmlns:a14="http://schemas.microsoft.com/office/drawing/2010/main" val="0"/>
+              </a:ext>
+            </a:extLst>
+          </a:blip>
+          <a:stretch>
+            <a:fillRect/>
+          </a:stretch>
+        </p:blipFill>
+        <p:spPr>
+          <a:xfrm>
+            <a:off x="443724" y="1275815"/>
+            <a:ext cx="6420746" cy="3467584"/>
+          </a:xfrm>
+        </p:spPr>
+      </p:pic>
+      <p:pic>
+        <p:nvPicPr>
+          <p:cNvPr id="11" name="Picture 10"/>
+          <p:cNvPicPr>
+            <a:picLocks noChangeAspect="1"/>
+          </p:cNvPicPr>
+          <p:nvPr/>
+        </p:nvPicPr>
+        <p:blipFill>
+          <a:blip r:embed="rId5">
+            <a:extLst>
+              <a:ext uri="{28A0092B-C50C-407E-A947-70E740481C1C}">
+                <a14:useLocalDpi xmlns:a14="http://schemas.microsoft.com/office/drawing/2010/main" val="0"/>
+              </a:ext>
+            </a:extLst>
+          </a:blip>
+          <a:stretch>
+            <a:fillRect/>
+          </a:stretch>
+        </p:blipFill>
+        <p:spPr>
+          <a:xfrm>
+            <a:off x="3890175" y="4420670"/>
+            <a:ext cx="6235460" cy="1582287"/>
+          </a:xfrm>
+          <a:prstGeom prst="rect">
+            <a:avLst/>
+          </a:prstGeom>
+        </p:spPr>
+      </p:pic>
+    </p:spTree>
+    <p:extLst>
+      <p:ext uri="{BB962C8B-B14F-4D97-AF65-F5344CB8AC3E}">
+        <p14:creationId xmlns:p14="http://schemas.microsoft.com/office/powerpoint/2010/main" val="3100918648"/>
+      </p:ext>
+    </p:extLst>
+  </p:cSld>
+  <p:clrMapOvr>
+    <a:masterClrMapping/>
+  </p:clrMapOvr>
+  <p:timing>
+    <p:tnLst>
+      <p:par>
+        <p:cTn id="1" dur="indefinite" restart="never" nodeType="tmRoot">
+          <p:childTnLst>
+            <p:seq concurrent="1" nextAc="seek">
+              <p:cTn id="2" dur="indefinite" nodeType="mainSeq">
+                <p:childTnLst>
+                  <p:par>
+                    <p:cTn id="3" fill="hold">
+                      <p:stCondLst>
+                        <p:cond delay="indefinite"/>
+                      </p:stCondLst>
+                      <p:childTnLst>
+                        <p:par>
+                          <p:cTn id="4" fill="hold">
+                            <p:stCondLst>
+                              <p:cond delay="0"/>
+                            </p:stCondLst>
+                            <p:childTnLst>
+                              <p:par>
+                                <p:cTn id="5" presetID="1" presetClass="entr" presetSubtype="0" fill="hold" nodeType="clickEffect">
+                                  <p:stCondLst>
+                                    <p:cond delay="0"/>
+                                  </p:stCondLst>
+                                  <p:childTnLst>
+                                    <p:set>
+                                      <p:cBhvr>
+                                        <p:cTn id="6" dur="1" fill="hold">
+                                          <p:stCondLst>
+                                            <p:cond delay="0"/>
+                                          </p:stCondLst>
+                                        </p:cTn>
+                                        <p:tgtEl>
+                                          <p:spTgt spid="10"/>
+                                        </p:tgtEl>
+                                        <p:attrNameLst>
+                                          <p:attrName>style.visibility</p:attrName>
+                                        </p:attrNameLst>
+                                      </p:cBhvr>
+                                      <p:to>
+                                        <p:strVal val="visible"/>
+                                      </p:to>
+                                    </p:set>
+                                  </p:childTnLst>
+                                </p:cTn>
+                              </p:par>
+                            </p:childTnLst>
+                          </p:cTn>
+                        </p:par>
+                      </p:childTnLst>
+                    </p:cTn>
+                  </p:par>
+                  <p:par>
+                    <p:cTn id="7" fill="hold">
+                      <p:stCondLst>
+                        <p:cond delay="indefinite"/>
+                      </p:stCondLst>
+                      <p:childTnLst>
+                        <p:par>
+                          <p:cTn id="8" fill="hold">
+                            <p:stCondLst>
+                              <p:cond delay="0"/>
+                            </p:stCondLst>
+                            <p:childTnLst>
+                              <p:par>
+                                <p:cTn id="9" presetID="1" presetClass="entr" presetSubtype="0" fill="hold" nodeType="clickEffect">
+                                  <p:stCondLst>
+                                    <p:cond delay="0"/>
+                                  </p:stCondLst>
+                                  <p:childTnLst>
+                                    <p:set>
+                                      <p:cBhvr>
+                                        <p:cTn id="10" dur="1" fill="hold">
+                                          <p:stCondLst>
+                                            <p:cond delay="0"/>
+                                          </p:stCondLst>
+                                        </p:cTn>
+                                        <p:tgtEl>
+                                          <p:spTgt spid="11"/>
+                                        </p:tgtEl>
+                                        <p:attrNameLst>
+                                          <p:attrName>style.visibility</p:attrName>
+                                        </p:attrNameLst>
+                                      </p:cBhvr>
+                                      <p:to>
+                                        <p:strVal val="visible"/>
+                                      </p:to>
+                                    </p:set>
+                                  </p:childTnLst>
+                                </p:cTn>
+                              </p:par>
+                            </p:childTnLst>
+                          </p:cTn>
+                        </p:par>
+                      </p:childTnLst>
+                    </p:cTn>
+                  </p:par>
+                </p:childTnLst>
+              </p:cTn>
+              <p:prevCondLst>
+                <p:cond evt="onPrev" delay="0">
+                  <p:tgtEl>
+                    <p:sldTgt/>
+                  </p:tgtEl>
+                </p:cond>
+              </p:prevCondLst>
+              <p:nextCondLst>
+                <p:cond evt="onNext" delay="0">
+                  <p:tgtEl>
+                    <p:sldTgt/>
+                  </p:tgtEl>
+                </p:cond>
+              </p:nextCondLst>
+            </p:seq>
+          </p:childTnLst>
+        </p:cTn>
+      </p:par>
+    </p:tnLst>
+  </p:timing>
+</p:sld>
+</file>
+
+<file path=ppt/slides/slide34.xml><?xml version="1.0" encoding="utf-8"?>
+<p:sld xmlns:a="http://schemas.openxmlformats.org/drawingml/2006/main" xmlns:r="http://schemas.openxmlformats.org/officeDocument/2006/relationships" xmlns:p="http://schemas.openxmlformats.org/presentationml/2006/main">
+  <p:cSld>
+    <p:spTree>
+      <p:nvGrpSpPr>
+        <p:cNvPr id="1" name=""/>
+        <p:cNvGrpSpPr/>
+        <p:nvPr/>
+      </p:nvGrpSpPr>
+      <p:grpSpPr>
+        <a:xfrm>
+          <a:off x="0" y="0"/>
+          <a:ext cx="0" cy="0"/>
+          <a:chOff x="0" y="0"/>
+          <a:chExt cx="0" cy="0"/>
+        </a:xfrm>
+      </p:grpSpPr>
+      <p:sp>
+        <p:nvSpPr>
+          <p:cNvPr id="2" name="Title 1"/>
+          <p:cNvSpPr>
+            <a:spLocks noGrp="1"/>
+          </p:cNvSpPr>
+          <p:nvPr>
+            <p:ph type="title"/>
+          </p:nvPr>
+        </p:nvSpPr>
+        <p:spPr/>
+        <p:txBody>
+          <a:bodyPr/>
+          <a:lstStyle/>
+          <a:p>
+            <a:endParaRPr lang="en-US" dirty="0"/>
+          </a:p>
+        </p:txBody>
+      </p:sp>
+      <p:sp>
+        <p:nvSpPr>
+          <p:cNvPr id="4" name="Footer Placeholder 3"/>
+          <p:cNvSpPr>
+            <a:spLocks noGrp="1"/>
+          </p:cNvSpPr>
+          <p:nvPr>
+            <p:ph type="ftr" sz="quarter" idx="11"/>
+          </p:nvPr>
+        </p:nvSpPr>
+        <p:spPr/>
+        <p:txBody>
+          <a:bodyPr/>
+          <a:lstStyle/>
+          <a:p>
+            <a:r>
+              <a:rPr lang="en-US" dirty="0"/>
+              <a:t>The </a:t>
+            </a:r>
+            <a:r>
+              <a:rPr lang="en-US" dirty="0" err="1"/>
+              <a:t>Todo</a:t>
+            </a:r>
+            <a:r>
+              <a:rPr lang="en-US" dirty="0"/>
+              <a:t> App</a:t>
+            </a:r>
+          </a:p>
+        </p:txBody>
+      </p:sp>
+      <p:sp>
+        <p:nvSpPr>
+          <p:cNvPr id="5" name="Slide Number Placeholder 4"/>
+          <p:cNvSpPr>
+            <a:spLocks noGrp="1"/>
+          </p:cNvSpPr>
+          <p:nvPr>
+            <p:ph type="sldNum" sz="quarter" idx="12"/>
+          </p:nvPr>
+        </p:nvSpPr>
+        <p:spPr/>
+        <p:txBody>
+          <a:bodyPr/>
+          <a:lstStyle/>
+          <a:p>
+            <a:fld id="{B777A91B-BF1B-4ECE-B89B-72F2144CF226}" type="slidenum">
+              <a:rPr lang="en-US" smtClean="0"/>
+              <a:t>34</a:t>
             </a:fld>
             <a:endParaRPr lang="en-US"/>
           </a:p>
@@ -21857,43 +25325,38 @@
           </a:bodyPr>
           <a:lstStyle/>
           <a:p>
+            <a:pPr marL="0" indent="0">
+              <a:buNone/>
+            </a:pPr>
             <a:r>
               <a:rPr lang="en-US" sz="1800" dirty="0" smtClean="0"/>
-              <a:t>Put the following configuration in </a:t>
-            </a:r>
-            <a:r>
-              <a:rPr lang="en-US" sz="1800" dirty="0" err="1" smtClean="0"/>
-              <a:t>package.json</a:t>
-            </a:r>
+              <a:t>			</a:t>
+            </a:r>
+          </a:p>
+          <a:p>
+            <a:pPr marL="0" indent="0">
+              <a:buNone/>
+            </a:pPr>
+            <a:endParaRPr lang="en-US" sz="1800" dirty="0"/>
+          </a:p>
+          <a:p>
+            <a:pPr marL="0" indent="0">
+              <a:buNone/>
+            </a:pPr>
             <a:r>
               <a:rPr lang="en-US" sz="1800" dirty="0" smtClean="0"/>
-              <a:t> which contains all the required dependencies. </a:t>
-            </a:r>
-          </a:p>
-          <a:p>
-            <a:r>
-              <a:rPr lang="en-US" sz="1800" dirty="0" smtClean="0"/>
-              <a:t>Then use the commands “</a:t>
-            </a:r>
-            <a:r>
-              <a:rPr lang="en-US" sz="1800" dirty="0" err="1" smtClean="0"/>
-              <a:t>npm</a:t>
-            </a:r>
-            <a:r>
-              <a:rPr lang="en-US" sz="1800" dirty="0" smtClean="0"/>
-              <a:t> install” and “</a:t>
-            </a:r>
-            <a:r>
-              <a:rPr lang="en-US" sz="1800" dirty="0" err="1" smtClean="0"/>
-              <a:t>npm</a:t>
-            </a:r>
-            <a:r>
-              <a:rPr lang="en-US" sz="1800" dirty="0" smtClean="0"/>
-              <a:t> run build” to install the required dependencies and build the code </a:t>
-            </a:r>
-            <a:br>
-              <a:rPr lang="en-US" sz="1800" dirty="0" smtClean="0"/>
-            </a:br>
+              <a:t>				</a:t>
+            </a:r>
+            <a:r>
+              <a:rPr lang="en-US" sz="7200" dirty="0" smtClean="0"/>
+              <a:t>Demo</a:t>
+            </a:r>
+            <a:endParaRPr lang="en-US" sz="7200" dirty="0"/>
+          </a:p>
+          <a:p>
+            <a:pPr marL="0" indent="0">
+              <a:buNone/>
+            </a:pPr>
             <a:endParaRPr lang="en-US" sz="1800" dirty="0"/>
           </a:p>
           <a:p>
@@ -21904,100 +25367,10 @@
           </a:p>
         </p:txBody>
       </p:sp>
-      <p:pic>
-        <p:nvPicPr>
-          <p:cNvPr id="3" name="Picture 2"/>
-          <p:cNvPicPr>
-            <a:picLocks noChangeAspect="1"/>
-          </p:cNvPicPr>
-          <p:nvPr/>
-        </p:nvPicPr>
-        <p:blipFill>
-          <a:blip r:embed="rId3">
-            <a:extLst>
-              <a:ext uri="{28A0092B-C50C-407E-A947-70E740481C1C}">
-                <a14:useLocalDpi xmlns:a14="http://schemas.microsoft.com/office/drawing/2010/main" val="0"/>
-              </a:ext>
-            </a:extLst>
-          </a:blip>
-          <a:stretch>
-            <a:fillRect/>
-          </a:stretch>
-        </p:blipFill>
-        <p:spPr>
-          <a:xfrm>
-            <a:off x="838199" y="2984507"/>
-            <a:ext cx="5345405" cy="2908482"/>
-          </a:xfrm>
-          <a:prstGeom prst="rect">
-            <a:avLst/>
-          </a:prstGeom>
-        </p:spPr>
-      </p:pic>
-      <p:pic>
-        <p:nvPicPr>
-          <p:cNvPr id="7" name="Picture 6"/>
-          <p:cNvPicPr>
-            <a:picLocks noChangeAspect="1"/>
-          </p:cNvPicPr>
-          <p:nvPr/>
-        </p:nvPicPr>
-        <p:blipFill>
-          <a:blip r:embed="rId4">
-            <a:extLst>
-              <a:ext uri="{28A0092B-C50C-407E-A947-70E740481C1C}">
-                <a14:useLocalDpi xmlns:a14="http://schemas.microsoft.com/office/drawing/2010/main" val="0"/>
-              </a:ext>
-            </a:extLst>
-          </a:blip>
-          <a:stretch>
-            <a:fillRect/>
-          </a:stretch>
-        </p:blipFill>
-        <p:spPr>
-          <a:xfrm>
-            <a:off x="5298203" y="2819572"/>
-            <a:ext cx="6624794" cy="1439789"/>
-          </a:xfrm>
-          <a:prstGeom prst="rect">
-            <a:avLst/>
-          </a:prstGeom>
-        </p:spPr>
-      </p:pic>
-      <p:pic>
-        <p:nvPicPr>
-          <p:cNvPr id="8" name="Picture 7"/>
-          <p:cNvPicPr>
-            <a:picLocks noChangeAspect="1"/>
-          </p:cNvPicPr>
-          <p:nvPr/>
-        </p:nvPicPr>
-        <p:blipFill>
-          <a:blip r:embed="rId5">
-            <a:extLst>
-              <a:ext uri="{28A0092B-C50C-407E-A947-70E740481C1C}">
-                <a14:useLocalDpi xmlns:a14="http://schemas.microsoft.com/office/drawing/2010/main" val="0"/>
-              </a:ext>
-            </a:extLst>
-          </a:blip>
-          <a:stretch>
-            <a:fillRect/>
-          </a:stretch>
-        </p:blipFill>
-        <p:spPr>
-          <a:xfrm>
-            <a:off x="6505864" y="4559454"/>
-            <a:ext cx="3886742" cy="1657581"/>
-          </a:xfrm>
-          <a:prstGeom prst="rect">
-            <a:avLst/>
-          </a:prstGeom>
-        </p:spPr>
-      </p:pic>
     </p:spTree>
     <p:extLst>
       <p:ext uri="{BB962C8B-B14F-4D97-AF65-F5344CB8AC3E}">
-        <p14:creationId xmlns:p14="http://schemas.microsoft.com/office/powerpoint/2010/main" val="2964273100"/>
+        <p14:creationId xmlns:p14="http://schemas.microsoft.com/office/powerpoint/2010/main" val="74062755"/>
       </p:ext>
     </p:extLst>
   </p:cSld>
@@ -22014,205 +25387,7 @@
 </p:sld>
 </file>
 
-<file path=ppt/slides/slide3.xml><?xml version="1.0" encoding="utf-8"?>
-<p:sld xmlns:a="http://schemas.openxmlformats.org/drawingml/2006/main" xmlns:r="http://schemas.openxmlformats.org/officeDocument/2006/relationships" xmlns:p="http://schemas.openxmlformats.org/presentationml/2006/main">
-  <p:cSld>
-    <p:spTree>
-      <p:nvGrpSpPr>
-        <p:cNvPr id="1" name=""/>
-        <p:cNvGrpSpPr/>
-        <p:nvPr/>
-      </p:nvGrpSpPr>
-      <p:grpSpPr>
-        <a:xfrm>
-          <a:off x="0" y="0"/>
-          <a:ext cx="0" cy="0"/>
-          <a:chOff x="0" y="0"/>
-          <a:chExt cx="0" cy="0"/>
-        </a:xfrm>
-      </p:grpSpPr>
-      <p:sp>
-        <p:nvSpPr>
-          <p:cNvPr id="2" name="Title 1"/>
-          <p:cNvSpPr>
-            <a:spLocks noGrp="1"/>
-          </p:cNvSpPr>
-          <p:nvPr>
-            <p:ph type="title"/>
-          </p:nvPr>
-        </p:nvSpPr>
-        <p:spPr/>
-        <p:txBody>
-          <a:bodyPr/>
-          <a:lstStyle/>
-          <a:p>
-            <a:r>
-              <a:rPr lang="en-US" dirty="0" smtClean="0"/>
-              <a:t>Problem with Two-way binding</a:t>
-            </a:r>
-            <a:endParaRPr lang="en-US" dirty="0"/>
-          </a:p>
-        </p:txBody>
-      </p:sp>
-      <p:pic>
-        <p:nvPicPr>
-          <p:cNvPr id="4" name="Content Placeholder 3"/>
-          <p:cNvPicPr>
-            <a:picLocks noGrp="1" noChangeAspect="1"/>
-          </p:cNvPicPr>
-          <p:nvPr>
-            <p:ph idx="1"/>
-          </p:nvPr>
-        </p:nvPicPr>
-        <p:blipFill>
-          <a:blip r:embed="rId3">
-            <a:extLst>
-              <a:ext uri="{28A0092B-C50C-407E-A947-70E740481C1C}">
-                <a14:useLocalDpi xmlns:a14="http://schemas.microsoft.com/office/drawing/2010/main" val="0"/>
-              </a:ext>
-            </a:extLst>
-          </a:blip>
-          <a:stretch>
-            <a:fillRect/>
-          </a:stretch>
-        </p:blipFill>
-        <p:spPr>
-          <a:xfrm>
-            <a:off x="1519237" y="1297811"/>
-            <a:ext cx="8027831" cy="2477432"/>
-          </a:xfrm>
-        </p:spPr>
-      </p:pic>
-      <p:sp>
-        <p:nvSpPr>
-          <p:cNvPr id="5" name="TextBox 4"/>
-          <p:cNvSpPr txBox="1"/>
-          <p:nvPr/>
-        </p:nvSpPr>
-        <p:spPr>
-          <a:xfrm>
-            <a:off x="1828800" y="4168588"/>
-            <a:ext cx="184731" cy="369332"/>
-          </a:xfrm>
-          <a:prstGeom prst="rect">
-            <a:avLst/>
-          </a:prstGeom>
-          <a:noFill/>
-        </p:spPr>
-        <p:txBody>
-          <a:bodyPr wrap="none" rtlCol="0">
-            <a:spAutoFit/>
-          </a:bodyPr>
-          <a:lstStyle/>
-          <a:p>
-            <a:endParaRPr lang="en-US" dirty="0"/>
-          </a:p>
-        </p:txBody>
-      </p:sp>
-      <p:pic>
-        <p:nvPicPr>
-          <p:cNvPr id="6" name="Picture 5"/>
-          <p:cNvPicPr>
-            <a:picLocks noChangeAspect="1"/>
-          </p:cNvPicPr>
-          <p:nvPr/>
-        </p:nvPicPr>
-        <p:blipFill>
-          <a:blip r:embed="rId4">
-            <a:extLst>
-              <a:ext uri="{28A0092B-C50C-407E-A947-70E740481C1C}">
-                <a14:useLocalDpi xmlns:a14="http://schemas.microsoft.com/office/drawing/2010/main" val="0"/>
-              </a:ext>
-            </a:extLst>
-          </a:blip>
-          <a:stretch>
-            <a:fillRect/>
-          </a:stretch>
-        </p:blipFill>
-        <p:spPr>
-          <a:xfrm>
-            <a:off x="2013531" y="3322749"/>
-            <a:ext cx="7247383" cy="3033601"/>
-          </a:xfrm>
-          <a:prstGeom prst="rect">
-            <a:avLst/>
-          </a:prstGeom>
-        </p:spPr>
-      </p:pic>
-      <p:sp>
-        <p:nvSpPr>
-          <p:cNvPr id="7" name="Slide Number Placeholder 6"/>
-          <p:cNvSpPr>
-            <a:spLocks noGrp="1"/>
-          </p:cNvSpPr>
-          <p:nvPr>
-            <p:ph type="sldNum" sz="quarter" idx="12"/>
-          </p:nvPr>
-        </p:nvSpPr>
-        <p:spPr/>
-        <p:txBody>
-          <a:bodyPr/>
-          <a:lstStyle/>
-          <a:p>
-            <a:fld id="{B777A91B-BF1B-4ECE-B89B-72F2144CF226}" type="slidenum">
-              <a:rPr lang="en-US" smtClean="0"/>
-              <a:t>3</a:t>
-            </a:fld>
-            <a:endParaRPr lang="en-US"/>
-          </a:p>
-        </p:txBody>
-      </p:sp>
-      <p:pic>
-        <p:nvPicPr>
-          <p:cNvPr id="8" name="Picture 7"/>
-          <p:cNvPicPr>
-            <a:picLocks noChangeAspect="1"/>
-          </p:cNvPicPr>
-          <p:nvPr/>
-        </p:nvPicPr>
-        <p:blipFill>
-          <a:blip r:embed="rId5">
-            <a:extLst>
-              <a:ext uri="{28A0092B-C50C-407E-A947-70E740481C1C}">
-                <a14:useLocalDpi xmlns:a14="http://schemas.microsoft.com/office/drawing/2010/main" val="0"/>
-              </a:ext>
-            </a:extLst>
-          </a:blip>
-          <a:stretch>
-            <a:fillRect/>
-          </a:stretch>
-        </p:blipFill>
-        <p:spPr>
-          <a:xfrm>
-            <a:off x="157162" y="84137"/>
-            <a:ext cx="1362075" cy="561975"/>
-          </a:xfrm>
-          <a:prstGeom prst="rect">
-            <a:avLst/>
-          </a:prstGeom>
-        </p:spPr>
-      </p:pic>
-    </p:spTree>
-    <p:extLst>
-      <p:ext uri="{BB962C8B-B14F-4D97-AF65-F5344CB8AC3E}">
-        <p14:creationId xmlns:p14="http://schemas.microsoft.com/office/powerpoint/2010/main" val="2718338151"/>
-      </p:ext>
-    </p:extLst>
-  </p:cSld>
-  <p:clrMapOvr>
-    <a:masterClrMapping/>
-  </p:clrMapOvr>
-  <p:timing>
-    <p:tnLst>
-      <p:par>
-        <p:cTn id="1" dur="indefinite" restart="never" nodeType="tmRoot"/>
-      </p:par>
-    </p:tnLst>
-  </p:timing>
-</p:sld>
-</file>
-
-<file path=ppt/slides/slide30.xml><?xml version="1.0" encoding="utf-8"?>
+<file path=ppt/slides/slide35.xml><?xml version="1.0" encoding="utf-8"?>
 <p:sld xmlns:a="http://schemas.openxmlformats.org/drawingml/2006/main" xmlns:r="http://schemas.openxmlformats.org/officeDocument/2006/relationships" xmlns:p="http://schemas.openxmlformats.org/presentationml/2006/main">
   <p:cSld>
     <p:spTree>
@@ -22380,7 +25555,7 @@
           <a:p>
             <a:fld id="{B777A91B-BF1B-4ECE-B89B-72F2144CF226}" type="slidenum">
               <a:rPr lang="en-US" smtClean="0"/>
-              <a:t>30</a:t>
+              <a:t>35</a:t>
             </a:fld>
             <a:endParaRPr lang="en-US"/>
           </a:p>
@@ -22436,7 +25611,7 @@
 </p:sld>
 </file>
 
-<file path=ppt/slides/slide31.xml><?xml version="1.0" encoding="utf-8"?>
+<file path=ppt/slides/slide36.xml><?xml version="1.0" encoding="utf-8"?>
 <p:sld xmlns:a="http://schemas.openxmlformats.org/drawingml/2006/main" xmlns:r="http://schemas.openxmlformats.org/officeDocument/2006/relationships" xmlns:p="http://schemas.openxmlformats.org/presentationml/2006/main">
   <p:cSld>
     <p:spTree>
@@ -22584,7 +25759,7 @@
           <a:p>
             <a:fld id="{B777A91B-BF1B-4ECE-B89B-72F2144CF226}" type="slidenum">
               <a:rPr lang="en-US" smtClean="0"/>
-              <a:t>31</a:t>
+              <a:t>36</a:t>
             </a:fld>
             <a:endParaRPr lang="en-US"/>
           </a:p>
@@ -22666,7 +25841,7 @@
                                         <p:tgtEl>
                                           <p:spTgt spid="3">
                                             <p:txEl>
-                                              <p:pRg st="0" end="0"/>
+                                              <p:pRg st="2" end="2"/>
                                             </p:txEl>
                                           </p:spTgt>
                                         </p:tgtEl>
@@ -22715,7 +25890,7 @@
                                         <p:tgtEl>
                                           <p:spTgt spid="3">
                                             <p:txEl>
-                                              <p:pRg st="1" end="1"/>
+                                              <p:pRg st="3" end="3"/>
                                             </p:txEl>
                                           </p:spTgt>
                                         </p:tgtEl>
@@ -22764,7 +25939,7 @@
                                         <p:tgtEl>
                                           <p:spTgt spid="3">
                                             <p:txEl>
-                                              <p:pRg st="2" end="2"/>
+                                              <p:pRg st="4" end="4"/>
                                             </p:txEl>
                                           </p:spTgt>
                                         </p:tgtEl>
@@ -22806,104 +25981,6 @@
                                     <p:set>
                                       <p:cBhvr>
                                         <p:cTn id="18" dur="1" fill="hold">
-                                          <p:stCondLst>
-                                            <p:cond delay="0"/>
-                                          </p:stCondLst>
-                                        </p:cTn>
-                                        <p:tgtEl>
-                                          <p:spTgt spid="3">
-                                            <p:txEl>
-                                              <p:pRg st="3" end="3"/>
-                                            </p:txEl>
-                                          </p:spTgt>
-                                        </p:tgtEl>
-                                        <p:attrNameLst>
-                                          <p:attrName>style.visibility</p:attrName>
-                                        </p:attrNameLst>
-                                      </p:cBhvr>
-                                      <p:to>
-                                        <p:strVal val="visible"/>
-                                      </p:to>
-                                    </p:set>
-                                  </p:childTnLst>
-                                </p:cTn>
-                              </p:par>
-                            </p:childTnLst>
-                          </p:cTn>
-                        </p:par>
-                      </p:childTnLst>
-                    </p:cTn>
-                  </p:par>
-                  <p:par>
-                    <p:cTn id="19" fill="hold">
-                      <p:stCondLst>
-                        <p:cond delay="indefinite"/>
-                      </p:stCondLst>
-                      <p:childTnLst>
-                        <p:par>
-                          <p:cTn id="20" fill="hold">
-                            <p:stCondLst>
-                              <p:cond delay="0"/>
-                            </p:stCondLst>
-                            <p:childTnLst>
-                              <p:par>
-                                <p:cTn id="21" presetID="1" presetClass="entr" presetSubtype="0" fill="hold" grpId="0" nodeType="clickEffect">
-                                  <p:stCondLst>
-                                    <p:cond delay="0"/>
-                                  </p:stCondLst>
-                                  <p:childTnLst>
-                                    <p:set>
-                                      <p:cBhvr>
-                                        <p:cTn id="22" dur="1" fill="hold">
-                                          <p:stCondLst>
-                                            <p:cond delay="0"/>
-                                          </p:stCondLst>
-                                        </p:cTn>
-                                        <p:tgtEl>
-                                          <p:spTgt spid="3">
-                                            <p:txEl>
-                                              <p:pRg st="4" end="4"/>
-                                            </p:txEl>
-                                          </p:spTgt>
-                                        </p:tgtEl>
-                                        <p:attrNameLst>
-                                          <p:attrName>style.visibility</p:attrName>
-                                        </p:attrNameLst>
-                                      </p:cBhvr>
-                                      <p:to>
-                                        <p:strVal val="visible"/>
-                                      </p:to>
-                                    </p:set>
-                                  </p:childTnLst>
-                                </p:cTn>
-                              </p:par>
-                            </p:childTnLst>
-                          </p:cTn>
-                        </p:par>
-                      </p:childTnLst>
-                    </p:cTn>
-                  </p:par>
-                  <p:par>
-                    <p:cTn id="23" fill="hold">
-                      <p:stCondLst>
-                        <p:cond delay="indefinite"/>
-                      </p:stCondLst>
-                      <p:childTnLst>
-                        <p:par>
-                          <p:cTn id="24" fill="hold">
-                            <p:stCondLst>
-                              <p:cond delay="0"/>
-                            </p:stCondLst>
-                            <p:childTnLst>
-                              <p:par>
-                                <p:cTn id="25" presetID="1" presetClass="entr" presetSubtype="0" fill="hold" grpId="0" nodeType="clickEffect">
-                                  <p:stCondLst>
-                                    <p:cond delay="0"/>
-                                  </p:stCondLst>
-                                  <p:childTnLst>
-                                    <p:set>
-                                      <p:cBhvr>
-                                        <p:cTn id="26" dur="1" fill="hold">
                                           <p:stCondLst>
                                             <p:cond delay="0"/>
                                           </p:stCondLst>
@@ -22960,7 +26037,7 @@
 </p:sld>
 </file>
 
-<file path=ppt/slides/slide32.xml><?xml version="1.0" encoding="utf-8"?>
+<file path=ppt/slides/slide37.xml><?xml version="1.0" encoding="utf-8"?>
 <p:sld xmlns:a="http://schemas.openxmlformats.org/drawingml/2006/main" xmlns:r="http://schemas.openxmlformats.org/officeDocument/2006/relationships" xmlns:p="http://schemas.openxmlformats.org/presentationml/2006/main">
   <p:cSld>
     <p:spTree>
@@ -22996,7 +26073,6 @@
               <a:rPr lang="en-US" dirty="0"/>
               <a:t>Unit testing With JEST</a:t>
             </a:r>
-            <a:endParaRPr lang="en-US" dirty="0"/>
           </a:p>
         </p:txBody>
       </p:sp>
@@ -23017,7 +26093,7 @@
           <a:p>
             <a:fld id="{B777A91B-BF1B-4ECE-B89B-72F2144CF226}" type="slidenum">
               <a:rPr lang="en-US" smtClean="0"/>
-              <a:t>32</a:t>
+              <a:t>37</a:t>
             </a:fld>
             <a:endParaRPr lang="en-US"/>
           </a:p>
@@ -23109,10 +26185,130 @@
   <p:clrMapOvr>
     <a:masterClrMapping/>
   </p:clrMapOvr>
+  <p:timing>
+    <p:tnLst>
+      <p:par>
+        <p:cTn id="1" dur="indefinite" restart="never" nodeType="tmRoot">
+          <p:childTnLst>
+            <p:seq concurrent="1" nextAc="seek">
+              <p:cTn id="2" dur="indefinite" nodeType="mainSeq">
+                <p:childTnLst>
+                  <p:par>
+                    <p:cTn id="3" fill="hold">
+                      <p:stCondLst>
+                        <p:cond delay="indefinite"/>
+                      </p:stCondLst>
+                      <p:childTnLst>
+                        <p:par>
+                          <p:cTn id="4" fill="hold">
+                            <p:stCondLst>
+                              <p:cond delay="0"/>
+                            </p:stCondLst>
+                            <p:childTnLst>
+                              <p:par>
+                                <p:cTn id="5" presetID="1" presetClass="entr" presetSubtype="0" fill="hold" nodeType="clickEffect">
+                                  <p:stCondLst>
+                                    <p:cond delay="0"/>
+                                  </p:stCondLst>
+                                  <p:childTnLst>
+                                    <p:set>
+                                      <p:cBhvr>
+                                        <p:cTn id="6" dur="1" fill="hold">
+                                          <p:stCondLst>
+                                            <p:cond delay="0"/>
+                                          </p:stCondLst>
+                                        </p:cTn>
+                                        <p:tgtEl>
+                                          <p:spTgt spid="7"/>
+                                        </p:tgtEl>
+                                        <p:attrNameLst>
+                                          <p:attrName>style.visibility</p:attrName>
+                                        </p:attrNameLst>
+                                      </p:cBhvr>
+                                      <p:to>
+                                        <p:strVal val="visible"/>
+                                      </p:to>
+                                    </p:set>
+                                  </p:childTnLst>
+                                </p:cTn>
+                              </p:par>
+                            </p:childTnLst>
+                          </p:cTn>
+                        </p:par>
+                      </p:childTnLst>
+                    </p:cTn>
+                  </p:par>
+                  <p:par>
+                    <p:cTn id="7" fill="hold">
+                      <p:stCondLst>
+                        <p:cond delay="indefinite"/>
+                      </p:stCondLst>
+                      <p:childTnLst>
+                        <p:par>
+                          <p:cTn id="8" fill="hold">
+                            <p:stCondLst>
+                              <p:cond delay="0"/>
+                            </p:stCondLst>
+                            <p:childTnLst>
+                              <p:par>
+                                <p:cTn id="9" presetID="1" presetClass="entr" presetSubtype="0" fill="hold" nodeType="clickEffect">
+                                  <p:stCondLst>
+                                    <p:cond delay="0"/>
+                                  </p:stCondLst>
+                                  <p:childTnLst>
+                                    <p:set>
+                                      <p:cBhvr>
+                                        <p:cTn id="10" dur="1" fill="hold">
+                                          <p:stCondLst>
+                                            <p:cond delay="0"/>
+                                          </p:stCondLst>
+                                        </p:cTn>
+                                        <p:tgtEl>
+                                          <p:spTgt spid="10"/>
+                                        </p:tgtEl>
+                                        <p:attrNameLst>
+                                          <p:attrName>style.visibility</p:attrName>
+                                        </p:attrNameLst>
+                                      </p:cBhvr>
+                                      <p:to>
+                                        <p:strVal val="visible"/>
+                                      </p:to>
+                                    </p:set>
+                                  </p:childTnLst>
+                                </p:cTn>
+                              </p:par>
+                            </p:childTnLst>
+                          </p:cTn>
+                        </p:par>
+                      </p:childTnLst>
+                    </p:cTn>
+                  </p:par>
+                </p:childTnLst>
+              </p:cTn>
+              <p:prevCondLst>
+                <p:cond evt="onPrev" delay="0">
+                  <p:tgtEl>
+                    <p:sldTgt/>
+                  </p:tgtEl>
+                </p:cond>
+              </p:prevCondLst>
+              <p:nextCondLst>
+                <p:cond evt="onNext" delay="0">
+                  <p:tgtEl>
+                    <p:sldTgt/>
+                  </p:tgtEl>
+                </p:cond>
+              </p:nextCondLst>
+            </p:seq>
+          </p:childTnLst>
+        </p:cTn>
+      </p:par>
+    </p:tnLst>
+  </p:timing>
 </p:sld>
 </file>
 
-<file path=ppt/slides/slide33.xml><?xml version="1.0" encoding="utf-8"?>
+<file path=ppt/slides/slide38.xml><?xml version="1.0" encoding="utf-8"?>
 <p:sld xmlns:a="http://schemas.openxmlformats.org/drawingml/2006/main" xmlns:r="http://schemas.openxmlformats.org/officeDocument/2006/relationships" xmlns:p="http://schemas.openxmlformats.org/presentationml/2006/main">
   <p:cSld>
     <p:spTree>
@@ -23229,7 +26425,7 @@
           <a:p>
             <a:fld id="{B777A91B-BF1B-4ECE-B89B-72F2144CF226}" type="slidenum">
               <a:rPr lang="en-US" smtClean="0"/>
-              <a:t>33</a:t>
+              <a:t>38</a:t>
             </a:fld>
             <a:endParaRPr lang="en-US"/>
           </a:p>
@@ -23267,22 +26463,28 @@
       </p:pic>
       <p:pic>
         <p:nvPicPr>
-          <p:cNvPr id="6" name="Picture 5"/>
+          <p:cNvPr id="7" name="Picture 6"/>
           <p:cNvPicPr>
             <a:picLocks noChangeAspect="1"/>
           </p:cNvPicPr>
           <p:nvPr/>
         </p:nvPicPr>
         <p:blipFill>
-          <a:blip r:embed="rId3"/>
+          <a:blip r:embed="rId3">
+            <a:extLst>
+              <a:ext uri="{28A0092B-C50C-407E-A947-70E740481C1C}">
+                <a14:useLocalDpi xmlns:a14="http://schemas.microsoft.com/office/drawing/2010/main" val="0"/>
+              </a:ext>
+            </a:extLst>
+          </a:blip>
           <a:stretch>
             <a:fillRect/>
           </a:stretch>
         </p:blipFill>
         <p:spPr>
           <a:xfrm>
-            <a:off x="7670441" y="1870075"/>
-            <a:ext cx="2542505" cy="4068008"/>
+            <a:off x="7620000" y="1017529"/>
+            <a:ext cx="2809590" cy="4490642"/>
           </a:xfrm>
           <a:prstGeom prst="rect">
             <a:avLst/>
@@ -23309,301 +26511,7 @@
 </p:sld>
 </file>
 
-<file path=ppt/slides/slide34.xml><?xml version="1.0" encoding="utf-8"?>
-<p:sld xmlns:a="http://schemas.openxmlformats.org/drawingml/2006/main" xmlns:r="http://schemas.openxmlformats.org/officeDocument/2006/relationships" xmlns:p="http://schemas.openxmlformats.org/presentationml/2006/main">
-  <p:cSld>
-    <p:spTree>
-      <p:nvGrpSpPr>
-        <p:cNvPr id="1" name=""/>
-        <p:cNvGrpSpPr/>
-        <p:nvPr/>
-      </p:nvGrpSpPr>
-      <p:grpSpPr>
-        <a:xfrm>
-          <a:off x="0" y="0"/>
-          <a:ext cx="0" cy="0"/>
-          <a:chOff x="0" y="0"/>
-          <a:chExt cx="0" cy="0"/>
-        </a:xfrm>
-      </p:grpSpPr>
-      <p:sp>
-        <p:nvSpPr>
-          <p:cNvPr id="2" name="Title 1"/>
-          <p:cNvSpPr>
-            <a:spLocks noGrp="1"/>
-          </p:cNvSpPr>
-          <p:nvPr>
-            <p:ph type="title"/>
-          </p:nvPr>
-        </p:nvSpPr>
-        <p:spPr/>
-        <p:txBody>
-          <a:bodyPr/>
-          <a:lstStyle/>
-          <a:p>
-            <a:r>
-              <a:rPr lang="en-US" dirty="0" smtClean="0"/>
-              <a:t>Demo</a:t>
-            </a:r>
-            <a:endParaRPr lang="en-US" dirty="0"/>
-          </a:p>
-        </p:txBody>
-      </p:sp>
-      <p:sp>
-        <p:nvSpPr>
-          <p:cNvPr id="3" name="Content Placeholder 2"/>
-          <p:cNvSpPr>
-            <a:spLocks noGrp="1"/>
-          </p:cNvSpPr>
-          <p:nvPr>
-            <p:ph idx="1"/>
-          </p:nvPr>
-        </p:nvSpPr>
-        <p:spPr>
-          <a:xfrm>
-            <a:off x="838200" y="1506071"/>
-            <a:ext cx="10515600" cy="5163670"/>
-          </a:xfrm>
-        </p:spPr>
-        <p:txBody>
-          <a:bodyPr>
-            <a:normAutofit/>
-          </a:bodyPr>
-          <a:lstStyle/>
-          <a:p>
-            <a:pPr marL="0" indent="0">
-              <a:buNone/>
-            </a:pPr>
-            <a:r>
-              <a:rPr lang="en-US" sz="2400" dirty="0" smtClean="0"/>
-              <a:t>Let see a sample single page app developed using Alt and React.</a:t>
-            </a:r>
-            <a:endParaRPr lang="en-US" sz="2400" dirty="0"/>
-          </a:p>
-          <a:p>
-            <a:pPr marL="0" indent="0">
-              <a:buNone/>
-            </a:pPr>
-            <a:r>
-              <a:rPr lang="en-US" sz="2400" dirty="0" smtClean="0"/>
-              <a:t>In the app, user has a list of Available Locations from which the user can mark any location to its favorite list. </a:t>
-            </a:r>
-          </a:p>
-          <a:p>
-            <a:pPr marL="0" indent="0">
-              <a:buNone/>
-            </a:pPr>
-            <a:r>
-              <a:rPr lang="en-US" sz="2400" dirty="0" smtClean="0"/>
-              <a:t>This app has the following features:</a:t>
-            </a:r>
-          </a:p>
-          <a:p>
-            <a:pPr marL="0" indent="0">
-              <a:buNone/>
-            </a:pPr>
-            <a:endParaRPr lang="en-US" sz="2400" dirty="0" smtClean="0"/>
-          </a:p>
-          <a:p>
-            <a:r>
-              <a:rPr lang="en-US" sz="1800" dirty="0" smtClean="0"/>
-              <a:t>Flux implemented using Alt</a:t>
-            </a:r>
-          </a:p>
-          <a:p>
-            <a:r>
-              <a:rPr lang="en-US" sz="1800" dirty="0" smtClean="0"/>
-              <a:t>Calling some server REST API</a:t>
-            </a:r>
-          </a:p>
-          <a:p>
-            <a:r>
-              <a:rPr lang="en-US" sz="1800" dirty="0" smtClean="0"/>
-              <a:t>Cookies usage</a:t>
-            </a:r>
-          </a:p>
-          <a:p>
-            <a:r>
-              <a:rPr lang="en-US" sz="1800" dirty="0" smtClean="0"/>
-              <a:t>Local storage usage</a:t>
-            </a:r>
-          </a:p>
-          <a:p>
-            <a:r>
-              <a:rPr lang="en-US" sz="1800" dirty="0" smtClean="0"/>
-              <a:t>Hash routing implemented</a:t>
-            </a:r>
-          </a:p>
-          <a:p>
-            <a:r>
-              <a:rPr lang="en-US" sz="1800" dirty="0" smtClean="0"/>
-              <a:t>Using </a:t>
-            </a:r>
-            <a:r>
-              <a:rPr lang="en-US" sz="1800" dirty="0" err="1" smtClean="0"/>
-              <a:t>Babelify</a:t>
-            </a:r>
-            <a:r>
-              <a:rPr lang="en-US" sz="1800" dirty="0" smtClean="0"/>
-              <a:t> to </a:t>
-            </a:r>
-            <a:r>
-              <a:rPr lang="en-US" sz="1800" dirty="0" err="1" smtClean="0"/>
-              <a:t>tranforms</a:t>
-            </a:r>
-            <a:r>
-              <a:rPr lang="en-US" sz="1800" dirty="0" smtClean="0"/>
-              <a:t> the ES6 and </a:t>
-            </a:r>
-            <a:r>
-              <a:rPr lang="en-US" sz="1800" dirty="0" err="1"/>
-              <a:t>J</a:t>
-            </a:r>
-            <a:r>
-              <a:rPr lang="en-US" sz="1800" dirty="0" err="1" smtClean="0"/>
-              <a:t>sx</a:t>
-            </a:r>
-            <a:r>
-              <a:rPr lang="en-US" sz="1800" dirty="0" smtClean="0"/>
-              <a:t> </a:t>
-            </a:r>
-            <a:r>
-              <a:rPr lang="en-US" sz="1800" dirty="0" err="1" smtClean="0"/>
-              <a:t>sytax</a:t>
-            </a:r>
-            <a:r>
-              <a:rPr lang="en-US" sz="1800" dirty="0" smtClean="0"/>
-              <a:t> to vanilla </a:t>
-            </a:r>
-            <a:r>
-              <a:rPr lang="en-US" sz="1800" dirty="0" err="1" smtClean="0"/>
-              <a:t>javascript</a:t>
-            </a:r>
-            <a:r>
-              <a:rPr lang="en-US" sz="1800" dirty="0" smtClean="0"/>
-              <a:t> </a:t>
-            </a:r>
-          </a:p>
-          <a:p>
-            <a:r>
-              <a:rPr lang="en-US" sz="1800" dirty="0" err="1" smtClean="0"/>
-              <a:t>Js</a:t>
-            </a:r>
-            <a:r>
-              <a:rPr lang="en-US" sz="1800" dirty="0" smtClean="0"/>
-              <a:t> files building and </a:t>
-            </a:r>
-            <a:r>
-              <a:rPr lang="en-US" sz="1800" dirty="0" err="1" smtClean="0"/>
-              <a:t>bundeling</a:t>
-            </a:r>
-            <a:r>
-              <a:rPr lang="en-US" sz="1800" dirty="0" smtClean="0"/>
-              <a:t> using </a:t>
-            </a:r>
-            <a:r>
-              <a:rPr lang="en-US" sz="1800" dirty="0" err="1" smtClean="0"/>
-              <a:t>Browserify</a:t>
-            </a:r>
-            <a:endParaRPr lang="en-US" sz="1800" dirty="0" smtClean="0"/>
-          </a:p>
-          <a:p>
-            <a:r>
-              <a:rPr lang="en-US" sz="1800" dirty="0" smtClean="0"/>
-              <a:t>Unit test with Jest</a:t>
-            </a:r>
-          </a:p>
-          <a:p>
-            <a:endParaRPr lang="en-US" sz="1800" dirty="0" smtClean="0"/>
-          </a:p>
-          <a:p>
-            <a:endParaRPr lang="en-US" sz="1800" dirty="0" smtClean="0"/>
-          </a:p>
-          <a:p>
-            <a:endParaRPr lang="en-US" sz="1800" dirty="0" smtClean="0"/>
-          </a:p>
-          <a:p>
-            <a:endParaRPr lang="en-US" sz="1800" dirty="0" smtClean="0"/>
-          </a:p>
-          <a:p>
-            <a:endParaRPr lang="en-US" sz="1800" dirty="0"/>
-          </a:p>
-        </p:txBody>
-      </p:sp>
-      <p:sp>
-        <p:nvSpPr>
-          <p:cNvPr id="5" name="Slide Number Placeholder 4"/>
-          <p:cNvSpPr>
-            <a:spLocks noGrp="1"/>
-          </p:cNvSpPr>
-          <p:nvPr>
-            <p:ph type="sldNum" sz="quarter" idx="12"/>
-          </p:nvPr>
-        </p:nvSpPr>
-        <p:spPr/>
-        <p:txBody>
-          <a:bodyPr/>
-          <a:lstStyle/>
-          <a:p>
-            <a:fld id="{B777A91B-BF1B-4ECE-B89B-72F2144CF226}" type="slidenum">
-              <a:rPr lang="en-US" smtClean="0"/>
-              <a:t>34</a:t>
-            </a:fld>
-            <a:endParaRPr lang="en-US"/>
-          </a:p>
-        </p:txBody>
-      </p:sp>
-      <p:pic>
-        <p:nvPicPr>
-          <p:cNvPr id="6" name="Picture 5"/>
-          <p:cNvPicPr>
-            <a:picLocks noChangeAspect="1"/>
-          </p:cNvPicPr>
-          <p:nvPr/>
-        </p:nvPicPr>
-        <p:blipFill>
-          <a:blip r:embed="rId2">
-            <a:extLst>
-              <a:ext uri="{28A0092B-C50C-407E-A947-70E740481C1C}">
-                <a14:useLocalDpi xmlns:a14="http://schemas.microsoft.com/office/drawing/2010/main" val="0"/>
-              </a:ext>
-            </a:extLst>
-          </a:blip>
-          <a:stretch>
-            <a:fillRect/>
-          </a:stretch>
-        </p:blipFill>
-        <p:spPr>
-          <a:xfrm>
-            <a:off x="157162" y="84137"/>
-            <a:ext cx="1362075" cy="561975"/>
-          </a:xfrm>
-          <a:prstGeom prst="rect">
-            <a:avLst/>
-          </a:prstGeom>
-        </p:spPr>
-      </p:pic>
-    </p:spTree>
-    <p:extLst>
-      <p:ext uri="{BB962C8B-B14F-4D97-AF65-F5344CB8AC3E}">
-        <p14:creationId xmlns:p14="http://schemas.microsoft.com/office/powerpoint/2010/main" val="2209489317"/>
-      </p:ext>
-    </p:extLst>
-  </p:cSld>
-  <p:clrMapOvr>
-    <a:masterClrMapping/>
-  </p:clrMapOvr>
-  <p:timing>
-    <p:tnLst>
-      <p:par>
-        <p:cTn id="1" dur="indefinite" restart="never" nodeType="tmRoot"/>
-      </p:par>
-    </p:tnLst>
-  </p:timing>
-</p:sld>
-</file>
-
-<file path=ppt/slides/slide35.xml><?xml version="1.0" encoding="utf-8"?>
+<file path=ppt/slides/slide39.xml><?xml version="1.0" encoding="utf-8"?>
 <p:sld xmlns:a="http://schemas.openxmlformats.org/drawingml/2006/main" xmlns:r="http://schemas.openxmlformats.org/officeDocument/2006/relationships" xmlns:p="http://schemas.openxmlformats.org/presentationml/2006/main">
   <p:cSld>
     <p:spTree>
@@ -23689,7 +26597,7 @@
           <a:p>
             <a:fld id="{B777A91B-BF1B-4ECE-B89B-72F2144CF226}" type="slidenum">
               <a:rPr lang="en-US" smtClean="0"/>
-              <a:t>35</a:t>
+              <a:t>39</a:t>
             </a:fld>
             <a:endParaRPr lang="en-US"/>
           </a:p>
@@ -23851,15 +26759,39 @@
           </a:p>
         </p:txBody>
       </p:sp>
+      <p:sp>
+        <p:nvSpPr>
+          <p:cNvPr id="5" name="TextBox 4"/>
+          <p:cNvSpPr txBox="1"/>
+          <p:nvPr/>
+        </p:nvSpPr>
+        <p:spPr>
+          <a:xfrm>
+            <a:off x="1828800" y="4168588"/>
+            <a:ext cx="184731" cy="369332"/>
+          </a:xfrm>
+          <a:prstGeom prst="rect">
+            <a:avLst/>
+          </a:prstGeom>
+          <a:noFill/>
+        </p:spPr>
+        <p:txBody>
+          <a:bodyPr wrap="none" rtlCol="0">
+            <a:spAutoFit/>
+          </a:bodyPr>
+          <a:lstStyle/>
+          <a:p>
+            <a:endParaRPr lang="en-US" dirty="0"/>
+          </a:p>
+        </p:txBody>
+      </p:sp>
       <p:pic>
         <p:nvPicPr>
-          <p:cNvPr id="4" name="Content Placeholder 3"/>
+          <p:cNvPr id="6" name="Picture 5"/>
           <p:cNvPicPr>
-            <a:picLocks noGrp="1" noChangeAspect="1"/>
+            <a:picLocks noChangeAspect="1"/>
           </p:cNvPicPr>
-          <p:nvPr>
-            <p:ph idx="1"/>
-          </p:nvPr>
+          <p:nvPr/>
         </p:nvPicPr>
         <p:blipFill>
           <a:blip r:embed="rId3">
@@ -23875,163 +26807,17 @@
         </p:blipFill>
         <p:spPr>
           <a:xfrm>
-            <a:off x="1439908" y="1341064"/>
-            <a:ext cx="8027831" cy="2477432"/>
-          </a:xfrm>
-        </p:spPr>
-      </p:pic>
-      <p:sp>
-        <p:nvSpPr>
-          <p:cNvPr id="5" name="TextBox 4"/>
-          <p:cNvSpPr txBox="1"/>
-          <p:nvPr/>
-        </p:nvSpPr>
-        <p:spPr>
-          <a:xfrm>
-            <a:off x="1702191" y="3516924"/>
-            <a:ext cx="10359347" cy="3139321"/>
+            <a:off x="1519237" y="1870075"/>
+            <a:ext cx="8262633" cy="4306888"/>
           </a:xfrm>
           <a:prstGeom prst="rect">
             <a:avLst/>
           </a:prstGeom>
-          <a:noFill/>
         </p:spPr>
-        <p:txBody>
-          <a:bodyPr wrap="square" rtlCol="0">
-            <a:spAutoFit/>
-          </a:bodyPr>
-          <a:lstStyle/>
-          <a:p>
-            <a:pPr marL="285750" indent="-285750">
-              <a:buFont typeface="Arial" panose="020B0604020202020204" pitchFamily="34" charset="0"/>
-              <a:buChar char="•"/>
-            </a:pPr>
-            <a:r>
-              <a:rPr lang="en-US" dirty="0" smtClean="0"/>
-              <a:t>Model watches to views and views watches the model. Too many Watches.</a:t>
-            </a:r>
-          </a:p>
-          <a:p>
-            <a:pPr marL="285750" indent="-285750">
-              <a:buFont typeface="Arial" panose="020B0604020202020204" pitchFamily="34" charset="0"/>
-              <a:buChar char="•"/>
-            </a:pPr>
-            <a:r>
-              <a:rPr lang="en-US" dirty="0"/>
-              <a:t>Views re rendering too </a:t>
-            </a:r>
-            <a:r>
-              <a:rPr lang="en-US" dirty="0" smtClean="0"/>
-              <a:t>much.</a:t>
-            </a:r>
-            <a:endParaRPr lang="en-US" dirty="0"/>
-          </a:p>
-          <a:p>
-            <a:pPr marL="285750" indent="-285750">
-              <a:buFont typeface="Arial" panose="020B0604020202020204" pitchFamily="34" charset="0"/>
-              <a:buChar char="•"/>
-            </a:pPr>
-            <a:r>
-              <a:rPr lang="en-US" dirty="0" smtClean="0"/>
-              <a:t>Makes a page of real time data heavy to render.</a:t>
-            </a:r>
-          </a:p>
-          <a:p>
-            <a:pPr marL="285750" indent="-285750">
-              <a:buFont typeface="Arial" panose="020B0604020202020204" pitchFamily="34" charset="0"/>
-              <a:buChar char="•"/>
-            </a:pPr>
-            <a:r>
-              <a:rPr lang="en-US" dirty="0" smtClean="0"/>
-              <a:t>Two way data flow make it difficult to debug a problem.</a:t>
-            </a:r>
-          </a:p>
-          <a:p>
-            <a:pPr marL="285750" indent="-285750">
-              <a:buFont typeface="Arial" panose="020B0604020202020204" pitchFamily="34" charset="0"/>
-              <a:buChar char="•"/>
-            </a:pPr>
-            <a:r>
-              <a:rPr lang="en-US" dirty="0" smtClean="0"/>
-              <a:t>MVC </a:t>
-            </a:r>
-            <a:r>
-              <a:rPr lang="en-US" dirty="0"/>
-              <a:t>did not scale well for Facebook’s huge codebase. The main problem for them was the bidirectional </a:t>
-            </a:r>
-            <a:endParaRPr lang="en-US" dirty="0" smtClean="0"/>
-          </a:p>
-          <a:p>
-            <a:r>
-              <a:rPr lang="en-US" dirty="0" smtClean="0"/>
-              <a:t>     communication</a:t>
-            </a:r>
-            <a:r>
-              <a:rPr lang="en-US" dirty="0"/>
-              <a:t>, where one change can loop back and have cascading effects across the codebase </a:t>
-            </a:r>
-            <a:endParaRPr lang="en-US" dirty="0" smtClean="0"/>
-          </a:p>
-          <a:p>
-            <a:r>
-              <a:rPr lang="en-US" dirty="0" smtClean="0"/>
-              <a:t>     (</a:t>
-            </a:r>
-            <a:r>
-              <a:rPr lang="en-US" dirty="0"/>
-              <a:t>making things very complicated to debug and understand).</a:t>
-            </a:r>
-          </a:p>
-          <a:p>
-            <a:endParaRPr lang="en-US" dirty="0"/>
-          </a:p>
-          <a:p>
-            <a:pPr marL="285750" indent="-285750">
-              <a:buFont typeface="Arial" panose="020B0604020202020204" pitchFamily="34" charset="0"/>
-              <a:buChar char="•"/>
-            </a:pPr>
-            <a:endParaRPr lang="en-US" dirty="0" smtClean="0"/>
-          </a:p>
-          <a:p>
-            <a:pPr marL="285750" indent="-285750">
-              <a:buFont typeface="Arial" panose="020B0604020202020204" pitchFamily="34" charset="0"/>
-              <a:buChar char="•"/>
-            </a:pPr>
-            <a:endParaRPr lang="en-US" dirty="0" smtClean="0"/>
-          </a:p>
-          <a:p>
-            <a:endParaRPr lang="en-US" dirty="0"/>
-          </a:p>
-        </p:txBody>
-      </p:sp>
-      <p:sp>
-        <p:nvSpPr>
-          <p:cNvPr id="3" name="Footer Placeholder 2"/>
-          <p:cNvSpPr>
-            <a:spLocks noGrp="1"/>
-          </p:cNvSpPr>
-          <p:nvPr>
-            <p:ph type="ftr" sz="quarter" idx="11"/>
-          </p:nvPr>
-        </p:nvSpPr>
-        <p:spPr/>
-        <p:txBody>
-          <a:bodyPr/>
-          <a:lstStyle/>
-          <a:p>
-            <a:r>
-              <a:rPr lang="en-US" smtClean="0"/>
-              <a:t>Web Training Session</a:t>
-            </a:r>
-          </a:p>
-          <a:p>
-            <a:endParaRPr lang="en-US" dirty="0"/>
-          </a:p>
-        </p:txBody>
-      </p:sp>
-      <p:sp>
-        <p:nvSpPr>
-          <p:cNvPr id="6" name="Slide Number Placeholder 5"/>
+      </p:pic>
+      <p:sp>
+        <p:nvSpPr>
+          <p:cNvPr id="7" name="Slide Number Placeholder 6"/>
           <p:cNvSpPr>
             <a:spLocks noGrp="1"/>
           </p:cNvSpPr>
@@ -24054,7 +26840,7 @@
       </p:sp>
       <p:pic>
         <p:nvPicPr>
-          <p:cNvPr id="9" name="Picture 8"/>
+          <p:cNvPr id="8" name="Picture 7"/>
           <p:cNvPicPr>
             <a:picLocks noChangeAspect="1"/>
           </p:cNvPicPr>
@@ -24082,10 +26868,52 @@
           </a:prstGeom>
         </p:spPr>
       </p:pic>
+      <p:sp>
+        <p:nvSpPr>
+          <p:cNvPr id="3" name="Content Placeholder 2"/>
+          <p:cNvSpPr>
+            <a:spLocks noGrp="1"/>
+          </p:cNvSpPr>
+          <p:nvPr>
+            <p:ph idx="1"/>
+          </p:nvPr>
+        </p:nvSpPr>
+        <p:spPr/>
+        <p:txBody>
+          <a:bodyPr/>
+          <a:lstStyle/>
+          <a:p>
+            <a:endParaRPr lang="en-US" dirty="0"/>
+          </a:p>
+        </p:txBody>
+      </p:sp>
+      <p:sp>
+        <p:nvSpPr>
+          <p:cNvPr id="9" name="Footer Placeholder 8"/>
+          <p:cNvSpPr>
+            <a:spLocks noGrp="1"/>
+          </p:cNvSpPr>
+          <p:nvPr>
+            <p:ph type="ftr" sz="quarter" idx="11"/>
+          </p:nvPr>
+        </p:nvSpPr>
+        <p:spPr/>
+        <p:txBody>
+          <a:bodyPr/>
+          <a:lstStyle/>
+          <a:p>
+            <a:r>
+              <a:rPr lang="en-US" dirty="0" smtClean="0"/>
+              <a:t>Understanding Flux</a:t>
+            </a:r>
+            <a:endParaRPr lang="en-US" dirty="0"/>
+          </a:p>
+        </p:txBody>
+      </p:sp>
     </p:spTree>
     <p:extLst>
       <p:ext uri="{BB962C8B-B14F-4D97-AF65-F5344CB8AC3E}">
-        <p14:creationId xmlns:p14="http://schemas.microsoft.com/office/powerpoint/2010/main" val="772403909"/>
+        <p14:creationId xmlns:p14="http://schemas.microsoft.com/office/powerpoint/2010/main" val="2718338151"/>
       </p:ext>
     </p:extLst>
   </p:cSld>
@@ -24095,80 +26923,9 @@
   <p:timing>
     <p:tnLst>
       <p:par>
-        <p:cTn id="1" dur="indefinite" restart="never" nodeType="tmRoot">
-          <p:childTnLst>
-            <p:seq concurrent="1" nextAc="seek">
-              <p:cTn id="2" dur="indefinite" nodeType="mainSeq">
-                <p:childTnLst>
-                  <p:par>
-                    <p:cTn id="3" fill="hold">
-                      <p:stCondLst>
-                        <p:cond delay="indefinite"/>
-                      </p:stCondLst>
-                      <p:childTnLst>
-                        <p:par>
-                          <p:cTn id="4" fill="hold">
-                            <p:stCondLst>
-                              <p:cond delay="0"/>
-                            </p:stCondLst>
-                            <p:childTnLst>
-                              <p:par>
-                                <p:cTn id="5" presetID="1" presetClass="entr" presetSubtype="0" fill="hold" grpId="0" nodeType="clickEffect">
-                                  <p:stCondLst>
-                                    <p:cond delay="0"/>
-                                  </p:stCondLst>
-                                  <p:childTnLst>
-                                    <p:set>
-                                      <p:cBhvr>
-                                        <p:cTn id="6" dur="1" fill="hold">
-                                          <p:stCondLst>
-                                            <p:cond delay="0"/>
-                                          </p:stCondLst>
-                                        </p:cTn>
-                                        <p:tgtEl>
-                                          <p:spTgt spid="5"/>
-                                        </p:tgtEl>
-                                        <p:attrNameLst>
-                                          <p:attrName>style.visibility</p:attrName>
-                                        </p:attrNameLst>
-                                      </p:cBhvr>
-                                      <p:to>
-                                        <p:strVal val="visible"/>
-                                      </p:to>
-                                    </p:set>
-                                  </p:childTnLst>
-                                </p:cTn>
-                              </p:par>
-                            </p:childTnLst>
-                          </p:cTn>
-                        </p:par>
-                      </p:childTnLst>
-                    </p:cTn>
-                  </p:par>
-                </p:childTnLst>
-              </p:cTn>
-              <p:prevCondLst>
-                <p:cond evt="onPrev" delay="0">
-                  <p:tgtEl>
-                    <p:sldTgt/>
-                  </p:tgtEl>
-                </p:cond>
-              </p:prevCondLst>
-              <p:nextCondLst>
-                <p:cond evt="onNext" delay="0">
-                  <p:tgtEl>
-                    <p:sldTgt/>
-                  </p:tgtEl>
-                </p:cond>
-              </p:nextCondLst>
-            </p:seq>
-          </p:childTnLst>
-        </p:cTn>
+        <p:cTn id="1" dur="indefinite" restart="never" nodeType="tmRoot"/>
       </p:par>
     </p:tnLst>
-    <p:bldLst>
-      <p:bldP spid="5" grpId="0"/>
-    </p:bldLst>
   </p:timing>
 </p:sld>
 </file>
@@ -24206,8 +26963,12 @@
           <a:lstStyle/>
           <a:p>
             <a:r>
+              <a:rPr lang="en-US" dirty="0" smtClean="0"/>
+              <a:t>Understanding the </a:t>
+            </a:r>
+            <a:r>
               <a:rPr lang="en-US" dirty="0"/>
-              <a:t>Introducing the Flux Architecture </a:t>
+              <a:t>Flux Architecture </a:t>
             </a:r>
           </a:p>
         </p:txBody>
@@ -24413,431 +27174,16 @@
           <a:lstStyle/>
           <a:p>
             <a:r>
-              <a:rPr lang="en-US" dirty="0"/>
-              <a:t>Introducing the Flux Architecture </a:t>
-            </a:r>
-          </a:p>
-        </p:txBody>
-      </p:sp>
-      <p:sp>
-        <p:nvSpPr>
-          <p:cNvPr id="3" name="Content Placeholder 2"/>
-          <p:cNvSpPr>
-            <a:spLocks noGrp="1"/>
-          </p:cNvSpPr>
-          <p:nvPr>
-            <p:ph idx="1"/>
-          </p:nvPr>
-        </p:nvSpPr>
-        <p:spPr/>
-        <p:txBody>
-          <a:bodyPr>
-            <a:normAutofit lnSpcReduction="10000"/>
-          </a:bodyPr>
-          <a:lstStyle/>
-          <a:p>
-            <a:r>
-              <a:rPr lang="en-US" b="1" dirty="0" smtClean="0"/>
-              <a:t>Actions </a:t>
-            </a:r>
-            <a:r>
               <a:rPr lang="en-US" dirty="0" smtClean="0"/>
-              <a:t>are the triggers that are initiated by the view or some other components of an application.</a:t>
-            </a:r>
-            <a:endParaRPr lang="en-US" b="1" dirty="0"/>
-          </a:p>
-          <a:p>
-            <a:r>
-              <a:rPr lang="en-US" b="1" dirty="0" smtClean="0"/>
-              <a:t>Dispatcher </a:t>
+              <a:t>Understanding </a:t>
             </a:r>
             <a:r>
               <a:rPr lang="en-US" dirty="0" smtClean="0"/>
-              <a:t>catches the action and dispatch it to its respective stores where the corresponding actions was registered.</a:t>
-            </a:r>
-            <a:endParaRPr lang="en-US" b="1" dirty="0"/>
-          </a:p>
-          <a:p>
-            <a:r>
-              <a:rPr lang="en-US" b="1" dirty="0" smtClean="0"/>
-              <a:t>Stores </a:t>
+              <a:t>the </a:t>
             </a:r>
             <a:r>
               <a:rPr lang="en-US" dirty="0" smtClean="0"/>
-              <a:t>are the data layer of flux that holds the application state data. It also holds the callbacks of actions coming from the dispatcher where the data can be manipulated to its new state. Once the state of data is changed it re renders its respective view.</a:t>
-            </a:r>
-          </a:p>
-          <a:p>
-            <a:r>
-              <a:rPr lang="en-US" b="1" dirty="0" smtClean="0"/>
-              <a:t>Views </a:t>
-            </a:r>
-            <a:r>
-              <a:rPr lang="en-US" dirty="0" smtClean="0"/>
-              <a:t>are the front end components to render the data coming from the stores. Views can then again initiate some action to the dispatcher.</a:t>
-            </a:r>
-            <a:endParaRPr lang="en-US" b="1" dirty="0"/>
-          </a:p>
-        </p:txBody>
-      </p:sp>
-      <p:sp>
-        <p:nvSpPr>
-          <p:cNvPr id="4" name="Footer Placeholder 3"/>
-          <p:cNvSpPr>
-            <a:spLocks noGrp="1"/>
-          </p:cNvSpPr>
-          <p:nvPr>
-            <p:ph type="ftr" sz="quarter" idx="11"/>
-          </p:nvPr>
-        </p:nvSpPr>
-        <p:spPr/>
-        <p:txBody>
-          <a:bodyPr/>
-          <a:lstStyle/>
-          <a:p>
-            <a:endParaRPr lang="en-US" smtClean="0"/>
-          </a:p>
-          <a:p>
-            <a:r>
-              <a:rPr lang="en-US" smtClean="0"/>
               <a:t>Flux Architecture </a:t>
-            </a:r>
-          </a:p>
-          <a:p>
-            <a:endParaRPr lang="en-US" dirty="0"/>
-          </a:p>
-        </p:txBody>
-      </p:sp>
-      <p:sp>
-        <p:nvSpPr>
-          <p:cNvPr id="5" name="Slide Number Placeholder 4"/>
-          <p:cNvSpPr>
-            <a:spLocks noGrp="1"/>
-          </p:cNvSpPr>
-          <p:nvPr>
-            <p:ph type="sldNum" sz="quarter" idx="12"/>
-          </p:nvPr>
-        </p:nvSpPr>
-        <p:spPr/>
-        <p:txBody>
-          <a:bodyPr/>
-          <a:lstStyle/>
-          <a:p>
-            <a:fld id="{B777A91B-BF1B-4ECE-B89B-72F2144CF226}" type="slidenum">
-              <a:rPr lang="en-US" smtClean="0"/>
-              <a:t>6</a:t>
-            </a:fld>
-            <a:endParaRPr lang="en-US"/>
-          </a:p>
-        </p:txBody>
-      </p:sp>
-      <p:pic>
-        <p:nvPicPr>
-          <p:cNvPr id="6" name="Picture 5"/>
-          <p:cNvPicPr>
-            <a:picLocks noChangeAspect="1"/>
-          </p:cNvPicPr>
-          <p:nvPr/>
-        </p:nvPicPr>
-        <p:blipFill>
-          <a:blip r:embed="rId2">
-            <a:extLst>
-              <a:ext uri="{28A0092B-C50C-407E-A947-70E740481C1C}">
-                <a14:useLocalDpi xmlns:a14="http://schemas.microsoft.com/office/drawing/2010/main" val="0"/>
-              </a:ext>
-            </a:extLst>
-          </a:blip>
-          <a:stretch>
-            <a:fillRect/>
-          </a:stretch>
-        </p:blipFill>
-        <p:spPr>
-          <a:xfrm>
-            <a:off x="157162" y="84137"/>
-            <a:ext cx="1362075" cy="561975"/>
-          </a:xfrm>
-          <a:prstGeom prst="rect">
-            <a:avLst/>
-          </a:prstGeom>
-        </p:spPr>
-      </p:pic>
-    </p:spTree>
-    <p:extLst>
-      <p:ext uri="{BB962C8B-B14F-4D97-AF65-F5344CB8AC3E}">
-        <p14:creationId xmlns:p14="http://schemas.microsoft.com/office/powerpoint/2010/main" val="3107692067"/>
-      </p:ext>
-    </p:extLst>
-  </p:cSld>
-  <p:clrMapOvr>
-    <a:masterClrMapping/>
-  </p:clrMapOvr>
-  <p:timing>
-    <p:tnLst>
-      <p:par>
-        <p:cTn id="1" dur="indefinite" restart="never" nodeType="tmRoot">
-          <p:childTnLst>
-            <p:seq concurrent="1" nextAc="seek">
-              <p:cTn id="2" dur="indefinite" nodeType="mainSeq">
-                <p:childTnLst>
-                  <p:par>
-                    <p:cTn id="3" fill="hold">
-                      <p:stCondLst>
-                        <p:cond delay="indefinite"/>
-                      </p:stCondLst>
-                      <p:childTnLst>
-                        <p:par>
-                          <p:cTn id="4" fill="hold">
-                            <p:stCondLst>
-                              <p:cond delay="0"/>
-                            </p:stCondLst>
-                            <p:childTnLst>
-                              <p:par>
-                                <p:cTn id="5" presetID="1" presetClass="entr" presetSubtype="0" fill="hold" grpId="0" nodeType="clickEffect">
-                                  <p:stCondLst>
-                                    <p:cond delay="0"/>
-                                  </p:stCondLst>
-                                  <p:childTnLst>
-                                    <p:set>
-                                      <p:cBhvr>
-                                        <p:cTn id="6" dur="1" fill="hold">
-                                          <p:stCondLst>
-                                            <p:cond delay="0"/>
-                                          </p:stCondLst>
-                                        </p:cTn>
-                                        <p:tgtEl>
-                                          <p:spTgt spid="3">
-                                            <p:txEl>
-                                              <p:pRg st="0" end="0"/>
-                                            </p:txEl>
-                                          </p:spTgt>
-                                        </p:tgtEl>
-                                        <p:attrNameLst>
-                                          <p:attrName>style.visibility</p:attrName>
-                                        </p:attrNameLst>
-                                      </p:cBhvr>
-                                      <p:to>
-                                        <p:strVal val="visible"/>
-                                      </p:to>
-                                    </p:set>
-                                  </p:childTnLst>
-                                </p:cTn>
-                              </p:par>
-                            </p:childTnLst>
-                          </p:cTn>
-                        </p:par>
-                      </p:childTnLst>
-                    </p:cTn>
-                  </p:par>
-                  <p:par>
-                    <p:cTn id="7" fill="hold">
-                      <p:stCondLst>
-                        <p:cond delay="indefinite"/>
-                      </p:stCondLst>
-                      <p:childTnLst>
-                        <p:par>
-                          <p:cTn id="8" fill="hold">
-                            <p:stCondLst>
-                              <p:cond delay="0"/>
-                            </p:stCondLst>
-                            <p:childTnLst>
-                              <p:par>
-                                <p:cTn id="9" presetID="1" presetClass="entr" presetSubtype="0" fill="hold" grpId="0" nodeType="clickEffect">
-                                  <p:stCondLst>
-                                    <p:cond delay="0"/>
-                                  </p:stCondLst>
-                                  <p:childTnLst>
-                                    <p:set>
-                                      <p:cBhvr>
-                                        <p:cTn id="10" dur="1" fill="hold">
-                                          <p:stCondLst>
-                                            <p:cond delay="0"/>
-                                          </p:stCondLst>
-                                        </p:cTn>
-                                        <p:tgtEl>
-                                          <p:spTgt spid="3">
-                                            <p:txEl>
-                                              <p:pRg st="1" end="1"/>
-                                            </p:txEl>
-                                          </p:spTgt>
-                                        </p:tgtEl>
-                                        <p:attrNameLst>
-                                          <p:attrName>style.visibility</p:attrName>
-                                        </p:attrNameLst>
-                                      </p:cBhvr>
-                                      <p:to>
-                                        <p:strVal val="visible"/>
-                                      </p:to>
-                                    </p:set>
-                                  </p:childTnLst>
-                                </p:cTn>
-                              </p:par>
-                            </p:childTnLst>
-                          </p:cTn>
-                        </p:par>
-                      </p:childTnLst>
-                    </p:cTn>
-                  </p:par>
-                  <p:par>
-                    <p:cTn id="11" fill="hold">
-                      <p:stCondLst>
-                        <p:cond delay="indefinite"/>
-                      </p:stCondLst>
-                      <p:childTnLst>
-                        <p:par>
-                          <p:cTn id="12" fill="hold">
-                            <p:stCondLst>
-                              <p:cond delay="0"/>
-                            </p:stCondLst>
-                            <p:childTnLst>
-                              <p:par>
-                                <p:cTn id="13" presetID="1" presetClass="entr" presetSubtype="0" fill="hold" grpId="0" nodeType="clickEffect">
-                                  <p:stCondLst>
-                                    <p:cond delay="0"/>
-                                  </p:stCondLst>
-                                  <p:childTnLst>
-                                    <p:set>
-                                      <p:cBhvr>
-                                        <p:cTn id="14" dur="1" fill="hold">
-                                          <p:stCondLst>
-                                            <p:cond delay="0"/>
-                                          </p:stCondLst>
-                                        </p:cTn>
-                                        <p:tgtEl>
-                                          <p:spTgt spid="3">
-                                            <p:txEl>
-                                              <p:pRg st="2" end="2"/>
-                                            </p:txEl>
-                                          </p:spTgt>
-                                        </p:tgtEl>
-                                        <p:attrNameLst>
-                                          <p:attrName>style.visibility</p:attrName>
-                                        </p:attrNameLst>
-                                      </p:cBhvr>
-                                      <p:to>
-                                        <p:strVal val="visible"/>
-                                      </p:to>
-                                    </p:set>
-                                  </p:childTnLst>
-                                </p:cTn>
-                              </p:par>
-                            </p:childTnLst>
-                          </p:cTn>
-                        </p:par>
-                      </p:childTnLst>
-                    </p:cTn>
-                  </p:par>
-                  <p:par>
-                    <p:cTn id="15" fill="hold">
-                      <p:stCondLst>
-                        <p:cond delay="indefinite"/>
-                      </p:stCondLst>
-                      <p:childTnLst>
-                        <p:par>
-                          <p:cTn id="16" fill="hold">
-                            <p:stCondLst>
-                              <p:cond delay="0"/>
-                            </p:stCondLst>
-                            <p:childTnLst>
-                              <p:par>
-                                <p:cTn id="17" presetID="1" presetClass="entr" presetSubtype="0" fill="hold" grpId="0" nodeType="clickEffect">
-                                  <p:stCondLst>
-                                    <p:cond delay="0"/>
-                                  </p:stCondLst>
-                                  <p:childTnLst>
-                                    <p:set>
-                                      <p:cBhvr>
-                                        <p:cTn id="18" dur="1" fill="hold">
-                                          <p:stCondLst>
-                                            <p:cond delay="0"/>
-                                          </p:stCondLst>
-                                        </p:cTn>
-                                        <p:tgtEl>
-                                          <p:spTgt spid="3">
-                                            <p:txEl>
-                                              <p:pRg st="3" end="3"/>
-                                            </p:txEl>
-                                          </p:spTgt>
-                                        </p:tgtEl>
-                                        <p:attrNameLst>
-                                          <p:attrName>style.visibility</p:attrName>
-                                        </p:attrNameLst>
-                                      </p:cBhvr>
-                                      <p:to>
-                                        <p:strVal val="visible"/>
-                                      </p:to>
-                                    </p:set>
-                                  </p:childTnLst>
-                                </p:cTn>
-                              </p:par>
-                            </p:childTnLst>
-                          </p:cTn>
-                        </p:par>
-                      </p:childTnLst>
-                    </p:cTn>
-                  </p:par>
-                </p:childTnLst>
-              </p:cTn>
-              <p:prevCondLst>
-                <p:cond evt="onPrev" delay="0">
-                  <p:tgtEl>
-                    <p:sldTgt/>
-                  </p:tgtEl>
-                </p:cond>
-              </p:prevCondLst>
-              <p:nextCondLst>
-                <p:cond evt="onNext" delay="0">
-                  <p:tgtEl>
-                    <p:sldTgt/>
-                  </p:tgtEl>
-                </p:cond>
-              </p:nextCondLst>
-            </p:seq>
-          </p:childTnLst>
-        </p:cTn>
-      </p:par>
-    </p:tnLst>
-    <p:bldLst>
-      <p:bldP spid="3" grpId="0" build="p"/>
-    </p:bldLst>
-  </p:timing>
-</p:sld>
-</file>
-
-<file path=ppt/slides/slide7.xml><?xml version="1.0" encoding="utf-8"?>
-<p:sld xmlns:a="http://schemas.openxmlformats.org/drawingml/2006/main" xmlns:r="http://schemas.openxmlformats.org/officeDocument/2006/relationships" xmlns:p="http://schemas.openxmlformats.org/presentationml/2006/main">
-  <p:cSld>
-    <p:spTree>
-      <p:nvGrpSpPr>
-        <p:cNvPr id="1" name=""/>
-        <p:cNvGrpSpPr/>
-        <p:nvPr/>
-      </p:nvGrpSpPr>
-      <p:grpSpPr>
-        <a:xfrm>
-          <a:off x="0" y="0"/>
-          <a:ext cx="0" cy="0"/>
-          <a:chOff x="0" y="0"/>
-          <a:chExt cx="0" cy="0"/>
-        </a:xfrm>
-      </p:grpSpPr>
-      <p:sp>
-        <p:nvSpPr>
-          <p:cNvPr id="2" name="Title 1"/>
-          <p:cNvSpPr>
-            <a:spLocks noGrp="1"/>
-          </p:cNvSpPr>
-          <p:nvPr>
-            <p:ph type="title"/>
-          </p:nvPr>
-        </p:nvSpPr>
-        <p:spPr/>
-        <p:txBody>
-          <a:bodyPr/>
-          <a:lstStyle/>
-          <a:p>
-            <a:r>
-              <a:rPr lang="en-US" dirty="0" smtClean="0"/>
-              <a:t>Introducing the Flux Architecture </a:t>
             </a:r>
             <a:endParaRPr lang="en-US" dirty="0"/>
           </a:p>
@@ -24854,7 +27200,7 @@
           </p:nvPr>
         </p:nvPicPr>
         <p:blipFill>
-          <a:blip r:embed="rId2">
+          <a:blip r:embed="rId3">
             <a:extLst>
               <a:ext uri="{28A0092B-C50C-407E-A947-70E740481C1C}">
                 <a14:useLocalDpi xmlns:a14="http://schemas.microsoft.com/office/drawing/2010/main" val="0"/>
@@ -24917,7 +27263,7 @@
           <a:p>
             <a:fld id="{B777A91B-BF1B-4ECE-B89B-72F2144CF226}" type="slidenum">
               <a:rPr lang="en-US" smtClean="0"/>
-              <a:t>7</a:t>
+              <a:t>6</a:t>
             </a:fld>
             <a:endParaRPr lang="en-US"/>
           </a:p>
@@ -24932,7 +27278,7 @@
           <p:nvPr/>
         </p:nvPicPr>
         <p:blipFill>
-          <a:blip r:embed="rId3">
+          <a:blip r:embed="rId4">
             <a:extLst>
               <a:ext uri="{28A0092B-C50C-407E-A947-70E740481C1C}">
                 <a14:useLocalDpi xmlns:a14="http://schemas.microsoft.com/office/drawing/2010/main" val="0"/>
@@ -24973,7 +27319,7 @@
 </p:sld>
 </file>
 
-<file path=ppt/slides/slide8.xml><?xml version="1.0" encoding="utf-8"?>
+<file path=ppt/slides/slide7.xml><?xml version="1.0" encoding="utf-8"?>
 <p:sld xmlns:a="http://schemas.openxmlformats.org/drawingml/2006/main" xmlns:r="http://schemas.openxmlformats.org/officeDocument/2006/relationships" xmlns:p="http://schemas.openxmlformats.org/presentationml/2006/main">
   <p:cSld>
     <p:spTree>
@@ -25131,7 +27477,7 @@
           <a:p>
             <a:fld id="{B777A91B-BF1B-4ECE-B89B-72F2144CF226}" type="slidenum">
               <a:rPr lang="en-US" smtClean="0"/>
-              <a:t>8</a:t>
+              <a:t>7</a:t>
             </a:fld>
             <a:endParaRPr lang="en-US"/>
           </a:p>
@@ -25187,7 +27533,7 @@
 </p:sld>
 </file>
 
-<file path=ppt/slides/slide9.xml><?xml version="1.0" encoding="utf-8"?>
+<file path=ppt/slides/slide8.xml><?xml version="1.0" encoding="utf-8"?>
 <p:sld xmlns:a="http://schemas.openxmlformats.org/drawingml/2006/main" xmlns:r="http://schemas.openxmlformats.org/officeDocument/2006/relationships" xmlns:p="http://schemas.openxmlformats.org/presentationml/2006/main">
   <p:cSld>
     <p:spTree>
@@ -25220,12 +27566,20 @@
           <a:lstStyle/>
           <a:p>
             <a:r>
+              <a:rPr lang="en-US" dirty="0" smtClean="0"/>
+              <a:t>A brief intro of </a:t>
+            </a:r>
+            <a:r>
               <a:rPr lang="en-US" dirty="0" err="1" smtClean="0"/>
               <a:t>Ecmascript</a:t>
             </a:r>
             <a:r>
               <a:rPr lang="en-US" dirty="0" smtClean="0"/>
-              <a:t> 6</a:t>
+              <a:t> </a:t>
+            </a:r>
+            <a:r>
+              <a:rPr lang="en-US" dirty="0" smtClean="0"/>
+              <a:t>6</a:t>
             </a:r>
             <a:endParaRPr lang="en-US" dirty="0"/>
           </a:p>
@@ -25260,24 +27614,6 @@
             </a:r>
           </a:p>
           <a:p>
-            <a:r>
-              <a:rPr lang="en-US" dirty="0" smtClean="0"/>
-              <a:t>We will use classes of ES6 in our sample application. </a:t>
-            </a:r>
-          </a:p>
-          <a:p>
-            <a:r>
-              <a:rPr lang="en-US" dirty="0" smtClean="0"/>
-              <a:t>Therefore some transformer is needed to make the ES6 code compatible to the browsers that only know ES5</a:t>
-            </a:r>
-          </a:p>
-          <a:p>
-            <a:r>
-              <a:rPr lang="en-US" dirty="0" smtClean="0"/>
-              <a:t>Will discuss it later</a:t>
-            </a:r>
-          </a:p>
-          <a:p>
             <a:pPr marL="0" indent="0">
               <a:buNone/>
             </a:pPr>
@@ -25329,7 +27665,7 @@
           <a:p>
             <a:fld id="{B777A91B-BF1B-4ECE-B89B-72F2144CF226}" type="slidenum">
               <a:rPr lang="en-US" smtClean="0"/>
-              <a:t>9</a:t>
+              <a:t>8</a:t>
             </a:fld>
             <a:endParaRPr lang="en-US"/>
           </a:p>
@@ -25344,7 +27680,7 @@
           <p:nvPr/>
         </p:nvPicPr>
         <p:blipFill>
-          <a:blip r:embed="rId2">
+          <a:blip r:embed="rId3">
             <a:extLst>
               <a:ext uri="{28A0092B-C50C-407E-A947-70E740481C1C}">
                 <a14:useLocalDpi xmlns:a14="http://schemas.microsoft.com/office/drawing/2010/main" val="0"/>
@@ -25365,10 +27701,450 @@
           </a:prstGeom>
         </p:spPr>
       </p:pic>
+      <p:pic>
+        <p:nvPicPr>
+          <p:cNvPr id="4" name="Picture 3"/>
+          <p:cNvPicPr>
+            <a:picLocks noChangeAspect="1"/>
+          </p:cNvPicPr>
+          <p:nvPr/>
+        </p:nvPicPr>
+        <p:blipFill>
+          <a:blip r:embed="rId4">
+            <a:extLst>
+              <a:ext uri="{28A0092B-C50C-407E-A947-70E740481C1C}">
+                <a14:useLocalDpi xmlns:a14="http://schemas.microsoft.com/office/drawing/2010/main" val="0"/>
+              </a:ext>
+            </a:extLst>
+          </a:blip>
+          <a:stretch>
+            <a:fillRect/>
+          </a:stretch>
+        </p:blipFill>
+        <p:spPr>
+          <a:xfrm>
+            <a:off x="1777999" y="2341327"/>
+            <a:ext cx="7822918" cy="3925329"/>
+          </a:xfrm>
+          <a:prstGeom prst="rect">
+            <a:avLst/>
+          </a:prstGeom>
+        </p:spPr>
+      </p:pic>
     </p:spTree>
     <p:extLst>
       <p:ext uri="{BB962C8B-B14F-4D97-AF65-F5344CB8AC3E}">
         <p14:creationId xmlns:p14="http://schemas.microsoft.com/office/powerpoint/2010/main" val="1909807227"/>
+      </p:ext>
+    </p:extLst>
+  </p:cSld>
+  <p:clrMapOvr>
+    <a:masterClrMapping/>
+  </p:clrMapOvr>
+  <p:timing>
+    <p:tnLst>
+      <p:par>
+        <p:cTn id="1" dur="indefinite" restart="never" nodeType="tmRoot"/>
+      </p:par>
+    </p:tnLst>
+  </p:timing>
+</p:sld>
+</file>
+
+<file path=ppt/slides/slide9.xml><?xml version="1.0" encoding="utf-8"?>
+<p:sld xmlns:a="http://schemas.openxmlformats.org/drawingml/2006/main" xmlns:r="http://schemas.openxmlformats.org/officeDocument/2006/relationships" xmlns:p="http://schemas.openxmlformats.org/presentationml/2006/main">
+  <p:cSld>
+    <p:spTree>
+      <p:nvGrpSpPr>
+        <p:cNvPr id="1" name=""/>
+        <p:cNvGrpSpPr/>
+        <p:nvPr/>
+      </p:nvGrpSpPr>
+      <p:grpSpPr>
+        <a:xfrm>
+          <a:off x="0" y="0"/>
+          <a:ext cx="0" cy="0"/>
+          <a:chOff x="0" y="0"/>
+          <a:chExt cx="0" cy="0"/>
+        </a:xfrm>
+      </p:grpSpPr>
+      <p:sp>
+        <p:nvSpPr>
+          <p:cNvPr id="2" name="Title 1"/>
+          <p:cNvSpPr>
+            <a:spLocks noGrp="1"/>
+          </p:cNvSpPr>
+          <p:nvPr>
+            <p:ph type="title"/>
+          </p:nvPr>
+        </p:nvSpPr>
+        <p:spPr/>
+        <p:txBody>
+          <a:bodyPr/>
+          <a:lstStyle/>
+          <a:p>
+            <a:r>
+              <a:rPr lang="en-US" dirty="0" smtClean="0"/>
+              <a:t>What Alt provides us?</a:t>
+            </a:r>
+            <a:endParaRPr lang="en-US" dirty="0"/>
+          </a:p>
+        </p:txBody>
+      </p:sp>
+      <p:sp>
+        <p:nvSpPr>
+          <p:cNvPr id="3" name="Content Placeholder 2"/>
+          <p:cNvSpPr>
+            <a:spLocks noGrp="1"/>
+          </p:cNvSpPr>
+          <p:nvPr>
+            <p:ph idx="1"/>
+          </p:nvPr>
+        </p:nvSpPr>
+        <p:spPr>
+          <a:xfrm>
+            <a:off x="4038600" y="1991519"/>
+            <a:ext cx="6427694" cy="4351338"/>
+          </a:xfrm>
+        </p:spPr>
+        <p:txBody>
+          <a:bodyPr/>
+          <a:lstStyle/>
+          <a:p>
+            <a:r>
+              <a:rPr lang="en-US" dirty="0" smtClean="0"/>
+              <a:t>Yes </a:t>
+            </a:r>
+          </a:p>
+          <a:p>
+            <a:r>
+              <a:rPr lang="en-US" dirty="0" smtClean="0"/>
+              <a:t>No (we will use react-router)</a:t>
+            </a:r>
+          </a:p>
+          <a:p>
+            <a:r>
+              <a:rPr lang="en-US" dirty="0" smtClean="0"/>
+              <a:t>Yes (Abstract)</a:t>
+            </a:r>
+          </a:p>
+          <a:p>
+            <a:r>
+              <a:rPr lang="en-US" dirty="0" smtClean="0"/>
+              <a:t>Yes (Abstract)</a:t>
+            </a:r>
+          </a:p>
+          <a:p>
+            <a:r>
+              <a:rPr lang="en-US" dirty="0" smtClean="0"/>
+              <a:t>No</a:t>
+            </a:r>
+            <a:r>
+              <a:rPr lang="en-US" dirty="0" smtClean="0"/>
+              <a:t>			</a:t>
+            </a:r>
+            <a:endParaRPr lang="en-US" dirty="0"/>
+          </a:p>
+        </p:txBody>
+      </p:sp>
+      <p:sp>
+        <p:nvSpPr>
+          <p:cNvPr id="5" name="Footer Placeholder 4"/>
+          <p:cNvSpPr>
+            <a:spLocks noGrp="1"/>
+          </p:cNvSpPr>
+          <p:nvPr>
+            <p:ph type="ftr" sz="quarter" idx="11"/>
+          </p:nvPr>
+        </p:nvSpPr>
+        <p:spPr/>
+        <p:txBody>
+          <a:bodyPr/>
+          <a:lstStyle/>
+          <a:p>
+            <a:r>
+              <a:rPr lang="en-US" smtClean="0"/>
+              <a:t>Ecmascript 6</a:t>
+            </a:r>
+            <a:endParaRPr lang="en-US" dirty="0"/>
+          </a:p>
+        </p:txBody>
+      </p:sp>
+      <p:sp>
+        <p:nvSpPr>
+          <p:cNvPr id="6" name="Slide Number Placeholder 5"/>
+          <p:cNvSpPr>
+            <a:spLocks noGrp="1"/>
+          </p:cNvSpPr>
+          <p:nvPr>
+            <p:ph type="sldNum" sz="quarter" idx="12"/>
+          </p:nvPr>
+        </p:nvSpPr>
+        <p:spPr/>
+        <p:txBody>
+          <a:bodyPr/>
+          <a:lstStyle/>
+          <a:p>
+            <a:fld id="{B777A91B-BF1B-4ECE-B89B-72F2144CF226}" type="slidenum">
+              <a:rPr lang="en-US" smtClean="0"/>
+              <a:t>9</a:t>
+            </a:fld>
+            <a:endParaRPr lang="en-US"/>
+          </a:p>
+        </p:txBody>
+      </p:sp>
+      <p:pic>
+        <p:nvPicPr>
+          <p:cNvPr id="7" name="Picture 6"/>
+          <p:cNvPicPr>
+            <a:picLocks noChangeAspect="1"/>
+          </p:cNvPicPr>
+          <p:nvPr/>
+        </p:nvPicPr>
+        <p:blipFill>
+          <a:blip r:embed="rId3">
+            <a:extLst>
+              <a:ext uri="{28A0092B-C50C-407E-A947-70E740481C1C}">
+                <a14:useLocalDpi xmlns:a14="http://schemas.microsoft.com/office/drawing/2010/main" val="0"/>
+              </a:ext>
+            </a:extLst>
+          </a:blip>
+          <a:stretch>
+            <a:fillRect/>
+          </a:stretch>
+        </p:blipFill>
+        <p:spPr>
+          <a:xfrm>
+            <a:off x="157162" y="84137"/>
+            <a:ext cx="1362075" cy="561975"/>
+          </a:xfrm>
+          <a:prstGeom prst="rect">
+            <a:avLst/>
+          </a:prstGeom>
+        </p:spPr>
+      </p:pic>
+      <p:sp>
+        <p:nvSpPr>
+          <p:cNvPr id="8" name="Content Placeholder 2"/>
+          <p:cNvSpPr txBox="1">
+            <a:spLocks/>
+          </p:cNvSpPr>
+          <p:nvPr/>
+        </p:nvSpPr>
+        <p:spPr>
+          <a:xfrm>
+            <a:off x="990600" y="1978025"/>
+            <a:ext cx="4253753" cy="4351338"/>
+          </a:xfrm>
+          <a:prstGeom prst="rect">
+            <a:avLst/>
+          </a:prstGeom>
+        </p:spPr>
+        <p:txBody>
+          <a:bodyPr vert="horz" lIns="91440" tIns="45720" rIns="91440" bIns="45720" rtlCol="0">
+            <a:normAutofit/>
+          </a:bodyPr>
+          <a:lstStyle>
+            <a:lvl1pPr marL="228600" indent="-228600" algn="l" defTabSz="914400" rtl="0" eaLnBrk="1" latinLnBrk="0" hangingPunct="1">
+              <a:lnSpc>
+                <a:spcPct val="90000"/>
+              </a:lnSpc>
+              <a:spcBef>
+                <a:spcPts val="1000"/>
+              </a:spcBef>
+              <a:buFont typeface="Arial" panose="020B0604020202020204" pitchFamily="34" charset="0"/>
+              <a:buChar char="•"/>
+              <a:defRPr sz="2800" kern="1200">
+                <a:solidFill>
+                  <a:schemeClr val="tx1"/>
+                </a:solidFill>
+                <a:latin typeface="+mn-lt"/>
+                <a:ea typeface="+mn-ea"/>
+                <a:cs typeface="+mn-cs"/>
+              </a:defRPr>
+            </a:lvl1pPr>
+            <a:lvl2pPr marL="685800" indent="-228600" algn="l" defTabSz="914400" rtl="0" eaLnBrk="1" latinLnBrk="0" hangingPunct="1">
+              <a:lnSpc>
+                <a:spcPct val="90000"/>
+              </a:lnSpc>
+              <a:spcBef>
+                <a:spcPts val="500"/>
+              </a:spcBef>
+              <a:buFont typeface="Arial" panose="020B0604020202020204" pitchFamily="34" charset="0"/>
+              <a:buChar char="•"/>
+              <a:defRPr sz="2400" kern="1200">
+                <a:solidFill>
+                  <a:schemeClr val="tx1"/>
+                </a:solidFill>
+                <a:latin typeface="+mn-lt"/>
+                <a:ea typeface="+mn-ea"/>
+                <a:cs typeface="+mn-cs"/>
+              </a:defRPr>
+            </a:lvl2pPr>
+            <a:lvl3pPr marL="1143000" indent="-228600" algn="l" defTabSz="914400" rtl="0" eaLnBrk="1" latinLnBrk="0" hangingPunct="1">
+              <a:lnSpc>
+                <a:spcPct val="90000"/>
+              </a:lnSpc>
+              <a:spcBef>
+                <a:spcPts val="500"/>
+              </a:spcBef>
+              <a:buFont typeface="Arial" panose="020B0604020202020204" pitchFamily="34" charset="0"/>
+              <a:buChar char="•"/>
+              <a:defRPr sz="2000" kern="1200">
+                <a:solidFill>
+                  <a:schemeClr val="tx1"/>
+                </a:solidFill>
+                <a:latin typeface="+mn-lt"/>
+                <a:ea typeface="+mn-ea"/>
+                <a:cs typeface="+mn-cs"/>
+              </a:defRPr>
+            </a:lvl3pPr>
+            <a:lvl4pPr marL="1600200" indent="-228600" algn="l" defTabSz="914400" rtl="0" eaLnBrk="1" latinLnBrk="0" hangingPunct="1">
+              <a:lnSpc>
+                <a:spcPct val="90000"/>
+              </a:lnSpc>
+              <a:spcBef>
+                <a:spcPts val="500"/>
+              </a:spcBef>
+              <a:buFont typeface="Arial" panose="020B0604020202020204" pitchFamily="34" charset="0"/>
+              <a:buChar char="•"/>
+              <a:defRPr sz="1800" kern="1200">
+                <a:solidFill>
+                  <a:schemeClr val="tx1"/>
+                </a:solidFill>
+                <a:latin typeface="+mn-lt"/>
+                <a:ea typeface="+mn-ea"/>
+                <a:cs typeface="+mn-cs"/>
+              </a:defRPr>
+            </a:lvl4pPr>
+            <a:lvl5pPr marL="2057400" indent="-228600" algn="l" defTabSz="914400" rtl="0" eaLnBrk="1" latinLnBrk="0" hangingPunct="1">
+              <a:lnSpc>
+                <a:spcPct val="90000"/>
+              </a:lnSpc>
+              <a:spcBef>
+                <a:spcPts val="500"/>
+              </a:spcBef>
+              <a:buFont typeface="Arial" panose="020B0604020202020204" pitchFamily="34" charset="0"/>
+              <a:buChar char="•"/>
+              <a:defRPr sz="1800" kern="1200">
+                <a:solidFill>
+                  <a:schemeClr val="tx1"/>
+                </a:solidFill>
+                <a:latin typeface="+mn-lt"/>
+                <a:ea typeface="+mn-ea"/>
+                <a:cs typeface="+mn-cs"/>
+              </a:defRPr>
+            </a:lvl5pPr>
+            <a:lvl6pPr marL="2514600" indent="-228600" algn="l" defTabSz="914400" rtl="0" eaLnBrk="1" latinLnBrk="0" hangingPunct="1">
+              <a:lnSpc>
+                <a:spcPct val="90000"/>
+              </a:lnSpc>
+              <a:spcBef>
+                <a:spcPts val="500"/>
+              </a:spcBef>
+              <a:buFont typeface="Arial" panose="020B0604020202020204" pitchFamily="34" charset="0"/>
+              <a:buChar char="•"/>
+              <a:defRPr sz="1800" kern="1200">
+                <a:solidFill>
+                  <a:schemeClr val="tx1"/>
+                </a:solidFill>
+                <a:latin typeface="+mn-lt"/>
+                <a:ea typeface="+mn-ea"/>
+                <a:cs typeface="+mn-cs"/>
+              </a:defRPr>
+            </a:lvl6pPr>
+            <a:lvl7pPr marL="2971800" indent="-228600" algn="l" defTabSz="914400" rtl="0" eaLnBrk="1" latinLnBrk="0" hangingPunct="1">
+              <a:lnSpc>
+                <a:spcPct val="90000"/>
+              </a:lnSpc>
+              <a:spcBef>
+                <a:spcPts val="500"/>
+              </a:spcBef>
+              <a:buFont typeface="Arial" panose="020B0604020202020204" pitchFamily="34" charset="0"/>
+              <a:buChar char="•"/>
+              <a:defRPr sz="1800" kern="1200">
+                <a:solidFill>
+                  <a:schemeClr val="tx1"/>
+                </a:solidFill>
+                <a:latin typeface="+mn-lt"/>
+                <a:ea typeface="+mn-ea"/>
+                <a:cs typeface="+mn-cs"/>
+              </a:defRPr>
+            </a:lvl7pPr>
+            <a:lvl8pPr marL="3429000" indent="-228600" algn="l" defTabSz="914400" rtl="0" eaLnBrk="1" latinLnBrk="0" hangingPunct="1">
+              <a:lnSpc>
+                <a:spcPct val="90000"/>
+              </a:lnSpc>
+              <a:spcBef>
+                <a:spcPts val="500"/>
+              </a:spcBef>
+              <a:buFont typeface="Arial" panose="020B0604020202020204" pitchFamily="34" charset="0"/>
+              <a:buChar char="•"/>
+              <a:defRPr sz="1800" kern="1200">
+                <a:solidFill>
+                  <a:schemeClr val="tx1"/>
+                </a:solidFill>
+                <a:latin typeface="+mn-lt"/>
+                <a:ea typeface="+mn-ea"/>
+                <a:cs typeface="+mn-cs"/>
+              </a:defRPr>
+            </a:lvl8pPr>
+            <a:lvl9pPr marL="3886200" indent="-228600" algn="l" defTabSz="914400" rtl="0" eaLnBrk="1" latinLnBrk="0" hangingPunct="1">
+              <a:lnSpc>
+                <a:spcPct val="90000"/>
+              </a:lnSpc>
+              <a:spcBef>
+                <a:spcPts val="500"/>
+              </a:spcBef>
+              <a:buFont typeface="Arial" panose="020B0604020202020204" pitchFamily="34" charset="0"/>
+              <a:buChar char="•"/>
+              <a:defRPr sz="1800" kern="1200">
+                <a:solidFill>
+                  <a:schemeClr val="tx1"/>
+                </a:solidFill>
+                <a:latin typeface="+mn-lt"/>
+                <a:ea typeface="+mn-ea"/>
+                <a:cs typeface="+mn-cs"/>
+              </a:defRPr>
+            </a:lvl9pPr>
+          </a:lstStyle>
+          <a:p>
+            <a:r>
+              <a:rPr lang="en-US" dirty="0" smtClean="0"/>
+              <a:t>Dispatcher </a:t>
+            </a:r>
+          </a:p>
+          <a:p>
+            <a:r>
+              <a:rPr lang="en-US" dirty="0" smtClean="0"/>
+              <a:t>Routing</a:t>
+            </a:r>
+          </a:p>
+          <a:p>
+            <a:r>
+              <a:rPr lang="en-US" dirty="0" smtClean="0"/>
+              <a:t>Stores</a:t>
+            </a:r>
+          </a:p>
+          <a:p>
+            <a:r>
+              <a:rPr lang="en-US" dirty="0" smtClean="0"/>
+              <a:t>Actions</a:t>
+            </a:r>
+          </a:p>
+          <a:p>
+            <a:r>
+              <a:rPr lang="en-US" dirty="0" smtClean="0"/>
+              <a:t>Tests			</a:t>
+            </a:r>
+            <a:endParaRPr lang="en-US" dirty="0"/>
+          </a:p>
+        </p:txBody>
+      </p:sp>
+    </p:spTree>
+    <p:extLst>
+      <p:ext uri="{BB962C8B-B14F-4D97-AF65-F5344CB8AC3E}">
+        <p14:creationId xmlns:p14="http://schemas.microsoft.com/office/powerpoint/2010/main" val="427908467"/>
       </p:ext>
     </p:extLst>
   </p:cSld>

--- a/React.pptx
+++ b/React.pptx
@@ -18349,46 +18349,9 @@
           <a:p>
             <a:r>
               <a:rPr lang="en-US" dirty="0" smtClean="0"/>
-              <a:t>Example </a:t>
-            </a:r>
-            <a:r>
-              <a:rPr lang="en-US" dirty="0" err="1" smtClean="0"/>
-              <a:t>Todo</a:t>
-            </a:r>
-            <a:r>
-              <a:rPr lang="en-US" dirty="0" smtClean="0"/>
-              <a:t> App</a:t>
+              <a:t>Alt Directory Structure</a:t>
             </a:r>
             <a:endParaRPr lang="en-US" dirty="0"/>
-          </a:p>
-        </p:txBody>
-      </p:sp>
-      <p:sp>
-        <p:nvSpPr>
-          <p:cNvPr id="3" name="Content Placeholder 2"/>
-          <p:cNvSpPr>
-            <a:spLocks noGrp="1"/>
-          </p:cNvSpPr>
-          <p:nvPr>
-            <p:ph idx="1"/>
-          </p:nvPr>
-        </p:nvSpPr>
-        <p:spPr>
-          <a:xfrm>
-            <a:off x="838200" y="1825625"/>
-            <a:ext cx="7203487" cy="4351338"/>
-          </a:xfrm>
-        </p:spPr>
-        <p:txBody>
-          <a:bodyPr>
-            <a:normAutofit/>
-          </a:bodyPr>
-          <a:lstStyle/>
-          <a:p>
-            <a:pPr marL="0" indent="0">
-              <a:buNone/>
-            </a:pPr>
-            <a:endParaRPr lang="en-US" dirty="0" smtClean="0"/>
           </a:p>
         </p:txBody>
       </p:sp>
@@ -18494,8 +18457,8 @@
         </p:blipFill>
         <p:spPr>
           <a:xfrm>
-            <a:off x="5564561" y="1083480"/>
-            <a:ext cx="3727077" cy="5272870"/>
+            <a:off x="4345361" y="1513785"/>
+            <a:ext cx="3226221" cy="4564285"/>
           </a:xfrm>
           <a:prstGeom prst="rect">
             <a:avLst/>
@@ -18515,89 +18478,9 @@
   <p:timing>
     <p:tnLst>
       <p:par>
-        <p:cTn id="1" dur="indefinite" restart="never" nodeType="tmRoot">
-          <p:childTnLst>
-            <p:seq concurrent="1" nextAc="seek">
-              <p:cTn id="2" dur="indefinite" nodeType="mainSeq">
-                <p:childTnLst>
-                  <p:par>
-                    <p:cTn id="3" fill="hold">
-                      <p:stCondLst>
-                        <p:cond delay="indefinite"/>
-                      </p:stCondLst>
-                      <p:childTnLst>
-                        <p:par>
-                          <p:cTn id="4" fill="hold">
-                            <p:stCondLst>
-                              <p:cond delay="0"/>
-                            </p:stCondLst>
-                            <p:childTnLst>
-                              <p:par>
-                                <p:cTn id="5" presetID="1" presetClass="entr" presetSubtype="0" fill="hold" grpId="0" nodeType="clickEffect" nodePh="1">
-                                  <p:stCondLst>
-                                    <p:cond delay="0"/>
-                                  </p:stCondLst>
-                                  <p:endCondLst>
-                                    <p:cond evt="begin" delay="0">
-                                      <p:tn val="5"/>
-                                    </p:cond>
-                                  </p:endCondLst>
-                                  <p:childTnLst>
-                                    <p:set>
-                                      <p:cBhvr>
-                                        <p:cTn id="6" dur="1" fill="hold">
-                                          <p:stCondLst>
-                                            <p:cond delay="0"/>
-                                          </p:stCondLst>
-                                        </p:cTn>
-                                        <p:tgtEl>
-                                          <p:spTgt spid="3">
-                                            <p:txEl>
-                                              <p:pRg st="0" end="0"/>
-                                            </p:txEl>
-                                          </p:spTgt>
-                                        </p:tgtEl>
-                                        <p:attrNameLst>
-                                          <p:attrName>style.visibility</p:attrName>
-                                        </p:attrNameLst>
-                                      </p:cBhvr>
-                                      <p:to>
-                                        <p:strVal val="visible"/>
-                                      </p:to>
-                                    </p:set>
-                                  </p:childTnLst>
-                                </p:cTn>
-                              </p:par>
-                            </p:childTnLst>
-                          </p:cTn>
-                        </p:par>
-                      </p:childTnLst>
-                    </p:cTn>
-                  </p:par>
-                </p:childTnLst>
-              </p:cTn>
-              <p:prevCondLst>
-                <p:cond evt="onPrev" delay="0">
-                  <p:tgtEl>
-                    <p:sldTgt/>
-                  </p:tgtEl>
-                </p:cond>
-              </p:prevCondLst>
-              <p:nextCondLst>
-                <p:cond evt="onNext" delay="0">
-                  <p:tgtEl>
-                    <p:sldTgt/>
-                  </p:tgtEl>
-                </p:cond>
-              </p:nextCondLst>
-            </p:seq>
-          </p:childTnLst>
-        </p:cTn>
+        <p:cTn id="1" dur="indefinite" restart="never" nodeType="tmRoot"/>
       </p:par>
     </p:tnLst>
-    <p:bldLst>
-      <p:bldP spid="3" grpId="0" build="p"/>
-    </p:bldLst>
   </p:timing>
 </p:sld>
 </file>
@@ -18662,6 +18545,10 @@
             <a:pPr marL="0" indent="0">
               <a:buNone/>
             </a:pPr>
+            <a:r>
+              <a:rPr lang="en-US" sz="2400" dirty="0" smtClean="0"/>
+              <a:t>Alt.js</a:t>
+            </a:r>
             <a:endParaRPr lang="en-US" sz="2400" dirty="0"/>
           </a:p>
         </p:txBody>
@@ -18936,6 +18823,10 @@
             <a:pPr marL="0" indent="0">
               <a:buNone/>
             </a:pPr>
+            <a:r>
+              <a:rPr lang="en-US" sz="1800" dirty="0" smtClean="0"/>
+              <a:t>TodoActions.js</a:t>
+            </a:r>
             <a:endParaRPr lang="en-US" sz="1800" dirty="0"/>
           </a:p>
         </p:txBody>
@@ -18962,7 +18853,7 @@
         </p:blipFill>
         <p:spPr>
           <a:xfrm>
-            <a:off x="838200" y="1646238"/>
+            <a:off x="940040" y="2229811"/>
             <a:ext cx="10413760" cy="3947152"/>
           </a:xfrm>
           <a:prstGeom prst="rect">
@@ -19130,6 +19021,10 @@
             <a:pPr marL="0" indent="0">
               <a:buNone/>
             </a:pPr>
+            <a:r>
+              <a:rPr lang="en-US" sz="1800" dirty="0" smtClean="0"/>
+              <a:t>										TodoStore.js</a:t>
+            </a:r>
             <a:endParaRPr lang="en-US" sz="1800" dirty="0"/>
           </a:p>
         </p:txBody>
@@ -19156,7 +19051,7 @@
         </p:blipFill>
         <p:spPr>
           <a:xfrm>
-            <a:off x="838199" y="1325563"/>
+            <a:off x="838199" y="1485900"/>
             <a:ext cx="8803878" cy="5030787"/>
           </a:xfrm>
           <a:prstGeom prst="rect">
@@ -22031,25 +21926,6 @@
       </p:grpSpPr>
       <p:sp>
         <p:nvSpPr>
-          <p:cNvPr id="2" name="Title 1"/>
-          <p:cNvSpPr>
-            <a:spLocks noGrp="1"/>
-          </p:cNvSpPr>
-          <p:nvPr>
-            <p:ph type="title"/>
-          </p:nvPr>
-        </p:nvSpPr>
-        <p:spPr/>
-        <p:txBody>
-          <a:bodyPr/>
-          <a:lstStyle/>
-          <a:p>
-            <a:endParaRPr lang="en-US" dirty="0"/>
-          </a:p>
-        </p:txBody>
-      </p:sp>
-      <p:sp>
-        <p:nvSpPr>
           <p:cNvPr id="3" name="Content Placeholder 2"/>
           <p:cNvSpPr>
             <a:spLocks noGrp="1"/>
@@ -22103,7 +21979,6 @@
               <a:rPr lang="en-US" sz="4000" dirty="0"/>
               <a:t> App</a:t>
             </a:r>
-            <a:endParaRPr lang="en-US" sz="4000" dirty="0"/>
           </a:p>
         </p:txBody>
       </p:sp>
@@ -22440,84 +22315,9 @@
   <p:timing>
     <p:tnLst>
       <p:par>
-        <p:cTn id="1" dur="indefinite" restart="never" nodeType="tmRoot">
-          <p:childTnLst>
-            <p:seq concurrent="1" nextAc="seek">
-              <p:cTn id="2" dur="indefinite" nodeType="mainSeq">
-                <p:childTnLst>
-                  <p:par>
-                    <p:cTn id="3" fill="hold">
-                      <p:stCondLst>
-                        <p:cond delay="indefinite"/>
-                      </p:stCondLst>
-                      <p:childTnLst>
-                        <p:par>
-                          <p:cTn id="4" fill="hold">
-                            <p:stCondLst>
-                              <p:cond delay="0"/>
-                            </p:stCondLst>
-                            <p:childTnLst>
-                              <p:par>
-                                <p:cTn id="5" presetID="1" presetClass="entr" presetSubtype="0" fill="hold" grpId="0" nodeType="clickEffect">
-                                  <p:stCondLst>
-                                    <p:cond delay="0"/>
-                                  </p:stCondLst>
-                                  <p:childTnLst>
-                                    <p:set>
-                                      <p:cBhvr>
-                                        <p:cTn id="6" dur="1" fill="hold">
-                                          <p:stCondLst>
-                                            <p:cond delay="0"/>
-                                          </p:stCondLst>
-                                        </p:cTn>
-                                        <p:tgtEl>
-                                          <p:spTgt spid="3">
-                                            <p:txEl>
-                                              <p:pRg st="0" end="0"/>
-                                            </p:txEl>
-                                          </p:spTgt>
-                                        </p:tgtEl>
-                                        <p:attrNameLst>
-                                          <p:attrName>style.visibility</p:attrName>
-                                        </p:attrNameLst>
-                                      </p:cBhvr>
-                                      <p:to>
-                                        <p:strVal val="visible"/>
-                                      </p:to>
-                                    </p:set>
-                                  </p:childTnLst>
-                                </p:cTn>
-                              </p:par>
-                            </p:childTnLst>
-                          </p:cTn>
-                        </p:par>
-                      </p:childTnLst>
-                    </p:cTn>
-                  </p:par>
-                </p:childTnLst>
-              </p:cTn>
-              <p:prevCondLst>
-                <p:cond evt="onPrev" delay="0">
-                  <p:tgtEl>
-                    <p:sldTgt/>
-                  </p:tgtEl>
-                </p:cond>
-              </p:prevCondLst>
-              <p:nextCondLst>
-                <p:cond evt="onNext" delay="0">
-                  <p:tgtEl>
-                    <p:sldTgt/>
-                  </p:tgtEl>
-                </p:cond>
-              </p:nextCondLst>
-            </p:seq>
-          </p:childTnLst>
-        </p:cTn>
+        <p:cTn id="1" dur="indefinite" restart="never" nodeType="tmRoot"/>
       </p:par>
     </p:tnLst>
-    <p:bldLst>
-      <p:bldP spid="3" grpId="0" build="p"/>
-    </p:bldLst>
   </p:timing>
 </p:sld>
 </file>
@@ -23630,7 +23430,6 @@
               <a:rPr lang="en-US" dirty="0" smtClean="0"/>
               <a:t>Understanding Flux</a:t>
             </a:r>
-            <a:endParaRPr lang="en-US" dirty="0" smtClean="0"/>
           </a:p>
           <a:p>
             <a:endParaRPr lang="en-US" dirty="0"/>
@@ -24080,7 +23879,7 @@
                                           </p:stCondLst>
                                         </p:cTn>
                                         <p:tgtEl>
-                                          <p:spTgt spid="3"/>
+                                          <p:spTgt spid="7"/>
                                         </p:tgtEl>
                                         <p:attrNameLst>
                                           <p:attrName>style.visibility</p:attrName>
@@ -24120,51 +23919,6 @@
                                     <p:set>
                                       <p:cBhvr>
                                         <p:cTn id="10" dur="1" fill="hold">
-                                          <p:stCondLst>
-                                            <p:cond delay="0"/>
-                                          </p:stCondLst>
-                                        </p:cTn>
-                                        <p:tgtEl>
-                                          <p:spTgt spid="7"/>
-                                        </p:tgtEl>
-                                        <p:attrNameLst>
-                                          <p:attrName>style.visibility</p:attrName>
-                                        </p:attrNameLst>
-                                      </p:cBhvr>
-                                      <p:to>
-                                        <p:strVal val="visible"/>
-                                      </p:to>
-                                    </p:set>
-                                  </p:childTnLst>
-                                </p:cTn>
-                              </p:par>
-                            </p:childTnLst>
-                          </p:cTn>
-                        </p:par>
-                      </p:childTnLst>
-                    </p:cTn>
-                  </p:par>
-                  <p:par>
-                    <p:cTn id="11" fill="hold">
-                      <p:stCondLst>
-                        <p:cond delay="indefinite"/>
-                      </p:stCondLst>
-                      <p:childTnLst>
-                        <p:par>
-                          <p:cTn id="12" fill="hold">
-                            <p:stCondLst>
-                              <p:cond delay="0"/>
-                            </p:stCondLst>
-                            <p:childTnLst>
-                              <p:par>
-                                <p:cTn id="13" presetID="1" presetClass="entr" presetSubtype="0" fill="hold" nodeType="clickEffect">
-                                  <p:stCondLst>
-                                    <p:cond delay="0"/>
-                                  </p:stCondLst>
-                                  <p:childTnLst>
-                                    <p:set>
-                                      <p:cBhvr>
-                                        <p:cTn id="14" dur="1" fill="hold">
                                           <p:stCondLst>
                                             <p:cond delay="0"/>
                                           </p:stCondLst>
@@ -24470,7 +24224,7 @@
                                           </p:stCondLst>
                                         </p:cTn>
                                         <p:tgtEl>
-                                          <p:spTgt spid="9"/>
+                                          <p:spTgt spid="11"/>
                                         </p:tgtEl>
                                         <p:attrNameLst>
                                           <p:attrName>style.visibility</p:attrName>
@@ -24510,51 +24264,6 @@
                                     <p:set>
                                       <p:cBhvr>
                                         <p:cTn id="10" dur="1" fill="hold">
-                                          <p:stCondLst>
-                                            <p:cond delay="0"/>
-                                          </p:stCondLst>
-                                        </p:cTn>
-                                        <p:tgtEl>
-                                          <p:spTgt spid="11"/>
-                                        </p:tgtEl>
-                                        <p:attrNameLst>
-                                          <p:attrName>style.visibility</p:attrName>
-                                        </p:attrNameLst>
-                                      </p:cBhvr>
-                                      <p:to>
-                                        <p:strVal val="visible"/>
-                                      </p:to>
-                                    </p:set>
-                                  </p:childTnLst>
-                                </p:cTn>
-                              </p:par>
-                            </p:childTnLst>
-                          </p:cTn>
-                        </p:par>
-                      </p:childTnLst>
-                    </p:cTn>
-                  </p:par>
-                  <p:par>
-                    <p:cTn id="11" fill="hold">
-                      <p:stCondLst>
-                        <p:cond delay="indefinite"/>
-                      </p:stCondLst>
-                      <p:childTnLst>
-                        <p:par>
-                          <p:cTn id="12" fill="hold">
-                            <p:stCondLst>
-                              <p:cond delay="0"/>
-                            </p:stCondLst>
-                            <p:childTnLst>
-                              <p:par>
-                                <p:cTn id="13" presetID="1" presetClass="entr" presetSubtype="0" fill="hold" nodeType="clickEffect">
-                                  <p:stCondLst>
-                                    <p:cond delay="0"/>
-                                  </p:stCondLst>
-                                  <p:childTnLst>
-                                    <p:set>
-                                      <p:cBhvr>
-                                        <p:cTn id="14" dur="1" fill="hold">
                                           <p:stCondLst>
                                             <p:cond delay="0"/>
                                           </p:stCondLst>
@@ -25095,51 +24804,6 @@
                                     <p:set>
                                       <p:cBhvr>
                                         <p:cTn id="6" dur="1" fill="hold">
-                                          <p:stCondLst>
-                                            <p:cond delay="0"/>
-                                          </p:stCondLst>
-                                        </p:cTn>
-                                        <p:tgtEl>
-                                          <p:spTgt spid="10"/>
-                                        </p:tgtEl>
-                                        <p:attrNameLst>
-                                          <p:attrName>style.visibility</p:attrName>
-                                        </p:attrNameLst>
-                                      </p:cBhvr>
-                                      <p:to>
-                                        <p:strVal val="visible"/>
-                                      </p:to>
-                                    </p:set>
-                                  </p:childTnLst>
-                                </p:cTn>
-                              </p:par>
-                            </p:childTnLst>
-                          </p:cTn>
-                        </p:par>
-                      </p:childTnLst>
-                    </p:cTn>
-                  </p:par>
-                  <p:par>
-                    <p:cTn id="7" fill="hold">
-                      <p:stCondLst>
-                        <p:cond delay="indefinite"/>
-                      </p:stCondLst>
-                      <p:childTnLst>
-                        <p:par>
-                          <p:cTn id="8" fill="hold">
-                            <p:stCondLst>
-                              <p:cond delay="0"/>
-                            </p:stCondLst>
-                            <p:childTnLst>
-                              <p:par>
-                                <p:cTn id="9" presetID="1" presetClass="entr" presetSubtype="0" fill="hold" nodeType="clickEffect">
-                                  <p:stCondLst>
-                                    <p:cond delay="0"/>
-                                  </p:stCondLst>
-                                  <p:childTnLst>
-                                    <p:set>
-                                      <p:cBhvr>
-                                        <p:cTn id="10" dur="1" fill="hold">
                                           <p:stCondLst>
                                             <p:cond delay="0"/>
                                           </p:stCondLst>
@@ -26219,51 +25883,6 @@
                                           </p:stCondLst>
                                         </p:cTn>
                                         <p:tgtEl>
-                                          <p:spTgt spid="7"/>
-                                        </p:tgtEl>
-                                        <p:attrNameLst>
-                                          <p:attrName>style.visibility</p:attrName>
-                                        </p:attrNameLst>
-                                      </p:cBhvr>
-                                      <p:to>
-                                        <p:strVal val="visible"/>
-                                      </p:to>
-                                    </p:set>
-                                  </p:childTnLst>
-                                </p:cTn>
-                              </p:par>
-                            </p:childTnLst>
-                          </p:cTn>
-                        </p:par>
-                      </p:childTnLst>
-                    </p:cTn>
-                  </p:par>
-                  <p:par>
-                    <p:cTn id="7" fill="hold">
-                      <p:stCondLst>
-                        <p:cond delay="indefinite"/>
-                      </p:stCondLst>
-                      <p:childTnLst>
-                        <p:par>
-                          <p:cTn id="8" fill="hold">
-                            <p:stCondLst>
-                              <p:cond delay="0"/>
-                            </p:stCondLst>
-                            <p:childTnLst>
-                              <p:par>
-                                <p:cTn id="9" presetID="1" presetClass="entr" presetSubtype="0" fill="hold" nodeType="clickEffect">
-                                  <p:stCondLst>
-                                    <p:cond delay="0"/>
-                                  </p:stCondLst>
-                                  <p:childTnLst>
-                                    <p:set>
-                                      <p:cBhvr>
-                                        <p:cTn id="10" dur="1" fill="hold">
-                                          <p:stCondLst>
-                                            <p:cond delay="0"/>
-                                          </p:stCondLst>
-                                        </p:cTn>
-                                        <p:tgtEl>
                                           <p:spTgt spid="10"/>
                                         </p:tgtEl>
                                         <p:attrNameLst>
@@ -26870,25 +26489,6 @@
       </p:pic>
       <p:sp>
         <p:nvSpPr>
-          <p:cNvPr id="3" name="Content Placeholder 2"/>
-          <p:cNvSpPr>
-            <a:spLocks noGrp="1"/>
-          </p:cNvSpPr>
-          <p:nvPr>
-            <p:ph idx="1"/>
-          </p:nvPr>
-        </p:nvSpPr>
-        <p:spPr/>
-        <p:txBody>
-          <a:bodyPr/>
-          <a:lstStyle/>
-          <a:p>
-            <a:endParaRPr lang="en-US" dirty="0"/>
-          </a:p>
-        </p:txBody>
-      </p:sp>
-      <p:sp>
-        <p:nvSpPr>
           <p:cNvPr id="9" name="Footer Placeholder 8"/>
           <p:cNvSpPr>
             <a:spLocks noGrp="1"/>
@@ -27175,15 +26775,7 @@
           <a:p>
             <a:r>
               <a:rPr lang="en-US" dirty="0" smtClean="0"/>
-              <a:t>Understanding </a:t>
-            </a:r>
-            <a:r>
-              <a:rPr lang="en-US" dirty="0" smtClean="0"/>
-              <a:t>the </a:t>
-            </a:r>
-            <a:r>
-              <a:rPr lang="en-US" dirty="0" smtClean="0"/>
-              <a:t>Flux Architecture </a:t>
+              <a:t>Understanding the Flux Architecture </a:t>
             </a:r>
             <a:endParaRPr lang="en-US" dirty="0"/>
           </a:p>
@@ -27575,11 +27167,7 @@
             </a:r>
             <a:r>
               <a:rPr lang="en-US" dirty="0" smtClean="0"/>
-              <a:t> </a:t>
-            </a:r>
-            <a:r>
-              <a:rPr lang="en-US" dirty="0" smtClean="0"/>
-              <a:t>6</a:t>
+              <a:t> 6</a:t>
             </a:r>
             <a:endParaRPr lang="en-US" dirty="0"/>
           </a:p>
@@ -27837,11 +27425,31 @@
           <a:p>
             <a:r>
               <a:rPr lang="en-US" dirty="0" smtClean="0"/>
-              <a:t>No</a:t>
+              <a:t>No (we wil</a:t>
             </a:r>
             <a:r>
               <a:rPr lang="en-US" dirty="0" smtClean="0"/>
-              <a:t>			</a:t>
+              <a:t>l use jest</a:t>
+            </a:r>
+            <a:r>
+              <a:rPr lang="en-US" dirty="0" smtClean="0"/>
+              <a:t>)</a:t>
+            </a:r>
+          </a:p>
+          <a:p>
+            <a:r>
+              <a:rPr lang="en-US" dirty="0" smtClean="0"/>
+              <a:t>No (we will use react)</a:t>
+            </a:r>
+          </a:p>
+          <a:p>
+            <a:r>
+              <a:rPr lang="en-US" dirty="0" smtClean="0"/>
+              <a:t>Yes</a:t>
+            </a:r>
+            <a:r>
+              <a:rPr lang="en-US" dirty="0" smtClean="0"/>
+              <a:t>		</a:t>
             </a:r>
             <a:endParaRPr lang="en-US" dirty="0"/>
           </a:p>
@@ -28135,7 +27743,23 @@
           <a:p>
             <a:r>
               <a:rPr lang="en-US" dirty="0" smtClean="0"/>
-              <a:t>Tests			</a:t>
+              <a:t>Unit Testing</a:t>
+            </a:r>
+          </a:p>
+          <a:p>
+            <a:r>
+              <a:rPr lang="en-US" dirty="0" smtClean="0"/>
+              <a:t>Views </a:t>
+            </a:r>
+          </a:p>
+          <a:p>
+            <a:r>
+              <a:rPr lang="en-US" dirty="0" smtClean="0"/>
+              <a:t>Flexible Directory Structure</a:t>
+            </a:r>
+            <a:r>
+              <a:rPr lang="en-US" dirty="0" smtClean="0"/>
+              <a:t>			</a:t>
             </a:r>
             <a:endParaRPr lang="en-US" dirty="0"/>
           </a:p>
@@ -28384,6 +28008,104 @@
                                           <p:spTgt spid="3">
                                             <p:txEl>
                                               <p:pRg st="4" end="4"/>
+                                            </p:txEl>
+                                          </p:spTgt>
+                                        </p:tgtEl>
+                                        <p:attrNameLst>
+                                          <p:attrName>style.visibility</p:attrName>
+                                        </p:attrNameLst>
+                                      </p:cBhvr>
+                                      <p:to>
+                                        <p:strVal val="visible"/>
+                                      </p:to>
+                                    </p:set>
+                                  </p:childTnLst>
+                                </p:cTn>
+                              </p:par>
+                            </p:childTnLst>
+                          </p:cTn>
+                        </p:par>
+                      </p:childTnLst>
+                    </p:cTn>
+                  </p:par>
+                  <p:par>
+                    <p:cTn id="23" fill="hold">
+                      <p:stCondLst>
+                        <p:cond delay="indefinite"/>
+                      </p:stCondLst>
+                      <p:childTnLst>
+                        <p:par>
+                          <p:cTn id="24" fill="hold">
+                            <p:stCondLst>
+                              <p:cond delay="0"/>
+                            </p:stCondLst>
+                            <p:childTnLst>
+                              <p:par>
+                                <p:cTn id="25" presetID="1" presetClass="entr" presetSubtype="0" fill="hold" grpId="0" nodeType="clickEffect">
+                                  <p:stCondLst>
+                                    <p:cond delay="0"/>
+                                  </p:stCondLst>
+                                  <p:childTnLst>
+                                    <p:set>
+                                      <p:cBhvr>
+                                        <p:cTn id="26" dur="1" fill="hold">
+                                          <p:stCondLst>
+                                            <p:cond delay="0"/>
+                                          </p:stCondLst>
+                                        </p:cTn>
+                                        <p:tgtEl>
+                                          <p:spTgt spid="3">
+                                            <p:txEl>
+                                              <p:pRg st="5" end="5"/>
+                                            </p:txEl>
+                                          </p:spTgt>
+                                        </p:tgtEl>
+                                        <p:attrNameLst>
+                                          <p:attrName>style.visibility</p:attrName>
+                                        </p:attrNameLst>
+                                      </p:cBhvr>
+                                      <p:to>
+                                        <p:strVal val="visible"/>
+                                      </p:to>
+                                    </p:set>
+                                  </p:childTnLst>
+                                </p:cTn>
+                              </p:par>
+                            </p:childTnLst>
+                          </p:cTn>
+                        </p:par>
+                      </p:childTnLst>
+                    </p:cTn>
+                  </p:par>
+                  <p:par>
+                    <p:cTn id="27" fill="hold">
+                      <p:stCondLst>
+                        <p:cond delay="indefinite"/>
+                      </p:stCondLst>
+                      <p:childTnLst>
+                        <p:par>
+                          <p:cTn id="28" fill="hold">
+                            <p:stCondLst>
+                              <p:cond delay="0"/>
+                            </p:stCondLst>
+                            <p:childTnLst>
+                              <p:par>
+                                <p:cTn id="29" presetID="1" presetClass="entr" presetSubtype="0" fill="hold" grpId="0" nodeType="clickEffect">
+                                  <p:stCondLst>
+                                    <p:cond delay="0"/>
+                                  </p:stCondLst>
+                                  <p:childTnLst>
+                                    <p:set>
+                                      <p:cBhvr>
+                                        <p:cTn id="30" dur="1" fill="hold">
+                                          <p:stCondLst>
+                                            <p:cond delay="0"/>
+                                          </p:stCondLst>
+                                        </p:cTn>
+                                        <p:tgtEl>
+                                          <p:spTgt spid="3">
+                                            <p:txEl>
+                                              <p:pRg st="6" end="6"/>
                                             </p:txEl>
                                           </p:spTgt>
                                         </p:tgtEl>

--- a/React.pptx
+++ b/React.pptx
@@ -19744,7 +19744,7 @@
                                         <p:tgtEl>
                                           <p:spTgt spid="3">
                                             <p:txEl>
-                                              <p:pRg st="0" end="0"/>
+                                              <p:pRg st="2" end="2"/>
                                             </p:txEl>
                                           </p:spTgt>
                                         </p:tgtEl>
@@ -19775,7 +19775,7 @@
                                         <p:tgtEl>
                                           <p:spTgt spid="3">
                                             <p:txEl>
-                                              <p:pRg st="1" end="1"/>
+                                              <p:pRg st="3" end="3"/>
                                             </p:txEl>
                                           </p:spTgt>
                                         </p:tgtEl>
@@ -19824,7 +19824,7 @@
                                         <p:tgtEl>
                                           <p:spTgt spid="3">
                                             <p:txEl>
-                                              <p:pRg st="2" end="2"/>
+                                              <p:pRg st="4" end="4"/>
                                             </p:txEl>
                                           </p:spTgt>
                                         </p:tgtEl>
@@ -19848,86 +19848,6 @@
                                     <p:set>
                                       <p:cBhvr>
                                         <p:cTn id="14" dur="1" fill="hold">
-                                          <p:stCondLst>
-                                            <p:cond delay="0"/>
-                                          </p:stCondLst>
-                                        </p:cTn>
-                                        <p:tgtEl>
-                                          <p:spTgt spid="3">
-                                            <p:txEl>
-                                              <p:pRg st="3" end="3"/>
-                                            </p:txEl>
-                                          </p:spTgt>
-                                        </p:tgtEl>
-                                        <p:attrNameLst>
-                                          <p:attrName>style.visibility</p:attrName>
-                                        </p:attrNameLst>
-                                      </p:cBhvr>
-                                      <p:to>
-                                        <p:strVal val="visible"/>
-                                      </p:to>
-                                    </p:set>
-                                  </p:childTnLst>
-                                </p:cTn>
-                              </p:par>
-                            </p:childTnLst>
-                          </p:cTn>
-                        </p:par>
-                      </p:childTnLst>
-                    </p:cTn>
-                  </p:par>
-                  <p:par>
-                    <p:cTn id="15" fill="hold">
-                      <p:stCondLst>
-                        <p:cond delay="indefinite"/>
-                      </p:stCondLst>
-                      <p:childTnLst>
-                        <p:par>
-                          <p:cTn id="16" fill="hold">
-                            <p:stCondLst>
-                              <p:cond delay="0"/>
-                            </p:stCondLst>
-                            <p:childTnLst>
-                              <p:par>
-                                <p:cTn id="17" presetID="1" presetClass="entr" presetSubtype="0" fill="hold" grpId="0" nodeType="clickEffect">
-                                  <p:stCondLst>
-                                    <p:cond delay="0"/>
-                                  </p:stCondLst>
-                                  <p:childTnLst>
-                                    <p:set>
-                                      <p:cBhvr>
-                                        <p:cTn id="18" dur="1" fill="hold">
-                                          <p:stCondLst>
-                                            <p:cond delay="0"/>
-                                          </p:stCondLst>
-                                        </p:cTn>
-                                        <p:tgtEl>
-                                          <p:spTgt spid="3">
-                                            <p:txEl>
-                                              <p:pRg st="4" end="4"/>
-                                            </p:txEl>
-                                          </p:spTgt>
-                                        </p:tgtEl>
-                                        <p:attrNameLst>
-                                          <p:attrName>style.visibility</p:attrName>
-                                        </p:attrNameLst>
-                                      </p:cBhvr>
-                                      <p:to>
-                                        <p:strVal val="visible"/>
-                                      </p:to>
-                                    </p:set>
-                                  </p:childTnLst>
-                                </p:cTn>
-                              </p:par>
-                              <p:par>
-                                <p:cTn id="19" presetID="1" presetClass="entr" presetSubtype="0" fill="hold" grpId="0" nodeType="withEffect">
-                                  <p:stCondLst>
-                                    <p:cond delay="0"/>
-                                  </p:stCondLst>
-                                  <p:childTnLst>
-                                    <p:set>
-                                      <p:cBhvr>
-                                        <p:cTn id="20" dur="1" fill="hold">
                                           <p:stCondLst>
                                             <p:cond delay="0"/>
                                           </p:stCondLst>
@@ -19978,7 +19898,7 @@
       </p:par>
     </p:tnLst>
     <p:bldLst>
-      <p:bldP spid="3" grpId="0" build="p"/>
+      <p:bldP spid="3" grpId="0" uiExpand="1" build="p"/>
     </p:bldLst>
   </p:timing>
 </p:sld>

--- a/React.pptx
+++ b/React.pptx
@@ -7,10 +7,10 @@
     <p:sldMasterId id="2147483707" r:id="rId3"/>
   </p:sldMasterIdLst>
   <p:notesMasterIdLst>
-    <p:notesMasterId r:id="rId43"/>
+    <p:notesMasterId r:id="rId44"/>
   </p:notesMasterIdLst>
   <p:handoutMasterIdLst>
-    <p:handoutMasterId r:id="rId44"/>
+    <p:handoutMasterId r:id="rId45"/>
   </p:handoutMasterIdLst>
   <p:sldIdLst>
     <p:sldId id="309" r:id="rId4"/>
@@ -49,9 +49,10 @@
     <p:sldId id="320" r:id="rId37"/>
     <p:sldId id="268" r:id="rId38"/>
     <p:sldId id="306" r:id="rId39"/>
-    <p:sldId id="319" r:id="rId40"/>
-    <p:sldId id="304" r:id="rId41"/>
-    <p:sldId id="311" r:id="rId42"/>
+    <p:sldId id="327" r:id="rId40"/>
+    <p:sldId id="319" r:id="rId41"/>
+    <p:sldId id="304" r:id="rId42"/>
+    <p:sldId id="311" r:id="rId43"/>
   </p:sldIdLst>
   <p:sldSz cx="12192000" cy="6858000"/>
   <p:notesSz cx="6858000" cy="9144000"/>
@@ -191,6 +192,7 @@
             <p14:sldId id="320"/>
             <p14:sldId id="268"/>
             <p14:sldId id="306"/>
+            <p14:sldId id="327"/>
             <p14:sldId id="319"/>
             <p14:sldId id="304"/>
             <p14:sldId id="311"/>
@@ -25640,6 +25642,344 @@
       </p:grpSpPr>
       <p:sp>
         <p:nvSpPr>
+          <p:cNvPr id="2" name="Title 1"/>
+          <p:cNvSpPr>
+            <a:spLocks noGrp="1"/>
+          </p:cNvSpPr>
+          <p:nvPr>
+            <p:ph type="title"/>
+          </p:nvPr>
+        </p:nvSpPr>
+        <p:spPr/>
+        <p:txBody>
+          <a:bodyPr/>
+          <a:lstStyle/>
+          <a:p>
+            <a:r>
+              <a:rPr lang="en-US" dirty="0"/>
+              <a:t>J</a:t>
+            </a:r>
+            <a:r>
+              <a:rPr lang="en-US" dirty="0" smtClean="0"/>
+              <a:t>est </a:t>
+            </a:r>
+            <a:r>
+              <a:rPr lang="en-US" dirty="0" smtClean="0"/>
+              <a:t>Installation</a:t>
+            </a:r>
+            <a:endParaRPr lang="en-US" dirty="0"/>
+          </a:p>
+        </p:txBody>
+      </p:sp>
+      <p:sp>
+        <p:nvSpPr>
+          <p:cNvPr id="3" name="Content Placeholder 2"/>
+          <p:cNvSpPr>
+            <a:spLocks noGrp="1"/>
+          </p:cNvSpPr>
+          <p:nvPr>
+            <p:ph idx="1"/>
+          </p:nvPr>
+        </p:nvSpPr>
+        <p:spPr>
+          <a:xfrm>
+            <a:off x="4724400" y="1949904"/>
+            <a:ext cx="10515600" cy="4351338"/>
+          </a:xfrm>
+        </p:spPr>
+        <p:txBody>
+          <a:bodyPr/>
+          <a:lstStyle/>
+          <a:p>
+            <a:pPr marL="0" indent="0">
+              <a:buNone/>
+            </a:pPr>
+            <a:r>
+              <a:rPr lang="en-US" dirty="0" smtClean="0"/>
+              <a:t>	</a:t>
+            </a:r>
+          </a:p>
+          <a:p>
+            <a:pPr marL="0" indent="0">
+              <a:buNone/>
+            </a:pPr>
+            <a:r>
+              <a:rPr lang="en-US" dirty="0" smtClean="0"/>
+              <a:t>				</a:t>
+            </a:r>
+            <a:r>
+              <a:rPr lang="en-US" dirty="0" smtClean="0"/>
+              <a:t>OR</a:t>
+            </a:r>
+            <a:endParaRPr lang="en-US" dirty="0"/>
+          </a:p>
+          <a:p>
+            <a:pPr marL="0" indent="0">
+              <a:buNone/>
+            </a:pPr>
+            <a:endParaRPr lang="en-US" dirty="0"/>
+          </a:p>
+          <a:p>
+            <a:pPr marL="0" indent="0">
+              <a:buNone/>
+            </a:pPr>
+            <a:r>
+              <a:rPr lang="en-US" sz="2000" b="1" dirty="0" smtClean="0"/>
+              <a:t>			</a:t>
+            </a:r>
+            <a:r>
+              <a:rPr lang="en-US" sz="2000" dirty="0" err="1"/>
+              <a:t>npm</a:t>
+            </a:r>
+            <a:r>
+              <a:rPr lang="en-US" sz="2000" dirty="0"/>
+              <a:t> install jest-cli --save-dev</a:t>
+            </a:r>
+            <a:endParaRPr lang="en-US" sz="2000" b="1" dirty="0"/>
+          </a:p>
+          <a:p>
+            <a:pPr marL="0" indent="0">
+              <a:buNone/>
+            </a:pPr>
+            <a:endParaRPr lang="en-US" sz="2000" dirty="0" smtClean="0"/>
+          </a:p>
+        </p:txBody>
+      </p:sp>
+      <p:sp>
+        <p:nvSpPr>
+          <p:cNvPr id="4" name="Footer Placeholder 3"/>
+          <p:cNvSpPr>
+            <a:spLocks noGrp="1"/>
+          </p:cNvSpPr>
+          <p:nvPr>
+            <p:ph type="ftr" sz="quarter" idx="11"/>
+          </p:nvPr>
+        </p:nvSpPr>
+        <p:spPr/>
+        <p:txBody>
+          <a:bodyPr/>
+          <a:lstStyle/>
+          <a:p>
+            <a:r>
+              <a:rPr lang="en-US" dirty="0"/>
+              <a:t>Learning React </a:t>
+            </a:r>
+            <a:r>
+              <a:rPr lang="en-US" dirty="0" err="1"/>
+              <a:t>Js</a:t>
+            </a:r>
+            <a:endParaRPr lang="en-US" dirty="0"/>
+          </a:p>
+        </p:txBody>
+      </p:sp>
+      <p:sp>
+        <p:nvSpPr>
+          <p:cNvPr id="5" name="Slide Number Placeholder 4"/>
+          <p:cNvSpPr>
+            <a:spLocks noGrp="1"/>
+          </p:cNvSpPr>
+          <p:nvPr>
+            <p:ph type="sldNum" sz="quarter" idx="12"/>
+          </p:nvPr>
+        </p:nvSpPr>
+        <p:spPr/>
+        <p:txBody>
+          <a:bodyPr/>
+          <a:lstStyle/>
+          <a:p>
+            <a:fld id="{B777A91B-BF1B-4ECE-B89B-72F2144CF226}" type="slidenum">
+              <a:rPr lang="en-US" smtClean="0"/>
+              <a:t>37</a:t>
+            </a:fld>
+            <a:endParaRPr lang="en-US"/>
+          </a:p>
+        </p:txBody>
+      </p:sp>
+      <p:pic>
+        <p:nvPicPr>
+          <p:cNvPr id="6" name="Picture 5"/>
+          <p:cNvPicPr>
+            <a:picLocks noChangeAspect="1"/>
+          </p:cNvPicPr>
+          <p:nvPr/>
+        </p:nvPicPr>
+        <p:blipFill>
+          <a:blip r:embed="rId2">
+            <a:extLst>
+              <a:ext uri="{28A0092B-C50C-407E-A947-70E740481C1C}">
+                <a14:useLocalDpi xmlns:a14="http://schemas.microsoft.com/office/drawing/2010/main" val="0"/>
+              </a:ext>
+            </a:extLst>
+          </a:blip>
+          <a:stretch>
+            <a:fillRect/>
+          </a:stretch>
+        </p:blipFill>
+        <p:spPr>
+          <a:xfrm>
+            <a:off x="157162" y="84137"/>
+            <a:ext cx="1362075" cy="561975"/>
+          </a:xfrm>
+          <a:prstGeom prst="rect">
+            <a:avLst/>
+          </a:prstGeom>
+        </p:spPr>
+      </p:pic>
+      <p:pic>
+        <p:nvPicPr>
+          <p:cNvPr id="9" name="Picture 8"/>
+          <p:cNvPicPr>
+            <a:picLocks noChangeAspect="1"/>
+          </p:cNvPicPr>
+          <p:nvPr/>
+        </p:nvPicPr>
+        <p:blipFill>
+          <a:blip r:embed="rId3"/>
+          <a:stretch>
+            <a:fillRect/>
+          </a:stretch>
+        </p:blipFill>
+        <p:spPr>
+          <a:xfrm>
+            <a:off x="489016" y="1366653"/>
+            <a:ext cx="6362667" cy="4105678"/>
+          </a:xfrm>
+          <a:prstGeom prst="rect">
+            <a:avLst/>
+          </a:prstGeom>
+        </p:spPr>
+      </p:pic>
+      <p:pic>
+        <p:nvPicPr>
+          <p:cNvPr id="10" name="Picture 9"/>
+          <p:cNvPicPr>
+            <a:picLocks noChangeAspect="1"/>
+          </p:cNvPicPr>
+          <p:nvPr/>
+        </p:nvPicPr>
+        <p:blipFill>
+          <a:blip r:embed="rId4"/>
+          <a:stretch>
+            <a:fillRect/>
+          </a:stretch>
+        </p:blipFill>
+        <p:spPr>
+          <a:xfrm>
+            <a:off x="3836866" y="5019374"/>
+            <a:ext cx="8088303" cy="1173498"/>
+          </a:xfrm>
+          <a:prstGeom prst="rect">
+            <a:avLst/>
+          </a:prstGeom>
+        </p:spPr>
+      </p:pic>
+    </p:spTree>
+    <p:extLst>
+      <p:ext uri="{BB962C8B-B14F-4D97-AF65-F5344CB8AC3E}">
+        <p14:creationId xmlns:p14="http://schemas.microsoft.com/office/powerpoint/2010/main" val="29116599"/>
+      </p:ext>
+    </p:extLst>
+  </p:cSld>
+  <p:clrMapOvr>
+    <a:masterClrMapping/>
+  </p:clrMapOvr>
+  <p:timing>
+    <p:tnLst>
+      <p:par>
+        <p:cTn id="1" dur="indefinite" restart="never" nodeType="tmRoot">
+          <p:childTnLst>
+            <p:seq concurrent="1" nextAc="seek">
+              <p:cTn id="2" dur="indefinite" nodeType="mainSeq">
+                <p:childTnLst>
+                  <p:par>
+                    <p:cTn id="3" fill="hold">
+                      <p:stCondLst>
+                        <p:cond delay="indefinite"/>
+                      </p:stCondLst>
+                      <p:childTnLst>
+                        <p:par>
+                          <p:cTn id="4" fill="hold">
+                            <p:stCondLst>
+                              <p:cond delay="0"/>
+                            </p:stCondLst>
+                            <p:childTnLst>
+                              <p:par>
+                                <p:cTn id="5" presetID="1" presetClass="entr" presetSubtype="0" fill="hold" nodeType="clickEffect">
+                                  <p:stCondLst>
+                                    <p:cond delay="0"/>
+                                  </p:stCondLst>
+                                  <p:childTnLst>
+                                    <p:set>
+                                      <p:cBhvr>
+                                        <p:cTn id="6" dur="1" fill="hold">
+                                          <p:stCondLst>
+                                            <p:cond delay="0"/>
+                                          </p:stCondLst>
+                                        </p:cTn>
+                                        <p:tgtEl>
+                                          <p:spTgt spid="10"/>
+                                        </p:tgtEl>
+                                        <p:attrNameLst>
+                                          <p:attrName>style.visibility</p:attrName>
+                                        </p:attrNameLst>
+                                      </p:cBhvr>
+                                      <p:to>
+                                        <p:strVal val="visible"/>
+                                      </p:to>
+                                    </p:set>
+                                  </p:childTnLst>
+                                </p:cTn>
+                              </p:par>
+                            </p:childTnLst>
+                          </p:cTn>
+                        </p:par>
+                      </p:childTnLst>
+                    </p:cTn>
+                  </p:par>
+                </p:childTnLst>
+              </p:cTn>
+              <p:prevCondLst>
+                <p:cond evt="onPrev" delay="0">
+                  <p:tgtEl>
+                    <p:sldTgt/>
+                  </p:tgtEl>
+                </p:cond>
+              </p:prevCondLst>
+              <p:nextCondLst>
+                <p:cond evt="onNext" delay="0">
+                  <p:tgtEl>
+                    <p:sldTgt/>
+                  </p:tgtEl>
+                </p:cond>
+              </p:nextCondLst>
+            </p:seq>
+          </p:childTnLst>
+        </p:cTn>
+      </p:par>
+    </p:tnLst>
+  </p:timing>
+</p:sld>
+</file>
+
+<file path=ppt/slides/slide38.xml><?xml version="1.0" encoding="utf-8"?>
+<p:sld xmlns:a="http://schemas.openxmlformats.org/drawingml/2006/main" xmlns:r="http://schemas.openxmlformats.org/officeDocument/2006/relationships" xmlns:p="http://schemas.openxmlformats.org/presentationml/2006/main">
+  <p:cSld>
+    <p:spTree>
+      <p:nvGrpSpPr>
+        <p:cNvPr id="1" name=""/>
+        <p:cNvGrpSpPr/>
+        <p:nvPr/>
+      </p:nvGrpSpPr>
+      <p:grpSpPr>
+        <a:xfrm>
+          <a:off x="0" y="0"/>
+          <a:ext cx="0" cy="0"/>
+          <a:chOff x="0" y="0"/>
+          <a:chExt cx="0" cy="0"/>
+        </a:xfrm>
+      </p:grpSpPr>
+      <p:sp>
+        <p:nvSpPr>
           <p:cNvPr id="4" name="Footer Placeholder 3"/>
           <p:cNvSpPr>
             <a:spLocks noGrp="1"/>
@@ -25677,7 +26017,7 @@
           <a:p>
             <a:fld id="{B777A91B-BF1B-4ECE-B89B-72F2144CF226}" type="slidenum">
               <a:rPr lang="en-US" smtClean="0"/>
-              <a:t>37</a:t>
+              <a:t>38</a:t>
             </a:fld>
             <a:endParaRPr lang="en-US"/>
           </a:p>
@@ -25847,7 +26187,7 @@
 </p:sld>
 </file>
 
-<file path=ppt/slides/slide38.xml><?xml version="1.0" encoding="utf-8"?>
+<file path=ppt/slides/slide39.xml><?xml version="1.0" encoding="utf-8"?>
 <p:sld xmlns:a="http://schemas.openxmlformats.org/drawingml/2006/main" xmlns:r="http://schemas.openxmlformats.org/officeDocument/2006/relationships" xmlns:p="http://schemas.openxmlformats.org/presentationml/2006/main">
   <p:cSld>
     <p:spTree>
@@ -25964,7 +26304,7 @@
           <a:p>
             <a:fld id="{B777A91B-BF1B-4ECE-B89B-72F2144CF226}" type="slidenum">
               <a:rPr lang="en-US" smtClean="0"/>
-              <a:t>38</a:t>
+              <a:t>39</a:t>
             </a:fld>
             <a:endParaRPr lang="en-US"/>
           </a:p>
@@ -26050,7 +26390,199 @@
 </p:sld>
 </file>
 
-<file path=ppt/slides/slide39.xml><?xml version="1.0" encoding="utf-8"?>
+<file path=ppt/slides/slide4.xml><?xml version="1.0" encoding="utf-8"?>
+<p:sld xmlns:a="http://schemas.openxmlformats.org/drawingml/2006/main" xmlns:r="http://schemas.openxmlformats.org/officeDocument/2006/relationships" xmlns:p="http://schemas.openxmlformats.org/presentationml/2006/main">
+  <p:cSld>
+    <p:spTree>
+      <p:nvGrpSpPr>
+        <p:cNvPr id="1" name=""/>
+        <p:cNvGrpSpPr/>
+        <p:nvPr/>
+      </p:nvGrpSpPr>
+      <p:grpSpPr>
+        <a:xfrm>
+          <a:off x="0" y="0"/>
+          <a:ext cx="0" cy="0"/>
+          <a:chOff x="0" y="0"/>
+          <a:chExt cx="0" cy="0"/>
+        </a:xfrm>
+      </p:grpSpPr>
+      <p:sp>
+        <p:nvSpPr>
+          <p:cNvPr id="2" name="Title 1"/>
+          <p:cNvSpPr>
+            <a:spLocks noGrp="1"/>
+          </p:cNvSpPr>
+          <p:nvPr>
+            <p:ph type="title"/>
+          </p:nvPr>
+        </p:nvSpPr>
+        <p:spPr/>
+        <p:txBody>
+          <a:bodyPr/>
+          <a:lstStyle/>
+          <a:p>
+            <a:r>
+              <a:rPr lang="en-US" dirty="0" smtClean="0"/>
+              <a:t>Problem with Two-way binding</a:t>
+            </a:r>
+            <a:endParaRPr lang="en-US" dirty="0"/>
+          </a:p>
+        </p:txBody>
+      </p:sp>
+      <p:sp>
+        <p:nvSpPr>
+          <p:cNvPr id="5" name="TextBox 4"/>
+          <p:cNvSpPr txBox="1"/>
+          <p:nvPr/>
+        </p:nvSpPr>
+        <p:spPr>
+          <a:xfrm>
+            <a:off x="1828800" y="4168588"/>
+            <a:ext cx="184731" cy="369332"/>
+          </a:xfrm>
+          <a:prstGeom prst="rect">
+            <a:avLst/>
+          </a:prstGeom>
+          <a:noFill/>
+        </p:spPr>
+        <p:txBody>
+          <a:bodyPr wrap="none" rtlCol="0">
+            <a:spAutoFit/>
+          </a:bodyPr>
+          <a:lstStyle/>
+          <a:p>
+            <a:endParaRPr lang="en-US" dirty="0"/>
+          </a:p>
+        </p:txBody>
+      </p:sp>
+      <p:pic>
+        <p:nvPicPr>
+          <p:cNvPr id="6" name="Picture 5"/>
+          <p:cNvPicPr>
+            <a:picLocks noChangeAspect="1"/>
+          </p:cNvPicPr>
+          <p:nvPr/>
+        </p:nvPicPr>
+        <p:blipFill>
+          <a:blip r:embed="rId3">
+            <a:extLst>
+              <a:ext uri="{28A0092B-C50C-407E-A947-70E740481C1C}">
+                <a14:useLocalDpi xmlns:a14="http://schemas.microsoft.com/office/drawing/2010/main" val="0"/>
+              </a:ext>
+            </a:extLst>
+          </a:blip>
+          <a:stretch>
+            <a:fillRect/>
+          </a:stretch>
+        </p:blipFill>
+        <p:spPr>
+          <a:xfrm>
+            <a:off x="1519237" y="1870075"/>
+            <a:ext cx="8262633" cy="4306888"/>
+          </a:xfrm>
+          <a:prstGeom prst="rect">
+            <a:avLst/>
+          </a:prstGeom>
+        </p:spPr>
+      </p:pic>
+      <p:sp>
+        <p:nvSpPr>
+          <p:cNvPr id="7" name="Slide Number Placeholder 6"/>
+          <p:cNvSpPr>
+            <a:spLocks noGrp="1"/>
+          </p:cNvSpPr>
+          <p:nvPr>
+            <p:ph type="sldNum" sz="quarter" idx="12"/>
+          </p:nvPr>
+        </p:nvSpPr>
+        <p:spPr/>
+        <p:txBody>
+          <a:bodyPr/>
+          <a:lstStyle/>
+          <a:p>
+            <a:fld id="{B777A91B-BF1B-4ECE-B89B-72F2144CF226}" type="slidenum">
+              <a:rPr lang="en-US" smtClean="0"/>
+              <a:t>4</a:t>
+            </a:fld>
+            <a:endParaRPr lang="en-US"/>
+          </a:p>
+        </p:txBody>
+      </p:sp>
+      <p:pic>
+        <p:nvPicPr>
+          <p:cNvPr id="8" name="Picture 7"/>
+          <p:cNvPicPr>
+            <a:picLocks noChangeAspect="1"/>
+          </p:cNvPicPr>
+          <p:nvPr/>
+        </p:nvPicPr>
+        <p:blipFill>
+          <a:blip r:embed="rId4">
+            <a:extLst>
+              <a:ext uri="{28A0092B-C50C-407E-A947-70E740481C1C}">
+                <a14:useLocalDpi xmlns:a14="http://schemas.microsoft.com/office/drawing/2010/main" val="0"/>
+              </a:ext>
+            </a:extLst>
+          </a:blip>
+          <a:stretch>
+            <a:fillRect/>
+          </a:stretch>
+        </p:blipFill>
+        <p:spPr>
+          <a:xfrm>
+            <a:off x="157162" y="84137"/>
+            <a:ext cx="1362075" cy="561975"/>
+          </a:xfrm>
+          <a:prstGeom prst="rect">
+            <a:avLst/>
+          </a:prstGeom>
+        </p:spPr>
+      </p:pic>
+      <p:sp>
+        <p:nvSpPr>
+          <p:cNvPr id="9" name="Footer Placeholder 8"/>
+          <p:cNvSpPr>
+            <a:spLocks noGrp="1"/>
+          </p:cNvSpPr>
+          <p:nvPr>
+            <p:ph type="ftr" sz="quarter" idx="11"/>
+          </p:nvPr>
+        </p:nvSpPr>
+        <p:spPr/>
+        <p:txBody>
+          <a:bodyPr/>
+          <a:lstStyle/>
+          <a:p>
+            <a:r>
+              <a:rPr lang="en-US" dirty="0" smtClean="0"/>
+              <a:t>Understanding Flux</a:t>
+            </a:r>
+            <a:endParaRPr lang="en-US" dirty="0"/>
+          </a:p>
+        </p:txBody>
+      </p:sp>
+    </p:spTree>
+    <p:extLst>
+      <p:ext uri="{BB962C8B-B14F-4D97-AF65-F5344CB8AC3E}">
+        <p14:creationId xmlns:p14="http://schemas.microsoft.com/office/powerpoint/2010/main" val="2718338151"/>
+      </p:ext>
+    </p:extLst>
+  </p:cSld>
+  <p:clrMapOvr>
+    <a:masterClrMapping/>
+  </p:clrMapOvr>
+  <p:timing>
+    <p:tnLst>
+      <p:par>
+        <p:cTn id="1" dur="indefinite" restart="never" nodeType="tmRoot"/>
+      </p:par>
+    </p:tnLst>
+  </p:timing>
+</p:sld>
+</file>
+
+<file path=ppt/slides/slide40.xml><?xml version="1.0" encoding="utf-8"?>
 <p:sld xmlns:a="http://schemas.openxmlformats.org/drawingml/2006/main" xmlns:r="http://schemas.openxmlformats.org/officeDocument/2006/relationships" xmlns:p="http://schemas.openxmlformats.org/presentationml/2006/main">
   <p:cSld>
     <p:spTree>
@@ -26136,7 +26668,7 @@
           <a:p>
             <a:fld id="{B777A91B-BF1B-4ECE-B89B-72F2144CF226}" type="slidenum">
               <a:rPr lang="en-US" smtClean="0"/>
-              <a:t>39</a:t>
+              <a:t>40</a:t>
             </a:fld>
             <a:endParaRPr lang="en-US"/>
           </a:p>
@@ -26242,198 +26774,6 @@
     <p:extLst>
       <p:ext uri="{BB962C8B-B14F-4D97-AF65-F5344CB8AC3E}">
         <p14:creationId xmlns:p14="http://schemas.microsoft.com/office/powerpoint/2010/main" val="2585180686"/>
-      </p:ext>
-    </p:extLst>
-  </p:cSld>
-  <p:clrMapOvr>
-    <a:masterClrMapping/>
-  </p:clrMapOvr>
-  <p:timing>
-    <p:tnLst>
-      <p:par>
-        <p:cTn id="1" dur="indefinite" restart="never" nodeType="tmRoot"/>
-      </p:par>
-    </p:tnLst>
-  </p:timing>
-</p:sld>
-</file>
-
-<file path=ppt/slides/slide4.xml><?xml version="1.0" encoding="utf-8"?>
-<p:sld xmlns:a="http://schemas.openxmlformats.org/drawingml/2006/main" xmlns:r="http://schemas.openxmlformats.org/officeDocument/2006/relationships" xmlns:p="http://schemas.openxmlformats.org/presentationml/2006/main">
-  <p:cSld>
-    <p:spTree>
-      <p:nvGrpSpPr>
-        <p:cNvPr id="1" name=""/>
-        <p:cNvGrpSpPr/>
-        <p:nvPr/>
-      </p:nvGrpSpPr>
-      <p:grpSpPr>
-        <a:xfrm>
-          <a:off x="0" y="0"/>
-          <a:ext cx="0" cy="0"/>
-          <a:chOff x="0" y="0"/>
-          <a:chExt cx="0" cy="0"/>
-        </a:xfrm>
-      </p:grpSpPr>
-      <p:sp>
-        <p:nvSpPr>
-          <p:cNvPr id="2" name="Title 1"/>
-          <p:cNvSpPr>
-            <a:spLocks noGrp="1"/>
-          </p:cNvSpPr>
-          <p:nvPr>
-            <p:ph type="title"/>
-          </p:nvPr>
-        </p:nvSpPr>
-        <p:spPr/>
-        <p:txBody>
-          <a:bodyPr/>
-          <a:lstStyle/>
-          <a:p>
-            <a:r>
-              <a:rPr lang="en-US" dirty="0" smtClean="0"/>
-              <a:t>Problem with Two-way binding</a:t>
-            </a:r>
-            <a:endParaRPr lang="en-US" dirty="0"/>
-          </a:p>
-        </p:txBody>
-      </p:sp>
-      <p:sp>
-        <p:nvSpPr>
-          <p:cNvPr id="5" name="TextBox 4"/>
-          <p:cNvSpPr txBox="1"/>
-          <p:nvPr/>
-        </p:nvSpPr>
-        <p:spPr>
-          <a:xfrm>
-            <a:off x="1828800" y="4168588"/>
-            <a:ext cx="184731" cy="369332"/>
-          </a:xfrm>
-          <a:prstGeom prst="rect">
-            <a:avLst/>
-          </a:prstGeom>
-          <a:noFill/>
-        </p:spPr>
-        <p:txBody>
-          <a:bodyPr wrap="none" rtlCol="0">
-            <a:spAutoFit/>
-          </a:bodyPr>
-          <a:lstStyle/>
-          <a:p>
-            <a:endParaRPr lang="en-US" dirty="0"/>
-          </a:p>
-        </p:txBody>
-      </p:sp>
-      <p:pic>
-        <p:nvPicPr>
-          <p:cNvPr id="6" name="Picture 5"/>
-          <p:cNvPicPr>
-            <a:picLocks noChangeAspect="1"/>
-          </p:cNvPicPr>
-          <p:nvPr/>
-        </p:nvPicPr>
-        <p:blipFill>
-          <a:blip r:embed="rId3">
-            <a:extLst>
-              <a:ext uri="{28A0092B-C50C-407E-A947-70E740481C1C}">
-                <a14:useLocalDpi xmlns:a14="http://schemas.microsoft.com/office/drawing/2010/main" val="0"/>
-              </a:ext>
-            </a:extLst>
-          </a:blip>
-          <a:stretch>
-            <a:fillRect/>
-          </a:stretch>
-        </p:blipFill>
-        <p:spPr>
-          <a:xfrm>
-            <a:off x="1519237" y="1870075"/>
-            <a:ext cx="8262633" cy="4306888"/>
-          </a:xfrm>
-          <a:prstGeom prst="rect">
-            <a:avLst/>
-          </a:prstGeom>
-        </p:spPr>
-      </p:pic>
-      <p:sp>
-        <p:nvSpPr>
-          <p:cNvPr id="7" name="Slide Number Placeholder 6"/>
-          <p:cNvSpPr>
-            <a:spLocks noGrp="1"/>
-          </p:cNvSpPr>
-          <p:nvPr>
-            <p:ph type="sldNum" sz="quarter" idx="12"/>
-          </p:nvPr>
-        </p:nvSpPr>
-        <p:spPr/>
-        <p:txBody>
-          <a:bodyPr/>
-          <a:lstStyle/>
-          <a:p>
-            <a:fld id="{B777A91B-BF1B-4ECE-B89B-72F2144CF226}" type="slidenum">
-              <a:rPr lang="en-US" smtClean="0"/>
-              <a:t>4</a:t>
-            </a:fld>
-            <a:endParaRPr lang="en-US"/>
-          </a:p>
-        </p:txBody>
-      </p:sp>
-      <p:pic>
-        <p:nvPicPr>
-          <p:cNvPr id="8" name="Picture 7"/>
-          <p:cNvPicPr>
-            <a:picLocks noChangeAspect="1"/>
-          </p:cNvPicPr>
-          <p:nvPr/>
-        </p:nvPicPr>
-        <p:blipFill>
-          <a:blip r:embed="rId4">
-            <a:extLst>
-              <a:ext uri="{28A0092B-C50C-407E-A947-70E740481C1C}">
-                <a14:useLocalDpi xmlns:a14="http://schemas.microsoft.com/office/drawing/2010/main" val="0"/>
-              </a:ext>
-            </a:extLst>
-          </a:blip>
-          <a:stretch>
-            <a:fillRect/>
-          </a:stretch>
-        </p:blipFill>
-        <p:spPr>
-          <a:xfrm>
-            <a:off x="157162" y="84137"/>
-            <a:ext cx="1362075" cy="561975"/>
-          </a:xfrm>
-          <a:prstGeom prst="rect">
-            <a:avLst/>
-          </a:prstGeom>
-        </p:spPr>
-      </p:pic>
-      <p:sp>
-        <p:nvSpPr>
-          <p:cNvPr id="9" name="Footer Placeholder 8"/>
-          <p:cNvSpPr>
-            <a:spLocks noGrp="1"/>
-          </p:cNvSpPr>
-          <p:nvPr>
-            <p:ph type="ftr" sz="quarter" idx="11"/>
-          </p:nvPr>
-        </p:nvSpPr>
-        <p:spPr/>
-        <p:txBody>
-          <a:bodyPr/>
-          <a:lstStyle/>
-          <a:p>
-            <a:r>
-              <a:rPr lang="en-US" dirty="0" smtClean="0"/>
-              <a:t>Understanding Flux</a:t>
-            </a:r>
-            <a:endParaRPr lang="en-US" dirty="0"/>
-          </a:p>
-        </p:txBody>
-      </p:sp>
-    </p:spTree>
-    <p:extLst>
-      <p:ext uri="{BB962C8B-B14F-4D97-AF65-F5344CB8AC3E}">
-        <p14:creationId xmlns:p14="http://schemas.microsoft.com/office/powerpoint/2010/main" val="2718338151"/>
       </p:ext>
     </p:extLst>
   </p:cSld>
@@ -27345,15 +27685,7 @@
           <a:p>
             <a:r>
               <a:rPr lang="en-US" dirty="0" smtClean="0"/>
-              <a:t>No (we wil</a:t>
-            </a:r>
-            <a:r>
-              <a:rPr lang="en-US" dirty="0" smtClean="0"/>
-              <a:t>l use jest</a:t>
-            </a:r>
-            <a:r>
-              <a:rPr lang="en-US" dirty="0" smtClean="0"/>
-              <a:t>)</a:t>
+              <a:t>No (we will use jest)</a:t>
             </a:r>
           </a:p>
           <a:p>
@@ -27365,11 +27697,7 @@
           <a:p>
             <a:r>
               <a:rPr lang="en-US" dirty="0" smtClean="0"/>
-              <a:t>Yes</a:t>
-            </a:r>
-            <a:r>
-              <a:rPr lang="en-US" dirty="0" smtClean="0"/>
-              <a:t>		</a:t>
+              <a:t>Yes		</a:t>
             </a:r>
             <a:endParaRPr lang="en-US" dirty="0"/>
           </a:p>
@@ -27675,11 +28003,7 @@
           <a:p>
             <a:r>
               <a:rPr lang="en-US" dirty="0" smtClean="0"/>
-              <a:t>Flexible Directory Structure</a:t>
-            </a:r>
-            <a:r>
-              <a:rPr lang="en-US" dirty="0" smtClean="0"/>
-              <a:t>			</a:t>
+              <a:t>Flexible Directory Structure			</a:t>
             </a:r>
             <a:endParaRPr lang="en-US" dirty="0"/>
           </a:p>

--- a/React.pptx
+++ b/React.pptx
@@ -43,10 +43,10 @@
     <p:sldId id="323" r:id="rId31"/>
     <p:sldId id="301" r:id="rId32"/>
     <p:sldId id="317" r:id="rId33"/>
-    <p:sldId id="324" r:id="rId34"/>
-    <p:sldId id="325" r:id="rId35"/>
-    <p:sldId id="326" r:id="rId36"/>
-    <p:sldId id="320" r:id="rId37"/>
+    <p:sldId id="320" r:id="rId34"/>
+    <p:sldId id="324" r:id="rId35"/>
+    <p:sldId id="325" r:id="rId36"/>
+    <p:sldId id="326" r:id="rId37"/>
     <p:sldId id="268" r:id="rId38"/>
     <p:sldId id="306" r:id="rId39"/>
     <p:sldId id="327" r:id="rId40"/>
@@ -186,10 +186,10 @@
             <p14:sldId id="323"/>
             <p14:sldId id="301"/>
             <p14:sldId id="317"/>
+            <p14:sldId id="320"/>
             <p14:sldId id="324"/>
             <p14:sldId id="325"/>
             <p14:sldId id="326"/>
-            <p14:sldId id="320"/>
             <p14:sldId id="268"/>
             <p14:sldId id="306"/>
             <p14:sldId id="327"/>
@@ -293,7 +293,7 @@
           <a:p>
             <a:fld id="{0CFB67D1-B930-45EB-8ABD-6B5C9D4B80D1}" type="datetimeFigureOut">
               <a:rPr lang="en-US" smtClean="0"/>
-              <a:t>12/28/2015</a:t>
+              <a:t>12/29/2015</a:t>
             </a:fld>
             <a:endParaRPr lang="en-US"/>
           </a:p>
@@ -463,7 +463,7 @@
           <a:p>
             <a:fld id="{ED1B4B99-2273-4D0F-B50E-7680EF1753AD}" type="datetimeFigureOut">
               <a:rPr lang="en-US" smtClean="0"/>
-              <a:t>12/28/2015</a:t>
+              <a:t>12/29/2015</a:t>
             </a:fld>
             <a:endParaRPr lang="en-US"/>
           </a:p>
@@ -2174,7 +2174,7 @@
           <a:p>
             <a:fld id="{B1206FEA-4AFC-4465-8ABD-ECC3D411179B}" type="slidenum">
               <a:rPr lang="en-US" smtClean="0"/>
-              <a:t>31</a:t>
+              <a:t>32</a:t>
             </a:fld>
             <a:endParaRPr lang="en-US"/>
           </a:p>
@@ -2485,7 +2485,7 @@
           <a:p>
             <a:fld id="{B1206FEA-4AFC-4465-8ABD-ECC3D411179B}" type="slidenum">
               <a:rPr lang="en-US" smtClean="0"/>
-              <a:t>32</a:t>
+              <a:t>33</a:t>
             </a:fld>
             <a:endParaRPr lang="en-US"/>
           </a:p>
@@ -2627,7 +2627,7 @@
           <a:p>
             <a:fld id="{B1206FEA-4AFC-4465-8ABD-ECC3D411179B}" type="slidenum">
               <a:rPr lang="en-US" smtClean="0"/>
-              <a:t>33</a:t>
+              <a:t>34</a:t>
             </a:fld>
             <a:endParaRPr lang="en-US"/>
           </a:p>
@@ -3730,7 +3730,7 @@
           <a:p>
             <a:fld id="{303EB834-E7B8-409E-81B9-982E8459DCCC}" type="datetime1">
               <a:rPr lang="en-US" smtClean="0"/>
-              <a:t>12/28/2015</a:t>
+              <a:t>12/29/2015</a:t>
             </a:fld>
             <a:endParaRPr lang="en-US"/>
           </a:p>
@@ -3900,7 +3900,7 @@
           <a:p>
             <a:fld id="{F19D2895-FC19-48B1-B748-C2413DEA71C1}" type="datetime1">
               <a:rPr lang="en-US" smtClean="0"/>
-              <a:t>12/28/2015</a:t>
+              <a:t>12/29/2015</a:t>
             </a:fld>
             <a:endParaRPr lang="en-US"/>
           </a:p>
@@ -4080,7 +4080,7 @@
           <a:p>
             <a:fld id="{96A00C3C-F0B8-47F0-94A4-AC32EEBC5F82}" type="datetime1">
               <a:rPr lang="en-US" smtClean="0"/>
-              <a:t>12/28/2015</a:t>
+              <a:t>12/29/2015</a:t>
             </a:fld>
             <a:endParaRPr lang="en-US"/>
           </a:p>
@@ -4863,7 +4863,7 @@
           <a:p>
             <a:fld id="{303EB834-E7B8-409E-81B9-982E8459DCCC}" type="datetime1">
               <a:rPr lang="en-US" smtClean="0"/>
-              <a:t>12/28/2015</a:t>
+              <a:t>12/29/2015</a:t>
             </a:fld>
             <a:endParaRPr lang="en-US"/>
           </a:p>
@@ -5039,7 +5039,7 @@
           <a:p>
             <a:fld id="{06D12459-9C40-4044-BF33-9A5B25D48414}" type="datetime1">
               <a:rPr lang="en-US" smtClean="0"/>
-              <a:t>12/28/2015</a:t>
+              <a:t>12/29/2015</a:t>
             </a:fld>
             <a:endParaRPr lang="en-US"/>
           </a:p>
@@ -5286,7 +5286,7 @@
           <a:p>
             <a:fld id="{2E08FAB6-119E-4576-8D09-082504E83A1B}" type="datetime1">
               <a:rPr lang="en-US" smtClean="0"/>
-              <a:t>12/28/2015</a:t>
+              <a:t>12/29/2015</a:t>
             </a:fld>
             <a:endParaRPr lang="en-US"/>
           </a:p>
@@ -5518,7 +5518,7 @@
           <a:p>
             <a:fld id="{539674DB-8137-4B07-9101-81EA67E66245}" type="datetime1">
               <a:rPr lang="en-US" smtClean="0"/>
-              <a:t>12/28/2015</a:t>
+              <a:t>12/29/2015</a:t>
             </a:fld>
             <a:endParaRPr lang="en-US"/>
           </a:p>
@@ -5892,7 +5892,7 @@
           <a:p>
             <a:fld id="{E04C8895-3746-40DA-994F-BCAD26497945}" type="datetime1">
               <a:rPr lang="en-US" smtClean="0"/>
-              <a:t>12/28/2015</a:t>
+              <a:t>12/29/2015</a:t>
             </a:fld>
             <a:endParaRPr lang="en-US"/>
           </a:p>
@@ -6015,7 +6015,7 @@
           <a:p>
             <a:fld id="{475C878A-3BFB-4C42-913C-C7DB5AC5AA08}" type="datetime1">
               <a:rPr lang="en-US" smtClean="0"/>
-              <a:t>12/28/2015</a:t>
+              <a:t>12/29/2015</a:t>
             </a:fld>
             <a:endParaRPr lang="en-US"/>
           </a:p>
@@ -6110,7 +6110,7 @@
           <a:p>
             <a:fld id="{B1C4F552-6897-43BC-846A-656636E3EE1D}" type="datetime1">
               <a:rPr lang="en-US" smtClean="0"/>
-              <a:t>12/28/2015</a:t>
+              <a:t>12/29/2015</a:t>
             </a:fld>
             <a:endParaRPr lang="en-US"/>
           </a:p>
@@ -6365,7 +6365,7 @@
           <a:p>
             <a:fld id="{71A41344-2947-41F1-905A-FD4B8381B313}" type="datetime1">
               <a:rPr lang="en-US" smtClean="0"/>
-              <a:t>12/28/2015</a:t>
+              <a:t>12/29/2015</a:t>
             </a:fld>
             <a:endParaRPr lang="en-US"/>
           </a:p>
@@ -6535,7 +6535,7 @@
           <a:p>
             <a:fld id="{06D12459-9C40-4044-BF33-9A5B25D48414}" type="datetime1">
               <a:rPr lang="en-US" smtClean="0"/>
-              <a:t>12/28/2015</a:t>
+              <a:t>12/29/2015</a:t>
             </a:fld>
             <a:endParaRPr lang="en-US"/>
           </a:p>
@@ -6798,7 +6798,7 @@
           <a:p>
             <a:fld id="{4DC85097-E5CA-4C93-85D6-E09D69C5520C}" type="datetime1">
               <a:rPr lang="en-US" smtClean="0"/>
-              <a:t>12/28/2015</a:t>
+              <a:t>12/29/2015</a:t>
             </a:fld>
             <a:endParaRPr lang="en-US"/>
           </a:p>
@@ -7049,7 +7049,7 @@
           <a:p>
             <a:fld id="{B32A9C83-92CC-43F7-A504-00D1A2E6CB6D}" type="datetime1">
               <a:rPr lang="en-US" smtClean="0"/>
-              <a:t>12/28/2015</a:t>
+              <a:t>12/29/2015</a:t>
             </a:fld>
             <a:endParaRPr lang="en-US"/>
           </a:p>
@@ -7364,7 +7364,7 @@
           <a:p>
             <a:fld id="{B32A9C83-92CC-43F7-A504-00D1A2E6CB6D}" type="datetime1">
               <a:rPr lang="en-US" smtClean="0"/>
-              <a:t>12/28/2015</a:t>
+              <a:t>12/29/2015</a:t>
             </a:fld>
             <a:endParaRPr lang="en-US"/>
           </a:p>
@@ -7706,7 +7706,7 @@
           <a:p>
             <a:fld id="{B32A9C83-92CC-43F7-A504-00D1A2E6CB6D}" type="datetime1">
               <a:rPr lang="en-US" smtClean="0"/>
-              <a:t>12/28/2015</a:t>
+              <a:t>12/29/2015</a:t>
             </a:fld>
             <a:endParaRPr lang="en-US"/>
           </a:p>
@@ -8021,7 +8021,7 @@
           <a:p>
             <a:fld id="{B32A9C83-92CC-43F7-A504-00D1A2E6CB6D}" type="datetime1">
               <a:rPr lang="en-US" smtClean="0"/>
-              <a:t>12/28/2015</a:t>
+              <a:t>12/29/2015</a:t>
             </a:fld>
             <a:endParaRPr lang="en-US"/>
           </a:p>
@@ -8415,7 +8415,7 @@
           <a:p>
             <a:fld id="{B32A9C83-92CC-43F7-A504-00D1A2E6CB6D}" type="datetime1">
               <a:rPr lang="en-US" smtClean="0"/>
-              <a:t>12/28/2015</a:t>
+              <a:t>12/29/2015</a:t>
             </a:fld>
             <a:endParaRPr lang="en-US"/>
           </a:p>
@@ -8586,7 +8586,7 @@
           <a:p>
             <a:fld id="{F19D2895-FC19-48B1-B748-C2413DEA71C1}" type="datetime1">
               <a:rPr lang="en-US" smtClean="0"/>
-              <a:t>12/28/2015</a:t>
+              <a:t>12/29/2015</a:t>
             </a:fld>
             <a:endParaRPr lang="en-US"/>
           </a:p>
@@ -8766,7 +8766,7 @@
           <a:p>
             <a:fld id="{96A00C3C-F0B8-47F0-94A4-AC32EEBC5F82}" type="datetime1">
               <a:rPr lang="en-US" smtClean="0"/>
-              <a:t>12/28/2015</a:t>
+              <a:t>12/29/2015</a:t>
             </a:fld>
             <a:endParaRPr lang="en-US"/>
           </a:p>
@@ -9549,7 +9549,7 @@
           <a:p>
             <a:fld id="{303EB834-E7B8-409E-81B9-982E8459DCCC}" type="datetime1">
               <a:rPr lang="en-US" smtClean="0"/>
-              <a:t>12/28/2015</a:t>
+              <a:t>12/29/2015</a:t>
             </a:fld>
             <a:endParaRPr lang="en-US"/>
           </a:p>
@@ -9725,7 +9725,7 @@
           <a:p>
             <a:fld id="{06D12459-9C40-4044-BF33-9A5B25D48414}" type="datetime1">
               <a:rPr lang="en-US" smtClean="0"/>
-              <a:t>12/28/2015</a:t>
+              <a:t>12/29/2015</a:t>
             </a:fld>
             <a:endParaRPr lang="en-US"/>
           </a:p>
@@ -9971,7 +9971,7 @@
           <a:p>
             <a:fld id="{2E08FAB6-119E-4576-8D09-082504E83A1B}" type="datetime1">
               <a:rPr lang="en-US" smtClean="0"/>
-              <a:t>12/28/2015</a:t>
+              <a:t>12/29/2015</a:t>
             </a:fld>
             <a:endParaRPr lang="en-US"/>
           </a:p>
@@ -10218,7 +10218,7 @@
           <a:p>
             <a:fld id="{2E08FAB6-119E-4576-8D09-082504E83A1B}" type="datetime1">
               <a:rPr lang="en-US" smtClean="0"/>
-              <a:t>12/28/2015</a:t>
+              <a:t>12/29/2015</a:t>
             </a:fld>
             <a:endParaRPr lang="en-US"/>
           </a:p>
@@ -10450,7 +10450,7 @@
           <a:p>
             <a:fld id="{539674DB-8137-4B07-9101-81EA67E66245}" type="datetime1">
               <a:rPr lang="en-US" smtClean="0"/>
-              <a:t>12/28/2015</a:t>
+              <a:t>12/29/2015</a:t>
             </a:fld>
             <a:endParaRPr lang="en-US"/>
           </a:p>
@@ -10824,7 +10824,7 @@
           <a:p>
             <a:fld id="{E04C8895-3746-40DA-994F-BCAD26497945}" type="datetime1">
               <a:rPr lang="en-US" smtClean="0"/>
-              <a:t>12/28/2015</a:t>
+              <a:t>12/29/2015</a:t>
             </a:fld>
             <a:endParaRPr lang="en-US"/>
           </a:p>
@@ -10947,7 +10947,7 @@
           <a:p>
             <a:fld id="{475C878A-3BFB-4C42-913C-C7DB5AC5AA08}" type="datetime1">
               <a:rPr lang="en-US" smtClean="0"/>
-              <a:t>12/28/2015</a:t>
+              <a:t>12/29/2015</a:t>
             </a:fld>
             <a:endParaRPr lang="en-US"/>
           </a:p>
@@ -11042,7 +11042,7 @@
           <a:p>
             <a:fld id="{B1C4F552-6897-43BC-846A-656636E3EE1D}" type="datetime1">
               <a:rPr lang="en-US" smtClean="0"/>
-              <a:t>12/28/2015</a:t>
+              <a:t>12/29/2015</a:t>
             </a:fld>
             <a:endParaRPr lang="en-US"/>
           </a:p>
@@ -11297,7 +11297,7 @@
           <a:p>
             <a:fld id="{71A41344-2947-41F1-905A-FD4B8381B313}" type="datetime1">
               <a:rPr lang="en-US" smtClean="0"/>
-              <a:t>12/28/2015</a:t>
+              <a:t>12/29/2015</a:t>
             </a:fld>
             <a:endParaRPr lang="en-US"/>
           </a:p>
@@ -11560,7 +11560,7 @@
           <a:p>
             <a:fld id="{4DC85097-E5CA-4C93-85D6-E09D69C5520C}" type="datetime1">
               <a:rPr lang="en-US" smtClean="0"/>
-              <a:t>12/28/2015</a:t>
+              <a:t>12/29/2015</a:t>
             </a:fld>
             <a:endParaRPr lang="en-US"/>
           </a:p>
@@ -11811,7 +11811,7 @@
           <a:p>
             <a:fld id="{B32A9C83-92CC-43F7-A504-00D1A2E6CB6D}" type="datetime1">
               <a:rPr lang="en-US" smtClean="0"/>
-              <a:t>12/28/2015</a:t>
+              <a:t>12/29/2015</a:t>
             </a:fld>
             <a:endParaRPr lang="en-US"/>
           </a:p>
@@ -12126,7 +12126,7 @@
           <a:p>
             <a:fld id="{B32A9C83-92CC-43F7-A504-00D1A2E6CB6D}" type="datetime1">
               <a:rPr lang="en-US" smtClean="0"/>
-              <a:t>12/28/2015</a:t>
+              <a:t>12/29/2015</a:t>
             </a:fld>
             <a:endParaRPr lang="en-US"/>
           </a:p>
@@ -12468,7 +12468,7 @@
           <a:p>
             <a:fld id="{B32A9C83-92CC-43F7-A504-00D1A2E6CB6D}" type="datetime1">
               <a:rPr lang="en-US" smtClean="0"/>
-              <a:t>12/28/2015</a:t>
+              <a:t>12/29/2015</a:t>
             </a:fld>
             <a:endParaRPr lang="en-US"/>
           </a:p>
@@ -12701,7 +12701,7 @@
           <a:p>
             <a:fld id="{539674DB-8137-4B07-9101-81EA67E66245}" type="datetime1">
               <a:rPr lang="en-US" smtClean="0"/>
-              <a:t>12/28/2015</a:t>
+              <a:t>12/29/2015</a:t>
             </a:fld>
             <a:endParaRPr lang="en-US"/>
           </a:p>
@@ -13015,7 +13015,7 @@
           <a:p>
             <a:fld id="{B32A9C83-92CC-43F7-A504-00D1A2E6CB6D}" type="datetime1">
               <a:rPr lang="en-US" smtClean="0"/>
-              <a:t>12/28/2015</a:t>
+              <a:t>12/29/2015</a:t>
             </a:fld>
             <a:endParaRPr lang="en-US"/>
           </a:p>
@@ -13409,7 +13409,7 @@
           <a:p>
             <a:fld id="{B32A9C83-92CC-43F7-A504-00D1A2E6CB6D}" type="datetime1">
               <a:rPr lang="en-US" smtClean="0"/>
-              <a:t>12/28/2015</a:t>
+              <a:t>12/29/2015</a:t>
             </a:fld>
             <a:endParaRPr lang="en-US"/>
           </a:p>
@@ -13580,7 +13580,7 @@
           <a:p>
             <a:fld id="{F19D2895-FC19-48B1-B748-C2413DEA71C1}" type="datetime1">
               <a:rPr lang="en-US" smtClean="0"/>
-              <a:t>12/28/2015</a:t>
+              <a:t>12/29/2015</a:t>
             </a:fld>
             <a:endParaRPr lang="en-US"/>
           </a:p>
@@ -13760,7 +13760,7 @@
           <a:p>
             <a:fld id="{96A00C3C-F0B8-47F0-94A4-AC32EEBC5F82}" type="datetime1">
               <a:rPr lang="en-US" smtClean="0"/>
-              <a:t>12/28/2015</a:t>
+              <a:t>12/29/2015</a:t>
             </a:fld>
             <a:endParaRPr lang="en-US"/>
           </a:p>
@@ -14127,7 +14127,7 @@
           <a:p>
             <a:fld id="{E04C8895-3746-40DA-994F-BCAD26497945}" type="datetime1">
               <a:rPr lang="en-US" smtClean="0"/>
-              <a:t>12/28/2015</a:t>
+              <a:t>12/29/2015</a:t>
             </a:fld>
             <a:endParaRPr lang="en-US"/>
           </a:p>
@@ -14245,7 +14245,7 @@
           <a:p>
             <a:fld id="{475C878A-3BFB-4C42-913C-C7DB5AC5AA08}" type="datetime1">
               <a:rPr lang="en-US" smtClean="0"/>
-              <a:t>12/28/2015</a:t>
+              <a:t>12/29/2015</a:t>
             </a:fld>
             <a:endParaRPr lang="en-US"/>
           </a:p>
@@ -14340,7 +14340,7 @@
           <a:p>
             <a:fld id="{B1C4F552-6897-43BC-846A-656636E3EE1D}" type="datetime1">
               <a:rPr lang="en-US" smtClean="0"/>
-              <a:t>12/28/2015</a:t>
+              <a:t>12/29/2015</a:t>
             </a:fld>
             <a:endParaRPr lang="en-US"/>
           </a:p>
@@ -14617,7 +14617,7 @@
           <a:p>
             <a:fld id="{71A41344-2947-41F1-905A-FD4B8381B313}" type="datetime1">
               <a:rPr lang="en-US" smtClean="0"/>
-              <a:t>12/28/2015</a:t>
+              <a:t>12/29/2015</a:t>
             </a:fld>
             <a:endParaRPr lang="en-US"/>
           </a:p>
@@ -14870,7 +14870,7 @@
           <a:p>
             <a:fld id="{4DC85097-E5CA-4C93-85D6-E09D69C5520C}" type="datetime1">
               <a:rPr lang="en-US" smtClean="0"/>
-              <a:t>12/28/2015</a:t>
+              <a:t>12/29/2015</a:t>
             </a:fld>
             <a:endParaRPr lang="en-US"/>
           </a:p>
@@ -15083,7 +15083,7 @@
           <a:p>
             <a:fld id="{B32A9C83-92CC-43F7-A504-00D1A2E6CB6D}" type="datetime1">
               <a:rPr lang="en-US" smtClean="0"/>
-              <a:t>12/28/2015</a:t>
+              <a:t>12/29/2015</a:t>
             </a:fld>
             <a:endParaRPr lang="en-US"/>
           </a:p>
@@ -16154,7 +16154,7 @@
           <a:p>
             <a:fld id="{B32A9C83-92CC-43F7-A504-00D1A2E6CB6D}" type="datetime1">
               <a:rPr lang="en-US" smtClean="0"/>
-              <a:t>12/28/2015</a:t>
+              <a:t>12/29/2015</a:t>
             </a:fld>
             <a:endParaRPr lang="en-US"/>
           </a:p>
@@ -17344,7 +17344,7 @@
           <a:p>
             <a:fld id="{B32A9C83-92CC-43F7-A504-00D1A2E6CB6D}" type="datetime1">
               <a:rPr lang="en-US" smtClean="0"/>
-              <a:t>12/28/2015</a:t>
+              <a:t>12/29/2015</a:t>
             </a:fld>
             <a:endParaRPr lang="en-US"/>
           </a:p>
@@ -18548,10 +18548,18 @@
               <a:buNone/>
             </a:pPr>
             <a:r>
-              <a:rPr lang="en-US" sz="2400" dirty="0" smtClean="0"/>
-              <a:t>Alt.js</a:t>
-            </a:r>
-            <a:endParaRPr lang="en-US" sz="2400" dirty="0"/>
+              <a:rPr lang="en-US" sz="1800" dirty="0" err="1"/>
+              <a:t>s</a:t>
+            </a:r>
+            <a:r>
+              <a:rPr lang="en-US" sz="1800" dirty="0" err="1" smtClean="0"/>
+              <a:t>rc</a:t>
+            </a:r>
+            <a:r>
+              <a:rPr lang="en-US" sz="1800" dirty="0" smtClean="0"/>
+              <a:t>/Alt.js</a:t>
+            </a:r>
+            <a:endParaRPr lang="en-US" sz="1800" dirty="0"/>
           </a:p>
         </p:txBody>
       </p:sp>
@@ -18826,8 +18834,12 @@
               <a:buNone/>
             </a:pPr>
             <a:r>
+              <a:rPr lang="en-US" sz="1800" dirty="0"/>
+              <a:t>a</a:t>
+            </a:r>
+            <a:r>
               <a:rPr lang="en-US" sz="1800" dirty="0" smtClean="0"/>
-              <a:t>TodoActions.js</a:t>
+              <a:t>ctions/TodoActions.js</a:t>
             </a:r>
             <a:endParaRPr lang="en-US" sz="1800" dirty="0"/>
           </a:p>
@@ -18916,7 +18928,7 @@
           <a:lstStyle/>
           <a:p>
             <a:r>
-              <a:rPr lang="en-US" dirty="0" smtClean="0"/>
+              <a:rPr lang="en-US" smtClean="0"/>
               <a:t>Alt Stores</a:t>
             </a:r>
             <a:endParaRPr lang="en-US" dirty="0"/>
@@ -19013,7 +19025,12 @@
             <p:ph idx="1"/>
           </p:nvPr>
         </p:nvSpPr>
-        <p:spPr/>
+        <p:spPr>
+          <a:xfrm>
+            <a:off x="838200" y="1825625"/>
+            <a:ext cx="8803877" cy="4351338"/>
+          </a:xfrm>
+        </p:spPr>
         <p:txBody>
           <a:bodyPr>
             <a:normAutofit/>
@@ -19025,7 +19042,11 @@
             </a:pPr>
             <a:r>
               <a:rPr lang="en-US" sz="1800" dirty="0" smtClean="0"/>
-              <a:t>										TodoStore.js</a:t>
+              <a:t>									</a:t>
+            </a:r>
+            <a:r>
+              <a:rPr lang="en-US" sz="1800" dirty="0" smtClean="0"/>
+              <a:t>	</a:t>
             </a:r>
             <a:endParaRPr lang="en-US" sz="1800" dirty="0"/>
           </a:p>
@@ -19061,6 +19082,35 @@
           </a:prstGeom>
         </p:spPr>
       </p:pic>
+      <p:sp>
+        <p:nvSpPr>
+          <p:cNvPr id="7" name="Rectangle 6"/>
+          <p:cNvSpPr/>
+          <p:nvPr/>
+        </p:nvSpPr>
+        <p:spPr>
+          <a:xfrm>
+            <a:off x="9642077" y="1506022"/>
+            <a:ext cx="1994520" cy="369332"/>
+          </a:xfrm>
+          <a:prstGeom prst="rect">
+            <a:avLst/>
+          </a:prstGeom>
+        </p:spPr>
+        <p:txBody>
+          <a:bodyPr wrap="none">
+            <a:spAutoFit/>
+          </a:bodyPr>
+          <a:lstStyle/>
+          <a:p>
+            <a:r>
+              <a:rPr lang="en-US" dirty="0" smtClean="0"/>
+              <a:t>stores/TodoStore.js</a:t>
+            </a:r>
+            <a:endParaRPr lang="en-US" dirty="0"/>
+          </a:p>
+        </p:txBody>
+      </p:sp>
     </p:spTree>
     <p:extLst>
       <p:ext uri="{BB962C8B-B14F-4D97-AF65-F5344CB8AC3E}">
@@ -22392,11 +22442,40 @@
         </p:blipFill>
         <p:spPr>
           <a:xfrm>
-            <a:off x="984819" y="1506071"/>
+            <a:off x="966890" y="1690688"/>
             <a:ext cx="8741674" cy="4267589"/>
           </a:xfrm>
         </p:spPr>
       </p:pic>
+      <p:sp>
+        <p:nvSpPr>
+          <p:cNvPr id="7" name="Rectangle 6"/>
+          <p:cNvSpPr/>
+          <p:nvPr/>
+        </p:nvSpPr>
+        <p:spPr>
+          <a:xfrm>
+            <a:off x="838199" y="1335726"/>
+            <a:ext cx="2192716" cy="369332"/>
+          </a:xfrm>
+          <a:prstGeom prst="rect">
+            <a:avLst/>
+          </a:prstGeom>
+        </p:spPr>
+        <p:txBody>
+          <a:bodyPr wrap="none">
+            <a:spAutoFit/>
+          </a:bodyPr>
+          <a:lstStyle/>
+          <a:p>
+            <a:r>
+              <a:rPr lang="en-US" dirty="0" smtClean="0"/>
+              <a:t>components/Todos.js</a:t>
+            </a:r>
+            <a:endParaRPr lang="en-US" dirty="0"/>
+          </a:p>
+        </p:txBody>
+      </p:sp>
     </p:spTree>
     <p:extLst>
       <p:ext uri="{BB962C8B-B14F-4D97-AF65-F5344CB8AC3E}">
@@ -22570,6 +22649,34 @@
           </a:xfrm>
         </p:spPr>
       </p:pic>
+      <p:sp>
+        <p:nvSpPr>
+          <p:cNvPr id="7" name="Rectangle 6"/>
+          <p:cNvSpPr/>
+          <p:nvPr/>
+        </p:nvSpPr>
+        <p:spPr>
+          <a:xfrm>
+            <a:off x="838199" y="1787010"/>
+            <a:ext cx="2192716" cy="369332"/>
+          </a:xfrm>
+          <a:prstGeom prst="rect">
+            <a:avLst/>
+          </a:prstGeom>
+        </p:spPr>
+        <p:txBody>
+          <a:bodyPr wrap="none">
+            <a:spAutoFit/>
+          </a:bodyPr>
+          <a:lstStyle/>
+          <a:p>
+            <a:r>
+              <a:rPr lang="en-US" dirty="0"/>
+              <a:t>components/Todos.js</a:t>
+            </a:r>
+          </a:p>
+        </p:txBody>
+      </p:sp>
     </p:spTree>
     <p:extLst>
       <p:ext uri="{BB962C8B-B14F-4D97-AF65-F5344CB8AC3E}">
@@ -22738,11 +22845,69 @@
         </p:blipFill>
         <p:spPr>
           <a:xfrm>
-            <a:off x="1736791" y="2241177"/>
+            <a:off x="1540493" y="2539873"/>
             <a:ext cx="9111013" cy="3060731"/>
           </a:xfrm>
         </p:spPr>
       </p:pic>
+      <p:sp>
+        <p:nvSpPr>
+          <p:cNvPr id="3" name="Rectangle 2"/>
+          <p:cNvSpPr/>
+          <p:nvPr/>
+        </p:nvSpPr>
+        <p:spPr>
+          <a:xfrm>
+            <a:off x="1519237" y="2077102"/>
+            <a:ext cx="1188980" cy="369332"/>
+          </a:xfrm>
+          <a:prstGeom prst="rect">
+            <a:avLst/>
+          </a:prstGeom>
+        </p:spPr>
+        <p:txBody>
+          <a:bodyPr wrap="none">
+            <a:spAutoFit/>
+          </a:bodyPr>
+          <a:lstStyle/>
+          <a:p>
+            <a:r>
+              <a:rPr lang="en-US" dirty="0" smtClean="0"/>
+              <a:t>Index.html</a:t>
+            </a:r>
+            <a:endParaRPr lang="en-US" dirty="0"/>
+          </a:p>
+        </p:txBody>
+      </p:sp>
+      <p:sp>
+        <p:nvSpPr>
+          <p:cNvPr id="7" name="Rectangle 6"/>
+          <p:cNvSpPr/>
+          <p:nvPr/>
+        </p:nvSpPr>
+        <p:spPr>
+          <a:xfrm>
+            <a:off x="6096000" y="2077102"/>
+            <a:ext cx="763351" cy="369332"/>
+          </a:xfrm>
+          <a:prstGeom prst="rect">
+            <a:avLst/>
+          </a:prstGeom>
+        </p:spPr>
+        <p:txBody>
+          <a:bodyPr wrap="none">
+            <a:spAutoFit/>
+          </a:bodyPr>
+          <a:lstStyle/>
+          <a:p>
+            <a:r>
+              <a:rPr lang="en-US" dirty="0" smtClean="0"/>
+              <a:t>App.js</a:t>
+            </a:r>
+            <a:endParaRPr lang="en-US" dirty="0"/>
+          </a:p>
+        </p:txBody>
+      </p:sp>
     </p:spTree>
     <p:extLst>
       <p:ext uri="{BB962C8B-B14F-4D97-AF65-F5344CB8AC3E}">
@@ -23669,7 +23834,7 @@
       </p:sp>
       <p:pic>
         <p:nvPicPr>
-          <p:cNvPr id="3" name="Picture 2"/>
+          <p:cNvPr id="8" name="Picture 7"/>
           <p:cNvPicPr>
             <a:picLocks noChangeAspect="1"/>
           </p:cNvPicPr>
@@ -23689,8 +23854,8 @@
         </p:blipFill>
         <p:spPr>
           <a:xfrm>
-            <a:off x="597526" y="1646238"/>
-            <a:ext cx="6149013" cy="3345732"/>
+            <a:off x="7106798" y="4195232"/>
+            <a:ext cx="3886742" cy="1657581"/>
           </a:xfrm>
           <a:prstGeom prst="rect">
             <a:avLst/>
@@ -23699,7 +23864,7 @@
       </p:pic>
       <p:pic>
         <p:nvPicPr>
-          <p:cNvPr id="7" name="Picture 6"/>
+          <p:cNvPr id="9" name="Picture 8"/>
           <p:cNvPicPr>
             <a:picLocks noChangeAspect="1"/>
           </p:cNvPicPr>
@@ -23719,8 +23884,8 @@
         </p:blipFill>
         <p:spPr>
           <a:xfrm>
-            <a:off x="5445160" y="2251906"/>
-            <a:ext cx="6624794" cy="1439789"/>
+            <a:off x="537882" y="1339123"/>
+            <a:ext cx="5558118" cy="5017227"/>
           </a:xfrm>
           <a:prstGeom prst="rect">
             <a:avLst/>
@@ -23729,7 +23894,7 @@
       </p:pic>
       <p:pic>
         <p:nvPicPr>
-          <p:cNvPr id="8" name="Picture 7"/>
+          <p:cNvPr id="11" name="Picture 10"/>
           <p:cNvPicPr>
             <a:picLocks noChangeAspect="1"/>
           </p:cNvPicPr>
@@ -23749,8 +23914,8 @@
         </p:blipFill>
         <p:spPr>
           <a:xfrm>
-            <a:off x="7106798" y="4195232"/>
-            <a:ext cx="3886742" cy="1657581"/>
+            <a:off x="5299901" y="2266123"/>
+            <a:ext cx="6621397" cy="1442110"/>
           </a:xfrm>
           <a:prstGeom prst="rect">
             <a:avLst/>
@@ -23801,7 +23966,7 @@
                                           </p:stCondLst>
                                         </p:cTn>
                                         <p:tgtEl>
-                                          <p:spTgt spid="7"/>
+                                          <p:spTgt spid="11"/>
                                         </p:tgtEl>
                                         <p:attrNameLst>
                                           <p:attrName>style.visibility</p:attrName>
@@ -23922,6 +24087,204 @@
           <a:bodyPr/>
           <a:lstStyle/>
           <a:p>
+            <a:endParaRPr lang="en-US" dirty="0"/>
+          </a:p>
+        </p:txBody>
+      </p:sp>
+      <p:sp>
+        <p:nvSpPr>
+          <p:cNvPr id="4" name="Footer Placeholder 3"/>
+          <p:cNvSpPr>
+            <a:spLocks noGrp="1"/>
+          </p:cNvSpPr>
+          <p:nvPr>
+            <p:ph type="ftr" sz="quarter" idx="11"/>
+          </p:nvPr>
+        </p:nvSpPr>
+        <p:spPr/>
+        <p:txBody>
+          <a:bodyPr/>
+          <a:lstStyle/>
+          <a:p>
+            <a:r>
+              <a:rPr lang="en-US" dirty="0"/>
+              <a:t>The </a:t>
+            </a:r>
+            <a:r>
+              <a:rPr lang="en-US" dirty="0" err="1"/>
+              <a:t>Todo</a:t>
+            </a:r>
+            <a:r>
+              <a:rPr lang="en-US" dirty="0"/>
+              <a:t> App</a:t>
+            </a:r>
+          </a:p>
+        </p:txBody>
+      </p:sp>
+      <p:sp>
+        <p:nvSpPr>
+          <p:cNvPr id="5" name="Slide Number Placeholder 4"/>
+          <p:cNvSpPr>
+            <a:spLocks noGrp="1"/>
+          </p:cNvSpPr>
+          <p:nvPr>
+            <p:ph type="sldNum" sz="quarter" idx="12"/>
+          </p:nvPr>
+        </p:nvSpPr>
+        <p:spPr/>
+        <p:txBody>
+          <a:bodyPr/>
+          <a:lstStyle/>
+          <a:p>
+            <a:fld id="{B777A91B-BF1B-4ECE-B89B-72F2144CF226}" type="slidenum">
+              <a:rPr lang="en-US" smtClean="0"/>
+              <a:t>31</a:t>
+            </a:fld>
+            <a:endParaRPr lang="en-US"/>
+          </a:p>
+        </p:txBody>
+      </p:sp>
+      <p:pic>
+        <p:nvPicPr>
+          <p:cNvPr id="6" name="Picture 5"/>
+          <p:cNvPicPr>
+            <a:picLocks noChangeAspect="1"/>
+          </p:cNvPicPr>
+          <p:nvPr/>
+        </p:nvPicPr>
+        <p:blipFill>
+          <a:blip r:embed="rId2">
+            <a:extLst>
+              <a:ext uri="{28A0092B-C50C-407E-A947-70E740481C1C}">
+                <a14:useLocalDpi xmlns:a14="http://schemas.microsoft.com/office/drawing/2010/main" val="0"/>
+              </a:ext>
+            </a:extLst>
+          </a:blip>
+          <a:stretch>
+            <a:fillRect/>
+          </a:stretch>
+        </p:blipFill>
+        <p:spPr>
+          <a:xfrm>
+            <a:off x="157162" y="84137"/>
+            <a:ext cx="1362075" cy="561975"/>
+          </a:xfrm>
+          <a:prstGeom prst="rect">
+            <a:avLst/>
+          </a:prstGeom>
+        </p:spPr>
+      </p:pic>
+      <p:sp>
+        <p:nvSpPr>
+          <p:cNvPr id="10" name="Content Placeholder 9"/>
+          <p:cNvSpPr>
+            <a:spLocks noGrp="1"/>
+          </p:cNvSpPr>
+          <p:nvPr>
+            <p:ph idx="1"/>
+          </p:nvPr>
+        </p:nvSpPr>
+        <p:spPr/>
+        <p:txBody>
+          <a:bodyPr>
+            <a:normAutofit/>
+          </a:bodyPr>
+          <a:lstStyle/>
+          <a:p>
+            <a:pPr marL="0" indent="0">
+              <a:buNone/>
+            </a:pPr>
+            <a:r>
+              <a:rPr lang="en-US" sz="1800" dirty="0" smtClean="0"/>
+              <a:t>			</a:t>
+            </a:r>
+          </a:p>
+          <a:p>
+            <a:pPr marL="0" indent="0">
+              <a:buNone/>
+            </a:pPr>
+            <a:endParaRPr lang="en-US" sz="1800" dirty="0"/>
+          </a:p>
+          <a:p>
+            <a:pPr marL="0" indent="0">
+              <a:buNone/>
+            </a:pPr>
+            <a:r>
+              <a:rPr lang="en-US" sz="1800" dirty="0" smtClean="0"/>
+              <a:t>				</a:t>
+            </a:r>
+            <a:r>
+              <a:rPr lang="en-US" sz="7200" dirty="0" smtClean="0"/>
+              <a:t>Demo</a:t>
+            </a:r>
+            <a:endParaRPr lang="en-US" sz="7200" dirty="0"/>
+          </a:p>
+          <a:p>
+            <a:pPr marL="0" indent="0">
+              <a:buNone/>
+            </a:pPr>
+            <a:endParaRPr lang="en-US" sz="1800" dirty="0"/>
+          </a:p>
+          <a:p>
+            <a:endParaRPr lang="en-US" sz="1800" dirty="0" smtClean="0"/>
+          </a:p>
+          <a:p>
+            <a:endParaRPr lang="en-US" sz="2400" dirty="0"/>
+          </a:p>
+        </p:txBody>
+      </p:sp>
+    </p:spTree>
+    <p:extLst>
+      <p:ext uri="{BB962C8B-B14F-4D97-AF65-F5344CB8AC3E}">
+        <p14:creationId xmlns:p14="http://schemas.microsoft.com/office/powerpoint/2010/main" val="74062755"/>
+      </p:ext>
+    </p:extLst>
+  </p:cSld>
+  <p:clrMapOvr>
+    <a:masterClrMapping/>
+  </p:clrMapOvr>
+  <p:timing>
+    <p:tnLst>
+      <p:par>
+        <p:cTn id="1" dur="indefinite" restart="never" nodeType="tmRoot"/>
+      </p:par>
+    </p:tnLst>
+  </p:timing>
+</p:sld>
+</file>
+
+<file path=ppt/slides/slide32.xml><?xml version="1.0" encoding="utf-8"?>
+<p:sld xmlns:a="http://schemas.openxmlformats.org/drawingml/2006/main" xmlns:r="http://schemas.openxmlformats.org/officeDocument/2006/relationships" xmlns:p="http://schemas.openxmlformats.org/presentationml/2006/main">
+  <p:cSld>
+    <p:spTree>
+      <p:nvGrpSpPr>
+        <p:cNvPr id="1" name=""/>
+        <p:cNvGrpSpPr/>
+        <p:nvPr/>
+      </p:nvGrpSpPr>
+      <p:grpSpPr>
+        <a:xfrm>
+          <a:off x="0" y="0"/>
+          <a:ext cx="0" cy="0"/>
+          <a:chOff x="0" y="0"/>
+          <a:chExt cx="0" cy="0"/>
+        </a:xfrm>
+      </p:grpSpPr>
+      <p:sp>
+        <p:nvSpPr>
+          <p:cNvPr id="2" name="Title 1"/>
+          <p:cNvSpPr>
+            <a:spLocks noGrp="1"/>
+          </p:cNvSpPr>
+          <p:nvPr>
+            <p:ph type="title"/>
+          </p:nvPr>
+        </p:nvSpPr>
+        <p:spPr/>
+        <p:txBody>
+          <a:bodyPr/>
+          <a:lstStyle/>
+          <a:p>
             <a:r>
               <a:rPr lang="en-US" dirty="0" smtClean="0"/>
               <a:t>Introducing hash routes</a:t>
@@ -23977,7 +24340,7 @@
           <a:p>
             <a:fld id="{B777A91B-BF1B-4ECE-B89B-72F2144CF226}" type="slidenum">
               <a:rPr lang="en-US" smtClean="0"/>
-              <a:t>31</a:t>
+              <a:t>32</a:t>
             </a:fld>
             <a:endParaRPr lang="en-US"/>
           </a:p>
@@ -24235,7 +24598,7 @@
 </p:sld>
 </file>
 
-<file path=ppt/slides/slide32.xml><?xml version="1.0" encoding="utf-8"?>
+<file path=ppt/slides/slide33.xml><?xml version="1.0" encoding="utf-8"?>
 <p:sld xmlns:a="http://schemas.openxmlformats.org/drawingml/2006/main" xmlns:r="http://schemas.openxmlformats.org/officeDocument/2006/relationships" xmlns:p="http://schemas.openxmlformats.org/presentationml/2006/main">
   <p:cSld>
     <p:spTree>
@@ -24322,7 +24685,7 @@
           <a:p>
             <a:fld id="{B777A91B-BF1B-4ECE-B89B-72F2144CF226}" type="slidenum">
               <a:rPr lang="en-US" smtClean="0"/>
-              <a:t>32</a:t>
+              <a:t>33</a:t>
             </a:fld>
             <a:endParaRPr lang="en-US"/>
           </a:p>
@@ -24505,7 +24868,7 @@
 </p:sld>
 </file>
 
-<file path=ppt/slides/slide33.xml><?xml version="1.0" encoding="utf-8"?>
+<file path=ppt/slides/slide34.xml><?xml version="1.0" encoding="utf-8"?>
 <p:sld xmlns:a="http://schemas.openxmlformats.org/drawingml/2006/main" xmlns:r="http://schemas.openxmlformats.org/officeDocument/2006/relationships" xmlns:p="http://schemas.openxmlformats.org/presentationml/2006/main">
   <p:cSld>
     <p:spTree>
@@ -24592,7 +24955,7 @@
           <a:p>
             <a:fld id="{B777A91B-BF1B-4ECE-B89B-72F2144CF226}" type="slidenum">
               <a:rPr lang="en-US" smtClean="0"/>
-              <a:t>33</a:t>
+              <a:t>34</a:t>
             </a:fld>
             <a:endParaRPr lang="en-US"/>
           </a:p>
@@ -24769,204 +25132,6 @@
             </p:seq>
           </p:childTnLst>
         </p:cTn>
-      </p:par>
-    </p:tnLst>
-  </p:timing>
-</p:sld>
-</file>
-
-<file path=ppt/slides/slide34.xml><?xml version="1.0" encoding="utf-8"?>
-<p:sld xmlns:a="http://schemas.openxmlformats.org/drawingml/2006/main" xmlns:r="http://schemas.openxmlformats.org/officeDocument/2006/relationships" xmlns:p="http://schemas.openxmlformats.org/presentationml/2006/main">
-  <p:cSld>
-    <p:spTree>
-      <p:nvGrpSpPr>
-        <p:cNvPr id="1" name=""/>
-        <p:cNvGrpSpPr/>
-        <p:nvPr/>
-      </p:nvGrpSpPr>
-      <p:grpSpPr>
-        <a:xfrm>
-          <a:off x="0" y="0"/>
-          <a:ext cx="0" cy="0"/>
-          <a:chOff x="0" y="0"/>
-          <a:chExt cx="0" cy="0"/>
-        </a:xfrm>
-      </p:grpSpPr>
-      <p:sp>
-        <p:nvSpPr>
-          <p:cNvPr id="2" name="Title 1"/>
-          <p:cNvSpPr>
-            <a:spLocks noGrp="1"/>
-          </p:cNvSpPr>
-          <p:nvPr>
-            <p:ph type="title"/>
-          </p:nvPr>
-        </p:nvSpPr>
-        <p:spPr/>
-        <p:txBody>
-          <a:bodyPr/>
-          <a:lstStyle/>
-          <a:p>
-            <a:endParaRPr lang="en-US" dirty="0"/>
-          </a:p>
-        </p:txBody>
-      </p:sp>
-      <p:sp>
-        <p:nvSpPr>
-          <p:cNvPr id="4" name="Footer Placeholder 3"/>
-          <p:cNvSpPr>
-            <a:spLocks noGrp="1"/>
-          </p:cNvSpPr>
-          <p:nvPr>
-            <p:ph type="ftr" sz="quarter" idx="11"/>
-          </p:nvPr>
-        </p:nvSpPr>
-        <p:spPr/>
-        <p:txBody>
-          <a:bodyPr/>
-          <a:lstStyle/>
-          <a:p>
-            <a:r>
-              <a:rPr lang="en-US" dirty="0"/>
-              <a:t>The </a:t>
-            </a:r>
-            <a:r>
-              <a:rPr lang="en-US" dirty="0" err="1"/>
-              <a:t>Todo</a:t>
-            </a:r>
-            <a:r>
-              <a:rPr lang="en-US" dirty="0"/>
-              <a:t> App</a:t>
-            </a:r>
-          </a:p>
-        </p:txBody>
-      </p:sp>
-      <p:sp>
-        <p:nvSpPr>
-          <p:cNvPr id="5" name="Slide Number Placeholder 4"/>
-          <p:cNvSpPr>
-            <a:spLocks noGrp="1"/>
-          </p:cNvSpPr>
-          <p:nvPr>
-            <p:ph type="sldNum" sz="quarter" idx="12"/>
-          </p:nvPr>
-        </p:nvSpPr>
-        <p:spPr/>
-        <p:txBody>
-          <a:bodyPr/>
-          <a:lstStyle/>
-          <a:p>
-            <a:fld id="{B777A91B-BF1B-4ECE-B89B-72F2144CF226}" type="slidenum">
-              <a:rPr lang="en-US" smtClean="0"/>
-              <a:t>34</a:t>
-            </a:fld>
-            <a:endParaRPr lang="en-US"/>
-          </a:p>
-        </p:txBody>
-      </p:sp>
-      <p:pic>
-        <p:nvPicPr>
-          <p:cNvPr id="6" name="Picture 5"/>
-          <p:cNvPicPr>
-            <a:picLocks noChangeAspect="1"/>
-          </p:cNvPicPr>
-          <p:nvPr/>
-        </p:nvPicPr>
-        <p:blipFill>
-          <a:blip r:embed="rId2">
-            <a:extLst>
-              <a:ext uri="{28A0092B-C50C-407E-A947-70E740481C1C}">
-                <a14:useLocalDpi xmlns:a14="http://schemas.microsoft.com/office/drawing/2010/main" val="0"/>
-              </a:ext>
-            </a:extLst>
-          </a:blip>
-          <a:stretch>
-            <a:fillRect/>
-          </a:stretch>
-        </p:blipFill>
-        <p:spPr>
-          <a:xfrm>
-            <a:off x="157162" y="84137"/>
-            <a:ext cx="1362075" cy="561975"/>
-          </a:xfrm>
-          <a:prstGeom prst="rect">
-            <a:avLst/>
-          </a:prstGeom>
-        </p:spPr>
-      </p:pic>
-      <p:sp>
-        <p:nvSpPr>
-          <p:cNvPr id="10" name="Content Placeholder 9"/>
-          <p:cNvSpPr>
-            <a:spLocks noGrp="1"/>
-          </p:cNvSpPr>
-          <p:nvPr>
-            <p:ph idx="1"/>
-          </p:nvPr>
-        </p:nvSpPr>
-        <p:spPr/>
-        <p:txBody>
-          <a:bodyPr>
-            <a:normAutofit/>
-          </a:bodyPr>
-          <a:lstStyle/>
-          <a:p>
-            <a:pPr marL="0" indent="0">
-              <a:buNone/>
-            </a:pPr>
-            <a:r>
-              <a:rPr lang="en-US" sz="1800" dirty="0" smtClean="0"/>
-              <a:t>			</a:t>
-            </a:r>
-          </a:p>
-          <a:p>
-            <a:pPr marL="0" indent="0">
-              <a:buNone/>
-            </a:pPr>
-            <a:endParaRPr lang="en-US" sz="1800" dirty="0"/>
-          </a:p>
-          <a:p>
-            <a:pPr marL="0" indent="0">
-              <a:buNone/>
-            </a:pPr>
-            <a:r>
-              <a:rPr lang="en-US" sz="1800" dirty="0" smtClean="0"/>
-              <a:t>				</a:t>
-            </a:r>
-            <a:r>
-              <a:rPr lang="en-US" sz="7200" dirty="0" smtClean="0"/>
-              <a:t>Demo</a:t>
-            </a:r>
-            <a:endParaRPr lang="en-US" sz="7200" dirty="0"/>
-          </a:p>
-          <a:p>
-            <a:pPr marL="0" indent="0">
-              <a:buNone/>
-            </a:pPr>
-            <a:endParaRPr lang="en-US" sz="1800" dirty="0"/>
-          </a:p>
-          <a:p>
-            <a:endParaRPr lang="en-US" sz="1800" dirty="0" smtClean="0"/>
-          </a:p>
-          <a:p>
-            <a:endParaRPr lang="en-US" sz="2400" dirty="0"/>
-          </a:p>
-        </p:txBody>
-      </p:sp>
-    </p:spTree>
-    <p:extLst>
-      <p:ext uri="{BB962C8B-B14F-4D97-AF65-F5344CB8AC3E}">
-        <p14:creationId xmlns:p14="http://schemas.microsoft.com/office/powerpoint/2010/main" val="74062755"/>
-      </p:ext>
-    </p:extLst>
-  </p:cSld>
-  <p:clrMapOvr>
-    <a:masterClrMapping/>
-  </p:clrMapOvr>
-  <p:timing>
-    <p:tnLst>
-      <p:par>
-        <p:cTn id="1" dur="indefinite" restart="never" nodeType="tmRoot"/>
       </p:par>
     </p:tnLst>
   </p:timing>
@@ -25661,11 +25826,7 @@
             </a:r>
             <a:r>
               <a:rPr lang="en-US" dirty="0" smtClean="0"/>
-              <a:t>est </a:t>
-            </a:r>
-            <a:r>
-              <a:rPr lang="en-US" dirty="0" smtClean="0"/>
-              <a:t>Installation</a:t>
+              <a:t>est Installation</a:t>
             </a:r>
             <a:endParaRPr lang="en-US" dirty="0"/>
           </a:p>
@@ -25705,11 +25866,7 @@
             </a:pPr>
             <a:r>
               <a:rPr lang="en-US" dirty="0" smtClean="0"/>
-              <a:t>				</a:t>
-            </a:r>
-            <a:r>
-              <a:rPr lang="en-US" dirty="0" smtClean="0"/>
-              <a:t>OR</a:t>
+              <a:t>				OR</a:t>
             </a:r>
             <a:endParaRPr lang="en-US" dirty="0"/>
           </a:p>

--- a/React.pptx
+++ b/React.pptx
@@ -293,7 +293,7 @@
           <a:p>
             <a:fld id="{0CFB67D1-B930-45EB-8ABD-6B5C9D4B80D1}" type="datetimeFigureOut">
               <a:rPr lang="en-US" smtClean="0"/>
-              <a:t>12/29/2015</a:t>
+              <a:t>12/30/2015</a:t>
             </a:fld>
             <a:endParaRPr lang="en-US"/>
           </a:p>
@@ -463,7 +463,7 @@
           <a:p>
             <a:fld id="{ED1B4B99-2273-4D0F-B50E-7680EF1753AD}" type="datetimeFigureOut">
               <a:rPr lang="en-US" smtClean="0"/>
-              <a:t>12/29/2015</a:t>
+              <a:t>12/30/2015</a:t>
             </a:fld>
             <a:endParaRPr lang="en-US"/>
           </a:p>
@@ -3730,7 +3730,7 @@
           <a:p>
             <a:fld id="{303EB834-E7B8-409E-81B9-982E8459DCCC}" type="datetime1">
               <a:rPr lang="en-US" smtClean="0"/>
-              <a:t>12/29/2015</a:t>
+              <a:t>12/30/2015</a:t>
             </a:fld>
             <a:endParaRPr lang="en-US"/>
           </a:p>
@@ -3900,7 +3900,7 @@
           <a:p>
             <a:fld id="{F19D2895-FC19-48B1-B748-C2413DEA71C1}" type="datetime1">
               <a:rPr lang="en-US" smtClean="0"/>
-              <a:t>12/29/2015</a:t>
+              <a:t>12/30/2015</a:t>
             </a:fld>
             <a:endParaRPr lang="en-US"/>
           </a:p>
@@ -4080,7 +4080,7 @@
           <a:p>
             <a:fld id="{96A00C3C-F0B8-47F0-94A4-AC32EEBC5F82}" type="datetime1">
               <a:rPr lang="en-US" smtClean="0"/>
-              <a:t>12/29/2015</a:t>
+              <a:t>12/30/2015</a:t>
             </a:fld>
             <a:endParaRPr lang="en-US"/>
           </a:p>
@@ -4863,7 +4863,7 @@
           <a:p>
             <a:fld id="{303EB834-E7B8-409E-81B9-982E8459DCCC}" type="datetime1">
               <a:rPr lang="en-US" smtClean="0"/>
-              <a:t>12/29/2015</a:t>
+              <a:t>12/30/2015</a:t>
             </a:fld>
             <a:endParaRPr lang="en-US"/>
           </a:p>
@@ -5039,7 +5039,7 @@
           <a:p>
             <a:fld id="{06D12459-9C40-4044-BF33-9A5B25D48414}" type="datetime1">
               <a:rPr lang="en-US" smtClean="0"/>
-              <a:t>12/29/2015</a:t>
+              <a:t>12/30/2015</a:t>
             </a:fld>
             <a:endParaRPr lang="en-US"/>
           </a:p>
@@ -5286,7 +5286,7 @@
           <a:p>
             <a:fld id="{2E08FAB6-119E-4576-8D09-082504E83A1B}" type="datetime1">
               <a:rPr lang="en-US" smtClean="0"/>
-              <a:t>12/29/2015</a:t>
+              <a:t>12/30/2015</a:t>
             </a:fld>
             <a:endParaRPr lang="en-US"/>
           </a:p>
@@ -5518,7 +5518,7 @@
           <a:p>
             <a:fld id="{539674DB-8137-4B07-9101-81EA67E66245}" type="datetime1">
               <a:rPr lang="en-US" smtClean="0"/>
-              <a:t>12/29/2015</a:t>
+              <a:t>12/30/2015</a:t>
             </a:fld>
             <a:endParaRPr lang="en-US"/>
           </a:p>
@@ -5892,7 +5892,7 @@
           <a:p>
             <a:fld id="{E04C8895-3746-40DA-994F-BCAD26497945}" type="datetime1">
               <a:rPr lang="en-US" smtClean="0"/>
-              <a:t>12/29/2015</a:t>
+              <a:t>12/30/2015</a:t>
             </a:fld>
             <a:endParaRPr lang="en-US"/>
           </a:p>
@@ -6015,7 +6015,7 @@
           <a:p>
             <a:fld id="{475C878A-3BFB-4C42-913C-C7DB5AC5AA08}" type="datetime1">
               <a:rPr lang="en-US" smtClean="0"/>
-              <a:t>12/29/2015</a:t>
+              <a:t>12/30/2015</a:t>
             </a:fld>
             <a:endParaRPr lang="en-US"/>
           </a:p>
@@ -6110,7 +6110,7 @@
           <a:p>
             <a:fld id="{B1C4F552-6897-43BC-846A-656636E3EE1D}" type="datetime1">
               <a:rPr lang="en-US" smtClean="0"/>
-              <a:t>12/29/2015</a:t>
+              <a:t>12/30/2015</a:t>
             </a:fld>
             <a:endParaRPr lang="en-US"/>
           </a:p>
@@ -6365,7 +6365,7 @@
           <a:p>
             <a:fld id="{71A41344-2947-41F1-905A-FD4B8381B313}" type="datetime1">
               <a:rPr lang="en-US" smtClean="0"/>
-              <a:t>12/29/2015</a:t>
+              <a:t>12/30/2015</a:t>
             </a:fld>
             <a:endParaRPr lang="en-US"/>
           </a:p>
@@ -6535,7 +6535,7 @@
           <a:p>
             <a:fld id="{06D12459-9C40-4044-BF33-9A5B25D48414}" type="datetime1">
               <a:rPr lang="en-US" smtClean="0"/>
-              <a:t>12/29/2015</a:t>
+              <a:t>12/30/2015</a:t>
             </a:fld>
             <a:endParaRPr lang="en-US"/>
           </a:p>
@@ -6798,7 +6798,7 @@
           <a:p>
             <a:fld id="{4DC85097-E5CA-4C93-85D6-E09D69C5520C}" type="datetime1">
               <a:rPr lang="en-US" smtClean="0"/>
-              <a:t>12/29/2015</a:t>
+              <a:t>12/30/2015</a:t>
             </a:fld>
             <a:endParaRPr lang="en-US"/>
           </a:p>
@@ -7049,7 +7049,7 @@
           <a:p>
             <a:fld id="{B32A9C83-92CC-43F7-A504-00D1A2E6CB6D}" type="datetime1">
               <a:rPr lang="en-US" smtClean="0"/>
-              <a:t>12/29/2015</a:t>
+              <a:t>12/30/2015</a:t>
             </a:fld>
             <a:endParaRPr lang="en-US"/>
           </a:p>
@@ -7364,7 +7364,7 @@
           <a:p>
             <a:fld id="{B32A9C83-92CC-43F7-A504-00D1A2E6CB6D}" type="datetime1">
               <a:rPr lang="en-US" smtClean="0"/>
-              <a:t>12/29/2015</a:t>
+              <a:t>12/30/2015</a:t>
             </a:fld>
             <a:endParaRPr lang="en-US"/>
           </a:p>
@@ -7706,7 +7706,7 @@
           <a:p>
             <a:fld id="{B32A9C83-92CC-43F7-A504-00D1A2E6CB6D}" type="datetime1">
               <a:rPr lang="en-US" smtClean="0"/>
-              <a:t>12/29/2015</a:t>
+              <a:t>12/30/2015</a:t>
             </a:fld>
             <a:endParaRPr lang="en-US"/>
           </a:p>
@@ -8021,7 +8021,7 @@
           <a:p>
             <a:fld id="{B32A9C83-92CC-43F7-A504-00D1A2E6CB6D}" type="datetime1">
               <a:rPr lang="en-US" smtClean="0"/>
-              <a:t>12/29/2015</a:t>
+              <a:t>12/30/2015</a:t>
             </a:fld>
             <a:endParaRPr lang="en-US"/>
           </a:p>
@@ -8415,7 +8415,7 @@
           <a:p>
             <a:fld id="{B32A9C83-92CC-43F7-A504-00D1A2E6CB6D}" type="datetime1">
               <a:rPr lang="en-US" smtClean="0"/>
-              <a:t>12/29/2015</a:t>
+              <a:t>12/30/2015</a:t>
             </a:fld>
             <a:endParaRPr lang="en-US"/>
           </a:p>
@@ -8586,7 +8586,7 @@
           <a:p>
             <a:fld id="{F19D2895-FC19-48B1-B748-C2413DEA71C1}" type="datetime1">
               <a:rPr lang="en-US" smtClean="0"/>
-              <a:t>12/29/2015</a:t>
+              <a:t>12/30/2015</a:t>
             </a:fld>
             <a:endParaRPr lang="en-US"/>
           </a:p>
@@ -8766,7 +8766,7 @@
           <a:p>
             <a:fld id="{96A00C3C-F0B8-47F0-94A4-AC32EEBC5F82}" type="datetime1">
               <a:rPr lang="en-US" smtClean="0"/>
-              <a:t>12/29/2015</a:t>
+              <a:t>12/30/2015</a:t>
             </a:fld>
             <a:endParaRPr lang="en-US"/>
           </a:p>
@@ -9549,7 +9549,7 @@
           <a:p>
             <a:fld id="{303EB834-E7B8-409E-81B9-982E8459DCCC}" type="datetime1">
               <a:rPr lang="en-US" smtClean="0"/>
-              <a:t>12/29/2015</a:t>
+              <a:t>12/30/2015</a:t>
             </a:fld>
             <a:endParaRPr lang="en-US"/>
           </a:p>
@@ -9725,7 +9725,7 @@
           <a:p>
             <a:fld id="{06D12459-9C40-4044-BF33-9A5B25D48414}" type="datetime1">
               <a:rPr lang="en-US" smtClean="0"/>
-              <a:t>12/29/2015</a:t>
+              <a:t>12/30/2015</a:t>
             </a:fld>
             <a:endParaRPr lang="en-US"/>
           </a:p>
@@ -9971,7 +9971,7 @@
           <a:p>
             <a:fld id="{2E08FAB6-119E-4576-8D09-082504E83A1B}" type="datetime1">
               <a:rPr lang="en-US" smtClean="0"/>
-              <a:t>12/29/2015</a:t>
+              <a:t>12/30/2015</a:t>
             </a:fld>
             <a:endParaRPr lang="en-US"/>
           </a:p>
@@ -10218,7 +10218,7 @@
           <a:p>
             <a:fld id="{2E08FAB6-119E-4576-8D09-082504E83A1B}" type="datetime1">
               <a:rPr lang="en-US" smtClean="0"/>
-              <a:t>12/29/2015</a:t>
+              <a:t>12/30/2015</a:t>
             </a:fld>
             <a:endParaRPr lang="en-US"/>
           </a:p>
@@ -10450,7 +10450,7 @@
           <a:p>
             <a:fld id="{539674DB-8137-4B07-9101-81EA67E66245}" type="datetime1">
               <a:rPr lang="en-US" smtClean="0"/>
-              <a:t>12/29/2015</a:t>
+              <a:t>12/30/2015</a:t>
             </a:fld>
             <a:endParaRPr lang="en-US"/>
           </a:p>
@@ -10824,7 +10824,7 @@
           <a:p>
             <a:fld id="{E04C8895-3746-40DA-994F-BCAD26497945}" type="datetime1">
               <a:rPr lang="en-US" smtClean="0"/>
-              <a:t>12/29/2015</a:t>
+              <a:t>12/30/2015</a:t>
             </a:fld>
             <a:endParaRPr lang="en-US"/>
           </a:p>
@@ -10947,7 +10947,7 @@
           <a:p>
             <a:fld id="{475C878A-3BFB-4C42-913C-C7DB5AC5AA08}" type="datetime1">
               <a:rPr lang="en-US" smtClean="0"/>
-              <a:t>12/29/2015</a:t>
+              <a:t>12/30/2015</a:t>
             </a:fld>
             <a:endParaRPr lang="en-US"/>
           </a:p>
@@ -11042,7 +11042,7 @@
           <a:p>
             <a:fld id="{B1C4F552-6897-43BC-846A-656636E3EE1D}" type="datetime1">
               <a:rPr lang="en-US" smtClean="0"/>
-              <a:t>12/29/2015</a:t>
+              <a:t>12/30/2015</a:t>
             </a:fld>
             <a:endParaRPr lang="en-US"/>
           </a:p>
@@ -11297,7 +11297,7 @@
           <a:p>
             <a:fld id="{71A41344-2947-41F1-905A-FD4B8381B313}" type="datetime1">
               <a:rPr lang="en-US" smtClean="0"/>
-              <a:t>12/29/2015</a:t>
+              <a:t>12/30/2015</a:t>
             </a:fld>
             <a:endParaRPr lang="en-US"/>
           </a:p>
@@ -11560,7 +11560,7 @@
           <a:p>
             <a:fld id="{4DC85097-E5CA-4C93-85D6-E09D69C5520C}" type="datetime1">
               <a:rPr lang="en-US" smtClean="0"/>
-              <a:t>12/29/2015</a:t>
+              <a:t>12/30/2015</a:t>
             </a:fld>
             <a:endParaRPr lang="en-US"/>
           </a:p>
@@ -11811,7 +11811,7 @@
           <a:p>
             <a:fld id="{B32A9C83-92CC-43F7-A504-00D1A2E6CB6D}" type="datetime1">
               <a:rPr lang="en-US" smtClean="0"/>
-              <a:t>12/29/2015</a:t>
+              <a:t>12/30/2015</a:t>
             </a:fld>
             <a:endParaRPr lang="en-US"/>
           </a:p>
@@ -12126,7 +12126,7 @@
           <a:p>
             <a:fld id="{B32A9C83-92CC-43F7-A504-00D1A2E6CB6D}" type="datetime1">
               <a:rPr lang="en-US" smtClean="0"/>
-              <a:t>12/29/2015</a:t>
+              <a:t>12/30/2015</a:t>
             </a:fld>
             <a:endParaRPr lang="en-US"/>
           </a:p>
@@ -12468,7 +12468,7 @@
           <a:p>
             <a:fld id="{B32A9C83-92CC-43F7-A504-00D1A2E6CB6D}" type="datetime1">
               <a:rPr lang="en-US" smtClean="0"/>
-              <a:t>12/29/2015</a:t>
+              <a:t>12/30/2015</a:t>
             </a:fld>
             <a:endParaRPr lang="en-US"/>
           </a:p>
@@ -12701,7 +12701,7 @@
           <a:p>
             <a:fld id="{539674DB-8137-4B07-9101-81EA67E66245}" type="datetime1">
               <a:rPr lang="en-US" smtClean="0"/>
-              <a:t>12/29/2015</a:t>
+              <a:t>12/30/2015</a:t>
             </a:fld>
             <a:endParaRPr lang="en-US"/>
           </a:p>
@@ -13015,7 +13015,7 @@
           <a:p>
             <a:fld id="{B32A9C83-92CC-43F7-A504-00D1A2E6CB6D}" type="datetime1">
               <a:rPr lang="en-US" smtClean="0"/>
-              <a:t>12/29/2015</a:t>
+              <a:t>12/30/2015</a:t>
             </a:fld>
             <a:endParaRPr lang="en-US"/>
           </a:p>
@@ -13409,7 +13409,7 @@
           <a:p>
             <a:fld id="{B32A9C83-92CC-43F7-A504-00D1A2E6CB6D}" type="datetime1">
               <a:rPr lang="en-US" smtClean="0"/>
-              <a:t>12/29/2015</a:t>
+              <a:t>12/30/2015</a:t>
             </a:fld>
             <a:endParaRPr lang="en-US"/>
           </a:p>
@@ -13580,7 +13580,7 @@
           <a:p>
             <a:fld id="{F19D2895-FC19-48B1-B748-C2413DEA71C1}" type="datetime1">
               <a:rPr lang="en-US" smtClean="0"/>
-              <a:t>12/29/2015</a:t>
+              <a:t>12/30/2015</a:t>
             </a:fld>
             <a:endParaRPr lang="en-US"/>
           </a:p>
@@ -13760,7 +13760,7 @@
           <a:p>
             <a:fld id="{96A00C3C-F0B8-47F0-94A4-AC32EEBC5F82}" type="datetime1">
               <a:rPr lang="en-US" smtClean="0"/>
-              <a:t>12/29/2015</a:t>
+              <a:t>12/30/2015</a:t>
             </a:fld>
             <a:endParaRPr lang="en-US"/>
           </a:p>
@@ -14127,7 +14127,7 @@
           <a:p>
             <a:fld id="{E04C8895-3746-40DA-994F-BCAD26497945}" type="datetime1">
               <a:rPr lang="en-US" smtClean="0"/>
-              <a:t>12/29/2015</a:t>
+              <a:t>12/30/2015</a:t>
             </a:fld>
             <a:endParaRPr lang="en-US"/>
           </a:p>
@@ -14245,7 +14245,7 @@
           <a:p>
             <a:fld id="{475C878A-3BFB-4C42-913C-C7DB5AC5AA08}" type="datetime1">
               <a:rPr lang="en-US" smtClean="0"/>
-              <a:t>12/29/2015</a:t>
+              <a:t>12/30/2015</a:t>
             </a:fld>
             <a:endParaRPr lang="en-US"/>
           </a:p>
@@ -14340,7 +14340,7 @@
           <a:p>
             <a:fld id="{B1C4F552-6897-43BC-846A-656636E3EE1D}" type="datetime1">
               <a:rPr lang="en-US" smtClean="0"/>
-              <a:t>12/29/2015</a:t>
+              <a:t>12/30/2015</a:t>
             </a:fld>
             <a:endParaRPr lang="en-US"/>
           </a:p>
@@ -14617,7 +14617,7 @@
           <a:p>
             <a:fld id="{71A41344-2947-41F1-905A-FD4B8381B313}" type="datetime1">
               <a:rPr lang="en-US" smtClean="0"/>
-              <a:t>12/29/2015</a:t>
+              <a:t>12/30/2015</a:t>
             </a:fld>
             <a:endParaRPr lang="en-US"/>
           </a:p>
@@ -14870,7 +14870,7 @@
           <a:p>
             <a:fld id="{4DC85097-E5CA-4C93-85D6-E09D69C5520C}" type="datetime1">
               <a:rPr lang="en-US" smtClean="0"/>
-              <a:t>12/29/2015</a:t>
+              <a:t>12/30/2015</a:t>
             </a:fld>
             <a:endParaRPr lang="en-US"/>
           </a:p>
@@ -15083,7 +15083,7 @@
           <a:p>
             <a:fld id="{B32A9C83-92CC-43F7-A504-00D1A2E6CB6D}" type="datetime1">
               <a:rPr lang="en-US" smtClean="0"/>
-              <a:t>12/29/2015</a:t>
+              <a:t>12/30/2015</a:t>
             </a:fld>
             <a:endParaRPr lang="en-US"/>
           </a:p>
@@ -16154,7 +16154,7 @@
           <a:p>
             <a:fld id="{B32A9C83-92CC-43F7-A504-00D1A2E6CB6D}" type="datetime1">
               <a:rPr lang="en-US" smtClean="0"/>
-              <a:t>12/29/2015</a:t>
+              <a:t>12/30/2015</a:t>
             </a:fld>
             <a:endParaRPr lang="en-US"/>
           </a:p>
@@ -17344,7 +17344,7 @@
           <a:p>
             <a:fld id="{B32A9C83-92CC-43F7-A504-00D1A2E6CB6D}" type="datetime1">
               <a:rPr lang="en-US" smtClean="0"/>
-              <a:t>12/29/2015</a:t>
+              <a:t>12/30/2015</a:t>
             </a:fld>
             <a:endParaRPr lang="en-US"/>
           </a:p>
@@ -19042,11 +19042,7 @@
             </a:pPr>
             <a:r>
               <a:rPr lang="en-US" sz="1800" dirty="0" smtClean="0"/>
-              <a:t>									</a:t>
-            </a:r>
-            <a:r>
-              <a:rPr lang="en-US" sz="1800" dirty="0" smtClean="0"/>
-              <a:t>	</a:t>
+              <a:t>										</a:t>
             </a:r>
             <a:endParaRPr lang="en-US" sz="1800" dirty="0"/>
           </a:p>
@@ -22620,9 +22616,37 @@
           </a:prstGeom>
         </p:spPr>
       </p:pic>
+      <p:sp>
+        <p:nvSpPr>
+          <p:cNvPr id="7" name="Rectangle 6"/>
+          <p:cNvSpPr/>
+          <p:nvPr/>
+        </p:nvSpPr>
+        <p:spPr>
+          <a:xfrm>
+            <a:off x="838199" y="1787010"/>
+            <a:ext cx="2192716" cy="369332"/>
+          </a:xfrm>
+          <a:prstGeom prst="rect">
+            <a:avLst/>
+          </a:prstGeom>
+        </p:spPr>
+        <p:txBody>
+          <a:bodyPr wrap="none">
+            <a:spAutoFit/>
+          </a:bodyPr>
+          <a:lstStyle/>
+          <a:p>
+            <a:r>
+              <a:rPr lang="en-US" dirty="0"/>
+              <a:t>components/Todos.js</a:t>
+            </a:r>
+          </a:p>
+        </p:txBody>
+      </p:sp>
       <p:pic>
         <p:nvPicPr>
-          <p:cNvPr id="3" name="Content Placeholder 2"/>
+          <p:cNvPr id="9" name="Content Placeholder 8"/>
           <p:cNvPicPr>
             <a:picLocks noGrp="1" noChangeAspect="1"/>
           </p:cNvPicPr>
@@ -22644,39 +22668,11 @@
         </p:blipFill>
         <p:spPr>
           <a:xfrm>
-            <a:off x="4876800" y="646112"/>
-            <a:ext cx="5378824" cy="5789422"/>
+            <a:off x="4887721" y="638157"/>
+            <a:ext cx="5296185" cy="5718193"/>
           </a:xfrm>
         </p:spPr>
       </p:pic>
-      <p:sp>
-        <p:nvSpPr>
-          <p:cNvPr id="7" name="Rectangle 6"/>
-          <p:cNvSpPr/>
-          <p:nvPr/>
-        </p:nvSpPr>
-        <p:spPr>
-          <a:xfrm>
-            <a:off x="838199" y="1787010"/>
-            <a:ext cx="2192716" cy="369332"/>
-          </a:xfrm>
-          <a:prstGeom prst="rect">
-            <a:avLst/>
-          </a:prstGeom>
-        </p:spPr>
-        <p:txBody>
-          <a:bodyPr wrap="none">
-            <a:spAutoFit/>
-          </a:bodyPr>
-          <a:lstStyle/>
-          <a:p>
-            <a:r>
-              <a:rPr lang="en-US" dirty="0"/>
-              <a:t>components/Todos.js</a:t>
-            </a:r>
-          </a:p>
-        </p:txBody>
-      </p:sp>
     </p:spTree>
     <p:extLst>
       <p:ext uri="{BB962C8B-B14F-4D97-AF65-F5344CB8AC3E}">
@@ -24407,7 +24403,7 @@
       </p:pic>
       <p:pic>
         <p:nvPicPr>
-          <p:cNvPr id="11" name="Picture 10"/>
+          <p:cNvPr id="14" name="Picture 13"/>
           <p:cNvPicPr>
             <a:picLocks noChangeAspect="1"/>
           </p:cNvPicPr>
@@ -24427,8 +24423,8 @@
         </p:blipFill>
         <p:spPr>
           <a:xfrm>
-            <a:off x="838199" y="4347859"/>
-            <a:ext cx="7935974" cy="971113"/>
+            <a:off x="8408766" y="832199"/>
+            <a:ext cx="1829055" cy="3191320"/>
           </a:xfrm>
           <a:prstGeom prst="rect">
             <a:avLst/>
@@ -24437,7 +24433,7 @@
       </p:pic>
       <p:pic>
         <p:nvPicPr>
-          <p:cNvPr id="14" name="Picture 13"/>
+          <p:cNvPr id="3" name="Picture 2"/>
           <p:cNvPicPr>
             <a:picLocks noChangeAspect="1"/>
           </p:cNvPicPr>
@@ -24457,8 +24453,8 @@
         </p:blipFill>
         <p:spPr>
           <a:xfrm>
-            <a:off x="8408766" y="832199"/>
-            <a:ext cx="1829055" cy="3191320"/>
+            <a:off x="1180086" y="3375168"/>
+            <a:ext cx="6496957" cy="2743583"/>
           </a:xfrm>
           <a:prstGeom prst="rect">
             <a:avLst/>
@@ -24509,7 +24505,7 @@
                                           </p:stCondLst>
                                         </p:cTn>
                                         <p:tgtEl>
-                                          <p:spTgt spid="11"/>
+                                          <p:spTgt spid="3"/>
                                         </p:tgtEl>
                                         <p:attrNameLst>
                                           <p:attrName>style.visibility</p:attrName>

--- a/React.pptx
+++ b/React.pptx
@@ -293,7 +293,7 @@
           <a:p>
             <a:fld id="{0CFB67D1-B930-45EB-8ABD-6B5C9D4B80D1}" type="datetimeFigureOut">
               <a:rPr lang="en-US" smtClean="0"/>
-              <a:t>12/30/2015</a:t>
+              <a:t>12/31/2015</a:t>
             </a:fld>
             <a:endParaRPr lang="en-US"/>
           </a:p>
@@ -463,7 +463,7 @@
           <a:p>
             <a:fld id="{ED1B4B99-2273-4D0F-B50E-7680EF1753AD}" type="datetimeFigureOut">
               <a:rPr lang="en-US" smtClean="0"/>
-              <a:t>12/30/2015</a:t>
+              <a:t>12/31/2015</a:t>
             </a:fld>
             <a:endParaRPr lang="en-US"/>
           </a:p>
@@ -3730,7 +3730,7 @@
           <a:p>
             <a:fld id="{303EB834-E7B8-409E-81B9-982E8459DCCC}" type="datetime1">
               <a:rPr lang="en-US" smtClean="0"/>
-              <a:t>12/30/2015</a:t>
+              <a:t>12/31/2015</a:t>
             </a:fld>
             <a:endParaRPr lang="en-US"/>
           </a:p>
@@ -3900,7 +3900,7 @@
           <a:p>
             <a:fld id="{F19D2895-FC19-48B1-B748-C2413DEA71C1}" type="datetime1">
               <a:rPr lang="en-US" smtClean="0"/>
-              <a:t>12/30/2015</a:t>
+              <a:t>12/31/2015</a:t>
             </a:fld>
             <a:endParaRPr lang="en-US"/>
           </a:p>
@@ -4080,7 +4080,7 @@
           <a:p>
             <a:fld id="{96A00C3C-F0B8-47F0-94A4-AC32EEBC5F82}" type="datetime1">
               <a:rPr lang="en-US" smtClean="0"/>
-              <a:t>12/30/2015</a:t>
+              <a:t>12/31/2015</a:t>
             </a:fld>
             <a:endParaRPr lang="en-US"/>
           </a:p>
@@ -4863,7 +4863,7 @@
           <a:p>
             <a:fld id="{303EB834-E7B8-409E-81B9-982E8459DCCC}" type="datetime1">
               <a:rPr lang="en-US" smtClean="0"/>
-              <a:t>12/30/2015</a:t>
+              <a:t>12/31/2015</a:t>
             </a:fld>
             <a:endParaRPr lang="en-US"/>
           </a:p>
@@ -5039,7 +5039,7 @@
           <a:p>
             <a:fld id="{06D12459-9C40-4044-BF33-9A5B25D48414}" type="datetime1">
               <a:rPr lang="en-US" smtClean="0"/>
-              <a:t>12/30/2015</a:t>
+              <a:t>12/31/2015</a:t>
             </a:fld>
             <a:endParaRPr lang="en-US"/>
           </a:p>
@@ -5286,7 +5286,7 @@
           <a:p>
             <a:fld id="{2E08FAB6-119E-4576-8D09-082504E83A1B}" type="datetime1">
               <a:rPr lang="en-US" smtClean="0"/>
-              <a:t>12/30/2015</a:t>
+              <a:t>12/31/2015</a:t>
             </a:fld>
             <a:endParaRPr lang="en-US"/>
           </a:p>
@@ -5518,7 +5518,7 @@
           <a:p>
             <a:fld id="{539674DB-8137-4B07-9101-81EA67E66245}" type="datetime1">
               <a:rPr lang="en-US" smtClean="0"/>
-              <a:t>12/30/2015</a:t>
+              <a:t>12/31/2015</a:t>
             </a:fld>
             <a:endParaRPr lang="en-US"/>
           </a:p>
@@ -5892,7 +5892,7 @@
           <a:p>
             <a:fld id="{E04C8895-3746-40DA-994F-BCAD26497945}" type="datetime1">
               <a:rPr lang="en-US" smtClean="0"/>
-              <a:t>12/30/2015</a:t>
+              <a:t>12/31/2015</a:t>
             </a:fld>
             <a:endParaRPr lang="en-US"/>
           </a:p>
@@ -6015,7 +6015,7 @@
           <a:p>
             <a:fld id="{475C878A-3BFB-4C42-913C-C7DB5AC5AA08}" type="datetime1">
               <a:rPr lang="en-US" smtClean="0"/>
-              <a:t>12/30/2015</a:t>
+              <a:t>12/31/2015</a:t>
             </a:fld>
             <a:endParaRPr lang="en-US"/>
           </a:p>
@@ -6110,7 +6110,7 @@
           <a:p>
             <a:fld id="{B1C4F552-6897-43BC-846A-656636E3EE1D}" type="datetime1">
               <a:rPr lang="en-US" smtClean="0"/>
-              <a:t>12/30/2015</a:t>
+              <a:t>12/31/2015</a:t>
             </a:fld>
             <a:endParaRPr lang="en-US"/>
           </a:p>
@@ -6365,7 +6365,7 @@
           <a:p>
             <a:fld id="{71A41344-2947-41F1-905A-FD4B8381B313}" type="datetime1">
               <a:rPr lang="en-US" smtClean="0"/>
-              <a:t>12/30/2015</a:t>
+              <a:t>12/31/2015</a:t>
             </a:fld>
             <a:endParaRPr lang="en-US"/>
           </a:p>
@@ -6535,7 +6535,7 @@
           <a:p>
             <a:fld id="{06D12459-9C40-4044-BF33-9A5B25D48414}" type="datetime1">
               <a:rPr lang="en-US" smtClean="0"/>
-              <a:t>12/30/2015</a:t>
+              <a:t>12/31/2015</a:t>
             </a:fld>
             <a:endParaRPr lang="en-US"/>
           </a:p>
@@ -6798,7 +6798,7 @@
           <a:p>
             <a:fld id="{4DC85097-E5CA-4C93-85D6-E09D69C5520C}" type="datetime1">
               <a:rPr lang="en-US" smtClean="0"/>
-              <a:t>12/30/2015</a:t>
+              <a:t>12/31/2015</a:t>
             </a:fld>
             <a:endParaRPr lang="en-US"/>
           </a:p>
@@ -7049,7 +7049,7 @@
           <a:p>
             <a:fld id="{B32A9C83-92CC-43F7-A504-00D1A2E6CB6D}" type="datetime1">
               <a:rPr lang="en-US" smtClean="0"/>
-              <a:t>12/30/2015</a:t>
+              <a:t>12/31/2015</a:t>
             </a:fld>
             <a:endParaRPr lang="en-US"/>
           </a:p>
@@ -7364,7 +7364,7 @@
           <a:p>
             <a:fld id="{B32A9C83-92CC-43F7-A504-00D1A2E6CB6D}" type="datetime1">
               <a:rPr lang="en-US" smtClean="0"/>
-              <a:t>12/30/2015</a:t>
+              <a:t>12/31/2015</a:t>
             </a:fld>
             <a:endParaRPr lang="en-US"/>
           </a:p>
@@ -7706,7 +7706,7 @@
           <a:p>
             <a:fld id="{B32A9C83-92CC-43F7-A504-00D1A2E6CB6D}" type="datetime1">
               <a:rPr lang="en-US" smtClean="0"/>
-              <a:t>12/30/2015</a:t>
+              <a:t>12/31/2015</a:t>
             </a:fld>
             <a:endParaRPr lang="en-US"/>
           </a:p>
@@ -8021,7 +8021,7 @@
           <a:p>
             <a:fld id="{B32A9C83-92CC-43F7-A504-00D1A2E6CB6D}" type="datetime1">
               <a:rPr lang="en-US" smtClean="0"/>
-              <a:t>12/30/2015</a:t>
+              <a:t>12/31/2015</a:t>
             </a:fld>
             <a:endParaRPr lang="en-US"/>
           </a:p>
@@ -8415,7 +8415,7 @@
           <a:p>
             <a:fld id="{B32A9C83-92CC-43F7-A504-00D1A2E6CB6D}" type="datetime1">
               <a:rPr lang="en-US" smtClean="0"/>
-              <a:t>12/30/2015</a:t>
+              <a:t>12/31/2015</a:t>
             </a:fld>
             <a:endParaRPr lang="en-US"/>
           </a:p>
@@ -8586,7 +8586,7 @@
           <a:p>
             <a:fld id="{F19D2895-FC19-48B1-B748-C2413DEA71C1}" type="datetime1">
               <a:rPr lang="en-US" smtClean="0"/>
-              <a:t>12/30/2015</a:t>
+              <a:t>12/31/2015</a:t>
             </a:fld>
             <a:endParaRPr lang="en-US"/>
           </a:p>
@@ -8766,7 +8766,7 @@
           <a:p>
             <a:fld id="{96A00C3C-F0B8-47F0-94A4-AC32EEBC5F82}" type="datetime1">
               <a:rPr lang="en-US" smtClean="0"/>
-              <a:t>12/30/2015</a:t>
+              <a:t>12/31/2015</a:t>
             </a:fld>
             <a:endParaRPr lang="en-US"/>
           </a:p>
@@ -9549,7 +9549,7 @@
           <a:p>
             <a:fld id="{303EB834-E7B8-409E-81B9-982E8459DCCC}" type="datetime1">
               <a:rPr lang="en-US" smtClean="0"/>
-              <a:t>12/30/2015</a:t>
+              <a:t>12/31/2015</a:t>
             </a:fld>
             <a:endParaRPr lang="en-US"/>
           </a:p>
@@ -9725,7 +9725,7 @@
           <a:p>
             <a:fld id="{06D12459-9C40-4044-BF33-9A5B25D48414}" type="datetime1">
               <a:rPr lang="en-US" smtClean="0"/>
-              <a:t>12/30/2015</a:t>
+              <a:t>12/31/2015</a:t>
             </a:fld>
             <a:endParaRPr lang="en-US"/>
           </a:p>
@@ -9971,7 +9971,7 @@
           <a:p>
             <a:fld id="{2E08FAB6-119E-4576-8D09-082504E83A1B}" type="datetime1">
               <a:rPr lang="en-US" smtClean="0"/>
-              <a:t>12/30/2015</a:t>
+              <a:t>12/31/2015</a:t>
             </a:fld>
             <a:endParaRPr lang="en-US"/>
           </a:p>
@@ -10218,7 +10218,7 @@
           <a:p>
             <a:fld id="{2E08FAB6-119E-4576-8D09-082504E83A1B}" type="datetime1">
               <a:rPr lang="en-US" smtClean="0"/>
-              <a:t>12/30/2015</a:t>
+              <a:t>12/31/2015</a:t>
             </a:fld>
             <a:endParaRPr lang="en-US"/>
           </a:p>
@@ -10450,7 +10450,7 @@
           <a:p>
             <a:fld id="{539674DB-8137-4B07-9101-81EA67E66245}" type="datetime1">
               <a:rPr lang="en-US" smtClean="0"/>
-              <a:t>12/30/2015</a:t>
+              <a:t>12/31/2015</a:t>
             </a:fld>
             <a:endParaRPr lang="en-US"/>
           </a:p>
@@ -10824,7 +10824,7 @@
           <a:p>
             <a:fld id="{E04C8895-3746-40DA-994F-BCAD26497945}" type="datetime1">
               <a:rPr lang="en-US" smtClean="0"/>
-              <a:t>12/30/2015</a:t>
+              <a:t>12/31/2015</a:t>
             </a:fld>
             <a:endParaRPr lang="en-US"/>
           </a:p>
@@ -10947,7 +10947,7 @@
           <a:p>
             <a:fld id="{475C878A-3BFB-4C42-913C-C7DB5AC5AA08}" type="datetime1">
               <a:rPr lang="en-US" smtClean="0"/>
-              <a:t>12/30/2015</a:t>
+              <a:t>12/31/2015</a:t>
             </a:fld>
             <a:endParaRPr lang="en-US"/>
           </a:p>
@@ -11042,7 +11042,7 @@
           <a:p>
             <a:fld id="{B1C4F552-6897-43BC-846A-656636E3EE1D}" type="datetime1">
               <a:rPr lang="en-US" smtClean="0"/>
-              <a:t>12/30/2015</a:t>
+              <a:t>12/31/2015</a:t>
             </a:fld>
             <a:endParaRPr lang="en-US"/>
           </a:p>
@@ -11297,7 +11297,7 @@
           <a:p>
             <a:fld id="{71A41344-2947-41F1-905A-FD4B8381B313}" type="datetime1">
               <a:rPr lang="en-US" smtClean="0"/>
-              <a:t>12/30/2015</a:t>
+              <a:t>12/31/2015</a:t>
             </a:fld>
             <a:endParaRPr lang="en-US"/>
           </a:p>
@@ -11560,7 +11560,7 @@
           <a:p>
             <a:fld id="{4DC85097-E5CA-4C93-85D6-E09D69C5520C}" type="datetime1">
               <a:rPr lang="en-US" smtClean="0"/>
-              <a:t>12/30/2015</a:t>
+              <a:t>12/31/2015</a:t>
             </a:fld>
             <a:endParaRPr lang="en-US"/>
           </a:p>
@@ -11811,7 +11811,7 @@
           <a:p>
             <a:fld id="{B32A9C83-92CC-43F7-A504-00D1A2E6CB6D}" type="datetime1">
               <a:rPr lang="en-US" smtClean="0"/>
-              <a:t>12/30/2015</a:t>
+              <a:t>12/31/2015</a:t>
             </a:fld>
             <a:endParaRPr lang="en-US"/>
           </a:p>
@@ -12126,7 +12126,7 @@
           <a:p>
             <a:fld id="{B32A9C83-92CC-43F7-A504-00D1A2E6CB6D}" type="datetime1">
               <a:rPr lang="en-US" smtClean="0"/>
-              <a:t>12/30/2015</a:t>
+              <a:t>12/31/2015</a:t>
             </a:fld>
             <a:endParaRPr lang="en-US"/>
           </a:p>
@@ -12468,7 +12468,7 @@
           <a:p>
             <a:fld id="{B32A9C83-92CC-43F7-A504-00D1A2E6CB6D}" type="datetime1">
               <a:rPr lang="en-US" smtClean="0"/>
-              <a:t>12/30/2015</a:t>
+              <a:t>12/31/2015</a:t>
             </a:fld>
             <a:endParaRPr lang="en-US"/>
           </a:p>
@@ -12701,7 +12701,7 @@
           <a:p>
             <a:fld id="{539674DB-8137-4B07-9101-81EA67E66245}" type="datetime1">
               <a:rPr lang="en-US" smtClean="0"/>
-              <a:t>12/30/2015</a:t>
+              <a:t>12/31/2015</a:t>
             </a:fld>
             <a:endParaRPr lang="en-US"/>
           </a:p>
@@ -13015,7 +13015,7 @@
           <a:p>
             <a:fld id="{B32A9C83-92CC-43F7-A504-00D1A2E6CB6D}" type="datetime1">
               <a:rPr lang="en-US" smtClean="0"/>
-              <a:t>12/30/2015</a:t>
+              <a:t>12/31/2015</a:t>
             </a:fld>
             <a:endParaRPr lang="en-US"/>
           </a:p>
@@ -13409,7 +13409,7 @@
           <a:p>
             <a:fld id="{B32A9C83-92CC-43F7-A504-00D1A2E6CB6D}" type="datetime1">
               <a:rPr lang="en-US" smtClean="0"/>
-              <a:t>12/30/2015</a:t>
+              <a:t>12/31/2015</a:t>
             </a:fld>
             <a:endParaRPr lang="en-US"/>
           </a:p>
@@ -13580,7 +13580,7 @@
           <a:p>
             <a:fld id="{F19D2895-FC19-48B1-B748-C2413DEA71C1}" type="datetime1">
               <a:rPr lang="en-US" smtClean="0"/>
-              <a:t>12/30/2015</a:t>
+              <a:t>12/31/2015</a:t>
             </a:fld>
             <a:endParaRPr lang="en-US"/>
           </a:p>
@@ -13760,7 +13760,7 @@
           <a:p>
             <a:fld id="{96A00C3C-F0B8-47F0-94A4-AC32EEBC5F82}" type="datetime1">
               <a:rPr lang="en-US" smtClean="0"/>
-              <a:t>12/30/2015</a:t>
+              <a:t>12/31/2015</a:t>
             </a:fld>
             <a:endParaRPr lang="en-US"/>
           </a:p>
@@ -14127,7 +14127,7 @@
           <a:p>
             <a:fld id="{E04C8895-3746-40DA-994F-BCAD26497945}" type="datetime1">
               <a:rPr lang="en-US" smtClean="0"/>
-              <a:t>12/30/2015</a:t>
+              <a:t>12/31/2015</a:t>
             </a:fld>
             <a:endParaRPr lang="en-US"/>
           </a:p>
@@ -14245,7 +14245,7 @@
           <a:p>
             <a:fld id="{475C878A-3BFB-4C42-913C-C7DB5AC5AA08}" type="datetime1">
               <a:rPr lang="en-US" smtClean="0"/>
-              <a:t>12/30/2015</a:t>
+              <a:t>12/31/2015</a:t>
             </a:fld>
             <a:endParaRPr lang="en-US"/>
           </a:p>
@@ -14340,7 +14340,7 @@
           <a:p>
             <a:fld id="{B1C4F552-6897-43BC-846A-656636E3EE1D}" type="datetime1">
               <a:rPr lang="en-US" smtClean="0"/>
-              <a:t>12/30/2015</a:t>
+              <a:t>12/31/2015</a:t>
             </a:fld>
             <a:endParaRPr lang="en-US"/>
           </a:p>
@@ -14617,7 +14617,7 @@
           <a:p>
             <a:fld id="{71A41344-2947-41F1-905A-FD4B8381B313}" type="datetime1">
               <a:rPr lang="en-US" smtClean="0"/>
-              <a:t>12/30/2015</a:t>
+              <a:t>12/31/2015</a:t>
             </a:fld>
             <a:endParaRPr lang="en-US"/>
           </a:p>
@@ -14870,7 +14870,7 @@
           <a:p>
             <a:fld id="{4DC85097-E5CA-4C93-85D6-E09D69C5520C}" type="datetime1">
               <a:rPr lang="en-US" smtClean="0"/>
-              <a:t>12/30/2015</a:t>
+              <a:t>12/31/2015</a:t>
             </a:fld>
             <a:endParaRPr lang="en-US"/>
           </a:p>
@@ -15083,7 +15083,7 @@
           <a:p>
             <a:fld id="{B32A9C83-92CC-43F7-A504-00D1A2E6CB6D}" type="datetime1">
               <a:rPr lang="en-US" smtClean="0"/>
-              <a:t>12/30/2015</a:t>
+              <a:t>12/31/2015</a:t>
             </a:fld>
             <a:endParaRPr lang="en-US"/>
           </a:p>
@@ -16154,7 +16154,7 @@
           <a:p>
             <a:fld id="{B32A9C83-92CC-43F7-A504-00D1A2E6CB6D}" type="datetime1">
               <a:rPr lang="en-US" smtClean="0"/>
-              <a:t>12/30/2015</a:t>
+              <a:t>12/31/2015</a:t>
             </a:fld>
             <a:endParaRPr lang="en-US"/>
           </a:p>
@@ -17344,7 +17344,7 @@
           <a:p>
             <a:fld id="{B32A9C83-92CC-43F7-A504-00D1A2E6CB6D}" type="datetime1">
               <a:rPr lang="en-US" smtClean="0"/>
-              <a:t>12/30/2015</a:t>
+              <a:t>12/31/2015</a:t>
             </a:fld>
             <a:endParaRPr lang="en-US"/>
           </a:p>
@@ -21150,7 +21150,7 @@
                                         <p:tgtEl>
                                           <p:spTgt spid="3">
                                             <p:txEl>
-                                              <p:pRg st="0" end="0"/>
+                                              <p:pRg st="1" end="1"/>
                                             </p:txEl>
                                           </p:spTgt>
                                         </p:tgtEl>
@@ -21192,55 +21192,6 @@
                                     <p:set>
                                       <p:cBhvr>
                                         <p:cTn id="10" dur="1" fill="hold">
-                                          <p:stCondLst>
-                                            <p:cond delay="0"/>
-                                          </p:stCondLst>
-                                        </p:cTn>
-                                        <p:tgtEl>
-                                          <p:spTgt spid="3">
-                                            <p:txEl>
-                                              <p:pRg st="1" end="1"/>
-                                            </p:txEl>
-                                          </p:spTgt>
-                                        </p:tgtEl>
-                                        <p:attrNameLst>
-                                          <p:attrName>style.visibility</p:attrName>
-                                        </p:attrNameLst>
-                                      </p:cBhvr>
-                                      <p:to>
-                                        <p:strVal val="visible"/>
-                                      </p:to>
-                                    </p:set>
-                                  </p:childTnLst>
-                                </p:cTn>
-                              </p:par>
-                            </p:childTnLst>
-                          </p:cTn>
-                        </p:par>
-                      </p:childTnLst>
-                    </p:cTn>
-                  </p:par>
-                  <p:par>
-                    <p:cTn id="11" fill="hold">
-                      <p:stCondLst>
-                        <p:cond delay="indefinite"/>
-                      </p:stCondLst>
-                      <p:childTnLst>
-                        <p:par>
-                          <p:cTn id="12" fill="hold">
-                            <p:stCondLst>
-                              <p:cond delay="0"/>
-                            </p:stCondLst>
-                            <p:childTnLst>
-                              <p:par>
-                                <p:cTn id="13" presetID="1" presetClass="entr" presetSubtype="0" fill="hold" grpId="0" nodeType="clickEffect">
-                                  <p:stCondLst>
-                                    <p:cond delay="0"/>
-                                  </p:stCondLst>
-                                  <p:childTnLst>
-                                    <p:set>
-                                      <p:cBhvr>
-                                        <p:cTn id="14" dur="1" fill="hold">
                                           <p:stCondLst>
                                             <p:cond delay="0"/>
                                           </p:stCondLst>
@@ -21291,7 +21242,7 @@
       </p:par>
     </p:tnLst>
     <p:bldLst>
-      <p:bldP spid="3" grpId="0" build="p"/>
+      <p:bldP spid="3" grpId="0" uiExpand="1" build="p"/>
     </p:bldLst>
   </p:timing>
 </p:sld>

--- a/React.pptx
+++ b/React.pptx
@@ -7,10 +7,10 @@
     <p:sldMasterId id="2147483707" r:id="rId3"/>
   </p:sldMasterIdLst>
   <p:notesMasterIdLst>
-    <p:notesMasterId r:id="rId44"/>
+    <p:notesMasterId r:id="rId45"/>
   </p:notesMasterIdLst>
   <p:handoutMasterIdLst>
-    <p:handoutMasterId r:id="rId45"/>
+    <p:handoutMasterId r:id="rId46"/>
   </p:handoutMasterIdLst>
   <p:sldIdLst>
     <p:sldId id="309" r:id="rId4"/>
@@ -42,17 +42,18 @@
     <p:sldId id="321" r:id="rId30"/>
     <p:sldId id="323" r:id="rId31"/>
     <p:sldId id="301" r:id="rId32"/>
-    <p:sldId id="317" r:id="rId33"/>
-    <p:sldId id="320" r:id="rId34"/>
-    <p:sldId id="324" r:id="rId35"/>
-    <p:sldId id="325" r:id="rId36"/>
-    <p:sldId id="326" r:id="rId37"/>
-    <p:sldId id="268" r:id="rId38"/>
-    <p:sldId id="306" r:id="rId39"/>
-    <p:sldId id="327" r:id="rId40"/>
-    <p:sldId id="319" r:id="rId41"/>
-    <p:sldId id="304" r:id="rId42"/>
-    <p:sldId id="311" r:id="rId43"/>
+    <p:sldId id="328" r:id="rId33"/>
+    <p:sldId id="317" r:id="rId34"/>
+    <p:sldId id="320" r:id="rId35"/>
+    <p:sldId id="324" r:id="rId36"/>
+    <p:sldId id="325" r:id="rId37"/>
+    <p:sldId id="326" r:id="rId38"/>
+    <p:sldId id="268" r:id="rId39"/>
+    <p:sldId id="306" r:id="rId40"/>
+    <p:sldId id="327" r:id="rId41"/>
+    <p:sldId id="319" r:id="rId42"/>
+    <p:sldId id="304" r:id="rId43"/>
+    <p:sldId id="311" r:id="rId44"/>
   </p:sldIdLst>
   <p:sldSz cx="12192000" cy="6858000"/>
   <p:notesSz cx="6858000" cy="9144000"/>
@@ -185,6 +186,7 @@
             <p14:sldId id="321"/>
             <p14:sldId id="323"/>
             <p14:sldId id="301"/>
+            <p14:sldId id="328"/>
             <p14:sldId id="317"/>
             <p14:sldId id="320"/>
             <p14:sldId id="324"/>
@@ -1952,42 +1954,55 @@
           <a:lstStyle/>
           <a:p>
             <a:r>
-              <a:rPr lang="en-US" sz="1200" dirty="0" smtClean="0"/>
-              <a:t>Put the following configuration in </a:t>
-            </a:r>
-            <a:r>
-              <a:rPr lang="en-US" sz="1200" dirty="0" err="1" smtClean="0"/>
-              <a:t>package.json</a:t>
-            </a:r>
-            <a:r>
-              <a:rPr lang="en-US" sz="1200" dirty="0" smtClean="0"/>
-              <a:t> which contains all the required dependencies. </a:t>
-            </a:r>
-          </a:p>
-          <a:p>
-            <a:endParaRPr lang="en-US" sz="1200" dirty="0" smtClean="0"/>
-          </a:p>
-          <a:p>
-            <a:r>
-              <a:rPr lang="en-US" sz="1200" dirty="0" smtClean="0"/>
-              <a:t>Then use the commands “</a:t>
-            </a:r>
-            <a:r>
-              <a:rPr lang="en-US" sz="1200" dirty="0" err="1" smtClean="0"/>
+              <a:rPr lang="en-US" dirty="0" smtClean="0"/>
+              <a:t>So far we use just the </a:t>
+            </a:r>
+            <a:r>
+              <a:rPr lang="en-US" dirty="0" err="1" smtClean="0"/>
+              <a:t>jsx</a:t>
+            </a:r>
+            <a:r>
+              <a:rPr lang="en-US" dirty="0" smtClean="0"/>
+              <a:t> syntax in our component and also used the ES6 features in the stores.</a:t>
+            </a:r>
+          </a:p>
+          <a:p>
+            <a:r>
+              <a:rPr lang="en-US" dirty="0" smtClean="0"/>
+              <a:t>Browser don’t knows the </a:t>
+            </a:r>
+            <a:r>
+              <a:rPr lang="en-US" dirty="0" err="1" smtClean="0"/>
+              <a:t>jsx</a:t>
+            </a:r>
+            <a:r>
+              <a:rPr lang="en-US" dirty="0" smtClean="0"/>
+              <a:t> syntax in </a:t>
+            </a:r>
+            <a:r>
+              <a:rPr lang="en-US" dirty="0" err="1" smtClean="0"/>
+              <a:t>javascript</a:t>
+            </a:r>
+            <a:r>
+              <a:rPr lang="en-US" dirty="0" smtClean="0"/>
+              <a:t> so we need some transformer utility that transform this syntax to plain script for browser to digest.</a:t>
+            </a:r>
+          </a:p>
+          <a:p>
+            <a:r>
+              <a:rPr lang="en-US" dirty="0" smtClean="0"/>
+              <a:t>Babel.js done this job pretty well this can be use directly by linking its script file or using </a:t>
+            </a:r>
+            <a:r>
+              <a:rPr lang="en-US" dirty="0" err="1" smtClean="0"/>
               <a:t>npm</a:t>
             </a:r>
             <a:r>
-              <a:rPr lang="en-US" sz="1200" dirty="0" smtClean="0"/>
-              <a:t> install” and “</a:t>
-            </a:r>
-            <a:r>
-              <a:rPr lang="en-US" sz="1200" dirty="0" err="1" smtClean="0"/>
-              <a:t>npm</a:t>
-            </a:r>
-            <a:r>
-              <a:rPr lang="en-US" sz="1200" dirty="0" smtClean="0"/>
-              <a:t> run build” to install the required dependencies and build the code </a:t>
-            </a:r>
+              <a:rPr lang="en-US" dirty="0" smtClean="0"/>
+              <a:t>. </a:t>
+            </a:r>
+          </a:p>
+          <a:p>
             <a:endParaRPr lang="en-US" dirty="0"/>
           </a:p>
         </p:txBody>
@@ -2032,7 +2047,7 @@
           <a:p>
             <a:fld id="{B1206FEA-4AFC-4465-8ABD-ECC3D411179B}" type="slidenum">
               <a:rPr lang="en-US" smtClean="0"/>
-              <a:t>30</a:t>
+              <a:t>29</a:t>
             </a:fld>
             <a:endParaRPr lang="en-US"/>
           </a:p>
@@ -2041,7 +2056,7 @@
     </p:spTree>
     <p:extLst>
       <p:ext uri="{BB962C8B-B14F-4D97-AF65-F5344CB8AC3E}">
-        <p14:creationId xmlns:p14="http://schemas.microsoft.com/office/powerpoint/2010/main" val="527664236"/>
+        <p14:creationId xmlns:p14="http://schemas.microsoft.com/office/powerpoint/2010/main" val="3969333674"/>
       </p:ext>
     </p:extLst>
   </p:cSld>
@@ -2096,31 +2111,42 @@
           <a:lstStyle/>
           <a:p>
             <a:r>
-              <a:rPr lang="en-US" sz="1200" dirty="0" smtClean="0"/>
-              <a:t>To make the app SPA using hash routes we will use react-router</a:t>
-            </a:r>
-            <a:r>
-              <a:rPr lang="en-US" sz="1200" baseline="0" dirty="0" smtClean="0"/>
-              <a:t> component</a:t>
-            </a:r>
-          </a:p>
-          <a:p>
-            <a:r>
               <a:rPr lang="en-US" dirty="0" smtClean="0"/>
-              <a:t>https://github.com/rackt/react-router</a:t>
-            </a:r>
-          </a:p>
-          <a:p>
-            <a:endParaRPr lang="en-US" dirty="0" smtClean="0"/>
-          </a:p>
-          <a:p>
-            <a:r>
-              <a:rPr lang="en-US" dirty="0" smtClean="0"/>
-              <a:t>Add</a:t>
+              <a:t>So far we use just the require</a:t>
             </a:r>
             <a:r>
               <a:rPr lang="en-US" baseline="0" dirty="0" smtClean="0"/>
-              <a:t> react-router dependency and run “</a:t>
+              <a:t> method of Node but we are actually making the client app</a:t>
+            </a:r>
+          </a:p>
+          <a:p>
+            <a:endParaRPr lang="en-US" baseline="0" smtClean="0"/>
+          </a:p>
+          <a:p>
+            <a:r>
+              <a:rPr lang="en-US" baseline="0" smtClean="0"/>
+              <a:t>Browserify</a:t>
+            </a:r>
+            <a:r>
+              <a:rPr lang="en-US" baseline="0" dirty="0" smtClean="0"/>
+              <a:t> will let us able to use the node style code and bundles it up into on </a:t>
+            </a:r>
+            <a:r>
+              <a:rPr lang="en-US" baseline="0" dirty="0" err="1" smtClean="0"/>
+              <a:t>js</a:t>
+            </a:r>
+            <a:r>
+              <a:rPr lang="en-US" baseline="0" dirty="0" smtClean="0"/>
+              <a:t> file</a:t>
+            </a:r>
+          </a:p>
+          <a:p>
+            <a:endParaRPr lang="en-US" baseline="0" dirty="0" smtClean="0"/>
+          </a:p>
+          <a:p>
+            <a:r>
+              <a:rPr lang="en-US" baseline="0" dirty="0" smtClean="0"/>
+              <a:t>So we can use the </a:t>
             </a:r>
             <a:r>
               <a:rPr lang="en-US" baseline="0" dirty="0" err="1" smtClean="0"/>
@@ -2128,8 +2154,11 @@
             </a:r>
             <a:r>
               <a:rPr lang="en-US" baseline="0" dirty="0" smtClean="0"/>
-              <a:t> install” command</a:t>
-            </a:r>
+              <a:t> packages and modular approach for client code designing as well</a:t>
+            </a:r>
+            <a:endParaRPr lang="en-US" dirty="0" smtClean="0"/>
+          </a:p>
+          <a:p>
             <a:endParaRPr lang="en-US" dirty="0"/>
           </a:p>
         </p:txBody>
@@ -2174,7 +2203,7 @@
           <a:p>
             <a:fld id="{B1206FEA-4AFC-4465-8ABD-ECC3D411179B}" type="slidenum">
               <a:rPr lang="en-US" smtClean="0"/>
-              <a:t>32</a:t>
+              <a:t>30</a:t>
             </a:fld>
             <a:endParaRPr lang="en-US"/>
           </a:p>
@@ -2183,7 +2212,7 @@
     </p:spTree>
     <p:extLst>
       <p:ext uri="{BB962C8B-B14F-4D97-AF65-F5344CB8AC3E}">
-        <p14:creationId xmlns:p14="http://schemas.microsoft.com/office/powerpoint/2010/main" val="2039934366"/>
+        <p14:creationId xmlns:p14="http://schemas.microsoft.com/office/powerpoint/2010/main" val="2079015888"/>
       </p:ext>
     </p:extLst>
   </p:cSld>
@@ -2408,38 +2437,40 @@
           <a:p>
             <a:r>
               <a:rPr lang="en-US" sz="1200" dirty="0" smtClean="0"/>
-              <a:t>To make the app SPA using hash routes we will use react-router</a:t>
-            </a:r>
-            <a:r>
-              <a:rPr lang="en-US" sz="1200" baseline="0" dirty="0" smtClean="0"/>
-              <a:t> component</a:t>
-            </a:r>
-          </a:p>
-          <a:p>
-            <a:r>
-              <a:rPr lang="en-US" dirty="0" smtClean="0"/>
-              <a:t>https://github.com/rackt/react-router</a:t>
-            </a:r>
-          </a:p>
-          <a:p>
-            <a:endParaRPr lang="en-US" dirty="0" smtClean="0"/>
-          </a:p>
-          <a:p>
-            <a:r>
-              <a:rPr lang="en-US" dirty="0" smtClean="0"/>
-              <a:t>Add</a:t>
-            </a:r>
-            <a:r>
-              <a:rPr lang="en-US" baseline="0" dirty="0" smtClean="0"/>
-              <a:t> react-router dependency and run “</a:t>
-            </a:r>
-            <a:r>
-              <a:rPr lang="en-US" baseline="0" dirty="0" err="1" smtClean="0"/>
+              <a:t>Put the following configuration in </a:t>
+            </a:r>
+            <a:r>
+              <a:rPr lang="en-US" sz="1200" dirty="0" err="1" smtClean="0"/>
+              <a:t>package.json</a:t>
+            </a:r>
+            <a:r>
+              <a:rPr lang="en-US" sz="1200" dirty="0" smtClean="0"/>
+              <a:t> which contains all the required dependencies. </a:t>
+            </a:r>
+          </a:p>
+          <a:p>
+            <a:endParaRPr lang="en-US" sz="1200" dirty="0" smtClean="0"/>
+          </a:p>
+          <a:p>
+            <a:r>
+              <a:rPr lang="en-US" sz="1200" dirty="0" smtClean="0"/>
+              <a:t>Then use the commands “</a:t>
+            </a:r>
+            <a:r>
+              <a:rPr lang="en-US" sz="1200" dirty="0" err="1" smtClean="0"/>
               <a:t>npm</a:t>
             </a:r>
             <a:r>
-              <a:rPr lang="en-US" baseline="0" dirty="0" smtClean="0"/>
-              <a:t> install” command</a:t>
+              <a:rPr lang="en-US" sz="1200" dirty="0" smtClean="0"/>
+              <a:t> install” and “</a:t>
+            </a:r>
+            <a:r>
+              <a:rPr lang="en-US" sz="1200" dirty="0" err="1" smtClean="0"/>
+              <a:t>npm</a:t>
+            </a:r>
+            <a:r>
+              <a:rPr lang="en-US" sz="1200" dirty="0" smtClean="0"/>
+              <a:t> run build” to install the required dependencies and build the code </a:t>
             </a:r>
             <a:endParaRPr lang="en-US" dirty="0"/>
           </a:p>
@@ -2485,7 +2516,7 @@
           <a:p>
             <a:fld id="{B1206FEA-4AFC-4465-8ABD-ECC3D411179B}" type="slidenum">
               <a:rPr lang="en-US" smtClean="0"/>
-              <a:t>33</a:t>
+              <a:t>31</a:t>
             </a:fld>
             <a:endParaRPr lang="en-US"/>
           </a:p>
@@ -2494,7 +2525,7 @@
     </p:spTree>
     <p:extLst>
       <p:ext uri="{BB962C8B-B14F-4D97-AF65-F5344CB8AC3E}">
-        <p14:creationId xmlns:p14="http://schemas.microsoft.com/office/powerpoint/2010/main" val="906655533"/>
+        <p14:creationId xmlns:p14="http://schemas.microsoft.com/office/powerpoint/2010/main" val="527664236"/>
       </p:ext>
     </p:extLst>
   </p:cSld>
@@ -2627,7 +2658,291 @@
           <a:p>
             <a:fld id="{B1206FEA-4AFC-4465-8ABD-ECC3D411179B}" type="slidenum">
               <a:rPr lang="en-US" smtClean="0"/>
+              <a:t>33</a:t>
+            </a:fld>
+            <a:endParaRPr lang="en-US"/>
+          </a:p>
+        </p:txBody>
+      </p:sp>
+    </p:spTree>
+    <p:extLst>
+      <p:ext uri="{BB962C8B-B14F-4D97-AF65-F5344CB8AC3E}">
+        <p14:creationId xmlns:p14="http://schemas.microsoft.com/office/powerpoint/2010/main" val="2039934366"/>
+      </p:ext>
+    </p:extLst>
+  </p:cSld>
+  <p:clrMapOvr>
+    <a:masterClrMapping/>
+  </p:clrMapOvr>
+</p:notes>
+</file>
+
+<file path=ppt/notesSlides/notesSlide22.xml><?xml version="1.0" encoding="utf-8"?>
+<p:notes xmlns:a="http://schemas.openxmlformats.org/drawingml/2006/main" xmlns:r="http://schemas.openxmlformats.org/officeDocument/2006/relationships" xmlns:p="http://schemas.openxmlformats.org/presentationml/2006/main">
+  <p:cSld>
+    <p:spTree>
+      <p:nvGrpSpPr>
+        <p:cNvPr id="1" name=""/>
+        <p:cNvGrpSpPr/>
+        <p:nvPr/>
+      </p:nvGrpSpPr>
+      <p:grpSpPr>
+        <a:xfrm>
+          <a:off x="0" y="0"/>
+          <a:ext cx="0" cy="0"/>
+          <a:chOff x="0" y="0"/>
+          <a:chExt cx="0" cy="0"/>
+        </a:xfrm>
+      </p:grpSpPr>
+      <p:sp>
+        <p:nvSpPr>
+          <p:cNvPr id="2" name="Slide Image Placeholder 1"/>
+          <p:cNvSpPr>
+            <a:spLocks noGrp="1" noRot="1" noChangeAspect="1"/>
+          </p:cNvSpPr>
+          <p:nvPr>
+            <p:ph type="sldImg"/>
+          </p:nvPr>
+        </p:nvSpPr>
+        <p:spPr/>
+      </p:sp>
+      <p:sp>
+        <p:nvSpPr>
+          <p:cNvPr id="3" name="Notes Placeholder 2"/>
+          <p:cNvSpPr>
+            <a:spLocks noGrp="1"/>
+          </p:cNvSpPr>
+          <p:nvPr>
+            <p:ph type="body" idx="1"/>
+          </p:nvPr>
+        </p:nvSpPr>
+        <p:spPr/>
+        <p:txBody>
+          <a:bodyPr/>
+          <a:lstStyle/>
+          <a:p>
+            <a:r>
+              <a:rPr lang="en-US" sz="1200" dirty="0" smtClean="0"/>
+              <a:t>To make the app SPA using hash routes we will use react-router</a:t>
+            </a:r>
+            <a:r>
+              <a:rPr lang="en-US" sz="1200" baseline="0" dirty="0" smtClean="0"/>
+              <a:t> component</a:t>
+            </a:r>
+          </a:p>
+          <a:p>
+            <a:r>
+              <a:rPr lang="en-US" dirty="0" smtClean="0"/>
+              <a:t>https://github.com/rackt/react-router</a:t>
+            </a:r>
+          </a:p>
+          <a:p>
+            <a:endParaRPr lang="en-US" dirty="0" smtClean="0"/>
+          </a:p>
+          <a:p>
+            <a:r>
+              <a:rPr lang="en-US" dirty="0" smtClean="0"/>
+              <a:t>Add</a:t>
+            </a:r>
+            <a:r>
+              <a:rPr lang="en-US" baseline="0" dirty="0" smtClean="0"/>
+              <a:t> react-router dependency and run “</a:t>
+            </a:r>
+            <a:r>
+              <a:rPr lang="en-US" baseline="0" dirty="0" err="1" smtClean="0"/>
+              <a:t>npm</a:t>
+            </a:r>
+            <a:r>
+              <a:rPr lang="en-US" baseline="0" dirty="0" smtClean="0"/>
+              <a:t> install” command</a:t>
+            </a:r>
+            <a:endParaRPr lang="en-US" dirty="0"/>
+          </a:p>
+        </p:txBody>
+      </p:sp>
+      <p:sp>
+        <p:nvSpPr>
+          <p:cNvPr id="4" name="Header Placeholder 3"/>
+          <p:cNvSpPr>
+            <a:spLocks noGrp="1"/>
+          </p:cNvSpPr>
+          <p:nvPr>
+            <p:ph type="hdr" sz="quarter" idx="10"/>
+          </p:nvPr>
+        </p:nvSpPr>
+        <p:spPr/>
+        <p:txBody>
+          <a:bodyPr/>
+          <a:lstStyle/>
+          <a:p>
+            <a:r>
+              <a:rPr lang="en-US" smtClean="0"/>
+              <a:t>TEST</a:t>
+            </a:r>
+            <a:endParaRPr lang="en-US"/>
+          </a:p>
+        </p:txBody>
+      </p:sp>
+      <p:sp>
+        <p:nvSpPr>
+          <p:cNvPr id="5" name="Slide Number Placeholder 4"/>
+          <p:cNvSpPr>
+            <a:spLocks noGrp="1"/>
+          </p:cNvSpPr>
+          <p:nvPr>
+            <p:ph type="sldNum" sz="quarter" idx="11"/>
+          </p:nvPr>
+        </p:nvSpPr>
+        <p:spPr/>
+        <p:txBody>
+          <a:bodyPr/>
+          <a:lstStyle/>
+          <a:p>
+            <a:fld id="{B1206FEA-4AFC-4465-8ABD-ECC3D411179B}" type="slidenum">
+              <a:rPr lang="en-US" smtClean="0"/>
               <a:t>34</a:t>
+            </a:fld>
+            <a:endParaRPr lang="en-US"/>
+          </a:p>
+        </p:txBody>
+      </p:sp>
+    </p:spTree>
+    <p:extLst>
+      <p:ext uri="{BB962C8B-B14F-4D97-AF65-F5344CB8AC3E}">
+        <p14:creationId xmlns:p14="http://schemas.microsoft.com/office/powerpoint/2010/main" val="906655533"/>
+      </p:ext>
+    </p:extLst>
+  </p:cSld>
+  <p:clrMapOvr>
+    <a:masterClrMapping/>
+  </p:clrMapOvr>
+</p:notes>
+</file>
+
+<file path=ppt/notesSlides/notesSlide23.xml><?xml version="1.0" encoding="utf-8"?>
+<p:notes xmlns:a="http://schemas.openxmlformats.org/drawingml/2006/main" xmlns:r="http://schemas.openxmlformats.org/officeDocument/2006/relationships" xmlns:p="http://schemas.openxmlformats.org/presentationml/2006/main">
+  <p:cSld>
+    <p:spTree>
+      <p:nvGrpSpPr>
+        <p:cNvPr id="1" name=""/>
+        <p:cNvGrpSpPr/>
+        <p:nvPr/>
+      </p:nvGrpSpPr>
+      <p:grpSpPr>
+        <a:xfrm>
+          <a:off x="0" y="0"/>
+          <a:ext cx="0" cy="0"/>
+          <a:chOff x="0" y="0"/>
+          <a:chExt cx="0" cy="0"/>
+        </a:xfrm>
+      </p:grpSpPr>
+      <p:sp>
+        <p:nvSpPr>
+          <p:cNvPr id="2" name="Slide Image Placeholder 1"/>
+          <p:cNvSpPr>
+            <a:spLocks noGrp="1" noRot="1" noChangeAspect="1"/>
+          </p:cNvSpPr>
+          <p:nvPr>
+            <p:ph type="sldImg"/>
+          </p:nvPr>
+        </p:nvSpPr>
+        <p:spPr/>
+      </p:sp>
+      <p:sp>
+        <p:nvSpPr>
+          <p:cNvPr id="3" name="Notes Placeholder 2"/>
+          <p:cNvSpPr>
+            <a:spLocks noGrp="1"/>
+          </p:cNvSpPr>
+          <p:nvPr>
+            <p:ph type="body" idx="1"/>
+          </p:nvPr>
+        </p:nvSpPr>
+        <p:spPr/>
+        <p:txBody>
+          <a:bodyPr/>
+          <a:lstStyle/>
+          <a:p>
+            <a:r>
+              <a:rPr lang="en-US" sz="1200" dirty="0" smtClean="0"/>
+              <a:t>To make the app SPA using hash routes we will use react-router</a:t>
+            </a:r>
+            <a:r>
+              <a:rPr lang="en-US" sz="1200" baseline="0" dirty="0" smtClean="0"/>
+              <a:t> component</a:t>
+            </a:r>
+          </a:p>
+          <a:p>
+            <a:r>
+              <a:rPr lang="en-US" dirty="0" smtClean="0"/>
+              <a:t>https://github.com/rackt/react-router</a:t>
+            </a:r>
+          </a:p>
+          <a:p>
+            <a:endParaRPr lang="en-US" dirty="0" smtClean="0"/>
+          </a:p>
+          <a:p>
+            <a:r>
+              <a:rPr lang="en-US" dirty="0" smtClean="0"/>
+              <a:t>Add</a:t>
+            </a:r>
+            <a:r>
+              <a:rPr lang="en-US" baseline="0" dirty="0" smtClean="0"/>
+              <a:t> react-router dependency and run “</a:t>
+            </a:r>
+            <a:r>
+              <a:rPr lang="en-US" baseline="0" dirty="0" err="1" smtClean="0"/>
+              <a:t>npm</a:t>
+            </a:r>
+            <a:r>
+              <a:rPr lang="en-US" baseline="0" dirty="0" smtClean="0"/>
+              <a:t> install” command</a:t>
+            </a:r>
+            <a:endParaRPr lang="en-US" dirty="0"/>
+          </a:p>
+        </p:txBody>
+      </p:sp>
+      <p:sp>
+        <p:nvSpPr>
+          <p:cNvPr id="4" name="Header Placeholder 3"/>
+          <p:cNvSpPr>
+            <a:spLocks noGrp="1"/>
+          </p:cNvSpPr>
+          <p:nvPr>
+            <p:ph type="hdr" sz="quarter" idx="10"/>
+          </p:nvPr>
+        </p:nvSpPr>
+        <p:spPr/>
+        <p:txBody>
+          <a:bodyPr/>
+          <a:lstStyle/>
+          <a:p>
+            <a:r>
+              <a:rPr lang="en-US" smtClean="0"/>
+              <a:t>TEST</a:t>
+            </a:r>
+            <a:endParaRPr lang="en-US"/>
+          </a:p>
+        </p:txBody>
+      </p:sp>
+      <p:sp>
+        <p:nvSpPr>
+          <p:cNvPr id="5" name="Slide Number Placeholder 4"/>
+          <p:cNvSpPr>
+            <a:spLocks noGrp="1"/>
+          </p:cNvSpPr>
+          <p:nvPr>
+            <p:ph type="sldNum" sz="quarter" idx="11"/>
+          </p:nvPr>
+        </p:nvSpPr>
+        <p:spPr/>
+        <p:txBody>
+          <a:bodyPr/>
+          <a:lstStyle/>
+          <a:p>
+            <a:fld id="{B1206FEA-4AFC-4465-8ABD-ECC3D411179B}" type="slidenum">
+              <a:rPr lang="en-US" smtClean="0"/>
+              <a:t>35</a:t>
             </a:fld>
             <a:endParaRPr lang="en-US"/>
           </a:p>
@@ -22935,58 +23250,16 @@
           <a:lstStyle/>
           <a:p>
             <a:r>
-              <a:rPr lang="en-US" dirty="0" smtClean="0"/>
-              <a:t>So far we use just the </a:t>
-            </a:r>
-            <a:r>
-              <a:rPr lang="en-US" dirty="0" err="1" smtClean="0"/>
-              <a:t>jsx</a:t>
-            </a:r>
-            <a:r>
-              <a:rPr lang="en-US" dirty="0" smtClean="0"/>
-              <a:t> syntax in our component and also used the ES6 features in the stores.</a:t>
-            </a:r>
-          </a:p>
-          <a:p>
-            <a:r>
-              <a:rPr lang="en-US" dirty="0" smtClean="0"/>
-              <a:t>Browser don’t knows the </a:t>
-            </a:r>
-            <a:r>
-              <a:rPr lang="en-US" dirty="0" err="1" smtClean="0"/>
-              <a:t>jsx</a:t>
-            </a:r>
-            <a:r>
-              <a:rPr lang="en-US" dirty="0" smtClean="0"/>
-              <a:t> syntax in </a:t>
-            </a:r>
-            <a:r>
-              <a:rPr lang="en-US" dirty="0" err="1" smtClean="0"/>
-              <a:t>javascript</a:t>
-            </a:r>
-            <a:r>
-              <a:rPr lang="en-US" dirty="0" smtClean="0"/>
-              <a:t> so we need some transformer utility that transform this syntax to plain script for browser to digest.</a:t>
-            </a:r>
-          </a:p>
-          <a:p>
-            <a:r>
-              <a:rPr lang="en-US" dirty="0" smtClean="0"/>
-              <a:t>Babel.js done this job pretty well this can be use directly by linking its script file or using </a:t>
-            </a:r>
-            <a:r>
-              <a:rPr lang="en-US" dirty="0" err="1" smtClean="0"/>
-              <a:t>npm</a:t>
-            </a:r>
-            <a:r>
-              <a:rPr lang="en-US" dirty="0" smtClean="0"/>
-              <a:t>. </a:t>
-            </a:r>
-          </a:p>
-          <a:p>
-            <a:r>
-              <a:rPr lang="en-US" dirty="0"/>
-              <a:t>https://babeljs.io/</a:t>
+              <a:rPr lang="en-US" dirty="0" smtClean="0">
+                <a:hlinkClick r:id="rId3"/>
+              </a:rPr>
+              <a:t>https</a:t>
+            </a:r>
+            <a:r>
+              <a:rPr lang="en-US" dirty="0">
+                <a:hlinkClick r:id="rId3"/>
+              </a:rPr>
+              <a:t>://babeljs.io/</a:t>
             </a:r>
             <a:endParaRPr lang="en-US" dirty="0" smtClean="0"/>
           </a:p>
@@ -23007,7 +23280,7 @@
           <p:nvPr/>
         </p:nvPicPr>
         <p:blipFill>
-          <a:blip r:embed="rId2">
+          <a:blip r:embed="rId4">
             <a:extLst>
               <a:ext uri="{28A0092B-C50C-407E-A947-70E740481C1C}">
                 <a14:useLocalDpi xmlns:a14="http://schemas.microsoft.com/office/drawing/2010/main" val="0"/>
@@ -23020,8 +23293,8 @@
         </p:blipFill>
         <p:spPr>
           <a:xfrm>
-            <a:off x="7256929" y="4749886"/>
-            <a:ext cx="4096871" cy="1427077"/>
+            <a:off x="1990164" y="2705933"/>
+            <a:ext cx="7467481" cy="2601173"/>
           </a:xfrm>
           <a:prstGeom prst="rect">
             <a:avLst/>
@@ -23083,7 +23356,7 @@
           <p:nvPr/>
         </p:nvPicPr>
         <p:blipFill>
-          <a:blip r:embed="rId3">
+          <a:blip r:embed="rId5">
             <a:extLst>
               <a:ext uri="{28A0092B-C50C-407E-A947-70E740481C1C}">
                 <a14:useLocalDpi xmlns:a14="http://schemas.microsoft.com/office/drawing/2010/main" val="0"/>
@@ -23117,218 +23390,9 @@
   <p:timing>
     <p:tnLst>
       <p:par>
-        <p:cTn id="1" dur="indefinite" restart="never" nodeType="tmRoot">
-          <p:childTnLst>
-            <p:seq concurrent="1" nextAc="seek">
-              <p:cTn id="2" dur="indefinite" nodeType="mainSeq">
-                <p:childTnLst>
-                  <p:par>
-                    <p:cTn id="3" fill="hold">
-                      <p:stCondLst>
-                        <p:cond delay="indefinite"/>
-                      </p:stCondLst>
-                      <p:childTnLst>
-                        <p:par>
-                          <p:cTn id="4" fill="hold">
-                            <p:stCondLst>
-                              <p:cond delay="0"/>
-                            </p:stCondLst>
-                            <p:childTnLst>
-                              <p:par>
-                                <p:cTn id="5" presetID="1" presetClass="entr" presetSubtype="0" fill="hold" grpId="0" nodeType="clickEffect">
-                                  <p:stCondLst>
-                                    <p:cond delay="0"/>
-                                  </p:stCondLst>
-                                  <p:childTnLst>
-                                    <p:set>
-                                      <p:cBhvr>
-                                        <p:cTn id="6" dur="1" fill="hold">
-                                          <p:stCondLst>
-                                            <p:cond delay="0"/>
-                                          </p:stCondLst>
-                                        </p:cTn>
-                                        <p:tgtEl>
-                                          <p:spTgt spid="3">
-                                            <p:txEl>
-                                              <p:pRg st="1" end="1"/>
-                                            </p:txEl>
-                                          </p:spTgt>
-                                        </p:tgtEl>
-                                        <p:attrNameLst>
-                                          <p:attrName>style.visibility</p:attrName>
-                                        </p:attrNameLst>
-                                      </p:cBhvr>
-                                      <p:to>
-                                        <p:strVal val="visible"/>
-                                      </p:to>
-                                    </p:set>
-                                  </p:childTnLst>
-                                </p:cTn>
-                              </p:par>
-                            </p:childTnLst>
-                          </p:cTn>
-                        </p:par>
-                      </p:childTnLst>
-                    </p:cTn>
-                  </p:par>
-                  <p:par>
-                    <p:cTn id="7" fill="hold">
-                      <p:stCondLst>
-                        <p:cond delay="indefinite"/>
-                      </p:stCondLst>
-                      <p:childTnLst>
-                        <p:par>
-                          <p:cTn id="8" fill="hold">
-                            <p:stCondLst>
-                              <p:cond delay="0"/>
-                            </p:stCondLst>
-                            <p:childTnLst>
-                              <p:par>
-                                <p:cTn id="9" presetID="1" presetClass="entr" presetSubtype="0" fill="hold" grpId="0" nodeType="clickEffect">
-                                  <p:stCondLst>
-                                    <p:cond delay="0"/>
-                                  </p:stCondLst>
-                                  <p:childTnLst>
-                                    <p:set>
-                                      <p:cBhvr>
-                                        <p:cTn id="10" dur="1" fill="hold">
-                                          <p:stCondLst>
-                                            <p:cond delay="0"/>
-                                          </p:stCondLst>
-                                        </p:cTn>
-                                        <p:tgtEl>
-                                          <p:spTgt spid="3">
-                                            <p:txEl>
-                                              <p:pRg st="2" end="2"/>
-                                            </p:txEl>
-                                          </p:spTgt>
-                                        </p:tgtEl>
-                                        <p:attrNameLst>
-                                          <p:attrName>style.visibility</p:attrName>
-                                        </p:attrNameLst>
-                                      </p:cBhvr>
-                                      <p:to>
-                                        <p:strVal val="visible"/>
-                                      </p:to>
-                                    </p:set>
-                                  </p:childTnLst>
-                                </p:cTn>
-                              </p:par>
-                            </p:childTnLst>
-                          </p:cTn>
-                        </p:par>
-                      </p:childTnLst>
-                    </p:cTn>
-                  </p:par>
-                  <p:par>
-                    <p:cTn id="11" fill="hold">
-                      <p:stCondLst>
-                        <p:cond delay="indefinite"/>
-                      </p:stCondLst>
-                      <p:childTnLst>
-                        <p:par>
-                          <p:cTn id="12" fill="hold">
-                            <p:stCondLst>
-                              <p:cond delay="0"/>
-                            </p:stCondLst>
-                            <p:childTnLst>
-                              <p:par>
-                                <p:cTn id="13" presetID="1" presetClass="entr" presetSubtype="0" fill="hold" grpId="0" nodeType="clickEffect">
-                                  <p:stCondLst>
-                                    <p:cond delay="0"/>
-                                  </p:stCondLst>
-                                  <p:childTnLst>
-                                    <p:set>
-                                      <p:cBhvr>
-                                        <p:cTn id="14" dur="1" fill="hold">
-                                          <p:stCondLst>
-                                            <p:cond delay="0"/>
-                                          </p:stCondLst>
-                                        </p:cTn>
-                                        <p:tgtEl>
-                                          <p:spTgt spid="3">
-                                            <p:txEl>
-                                              <p:pRg st="3" end="3"/>
-                                            </p:txEl>
-                                          </p:spTgt>
-                                        </p:tgtEl>
-                                        <p:attrNameLst>
-                                          <p:attrName>style.visibility</p:attrName>
-                                        </p:attrNameLst>
-                                      </p:cBhvr>
-                                      <p:to>
-                                        <p:strVal val="visible"/>
-                                      </p:to>
-                                    </p:set>
-                                  </p:childTnLst>
-                                </p:cTn>
-                              </p:par>
-                            </p:childTnLst>
-                          </p:cTn>
-                        </p:par>
-                        <p:par>
-                          <p:cTn id="15" fill="hold">
-                            <p:stCondLst>
-                              <p:cond delay="0"/>
-                            </p:stCondLst>
-                            <p:childTnLst>
-                              <p:par>
-                                <p:cTn id="16" presetID="1" presetClass="entr" presetSubtype="0" fill="hold" nodeType="afterEffect">
-                                  <p:stCondLst>
-                                    <p:cond delay="0"/>
-                                  </p:stCondLst>
-                                  <p:childTnLst>
-                                    <p:set>
-                                      <p:cBhvr>
-                                        <p:cTn id="17" dur="1" fill="hold">
-                                          <p:stCondLst>
-                                            <p:cond delay="0"/>
-                                          </p:stCondLst>
-                                        </p:cTn>
-                                        <p:tgtEl>
-                                          <p:spTgt spid="4"/>
-                                        </p:tgtEl>
-                                        <p:attrNameLst>
-                                          <p:attrName>style.visibility</p:attrName>
-                                        </p:attrNameLst>
-                                      </p:cBhvr>
-                                      <p:to>
-                                        <p:strVal val="visible"/>
-                                      </p:to>
-                                    </p:set>
-                                  </p:childTnLst>
-                                </p:cTn>
-                              </p:par>
-                            </p:childTnLst>
-                          </p:cTn>
-                        </p:par>
-                      </p:childTnLst>
-                    </p:cTn>
-                  </p:par>
-                </p:childTnLst>
-              </p:cTn>
-              <p:prevCondLst>
-                <p:cond evt="onPrev" delay="0">
-                  <p:tgtEl>
-                    <p:sldTgt/>
-                  </p:tgtEl>
-                </p:cond>
-              </p:prevCondLst>
-              <p:nextCondLst>
-                <p:cond evt="onNext" delay="0">
-                  <p:tgtEl>
-                    <p:sldTgt/>
-                  </p:tgtEl>
-                </p:cond>
-              </p:nextCondLst>
-            </p:seq>
-          </p:childTnLst>
-        </p:cTn>
+        <p:cTn id="1" dur="indefinite" restart="never" nodeType="tmRoot"/>
       </p:par>
     </p:tnLst>
-    <p:bldLst>
-      <p:bldP spid="3" grpId="0" uiExpand="1" build="p"/>
-    </p:bldLst>
   </p:timing>
 </p:sld>
 </file>
@@ -23653,6 +23717,201 @@
           <a:p>
             <a:r>
               <a:rPr lang="en-US" dirty="0" smtClean="0"/>
+              <a:t>Bundling up the node style code</a:t>
+            </a:r>
+            <a:endParaRPr lang="en-US" dirty="0"/>
+          </a:p>
+        </p:txBody>
+      </p:sp>
+      <p:sp>
+        <p:nvSpPr>
+          <p:cNvPr id="3" name="Content Placeholder 2"/>
+          <p:cNvSpPr>
+            <a:spLocks noGrp="1"/>
+          </p:cNvSpPr>
+          <p:nvPr>
+            <p:ph idx="1"/>
+          </p:nvPr>
+        </p:nvSpPr>
+        <p:spPr/>
+        <p:txBody>
+          <a:bodyPr/>
+          <a:lstStyle/>
+          <a:p>
+            <a:r>
+              <a:rPr lang="en-US" dirty="0">
+                <a:hlinkClick r:id="rId3"/>
+              </a:rPr>
+              <a:t>http://browserify.org/</a:t>
+            </a:r>
+            <a:endParaRPr lang="en-US" dirty="0"/>
+          </a:p>
+        </p:txBody>
+      </p:sp>
+      <p:sp>
+        <p:nvSpPr>
+          <p:cNvPr id="5" name="Footer Placeholder 4"/>
+          <p:cNvSpPr>
+            <a:spLocks noGrp="1"/>
+          </p:cNvSpPr>
+          <p:nvPr>
+            <p:ph type="ftr" sz="quarter" idx="11"/>
+          </p:nvPr>
+        </p:nvSpPr>
+        <p:spPr/>
+        <p:txBody>
+          <a:bodyPr/>
+          <a:lstStyle/>
+          <a:p>
+            <a:r>
+              <a:rPr lang="en-US" dirty="0" err="1" smtClean="0"/>
+              <a:t>Browserify</a:t>
+            </a:r>
+            <a:r>
+              <a:rPr lang="en-US" dirty="0" smtClean="0"/>
+              <a:t> Library</a:t>
+            </a:r>
+            <a:endParaRPr lang="en-US" dirty="0"/>
+          </a:p>
+        </p:txBody>
+      </p:sp>
+      <p:sp>
+        <p:nvSpPr>
+          <p:cNvPr id="6" name="Slide Number Placeholder 5"/>
+          <p:cNvSpPr>
+            <a:spLocks noGrp="1"/>
+          </p:cNvSpPr>
+          <p:nvPr>
+            <p:ph type="sldNum" sz="quarter" idx="12"/>
+          </p:nvPr>
+        </p:nvSpPr>
+        <p:spPr/>
+        <p:txBody>
+          <a:bodyPr/>
+          <a:lstStyle/>
+          <a:p>
+            <a:fld id="{B777A91B-BF1B-4ECE-B89B-72F2144CF226}" type="slidenum">
+              <a:rPr lang="en-US" smtClean="0"/>
+              <a:t>30</a:t>
+            </a:fld>
+            <a:endParaRPr lang="en-US"/>
+          </a:p>
+        </p:txBody>
+      </p:sp>
+      <p:pic>
+        <p:nvPicPr>
+          <p:cNvPr id="7" name="Picture 6"/>
+          <p:cNvPicPr>
+            <a:picLocks noChangeAspect="1"/>
+          </p:cNvPicPr>
+          <p:nvPr/>
+        </p:nvPicPr>
+        <p:blipFill>
+          <a:blip r:embed="rId4">
+            <a:extLst>
+              <a:ext uri="{28A0092B-C50C-407E-A947-70E740481C1C}">
+                <a14:useLocalDpi xmlns:a14="http://schemas.microsoft.com/office/drawing/2010/main" val="0"/>
+              </a:ext>
+            </a:extLst>
+          </a:blip>
+          <a:stretch>
+            <a:fillRect/>
+          </a:stretch>
+        </p:blipFill>
+        <p:spPr>
+          <a:xfrm>
+            <a:off x="157162" y="84137"/>
+            <a:ext cx="1362075" cy="561975"/>
+          </a:xfrm>
+          <a:prstGeom prst="rect">
+            <a:avLst/>
+          </a:prstGeom>
+        </p:spPr>
+      </p:pic>
+      <p:pic>
+        <p:nvPicPr>
+          <p:cNvPr id="8" name="Picture 7"/>
+          <p:cNvPicPr>
+            <a:picLocks noChangeAspect="1"/>
+          </p:cNvPicPr>
+          <p:nvPr/>
+        </p:nvPicPr>
+        <p:blipFill>
+          <a:blip r:embed="rId5">
+            <a:extLst>
+              <a:ext uri="{28A0092B-C50C-407E-A947-70E740481C1C}">
+                <a14:useLocalDpi xmlns:a14="http://schemas.microsoft.com/office/drawing/2010/main" val="0"/>
+              </a:ext>
+            </a:extLst>
+          </a:blip>
+          <a:stretch>
+            <a:fillRect/>
+          </a:stretch>
+        </p:blipFill>
+        <p:spPr>
+          <a:xfrm>
+            <a:off x="2282142" y="2381818"/>
+            <a:ext cx="7125694" cy="3238952"/>
+          </a:xfrm>
+          <a:prstGeom prst="rect">
+            <a:avLst/>
+          </a:prstGeom>
+        </p:spPr>
+      </p:pic>
+    </p:spTree>
+    <p:extLst>
+      <p:ext uri="{BB962C8B-B14F-4D97-AF65-F5344CB8AC3E}">
+        <p14:creationId xmlns:p14="http://schemas.microsoft.com/office/powerpoint/2010/main" val="4282012227"/>
+      </p:ext>
+    </p:extLst>
+  </p:cSld>
+  <p:clrMapOvr>
+    <a:masterClrMapping/>
+  </p:clrMapOvr>
+  <p:timing>
+    <p:tnLst>
+      <p:par>
+        <p:cTn id="1" dur="indefinite" restart="never" nodeType="tmRoot"/>
+      </p:par>
+    </p:tnLst>
+  </p:timing>
+</p:sld>
+</file>
+
+<file path=ppt/slides/slide31.xml><?xml version="1.0" encoding="utf-8"?>
+<p:sld xmlns:a="http://schemas.openxmlformats.org/drawingml/2006/main" xmlns:r="http://schemas.openxmlformats.org/officeDocument/2006/relationships" xmlns:p="http://schemas.openxmlformats.org/presentationml/2006/main">
+  <p:cSld>
+    <p:spTree>
+      <p:nvGrpSpPr>
+        <p:cNvPr id="1" name=""/>
+        <p:cNvGrpSpPr/>
+        <p:nvPr/>
+      </p:nvGrpSpPr>
+      <p:grpSpPr>
+        <a:xfrm>
+          <a:off x="0" y="0"/>
+          <a:ext cx="0" cy="0"/>
+          <a:chOff x="0" y="0"/>
+          <a:chExt cx="0" cy="0"/>
+        </a:xfrm>
+      </p:grpSpPr>
+      <p:sp>
+        <p:nvSpPr>
+          <p:cNvPr id="2" name="Title 1"/>
+          <p:cNvSpPr>
+            <a:spLocks noGrp="1"/>
+          </p:cNvSpPr>
+          <p:nvPr>
+            <p:ph type="title"/>
+          </p:nvPr>
+        </p:nvSpPr>
+        <p:spPr/>
+        <p:txBody>
+          <a:bodyPr/>
+          <a:lstStyle/>
+          <a:p>
+            <a:r>
+              <a:rPr lang="en-US" dirty="0" smtClean="0"/>
               <a:t>Build and Run</a:t>
             </a:r>
             <a:endParaRPr lang="en-US" dirty="0"/>
@@ -23706,7 +23965,7 @@
           <a:p>
             <a:fld id="{B777A91B-BF1B-4ECE-B89B-72F2144CF226}" type="slidenum">
               <a:rPr lang="en-US" smtClean="0"/>
-              <a:t>30</a:t>
+              <a:t>31</a:t>
             </a:fld>
             <a:endParaRPr lang="en-US"/>
           </a:p>
@@ -24002,7 +24261,7 @@
 </p:sld>
 </file>
 
-<file path=ppt/slides/slide31.xml><?xml version="1.0" encoding="utf-8"?>
+<file path=ppt/slides/slide32.xml><?xml version="1.0" encoding="utf-8"?>
 <p:sld xmlns:a="http://schemas.openxmlformats.org/drawingml/2006/main" xmlns:r="http://schemas.openxmlformats.org/officeDocument/2006/relationships" xmlns:p="http://schemas.openxmlformats.org/presentationml/2006/main">
   <p:cSld>
     <p:spTree>
@@ -24085,7 +24344,7 @@
           <a:p>
             <a:fld id="{B777A91B-BF1B-4ECE-B89B-72F2144CF226}" type="slidenum">
               <a:rPr lang="en-US" smtClean="0"/>
-              <a:t>31</a:t>
+              <a:t>32</a:t>
             </a:fld>
             <a:endParaRPr lang="en-US"/>
           </a:p>
@@ -24200,7 +24459,7 @@
 </p:sld>
 </file>
 
-<file path=ppt/slides/slide32.xml><?xml version="1.0" encoding="utf-8"?>
+<file path=ppt/slides/slide33.xml><?xml version="1.0" encoding="utf-8"?>
 <p:sld xmlns:a="http://schemas.openxmlformats.org/drawingml/2006/main" xmlns:r="http://schemas.openxmlformats.org/officeDocument/2006/relationships" xmlns:p="http://schemas.openxmlformats.org/presentationml/2006/main">
   <p:cSld>
     <p:spTree>
@@ -24287,7 +24546,7 @@
           <a:p>
             <a:fld id="{B777A91B-BF1B-4ECE-B89B-72F2144CF226}" type="slidenum">
               <a:rPr lang="en-US" smtClean="0"/>
-              <a:t>32</a:t>
+              <a:t>33</a:t>
             </a:fld>
             <a:endParaRPr lang="en-US"/>
           </a:p>
@@ -24545,7 +24804,7 @@
 </p:sld>
 </file>
 
-<file path=ppt/slides/slide33.xml><?xml version="1.0" encoding="utf-8"?>
+<file path=ppt/slides/slide34.xml><?xml version="1.0" encoding="utf-8"?>
 <p:sld xmlns:a="http://schemas.openxmlformats.org/drawingml/2006/main" xmlns:r="http://schemas.openxmlformats.org/officeDocument/2006/relationships" xmlns:p="http://schemas.openxmlformats.org/presentationml/2006/main">
   <p:cSld>
     <p:spTree>
@@ -24632,7 +24891,7 @@
           <a:p>
             <a:fld id="{B777A91B-BF1B-4ECE-B89B-72F2144CF226}" type="slidenum">
               <a:rPr lang="en-US" smtClean="0"/>
-              <a:t>33</a:t>
+              <a:t>34</a:t>
             </a:fld>
             <a:endParaRPr lang="en-US"/>
           </a:p>
@@ -24815,7 +25074,7 @@
 </p:sld>
 </file>
 
-<file path=ppt/slides/slide34.xml><?xml version="1.0" encoding="utf-8"?>
+<file path=ppt/slides/slide35.xml><?xml version="1.0" encoding="utf-8"?>
 <p:sld xmlns:a="http://schemas.openxmlformats.org/drawingml/2006/main" xmlns:r="http://schemas.openxmlformats.org/officeDocument/2006/relationships" xmlns:p="http://schemas.openxmlformats.org/presentationml/2006/main">
   <p:cSld>
     <p:spTree>
@@ -24902,7 +25161,7 @@
           <a:p>
             <a:fld id="{B777A91B-BF1B-4ECE-B89B-72F2144CF226}" type="slidenum">
               <a:rPr lang="en-US" smtClean="0"/>
-              <a:t>34</a:t>
+              <a:t>35</a:t>
             </a:fld>
             <a:endParaRPr lang="en-US"/>
           </a:p>
@@ -25085,7 +25344,7 @@
 </p:sld>
 </file>
 
-<file path=ppt/slides/slide35.xml><?xml version="1.0" encoding="utf-8"?>
+<file path=ppt/slides/slide36.xml><?xml version="1.0" encoding="utf-8"?>
 <p:sld xmlns:a="http://schemas.openxmlformats.org/drawingml/2006/main" xmlns:r="http://schemas.openxmlformats.org/officeDocument/2006/relationships" xmlns:p="http://schemas.openxmlformats.org/presentationml/2006/main">
   <p:cSld>
     <p:spTree>
@@ -25253,7 +25512,7 @@
           <a:p>
             <a:fld id="{B777A91B-BF1B-4ECE-B89B-72F2144CF226}" type="slidenum">
               <a:rPr lang="en-US" smtClean="0"/>
-              <a:t>35</a:t>
+              <a:t>36</a:t>
             </a:fld>
             <a:endParaRPr lang="en-US"/>
           </a:p>
@@ -25309,7 +25568,7 @@
 </p:sld>
 </file>
 
-<file path=ppt/slides/slide36.xml><?xml version="1.0" encoding="utf-8"?>
+<file path=ppt/slides/slide37.xml><?xml version="1.0" encoding="utf-8"?>
 <p:sld xmlns:a="http://schemas.openxmlformats.org/drawingml/2006/main" xmlns:r="http://schemas.openxmlformats.org/officeDocument/2006/relationships" xmlns:p="http://schemas.openxmlformats.org/presentationml/2006/main">
   <p:cSld>
     <p:spTree>
@@ -25457,7 +25716,7 @@
           <a:p>
             <a:fld id="{B777A91B-BF1B-4ECE-B89B-72F2144CF226}" type="slidenum">
               <a:rPr lang="en-US" smtClean="0"/>
-              <a:t>36</a:t>
+              <a:t>37</a:t>
             </a:fld>
             <a:endParaRPr lang="en-US"/>
           </a:p>
@@ -25735,7 +25994,7 @@
 </p:sld>
 </file>
 
-<file path=ppt/slides/slide37.xml><?xml version="1.0" encoding="utf-8"?>
+<file path=ppt/slides/slide38.xml><?xml version="1.0" encoding="utf-8"?>
 <p:sld xmlns:a="http://schemas.openxmlformats.org/drawingml/2006/main" xmlns:r="http://schemas.openxmlformats.org/officeDocument/2006/relationships" xmlns:p="http://schemas.openxmlformats.org/presentationml/2006/main">
   <p:cSld>
     <p:spTree>
@@ -25893,7 +26152,7 @@
           <a:p>
             <a:fld id="{B777A91B-BF1B-4ECE-B89B-72F2144CF226}" type="slidenum">
               <a:rPr lang="en-US" smtClean="0"/>
-              <a:t>37</a:t>
+              <a:t>38</a:t>
             </a:fld>
             <a:endParaRPr lang="en-US"/>
           </a:p>
@@ -26065,7 +26324,7 @@
 </p:sld>
 </file>
 
-<file path=ppt/slides/slide38.xml><?xml version="1.0" encoding="utf-8"?>
+<file path=ppt/slides/slide39.xml><?xml version="1.0" encoding="utf-8"?>
 <p:sld xmlns:a="http://schemas.openxmlformats.org/drawingml/2006/main" xmlns:r="http://schemas.openxmlformats.org/officeDocument/2006/relationships" xmlns:p="http://schemas.openxmlformats.org/presentationml/2006/main">
   <p:cSld>
     <p:spTree>
@@ -26121,7 +26380,7 @@
           <a:p>
             <a:fld id="{B777A91B-BF1B-4ECE-B89B-72F2144CF226}" type="slidenum">
               <a:rPr lang="en-US" smtClean="0"/>
-              <a:t>38</a:t>
+              <a:t>39</a:t>
             </a:fld>
             <a:endParaRPr lang="en-US"/>
           </a:p>
@@ -26291,7 +26550,7 @@
 </p:sld>
 </file>
 
-<file path=ppt/slides/slide39.xml><?xml version="1.0" encoding="utf-8"?>
+<file path=ppt/slides/slide4.xml><?xml version="1.0" encoding="utf-8"?>
 <p:sld xmlns:a="http://schemas.openxmlformats.org/drawingml/2006/main" xmlns:r="http://schemas.openxmlformats.org/officeDocument/2006/relationships" xmlns:p="http://schemas.openxmlformats.org/presentationml/2006/main">
   <p:cSld>
     <p:spTree>
@@ -26324,6 +26583,198 @@
           <a:lstStyle/>
           <a:p>
             <a:r>
+              <a:rPr lang="en-US" dirty="0" smtClean="0"/>
+              <a:t>Problem with Two-way binding</a:t>
+            </a:r>
+            <a:endParaRPr lang="en-US" dirty="0"/>
+          </a:p>
+        </p:txBody>
+      </p:sp>
+      <p:sp>
+        <p:nvSpPr>
+          <p:cNvPr id="5" name="TextBox 4"/>
+          <p:cNvSpPr txBox="1"/>
+          <p:nvPr/>
+        </p:nvSpPr>
+        <p:spPr>
+          <a:xfrm>
+            <a:off x="1828800" y="4168588"/>
+            <a:ext cx="184731" cy="369332"/>
+          </a:xfrm>
+          <a:prstGeom prst="rect">
+            <a:avLst/>
+          </a:prstGeom>
+          <a:noFill/>
+        </p:spPr>
+        <p:txBody>
+          <a:bodyPr wrap="none" rtlCol="0">
+            <a:spAutoFit/>
+          </a:bodyPr>
+          <a:lstStyle/>
+          <a:p>
+            <a:endParaRPr lang="en-US" dirty="0"/>
+          </a:p>
+        </p:txBody>
+      </p:sp>
+      <p:pic>
+        <p:nvPicPr>
+          <p:cNvPr id="6" name="Picture 5"/>
+          <p:cNvPicPr>
+            <a:picLocks noChangeAspect="1"/>
+          </p:cNvPicPr>
+          <p:nvPr/>
+        </p:nvPicPr>
+        <p:blipFill>
+          <a:blip r:embed="rId3">
+            <a:extLst>
+              <a:ext uri="{28A0092B-C50C-407E-A947-70E740481C1C}">
+                <a14:useLocalDpi xmlns:a14="http://schemas.microsoft.com/office/drawing/2010/main" val="0"/>
+              </a:ext>
+            </a:extLst>
+          </a:blip>
+          <a:stretch>
+            <a:fillRect/>
+          </a:stretch>
+        </p:blipFill>
+        <p:spPr>
+          <a:xfrm>
+            <a:off x="1519237" y="1870075"/>
+            <a:ext cx="8262633" cy="4306888"/>
+          </a:xfrm>
+          <a:prstGeom prst="rect">
+            <a:avLst/>
+          </a:prstGeom>
+        </p:spPr>
+      </p:pic>
+      <p:sp>
+        <p:nvSpPr>
+          <p:cNvPr id="7" name="Slide Number Placeholder 6"/>
+          <p:cNvSpPr>
+            <a:spLocks noGrp="1"/>
+          </p:cNvSpPr>
+          <p:nvPr>
+            <p:ph type="sldNum" sz="quarter" idx="12"/>
+          </p:nvPr>
+        </p:nvSpPr>
+        <p:spPr/>
+        <p:txBody>
+          <a:bodyPr/>
+          <a:lstStyle/>
+          <a:p>
+            <a:fld id="{B777A91B-BF1B-4ECE-B89B-72F2144CF226}" type="slidenum">
+              <a:rPr lang="en-US" smtClean="0"/>
+              <a:t>4</a:t>
+            </a:fld>
+            <a:endParaRPr lang="en-US"/>
+          </a:p>
+        </p:txBody>
+      </p:sp>
+      <p:pic>
+        <p:nvPicPr>
+          <p:cNvPr id="8" name="Picture 7"/>
+          <p:cNvPicPr>
+            <a:picLocks noChangeAspect="1"/>
+          </p:cNvPicPr>
+          <p:nvPr/>
+        </p:nvPicPr>
+        <p:blipFill>
+          <a:blip r:embed="rId4">
+            <a:extLst>
+              <a:ext uri="{28A0092B-C50C-407E-A947-70E740481C1C}">
+                <a14:useLocalDpi xmlns:a14="http://schemas.microsoft.com/office/drawing/2010/main" val="0"/>
+              </a:ext>
+            </a:extLst>
+          </a:blip>
+          <a:stretch>
+            <a:fillRect/>
+          </a:stretch>
+        </p:blipFill>
+        <p:spPr>
+          <a:xfrm>
+            <a:off x="157162" y="84137"/>
+            <a:ext cx="1362075" cy="561975"/>
+          </a:xfrm>
+          <a:prstGeom prst="rect">
+            <a:avLst/>
+          </a:prstGeom>
+        </p:spPr>
+      </p:pic>
+      <p:sp>
+        <p:nvSpPr>
+          <p:cNvPr id="9" name="Footer Placeholder 8"/>
+          <p:cNvSpPr>
+            <a:spLocks noGrp="1"/>
+          </p:cNvSpPr>
+          <p:nvPr>
+            <p:ph type="ftr" sz="quarter" idx="11"/>
+          </p:nvPr>
+        </p:nvSpPr>
+        <p:spPr/>
+        <p:txBody>
+          <a:bodyPr/>
+          <a:lstStyle/>
+          <a:p>
+            <a:r>
+              <a:rPr lang="en-US" dirty="0" smtClean="0"/>
+              <a:t>Understanding Flux</a:t>
+            </a:r>
+            <a:endParaRPr lang="en-US" dirty="0"/>
+          </a:p>
+        </p:txBody>
+      </p:sp>
+    </p:spTree>
+    <p:extLst>
+      <p:ext uri="{BB962C8B-B14F-4D97-AF65-F5344CB8AC3E}">
+        <p14:creationId xmlns:p14="http://schemas.microsoft.com/office/powerpoint/2010/main" val="2718338151"/>
+      </p:ext>
+    </p:extLst>
+  </p:cSld>
+  <p:clrMapOvr>
+    <a:masterClrMapping/>
+  </p:clrMapOvr>
+  <p:timing>
+    <p:tnLst>
+      <p:par>
+        <p:cTn id="1" dur="indefinite" restart="never" nodeType="tmRoot"/>
+      </p:par>
+    </p:tnLst>
+  </p:timing>
+</p:sld>
+</file>
+
+<file path=ppt/slides/slide40.xml><?xml version="1.0" encoding="utf-8"?>
+<p:sld xmlns:a="http://schemas.openxmlformats.org/drawingml/2006/main" xmlns:r="http://schemas.openxmlformats.org/officeDocument/2006/relationships" xmlns:p="http://schemas.openxmlformats.org/presentationml/2006/main">
+  <p:cSld>
+    <p:spTree>
+      <p:nvGrpSpPr>
+        <p:cNvPr id="1" name=""/>
+        <p:cNvGrpSpPr/>
+        <p:nvPr/>
+      </p:nvGrpSpPr>
+      <p:grpSpPr>
+        <a:xfrm>
+          <a:off x="0" y="0"/>
+          <a:ext cx="0" cy="0"/>
+          <a:chOff x="0" y="0"/>
+          <a:chExt cx="0" cy="0"/>
+        </a:xfrm>
+      </p:grpSpPr>
+      <p:sp>
+        <p:nvSpPr>
+          <p:cNvPr id="2" name="Title 1"/>
+          <p:cNvSpPr>
+            <a:spLocks noGrp="1"/>
+          </p:cNvSpPr>
+          <p:nvPr>
+            <p:ph type="title"/>
+          </p:nvPr>
+        </p:nvSpPr>
+        <p:spPr/>
+        <p:txBody>
+          <a:bodyPr/>
+          <a:lstStyle/>
+          <a:p>
+            <a:r>
               <a:rPr lang="en-US" dirty="0"/>
               <a:t>Jest Directory </a:t>
             </a:r>
@@ -26408,7 +26859,7 @@
           <a:p>
             <a:fld id="{B777A91B-BF1B-4ECE-B89B-72F2144CF226}" type="slidenum">
               <a:rPr lang="en-US" smtClean="0"/>
-              <a:t>39</a:t>
+              <a:t>40</a:t>
             </a:fld>
             <a:endParaRPr lang="en-US"/>
           </a:p>
@@ -26494,199 +26945,7 @@
 </p:sld>
 </file>
 
-<file path=ppt/slides/slide4.xml><?xml version="1.0" encoding="utf-8"?>
-<p:sld xmlns:a="http://schemas.openxmlformats.org/drawingml/2006/main" xmlns:r="http://schemas.openxmlformats.org/officeDocument/2006/relationships" xmlns:p="http://schemas.openxmlformats.org/presentationml/2006/main">
-  <p:cSld>
-    <p:spTree>
-      <p:nvGrpSpPr>
-        <p:cNvPr id="1" name=""/>
-        <p:cNvGrpSpPr/>
-        <p:nvPr/>
-      </p:nvGrpSpPr>
-      <p:grpSpPr>
-        <a:xfrm>
-          <a:off x="0" y="0"/>
-          <a:ext cx="0" cy="0"/>
-          <a:chOff x="0" y="0"/>
-          <a:chExt cx="0" cy="0"/>
-        </a:xfrm>
-      </p:grpSpPr>
-      <p:sp>
-        <p:nvSpPr>
-          <p:cNvPr id="2" name="Title 1"/>
-          <p:cNvSpPr>
-            <a:spLocks noGrp="1"/>
-          </p:cNvSpPr>
-          <p:nvPr>
-            <p:ph type="title"/>
-          </p:nvPr>
-        </p:nvSpPr>
-        <p:spPr/>
-        <p:txBody>
-          <a:bodyPr/>
-          <a:lstStyle/>
-          <a:p>
-            <a:r>
-              <a:rPr lang="en-US" dirty="0" smtClean="0"/>
-              <a:t>Problem with Two-way binding</a:t>
-            </a:r>
-            <a:endParaRPr lang="en-US" dirty="0"/>
-          </a:p>
-        </p:txBody>
-      </p:sp>
-      <p:sp>
-        <p:nvSpPr>
-          <p:cNvPr id="5" name="TextBox 4"/>
-          <p:cNvSpPr txBox="1"/>
-          <p:nvPr/>
-        </p:nvSpPr>
-        <p:spPr>
-          <a:xfrm>
-            <a:off x="1828800" y="4168588"/>
-            <a:ext cx="184731" cy="369332"/>
-          </a:xfrm>
-          <a:prstGeom prst="rect">
-            <a:avLst/>
-          </a:prstGeom>
-          <a:noFill/>
-        </p:spPr>
-        <p:txBody>
-          <a:bodyPr wrap="none" rtlCol="0">
-            <a:spAutoFit/>
-          </a:bodyPr>
-          <a:lstStyle/>
-          <a:p>
-            <a:endParaRPr lang="en-US" dirty="0"/>
-          </a:p>
-        </p:txBody>
-      </p:sp>
-      <p:pic>
-        <p:nvPicPr>
-          <p:cNvPr id="6" name="Picture 5"/>
-          <p:cNvPicPr>
-            <a:picLocks noChangeAspect="1"/>
-          </p:cNvPicPr>
-          <p:nvPr/>
-        </p:nvPicPr>
-        <p:blipFill>
-          <a:blip r:embed="rId3">
-            <a:extLst>
-              <a:ext uri="{28A0092B-C50C-407E-A947-70E740481C1C}">
-                <a14:useLocalDpi xmlns:a14="http://schemas.microsoft.com/office/drawing/2010/main" val="0"/>
-              </a:ext>
-            </a:extLst>
-          </a:blip>
-          <a:stretch>
-            <a:fillRect/>
-          </a:stretch>
-        </p:blipFill>
-        <p:spPr>
-          <a:xfrm>
-            <a:off x="1519237" y="1870075"/>
-            <a:ext cx="8262633" cy="4306888"/>
-          </a:xfrm>
-          <a:prstGeom prst="rect">
-            <a:avLst/>
-          </a:prstGeom>
-        </p:spPr>
-      </p:pic>
-      <p:sp>
-        <p:nvSpPr>
-          <p:cNvPr id="7" name="Slide Number Placeholder 6"/>
-          <p:cNvSpPr>
-            <a:spLocks noGrp="1"/>
-          </p:cNvSpPr>
-          <p:nvPr>
-            <p:ph type="sldNum" sz="quarter" idx="12"/>
-          </p:nvPr>
-        </p:nvSpPr>
-        <p:spPr/>
-        <p:txBody>
-          <a:bodyPr/>
-          <a:lstStyle/>
-          <a:p>
-            <a:fld id="{B777A91B-BF1B-4ECE-B89B-72F2144CF226}" type="slidenum">
-              <a:rPr lang="en-US" smtClean="0"/>
-              <a:t>4</a:t>
-            </a:fld>
-            <a:endParaRPr lang="en-US"/>
-          </a:p>
-        </p:txBody>
-      </p:sp>
-      <p:pic>
-        <p:nvPicPr>
-          <p:cNvPr id="8" name="Picture 7"/>
-          <p:cNvPicPr>
-            <a:picLocks noChangeAspect="1"/>
-          </p:cNvPicPr>
-          <p:nvPr/>
-        </p:nvPicPr>
-        <p:blipFill>
-          <a:blip r:embed="rId4">
-            <a:extLst>
-              <a:ext uri="{28A0092B-C50C-407E-A947-70E740481C1C}">
-                <a14:useLocalDpi xmlns:a14="http://schemas.microsoft.com/office/drawing/2010/main" val="0"/>
-              </a:ext>
-            </a:extLst>
-          </a:blip>
-          <a:stretch>
-            <a:fillRect/>
-          </a:stretch>
-        </p:blipFill>
-        <p:spPr>
-          <a:xfrm>
-            <a:off x="157162" y="84137"/>
-            <a:ext cx="1362075" cy="561975"/>
-          </a:xfrm>
-          <a:prstGeom prst="rect">
-            <a:avLst/>
-          </a:prstGeom>
-        </p:spPr>
-      </p:pic>
-      <p:sp>
-        <p:nvSpPr>
-          <p:cNvPr id="9" name="Footer Placeholder 8"/>
-          <p:cNvSpPr>
-            <a:spLocks noGrp="1"/>
-          </p:cNvSpPr>
-          <p:nvPr>
-            <p:ph type="ftr" sz="quarter" idx="11"/>
-          </p:nvPr>
-        </p:nvSpPr>
-        <p:spPr/>
-        <p:txBody>
-          <a:bodyPr/>
-          <a:lstStyle/>
-          <a:p>
-            <a:r>
-              <a:rPr lang="en-US" dirty="0" smtClean="0"/>
-              <a:t>Understanding Flux</a:t>
-            </a:r>
-            <a:endParaRPr lang="en-US" dirty="0"/>
-          </a:p>
-        </p:txBody>
-      </p:sp>
-    </p:spTree>
-    <p:extLst>
-      <p:ext uri="{BB962C8B-B14F-4D97-AF65-F5344CB8AC3E}">
-        <p14:creationId xmlns:p14="http://schemas.microsoft.com/office/powerpoint/2010/main" val="2718338151"/>
-      </p:ext>
-    </p:extLst>
-  </p:cSld>
-  <p:clrMapOvr>
-    <a:masterClrMapping/>
-  </p:clrMapOvr>
-  <p:timing>
-    <p:tnLst>
-      <p:par>
-        <p:cTn id="1" dur="indefinite" restart="never" nodeType="tmRoot"/>
-      </p:par>
-    </p:tnLst>
-  </p:timing>
-</p:sld>
-</file>
-
-<file path=ppt/slides/slide40.xml><?xml version="1.0" encoding="utf-8"?>
+<file path=ppt/slides/slide41.xml><?xml version="1.0" encoding="utf-8"?>
 <p:sld xmlns:a="http://schemas.openxmlformats.org/drawingml/2006/main" xmlns:r="http://schemas.openxmlformats.org/officeDocument/2006/relationships" xmlns:p="http://schemas.openxmlformats.org/presentationml/2006/main">
   <p:cSld>
     <p:spTree>
@@ -26772,7 +27031,7 @@
           <a:p>
             <a:fld id="{B777A91B-BF1B-4ECE-B89B-72F2144CF226}" type="slidenum">
               <a:rPr lang="en-US" smtClean="0"/>
-              <a:t>40</a:t>
+              <a:t>41</a:t>
             </a:fld>
             <a:endParaRPr lang="en-US"/>
           </a:p>

--- a/React.pptx
+++ b/React.pptx
@@ -7,10 +7,10 @@
     <p:sldMasterId id="2147483707" r:id="rId3"/>
   </p:sldMasterIdLst>
   <p:notesMasterIdLst>
-    <p:notesMasterId r:id="rId45"/>
+    <p:notesMasterId r:id="rId46"/>
   </p:notesMasterIdLst>
   <p:handoutMasterIdLst>
-    <p:handoutMasterId r:id="rId46"/>
+    <p:handoutMasterId r:id="rId47"/>
   </p:handoutMasterIdLst>
   <p:sldIdLst>
     <p:sldId id="309" r:id="rId4"/>
@@ -53,7 +53,8 @@
     <p:sldId id="327" r:id="rId41"/>
     <p:sldId id="319" r:id="rId42"/>
     <p:sldId id="304" r:id="rId43"/>
-    <p:sldId id="311" r:id="rId44"/>
+    <p:sldId id="329" r:id="rId44"/>
+    <p:sldId id="311" r:id="rId45"/>
   </p:sldIdLst>
   <p:sldSz cx="12192000" cy="6858000"/>
   <p:notesSz cx="6858000" cy="9144000"/>
@@ -197,6 +198,7 @@
             <p14:sldId id="327"/>
             <p14:sldId id="319"/>
             <p14:sldId id="304"/>
+            <p14:sldId id="329"/>
             <p14:sldId id="311"/>
           </p14:sldIdLst>
         </p14:section>
@@ -1145,18 +1147,103 @@
           <a:bodyPr/>
           <a:lstStyle/>
           <a:p>
+            <a:r>
+              <a:rPr lang="en-US" dirty="0" smtClean="0"/>
+              <a:t>Virtual </a:t>
+            </a:r>
+            <a:r>
+              <a:rPr lang="en-US" dirty="0" err="1" smtClean="0"/>
+              <a:t>dom</a:t>
+            </a:r>
+            <a:r>
+              <a:rPr lang="en-US" dirty="0" smtClean="0"/>
+              <a:t> will make the new </a:t>
+            </a:r>
+            <a:r>
+              <a:rPr lang="en-US" dirty="0" err="1" smtClean="0"/>
+              <a:t>dom</a:t>
+            </a:r>
+            <a:r>
+              <a:rPr lang="en-US" dirty="0" smtClean="0"/>
+              <a:t> tree whenever</a:t>
+            </a:r>
+            <a:r>
+              <a:rPr lang="en-US" baseline="0" dirty="0" smtClean="0"/>
+              <a:t> there is a change in array</a:t>
+            </a:r>
+          </a:p>
+          <a:p>
+            <a:endParaRPr lang="en-US" baseline="0" dirty="0" smtClean="0"/>
+          </a:p>
+          <a:p>
+            <a:r>
+              <a:rPr lang="en-US" baseline="0" dirty="0" smtClean="0"/>
+              <a:t>And matches it with previous </a:t>
+            </a:r>
+            <a:r>
+              <a:rPr lang="en-US" baseline="0" dirty="0" err="1" smtClean="0"/>
+              <a:t>dom</a:t>
+            </a:r>
+            <a:r>
+              <a:rPr lang="en-US" baseline="0" dirty="0" smtClean="0"/>
+              <a:t> structure and calculate the difference</a:t>
+            </a:r>
+          </a:p>
+          <a:p>
+            <a:endParaRPr lang="en-US" baseline="0" dirty="0" smtClean="0"/>
+          </a:p>
+          <a:p>
+            <a:r>
+              <a:rPr lang="en-US" baseline="0" dirty="0" smtClean="0"/>
+              <a:t>So only the differenced </a:t>
+            </a:r>
+            <a:r>
+              <a:rPr lang="en-US" baseline="0" dirty="0" err="1" smtClean="0"/>
+              <a:t>dom</a:t>
+            </a:r>
+            <a:r>
+              <a:rPr lang="en-US" baseline="0" dirty="0" smtClean="0"/>
+              <a:t> would be flush to </a:t>
+            </a:r>
+            <a:r>
+              <a:rPr lang="en-US" baseline="0" dirty="0" err="1" smtClean="0"/>
+              <a:t>ui</a:t>
+            </a:r>
             <a:endParaRPr lang="en-US" dirty="0"/>
           </a:p>
         </p:txBody>
       </p:sp>
       <p:sp>
         <p:nvSpPr>
-          <p:cNvPr id="4" name="Slide Number Placeholder 3"/>
-          <p:cNvSpPr>
-            <a:spLocks noGrp="1"/>
-          </p:cNvSpPr>
-          <p:nvPr>
-            <p:ph type="sldNum" sz="quarter" idx="10"/>
+          <p:cNvPr id="4" name="Header Placeholder 3"/>
+          <p:cNvSpPr>
+            <a:spLocks noGrp="1"/>
+          </p:cNvSpPr>
+          <p:nvPr>
+            <p:ph type="hdr" sz="quarter" idx="10"/>
+          </p:nvPr>
+        </p:nvSpPr>
+        <p:spPr/>
+        <p:txBody>
+          <a:bodyPr/>
+          <a:lstStyle/>
+          <a:p>
+            <a:r>
+              <a:rPr lang="en-US" smtClean="0"/>
+              <a:t>TEST</a:t>
+            </a:r>
+            <a:endParaRPr lang="en-US"/>
+          </a:p>
+        </p:txBody>
+      </p:sp>
+      <p:sp>
+        <p:nvSpPr>
+          <p:cNvPr id="5" name="Slide Number Placeholder 4"/>
+          <p:cNvSpPr>
+            <a:spLocks noGrp="1"/>
+          </p:cNvSpPr>
+          <p:nvPr>
+            <p:ph type="sldNum" sz="quarter" idx="11"/>
           </p:nvPr>
         </p:nvSpPr>
         <p:spPr/>
@@ -1166,31 +1253,8 @@
           <a:p>
             <a:fld id="{B1206FEA-4AFC-4465-8ABD-ECC3D411179B}" type="slidenum">
               <a:rPr lang="en-US" smtClean="0"/>
-              <a:t>23</a:t>
+              <a:t>17</a:t>
             </a:fld>
-            <a:endParaRPr lang="en-US"/>
-          </a:p>
-        </p:txBody>
-      </p:sp>
-      <p:sp>
-        <p:nvSpPr>
-          <p:cNvPr id="5" name="Header Placeholder 4"/>
-          <p:cNvSpPr>
-            <a:spLocks noGrp="1"/>
-          </p:cNvSpPr>
-          <p:nvPr>
-            <p:ph type="hdr" sz="quarter" idx="11"/>
-          </p:nvPr>
-        </p:nvSpPr>
-        <p:spPr/>
-        <p:txBody>
-          <a:bodyPr/>
-          <a:lstStyle/>
-          <a:p>
-            <a:r>
-              <a:rPr lang="en-US" smtClean="0"/>
-              <a:t>TEST</a:t>
-            </a:r>
             <a:endParaRPr lang="en-US"/>
           </a:p>
         </p:txBody>
@@ -1198,7 +1262,7 @@
     </p:spTree>
     <p:extLst>
       <p:ext uri="{BB962C8B-B14F-4D97-AF65-F5344CB8AC3E}">
-        <p14:creationId xmlns:p14="http://schemas.microsoft.com/office/powerpoint/2010/main" val="4238810153"/>
+        <p14:creationId xmlns:p14="http://schemas.microsoft.com/office/powerpoint/2010/main" val="747900461"/>
       </p:ext>
     </p:extLst>
   </p:cSld>
@@ -1252,35 +1316,41 @@
           <a:bodyPr/>
           <a:lstStyle/>
           <a:p>
-            <a:r>
-              <a:rPr lang="en-US" dirty="0" smtClean="0"/>
-              <a:t>We have learned the React rendering enough so far.</a:t>
-            </a:r>
-          </a:p>
-          <a:p>
-            <a:r>
-              <a:rPr lang="en-US" dirty="0" smtClean="0"/>
-              <a:t>Lets use a react view in our app to render the </a:t>
-            </a:r>
-            <a:r>
-              <a:rPr lang="en-US" dirty="0" err="1" smtClean="0"/>
-              <a:t>todos</a:t>
-            </a:r>
-            <a:endParaRPr lang="en-US" dirty="0" smtClean="0"/>
-          </a:p>
-          <a:p>
             <a:endParaRPr lang="en-US" dirty="0"/>
           </a:p>
         </p:txBody>
       </p:sp>
       <p:sp>
         <p:nvSpPr>
-          <p:cNvPr id="4" name="Header Placeholder 3"/>
-          <p:cNvSpPr>
-            <a:spLocks noGrp="1"/>
-          </p:cNvSpPr>
-          <p:nvPr>
-            <p:ph type="hdr" sz="quarter" idx="10"/>
+          <p:cNvPr id="4" name="Slide Number Placeholder 3"/>
+          <p:cNvSpPr>
+            <a:spLocks noGrp="1"/>
+          </p:cNvSpPr>
+          <p:nvPr>
+            <p:ph type="sldNum" sz="quarter" idx="10"/>
+          </p:nvPr>
+        </p:nvSpPr>
+        <p:spPr/>
+        <p:txBody>
+          <a:bodyPr/>
+          <a:lstStyle/>
+          <a:p>
+            <a:fld id="{B1206FEA-4AFC-4465-8ABD-ECC3D411179B}" type="slidenum">
+              <a:rPr lang="en-US" smtClean="0"/>
+              <a:t>23</a:t>
+            </a:fld>
+            <a:endParaRPr lang="en-US"/>
+          </a:p>
+        </p:txBody>
+      </p:sp>
+      <p:sp>
+        <p:nvSpPr>
+          <p:cNvPr id="5" name="Header Placeholder 4"/>
+          <p:cNvSpPr>
+            <a:spLocks noGrp="1"/>
+          </p:cNvSpPr>
+          <p:nvPr>
+            <p:ph type="hdr" sz="quarter" idx="11"/>
           </p:nvPr>
         </p:nvSpPr>
         <p:spPr/>
@@ -1292,29 +1362,6 @@
               <a:rPr lang="en-US" smtClean="0"/>
               <a:t>TEST</a:t>
             </a:r>
-            <a:endParaRPr lang="en-US"/>
-          </a:p>
-        </p:txBody>
-      </p:sp>
-      <p:sp>
-        <p:nvSpPr>
-          <p:cNvPr id="5" name="Slide Number Placeholder 4"/>
-          <p:cNvSpPr>
-            <a:spLocks noGrp="1"/>
-          </p:cNvSpPr>
-          <p:nvPr>
-            <p:ph type="sldNum" sz="quarter" idx="11"/>
-          </p:nvPr>
-        </p:nvSpPr>
-        <p:spPr/>
-        <p:txBody>
-          <a:bodyPr/>
-          <a:lstStyle/>
-          <a:p>
-            <a:fld id="{B1206FEA-4AFC-4465-8ABD-ECC3D411179B}" type="slidenum">
-              <a:rPr lang="en-US" smtClean="0"/>
-              <a:t>24</a:t>
-            </a:fld>
             <a:endParaRPr lang="en-US"/>
           </a:p>
         </p:txBody>
@@ -1322,7 +1369,7 @@
     </p:spTree>
     <p:extLst>
       <p:ext uri="{BB962C8B-B14F-4D97-AF65-F5344CB8AC3E}">
-        <p14:creationId xmlns:p14="http://schemas.microsoft.com/office/powerpoint/2010/main" val="3701715139"/>
+        <p14:creationId xmlns:p14="http://schemas.microsoft.com/office/powerpoint/2010/main" val="4238810153"/>
       </p:ext>
     </p:extLst>
   </p:cSld>
@@ -1376,58 +1423,23 @@
           <a:bodyPr/>
           <a:lstStyle/>
           <a:p>
+            <a:r>
+              <a:rPr lang="en-US" dirty="0" smtClean="0"/>
+              <a:t>We have learned the React rendering enough so far.</a:t>
+            </a:r>
+          </a:p>
+          <a:p>
+            <a:r>
+              <a:rPr lang="en-US" dirty="0" smtClean="0"/>
+              <a:t>Lets use a react view in our app to render the </a:t>
+            </a:r>
+            <a:r>
+              <a:rPr lang="en-US" dirty="0" err="1" smtClean="0"/>
+              <a:t>todos</a:t>
+            </a:r>
             <a:endParaRPr lang="en-US" dirty="0" smtClean="0"/>
           </a:p>
           <a:p>
-            <a:r>
-              <a:rPr lang="en-US" sz="1200" dirty="0" smtClean="0"/>
-              <a:t>We need to pass the alt store’s state data to the view.</a:t>
-            </a:r>
-          </a:p>
-          <a:p>
-            <a:endParaRPr lang="en-US" sz="1200" dirty="0" smtClean="0"/>
-          </a:p>
-          <a:p>
-            <a:r>
-              <a:rPr lang="en-US" sz="1200" dirty="0" smtClean="0"/>
-              <a:t>Alt provides a built-in components that binds an specific store to the specific view. This is known as Component Container</a:t>
-            </a:r>
-          </a:p>
-          <a:p>
-            <a:endParaRPr lang="en-US" dirty="0" smtClean="0"/>
-          </a:p>
-          <a:p>
-            <a:pPr marL="0" marR="0" indent="0" algn="l" defTabSz="914400" rtl="0" eaLnBrk="1" fontAlgn="auto" latinLnBrk="0" hangingPunct="1">
-              <a:lnSpc>
-                <a:spcPct val="100000"/>
-              </a:lnSpc>
-              <a:spcBef>
-                <a:spcPts val="0"/>
-              </a:spcBef>
-              <a:spcAft>
-                <a:spcPts val="0"/>
-              </a:spcAft>
-              <a:buClrTx/>
-              <a:buSzTx/>
-              <a:buFontTx/>
-              <a:buNone/>
-              <a:tabLst/>
-              <a:defRPr/>
-            </a:pPr>
-            <a:r>
-              <a:rPr lang="en-US" sz="1200" dirty="0" smtClean="0"/>
-              <a:t>This will actually pass the state data from the store to the view as a prop. Hence the Customer component can now access the state data from Customer Store </a:t>
-            </a:r>
-            <a:r>
-              <a:rPr lang="en-US" sz="1200" dirty="0" err="1" smtClean="0"/>
-              <a:t>i.e</a:t>
-            </a:r>
-            <a:r>
-              <a:rPr lang="en-US" sz="1200" dirty="0" smtClean="0"/>
-              <a:t> customers from its prop.</a:t>
-            </a:r>
-          </a:p>
-          <a:p>
             <a:endParaRPr lang="en-US" dirty="0"/>
           </a:p>
         </p:txBody>
@@ -1472,7 +1484,7 @@
           <a:p>
             <a:fld id="{B1206FEA-4AFC-4465-8ABD-ECC3D411179B}" type="slidenum">
               <a:rPr lang="en-US" smtClean="0"/>
-              <a:t>25</a:t>
+              <a:t>24</a:t>
             </a:fld>
             <a:endParaRPr lang="en-US"/>
           </a:p>
@@ -1481,7 +1493,7 @@
     </p:spTree>
     <p:extLst>
       <p:ext uri="{BB962C8B-B14F-4D97-AF65-F5344CB8AC3E}">
-        <p14:creationId xmlns:p14="http://schemas.microsoft.com/office/powerpoint/2010/main" val="2010599516"/>
+        <p14:creationId xmlns:p14="http://schemas.microsoft.com/office/powerpoint/2010/main" val="3701715139"/>
       </p:ext>
     </p:extLst>
   </p:cSld>
@@ -1535,6 +1547,27 @@
           <a:bodyPr/>
           <a:lstStyle/>
           <a:p>
+            <a:endParaRPr lang="en-US" dirty="0" smtClean="0"/>
+          </a:p>
+          <a:p>
+            <a:r>
+              <a:rPr lang="en-US" sz="1200" dirty="0" smtClean="0"/>
+              <a:t>We need to pass the alt store’s state data to the view.</a:t>
+            </a:r>
+          </a:p>
+          <a:p>
+            <a:endParaRPr lang="en-US" sz="1200" dirty="0" smtClean="0"/>
+          </a:p>
+          <a:p>
+            <a:r>
+              <a:rPr lang="en-US" sz="1200" dirty="0" smtClean="0"/>
+              <a:t>Alt provides a built-in components that binds an specific store to the specific view. This is known as Component Container</a:t>
+            </a:r>
+          </a:p>
+          <a:p>
+            <a:endParaRPr lang="en-US" dirty="0" smtClean="0"/>
+          </a:p>
+          <a:p>
             <a:pPr marL="0" marR="0" indent="0" algn="l" defTabSz="914400" rtl="0" eaLnBrk="1" fontAlgn="auto" latinLnBrk="0" hangingPunct="1">
               <a:lnSpc>
                 <a:spcPct val="100000"/>
@@ -1554,7 +1587,15 @@
             </a:pPr>
             <a:r>
               <a:rPr lang="en-US" sz="1200" dirty="0" smtClean="0"/>
-              <a:t>Use the following code in Todos.js of component directory</a:t>
+              <a:t>This will actually pass the state data from the store to the view as a prop. Hence the Customer component can now access the state data from Customer Store </a:t>
+            </a:r>
+            <a:r>
+              <a:rPr lang="en-US" sz="1200" dirty="0" err="1" smtClean="0"/>
+              <a:t>i.e</a:t>
+            </a:r>
+            <a:r>
+              <a:rPr lang="en-US" sz="1200" dirty="0" smtClean="0"/>
+              <a:t> customers from its prop.</a:t>
             </a:r>
           </a:p>
           <a:p>
@@ -1602,7 +1643,7 @@
           <a:p>
             <a:fld id="{B1206FEA-4AFC-4465-8ABD-ECC3D411179B}" type="slidenum">
               <a:rPr lang="en-US" smtClean="0"/>
-              <a:t>26</a:t>
+              <a:t>25</a:t>
             </a:fld>
             <a:endParaRPr lang="en-US"/>
           </a:p>
@@ -1611,7 +1652,7 @@
     </p:spTree>
     <p:extLst>
       <p:ext uri="{BB962C8B-B14F-4D97-AF65-F5344CB8AC3E}">
-        <p14:creationId xmlns:p14="http://schemas.microsoft.com/office/powerpoint/2010/main" val="1555669338"/>
+        <p14:creationId xmlns:p14="http://schemas.microsoft.com/office/powerpoint/2010/main" val="2010599516"/>
       </p:ext>
     </p:extLst>
   </p:cSld>
@@ -1732,7 +1773,7 @@
           <a:p>
             <a:fld id="{B1206FEA-4AFC-4465-8ABD-ECC3D411179B}" type="slidenum">
               <a:rPr lang="en-US" smtClean="0"/>
-              <a:t>27</a:t>
+              <a:t>26</a:t>
             </a:fld>
             <a:endParaRPr lang="en-US"/>
           </a:p>
@@ -1741,7 +1782,7 @@
     </p:spTree>
     <p:extLst>
       <p:ext uri="{BB962C8B-B14F-4D97-AF65-F5344CB8AC3E}">
-        <p14:creationId xmlns:p14="http://schemas.microsoft.com/office/powerpoint/2010/main" val="3944715601"/>
+        <p14:creationId xmlns:p14="http://schemas.microsoft.com/office/powerpoint/2010/main" val="1555669338"/>
       </p:ext>
     </p:extLst>
   </p:cSld>
@@ -1814,36 +1855,8 @@
             </a:pPr>
             <a:r>
               <a:rPr lang="en-US" sz="1200" dirty="0" smtClean="0"/>
-              <a:t>Use</a:t>
-            </a:r>
-            <a:r>
-              <a:rPr lang="en-US" sz="1200" baseline="0" dirty="0" smtClean="0"/>
-              <a:t> the code in index.html</a:t>
-            </a:r>
-          </a:p>
-          <a:p>
-            <a:pPr marL="0" marR="0" indent="0" algn="l" defTabSz="914400" rtl="0" eaLnBrk="1" fontAlgn="auto" latinLnBrk="0" hangingPunct="1">
-              <a:lnSpc>
-                <a:spcPct val="100000"/>
-              </a:lnSpc>
-              <a:spcBef>
-                <a:spcPts val="0"/>
-              </a:spcBef>
-              <a:spcAft>
-                <a:spcPts val="0"/>
-              </a:spcAft>
-              <a:buClrTx/>
-              <a:buSzTx/>
-              <a:buFontTx/>
-              <a:buNone/>
-              <a:tabLst/>
-              <a:defRPr/>
-            </a:pPr>
-            <a:r>
-              <a:rPr lang="en-US" sz="1200" baseline="0" dirty="0" smtClean="0"/>
-              <a:t>And in app.js</a:t>
-            </a:r>
-            <a:endParaRPr lang="en-US" sz="1200" dirty="0" smtClean="0"/>
+              <a:t>Use the following code in Todos.js of component directory</a:t>
+            </a:r>
           </a:p>
           <a:p>
             <a:endParaRPr lang="en-US" dirty="0"/>
@@ -1890,7 +1903,7 @@
           <a:p>
             <a:fld id="{B1206FEA-4AFC-4465-8ABD-ECC3D411179B}" type="slidenum">
               <a:rPr lang="en-US" smtClean="0"/>
-              <a:t>28</a:t>
+              <a:t>27</a:t>
             </a:fld>
             <a:endParaRPr lang="en-US"/>
           </a:p>
@@ -1899,7 +1912,7 @@
     </p:spTree>
     <p:extLst>
       <p:ext uri="{BB962C8B-B14F-4D97-AF65-F5344CB8AC3E}">
-        <p14:creationId xmlns:p14="http://schemas.microsoft.com/office/powerpoint/2010/main" val="2837921313"/>
+        <p14:creationId xmlns:p14="http://schemas.microsoft.com/office/powerpoint/2010/main" val="3944715601"/>
       </p:ext>
     </p:extLst>
   </p:cSld>
@@ -1953,54 +1966,55 @@
           <a:bodyPr/>
           <a:lstStyle/>
           <a:p>
-            <a:r>
-              <a:rPr lang="en-US" dirty="0" smtClean="0"/>
-              <a:t>So far we use just the </a:t>
-            </a:r>
-            <a:r>
-              <a:rPr lang="en-US" dirty="0" err="1" smtClean="0"/>
-              <a:t>jsx</a:t>
-            </a:r>
-            <a:r>
-              <a:rPr lang="en-US" dirty="0" smtClean="0"/>
-              <a:t> syntax in our component and also used the ES6 features in the stores.</a:t>
-            </a:r>
-          </a:p>
-          <a:p>
-            <a:r>
-              <a:rPr lang="en-US" dirty="0" smtClean="0"/>
-              <a:t>Browser don’t knows the </a:t>
-            </a:r>
-            <a:r>
-              <a:rPr lang="en-US" dirty="0" err="1" smtClean="0"/>
-              <a:t>jsx</a:t>
-            </a:r>
-            <a:r>
-              <a:rPr lang="en-US" dirty="0" smtClean="0"/>
-              <a:t> syntax in </a:t>
-            </a:r>
-            <a:r>
-              <a:rPr lang="en-US" dirty="0" err="1" smtClean="0"/>
-              <a:t>javascript</a:t>
-            </a:r>
-            <a:r>
-              <a:rPr lang="en-US" dirty="0" smtClean="0"/>
-              <a:t> so we need some transformer utility that transform this syntax to plain script for browser to digest.</a:t>
-            </a:r>
-          </a:p>
-          <a:p>
-            <a:r>
-              <a:rPr lang="en-US" dirty="0" smtClean="0"/>
-              <a:t>Babel.js done this job pretty well this can be use directly by linking its script file or using </a:t>
-            </a:r>
-            <a:r>
-              <a:rPr lang="en-US" dirty="0" err="1" smtClean="0"/>
-              <a:t>npm</a:t>
-            </a:r>
-            <a:r>
-              <a:rPr lang="en-US" dirty="0" smtClean="0"/>
-              <a:t>. </a:t>
-            </a:r>
+            <a:pPr marL="0" marR="0" indent="0" algn="l" defTabSz="914400" rtl="0" eaLnBrk="1" fontAlgn="auto" latinLnBrk="0" hangingPunct="1">
+              <a:lnSpc>
+                <a:spcPct val="100000"/>
+              </a:lnSpc>
+              <a:spcBef>
+                <a:spcPts val="0"/>
+              </a:spcBef>
+              <a:spcAft>
+                <a:spcPts val="0"/>
+              </a:spcAft>
+              <a:buClrTx/>
+              <a:buSzTx/>
+              <a:buFontTx/>
+              <a:buNone/>
+              <a:tabLst/>
+              <a:defRPr/>
+            </a:pPr>
+            <a:r>
+              <a:rPr lang="en-US" sz="1200" dirty="0" smtClean="0"/>
+              <a:t>Use</a:t>
+            </a:r>
+            <a:r>
+              <a:rPr lang="en-US" sz="1200" baseline="0" dirty="0" smtClean="0"/>
+              <a:t> the code in index.html</a:t>
+            </a:r>
+          </a:p>
+          <a:p>
+            <a:pPr marL="0" marR="0" indent="0" algn="l" defTabSz="914400" rtl="0" eaLnBrk="1" fontAlgn="auto" latinLnBrk="0" hangingPunct="1">
+              <a:lnSpc>
+                <a:spcPct val="100000"/>
+              </a:lnSpc>
+              <a:spcBef>
+                <a:spcPts val="0"/>
+              </a:spcBef>
+              <a:spcAft>
+                <a:spcPts val="0"/>
+              </a:spcAft>
+              <a:buClrTx/>
+              <a:buSzTx/>
+              <a:buFontTx/>
+              <a:buNone/>
+              <a:tabLst/>
+              <a:defRPr/>
+            </a:pPr>
+            <a:r>
+              <a:rPr lang="en-US" sz="1200" baseline="0" dirty="0" smtClean="0"/>
+              <a:t>And in app.js</a:t>
+            </a:r>
+            <a:endParaRPr lang="en-US" sz="1200" dirty="0" smtClean="0"/>
           </a:p>
           <a:p>
             <a:endParaRPr lang="en-US" dirty="0"/>
@@ -2047,7 +2061,7 @@
           <a:p>
             <a:fld id="{B1206FEA-4AFC-4465-8ABD-ECC3D411179B}" type="slidenum">
               <a:rPr lang="en-US" smtClean="0"/>
-              <a:t>29</a:t>
+              <a:t>28</a:t>
             </a:fld>
             <a:endParaRPr lang="en-US"/>
           </a:p>
@@ -2056,7 +2070,7 @@
     </p:spTree>
     <p:extLst>
       <p:ext uri="{BB962C8B-B14F-4D97-AF65-F5344CB8AC3E}">
-        <p14:creationId xmlns:p14="http://schemas.microsoft.com/office/powerpoint/2010/main" val="3969333674"/>
+        <p14:creationId xmlns:p14="http://schemas.microsoft.com/office/powerpoint/2010/main" val="2837921313"/>
       </p:ext>
     </p:extLst>
   </p:cSld>
@@ -2112,51 +2126,52 @@
           <a:p>
             <a:r>
               <a:rPr lang="en-US" dirty="0" smtClean="0"/>
-              <a:t>So far we use just the require</a:t>
-            </a:r>
-            <a:r>
-              <a:rPr lang="en-US" baseline="0" dirty="0" smtClean="0"/>
-              <a:t> method of Node but we are actually making the client app</a:t>
-            </a:r>
-          </a:p>
-          <a:p>
-            <a:endParaRPr lang="en-US" baseline="0" smtClean="0"/>
-          </a:p>
-          <a:p>
-            <a:r>
-              <a:rPr lang="en-US" baseline="0" smtClean="0"/>
-              <a:t>Browserify</a:t>
-            </a:r>
-            <a:r>
-              <a:rPr lang="en-US" baseline="0" dirty="0" smtClean="0"/>
-              <a:t> will let us able to use the node style code and bundles it up into on </a:t>
-            </a:r>
-            <a:r>
-              <a:rPr lang="en-US" baseline="0" dirty="0" err="1" smtClean="0"/>
-              <a:t>js</a:t>
-            </a:r>
-            <a:r>
-              <a:rPr lang="en-US" baseline="0" dirty="0" smtClean="0"/>
-              <a:t> file</a:t>
-            </a:r>
-          </a:p>
-          <a:p>
-            <a:endParaRPr lang="en-US" baseline="0" dirty="0" smtClean="0"/>
-          </a:p>
-          <a:p>
-            <a:r>
-              <a:rPr lang="en-US" baseline="0" dirty="0" smtClean="0"/>
-              <a:t>So we can use the </a:t>
-            </a:r>
-            <a:r>
-              <a:rPr lang="en-US" baseline="0" dirty="0" err="1" smtClean="0"/>
+              <a:t>So far we use just the </a:t>
+            </a:r>
+            <a:r>
+              <a:rPr lang="en-US" dirty="0" err="1" smtClean="0"/>
+              <a:t>jsx</a:t>
+            </a:r>
+            <a:r>
+              <a:rPr lang="en-US" dirty="0" smtClean="0"/>
+              <a:t> syntax in our component and also used the ES6 features in the stores.</a:t>
+            </a:r>
+          </a:p>
+          <a:p>
+            <a:r>
+              <a:rPr lang="en-US" dirty="0" smtClean="0"/>
+              <a:t>Browser don’t knows the </a:t>
+            </a:r>
+            <a:r>
+              <a:rPr lang="en-US" dirty="0" err="1" smtClean="0"/>
+              <a:t>jsx</a:t>
+            </a:r>
+            <a:r>
+              <a:rPr lang="en-US" dirty="0" smtClean="0"/>
+              <a:t> syntax in </a:t>
+            </a:r>
+            <a:r>
+              <a:rPr lang="en-US" dirty="0" err="1" smtClean="0"/>
+              <a:t>javascript</a:t>
+            </a:r>
+            <a:r>
+              <a:rPr lang="en-US" dirty="0" smtClean="0"/>
+              <a:t> so we need some transformer utility that transform this syntax to plain script for browser to digest.</a:t>
+            </a:r>
+          </a:p>
+          <a:p>
+            <a:r>
+              <a:rPr lang="en-US" dirty="0" smtClean="0"/>
+              <a:t>Babel.js done this job pretty well this can be use directly by linking its script file or using </a:t>
+            </a:r>
+            <a:r>
+              <a:rPr lang="en-US" dirty="0" err="1" smtClean="0"/>
               <a:t>npm</a:t>
             </a:r>
             <a:r>
-              <a:rPr lang="en-US" baseline="0" dirty="0" smtClean="0"/>
-              <a:t> packages and modular approach for client code designing as well</a:t>
-            </a:r>
-            <a:endParaRPr lang="en-US" dirty="0" smtClean="0"/>
+              <a:rPr lang="en-US" dirty="0" smtClean="0"/>
+              <a:t>. </a:t>
+            </a:r>
           </a:p>
           <a:p>
             <a:endParaRPr lang="en-US" dirty="0"/>
@@ -2203,7 +2218,7 @@
           <a:p>
             <a:fld id="{B1206FEA-4AFC-4465-8ABD-ECC3D411179B}" type="slidenum">
               <a:rPr lang="en-US" smtClean="0"/>
-              <a:t>30</a:t>
+              <a:t>29</a:t>
             </a:fld>
             <a:endParaRPr lang="en-US"/>
           </a:p>
@@ -2212,7 +2227,7 @@
     </p:spTree>
     <p:extLst>
       <p:ext uri="{BB962C8B-B14F-4D97-AF65-F5344CB8AC3E}">
-        <p14:creationId xmlns:p14="http://schemas.microsoft.com/office/powerpoint/2010/main" val="2079015888"/>
+        <p14:creationId xmlns:p14="http://schemas.microsoft.com/office/powerpoint/2010/main" val="3969333674"/>
       </p:ext>
     </p:extLst>
   </p:cSld>
@@ -2436,42 +2451,54 @@
           <a:lstStyle/>
           <a:p>
             <a:r>
-              <a:rPr lang="en-US" sz="1200" dirty="0" smtClean="0"/>
-              <a:t>Put the following configuration in </a:t>
-            </a:r>
-            <a:r>
-              <a:rPr lang="en-US" sz="1200" dirty="0" err="1" smtClean="0"/>
-              <a:t>package.json</a:t>
-            </a:r>
-            <a:r>
-              <a:rPr lang="en-US" sz="1200" dirty="0" smtClean="0"/>
-              <a:t> which contains all the required dependencies. </a:t>
-            </a:r>
-          </a:p>
-          <a:p>
-            <a:endParaRPr lang="en-US" sz="1200" dirty="0" smtClean="0"/>
-          </a:p>
-          <a:p>
-            <a:r>
-              <a:rPr lang="en-US" sz="1200" dirty="0" smtClean="0"/>
-              <a:t>Then use the commands “</a:t>
-            </a:r>
-            <a:r>
-              <a:rPr lang="en-US" sz="1200" dirty="0" err="1" smtClean="0"/>
+              <a:rPr lang="en-US" dirty="0" smtClean="0"/>
+              <a:t>So far we use just the require</a:t>
+            </a:r>
+            <a:r>
+              <a:rPr lang="en-US" baseline="0" dirty="0" smtClean="0"/>
+              <a:t> method of Node but we are actually making the client app</a:t>
+            </a:r>
+          </a:p>
+          <a:p>
+            <a:endParaRPr lang="en-US" baseline="0" dirty="0" smtClean="0"/>
+          </a:p>
+          <a:p>
+            <a:r>
+              <a:rPr lang="en-US" baseline="0" dirty="0" err="1" smtClean="0"/>
+              <a:t>Browserify</a:t>
+            </a:r>
+            <a:r>
+              <a:rPr lang="en-US" baseline="0" dirty="0" smtClean="0"/>
+              <a:t> will let us able to use the node style code and bundles it up into on </a:t>
+            </a:r>
+            <a:r>
+              <a:rPr lang="en-US" baseline="0" dirty="0" err="1" smtClean="0"/>
+              <a:t>js</a:t>
+            </a:r>
+            <a:r>
+              <a:rPr lang="en-US" baseline="0" dirty="0" smtClean="0"/>
+              <a:t> file</a:t>
+            </a:r>
+          </a:p>
+          <a:p>
+            <a:endParaRPr lang="en-US" baseline="0" dirty="0" smtClean="0"/>
+          </a:p>
+          <a:p>
+            <a:r>
+              <a:rPr lang="en-US" baseline="0" dirty="0" smtClean="0"/>
+              <a:t>So we can use the </a:t>
+            </a:r>
+            <a:r>
+              <a:rPr lang="en-US" baseline="0" dirty="0" err="1" smtClean="0"/>
               <a:t>npm</a:t>
             </a:r>
             <a:r>
-              <a:rPr lang="en-US" sz="1200" dirty="0" smtClean="0"/>
-              <a:t> install” and “</a:t>
-            </a:r>
-            <a:r>
-              <a:rPr lang="en-US" sz="1200" dirty="0" err="1" smtClean="0"/>
-              <a:t>npm</a:t>
-            </a:r>
-            <a:r>
-              <a:rPr lang="en-US" sz="1200" dirty="0" smtClean="0"/>
-              <a:t> run build” to install the required dependencies and build the code </a:t>
-            </a:r>
+              <a:rPr lang="en-US" baseline="0" dirty="0" smtClean="0"/>
+              <a:t> packages and modular approach for client code designing as well</a:t>
+            </a:r>
+            <a:endParaRPr lang="en-US" dirty="0" smtClean="0"/>
+          </a:p>
+          <a:p>
             <a:endParaRPr lang="en-US" dirty="0"/>
           </a:p>
         </p:txBody>
@@ -2516,7 +2543,7 @@
           <a:p>
             <a:fld id="{B1206FEA-4AFC-4465-8ABD-ECC3D411179B}" type="slidenum">
               <a:rPr lang="en-US" smtClean="0"/>
-              <a:t>31</a:t>
+              <a:t>30</a:t>
             </a:fld>
             <a:endParaRPr lang="en-US"/>
           </a:p>
@@ -2525,7 +2552,7 @@
     </p:spTree>
     <p:extLst>
       <p:ext uri="{BB962C8B-B14F-4D97-AF65-F5344CB8AC3E}">
-        <p14:creationId xmlns:p14="http://schemas.microsoft.com/office/powerpoint/2010/main" val="527664236"/>
+        <p14:creationId xmlns:p14="http://schemas.microsoft.com/office/powerpoint/2010/main" val="2079015888"/>
       </p:ext>
     </p:extLst>
   </p:cSld>
@@ -2581,38 +2608,40 @@
           <a:p>
             <a:r>
               <a:rPr lang="en-US" sz="1200" dirty="0" smtClean="0"/>
-              <a:t>To make the app SPA using hash routes we will use react-router</a:t>
-            </a:r>
-            <a:r>
-              <a:rPr lang="en-US" sz="1200" baseline="0" dirty="0" smtClean="0"/>
-              <a:t> component</a:t>
-            </a:r>
-          </a:p>
-          <a:p>
-            <a:r>
-              <a:rPr lang="en-US" dirty="0" smtClean="0"/>
-              <a:t>https://github.com/rackt/react-router</a:t>
-            </a:r>
-          </a:p>
-          <a:p>
-            <a:endParaRPr lang="en-US" dirty="0" smtClean="0"/>
-          </a:p>
-          <a:p>
-            <a:r>
-              <a:rPr lang="en-US" dirty="0" smtClean="0"/>
-              <a:t>Add</a:t>
-            </a:r>
-            <a:r>
-              <a:rPr lang="en-US" baseline="0" dirty="0" smtClean="0"/>
-              <a:t> react-router dependency and run “</a:t>
-            </a:r>
-            <a:r>
-              <a:rPr lang="en-US" baseline="0" dirty="0" err="1" smtClean="0"/>
+              <a:t>Put the following configuration in </a:t>
+            </a:r>
+            <a:r>
+              <a:rPr lang="en-US" sz="1200" dirty="0" err="1" smtClean="0"/>
+              <a:t>package.json</a:t>
+            </a:r>
+            <a:r>
+              <a:rPr lang="en-US" sz="1200" dirty="0" smtClean="0"/>
+              <a:t> which contains all the required dependencies. </a:t>
+            </a:r>
+          </a:p>
+          <a:p>
+            <a:endParaRPr lang="en-US" sz="1200" dirty="0" smtClean="0"/>
+          </a:p>
+          <a:p>
+            <a:r>
+              <a:rPr lang="en-US" sz="1200" dirty="0" smtClean="0"/>
+              <a:t>Then use the commands “</a:t>
+            </a:r>
+            <a:r>
+              <a:rPr lang="en-US" sz="1200" dirty="0" err="1" smtClean="0"/>
               <a:t>npm</a:t>
             </a:r>
             <a:r>
-              <a:rPr lang="en-US" baseline="0" dirty="0" smtClean="0"/>
-              <a:t> install” command</a:t>
+              <a:rPr lang="en-US" sz="1200" dirty="0" smtClean="0"/>
+              <a:t> install” and “</a:t>
+            </a:r>
+            <a:r>
+              <a:rPr lang="en-US" sz="1200" dirty="0" err="1" smtClean="0"/>
+              <a:t>npm</a:t>
+            </a:r>
+            <a:r>
+              <a:rPr lang="en-US" sz="1200" dirty="0" smtClean="0"/>
+              <a:t> run build” to install the required dependencies and build the code </a:t>
             </a:r>
             <a:endParaRPr lang="en-US" dirty="0"/>
           </a:p>
@@ -2658,7 +2687,7 @@
           <a:p>
             <a:fld id="{B1206FEA-4AFC-4465-8ABD-ECC3D411179B}" type="slidenum">
               <a:rPr lang="en-US" smtClean="0"/>
-              <a:t>33</a:t>
+              <a:t>31</a:t>
             </a:fld>
             <a:endParaRPr lang="en-US"/>
           </a:p>
@@ -2667,7 +2696,7 @@
     </p:spTree>
     <p:extLst>
       <p:ext uri="{BB962C8B-B14F-4D97-AF65-F5344CB8AC3E}">
-        <p14:creationId xmlns:p14="http://schemas.microsoft.com/office/powerpoint/2010/main" val="2039934366"/>
+        <p14:creationId xmlns:p14="http://schemas.microsoft.com/office/powerpoint/2010/main" val="527664236"/>
       </p:ext>
     </p:extLst>
   </p:cSld>
@@ -2800,6 +2829,148 @@
           <a:p>
             <a:fld id="{B1206FEA-4AFC-4465-8ABD-ECC3D411179B}" type="slidenum">
               <a:rPr lang="en-US" smtClean="0"/>
+              <a:t>33</a:t>
+            </a:fld>
+            <a:endParaRPr lang="en-US"/>
+          </a:p>
+        </p:txBody>
+      </p:sp>
+    </p:spTree>
+    <p:extLst>
+      <p:ext uri="{BB962C8B-B14F-4D97-AF65-F5344CB8AC3E}">
+        <p14:creationId xmlns:p14="http://schemas.microsoft.com/office/powerpoint/2010/main" val="2039934366"/>
+      </p:ext>
+    </p:extLst>
+  </p:cSld>
+  <p:clrMapOvr>
+    <a:masterClrMapping/>
+  </p:clrMapOvr>
+</p:notes>
+</file>
+
+<file path=ppt/notesSlides/notesSlide23.xml><?xml version="1.0" encoding="utf-8"?>
+<p:notes xmlns:a="http://schemas.openxmlformats.org/drawingml/2006/main" xmlns:r="http://schemas.openxmlformats.org/officeDocument/2006/relationships" xmlns:p="http://schemas.openxmlformats.org/presentationml/2006/main">
+  <p:cSld>
+    <p:spTree>
+      <p:nvGrpSpPr>
+        <p:cNvPr id="1" name=""/>
+        <p:cNvGrpSpPr/>
+        <p:nvPr/>
+      </p:nvGrpSpPr>
+      <p:grpSpPr>
+        <a:xfrm>
+          <a:off x="0" y="0"/>
+          <a:ext cx="0" cy="0"/>
+          <a:chOff x="0" y="0"/>
+          <a:chExt cx="0" cy="0"/>
+        </a:xfrm>
+      </p:grpSpPr>
+      <p:sp>
+        <p:nvSpPr>
+          <p:cNvPr id="2" name="Slide Image Placeholder 1"/>
+          <p:cNvSpPr>
+            <a:spLocks noGrp="1" noRot="1" noChangeAspect="1"/>
+          </p:cNvSpPr>
+          <p:nvPr>
+            <p:ph type="sldImg"/>
+          </p:nvPr>
+        </p:nvSpPr>
+        <p:spPr/>
+      </p:sp>
+      <p:sp>
+        <p:nvSpPr>
+          <p:cNvPr id="3" name="Notes Placeholder 2"/>
+          <p:cNvSpPr>
+            <a:spLocks noGrp="1"/>
+          </p:cNvSpPr>
+          <p:nvPr>
+            <p:ph type="body" idx="1"/>
+          </p:nvPr>
+        </p:nvSpPr>
+        <p:spPr/>
+        <p:txBody>
+          <a:bodyPr/>
+          <a:lstStyle/>
+          <a:p>
+            <a:r>
+              <a:rPr lang="en-US" sz="1200" dirty="0" smtClean="0"/>
+              <a:t>To make the app SPA using hash routes we will use react-router</a:t>
+            </a:r>
+            <a:r>
+              <a:rPr lang="en-US" sz="1200" baseline="0" dirty="0" smtClean="0"/>
+              <a:t> component</a:t>
+            </a:r>
+          </a:p>
+          <a:p>
+            <a:r>
+              <a:rPr lang="en-US" dirty="0" smtClean="0"/>
+              <a:t>https://github.com/rackt/react-router</a:t>
+            </a:r>
+          </a:p>
+          <a:p>
+            <a:endParaRPr lang="en-US" dirty="0" smtClean="0"/>
+          </a:p>
+          <a:p>
+            <a:r>
+              <a:rPr lang="en-US" dirty="0" smtClean="0"/>
+              <a:t>Add</a:t>
+            </a:r>
+            <a:r>
+              <a:rPr lang="en-US" baseline="0" dirty="0" smtClean="0"/>
+              <a:t> react-router dependency and run “</a:t>
+            </a:r>
+            <a:r>
+              <a:rPr lang="en-US" baseline="0" dirty="0" err="1" smtClean="0"/>
+              <a:t>npm</a:t>
+            </a:r>
+            <a:r>
+              <a:rPr lang="en-US" baseline="0" dirty="0" smtClean="0"/>
+              <a:t> install” command</a:t>
+            </a:r>
+            <a:endParaRPr lang="en-US" dirty="0"/>
+          </a:p>
+        </p:txBody>
+      </p:sp>
+      <p:sp>
+        <p:nvSpPr>
+          <p:cNvPr id="4" name="Header Placeholder 3"/>
+          <p:cNvSpPr>
+            <a:spLocks noGrp="1"/>
+          </p:cNvSpPr>
+          <p:nvPr>
+            <p:ph type="hdr" sz="quarter" idx="10"/>
+          </p:nvPr>
+        </p:nvSpPr>
+        <p:spPr/>
+        <p:txBody>
+          <a:bodyPr/>
+          <a:lstStyle/>
+          <a:p>
+            <a:r>
+              <a:rPr lang="en-US" smtClean="0"/>
+              <a:t>TEST</a:t>
+            </a:r>
+            <a:endParaRPr lang="en-US"/>
+          </a:p>
+        </p:txBody>
+      </p:sp>
+      <p:sp>
+        <p:nvSpPr>
+          <p:cNvPr id="5" name="Slide Number Placeholder 4"/>
+          <p:cNvSpPr>
+            <a:spLocks noGrp="1"/>
+          </p:cNvSpPr>
+          <p:nvPr>
+            <p:ph type="sldNum" sz="quarter" idx="11"/>
+          </p:nvPr>
+        </p:nvSpPr>
+        <p:spPr/>
+        <p:txBody>
+          <a:bodyPr/>
+          <a:lstStyle/>
+          <a:p>
+            <a:fld id="{B1206FEA-4AFC-4465-8ABD-ECC3D411179B}" type="slidenum">
+              <a:rPr lang="en-US" smtClean="0"/>
               <a:t>34</a:t>
             </a:fld>
             <a:endParaRPr lang="en-US"/>
@@ -2819,7 +2990,7 @@
 </p:notes>
 </file>
 
-<file path=ppt/notesSlides/notesSlide23.xml><?xml version="1.0" encoding="utf-8"?>
+<file path=ppt/notesSlides/notesSlide24.xml><?xml version="1.0" encoding="utf-8"?>
 <p:notes xmlns:a="http://schemas.openxmlformats.org/drawingml/2006/main" xmlns:r="http://schemas.openxmlformats.org/officeDocument/2006/relationships" xmlns:p="http://schemas.openxmlformats.org/presentationml/2006/main">
   <p:cSld>
     <p:spTree>
@@ -20040,7 +20211,7 @@
           <p:nvPr/>
         </p:nvPicPr>
         <p:blipFill>
-          <a:blip r:embed="rId2">
+          <a:blip r:embed="rId3">
             <a:extLst>
               <a:ext uri="{28A0092B-C50C-407E-A947-70E740481C1C}">
                 <a14:useLocalDpi xmlns:a14="http://schemas.microsoft.com/office/drawing/2010/main" val="0"/>
@@ -26979,6 +27150,271 @@
           <a:p>
             <a:r>
               <a:rPr lang="en-US" dirty="0" smtClean="0"/>
+              <a:t>More Learning Resources</a:t>
+            </a:r>
+            <a:endParaRPr lang="en-US" dirty="0"/>
+          </a:p>
+        </p:txBody>
+      </p:sp>
+      <p:sp>
+        <p:nvSpPr>
+          <p:cNvPr id="3" name="Content Placeholder 2"/>
+          <p:cNvSpPr>
+            <a:spLocks noGrp="1"/>
+          </p:cNvSpPr>
+          <p:nvPr>
+            <p:ph idx="1"/>
+          </p:nvPr>
+        </p:nvSpPr>
+        <p:spPr>
+          <a:xfrm>
+            <a:off x="838200" y="1825625"/>
+            <a:ext cx="10515600" cy="4351338"/>
+          </a:xfrm>
+        </p:spPr>
+        <p:txBody>
+          <a:bodyPr/>
+          <a:lstStyle/>
+          <a:p>
+            <a:r>
+              <a:rPr lang="en-US" dirty="0">
+                <a:hlinkClick r:id="rId2"/>
+              </a:rPr>
+              <a:t>https://</a:t>
+            </a:r>
+            <a:r>
+              <a:rPr lang="en-US" dirty="0" smtClean="0">
+                <a:hlinkClick r:id="rId2"/>
+              </a:rPr>
+              <a:t>github.com/awahab29/samplealt</a:t>
+            </a:r>
+            <a:endParaRPr lang="en-US" dirty="0" smtClean="0">
+              <a:hlinkClick r:id="rId3"/>
+            </a:endParaRPr>
+          </a:p>
+          <a:p>
+            <a:r>
+              <a:rPr lang="en-US" dirty="0" smtClean="0">
+                <a:hlinkClick r:id="rId3"/>
+              </a:rPr>
+              <a:t>https</a:t>
+            </a:r>
+            <a:r>
+              <a:rPr lang="en-US" dirty="0">
+                <a:hlinkClick r:id="rId3"/>
+              </a:rPr>
+              <a:t>://</a:t>
+            </a:r>
+            <a:r>
+              <a:rPr lang="en-US" dirty="0" smtClean="0">
+                <a:hlinkClick r:id="rId3"/>
+              </a:rPr>
+              <a:t>github.com/goatslacker/alt</a:t>
+            </a:r>
+            <a:endParaRPr lang="en-US" dirty="0" smtClean="0"/>
+          </a:p>
+          <a:p>
+            <a:r>
+              <a:rPr lang="en-US" dirty="0">
+                <a:hlinkClick r:id="rId4"/>
+              </a:rPr>
+              <a:t>https://</a:t>
+            </a:r>
+            <a:r>
+              <a:rPr lang="en-US" dirty="0" smtClean="0">
+                <a:hlinkClick r:id="rId4"/>
+              </a:rPr>
+              <a:t>github.com/substack/browserify-handbook</a:t>
+            </a:r>
+            <a:endParaRPr lang="en-US" dirty="0" smtClean="0"/>
+          </a:p>
+          <a:p>
+            <a:r>
+              <a:rPr lang="en-US" dirty="0">
+                <a:hlinkClick r:id="rId5"/>
+              </a:rPr>
+              <a:t>https://</a:t>
+            </a:r>
+            <a:r>
+              <a:rPr lang="en-US" dirty="0" smtClean="0">
+                <a:hlinkClick r:id="rId5"/>
+              </a:rPr>
+              <a:t>github.com/rackt/react-router</a:t>
+            </a:r>
+            <a:endParaRPr lang="en-US" dirty="0" smtClean="0"/>
+          </a:p>
+          <a:p>
+            <a:r>
+              <a:rPr lang="en-US" dirty="0" smtClean="0">
+                <a:hlinkClick r:id="rId6"/>
+              </a:rPr>
+              <a:t>http</a:t>
+            </a:r>
+            <a:r>
+              <a:rPr lang="en-US" dirty="0">
+                <a:hlinkClick r:id="rId6"/>
+              </a:rPr>
+              <a:t>://es6-features.org/#</a:t>
+            </a:r>
+            <a:r>
+              <a:rPr lang="en-US" dirty="0" smtClean="0">
+                <a:hlinkClick r:id="rId6"/>
+              </a:rPr>
+              <a:t>Constants</a:t>
+            </a:r>
+            <a:endParaRPr lang="en-US" dirty="0" smtClean="0"/>
+          </a:p>
+          <a:p>
+            <a:pPr marL="0" indent="0">
+              <a:buNone/>
+            </a:pPr>
+            <a:endParaRPr lang="en-US" dirty="0"/>
+          </a:p>
+          <a:p>
+            <a:pPr marL="0" indent="0">
+              <a:buNone/>
+            </a:pPr>
+            <a:endParaRPr lang="en-US" dirty="0" smtClean="0"/>
+          </a:p>
+          <a:p>
+            <a:endParaRPr lang="en-US" dirty="0"/>
+          </a:p>
+        </p:txBody>
+      </p:sp>
+      <p:sp>
+        <p:nvSpPr>
+          <p:cNvPr id="4" name="Footer Placeholder 3"/>
+          <p:cNvSpPr>
+            <a:spLocks noGrp="1"/>
+          </p:cNvSpPr>
+          <p:nvPr>
+            <p:ph type="ftr" sz="quarter" idx="11"/>
+          </p:nvPr>
+        </p:nvSpPr>
+        <p:spPr/>
+        <p:txBody>
+          <a:bodyPr/>
+          <a:lstStyle/>
+          <a:p>
+            <a:r>
+              <a:rPr lang="en-US" dirty="0" err="1" smtClean="0"/>
+              <a:t>Usefull</a:t>
+            </a:r>
+            <a:r>
+              <a:rPr lang="en-US" dirty="0" smtClean="0"/>
+              <a:t> Resources</a:t>
+            </a:r>
+            <a:endParaRPr lang="en-US" dirty="0"/>
+          </a:p>
+        </p:txBody>
+      </p:sp>
+      <p:sp>
+        <p:nvSpPr>
+          <p:cNvPr id="5" name="Slide Number Placeholder 4"/>
+          <p:cNvSpPr>
+            <a:spLocks noGrp="1"/>
+          </p:cNvSpPr>
+          <p:nvPr>
+            <p:ph type="sldNum" sz="quarter" idx="12"/>
+          </p:nvPr>
+        </p:nvSpPr>
+        <p:spPr/>
+        <p:txBody>
+          <a:bodyPr/>
+          <a:lstStyle/>
+          <a:p>
+            <a:fld id="{B777A91B-BF1B-4ECE-B89B-72F2144CF226}" type="slidenum">
+              <a:rPr lang="en-US" smtClean="0"/>
+              <a:t>41</a:t>
+            </a:fld>
+            <a:endParaRPr lang="en-US"/>
+          </a:p>
+        </p:txBody>
+      </p:sp>
+      <p:pic>
+        <p:nvPicPr>
+          <p:cNvPr id="8" name="Picture 7"/>
+          <p:cNvPicPr>
+            <a:picLocks noChangeAspect="1"/>
+          </p:cNvPicPr>
+          <p:nvPr/>
+        </p:nvPicPr>
+        <p:blipFill>
+          <a:blip r:embed="rId7">
+            <a:extLst>
+              <a:ext uri="{28A0092B-C50C-407E-A947-70E740481C1C}">
+                <a14:useLocalDpi xmlns:a14="http://schemas.microsoft.com/office/drawing/2010/main" val="0"/>
+              </a:ext>
+            </a:extLst>
+          </a:blip>
+          <a:stretch>
+            <a:fillRect/>
+          </a:stretch>
+        </p:blipFill>
+        <p:spPr>
+          <a:xfrm>
+            <a:off x="157162" y="84137"/>
+            <a:ext cx="1362075" cy="561975"/>
+          </a:xfrm>
+          <a:prstGeom prst="rect">
+            <a:avLst/>
+          </a:prstGeom>
+        </p:spPr>
+      </p:pic>
+    </p:spTree>
+    <p:extLst>
+      <p:ext uri="{BB962C8B-B14F-4D97-AF65-F5344CB8AC3E}">
+        <p14:creationId xmlns:p14="http://schemas.microsoft.com/office/powerpoint/2010/main" val="2636850536"/>
+      </p:ext>
+    </p:extLst>
+  </p:cSld>
+  <p:clrMapOvr>
+    <a:masterClrMapping/>
+  </p:clrMapOvr>
+  <p:timing>
+    <p:tnLst>
+      <p:par>
+        <p:cTn id="1" dur="indefinite" restart="never" nodeType="tmRoot"/>
+      </p:par>
+    </p:tnLst>
+  </p:timing>
+</p:sld>
+</file>
+
+<file path=ppt/slides/slide42.xml><?xml version="1.0" encoding="utf-8"?>
+<p:sld xmlns:a="http://schemas.openxmlformats.org/drawingml/2006/main" xmlns:r="http://schemas.openxmlformats.org/officeDocument/2006/relationships" xmlns:p="http://schemas.openxmlformats.org/presentationml/2006/main">
+  <p:cSld>
+    <p:spTree>
+      <p:nvGrpSpPr>
+        <p:cNvPr id="1" name=""/>
+        <p:cNvGrpSpPr/>
+        <p:nvPr/>
+      </p:nvGrpSpPr>
+      <p:grpSpPr>
+        <a:xfrm>
+          <a:off x="0" y="0"/>
+          <a:ext cx="0" cy="0"/>
+          <a:chOff x="0" y="0"/>
+          <a:chExt cx="0" cy="0"/>
+        </a:xfrm>
+      </p:grpSpPr>
+      <p:sp>
+        <p:nvSpPr>
+          <p:cNvPr id="2" name="Title 1"/>
+          <p:cNvSpPr>
+            <a:spLocks noGrp="1"/>
+          </p:cNvSpPr>
+          <p:nvPr>
+            <p:ph type="title"/>
+          </p:nvPr>
+        </p:nvSpPr>
+        <p:spPr/>
+        <p:txBody>
+          <a:bodyPr/>
+          <a:lstStyle/>
+          <a:p>
+            <a:r>
+              <a:rPr lang="en-US" dirty="0" smtClean="0"/>
               <a:t>	Thank You</a:t>
             </a:r>
             <a:endParaRPr lang="en-US" dirty="0"/>
@@ -27031,7 +27467,7 @@
           <a:p>
             <a:fld id="{B777A91B-BF1B-4ECE-B89B-72F2144CF226}" type="slidenum">
               <a:rPr lang="en-US" smtClean="0"/>
-              <a:t>41</a:t>
+              <a:t>42</a:t>
             </a:fld>
             <a:endParaRPr lang="en-US"/>
           </a:p>

--- a/React.pptx
+++ b/React.pptx
@@ -3123,6 +3123,125 @@
     <p:extLst>
       <p:ext uri="{BB962C8B-B14F-4D97-AF65-F5344CB8AC3E}">
         <p14:creationId xmlns:p14="http://schemas.microsoft.com/office/powerpoint/2010/main" val="2992053221"/>
+      </p:ext>
+    </p:extLst>
+  </p:cSld>
+  <p:clrMapOvr>
+    <a:masterClrMapping/>
+  </p:clrMapOvr>
+</p:notes>
+</file>
+
+<file path=ppt/notesSlides/notesSlide25.xml><?xml version="1.0" encoding="utf-8"?>
+<p:notes xmlns:a="http://schemas.openxmlformats.org/drawingml/2006/main" xmlns:r="http://schemas.openxmlformats.org/officeDocument/2006/relationships" xmlns:p="http://schemas.openxmlformats.org/presentationml/2006/main">
+  <p:cSld>
+    <p:spTree>
+      <p:nvGrpSpPr>
+        <p:cNvPr id="1" name=""/>
+        <p:cNvGrpSpPr/>
+        <p:nvPr/>
+      </p:nvGrpSpPr>
+      <p:grpSpPr>
+        <a:xfrm>
+          <a:off x="0" y="0"/>
+          <a:ext cx="0" cy="0"/>
+          <a:chOff x="0" y="0"/>
+          <a:chExt cx="0" cy="0"/>
+        </a:xfrm>
+      </p:grpSpPr>
+      <p:sp>
+        <p:nvSpPr>
+          <p:cNvPr id="2" name="Slide Image Placeholder 1"/>
+          <p:cNvSpPr>
+            <a:spLocks noGrp="1" noRot="1" noChangeAspect="1"/>
+          </p:cNvSpPr>
+          <p:nvPr>
+            <p:ph type="sldImg"/>
+          </p:nvPr>
+        </p:nvSpPr>
+        <p:spPr/>
+      </p:sp>
+      <p:sp>
+        <p:nvSpPr>
+          <p:cNvPr id="3" name="Notes Placeholder 2"/>
+          <p:cNvSpPr>
+            <a:spLocks noGrp="1"/>
+          </p:cNvSpPr>
+          <p:nvPr>
+            <p:ph type="body" idx="1"/>
+          </p:nvPr>
+        </p:nvSpPr>
+        <p:spPr/>
+        <p:txBody>
+          <a:bodyPr/>
+          <a:lstStyle/>
+          <a:p>
+            <a:r>
+              <a:rPr lang="en-US" dirty="0" smtClean="0"/>
+              <a:t>We can refer</a:t>
+            </a:r>
+            <a:r>
+              <a:rPr lang="en-US" baseline="0" dirty="0" smtClean="0"/>
+              <a:t> the given links for </a:t>
+            </a:r>
+            <a:r>
+              <a:rPr lang="en-US" baseline="0" smtClean="0"/>
+              <a:t>further learning</a:t>
+            </a:r>
+            <a:endParaRPr lang="en-US" dirty="0"/>
+          </a:p>
+        </p:txBody>
+      </p:sp>
+      <p:sp>
+        <p:nvSpPr>
+          <p:cNvPr id="4" name="Header Placeholder 3"/>
+          <p:cNvSpPr>
+            <a:spLocks noGrp="1"/>
+          </p:cNvSpPr>
+          <p:nvPr>
+            <p:ph type="hdr" sz="quarter" idx="10"/>
+          </p:nvPr>
+        </p:nvSpPr>
+        <p:spPr/>
+        <p:txBody>
+          <a:bodyPr/>
+          <a:lstStyle/>
+          <a:p>
+            <a:r>
+              <a:rPr lang="en-US" smtClean="0"/>
+              <a:t>TEST</a:t>
+            </a:r>
+            <a:endParaRPr lang="en-US"/>
+          </a:p>
+        </p:txBody>
+      </p:sp>
+      <p:sp>
+        <p:nvSpPr>
+          <p:cNvPr id="5" name="Slide Number Placeholder 4"/>
+          <p:cNvSpPr>
+            <a:spLocks noGrp="1"/>
+          </p:cNvSpPr>
+          <p:nvPr>
+            <p:ph type="sldNum" sz="quarter" idx="11"/>
+          </p:nvPr>
+        </p:nvSpPr>
+        <p:spPr/>
+        <p:txBody>
+          <a:bodyPr/>
+          <a:lstStyle/>
+          <a:p>
+            <a:fld id="{B1206FEA-4AFC-4465-8ABD-ECC3D411179B}" type="slidenum">
+              <a:rPr lang="en-US" smtClean="0"/>
+              <a:t>41</a:t>
+            </a:fld>
+            <a:endParaRPr lang="en-US"/>
+          </a:p>
+        </p:txBody>
+      </p:sp>
+    </p:spTree>
+    <p:extLst>
+      <p:ext uri="{BB962C8B-B14F-4D97-AF65-F5344CB8AC3E}">
+        <p14:creationId xmlns:p14="http://schemas.microsoft.com/office/powerpoint/2010/main" val="333965673"/>
       </p:ext>
     </p:extLst>
   </p:cSld>
@@ -27178,53 +27297,42 @@
           <a:p>
             <a:r>
               <a:rPr lang="en-US" dirty="0">
-                <a:hlinkClick r:id="rId2"/>
+                <a:hlinkClick r:id="rId3"/>
               </a:rPr>
               <a:t>https://</a:t>
             </a:r>
-            <a:r>
-              <a:rPr lang="en-US" dirty="0" smtClean="0">
-                <a:hlinkClick r:id="rId2"/>
-              </a:rPr>
-              <a:t>github.com/awahab29/samplealt</a:t>
-            </a:r>
-            <a:endParaRPr lang="en-US" dirty="0" smtClean="0">
-              <a:hlinkClick r:id="rId3"/>
-            </a:endParaRPr>
-          </a:p>
-          <a:p>
             <a:r>
               <a:rPr lang="en-US" dirty="0" smtClean="0">
                 <a:hlinkClick r:id="rId3"/>
               </a:rPr>
+              <a:t>github.com/awahab29/samplealt</a:t>
+            </a:r>
+            <a:r>
+              <a:rPr lang="en-US" dirty="0" smtClean="0"/>
+              <a:t> (Presentation Code)</a:t>
+            </a:r>
+            <a:endParaRPr lang="en-US" dirty="0" smtClean="0">
+              <a:hlinkClick r:id="rId4"/>
+            </a:endParaRPr>
+          </a:p>
+          <a:p>
+            <a:r>
+              <a:rPr lang="en-US" dirty="0" smtClean="0">
+                <a:hlinkClick r:id="rId4"/>
+              </a:rPr>
               <a:t>https</a:t>
             </a:r>
-            <a:r>
-              <a:rPr lang="en-US" dirty="0">
-                <a:hlinkClick r:id="rId3"/>
-              </a:rPr>
-              <a:t>://</a:t>
-            </a:r>
-            <a:r>
-              <a:rPr lang="en-US" dirty="0" smtClean="0">
-                <a:hlinkClick r:id="rId3"/>
-              </a:rPr>
-              <a:t>github.com/goatslacker/alt</a:t>
-            </a:r>
-            <a:endParaRPr lang="en-US" dirty="0" smtClean="0"/>
-          </a:p>
-          <a:p>
             <a:r>
               <a:rPr lang="en-US" dirty="0">
                 <a:hlinkClick r:id="rId4"/>
               </a:rPr>
-              <a:t>https://</a:t>
+              <a:t>://</a:t>
             </a:r>
             <a:r>
               <a:rPr lang="en-US" dirty="0" smtClean="0">
                 <a:hlinkClick r:id="rId4"/>
               </a:rPr>
-              <a:t>github.com/substack/browserify-handbook</a:t>
+              <a:t>github.com/goatslacker/alt</a:t>
             </a:r>
             <a:endParaRPr lang="en-US" dirty="0" smtClean="0"/>
           </a:p>
@@ -27239,26 +27347,56 @@
               <a:rPr lang="en-US" dirty="0" smtClean="0">
                 <a:hlinkClick r:id="rId5"/>
               </a:rPr>
-              <a:t>github.com/rackt/react-router</a:t>
+              <a:t>github.com/substack/browserify-handbook</a:t>
             </a:r>
             <a:endParaRPr lang="en-US" dirty="0" smtClean="0"/>
           </a:p>
           <a:p>
+            <a:r>
+              <a:rPr lang="en-US" dirty="0">
+                <a:hlinkClick r:id="rId6"/>
+              </a:rPr>
+              <a:t>https://</a:t>
+            </a:r>
             <a:r>
               <a:rPr lang="en-US" dirty="0" smtClean="0">
                 <a:hlinkClick r:id="rId6"/>
               </a:rPr>
+              <a:t>github.com/substack/node-browserify#usage</a:t>
+            </a:r>
+            <a:endParaRPr lang="en-US" dirty="0" smtClean="0"/>
+          </a:p>
+          <a:p>
+            <a:r>
+              <a:rPr lang="en-US" dirty="0">
+                <a:hlinkClick r:id="rId7"/>
+              </a:rPr>
+              <a:t>https://</a:t>
+            </a:r>
+            <a:r>
+              <a:rPr lang="en-US" dirty="0" smtClean="0">
+                <a:hlinkClick r:id="rId7"/>
+              </a:rPr>
+              <a:t>github.com/rackt/react-router</a:t>
+            </a:r>
+            <a:endParaRPr lang="en-US" dirty="0" smtClean="0"/>
+          </a:p>
+          <a:p>
+            <a:r>
+              <a:rPr lang="en-US" dirty="0" smtClean="0">
+                <a:hlinkClick r:id="rId8"/>
+              </a:rPr>
               <a:t>http</a:t>
             </a:r>
             <a:r>
               <a:rPr lang="en-US" dirty="0">
-                <a:hlinkClick r:id="rId6"/>
+                <a:hlinkClick r:id="rId8"/>
               </a:rPr>
               <a:t>://es6-features.org/#</a:t>
             </a:r>
             <a:r>
               <a:rPr lang="en-US" dirty="0" smtClean="0">
-                <a:hlinkClick r:id="rId6"/>
+                <a:hlinkClick r:id="rId8"/>
               </a:rPr>
               <a:t>Constants</a:t>
             </a:r>
@@ -27340,7 +27478,7 @@
           <p:nvPr/>
         </p:nvPicPr>
         <p:blipFill>
-          <a:blip r:embed="rId7">
+          <a:blip r:embed="rId9">
             <a:extLst>
               <a:ext uri="{28A0092B-C50C-407E-A947-70E740481C1C}">
                 <a14:useLocalDpi xmlns:a14="http://schemas.microsoft.com/office/drawing/2010/main" val="0"/>

--- a/React.pptx
+++ b/React.pptx
@@ -24570,25 +24570,6 @@
       </p:grpSpPr>
       <p:sp>
         <p:nvSpPr>
-          <p:cNvPr id="2" name="Title 1"/>
-          <p:cNvSpPr>
-            <a:spLocks noGrp="1"/>
-          </p:cNvSpPr>
-          <p:nvPr>
-            <p:ph type="title"/>
-          </p:nvPr>
-        </p:nvSpPr>
-        <p:spPr/>
-        <p:txBody>
-          <a:bodyPr/>
-          <a:lstStyle/>
-          <a:p>
-            <a:endParaRPr lang="en-US" dirty="0"/>
-          </a:p>
-        </p:txBody>
-      </p:sp>
-      <p:sp>
-        <p:nvSpPr>
           <p:cNvPr id="4" name="Footer Placeholder 3"/>
           <p:cNvSpPr>
             <a:spLocks noGrp="1"/>
@@ -26676,9 +26657,37 @@
           </a:p>
         </p:txBody>
       </p:sp>
+      <p:sp>
+        <p:nvSpPr>
+          <p:cNvPr id="9" name="Title 1"/>
+          <p:cNvSpPr>
+            <a:spLocks noGrp="1"/>
+          </p:cNvSpPr>
+          <p:nvPr>
+            <p:ph type="title"/>
+          </p:nvPr>
+        </p:nvSpPr>
+        <p:spPr>
+          <a:xfrm>
+            <a:off x="431040" y="129146"/>
+            <a:ext cx="10515600" cy="1325563"/>
+          </a:xfrm>
+        </p:spPr>
+        <p:txBody>
+          <a:bodyPr/>
+          <a:lstStyle/>
+          <a:p>
+            <a:r>
+              <a:rPr lang="en-US" dirty="0" smtClean="0"/>
+              <a:t>Test And Result</a:t>
+            </a:r>
+            <a:endParaRPr lang="en-US" dirty="0"/>
+          </a:p>
+        </p:txBody>
+      </p:sp>
       <p:pic>
         <p:nvPicPr>
-          <p:cNvPr id="7" name="Picture 6"/>
+          <p:cNvPr id="2" name="Picture 1"/>
           <p:cNvPicPr>
             <a:picLocks noChangeAspect="1"/>
           </p:cNvPicPr>
@@ -26692,45 +26701,17 @@
         </p:blipFill>
         <p:spPr>
           <a:xfrm>
-            <a:off x="431040" y="1599909"/>
-            <a:ext cx="6648450" cy="4611240"/>
+            <a:off x="96592" y="1005168"/>
+            <a:ext cx="6459483" cy="5635853"/>
           </a:xfrm>
           <a:prstGeom prst="rect">
             <a:avLst/>
           </a:prstGeom>
         </p:spPr>
       </p:pic>
-      <p:sp>
-        <p:nvSpPr>
-          <p:cNvPr id="9" name="Title 1"/>
-          <p:cNvSpPr>
-            <a:spLocks noGrp="1"/>
-          </p:cNvSpPr>
-          <p:nvPr>
-            <p:ph type="title"/>
-          </p:nvPr>
-        </p:nvSpPr>
-        <p:spPr>
-          <a:xfrm>
-            <a:off x="431040" y="129146"/>
-            <a:ext cx="10515600" cy="1325563"/>
-          </a:xfrm>
-        </p:spPr>
-        <p:txBody>
-          <a:bodyPr/>
-          <a:lstStyle/>
-          <a:p>
-            <a:r>
-              <a:rPr lang="en-US" dirty="0" smtClean="0"/>
-              <a:t>Test And Result</a:t>
-            </a:r>
-            <a:endParaRPr lang="en-US" dirty="0"/>
-          </a:p>
-        </p:txBody>
-      </p:sp>
       <p:pic>
         <p:nvPicPr>
-          <p:cNvPr id="10" name="Picture 9"/>
+          <p:cNvPr id="3" name="Picture 2"/>
           <p:cNvPicPr>
             <a:picLocks noChangeAspect="1"/>
           </p:cNvPicPr>
@@ -26744,8 +26725,8 @@
         </p:blipFill>
         <p:spPr>
           <a:xfrm>
-            <a:off x="7202242" y="2326648"/>
-            <a:ext cx="4848090" cy="1781712"/>
+            <a:off x="6700467" y="2500097"/>
+            <a:ext cx="5307503" cy="1726846"/>
           </a:xfrm>
           <a:prstGeom prst="rect">
             <a:avLst/>
@@ -26796,7 +26777,7 @@
                                           </p:stCondLst>
                                         </p:cTn>
                                         <p:tgtEl>
-                                          <p:spTgt spid="10"/>
+                                          <p:spTgt spid="3"/>
                                         </p:tgtEl>
                                         <p:attrNameLst>
                                           <p:attrName>style.visibility</p:attrName>
@@ -27292,7 +27273,9 @@
           </a:xfrm>
         </p:spPr>
         <p:txBody>
-          <a:bodyPr/>
+          <a:bodyPr>
+            <a:normAutofit/>
+          </a:bodyPr>
           <a:lstStyle/>
           <a:p>
             <a:r>
@@ -27377,7 +27360,7 @@
               <a:rPr lang="en-US" dirty="0" smtClean="0">
                 <a:hlinkClick r:id="rId7"/>
               </a:rPr>
-              <a:t>github.com/rackt/react-router</a:t>
+              <a:t>facebook.github.io/react/blog/2014/09/24/testing-flux-applications.html</a:t>
             </a:r>
             <a:endParaRPr lang="en-US" dirty="0" smtClean="0"/>
           </a:p>
@@ -27386,17 +27369,38 @@
               <a:rPr lang="en-US" dirty="0" smtClean="0">
                 <a:hlinkClick r:id="rId8"/>
               </a:rPr>
-              <a:t>http</a:t>
+              <a:t>https</a:t>
             </a:r>
             <a:r>
               <a:rPr lang="en-US" dirty="0">
                 <a:hlinkClick r:id="rId8"/>
               </a:rPr>
-              <a:t>://es6-features.org/#</a:t>
+              <a:t>://</a:t>
             </a:r>
             <a:r>
               <a:rPr lang="en-US" dirty="0" smtClean="0">
                 <a:hlinkClick r:id="rId8"/>
+              </a:rPr>
+              <a:t>github.com/rackt/react-router</a:t>
+            </a:r>
+            <a:endParaRPr lang="en-US" dirty="0" smtClean="0"/>
+          </a:p>
+          <a:p>
+            <a:r>
+              <a:rPr lang="en-US" dirty="0" smtClean="0">
+                <a:hlinkClick r:id="rId9"/>
+              </a:rPr>
+              <a:t>http</a:t>
+            </a:r>
+            <a:r>
+              <a:rPr lang="en-US" dirty="0">
+                <a:hlinkClick r:id="rId9"/>
+              </a:rPr>
+              <a:t>://es6-features.org/#</a:t>
+            </a:r>
+            <a:r>
+              <a:rPr lang="en-US" dirty="0" smtClean="0">
+                <a:hlinkClick r:id="rId9"/>
               </a:rPr>
               <a:t>Constants</a:t>
             </a:r>
@@ -27478,7 +27482,7 @@
           <p:nvPr/>
         </p:nvPicPr>
         <p:blipFill>
-          <a:blip r:embed="rId9">
+          <a:blip r:embed="rId10">
             <a:extLst>
               <a:ext uri="{28A0092B-C50C-407E-A947-70E740481C1C}">
                 <a14:useLocalDpi xmlns:a14="http://schemas.microsoft.com/office/drawing/2010/main" val="0"/>

--- a/React.pptx
+++ b/React.pptx
@@ -7,10 +7,10 @@
     <p:sldMasterId id="2147483707" r:id="rId3"/>
   </p:sldMasterIdLst>
   <p:notesMasterIdLst>
-    <p:notesMasterId r:id="rId46"/>
+    <p:notesMasterId r:id="rId45"/>
   </p:notesMasterIdLst>
   <p:handoutMasterIdLst>
-    <p:handoutMasterId r:id="rId47"/>
+    <p:handoutMasterId r:id="rId46"/>
   </p:handoutMasterIdLst>
   <p:sldIdLst>
     <p:sldId id="309" r:id="rId4"/>
@@ -33,28 +33,27 @@
     <p:sldId id="269" r:id="rId21"/>
     <p:sldId id="258" r:id="rId22"/>
     <p:sldId id="259" r:id="rId23"/>
-    <p:sldId id="291" r:id="rId24"/>
-    <p:sldId id="261" r:id="rId25"/>
-    <p:sldId id="293" r:id="rId26"/>
-    <p:sldId id="316" r:id="rId27"/>
-    <p:sldId id="298" r:id="rId28"/>
-    <p:sldId id="296" r:id="rId29"/>
-    <p:sldId id="321" r:id="rId30"/>
-    <p:sldId id="323" r:id="rId31"/>
-    <p:sldId id="301" r:id="rId32"/>
-    <p:sldId id="328" r:id="rId33"/>
-    <p:sldId id="317" r:id="rId34"/>
-    <p:sldId id="320" r:id="rId35"/>
-    <p:sldId id="324" r:id="rId36"/>
-    <p:sldId id="325" r:id="rId37"/>
-    <p:sldId id="326" r:id="rId38"/>
-    <p:sldId id="268" r:id="rId39"/>
-    <p:sldId id="306" r:id="rId40"/>
-    <p:sldId id="327" r:id="rId41"/>
-    <p:sldId id="319" r:id="rId42"/>
-    <p:sldId id="304" r:id="rId43"/>
-    <p:sldId id="329" r:id="rId44"/>
-    <p:sldId id="311" r:id="rId45"/>
+    <p:sldId id="261" r:id="rId24"/>
+    <p:sldId id="293" r:id="rId25"/>
+    <p:sldId id="316" r:id="rId26"/>
+    <p:sldId id="298" r:id="rId27"/>
+    <p:sldId id="296" r:id="rId28"/>
+    <p:sldId id="321" r:id="rId29"/>
+    <p:sldId id="323" r:id="rId30"/>
+    <p:sldId id="301" r:id="rId31"/>
+    <p:sldId id="328" r:id="rId32"/>
+    <p:sldId id="317" r:id="rId33"/>
+    <p:sldId id="320" r:id="rId34"/>
+    <p:sldId id="324" r:id="rId35"/>
+    <p:sldId id="325" r:id="rId36"/>
+    <p:sldId id="326" r:id="rId37"/>
+    <p:sldId id="268" r:id="rId38"/>
+    <p:sldId id="306" r:id="rId39"/>
+    <p:sldId id="327" r:id="rId40"/>
+    <p:sldId id="319" r:id="rId41"/>
+    <p:sldId id="304" r:id="rId42"/>
+    <p:sldId id="329" r:id="rId43"/>
+    <p:sldId id="311" r:id="rId44"/>
   </p:sldIdLst>
   <p:sldSz cx="12192000" cy="6858000"/>
   <p:notesSz cx="6858000" cy="9144000"/>
@@ -178,7 +177,6 @@
             <p14:sldId id="269"/>
             <p14:sldId id="258"/>
             <p14:sldId id="259"/>
-            <p14:sldId id="291"/>
             <p14:sldId id="261"/>
             <p14:sldId id="293"/>
             <p14:sldId id="316"/>
@@ -1316,18 +1314,89 @@
           <a:bodyPr/>
           <a:lstStyle/>
           <a:p>
+            <a:r>
+              <a:rPr lang="en-US" dirty="0" smtClean="0"/>
+              <a:t>In React we refer all the piece of code as component. </a:t>
+            </a:r>
+          </a:p>
+          <a:p>
+            <a:endParaRPr lang="en-US" dirty="0" smtClean="0"/>
+          </a:p>
+          <a:p>
+            <a:r>
+              <a:rPr lang="en-US" dirty="0" smtClean="0"/>
+              <a:t>A component can maintain internal state data (accessed via </a:t>
+            </a:r>
+            <a:r>
+              <a:rPr lang="en-US" dirty="0" err="1" smtClean="0"/>
+              <a:t>this.props</a:t>
+            </a:r>
+            <a:r>
+              <a:rPr lang="en-US" dirty="0" smtClean="0"/>
+              <a:t> or </a:t>
+            </a:r>
+            <a:r>
+              <a:rPr lang="en-US" dirty="0" err="1" smtClean="0"/>
+              <a:t>this.state</a:t>
+            </a:r>
+            <a:r>
+              <a:rPr lang="en-US" dirty="0" smtClean="0"/>
+              <a:t>) When a component's state data changes, the rendered markup will be updated by re-invoking render() method this is known as </a:t>
+            </a:r>
+            <a:r>
+              <a:rPr lang="en-US" dirty="0" err="1" smtClean="0"/>
+              <a:t>stateful</a:t>
+            </a:r>
+            <a:r>
+              <a:rPr lang="en-US" dirty="0" smtClean="0"/>
+              <a:t> component.</a:t>
+            </a:r>
+          </a:p>
+          <a:p>
+            <a:endParaRPr lang="en-US" dirty="0" smtClean="0"/>
+          </a:p>
+          <a:p>
+            <a:r>
+              <a:rPr lang="en-US" dirty="0" smtClean="0"/>
+              <a:t>Components can be nested i.e. One component can use the other component inside its render method()</a:t>
+            </a:r>
+          </a:p>
+          <a:p>
             <a:endParaRPr lang="en-US" dirty="0"/>
           </a:p>
         </p:txBody>
       </p:sp>
       <p:sp>
         <p:nvSpPr>
-          <p:cNvPr id="4" name="Slide Number Placeholder 3"/>
-          <p:cNvSpPr>
-            <a:spLocks noGrp="1"/>
-          </p:cNvSpPr>
-          <p:nvPr>
-            <p:ph type="sldNum" sz="quarter" idx="10"/>
+          <p:cNvPr id="4" name="Header Placeholder 3"/>
+          <p:cNvSpPr>
+            <a:spLocks noGrp="1"/>
+          </p:cNvSpPr>
+          <p:nvPr>
+            <p:ph type="hdr" sz="quarter" idx="10"/>
+          </p:nvPr>
+        </p:nvSpPr>
+        <p:spPr/>
+        <p:txBody>
+          <a:bodyPr/>
+          <a:lstStyle/>
+          <a:p>
+            <a:r>
+              <a:rPr lang="en-US" smtClean="0"/>
+              <a:t>TEST</a:t>
+            </a:r>
+            <a:endParaRPr lang="en-US"/>
+          </a:p>
+        </p:txBody>
+      </p:sp>
+      <p:sp>
+        <p:nvSpPr>
+          <p:cNvPr id="5" name="Slide Number Placeholder 4"/>
+          <p:cNvSpPr>
+            <a:spLocks noGrp="1"/>
+          </p:cNvSpPr>
+          <p:nvPr>
+            <p:ph type="sldNum" sz="quarter" idx="11"/>
           </p:nvPr>
         </p:nvSpPr>
         <p:spPr/>
@@ -1337,31 +1406,8 @@
           <a:p>
             <a:fld id="{B1206FEA-4AFC-4465-8ABD-ECC3D411179B}" type="slidenum">
               <a:rPr lang="en-US" smtClean="0"/>
-              <a:t>23</a:t>
+              <a:t>20</a:t>
             </a:fld>
-            <a:endParaRPr lang="en-US"/>
-          </a:p>
-        </p:txBody>
-      </p:sp>
-      <p:sp>
-        <p:nvSpPr>
-          <p:cNvPr id="5" name="Header Placeholder 4"/>
-          <p:cNvSpPr>
-            <a:spLocks noGrp="1"/>
-          </p:cNvSpPr>
-          <p:nvPr>
-            <p:ph type="hdr" sz="quarter" idx="11"/>
-          </p:nvPr>
-        </p:nvSpPr>
-        <p:spPr/>
-        <p:txBody>
-          <a:bodyPr/>
-          <a:lstStyle/>
-          <a:p>
-            <a:r>
-              <a:rPr lang="en-US" smtClean="0"/>
-              <a:t>TEST</a:t>
-            </a:r>
             <a:endParaRPr lang="en-US"/>
           </a:p>
         </p:txBody>
@@ -1369,7 +1415,7 @@
     </p:spTree>
     <p:extLst>
       <p:ext uri="{BB962C8B-B14F-4D97-AF65-F5344CB8AC3E}">
-        <p14:creationId xmlns:p14="http://schemas.microsoft.com/office/powerpoint/2010/main" val="4238810153"/>
+        <p14:creationId xmlns:p14="http://schemas.microsoft.com/office/powerpoint/2010/main" val="2663272821"/>
       </p:ext>
     </p:extLst>
   </p:cSld>
@@ -1425,19 +1471,74 @@
           <a:p>
             <a:r>
               <a:rPr lang="en-US" dirty="0" smtClean="0"/>
-              <a:t>We have learned the React rendering enough so far.</a:t>
+              <a:t>React provides full support to all html attributes to us in its markup as a prop.</a:t>
             </a:r>
           </a:p>
           <a:p>
             <a:r>
               <a:rPr lang="en-US" dirty="0" smtClean="0"/>
-              <a:t>Lets use a react view in our app to render the </a:t>
+              <a:t>But prop names should be in </a:t>
             </a:r>
             <a:r>
               <a:rPr lang="en-US" dirty="0" err="1" smtClean="0"/>
-              <a:t>todos</a:t>
-            </a:r>
-            <a:endParaRPr lang="en-US" dirty="0" smtClean="0"/>
+              <a:t>camelCase</a:t>
+            </a:r>
+            <a:r>
+              <a:rPr lang="en-US" dirty="0" smtClean="0"/>
+              <a:t>.</a:t>
+            </a:r>
+          </a:p>
+          <a:p>
+            <a:r>
+              <a:rPr lang="en-US" dirty="0" smtClean="0"/>
+              <a:t>Also there are some reserve keywords in </a:t>
+            </a:r>
+            <a:r>
+              <a:rPr lang="en-US" dirty="0" err="1" smtClean="0"/>
+              <a:t>Javascript</a:t>
+            </a:r>
+            <a:r>
+              <a:rPr lang="en-US" dirty="0" smtClean="0"/>
+              <a:t> like ‘class’ and ‘for’. So use them as props react provides ‘</a:t>
+            </a:r>
+            <a:r>
+              <a:rPr lang="en-US" dirty="0" err="1" smtClean="0"/>
+              <a:t>className</a:t>
+            </a:r>
+            <a:r>
+              <a:rPr lang="en-US" dirty="0" smtClean="0"/>
+              <a:t>’ and ‘</a:t>
+            </a:r>
+            <a:r>
+              <a:rPr lang="en-US" dirty="0" err="1" smtClean="0"/>
+              <a:t>htmlFor</a:t>
+            </a:r>
+            <a:r>
+              <a:rPr lang="en-US" dirty="0" smtClean="0"/>
+              <a:t>’ respectively.</a:t>
+            </a:r>
+          </a:p>
+          <a:p>
+            <a:r>
+              <a:rPr lang="en-US" dirty="0" smtClean="0"/>
+              <a:t>Similarly defining any inline style should also use the </a:t>
+            </a:r>
+            <a:r>
+              <a:rPr lang="en-US" dirty="0" err="1" smtClean="0"/>
+              <a:t>camelCase</a:t>
+            </a:r>
+            <a:r>
+              <a:rPr lang="en-US" dirty="0" smtClean="0"/>
+              <a:t> syntax like: style={{</a:t>
+            </a:r>
+            <a:r>
+              <a:rPr lang="en-US" dirty="0" err="1" smtClean="0"/>
+              <a:t>marginLeft</a:t>
+            </a:r>
+            <a:r>
+              <a:rPr lang="en-US" dirty="0" smtClean="0"/>
+              <a:t>: '5px'}}</a:t>
+            </a:r>
           </a:p>
           <a:p>
             <a:endParaRPr lang="en-US" dirty="0"/>
@@ -1446,12 +1547,35 @@
       </p:sp>
       <p:sp>
         <p:nvSpPr>
-          <p:cNvPr id="4" name="Header Placeholder 3"/>
-          <p:cNvSpPr>
-            <a:spLocks noGrp="1"/>
-          </p:cNvSpPr>
-          <p:nvPr>
-            <p:ph type="hdr" sz="quarter" idx="10"/>
+          <p:cNvPr id="4" name="Slide Number Placeholder 3"/>
+          <p:cNvSpPr>
+            <a:spLocks noGrp="1"/>
+          </p:cNvSpPr>
+          <p:nvPr>
+            <p:ph type="sldNum" sz="quarter" idx="10"/>
+          </p:nvPr>
+        </p:nvSpPr>
+        <p:spPr/>
+        <p:txBody>
+          <a:bodyPr/>
+          <a:lstStyle/>
+          <a:p>
+            <a:fld id="{B1206FEA-4AFC-4465-8ABD-ECC3D411179B}" type="slidenum">
+              <a:rPr lang="en-US" smtClean="0"/>
+              <a:t>22</a:t>
+            </a:fld>
+            <a:endParaRPr lang="en-US"/>
+          </a:p>
+        </p:txBody>
+      </p:sp>
+      <p:sp>
+        <p:nvSpPr>
+          <p:cNvPr id="5" name="Header Placeholder 4"/>
+          <p:cNvSpPr>
+            <a:spLocks noGrp="1"/>
+          </p:cNvSpPr>
+          <p:nvPr>
+            <p:ph type="hdr" sz="quarter" idx="11"/>
           </p:nvPr>
         </p:nvSpPr>
         <p:spPr/>
@@ -1463,29 +1587,6 @@
               <a:rPr lang="en-US" smtClean="0"/>
               <a:t>TEST</a:t>
             </a:r>
-            <a:endParaRPr lang="en-US"/>
-          </a:p>
-        </p:txBody>
-      </p:sp>
-      <p:sp>
-        <p:nvSpPr>
-          <p:cNvPr id="5" name="Slide Number Placeholder 4"/>
-          <p:cNvSpPr>
-            <a:spLocks noGrp="1"/>
-          </p:cNvSpPr>
-          <p:nvPr>
-            <p:ph type="sldNum" sz="quarter" idx="11"/>
-          </p:nvPr>
-        </p:nvSpPr>
-        <p:spPr/>
-        <p:txBody>
-          <a:bodyPr/>
-          <a:lstStyle/>
-          <a:p>
-            <a:fld id="{B1206FEA-4AFC-4465-8ABD-ECC3D411179B}" type="slidenum">
-              <a:rPr lang="en-US" smtClean="0"/>
-              <a:t>24</a:t>
-            </a:fld>
             <a:endParaRPr lang="en-US"/>
           </a:p>
         </p:txBody>
@@ -1493,7 +1594,7 @@
     </p:spTree>
     <p:extLst>
       <p:ext uri="{BB962C8B-B14F-4D97-AF65-F5344CB8AC3E}">
-        <p14:creationId xmlns:p14="http://schemas.microsoft.com/office/powerpoint/2010/main" val="3701715139"/>
+        <p14:creationId xmlns:p14="http://schemas.microsoft.com/office/powerpoint/2010/main" val="4238810153"/>
       </p:ext>
     </p:extLst>
   </p:cSld>
@@ -1547,58 +1648,23 @@
           <a:bodyPr/>
           <a:lstStyle/>
           <a:p>
+            <a:r>
+              <a:rPr lang="en-US" dirty="0" smtClean="0"/>
+              <a:t>We have learned the React rendering enough so far.</a:t>
+            </a:r>
+          </a:p>
+          <a:p>
+            <a:r>
+              <a:rPr lang="en-US" dirty="0" smtClean="0"/>
+              <a:t>Lets use a react view in our app to render the </a:t>
+            </a:r>
+            <a:r>
+              <a:rPr lang="en-US" dirty="0" err="1" smtClean="0"/>
+              <a:t>todos</a:t>
+            </a:r>
             <a:endParaRPr lang="en-US" dirty="0" smtClean="0"/>
           </a:p>
           <a:p>
-            <a:r>
-              <a:rPr lang="en-US" sz="1200" dirty="0" smtClean="0"/>
-              <a:t>We need to pass the alt store’s state data to the view.</a:t>
-            </a:r>
-          </a:p>
-          <a:p>
-            <a:endParaRPr lang="en-US" sz="1200" dirty="0" smtClean="0"/>
-          </a:p>
-          <a:p>
-            <a:r>
-              <a:rPr lang="en-US" sz="1200" dirty="0" smtClean="0"/>
-              <a:t>Alt provides a built-in components that binds an specific store to the specific view. This is known as Component Container</a:t>
-            </a:r>
-          </a:p>
-          <a:p>
-            <a:endParaRPr lang="en-US" dirty="0" smtClean="0"/>
-          </a:p>
-          <a:p>
-            <a:pPr marL="0" marR="0" indent="0" algn="l" defTabSz="914400" rtl="0" eaLnBrk="1" fontAlgn="auto" latinLnBrk="0" hangingPunct="1">
-              <a:lnSpc>
-                <a:spcPct val="100000"/>
-              </a:lnSpc>
-              <a:spcBef>
-                <a:spcPts val="0"/>
-              </a:spcBef>
-              <a:spcAft>
-                <a:spcPts val="0"/>
-              </a:spcAft>
-              <a:buClrTx/>
-              <a:buSzTx/>
-              <a:buFontTx/>
-              <a:buNone/>
-              <a:tabLst/>
-              <a:defRPr/>
-            </a:pPr>
-            <a:r>
-              <a:rPr lang="en-US" sz="1200" dirty="0" smtClean="0"/>
-              <a:t>This will actually pass the state data from the store to the view as a prop. Hence the Customer component can now access the state data from Customer Store </a:t>
-            </a:r>
-            <a:r>
-              <a:rPr lang="en-US" sz="1200" dirty="0" err="1" smtClean="0"/>
-              <a:t>i.e</a:t>
-            </a:r>
-            <a:r>
-              <a:rPr lang="en-US" sz="1200" dirty="0" smtClean="0"/>
-              <a:t> customers from its prop.</a:t>
-            </a:r>
-          </a:p>
-          <a:p>
             <a:endParaRPr lang="en-US" dirty="0"/>
           </a:p>
         </p:txBody>
@@ -1643,7 +1709,7 @@
           <a:p>
             <a:fld id="{B1206FEA-4AFC-4465-8ABD-ECC3D411179B}" type="slidenum">
               <a:rPr lang="en-US" smtClean="0"/>
-              <a:t>25</a:t>
+              <a:t>23</a:t>
             </a:fld>
             <a:endParaRPr lang="en-US"/>
           </a:p>
@@ -1652,7 +1718,7 @@
     </p:spTree>
     <p:extLst>
       <p:ext uri="{BB962C8B-B14F-4D97-AF65-F5344CB8AC3E}">
-        <p14:creationId xmlns:p14="http://schemas.microsoft.com/office/powerpoint/2010/main" val="2010599516"/>
+        <p14:creationId xmlns:p14="http://schemas.microsoft.com/office/powerpoint/2010/main" val="3701715139"/>
       </p:ext>
     </p:extLst>
   </p:cSld>
@@ -1706,6 +1772,27 @@
           <a:bodyPr/>
           <a:lstStyle/>
           <a:p>
+            <a:endParaRPr lang="en-US" dirty="0" smtClean="0"/>
+          </a:p>
+          <a:p>
+            <a:r>
+              <a:rPr lang="en-US" sz="1200" dirty="0" smtClean="0"/>
+              <a:t>We need to pass the alt store’s state data to the view.</a:t>
+            </a:r>
+          </a:p>
+          <a:p>
+            <a:endParaRPr lang="en-US" sz="1200" dirty="0" smtClean="0"/>
+          </a:p>
+          <a:p>
+            <a:r>
+              <a:rPr lang="en-US" sz="1200" dirty="0" smtClean="0"/>
+              <a:t>Alt provides a built-in components that binds an specific store to the specific view. This is known as Component Container</a:t>
+            </a:r>
+          </a:p>
+          <a:p>
+            <a:endParaRPr lang="en-US" dirty="0" smtClean="0"/>
+          </a:p>
+          <a:p>
             <a:pPr marL="0" marR="0" indent="0" algn="l" defTabSz="914400" rtl="0" eaLnBrk="1" fontAlgn="auto" latinLnBrk="0" hangingPunct="1">
               <a:lnSpc>
                 <a:spcPct val="100000"/>
@@ -1725,7 +1812,15 @@
             </a:pPr>
             <a:r>
               <a:rPr lang="en-US" sz="1200" dirty="0" smtClean="0"/>
-              <a:t>Use the following code in Todos.js of component directory</a:t>
+              <a:t>This will actually pass the state data from the store to the view as a prop. Hence the Customer component can now access the state data from Customer Store </a:t>
+            </a:r>
+            <a:r>
+              <a:rPr lang="en-US" sz="1200" dirty="0" err="1" smtClean="0"/>
+              <a:t>i.e</a:t>
+            </a:r>
+            <a:r>
+              <a:rPr lang="en-US" sz="1200" dirty="0" smtClean="0"/>
+              <a:t> customers from its prop.</a:t>
             </a:r>
           </a:p>
           <a:p>
@@ -1773,7 +1868,7 @@
           <a:p>
             <a:fld id="{B1206FEA-4AFC-4465-8ABD-ECC3D411179B}" type="slidenum">
               <a:rPr lang="en-US" smtClean="0"/>
-              <a:t>26</a:t>
+              <a:t>24</a:t>
             </a:fld>
             <a:endParaRPr lang="en-US"/>
           </a:p>
@@ -1782,7 +1877,7 @@
     </p:spTree>
     <p:extLst>
       <p:ext uri="{BB962C8B-B14F-4D97-AF65-F5344CB8AC3E}">
-        <p14:creationId xmlns:p14="http://schemas.microsoft.com/office/powerpoint/2010/main" val="1555669338"/>
+        <p14:creationId xmlns:p14="http://schemas.microsoft.com/office/powerpoint/2010/main" val="2010599516"/>
       </p:ext>
     </p:extLst>
   </p:cSld>
@@ -1903,7 +1998,7 @@
           <a:p>
             <a:fld id="{B1206FEA-4AFC-4465-8ABD-ECC3D411179B}" type="slidenum">
               <a:rPr lang="en-US" smtClean="0"/>
-              <a:t>27</a:t>
+              <a:t>25</a:t>
             </a:fld>
             <a:endParaRPr lang="en-US"/>
           </a:p>
@@ -1912,7 +2007,7 @@
     </p:spTree>
     <p:extLst>
       <p:ext uri="{BB962C8B-B14F-4D97-AF65-F5344CB8AC3E}">
-        <p14:creationId xmlns:p14="http://schemas.microsoft.com/office/powerpoint/2010/main" val="3944715601"/>
+        <p14:creationId xmlns:p14="http://schemas.microsoft.com/office/powerpoint/2010/main" val="1555669338"/>
       </p:ext>
     </p:extLst>
   </p:cSld>
@@ -1985,36 +2080,8 @@
             </a:pPr>
             <a:r>
               <a:rPr lang="en-US" sz="1200" dirty="0" smtClean="0"/>
-              <a:t>Use</a:t>
-            </a:r>
-            <a:r>
-              <a:rPr lang="en-US" sz="1200" baseline="0" dirty="0" smtClean="0"/>
-              <a:t> the code in index.html</a:t>
-            </a:r>
-          </a:p>
-          <a:p>
-            <a:pPr marL="0" marR="0" indent="0" algn="l" defTabSz="914400" rtl="0" eaLnBrk="1" fontAlgn="auto" latinLnBrk="0" hangingPunct="1">
-              <a:lnSpc>
-                <a:spcPct val="100000"/>
-              </a:lnSpc>
-              <a:spcBef>
-                <a:spcPts val="0"/>
-              </a:spcBef>
-              <a:spcAft>
-                <a:spcPts val="0"/>
-              </a:spcAft>
-              <a:buClrTx/>
-              <a:buSzTx/>
-              <a:buFontTx/>
-              <a:buNone/>
-              <a:tabLst/>
-              <a:defRPr/>
-            </a:pPr>
-            <a:r>
-              <a:rPr lang="en-US" sz="1200" baseline="0" dirty="0" smtClean="0"/>
-              <a:t>And in app.js</a:t>
-            </a:r>
-            <a:endParaRPr lang="en-US" sz="1200" dirty="0" smtClean="0"/>
+              <a:t>Use the following code in Todos.js of component directory</a:t>
+            </a:r>
           </a:p>
           <a:p>
             <a:endParaRPr lang="en-US" dirty="0"/>
@@ -2061,7 +2128,7 @@
           <a:p>
             <a:fld id="{B1206FEA-4AFC-4465-8ABD-ECC3D411179B}" type="slidenum">
               <a:rPr lang="en-US" smtClean="0"/>
-              <a:t>28</a:t>
+              <a:t>26</a:t>
             </a:fld>
             <a:endParaRPr lang="en-US"/>
           </a:p>
@@ -2070,7 +2137,7 @@
     </p:spTree>
     <p:extLst>
       <p:ext uri="{BB962C8B-B14F-4D97-AF65-F5344CB8AC3E}">
-        <p14:creationId xmlns:p14="http://schemas.microsoft.com/office/powerpoint/2010/main" val="2837921313"/>
+        <p14:creationId xmlns:p14="http://schemas.microsoft.com/office/powerpoint/2010/main" val="3944715601"/>
       </p:ext>
     </p:extLst>
   </p:cSld>
@@ -2124,54 +2191,55 @@
           <a:bodyPr/>
           <a:lstStyle/>
           <a:p>
-            <a:r>
-              <a:rPr lang="en-US" dirty="0" smtClean="0"/>
-              <a:t>So far we use just the </a:t>
-            </a:r>
-            <a:r>
-              <a:rPr lang="en-US" dirty="0" err="1" smtClean="0"/>
-              <a:t>jsx</a:t>
-            </a:r>
-            <a:r>
-              <a:rPr lang="en-US" dirty="0" smtClean="0"/>
-              <a:t> syntax in our component and also used the ES6 features in the stores.</a:t>
-            </a:r>
-          </a:p>
-          <a:p>
-            <a:r>
-              <a:rPr lang="en-US" dirty="0" smtClean="0"/>
-              <a:t>Browser don’t knows the </a:t>
-            </a:r>
-            <a:r>
-              <a:rPr lang="en-US" dirty="0" err="1" smtClean="0"/>
-              <a:t>jsx</a:t>
-            </a:r>
-            <a:r>
-              <a:rPr lang="en-US" dirty="0" smtClean="0"/>
-              <a:t> syntax in </a:t>
-            </a:r>
-            <a:r>
-              <a:rPr lang="en-US" dirty="0" err="1" smtClean="0"/>
-              <a:t>javascript</a:t>
-            </a:r>
-            <a:r>
-              <a:rPr lang="en-US" dirty="0" smtClean="0"/>
-              <a:t> so we need some transformer utility that transform this syntax to plain script for browser to digest.</a:t>
-            </a:r>
-          </a:p>
-          <a:p>
-            <a:r>
-              <a:rPr lang="en-US" dirty="0" smtClean="0"/>
-              <a:t>Babel.js done this job pretty well this can be use directly by linking its script file or using </a:t>
-            </a:r>
-            <a:r>
-              <a:rPr lang="en-US" dirty="0" err="1" smtClean="0"/>
-              <a:t>npm</a:t>
-            </a:r>
-            <a:r>
-              <a:rPr lang="en-US" dirty="0" smtClean="0"/>
-              <a:t>. </a:t>
-            </a:r>
+            <a:pPr marL="0" marR="0" indent="0" algn="l" defTabSz="914400" rtl="0" eaLnBrk="1" fontAlgn="auto" latinLnBrk="0" hangingPunct="1">
+              <a:lnSpc>
+                <a:spcPct val="100000"/>
+              </a:lnSpc>
+              <a:spcBef>
+                <a:spcPts val="0"/>
+              </a:spcBef>
+              <a:spcAft>
+                <a:spcPts val="0"/>
+              </a:spcAft>
+              <a:buClrTx/>
+              <a:buSzTx/>
+              <a:buFontTx/>
+              <a:buNone/>
+              <a:tabLst/>
+              <a:defRPr/>
+            </a:pPr>
+            <a:r>
+              <a:rPr lang="en-US" sz="1200" dirty="0" smtClean="0"/>
+              <a:t>Use</a:t>
+            </a:r>
+            <a:r>
+              <a:rPr lang="en-US" sz="1200" baseline="0" dirty="0" smtClean="0"/>
+              <a:t> the code in index.html</a:t>
+            </a:r>
+          </a:p>
+          <a:p>
+            <a:pPr marL="0" marR="0" indent="0" algn="l" defTabSz="914400" rtl="0" eaLnBrk="1" fontAlgn="auto" latinLnBrk="0" hangingPunct="1">
+              <a:lnSpc>
+                <a:spcPct val="100000"/>
+              </a:lnSpc>
+              <a:spcBef>
+                <a:spcPts val="0"/>
+              </a:spcBef>
+              <a:spcAft>
+                <a:spcPts val="0"/>
+              </a:spcAft>
+              <a:buClrTx/>
+              <a:buSzTx/>
+              <a:buFontTx/>
+              <a:buNone/>
+              <a:tabLst/>
+              <a:defRPr/>
+            </a:pPr>
+            <a:r>
+              <a:rPr lang="en-US" sz="1200" baseline="0" dirty="0" smtClean="0"/>
+              <a:t>And in app.js</a:t>
+            </a:r>
+            <a:endParaRPr lang="en-US" sz="1200" dirty="0" smtClean="0"/>
           </a:p>
           <a:p>
             <a:endParaRPr lang="en-US" dirty="0"/>
@@ -2218,7 +2286,7 @@
           <a:p>
             <a:fld id="{B1206FEA-4AFC-4465-8ABD-ECC3D411179B}" type="slidenum">
               <a:rPr lang="en-US" smtClean="0"/>
-              <a:t>29</a:t>
+              <a:t>27</a:t>
             </a:fld>
             <a:endParaRPr lang="en-US"/>
           </a:p>
@@ -2227,7 +2295,7 @@
     </p:spTree>
     <p:extLst>
       <p:ext uri="{BB962C8B-B14F-4D97-AF65-F5344CB8AC3E}">
-        <p14:creationId xmlns:p14="http://schemas.microsoft.com/office/powerpoint/2010/main" val="3969333674"/>
+        <p14:creationId xmlns:p14="http://schemas.microsoft.com/office/powerpoint/2010/main" val="2837921313"/>
       </p:ext>
     </p:extLst>
   </p:cSld>
@@ -2452,51 +2520,52 @@
           <a:p>
             <a:r>
               <a:rPr lang="en-US" dirty="0" smtClean="0"/>
-              <a:t>So far we use just the require</a:t>
-            </a:r>
-            <a:r>
-              <a:rPr lang="en-US" baseline="0" dirty="0" smtClean="0"/>
-              <a:t> method of Node but we are actually making the client app</a:t>
-            </a:r>
-          </a:p>
-          <a:p>
-            <a:endParaRPr lang="en-US" baseline="0" dirty="0" smtClean="0"/>
-          </a:p>
-          <a:p>
-            <a:r>
-              <a:rPr lang="en-US" baseline="0" dirty="0" err="1" smtClean="0"/>
-              <a:t>Browserify</a:t>
-            </a:r>
-            <a:r>
-              <a:rPr lang="en-US" baseline="0" dirty="0" smtClean="0"/>
-              <a:t> will let us able to use the node style code and bundles it up into on </a:t>
-            </a:r>
-            <a:r>
-              <a:rPr lang="en-US" baseline="0" dirty="0" err="1" smtClean="0"/>
-              <a:t>js</a:t>
-            </a:r>
-            <a:r>
-              <a:rPr lang="en-US" baseline="0" dirty="0" smtClean="0"/>
-              <a:t> file</a:t>
-            </a:r>
-          </a:p>
-          <a:p>
-            <a:endParaRPr lang="en-US" baseline="0" dirty="0" smtClean="0"/>
-          </a:p>
-          <a:p>
-            <a:r>
-              <a:rPr lang="en-US" baseline="0" dirty="0" smtClean="0"/>
-              <a:t>So we can use the </a:t>
-            </a:r>
-            <a:r>
-              <a:rPr lang="en-US" baseline="0" dirty="0" err="1" smtClean="0"/>
+              <a:t>So far we use just the </a:t>
+            </a:r>
+            <a:r>
+              <a:rPr lang="en-US" dirty="0" err="1" smtClean="0"/>
+              <a:t>jsx</a:t>
+            </a:r>
+            <a:r>
+              <a:rPr lang="en-US" dirty="0" smtClean="0"/>
+              <a:t> syntax in our component and also used the ES6 features in the stores.</a:t>
+            </a:r>
+          </a:p>
+          <a:p>
+            <a:r>
+              <a:rPr lang="en-US" dirty="0" smtClean="0"/>
+              <a:t>Browser don’t knows the </a:t>
+            </a:r>
+            <a:r>
+              <a:rPr lang="en-US" dirty="0" err="1" smtClean="0"/>
+              <a:t>jsx</a:t>
+            </a:r>
+            <a:r>
+              <a:rPr lang="en-US" dirty="0" smtClean="0"/>
+              <a:t> syntax in </a:t>
+            </a:r>
+            <a:r>
+              <a:rPr lang="en-US" dirty="0" err="1" smtClean="0"/>
+              <a:t>javascript</a:t>
+            </a:r>
+            <a:r>
+              <a:rPr lang="en-US" dirty="0" smtClean="0"/>
+              <a:t> so we need some transformer utility that transform this syntax to plain script for browser to digest.</a:t>
+            </a:r>
+          </a:p>
+          <a:p>
+            <a:r>
+              <a:rPr lang="en-US" dirty="0" smtClean="0"/>
+              <a:t>Babel.js done this job pretty well this can be use directly by linking its script file or using </a:t>
+            </a:r>
+            <a:r>
+              <a:rPr lang="en-US" dirty="0" err="1" smtClean="0"/>
               <a:t>npm</a:t>
             </a:r>
             <a:r>
-              <a:rPr lang="en-US" baseline="0" dirty="0" smtClean="0"/>
-              <a:t> packages and modular approach for client code designing as well</a:t>
-            </a:r>
-            <a:endParaRPr lang="en-US" dirty="0" smtClean="0"/>
+              <a:rPr lang="en-US" dirty="0" smtClean="0"/>
+              <a:t>. </a:t>
+            </a:r>
           </a:p>
           <a:p>
             <a:endParaRPr lang="en-US" dirty="0"/>
@@ -2543,7 +2612,7 @@
           <a:p>
             <a:fld id="{B1206FEA-4AFC-4465-8ABD-ECC3D411179B}" type="slidenum">
               <a:rPr lang="en-US" smtClean="0"/>
-              <a:t>30</a:t>
+              <a:t>28</a:t>
             </a:fld>
             <a:endParaRPr lang="en-US"/>
           </a:p>
@@ -2552,7 +2621,7 @@
     </p:spTree>
     <p:extLst>
       <p:ext uri="{BB962C8B-B14F-4D97-AF65-F5344CB8AC3E}">
-        <p14:creationId xmlns:p14="http://schemas.microsoft.com/office/powerpoint/2010/main" val="2079015888"/>
+        <p14:creationId xmlns:p14="http://schemas.microsoft.com/office/powerpoint/2010/main" val="3969333674"/>
       </p:ext>
     </p:extLst>
   </p:cSld>
@@ -2607,42 +2676,54 @@
           <a:lstStyle/>
           <a:p>
             <a:r>
-              <a:rPr lang="en-US" sz="1200" dirty="0" smtClean="0"/>
-              <a:t>Put the following configuration in </a:t>
-            </a:r>
-            <a:r>
-              <a:rPr lang="en-US" sz="1200" dirty="0" err="1" smtClean="0"/>
-              <a:t>package.json</a:t>
-            </a:r>
-            <a:r>
-              <a:rPr lang="en-US" sz="1200" dirty="0" smtClean="0"/>
-              <a:t> which contains all the required dependencies. </a:t>
-            </a:r>
-          </a:p>
-          <a:p>
-            <a:endParaRPr lang="en-US" sz="1200" dirty="0" smtClean="0"/>
-          </a:p>
-          <a:p>
-            <a:r>
-              <a:rPr lang="en-US" sz="1200" dirty="0" smtClean="0"/>
-              <a:t>Then use the commands “</a:t>
-            </a:r>
-            <a:r>
-              <a:rPr lang="en-US" sz="1200" dirty="0" err="1" smtClean="0"/>
+              <a:rPr lang="en-US" dirty="0" smtClean="0"/>
+              <a:t>So far we use just the require</a:t>
+            </a:r>
+            <a:r>
+              <a:rPr lang="en-US" baseline="0" dirty="0" smtClean="0"/>
+              <a:t> method of Node but we are actually making the client app</a:t>
+            </a:r>
+          </a:p>
+          <a:p>
+            <a:endParaRPr lang="en-US" baseline="0" dirty="0" smtClean="0"/>
+          </a:p>
+          <a:p>
+            <a:r>
+              <a:rPr lang="en-US" baseline="0" dirty="0" err="1" smtClean="0"/>
+              <a:t>Browserify</a:t>
+            </a:r>
+            <a:r>
+              <a:rPr lang="en-US" baseline="0" dirty="0" smtClean="0"/>
+              <a:t> will let us able to use the node style code and bundles it up into on </a:t>
+            </a:r>
+            <a:r>
+              <a:rPr lang="en-US" baseline="0" dirty="0" err="1" smtClean="0"/>
+              <a:t>js</a:t>
+            </a:r>
+            <a:r>
+              <a:rPr lang="en-US" baseline="0" dirty="0" smtClean="0"/>
+              <a:t> file</a:t>
+            </a:r>
+          </a:p>
+          <a:p>
+            <a:endParaRPr lang="en-US" baseline="0" dirty="0" smtClean="0"/>
+          </a:p>
+          <a:p>
+            <a:r>
+              <a:rPr lang="en-US" baseline="0" dirty="0" smtClean="0"/>
+              <a:t>So we can use the </a:t>
+            </a:r>
+            <a:r>
+              <a:rPr lang="en-US" baseline="0" dirty="0" err="1" smtClean="0"/>
               <a:t>npm</a:t>
             </a:r>
             <a:r>
-              <a:rPr lang="en-US" sz="1200" dirty="0" smtClean="0"/>
-              <a:t> install” and “</a:t>
-            </a:r>
-            <a:r>
-              <a:rPr lang="en-US" sz="1200" dirty="0" err="1" smtClean="0"/>
-              <a:t>npm</a:t>
-            </a:r>
-            <a:r>
-              <a:rPr lang="en-US" sz="1200" dirty="0" smtClean="0"/>
-              <a:t> run build” to install the required dependencies and build the code </a:t>
-            </a:r>
+              <a:rPr lang="en-US" baseline="0" dirty="0" smtClean="0"/>
+              <a:t> packages and modular approach for client code designing as well</a:t>
+            </a:r>
+            <a:endParaRPr lang="en-US" dirty="0" smtClean="0"/>
+          </a:p>
+          <a:p>
             <a:endParaRPr lang="en-US" dirty="0"/>
           </a:p>
         </p:txBody>
@@ -2687,7 +2768,7 @@
           <a:p>
             <a:fld id="{B1206FEA-4AFC-4465-8ABD-ECC3D411179B}" type="slidenum">
               <a:rPr lang="en-US" smtClean="0"/>
-              <a:t>31</a:t>
+              <a:t>29</a:t>
             </a:fld>
             <a:endParaRPr lang="en-US"/>
           </a:p>
@@ -2696,7 +2777,7 @@
     </p:spTree>
     <p:extLst>
       <p:ext uri="{BB962C8B-B14F-4D97-AF65-F5344CB8AC3E}">
-        <p14:creationId xmlns:p14="http://schemas.microsoft.com/office/powerpoint/2010/main" val="527664236"/>
+        <p14:creationId xmlns:p14="http://schemas.microsoft.com/office/powerpoint/2010/main" val="2079015888"/>
       </p:ext>
     </p:extLst>
   </p:cSld>
@@ -2752,38 +2833,40 @@
           <a:p>
             <a:r>
               <a:rPr lang="en-US" sz="1200" dirty="0" smtClean="0"/>
-              <a:t>To make the app SPA using hash routes we will use react-router</a:t>
-            </a:r>
-            <a:r>
-              <a:rPr lang="en-US" sz="1200" baseline="0" dirty="0" smtClean="0"/>
-              <a:t> component</a:t>
-            </a:r>
-          </a:p>
-          <a:p>
-            <a:r>
-              <a:rPr lang="en-US" dirty="0" smtClean="0"/>
-              <a:t>https://github.com/rackt/react-router</a:t>
-            </a:r>
-          </a:p>
-          <a:p>
-            <a:endParaRPr lang="en-US" dirty="0" smtClean="0"/>
-          </a:p>
-          <a:p>
-            <a:r>
-              <a:rPr lang="en-US" dirty="0" smtClean="0"/>
-              <a:t>Add</a:t>
-            </a:r>
-            <a:r>
-              <a:rPr lang="en-US" baseline="0" dirty="0" smtClean="0"/>
-              <a:t> react-router dependency and run “</a:t>
-            </a:r>
-            <a:r>
-              <a:rPr lang="en-US" baseline="0" dirty="0" err="1" smtClean="0"/>
+              <a:t>Put the following configuration in </a:t>
+            </a:r>
+            <a:r>
+              <a:rPr lang="en-US" sz="1200" dirty="0" err="1" smtClean="0"/>
+              <a:t>package.json</a:t>
+            </a:r>
+            <a:r>
+              <a:rPr lang="en-US" sz="1200" dirty="0" smtClean="0"/>
+              <a:t> which contains all the required dependencies. </a:t>
+            </a:r>
+          </a:p>
+          <a:p>
+            <a:endParaRPr lang="en-US" sz="1200" dirty="0" smtClean="0"/>
+          </a:p>
+          <a:p>
+            <a:r>
+              <a:rPr lang="en-US" sz="1200" dirty="0" smtClean="0"/>
+              <a:t>Then use the commands “</a:t>
+            </a:r>
+            <a:r>
+              <a:rPr lang="en-US" sz="1200" dirty="0" err="1" smtClean="0"/>
               <a:t>npm</a:t>
             </a:r>
             <a:r>
-              <a:rPr lang="en-US" baseline="0" dirty="0" smtClean="0"/>
-              <a:t> install” command</a:t>
+              <a:rPr lang="en-US" sz="1200" dirty="0" smtClean="0"/>
+              <a:t> install” and “</a:t>
+            </a:r>
+            <a:r>
+              <a:rPr lang="en-US" sz="1200" dirty="0" err="1" smtClean="0"/>
+              <a:t>npm</a:t>
+            </a:r>
+            <a:r>
+              <a:rPr lang="en-US" sz="1200" dirty="0" smtClean="0"/>
+              <a:t> run build” to install the required dependencies and build the code </a:t>
             </a:r>
             <a:endParaRPr lang="en-US" dirty="0"/>
           </a:p>
@@ -2829,7 +2912,7 @@
           <a:p>
             <a:fld id="{B1206FEA-4AFC-4465-8ABD-ECC3D411179B}" type="slidenum">
               <a:rPr lang="en-US" smtClean="0"/>
-              <a:t>33</a:t>
+              <a:t>30</a:t>
             </a:fld>
             <a:endParaRPr lang="en-US"/>
           </a:p>
@@ -2838,7 +2921,7 @@
     </p:spTree>
     <p:extLst>
       <p:ext uri="{BB962C8B-B14F-4D97-AF65-F5344CB8AC3E}">
-        <p14:creationId xmlns:p14="http://schemas.microsoft.com/office/powerpoint/2010/main" val="2039934366"/>
+        <p14:creationId xmlns:p14="http://schemas.microsoft.com/office/powerpoint/2010/main" val="527664236"/>
       </p:ext>
     </p:extLst>
   </p:cSld>
@@ -2971,7 +3054,7 @@
           <a:p>
             <a:fld id="{B1206FEA-4AFC-4465-8ABD-ECC3D411179B}" type="slidenum">
               <a:rPr lang="en-US" smtClean="0"/>
-              <a:t>34</a:t>
+              <a:t>32</a:t>
             </a:fld>
             <a:endParaRPr lang="en-US"/>
           </a:p>
@@ -2980,7 +3063,7 @@
     </p:spTree>
     <p:extLst>
       <p:ext uri="{BB962C8B-B14F-4D97-AF65-F5344CB8AC3E}">
-        <p14:creationId xmlns:p14="http://schemas.microsoft.com/office/powerpoint/2010/main" val="906655533"/>
+        <p14:creationId xmlns:p14="http://schemas.microsoft.com/office/powerpoint/2010/main" val="2039934366"/>
       </p:ext>
     </p:extLst>
   </p:cSld>
@@ -3113,7 +3196,7 @@
           <a:p>
             <a:fld id="{B1206FEA-4AFC-4465-8ABD-ECC3D411179B}" type="slidenum">
               <a:rPr lang="en-US" smtClean="0"/>
-              <a:t>35</a:t>
+              <a:t>33</a:t>
             </a:fld>
             <a:endParaRPr lang="en-US"/>
           </a:p>
@@ -3122,7 +3205,7 @@
     </p:spTree>
     <p:extLst>
       <p:ext uri="{BB962C8B-B14F-4D97-AF65-F5344CB8AC3E}">
-        <p14:creationId xmlns:p14="http://schemas.microsoft.com/office/powerpoint/2010/main" val="2992053221"/>
+        <p14:creationId xmlns:p14="http://schemas.microsoft.com/office/powerpoint/2010/main" val="906655533"/>
       </p:ext>
     </p:extLst>
   </p:cSld>
@@ -3177,6 +3260,148 @@
           <a:lstStyle/>
           <a:p>
             <a:r>
+              <a:rPr lang="en-US" sz="1200" dirty="0" smtClean="0"/>
+              <a:t>To make the app SPA using hash routes we will use react-router</a:t>
+            </a:r>
+            <a:r>
+              <a:rPr lang="en-US" sz="1200" baseline="0" dirty="0" smtClean="0"/>
+              <a:t> component</a:t>
+            </a:r>
+          </a:p>
+          <a:p>
+            <a:r>
+              <a:rPr lang="en-US" dirty="0" smtClean="0"/>
+              <a:t>https://github.com/rackt/react-router</a:t>
+            </a:r>
+          </a:p>
+          <a:p>
+            <a:endParaRPr lang="en-US" dirty="0" smtClean="0"/>
+          </a:p>
+          <a:p>
+            <a:r>
+              <a:rPr lang="en-US" dirty="0" smtClean="0"/>
+              <a:t>Add</a:t>
+            </a:r>
+            <a:r>
+              <a:rPr lang="en-US" baseline="0" dirty="0" smtClean="0"/>
+              <a:t> react-router dependency and run “</a:t>
+            </a:r>
+            <a:r>
+              <a:rPr lang="en-US" baseline="0" dirty="0" err="1" smtClean="0"/>
+              <a:t>npm</a:t>
+            </a:r>
+            <a:r>
+              <a:rPr lang="en-US" baseline="0" dirty="0" smtClean="0"/>
+              <a:t> install” command</a:t>
+            </a:r>
+            <a:endParaRPr lang="en-US" dirty="0"/>
+          </a:p>
+        </p:txBody>
+      </p:sp>
+      <p:sp>
+        <p:nvSpPr>
+          <p:cNvPr id="4" name="Header Placeholder 3"/>
+          <p:cNvSpPr>
+            <a:spLocks noGrp="1"/>
+          </p:cNvSpPr>
+          <p:nvPr>
+            <p:ph type="hdr" sz="quarter" idx="10"/>
+          </p:nvPr>
+        </p:nvSpPr>
+        <p:spPr/>
+        <p:txBody>
+          <a:bodyPr/>
+          <a:lstStyle/>
+          <a:p>
+            <a:r>
+              <a:rPr lang="en-US" smtClean="0"/>
+              <a:t>TEST</a:t>
+            </a:r>
+            <a:endParaRPr lang="en-US"/>
+          </a:p>
+        </p:txBody>
+      </p:sp>
+      <p:sp>
+        <p:nvSpPr>
+          <p:cNvPr id="5" name="Slide Number Placeholder 4"/>
+          <p:cNvSpPr>
+            <a:spLocks noGrp="1"/>
+          </p:cNvSpPr>
+          <p:nvPr>
+            <p:ph type="sldNum" sz="quarter" idx="11"/>
+          </p:nvPr>
+        </p:nvSpPr>
+        <p:spPr/>
+        <p:txBody>
+          <a:bodyPr/>
+          <a:lstStyle/>
+          <a:p>
+            <a:fld id="{B1206FEA-4AFC-4465-8ABD-ECC3D411179B}" type="slidenum">
+              <a:rPr lang="en-US" smtClean="0"/>
+              <a:t>34</a:t>
+            </a:fld>
+            <a:endParaRPr lang="en-US"/>
+          </a:p>
+        </p:txBody>
+      </p:sp>
+    </p:spTree>
+    <p:extLst>
+      <p:ext uri="{BB962C8B-B14F-4D97-AF65-F5344CB8AC3E}">
+        <p14:creationId xmlns:p14="http://schemas.microsoft.com/office/powerpoint/2010/main" val="2992053221"/>
+      </p:ext>
+    </p:extLst>
+  </p:cSld>
+  <p:clrMapOvr>
+    <a:masterClrMapping/>
+  </p:clrMapOvr>
+</p:notes>
+</file>
+
+<file path=ppt/notesSlides/notesSlide26.xml><?xml version="1.0" encoding="utf-8"?>
+<p:notes xmlns:a="http://schemas.openxmlformats.org/drawingml/2006/main" xmlns:r="http://schemas.openxmlformats.org/officeDocument/2006/relationships" xmlns:p="http://schemas.openxmlformats.org/presentationml/2006/main">
+  <p:cSld>
+    <p:spTree>
+      <p:nvGrpSpPr>
+        <p:cNvPr id="1" name=""/>
+        <p:cNvGrpSpPr/>
+        <p:nvPr/>
+      </p:nvGrpSpPr>
+      <p:grpSpPr>
+        <a:xfrm>
+          <a:off x="0" y="0"/>
+          <a:ext cx="0" cy="0"/>
+          <a:chOff x="0" y="0"/>
+          <a:chExt cx="0" cy="0"/>
+        </a:xfrm>
+      </p:grpSpPr>
+      <p:sp>
+        <p:nvSpPr>
+          <p:cNvPr id="2" name="Slide Image Placeholder 1"/>
+          <p:cNvSpPr>
+            <a:spLocks noGrp="1" noRot="1" noChangeAspect="1"/>
+          </p:cNvSpPr>
+          <p:nvPr>
+            <p:ph type="sldImg"/>
+          </p:nvPr>
+        </p:nvSpPr>
+        <p:spPr/>
+      </p:sp>
+      <p:sp>
+        <p:nvSpPr>
+          <p:cNvPr id="3" name="Notes Placeholder 2"/>
+          <p:cNvSpPr>
+            <a:spLocks noGrp="1"/>
+          </p:cNvSpPr>
+          <p:nvPr>
+            <p:ph type="body" idx="1"/>
+          </p:nvPr>
+        </p:nvSpPr>
+        <p:spPr/>
+        <p:txBody>
+          <a:bodyPr/>
+          <a:lstStyle/>
+          <a:p>
+            <a:r>
               <a:rPr lang="en-US" dirty="0" smtClean="0"/>
               <a:t>We can refer</a:t>
             </a:r>
@@ -3232,7 +3457,7 @@
           <a:p>
             <a:fld id="{B1206FEA-4AFC-4465-8ABD-ECC3D411179B}" type="slidenum">
               <a:rPr lang="en-US" smtClean="0"/>
-              <a:t>41</a:t>
+              <a:t>40</a:t>
             </a:fld>
             <a:endParaRPr lang="en-US"/>
           </a:p>
@@ -21379,7 +21604,11 @@
           <a:p>
             <a:r>
               <a:rPr lang="en-US" dirty="0" smtClean="0"/>
-              <a:t>Hello World</a:t>
+              <a:t>Hello </a:t>
+            </a:r>
+            <a:r>
+              <a:rPr lang="en-US" dirty="0" smtClean="0"/>
+              <a:t>World Component</a:t>
             </a:r>
             <a:endParaRPr lang="en-US" dirty="0"/>
           </a:p>
@@ -21396,7 +21625,7 @@
           </p:nvPr>
         </p:nvPicPr>
         <p:blipFill>
-          <a:blip r:embed="rId2">
+          <a:blip r:embed="rId3">
             <a:extLst>
               <a:ext uri="{28A0092B-C50C-407E-A947-70E740481C1C}">
                 <a14:useLocalDpi xmlns:a14="http://schemas.microsoft.com/office/drawing/2010/main" val="0"/>
@@ -21473,7 +21702,7 @@
           <p:nvPr/>
         </p:nvPicPr>
         <p:blipFill>
-          <a:blip r:embed="rId3">
+          <a:blip r:embed="rId4">
             <a:extLst>
               <a:ext uri="{28A0092B-C50C-407E-A947-70E740481C1C}">
                 <a14:useLocalDpi xmlns:a14="http://schemas.microsoft.com/office/drawing/2010/main" val="0"/>
@@ -21547,345 +21776,6 @@
           <a:lstStyle/>
           <a:p>
             <a:r>
-              <a:rPr lang="en-US" dirty="0" smtClean="0"/>
-              <a:t>React Component</a:t>
-            </a:r>
-            <a:endParaRPr lang="en-US" dirty="0"/>
-          </a:p>
-        </p:txBody>
-      </p:sp>
-      <p:sp>
-        <p:nvSpPr>
-          <p:cNvPr id="3" name="Content Placeholder 2"/>
-          <p:cNvSpPr>
-            <a:spLocks noGrp="1"/>
-          </p:cNvSpPr>
-          <p:nvPr>
-            <p:ph idx="1"/>
-          </p:nvPr>
-        </p:nvSpPr>
-        <p:spPr/>
-        <p:txBody>
-          <a:bodyPr/>
-          <a:lstStyle/>
-          <a:p>
-            <a:r>
-              <a:rPr lang="en-US" dirty="0" smtClean="0"/>
-              <a:t>In React we refer all the piece of code as component. </a:t>
-            </a:r>
-          </a:p>
-          <a:p>
-            <a:r>
-              <a:rPr lang="en-US" dirty="0" smtClean="0"/>
-              <a:t>A </a:t>
-            </a:r>
-            <a:r>
-              <a:rPr lang="en-US" dirty="0"/>
-              <a:t>component can maintain internal state data (accessed </a:t>
-            </a:r>
-            <a:r>
-              <a:rPr lang="en-US" dirty="0" smtClean="0"/>
-              <a:t>via </a:t>
-            </a:r>
-            <a:r>
-              <a:rPr lang="en-US" dirty="0" err="1" smtClean="0"/>
-              <a:t>this.props</a:t>
-            </a:r>
-            <a:r>
-              <a:rPr lang="en-US" dirty="0" smtClean="0"/>
-              <a:t> or </a:t>
-            </a:r>
-            <a:r>
-              <a:rPr lang="en-US" dirty="0" err="1" smtClean="0"/>
-              <a:t>this.state</a:t>
-            </a:r>
-            <a:r>
-              <a:rPr lang="en-US" dirty="0" smtClean="0"/>
-              <a:t>) </a:t>
-            </a:r>
-            <a:r>
-              <a:rPr lang="en-US" dirty="0"/>
-              <a:t>When a component's state data changes, the rendered markup will be updated by </a:t>
-            </a:r>
-            <a:r>
-              <a:rPr lang="en-US" dirty="0" smtClean="0"/>
-              <a:t>re-invoking render() method this is known as </a:t>
-            </a:r>
-            <a:r>
-              <a:rPr lang="en-US" dirty="0" err="1" smtClean="0"/>
-              <a:t>stateful</a:t>
-            </a:r>
-            <a:r>
-              <a:rPr lang="en-US" dirty="0" smtClean="0"/>
-              <a:t> component.</a:t>
-            </a:r>
-          </a:p>
-          <a:p>
-            <a:r>
-              <a:rPr lang="en-US" dirty="0" smtClean="0"/>
-              <a:t>Components can be nested i.e. One component can use the other component inside its render method()</a:t>
-            </a:r>
-            <a:endParaRPr lang="en-US" dirty="0"/>
-          </a:p>
-        </p:txBody>
-      </p:sp>
-      <p:sp>
-        <p:nvSpPr>
-          <p:cNvPr id="4" name="Footer Placeholder 3"/>
-          <p:cNvSpPr>
-            <a:spLocks noGrp="1"/>
-          </p:cNvSpPr>
-          <p:nvPr>
-            <p:ph type="ftr" sz="quarter" idx="11"/>
-          </p:nvPr>
-        </p:nvSpPr>
-        <p:spPr/>
-        <p:txBody>
-          <a:bodyPr/>
-          <a:lstStyle/>
-          <a:p>
-            <a:r>
-              <a:rPr lang="en-US" dirty="0"/>
-              <a:t>Learning React </a:t>
-            </a:r>
-            <a:r>
-              <a:rPr lang="en-US" dirty="0" err="1"/>
-              <a:t>Js</a:t>
-            </a:r>
-            <a:endParaRPr lang="en-US" dirty="0"/>
-          </a:p>
-        </p:txBody>
-      </p:sp>
-      <p:sp>
-        <p:nvSpPr>
-          <p:cNvPr id="5" name="Slide Number Placeholder 4"/>
-          <p:cNvSpPr>
-            <a:spLocks noGrp="1"/>
-          </p:cNvSpPr>
-          <p:nvPr>
-            <p:ph type="sldNum" sz="quarter" idx="12"/>
-          </p:nvPr>
-        </p:nvSpPr>
-        <p:spPr/>
-        <p:txBody>
-          <a:bodyPr/>
-          <a:lstStyle/>
-          <a:p>
-            <a:fld id="{B777A91B-BF1B-4ECE-B89B-72F2144CF226}" type="slidenum">
-              <a:rPr lang="en-US" smtClean="0"/>
-              <a:t>21</a:t>
-            </a:fld>
-            <a:endParaRPr lang="en-US"/>
-          </a:p>
-        </p:txBody>
-      </p:sp>
-      <p:pic>
-        <p:nvPicPr>
-          <p:cNvPr id="6" name="Picture 5"/>
-          <p:cNvPicPr>
-            <a:picLocks noChangeAspect="1"/>
-          </p:cNvPicPr>
-          <p:nvPr/>
-        </p:nvPicPr>
-        <p:blipFill>
-          <a:blip r:embed="rId2">
-            <a:extLst>
-              <a:ext uri="{28A0092B-C50C-407E-A947-70E740481C1C}">
-                <a14:useLocalDpi xmlns:a14="http://schemas.microsoft.com/office/drawing/2010/main" val="0"/>
-              </a:ext>
-            </a:extLst>
-          </a:blip>
-          <a:stretch>
-            <a:fillRect/>
-          </a:stretch>
-        </p:blipFill>
-        <p:spPr>
-          <a:xfrm>
-            <a:off x="157162" y="84137"/>
-            <a:ext cx="1362075" cy="561975"/>
-          </a:xfrm>
-          <a:prstGeom prst="rect">
-            <a:avLst/>
-          </a:prstGeom>
-        </p:spPr>
-      </p:pic>
-    </p:spTree>
-    <p:extLst>
-      <p:ext uri="{BB962C8B-B14F-4D97-AF65-F5344CB8AC3E}">
-        <p14:creationId xmlns:p14="http://schemas.microsoft.com/office/powerpoint/2010/main" val="244897001"/>
-      </p:ext>
-    </p:extLst>
-  </p:cSld>
-  <p:clrMapOvr>
-    <a:masterClrMapping/>
-  </p:clrMapOvr>
-  <p:timing>
-    <p:tnLst>
-      <p:par>
-        <p:cTn id="1" dur="indefinite" restart="never" nodeType="tmRoot">
-          <p:childTnLst>
-            <p:seq concurrent="1" nextAc="seek">
-              <p:cTn id="2" dur="indefinite" nodeType="mainSeq">
-                <p:childTnLst>
-                  <p:par>
-                    <p:cTn id="3" fill="hold">
-                      <p:stCondLst>
-                        <p:cond delay="indefinite"/>
-                      </p:stCondLst>
-                      <p:childTnLst>
-                        <p:par>
-                          <p:cTn id="4" fill="hold">
-                            <p:stCondLst>
-                              <p:cond delay="0"/>
-                            </p:stCondLst>
-                            <p:childTnLst>
-                              <p:par>
-                                <p:cTn id="5" presetID="1" presetClass="entr" presetSubtype="0" fill="hold" grpId="0" nodeType="clickEffect">
-                                  <p:stCondLst>
-                                    <p:cond delay="0"/>
-                                  </p:stCondLst>
-                                  <p:childTnLst>
-                                    <p:set>
-                                      <p:cBhvr>
-                                        <p:cTn id="6" dur="1" fill="hold">
-                                          <p:stCondLst>
-                                            <p:cond delay="0"/>
-                                          </p:stCondLst>
-                                        </p:cTn>
-                                        <p:tgtEl>
-                                          <p:spTgt spid="3">
-                                            <p:txEl>
-                                              <p:pRg st="1" end="1"/>
-                                            </p:txEl>
-                                          </p:spTgt>
-                                        </p:tgtEl>
-                                        <p:attrNameLst>
-                                          <p:attrName>style.visibility</p:attrName>
-                                        </p:attrNameLst>
-                                      </p:cBhvr>
-                                      <p:to>
-                                        <p:strVal val="visible"/>
-                                      </p:to>
-                                    </p:set>
-                                  </p:childTnLst>
-                                </p:cTn>
-                              </p:par>
-                            </p:childTnLst>
-                          </p:cTn>
-                        </p:par>
-                      </p:childTnLst>
-                    </p:cTn>
-                  </p:par>
-                  <p:par>
-                    <p:cTn id="7" fill="hold">
-                      <p:stCondLst>
-                        <p:cond delay="indefinite"/>
-                      </p:stCondLst>
-                      <p:childTnLst>
-                        <p:par>
-                          <p:cTn id="8" fill="hold">
-                            <p:stCondLst>
-                              <p:cond delay="0"/>
-                            </p:stCondLst>
-                            <p:childTnLst>
-                              <p:par>
-                                <p:cTn id="9" presetID="1" presetClass="entr" presetSubtype="0" fill="hold" grpId="0" nodeType="clickEffect">
-                                  <p:stCondLst>
-                                    <p:cond delay="0"/>
-                                  </p:stCondLst>
-                                  <p:childTnLst>
-                                    <p:set>
-                                      <p:cBhvr>
-                                        <p:cTn id="10" dur="1" fill="hold">
-                                          <p:stCondLst>
-                                            <p:cond delay="0"/>
-                                          </p:stCondLst>
-                                        </p:cTn>
-                                        <p:tgtEl>
-                                          <p:spTgt spid="3">
-                                            <p:txEl>
-                                              <p:pRg st="2" end="2"/>
-                                            </p:txEl>
-                                          </p:spTgt>
-                                        </p:tgtEl>
-                                        <p:attrNameLst>
-                                          <p:attrName>style.visibility</p:attrName>
-                                        </p:attrNameLst>
-                                      </p:cBhvr>
-                                      <p:to>
-                                        <p:strVal val="visible"/>
-                                      </p:to>
-                                    </p:set>
-                                  </p:childTnLst>
-                                </p:cTn>
-                              </p:par>
-                            </p:childTnLst>
-                          </p:cTn>
-                        </p:par>
-                      </p:childTnLst>
-                    </p:cTn>
-                  </p:par>
-                </p:childTnLst>
-              </p:cTn>
-              <p:prevCondLst>
-                <p:cond evt="onPrev" delay="0">
-                  <p:tgtEl>
-                    <p:sldTgt/>
-                  </p:tgtEl>
-                </p:cond>
-              </p:prevCondLst>
-              <p:nextCondLst>
-                <p:cond evt="onNext" delay="0">
-                  <p:tgtEl>
-                    <p:sldTgt/>
-                  </p:tgtEl>
-                </p:cond>
-              </p:nextCondLst>
-            </p:seq>
-          </p:childTnLst>
-        </p:cTn>
-      </p:par>
-    </p:tnLst>
-    <p:bldLst>
-      <p:bldP spid="3" grpId="0" uiExpand="1" build="p"/>
-    </p:bldLst>
-  </p:timing>
-</p:sld>
-</file>
-
-<file path=ppt/slides/slide22.xml><?xml version="1.0" encoding="utf-8"?>
-<p:sld xmlns:a="http://schemas.openxmlformats.org/drawingml/2006/main" xmlns:r="http://schemas.openxmlformats.org/officeDocument/2006/relationships" xmlns:p="http://schemas.openxmlformats.org/presentationml/2006/main">
-  <p:cSld>
-    <p:spTree>
-      <p:nvGrpSpPr>
-        <p:cNvPr id="1" name=""/>
-        <p:cNvGrpSpPr/>
-        <p:nvPr/>
-      </p:nvGrpSpPr>
-      <p:grpSpPr>
-        <a:xfrm>
-          <a:off x="0" y="0"/>
-          <a:ext cx="0" cy="0"/>
-          <a:chOff x="0" y="0"/>
-          <a:chExt cx="0" cy="0"/>
-        </a:xfrm>
-      </p:grpSpPr>
-      <p:sp>
-        <p:nvSpPr>
-          <p:cNvPr id="2" name="Title 1"/>
-          <p:cNvSpPr>
-            <a:spLocks noGrp="1"/>
-          </p:cNvSpPr>
-          <p:nvPr>
-            <p:ph type="title"/>
-          </p:nvPr>
-        </p:nvSpPr>
-        <p:spPr/>
-        <p:txBody>
-          <a:bodyPr/>
-          <a:lstStyle/>
-          <a:p>
-            <a:r>
               <a:rPr lang="en-US" dirty="0" err="1" smtClean="0"/>
               <a:t>Stateful</a:t>
             </a:r>
@@ -21970,7 +21860,7 @@
           <a:p>
             <a:fld id="{B777A91B-BF1B-4ECE-B89B-72F2144CF226}" type="slidenum">
               <a:rPr lang="en-US" smtClean="0"/>
-              <a:t>22</a:t>
+              <a:t>21</a:t>
             </a:fld>
             <a:endParaRPr lang="en-US"/>
           </a:p>
@@ -22026,7 +21916,7 @@
 </p:sld>
 </file>
 
-<file path=ppt/slides/slide23.xml><?xml version="1.0" encoding="utf-8"?>
+<file path=ppt/slides/slide22.xml><?xml version="1.0" encoding="utf-8"?>
 <p:sld xmlns:a="http://schemas.openxmlformats.org/drawingml/2006/main" xmlns:r="http://schemas.openxmlformats.org/officeDocument/2006/relationships" xmlns:p="http://schemas.openxmlformats.org/presentationml/2006/main">
   <p:cSld>
     <p:spTree>
@@ -22066,98 +21956,35 @@
           </a:p>
         </p:txBody>
       </p:sp>
-      <p:sp>
-        <p:nvSpPr>
-          <p:cNvPr id="3" name="Content Placeholder 2"/>
-          <p:cNvSpPr>
-            <a:spLocks noGrp="1"/>
-          </p:cNvSpPr>
+      <p:pic>
+        <p:nvPicPr>
+          <p:cNvPr id="7" name="Content Placeholder 6"/>
+          <p:cNvPicPr>
+            <a:picLocks noGrp="1" noChangeAspect="1"/>
+          </p:cNvPicPr>
           <p:nvPr>
             <p:ph idx="1"/>
           </p:nvPr>
-        </p:nvSpPr>
-        <p:spPr/>
-        <p:txBody>
-          <a:bodyPr/>
-          <a:lstStyle/>
-          <a:p>
-            <a:r>
-              <a:rPr lang="en-US" dirty="0" smtClean="0"/>
-              <a:t>React provides full support to all html attributes to us in its markup as a prop.</a:t>
-            </a:r>
-          </a:p>
-          <a:p>
-            <a:r>
-              <a:rPr lang="en-US" dirty="0" smtClean="0"/>
-              <a:t>But prop names should be in </a:t>
-            </a:r>
-            <a:r>
-              <a:rPr lang="en-US" dirty="0" err="1" smtClean="0"/>
-              <a:t>camelCase</a:t>
-            </a:r>
-            <a:r>
-              <a:rPr lang="en-US" dirty="0" smtClean="0"/>
-              <a:t>.</a:t>
-            </a:r>
-          </a:p>
-          <a:p>
-            <a:r>
-              <a:rPr lang="en-US" dirty="0" smtClean="0"/>
-              <a:t>Also there are some reserve keywords in </a:t>
-            </a:r>
-            <a:r>
-              <a:rPr lang="en-US" dirty="0" err="1" smtClean="0"/>
-              <a:t>Javascript</a:t>
-            </a:r>
-            <a:r>
-              <a:rPr lang="en-US" dirty="0" smtClean="0"/>
-              <a:t> like ‘class’ and ‘for’. So use them as props react provides ‘</a:t>
-            </a:r>
-            <a:r>
-              <a:rPr lang="en-US" dirty="0" err="1" smtClean="0"/>
-              <a:t>className</a:t>
-            </a:r>
-            <a:r>
-              <a:rPr lang="en-US" dirty="0" smtClean="0"/>
-              <a:t>’ and ‘</a:t>
-            </a:r>
-            <a:r>
-              <a:rPr lang="en-US" dirty="0" err="1" smtClean="0"/>
-              <a:t>htmlFor</a:t>
-            </a:r>
-            <a:r>
-              <a:rPr lang="en-US" dirty="0" smtClean="0"/>
-              <a:t>’ respectively.</a:t>
-            </a:r>
-          </a:p>
-          <a:p>
-            <a:r>
-              <a:rPr lang="en-US" dirty="0" smtClean="0"/>
-              <a:t>Similarly defining any inline style should also use the </a:t>
-            </a:r>
-            <a:r>
-              <a:rPr lang="en-US" dirty="0" err="1" smtClean="0"/>
-              <a:t>camelCase</a:t>
-            </a:r>
-            <a:r>
-              <a:rPr lang="en-US" dirty="0" smtClean="0"/>
-              <a:t> </a:t>
-            </a:r>
-            <a:r>
-              <a:rPr lang="en-US" dirty="0"/>
-              <a:t>syntax like: style={{</a:t>
-            </a:r>
-            <a:r>
-              <a:rPr lang="en-US" dirty="0" err="1"/>
-              <a:t>marginLeft</a:t>
-            </a:r>
-            <a:r>
-              <a:rPr lang="en-US" dirty="0"/>
-              <a:t>: '5px'}}</a:t>
-            </a:r>
-          </a:p>
-        </p:txBody>
-      </p:sp>
+        </p:nvPicPr>
+        <p:blipFill>
+          <a:blip r:embed="rId3">
+            <a:extLst>
+              <a:ext uri="{28A0092B-C50C-407E-A947-70E740481C1C}">
+                <a14:useLocalDpi xmlns:a14="http://schemas.microsoft.com/office/drawing/2010/main" val="0"/>
+              </a:ext>
+            </a:extLst>
+          </a:blip>
+          <a:stretch>
+            <a:fillRect/>
+          </a:stretch>
+        </p:blipFill>
+        <p:spPr>
+          <a:xfrm>
+            <a:off x="838200" y="1971676"/>
+            <a:ext cx="9595356" cy="2887098"/>
+          </a:xfrm>
+        </p:spPr>
+      </p:pic>
       <p:sp>
         <p:nvSpPr>
           <p:cNvPr id="4" name="Footer Placeholder 3"/>
@@ -22202,7 +22029,7 @@
           <a:p>
             <a:fld id="{B777A91B-BF1B-4ECE-B89B-72F2144CF226}" type="slidenum">
               <a:rPr lang="en-US" smtClean="0"/>
-              <a:t>23</a:t>
+              <a:t>22</a:t>
             </a:fld>
             <a:endParaRPr lang="en-US"/>
           </a:p>
@@ -22217,7 +22044,7 @@
           <p:nvPr/>
         </p:nvPicPr>
         <p:blipFill>
-          <a:blip r:embed="rId3">
+          <a:blip r:embed="rId4">
             <a:extLst>
               <a:ext uri="{28A0092B-C50C-407E-A947-70E740481C1C}">
                 <a14:useLocalDpi xmlns:a14="http://schemas.microsoft.com/office/drawing/2010/main" val="0"/>
@@ -22251,187 +22078,14 @@
   <p:timing>
     <p:tnLst>
       <p:par>
-        <p:cTn id="1" dur="indefinite" restart="never" nodeType="tmRoot">
-          <p:childTnLst>
-            <p:seq concurrent="1" nextAc="seek">
-              <p:cTn id="2" dur="indefinite" nodeType="mainSeq">
-                <p:childTnLst>
-                  <p:par>
-                    <p:cTn id="3" fill="hold">
-                      <p:stCondLst>
-                        <p:cond delay="indefinite"/>
-                      </p:stCondLst>
-                      <p:childTnLst>
-                        <p:par>
-                          <p:cTn id="4" fill="hold">
-                            <p:stCondLst>
-                              <p:cond delay="0"/>
-                            </p:stCondLst>
-                            <p:childTnLst>
-                              <p:par>
-                                <p:cTn id="5" presetID="1" presetClass="entr" presetSubtype="0" fill="hold" grpId="0" nodeType="clickEffect">
-                                  <p:stCondLst>
-                                    <p:cond delay="0"/>
-                                  </p:stCondLst>
-                                  <p:childTnLst>
-                                    <p:set>
-                                      <p:cBhvr>
-                                        <p:cTn id="6" dur="1" fill="hold">
-                                          <p:stCondLst>
-                                            <p:cond delay="0"/>
-                                          </p:stCondLst>
-                                        </p:cTn>
-                                        <p:tgtEl>
-                                          <p:spTgt spid="3">
-                                            <p:txEl>
-                                              <p:pRg st="1" end="1"/>
-                                            </p:txEl>
-                                          </p:spTgt>
-                                        </p:tgtEl>
-                                        <p:attrNameLst>
-                                          <p:attrName>style.visibility</p:attrName>
-                                        </p:attrNameLst>
-                                      </p:cBhvr>
-                                      <p:to>
-                                        <p:strVal val="visible"/>
-                                      </p:to>
-                                    </p:set>
-                                  </p:childTnLst>
-                                </p:cTn>
-                              </p:par>
-                            </p:childTnLst>
-                          </p:cTn>
-                        </p:par>
-                      </p:childTnLst>
-                    </p:cTn>
-                  </p:par>
-                  <p:par>
-                    <p:cTn id="7" fill="hold">
-                      <p:stCondLst>
-                        <p:cond delay="indefinite"/>
-                      </p:stCondLst>
-                      <p:childTnLst>
-                        <p:par>
-                          <p:cTn id="8" fill="hold">
-                            <p:stCondLst>
-                              <p:cond delay="0"/>
-                            </p:stCondLst>
-                            <p:childTnLst>
-                              <p:par>
-                                <p:cTn id="9" presetID="1" presetClass="entr" presetSubtype="0" fill="hold" grpId="0" nodeType="clickEffect">
-                                  <p:stCondLst>
-                                    <p:cond delay="0"/>
-                                  </p:stCondLst>
-                                  <p:childTnLst>
-                                    <p:set>
-                                      <p:cBhvr>
-                                        <p:cTn id="10" dur="1" fill="hold">
-                                          <p:stCondLst>
-                                            <p:cond delay="0"/>
-                                          </p:stCondLst>
-                                        </p:cTn>
-                                        <p:tgtEl>
-                                          <p:spTgt spid="3">
-                                            <p:txEl>
-                                              <p:pRg st="2" end="2"/>
-                                            </p:txEl>
-                                          </p:spTgt>
-                                        </p:tgtEl>
-                                        <p:attrNameLst>
-                                          <p:attrName>style.visibility</p:attrName>
-                                        </p:attrNameLst>
-                                      </p:cBhvr>
-                                      <p:to>
-                                        <p:strVal val="visible"/>
-                                      </p:to>
-                                    </p:set>
-                                  </p:childTnLst>
-                                </p:cTn>
-                              </p:par>
-                            </p:childTnLst>
-                          </p:cTn>
-                        </p:par>
-                      </p:childTnLst>
-                    </p:cTn>
-                  </p:par>
-                  <p:par>
-                    <p:cTn id="11" fill="hold">
-                      <p:stCondLst>
-                        <p:cond delay="indefinite"/>
-                      </p:stCondLst>
-                      <p:childTnLst>
-                        <p:par>
-                          <p:cTn id="12" fill="hold">
-                            <p:stCondLst>
-                              <p:cond delay="0"/>
-                            </p:stCondLst>
-                            <p:childTnLst>
-                              <p:par>
-                                <p:cTn id="13" presetID="1" presetClass="entr" presetSubtype="0" fill="hold" grpId="0" nodeType="clickEffect">
-                                  <p:stCondLst>
-                                    <p:cond delay="0"/>
-                                  </p:stCondLst>
-                                  <p:childTnLst>
-                                    <p:set>
-                                      <p:cBhvr>
-                                        <p:cTn id="14" dur="1" fill="hold">
-                                          <p:stCondLst>
-                                            <p:cond delay="0"/>
-                                          </p:stCondLst>
-                                        </p:cTn>
-                                        <p:tgtEl>
-                                          <p:spTgt spid="3">
-                                            <p:txEl>
-                                              <p:pRg st="3" end="3"/>
-                                            </p:txEl>
-                                          </p:spTgt>
-                                        </p:tgtEl>
-                                        <p:attrNameLst>
-                                          <p:attrName>style.visibility</p:attrName>
-                                        </p:attrNameLst>
-                                      </p:cBhvr>
-                                      <p:to>
-                                        <p:strVal val="visible"/>
-                                      </p:to>
-                                    </p:set>
-                                  </p:childTnLst>
-                                </p:cTn>
-                              </p:par>
-                            </p:childTnLst>
-                          </p:cTn>
-                        </p:par>
-                      </p:childTnLst>
-                    </p:cTn>
-                  </p:par>
-                </p:childTnLst>
-              </p:cTn>
-              <p:prevCondLst>
-                <p:cond evt="onPrev" delay="0">
-                  <p:tgtEl>
-                    <p:sldTgt/>
-                  </p:tgtEl>
-                </p:cond>
-              </p:prevCondLst>
-              <p:nextCondLst>
-                <p:cond evt="onNext" delay="0">
-                  <p:tgtEl>
-                    <p:sldTgt/>
-                  </p:tgtEl>
-                </p:cond>
-              </p:nextCondLst>
-            </p:seq>
-          </p:childTnLst>
-        </p:cTn>
+        <p:cTn id="1" dur="indefinite" restart="never" nodeType="tmRoot"/>
       </p:par>
     </p:tnLst>
-    <p:bldLst>
-      <p:bldP spid="3" grpId="0" uiExpand="1" build="p"/>
-    </p:bldLst>
   </p:timing>
 </p:sld>
 </file>
 
-<file path=ppt/slides/slide24.xml><?xml version="1.0" encoding="utf-8"?>
+<file path=ppt/slides/slide23.xml><?xml version="1.0" encoding="utf-8"?>
 <p:sld xmlns:a="http://schemas.openxmlformats.org/drawingml/2006/main" xmlns:r="http://schemas.openxmlformats.org/officeDocument/2006/relationships" xmlns:p="http://schemas.openxmlformats.org/presentationml/2006/main">
   <p:cSld>
     <p:spTree>
@@ -22554,7 +22208,7 @@
           <a:p>
             <a:fld id="{B777A91B-BF1B-4ECE-B89B-72F2144CF226}" type="slidenum">
               <a:rPr lang="en-US" smtClean="0"/>
-              <a:t>24</a:t>
+              <a:t>23</a:t>
             </a:fld>
             <a:endParaRPr lang="en-US"/>
           </a:p>
@@ -22610,7 +22264,7 @@
 </p:sld>
 </file>
 
-<file path=ppt/slides/slide25.xml><?xml version="1.0" encoding="utf-8"?>
+<file path=ppt/slides/slide24.xml><?xml version="1.0" encoding="utf-8"?>
 <p:sld xmlns:a="http://schemas.openxmlformats.org/drawingml/2006/main" xmlns:r="http://schemas.openxmlformats.org/officeDocument/2006/relationships" xmlns:p="http://schemas.openxmlformats.org/presentationml/2006/main">
   <p:cSld>
     <p:spTree>
@@ -22760,7 +22414,7 @@
           <a:p>
             <a:fld id="{B777A91B-BF1B-4ECE-B89B-72F2144CF226}" type="slidenum">
               <a:rPr lang="en-US" smtClean="0"/>
-              <a:t>25</a:t>
+              <a:t>24</a:t>
             </a:fld>
             <a:endParaRPr lang="en-US"/>
           </a:p>
@@ -22846,7 +22500,7 @@
 </p:sld>
 </file>
 
-<file path=ppt/slides/slide26.xml><?xml version="1.0" encoding="utf-8"?>
+<file path=ppt/slides/slide25.xml><?xml version="1.0" encoding="utf-8"?>
 <p:sld xmlns:a="http://schemas.openxmlformats.org/drawingml/2006/main" xmlns:r="http://schemas.openxmlformats.org/officeDocument/2006/relationships" xmlns:p="http://schemas.openxmlformats.org/presentationml/2006/main">
   <p:cSld>
     <p:spTree>
@@ -22934,7 +22588,7 @@
           <a:p>
             <a:fld id="{B777A91B-BF1B-4ECE-B89B-72F2144CF226}" type="slidenum">
               <a:rPr lang="en-US" smtClean="0"/>
-              <a:t>26</a:t>
+              <a:t>25</a:t>
             </a:fld>
             <a:endParaRPr lang="en-US"/>
           </a:p>
@@ -23048,7 +22702,7 @@
 </p:sld>
 </file>
 
-<file path=ppt/slides/slide27.xml><?xml version="1.0" encoding="utf-8"?>
+<file path=ppt/slides/slide26.xml><?xml version="1.0" encoding="utf-8"?>
 <p:sld xmlns:a="http://schemas.openxmlformats.org/drawingml/2006/main" xmlns:r="http://schemas.openxmlformats.org/officeDocument/2006/relationships" xmlns:p="http://schemas.openxmlformats.org/presentationml/2006/main">
   <p:cSld>
     <p:spTree>
@@ -23136,7 +22790,7 @@
           <a:p>
             <a:fld id="{B777A91B-BF1B-4ECE-B89B-72F2144CF226}" type="slidenum">
               <a:rPr lang="en-US" smtClean="0"/>
-              <a:t>27</a:t>
+              <a:t>26</a:t>
             </a:fld>
             <a:endParaRPr lang="en-US"/>
           </a:p>
@@ -23249,7 +22903,7 @@
 </p:sld>
 </file>
 
-<file path=ppt/slides/slide28.xml><?xml version="1.0" encoding="utf-8"?>
+<file path=ppt/slides/slide27.xml><?xml version="1.0" encoding="utf-8"?>
 <p:sld xmlns:a="http://schemas.openxmlformats.org/drawingml/2006/main" xmlns:r="http://schemas.openxmlformats.org/officeDocument/2006/relationships" xmlns:p="http://schemas.openxmlformats.org/presentationml/2006/main">
   <p:cSld>
     <p:spTree>
@@ -23337,7 +22991,7 @@
           <a:p>
             <a:fld id="{B777A91B-BF1B-4ECE-B89B-72F2144CF226}" type="slidenum">
               <a:rPr lang="en-US" smtClean="0"/>
-              <a:t>28</a:t>
+              <a:t>27</a:t>
             </a:fld>
             <a:endParaRPr lang="en-US"/>
           </a:p>
@@ -23480,7 +23134,7 @@
 </p:sld>
 </file>
 
-<file path=ppt/slides/slide29.xml><?xml version="1.0" encoding="utf-8"?>
+<file path=ppt/slides/slide28.xml><?xml version="1.0" encoding="utf-8"?>
 <p:sld xmlns:a="http://schemas.openxmlformats.org/drawingml/2006/main" xmlns:r="http://schemas.openxmlformats.org/officeDocument/2006/relationships" xmlns:p="http://schemas.openxmlformats.org/presentationml/2006/main">
   <p:cSld>
     <p:spTree>
@@ -23631,7 +23285,7 @@
           <a:p>
             <a:fld id="{B777A91B-BF1B-4ECE-B89B-72F2144CF226}" type="slidenum">
               <a:rPr lang="en-US" smtClean="0"/>
-              <a:t>29</a:t>
+              <a:t>28</a:t>
             </a:fld>
             <a:endParaRPr lang="en-US"/>
           </a:p>
@@ -23687,7 +23341,7 @@
 </p:sld>
 </file>
 
-<file path=ppt/slides/slide3.xml><?xml version="1.0" encoding="utf-8"?>
+<file path=ppt/slides/slide29.xml><?xml version="1.0" encoding="utf-8"?>
 <p:sld xmlns:a="http://schemas.openxmlformats.org/drawingml/2006/main" xmlns:r="http://schemas.openxmlformats.org/officeDocument/2006/relationships" xmlns:p="http://schemas.openxmlformats.org/presentationml/2006/main">
   <p:cSld>
     <p:spTree>
@@ -23721,292 +23375,6 @@
           <a:p>
             <a:r>
               <a:rPr lang="en-US" dirty="0" smtClean="0"/>
-              <a:t>Introducing Flux Architecture</a:t>
-            </a:r>
-            <a:endParaRPr lang="en-US" dirty="0"/>
-          </a:p>
-        </p:txBody>
-      </p:sp>
-      <p:pic>
-        <p:nvPicPr>
-          <p:cNvPr id="4" name="Content Placeholder 3"/>
-          <p:cNvPicPr>
-            <a:picLocks noGrp="1" noChangeAspect="1"/>
-          </p:cNvPicPr>
-          <p:nvPr>
-            <p:ph idx="1"/>
-          </p:nvPr>
-        </p:nvPicPr>
-        <p:blipFill>
-          <a:blip r:embed="rId3">
-            <a:extLst>
-              <a:ext uri="{28A0092B-C50C-407E-A947-70E740481C1C}">
-                <a14:useLocalDpi xmlns:a14="http://schemas.microsoft.com/office/drawing/2010/main" val="0"/>
-              </a:ext>
-            </a:extLst>
-          </a:blip>
-          <a:stretch>
-            <a:fillRect/>
-          </a:stretch>
-        </p:blipFill>
-        <p:spPr>
-          <a:xfrm>
-            <a:off x="1227536" y="1900545"/>
-            <a:ext cx="9453509" cy="2917404"/>
-          </a:xfrm>
-        </p:spPr>
-      </p:pic>
-      <p:sp>
-        <p:nvSpPr>
-          <p:cNvPr id="5" name="TextBox 4"/>
-          <p:cNvSpPr txBox="1"/>
-          <p:nvPr/>
-        </p:nvSpPr>
-        <p:spPr>
-          <a:xfrm>
-            <a:off x="994453" y="3591139"/>
-            <a:ext cx="10359347" cy="1200329"/>
-          </a:xfrm>
-          <a:prstGeom prst="rect">
-            <a:avLst/>
-          </a:prstGeom>
-          <a:noFill/>
-        </p:spPr>
-        <p:txBody>
-          <a:bodyPr wrap="square" rtlCol="0">
-            <a:spAutoFit/>
-          </a:bodyPr>
-          <a:lstStyle/>
-          <a:p>
-            <a:endParaRPr lang="en-US" dirty="0"/>
-          </a:p>
-          <a:p>
-            <a:pPr marL="285750" indent="-285750">
-              <a:buFont typeface="Arial" panose="020B0604020202020204" pitchFamily="34" charset="0"/>
-              <a:buChar char="•"/>
-            </a:pPr>
-            <a:endParaRPr lang="en-US" dirty="0" smtClean="0"/>
-          </a:p>
-          <a:p>
-            <a:pPr marL="285750" indent="-285750">
-              <a:buFont typeface="Arial" panose="020B0604020202020204" pitchFamily="34" charset="0"/>
-              <a:buChar char="•"/>
-            </a:pPr>
-            <a:endParaRPr lang="en-US" dirty="0" smtClean="0"/>
-          </a:p>
-          <a:p>
-            <a:endParaRPr lang="en-US" dirty="0"/>
-          </a:p>
-        </p:txBody>
-      </p:sp>
-      <p:sp>
-        <p:nvSpPr>
-          <p:cNvPr id="3" name="Footer Placeholder 2"/>
-          <p:cNvSpPr>
-            <a:spLocks noGrp="1"/>
-          </p:cNvSpPr>
-          <p:nvPr>
-            <p:ph type="ftr" sz="quarter" idx="11"/>
-          </p:nvPr>
-        </p:nvSpPr>
-        <p:spPr/>
-        <p:txBody>
-          <a:bodyPr/>
-          <a:lstStyle/>
-          <a:p>
-            <a:r>
-              <a:rPr lang="en-US" dirty="0" smtClean="0"/>
-              <a:t>Understanding Flux</a:t>
-            </a:r>
-          </a:p>
-          <a:p>
-            <a:endParaRPr lang="en-US" dirty="0"/>
-          </a:p>
-        </p:txBody>
-      </p:sp>
-      <p:sp>
-        <p:nvSpPr>
-          <p:cNvPr id="6" name="Slide Number Placeholder 5"/>
-          <p:cNvSpPr>
-            <a:spLocks noGrp="1"/>
-          </p:cNvSpPr>
-          <p:nvPr>
-            <p:ph type="sldNum" sz="quarter" idx="12"/>
-          </p:nvPr>
-        </p:nvSpPr>
-        <p:spPr/>
-        <p:txBody>
-          <a:bodyPr/>
-          <a:lstStyle/>
-          <a:p>
-            <a:fld id="{B777A91B-BF1B-4ECE-B89B-72F2144CF226}" type="slidenum">
-              <a:rPr lang="en-US" smtClean="0"/>
-              <a:t>3</a:t>
-            </a:fld>
-            <a:endParaRPr lang="en-US"/>
-          </a:p>
-        </p:txBody>
-      </p:sp>
-      <p:pic>
-        <p:nvPicPr>
-          <p:cNvPr id="9" name="Picture 8"/>
-          <p:cNvPicPr>
-            <a:picLocks noChangeAspect="1"/>
-          </p:cNvPicPr>
-          <p:nvPr/>
-        </p:nvPicPr>
-        <p:blipFill>
-          <a:blip r:embed="rId4">
-            <a:extLst>
-              <a:ext uri="{28A0092B-C50C-407E-A947-70E740481C1C}">
-                <a14:useLocalDpi xmlns:a14="http://schemas.microsoft.com/office/drawing/2010/main" val="0"/>
-              </a:ext>
-            </a:extLst>
-          </a:blip>
-          <a:stretch>
-            <a:fillRect/>
-          </a:stretch>
-        </p:blipFill>
-        <p:spPr>
-          <a:xfrm>
-            <a:off x="157162" y="84137"/>
-            <a:ext cx="1362075" cy="561975"/>
-          </a:xfrm>
-          <a:prstGeom prst="rect">
-            <a:avLst/>
-          </a:prstGeom>
-        </p:spPr>
-      </p:pic>
-    </p:spTree>
-    <p:extLst>
-      <p:ext uri="{BB962C8B-B14F-4D97-AF65-F5344CB8AC3E}">
-        <p14:creationId xmlns:p14="http://schemas.microsoft.com/office/powerpoint/2010/main" val="772403909"/>
-      </p:ext>
-    </p:extLst>
-  </p:cSld>
-  <p:clrMapOvr>
-    <a:masterClrMapping/>
-  </p:clrMapOvr>
-  <p:timing>
-    <p:tnLst>
-      <p:par>
-        <p:cTn id="1" dur="indefinite" restart="never" nodeType="tmRoot">
-          <p:childTnLst>
-            <p:seq concurrent="1" nextAc="seek">
-              <p:cTn id="2" dur="indefinite" nodeType="mainSeq">
-                <p:childTnLst>
-                  <p:par>
-                    <p:cTn id="3" fill="hold">
-                      <p:stCondLst>
-                        <p:cond delay="indefinite"/>
-                      </p:stCondLst>
-                      <p:childTnLst>
-                        <p:par>
-                          <p:cTn id="4" fill="hold">
-                            <p:stCondLst>
-                              <p:cond delay="0"/>
-                            </p:stCondLst>
-                            <p:childTnLst>
-                              <p:par>
-                                <p:cTn id="5" presetID="1" presetClass="entr" presetSubtype="0" fill="hold" grpId="0" nodeType="clickEffect" nodePh="1">
-                                  <p:stCondLst>
-                                    <p:cond delay="0"/>
-                                  </p:stCondLst>
-                                  <p:endCondLst>
-                                    <p:cond evt="begin" delay="0">
-                                      <p:tn val="5"/>
-                                    </p:cond>
-                                  </p:endCondLst>
-                                  <p:childTnLst>
-                                    <p:set>
-                                      <p:cBhvr>
-                                        <p:cTn id="6" dur="1" fill="hold">
-                                          <p:stCondLst>
-                                            <p:cond delay="0"/>
-                                          </p:stCondLst>
-                                        </p:cTn>
-                                        <p:tgtEl>
-                                          <p:spTgt spid="5"/>
-                                        </p:tgtEl>
-                                        <p:attrNameLst>
-                                          <p:attrName>style.visibility</p:attrName>
-                                        </p:attrNameLst>
-                                      </p:cBhvr>
-                                      <p:to>
-                                        <p:strVal val="visible"/>
-                                      </p:to>
-                                    </p:set>
-                                  </p:childTnLst>
-                                </p:cTn>
-                              </p:par>
-                            </p:childTnLst>
-                          </p:cTn>
-                        </p:par>
-                      </p:childTnLst>
-                    </p:cTn>
-                  </p:par>
-                </p:childTnLst>
-              </p:cTn>
-              <p:prevCondLst>
-                <p:cond evt="onPrev" delay="0">
-                  <p:tgtEl>
-                    <p:sldTgt/>
-                  </p:tgtEl>
-                </p:cond>
-              </p:prevCondLst>
-              <p:nextCondLst>
-                <p:cond evt="onNext" delay="0">
-                  <p:tgtEl>
-                    <p:sldTgt/>
-                  </p:tgtEl>
-                </p:cond>
-              </p:nextCondLst>
-            </p:seq>
-          </p:childTnLst>
-        </p:cTn>
-      </p:par>
-    </p:tnLst>
-    <p:bldLst>
-      <p:bldP spid="5" grpId="0"/>
-    </p:bldLst>
-  </p:timing>
-</p:sld>
-</file>
-
-<file path=ppt/slides/slide30.xml><?xml version="1.0" encoding="utf-8"?>
-<p:sld xmlns:a="http://schemas.openxmlformats.org/drawingml/2006/main" xmlns:r="http://schemas.openxmlformats.org/officeDocument/2006/relationships" xmlns:p="http://schemas.openxmlformats.org/presentationml/2006/main">
-  <p:cSld>
-    <p:spTree>
-      <p:nvGrpSpPr>
-        <p:cNvPr id="1" name=""/>
-        <p:cNvGrpSpPr/>
-        <p:nvPr/>
-      </p:nvGrpSpPr>
-      <p:grpSpPr>
-        <a:xfrm>
-          <a:off x="0" y="0"/>
-          <a:ext cx="0" cy="0"/>
-          <a:chOff x="0" y="0"/>
-          <a:chExt cx="0" cy="0"/>
-        </a:xfrm>
-      </p:grpSpPr>
-      <p:sp>
-        <p:nvSpPr>
-          <p:cNvPr id="2" name="Title 1"/>
-          <p:cNvSpPr>
-            <a:spLocks noGrp="1"/>
-          </p:cNvSpPr>
-          <p:nvPr>
-            <p:ph type="title"/>
-          </p:nvPr>
-        </p:nvSpPr>
-        <p:spPr/>
-        <p:txBody>
-          <a:bodyPr/>
-          <a:lstStyle/>
-          <a:p>
-            <a:r>
-              <a:rPr lang="en-US" dirty="0" smtClean="0"/>
               <a:t>Bundling up the node style code</a:t>
             </a:r>
             <a:endParaRPr lang="en-US" dirty="0"/>
@@ -24082,7 +23450,7 @@
           <a:p>
             <a:fld id="{B777A91B-BF1B-4ECE-B89B-72F2144CF226}" type="slidenum">
               <a:rPr lang="en-US" smtClean="0"/>
-              <a:t>30</a:t>
+              <a:t>29</a:t>
             </a:fld>
             <a:endParaRPr lang="en-US"/>
           </a:p>
@@ -24168,7 +23536,7 @@
 </p:sld>
 </file>
 
-<file path=ppt/slides/slide31.xml><?xml version="1.0" encoding="utf-8"?>
+<file path=ppt/slides/slide3.xml><?xml version="1.0" encoding="utf-8"?>
 <p:sld xmlns:a="http://schemas.openxmlformats.org/drawingml/2006/main" xmlns:r="http://schemas.openxmlformats.org/officeDocument/2006/relationships" xmlns:p="http://schemas.openxmlformats.org/presentationml/2006/main">
   <p:cSld>
     <p:spTree>
@@ -24202,6 +23570,245 @@
           <a:p>
             <a:r>
               <a:rPr lang="en-US" dirty="0" smtClean="0"/>
+              <a:t>Introducing Flux Architecture</a:t>
+            </a:r>
+            <a:endParaRPr lang="en-US" dirty="0"/>
+          </a:p>
+        </p:txBody>
+      </p:sp>
+      <p:pic>
+        <p:nvPicPr>
+          <p:cNvPr id="4" name="Content Placeholder 3"/>
+          <p:cNvPicPr>
+            <a:picLocks noGrp="1" noChangeAspect="1"/>
+          </p:cNvPicPr>
+          <p:nvPr>
+            <p:ph idx="1"/>
+          </p:nvPr>
+        </p:nvPicPr>
+        <p:blipFill>
+          <a:blip r:embed="rId3">
+            <a:extLst>
+              <a:ext uri="{28A0092B-C50C-407E-A947-70E740481C1C}">
+                <a14:useLocalDpi xmlns:a14="http://schemas.microsoft.com/office/drawing/2010/main" val="0"/>
+              </a:ext>
+            </a:extLst>
+          </a:blip>
+          <a:stretch>
+            <a:fillRect/>
+          </a:stretch>
+        </p:blipFill>
+        <p:spPr>
+          <a:xfrm>
+            <a:off x="654197" y="2210994"/>
+            <a:ext cx="9453509" cy="2917404"/>
+          </a:xfrm>
+        </p:spPr>
+      </p:pic>
+      <p:sp>
+        <p:nvSpPr>
+          <p:cNvPr id="5" name="TextBox 4"/>
+          <p:cNvSpPr txBox="1"/>
+          <p:nvPr/>
+        </p:nvSpPr>
+        <p:spPr>
+          <a:xfrm>
+            <a:off x="994453" y="3591139"/>
+            <a:ext cx="10359347" cy="1200329"/>
+          </a:xfrm>
+          <a:prstGeom prst="rect">
+            <a:avLst/>
+          </a:prstGeom>
+          <a:noFill/>
+        </p:spPr>
+        <p:txBody>
+          <a:bodyPr wrap="square" rtlCol="0">
+            <a:spAutoFit/>
+          </a:bodyPr>
+          <a:lstStyle/>
+          <a:p>
+            <a:endParaRPr lang="en-US" dirty="0"/>
+          </a:p>
+          <a:p>
+            <a:pPr marL="285750" indent="-285750">
+              <a:buFont typeface="Arial" panose="020B0604020202020204" pitchFamily="34" charset="0"/>
+              <a:buChar char="•"/>
+            </a:pPr>
+            <a:endParaRPr lang="en-US" dirty="0" smtClean="0"/>
+          </a:p>
+          <a:p>
+            <a:pPr marL="285750" indent="-285750">
+              <a:buFont typeface="Arial" panose="020B0604020202020204" pitchFamily="34" charset="0"/>
+              <a:buChar char="•"/>
+            </a:pPr>
+            <a:endParaRPr lang="en-US" dirty="0" smtClean="0"/>
+          </a:p>
+          <a:p>
+            <a:endParaRPr lang="en-US" dirty="0"/>
+          </a:p>
+        </p:txBody>
+      </p:sp>
+      <p:sp>
+        <p:nvSpPr>
+          <p:cNvPr id="3" name="Footer Placeholder 2"/>
+          <p:cNvSpPr>
+            <a:spLocks noGrp="1"/>
+          </p:cNvSpPr>
+          <p:nvPr>
+            <p:ph type="ftr" sz="quarter" idx="11"/>
+          </p:nvPr>
+        </p:nvSpPr>
+        <p:spPr/>
+        <p:txBody>
+          <a:bodyPr/>
+          <a:lstStyle/>
+          <a:p>
+            <a:r>
+              <a:rPr lang="en-US" dirty="0" smtClean="0"/>
+              <a:t>Understanding Flux</a:t>
+            </a:r>
+          </a:p>
+          <a:p>
+            <a:endParaRPr lang="en-US" dirty="0"/>
+          </a:p>
+        </p:txBody>
+      </p:sp>
+      <p:sp>
+        <p:nvSpPr>
+          <p:cNvPr id="6" name="Slide Number Placeholder 5"/>
+          <p:cNvSpPr>
+            <a:spLocks noGrp="1"/>
+          </p:cNvSpPr>
+          <p:nvPr>
+            <p:ph type="sldNum" sz="quarter" idx="12"/>
+          </p:nvPr>
+        </p:nvSpPr>
+        <p:spPr/>
+        <p:txBody>
+          <a:bodyPr/>
+          <a:lstStyle/>
+          <a:p>
+            <a:fld id="{B777A91B-BF1B-4ECE-B89B-72F2144CF226}" type="slidenum">
+              <a:rPr lang="en-US" smtClean="0"/>
+              <a:t>3</a:t>
+            </a:fld>
+            <a:endParaRPr lang="en-US" dirty="0"/>
+          </a:p>
+        </p:txBody>
+      </p:sp>
+      <p:pic>
+        <p:nvPicPr>
+          <p:cNvPr id="9" name="Picture 8"/>
+          <p:cNvPicPr>
+            <a:picLocks noChangeAspect="1"/>
+          </p:cNvPicPr>
+          <p:nvPr/>
+        </p:nvPicPr>
+        <p:blipFill>
+          <a:blip r:embed="rId4">
+            <a:extLst>
+              <a:ext uri="{28A0092B-C50C-407E-A947-70E740481C1C}">
+                <a14:useLocalDpi xmlns:a14="http://schemas.microsoft.com/office/drawing/2010/main" val="0"/>
+              </a:ext>
+            </a:extLst>
+          </a:blip>
+          <a:stretch>
+            <a:fillRect/>
+          </a:stretch>
+        </p:blipFill>
+        <p:spPr>
+          <a:xfrm>
+            <a:off x="157162" y="84137"/>
+            <a:ext cx="1362075" cy="561975"/>
+          </a:xfrm>
+          <a:prstGeom prst="rect">
+            <a:avLst/>
+          </a:prstGeom>
+        </p:spPr>
+      </p:pic>
+      <p:sp>
+        <p:nvSpPr>
+          <p:cNvPr id="7" name="Rectangle 6"/>
+          <p:cNvSpPr/>
+          <p:nvPr/>
+        </p:nvSpPr>
+        <p:spPr>
+          <a:xfrm>
+            <a:off x="901760" y="2313745"/>
+            <a:ext cx="2270750" cy="400110"/>
+          </a:xfrm>
+          <a:prstGeom prst="rect">
+            <a:avLst/>
+          </a:prstGeom>
+        </p:spPr>
+        <p:txBody>
+          <a:bodyPr wrap="none">
+            <a:spAutoFit/>
+          </a:bodyPr>
+          <a:lstStyle/>
+          <a:p>
+            <a:r>
+              <a:rPr lang="en-US" sz="2000" dirty="0" smtClean="0"/>
+              <a:t>A Typical MVC Flow </a:t>
+            </a:r>
+            <a:endParaRPr lang="en-US" sz="2000" dirty="0"/>
+          </a:p>
+        </p:txBody>
+      </p:sp>
+    </p:spTree>
+    <p:extLst>
+      <p:ext uri="{BB962C8B-B14F-4D97-AF65-F5344CB8AC3E}">
+        <p14:creationId xmlns:p14="http://schemas.microsoft.com/office/powerpoint/2010/main" val="772403909"/>
+      </p:ext>
+    </p:extLst>
+  </p:cSld>
+  <p:clrMapOvr>
+    <a:masterClrMapping/>
+  </p:clrMapOvr>
+  <p:timing>
+    <p:tnLst>
+      <p:par>
+        <p:cTn id="1" dur="indefinite" restart="never" nodeType="tmRoot"/>
+      </p:par>
+    </p:tnLst>
+  </p:timing>
+</p:sld>
+</file>
+
+<file path=ppt/slides/slide30.xml><?xml version="1.0" encoding="utf-8"?>
+<p:sld xmlns:a="http://schemas.openxmlformats.org/drawingml/2006/main" xmlns:r="http://schemas.openxmlformats.org/officeDocument/2006/relationships" xmlns:p="http://schemas.openxmlformats.org/presentationml/2006/main">
+  <p:cSld>
+    <p:spTree>
+      <p:nvGrpSpPr>
+        <p:cNvPr id="1" name=""/>
+        <p:cNvGrpSpPr/>
+        <p:nvPr/>
+      </p:nvGrpSpPr>
+      <p:grpSpPr>
+        <a:xfrm>
+          <a:off x="0" y="0"/>
+          <a:ext cx="0" cy="0"/>
+          <a:chOff x="0" y="0"/>
+          <a:chExt cx="0" cy="0"/>
+        </a:xfrm>
+      </p:grpSpPr>
+      <p:sp>
+        <p:nvSpPr>
+          <p:cNvPr id="2" name="Title 1"/>
+          <p:cNvSpPr>
+            <a:spLocks noGrp="1"/>
+          </p:cNvSpPr>
+          <p:nvPr>
+            <p:ph type="title"/>
+          </p:nvPr>
+        </p:nvSpPr>
+        <p:spPr/>
+        <p:txBody>
+          <a:bodyPr/>
+          <a:lstStyle/>
+          <a:p>
+            <a:r>
+              <a:rPr lang="en-US" dirty="0" smtClean="0"/>
               <a:t>Build and Run</a:t>
             </a:r>
             <a:endParaRPr lang="en-US" dirty="0"/>
@@ -24255,7 +23862,7 @@
           <a:p>
             <a:fld id="{B777A91B-BF1B-4ECE-B89B-72F2144CF226}" type="slidenum">
               <a:rPr lang="en-US" smtClean="0"/>
-              <a:t>31</a:t>
+              <a:t>30</a:t>
             </a:fld>
             <a:endParaRPr lang="en-US"/>
           </a:p>
@@ -24551,7 +24158,7 @@
 </p:sld>
 </file>
 
-<file path=ppt/slides/slide32.xml><?xml version="1.0" encoding="utf-8"?>
+<file path=ppt/slides/slide31.xml><?xml version="1.0" encoding="utf-8"?>
 <p:sld xmlns:a="http://schemas.openxmlformats.org/drawingml/2006/main" xmlns:r="http://schemas.openxmlformats.org/officeDocument/2006/relationships" xmlns:p="http://schemas.openxmlformats.org/presentationml/2006/main">
   <p:cSld>
     <p:spTree>
@@ -24615,7 +24222,7 @@
           <a:p>
             <a:fld id="{B777A91B-BF1B-4ECE-B89B-72F2144CF226}" type="slidenum">
               <a:rPr lang="en-US" smtClean="0"/>
-              <a:t>32</a:t>
+              <a:t>31</a:t>
             </a:fld>
             <a:endParaRPr lang="en-US"/>
           </a:p>
@@ -24730,7 +24337,7 @@
 </p:sld>
 </file>
 
-<file path=ppt/slides/slide33.xml><?xml version="1.0" encoding="utf-8"?>
+<file path=ppt/slides/slide32.xml><?xml version="1.0" encoding="utf-8"?>
 <p:sld xmlns:a="http://schemas.openxmlformats.org/drawingml/2006/main" xmlns:r="http://schemas.openxmlformats.org/officeDocument/2006/relationships" xmlns:p="http://schemas.openxmlformats.org/presentationml/2006/main">
   <p:cSld>
     <p:spTree>
@@ -24817,7 +24424,7 @@
           <a:p>
             <a:fld id="{B777A91B-BF1B-4ECE-B89B-72F2144CF226}" type="slidenum">
               <a:rPr lang="en-US" smtClean="0"/>
-              <a:t>33</a:t>
+              <a:t>32</a:t>
             </a:fld>
             <a:endParaRPr lang="en-US"/>
           </a:p>
@@ -25075,7 +24682,7 @@
 </p:sld>
 </file>
 
-<file path=ppt/slides/slide34.xml><?xml version="1.0" encoding="utf-8"?>
+<file path=ppt/slides/slide33.xml><?xml version="1.0" encoding="utf-8"?>
 <p:sld xmlns:a="http://schemas.openxmlformats.org/drawingml/2006/main" xmlns:r="http://schemas.openxmlformats.org/officeDocument/2006/relationships" xmlns:p="http://schemas.openxmlformats.org/presentationml/2006/main">
   <p:cSld>
     <p:spTree>
@@ -25162,7 +24769,7 @@
           <a:p>
             <a:fld id="{B777A91B-BF1B-4ECE-B89B-72F2144CF226}" type="slidenum">
               <a:rPr lang="en-US" smtClean="0"/>
-              <a:t>34</a:t>
+              <a:t>33</a:t>
             </a:fld>
             <a:endParaRPr lang="en-US"/>
           </a:p>
@@ -25345,7 +24952,7 @@
 </p:sld>
 </file>
 
-<file path=ppt/slides/slide35.xml><?xml version="1.0" encoding="utf-8"?>
+<file path=ppt/slides/slide34.xml><?xml version="1.0" encoding="utf-8"?>
 <p:sld xmlns:a="http://schemas.openxmlformats.org/drawingml/2006/main" xmlns:r="http://schemas.openxmlformats.org/officeDocument/2006/relationships" xmlns:p="http://schemas.openxmlformats.org/presentationml/2006/main">
   <p:cSld>
     <p:spTree>
@@ -25432,7 +25039,7 @@
           <a:p>
             <a:fld id="{B777A91B-BF1B-4ECE-B89B-72F2144CF226}" type="slidenum">
               <a:rPr lang="en-US" smtClean="0"/>
-              <a:t>35</a:t>
+              <a:t>34</a:t>
             </a:fld>
             <a:endParaRPr lang="en-US"/>
           </a:p>
@@ -25615,7 +25222,7 @@
 </p:sld>
 </file>
 
-<file path=ppt/slides/slide36.xml><?xml version="1.0" encoding="utf-8"?>
+<file path=ppt/slides/slide35.xml><?xml version="1.0" encoding="utf-8"?>
 <p:sld xmlns:a="http://schemas.openxmlformats.org/drawingml/2006/main" xmlns:r="http://schemas.openxmlformats.org/officeDocument/2006/relationships" xmlns:p="http://schemas.openxmlformats.org/presentationml/2006/main">
   <p:cSld>
     <p:spTree>
@@ -25783,7 +25390,7 @@
           <a:p>
             <a:fld id="{B777A91B-BF1B-4ECE-B89B-72F2144CF226}" type="slidenum">
               <a:rPr lang="en-US" smtClean="0"/>
-              <a:t>36</a:t>
+              <a:t>35</a:t>
             </a:fld>
             <a:endParaRPr lang="en-US"/>
           </a:p>
@@ -25839,7 +25446,7 @@
 </p:sld>
 </file>
 
-<file path=ppt/slides/slide37.xml><?xml version="1.0" encoding="utf-8"?>
+<file path=ppt/slides/slide36.xml><?xml version="1.0" encoding="utf-8"?>
 <p:sld xmlns:a="http://schemas.openxmlformats.org/drawingml/2006/main" xmlns:r="http://schemas.openxmlformats.org/officeDocument/2006/relationships" xmlns:p="http://schemas.openxmlformats.org/presentationml/2006/main">
   <p:cSld>
     <p:spTree>
@@ -25987,7 +25594,7 @@
           <a:p>
             <a:fld id="{B777A91B-BF1B-4ECE-B89B-72F2144CF226}" type="slidenum">
               <a:rPr lang="en-US" smtClean="0"/>
-              <a:t>37</a:t>
+              <a:t>36</a:t>
             </a:fld>
             <a:endParaRPr lang="en-US"/>
           </a:p>
@@ -26265,7 +25872,7 @@
 </p:sld>
 </file>
 
-<file path=ppt/slides/slide38.xml><?xml version="1.0" encoding="utf-8"?>
+<file path=ppt/slides/slide37.xml><?xml version="1.0" encoding="utf-8"?>
 <p:sld xmlns:a="http://schemas.openxmlformats.org/drawingml/2006/main" xmlns:r="http://schemas.openxmlformats.org/officeDocument/2006/relationships" xmlns:p="http://schemas.openxmlformats.org/presentationml/2006/main">
   <p:cSld>
     <p:spTree>
@@ -26423,7 +26030,7 @@
           <a:p>
             <a:fld id="{B777A91B-BF1B-4ECE-B89B-72F2144CF226}" type="slidenum">
               <a:rPr lang="en-US" smtClean="0"/>
-              <a:t>38</a:t>
+              <a:t>37</a:t>
             </a:fld>
             <a:endParaRPr lang="en-US"/>
           </a:p>
@@ -26595,7 +26202,7 @@
 </p:sld>
 </file>
 
-<file path=ppt/slides/slide39.xml><?xml version="1.0" encoding="utf-8"?>
+<file path=ppt/slides/slide38.xml><?xml version="1.0" encoding="utf-8"?>
 <p:sld xmlns:a="http://schemas.openxmlformats.org/drawingml/2006/main" xmlns:r="http://schemas.openxmlformats.org/officeDocument/2006/relationships" xmlns:p="http://schemas.openxmlformats.org/presentationml/2006/main">
   <p:cSld>
     <p:spTree>
@@ -26651,7 +26258,7 @@
           <a:p>
             <a:fld id="{B777A91B-BF1B-4ECE-B89B-72F2144CF226}" type="slidenum">
               <a:rPr lang="en-US" smtClean="0"/>
-              <a:t>39</a:t>
+              <a:t>38</a:t>
             </a:fld>
             <a:endParaRPr lang="en-US"/>
           </a:p>
@@ -26821,7 +26428,7 @@
 </p:sld>
 </file>
 
-<file path=ppt/slides/slide4.xml><?xml version="1.0" encoding="utf-8"?>
+<file path=ppt/slides/slide39.xml><?xml version="1.0" encoding="utf-8"?>
 <p:sld xmlns:a="http://schemas.openxmlformats.org/drawingml/2006/main" xmlns:r="http://schemas.openxmlformats.org/officeDocument/2006/relationships" xmlns:p="http://schemas.openxmlformats.org/presentationml/2006/main">
   <p:cSld>
     <p:spTree>
@@ -26854,198 +26461,6 @@
           <a:lstStyle/>
           <a:p>
             <a:r>
-              <a:rPr lang="en-US" dirty="0" smtClean="0"/>
-              <a:t>Problem with Two-way binding</a:t>
-            </a:r>
-            <a:endParaRPr lang="en-US" dirty="0"/>
-          </a:p>
-        </p:txBody>
-      </p:sp>
-      <p:sp>
-        <p:nvSpPr>
-          <p:cNvPr id="5" name="TextBox 4"/>
-          <p:cNvSpPr txBox="1"/>
-          <p:nvPr/>
-        </p:nvSpPr>
-        <p:spPr>
-          <a:xfrm>
-            <a:off x="1828800" y="4168588"/>
-            <a:ext cx="184731" cy="369332"/>
-          </a:xfrm>
-          <a:prstGeom prst="rect">
-            <a:avLst/>
-          </a:prstGeom>
-          <a:noFill/>
-        </p:spPr>
-        <p:txBody>
-          <a:bodyPr wrap="none" rtlCol="0">
-            <a:spAutoFit/>
-          </a:bodyPr>
-          <a:lstStyle/>
-          <a:p>
-            <a:endParaRPr lang="en-US" dirty="0"/>
-          </a:p>
-        </p:txBody>
-      </p:sp>
-      <p:pic>
-        <p:nvPicPr>
-          <p:cNvPr id="6" name="Picture 5"/>
-          <p:cNvPicPr>
-            <a:picLocks noChangeAspect="1"/>
-          </p:cNvPicPr>
-          <p:nvPr/>
-        </p:nvPicPr>
-        <p:blipFill>
-          <a:blip r:embed="rId3">
-            <a:extLst>
-              <a:ext uri="{28A0092B-C50C-407E-A947-70E740481C1C}">
-                <a14:useLocalDpi xmlns:a14="http://schemas.microsoft.com/office/drawing/2010/main" val="0"/>
-              </a:ext>
-            </a:extLst>
-          </a:blip>
-          <a:stretch>
-            <a:fillRect/>
-          </a:stretch>
-        </p:blipFill>
-        <p:spPr>
-          <a:xfrm>
-            <a:off x="1519237" y="1870075"/>
-            <a:ext cx="8262633" cy="4306888"/>
-          </a:xfrm>
-          <a:prstGeom prst="rect">
-            <a:avLst/>
-          </a:prstGeom>
-        </p:spPr>
-      </p:pic>
-      <p:sp>
-        <p:nvSpPr>
-          <p:cNvPr id="7" name="Slide Number Placeholder 6"/>
-          <p:cNvSpPr>
-            <a:spLocks noGrp="1"/>
-          </p:cNvSpPr>
-          <p:nvPr>
-            <p:ph type="sldNum" sz="quarter" idx="12"/>
-          </p:nvPr>
-        </p:nvSpPr>
-        <p:spPr/>
-        <p:txBody>
-          <a:bodyPr/>
-          <a:lstStyle/>
-          <a:p>
-            <a:fld id="{B777A91B-BF1B-4ECE-B89B-72F2144CF226}" type="slidenum">
-              <a:rPr lang="en-US" smtClean="0"/>
-              <a:t>4</a:t>
-            </a:fld>
-            <a:endParaRPr lang="en-US"/>
-          </a:p>
-        </p:txBody>
-      </p:sp>
-      <p:pic>
-        <p:nvPicPr>
-          <p:cNvPr id="8" name="Picture 7"/>
-          <p:cNvPicPr>
-            <a:picLocks noChangeAspect="1"/>
-          </p:cNvPicPr>
-          <p:nvPr/>
-        </p:nvPicPr>
-        <p:blipFill>
-          <a:blip r:embed="rId4">
-            <a:extLst>
-              <a:ext uri="{28A0092B-C50C-407E-A947-70E740481C1C}">
-                <a14:useLocalDpi xmlns:a14="http://schemas.microsoft.com/office/drawing/2010/main" val="0"/>
-              </a:ext>
-            </a:extLst>
-          </a:blip>
-          <a:stretch>
-            <a:fillRect/>
-          </a:stretch>
-        </p:blipFill>
-        <p:spPr>
-          <a:xfrm>
-            <a:off x="157162" y="84137"/>
-            <a:ext cx="1362075" cy="561975"/>
-          </a:xfrm>
-          <a:prstGeom prst="rect">
-            <a:avLst/>
-          </a:prstGeom>
-        </p:spPr>
-      </p:pic>
-      <p:sp>
-        <p:nvSpPr>
-          <p:cNvPr id="9" name="Footer Placeholder 8"/>
-          <p:cNvSpPr>
-            <a:spLocks noGrp="1"/>
-          </p:cNvSpPr>
-          <p:nvPr>
-            <p:ph type="ftr" sz="quarter" idx="11"/>
-          </p:nvPr>
-        </p:nvSpPr>
-        <p:spPr/>
-        <p:txBody>
-          <a:bodyPr/>
-          <a:lstStyle/>
-          <a:p>
-            <a:r>
-              <a:rPr lang="en-US" dirty="0" smtClean="0"/>
-              <a:t>Understanding Flux</a:t>
-            </a:r>
-            <a:endParaRPr lang="en-US" dirty="0"/>
-          </a:p>
-        </p:txBody>
-      </p:sp>
-    </p:spTree>
-    <p:extLst>
-      <p:ext uri="{BB962C8B-B14F-4D97-AF65-F5344CB8AC3E}">
-        <p14:creationId xmlns:p14="http://schemas.microsoft.com/office/powerpoint/2010/main" val="2718338151"/>
-      </p:ext>
-    </p:extLst>
-  </p:cSld>
-  <p:clrMapOvr>
-    <a:masterClrMapping/>
-  </p:clrMapOvr>
-  <p:timing>
-    <p:tnLst>
-      <p:par>
-        <p:cTn id="1" dur="indefinite" restart="never" nodeType="tmRoot"/>
-      </p:par>
-    </p:tnLst>
-  </p:timing>
-</p:sld>
-</file>
-
-<file path=ppt/slides/slide40.xml><?xml version="1.0" encoding="utf-8"?>
-<p:sld xmlns:a="http://schemas.openxmlformats.org/drawingml/2006/main" xmlns:r="http://schemas.openxmlformats.org/officeDocument/2006/relationships" xmlns:p="http://schemas.openxmlformats.org/presentationml/2006/main">
-  <p:cSld>
-    <p:spTree>
-      <p:nvGrpSpPr>
-        <p:cNvPr id="1" name=""/>
-        <p:cNvGrpSpPr/>
-        <p:nvPr/>
-      </p:nvGrpSpPr>
-      <p:grpSpPr>
-        <a:xfrm>
-          <a:off x="0" y="0"/>
-          <a:ext cx="0" cy="0"/>
-          <a:chOff x="0" y="0"/>
-          <a:chExt cx="0" cy="0"/>
-        </a:xfrm>
-      </p:grpSpPr>
-      <p:sp>
-        <p:nvSpPr>
-          <p:cNvPr id="2" name="Title 1"/>
-          <p:cNvSpPr>
-            <a:spLocks noGrp="1"/>
-          </p:cNvSpPr>
-          <p:nvPr>
-            <p:ph type="title"/>
-          </p:nvPr>
-        </p:nvSpPr>
-        <p:spPr/>
-        <p:txBody>
-          <a:bodyPr/>
-          <a:lstStyle/>
-          <a:p>
-            <a:r>
               <a:rPr lang="en-US" dirty="0"/>
               <a:t>Jest Directory </a:t>
             </a:r>
@@ -27130,7 +26545,7 @@
           <a:p>
             <a:fld id="{B777A91B-BF1B-4ECE-B89B-72F2144CF226}" type="slidenum">
               <a:rPr lang="en-US" smtClean="0"/>
-              <a:t>40</a:t>
+              <a:t>39</a:t>
             </a:fld>
             <a:endParaRPr lang="en-US"/>
           </a:p>
@@ -27216,7 +26631,7 @@
 </p:sld>
 </file>
 
-<file path=ppt/slides/slide41.xml><?xml version="1.0" encoding="utf-8"?>
+<file path=ppt/slides/slide4.xml><?xml version="1.0" encoding="utf-8"?>
 <p:sld xmlns:a="http://schemas.openxmlformats.org/drawingml/2006/main" xmlns:r="http://schemas.openxmlformats.org/officeDocument/2006/relationships" xmlns:p="http://schemas.openxmlformats.org/presentationml/2006/main">
   <p:cSld>
     <p:spTree>
@@ -27250,7 +26665,7 @@
           <a:p>
             <a:r>
               <a:rPr lang="en-US" dirty="0" smtClean="0"/>
-              <a:t>More Learning Resources</a:t>
+              <a:t>Problem with Two-way binding</a:t>
             </a:r>
             <a:endParaRPr lang="en-US" dirty="0"/>
           </a:p>
@@ -27258,201 +26673,63 @@
       </p:sp>
       <p:sp>
         <p:nvSpPr>
-          <p:cNvPr id="3" name="Content Placeholder 2"/>
-          <p:cNvSpPr>
-            <a:spLocks noGrp="1"/>
-          </p:cNvSpPr>
-          <p:nvPr>
-            <p:ph idx="1"/>
-          </p:nvPr>
+          <p:cNvPr id="5" name="TextBox 4"/>
+          <p:cNvSpPr txBox="1"/>
+          <p:nvPr/>
         </p:nvSpPr>
         <p:spPr>
           <a:xfrm>
-            <a:off x="838200" y="1825625"/>
-            <a:ext cx="10515600" cy="4351338"/>
+            <a:off x="1828800" y="4168588"/>
+            <a:ext cx="184731" cy="369332"/>
           </a:xfrm>
+          <a:prstGeom prst="rect">
+            <a:avLst/>
+          </a:prstGeom>
+          <a:noFill/>
         </p:spPr>
         <p:txBody>
-          <a:bodyPr>
-            <a:normAutofit/>
+          <a:bodyPr wrap="none" rtlCol="0">
+            <a:spAutoFit/>
           </a:bodyPr>
           <a:lstStyle/>
           <a:p>
-            <a:r>
-              <a:rPr lang="en-US" dirty="0">
-                <a:hlinkClick r:id="rId3"/>
-              </a:rPr>
-              <a:t>https://</a:t>
-            </a:r>
-            <a:r>
-              <a:rPr lang="en-US" dirty="0" smtClean="0">
-                <a:hlinkClick r:id="rId3"/>
-              </a:rPr>
-              <a:t>github.com/awahab29/samplealt</a:t>
-            </a:r>
-            <a:r>
-              <a:rPr lang="en-US" dirty="0" smtClean="0"/>
-              <a:t> (Presentation Code)</a:t>
-            </a:r>
-            <a:endParaRPr lang="en-US" dirty="0" smtClean="0">
-              <a:hlinkClick r:id="rId4"/>
-            </a:endParaRPr>
-          </a:p>
-          <a:p>
-            <a:r>
-              <a:rPr lang="en-US" dirty="0" smtClean="0">
-                <a:hlinkClick r:id="rId4"/>
-              </a:rPr>
-              <a:t>https</a:t>
-            </a:r>
-            <a:r>
-              <a:rPr lang="en-US" dirty="0">
-                <a:hlinkClick r:id="rId4"/>
-              </a:rPr>
-              <a:t>://</a:t>
-            </a:r>
-            <a:r>
-              <a:rPr lang="en-US" dirty="0" smtClean="0">
-                <a:hlinkClick r:id="rId4"/>
-              </a:rPr>
-              <a:t>github.com/goatslacker/alt</a:t>
-            </a:r>
-            <a:endParaRPr lang="en-US" dirty="0" smtClean="0"/>
-          </a:p>
-          <a:p>
-            <a:r>
-              <a:rPr lang="en-US" dirty="0">
-                <a:hlinkClick r:id="rId5"/>
-              </a:rPr>
-              <a:t>https://</a:t>
-            </a:r>
-            <a:r>
-              <a:rPr lang="en-US" dirty="0" smtClean="0">
-                <a:hlinkClick r:id="rId5"/>
-              </a:rPr>
-              <a:t>github.com/substack/browserify-handbook</a:t>
-            </a:r>
-            <a:endParaRPr lang="en-US" dirty="0" smtClean="0"/>
-          </a:p>
-          <a:p>
-            <a:r>
-              <a:rPr lang="en-US" dirty="0">
-                <a:hlinkClick r:id="rId6"/>
-              </a:rPr>
-              <a:t>https://</a:t>
-            </a:r>
-            <a:r>
-              <a:rPr lang="en-US" dirty="0" smtClean="0">
-                <a:hlinkClick r:id="rId6"/>
-              </a:rPr>
-              <a:t>github.com/substack/node-browserify#usage</a:t>
-            </a:r>
-            <a:endParaRPr lang="en-US" dirty="0" smtClean="0"/>
-          </a:p>
-          <a:p>
-            <a:r>
-              <a:rPr lang="en-US" dirty="0">
-                <a:hlinkClick r:id="rId7"/>
-              </a:rPr>
-              <a:t>https://</a:t>
-            </a:r>
-            <a:r>
-              <a:rPr lang="en-US" dirty="0" smtClean="0">
-                <a:hlinkClick r:id="rId7"/>
-              </a:rPr>
-              <a:t>facebook.github.io/react/blog/2014/09/24/testing-flux-applications.html</a:t>
-            </a:r>
-            <a:endParaRPr lang="en-US" dirty="0" smtClean="0"/>
-          </a:p>
-          <a:p>
-            <a:r>
-              <a:rPr lang="en-US" dirty="0" smtClean="0">
-                <a:hlinkClick r:id="rId8"/>
-              </a:rPr>
-              <a:t>https</a:t>
-            </a:r>
-            <a:r>
-              <a:rPr lang="en-US" dirty="0">
-                <a:hlinkClick r:id="rId8"/>
-              </a:rPr>
-              <a:t>://</a:t>
-            </a:r>
-            <a:r>
-              <a:rPr lang="en-US" dirty="0" smtClean="0">
-                <a:hlinkClick r:id="rId8"/>
-              </a:rPr>
-              <a:t>github.com/rackt/react-router</a:t>
-            </a:r>
-            <a:endParaRPr lang="en-US" dirty="0" smtClean="0"/>
-          </a:p>
-          <a:p>
-            <a:r>
-              <a:rPr lang="en-US" dirty="0" smtClean="0">
-                <a:hlinkClick r:id="rId9"/>
-              </a:rPr>
-              <a:t>http</a:t>
-            </a:r>
-            <a:r>
-              <a:rPr lang="en-US" dirty="0">
-                <a:hlinkClick r:id="rId9"/>
-              </a:rPr>
-              <a:t>://es6-features.org/#</a:t>
-            </a:r>
-            <a:r>
-              <a:rPr lang="en-US" dirty="0" smtClean="0">
-                <a:hlinkClick r:id="rId9"/>
-              </a:rPr>
-              <a:t>Constants</a:t>
-            </a:r>
-            <a:endParaRPr lang="en-US" dirty="0" smtClean="0"/>
-          </a:p>
-          <a:p>
-            <a:pPr marL="0" indent="0">
-              <a:buNone/>
-            </a:pPr>
             <a:endParaRPr lang="en-US" dirty="0"/>
           </a:p>
-          <a:p>
-            <a:pPr marL="0" indent="0">
-              <a:buNone/>
-            </a:pPr>
-            <a:endParaRPr lang="en-US" dirty="0" smtClean="0"/>
-          </a:p>
-          <a:p>
-            <a:endParaRPr lang="en-US" dirty="0"/>
-          </a:p>
-        </p:txBody>
-      </p:sp>
-      <p:sp>
-        <p:nvSpPr>
-          <p:cNvPr id="4" name="Footer Placeholder 3"/>
-          <p:cNvSpPr>
-            <a:spLocks noGrp="1"/>
-          </p:cNvSpPr>
-          <p:nvPr>
-            <p:ph type="ftr" sz="quarter" idx="11"/>
-          </p:nvPr>
-        </p:nvSpPr>
-        <p:spPr/>
-        <p:txBody>
-          <a:bodyPr/>
-          <a:lstStyle/>
-          <a:p>
-            <a:r>
-              <a:rPr lang="en-US" dirty="0" err="1" smtClean="0"/>
-              <a:t>Usefull</a:t>
-            </a:r>
-            <a:r>
-              <a:rPr lang="en-US" dirty="0" smtClean="0"/>
-              <a:t> Resources</a:t>
-            </a:r>
-            <a:endParaRPr lang="en-US" dirty="0"/>
-          </a:p>
-        </p:txBody>
-      </p:sp>
-      <p:sp>
-        <p:nvSpPr>
-          <p:cNvPr id="5" name="Slide Number Placeholder 4"/>
+        </p:txBody>
+      </p:sp>
+      <p:pic>
+        <p:nvPicPr>
+          <p:cNvPr id="6" name="Picture 5"/>
+          <p:cNvPicPr>
+            <a:picLocks noChangeAspect="1"/>
+          </p:cNvPicPr>
+          <p:nvPr/>
+        </p:nvPicPr>
+        <p:blipFill>
+          <a:blip r:embed="rId3">
+            <a:extLst>
+              <a:ext uri="{28A0092B-C50C-407E-A947-70E740481C1C}">
+                <a14:useLocalDpi xmlns:a14="http://schemas.microsoft.com/office/drawing/2010/main" val="0"/>
+              </a:ext>
+            </a:extLst>
+          </a:blip>
+          <a:stretch>
+            <a:fillRect/>
+          </a:stretch>
+        </p:blipFill>
+        <p:spPr>
+          <a:xfrm>
+            <a:off x="1519237" y="1870075"/>
+            <a:ext cx="8262633" cy="4306888"/>
+          </a:xfrm>
+          <a:prstGeom prst="rect">
+            <a:avLst/>
+          </a:prstGeom>
+        </p:spPr>
+      </p:pic>
+      <p:sp>
+        <p:nvSpPr>
+          <p:cNvPr id="7" name="Slide Number Placeholder 6"/>
           <p:cNvSpPr>
             <a:spLocks noGrp="1"/>
           </p:cNvSpPr>
@@ -27467,7 +26744,7 @@
           <a:p>
             <a:fld id="{B777A91B-BF1B-4ECE-B89B-72F2144CF226}" type="slidenum">
               <a:rPr lang="en-US" smtClean="0"/>
-              <a:t>41</a:t>
+              <a:t>4</a:t>
             </a:fld>
             <a:endParaRPr lang="en-US"/>
           </a:p>
@@ -27482,7 +26759,352 @@
           <p:nvPr/>
         </p:nvPicPr>
         <p:blipFill>
-          <a:blip r:embed="rId10">
+          <a:blip r:embed="rId4">
+            <a:extLst>
+              <a:ext uri="{28A0092B-C50C-407E-A947-70E740481C1C}">
+                <a14:useLocalDpi xmlns:a14="http://schemas.microsoft.com/office/drawing/2010/main" val="0"/>
+              </a:ext>
+            </a:extLst>
+          </a:blip>
+          <a:stretch>
+            <a:fillRect/>
+          </a:stretch>
+        </p:blipFill>
+        <p:spPr>
+          <a:xfrm>
+            <a:off x="157162" y="84137"/>
+            <a:ext cx="1362075" cy="561975"/>
+          </a:xfrm>
+          <a:prstGeom prst="rect">
+            <a:avLst/>
+          </a:prstGeom>
+        </p:spPr>
+      </p:pic>
+      <p:sp>
+        <p:nvSpPr>
+          <p:cNvPr id="9" name="Footer Placeholder 8"/>
+          <p:cNvSpPr>
+            <a:spLocks noGrp="1"/>
+          </p:cNvSpPr>
+          <p:nvPr>
+            <p:ph type="ftr" sz="quarter" idx="11"/>
+          </p:nvPr>
+        </p:nvSpPr>
+        <p:spPr/>
+        <p:txBody>
+          <a:bodyPr/>
+          <a:lstStyle/>
+          <a:p>
+            <a:r>
+              <a:rPr lang="en-US" dirty="0" smtClean="0"/>
+              <a:t>Understanding Flux</a:t>
+            </a:r>
+            <a:endParaRPr lang="en-US" dirty="0"/>
+          </a:p>
+        </p:txBody>
+      </p:sp>
+    </p:spTree>
+    <p:extLst>
+      <p:ext uri="{BB962C8B-B14F-4D97-AF65-F5344CB8AC3E}">
+        <p14:creationId xmlns:p14="http://schemas.microsoft.com/office/powerpoint/2010/main" val="2718338151"/>
+      </p:ext>
+    </p:extLst>
+  </p:cSld>
+  <p:clrMapOvr>
+    <a:masterClrMapping/>
+  </p:clrMapOvr>
+  <p:timing>
+    <p:tnLst>
+      <p:par>
+        <p:cTn id="1" dur="indefinite" restart="never" nodeType="tmRoot"/>
+      </p:par>
+    </p:tnLst>
+  </p:timing>
+</p:sld>
+</file>
+
+<file path=ppt/slides/slide40.xml><?xml version="1.0" encoding="utf-8"?>
+<p:sld xmlns:a="http://schemas.openxmlformats.org/drawingml/2006/main" xmlns:r="http://schemas.openxmlformats.org/officeDocument/2006/relationships" xmlns:p="http://schemas.openxmlformats.org/presentationml/2006/main">
+  <p:cSld>
+    <p:spTree>
+      <p:nvGrpSpPr>
+        <p:cNvPr id="1" name=""/>
+        <p:cNvGrpSpPr/>
+        <p:nvPr/>
+      </p:nvGrpSpPr>
+      <p:grpSpPr>
+        <a:xfrm>
+          <a:off x="0" y="0"/>
+          <a:ext cx="0" cy="0"/>
+          <a:chOff x="0" y="0"/>
+          <a:chExt cx="0" cy="0"/>
+        </a:xfrm>
+      </p:grpSpPr>
+      <p:sp>
+        <p:nvSpPr>
+          <p:cNvPr id="2" name="Title 1"/>
+          <p:cNvSpPr>
+            <a:spLocks noGrp="1"/>
+          </p:cNvSpPr>
+          <p:nvPr>
+            <p:ph type="title"/>
+          </p:nvPr>
+        </p:nvSpPr>
+        <p:spPr/>
+        <p:txBody>
+          <a:bodyPr/>
+          <a:lstStyle/>
+          <a:p>
+            <a:r>
+              <a:rPr lang="en-US" dirty="0" smtClean="0"/>
+              <a:t>More Learning Resources</a:t>
+            </a:r>
+            <a:endParaRPr lang="en-US" dirty="0"/>
+          </a:p>
+        </p:txBody>
+      </p:sp>
+      <p:sp>
+        <p:nvSpPr>
+          <p:cNvPr id="3" name="Content Placeholder 2"/>
+          <p:cNvSpPr>
+            <a:spLocks noGrp="1"/>
+          </p:cNvSpPr>
+          <p:nvPr>
+            <p:ph idx="1"/>
+          </p:nvPr>
+        </p:nvSpPr>
+        <p:spPr>
+          <a:xfrm>
+            <a:off x="838200" y="1825625"/>
+            <a:ext cx="10515600" cy="4351338"/>
+          </a:xfrm>
+        </p:spPr>
+        <p:txBody>
+          <a:bodyPr>
+            <a:normAutofit lnSpcReduction="10000"/>
+          </a:bodyPr>
+          <a:lstStyle/>
+          <a:p>
+            <a:r>
+              <a:rPr lang="en-US" dirty="0">
+                <a:hlinkClick r:id="rId3"/>
+              </a:rPr>
+              <a:t>https://</a:t>
+            </a:r>
+            <a:r>
+              <a:rPr lang="en-US" dirty="0" smtClean="0">
+                <a:hlinkClick r:id="rId3"/>
+              </a:rPr>
+              <a:t>github.com/awahab29/samplealt</a:t>
+            </a:r>
+            <a:r>
+              <a:rPr lang="en-US" dirty="0" smtClean="0"/>
+              <a:t> (Presentation Code)</a:t>
+            </a:r>
+            <a:endParaRPr lang="en-US" dirty="0" smtClean="0">
+              <a:hlinkClick r:id="rId4"/>
+            </a:endParaRPr>
+          </a:p>
+          <a:p>
+            <a:r>
+              <a:rPr lang="en-US" dirty="0" smtClean="0">
+                <a:hlinkClick r:id="rId4"/>
+              </a:rPr>
+              <a:t>https</a:t>
+            </a:r>
+            <a:r>
+              <a:rPr lang="en-US" dirty="0">
+                <a:hlinkClick r:id="rId4"/>
+              </a:rPr>
+              <a:t>://</a:t>
+            </a:r>
+            <a:r>
+              <a:rPr lang="en-US" dirty="0" smtClean="0">
+                <a:hlinkClick r:id="rId4"/>
+              </a:rPr>
+              <a:t>github.com/goatslacker/alt</a:t>
+            </a:r>
+            <a:endParaRPr lang="en-US" dirty="0" smtClean="0"/>
+          </a:p>
+          <a:p>
+            <a:r>
+              <a:rPr lang="en-US" dirty="0">
+                <a:hlinkClick r:id="rId5"/>
+              </a:rPr>
+              <a:t>https://</a:t>
+            </a:r>
+            <a:r>
+              <a:rPr lang="en-US" dirty="0" smtClean="0">
+                <a:hlinkClick r:id="rId5"/>
+              </a:rPr>
+              <a:t>github.com/substack/browserify-handbook</a:t>
+            </a:r>
+            <a:endParaRPr lang="en-US" dirty="0" smtClean="0"/>
+          </a:p>
+          <a:p>
+            <a:r>
+              <a:rPr lang="en-US" dirty="0">
+                <a:hlinkClick r:id="rId6"/>
+              </a:rPr>
+              <a:t>https://</a:t>
+            </a:r>
+            <a:r>
+              <a:rPr lang="en-US" dirty="0" smtClean="0">
+                <a:hlinkClick r:id="rId6"/>
+              </a:rPr>
+              <a:t>github.com/substack/node-browserify#usage</a:t>
+            </a:r>
+            <a:endParaRPr lang="en-US" dirty="0" smtClean="0"/>
+          </a:p>
+          <a:p>
+            <a:r>
+              <a:rPr lang="en-US" dirty="0">
+                <a:hlinkClick r:id="rId7"/>
+              </a:rPr>
+              <a:t>https://</a:t>
+            </a:r>
+            <a:r>
+              <a:rPr lang="en-US" dirty="0" smtClean="0">
+                <a:hlinkClick r:id="rId7"/>
+              </a:rPr>
+              <a:t>facebook.github.io/react/blog/2014/09/24/testing-flux-applications.html</a:t>
+            </a:r>
+            <a:endParaRPr lang="en-US" dirty="0" smtClean="0"/>
+          </a:p>
+          <a:p>
+            <a:r>
+              <a:rPr lang="en-US" dirty="0" smtClean="0">
+                <a:hlinkClick r:id="rId8"/>
+              </a:rPr>
+              <a:t>https</a:t>
+            </a:r>
+            <a:r>
+              <a:rPr lang="en-US" dirty="0">
+                <a:hlinkClick r:id="rId8"/>
+              </a:rPr>
+              <a:t>://</a:t>
+            </a:r>
+            <a:r>
+              <a:rPr lang="en-US" dirty="0" smtClean="0">
+                <a:hlinkClick r:id="rId8"/>
+              </a:rPr>
+              <a:t>github.com/rackt/react-router</a:t>
+            </a:r>
+            <a:endParaRPr lang="en-US" dirty="0" smtClean="0"/>
+          </a:p>
+          <a:p>
+            <a:r>
+              <a:rPr lang="en-US" dirty="0">
+                <a:hlinkClick r:id="rId9"/>
+              </a:rPr>
+              <a:t>https://</a:t>
+            </a:r>
+            <a:r>
+              <a:rPr lang="en-US" dirty="0" smtClean="0">
+                <a:hlinkClick r:id="rId9"/>
+              </a:rPr>
+              <a:t>github.com/schempy/react-flux-routing-seo</a:t>
+            </a:r>
+            <a:endParaRPr lang="en-US" dirty="0" smtClean="0"/>
+          </a:p>
+          <a:p>
+            <a:r>
+              <a:rPr lang="en-US" dirty="0" smtClean="0">
+                <a:hlinkClick r:id="rId10"/>
+              </a:rPr>
+              <a:t>http</a:t>
+            </a:r>
+            <a:r>
+              <a:rPr lang="en-US" dirty="0">
+                <a:hlinkClick r:id="rId10"/>
+              </a:rPr>
+              <a:t>://es6-features.org/#</a:t>
+            </a:r>
+            <a:r>
+              <a:rPr lang="en-US" dirty="0" smtClean="0">
+                <a:hlinkClick r:id="rId10"/>
+              </a:rPr>
+              <a:t>Constants</a:t>
+            </a:r>
+            <a:endParaRPr lang="en-US" dirty="0" smtClean="0"/>
+          </a:p>
+          <a:p>
+            <a:pPr marL="0" indent="0">
+              <a:buNone/>
+            </a:pPr>
+            <a:endParaRPr lang="en-US" dirty="0"/>
+          </a:p>
+          <a:p>
+            <a:pPr marL="0" indent="0">
+              <a:buNone/>
+            </a:pPr>
+            <a:endParaRPr lang="en-US" dirty="0" smtClean="0"/>
+          </a:p>
+          <a:p>
+            <a:endParaRPr lang="en-US" dirty="0"/>
+          </a:p>
+        </p:txBody>
+      </p:sp>
+      <p:sp>
+        <p:nvSpPr>
+          <p:cNvPr id="4" name="Footer Placeholder 3"/>
+          <p:cNvSpPr>
+            <a:spLocks noGrp="1"/>
+          </p:cNvSpPr>
+          <p:nvPr>
+            <p:ph type="ftr" sz="quarter" idx="11"/>
+          </p:nvPr>
+        </p:nvSpPr>
+        <p:spPr/>
+        <p:txBody>
+          <a:bodyPr/>
+          <a:lstStyle/>
+          <a:p>
+            <a:r>
+              <a:rPr lang="en-US" dirty="0" err="1" smtClean="0"/>
+              <a:t>Usefull</a:t>
+            </a:r>
+            <a:r>
+              <a:rPr lang="en-US" dirty="0" smtClean="0"/>
+              <a:t> Resources</a:t>
+            </a:r>
+            <a:endParaRPr lang="en-US" dirty="0"/>
+          </a:p>
+        </p:txBody>
+      </p:sp>
+      <p:sp>
+        <p:nvSpPr>
+          <p:cNvPr id="5" name="Slide Number Placeholder 4"/>
+          <p:cNvSpPr>
+            <a:spLocks noGrp="1"/>
+          </p:cNvSpPr>
+          <p:nvPr>
+            <p:ph type="sldNum" sz="quarter" idx="12"/>
+          </p:nvPr>
+        </p:nvSpPr>
+        <p:spPr/>
+        <p:txBody>
+          <a:bodyPr/>
+          <a:lstStyle/>
+          <a:p>
+            <a:fld id="{B777A91B-BF1B-4ECE-B89B-72F2144CF226}" type="slidenum">
+              <a:rPr lang="en-US" smtClean="0"/>
+              <a:t>40</a:t>
+            </a:fld>
+            <a:endParaRPr lang="en-US"/>
+          </a:p>
+        </p:txBody>
+      </p:sp>
+      <p:pic>
+        <p:nvPicPr>
+          <p:cNvPr id="8" name="Picture 7"/>
+          <p:cNvPicPr>
+            <a:picLocks noChangeAspect="1"/>
+          </p:cNvPicPr>
+          <p:nvPr/>
+        </p:nvPicPr>
+        <p:blipFill>
+          <a:blip r:embed="rId11">
             <a:extLst>
               <a:ext uri="{28A0092B-C50C-407E-A947-70E740481C1C}">
                 <a14:useLocalDpi xmlns:a14="http://schemas.microsoft.com/office/drawing/2010/main" val="0"/>
@@ -27523,7 +27145,7 @@
 </p:sld>
 </file>
 
-<file path=ppt/slides/slide42.xml><?xml version="1.0" encoding="utf-8"?>
+<file path=ppt/slides/slide41.xml><?xml version="1.0" encoding="utf-8"?>
 <p:sld xmlns:a="http://schemas.openxmlformats.org/drawingml/2006/main" xmlns:r="http://schemas.openxmlformats.org/officeDocument/2006/relationships" xmlns:p="http://schemas.openxmlformats.org/presentationml/2006/main">
   <p:cSld>
     <p:spTree>
@@ -27609,7 +27231,7 @@
           <a:p>
             <a:fld id="{B777A91B-BF1B-4ECE-B89B-72F2144CF226}" type="slidenum">
               <a:rPr lang="en-US" smtClean="0"/>
-              <a:t>42</a:t>
+              <a:t>41</a:t>
             </a:fld>
             <a:endParaRPr lang="en-US"/>
           </a:p>

--- a/React.pptx
+++ b/React.pptx
@@ -50,8 +50,8 @@
     <p:sldId id="268" r:id="rId38"/>
     <p:sldId id="306" r:id="rId39"/>
     <p:sldId id="327" r:id="rId40"/>
-    <p:sldId id="319" r:id="rId41"/>
-    <p:sldId id="304" r:id="rId42"/>
+    <p:sldId id="304" r:id="rId41"/>
+    <p:sldId id="319" r:id="rId42"/>
     <p:sldId id="329" r:id="rId43"/>
     <p:sldId id="311" r:id="rId44"/>
   </p:sldIdLst>
@@ -194,8 +194,8 @@
             <p14:sldId id="268"/>
             <p14:sldId id="306"/>
             <p14:sldId id="327"/>
+            <p14:sldId id="304"/>
             <p14:sldId id="319"/>
-            <p14:sldId id="304"/>
             <p14:sldId id="329"/>
             <p14:sldId id="311"/>
           </p14:sldIdLst>
@@ -1314,55 +1314,7 @@
           <a:bodyPr/>
           <a:lstStyle/>
           <a:p>
-            <a:r>
-              <a:rPr lang="en-US" dirty="0" smtClean="0"/>
-              <a:t>In React we refer all the piece of code as component. </a:t>
-            </a:r>
-          </a:p>
-          <a:p>
-            <a:endParaRPr lang="en-US" dirty="0" smtClean="0"/>
-          </a:p>
-          <a:p>
-            <a:r>
-              <a:rPr lang="en-US" dirty="0" smtClean="0"/>
-              <a:t>A component can maintain internal state data (accessed via </a:t>
-            </a:r>
-            <a:r>
-              <a:rPr lang="en-US" dirty="0" err="1" smtClean="0"/>
-              <a:t>this.props</a:t>
-            </a:r>
-            <a:r>
-              <a:rPr lang="en-US" dirty="0" smtClean="0"/>
-              <a:t> or </a:t>
-            </a:r>
-            <a:r>
-              <a:rPr lang="en-US" dirty="0" err="1" smtClean="0"/>
-              <a:t>this.state</a:t>
-            </a:r>
-            <a:r>
-              <a:rPr lang="en-US" dirty="0" smtClean="0"/>
-              <a:t>) When a component's state data changes, the rendered markup will be updated by re-invoking render() method this is known as </a:t>
-            </a:r>
-            <a:r>
-              <a:rPr lang="en-US" dirty="0" err="1" smtClean="0"/>
-              <a:t>stateful</a:t>
-            </a:r>
-            <a:r>
-              <a:rPr lang="en-US" dirty="0" smtClean="0"/>
-              <a:t> component.</a:t>
-            </a:r>
-          </a:p>
-          <a:p>
-            <a:endParaRPr lang="en-US" dirty="0" smtClean="0"/>
-          </a:p>
-          <a:p>
-            <a:r>
-              <a:rPr lang="en-US" dirty="0" smtClean="0"/>
-              <a:t>Components can be nested i.e. One component can use the other component inside its render method()</a:t>
-            </a:r>
-          </a:p>
-          <a:p>
-            <a:endParaRPr lang="en-US" dirty="0"/>
+            <a:endParaRPr lang="en-US"/>
           </a:p>
         </p:txBody>
       </p:sp>
@@ -1406,7 +1358,7 @@
           <a:p>
             <a:fld id="{B1206FEA-4AFC-4465-8ABD-ECC3D411179B}" type="slidenum">
               <a:rPr lang="en-US" smtClean="0"/>
-              <a:t>20</a:t>
+              <a:t>18</a:t>
             </a:fld>
             <a:endParaRPr lang="en-US"/>
           </a:p>
@@ -1415,7 +1367,7 @@
     </p:spTree>
     <p:extLst>
       <p:ext uri="{BB962C8B-B14F-4D97-AF65-F5344CB8AC3E}">
-        <p14:creationId xmlns:p14="http://schemas.microsoft.com/office/powerpoint/2010/main" val="2663272821"/>
+        <p14:creationId xmlns:p14="http://schemas.microsoft.com/office/powerpoint/2010/main" val="873875368"/>
       </p:ext>
     </p:extLst>
   </p:cSld>
@@ -1471,73 +1423,49 @@
           <a:p>
             <a:r>
               <a:rPr lang="en-US" dirty="0" smtClean="0"/>
-              <a:t>React provides full support to all html attributes to us in its markup as a prop.</a:t>
-            </a:r>
+              <a:t>In React we refer all the piece of code as component. </a:t>
+            </a:r>
+          </a:p>
+          <a:p>
+            <a:endParaRPr lang="en-US" dirty="0" smtClean="0"/>
           </a:p>
           <a:p>
             <a:r>
               <a:rPr lang="en-US" dirty="0" smtClean="0"/>
-              <a:t>But prop names should be in </a:t>
+              <a:t>A component can maintain internal state data (accessed via </a:t>
             </a:r>
             <a:r>
               <a:rPr lang="en-US" dirty="0" err="1" smtClean="0"/>
-              <a:t>camelCase</a:t>
+              <a:t>this.props</a:t>
             </a:r>
             <a:r>
               <a:rPr lang="en-US" dirty="0" smtClean="0"/>
-              <a:t>.</a:t>
-            </a:r>
-          </a:p>
-          <a:p>
+              <a:t> or </a:t>
+            </a:r>
+            <a:r>
+              <a:rPr lang="en-US" dirty="0" err="1" smtClean="0"/>
+              <a:t>this.state</a:t>
+            </a:r>
             <a:r>
               <a:rPr lang="en-US" dirty="0" smtClean="0"/>
-              <a:t>Also there are some reserve keywords in </a:t>
+              <a:t>) When a component's state data changes, the rendered markup will be updated by re-invoking render() method this is known as </a:t>
             </a:r>
             <a:r>
               <a:rPr lang="en-US" dirty="0" err="1" smtClean="0"/>
-              <a:t>Javascript</a:t>
+              <a:t>stateful</a:t>
             </a:r>
             <a:r>
               <a:rPr lang="en-US" dirty="0" smtClean="0"/>
-              <a:t> like ‘class’ and ‘for’. So use them as props react provides ‘</a:t>
-            </a:r>
-            <a:r>
-              <a:rPr lang="en-US" dirty="0" err="1" smtClean="0"/>
-              <a:t>className</a:t>
-            </a:r>
+              <a:t> component.</a:t>
+            </a:r>
+          </a:p>
+          <a:p>
+            <a:endParaRPr lang="en-US" dirty="0" smtClean="0"/>
+          </a:p>
+          <a:p>
             <a:r>
               <a:rPr lang="en-US" dirty="0" smtClean="0"/>
-              <a:t>’ and ‘</a:t>
-            </a:r>
-            <a:r>
-              <a:rPr lang="en-US" dirty="0" err="1" smtClean="0"/>
-              <a:t>htmlFor</a:t>
-            </a:r>
-            <a:r>
-              <a:rPr lang="en-US" dirty="0" smtClean="0"/>
-              <a:t>’ respectively.</a:t>
-            </a:r>
-          </a:p>
-          <a:p>
-            <a:r>
-              <a:rPr lang="en-US" dirty="0" smtClean="0"/>
-              <a:t>Similarly defining any inline style should also use the </a:t>
-            </a:r>
-            <a:r>
-              <a:rPr lang="en-US" dirty="0" err="1" smtClean="0"/>
-              <a:t>camelCase</a:t>
-            </a:r>
-            <a:r>
-              <a:rPr lang="en-US" dirty="0" smtClean="0"/>
-              <a:t> syntax like: style={{</a:t>
-            </a:r>
-            <a:r>
-              <a:rPr lang="en-US" dirty="0" err="1" smtClean="0"/>
-              <a:t>marginLeft</a:t>
-            </a:r>
-            <a:r>
-              <a:rPr lang="en-US" dirty="0" smtClean="0"/>
-              <a:t>: '5px'}}</a:t>
+              <a:t>Components can be nested i.e. One component can use the other component inside its render method()</a:t>
             </a:r>
           </a:p>
           <a:p>
@@ -1547,12 +1475,35 @@
       </p:sp>
       <p:sp>
         <p:nvSpPr>
-          <p:cNvPr id="4" name="Slide Number Placeholder 3"/>
-          <p:cNvSpPr>
-            <a:spLocks noGrp="1"/>
-          </p:cNvSpPr>
-          <p:nvPr>
-            <p:ph type="sldNum" sz="quarter" idx="10"/>
+          <p:cNvPr id="4" name="Header Placeholder 3"/>
+          <p:cNvSpPr>
+            <a:spLocks noGrp="1"/>
+          </p:cNvSpPr>
+          <p:nvPr>
+            <p:ph type="hdr" sz="quarter" idx="10"/>
+          </p:nvPr>
+        </p:nvSpPr>
+        <p:spPr/>
+        <p:txBody>
+          <a:bodyPr/>
+          <a:lstStyle/>
+          <a:p>
+            <a:r>
+              <a:rPr lang="en-US" smtClean="0"/>
+              <a:t>TEST</a:t>
+            </a:r>
+            <a:endParaRPr lang="en-US"/>
+          </a:p>
+        </p:txBody>
+      </p:sp>
+      <p:sp>
+        <p:nvSpPr>
+          <p:cNvPr id="5" name="Slide Number Placeholder 4"/>
+          <p:cNvSpPr>
+            <a:spLocks noGrp="1"/>
+          </p:cNvSpPr>
+          <p:nvPr>
+            <p:ph type="sldNum" sz="quarter" idx="11"/>
           </p:nvPr>
         </p:nvSpPr>
         <p:spPr/>
@@ -1562,31 +1513,8 @@
           <a:p>
             <a:fld id="{B1206FEA-4AFC-4465-8ABD-ECC3D411179B}" type="slidenum">
               <a:rPr lang="en-US" smtClean="0"/>
-              <a:t>22</a:t>
+              <a:t>20</a:t>
             </a:fld>
-            <a:endParaRPr lang="en-US"/>
-          </a:p>
-        </p:txBody>
-      </p:sp>
-      <p:sp>
-        <p:nvSpPr>
-          <p:cNvPr id="5" name="Header Placeholder 4"/>
-          <p:cNvSpPr>
-            <a:spLocks noGrp="1"/>
-          </p:cNvSpPr>
-          <p:nvPr>
-            <p:ph type="hdr" sz="quarter" idx="11"/>
-          </p:nvPr>
-        </p:nvSpPr>
-        <p:spPr/>
-        <p:txBody>
-          <a:bodyPr/>
-          <a:lstStyle/>
-          <a:p>
-            <a:r>
-              <a:rPr lang="en-US" smtClean="0"/>
-              <a:t>TEST</a:t>
-            </a:r>
             <a:endParaRPr lang="en-US"/>
           </a:p>
         </p:txBody>
@@ -1594,7 +1522,7 @@
     </p:spTree>
     <p:extLst>
       <p:ext uri="{BB962C8B-B14F-4D97-AF65-F5344CB8AC3E}">
-        <p14:creationId xmlns:p14="http://schemas.microsoft.com/office/powerpoint/2010/main" val="4238810153"/>
+        <p14:creationId xmlns:p14="http://schemas.microsoft.com/office/powerpoint/2010/main" val="2663272821"/>
       </p:ext>
     </p:extLst>
   </p:cSld>
@@ -1650,19 +1578,74 @@
           <a:p>
             <a:r>
               <a:rPr lang="en-US" dirty="0" smtClean="0"/>
-              <a:t>We have learned the React rendering enough so far.</a:t>
+              <a:t>React provides full support to all html attributes to us in its markup as a prop.</a:t>
             </a:r>
           </a:p>
           <a:p>
             <a:r>
               <a:rPr lang="en-US" dirty="0" smtClean="0"/>
-              <a:t>Lets use a react view in our app to render the </a:t>
+              <a:t>But prop names should be in </a:t>
             </a:r>
             <a:r>
               <a:rPr lang="en-US" dirty="0" err="1" smtClean="0"/>
-              <a:t>todos</a:t>
-            </a:r>
-            <a:endParaRPr lang="en-US" dirty="0" smtClean="0"/>
+              <a:t>camelCase</a:t>
+            </a:r>
+            <a:r>
+              <a:rPr lang="en-US" dirty="0" smtClean="0"/>
+              <a:t>.</a:t>
+            </a:r>
+          </a:p>
+          <a:p>
+            <a:r>
+              <a:rPr lang="en-US" dirty="0" smtClean="0"/>
+              <a:t>Also there are some reserve keywords in </a:t>
+            </a:r>
+            <a:r>
+              <a:rPr lang="en-US" dirty="0" err="1" smtClean="0"/>
+              <a:t>Javascript</a:t>
+            </a:r>
+            <a:r>
+              <a:rPr lang="en-US" dirty="0" smtClean="0"/>
+              <a:t> like ‘class’ and ‘for’. So use them as props react provides ‘</a:t>
+            </a:r>
+            <a:r>
+              <a:rPr lang="en-US" dirty="0" err="1" smtClean="0"/>
+              <a:t>className</a:t>
+            </a:r>
+            <a:r>
+              <a:rPr lang="en-US" dirty="0" smtClean="0"/>
+              <a:t>’ and ‘</a:t>
+            </a:r>
+            <a:r>
+              <a:rPr lang="en-US" dirty="0" err="1" smtClean="0"/>
+              <a:t>htmlFor</a:t>
+            </a:r>
+            <a:r>
+              <a:rPr lang="en-US" dirty="0" smtClean="0"/>
+              <a:t>’ respectively.</a:t>
+            </a:r>
+          </a:p>
+          <a:p>
+            <a:r>
+              <a:rPr lang="en-US" dirty="0" smtClean="0"/>
+              <a:t>Similarly defining any inline style should also use the </a:t>
+            </a:r>
+            <a:r>
+              <a:rPr lang="en-US" dirty="0" err="1" smtClean="0"/>
+              <a:t>camelCase</a:t>
+            </a:r>
+            <a:r>
+              <a:rPr lang="en-US" dirty="0" smtClean="0"/>
+              <a:t> syntax like: style={{</a:t>
+            </a:r>
+            <a:r>
+              <a:rPr lang="en-US" dirty="0" err="1" smtClean="0"/>
+              <a:t>marginLeft</a:t>
+            </a:r>
+            <a:r>
+              <a:rPr lang="en-US" dirty="0" smtClean="0"/>
+              <a:t>: '5px'}}</a:t>
+            </a:r>
           </a:p>
           <a:p>
             <a:endParaRPr lang="en-US" dirty="0"/>
@@ -1671,12 +1654,35 @@
       </p:sp>
       <p:sp>
         <p:nvSpPr>
-          <p:cNvPr id="4" name="Header Placeholder 3"/>
-          <p:cNvSpPr>
-            <a:spLocks noGrp="1"/>
-          </p:cNvSpPr>
-          <p:nvPr>
-            <p:ph type="hdr" sz="quarter" idx="10"/>
+          <p:cNvPr id="4" name="Slide Number Placeholder 3"/>
+          <p:cNvSpPr>
+            <a:spLocks noGrp="1"/>
+          </p:cNvSpPr>
+          <p:nvPr>
+            <p:ph type="sldNum" sz="quarter" idx="10"/>
+          </p:nvPr>
+        </p:nvSpPr>
+        <p:spPr/>
+        <p:txBody>
+          <a:bodyPr/>
+          <a:lstStyle/>
+          <a:p>
+            <a:fld id="{B1206FEA-4AFC-4465-8ABD-ECC3D411179B}" type="slidenum">
+              <a:rPr lang="en-US" smtClean="0"/>
+              <a:t>22</a:t>
+            </a:fld>
+            <a:endParaRPr lang="en-US"/>
+          </a:p>
+        </p:txBody>
+      </p:sp>
+      <p:sp>
+        <p:nvSpPr>
+          <p:cNvPr id="5" name="Header Placeholder 4"/>
+          <p:cNvSpPr>
+            <a:spLocks noGrp="1"/>
+          </p:cNvSpPr>
+          <p:nvPr>
+            <p:ph type="hdr" sz="quarter" idx="11"/>
           </p:nvPr>
         </p:nvSpPr>
         <p:spPr/>
@@ -1688,29 +1694,6 @@
               <a:rPr lang="en-US" smtClean="0"/>
               <a:t>TEST</a:t>
             </a:r>
-            <a:endParaRPr lang="en-US"/>
-          </a:p>
-        </p:txBody>
-      </p:sp>
-      <p:sp>
-        <p:nvSpPr>
-          <p:cNvPr id="5" name="Slide Number Placeholder 4"/>
-          <p:cNvSpPr>
-            <a:spLocks noGrp="1"/>
-          </p:cNvSpPr>
-          <p:nvPr>
-            <p:ph type="sldNum" sz="quarter" idx="11"/>
-          </p:nvPr>
-        </p:nvSpPr>
-        <p:spPr/>
-        <p:txBody>
-          <a:bodyPr/>
-          <a:lstStyle/>
-          <a:p>
-            <a:fld id="{B1206FEA-4AFC-4465-8ABD-ECC3D411179B}" type="slidenum">
-              <a:rPr lang="en-US" smtClean="0"/>
-              <a:t>23</a:t>
-            </a:fld>
             <a:endParaRPr lang="en-US"/>
           </a:p>
         </p:txBody>
@@ -1718,7 +1701,7 @@
     </p:spTree>
     <p:extLst>
       <p:ext uri="{BB962C8B-B14F-4D97-AF65-F5344CB8AC3E}">
-        <p14:creationId xmlns:p14="http://schemas.microsoft.com/office/powerpoint/2010/main" val="3701715139"/>
+        <p14:creationId xmlns:p14="http://schemas.microsoft.com/office/powerpoint/2010/main" val="4238810153"/>
       </p:ext>
     </p:extLst>
   </p:cSld>
@@ -1772,58 +1755,23 @@
           <a:bodyPr/>
           <a:lstStyle/>
           <a:p>
+            <a:r>
+              <a:rPr lang="en-US" dirty="0" smtClean="0"/>
+              <a:t>We have learned the React rendering enough so far.</a:t>
+            </a:r>
+          </a:p>
+          <a:p>
+            <a:r>
+              <a:rPr lang="en-US" dirty="0" smtClean="0"/>
+              <a:t>Lets use a react view in our app to render the </a:t>
+            </a:r>
+            <a:r>
+              <a:rPr lang="en-US" dirty="0" err="1" smtClean="0"/>
+              <a:t>todos</a:t>
+            </a:r>
             <a:endParaRPr lang="en-US" dirty="0" smtClean="0"/>
           </a:p>
           <a:p>
-            <a:r>
-              <a:rPr lang="en-US" sz="1200" dirty="0" smtClean="0"/>
-              <a:t>We need to pass the alt store’s state data to the view.</a:t>
-            </a:r>
-          </a:p>
-          <a:p>
-            <a:endParaRPr lang="en-US" sz="1200" dirty="0" smtClean="0"/>
-          </a:p>
-          <a:p>
-            <a:r>
-              <a:rPr lang="en-US" sz="1200" dirty="0" smtClean="0"/>
-              <a:t>Alt provides a built-in components that binds an specific store to the specific view. This is known as Component Container</a:t>
-            </a:r>
-          </a:p>
-          <a:p>
-            <a:endParaRPr lang="en-US" dirty="0" smtClean="0"/>
-          </a:p>
-          <a:p>
-            <a:pPr marL="0" marR="0" indent="0" algn="l" defTabSz="914400" rtl="0" eaLnBrk="1" fontAlgn="auto" latinLnBrk="0" hangingPunct="1">
-              <a:lnSpc>
-                <a:spcPct val="100000"/>
-              </a:lnSpc>
-              <a:spcBef>
-                <a:spcPts val="0"/>
-              </a:spcBef>
-              <a:spcAft>
-                <a:spcPts val="0"/>
-              </a:spcAft>
-              <a:buClrTx/>
-              <a:buSzTx/>
-              <a:buFontTx/>
-              <a:buNone/>
-              <a:tabLst/>
-              <a:defRPr/>
-            </a:pPr>
-            <a:r>
-              <a:rPr lang="en-US" sz="1200" dirty="0" smtClean="0"/>
-              <a:t>This will actually pass the state data from the store to the view as a prop. Hence the Customer component can now access the state data from Customer Store </a:t>
-            </a:r>
-            <a:r>
-              <a:rPr lang="en-US" sz="1200" dirty="0" err="1" smtClean="0"/>
-              <a:t>i.e</a:t>
-            </a:r>
-            <a:r>
-              <a:rPr lang="en-US" sz="1200" dirty="0" smtClean="0"/>
-              <a:t> customers from its prop.</a:t>
-            </a:r>
-          </a:p>
-          <a:p>
             <a:endParaRPr lang="en-US" dirty="0"/>
           </a:p>
         </p:txBody>
@@ -1868,7 +1816,7 @@
           <a:p>
             <a:fld id="{B1206FEA-4AFC-4465-8ABD-ECC3D411179B}" type="slidenum">
               <a:rPr lang="en-US" smtClean="0"/>
-              <a:t>24</a:t>
+              <a:t>23</a:t>
             </a:fld>
             <a:endParaRPr lang="en-US"/>
           </a:p>
@@ -1877,7 +1825,7 @@
     </p:spTree>
     <p:extLst>
       <p:ext uri="{BB962C8B-B14F-4D97-AF65-F5344CB8AC3E}">
-        <p14:creationId xmlns:p14="http://schemas.microsoft.com/office/powerpoint/2010/main" val="2010599516"/>
+        <p14:creationId xmlns:p14="http://schemas.microsoft.com/office/powerpoint/2010/main" val="3701715139"/>
       </p:ext>
     </p:extLst>
   </p:cSld>
@@ -1931,6 +1879,27 @@
           <a:bodyPr/>
           <a:lstStyle/>
           <a:p>
+            <a:endParaRPr lang="en-US" dirty="0" smtClean="0"/>
+          </a:p>
+          <a:p>
+            <a:r>
+              <a:rPr lang="en-US" sz="1200" dirty="0" smtClean="0"/>
+              <a:t>We need to pass the alt store’s state data to the view.</a:t>
+            </a:r>
+          </a:p>
+          <a:p>
+            <a:endParaRPr lang="en-US" sz="1200" dirty="0" smtClean="0"/>
+          </a:p>
+          <a:p>
+            <a:r>
+              <a:rPr lang="en-US" sz="1200" dirty="0" smtClean="0"/>
+              <a:t>Alt provides a built-in components that binds an specific store to the specific view. This is known as Component Container</a:t>
+            </a:r>
+          </a:p>
+          <a:p>
+            <a:endParaRPr lang="en-US" dirty="0" smtClean="0"/>
+          </a:p>
+          <a:p>
             <a:pPr marL="0" marR="0" indent="0" algn="l" defTabSz="914400" rtl="0" eaLnBrk="1" fontAlgn="auto" latinLnBrk="0" hangingPunct="1">
               <a:lnSpc>
                 <a:spcPct val="100000"/>
@@ -1950,7 +1919,15 @@
             </a:pPr>
             <a:r>
               <a:rPr lang="en-US" sz="1200" dirty="0" smtClean="0"/>
-              <a:t>Use the following code in Todos.js of component directory</a:t>
+              <a:t>This will actually pass the state data from the store to the view as a prop. Hence the Customer component can now access the state data from Customer Store </a:t>
+            </a:r>
+            <a:r>
+              <a:rPr lang="en-US" sz="1200" dirty="0" err="1" smtClean="0"/>
+              <a:t>i.e</a:t>
+            </a:r>
+            <a:r>
+              <a:rPr lang="en-US" sz="1200" dirty="0" smtClean="0"/>
+              <a:t> customers from its prop.</a:t>
             </a:r>
           </a:p>
           <a:p>
@@ -1998,7 +1975,7 @@
           <a:p>
             <a:fld id="{B1206FEA-4AFC-4465-8ABD-ECC3D411179B}" type="slidenum">
               <a:rPr lang="en-US" smtClean="0"/>
-              <a:t>25</a:t>
+              <a:t>24</a:t>
             </a:fld>
             <a:endParaRPr lang="en-US"/>
           </a:p>
@@ -2007,7 +1984,7 @@
     </p:spTree>
     <p:extLst>
       <p:ext uri="{BB962C8B-B14F-4D97-AF65-F5344CB8AC3E}">
-        <p14:creationId xmlns:p14="http://schemas.microsoft.com/office/powerpoint/2010/main" val="1555669338"/>
+        <p14:creationId xmlns:p14="http://schemas.microsoft.com/office/powerpoint/2010/main" val="2010599516"/>
       </p:ext>
     </p:extLst>
   </p:cSld>
@@ -2128,7 +2105,7 @@
           <a:p>
             <a:fld id="{B1206FEA-4AFC-4465-8ABD-ECC3D411179B}" type="slidenum">
               <a:rPr lang="en-US" smtClean="0"/>
-              <a:t>26</a:t>
+              <a:t>25</a:t>
             </a:fld>
             <a:endParaRPr lang="en-US"/>
           </a:p>
@@ -2137,7 +2114,7 @@
     </p:spTree>
     <p:extLst>
       <p:ext uri="{BB962C8B-B14F-4D97-AF65-F5344CB8AC3E}">
-        <p14:creationId xmlns:p14="http://schemas.microsoft.com/office/powerpoint/2010/main" val="3944715601"/>
+        <p14:creationId xmlns:p14="http://schemas.microsoft.com/office/powerpoint/2010/main" val="1555669338"/>
       </p:ext>
     </p:extLst>
   </p:cSld>
@@ -2210,36 +2187,8 @@
             </a:pPr>
             <a:r>
               <a:rPr lang="en-US" sz="1200" dirty="0" smtClean="0"/>
-              <a:t>Use</a:t>
-            </a:r>
-            <a:r>
-              <a:rPr lang="en-US" sz="1200" baseline="0" dirty="0" smtClean="0"/>
-              <a:t> the code in index.html</a:t>
-            </a:r>
-          </a:p>
-          <a:p>
-            <a:pPr marL="0" marR="0" indent="0" algn="l" defTabSz="914400" rtl="0" eaLnBrk="1" fontAlgn="auto" latinLnBrk="0" hangingPunct="1">
-              <a:lnSpc>
-                <a:spcPct val="100000"/>
-              </a:lnSpc>
-              <a:spcBef>
-                <a:spcPts val="0"/>
-              </a:spcBef>
-              <a:spcAft>
-                <a:spcPts val="0"/>
-              </a:spcAft>
-              <a:buClrTx/>
-              <a:buSzTx/>
-              <a:buFontTx/>
-              <a:buNone/>
-              <a:tabLst/>
-              <a:defRPr/>
-            </a:pPr>
-            <a:r>
-              <a:rPr lang="en-US" sz="1200" baseline="0" dirty="0" smtClean="0"/>
-              <a:t>And in app.js</a:t>
-            </a:r>
-            <a:endParaRPr lang="en-US" sz="1200" dirty="0" smtClean="0"/>
+              <a:t>Use the following code in Todos.js of component directory</a:t>
+            </a:r>
           </a:p>
           <a:p>
             <a:endParaRPr lang="en-US" dirty="0"/>
@@ -2286,7 +2235,7 @@
           <a:p>
             <a:fld id="{B1206FEA-4AFC-4465-8ABD-ECC3D411179B}" type="slidenum">
               <a:rPr lang="en-US" smtClean="0"/>
-              <a:t>27</a:t>
+              <a:t>26</a:t>
             </a:fld>
             <a:endParaRPr lang="en-US"/>
           </a:p>
@@ -2295,7 +2244,7 @@
     </p:spTree>
     <p:extLst>
       <p:ext uri="{BB962C8B-B14F-4D97-AF65-F5344CB8AC3E}">
-        <p14:creationId xmlns:p14="http://schemas.microsoft.com/office/powerpoint/2010/main" val="2837921313"/>
+        <p14:creationId xmlns:p14="http://schemas.microsoft.com/office/powerpoint/2010/main" val="3944715601"/>
       </p:ext>
     </p:extLst>
   </p:cSld>
@@ -2518,54 +2467,55 @@
           <a:bodyPr/>
           <a:lstStyle/>
           <a:p>
-            <a:r>
-              <a:rPr lang="en-US" dirty="0" smtClean="0"/>
-              <a:t>So far we use just the </a:t>
-            </a:r>
-            <a:r>
-              <a:rPr lang="en-US" dirty="0" err="1" smtClean="0"/>
-              <a:t>jsx</a:t>
-            </a:r>
-            <a:r>
-              <a:rPr lang="en-US" dirty="0" smtClean="0"/>
-              <a:t> syntax in our component and also used the ES6 features in the stores.</a:t>
-            </a:r>
-          </a:p>
-          <a:p>
-            <a:r>
-              <a:rPr lang="en-US" dirty="0" smtClean="0"/>
-              <a:t>Browser don’t knows the </a:t>
-            </a:r>
-            <a:r>
-              <a:rPr lang="en-US" dirty="0" err="1" smtClean="0"/>
-              <a:t>jsx</a:t>
-            </a:r>
-            <a:r>
-              <a:rPr lang="en-US" dirty="0" smtClean="0"/>
-              <a:t> syntax in </a:t>
-            </a:r>
-            <a:r>
-              <a:rPr lang="en-US" dirty="0" err="1" smtClean="0"/>
-              <a:t>javascript</a:t>
-            </a:r>
-            <a:r>
-              <a:rPr lang="en-US" dirty="0" smtClean="0"/>
-              <a:t> so we need some transformer utility that transform this syntax to plain script for browser to digest.</a:t>
-            </a:r>
-          </a:p>
-          <a:p>
-            <a:r>
-              <a:rPr lang="en-US" dirty="0" smtClean="0"/>
-              <a:t>Babel.js done this job pretty well this can be use directly by linking its script file or using </a:t>
-            </a:r>
-            <a:r>
-              <a:rPr lang="en-US" dirty="0" err="1" smtClean="0"/>
-              <a:t>npm</a:t>
-            </a:r>
-            <a:r>
-              <a:rPr lang="en-US" dirty="0" smtClean="0"/>
-              <a:t>. </a:t>
-            </a:r>
+            <a:pPr marL="0" marR="0" indent="0" algn="l" defTabSz="914400" rtl="0" eaLnBrk="1" fontAlgn="auto" latinLnBrk="0" hangingPunct="1">
+              <a:lnSpc>
+                <a:spcPct val="100000"/>
+              </a:lnSpc>
+              <a:spcBef>
+                <a:spcPts val="0"/>
+              </a:spcBef>
+              <a:spcAft>
+                <a:spcPts val="0"/>
+              </a:spcAft>
+              <a:buClrTx/>
+              <a:buSzTx/>
+              <a:buFontTx/>
+              <a:buNone/>
+              <a:tabLst/>
+              <a:defRPr/>
+            </a:pPr>
+            <a:r>
+              <a:rPr lang="en-US" sz="1200" dirty="0" smtClean="0"/>
+              <a:t>Use</a:t>
+            </a:r>
+            <a:r>
+              <a:rPr lang="en-US" sz="1200" baseline="0" dirty="0" smtClean="0"/>
+              <a:t> the code in index.html</a:t>
+            </a:r>
+          </a:p>
+          <a:p>
+            <a:pPr marL="0" marR="0" indent="0" algn="l" defTabSz="914400" rtl="0" eaLnBrk="1" fontAlgn="auto" latinLnBrk="0" hangingPunct="1">
+              <a:lnSpc>
+                <a:spcPct val="100000"/>
+              </a:lnSpc>
+              <a:spcBef>
+                <a:spcPts val="0"/>
+              </a:spcBef>
+              <a:spcAft>
+                <a:spcPts val="0"/>
+              </a:spcAft>
+              <a:buClrTx/>
+              <a:buSzTx/>
+              <a:buFontTx/>
+              <a:buNone/>
+              <a:tabLst/>
+              <a:defRPr/>
+            </a:pPr>
+            <a:r>
+              <a:rPr lang="en-US" sz="1200" baseline="0" dirty="0" smtClean="0"/>
+              <a:t>And in app.js</a:t>
+            </a:r>
+            <a:endParaRPr lang="en-US" sz="1200" dirty="0" smtClean="0"/>
           </a:p>
           <a:p>
             <a:endParaRPr lang="en-US" dirty="0"/>
@@ -2612,7 +2562,7 @@
           <a:p>
             <a:fld id="{B1206FEA-4AFC-4465-8ABD-ECC3D411179B}" type="slidenum">
               <a:rPr lang="en-US" smtClean="0"/>
-              <a:t>28</a:t>
+              <a:t>27</a:t>
             </a:fld>
             <a:endParaRPr lang="en-US"/>
           </a:p>
@@ -2621,7 +2571,7 @@
     </p:spTree>
     <p:extLst>
       <p:ext uri="{BB962C8B-B14F-4D97-AF65-F5344CB8AC3E}">
-        <p14:creationId xmlns:p14="http://schemas.microsoft.com/office/powerpoint/2010/main" val="3969333674"/>
+        <p14:creationId xmlns:p14="http://schemas.microsoft.com/office/powerpoint/2010/main" val="2837921313"/>
       </p:ext>
     </p:extLst>
   </p:cSld>
@@ -2677,51 +2627,52 @@
           <a:p>
             <a:r>
               <a:rPr lang="en-US" dirty="0" smtClean="0"/>
-              <a:t>So far we use just the require</a:t>
-            </a:r>
-            <a:r>
-              <a:rPr lang="en-US" baseline="0" dirty="0" smtClean="0"/>
-              <a:t> method of Node but we are actually making the client app</a:t>
-            </a:r>
-          </a:p>
-          <a:p>
-            <a:endParaRPr lang="en-US" baseline="0" dirty="0" smtClean="0"/>
-          </a:p>
-          <a:p>
-            <a:r>
-              <a:rPr lang="en-US" baseline="0" dirty="0" err="1" smtClean="0"/>
-              <a:t>Browserify</a:t>
-            </a:r>
-            <a:r>
-              <a:rPr lang="en-US" baseline="0" dirty="0" smtClean="0"/>
-              <a:t> will let us able to use the node style code and bundles it up into on </a:t>
-            </a:r>
-            <a:r>
-              <a:rPr lang="en-US" baseline="0" dirty="0" err="1" smtClean="0"/>
-              <a:t>js</a:t>
-            </a:r>
-            <a:r>
-              <a:rPr lang="en-US" baseline="0" dirty="0" smtClean="0"/>
-              <a:t> file</a:t>
-            </a:r>
-          </a:p>
-          <a:p>
-            <a:endParaRPr lang="en-US" baseline="0" dirty="0" smtClean="0"/>
-          </a:p>
-          <a:p>
-            <a:r>
-              <a:rPr lang="en-US" baseline="0" dirty="0" smtClean="0"/>
-              <a:t>So we can use the </a:t>
-            </a:r>
-            <a:r>
-              <a:rPr lang="en-US" baseline="0" dirty="0" err="1" smtClean="0"/>
+              <a:t>So far we use just the </a:t>
+            </a:r>
+            <a:r>
+              <a:rPr lang="en-US" dirty="0" err="1" smtClean="0"/>
+              <a:t>jsx</a:t>
+            </a:r>
+            <a:r>
+              <a:rPr lang="en-US" dirty="0" smtClean="0"/>
+              <a:t> syntax in our component and also used the ES6 features in the stores.</a:t>
+            </a:r>
+          </a:p>
+          <a:p>
+            <a:r>
+              <a:rPr lang="en-US" dirty="0" smtClean="0"/>
+              <a:t>Browser don’t knows the </a:t>
+            </a:r>
+            <a:r>
+              <a:rPr lang="en-US" dirty="0" err="1" smtClean="0"/>
+              <a:t>jsx</a:t>
+            </a:r>
+            <a:r>
+              <a:rPr lang="en-US" dirty="0" smtClean="0"/>
+              <a:t> syntax in </a:t>
+            </a:r>
+            <a:r>
+              <a:rPr lang="en-US" dirty="0" err="1" smtClean="0"/>
+              <a:t>javascript</a:t>
+            </a:r>
+            <a:r>
+              <a:rPr lang="en-US" dirty="0" smtClean="0"/>
+              <a:t> so we need some transformer utility that transform this syntax to plain script for browser to digest.</a:t>
+            </a:r>
+          </a:p>
+          <a:p>
+            <a:r>
+              <a:rPr lang="en-US" dirty="0" smtClean="0"/>
+              <a:t>Babel.js done this job pretty well this can be use directly by linking its script file or using </a:t>
+            </a:r>
+            <a:r>
+              <a:rPr lang="en-US" dirty="0" err="1" smtClean="0"/>
               <a:t>npm</a:t>
             </a:r>
             <a:r>
-              <a:rPr lang="en-US" baseline="0" dirty="0" smtClean="0"/>
-              <a:t> packages and modular approach for client code designing as well</a:t>
-            </a:r>
-            <a:endParaRPr lang="en-US" dirty="0" smtClean="0"/>
+              <a:rPr lang="en-US" dirty="0" smtClean="0"/>
+              <a:t>. </a:t>
+            </a:r>
           </a:p>
           <a:p>
             <a:endParaRPr lang="en-US" dirty="0"/>
@@ -2768,7 +2719,7 @@
           <a:p>
             <a:fld id="{B1206FEA-4AFC-4465-8ABD-ECC3D411179B}" type="slidenum">
               <a:rPr lang="en-US" smtClean="0"/>
-              <a:t>29</a:t>
+              <a:t>28</a:t>
             </a:fld>
             <a:endParaRPr lang="en-US"/>
           </a:p>
@@ -2777,7 +2728,7 @@
     </p:spTree>
     <p:extLst>
       <p:ext uri="{BB962C8B-B14F-4D97-AF65-F5344CB8AC3E}">
-        <p14:creationId xmlns:p14="http://schemas.microsoft.com/office/powerpoint/2010/main" val="2079015888"/>
+        <p14:creationId xmlns:p14="http://schemas.microsoft.com/office/powerpoint/2010/main" val="3969333674"/>
       </p:ext>
     </p:extLst>
   </p:cSld>
@@ -2832,42 +2783,54 @@
           <a:lstStyle/>
           <a:p>
             <a:r>
-              <a:rPr lang="en-US" sz="1200" dirty="0" smtClean="0"/>
-              <a:t>Put the following configuration in </a:t>
-            </a:r>
-            <a:r>
-              <a:rPr lang="en-US" sz="1200" dirty="0" err="1" smtClean="0"/>
-              <a:t>package.json</a:t>
-            </a:r>
-            <a:r>
-              <a:rPr lang="en-US" sz="1200" dirty="0" smtClean="0"/>
-              <a:t> which contains all the required dependencies. </a:t>
-            </a:r>
-          </a:p>
-          <a:p>
-            <a:endParaRPr lang="en-US" sz="1200" dirty="0" smtClean="0"/>
-          </a:p>
-          <a:p>
-            <a:r>
-              <a:rPr lang="en-US" sz="1200" dirty="0" smtClean="0"/>
-              <a:t>Then use the commands “</a:t>
-            </a:r>
-            <a:r>
-              <a:rPr lang="en-US" sz="1200" dirty="0" err="1" smtClean="0"/>
+              <a:rPr lang="en-US" dirty="0" smtClean="0"/>
+              <a:t>So far we use just the require</a:t>
+            </a:r>
+            <a:r>
+              <a:rPr lang="en-US" baseline="0" dirty="0" smtClean="0"/>
+              <a:t> method of Node but we are actually making the client app</a:t>
+            </a:r>
+          </a:p>
+          <a:p>
+            <a:endParaRPr lang="en-US" baseline="0" dirty="0" smtClean="0"/>
+          </a:p>
+          <a:p>
+            <a:r>
+              <a:rPr lang="en-US" baseline="0" dirty="0" err="1" smtClean="0"/>
+              <a:t>Browserify</a:t>
+            </a:r>
+            <a:r>
+              <a:rPr lang="en-US" baseline="0" dirty="0" smtClean="0"/>
+              <a:t> will let us able to use the node style code and bundles it up into on </a:t>
+            </a:r>
+            <a:r>
+              <a:rPr lang="en-US" baseline="0" dirty="0" err="1" smtClean="0"/>
+              <a:t>js</a:t>
+            </a:r>
+            <a:r>
+              <a:rPr lang="en-US" baseline="0" dirty="0" smtClean="0"/>
+              <a:t> file</a:t>
+            </a:r>
+          </a:p>
+          <a:p>
+            <a:endParaRPr lang="en-US" baseline="0" dirty="0" smtClean="0"/>
+          </a:p>
+          <a:p>
+            <a:r>
+              <a:rPr lang="en-US" baseline="0" dirty="0" smtClean="0"/>
+              <a:t>So we can use the </a:t>
+            </a:r>
+            <a:r>
+              <a:rPr lang="en-US" baseline="0" dirty="0" err="1" smtClean="0"/>
               <a:t>npm</a:t>
             </a:r>
             <a:r>
-              <a:rPr lang="en-US" sz="1200" dirty="0" smtClean="0"/>
-              <a:t> install” and “</a:t>
-            </a:r>
-            <a:r>
-              <a:rPr lang="en-US" sz="1200" dirty="0" err="1" smtClean="0"/>
-              <a:t>npm</a:t>
-            </a:r>
-            <a:r>
-              <a:rPr lang="en-US" sz="1200" dirty="0" smtClean="0"/>
-              <a:t> run build” to install the required dependencies and build the code </a:t>
-            </a:r>
+              <a:rPr lang="en-US" baseline="0" dirty="0" smtClean="0"/>
+              <a:t> packages and modular approach for client code designing as well</a:t>
+            </a:r>
+            <a:endParaRPr lang="en-US" dirty="0" smtClean="0"/>
+          </a:p>
+          <a:p>
             <a:endParaRPr lang="en-US" dirty="0"/>
           </a:p>
         </p:txBody>
@@ -2912,7 +2875,7 @@
           <a:p>
             <a:fld id="{B1206FEA-4AFC-4465-8ABD-ECC3D411179B}" type="slidenum">
               <a:rPr lang="en-US" smtClean="0"/>
-              <a:t>30</a:t>
+              <a:t>29</a:t>
             </a:fld>
             <a:endParaRPr lang="en-US"/>
           </a:p>
@@ -2921,7 +2884,7 @@
     </p:spTree>
     <p:extLst>
       <p:ext uri="{BB962C8B-B14F-4D97-AF65-F5344CB8AC3E}">
-        <p14:creationId xmlns:p14="http://schemas.microsoft.com/office/powerpoint/2010/main" val="527664236"/>
+        <p14:creationId xmlns:p14="http://schemas.microsoft.com/office/powerpoint/2010/main" val="2079015888"/>
       </p:ext>
     </p:extLst>
   </p:cSld>
@@ -2977,38 +2940,40 @@
           <a:p>
             <a:r>
               <a:rPr lang="en-US" sz="1200" dirty="0" smtClean="0"/>
-              <a:t>To make the app SPA using hash routes we will use react-router</a:t>
-            </a:r>
-            <a:r>
-              <a:rPr lang="en-US" sz="1200" baseline="0" dirty="0" smtClean="0"/>
-              <a:t> component</a:t>
-            </a:r>
-          </a:p>
-          <a:p>
-            <a:r>
-              <a:rPr lang="en-US" dirty="0" smtClean="0"/>
-              <a:t>https://github.com/rackt/react-router</a:t>
-            </a:r>
-          </a:p>
-          <a:p>
-            <a:endParaRPr lang="en-US" dirty="0" smtClean="0"/>
-          </a:p>
-          <a:p>
-            <a:r>
-              <a:rPr lang="en-US" dirty="0" smtClean="0"/>
-              <a:t>Add</a:t>
-            </a:r>
-            <a:r>
-              <a:rPr lang="en-US" baseline="0" dirty="0" smtClean="0"/>
-              <a:t> react-router dependency and run “</a:t>
-            </a:r>
-            <a:r>
-              <a:rPr lang="en-US" baseline="0" dirty="0" err="1" smtClean="0"/>
+              <a:t>Put the following configuration in </a:t>
+            </a:r>
+            <a:r>
+              <a:rPr lang="en-US" sz="1200" dirty="0" err="1" smtClean="0"/>
+              <a:t>package.json</a:t>
+            </a:r>
+            <a:r>
+              <a:rPr lang="en-US" sz="1200" dirty="0" smtClean="0"/>
+              <a:t> which contains all the required dependencies. </a:t>
+            </a:r>
+          </a:p>
+          <a:p>
+            <a:endParaRPr lang="en-US" sz="1200" dirty="0" smtClean="0"/>
+          </a:p>
+          <a:p>
+            <a:r>
+              <a:rPr lang="en-US" sz="1200" dirty="0" smtClean="0"/>
+              <a:t>Then use the commands “</a:t>
+            </a:r>
+            <a:r>
+              <a:rPr lang="en-US" sz="1200" dirty="0" err="1" smtClean="0"/>
               <a:t>npm</a:t>
             </a:r>
             <a:r>
-              <a:rPr lang="en-US" baseline="0" dirty="0" smtClean="0"/>
-              <a:t> install” command</a:t>
+              <a:rPr lang="en-US" sz="1200" dirty="0" smtClean="0"/>
+              <a:t> install” and “</a:t>
+            </a:r>
+            <a:r>
+              <a:rPr lang="en-US" sz="1200" dirty="0" err="1" smtClean="0"/>
+              <a:t>npm</a:t>
+            </a:r>
+            <a:r>
+              <a:rPr lang="en-US" sz="1200" dirty="0" smtClean="0"/>
+              <a:t> run build” to install the required dependencies and build the code </a:t>
             </a:r>
             <a:endParaRPr lang="en-US" dirty="0"/>
           </a:p>
@@ -3054,7 +3019,7 @@
           <a:p>
             <a:fld id="{B1206FEA-4AFC-4465-8ABD-ECC3D411179B}" type="slidenum">
               <a:rPr lang="en-US" smtClean="0"/>
-              <a:t>32</a:t>
+              <a:t>30</a:t>
             </a:fld>
             <a:endParaRPr lang="en-US"/>
           </a:p>
@@ -3063,7 +3028,7 @@
     </p:spTree>
     <p:extLst>
       <p:ext uri="{BB962C8B-B14F-4D97-AF65-F5344CB8AC3E}">
-        <p14:creationId xmlns:p14="http://schemas.microsoft.com/office/powerpoint/2010/main" val="2039934366"/>
+        <p14:creationId xmlns:p14="http://schemas.microsoft.com/office/powerpoint/2010/main" val="527664236"/>
       </p:ext>
     </p:extLst>
   </p:cSld>
@@ -3196,7 +3161,7 @@
           <a:p>
             <a:fld id="{B1206FEA-4AFC-4465-8ABD-ECC3D411179B}" type="slidenum">
               <a:rPr lang="en-US" smtClean="0"/>
-              <a:t>33</a:t>
+              <a:t>32</a:t>
             </a:fld>
             <a:endParaRPr lang="en-US"/>
           </a:p>
@@ -3205,7 +3170,7 @@
     </p:spTree>
     <p:extLst>
       <p:ext uri="{BB962C8B-B14F-4D97-AF65-F5344CB8AC3E}">
-        <p14:creationId xmlns:p14="http://schemas.microsoft.com/office/powerpoint/2010/main" val="906655533"/>
+        <p14:creationId xmlns:p14="http://schemas.microsoft.com/office/powerpoint/2010/main" val="2039934366"/>
       </p:ext>
     </p:extLst>
   </p:cSld>
@@ -3338,6 +3303,148 @@
           <a:p>
             <a:fld id="{B1206FEA-4AFC-4465-8ABD-ECC3D411179B}" type="slidenum">
               <a:rPr lang="en-US" smtClean="0"/>
+              <a:t>33</a:t>
+            </a:fld>
+            <a:endParaRPr lang="en-US"/>
+          </a:p>
+        </p:txBody>
+      </p:sp>
+    </p:spTree>
+    <p:extLst>
+      <p:ext uri="{BB962C8B-B14F-4D97-AF65-F5344CB8AC3E}">
+        <p14:creationId xmlns:p14="http://schemas.microsoft.com/office/powerpoint/2010/main" val="906655533"/>
+      </p:ext>
+    </p:extLst>
+  </p:cSld>
+  <p:clrMapOvr>
+    <a:masterClrMapping/>
+  </p:clrMapOvr>
+</p:notes>
+</file>
+
+<file path=ppt/notesSlides/notesSlide26.xml><?xml version="1.0" encoding="utf-8"?>
+<p:notes xmlns:a="http://schemas.openxmlformats.org/drawingml/2006/main" xmlns:r="http://schemas.openxmlformats.org/officeDocument/2006/relationships" xmlns:p="http://schemas.openxmlformats.org/presentationml/2006/main">
+  <p:cSld>
+    <p:spTree>
+      <p:nvGrpSpPr>
+        <p:cNvPr id="1" name=""/>
+        <p:cNvGrpSpPr/>
+        <p:nvPr/>
+      </p:nvGrpSpPr>
+      <p:grpSpPr>
+        <a:xfrm>
+          <a:off x="0" y="0"/>
+          <a:ext cx="0" cy="0"/>
+          <a:chOff x="0" y="0"/>
+          <a:chExt cx="0" cy="0"/>
+        </a:xfrm>
+      </p:grpSpPr>
+      <p:sp>
+        <p:nvSpPr>
+          <p:cNvPr id="2" name="Slide Image Placeholder 1"/>
+          <p:cNvSpPr>
+            <a:spLocks noGrp="1" noRot="1" noChangeAspect="1"/>
+          </p:cNvSpPr>
+          <p:nvPr>
+            <p:ph type="sldImg"/>
+          </p:nvPr>
+        </p:nvSpPr>
+        <p:spPr/>
+      </p:sp>
+      <p:sp>
+        <p:nvSpPr>
+          <p:cNvPr id="3" name="Notes Placeholder 2"/>
+          <p:cNvSpPr>
+            <a:spLocks noGrp="1"/>
+          </p:cNvSpPr>
+          <p:nvPr>
+            <p:ph type="body" idx="1"/>
+          </p:nvPr>
+        </p:nvSpPr>
+        <p:spPr/>
+        <p:txBody>
+          <a:bodyPr/>
+          <a:lstStyle/>
+          <a:p>
+            <a:r>
+              <a:rPr lang="en-US" sz="1200" dirty="0" smtClean="0"/>
+              <a:t>To make the app SPA using hash routes we will use react-router</a:t>
+            </a:r>
+            <a:r>
+              <a:rPr lang="en-US" sz="1200" baseline="0" dirty="0" smtClean="0"/>
+              <a:t> component</a:t>
+            </a:r>
+          </a:p>
+          <a:p>
+            <a:r>
+              <a:rPr lang="en-US" dirty="0" smtClean="0"/>
+              <a:t>https://github.com/rackt/react-router</a:t>
+            </a:r>
+          </a:p>
+          <a:p>
+            <a:endParaRPr lang="en-US" dirty="0" smtClean="0"/>
+          </a:p>
+          <a:p>
+            <a:r>
+              <a:rPr lang="en-US" dirty="0" smtClean="0"/>
+              <a:t>Add</a:t>
+            </a:r>
+            <a:r>
+              <a:rPr lang="en-US" baseline="0" dirty="0" smtClean="0"/>
+              <a:t> react-router dependency and run “</a:t>
+            </a:r>
+            <a:r>
+              <a:rPr lang="en-US" baseline="0" dirty="0" err="1" smtClean="0"/>
+              <a:t>npm</a:t>
+            </a:r>
+            <a:r>
+              <a:rPr lang="en-US" baseline="0" dirty="0" smtClean="0"/>
+              <a:t> install” command</a:t>
+            </a:r>
+            <a:endParaRPr lang="en-US" dirty="0"/>
+          </a:p>
+        </p:txBody>
+      </p:sp>
+      <p:sp>
+        <p:nvSpPr>
+          <p:cNvPr id="4" name="Header Placeholder 3"/>
+          <p:cNvSpPr>
+            <a:spLocks noGrp="1"/>
+          </p:cNvSpPr>
+          <p:nvPr>
+            <p:ph type="hdr" sz="quarter" idx="10"/>
+          </p:nvPr>
+        </p:nvSpPr>
+        <p:spPr/>
+        <p:txBody>
+          <a:bodyPr/>
+          <a:lstStyle/>
+          <a:p>
+            <a:r>
+              <a:rPr lang="en-US" smtClean="0"/>
+              <a:t>TEST</a:t>
+            </a:r>
+            <a:endParaRPr lang="en-US"/>
+          </a:p>
+        </p:txBody>
+      </p:sp>
+      <p:sp>
+        <p:nvSpPr>
+          <p:cNvPr id="5" name="Slide Number Placeholder 4"/>
+          <p:cNvSpPr>
+            <a:spLocks noGrp="1"/>
+          </p:cNvSpPr>
+          <p:nvPr>
+            <p:ph type="sldNum" sz="quarter" idx="11"/>
+          </p:nvPr>
+        </p:nvSpPr>
+        <p:spPr/>
+        <p:txBody>
+          <a:bodyPr/>
+          <a:lstStyle/>
+          <a:p>
+            <a:fld id="{B1206FEA-4AFC-4465-8ABD-ECC3D411179B}" type="slidenum">
+              <a:rPr lang="en-US" smtClean="0"/>
               <a:t>34</a:t>
             </a:fld>
             <a:endParaRPr lang="en-US"/>
@@ -3357,7 +3464,7 @@
 </p:notes>
 </file>
 
-<file path=ppt/notesSlides/notesSlide26.xml><?xml version="1.0" encoding="utf-8"?>
+<file path=ppt/notesSlides/notesSlide27.xml><?xml version="1.0" encoding="utf-8"?>
 <p:notes xmlns:a="http://schemas.openxmlformats.org/drawingml/2006/main" xmlns:r="http://schemas.openxmlformats.org/officeDocument/2006/relationships" xmlns:p="http://schemas.openxmlformats.org/presentationml/2006/main">
   <p:cSld>
     <p:spTree>
@@ -20945,7 +21052,7 @@
               <a:rPr lang="en-US" smtClean="0"/>
               <a:t>18</a:t>
             </a:fld>
-            <a:endParaRPr lang="en-US"/>
+            <a:endParaRPr lang="en-US" dirty="0"/>
           </a:p>
         </p:txBody>
       </p:sp>
@@ -20958,7 +21065,7 @@
           <p:nvPr/>
         </p:nvPicPr>
         <p:blipFill>
-          <a:blip r:embed="rId2">
+          <a:blip r:embed="rId3">
             <a:extLst>
               <a:ext uri="{28A0092B-C50C-407E-A947-70E740481C1C}">
                 <a14:useLocalDpi xmlns:a14="http://schemas.microsoft.com/office/drawing/2010/main" val="0"/>
@@ -20988,7 +21095,7 @@
           <p:nvPr/>
         </p:nvPicPr>
         <p:blipFill>
-          <a:blip r:embed="rId3">
+          <a:blip r:embed="rId4">
             <a:extLst>
               <a:ext uri="{28A0092B-C50C-407E-A947-70E740481C1C}">
                 <a14:useLocalDpi xmlns:a14="http://schemas.microsoft.com/office/drawing/2010/main" val="0"/>
@@ -21018,7 +21125,7 @@
           <p:nvPr/>
         </p:nvPicPr>
         <p:blipFill>
-          <a:blip r:embed="rId4">
+          <a:blip r:embed="rId5">
             <a:extLst>
               <a:ext uri="{28A0092B-C50C-407E-A947-70E740481C1C}">
                 <a14:useLocalDpi xmlns:a14="http://schemas.microsoft.com/office/drawing/2010/main" val="0"/>
@@ -24829,7 +24936,7 @@
         </p:blipFill>
         <p:spPr>
           <a:xfrm>
-            <a:off x="838199" y="1700345"/>
+            <a:off x="6503893" y="1700344"/>
             <a:ext cx="4533331" cy="2694095"/>
           </a:xfrm>
         </p:spPr>
@@ -24856,7 +24963,7 @@
         </p:blipFill>
         <p:spPr>
           <a:xfrm>
-            <a:off x="5596684" y="1700345"/>
+            <a:off x="580894" y="1670099"/>
             <a:ext cx="5582480" cy="3365406"/>
           </a:xfrm>
           <a:prstGeom prst="rect">
@@ -24908,7 +25015,7 @@
                                           </p:stCondLst>
                                         </p:cTn>
                                         <p:tgtEl>
-                                          <p:spTgt spid="8"/>
+                                          <p:spTgt spid="7"/>
                                         </p:tgtEl>
                                         <p:attrNameLst>
                                           <p:attrName>style.visibility</p:attrName>
@@ -26221,6 +26328,209 @@
       </p:grpSpPr>
       <p:sp>
         <p:nvSpPr>
+          <p:cNvPr id="2" name="Title 1"/>
+          <p:cNvSpPr>
+            <a:spLocks noGrp="1"/>
+          </p:cNvSpPr>
+          <p:nvPr>
+            <p:ph type="title"/>
+          </p:nvPr>
+        </p:nvSpPr>
+        <p:spPr/>
+        <p:txBody>
+          <a:bodyPr/>
+          <a:lstStyle/>
+          <a:p>
+            <a:r>
+              <a:rPr lang="en-US" dirty="0"/>
+              <a:t>Jest Directory </a:t>
+            </a:r>
+            <a:r>
+              <a:rPr lang="en-US" dirty="0" smtClean="0"/>
+              <a:t>Structure</a:t>
+            </a:r>
+            <a:endParaRPr lang="en-US" dirty="0"/>
+          </a:p>
+        </p:txBody>
+      </p:sp>
+      <p:sp>
+        <p:nvSpPr>
+          <p:cNvPr id="3" name="Content Placeholder 2"/>
+          <p:cNvSpPr>
+            <a:spLocks noGrp="1"/>
+          </p:cNvSpPr>
+          <p:nvPr>
+            <p:ph idx="1"/>
+          </p:nvPr>
+        </p:nvSpPr>
+        <p:spPr>
+          <a:xfrm>
+            <a:off x="838200" y="1825625"/>
+            <a:ext cx="6348211" cy="4351338"/>
+          </a:xfrm>
+        </p:spPr>
+        <p:txBody>
+          <a:bodyPr/>
+          <a:lstStyle/>
+          <a:p>
+            <a:r>
+              <a:rPr lang="en-US" dirty="0" smtClean="0"/>
+              <a:t>You can follow the structure as provided by Jest Examples as it creates a folder ‘__tests__’ at top and place all test cases inside it.</a:t>
+            </a:r>
+          </a:p>
+          <a:p>
+            <a:pPr marL="0" indent="0">
+              <a:buNone/>
+            </a:pPr>
+            <a:endParaRPr lang="en-US" dirty="0"/>
+          </a:p>
+        </p:txBody>
+      </p:sp>
+      <p:sp>
+        <p:nvSpPr>
+          <p:cNvPr id="4" name="Footer Placeholder 3"/>
+          <p:cNvSpPr>
+            <a:spLocks noGrp="1"/>
+          </p:cNvSpPr>
+          <p:nvPr>
+            <p:ph type="ftr" sz="quarter" idx="11"/>
+          </p:nvPr>
+        </p:nvSpPr>
+        <p:spPr/>
+        <p:txBody>
+          <a:bodyPr/>
+          <a:lstStyle/>
+          <a:p>
+            <a:r>
+              <a:rPr lang="en-US" dirty="0" smtClean="0"/>
+              <a:t>Unit testing With JEST</a:t>
+            </a:r>
+            <a:endParaRPr lang="en-US" dirty="0"/>
+          </a:p>
+        </p:txBody>
+      </p:sp>
+      <p:sp>
+        <p:nvSpPr>
+          <p:cNvPr id="5" name="Slide Number Placeholder 4"/>
+          <p:cNvSpPr>
+            <a:spLocks noGrp="1"/>
+          </p:cNvSpPr>
+          <p:nvPr>
+            <p:ph type="sldNum" sz="quarter" idx="12"/>
+          </p:nvPr>
+        </p:nvSpPr>
+        <p:spPr/>
+        <p:txBody>
+          <a:bodyPr/>
+          <a:lstStyle/>
+          <a:p>
+            <a:fld id="{B777A91B-BF1B-4ECE-B89B-72F2144CF226}" type="slidenum">
+              <a:rPr lang="en-US" smtClean="0"/>
+              <a:t>38</a:t>
+            </a:fld>
+            <a:endParaRPr lang="en-US"/>
+          </a:p>
+        </p:txBody>
+      </p:sp>
+      <p:pic>
+        <p:nvPicPr>
+          <p:cNvPr id="8" name="Picture 7"/>
+          <p:cNvPicPr>
+            <a:picLocks noChangeAspect="1"/>
+          </p:cNvPicPr>
+          <p:nvPr/>
+        </p:nvPicPr>
+        <p:blipFill>
+          <a:blip r:embed="rId2">
+            <a:extLst>
+              <a:ext uri="{28A0092B-C50C-407E-A947-70E740481C1C}">
+                <a14:useLocalDpi xmlns:a14="http://schemas.microsoft.com/office/drawing/2010/main" val="0"/>
+              </a:ext>
+            </a:extLst>
+          </a:blip>
+          <a:stretch>
+            <a:fillRect/>
+          </a:stretch>
+        </p:blipFill>
+        <p:spPr>
+          <a:xfrm>
+            <a:off x="157162" y="84137"/>
+            <a:ext cx="1362075" cy="561975"/>
+          </a:xfrm>
+          <a:prstGeom prst="rect">
+            <a:avLst/>
+          </a:prstGeom>
+        </p:spPr>
+      </p:pic>
+      <p:pic>
+        <p:nvPicPr>
+          <p:cNvPr id="7" name="Picture 6"/>
+          <p:cNvPicPr>
+            <a:picLocks noChangeAspect="1"/>
+          </p:cNvPicPr>
+          <p:nvPr/>
+        </p:nvPicPr>
+        <p:blipFill>
+          <a:blip r:embed="rId3">
+            <a:extLst>
+              <a:ext uri="{28A0092B-C50C-407E-A947-70E740481C1C}">
+                <a14:useLocalDpi xmlns:a14="http://schemas.microsoft.com/office/drawing/2010/main" val="0"/>
+              </a:ext>
+            </a:extLst>
+          </a:blip>
+          <a:stretch>
+            <a:fillRect/>
+          </a:stretch>
+        </p:blipFill>
+        <p:spPr>
+          <a:xfrm>
+            <a:off x="7620000" y="1017529"/>
+            <a:ext cx="2809590" cy="4490642"/>
+          </a:xfrm>
+          <a:prstGeom prst="rect">
+            <a:avLst/>
+          </a:prstGeom>
+        </p:spPr>
+      </p:pic>
+    </p:spTree>
+    <p:extLst>
+      <p:ext uri="{BB962C8B-B14F-4D97-AF65-F5344CB8AC3E}">
+        <p14:creationId xmlns:p14="http://schemas.microsoft.com/office/powerpoint/2010/main" val="801430724"/>
+      </p:ext>
+    </p:extLst>
+  </p:cSld>
+  <p:clrMapOvr>
+    <a:masterClrMapping/>
+  </p:clrMapOvr>
+  <p:timing>
+    <p:tnLst>
+      <p:par>
+        <p:cTn id="1" dur="indefinite" restart="never" nodeType="tmRoot"/>
+      </p:par>
+    </p:tnLst>
+  </p:timing>
+</p:sld>
+</file>
+
+<file path=ppt/slides/slide39.xml><?xml version="1.0" encoding="utf-8"?>
+<p:sld xmlns:a="http://schemas.openxmlformats.org/drawingml/2006/main" xmlns:r="http://schemas.openxmlformats.org/officeDocument/2006/relationships" xmlns:p="http://schemas.openxmlformats.org/presentationml/2006/main">
+  <p:cSld>
+    <p:spTree>
+      <p:nvGrpSpPr>
+        <p:cNvPr id="1" name=""/>
+        <p:cNvGrpSpPr/>
+        <p:nvPr/>
+      </p:nvGrpSpPr>
+      <p:grpSpPr>
+        <a:xfrm>
+          <a:off x="0" y="0"/>
+          <a:ext cx="0" cy="0"/>
+          <a:chOff x="0" y="0"/>
+          <a:chExt cx="0" cy="0"/>
+        </a:xfrm>
+      </p:grpSpPr>
+      <p:sp>
+        <p:nvSpPr>
           <p:cNvPr id="4" name="Footer Placeholder 3"/>
           <p:cNvSpPr>
             <a:spLocks noGrp="1"/>
@@ -26258,7 +26568,7 @@
           <a:p>
             <a:fld id="{B777A91B-BF1B-4ECE-B89B-72F2144CF226}" type="slidenum">
               <a:rPr lang="en-US" smtClean="0"/>
-              <a:t>38</a:t>
+              <a:t>39</a:t>
             </a:fld>
             <a:endParaRPr lang="en-US"/>
           </a:p>
@@ -26428,209 +26738,6 @@
 </p:sld>
 </file>
 
-<file path=ppt/slides/slide39.xml><?xml version="1.0" encoding="utf-8"?>
-<p:sld xmlns:a="http://schemas.openxmlformats.org/drawingml/2006/main" xmlns:r="http://schemas.openxmlformats.org/officeDocument/2006/relationships" xmlns:p="http://schemas.openxmlformats.org/presentationml/2006/main">
-  <p:cSld>
-    <p:spTree>
-      <p:nvGrpSpPr>
-        <p:cNvPr id="1" name=""/>
-        <p:cNvGrpSpPr/>
-        <p:nvPr/>
-      </p:nvGrpSpPr>
-      <p:grpSpPr>
-        <a:xfrm>
-          <a:off x="0" y="0"/>
-          <a:ext cx="0" cy="0"/>
-          <a:chOff x="0" y="0"/>
-          <a:chExt cx="0" cy="0"/>
-        </a:xfrm>
-      </p:grpSpPr>
-      <p:sp>
-        <p:nvSpPr>
-          <p:cNvPr id="2" name="Title 1"/>
-          <p:cNvSpPr>
-            <a:spLocks noGrp="1"/>
-          </p:cNvSpPr>
-          <p:nvPr>
-            <p:ph type="title"/>
-          </p:nvPr>
-        </p:nvSpPr>
-        <p:spPr/>
-        <p:txBody>
-          <a:bodyPr/>
-          <a:lstStyle/>
-          <a:p>
-            <a:r>
-              <a:rPr lang="en-US" dirty="0"/>
-              <a:t>Jest Directory </a:t>
-            </a:r>
-            <a:r>
-              <a:rPr lang="en-US" dirty="0" smtClean="0"/>
-              <a:t>Structure</a:t>
-            </a:r>
-            <a:endParaRPr lang="en-US" dirty="0"/>
-          </a:p>
-        </p:txBody>
-      </p:sp>
-      <p:sp>
-        <p:nvSpPr>
-          <p:cNvPr id="3" name="Content Placeholder 2"/>
-          <p:cNvSpPr>
-            <a:spLocks noGrp="1"/>
-          </p:cNvSpPr>
-          <p:nvPr>
-            <p:ph idx="1"/>
-          </p:nvPr>
-        </p:nvSpPr>
-        <p:spPr>
-          <a:xfrm>
-            <a:off x="838200" y="1825625"/>
-            <a:ext cx="6348211" cy="4351338"/>
-          </a:xfrm>
-        </p:spPr>
-        <p:txBody>
-          <a:bodyPr/>
-          <a:lstStyle/>
-          <a:p>
-            <a:r>
-              <a:rPr lang="en-US" dirty="0" smtClean="0"/>
-              <a:t>You can follow the structure as provided by Jest Examples as it creates a folder ‘__tests__’ at top and place all test cases inside it.</a:t>
-            </a:r>
-          </a:p>
-          <a:p>
-            <a:pPr marL="0" indent="0">
-              <a:buNone/>
-            </a:pPr>
-            <a:endParaRPr lang="en-US" dirty="0"/>
-          </a:p>
-        </p:txBody>
-      </p:sp>
-      <p:sp>
-        <p:nvSpPr>
-          <p:cNvPr id="4" name="Footer Placeholder 3"/>
-          <p:cNvSpPr>
-            <a:spLocks noGrp="1"/>
-          </p:cNvSpPr>
-          <p:nvPr>
-            <p:ph type="ftr" sz="quarter" idx="11"/>
-          </p:nvPr>
-        </p:nvSpPr>
-        <p:spPr/>
-        <p:txBody>
-          <a:bodyPr/>
-          <a:lstStyle/>
-          <a:p>
-            <a:r>
-              <a:rPr lang="en-US" dirty="0" smtClean="0"/>
-              <a:t>Unit testing With JEST</a:t>
-            </a:r>
-            <a:endParaRPr lang="en-US" dirty="0"/>
-          </a:p>
-        </p:txBody>
-      </p:sp>
-      <p:sp>
-        <p:nvSpPr>
-          <p:cNvPr id="5" name="Slide Number Placeholder 4"/>
-          <p:cNvSpPr>
-            <a:spLocks noGrp="1"/>
-          </p:cNvSpPr>
-          <p:nvPr>
-            <p:ph type="sldNum" sz="quarter" idx="12"/>
-          </p:nvPr>
-        </p:nvSpPr>
-        <p:spPr/>
-        <p:txBody>
-          <a:bodyPr/>
-          <a:lstStyle/>
-          <a:p>
-            <a:fld id="{B777A91B-BF1B-4ECE-B89B-72F2144CF226}" type="slidenum">
-              <a:rPr lang="en-US" smtClean="0"/>
-              <a:t>39</a:t>
-            </a:fld>
-            <a:endParaRPr lang="en-US"/>
-          </a:p>
-        </p:txBody>
-      </p:sp>
-      <p:pic>
-        <p:nvPicPr>
-          <p:cNvPr id="8" name="Picture 7"/>
-          <p:cNvPicPr>
-            <a:picLocks noChangeAspect="1"/>
-          </p:cNvPicPr>
-          <p:nvPr/>
-        </p:nvPicPr>
-        <p:blipFill>
-          <a:blip r:embed="rId2">
-            <a:extLst>
-              <a:ext uri="{28A0092B-C50C-407E-A947-70E740481C1C}">
-                <a14:useLocalDpi xmlns:a14="http://schemas.microsoft.com/office/drawing/2010/main" val="0"/>
-              </a:ext>
-            </a:extLst>
-          </a:blip>
-          <a:stretch>
-            <a:fillRect/>
-          </a:stretch>
-        </p:blipFill>
-        <p:spPr>
-          <a:xfrm>
-            <a:off x="157162" y="84137"/>
-            <a:ext cx="1362075" cy="561975"/>
-          </a:xfrm>
-          <a:prstGeom prst="rect">
-            <a:avLst/>
-          </a:prstGeom>
-        </p:spPr>
-      </p:pic>
-      <p:pic>
-        <p:nvPicPr>
-          <p:cNvPr id="7" name="Picture 6"/>
-          <p:cNvPicPr>
-            <a:picLocks noChangeAspect="1"/>
-          </p:cNvPicPr>
-          <p:nvPr/>
-        </p:nvPicPr>
-        <p:blipFill>
-          <a:blip r:embed="rId3">
-            <a:extLst>
-              <a:ext uri="{28A0092B-C50C-407E-A947-70E740481C1C}">
-                <a14:useLocalDpi xmlns:a14="http://schemas.microsoft.com/office/drawing/2010/main" val="0"/>
-              </a:ext>
-            </a:extLst>
-          </a:blip>
-          <a:stretch>
-            <a:fillRect/>
-          </a:stretch>
-        </p:blipFill>
-        <p:spPr>
-          <a:xfrm>
-            <a:off x="7620000" y="1017529"/>
-            <a:ext cx="2809590" cy="4490642"/>
-          </a:xfrm>
-          <a:prstGeom prst="rect">
-            <a:avLst/>
-          </a:prstGeom>
-        </p:spPr>
-      </p:pic>
-    </p:spTree>
-    <p:extLst>
-      <p:ext uri="{BB962C8B-B14F-4D97-AF65-F5344CB8AC3E}">
-        <p14:creationId xmlns:p14="http://schemas.microsoft.com/office/powerpoint/2010/main" val="801430724"/>
-      </p:ext>
-    </p:extLst>
-  </p:cSld>
-  <p:clrMapOvr>
-    <a:masterClrMapping/>
-  </p:clrMapOvr>
-  <p:timing>
-    <p:tnLst>
-      <p:par>
-        <p:cTn id="1" dur="indefinite" restart="never" nodeType="tmRoot"/>
-      </p:par>
-    </p:tnLst>
-  </p:timing>
-</p:sld>
-</file>
-
 <file path=ppt/slides/slide4.xml><?xml version="1.0" encoding="utf-8"?>
 <p:sld xmlns:a="http://schemas.openxmlformats.org/drawingml/2006/main" xmlns:r="http://schemas.openxmlformats.org/officeDocument/2006/relationships" xmlns:p="http://schemas.openxmlformats.org/presentationml/2006/main">
   <p:cSld>
@@ -26881,7 +26988,7 @@
         </p:spPr>
         <p:txBody>
           <a:bodyPr>
-            <a:normAutofit lnSpcReduction="10000"/>
+            <a:normAutofit/>
           </a:bodyPr>
           <a:lstStyle/>
           <a:p>
@@ -26943,86 +27050,77 @@
           </a:p>
           <a:p>
             <a:r>
+              <a:rPr lang="en-US" dirty="0" smtClean="0">
+                <a:hlinkClick r:id="rId6"/>
+              </a:rPr>
+              <a:t>https</a:t>
+            </a:r>
+            <a:r>
               <a:rPr lang="en-US" dirty="0">
                 <a:hlinkClick r:id="rId6"/>
               </a:rPr>
-              <a:t>https://</a:t>
+              <a:t>://</a:t>
             </a:r>
             <a:r>
               <a:rPr lang="en-US" dirty="0" smtClean="0">
                 <a:hlinkClick r:id="rId6"/>
               </a:rPr>
-              <a:t>github.com/substack/node-browserify#usage</a:t>
+              <a:t>facebook.github.io/react/blog/2014/09/24/testing-flux-applications.html</a:t>
             </a:r>
             <a:endParaRPr lang="en-US" dirty="0" smtClean="0"/>
           </a:p>
           <a:p>
+            <a:r>
+              <a:rPr lang="en-US" dirty="0" smtClean="0">
+                <a:hlinkClick r:id="rId7"/>
+              </a:rPr>
+              <a:t>https</a:t>
+            </a:r>
             <a:r>
               <a:rPr lang="en-US" dirty="0">
                 <a:hlinkClick r:id="rId7"/>
               </a:rPr>
-              <a:t>https://</a:t>
+              <a:t>://</a:t>
             </a:r>
             <a:r>
               <a:rPr lang="en-US" dirty="0" smtClean="0">
                 <a:hlinkClick r:id="rId7"/>
               </a:rPr>
-              <a:t>facebook.github.io/react/blog/2014/09/24/testing-flux-applications.html</a:t>
+              <a:t>github.com/rackt/react-router</a:t>
             </a:r>
             <a:endParaRPr lang="en-US" dirty="0" smtClean="0"/>
           </a:p>
           <a:p>
+            <a:r>
+              <a:rPr lang="en-US" dirty="0">
+                <a:hlinkClick r:id="rId8"/>
+              </a:rPr>
+              <a:t>https://</a:t>
+            </a:r>
             <a:r>
               <a:rPr lang="en-US" dirty="0" smtClean="0">
                 <a:hlinkClick r:id="rId8"/>
               </a:rPr>
-              <a:t>https</a:t>
-            </a:r>
-            <a:r>
-              <a:rPr lang="en-US" dirty="0">
-                <a:hlinkClick r:id="rId8"/>
+              <a:t>github.com/schempy/react-flux-routing-seo</a:t>
+            </a:r>
+            <a:endParaRPr lang="en-US" dirty="0" smtClean="0"/>
+          </a:p>
+          <a:p>
+            <a:r>
+              <a:rPr lang="en-US" dirty="0" smtClean="0">
+                <a:hlinkClick r:id="rId9"/>
               </a:rPr>
-              <a:t>://</a:t>
-            </a:r>
-            <a:r>
-              <a:rPr lang="en-US" dirty="0" smtClean="0">
-                <a:hlinkClick r:id="rId8"/>
-              </a:rPr>
-              <a:t>github.com/rackt/react-router</a:t>
-            </a:r>
-            <a:endParaRPr lang="en-US" dirty="0" smtClean="0"/>
-          </a:p>
-          <a:p>
+              <a:t>http</a:t>
+            </a:r>
             <a:r>
               <a:rPr lang="en-US" dirty="0">
                 <a:hlinkClick r:id="rId9"/>
               </a:rPr>
-              <a:t>https://</a:t>
+              <a:t>://es6-features.org/#</a:t>
             </a:r>
             <a:r>
               <a:rPr lang="en-US" dirty="0" smtClean="0">
                 <a:hlinkClick r:id="rId9"/>
-              </a:rPr>
-              <a:t>github.com/schempy/react-flux-routing-seo</a:t>
-            </a:r>
-            <a:endParaRPr lang="en-US" dirty="0" smtClean="0"/>
-          </a:p>
-          <a:p>
-            <a:r>
-              <a:rPr lang="en-US" dirty="0" smtClean="0">
-                <a:hlinkClick r:id="rId10"/>
-              </a:rPr>
-              <a:t>http</a:t>
-            </a:r>
-            <a:r>
-              <a:rPr lang="en-US" dirty="0">
-                <a:hlinkClick r:id="rId10"/>
-              </a:rPr>
-              <a:t>://es6-features.org/#</a:t>
-            </a:r>
-            <a:r>
-              <a:rPr lang="en-US" dirty="0" smtClean="0">
-                <a:hlinkClick r:id="rId10"/>
               </a:rPr>
               <a:t>Constants</a:t>
             </a:r>
@@ -27104,7 +27202,7 @@
           <p:nvPr/>
         </p:nvPicPr>
         <p:blipFill>
-          <a:blip r:embed="rId11">
+          <a:blip r:embed="rId10">
             <a:extLst>
               <a:ext uri="{28A0092B-C50C-407E-A947-70E740481C1C}">
                 <a14:useLocalDpi xmlns:a14="http://schemas.microsoft.com/office/drawing/2010/main" val="0"/>
@@ -28226,24 +28324,34 @@
               <a:rPr lang="en-US" dirty="0" smtClean="0"/>
               <a:t>Yes </a:t>
             </a:r>
-          </a:p>
-          <a:p>
             <a:r>
               <a:rPr lang="en-US" dirty="0" smtClean="0"/>
-              <a:t>No (we will use react-router)</a:t>
-            </a:r>
+              <a:t>(Abstract)</a:t>
+            </a:r>
+            <a:endParaRPr lang="en-US" dirty="0" smtClean="0"/>
           </a:p>
           <a:p>
             <a:r>
               <a:rPr lang="en-US" dirty="0" smtClean="0"/>
-              <a:t>Yes (Abstract)</a:t>
+              <a:t>Yes </a:t>
             </a:r>
           </a:p>
           <a:p>
             <a:r>
               <a:rPr lang="en-US" dirty="0" smtClean="0"/>
-              <a:t>Yes (Abstract)</a:t>
-            </a:r>
+              <a:t>Yes </a:t>
+            </a:r>
+          </a:p>
+          <a:p>
+            <a:r>
+              <a:rPr lang="en-US" dirty="0"/>
+              <a:t>No (we will use react</a:t>
+            </a:r>
+            <a:r>
+              <a:rPr lang="en-US" dirty="0" smtClean="0"/>
+              <a:t>)</a:t>
+            </a:r>
+            <a:endParaRPr lang="en-US" dirty="0" smtClean="0"/>
           </a:p>
           <a:p>
             <a:r>
@@ -28254,8 +28362,17 @@
           <a:p>
             <a:r>
               <a:rPr lang="en-US" dirty="0" smtClean="0"/>
-              <a:t>No (we will use react)</a:t>
-            </a:r>
+              <a:t>No </a:t>
+            </a:r>
+            <a:r>
+              <a:rPr lang="en-US" dirty="0"/>
+              <a:t>(we will use react-router</a:t>
+            </a:r>
+            <a:r>
+              <a:rPr lang="en-US" dirty="0" smtClean="0"/>
+              <a:t>)</a:t>
+            </a:r>
+            <a:endParaRPr lang="en-US" dirty="0" smtClean="0"/>
           </a:p>
           <a:p>
             <a:r>
@@ -28536,14 +28653,9 @@
           <a:p>
             <a:r>
               <a:rPr lang="en-US" dirty="0" smtClean="0"/>
-              <a:t>Routing</a:t>
-            </a:r>
-          </a:p>
-          <a:p>
-            <a:r>
-              <a:rPr lang="en-US" dirty="0" smtClean="0"/>
               <a:t>Stores</a:t>
             </a:r>
+            <a:endParaRPr lang="en-US" dirty="0" smtClean="0"/>
           </a:p>
           <a:p>
             <a:r>
@@ -28553,6 +28665,13 @@
           </a:p>
           <a:p>
             <a:r>
+              <a:rPr lang="en-US" dirty="0"/>
+              <a:t>Views </a:t>
+            </a:r>
+            <a:endParaRPr lang="en-US" dirty="0" smtClean="0"/>
+          </a:p>
+          <a:p>
+            <a:r>
               <a:rPr lang="en-US" dirty="0" smtClean="0"/>
               <a:t>Unit Testing</a:t>
             </a:r>
@@ -28560,8 +28679,9 @@
           <a:p>
             <a:r>
               <a:rPr lang="en-US" dirty="0" smtClean="0"/>
-              <a:t>Views </a:t>
-            </a:r>
+              <a:t>Routing</a:t>
+            </a:r>
+            <a:endParaRPr lang="en-US" dirty="0" smtClean="0"/>
           </a:p>
           <a:p>
             <a:r>

--- a/React.pptx
+++ b/React.pptx
@@ -20551,7 +20551,9 @@
         </p:nvSpPr>
         <p:spPr/>
         <p:txBody>
-          <a:bodyPr/>
+          <a:bodyPr>
+            <a:normAutofit lnSpcReduction="10000"/>
+          </a:bodyPr>
           <a:lstStyle/>
           <a:p>
             <a:r>
@@ -20588,9 +20590,19 @@
             </a:r>
           </a:p>
           <a:p>
+            <a:endParaRPr lang="en-US" cap="all" dirty="0" smtClean="0"/>
+          </a:p>
+          <a:p>
+            <a:endParaRPr lang="en-US" cap="all" dirty="0"/>
+          </a:p>
+          <a:p>
             <a:r>
               <a:rPr lang="en-US" cap="all" dirty="0" smtClean="0"/>
-              <a:t>DATA FLOW</a:t>
+              <a:t>DATA </a:t>
+            </a:r>
+            <a:r>
+              <a:rPr lang="en-US" cap="all" dirty="0" smtClean="0"/>
+              <a:t>FLOW</a:t>
             </a:r>
           </a:p>
           <a:p>
@@ -20677,6 +20689,36 @@
           <a:xfrm>
             <a:off x="157162" y="84137"/>
             <a:ext cx="1362075" cy="561975"/>
+          </a:xfrm>
+          <a:prstGeom prst="rect">
+            <a:avLst/>
+          </a:prstGeom>
+        </p:spPr>
+      </p:pic>
+      <p:pic>
+        <p:nvPicPr>
+          <p:cNvPr id="7" name="Picture 6"/>
+          <p:cNvPicPr>
+            <a:picLocks noChangeAspect="1"/>
+          </p:cNvPicPr>
+          <p:nvPr/>
+        </p:nvPicPr>
+        <p:blipFill>
+          <a:blip r:embed="rId4">
+            <a:extLst>
+              <a:ext uri="{28A0092B-C50C-407E-A947-70E740481C1C}">
+                <a14:useLocalDpi xmlns:a14="http://schemas.microsoft.com/office/drawing/2010/main" val="0"/>
+              </a:ext>
+            </a:extLst>
+          </a:blip>
+          <a:stretch>
+            <a:fillRect/>
+          </a:stretch>
+        </p:blipFill>
+        <p:spPr>
+          <a:xfrm>
+            <a:off x="3536857" y="3739636"/>
+            <a:ext cx="3881438" cy="1247775"/>
           </a:xfrm>
           <a:prstGeom prst="rect">
             <a:avLst/>
@@ -20744,15 +20786,60 @@
                                   </p:childTnLst>
                                 </p:cTn>
                               </p:par>
+                            </p:childTnLst>
+                          </p:cTn>
+                        </p:par>
+                      </p:childTnLst>
+                    </p:cTn>
+                  </p:par>
+                  <p:par>
+                    <p:cTn id="7" fill="hold">
+                      <p:stCondLst>
+                        <p:cond delay="indefinite"/>
+                      </p:stCondLst>
+                      <p:childTnLst>
+                        <p:par>
+                          <p:cTn id="8" fill="hold">
+                            <p:stCondLst>
+                              <p:cond delay="0"/>
+                            </p:stCondLst>
+                            <p:childTnLst>
                               <p:par>
-                                <p:cTn id="7" presetID="1" presetClass="entr" presetSubtype="0" fill="hold" grpId="0" nodeType="withEffect">
+                                <p:cTn id="9" presetID="1" presetClass="entr" presetSubtype="0" fill="hold" nodeType="clickEffect">
                                   <p:stCondLst>
                                     <p:cond delay="0"/>
                                   </p:stCondLst>
                                   <p:childTnLst>
                                     <p:set>
                                       <p:cBhvr>
-                                        <p:cTn id="8" dur="1" fill="hold">
+                                        <p:cTn id="10" dur="1" fill="hold">
+                                          <p:stCondLst>
+                                            <p:cond delay="0"/>
+                                          </p:stCondLst>
+                                        </p:cTn>
+                                        <p:tgtEl>
+                                          <p:spTgt spid="7"/>
+                                        </p:tgtEl>
+                                        <p:attrNameLst>
+                                          <p:attrName>style.visibility</p:attrName>
+                                        </p:attrNameLst>
+                                      </p:cBhvr>
+                                      <p:to>
+                                        <p:strVal val="visible"/>
+                                      </p:to>
+                                    </p:set>
+                                  </p:childTnLst>
+                                </p:cTn>
+                              </p:par>
+                              <p:par>
+                                <p:cTn id="11" presetID="1" presetClass="entr" presetSubtype="0" fill="hold" grpId="0" nodeType="withEffect">
+                                  <p:stCondLst>
+                                    <p:cond delay="0"/>
+                                  </p:stCondLst>
+                                  <p:childTnLst>
+                                    <p:set>
+                                      <p:cBhvr>
+                                        <p:cTn id="12" dur="1" fill="hold">
                                           <p:stCondLst>
                                             <p:cond delay="0"/>
                                           </p:stCondLst>
@@ -20782,26 +20869,26 @@
                     </p:cTn>
                   </p:par>
                   <p:par>
-                    <p:cTn id="9" fill="hold">
+                    <p:cTn id="13" fill="hold">
                       <p:stCondLst>
                         <p:cond delay="indefinite"/>
                       </p:stCondLst>
                       <p:childTnLst>
                         <p:par>
-                          <p:cTn id="10" fill="hold">
+                          <p:cTn id="14" fill="hold">
                             <p:stCondLst>
                               <p:cond delay="0"/>
                             </p:stCondLst>
                             <p:childTnLst>
                               <p:par>
-                                <p:cTn id="11" presetID="1" presetClass="entr" presetSubtype="0" fill="hold" grpId="0" nodeType="clickEffect">
+                                <p:cTn id="15" presetID="1" presetClass="entr" presetSubtype="0" fill="hold" grpId="0" nodeType="clickEffect">
                                   <p:stCondLst>
                                     <p:cond delay="0"/>
                                   </p:stCondLst>
                                   <p:childTnLst>
                                     <p:set>
                                       <p:cBhvr>
-                                        <p:cTn id="12" dur="1" fill="hold">
+                                        <p:cTn id="16" dur="1" fill="hold">
                                           <p:stCondLst>
                                             <p:cond delay="0"/>
                                           </p:stCondLst>
@@ -20809,7 +20896,7 @@
                                         <p:tgtEl>
                                           <p:spTgt spid="3">
                                             <p:txEl>
-                                              <p:pRg st="4" end="4"/>
+                                              <p:pRg st="6" end="6"/>
                                             </p:txEl>
                                           </p:spTgt>
                                         </p:tgtEl>
@@ -20825,14 +20912,14 @@
                                 </p:cTn>
                               </p:par>
                               <p:par>
-                                <p:cTn id="13" presetID="1" presetClass="entr" presetSubtype="0" fill="hold" grpId="0" nodeType="withEffect">
+                                <p:cTn id="17" presetID="1" presetClass="entr" presetSubtype="0" fill="hold" grpId="0" nodeType="withEffect">
                                   <p:stCondLst>
                                     <p:cond delay="0"/>
                                   </p:stCondLst>
                                   <p:childTnLst>
                                     <p:set>
                                       <p:cBhvr>
-                                        <p:cTn id="14" dur="1" fill="hold">
+                                        <p:cTn id="18" dur="1" fill="hold">
                                           <p:stCondLst>
                                             <p:cond delay="0"/>
                                           </p:stCondLst>
@@ -20840,7 +20927,7 @@
                                         <p:tgtEl>
                                           <p:spTgt spid="3">
                                             <p:txEl>
-                                              <p:pRg st="5" end="5"/>
+                                              <p:pRg st="7" end="7"/>
                                             </p:txEl>
                                           </p:spTgt>
                                         </p:tgtEl>
@@ -26213,7 +26300,7 @@
         </p:blipFill>
         <p:spPr>
           <a:xfrm>
-            <a:off x="3836866" y="5019374"/>
+            <a:off x="3854795" y="5182852"/>
             <a:ext cx="8088303" cy="1173498"/>
           </a:xfrm>
           <a:prstGeom prst="rect">

--- a/React.pptx
+++ b/React.pptx
@@ -297,7 +297,7 @@
           <a:p>
             <a:fld id="{0CFB67D1-B930-45EB-8ABD-6B5C9D4B80D1}" type="datetimeFigureOut">
               <a:rPr lang="en-US" smtClean="0"/>
-              <a:t>12/31/2015</a:t>
+              <a:t>1/1/2016</a:t>
             </a:fld>
             <a:endParaRPr lang="en-US"/>
           </a:p>
@@ -467,7 +467,7 @@
           <a:p>
             <a:fld id="{ED1B4B99-2273-4D0F-B50E-7680EF1753AD}" type="datetimeFigureOut">
               <a:rPr lang="en-US" smtClean="0"/>
-              <a:t>12/31/2015</a:t>
+              <a:t>1/1/2016</a:t>
             </a:fld>
             <a:endParaRPr lang="en-US"/>
           </a:p>
@@ -1316,18 +1316,41 @@
           <a:bodyPr/>
           <a:lstStyle/>
           <a:p>
-            <a:endParaRPr lang="en-US" dirty="0"/>
-          </a:p>
-        </p:txBody>
-      </p:sp>
-      <p:sp>
-        <p:nvSpPr>
-          <p:cNvPr id="4" name="Slide Number Placeholder 3"/>
-          <p:cNvSpPr>
-            <a:spLocks noGrp="1"/>
-          </p:cNvSpPr>
-          <p:nvPr>
-            <p:ph type="sldNum" sz="quarter" idx="10"/>
+            <a:endParaRPr lang="en-US"/>
+          </a:p>
+        </p:txBody>
+      </p:sp>
+      <p:sp>
+        <p:nvSpPr>
+          <p:cNvPr id="4" name="Header Placeholder 3"/>
+          <p:cNvSpPr>
+            <a:spLocks noGrp="1"/>
+          </p:cNvSpPr>
+          <p:nvPr>
+            <p:ph type="hdr" sz="quarter" idx="10"/>
+          </p:nvPr>
+        </p:nvSpPr>
+        <p:spPr/>
+        <p:txBody>
+          <a:bodyPr/>
+          <a:lstStyle/>
+          <a:p>
+            <a:r>
+              <a:rPr lang="en-US" smtClean="0"/>
+              <a:t>TEST</a:t>
+            </a:r>
+            <a:endParaRPr lang="en-US"/>
+          </a:p>
+        </p:txBody>
+      </p:sp>
+      <p:sp>
+        <p:nvSpPr>
+          <p:cNvPr id="5" name="Slide Number Placeholder 4"/>
+          <p:cNvSpPr>
+            <a:spLocks noGrp="1"/>
+          </p:cNvSpPr>
+          <p:nvPr>
+            <p:ph type="sldNum" sz="quarter" idx="11"/>
           </p:nvPr>
         </p:nvSpPr>
         <p:spPr/>
@@ -1337,31 +1360,8 @@
           <a:p>
             <a:fld id="{B1206FEA-4AFC-4465-8ABD-ECC3D411179B}" type="slidenum">
               <a:rPr lang="en-US" smtClean="0"/>
-              <a:t>23</a:t>
+              <a:t>22</a:t>
             </a:fld>
-            <a:endParaRPr lang="en-US"/>
-          </a:p>
-        </p:txBody>
-      </p:sp>
-      <p:sp>
-        <p:nvSpPr>
-          <p:cNvPr id="5" name="Header Placeholder 4"/>
-          <p:cNvSpPr>
-            <a:spLocks noGrp="1"/>
-          </p:cNvSpPr>
-          <p:nvPr>
-            <p:ph type="hdr" sz="quarter" idx="11"/>
-          </p:nvPr>
-        </p:nvSpPr>
-        <p:spPr/>
-        <p:txBody>
-          <a:bodyPr/>
-          <a:lstStyle/>
-          <a:p>
-            <a:r>
-              <a:rPr lang="en-US" smtClean="0"/>
-              <a:t>TEST</a:t>
-            </a:r>
             <a:endParaRPr lang="en-US"/>
           </a:p>
         </p:txBody>
@@ -1369,7 +1369,7 @@
     </p:spTree>
     <p:extLst>
       <p:ext uri="{BB962C8B-B14F-4D97-AF65-F5344CB8AC3E}">
-        <p14:creationId xmlns:p14="http://schemas.microsoft.com/office/powerpoint/2010/main" val="4238810153"/>
+        <p14:creationId xmlns:p14="http://schemas.microsoft.com/office/powerpoint/2010/main" val="679379910"/>
       </p:ext>
     </p:extLst>
   </p:cSld>
@@ -1423,35 +1423,41 @@
           <a:bodyPr/>
           <a:lstStyle/>
           <a:p>
-            <a:r>
-              <a:rPr lang="en-US" dirty="0" smtClean="0"/>
-              <a:t>We have learned the React rendering enough so far.</a:t>
-            </a:r>
-          </a:p>
-          <a:p>
-            <a:r>
-              <a:rPr lang="en-US" dirty="0" smtClean="0"/>
-              <a:t>Lets use a react view in our app to render the </a:t>
-            </a:r>
-            <a:r>
-              <a:rPr lang="en-US" dirty="0" err="1" smtClean="0"/>
-              <a:t>todos</a:t>
-            </a:r>
-            <a:endParaRPr lang="en-US" dirty="0" smtClean="0"/>
-          </a:p>
-          <a:p>
             <a:endParaRPr lang="en-US" dirty="0"/>
           </a:p>
         </p:txBody>
       </p:sp>
       <p:sp>
         <p:nvSpPr>
-          <p:cNvPr id="4" name="Header Placeholder 3"/>
-          <p:cNvSpPr>
-            <a:spLocks noGrp="1"/>
-          </p:cNvSpPr>
-          <p:nvPr>
-            <p:ph type="hdr" sz="quarter" idx="10"/>
+          <p:cNvPr id="4" name="Slide Number Placeholder 3"/>
+          <p:cNvSpPr>
+            <a:spLocks noGrp="1"/>
+          </p:cNvSpPr>
+          <p:nvPr>
+            <p:ph type="sldNum" sz="quarter" idx="10"/>
+          </p:nvPr>
+        </p:nvSpPr>
+        <p:spPr/>
+        <p:txBody>
+          <a:bodyPr/>
+          <a:lstStyle/>
+          <a:p>
+            <a:fld id="{B1206FEA-4AFC-4465-8ABD-ECC3D411179B}" type="slidenum">
+              <a:rPr lang="en-US" smtClean="0"/>
+              <a:t>23</a:t>
+            </a:fld>
+            <a:endParaRPr lang="en-US"/>
+          </a:p>
+        </p:txBody>
+      </p:sp>
+      <p:sp>
+        <p:nvSpPr>
+          <p:cNvPr id="5" name="Header Placeholder 4"/>
+          <p:cNvSpPr>
+            <a:spLocks noGrp="1"/>
+          </p:cNvSpPr>
+          <p:nvPr>
+            <p:ph type="hdr" sz="quarter" idx="11"/>
           </p:nvPr>
         </p:nvSpPr>
         <p:spPr/>
@@ -1463,29 +1469,6 @@
               <a:rPr lang="en-US" smtClean="0"/>
               <a:t>TEST</a:t>
             </a:r>
-            <a:endParaRPr lang="en-US"/>
-          </a:p>
-        </p:txBody>
-      </p:sp>
-      <p:sp>
-        <p:nvSpPr>
-          <p:cNvPr id="5" name="Slide Number Placeholder 4"/>
-          <p:cNvSpPr>
-            <a:spLocks noGrp="1"/>
-          </p:cNvSpPr>
-          <p:nvPr>
-            <p:ph type="sldNum" sz="quarter" idx="11"/>
-          </p:nvPr>
-        </p:nvSpPr>
-        <p:spPr/>
-        <p:txBody>
-          <a:bodyPr/>
-          <a:lstStyle/>
-          <a:p>
-            <a:fld id="{B1206FEA-4AFC-4465-8ABD-ECC3D411179B}" type="slidenum">
-              <a:rPr lang="en-US" smtClean="0"/>
-              <a:t>24</a:t>
-            </a:fld>
             <a:endParaRPr lang="en-US"/>
           </a:p>
         </p:txBody>
@@ -1493,7 +1476,7 @@
     </p:spTree>
     <p:extLst>
       <p:ext uri="{BB962C8B-B14F-4D97-AF65-F5344CB8AC3E}">
-        <p14:creationId xmlns:p14="http://schemas.microsoft.com/office/powerpoint/2010/main" val="3701715139"/>
+        <p14:creationId xmlns:p14="http://schemas.microsoft.com/office/powerpoint/2010/main" val="4238810153"/>
       </p:ext>
     </p:extLst>
   </p:cSld>
@@ -1547,58 +1530,23 @@
           <a:bodyPr/>
           <a:lstStyle/>
           <a:p>
+            <a:r>
+              <a:rPr lang="en-US" dirty="0" smtClean="0"/>
+              <a:t>We have learned the React rendering enough so far.</a:t>
+            </a:r>
+          </a:p>
+          <a:p>
+            <a:r>
+              <a:rPr lang="en-US" dirty="0" smtClean="0"/>
+              <a:t>Lets use a react view in our app to render the </a:t>
+            </a:r>
+            <a:r>
+              <a:rPr lang="en-US" dirty="0" err="1" smtClean="0"/>
+              <a:t>todos</a:t>
+            </a:r>
             <a:endParaRPr lang="en-US" dirty="0" smtClean="0"/>
           </a:p>
           <a:p>
-            <a:r>
-              <a:rPr lang="en-US" sz="1200" dirty="0" smtClean="0"/>
-              <a:t>We need to pass the alt store’s state data to the view.</a:t>
-            </a:r>
-          </a:p>
-          <a:p>
-            <a:endParaRPr lang="en-US" sz="1200" dirty="0" smtClean="0"/>
-          </a:p>
-          <a:p>
-            <a:r>
-              <a:rPr lang="en-US" sz="1200" dirty="0" smtClean="0"/>
-              <a:t>Alt provides a built-in components that binds an specific store to the specific view. This is known as Component Container</a:t>
-            </a:r>
-          </a:p>
-          <a:p>
-            <a:endParaRPr lang="en-US" dirty="0" smtClean="0"/>
-          </a:p>
-          <a:p>
-            <a:pPr marL="0" marR="0" indent="0" algn="l" defTabSz="914400" rtl="0" eaLnBrk="1" fontAlgn="auto" latinLnBrk="0" hangingPunct="1">
-              <a:lnSpc>
-                <a:spcPct val="100000"/>
-              </a:lnSpc>
-              <a:spcBef>
-                <a:spcPts val="0"/>
-              </a:spcBef>
-              <a:spcAft>
-                <a:spcPts val="0"/>
-              </a:spcAft>
-              <a:buClrTx/>
-              <a:buSzTx/>
-              <a:buFontTx/>
-              <a:buNone/>
-              <a:tabLst/>
-              <a:defRPr/>
-            </a:pPr>
-            <a:r>
-              <a:rPr lang="en-US" sz="1200" dirty="0" smtClean="0"/>
-              <a:t>This will actually pass the state data from the store to the view as a prop. Hence the Customer component can now access the state data from Customer Store </a:t>
-            </a:r>
-            <a:r>
-              <a:rPr lang="en-US" sz="1200" dirty="0" err="1" smtClean="0"/>
-              <a:t>i.e</a:t>
-            </a:r>
-            <a:r>
-              <a:rPr lang="en-US" sz="1200" dirty="0" smtClean="0"/>
-              <a:t> customers from its prop.</a:t>
-            </a:r>
-          </a:p>
-          <a:p>
             <a:endParaRPr lang="en-US" dirty="0"/>
           </a:p>
         </p:txBody>
@@ -1643,7 +1591,7 @@
           <a:p>
             <a:fld id="{B1206FEA-4AFC-4465-8ABD-ECC3D411179B}" type="slidenum">
               <a:rPr lang="en-US" smtClean="0"/>
-              <a:t>25</a:t>
+              <a:t>24</a:t>
             </a:fld>
             <a:endParaRPr lang="en-US"/>
           </a:p>
@@ -1652,7 +1600,7 @@
     </p:spTree>
     <p:extLst>
       <p:ext uri="{BB962C8B-B14F-4D97-AF65-F5344CB8AC3E}">
-        <p14:creationId xmlns:p14="http://schemas.microsoft.com/office/powerpoint/2010/main" val="2010599516"/>
+        <p14:creationId xmlns:p14="http://schemas.microsoft.com/office/powerpoint/2010/main" val="3701715139"/>
       </p:ext>
     </p:extLst>
   </p:cSld>
@@ -1706,6 +1654,27 @@
           <a:bodyPr/>
           <a:lstStyle/>
           <a:p>
+            <a:endParaRPr lang="en-US" dirty="0" smtClean="0"/>
+          </a:p>
+          <a:p>
+            <a:r>
+              <a:rPr lang="en-US" sz="1200" dirty="0" smtClean="0"/>
+              <a:t>We need to pass the alt store’s state data to the view.</a:t>
+            </a:r>
+          </a:p>
+          <a:p>
+            <a:endParaRPr lang="en-US" sz="1200" dirty="0" smtClean="0"/>
+          </a:p>
+          <a:p>
+            <a:r>
+              <a:rPr lang="en-US" sz="1200" dirty="0" smtClean="0"/>
+              <a:t>Alt provides a built-in components that binds an specific store to the specific view. This is known as Component Container</a:t>
+            </a:r>
+          </a:p>
+          <a:p>
+            <a:endParaRPr lang="en-US" dirty="0" smtClean="0"/>
+          </a:p>
+          <a:p>
             <a:pPr marL="0" marR="0" indent="0" algn="l" defTabSz="914400" rtl="0" eaLnBrk="1" fontAlgn="auto" latinLnBrk="0" hangingPunct="1">
               <a:lnSpc>
                 <a:spcPct val="100000"/>
@@ -1725,7 +1694,15 @@
             </a:pPr>
             <a:r>
               <a:rPr lang="en-US" sz="1200" dirty="0" smtClean="0"/>
-              <a:t>Use the following code in Todos.js of component directory</a:t>
+              <a:t>This will actually pass the state data from the store to the view as a prop. Hence the Customer component can now access the state data from Customer Store </a:t>
+            </a:r>
+            <a:r>
+              <a:rPr lang="en-US" sz="1200" dirty="0" err="1" smtClean="0"/>
+              <a:t>i.e</a:t>
+            </a:r>
+            <a:r>
+              <a:rPr lang="en-US" sz="1200" dirty="0" smtClean="0"/>
+              <a:t> customers from its prop.</a:t>
             </a:r>
           </a:p>
           <a:p>
@@ -1773,7 +1750,7 @@
           <a:p>
             <a:fld id="{B1206FEA-4AFC-4465-8ABD-ECC3D411179B}" type="slidenum">
               <a:rPr lang="en-US" smtClean="0"/>
-              <a:t>26</a:t>
+              <a:t>25</a:t>
             </a:fld>
             <a:endParaRPr lang="en-US"/>
           </a:p>
@@ -1782,7 +1759,7 @@
     </p:spTree>
     <p:extLst>
       <p:ext uri="{BB962C8B-B14F-4D97-AF65-F5344CB8AC3E}">
-        <p14:creationId xmlns:p14="http://schemas.microsoft.com/office/powerpoint/2010/main" val="1555669338"/>
+        <p14:creationId xmlns:p14="http://schemas.microsoft.com/office/powerpoint/2010/main" val="2010599516"/>
       </p:ext>
     </p:extLst>
   </p:cSld>
@@ -1903,7 +1880,7 @@
           <a:p>
             <a:fld id="{B1206FEA-4AFC-4465-8ABD-ECC3D411179B}" type="slidenum">
               <a:rPr lang="en-US" smtClean="0"/>
-              <a:t>27</a:t>
+              <a:t>26</a:t>
             </a:fld>
             <a:endParaRPr lang="en-US"/>
           </a:p>
@@ -1912,7 +1889,7 @@
     </p:spTree>
     <p:extLst>
       <p:ext uri="{BB962C8B-B14F-4D97-AF65-F5344CB8AC3E}">
-        <p14:creationId xmlns:p14="http://schemas.microsoft.com/office/powerpoint/2010/main" val="3944715601"/>
+        <p14:creationId xmlns:p14="http://schemas.microsoft.com/office/powerpoint/2010/main" val="1555669338"/>
       </p:ext>
     </p:extLst>
   </p:cSld>
@@ -1985,36 +1962,8 @@
             </a:pPr>
             <a:r>
               <a:rPr lang="en-US" sz="1200" dirty="0" smtClean="0"/>
-              <a:t>Use</a:t>
-            </a:r>
-            <a:r>
-              <a:rPr lang="en-US" sz="1200" baseline="0" dirty="0" smtClean="0"/>
-              <a:t> the code in index.html</a:t>
-            </a:r>
-          </a:p>
-          <a:p>
-            <a:pPr marL="0" marR="0" indent="0" algn="l" defTabSz="914400" rtl="0" eaLnBrk="1" fontAlgn="auto" latinLnBrk="0" hangingPunct="1">
-              <a:lnSpc>
-                <a:spcPct val="100000"/>
-              </a:lnSpc>
-              <a:spcBef>
-                <a:spcPts val="0"/>
-              </a:spcBef>
-              <a:spcAft>
-                <a:spcPts val="0"/>
-              </a:spcAft>
-              <a:buClrTx/>
-              <a:buSzTx/>
-              <a:buFontTx/>
-              <a:buNone/>
-              <a:tabLst/>
-              <a:defRPr/>
-            </a:pPr>
-            <a:r>
-              <a:rPr lang="en-US" sz="1200" baseline="0" dirty="0" smtClean="0"/>
-              <a:t>And in app.js</a:t>
-            </a:r>
-            <a:endParaRPr lang="en-US" sz="1200" dirty="0" smtClean="0"/>
+              <a:t>Use the following code in Todos.js of component directory</a:t>
+            </a:r>
           </a:p>
           <a:p>
             <a:endParaRPr lang="en-US" dirty="0"/>
@@ -2061,7 +2010,7 @@
           <a:p>
             <a:fld id="{B1206FEA-4AFC-4465-8ABD-ECC3D411179B}" type="slidenum">
               <a:rPr lang="en-US" smtClean="0"/>
-              <a:t>28</a:t>
+              <a:t>27</a:t>
             </a:fld>
             <a:endParaRPr lang="en-US"/>
           </a:p>
@@ -2070,7 +2019,7 @@
     </p:spTree>
     <p:extLst>
       <p:ext uri="{BB962C8B-B14F-4D97-AF65-F5344CB8AC3E}">
-        <p14:creationId xmlns:p14="http://schemas.microsoft.com/office/powerpoint/2010/main" val="2837921313"/>
+        <p14:creationId xmlns:p14="http://schemas.microsoft.com/office/powerpoint/2010/main" val="3944715601"/>
       </p:ext>
     </p:extLst>
   </p:cSld>
@@ -2124,54 +2073,55 @@
           <a:bodyPr/>
           <a:lstStyle/>
           <a:p>
-            <a:r>
-              <a:rPr lang="en-US" dirty="0" smtClean="0"/>
-              <a:t>So far we use just the </a:t>
-            </a:r>
-            <a:r>
-              <a:rPr lang="en-US" dirty="0" err="1" smtClean="0"/>
-              <a:t>jsx</a:t>
-            </a:r>
-            <a:r>
-              <a:rPr lang="en-US" dirty="0" smtClean="0"/>
-              <a:t> syntax in our component and also used the ES6 features in the stores.</a:t>
-            </a:r>
-          </a:p>
-          <a:p>
-            <a:r>
-              <a:rPr lang="en-US" dirty="0" smtClean="0"/>
-              <a:t>Browser don’t knows the </a:t>
-            </a:r>
-            <a:r>
-              <a:rPr lang="en-US" dirty="0" err="1" smtClean="0"/>
-              <a:t>jsx</a:t>
-            </a:r>
-            <a:r>
-              <a:rPr lang="en-US" dirty="0" smtClean="0"/>
-              <a:t> syntax in </a:t>
-            </a:r>
-            <a:r>
-              <a:rPr lang="en-US" dirty="0" err="1" smtClean="0"/>
-              <a:t>javascript</a:t>
-            </a:r>
-            <a:r>
-              <a:rPr lang="en-US" dirty="0" smtClean="0"/>
-              <a:t> so we need some transformer utility that transform this syntax to plain script for browser to digest.</a:t>
-            </a:r>
-          </a:p>
-          <a:p>
-            <a:r>
-              <a:rPr lang="en-US" dirty="0" smtClean="0"/>
-              <a:t>Babel.js done this job pretty well this can be use directly by linking its script file or using </a:t>
-            </a:r>
-            <a:r>
-              <a:rPr lang="en-US" dirty="0" err="1" smtClean="0"/>
-              <a:t>npm</a:t>
-            </a:r>
-            <a:r>
-              <a:rPr lang="en-US" dirty="0" smtClean="0"/>
-              <a:t>. </a:t>
-            </a:r>
+            <a:pPr marL="0" marR="0" indent="0" algn="l" defTabSz="914400" rtl="0" eaLnBrk="1" fontAlgn="auto" latinLnBrk="0" hangingPunct="1">
+              <a:lnSpc>
+                <a:spcPct val="100000"/>
+              </a:lnSpc>
+              <a:spcBef>
+                <a:spcPts val="0"/>
+              </a:spcBef>
+              <a:spcAft>
+                <a:spcPts val="0"/>
+              </a:spcAft>
+              <a:buClrTx/>
+              <a:buSzTx/>
+              <a:buFontTx/>
+              <a:buNone/>
+              <a:tabLst/>
+              <a:defRPr/>
+            </a:pPr>
+            <a:r>
+              <a:rPr lang="en-US" sz="1200" dirty="0" smtClean="0"/>
+              <a:t>Use</a:t>
+            </a:r>
+            <a:r>
+              <a:rPr lang="en-US" sz="1200" baseline="0" dirty="0" smtClean="0"/>
+              <a:t> the code in index.html</a:t>
+            </a:r>
+          </a:p>
+          <a:p>
+            <a:pPr marL="0" marR="0" indent="0" algn="l" defTabSz="914400" rtl="0" eaLnBrk="1" fontAlgn="auto" latinLnBrk="0" hangingPunct="1">
+              <a:lnSpc>
+                <a:spcPct val="100000"/>
+              </a:lnSpc>
+              <a:spcBef>
+                <a:spcPts val="0"/>
+              </a:spcBef>
+              <a:spcAft>
+                <a:spcPts val="0"/>
+              </a:spcAft>
+              <a:buClrTx/>
+              <a:buSzTx/>
+              <a:buFontTx/>
+              <a:buNone/>
+              <a:tabLst/>
+              <a:defRPr/>
+            </a:pPr>
+            <a:r>
+              <a:rPr lang="en-US" sz="1200" baseline="0" dirty="0" smtClean="0"/>
+              <a:t>And in app.js</a:t>
+            </a:r>
+            <a:endParaRPr lang="en-US" sz="1200" dirty="0" smtClean="0"/>
           </a:p>
           <a:p>
             <a:endParaRPr lang="en-US" dirty="0"/>
@@ -2218,7 +2168,7 @@
           <a:p>
             <a:fld id="{B1206FEA-4AFC-4465-8ABD-ECC3D411179B}" type="slidenum">
               <a:rPr lang="en-US" smtClean="0"/>
-              <a:t>29</a:t>
+              <a:t>28</a:t>
             </a:fld>
             <a:endParaRPr lang="en-US"/>
           </a:p>
@@ -2227,7 +2177,7 @@
     </p:spTree>
     <p:extLst>
       <p:ext uri="{BB962C8B-B14F-4D97-AF65-F5344CB8AC3E}">
-        <p14:creationId xmlns:p14="http://schemas.microsoft.com/office/powerpoint/2010/main" val="3969333674"/>
+        <p14:creationId xmlns:p14="http://schemas.microsoft.com/office/powerpoint/2010/main" val="2837921313"/>
       </p:ext>
     </p:extLst>
   </p:cSld>
@@ -2452,51 +2402,52 @@
           <a:p>
             <a:r>
               <a:rPr lang="en-US" dirty="0" smtClean="0"/>
-              <a:t>So far we use just the require</a:t>
-            </a:r>
-            <a:r>
-              <a:rPr lang="en-US" baseline="0" dirty="0" smtClean="0"/>
-              <a:t> method of Node but we are actually making the client app</a:t>
-            </a:r>
-          </a:p>
-          <a:p>
-            <a:endParaRPr lang="en-US" baseline="0" dirty="0" smtClean="0"/>
-          </a:p>
-          <a:p>
-            <a:r>
-              <a:rPr lang="en-US" baseline="0" dirty="0" err="1" smtClean="0"/>
-              <a:t>Browserify</a:t>
-            </a:r>
-            <a:r>
-              <a:rPr lang="en-US" baseline="0" dirty="0" smtClean="0"/>
-              <a:t> will let us able to use the node style code and bundles it up into on </a:t>
-            </a:r>
-            <a:r>
-              <a:rPr lang="en-US" baseline="0" dirty="0" err="1" smtClean="0"/>
-              <a:t>js</a:t>
-            </a:r>
-            <a:r>
-              <a:rPr lang="en-US" baseline="0" dirty="0" smtClean="0"/>
-              <a:t> file</a:t>
-            </a:r>
-          </a:p>
-          <a:p>
-            <a:endParaRPr lang="en-US" baseline="0" dirty="0" smtClean="0"/>
-          </a:p>
-          <a:p>
-            <a:r>
-              <a:rPr lang="en-US" baseline="0" dirty="0" smtClean="0"/>
-              <a:t>So we can use the </a:t>
-            </a:r>
-            <a:r>
-              <a:rPr lang="en-US" baseline="0" dirty="0" err="1" smtClean="0"/>
+              <a:t>So far we use just the </a:t>
+            </a:r>
+            <a:r>
+              <a:rPr lang="en-US" dirty="0" err="1" smtClean="0"/>
+              <a:t>jsx</a:t>
+            </a:r>
+            <a:r>
+              <a:rPr lang="en-US" dirty="0" smtClean="0"/>
+              <a:t> syntax in our component and also used the ES6 features in the stores.</a:t>
+            </a:r>
+          </a:p>
+          <a:p>
+            <a:r>
+              <a:rPr lang="en-US" dirty="0" smtClean="0"/>
+              <a:t>Browser don’t knows the </a:t>
+            </a:r>
+            <a:r>
+              <a:rPr lang="en-US" dirty="0" err="1" smtClean="0"/>
+              <a:t>jsx</a:t>
+            </a:r>
+            <a:r>
+              <a:rPr lang="en-US" dirty="0" smtClean="0"/>
+              <a:t> syntax in </a:t>
+            </a:r>
+            <a:r>
+              <a:rPr lang="en-US" dirty="0" err="1" smtClean="0"/>
+              <a:t>javascript</a:t>
+            </a:r>
+            <a:r>
+              <a:rPr lang="en-US" dirty="0" smtClean="0"/>
+              <a:t> so we need some transformer utility that transform this syntax to plain script for browser to digest.</a:t>
+            </a:r>
+          </a:p>
+          <a:p>
+            <a:r>
+              <a:rPr lang="en-US" dirty="0" smtClean="0"/>
+              <a:t>Babel.js done this job pretty well this can be use directly by linking its script file or using </a:t>
+            </a:r>
+            <a:r>
+              <a:rPr lang="en-US" dirty="0" err="1" smtClean="0"/>
               <a:t>npm</a:t>
             </a:r>
             <a:r>
-              <a:rPr lang="en-US" baseline="0" dirty="0" smtClean="0"/>
-              <a:t> packages and modular approach for client code designing as well</a:t>
-            </a:r>
-            <a:endParaRPr lang="en-US" dirty="0" smtClean="0"/>
+              <a:rPr lang="en-US" dirty="0" smtClean="0"/>
+              <a:t>. </a:t>
+            </a:r>
           </a:p>
           <a:p>
             <a:endParaRPr lang="en-US" dirty="0"/>
@@ -2543,7 +2494,7 @@
           <a:p>
             <a:fld id="{B1206FEA-4AFC-4465-8ABD-ECC3D411179B}" type="slidenum">
               <a:rPr lang="en-US" smtClean="0"/>
-              <a:t>30</a:t>
+              <a:t>29</a:t>
             </a:fld>
             <a:endParaRPr lang="en-US"/>
           </a:p>
@@ -2552,7 +2503,7 @@
     </p:spTree>
     <p:extLst>
       <p:ext uri="{BB962C8B-B14F-4D97-AF65-F5344CB8AC3E}">
-        <p14:creationId xmlns:p14="http://schemas.microsoft.com/office/powerpoint/2010/main" val="2079015888"/>
+        <p14:creationId xmlns:p14="http://schemas.microsoft.com/office/powerpoint/2010/main" val="3969333674"/>
       </p:ext>
     </p:extLst>
   </p:cSld>
@@ -2607,42 +2558,54 @@
           <a:lstStyle/>
           <a:p>
             <a:r>
-              <a:rPr lang="en-US" sz="1200" dirty="0" smtClean="0"/>
-              <a:t>Put the following configuration in </a:t>
-            </a:r>
-            <a:r>
-              <a:rPr lang="en-US" sz="1200" dirty="0" err="1" smtClean="0"/>
-              <a:t>package.json</a:t>
-            </a:r>
-            <a:r>
-              <a:rPr lang="en-US" sz="1200" dirty="0" smtClean="0"/>
-              <a:t> which contains all the required dependencies. </a:t>
-            </a:r>
-          </a:p>
-          <a:p>
-            <a:endParaRPr lang="en-US" sz="1200" dirty="0" smtClean="0"/>
-          </a:p>
-          <a:p>
-            <a:r>
-              <a:rPr lang="en-US" sz="1200" dirty="0" smtClean="0"/>
-              <a:t>Then use the commands “</a:t>
-            </a:r>
-            <a:r>
-              <a:rPr lang="en-US" sz="1200" dirty="0" err="1" smtClean="0"/>
+              <a:rPr lang="en-US" dirty="0" smtClean="0"/>
+              <a:t>So far we use just the require</a:t>
+            </a:r>
+            <a:r>
+              <a:rPr lang="en-US" baseline="0" dirty="0" smtClean="0"/>
+              <a:t> method of Node but we are actually making the client app</a:t>
+            </a:r>
+          </a:p>
+          <a:p>
+            <a:endParaRPr lang="en-US" baseline="0" dirty="0" smtClean="0"/>
+          </a:p>
+          <a:p>
+            <a:r>
+              <a:rPr lang="en-US" baseline="0" dirty="0" err="1" smtClean="0"/>
+              <a:t>Browserify</a:t>
+            </a:r>
+            <a:r>
+              <a:rPr lang="en-US" baseline="0" dirty="0" smtClean="0"/>
+              <a:t> will let us able to use the node style code and bundles it up into on </a:t>
+            </a:r>
+            <a:r>
+              <a:rPr lang="en-US" baseline="0" dirty="0" err="1" smtClean="0"/>
+              <a:t>js</a:t>
+            </a:r>
+            <a:r>
+              <a:rPr lang="en-US" baseline="0" dirty="0" smtClean="0"/>
+              <a:t> file</a:t>
+            </a:r>
+          </a:p>
+          <a:p>
+            <a:endParaRPr lang="en-US" baseline="0" dirty="0" smtClean="0"/>
+          </a:p>
+          <a:p>
+            <a:r>
+              <a:rPr lang="en-US" baseline="0" dirty="0" smtClean="0"/>
+              <a:t>So we can use the </a:t>
+            </a:r>
+            <a:r>
+              <a:rPr lang="en-US" baseline="0" dirty="0" err="1" smtClean="0"/>
               <a:t>npm</a:t>
             </a:r>
             <a:r>
-              <a:rPr lang="en-US" sz="1200" dirty="0" smtClean="0"/>
-              <a:t> install” and “</a:t>
-            </a:r>
-            <a:r>
-              <a:rPr lang="en-US" sz="1200" dirty="0" err="1" smtClean="0"/>
-              <a:t>npm</a:t>
-            </a:r>
-            <a:r>
-              <a:rPr lang="en-US" sz="1200" dirty="0" smtClean="0"/>
-              <a:t> run build” to install the required dependencies and build the code </a:t>
-            </a:r>
+              <a:rPr lang="en-US" baseline="0" dirty="0" smtClean="0"/>
+              <a:t> packages and modular approach for client code designing as well</a:t>
+            </a:r>
+            <a:endParaRPr lang="en-US" dirty="0" smtClean="0"/>
+          </a:p>
+          <a:p>
             <a:endParaRPr lang="en-US" dirty="0"/>
           </a:p>
         </p:txBody>
@@ -2687,7 +2650,7 @@
           <a:p>
             <a:fld id="{B1206FEA-4AFC-4465-8ABD-ECC3D411179B}" type="slidenum">
               <a:rPr lang="en-US" smtClean="0"/>
-              <a:t>31</a:t>
+              <a:t>30</a:t>
             </a:fld>
             <a:endParaRPr lang="en-US"/>
           </a:p>
@@ -2696,7 +2659,7 @@
     </p:spTree>
     <p:extLst>
       <p:ext uri="{BB962C8B-B14F-4D97-AF65-F5344CB8AC3E}">
-        <p14:creationId xmlns:p14="http://schemas.microsoft.com/office/powerpoint/2010/main" val="527664236"/>
+        <p14:creationId xmlns:p14="http://schemas.microsoft.com/office/powerpoint/2010/main" val="2079015888"/>
       </p:ext>
     </p:extLst>
   </p:cSld>
@@ -2752,38 +2715,40 @@
           <a:p>
             <a:r>
               <a:rPr lang="en-US" sz="1200" dirty="0" smtClean="0"/>
-              <a:t>To make the app SPA using hash routes we will use react-router</a:t>
-            </a:r>
-            <a:r>
-              <a:rPr lang="en-US" sz="1200" baseline="0" dirty="0" smtClean="0"/>
-              <a:t> component</a:t>
-            </a:r>
-          </a:p>
-          <a:p>
-            <a:r>
-              <a:rPr lang="en-US" dirty="0" smtClean="0"/>
-              <a:t>https://github.com/rackt/react-router</a:t>
-            </a:r>
-          </a:p>
-          <a:p>
-            <a:endParaRPr lang="en-US" dirty="0" smtClean="0"/>
-          </a:p>
-          <a:p>
-            <a:r>
-              <a:rPr lang="en-US" dirty="0" smtClean="0"/>
-              <a:t>Add</a:t>
-            </a:r>
-            <a:r>
-              <a:rPr lang="en-US" baseline="0" dirty="0" smtClean="0"/>
-              <a:t> react-router dependency and run “</a:t>
-            </a:r>
-            <a:r>
-              <a:rPr lang="en-US" baseline="0" dirty="0" err="1" smtClean="0"/>
+              <a:t>Put the following configuration in </a:t>
+            </a:r>
+            <a:r>
+              <a:rPr lang="en-US" sz="1200" dirty="0" err="1" smtClean="0"/>
+              <a:t>package.json</a:t>
+            </a:r>
+            <a:r>
+              <a:rPr lang="en-US" sz="1200" dirty="0" smtClean="0"/>
+              <a:t> which contains all the required dependencies. </a:t>
+            </a:r>
+          </a:p>
+          <a:p>
+            <a:endParaRPr lang="en-US" sz="1200" dirty="0" smtClean="0"/>
+          </a:p>
+          <a:p>
+            <a:r>
+              <a:rPr lang="en-US" sz="1200" dirty="0" smtClean="0"/>
+              <a:t>Then use the commands “</a:t>
+            </a:r>
+            <a:r>
+              <a:rPr lang="en-US" sz="1200" dirty="0" err="1" smtClean="0"/>
               <a:t>npm</a:t>
             </a:r>
             <a:r>
-              <a:rPr lang="en-US" baseline="0" dirty="0" smtClean="0"/>
-              <a:t> install” command</a:t>
+              <a:rPr lang="en-US" sz="1200" dirty="0" smtClean="0"/>
+              <a:t> install” and “</a:t>
+            </a:r>
+            <a:r>
+              <a:rPr lang="en-US" sz="1200" dirty="0" err="1" smtClean="0"/>
+              <a:t>npm</a:t>
+            </a:r>
+            <a:r>
+              <a:rPr lang="en-US" sz="1200" dirty="0" smtClean="0"/>
+              <a:t> run build” to install the required dependencies and build the code </a:t>
             </a:r>
             <a:endParaRPr lang="en-US" dirty="0"/>
           </a:p>
@@ -2829,7 +2794,7 @@
           <a:p>
             <a:fld id="{B1206FEA-4AFC-4465-8ABD-ECC3D411179B}" type="slidenum">
               <a:rPr lang="en-US" smtClean="0"/>
-              <a:t>33</a:t>
+              <a:t>31</a:t>
             </a:fld>
             <a:endParaRPr lang="en-US"/>
           </a:p>
@@ -2838,7 +2803,7 @@
     </p:spTree>
     <p:extLst>
       <p:ext uri="{BB962C8B-B14F-4D97-AF65-F5344CB8AC3E}">
-        <p14:creationId xmlns:p14="http://schemas.microsoft.com/office/powerpoint/2010/main" val="2039934366"/>
+        <p14:creationId xmlns:p14="http://schemas.microsoft.com/office/powerpoint/2010/main" val="527664236"/>
       </p:ext>
     </p:extLst>
   </p:cSld>
@@ -2971,7 +2936,7 @@
           <a:p>
             <a:fld id="{B1206FEA-4AFC-4465-8ABD-ECC3D411179B}" type="slidenum">
               <a:rPr lang="en-US" smtClean="0"/>
-              <a:t>34</a:t>
+              <a:t>33</a:t>
             </a:fld>
             <a:endParaRPr lang="en-US"/>
           </a:p>
@@ -2980,7 +2945,7 @@
     </p:spTree>
     <p:extLst>
       <p:ext uri="{BB962C8B-B14F-4D97-AF65-F5344CB8AC3E}">
-        <p14:creationId xmlns:p14="http://schemas.microsoft.com/office/powerpoint/2010/main" val="906655533"/>
+        <p14:creationId xmlns:p14="http://schemas.microsoft.com/office/powerpoint/2010/main" val="2039934366"/>
       </p:ext>
     </p:extLst>
   </p:cSld>
@@ -3113,6 +3078,148 @@
           <a:p>
             <a:fld id="{B1206FEA-4AFC-4465-8ABD-ECC3D411179B}" type="slidenum">
               <a:rPr lang="en-US" smtClean="0"/>
+              <a:t>34</a:t>
+            </a:fld>
+            <a:endParaRPr lang="en-US"/>
+          </a:p>
+        </p:txBody>
+      </p:sp>
+    </p:spTree>
+    <p:extLst>
+      <p:ext uri="{BB962C8B-B14F-4D97-AF65-F5344CB8AC3E}">
+        <p14:creationId xmlns:p14="http://schemas.microsoft.com/office/powerpoint/2010/main" val="906655533"/>
+      </p:ext>
+    </p:extLst>
+  </p:cSld>
+  <p:clrMapOvr>
+    <a:masterClrMapping/>
+  </p:clrMapOvr>
+</p:notes>
+</file>
+
+<file path=ppt/notesSlides/notesSlide25.xml><?xml version="1.0" encoding="utf-8"?>
+<p:notes xmlns:a="http://schemas.openxmlformats.org/drawingml/2006/main" xmlns:r="http://schemas.openxmlformats.org/officeDocument/2006/relationships" xmlns:p="http://schemas.openxmlformats.org/presentationml/2006/main">
+  <p:cSld>
+    <p:spTree>
+      <p:nvGrpSpPr>
+        <p:cNvPr id="1" name=""/>
+        <p:cNvGrpSpPr/>
+        <p:nvPr/>
+      </p:nvGrpSpPr>
+      <p:grpSpPr>
+        <a:xfrm>
+          <a:off x="0" y="0"/>
+          <a:ext cx="0" cy="0"/>
+          <a:chOff x="0" y="0"/>
+          <a:chExt cx="0" cy="0"/>
+        </a:xfrm>
+      </p:grpSpPr>
+      <p:sp>
+        <p:nvSpPr>
+          <p:cNvPr id="2" name="Slide Image Placeholder 1"/>
+          <p:cNvSpPr>
+            <a:spLocks noGrp="1" noRot="1" noChangeAspect="1"/>
+          </p:cNvSpPr>
+          <p:nvPr>
+            <p:ph type="sldImg"/>
+          </p:nvPr>
+        </p:nvSpPr>
+        <p:spPr/>
+      </p:sp>
+      <p:sp>
+        <p:nvSpPr>
+          <p:cNvPr id="3" name="Notes Placeholder 2"/>
+          <p:cNvSpPr>
+            <a:spLocks noGrp="1"/>
+          </p:cNvSpPr>
+          <p:nvPr>
+            <p:ph type="body" idx="1"/>
+          </p:nvPr>
+        </p:nvSpPr>
+        <p:spPr/>
+        <p:txBody>
+          <a:bodyPr/>
+          <a:lstStyle/>
+          <a:p>
+            <a:r>
+              <a:rPr lang="en-US" sz="1200" dirty="0" smtClean="0"/>
+              <a:t>To make the app SPA using hash routes we will use react-router</a:t>
+            </a:r>
+            <a:r>
+              <a:rPr lang="en-US" sz="1200" baseline="0" dirty="0" smtClean="0"/>
+              <a:t> component</a:t>
+            </a:r>
+          </a:p>
+          <a:p>
+            <a:r>
+              <a:rPr lang="en-US" dirty="0" smtClean="0"/>
+              <a:t>https://github.com/rackt/react-router</a:t>
+            </a:r>
+          </a:p>
+          <a:p>
+            <a:endParaRPr lang="en-US" dirty="0" smtClean="0"/>
+          </a:p>
+          <a:p>
+            <a:r>
+              <a:rPr lang="en-US" dirty="0" smtClean="0"/>
+              <a:t>Add</a:t>
+            </a:r>
+            <a:r>
+              <a:rPr lang="en-US" baseline="0" dirty="0" smtClean="0"/>
+              <a:t> react-router dependency and run “</a:t>
+            </a:r>
+            <a:r>
+              <a:rPr lang="en-US" baseline="0" dirty="0" err="1" smtClean="0"/>
+              <a:t>npm</a:t>
+            </a:r>
+            <a:r>
+              <a:rPr lang="en-US" baseline="0" dirty="0" smtClean="0"/>
+              <a:t> install” command</a:t>
+            </a:r>
+            <a:endParaRPr lang="en-US" dirty="0"/>
+          </a:p>
+        </p:txBody>
+      </p:sp>
+      <p:sp>
+        <p:nvSpPr>
+          <p:cNvPr id="4" name="Header Placeholder 3"/>
+          <p:cNvSpPr>
+            <a:spLocks noGrp="1"/>
+          </p:cNvSpPr>
+          <p:nvPr>
+            <p:ph type="hdr" sz="quarter" idx="10"/>
+          </p:nvPr>
+        </p:nvSpPr>
+        <p:spPr/>
+        <p:txBody>
+          <a:bodyPr/>
+          <a:lstStyle/>
+          <a:p>
+            <a:r>
+              <a:rPr lang="en-US" smtClean="0"/>
+              <a:t>TEST</a:t>
+            </a:r>
+            <a:endParaRPr lang="en-US"/>
+          </a:p>
+        </p:txBody>
+      </p:sp>
+      <p:sp>
+        <p:nvSpPr>
+          <p:cNvPr id="5" name="Slide Number Placeholder 4"/>
+          <p:cNvSpPr>
+            <a:spLocks noGrp="1"/>
+          </p:cNvSpPr>
+          <p:nvPr>
+            <p:ph type="sldNum" sz="quarter" idx="11"/>
+          </p:nvPr>
+        </p:nvSpPr>
+        <p:spPr/>
+        <p:txBody>
+          <a:bodyPr/>
+          <a:lstStyle/>
+          <a:p>
+            <a:fld id="{B1206FEA-4AFC-4465-8ABD-ECC3D411179B}" type="slidenum">
+              <a:rPr lang="en-US" smtClean="0"/>
               <a:t>35</a:t>
             </a:fld>
             <a:endParaRPr lang="en-US"/>
@@ -3132,7 +3239,7 @@
 </p:notes>
 </file>
 
-<file path=ppt/notesSlides/notesSlide25.xml><?xml version="1.0" encoding="utf-8"?>
+<file path=ppt/notesSlides/notesSlide26.xml><?xml version="1.0" encoding="utf-8"?>
 <p:notes xmlns:a="http://schemas.openxmlformats.org/drawingml/2006/main" xmlns:r="http://schemas.openxmlformats.org/officeDocument/2006/relationships" xmlns:p="http://schemas.openxmlformats.org/presentationml/2006/main">
   <p:cSld>
     <p:spTree>
@@ -3949,15 +4056,7 @@
           <a:p>
             <a:r>
               <a:rPr lang="en-US" dirty="0" smtClean="0"/>
-              <a:t>In which all our </a:t>
-            </a:r>
-            <a:r>
-              <a:rPr lang="en-US" dirty="0" err="1" smtClean="0"/>
-              <a:t>Js</a:t>
-            </a:r>
-            <a:r>
-              <a:rPr lang="en-US" dirty="0" smtClean="0"/>
-              <a:t> code resides in the </a:t>
+              <a:t>In which all our Js code resides in the </a:t>
             </a:r>
             <a:r>
               <a:rPr lang="en-US" dirty="0" err="1" smtClean="0"/>
@@ -4335,7 +4434,7 @@
           <a:p>
             <a:fld id="{303EB834-E7B8-409E-81B9-982E8459DCCC}" type="datetime1">
               <a:rPr lang="en-US" smtClean="0"/>
-              <a:t>12/31/2015</a:t>
+              <a:t>1/1/2016</a:t>
             </a:fld>
             <a:endParaRPr lang="en-US"/>
           </a:p>
@@ -4505,7 +4604,7 @@
           <a:p>
             <a:fld id="{F19D2895-FC19-48B1-B748-C2413DEA71C1}" type="datetime1">
               <a:rPr lang="en-US" smtClean="0"/>
-              <a:t>12/31/2015</a:t>
+              <a:t>1/1/2016</a:t>
             </a:fld>
             <a:endParaRPr lang="en-US"/>
           </a:p>
@@ -4685,7 +4784,7 @@
           <a:p>
             <a:fld id="{96A00C3C-F0B8-47F0-94A4-AC32EEBC5F82}" type="datetime1">
               <a:rPr lang="en-US" smtClean="0"/>
-              <a:t>12/31/2015</a:t>
+              <a:t>1/1/2016</a:t>
             </a:fld>
             <a:endParaRPr lang="en-US"/>
           </a:p>
@@ -5468,7 +5567,7 @@
           <a:p>
             <a:fld id="{303EB834-E7B8-409E-81B9-982E8459DCCC}" type="datetime1">
               <a:rPr lang="en-US" smtClean="0"/>
-              <a:t>12/31/2015</a:t>
+              <a:t>1/1/2016</a:t>
             </a:fld>
             <a:endParaRPr lang="en-US"/>
           </a:p>
@@ -5644,7 +5743,7 @@
           <a:p>
             <a:fld id="{06D12459-9C40-4044-BF33-9A5B25D48414}" type="datetime1">
               <a:rPr lang="en-US" smtClean="0"/>
-              <a:t>12/31/2015</a:t>
+              <a:t>1/1/2016</a:t>
             </a:fld>
             <a:endParaRPr lang="en-US"/>
           </a:p>
@@ -5891,7 +5990,7 @@
           <a:p>
             <a:fld id="{2E08FAB6-119E-4576-8D09-082504E83A1B}" type="datetime1">
               <a:rPr lang="en-US" smtClean="0"/>
-              <a:t>12/31/2015</a:t>
+              <a:t>1/1/2016</a:t>
             </a:fld>
             <a:endParaRPr lang="en-US"/>
           </a:p>
@@ -6123,7 +6222,7 @@
           <a:p>
             <a:fld id="{539674DB-8137-4B07-9101-81EA67E66245}" type="datetime1">
               <a:rPr lang="en-US" smtClean="0"/>
-              <a:t>12/31/2015</a:t>
+              <a:t>1/1/2016</a:t>
             </a:fld>
             <a:endParaRPr lang="en-US"/>
           </a:p>
@@ -6497,7 +6596,7 @@
           <a:p>
             <a:fld id="{E04C8895-3746-40DA-994F-BCAD26497945}" type="datetime1">
               <a:rPr lang="en-US" smtClean="0"/>
-              <a:t>12/31/2015</a:t>
+              <a:t>1/1/2016</a:t>
             </a:fld>
             <a:endParaRPr lang="en-US"/>
           </a:p>
@@ -6620,7 +6719,7 @@
           <a:p>
             <a:fld id="{475C878A-3BFB-4C42-913C-C7DB5AC5AA08}" type="datetime1">
               <a:rPr lang="en-US" smtClean="0"/>
-              <a:t>12/31/2015</a:t>
+              <a:t>1/1/2016</a:t>
             </a:fld>
             <a:endParaRPr lang="en-US"/>
           </a:p>
@@ -6715,7 +6814,7 @@
           <a:p>
             <a:fld id="{B1C4F552-6897-43BC-846A-656636E3EE1D}" type="datetime1">
               <a:rPr lang="en-US" smtClean="0"/>
-              <a:t>12/31/2015</a:t>
+              <a:t>1/1/2016</a:t>
             </a:fld>
             <a:endParaRPr lang="en-US"/>
           </a:p>
@@ -6970,7 +7069,7 @@
           <a:p>
             <a:fld id="{71A41344-2947-41F1-905A-FD4B8381B313}" type="datetime1">
               <a:rPr lang="en-US" smtClean="0"/>
-              <a:t>12/31/2015</a:t>
+              <a:t>1/1/2016</a:t>
             </a:fld>
             <a:endParaRPr lang="en-US"/>
           </a:p>
@@ -7140,7 +7239,7 @@
           <a:p>
             <a:fld id="{06D12459-9C40-4044-BF33-9A5B25D48414}" type="datetime1">
               <a:rPr lang="en-US" smtClean="0"/>
-              <a:t>12/31/2015</a:t>
+              <a:t>1/1/2016</a:t>
             </a:fld>
             <a:endParaRPr lang="en-US"/>
           </a:p>
@@ -7403,7 +7502,7 @@
           <a:p>
             <a:fld id="{4DC85097-E5CA-4C93-85D6-E09D69C5520C}" type="datetime1">
               <a:rPr lang="en-US" smtClean="0"/>
-              <a:t>12/31/2015</a:t>
+              <a:t>1/1/2016</a:t>
             </a:fld>
             <a:endParaRPr lang="en-US"/>
           </a:p>
@@ -7654,7 +7753,7 @@
           <a:p>
             <a:fld id="{B32A9C83-92CC-43F7-A504-00D1A2E6CB6D}" type="datetime1">
               <a:rPr lang="en-US" smtClean="0"/>
-              <a:t>12/31/2015</a:t>
+              <a:t>1/1/2016</a:t>
             </a:fld>
             <a:endParaRPr lang="en-US"/>
           </a:p>
@@ -7969,7 +8068,7 @@
           <a:p>
             <a:fld id="{B32A9C83-92CC-43F7-A504-00D1A2E6CB6D}" type="datetime1">
               <a:rPr lang="en-US" smtClean="0"/>
-              <a:t>12/31/2015</a:t>
+              <a:t>1/1/2016</a:t>
             </a:fld>
             <a:endParaRPr lang="en-US"/>
           </a:p>
@@ -8311,7 +8410,7 @@
           <a:p>
             <a:fld id="{B32A9C83-92CC-43F7-A504-00D1A2E6CB6D}" type="datetime1">
               <a:rPr lang="en-US" smtClean="0"/>
-              <a:t>12/31/2015</a:t>
+              <a:t>1/1/2016</a:t>
             </a:fld>
             <a:endParaRPr lang="en-US"/>
           </a:p>
@@ -8626,7 +8725,7 @@
           <a:p>
             <a:fld id="{B32A9C83-92CC-43F7-A504-00D1A2E6CB6D}" type="datetime1">
               <a:rPr lang="en-US" smtClean="0"/>
-              <a:t>12/31/2015</a:t>
+              <a:t>1/1/2016</a:t>
             </a:fld>
             <a:endParaRPr lang="en-US"/>
           </a:p>
@@ -9020,7 +9119,7 @@
           <a:p>
             <a:fld id="{B32A9C83-92CC-43F7-A504-00D1A2E6CB6D}" type="datetime1">
               <a:rPr lang="en-US" smtClean="0"/>
-              <a:t>12/31/2015</a:t>
+              <a:t>1/1/2016</a:t>
             </a:fld>
             <a:endParaRPr lang="en-US"/>
           </a:p>
@@ -9191,7 +9290,7 @@
           <a:p>
             <a:fld id="{F19D2895-FC19-48B1-B748-C2413DEA71C1}" type="datetime1">
               <a:rPr lang="en-US" smtClean="0"/>
-              <a:t>12/31/2015</a:t>
+              <a:t>1/1/2016</a:t>
             </a:fld>
             <a:endParaRPr lang="en-US"/>
           </a:p>
@@ -9371,7 +9470,7 @@
           <a:p>
             <a:fld id="{96A00C3C-F0B8-47F0-94A4-AC32EEBC5F82}" type="datetime1">
               <a:rPr lang="en-US" smtClean="0"/>
-              <a:t>12/31/2015</a:t>
+              <a:t>1/1/2016</a:t>
             </a:fld>
             <a:endParaRPr lang="en-US"/>
           </a:p>
@@ -10154,7 +10253,7 @@
           <a:p>
             <a:fld id="{303EB834-E7B8-409E-81B9-982E8459DCCC}" type="datetime1">
               <a:rPr lang="en-US" smtClean="0"/>
-              <a:t>12/31/2015</a:t>
+              <a:t>1/1/2016</a:t>
             </a:fld>
             <a:endParaRPr lang="en-US"/>
           </a:p>
@@ -10330,7 +10429,7 @@
           <a:p>
             <a:fld id="{06D12459-9C40-4044-BF33-9A5B25D48414}" type="datetime1">
               <a:rPr lang="en-US" smtClean="0"/>
-              <a:t>12/31/2015</a:t>
+              <a:t>1/1/2016</a:t>
             </a:fld>
             <a:endParaRPr lang="en-US"/>
           </a:p>
@@ -10576,7 +10675,7 @@
           <a:p>
             <a:fld id="{2E08FAB6-119E-4576-8D09-082504E83A1B}" type="datetime1">
               <a:rPr lang="en-US" smtClean="0"/>
-              <a:t>12/31/2015</a:t>
+              <a:t>1/1/2016</a:t>
             </a:fld>
             <a:endParaRPr lang="en-US"/>
           </a:p>
@@ -10823,7 +10922,7 @@
           <a:p>
             <a:fld id="{2E08FAB6-119E-4576-8D09-082504E83A1B}" type="datetime1">
               <a:rPr lang="en-US" smtClean="0"/>
-              <a:t>12/31/2015</a:t>
+              <a:t>1/1/2016</a:t>
             </a:fld>
             <a:endParaRPr lang="en-US"/>
           </a:p>
@@ -11055,7 +11154,7 @@
           <a:p>
             <a:fld id="{539674DB-8137-4B07-9101-81EA67E66245}" type="datetime1">
               <a:rPr lang="en-US" smtClean="0"/>
-              <a:t>12/31/2015</a:t>
+              <a:t>1/1/2016</a:t>
             </a:fld>
             <a:endParaRPr lang="en-US"/>
           </a:p>
@@ -11429,7 +11528,7 @@
           <a:p>
             <a:fld id="{E04C8895-3746-40DA-994F-BCAD26497945}" type="datetime1">
               <a:rPr lang="en-US" smtClean="0"/>
-              <a:t>12/31/2015</a:t>
+              <a:t>1/1/2016</a:t>
             </a:fld>
             <a:endParaRPr lang="en-US"/>
           </a:p>
@@ -11552,7 +11651,7 @@
           <a:p>
             <a:fld id="{475C878A-3BFB-4C42-913C-C7DB5AC5AA08}" type="datetime1">
               <a:rPr lang="en-US" smtClean="0"/>
-              <a:t>12/31/2015</a:t>
+              <a:t>1/1/2016</a:t>
             </a:fld>
             <a:endParaRPr lang="en-US"/>
           </a:p>
@@ -11647,7 +11746,7 @@
           <a:p>
             <a:fld id="{B1C4F552-6897-43BC-846A-656636E3EE1D}" type="datetime1">
               <a:rPr lang="en-US" smtClean="0"/>
-              <a:t>12/31/2015</a:t>
+              <a:t>1/1/2016</a:t>
             </a:fld>
             <a:endParaRPr lang="en-US"/>
           </a:p>
@@ -11902,7 +12001,7 @@
           <a:p>
             <a:fld id="{71A41344-2947-41F1-905A-FD4B8381B313}" type="datetime1">
               <a:rPr lang="en-US" smtClean="0"/>
-              <a:t>12/31/2015</a:t>
+              <a:t>1/1/2016</a:t>
             </a:fld>
             <a:endParaRPr lang="en-US"/>
           </a:p>
@@ -12165,7 +12264,7 @@
           <a:p>
             <a:fld id="{4DC85097-E5CA-4C93-85D6-E09D69C5520C}" type="datetime1">
               <a:rPr lang="en-US" smtClean="0"/>
-              <a:t>12/31/2015</a:t>
+              <a:t>1/1/2016</a:t>
             </a:fld>
             <a:endParaRPr lang="en-US"/>
           </a:p>
@@ -12416,7 +12515,7 @@
           <a:p>
             <a:fld id="{B32A9C83-92CC-43F7-A504-00D1A2E6CB6D}" type="datetime1">
               <a:rPr lang="en-US" smtClean="0"/>
-              <a:t>12/31/2015</a:t>
+              <a:t>1/1/2016</a:t>
             </a:fld>
             <a:endParaRPr lang="en-US"/>
           </a:p>
@@ -12731,7 +12830,7 @@
           <a:p>
             <a:fld id="{B32A9C83-92CC-43F7-A504-00D1A2E6CB6D}" type="datetime1">
               <a:rPr lang="en-US" smtClean="0"/>
-              <a:t>12/31/2015</a:t>
+              <a:t>1/1/2016</a:t>
             </a:fld>
             <a:endParaRPr lang="en-US"/>
           </a:p>
@@ -13073,7 +13172,7 @@
           <a:p>
             <a:fld id="{B32A9C83-92CC-43F7-A504-00D1A2E6CB6D}" type="datetime1">
               <a:rPr lang="en-US" smtClean="0"/>
-              <a:t>12/31/2015</a:t>
+              <a:t>1/1/2016</a:t>
             </a:fld>
             <a:endParaRPr lang="en-US"/>
           </a:p>
@@ -13306,7 +13405,7 @@
           <a:p>
             <a:fld id="{539674DB-8137-4B07-9101-81EA67E66245}" type="datetime1">
               <a:rPr lang="en-US" smtClean="0"/>
-              <a:t>12/31/2015</a:t>
+              <a:t>1/1/2016</a:t>
             </a:fld>
             <a:endParaRPr lang="en-US"/>
           </a:p>
@@ -13620,7 +13719,7 @@
           <a:p>
             <a:fld id="{B32A9C83-92CC-43F7-A504-00D1A2E6CB6D}" type="datetime1">
               <a:rPr lang="en-US" smtClean="0"/>
-              <a:t>12/31/2015</a:t>
+              <a:t>1/1/2016</a:t>
             </a:fld>
             <a:endParaRPr lang="en-US"/>
           </a:p>
@@ -14014,7 +14113,7 @@
           <a:p>
             <a:fld id="{B32A9C83-92CC-43F7-A504-00D1A2E6CB6D}" type="datetime1">
               <a:rPr lang="en-US" smtClean="0"/>
-              <a:t>12/31/2015</a:t>
+              <a:t>1/1/2016</a:t>
             </a:fld>
             <a:endParaRPr lang="en-US"/>
           </a:p>
@@ -14185,7 +14284,7 @@
           <a:p>
             <a:fld id="{F19D2895-FC19-48B1-B748-C2413DEA71C1}" type="datetime1">
               <a:rPr lang="en-US" smtClean="0"/>
-              <a:t>12/31/2015</a:t>
+              <a:t>1/1/2016</a:t>
             </a:fld>
             <a:endParaRPr lang="en-US"/>
           </a:p>
@@ -14365,7 +14464,7 @@
           <a:p>
             <a:fld id="{96A00C3C-F0B8-47F0-94A4-AC32EEBC5F82}" type="datetime1">
               <a:rPr lang="en-US" smtClean="0"/>
-              <a:t>12/31/2015</a:t>
+              <a:t>1/1/2016</a:t>
             </a:fld>
             <a:endParaRPr lang="en-US"/>
           </a:p>
@@ -14732,7 +14831,7 @@
           <a:p>
             <a:fld id="{E04C8895-3746-40DA-994F-BCAD26497945}" type="datetime1">
               <a:rPr lang="en-US" smtClean="0"/>
-              <a:t>12/31/2015</a:t>
+              <a:t>1/1/2016</a:t>
             </a:fld>
             <a:endParaRPr lang="en-US"/>
           </a:p>
@@ -14850,7 +14949,7 @@
           <a:p>
             <a:fld id="{475C878A-3BFB-4C42-913C-C7DB5AC5AA08}" type="datetime1">
               <a:rPr lang="en-US" smtClean="0"/>
-              <a:t>12/31/2015</a:t>
+              <a:t>1/1/2016</a:t>
             </a:fld>
             <a:endParaRPr lang="en-US"/>
           </a:p>
@@ -14945,7 +15044,7 @@
           <a:p>
             <a:fld id="{B1C4F552-6897-43BC-846A-656636E3EE1D}" type="datetime1">
               <a:rPr lang="en-US" smtClean="0"/>
-              <a:t>12/31/2015</a:t>
+              <a:t>1/1/2016</a:t>
             </a:fld>
             <a:endParaRPr lang="en-US"/>
           </a:p>
@@ -15222,7 +15321,7 @@
           <a:p>
             <a:fld id="{71A41344-2947-41F1-905A-FD4B8381B313}" type="datetime1">
               <a:rPr lang="en-US" smtClean="0"/>
-              <a:t>12/31/2015</a:t>
+              <a:t>1/1/2016</a:t>
             </a:fld>
             <a:endParaRPr lang="en-US"/>
           </a:p>
@@ -15475,7 +15574,7 @@
           <a:p>
             <a:fld id="{4DC85097-E5CA-4C93-85D6-E09D69C5520C}" type="datetime1">
               <a:rPr lang="en-US" smtClean="0"/>
-              <a:t>12/31/2015</a:t>
+              <a:t>1/1/2016</a:t>
             </a:fld>
             <a:endParaRPr lang="en-US"/>
           </a:p>
@@ -15688,7 +15787,7 @@
           <a:p>
             <a:fld id="{B32A9C83-92CC-43F7-A504-00D1A2E6CB6D}" type="datetime1">
               <a:rPr lang="en-US" smtClean="0"/>
-              <a:t>12/31/2015</a:t>
+              <a:t>1/1/2016</a:t>
             </a:fld>
             <a:endParaRPr lang="en-US"/>
           </a:p>
@@ -16759,7 +16858,7 @@
           <a:p>
             <a:fld id="{B32A9C83-92CC-43F7-A504-00D1A2E6CB6D}" type="datetime1">
               <a:rPr lang="en-US" smtClean="0"/>
-              <a:t>12/31/2015</a:t>
+              <a:t>1/1/2016</a:t>
             </a:fld>
             <a:endParaRPr lang="en-US"/>
           </a:p>
@@ -17949,7 +18048,7 @@
           <a:p>
             <a:fld id="{B32A9C83-92CC-43F7-A504-00D1A2E6CB6D}" type="datetime1">
               <a:rPr lang="en-US" smtClean="0"/>
-              <a:t>12/31/2015</a:t>
+              <a:t>1/1/2016</a:t>
             </a:fld>
             <a:endParaRPr lang="en-US"/>
           </a:p>
@@ -18809,11 +18908,7 @@
           <a:p>
             <a:r>
               <a:rPr lang="en-US" dirty="0" smtClean="0"/>
-              <a:t>Learning Alt </a:t>
-            </a:r>
-            <a:r>
-              <a:rPr lang="en-US" dirty="0" err="1" smtClean="0"/>
-              <a:t>Js</a:t>
+              <a:t>Learning Alt Js</a:t>
             </a:r>
             <a:endParaRPr lang="en-US" dirty="0"/>
           </a:p>
@@ -18979,13 +19074,8 @@
           <a:p>
             <a:r>
               <a:rPr lang="en-US" dirty="0"/>
-              <a:t>Learning Alt </a:t>
-            </a:r>
-            <a:r>
-              <a:rPr lang="en-US" dirty="0" err="1"/>
-              <a:t>Js</a:t>
-            </a:r>
-            <a:endParaRPr lang="en-US" dirty="0"/>
+              <a:t>Learning Alt Js</a:t>
+            </a:r>
           </a:p>
         </p:txBody>
       </p:sp>
@@ -19185,13 +19275,8 @@
           <a:p>
             <a:r>
               <a:rPr lang="en-US" dirty="0"/>
-              <a:t>Learning Alt </a:t>
-            </a:r>
-            <a:r>
-              <a:rPr lang="en-US" dirty="0" err="1"/>
-              <a:t>Js</a:t>
-            </a:r>
-            <a:endParaRPr lang="en-US" dirty="0"/>
+              <a:t>Learning Alt Js</a:t>
+            </a:r>
           </a:p>
         </p:txBody>
       </p:sp>
@@ -19355,13 +19440,8 @@
           <a:p>
             <a:r>
               <a:rPr lang="en-US" dirty="0"/>
-              <a:t>Learning Alt </a:t>
-            </a:r>
-            <a:r>
-              <a:rPr lang="en-US" dirty="0" err="1"/>
-              <a:t>Js</a:t>
-            </a:r>
-            <a:endParaRPr lang="en-US" dirty="0"/>
+              <a:t>Learning Alt Js</a:t>
+            </a:r>
           </a:p>
         </p:txBody>
       </p:sp>
@@ -19557,11 +19637,7 @@
           <a:p>
             <a:r>
               <a:rPr lang="en-US" dirty="0" smtClean="0"/>
-              <a:t>Learning Alt </a:t>
-            </a:r>
-            <a:r>
-              <a:rPr lang="en-US" dirty="0" err="1" smtClean="0"/>
-              <a:t>Js</a:t>
+              <a:t>Learning Alt Js</a:t>
             </a:r>
             <a:endParaRPr lang="en-US" dirty="0"/>
           </a:p>
@@ -19843,13 +19919,8 @@
           <a:p>
             <a:r>
               <a:rPr lang="en-US" dirty="0"/>
-              <a:t>Learning Alt </a:t>
-            </a:r>
-            <a:r>
-              <a:rPr lang="en-US" dirty="0" err="1"/>
-              <a:t>Js</a:t>
-            </a:r>
-            <a:endParaRPr lang="en-US" dirty="0"/>
+              <a:t>Learning Alt Js</a:t>
+            </a:r>
           </a:p>
         </p:txBody>
       </p:sp>
@@ -19960,11 +20031,7 @@
           <a:p>
             <a:r>
               <a:rPr lang="en-US" dirty="0" smtClean="0"/>
-              <a:t>Introducing React </a:t>
-            </a:r>
-            <a:r>
-              <a:rPr lang="en-US" dirty="0" err="1" smtClean="0"/>
-              <a:t>Js</a:t>
+              <a:t>Introducing React Js</a:t>
             </a:r>
             <a:endParaRPr lang="en-US" dirty="0"/>
           </a:p>
@@ -20080,11 +20147,7 @@
           <a:p>
             <a:r>
               <a:rPr lang="en-US" dirty="0" smtClean="0"/>
-              <a:t>Learning React </a:t>
-            </a:r>
-            <a:r>
-              <a:rPr lang="en-US" dirty="0" err="1" smtClean="0"/>
-              <a:t>Js</a:t>
+              <a:t>Learning React Js</a:t>
             </a:r>
             <a:endParaRPr lang="en-US" dirty="0"/>
           </a:p>
@@ -20197,13 +20260,8 @@
           <a:p>
             <a:r>
               <a:rPr lang="en-US" dirty="0"/>
-              <a:t>Introducing React </a:t>
-            </a:r>
-            <a:r>
-              <a:rPr lang="en-US" dirty="0" err="1"/>
-              <a:t>Js</a:t>
-            </a:r>
-            <a:endParaRPr lang="en-US" dirty="0"/>
+              <a:t>Introducing React Js</a:t>
+            </a:r>
           </a:p>
         </p:txBody>
       </p:sp>
@@ -20288,13 +20346,8 @@
           <a:p>
             <a:r>
               <a:rPr lang="en-US" dirty="0"/>
-              <a:t>Learning React </a:t>
-            </a:r>
-            <a:r>
-              <a:rPr lang="en-US" dirty="0" err="1"/>
-              <a:t>Js</a:t>
-            </a:r>
-            <a:endParaRPr lang="en-US" dirty="0"/>
+              <a:t>Learning React Js</a:t>
+            </a:r>
           </a:p>
         </p:txBody>
       </p:sp>
@@ -20691,13 +20744,8 @@
           <a:p>
             <a:r>
               <a:rPr lang="en-US" dirty="0"/>
-              <a:t>Learning React </a:t>
-            </a:r>
-            <a:r>
-              <a:rPr lang="en-US" dirty="0" err="1"/>
-              <a:t>Js</a:t>
-            </a:r>
-            <a:endParaRPr lang="en-US" dirty="0"/>
+              <a:t>Learning React Js</a:t>
+            </a:r>
           </a:p>
         </p:txBody>
       </p:sp>
@@ -21431,13 +21479,8 @@
           <a:p>
             <a:r>
               <a:rPr lang="en-US" dirty="0"/>
-              <a:t>Learning React </a:t>
-            </a:r>
-            <a:r>
-              <a:rPr lang="en-US" dirty="0" err="1"/>
-              <a:t>Js</a:t>
-            </a:r>
-            <a:endParaRPr lang="en-US" dirty="0"/>
+              <a:t>Learning React Js</a:t>
+            </a:r>
           </a:p>
         </p:txBody>
       </p:sp>
@@ -21646,13 +21689,8 @@
           <a:p>
             <a:r>
               <a:rPr lang="en-US" dirty="0"/>
-              <a:t>Learning React </a:t>
-            </a:r>
-            <a:r>
-              <a:rPr lang="en-US" dirty="0" err="1"/>
-              <a:t>Js</a:t>
-            </a:r>
-            <a:endParaRPr lang="en-US" dirty="0"/>
+              <a:t>Learning React Js</a:t>
+            </a:r>
           </a:p>
         </p:txBody>
       </p:sp>
@@ -21908,7 +21946,7 @@
           </p:nvPr>
         </p:nvPicPr>
         <p:blipFill>
-          <a:blip r:embed="rId2">
+          <a:blip r:embed="rId3">
             <a:extLst>
               <a:ext uri="{28A0092B-C50C-407E-A947-70E740481C1C}">
                 <a14:useLocalDpi xmlns:a14="http://schemas.microsoft.com/office/drawing/2010/main" val="0"/>
@@ -21943,13 +21981,8 @@
           <a:p>
             <a:r>
               <a:rPr lang="en-US" dirty="0"/>
-              <a:t>Learning React </a:t>
-            </a:r>
-            <a:r>
-              <a:rPr lang="en-US" dirty="0" err="1"/>
-              <a:t>Js</a:t>
-            </a:r>
-            <a:endParaRPr lang="en-US" dirty="0"/>
+              <a:t>Learning React Js</a:t>
+            </a:r>
           </a:p>
         </p:txBody>
       </p:sp>
@@ -21985,7 +22018,7 @@
           <p:nvPr/>
         </p:nvPicPr>
         <p:blipFill>
-          <a:blip r:embed="rId3">
+          <a:blip r:embed="rId4">
             <a:extLst>
               <a:ext uri="{28A0092B-C50C-407E-A947-70E740481C1C}">
                 <a14:useLocalDpi xmlns:a14="http://schemas.microsoft.com/office/drawing/2010/main" val="0"/>
@@ -22175,13 +22208,8 @@
           <a:p>
             <a:r>
               <a:rPr lang="en-US" dirty="0"/>
-              <a:t>Learning React </a:t>
-            </a:r>
-            <a:r>
-              <a:rPr lang="en-US" dirty="0" err="1"/>
-              <a:t>Js</a:t>
-            </a:r>
-            <a:endParaRPr lang="en-US" dirty="0"/>
+              <a:t>Learning React Js</a:t>
+            </a:r>
           </a:p>
         </p:txBody>
       </p:sp>
@@ -23607,8 +23635,12 @@
           <a:lstStyle/>
           <a:p>
             <a:r>
-              <a:rPr lang="en-US" smtClean="0"/>
-              <a:t>Babel Js the Transpiler</a:t>
+              <a:rPr lang="en-US" dirty="0" smtClean="0"/>
+              <a:t>Babel Js the </a:t>
+            </a:r>
+            <a:r>
+              <a:rPr lang="en-US" dirty="0" err="1" smtClean="0"/>
+              <a:t>Transpiler</a:t>
             </a:r>
             <a:endParaRPr lang="en-US" dirty="0"/>
           </a:p>
@@ -23751,7 +23783,7 @@
         </p:blipFill>
         <p:spPr>
           <a:xfrm>
-            <a:off x="1227536" y="1900545"/>
+            <a:off x="1210283" y="3255570"/>
             <a:ext cx="9453509" cy="2917404"/>
           </a:xfrm>
         </p:spPr>
@@ -23877,6 +23909,63 @@
           </a:prstGeom>
         </p:spPr>
       </p:pic>
+      <p:sp>
+        <p:nvSpPr>
+          <p:cNvPr id="8" name="Title 1"/>
+          <p:cNvSpPr txBox="1">
+            <a:spLocks/>
+          </p:cNvSpPr>
+          <p:nvPr/>
+        </p:nvSpPr>
+        <p:spPr>
+          <a:xfrm>
+            <a:off x="994453" y="1762222"/>
+            <a:ext cx="10515600" cy="1325563"/>
+          </a:xfrm>
+          <a:prstGeom prst="rect">
+            <a:avLst/>
+          </a:prstGeom>
+        </p:spPr>
+        <p:txBody>
+          <a:bodyPr vert="horz" lIns="91440" tIns="45720" rIns="91440" bIns="45720" rtlCol="0" anchor="ctr">
+            <a:normAutofit/>
+          </a:bodyPr>
+          <a:lstStyle>
+            <a:lvl1pPr algn="l" defTabSz="914400" rtl="0" eaLnBrk="1" latinLnBrk="0" hangingPunct="1">
+              <a:lnSpc>
+                <a:spcPct val="90000"/>
+              </a:lnSpc>
+              <a:spcBef>
+                <a:spcPct val="0"/>
+              </a:spcBef>
+              <a:buNone/>
+              <a:defRPr sz="4400" kern="1200">
+                <a:solidFill>
+                  <a:schemeClr val="tx1"/>
+                </a:solidFill>
+                <a:latin typeface="+mj-lt"/>
+                <a:ea typeface="+mj-ea"/>
+                <a:cs typeface="+mj-cs"/>
+              </a:defRPr>
+            </a:lvl1pPr>
+          </a:lstStyle>
+          <a:p>
+            <a:r>
+              <a:rPr lang="en-US" sz="2800" dirty="0">
+                <a:latin typeface="+mn-lt"/>
+                <a:ea typeface="+mn-ea"/>
+                <a:cs typeface="+mn-cs"/>
+              </a:rPr>
+              <a:t>Problem with Two-way binding</a:t>
+            </a:r>
+            <a:endParaRPr lang="en-US" sz="2800" dirty="0">
+              <a:latin typeface="+mn-lt"/>
+              <a:ea typeface="+mn-ea"/>
+              <a:cs typeface="+mn-cs"/>
+            </a:endParaRPr>
+          </a:p>
+        </p:txBody>
+      </p:sp>
     </p:spTree>
     <p:extLst>
       <p:ext uri="{BB962C8B-B14F-4D97-AF65-F5344CB8AC3E}">
@@ -26396,13 +26485,8 @@
           <a:p>
             <a:r>
               <a:rPr lang="en-US" dirty="0"/>
-              <a:t>Learning React </a:t>
-            </a:r>
-            <a:r>
-              <a:rPr lang="en-US" dirty="0" err="1"/>
-              <a:t>Js</a:t>
-            </a:r>
-            <a:endParaRPr lang="en-US" dirty="0"/>
+              <a:t>Learning React Js</a:t>
+            </a:r>
           </a:p>
         </p:txBody>
       </p:sp>

--- a/React.pptx
+++ b/React.pptx
@@ -27075,7 +27075,7 @@
         </p:spPr>
         <p:txBody>
           <a:bodyPr>
-            <a:normAutofit/>
+            <a:normAutofit lnSpcReduction="10000"/>
           </a:bodyPr>
           <a:lstStyle/>
           <a:p>
@@ -27152,28 +27152,22 @@
               <a:rPr lang="en-US" dirty="0" smtClean="0">
                 <a:hlinkClick r:id="rId6"/>
               </a:rPr>
-              <a:t>facebook.github.io/react/blog/2014/09/24/testing-flux-applications.html</a:t>
+              <a:t>github.com/rackt/react-router</a:t>
             </a:r>
             <a:endParaRPr lang="en-US" dirty="0" smtClean="0"/>
           </a:p>
           <a:p>
+            <a:r>
+              <a:rPr lang="en-US" dirty="0">
+                <a:hlinkClick r:id="rId7"/>
+              </a:rPr>
+              <a:t>https://</a:t>
+            </a:r>
             <a:r>
               <a:rPr lang="en-US" dirty="0" smtClean="0">
                 <a:hlinkClick r:id="rId7"/>
               </a:rPr>
-              <a:t>https</a:t>
-            </a:r>
-            <a:r>
-              <a:rPr lang="en-US" dirty="0">
-                <a:hlinkClick r:id="rId7"/>
-              </a:rPr>
-              <a:t>://</a:t>
-            </a:r>
-            <a:r>
-              <a:rPr lang="en-US" dirty="0" smtClean="0">
-                <a:hlinkClick r:id="rId7"/>
-              </a:rPr>
-              <a:t>github.com/rackt/react-router</a:t>
+              <a:t>github.com/schempy/react-flux-routing-seo</a:t>
             </a:r>
             <a:endParaRPr lang="en-US" dirty="0" smtClean="0"/>
           </a:p>
@@ -27188,29 +27182,35 @@
               <a:rPr lang="en-US" dirty="0" smtClean="0">
                 <a:hlinkClick r:id="rId8"/>
               </a:rPr>
-              <a:t>github.com/schempy/react-flux-routing-seo</a:t>
-            </a:r>
-            <a:endParaRPr lang="en-US" dirty="0" smtClean="0"/>
-          </a:p>
-          <a:p>
+              <a:t>github.com/eXon/react-cookie</a:t>
+            </a:r>
+            <a:endParaRPr lang="en-US" dirty="0"/>
+          </a:p>
+          <a:p>
+            <a:r>
+              <a:rPr lang="en-US" dirty="0">
+                <a:hlinkClick r:id="rId9"/>
+              </a:rPr>
+              <a:t>https://</a:t>
+            </a:r>
             <a:r>
               <a:rPr lang="en-US" dirty="0" smtClean="0">
                 <a:hlinkClick r:id="rId9"/>
               </a:rPr>
-              <a:t>http</a:t>
-            </a:r>
+              <a:t>github.com/STRML/react-localstorage</a:t>
+            </a:r>
+            <a:endParaRPr lang="en-US" dirty="0" smtClean="0"/>
+          </a:p>
+          <a:p>
             <a:r>
               <a:rPr lang="en-US" dirty="0">
-                <a:hlinkClick r:id="rId9"/>
+                <a:hlinkClick r:id="rId10"/>
               </a:rPr>
-              <a:t>://es6-features.org/#</a:t>
-            </a:r>
-            <a:r>
-              <a:rPr lang="en-US" dirty="0" smtClean="0">
-                <a:hlinkClick r:id="rId9"/>
-              </a:rPr>
-              <a:t>Constants</a:t>
-            </a:r>
+              <a:t>https://facebook.github.io/react/blog/2014/09/24/testing-flux-applications.html</a:t>
+            </a:r>
+            <a:endParaRPr lang="en-US" dirty="0"/>
+          </a:p>
+          <a:p>
             <a:endParaRPr lang="en-US" dirty="0" smtClean="0"/>
           </a:p>
           <a:p>
@@ -27289,7 +27289,7 @@
           <p:nvPr/>
         </p:nvPicPr>
         <p:blipFill>
-          <a:blip r:embed="rId10">
+          <a:blip r:embed="rId11">
             <a:extLst>
               <a:ext uri="{28A0092B-C50C-407E-A947-70E740481C1C}">
                 <a14:useLocalDpi xmlns:a14="http://schemas.microsoft.com/office/drawing/2010/main" val="0"/>
@@ -28167,15 +28167,7 @@
           <a:p>
             <a:r>
               <a:rPr lang="en-US" dirty="0" smtClean="0"/>
-              <a:t>A brief intro of </a:t>
-            </a:r>
-            <a:r>
-              <a:rPr lang="en-US" dirty="0" err="1" smtClean="0"/>
-              <a:t>Ecmascript</a:t>
-            </a:r>
-            <a:r>
-              <a:rPr lang="en-US" dirty="0" smtClean="0"/>
-              <a:t> 6</a:t>
+              <a:t>Alt is meant to use ES6</a:t>
             </a:r>
             <a:endParaRPr lang="en-US" dirty="0"/>
           </a:p>
@@ -28195,20 +28187,6 @@
         <p:txBody>
           <a:bodyPr/>
           <a:lstStyle/>
-          <a:p>
-            <a:r>
-              <a:rPr lang="en-US" dirty="0" smtClean="0"/>
-              <a:t>Alt.js is meant to use the new features of </a:t>
-            </a:r>
-            <a:r>
-              <a:rPr lang="en-US" dirty="0" err="1" smtClean="0"/>
-              <a:t>Ecmascript</a:t>
-            </a:r>
-            <a:r>
-              <a:rPr lang="en-US" dirty="0" smtClean="0"/>
-              <a:t> 6. </a:t>
-            </a:r>
-          </a:p>
           <a:p>
             <a:pPr marL="0" indent="0">
               <a:buNone/>
@@ -28319,8 +28297,8 @@
         </p:blipFill>
         <p:spPr>
           <a:xfrm>
-            <a:off x="1777999" y="2341327"/>
-            <a:ext cx="7822918" cy="3925329"/>
+            <a:off x="950258" y="1511393"/>
+            <a:ext cx="8382908" cy="4206317"/>
           </a:xfrm>
           <a:prstGeom prst="rect">
             <a:avLst/>
